--- a/BÀI THUYẾT TRÌNH MẪU.pptx
+++ b/BÀI THUYẾT TRÌNH MẪU.pptx
@@ -1,21 +1,22 @@
 
 <file path=ppt/presentation.xml><?xml version="1.0" encoding="utf-8"?>
-<p:presentation xmlns:a="http://schemas.openxmlformats.org/drawingml/2006/main" xmlns:r="http://schemas.openxmlformats.org/officeDocument/2006/relationships" xmlns:p="http://schemas.openxmlformats.org/presentationml/2006/main" saveSubsetFonts="1" autoCompressPictures="0">
+<p:presentation xmlns:a="http://schemas.openxmlformats.org/drawingml/2006/main" xmlns:r="http://schemas.openxmlformats.org/officeDocument/2006/relationships" xmlns:p="http://schemas.openxmlformats.org/presentationml/2006/main" autoCompressPictures="0">
   <p:sldMasterIdLst>
-    <p:sldMasterId id="2147483660" r:id="rId1"/>
+    <p:sldMasterId id="2147483648" r:id="rId1"/>
   </p:sldMasterIdLst>
   <p:sldIdLst>
-    <p:sldId id="256" r:id="rId2"/>
-    <p:sldId id="257" r:id="rId3"/>
-    <p:sldId id="261" r:id="rId4"/>
-    <p:sldId id="258" r:id="rId5"/>
-    <p:sldId id="263" r:id="rId6"/>
-    <p:sldId id="259" r:id="rId7"/>
-    <p:sldId id="264" r:id="rId8"/>
-    <p:sldId id="260" r:id="rId9"/>
-    <p:sldId id="265" r:id="rId10"/>
-    <p:sldId id="266" r:id="rId11"/>
-    <p:sldId id="262" r:id="rId12"/>
+    <p:sldId id="256" r:id="rId3"/>
+    <p:sldId id="257" r:id="rId4"/>
+    <p:sldId id="261" r:id="rId5"/>
+    <p:sldId id="271" r:id="rId6"/>
+    <p:sldId id="258" r:id="rId7"/>
+    <p:sldId id="263" r:id="rId8"/>
+    <p:sldId id="259" r:id="rId9"/>
+    <p:sldId id="264" r:id="rId10"/>
+    <p:sldId id="260" r:id="rId11"/>
+    <p:sldId id="265" r:id="rId12"/>
+    <p:sldId id="266" r:id="rId13"/>
+    <p:sldId id="262" r:id="rId14"/>
   </p:sldIdLst>
   <p:sldSz cx="9144000" cy="6858000" type="screen4x3"/>
   <p:notesSz cx="6858000" cy="9144000"/>
@@ -148,7 +149,7 @@
 </file>
 
 <file path=ppt/slideLayouts/slideLayout1.xml><?xml version="1.0" encoding="utf-8"?>
-<p:sldLayout xmlns:a="http://schemas.openxmlformats.org/drawingml/2006/main" xmlns:r="http://schemas.openxmlformats.org/officeDocument/2006/relationships" xmlns:p="http://schemas.openxmlformats.org/presentationml/2006/main" showMasterSp="0" type="title" preserve="1">
+<p:sldLayout xmlns:a="http://schemas.openxmlformats.org/drawingml/2006/main" xmlns:r="http://schemas.openxmlformats.org/officeDocument/2006/relationships" xmlns:p="http://schemas.openxmlformats.org/presentationml/2006/main" type="title" preserve="1" showMasterSp="0">
   <p:cSld name="Title Slide">
     <p:spTree>
       <p:nvGrpSpPr>
@@ -166,13 +167,7 @@
       </p:grpSpPr>
       <p:sp>
         <p:nvSpPr>
-          <p:cNvPr id="2" name="Rectangle 9" descr="Light horizontal">
-            <a:extLst>
-              <a:ext uri="{FF2B5EF4-FFF2-40B4-BE49-F238E27FC236}">
-                <a16:creationId xmlns:a16="http://schemas.microsoft.com/office/drawing/2014/main" id="{88645457-CF2B-CD4C-8506-92F2B0878361}"/>
-              </a:ext>
-            </a:extLst>
-          </p:cNvPr>
+          <p:cNvPr id="2" name="Rectangle 9" descr="Light horizontal"/>
           <p:cNvSpPr>
             <a:spLocks noChangeArrowheads="1"/>
           </p:cNvSpPr>
@@ -196,7 +191,7 @@
           </a:ln>
           <a:extLst>
             <a:ext uri="{91240B29-F687-4F45-9708-019B960494DF}">
-              <a14:hiddenLine xmlns:a14="http://schemas.microsoft.com/office/drawing/2010/main" w="0" algn="ctr">
+              <a14:hiddenLine xmlns:a14="http://schemas.microsoft.com/office/drawing/2010/main" w="0">
                 <a:solidFill>
                   <a:srgbClr val="000000"/>
                 </a:solidFill>
@@ -317,13 +312,7 @@
       </p:sp>
       <p:sp>
         <p:nvSpPr>
-          <p:cNvPr id="3" name="Rectangle 10">
-            <a:extLst>
-              <a:ext uri="{FF2B5EF4-FFF2-40B4-BE49-F238E27FC236}">
-                <a16:creationId xmlns:a16="http://schemas.microsoft.com/office/drawing/2014/main" id="{BE41361C-5FC1-5A41-81AA-20398AA8C21D}"/>
-              </a:ext>
-            </a:extLst>
-          </p:cNvPr>
+          <p:cNvPr id="3" name="Rectangle 10"/>
           <p:cNvSpPr>
             <a:spLocks noChangeArrowheads="1"/>
           </p:cNvSpPr>
@@ -345,7 +334,7 @@
           </a:ln>
           <a:extLst>
             <a:ext uri="{91240B29-F687-4F45-9708-019B960494DF}">
-              <a14:hiddenLine xmlns:a14="http://schemas.microsoft.com/office/drawing/2010/main" w="0" algn="ctr">
+              <a14:hiddenLine xmlns:a14="http://schemas.microsoft.com/office/drawing/2010/main" w="0">
                 <a:solidFill>
                   <a:srgbClr val="000000"/>
                 </a:solidFill>
@@ -466,13 +455,7 @@
       </p:sp>
       <p:sp>
         <p:nvSpPr>
-          <p:cNvPr id="4" name="Oval 18">
-            <a:extLst>
-              <a:ext uri="{FF2B5EF4-FFF2-40B4-BE49-F238E27FC236}">
-                <a16:creationId xmlns:a16="http://schemas.microsoft.com/office/drawing/2014/main" id="{8FEE4FF0-850B-4347-B8BA-CA74B0A05216}"/>
-              </a:ext>
-            </a:extLst>
-          </p:cNvPr>
+          <p:cNvPr id="4" name="Oval 18"/>
           <p:cNvSpPr>
             <a:spLocks noChangeArrowheads="1"/>
           </p:cNvSpPr>
@@ -494,8 +477,6 @@
               <a:schemeClr val="tx1"/>
             </a:solidFill>
             <a:round/>
-            <a:headEnd/>
-            <a:tailEnd/>
           </a:ln>
         </p:spPr>
         <p:txBody>
@@ -606,8 +587,6 @@
                   <a:schemeClr val="bg1"/>
                 </a:solidFill>
               </a:rPr>
-              <a:pPr algn="ctr" eaLnBrk="1" hangingPunct="1"/>
-              <a:t>‹#›</a:t>
             </a:fld>
             <a:endParaRPr lang="en-US" altLang="en-US" sz="1200">
               <a:solidFill>
@@ -618,11 +597,6 @@
         </p:txBody>
       </p:sp>
     </p:spTree>
-    <p:extLst>
-      <p:ext uri="{BB962C8B-B14F-4D97-AF65-F5344CB8AC3E}">
-        <p14:creationId xmlns:p14="http://schemas.microsoft.com/office/powerpoint/2010/main" val="3059969154"/>
-      </p:ext>
-    </p:extLst>
   </p:cSld>
   <p:clrMapOvr>
     <a:masterClrMapping/>
@@ -669,6 +643,7 @@
               <a:rPr lang="en-US"/>
               <a:t>Click to edit Master title style</a:t>
             </a:r>
+            <a:endParaRPr lang="en-US"/>
           </a:p>
         </p:txBody>
       </p:sp>
@@ -692,6 +667,7 @@
               <a:rPr lang="en-US"/>
               <a:t>Click to edit Master text styles</a:t>
             </a:r>
+            <a:endParaRPr lang="en-US"/>
           </a:p>
           <a:p>
             <a:pPr lvl="1"/>
@@ -699,6 +675,7 @@
               <a:rPr lang="en-US"/>
               <a:t>Second level</a:t>
             </a:r>
+            <a:endParaRPr lang="en-US"/>
           </a:p>
           <a:p>
             <a:pPr lvl="2"/>
@@ -706,6 +683,7 @@
               <a:rPr lang="en-US"/>
               <a:t>Third level</a:t>
             </a:r>
+            <a:endParaRPr lang="en-US"/>
           </a:p>
           <a:p>
             <a:pPr lvl="3"/>
@@ -713,6 +691,7 @@
               <a:rPr lang="en-US"/>
               <a:t>Fourth level</a:t>
             </a:r>
+            <a:endParaRPr lang="en-US"/>
           </a:p>
           <a:p>
             <a:pPr lvl="4"/>
@@ -720,18 +699,13 @@
               <a:rPr lang="en-US"/>
               <a:t>Fifth level</a:t>
             </a:r>
-          </a:p>
-        </p:txBody>
-      </p:sp>
-      <p:sp>
-        <p:nvSpPr>
-          <p:cNvPr id="4" name="Rectangle 4">
-            <a:extLst>
-              <a:ext uri="{FF2B5EF4-FFF2-40B4-BE49-F238E27FC236}">
-                <a16:creationId xmlns:a16="http://schemas.microsoft.com/office/drawing/2014/main" id="{6D6C8F50-01BA-F846-80F2-95B9E11FEB84}"/>
-              </a:ext>
-            </a:extLst>
-          </p:cNvPr>
+            <a:endParaRPr lang="en-US"/>
+          </a:p>
+        </p:txBody>
+      </p:sp>
+      <p:sp>
+        <p:nvSpPr>
+          <p:cNvPr id="4" name="Rectangle 4"/>
           <p:cNvSpPr>
             <a:spLocks noGrp="1" noChangeArrowheads="1"/>
           </p:cNvSpPr>
@@ -739,9 +713,7 @@
             <p:ph type="dt" sz="half" idx="10"/>
           </p:nvPr>
         </p:nvSpPr>
-        <p:spPr>
-          <a:ln/>
-        </p:spPr>
+        <p:spPr/>
         <p:txBody>
           <a:bodyPr/>
           <a:lstStyle>
@@ -751,21 +723,15 @@
           </a:lstStyle>
           <a:p>
             <a:fld id="{6BDEAFE6-325E-AA48-AC90-E1B1FC9AAA75}" type="datetimeFigureOut">
-              <a:t>21/10/2023</a:t>
+              <a:rPr/>
             </a:fld>
-            <a:endParaRPr lang="en-VN"/>
-          </a:p>
-        </p:txBody>
-      </p:sp>
-      <p:sp>
-        <p:nvSpPr>
-          <p:cNvPr id="5" name="Rectangle 5">
-            <a:extLst>
-              <a:ext uri="{FF2B5EF4-FFF2-40B4-BE49-F238E27FC236}">
-                <a16:creationId xmlns:a16="http://schemas.microsoft.com/office/drawing/2014/main" id="{578C7ABD-0E46-5248-9048-9EED11775A52}"/>
-              </a:ext>
-            </a:extLst>
-          </p:cNvPr>
+            <a:endParaRPr lang="en-US"/>
+          </a:p>
+        </p:txBody>
+      </p:sp>
+      <p:sp>
+        <p:nvSpPr>
+          <p:cNvPr id="5" name="Rectangle 5"/>
           <p:cNvSpPr>
             <a:spLocks noGrp="1" noChangeArrowheads="1"/>
           </p:cNvSpPr>
@@ -773,9 +739,7 @@
             <p:ph type="ftr" sz="quarter" idx="11"/>
           </p:nvPr>
         </p:nvSpPr>
-        <p:spPr>
-          <a:ln/>
-        </p:spPr>
+        <p:spPr/>
         <p:txBody>
           <a:bodyPr/>
           <a:lstStyle>
@@ -784,19 +748,13 @@
             </a:lvl1pPr>
           </a:lstStyle>
           <a:p>
-            <a:endParaRPr lang="en-VN"/>
-          </a:p>
-        </p:txBody>
-      </p:sp>
-      <p:sp>
-        <p:nvSpPr>
-          <p:cNvPr id="6" name="Rectangle 6">
-            <a:extLst>
-              <a:ext uri="{FF2B5EF4-FFF2-40B4-BE49-F238E27FC236}">
-                <a16:creationId xmlns:a16="http://schemas.microsoft.com/office/drawing/2014/main" id="{0CD679A2-A890-084E-A07B-B8E901614539}"/>
-              </a:ext>
-            </a:extLst>
-          </p:cNvPr>
+            <a:endParaRPr lang="en-US"/>
+          </a:p>
+        </p:txBody>
+      </p:sp>
+      <p:sp>
+        <p:nvSpPr>
+          <p:cNvPr id="6" name="Rectangle 6"/>
           <p:cNvSpPr>
             <a:spLocks noGrp="1" noChangeArrowheads="1"/>
           </p:cNvSpPr>
@@ -804,9 +762,7 @@
             <p:ph type="sldNum" sz="quarter" idx="12"/>
           </p:nvPr>
         </p:nvSpPr>
-        <p:spPr>
-          <a:ln/>
-        </p:spPr>
+        <p:spPr/>
         <p:txBody>
           <a:bodyPr/>
           <a:lstStyle>
@@ -816,18 +772,13 @@
           </a:lstStyle>
           <a:p>
             <a:fld id="{C9142EC5-85AF-4745-AACF-2F37CD50FCA3}" type="slidenum">
-              <a:t>‹#›</a:t>
+              <a:rPr/>
             </a:fld>
-            <a:endParaRPr lang="en-VN"/>
+            <a:endParaRPr lang="en-US"/>
           </a:p>
         </p:txBody>
       </p:sp>
     </p:spTree>
-    <p:extLst>
-      <p:ext uri="{BB962C8B-B14F-4D97-AF65-F5344CB8AC3E}">
-        <p14:creationId xmlns:p14="http://schemas.microsoft.com/office/powerpoint/2010/main" val="2060817725"/>
-      </p:ext>
-    </p:extLst>
   </p:cSld>
   <p:clrMapOvr>
     <a:masterClrMapping/>
@@ -879,6 +830,7 @@
               <a:rPr lang="en-US"/>
               <a:t>Click to edit Master title style</a:t>
             </a:r>
+            <a:endParaRPr lang="en-US"/>
           </a:p>
         </p:txBody>
       </p:sp>
@@ -907,6 +859,7 @@
               <a:rPr lang="en-US"/>
               <a:t>Click to edit Master text styles</a:t>
             </a:r>
+            <a:endParaRPr lang="en-US"/>
           </a:p>
           <a:p>
             <a:pPr lvl="1"/>
@@ -914,6 +867,7 @@
               <a:rPr lang="en-US"/>
               <a:t>Second level</a:t>
             </a:r>
+            <a:endParaRPr lang="en-US"/>
           </a:p>
           <a:p>
             <a:pPr lvl="2"/>
@@ -921,6 +875,7 @@
               <a:rPr lang="en-US"/>
               <a:t>Third level</a:t>
             </a:r>
+            <a:endParaRPr lang="en-US"/>
           </a:p>
           <a:p>
             <a:pPr lvl="3"/>
@@ -928,6 +883,7 @@
               <a:rPr lang="en-US"/>
               <a:t>Fourth level</a:t>
             </a:r>
+            <a:endParaRPr lang="en-US"/>
           </a:p>
           <a:p>
             <a:pPr lvl="4"/>
@@ -935,18 +891,13 @@
               <a:rPr lang="en-US"/>
               <a:t>Fifth level</a:t>
             </a:r>
-          </a:p>
-        </p:txBody>
-      </p:sp>
-      <p:sp>
-        <p:nvSpPr>
-          <p:cNvPr id="4" name="Rectangle 4">
-            <a:extLst>
-              <a:ext uri="{FF2B5EF4-FFF2-40B4-BE49-F238E27FC236}">
-                <a16:creationId xmlns:a16="http://schemas.microsoft.com/office/drawing/2014/main" id="{2405B91F-A1C0-1443-B5F4-1C91F65D063E}"/>
-              </a:ext>
-            </a:extLst>
-          </p:cNvPr>
+            <a:endParaRPr lang="en-US"/>
+          </a:p>
+        </p:txBody>
+      </p:sp>
+      <p:sp>
+        <p:nvSpPr>
+          <p:cNvPr id="4" name="Rectangle 4"/>
           <p:cNvSpPr>
             <a:spLocks noGrp="1" noChangeArrowheads="1"/>
           </p:cNvSpPr>
@@ -954,9 +905,7 @@
             <p:ph type="dt" sz="half" idx="10"/>
           </p:nvPr>
         </p:nvSpPr>
-        <p:spPr>
-          <a:ln/>
-        </p:spPr>
+        <p:spPr/>
         <p:txBody>
           <a:bodyPr/>
           <a:lstStyle>
@@ -966,21 +915,15 @@
           </a:lstStyle>
           <a:p>
             <a:fld id="{6BDEAFE6-325E-AA48-AC90-E1B1FC9AAA75}" type="datetimeFigureOut">
-              <a:t>21/10/2023</a:t>
+              <a:rPr/>
             </a:fld>
-            <a:endParaRPr lang="en-VN"/>
-          </a:p>
-        </p:txBody>
-      </p:sp>
-      <p:sp>
-        <p:nvSpPr>
-          <p:cNvPr id="5" name="Rectangle 5">
-            <a:extLst>
-              <a:ext uri="{FF2B5EF4-FFF2-40B4-BE49-F238E27FC236}">
-                <a16:creationId xmlns:a16="http://schemas.microsoft.com/office/drawing/2014/main" id="{4E8CFC5D-223D-5148-927F-11AC691CD9EF}"/>
-              </a:ext>
-            </a:extLst>
-          </p:cNvPr>
+            <a:endParaRPr lang="en-US"/>
+          </a:p>
+        </p:txBody>
+      </p:sp>
+      <p:sp>
+        <p:nvSpPr>
+          <p:cNvPr id="5" name="Rectangle 5"/>
           <p:cNvSpPr>
             <a:spLocks noGrp="1" noChangeArrowheads="1"/>
           </p:cNvSpPr>
@@ -988,9 +931,7 @@
             <p:ph type="ftr" sz="quarter" idx="11"/>
           </p:nvPr>
         </p:nvSpPr>
-        <p:spPr>
-          <a:ln/>
-        </p:spPr>
+        <p:spPr/>
         <p:txBody>
           <a:bodyPr/>
           <a:lstStyle>
@@ -999,19 +940,13 @@
             </a:lvl1pPr>
           </a:lstStyle>
           <a:p>
-            <a:endParaRPr lang="en-VN"/>
-          </a:p>
-        </p:txBody>
-      </p:sp>
-      <p:sp>
-        <p:nvSpPr>
-          <p:cNvPr id="6" name="Rectangle 6">
-            <a:extLst>
-              <a:ext uri="{FF2B5EF4-FFF2-40B4-BE49-F238E27FC236}">
-                <a16:creationId xmlns:a16="http://schemas.microsoft.com/office/drawing/2014/main" id="{9AAD50CD-0D05-0A48-9908-01FA6EAAD01E}"/>
-              </a:ext>
-            </a:extLst>
-          </p:cNvPr>
+            <a:endParaRPr lang="en-US"/>
+          </a:p>
+        </p:txBody>
+      </p:sp>
+      <p:sp>
+        <p:nvSpPr>
+          <p:cNvPr id="6" name="Rectangle 6"/>
           <p:cNvSpPr>
             <a:spLocks noGrp="1" noChangeArrowheads="1"/>
           </p:cNvSpPr>
@@ -1019,9 +954,7 @@
             <p:ph type="sldNum" sz="quarter" idx="12"/>
           </p:nvPr>
         </p:nvSpPr>
-        <p:spPr>
-          <a:ln/>
-        </p:spPr>
+        <p:spPr/>
         <p:txBody>
           <a:bodyPr/>
           <a:lstStyle>
@@ -1031,18 +964,13 @@
           </a:lstStyle>
           <a:p>
             <a:fld id="{C9142EC5-85AF-4745-AACF-2F37CD50FCA3}" type="slidenum">
-              <a:t>‹#›</a:t>
+              <a:rPr/>
             </a:fld>
-            <a:endParaRPr lang="en-VN"/>
+            <a:endParaRPr lang="en-US"/>
           </a:p>
         </p:txBody>
       </p:sp>
     </p:spTree>
-    <p:extLst>
-      <p:ext uri="{BB962C8B-B14F-4D97-AF65-F5344CB8AC3E}">
-        <p14:creationId xmlns:p14="http://schemas.microsoft.com/office/powerpoint/2010/main" val="4270392893"/>
-      </p:ext>
-    </p:extLst>
   </p:cSld>
   <p:clrMapOvr>
     <a:masterClrMapping/>
@@ -1150,13 +1078,7 @@
       </p:sp>
       <p:sp>
         <p:nvSpPr>
-          <p:cNvPr id="4" name="Rectangle 11">
-            <a:extLst>
-              <a:ext uri="{FF2B5EF4-FFF2-40B4-BE49-F238E27FC236}">
-                <a16:creationId xmlns:a16="http://schemas.microsoft.com/office/drawing/2014/main" id="{2DC24208-EEB7-1240-A31C-A2191AB3E52F}"/>
-              </a:ext>
-            </a:extLst>
-          </p:cNvPr>
+          <p:cNvPr id="4" name="Rectangle 11"/>
           <p:cNvSpPr>
             <a:spLocks noGrp="1" noChangeArrowheads="1"/>
           </p:cNvSpPr>
@@ -1174,21 +1096,15 @@
           </a:lstStyle>
           <a:p>
             <a:fld id="{6BDEAFE6-325E-AA48-AC90-E1B1FC9AAA75}" type="datetimeFigureOut">
-              <a:t>21/10/2023</a:t>
+              <a:rPr/>
             </a:fld>
-            <a:endParaRPr lang="en-VN"/>
-          </a:p>
-        </p:txBody>
-      </p:sp>
-      <p:sp>
-        <p:nvSpPr>
-          <p:cNvPr id="5" name="Rectangle 12">
-            <a:extLst>
-              <a:ext uri="{FF2B5EF4-FFF2-40B4-BE49-F238E27FC236}">
-                <a16:creationId xmlns:a16="http://schemas.microsoft.com/office/drawing/2014/main" id="{9C12D976-7386-3E46-ABFA-158A4BCFD294}"/>
-              </a:ext>
-            </a:extLst>
-          </p:cNvPr>
+            <a:endParaRPr lang="en-US"/>
+          </a:p>
+        </p:txBody>
+      </p:sp>
+      <p:sp>
+        <p:nvSpPr>
+          <p:cNvPr id="5" name="Rectangle 12"/>
           <p:cNvSpPr>
             <a:spLocks noGrp="1" noChangeArrowheads="1"/>
           </p:cNvSpPr>
@@ -1205,19 +1121,13 @@
             </a:lvl1pPr>
           </a:lstStyle>
           <a:p>
-            <a:endParaRPr lang="en-VN"/>
-          </a:p>
-        </p:txBody>
-      </p:sp>
-      <p:sp>
-        <p:nvSpPr>
-          <p:cNvPr id="6" name="Rectangle 13">
-            <a:extLst>
-              <a:ext uri="{FF2B5EF4-FFF2-40B4-BE49-F238E27FC236}">
-                <a16:creationId xmlns:a16="http://schemas.microsoft.com/office/drawing/2014/main" id="{099BA5B7-B505-254D-9A6C-6A1B1930D31D}"/>
-              </a:ext>
-            </a:extLst>
-          </p:cNvPr>
+            <a:endParaRPr lang="en-US"/>
+          </a:p>
+        </p:txBody>
+      </p:sp>
+      <p:sp>
+        <p:nvSpPr>
+          <p:cNvPr id="6" name="Rectangle 13"/>
           <p:cNvSpPr>
             <a:spLocks noGrp="1" noChangeArrowheads="1"/>
           </p:cNvSpPr>
@@ -1235,18 +1145,13 @@
           </a:lstStyle>
           <a:p>
             <a:fld id="{C9142EC5-85AF-4745-AACF-2F37CD50FCA3}" type="slidenum">
-              <a:t>‹#›</a:t>
+              <a:rPr/>
             </a:fld>
-            <a:endParaRPr lang="en-VN"/>
+            <a:endParaRPr lang="en-US"/>
           </a:p>
         </p:txBody>
       </p:sp>
     </p:spTree>
-    <p:extLst>
-      <p:ext uri="{BB962C8B-B14F-4D97-AF65-F5344CB8AC3E}">
-        <p14:creationId xmlns:p14="http://schemas.microsoft.com/office/powerpoint/2010/main" val="3516710773"/>
-      </p:ext>
-    </p:extLst>
   </p:cSld>
   <p:clrMapOvr>
     <a:masterClrMapping/>
@@ -1293,6 +1198,7 @@
               <a:rPr lang="en-US"/>
               <a:t>Click to edit Master title style</a:t>
             </a:r>
+            <a:endParaRPr lang="en-US"/>
           </a:p>
         </p:txBody>
       </p:sp>
@@ -1316,6 +1222,7 @@
               <a:rPr lang="en-US" dirty="0"/>
               <a:t>Click to edit Master text styles</a:t>
             </a:r>
+            <a:endParaRPr lang="en-US" dirty="0"/>
           </a:p>
           <a:p>
             <a:pPr lvl="1"/>
@@ -1323,6 +1230,7 @@
               <a:rPr lang="en-US" dirty="0"/>
               <a:t>Second level</a:t>
             </a:r>
+            <a:endParaRPr lang="en-US" dirty="0"/>
           </a:p>
           <a:p>
             <a:pPr lvl="2"/>
@@ -1330,6 +1238,7 @@
               <a:rPr lang="en-US" dirty="0"/>
               <a:t>Third level</a:t>
             </a:r>
+            <a:endParaRPr lang="en-US" dirty="0"/>
           </a:p>
           <a:p>
             <a:pPr lvl="3"/>
@@ -1337,6 +1246,7 @@
               <a:rPr lang="en-US" dirty="0"/>
               <a:t>Fourth level</a:t>
             </a:r>
+            <a:endParaRPr lang="en-US" dirty="0"/>
           </a:p>
           <a:p>
             <a:pPr lvl="4"/>
@@ -1344,18 +1254,13 @@
               <a:rPr lang="en-US" dirty="0"/>
               <a:t>Fifth level</a:t>
             </a:r>
-          </a:p>
-        </p:txBody>
-      </p:sp>
-      <p:sp>
-        <p:nvSpPr>
-          <p:cNvPr id="4" name="Rectangle 4">
-            <a:extLst>
-              <a:ext uri="{FF2B5EF4-FFF2-40B4-BE49-F238E27FC236}">
-                <a16:creationId xmlns:a16="http://schemas.microsoft.com/office/drawing/2014/main" id="{C9BFD755-FE86-684F-934D-B8CC326E87D2}"/>
-              </a:ext>
-            </a:extLst>
-          </p:cNvPr>
+            <a:endParaRPr lang="en-US" dirty="0"/>
+          </a:p>
+        </p:txBody>
+      </p:sp>
+      <p:sp>
+        <p:nvSpPr>
+          <p:cNvPr id="4" name="Rectangle 4"/>
           <p:cNvSpPr>
             <a:spLocks noGrp="1" noChangeArrowheads="1"/>
           </p:cNvSpPr>
@@ -1363,9 +1268,7 @@
             <p:ph type="dt" sz="half" idx="10"/>
           </p:nvPr>
         </p:nvSpPr>
-        <p:spPr>
-          <a:ln/>
-        </p:spPr>
+        <p:spPr/>
         <p:txBody>
           <a:bodyPr/>
           <a:lstStyle>
@@ -1375,21 +1278,15 @@
           </a:lstStyle>
           <a:p>
             <a:fld id="{6BDEAFE6-325E-AA48-AC90-E1B1FC9AAA75}" type="datetimeFigureOut">
-              <a:t>21/10/2023</a:t>
+              <a:rPr/>
             </a:fld>
-            <a:endParaRPr lang="en-VN"/>
-          </a:p>
-        </p:txBody>
-      </p:sp>
-      <p:sp>
-        <p:nvSpPr>
-          <p:cNvPr id="5" name="Rectangle 5">
-            <a:extLst>
-              <a:ext uri="{FF2B5EF4-FFF2-40B4-BE49-F238E27FC236}">
-                <a16:creationId xmlns:a16="http://schemas.microsoft.com/office/drawing/2014/main" id="{AE4B376A-6E06-194D-A5CD-76249F6BDC9C}"/>
-              </a:ext>
-            </a:extLst>
-          </p:cNvPr>
+            <a:endParaRPr lang="en-US"/>
+          </a:p>
+        </p:txBody>
+      </p:sp>
+      <p:sp>
+        <p:nvSpPr>
+          <p:cNvPr id="5" name="Rectangle 5"/>
           <p:cNvSpPr>
             <a:spLocks noGrp="1" noChangeArrowheads="1"/>
           </p:cNvSpPr>
@@ -1397,9 +1294,7 @@
             <p:ph type="ftr" sz="quarter" idx="11"/>
           </p:nvPr>
         </p:nvSpPr>
-        <p:spPr>
-          <a:ln/>
-        </p:spPr>
+        <p:spPr/>
         <p:txBody>
           <a:bodyPr/>
           <a:lstStyle>
@@ -1408,19 +1303,13 @@
             </a:lvl1pPr>
           </a:lstStyle>
           <a:p>
-            <a:endParaRPr lang="en-VN"/>
-          </a:p>
-        </p:txBody>
-      </p:sp>
-      <p:sp>
-        <p:nvSpPr>
-          <p:cNvPr id="6" name="Rectangle 6">
-            <a:extLst>
-              <a:ext uri="{FF2B5EF4-FFF2-40B4-BE49-F238E27FC236}">
-                <a16:creationId xmlns:a16="http://schemas.microsoft.com/office/drawing/2014/main" id="{E132D9A4-40DF-3B45-9510-85FA9378A2B8}"/>
-              </a:ext>
-            </a:extLst>
-          </p:cNvPr>
+            <a:endParaRPr lang="en-US"/>
+          </a:p>
+        </p:txBody>
+      </p:sp>
+      <p:sp>
+        <p:nvSpPr>
+          <p:cNvPr id="6" name="Rectangle 6"/>
           <p:cNvSpPr>
             <a:spLocks noGrp="1" noChangeArrowheads="1"/>
           </p:cNvSpPr>
@@ -1428,9 +1317,7 @@
             <p:ph type="sldNum" sz="quarter" idx="12"/>
           </p:nvPr>
         </p:nvSpPr>
-        <p:spPr>
-          <a:ln/>
-        </p:spPr>
+        <p:spPr/>
         <p:txBody>
           <a:bodyPr/>
           <a:lstStyle>
@@ -1440,18 +1327,13 @@
           </a:lstStyle>
           <a:p>
             <a:fld id="{C9142EC5-85AF-4745-AACF-2F37CD50FCA3}" type="slidenum">
-              <a:t>‹#›</a:t>
+              <a:rPr/>
             </a:fld>
-            <a:endParaRPr lang="en-VN"/>
+            <a:endParaRPr lang="en-US"/>
           </a:p>
         </p:txBody>
       </p:sp>
     </p:spTree>
-    <p:extLst>
-      <p:ext uri="{BB962C8B-B14F-4D97-AF65-F5344CB8AC3E}">
-        <p14:creationId xmlns:p14="http://schemas.microsoft.com/office/powerpoint/2010/main" val="1331919054"/>
-      </p:ext>
-    </p:extLst>
   </p:cSld>
   <p:clrMapOvr>
     <a:masterClrMapping/>
@@ -1507,6 +1389,7 @@
               <a:rPr lang="en-US"/>
               <a:t>Click to edit Master title style</a:t>
             </a:r>
+            <a:endParaRPr lang="en-US"/>
           </a:p>
         </p:txBody>
       </p:sp>
@@ -1572,18 +1455,13 @@
               <a:rPr lang="en-US"/>
               <a:t>Click to edit Master text styles</a:t>
             </a:r>
-          </a:p>
-        </p:txBody>
-      </p:sp>
-      <p:sp>
-        <p:nvSpPr>
-          <p:cNvPr id="4" name="Rectangle 4">
-            <a:extLst>
-              <a:ext uri="{FF2B5EF4-FFF2-40B4-BE49-F238E27FC236}">
-                <a16:creationId xmlns:a16="http://schemas.microsoft.com/office/drawing/2014/main" id="{338AC019-6808-AC44-A4A3-2C885B4A22E5}"/>
-              </a:ext>
-            </a:extLst>
-          </p:cNvPr>
+            <a:endParaRPr lang="en-US"/>
+          </a:p>
+        </p:txBody>
+      </p:sp>
+      <p:sp>
+        <p:nvSpPr>
+          <p:cNvPr id="4" name="Rectangle 4"/>
           <p:cNvSpPr>
             <a:spLocks noGrp="1" noChangeArrowheads="1"/>
           </p:cNvSpPr>
@@ -1591,9 +1469,7 @@
             <p:ph type="dt" sz="half" idx="10"/>
           </p:nvPr>
         </p:nvSpPr>
-        <p:spPr>
-          <a:ln/>
-        </p:spPr>
+        <p:spPr/>
         <p:txBody>
           <a:bodyPr/>
           <a:lstStyle>
@@ -1603,21 +1479,15 @@
           </a:lstStyle>
           <a:p>
             <a:fld id="{6BDEAFE6-325E-AA48-AC90-E1B1FC9AAA75}" type="datetimeFigureOut">
-              <a:t>21/10/2023</a:t>
+              <a:rPr/>
             </a:fld>
-            <a:endParaRPr lang="en-VN"/>
-          </a:p>
-        </p:txBody>
-      </p:sp>
-      <p:sp>
-        <p:nvSpPr>
-          <p:cNvPr id="5" name="Rectangle 5">
-            <a:extLst>
-              <a:ext uri="{FF2B5EF4-FFF2-40B4-BE49-F238E27FC236}">
-                <a16:creationId xmlns:a16="http://schemas.microsoft.com/office/drawing/2014/main" id="{579CC08B-796F-ED46-97A7-03BA9EC42FA2}"/>
-              </a:ext>
-            </a:extLst>
-          </p:cNvPr>
+            <a:endParaRPr lang="en-US"/>
+          </a:p>
+        </p:txBody>
+      </p:sp>
+      <p:sp>
+        <p:nvSpPr>
+          <p:cNvPr id="5" name="Rectangle 5"/>
           <p:cNvSpPr>
             <a:spLocks noGrp="1" noChangeArrowheads="1"/>
           </p:cNvSpPr>
@@ -1625,9 +1495,7 @@
             <p:ph type="ftr" sz="quarter" idx="11"/>
           </p:nvPr>
         </p:nvSpPr>
-        <p:spPr>
-          <a:ln/>
-        </p:spPr>
+        <p:spPr/>
         <p:txBody>
           <a:bodyPr/>
           <a:lstStyle>
@@ -1636,19 +1504,13 @@
             </a:lvl1pPr>
           </a:lstStyle>
           <a:p>
-            <a:endParaRPr lang="en-VN"/>
-          </a:p>
-        </p:txBody>
-      </p:sp>
-      <p:sp>
-        <p:nvSpPr>
-          <p:cNvPr id="6" name="Rectangle 6">
-            <a:extLst>
-              <a:ext uri="{FF2B5EF4-FFF2-40B4-BE49-F238E27FC236}">
-                <a16:creationId xmlns:a16="http://schemas.microsoft.com/office/drawing/2014/main" id="{95F54DE2-69F0-D749-9831-2FE2450AAB10}"/>
-              </a:ext>
-            </a:extLst>
-          </p:cNvPr>
+            <a:endParaRPr lang="en-US"/>
+          </a:p>
+        </p:txBody>
+      </p:sp>
+      <p:sp>
+        <p:nvSpPr>
+          <p:cNvPr id="6" name="Rectangle 6"/>
           <p:cNvSpPr>
             <a:spLocks noGrp="1" noChangeArrowheads="1"/>
           </p:cNvSpPr>
@@ -1656,9 +1518,7 @@
             <p:ph type="sldNum" sz="quarter" idx="12"/>
           </p:nvPr>
         </p:nvSpPr>
-        <p:spPr>
-          <a:ln/>
-        </p:spPr>
+        <p:spPr/>
         <p:txBody>
           <a:bodyPr/>
           <a:lstStyle>
@@ -1668,18 +1528,13 @@
           </a:lstStyle>
           <a:p>
             <a:fld id="{C9142EC5-85AF-4745-AACF-2F37CD50FCA3}" type="slidenum">
-              <a:t>‹#›</a:t>
+              <a:rPr/>
             </a:fld>
-            <a:endParaRPr lang="en-VN"/>
+            <a:endParaRPr lang="en-US"/>
           </a:p>
         </p:txBody>
       </p:sp>
     </p:spTree>
-    <p:extLst>
-      <p:ext uri="{BB962C8B-B14F-4D97-AF65-F5344CB8AC3E}">
-        <p14:creationId xmlns:p14="http://schemas.microsoft.com/office/powerpoint/2010/main" val="3524650904"/>
-      </p:ext>
-    </p:extLst>
   </p:cSld>
   <p:clrMapOvr>
     <a:masterClrMapping/>
@@ -1726,6 +1581,7 @@
               <a:rPr lang="en-US"/>
               <a:t>Click to edit Master title style</a:t>
             </a:r>
+            <a:endParaRPr lang="en-US"/>
           </a:p>
         </p:txBody>
       </p:sp>
@@ -1782,6 +1638,7 @@
               <a:rPr lang="en-US"/>
               <a:t>Click to edit Master text styles</a:t>
             </a:r>
+            <a:endParaRPr lang="en-US"/>
           </a:p>
           <a:p>
             <a:pPr lvl="1"/>
@@ -1789,6 +1646,7 @@
               <a:rPr lang="en-US"/>
               <a:t>Second level</a:t>
             </a:r>
+            <a:endParaRPr lang="en-US"/>
           </a:p>
           <a:p>
             <a:pPr lvl="2"/>
@@ -1796,6 +1654,7 @@
               <a:rPr lang="en-US"/>
               <a:t>Third level</a:t>
             </a:r>
+            <a:endParaRPr lang="en-US"/>
           </a:p>
           <a:p>
             <a:pPr lvl="3"/>
@@ -1803,6 +1662,7 @@
               <a:rPr lang="en-US"/>
               <a:t>Fourth level</a:t>
             </a:r>
+            <a:endParaRPr lang="en-US"/>
           </a:p>
           <a:p>
             <a:pPr lvl="4"/>
@@ -1810,6 +1670,7 @@
               <a:rPr lang="en-US"/>
               <a:t>Fifth level</a:t>
             </a:r>
+            <a:endParaRPr lang="en-US"/>
           </a:p>
         </p:txBody>
       </p:sp>
@@ -1866,6 +1727,7 @@
               <a:rPr lang="en-US"/>
               <a:t>Click to edit Master text styles</a:t>
             </a:r>
+            <a:endParaRPr lang="en-US"/>
           </a:p>
           <a:p>
             <a:pPr lvl="1"/>
@@ -1873,6 +1735,7 @@
               <a:rPr lang="en-US"/>
               <a:t>Second level</a:t>
             </a:r>
+            <a:endParaRPr lang="en-US"/>
           </a:p>
           <a:p>
             <a:pPr lvl="2"/>
@@ -1880,6 +1743,7 @@
               <a:rPr lang="en-US"/>
               <a:t>Third level</a:t>
             </a:r>
+            <a:endParaRPr lang="en-US"/>
           </a:p>
           <a:p>
             <a:pPr lvl="3"/>
@@ -1887,6 +1751,7 @@
               <a:rPr lang="en-US"/>
               <a:t>Fourth level</a:t>
             </a:r>
+            <a:endParaRPr lang="en-US"/>
           </a:p>
           <a:p>
             <a:pPr lvl="4"/>
@@ -1894,18 +1759,13 @@
               <a:rPr lang="en-US"/>
               <a:t>Fifth level</a:t>
             </a:r>
-          </a:p>
-        </p:txBody>
-      </p:sp>
-      <p:sp>
-        <p:nvSpPr>
-          <p:cNvPr id="5" name="Rectangle 4">
-            <a:extLst>
-              <a:ext uri="{FF2B5EF4-FFF2-40B4-BE49-F238E27FC236}">
-                <a16:creationId xmlns:a16="http://schemas.microsoft.com/office/drawing/2014/main" id="{57E39CE3-78A0-F047-941D-F10864EA32D1}"/>
-              </a:ext>
-            </a:extLst>
-          </p:cNvPr>
+            <a:endParaRPr lang="en-US"/>
+          </a:p>
+        </p:txBody>
+      </p:sp>
+      <p:sp>
+        <p:nvSpPr>
+          <p:cNvPr id="5" name="Rectangle 4"/>
           <p:cNvSpPr>
             <a:spLocks noGrp="1" noChangeArrowheads="1"/>
           </p:cNvSpPr>
@@ -1913,9 +1773,7 @@
             <p:ph type="dt" sz="half" idx="10"/>
           </p:nvPr>
         </p:nvSpPr>
-        <p:spPr>
-          <a:ln/>
-        </p:spPr>
+        <p:spPr/>
         <p:txBody>
           <a:bodyPr/>
           <a:lstStyle>
@@ -1925,21 +1783,15 @@
           </a:lstStyle>
           <a:p>
             <a:fld id="{6BDEAFE6-325E-AA48-AC90-E1B1FC9AAA75}" type="datetimeFigureOut">
-              <a:t>21/10/2023</a:t>
+              <a:rPr/>
             </a:fld>
-            <a:endParaRPr lang="en-VN"/>
-          </a:p>
-        </p:txBody>
-      </p:sp>
-      <p:sp>
-        <p:nvSpPr>
-          <p:cNvPr id="6" name="Rectangle 5">
-            <a:extLst>
-              <a:ext uri="{FF2B5EF4-FFF2-40B4-BE49-F238E27FC236}">
-                <a16:creationId xmlns:a16="http://schemas.microsoft.com/office/drawing/2014/main" id="{B33A0E98-9215-AB48-8EFB-3D3BD3B93E3E}"/>
-              </a:ext>
-            </a:extLst>
-          </p:cNvPr>
+            <a:endParaRPr lang="en-US"/>
+          </a:p>
+        </p:txBody>
+      </p:sp>
+      <p:sp>
+        <p:nvSpPr>
+          <p:cNvPr id="6" name="Rectangle 5"/>
           <p:cNvSpPr>
             <a:spLocks noGrp="1" noChangeArrowheads="1"/>
           </p:cNvSpPr>
@@ -1947,9 +1799,7 @@
             <p:ph type="ftr" sz="quarter" idx="11"/>
           </p:nvPr>
         </p:nvSpPr>
-        <p:spPr>
-          <a:ln/>
-        </p:spPr>
+        <p:spPr/>
         <p:txBody>
           <a:bodyPr/>
           <a:lstStyle>
@@ -1958,19 +1808,13 @@
             </a:lvl1pPr>
           </a:lstStyle>
           <a:p>
-            <a:endParaRPr lang="en-VN"/>
-          </a:p>
-        </p:txBody>
-      </p:sp>
-      <p:sp>
-        <p:nvSpPr>
-          <p:cNvPr id="7" name="Rectangle 6">
-            <a:extLst>
-              <a:ext uri="{FF2B5EF4-FFF2-40B4-BE49-F238E27FC236}">
-                <a16:creationId xmlns:a16="http://schemas.microsoft.com/office/drawing/2014/main" id="{E35E5EBB-FBD3-1C47-B43B-65CA703C3365}"/>
-              </a:ext>
-            </a:extLst>
-          </p:cNvPr>
+            <a:endParaRPr lang="en-US"/>
+          </a:p>
+        </p:txBody>
+      </p:sp>
+      <p:sp>
+        <p:nvSpPr>
+          <p:cNvPr id="7" name="Rectangle 6"/>
           <p:cNvSpPr>
             <a:spLocks noGrp="1" noChangeArrowheads="1"/>
           </p:cNvSpPr>
@@ -1978,9 +1822,7 @@
             <p:ph type="sldNum" sz="quarter" idx="12"/>
           </p:nvPr>
         </p:nvSpPr>
-        <p:spPr>
-          <a:ln/>
-        </p:spPr>
+        <p:spPr/>
         <p:txBody>
           <a:bodyPr/>
           <a:lstStyle>
@@ -1990,18 +1832,13 @@
           </a:lstStyle>
           <a:p>
             <a:fld id="{C9142EC5-85AF-4745-AACF-2F37CD50FCA3}" type="slidenum">
-              <a:t>‹#›</a:t>
+              <a:rPr/>
             </a:fld>
-            <a:endParaRPr lang="en-VN"/>
+            <a:endParaRPr lang="en-US"/>
           </a:p>
         </p:txBody>
       </p:sp>
     </p:spTree>
-    <p:extLst>
-      <p:ext uri="{BB962C8B-B14F-4D97-AF65-F5344CB8AC3E}">
-        <p14:creationId xmlns:p14="http://schemas.microsoft.com/office/powerpoint/2010/main" val="347861215"/>
-      </p:ext>
-    </p:extLst>
   </p:cSld>
   <p:clrMapOvr>
     <a:masterClrMapping/>
@@ -2057,6 +1894,7 @@
               <a:rPr lang="en-US"/>
               <a:t>Click to edit Master title style</a:t>
             </a:r>
+            <a:endParaRPr lang="en-US"/>
           </a:p>
         </p:txBody>
       </p:sp>
@@ -2122,6 +1960,7 @@
               <a:rPr lang="en-US"/>
               <a:t>Click to edit Master text styles</a:t>
             </a:r>
+            <a:endParaRPr lang="en-US"/>
           </a:p>
         </p:txBody>
       </p:sp>
@@ -2178,6 +2017,7 @@
               <a:rPr lang="en-US"/>
               <a:t>Click to edit Master text styles</a:t>
             </a:r>
+            <a:endParaRPr lang="en-US"/>
           </a:p>
           <a:p>
             <a:pPr lvl="1"/>
@@ -2185,6 +2025,7 @@
               <a:rPr lang="en-US"/>
               <a:t>Second level</a:t>
             </a:r>
+            <a:endParaRPr lang="en-US"/>
           </a:p>
           <a:p>
             <a:pPr lvl="2"/>
@@ -2192,6 +2033,7 @@
               <a:rPr lang="en-US"/>
               <a:t>Third level</a:t>
             </a:r>
+            <a:endParaRPr lang="en-US"/>
           </a:p>
           <a:p>
             <a:pPr lvl="3"/>
@@ -2199,6 +2041,7 @@
               <a:rPr lang="en-US"/>
               <a:t>Fourth level</a:t>
             </a:r>
+            <a:endParaRPr lang="en-US"/>
           </a:p>
           <a:p>
             <a:pPr lvl="4"/>
@@ -2206,6 +2049,7 @@
               <a:rPr lang="en-US"/>
               <a:t>Fifth level</a:t>
             </a:r>
+            <a:endParaRPr lang="en-US"/>
           </a:p>
         </p:txBody>
       </p:sp>
@@ -2271,6 +2115,7 @@
               <a:rPr lang="en-US"/>
               <a:t>Click to edit Master text styles</a:t>
             </a:r>
+            <a:endParaRPr lang="en-US"/>
           </a:p>
         </p:txBody>
       </p:sp>
@@ -2327,6 +2172,7 @@
               <a:rPr lang="en-US"/>
               <a:t>Click to edit Master text styles</a:t>
             </a:r>
+            <a:endParaRPr lang="en-US"/>
           </a:p>
           <a:p>
             <a:pPr lvl="1"/>
@@ -2334,6 +2180,7 @@
               <a:rPr lang="en-US"/>
               <a:t>Second level</a:t>
             </a:r>
+            <a:endParaRPr lang="en-US"/>
           </a:p>
           <a:p>
             <a:pPr lvl="2"/>
@@ -2341,6 +2188,7 @@
               <a:rPr lang="en-US"/>
               <a:t>Third level</a:t>
             </a:r>
+            <a:endParaRPr lang="en-US"/>
           </a:p>
           <a:p>
             <a:pPr lvl="3"/>
@@ -2348,6 +2196,7 @@
               <a:rPr lang="en-US"/>
               <a:t>Fourth level</a:t>
             </a:r>
+            <a:endParaRPr lang="en-US"/>
           </a:p>
           <a:p>
             <a:pPr lvl="4"/>
@@ -2355,18 +2204,13 @@
               <a:rPr lang="en-US"/>
               <a:t>Fifth level</a:t>
             </a:r>
-          </a:p>
-        </p:txBody>
-      </p:sp>
-      <p:sp>
-        <p:nvSpPr>
-          <p:cNvPr id="7" name="Rectangle 4">
-            <a:extLst>
-              <a:ext uri="{FF2B5EF4-FFF2-40B4-BE49-F238E27FC236}">
-                <a16:creationId xmlns:a16="http://schemas.microsoft.com/office/drawing/2014/main" id="{F0BD8CFB-17D7-F645-872D-1CEC1DE97B22}"/>
-              </a:ext>
-            </a:extLst>
-          </p:cNvPr>
+            <a:endParaRPr lang="en-US"/>
+          </a:p>
+        </p:txBody>
+      </p:sp>
+      <p:sp>
+        <p:nvSpPr>
+          <p:cNvPr id="7" name="Rectangle 4"/>
           <p:cNvSpPr>
             <a:spLocks noGrp="1" noChangeArrowheads="1"/>
           </p:cNvSpPr>
@@ -2374,9 +2218,7 @@
             <p:ph type="dt" sz="half" idx="10"/>
           </p:nvPr>
         </p:nvSpPr>
-        <p:spPr>
-          <a:ln/>
-        </p:spPr>
+        <p:spPr/>
         <p:txBody>
           <a:bodyPr/>
           <a:lstStyle>
@@ -2386,21 +2228,15 @@
           </a:lstStyle>
           <a:p>
             <a:fld id="{6BDEAFE6-325E-AA48-AC90-E1B1FC9AAA75}" type="datetimeFigureOut">
-              <a:t>21/10/2023</a:t>
+              <a:rPr/>
             </a:fld>
-            <a:endParaRPr lang="en-VN"/>
-          </a:p>
-        </p:txBody>
-      </p:sp>
-      <p:sp>
-        <p:nvSpPr>
-          <p:cNvPr id="8" name="Rectangle 5">
-            <a:extLst>
-              <a:ext uri="{FF2B5EF4-FFF2-40B4-BE49-F238E27FC236}">
-                <a16:creationId xmlns:a16="http://schemas.microsoft.com/office/drawing/2014/main" id="{92E156FE-4FC5-254E-93CC-D43E641099F3}"/>
-              </a:ext>
-            </a:extLst>
-          </p:cNvPr>
+            <a:endParaRPr lang="en-US"/>
+          </a:p>
+        </p:txBody>
+      </p:sp>
+      <p:sp>
+        <p:nvSpPr>
+          <p:cNvPr id="8" name="Rectangle 5"/>
           <p:cNvSpPr>
             <a:spLocks noGrp="1" noChangeArrowheads="1"/>
           </p:cNvSpPr>
@@ -2408,9 +2244,7 @@
             <p:ph type="ftr" sz="quarter" idx="11"/>
           </p:nvPr>
         </p:nvSpPr>
-        <p:spPr>
-          <a:ln/>
-        </p:spPr>
+        <p:spPr/>
         <p:txBody>
           <a:bodyPr/>
           <a:lstStyle>
@@ -2419,19 +2253,13 @@
             </a:lvl1pPr>
           </a:lstStyle>
           <a:p>
-            <a:endParaRPr lang="en-VN"/>
-          </a:p>
-        </p:txBody>
-      </p:sp>
-      <p:sp>
-        <p:nvSpPr>
-          <p:cNvPr id="9" name="Rectangle 6">
-            <a:extLst>
-              <a:ext uri="{FF2B5EF4-FFF2-40B4-BE49-F238E27FC236}">
-                <a16:creationId xmlns:a16="http://schemas.microsoft.com/office/drawing/2014/main" id="{D0BE96E5-C3DD-974C-9EBE-A4AE13B352DA}"/>
-              </a:ext>
-            </a:extLst>
-          </p:cNvPr>
+            <a:endParaRPr lang="en-US"/>
+          </a:p>
+        </p:txBody>
+      </p:sp>
+      <p:sp>
+        <p:nvSpPr>
+          <p:cNvPr id="9" name="Rectangle 6"/>
           <p:cNvSpPr>
             <a:spLocks noGrp="1" noChangeArrowheads="1"/>
           </p:cNvSpPr>
@@ -2439,9 +2267,7 @@
             <p:ph type="sldNum" sz="quarter" idx="12"/>
           </p:nvPr>
         </p:nvSpPr>
-        <p:spPr>
-          <a:ln/>
-        </p:spPr>
+        <p:spPr/>
         <p:txBody>
           <a:bodyPr/>
           <a:lstStyle>
@@ -2451,18 +2277,13 @@
           </a:lstStyle>
           <a:p>
             <a:fld id="{C9142EC5-85AF-4745-AACF-2F37CD50FCA3}" type="slidenum">
-              <a:t>‹#›</a:t>
+              <a:rPr/>
             </a:fld>
-            <a:endParaRPr lang="en-VN"/>
+            <a:endParaRPr lang="en-US"/>
           </a:p>
         </p:txBody>
       </p:sp>
     </p:spTree>
-    <p:extLst>
-      <p:ext uri="{BB962C8B-B14F-4D97-AF65-F5344CB8AC3E}">
-        <p14:creationId xmlns:p14="http://schemas.microsoft.com/office/powerpoint/2010/main" val="2864073785"/>
-      </p:ext>
-    </p:extLst>
   </p:cSld>
   <p:clrMapOvr>
     <a:masterClrMapping/>
@@ -2509,18 +2330,13 @@
               <a:rPr lang="en-US"/>
               <a:t>Click to edit Master title style</a:t>
             </a:r>
-          </a:p>
-        </p:txBody>
-      </p:sp>
-      <p:sp>
-        <p:nvSpPr>
-          <p:cNvPr id="3" name="Rectangle 4">
-            <a:extLst>
-              <a:ext uri="{FF2B5EF4-FFF2-40B4-BE49-F238E27FC236}">
-                <a16:creationId xmlns:a16="http://schemas.microsoft.com/office/drawing/2014/main" id="{06B5CD6E-D796-8740-BD19-44D2159E0CFA}"/>
-              </a:ext>
-            </a:extLst>
-          </p:cNvPr>
+            <a:endParaRPr lang="en-US"/>
+          </a:p>
+        </p:txBody>
+      </p:sp>
+      <p:sp>
+        <p:nvSpPr>
+          <p:cNvPr id="3" name="Rectangle 4"/>
           <p:cNvSpPr>
             <a:spLocks noGrp="1" noChangeArrowheads="1"/>
           </p:cNvSpPr>
@@ -2528,9 +2344,7 @@
             <p:ph type="dt" sz="half" idx="10"/>
           </p:nvPr>
         </p:nvSpPr>
-        <p:spPr>
-          <a:ln/>
-        </p:spPr>
+        <p:spPr/>
         <p:txBody>
           <a:bodyPr/>
           <a:lstStyle>
@@ -2540,21 +2354,15 @@
           </a:lstStyle>
           <a:p>
             <a:fld id="{6BDEAFE6-325E-AA48-AC90-E1B1FC9AAA75}" type="datetimeFigureOut">
-              <a:t>21/10/2023</a:t>
+              <a:rPr/>
             </a:fld>
-            <a:endParaRPr lang="en-VN"/>
-          </a:p>
-        </p:txBody>
-      </p:sp>
-      <p:sp>
-        <p:nvSpPr>
-          <p:cNvPr id="4" name="Rectangle 5">
-            <a:extLst>
-              <a:ext uri="{FF2B5EF4-FFF2-40B4-BE49-F238E27FC236}">
-                <a16:creationId xmlns:a16="http://schemas.microsoft.com/office/drawing/2014/main" id="{14020856-674C-EA48-A2DE-9761087EC50E}"/>
-              </a:ext>
-            </a:extLst>
-          </p:cNvPr>
+            <a:endParaRPr lang="en-US"/>
+          </a:p>
+        </p:txBody>
+      </p:sp>
+      <p:sp>
+        <p:nvSpPr>
+          <p:cNvPr id="4" name="Rectangle 5"/>
           <p:cNvSpPr>
             <a:spLocks noGrp="1" noChangeArrowheads="1"/>
           </p:cNvSpPr>
@@ -2562,9 +2370,7 @@
             <p:ph type="ftr" sz="quarter" idx="11"/>
           </p:nvPr>
         </p:nvSpPr>
-        <p:spPr>
-          <a:ln/>
-        </p:spPr>
+        <p:spPr/>
         <p:txBody>
           <a:bodyPr/>
           <a:lstStyle>
@@ -2573,19 +2379,13 @@
             </a:lvl1pPr>
           </a:lstStyle>
           <a:p>
-            <a:endParaRPr lang="en-VN"/>
-          </a:p>
-        </p:txBody>
-      </p:sp>
-      <p:sp>
-        <p:nvSpPr>
-          <p:cNvPr id="5" name="Rectangle 6">
-            <a:extLst>
-              <a:ext uri="{FF2B5EF4-FFF2-40B4-BE49-F238E27FC236}">
-                <a16:creationId xmlns:a16="http://schemas.microsoft.com/office/drawing/2014/main" id="{A19F2AB0-9111-FE45-A708-A3C2AC5AA394}"/>
-              </a:ext>
-            </a:extLst>
-          </p:cNvPr>
+            <a:endParaRPr lang="en-US"/>
+          </a:p>
+        </p:txBody>
+      </p:sp>
+      <p:sp>
+        <p:nvSpPr>
+          <p:cNvPr id="5" name="Rectangle 6"/>
           <p:cNvSpPr>
             <a:spLocks noGrp="1" noChangeArrowheads="1"/>
           </p:cNvSpPr>
@@ -2593,9 +2393,7 @@
             <p:ph type="sldNum" sz="quarter" idx="12"/>
           </p:nvPr>
         </p:nvSpPr>
-        <p:spPr>
-          <a:ln/>
-        </p:spPr>
+        <p:spPr/>
         <p:txBody>
           <a:bodyPr/>
           <a:lstStyle>
@@ -2605,18 +2403,13 @@
           </a:lstStyle>
           <a:p>
             <a:fld id="{C9142EC5-85AF-4745-AACF-2F37CD50FCA3}" type="slidenum">
-              <a:t>‹#›</a:t>
+              <a:rPr/>
             </a:fld>
-            <a:endParaRPr lang="en-VN"/>
+            <a:endParaRPr lang="en-US"/>
           </a:p>
         </p:txBody>
       </p:sp>
     </p:spTree>
-    <p:extLst>
-      <p:ext uri="{BB962C8B-B14F-4D97-AF65-F5344CB8AC3E}">
-        <p14:creationId xmlns:p14="http://schemas.microsoft.com/office/powerpoint/2010/main" val="2024642960"/>
-      </p:ext>
-    </p:extLst>
   </p:cSld>
   <p:clrMapOvr>
     <a:masterClrMapping/>
@@ -2646,13 +2439,7 @@
       </p:grpSpPr>
       <p:sp>
         <p:nvSpPr>
-          <p:cNvPr id="2" name="Rectangle 4">
-            <a:extLst>
-              <a:ext uri="{FF2B5EF4-FFF2-40B4-BE49-F238E27FC236}">
-                <a16:creationId xmlns:a16="http://schemas.microsoft.com/office/drawing/2014/main" id="{131699C7-DE04-AA4A-90C3-2C11E5FB4D52}"/>
-              </a:ext>
-            </a:extLst>
-          </p:cNvPr>
+          <p:cNvPr id="2" name="Rectangle 4"/>
           <p:cNvSpPr>
             <a:spLocks noGrp="1" noChangeArrowheads="1"/>
           </p:cNvSpPr>
@@ -2660,9 +2447,7 @@
             <p:ph type="dt" sz="half" idx="10"/>
           </p:nvPr>
         </p:nvSpPr>
-        <p:spPr>
-          <a:ln/>
-        </p:spPr>
+        <p:spPr/>
         <p:txBody>
           <a:bodyPr/>
           <a:lstStyle>
@@ -2672,21 +2457,15 @@
           </a:lstStyle>
           <a:p>
             <a:fld id="{6BDEAFE6-325E-AA48-AC90-E1B1FC9AAA75}" type="datetimeFigureOut">
-              <a:t>21/10/2023</a:t>
+              <a:rPr/>
             </a:fld>
-            <a:endParaRPr lang="en-VN"/>
-          </a:p>
-        </p:txBody>
-      </p:sp>
-      <p:sp>
-        <p:nvSpPr>
-          <p:cNvPr id="3" name="Rectangle 5">
-            <a:extLst>
-              <a:ext uri="{FF2B5EF4-FFF2-40B4-BE49-F238E27FC236}">
-                <a16:creationId xmlns:a16="http://schemas.microsoft.com/office/drawing/2014/main" id="{2B58500C-8C82-0742-9C46-496B09180EDD}"/>
-              </a:ext>
-            </a:extLst>
-          </p:cNvPr>
+            <a:endParaRPr lang="en-US"/>
+          </a:p>
+        </p:txBody>
+      </p:sp>
+      <p:sp>
+        <p:nvSpPr>
+          <p:cNvPr id="3" name="Rectangle 5"/>
           <p:cNvSpPr>
             <a:spLocks noGrp="1" noChangeArrowheads="1"/>
           </p:cNvSpPr>
@@ -2694,9 +2473,7 @@
             <p:ph type="ftr" sz="quarter" idx="11"/>
           </p:nvPr>
         </p:nvSpPr>
-        <p:spPr>
-          <a:ln/>
-        </p:spPr>
+        <p:spPr/>
         <p:txBody>
           <a:bodyPr/>
           <a:lstStyle>
@@ -2705,19 +2482,13 @@
             </a:lvl1pPr>
           </a:lstStyle>
           <a:p>
-            <a:endParaRPr lang="en-VN"/>
-          </a:p>
-        </p:txBody>
-      </p:sp>
-      <p:sp>
-        <p:nvSpPr>
-          <p:cNvPr id="4" name="Rectangle 6">
-            <a:extLst>
-              <a:ext uri="{FF2B5EF4-FFF2-40B4-BE49-F238E27FC236}">
-                <a16:creationId xmlns:a16="http://schemas.microsoft.com/office/drawing/2014/main" id="{9DFA61BA-F0DC-D045-B359-1B3A161DCC82}"/>
-              </a:ext>
-            </a:extLst>
-          </p:cNvPr>
+            <a:endParaRPr lang="en-US"/>
+          </a:p>
+        </p:txBody>
+      </p:sp>
+      <p:sp>
+        <p:nvSpPr>
+          <p:cNvPr id="4" name="Rectangle 6"/>
           <p:cNvSpPr>
             <a:spLocks noGrp="1" noChangeArrowheads="1"/>
           </p:cNvSpPr>
@@ -2725,9 +2496,7 @@
             <p:ph type="sldNum" sz="quarter" idx="12"/>
           </p:nvPr>
         </p:nvSpPr>
-        <p:spPr>
-          <a:ln/>
-        </p:spPr>
+        <p:spPr/>
         <p:txBody>
           <a:bodyPr/>
           <a:lstStyle>
@@ -2737,18 +2506,13 @@
           </a:lstStyle>
           <a:p>
             <a:fld id="{C9142EC5-85AF-4745-AACF-2F37CD50FCA3}" type="slidenum">
-              <a:t>‹#›</a:t>
+              <a:rPr/>
             </a:fld>
-            <a:endParaRPr lang="en-VN"/>
+            <a:endParaRPr lang="en-US"/>
           </a:p>
         </p:txBody>
       </p:sp>
     </p:spTree>
-    <p:extLst>
-      <p:ext uri="{BB962C8B-B14F-4D97-AF65-F5344CB8AC3E}">
-        <p14:creationId xmlns:p14="http://schemas.microsoft.com/office/powerpoint/2010/main" val="3152519004"/>
-      </p:ext>
-    </p:extLst>
   </p:cSld>
   <p:clrMapOvr>
     <a:masterClrMapping/>
@@ -2804,6 +2568,7 @@
               <a:rPr lang="en-US"/>
               <a:t>Click to edit Master title style</a:t>
             </a:r>
+            <a:endParaRPr lang="en-US"/>
           </a:p>
         </p:txBody>
       </p:sp>
@@ -2860,6 +2625,7 @@
               <a:rPr lang="en-US"/>
               <a:t>Click to edit Master text styles</a:t>
             </a:r>
+            <a:endParaRPr lang="en-US"/>
           </a:p>
           <a:p>
             <a:pPr lvl="1"/>
@@ -2867,6 +2633,7 @@
               <a:rPr lang="en-US"/>
               <a:t>Second level</a:t>
             </a:r>
+            <a:endParaRPr lang="en-US"/>
           </a:p>
           <a:p>
             <a:pPr lvl="2"/>
@@ -2874,6 +2641,7 @@
               <a:rPr lang="en-US"/>
               <a:t>Third level</a:t>
             </a:r>
+            <a:endParaRPr lang="en-US"/>
           </a:p>
           <a:p>
             <a:pPr lvl="3"/>
@@ -2881,6 +2649,7 @@
               <a:rPr lang="en-US"/>
               <a:t>Fourth level</a:t>
             </a:r>
+            <a:endParaRPr lang="en-US"/>
           </a:p>
           <a:p>
             <a:pPr lvl="4"/>
@@ -2888,6 +2657,7 @@
               <a:rPr lang="en-US"/>
               <a:t>Fifth level</a:t>
             </a:r>
+            <a:endParaRPr lang="en-US"/>
           </a:p>
         </p:txBody>
       </p:sp>
@@ -2953,18 +2723,13 @@
               <a:rPr lang="en-US"/>
               <a:t>Click to edit Master text styles</a:t>
             </a:r>
-          </a:p>
-        </p:txBody>
-      </p:sp>
-      <p:sp>
-        <p:nvSpPr>
-          <p:cNvPr id="5" name="Rectangle 4">
-            <a:extLst>
-              <a:ext uri="{FF2B5EF4-FFF2-40B4-BE49-F238E27FC236}">
-                <a16:creationId xmlns:a16="http://schemas.microsoft.com/office/drawing/2014/main" id="{EEF56BBC-D677-1B45-AF74-4D80B84E8756}"/>
-              </a:ext>
-            </a:extLst>
-          </p:cNvPr>
+            <a:endParaRPr lang="en-US"/>
+          </a:p>
+        </p:txBody>
+      </p:sp>
+      <p:sp>
+        <p:nvSpPr>
+          <p:cNvPr id="5" name="Rectangle 4"/>
           <p:cNvSpPr>
             <a:spLocks noGrp="1" noChangeArrowheads="1"/>
           </p:cNvSpPr>
@@ -2972,9 +2737,7 @@
             <p:ph type="dt" sz="half" idx="10"/>
           </p:nvPr>
         </p:nvSpPr>
-        <p:spPr>
-          <a:ln/>
-        </p:spPr>
+        <p:spPr/>
         <p:txBody>
           <a:bodyPr/>
           <a:lstStyle>
@@ -2984,21 +2747,15 @@
           </a:lstStyle>
           <a:p>
             <a:fld id="{6BDEAFE6-325E-AA48-AC90-E1B1FC9AAA75}" type="datetimeFigureOut">
-              <a:t>21/10/2023</a:t>
+              <a:rPr/>
             </a:fld>
-            <a:endParaRPr lang="en-VN"/>
-          </a:p>
-        </p:txBody>
-      </p:sp>
-      <p:sp>
-        <p:nvSpPr>
-          <p:cNvPr id="6" name="Rectangle 5">
-            <a:extLst>
-              <a:ext uri="{FF2B5EF4-FFF2-40B4-BE49-F238E27FC236}">
-                <a16:creationId xmlns:a16="http://schemas.microsoft.com/office/drawing/2014/main" id="{BC666DDB-2116-4A40-A0A7-A9B90D03D22D}"/>
-              </a:ext>
-            </a:extLst>
-          </p:cNvPr>
+            <a:endParaRPr lang="en-US"/>
+          </a:p>
+        </p:txBody>
+      </p:sp>
+      <p:sp>
+        <p:nvSpPr>
+          <p:cNvPr id="6" name="Rectangle 5"/>
           <p:cNvSpPr>
             <a:spLocks noGrp="1" noChangeArrowheads="1"/>
           </p:cNvSpPr>
@@ -3006,9 +2763,7 @@
             <p:ph type="ftr" sz="quarter" idx="11"/>
           </p:nvPr>
         </p:nvSpPr>
-        <p:spPr>
-          <a:ln/>
-        </p:spPr>
+        <p:spPr/>
         <p:txBody>
           <a:bodyPr/>
           <a:lstStyle>
@@ -3017,19 +2772,13 @@
             </a:lvl1pPr>
           </a:lstStyle>
           <a:p>
-            <a:endParaRPr lang="en-VN"/>
-          </a:p>
-        </p:txBody>
-      </p:sp>
-      <p:sp>
-        <p:nvSpPr>
-          <p:cNvPr id="7" name="Rectangle 6">
-            <a:extLst>
-              <a:ext uri="{FF2B5EF4-FFF2-40B4-BE49-F238E27FC236}">
-                <a16:creationId xmlns:a16="http://schemas.microsoft.com/office/drawing/2014/main" id="{11F1D687-9AA6-EB4E-A60F-CBF859935625}"/>
-              </a:ext>
-            </a:extLst>
-          </p:cNvPr>
+            <a:endParaRPr lang="en-US"/>
+          </a:p>
+        </p:txBody>
+      </p:sp>
+      <p:sp>
+        <p:nvSpPr>
+          <p:cNvPr id="7" name="Rectangle 6"/>
           <p:cNvSpPr>
             <a:spLocks noGrp="1" noChangeArrowheads="1"/>
           </p:cNvSpPr>
@@ -3037,9 +2786,7 @@
             <p:ph type="sldNum" sz="quarter" idx="12"/>
           </p:nvPr>
         </p:nvSpPr>
-        <p:spPr>
-          <a:ln/>
-        </p:spPr>
+        <p:spPr/>
         <p:txBody>
           <a:bodyPr/>
           <a:lstStyle>
@@ -3049,18 +2796,13 @@
           </a:lstStyle>
           <a:p>
             <a:fld id="{C9142EC5-85AF-4745-AACF-2F37CD50FCA3}" type="slidenum">
-              <a:t>‹#›</a:t>
+              <a:rPr/>
             </a:fld>
-            <a:endParaRPr lang="en-VN"/>
+            <a:endParaRPr lang="en-US"/>
           </a:p>
         </p:txBody>
       </p:sp>
     </p:spTree>
-    <p:extLst>
-      <p:ext uri="{BB962C8B-B14F-4D97-AF65-F5344CB8AC3E}">
-        <p14:creationId xmlns:p14="http://schemas.microsoft.com/office/powerpoint/2010/main" val="1605456117"/>
-      </p:ext>
-    </p:extLst>
   </p:cSld>
   <p:clrMapOvr>
     <a:masterClrMapping/>
@@ -3116,6 +2858,7 @@
               <a:rPr lang="en-US"/>
               <a:t>Click to edit Master title style</a:t>
             </a:r>
+            <a:endParaRPr lang="en-US"/>
           </a:p>
         </p:txBody>
       </p:sp>
@@ -3181,6 +2924,7 @@
               <a:rPr lang="en-US" noProof="0"/>
               <a:t>Click icon to add picture</a:t>
             </a:r>
+            <a:endParaRPr lang="en-US" noProof="0"/>
           </a:p>
         </p:txBody>
       </p:sp>
@@ -3246,18 +2990,13 @@
               <a:rPr lang="en-US"/>
               <a:t>Click to edit Master text styles</a:t>
             </a:r>
-          </a:p>
-        </p:txBody>
-      </p:sp>
-      <p:sp>
-        <p:nvSpPr>
-          <p:cNvPr id="5" name="Rectangle 4">
-            <a:extLst>
-              <a:ext uri="{FF2B5EF4-FFF2-40B4-BE49-F238E27FC236}">
-                <a16:creationId xmlns:a16="http://schemas.microsoft.com/office/drawing/2014/main" id="{556A5DB4-DED9-F347-80EF-21D7268EEC79}"/>
-              </a:ext>
-            </a:extLst>
-          </p:cNvPr>
+            <a:endParaRPr lang="en-US"/>
+          </a:p>
+        </p:txBody>
+      </p:sp>
+      <p:sp>
+        <p:nvSpPr>
+          <p:cNvPr id="5" name="Rectangle 4"/>
           <p:cNvSpPr>
             <a:spLocks noGrp="1" noChangeArrowheads="1"/>
           </p:cNvSpPr>
@@ -3265,9 +3004,7 @@
             <p:ph type="dt" sz="half" idx="10"/>
           </p:nvPr>
         </p:nvSpPr>
-        <p:spPr>
-          <a:ln/>
-        </p:spPr>
+        <p:spPr/>
         <p:txBody>
           <a:bodyPr/>
           <a:lstStyle>
@@ -3277,21 +3014,15 @@
           </a:lstStyle>
           <a:p>
             <a:fld id="{6BDEAFE6-325E-AA48-AC90-E1B1FC9AAA75}" type="datetimeFigureOut">
-              <a:t>21/10/2023</a:t>
+              <a:rPr/>
             </a:fld>
-            <a:endParaRPr lang="en-VN"/>
-          </a:p>
-        </p:txBody>
-      </p:sp>
-      <p:sp>
-        <p:nvSpPr>
-          <p:cNvPr id="6" name="Rectangle 5">
-            <a:extLst>
-              <a:ext uri="{FF2B5EF4-FFF2-40B4-BE49-F238E27FC236}">
-                <a16:creationId xmlns:a16="http://schemas.microsoft.com/office/drawing/2014/main" id="{2E3356D3-B1CD-9843-9943-6FA98C7BFC2E}"/>
-              </a:ext>
-            </a:extLst>
-          </p:cNvPr>
+            <a:endParaRPr lang="en-US"/>
+          </a:p>
+        </p:txBody>
+      </p:sp>
+      <p:sp>
+        <p:nvSpPr>
+          <p:cNvPr id="6" name="Rectangle 5"/>
           <p:cNvSpPr>
             <a:spLocks noGrp="1" noChangeArrowheads="1"/>
           </p:cNvSpPr>
@@ -3299,9 +3030,7 @@
             <p:ph type="ftr" sz="quarter" idx="11"/>
           </p:nvPr>
         </p:nvSpPr>
-        <p:spPr>
-          <a:ln/>
-        </p:spPr>
+        <p:spPr/>
         <p:txBody>
           <a:bodyPr/>
           <a:lstStyle>
@@ -3310,19 +3039,13 @@
             </a:lvl1pPr>
           </a:lstStyle>
           <a:p>
-            <a:endParaRPr lang="en-VN"/>
-          </a:p>
-        </p:txBody>
-      </p:sp>
-      <p:sp>
-        <p:nvSpPr>
-          <p:cNvPr id="7" name="Rectangle 6">
-            <a:extLst>
-              <a:ext uri="{FF2B5EF4-FFF2-40B4-BE49-F238E27FC236}">
-                <a16:creationId xmlns:a16="http://schemas.microsoft.com/office/drawing/2014/main" id="{CB94F763-71CA-2047-B691-FF837773DB29}"/>
-              </a:ext>
-            </a:extLst>
-          </p:cNvPr>
+            <a:endParaRPr lang="en-US"/>
+          </a:p>
+        </p:txBody>
+      </p:sp>
+      <p:sp>
+        <p:nvSpPr>
+          <p:cNvPr id="7" name="Rectangle 6"/>
           <p:cNvSpPr>
             <a:spLocks noGrp="1" noChangeArrowheads="1"/>
           </p:cNvSpPr>
@@ -3330,9 +3053,7 @@
             <p:ph type="sldNum" sz="quarter" idx="12"/>
           </p:nvPr>
         </p:nvSpPr>
-        <p:spPr>
-          <a:ln/>
-        </p:spPr>
+        <p:spPr/>
         <p:txBody>
           <a:bodyPr/>
           <a:lstStyle>
@@ -3342,18 +3063,13 @@
           </a:lstStyle>
           <a:p>
             <a:fld id="{C9142EC5-85AF-4745-AACF-2F37CD50FCA3}" type="slidenum">
-              <a:t>‹#›</a:t>
+              <a:rPr/>
             </a:fld>
-            <a:endParaRPr lang="en-VN"/>
+            <a:endParaRPr lang="en-US"/>
           </a:p>
         </p:txBody>
       </p:sp>
     </p:spTree>
-    <p:extLst>
-      <p:ext uri="{BB962C8B-B14F-4D97-AF65-F5344CB8AC3E}">
-        <p14:creationId xmlns:p14="http://schemas.microsoft.com/office/powerpoint/2010/main" val="1244114876"/>
-      </p:ext>
-    </p:extLst>
   </p:cSld>
   <p:clrMapOvr>
     <a:masterClrMapping/>
@@ -3391,13 +3107,7 @@
       </p:grpSpPr>
       <p:sp>
         <p:nvSpPr>
-          <p:cNvPr id="1026" name="Rectangle 7" descr="Light horizontal">
-            <a:extLst>
-              <a:ext uri="{FF2B5EF4-FFF2-40B4-BE49-F238E27FC236}">
-                <a16:creationId xmlns:a16="http://schemas.microsoft.com/office/drawing/2014/main" id="{FB5150A7-9595-BB49-B21D-DE7100925994}"/>
-              </a:ext>
-            </a:extLst>
-          </p:cNvPr>
+          <p:cNvPr id="1026" name="Rectangle 7" descr="Light horizontal"/>
           <p:cNvSpPr>
             <a:spLocks noChangeArrowheads="1"/>
           </p:cNvSpPr>
@@ -3412,7 +3122,7 @@
             <a:avLst/>
           </a:prstGeom>
           <a:blipFill dpi="0" rotWithShape="0">
-            <a:blip r:embed="rId14"/>
+            <a:blip r:embed="rId13"/>
             <a:srcRect/>
             <a:tile tx="0" ty="0" sx="100000" sy="100000" flip="none" algn="tl"/>
           </a:blipFill>
@@ -3421,7 +3131,7 @@
           </a:ln>
           <a:extLst>
             <a:ext uri="{91240B29-F687-4F45-9708-019B960494DF}">
-              <a14:hiddenLine xmlns:a14="http://schemas.microsoft.com/office/drawing/2010/main" w="0" algn="ctr">
+              <a14:hiddenLine xmlns:a14="http://schemas.microsoft.com/office/drawing/2010/main" w="0">
                 <a:solidFill>
                   <a:srgbClr val="000000"/>
                 </a:solidFill>
@@ -3542,13 +3252,7 @@
       </p:sp>
       <p:sp>
         <p:nvSpPr>
-          <p:cNvPr id="1027" name="Rectangle 8">
-            <a:extLst>
-              <a:ext uri="{FF2B5EF4-FFF2-40B4-BE49-F238E27FC236}">
-                <a16:creationId xmlns:a16="http://schemas.microsoft.com/office/drawing/2014/main" id="{6F03E860-34B7-464C-971E-1232A3F92148}"/>
-              </a:ext>
-            </a:extLst>
-          </p:cNvPr>
+          <p:cNvPr id="1027" name="Rectangle 8"/>
           <p:cNvSpPr>
             <a:spLocks noChangeArrowheads="1"/>
           </p:cNvSpPr>
@@ -3570,7 +3274,7 @@
           </a:ln>
           <a:extLst>
             <a:ext uri="{91240B29-F687-4F45-9708-019B960494DF}">
-              <a14:hiddenLine xmlns:a14="http://schemas.microsoft.com/office/drawing/2010/main" w="0" algn="ctr">
+              <a14:hiddenLine xmlns:a14="http://schemas.microsoft.com/office/drawing/2010/main" w="0">
                 <a:solidFill>
                   <a:srgbClr val="000000"/>
                 </a:solidFill>
@@ -3691,13 +3395,7 @@
       </p:sp>
       <p:sp>
         <p:nvSpPr>
-          <p:cNvPr id="1028" name="AutoShape 9">
-            <a:extLst>
-              <a:ext uri="{FF2B5EF4-FFF2-40B4-BE49-F238E27FC236}">
-                <a16:creationId xmlns:a16="http://schemas.microsoft.com/office/drawing/2014/main" id="{A7DC1804-728D-DC48-A4FE-9498209DD4FE}"/>
-              </a:ext>
-            </a:extLst>
-          </p:cNvPr>
+          <p:cNvPr id="1028" name="AutoShape 9"/>
           <p:cNvSpPr>
             <a:spLocks noChangeArrowheads="1"/>
           </p:cNvSpPr>
@@ -3721,8 +3419,6 @@
               <a:schemeClr val="bg1"/>
             </a:solidFill>
             <a:round/>
-            <a:headEnd/>
-            <a:tailEnd/>
           </a:ln>
         </p:spPr>
         <p:txBody>
@@ -3835,13 +3531,7 @@
       </p:sp>
       <p:sp>
         <p:nvSpPr>
-          <p:cNvPr id="1029" name="Rectangle 3">
-            <a:extLst>
-              <a:ext uri="{FF2B5EF4-FFF2-40B4-BE49-F238E27FC236}">
-                <a16:creationId xmlns:a16="http://schemas.microsoft.com/office/drawing/2014/main" id="{42D87888-FAFF-0649-82A4-ED23A09AEE7E}"/>
-              </a:ext>
-            </a:extLst>
-          </p:cNvPr>
+          <p:cNvPr id="1029" name="Rectangle 3"/>
           <p:cNvSpPr>
             <a:spLocks noGrp="1" noChangeArrowheads="1"/>
           </p:cNvSpPr>
@@ -3882,11 +3572,7 @@
           </a:extLst>
         </p:spPr>
         <p:txBody>
-          <a:bodyPr vert="horz" wrap="square" lIns="91440" tIns="45720" rIns="91440" bIns="45720" numCol="1" anchor="t" anchorCtr="0" compatLnSpc="1">
-            <a:prstTxWarp prst="textNoShape">
-              <a:avLst/>
-            </a:prstTxWarp>
-          </a:bodyPr>
+          <a:bodyPr vert="horz" wrap="square" lIns="91440" tIns="45720" rIns="91440" bIns="45720" numCol="1" anchor="t" anchorCtr="0" compatLnSpc="1"/>
           <a:lstStyle/>
           <a:p>
             <a:pPr lvl="0"/>
@@ -3894,6 +3580,7 @@
               <a:rPr lang="en-US" altLang="en-US"/>
               <a:t>Click to edit Master text styles</a:t>
             </a:r>
+            <a:endParaRPr lang="en-US" altLang="en-US"/>
           </a:p>
           <a:p>
             <a:pPr lvl="1"/>
@@ -3901,6 +3588,7 @@
               <a:rPr lang="en-US" altLang="en-US"/>
               <a:t>Second level</a:t>
             </a:r>
+            <a:endParaRPr lang="en-US" altLang="en-US"/>
           </a:p>
           <a:p>
             <a:pPr lvl="2"/>
@@ -3908,6 +3596,7 @@
               <a:rPr lang="en-US" altLang="en-US"/>
               <a:t>Third level</a:t>
             </a:r>
+            <a:endParaRPr lang="en-US" altLang="en-US"/>
           </a:p>
           <a:p>
             <a:pPr lvl="3"/>
@@ -3915,6 +3604,7 @@
               <a:rPr lang="en-US" altLang="en-US"/>
               <a:t>Fourth level</a:t>
             </a:r>
+            <a:endParaRPr lang="en-US" altLang="en-US"/>
           </a:p>
           <a:p>
             <a:pPr lvl="4"/>
@@ -3922,18 +3612,13 @@
               <a:rPr lang="en-US" altLang="en-US"/>
               <a:t>Fifth level</a:t>
             </a:r>
-          </a:p>
-        </p:txBody>
-      </p:sp>
-      <p:sp>
-        <p:nvSpPr>
-          <p:cNvPr id="3" name="Rectangle 4">
-            <a:extLst>
-              <a:ext uri="{FF2B5EF4-FFF2-40B4-BE49-F238E27FC236}">
-                <a16:creationId xmlns:a16="http://schemas.microsoft.com/office/drawing/2014/main" id="{19ED6D85-786E-084C-A5D5-D3AA9D1E349D}"/>
-              </a:ext>
-            </a:extLst>
-          </p:cNvPr>
+            <a:endParaRPr lang="en-US" altLang="en-US"/>
+          </a:p>
+        </p:txBody>
+      </p:sp>
+      <p:sp>
+        <p:nvSpPr>
+          <p:cNvPr id="3" name="Rectangle 4"/>
           <p:cNvSpPr>
             <a:spLocks noGrp="1" noChangeArrowheads="1"/>
           </p:cNvSpPr>
@@ -3953,41 +3638,29 @@
           <a:ln w="9525">
             <a:noFill/>
             <a:miter lim="800000"/>
-            <a:headEnd/>
-            <a:tailEnd/>
           </a:ln>
           <a:effectLst/>
         </p:spPr>
         <p:txBody>
-          <a:bodyPr vert="horz" wrap="square" lIns="91440" tIns="45720" rIns="91440" bIns="45720" numCol="1" anchor="t" anchorCtr="0" compatLnSpc="1">
-            <a:prstTxWarp prst="textNoShape">
-              <a:avLst/>
-            </a:prstTxWarp>
-          </a:bodyPr>
+          <a:bodyPr vert="horz" wrap="square" lIns="91440" tIns="45720" rIns="91440" bIns="45720" numCol="1" anchor="t" anchorCtr="0" compatLnSpc="1"/>
           <a:lstStyle>
             <a:lvl1pPr eaLnBrk="1" hangingPunct="1">
               <a:defRPr sz="1050">
-                <a:latin typeface="Arial" charset="0"/>
+                <a:latin typeface="Arial" panose="020B0604020202020204" pitchFamily="34" charset="0"/>
               </a:defRPr>
             </a:lvl1pPr>
           </a:lstStyle>
           <a:p>
             <a:fld id="{6BDEAFE6-325E-AA48-AC90-E1B1FC9AAA75}" type="datetimeFigureOut">
-              <a:t>21/10/2023</a:t>
+              <a:rPr/>
             </a:fld>
-            <a:endParaRPr lang="en-VN"/>
-          </a:p>
-        </p:txBody>
-      </p:sp>
-      <p:sp>
-        <p:nvSpPr>
-          <p:cNvPr id="2" name="Rectangle 5">
-            <a:extLst>
-              <a:ext uri="{FF2B5EF4-FFF2-40B4-BE49-F238E27FC236}">
-                <a16:creationId xmlns:a16="http://schemas.microsoft.com/office/drawing/2014/main" id="{CEFA13B0-6DC1-0D44-8AC2-1B9A765E8910}"/>
-              </a:ext>
-            </a:extLst>
-          </p:cNvPr>
+            <a:endParaRPr lang="en-US"/>
+          </a:p>
+        </p:txBody>
+      </p:sp>
+      <p:sp>
+        <p:nvSpPr>
+          <p:cNvPr id="2" name="Rectangle 5"/>
           <p:cNvSpPr>
             <a:spLocks noGrp="1" noChangeArrowheads="1"/>
           </p:cNvSpPr>
@@ -4007,38 +3680,26 @@
           <a:ln w="9525">
             <a:noFill/>
             <a:miter lim="800000"/>
-            <a:headEnd/>
-            <a:tailEnd/>
           </a:ln>
           <a:effectLst/>
         </p:spPr>
         <p:txBody>
-          <a:bodyPr vert="horz" wrap="square" lIns="91440" tIns="45720" rIns="91440" bIns="45720" numCol="1" anchor="t" anchorCtr="0" compatLnSpc="1">
-            <a:prstTxWarp prst="textNoShape">
-              <a:avLst/>
-            </a:prstTxWarp>
-          </a:bodyPr>
+          <a:bodyPr vert="horz" wrap="square" lIns="91440" tIns="45720" rIns="91440" bIns="45720" numCol="1" anchor="t" anchorCtr="0" compatLnSpc="1"/>
           <a:lstStyle>
             <a:lvl1pPr algn="ctr" eaLnBrk="1" hangingPunct="1">
               <a:defRPr sz="1050">
-                <a:latin typeface="Arial" charset="0"/>
+                <a:latin typeface="Arial" panose="020B0604020202020204" pitchFamily="34" charset="0"/>
               </a:defRPr>
             </a:lvl1pPr>
           </a:lstStyle>
           <a:p>
-            <a:endParaRPr lang="en-VN"/>
-          </a:p>
-        </p:txBody>
-      </p:sp>
-      <p:sp>
-        <p:nvSpPr>
-          <p:cNvPr id="1030" name="Rectangle 6">
-            <a:extLst>
-              <a:ext uri="{FF2B5EF4-FFF2-40B4-BE49-F238E27FC236}">
-                <a16:creationId xmlns:a16="http://schemas.microsoft.com/office/drawing/2014/main" id="{E6DBFC5C-330D-6D49-B1CE-1DD5D9472386}"/>
-              </a:ext>
-            </a:extLst>
-          </p:cNvPr>
+            <a:endParaRPr lang="en-US"/>
+          </a:p>
+        </p:txBody>
+      </p:sp>
+      <p:sp>
+        <p:nvSpPr>
+          <p:cNvPr id="1030" name="Rectangle 6"/>
           <p:cNvSpPr>
             <a:spLocks noGrp="1" noChangeArrowheads="1"/>
           </p:cNvSpPr>
@@ -4058,17 +3719,11 @@
           <a:ln w="9525">
             <a:noFill/>
             <a:miter lim="800000"/>
-            <a:headEnd/>
-            <a:tailEnd/>
           </a:ln>
           <a:effectLst/>
         </p:spPr>
         <p:txBody>
-          <a:bodyPr vert="horz" wrap="square" lIns="91440" tIns="45720" rIns="91440" bIns="45720" numCol="1" anchor="t" anchorCtr="0" compatLnSpc="1">
-            <a:prstTxWarp prst="textNoShape">
-              <a:avLst/>
-            </a:prstTxWarp>
-          </a:bodyPr>
+          <a:bodyPr vert="horz" wrap="square" lIns="91440" tIns="45720" rIns="91440" bIns="45720" numCol="1" anchor="t" anchorCtr="0" compatLnSpc="1"/>
           <a:lstStyle>
             <a:lvl1pPr algn="r" eaLnBrk="1" hangingPunct="1">
               <a:defRPr sz="1050"/>
@@ -4076,21 +3731,15 @@
           </a:lstStyle>
           <a:p>
             <a:fld id="{C9142EC5-85AF-4745-AACF-2F37CD50FCA3}" type="slidenum">
-              <a:t>‹#›</a:t>
+              <a:rPr/>
             </a:fld>
-            <a:endParaRPr lang="en-VN"/>
-          </a:p>
-        </p:txBody>
-      </p:sp>
-      <p:sp>
-        <p:nvSpPr>
-          <p:cNvPr id="1033" name="Rectangle 2">
-            <a:extLst>
-              <a:ext uri="{FF2B5EF4-FFF2-40B4-BE49-F238E27FC236}">
-                <a16:creationId xmlns:a16="http://schemas.microsoft.com/office/drawing/2014/main" id="{61F1481F-447F-8E40-B3EC-6D473A6B7681}"/>
-              </a:ext>
-            </a:extLst>
-          </p:cNvPr>
+            <a:endParaRPr lang="en-US"/>
+          </a:p>
+        </p:txBody>
+      </p:sp>
+      <p:sp>
+        <p:nvSpPr>
+          <p:cNvPr id="1033" name="Rectangle 2"/>
           <p:cNvSpPr>
             <a:spLocks noGrp="1" noChangeArrowheads="1"/>
           </p:cNvSpPr>
@@ -4131,11 +3780,7 @@
           </a:extLst>
         </p:spPr>
         <p:txBody>
-          <a:bodyPr vert="horz" wrap="square" lIns="91440" tIns="45720" rIns="91440" bIns="45720" numCol="1" anchor="ctr" anchorCtr="0" compatLnSpc="1">
-            <a:prstTxWarp prst="textNoShape">
-              <a:avLst/>
-            </a:prstTxWarp>
-          </a:bodyPr>
+          <a:bodyPr vert="horz" wrap="square" lIns="91440" tIns="45720" rIns="91440" bIns="45720" numCol="1" anchor="ctr" anchorCtr="0" compatLnSpc="1"/>
           <a:lstStyle/>
           <a:p>
             <a:pPr lvl="0"/>
@@ -4143,18 +3788,13 @@
               <a:rPr lang="en-US" altLang="en-US"/>
               <a:t>Click to edit Master title style</a:t>
             </a:r>
-          </a:p>
-        </p:txBody>
-      </p:sp>
-      <p:sp>
-        <p:nvSpPr>
-          <p:cNvPr id="1034" name="Oval 16">
-            <a:extLst>
-              <a:ext uri="{FF2B5EF4-FFF2-40B4-BE49-F238E27FC236}">
-                <a16:creationId xmlns:a16="http://schemas.microsoft.com/office/drawing/2014/main" id="{A37D4696-826B-1D45-B5E1-9BB39ECFFCC0}"/>
-              </a:ext>
-            </a:extLst>
-          </p:cNvPr>
+            <a:endParaRPr lang="en-US" altLang="en-US"/>
+          </a:p>
+        </p:txBody>
+      </p:sp>
+      <p:sp>
+        <p:nvSpPr>
+          <p:cNvPr id="1034" name="Oval 16"/>
           <p:cNvSpPr>
             <a:spLocks noChangeArrowheads="1"/>
           </p:cNvSpPr>
@@ -4176,8 +3816,6 @@
               <a:schemeClr val="tx1"/>
             </a:solidFill>
             <a:round/>
-            <a:headEnd/>
-            <a:tailEnd/>
           </a:ln>
         </p:spPr>
         <p:txBody>
@@ -4288,8 +3926,6 @@
                   <a:schemeClr val="bg1"/>
                 </a:solidFill>
               </a:rPr>
-              <a:pPr algn="ctr" eaLnBrk="1" hangingPunct="1"/>
-              <a:t>‹#›</a:t>
             </a:fld>
             <a:endParaRPr lang="en-US" altLang="en-US" sz="1200">
               <a:solidFill>
@@ -4301,13 +3937,7 @@
       </p:sp>
       <p:sp>
         <p:nvSpPr>
-          <p:cNvPr id="11" name="Oval 10">
-            <a:extLst>
-              <a:ext uri="{FF2B5EF4-FFF2-40B4-BE49-F238E27FC236}">
-                <a16:creationId xmlns:a16="http://schemas.microsoft.com/office/drawing/2014/main" id="{80A55090-F85B-4944-916E-8652A455A822}"/>
-              </a:ext>
-            </a:extLst>
-          </p:cNvPr>
+          <p:cNvPr id="11" name="Oval 10"/>
           <p:cNvSpPr/>
           <p:nvPr/>
         </p:nvSpPr>
@@ -4450,8 +4080,6 @@
                   <a:srgbClr val="C00000"/>
                 </a:solidFill>
               </a:rPr>
-              <a:pPr algn="ctr"/>
-              <a:t>‹#›</a:t>
             </a:fld>
             <a:endParaRPr lang="en-US" altLang="en-US" sz="1350" b="1">
               <a:solidFill>
@@ -4463,13 +4091,7 @@
       </p:sp>
       <p:sp>
         <p:nvSpPr>
-          <p:cNvPr id="4" name="Oval 3">
-            <a:extLst>
-              <a:ext uri="{FF2B5EF4-FFF2-40B4-BE49-F238E27FC236}">
-                <a16:creationId xmlns:a16="http://schemas.microsoft.com/office/drawing/2014/main" id="{0B313681-8385-BB41-9EEF-6634944B0B74}"/>
-              </a:ext>
-            </a:extLst>
-          </p:cNvPr>
+          <p:cNvPr id="4" name="Oval 3"/>
           <p:cNvSpPr/>
           <p:nvPr/>
         </p:nvSpPr>
@@ -4516,26 +4138,21 @@
         </p:txBody>
       </p:sp>
     </p:spTree>
-    <p:extLst>
-      <p:ext uri="{BB962C8B-B14F-4D97-AF65-F5344CB8AC3E}">
-        <p14:creationId xmlns:p14="http://schemas.microsoft.com/office/powerpoint/2010/main" val="1077834942"/>
-      </p:ext>
-    </p:extLst>
   </p:cSld>
   <p:clrMap bg1="lt1" tx1="dk1" bg2="lt2" tx2="dk2" accent1="accent1" accent2="accent2" accent3="accent3" accent4="accent4" accent5="accent5" accent6="accent6" hlink="hlink" folHlink="folHlink"/>
   <p:sldLayoutIdLst>
-    <p:sldLayoutId id="2147483661" r:id="rId1"/>
-    <p:sldLayoutId id="2147483662" r:id="rId2"/>
-    <p:sldLayoutId id="2147483663" r:id="rId3"/>
-    <p:sldLayoutId id="2147483664" r:id="rId4"/>
-    <p:sldLayoutId id="2147483665" r:id="rId5"/>
-    <p:sldLayoutId id="2147483666" r:id="rId6"/>
-    <p:sldLayoutId id="2147483667" r:id="rId7"/>
-    <p:sldLayoutId id="2147483668" r:id="rId8"/>
-    <p:sldLayoutId id="2147483669" r:id="rId9"/>
-    <p:sldLayoutId id="2147483670" r:id="rId10"/>
-    <p:sldLayoutId id="2147483671" r:id="rId11"/>
-    <p:sldLayoutId id="2147483672" r:id="rId12"/>
+    <p:sldLayoutId id="2147483649" r:id="rId1"/>
+    <p:sldLayoutId id="2147483650" r:id="rId2"/>
+    <p:sldLayoutId id="2147483651" r:id="rId3"/>
+    <p:sldLayoutId id="2147483652" r:id="rId4"/>
+    <p:sldLayoutId id="2147483653" r:id="rId5"/>
+    <p:sldLayoutId id="2147483654" r:id="rId6"/>
+    <p:sldLayoutId id="2147483655" r:id="rId7"/>
+    <p:sldLayoutId id="2147483656" r:id="rId8"/>
+    <p:sldLayoutId id="2147483657" r:id="rId9"/>
+    <p:sldLayoutId id="2147483658" r:id="rId10"/>
+    <p:sldLayoutId id="2147483659" r:id="rId11"/>
+    <p:sldLayoutId id="2147483660" r:id="rId12"/>
   </p:sldLayoutIdLst>
   <p:transition spd="slow">
     <p:pull/>
@@ -4569,7 +4186,7 @@
           <a:solidFill>
             <a:schemeClr val="bg1"/>
           </a:solidFill>
-          <a:latin typeface="Arial" charset="0"/>
+          <a:latin typeface="Arial" panose="020B0604020202020204" pitchFamily="34" charset="0"/>
         </a:defRPr>
       </a:lvl2pPr>
       <a:lvl3pPr algn="ctr" rtl="0" eaLnBrk="1" fontAlgn="base" hangingPunct="1">
@@ -4583,7 +4200,7 @@
           <a:solidFill>
             <a:schemeClr val="bg1"/>
           </a:solidFill>
-          <a:latin typeface="Arial" charset="0"/>
+          <a:latin typeface="Arial" panose="020B0604020202020204" pitchFamily="34" charset="0"/>
         </a:defRPr>
       </a:lvl3pPr>
       <a:lvl4pPr algn="ctr" rtl="0" eaLnBrk="1" fontAlgn="base" hangingPunct="1">
@@ -4597,7 +4214,7 @@
           <a:solidFill>
             <a:schemeClr val="bg1"/>
           </a:solidFill>
-          <a:latin typeface="Arial" charset="0"/>
+          <a:latin typeface="Arial" panose="020B0604020202020204" pitchFamily="34" charset="0"/>
         </a:defRPr>
       </a:lvl4pPr>
       <a:lvl5pPr algn="ctr" rtl="0" eaLnBrk="1" fontAlgn="base" hangingPunct="1">
@@ -4611,7 +4228,7 @@
           <a:solidFill>
             <a:schemeClr val="bg1"/>
           </a:solidFill>
-          <a:latin typeface="Arial" charset="0"/>
+          <a:latin typeface="Arial" panose="020B0604020202020204" pitchFamily="34" charset="0"/>
         </a:defRPr>
       </a:lvl5pPr>
       <a:lvl6pPr marL="342900" algn="ctr" rtl="0" eaLnBrk="1" fontAlgn="base" hangingPunct="1">
@@ -4625,7 +4242,7 @@
           <a:solidFill>
             <a:schemeClr val="bg1"/>
           </a:solidFill>
-          <a:latin typeface="Arial" charset="0"/>
+          <a:latin typeface="Arial" panose="020B0604020202020204" pitchFamily="34" charset="0"/>
         </a:defRPr>
       </a:lvl6pPr>
       <a:lvl7pPr marL="685800" algn="ctr" rtl="0" eaLnBrk="1" fontAlgn="base" hangingPunct="1">
@@ -4639,7 +4256,7 @@
           <a:solidFill>
             <a:schemeClr val="bg1"/>
           </a:solidFill>
-          <a:latin typeface="Arial" charset="0"/>
+          <a:latin typeface="Arial" panose="020B0604020202020204" pitchFamily="34" charset="0"/>
         </a:defRPr>
       </a:lvl7pPr>
       <a:lvl8pPr marL="1028700" algn="ctr" rtl="0" eaLnBrk="1" fontAlgn="base" hangingPunct="1">
@@ -4653,7 +4270,7 @@
           <a:solidFill>
             <a:schemeClr val="bg1"/>
           </a:solidFill>
-          <a:latin typeface="Arial" charset="0"/>
+          <a:latin typeface="Arial" panose="020B0604020202020204" pitchFamily="34" charset="0"/>
         </a:defRPr>
       </a:lvl8pPr>
       <a:lvl9pPr marL="1371600" algn="ctr" rtl="0" eaLnBrk="1" fontAlgn="base" hangingPunct="1">
@@ -4667,7 +4284,7 @@
           <a:solidFill>
             <a:schemeClr val="bg1"/>
           </a:solidFill>
-          <a:latin typeface="Arial" charset="0"/>
+          <a:latin typeface="Arial" panose="020B0604020202020204" pitchFamily="34" charset="0"/>
         </a:defRPr>
       </a:lvl9pPr>
     </p:titleStyle>
@@ -4682,7 +4299,7 @@
         <a:buClr>
           <a:schemeClr val="hlink"/>
         </a:buClr>
-        <a:buFont typeface="Wingdings" pitchFamily="2" charset="2"/>
+        <a:buFont typeface="Wingdings" panose="05000000000000000000" pitchFamily="2" charset="2"/>
         <a:buChar char="v"/>
         <a:defRPr sz="2400">
           <a:solidFill>
@@ -4693,7 +4310,7 @@
           <a:cs typeface="+mn-cs"/>
         </a:defRPr>
       </a:lvl1pPr>
-      <a:lvl2pPr marL="557213" indent="-214313" algn="l" rtl="0" eaLnBrk="1" fontAlgn="base" hangingPunct="1">
+      <a:lvl2pPr marL="557530" indent="-214630" algn="l" rtl="0" eaLnBrk="1" fontAlgn="base" hangingPunct="1">
         <a:spcBef>
           <a:spcPct val="20000"/>
         </a:spcBef>
@@ -4703,7 +4320,7 @@
         <a:buClr>
           <a:schemeClr val="accent1"/>
         </a:buClr>
-        <a:buFont typeface="Wingdings" pitchFamily="2" charset="2"/>
+        <a:buFont typeface="Wingdings" panose="05000000000000000000" pitchFamily="2" charset="2"/>
         <a:buChar char="§"/>
         <a:defRPr sz="2100">
           <a:solidFill>
@@ -4939,20 +4556,12 @@
       </p:grpSpPr>
       <p:pic>
         <p:nvPicPr>
-          <p:cNvPr id="16" name="Picture 15">
-            <a:extLst>
-              <a:ext uri="{FF2B5EF4-FFF2-40B4-BE49-F238E27FC236}">
-                <a16:creationId xmlns:a16="http://schemas.microsoft.com/office/drawing/2014/main" id="{42B9E3AE-2263-3047-B1A3-DCE4A59CE49E}"/>
-              </a:ext>
-            </a:extLst>
-          </p:cNvPr>
-          <p:cNvPicPr>
-            <a:picLocks/>
-          </p:cNvPicPr>
+          <p:cNvPr id="16" name="Picture 15"/>
+          <p:cNvPicPr/>
           <p:nvPr/>
         </p:nvPicPr>
         <p:blipFill>
-          <a:blip r:embed="rId2"/>
+          <a:blip r:embed="rId1"/>
           <a:stretch>
             <a:fillRect/>
           </a:stretch>
@@ -4969,13 +4578,7 @@
       </p:pic>
       <p:sp>
         <p:nvSpPr>
-          <p:cNvPr id="15" name="Rectangle 14">
-            <a:extLst>
-              <a:ext uri="{FF2B5EF4-FFF2-40B4-BE49-F238E27FC236}">
-                <a16:creationId xmlns:a16="http://schemas.microsoft.com/office/drawing/2014/main" id="{525DEE1E-3A23-8F45-92C3-4D9442C0482B}"/>
-              </a:ext>
-            </a:extLst>
-          </p:cNvPr>
+          <p:cNvPr id="15" name="Rectangle 14"/>
           <p:cNvSpPr/>
           <p:nvPr/>
         </p:nvSpPr>
@@ -5015,19 +4618,13 @@
           <a:lstStyle/>
           <a:p>
             <a:pPr algn="ctr"/>
-            <a:endParaRPr lang="en-VN"/>
-          </a:p>
-        </p:txBody>
-      </p:sp>
-      <p:sp>
-        <p:nvSpPr>
-          <p:cNvPr id="7" name="Rounded Rectangle 6">
-            <a:extLst>
-              <a:ext uri="{FF2B5EF4-FFF2-40B4-BE49-F238E27FC236}">
-                <a16:creationId xmlns:a16="http://schemas.microsoft.com/office/drawing/2014/main" id="{C4E60BF7-CED4-B34A-A448-9C75C60C632F}"/>
-              </a:ext>
-            </a:extLst>
-          </p:cNvPr>
+            <a:endParaRPr lang="en-US"/>
+          </a:p>
+        </p:txBody>
+      </p:sp>
+      <p:sp>
+        <p:nvSpPr>
+          <p:cNvPr id="7" name="Rounded Rectangle 6"/>
           <p:cNvSpPr/>
           <p:nvPr/>
         </p:nvSpPr>
@@ -5064,19 +4661,13 @@
           <a:lstStyle/>
           <a:p>
             <a:pPr algn="ctr"/>
-            <a:endParaRPr lang="en-VN"/>
-          </a:p>
-        </p:txBody>
-      </p:sp>
-      <p:sp>
-        <p:nvSpPr>
-          <p:cNvPr id="8" name="Rectangle 7">
-            <a:extLst>
-              <a:ext uri="{FF2B5EF4-FFF2-40B4-BE49-F238E27FC236}">
-                <a16:creationId xmlns:a16="http://schemas.microsoft.com/office/drawing/2014/main" id="{DE12D22F-2B83-8943-997F-A9561D319836}"/>
-              </a:ext>
-            </a:extLst>
-          </p:cNvPr>
+            <a:endParaRPr lang="en-US"/>
+          </a:p>
+        </p:txBody>
+      </p:sp>
+      <p:sp>
+        <p:nvSpPr>
+          <p:cNvPr id="8" name="Rectangle 7"/>
           <p:cNvSpPr/>
           <p:nvPr/>
         </p:nvSpPr>
@@ -5116,31 +4707,22 @@
           <a:lstStyle/>
           <a:p>
             <a:pPr algn="ctr"/>
-            <a:endParaRPr lang="en-VN"/>
+            <a:endParaRPr lang="en-US"/>
           </a:p>
         </p:txBody>
       </p:sp>
       <p:pic>
         <p:nvPicPr>
-          <p:cNvPr id="22" name="Picture 21">
-            <a:extLst>
-              <a:ext uri="{FF2B5EF4-FFF2-40B4-BE49-F238E27FC236}">
-                <a16:creationId xmlns:a16="http://schemas.microsoft.com/office/drawing/2014/main" id="{1E2869FA-8DB0-F14F-ACF8-F22B7B82D75F}"/>
-              </a:ext>
-            </a:extLst>
-          </p:cNvPr>
-          <p:cNvPicPr>
-            <a:picLocks/>
-          </p:cNvPicPr>
+          <p:cNvPr id="22" name="Picture 21"/>
+          <p:cNvPicPr/>
           <p:nvPr/>
         </p:nvPicPr>
         <p:blipFill>
-          <a:blip r:embed="rId3">
-            <a:alphaModFix/>
+          <a:blip r:embed="rId2">
             <a:extLst>
               <a:ext uri="{BEBA8EAE-BF5A-486C-A8C5-ECC9F3942E4B}">
                 <a14:imgProps xmlns:a14="http://schemas.microsoft.com/office/drawing/2010/main">
-                  <a14:imgLayer r:embed="rId4">
+                  <a14:imgLayer r:embed="rId3">
                     <a14:imgEffect>
                       <a14:artisticBlur/>
                     </a14:imgEffect>
@@ -5165,13 +4747,7 @@
       </p:pic>
       <p:sp>
         <p:nvSpPr>
-          <p:cNvPr id="6" name="Rectangle 5">
-            <a:extLst>
-              <a:ext uri="{FF2B5EF4-FFF2-40B4-BE49-F238E27FC236}">
-                <a16:creationId xmlns:a16="http://schemas.microsoft.com/office/drawing/2014/main" id="{B5E997AB-49FF-1E43-B1E2-D548DD0C9F07}"/>
-              </a:ext>
-            </a:extLst>
-          </p:cNvPr>
+          <p:cNvPr id="6" name="Rectangle 5"/>
           <p:cNvSpPr/>
           <p:nvPr/>
         </p:nvSpPr>
@@ -5213,19 +4789,13 @@
           <a:lstStyle/>
           <a:p>
             <a:pPr algn="ctr"/>
-            <a:endParaRPr lang="en-VN"/>
-          </a:p>
-        </p:txBody>
-      </p:sp>
-      <p:sp>
-        <p:nvSpPr>
-          <p:cNvPr id="2" name="Title 1">
-            <a:extLst>
-              <a:ext uri="{FF2B5EF4-FFF2-40B4-BE49-F238E27FC236}">
-                <a16:creationId xmlns:a16="http://schemas.microsoft.com/office/drawing/2014/main" id="{8142DDE9-FF56-7E4E-9A22-F68343EE2070}"/>
-              </a:ext>
-            </a:extLst>
-          </p:cNvPr>
+            <a:endParaRPr lang="en-US"/>
+          </a:p>
+        </p:txBody>
+      </p:sp>
+      <p:sp>
+        <p:nvSpPr>
+          <p:cNvPr id="2" name="Title 1"/>
           <p:cNvSpPr>
             <a:spLocks noGrp="1"/>
           </p:cNvSpPr>
@@ -5248,7 +4818,7 @@
           <a:lstStyle/>
           <a:p>
             <a:r>
-              <a:rPr lang="en-VN" sz="5400">
+              <a:rPr lang="en-US" sz="5400">
                 <a:ln w="0"/>
                 <a:effectLst>
                   <a:outerShdw blurRad="38100" dist="19050" dir="2700000" algn="tl" rotWithShape="0">
@@ -5260,25 +4830,27 @@
               </a:rPr>
               <a:t>HỆ THỐNG NHẬN DIỆN KHUÔN MẶT</a:t>
             </a:r>
+            <a:endParaRPr lang="en-US" sz="5400">
+              <a:ln w="0"/>
+              <a:effectLst>
+                <a:outerShdw blurRad="38100" dist="19050" dir="2700000" algn="tl" rotWithShape="0">
+                  <a:schemeClr val="dk1">
+                    <a:alpha val="40000"/>
+                  </a:schemeClr>
+                </a:outerShdw>
+              </a:effectLst>
+            </a:endParaRPr>
           </a:p>
         </p:txBody>
       </p:sp>
       <p:pic>
         <p:nvPicPr>
-          <p:cNvPr id="10" name="Picture 9">
-            <a:extLst>
-              <a:ext uri="{FF2B5EF4-FFF2-40B4-BE49-F238E27FC236}">
-                <a16:creationId xmlns:a16="http://schemas.microsoft.com/office/drawing/2014/main" id="{960E8D5C-C77A-8945-BA8E-4E4BD49531E2}"/>
-              </a:ext>
-            </a:extLst>
-          </p:cNvPr>
-          <p:cNvPicPr>
-            <a:picLocks/>
-          </p:cNvPicPr>
+          <p:cNvPr id="10" name="Picture 9"/>
+          <p:cNvPicPr/>
           <p:nvPr/>
         </p:nvPicPr>
         <p:blipFill>
-          <a:blip r:embed="rId2"/>
+          <a:blip r:embed="rId1"/>
           <a:stretch>
             <a:fillRect/>
           </a:stretch>
@@ -5295,13 +4867,7 @@
       </p:pic>
       <p:sp>
         <p:nvSpPr>
-          <p:cNvPr id="12" name="Rounded Rectangle 11">
-            <a:extLst>
-              <a:ext uri="{FF2B5EF4-FFF2-40B4-BE49-F238E27FC236}">
-                <a16:creationId xmlns:a16="http://schemas.microsoft.com/office/drawing/2014/main" id="{D0A26774-E699-324F-832D-1012E2FE2EBC}"/>
-              </a:ext>
-            </a:extLst>
-          </p:cNvPr>
+          <p:cNvPr id="12" name="Rounded Rectangle 11"/>
           <p:cNvSpPr/>
           <p:nvPr/>
         </p:nvSpPr>
@@ -5343,19 +4909,13 @@
           <a:lstStyle/>
           <a:p>
             <a:pPr algn="ctr"/>
-            <a:endParaRPr lang="en-VN"/>
-          </a:p>
-        </p:txBody>
-      </p:sp>
-      <p:sp>
-        <p:nvSpPr>
-          <p:cNvPr id="14" name="TextBox 13">
-            <a:extLst>
-              <a:ext uri="{FF2B5EF4-FFF2-40B4-BE49-F238E27FC236}">
-                <a16:creationId xmlns:a16="http://schemas.microsoft.com/office/drawing/2014/main" id="{17F6E034-75E0-1940-8798-9101E231FCEB}"/>
-              </a:ext>
-            </a:extLst>
-          </p:cNvPr>
+            <a:endParaRPr lang="en-US"/>
+          </a:p>
+        </p:txBody>
+      </p:sp>
+      <p:sp>
+        <p:nvSpPr>
+          <p:cNvPr id="14" name="TextBox 13"/>
           <p:cNvSpPr txBox="1"/>
           <p:nvPr/>
         </p:nvSpPr>
@@ -5376,25 +4936,24 @@
           <a:lstStyle/>
           <a:p>
             <a:r>
-              <a:rPr lang="en-VN" sz="3200">
+              <a:rPr lang="en-US" sz="3200">
                 <a:solidFill>
                   <a:srgbClr val="FF0000"/>
                 </a:solidFill>
               </a:rPr>
               <a:t>NHÓM 7</a:t>
             </a:r>
-          </a:p>
-        </p:txBody>
-      </p:sp>
-      <p:sp>
-        <p:nvSpPr>
-          <p:cNvPr id="17" name="Oval 16">
-            <a:extLst>
-              <a:ext uri="{FF2B5EF4-FFF2-40B4-BE49-F238E27FC236}">
-                <a16:creationId xmlns:a16="http://schemas.microsoft.com/office/drawing/2014/main" id="{55A47EFD-EBCB-BE40-9D77-3512F18CF58F}"/>
-              </a:ext>
-            </a:extLst>
-          </p:cNvPr>
+            <a:endParaRPr lang="en-US" sz="3200">
+              <a:solidFill>
+                <a:srgbClr val="FF0000"/>
+              </a:solidFill>
+            </a:endParaRPr>
+          </a:p>
+        </p:txBody>
+      </p:sp>
+      <p:sp>
+        <p:nvSpPr>
+          <p:cNvPr id="17" name="Oval 16"/>
           <p:cNvSpPr/>
           <p:nvPr/>
         </p:nvSpPr>
@@ -5437,22 +4996,22 @@
           <a:p>
             <a:pPr algn="ctr"/>
             <a:r>
-              <a:rPr lang="en-VN">
+              <a:rPr lang="en-US">
                 <a:solidFill>
                   <a:srgbClr val="FF0000"/>
                 </a:solidFill>
               </a:rPr>
               <a:t>1</a:t>
             </a:r>
+            <a:endParaRPr lang="en-US">
+              <a:solidFill>
+                <a:srgbClr val="FF0000"/>
+              </a:solidFill>
+            </a:endParaRPr>
           </a:p>
         </p:txBody>
       </p:sp>
     </p:spTree>
-    <p:extLst>
-      <p:ext uri="{BB962C8B-B14F-4D97-AF65-F5344CB8AC3E}">
-        <p14:creationId xmlns:p14="http://schemas.microsoft.com/office/powerpoint/2010/main" val="767494381"/>
-      </p:ext>
-    </p:extLst>
   </p:cSld>
   <p:clrMapOvr>
     <a:masterClrMapping/>
@@ -5482,21 +5041,14 @@
       </p:grpSpPr>
       <p:sp>
         <p:nvSpPr>
-          <p:cNvPr id="10" name="TextBox 9">
-            <a:hlinkClick r:id="rId2"/>
-            <a:extLst>
-              <a:ext uri="{FF2B5EF4-FFF2-40B4-BE49-F238E27FC236}">
-                <a16:creationId xmlns:a16="http://schemas.microsoft.com/office/drawing/2014/main" id="{616DC6A4-1C24-244D-BCDE-BF6FE141EA8C}"/>
-              </a:ext>
-            </a:extLst>
-          </p:cNvPr>
+          <p:cNvPr id="10" name="TextBox 9"/>
           <p:cNvSpPr txBox="1"/>
           <p:nvPr/>
         </p:nvSpPr>
         <p:spPr>
           <a:xfrm>
             <a:off x="703384" y="1121254"/>
-            <a:ext cx="8169310" cy="577850"/>
+            <a:ext cx="8169310" cy="664156"/>
           </a:xfrm>
           <a:prstGeom prst="rect">
             <a:avLst/>
@@ -5513,28 +5065,34 @@
               <a:lnSpc>
                 <a:spcPct val="150000"/>
               </a:lnSpc>
-              <a:buFont typeface="Wingdings" pitchFamily="2" charset="2"/>
+              <a:buFont typeface="Wingdings" panose="05000000000000000000" pitchFamily="2" charset="2"/>
               <a:buChar char="Ø"/>
             </a:pPr>
             <a:r>
-              <a:rPr lang="en-US" sz="2400" dirty="0">
-                <a:ea typeface="SF Pro Semibold" pitchFamily="2" charset="0"/>
-                <a:cs typeface="Arial" panose="020B0604020202020204" pitchFamily="34" charset="0"/>
-              </a:rPr>
-              <a:t>https://en.wikipedia.org/wiki/Facial_recognition_system</a:t>
-            </a:r>
-          </a:p>
-        </p:txBody>
-      </p:sp>
-      <p:sp>
-        <p:nvSpPr>
-          <p:cNvPr id="9" name="Rectangle 8">
-            <a:extLst>
-              <a:ext uri="{FF2B5EF4-FFF2-40B4-BE49-F238E27FC236}">
-                <a16:creationId xmlns:a16="http://schemas.microsoft.com/office/drawing/2014/main" id="{6B0BE84C-DBD5-E249-AB4C-2F3AFB8A0C4D}"/>
-              </a:ext>
-            </a:extLst>
-          </p:cNvPr>
+              <a:rPr lang="en-US" sz="2800" dirty="0">
+                <a:solidFill>
+                  <a:srgbClr val="FF0000"/>
+                </a:solidFill>
+                <a:latin typeface="SF Pro Semibold" pitchFamily="2" charset="0"/>
+                <a:ea typeface="SF Pro Semibold" pitchFamily="2" charset="0"/>
+                <a:cs typeface="SF Pro Semibold" pitchFamily="2" charset="0"/>
+              </a:rPr>
+              <a:t>3.3.Điểm tin cậy trong nhận dạng khuôn mặt?:  </a:t>
+            </a:r>
+            <a:endParaRPr lang="en-US" sz="2800" dirty="0">
+              <a:solidFill>
+                <a:srgbClr val="FF0000"/>
+              </a:solidFill>
+              <a:latin typeface="SF Pro Semibold" pitchFamily="2" charset="0"/>
+              <a:ea typeface="SF Pro Semibold" pitchFamily="2" charset="0"/>
+              <a:cs typeface="SF Pro Semibold" pitchFamily="2" charset="0"/>
+            </a:endParaRPr>
+          </a:p>
+        </p:txBody>
+      </p:sp>
+      <p:sp>
+        <p:nvSpPr>
+          <p:cNvPr id="9" name="Rectangle 8"/>
           <p:cNvSpPr/>
           <p:nvPr/>
         </p:nvSpPr>
@@ -5574,26 +5132,20 @@
           <a:lstStyle/>
           <a:p>
             <a:pPr algn="ctr"/>
-            <a:endParaRPr lang="en-VN"/>
-          </a:p>
-        </p:txBody>
-      </p:sp>
-      <p:sp>
-        <p:nvSpPr>
-          <p:cNvPr id="5" name="TextBox 4">
-            <a:extLst>
-              <a:ext uri="{FF2B5EF4-FFF2-40B4-BE49-F238E27FC236}">
-                <a16:creationId xmlns:a16="http://schemas.microsoft.com/office/drawing/2014/main" id="{F3960680-F03C-3047-A820-E7C09DBC8563}"/>
-              </a:ext>
-            </a:extLst>
-          </p:cNvPr>
+            <a:endParaRPr lang="en-US"/>
+          </a:p>
+        </p:txBody>
+      </p:sp>
+      <p:sp>
+        <p:nvSpPr>
+          <p:cNvPr id="5" name="TextBox 4"/>
           <p:cNvSpPr txBox="1"/>
           <p:nvPr/>
         </p:nvSpPr>
         <p:spPr>
           <a:xfrm>
             <a:off x="521852" y="315311"/>
-            <a:ext cx="7318029" cy="584775"/>
+            <a:ext cx="6195927" cy="584775"/>
           </a:xfrm>
           <a:prstGeom prst="rect">
             <a:avLst/>
@@ -5613,9 +5165,9 @@
                 </a:solidFill>
                 <a:latin typeface="+mj-lt"/>
               </a:rPr>
-              <a:t>CÁC TRANG TÀI LIỆU THAM KHẢO. </a:t>
-            </a:r>
-            <a:endParaRPr lang="en-VN" sz="3200" b="1">
+              <a:t>3.ĐỘ TIN CẬY VÀ CHÍNH XÁC. </a:t>
+            </a:r>
+            <a:endParaRPr lang="en-US" sz="3200" b="1">
               <a:solidFill>
                 <a:schemeClr val="bg1"/>
               </a:solidFill>
@@ -5626,13 +5178,7 @@
       </p:sp>
       <p:sp>
         <p:nvSpPr>
-          <p:cNvPr id="6" name="TextBox 5">
-            <a:extLst>
-              <a:ext uri="{FF2B5EF4-FFF2-40B4-BE49-F238E27FC236}">
-                <a16:creationId xmlns:a16="http://schemas.microsoft.com/office/drawing/2014/main" id="{BCEB1458-B89A-4A42-B00D-6EBB177FDA58}"/>
-              </a:ext>
-            </a:extLst>
-          </p:cNvPr>
+          <p:cNvPr id="6" name="TextBox 5"/>
           <p:cNvSpPr txBox="1"/>
           <p:nvPr/>
         </p:nvSpPr>
@@ -5652,26 +5198,18 @@
           </a:bodyPr>
           <a:lstStyle/>
           <a:p>
-            <a:endParaRPr lang="en-VN"/>
+            <a:endParaRPr lang="en-US"/>
           </a:p>
         </p:txBody>
       </p:sp>
       <p:pic>
         <p:nvPicPr>
-          <p:cNvPr id="12" name="Picture 11">
-            <a:extLst>
-              <a:ext uri="{FF2B5EF4-FFF2-40B4-BE49-F238E27FC236}">
-                <a16:creationId xmlns:a16="http://schemas.microsoft.com/office/drawing/2014/main" id="{2F0E3C83-4764-C241-85AE-24BA870C0D12}"/>
-              </a:ext>
-            </a:extLst>
-          </p:cNvPr>
-          <p:cNvPicPr>
-            <a:picLocks/>
-          </p:cNvPicPr>
+          <p:cNvPr id="12" name="Picture 11"/>
+          <p:cNvPicPr/>
           <p:nvPr/>
         </p:nvPicPr>
         <p:blipFill>
-          <a:blip r:embed="rId3"/>
+          <a:blip r:embed="rId1"/>
           <a:stretch>
             <a:fillRect/>
           </a:stretch>
@@ -5688,13 +5226,7 @@
       </p:pic>
       <p:sp>
         <p:nvSpPr>
-          <p:cNvPr id="13" name="Oval 12">
-            <a:extLst>
-              <a:ext uri="{FF2B5EF4-FFF2-40B4-BE49-F238E27FC236}">
-                <a16:creationId xmlns:a16="http://schemas.microsoft.com/office/drawing/2014/main" id="{D8985CD3-7249-F240-A798-41E9AD66DE19}"/>
-              </a:ext>
-            </a:extLst>
-          </p:cNvPr>
+          <p:cNvPr id="13" name="Oval 12"/>
           <p:cNvSpPr/>
           <p:nvPr/>
         </p:nvSpPr>
@@ -5737,114 +5269,48 @@
           <a:p>
             <a:pPr algn="ctr"/>
             <a:r>
-              <a:rPr lang="en-VN">
+              <a:rPr lang="en-US">
                 <a:solidFill>
                   <a:srgbClr val="FF0000"/>
                 </a:solidFill>
               </a:rPr>
               <a:t>4</a:t>
             </a:r>
-          </a:p>
-        </p:txBody>
-      </p:sp>
-      <p:sp>
-        <p:nvSpPr>
-          <p:cNvPr id="17" name="TextBox 16">
-            <a:hlinkClick r:id="rId4"/>
-            <a:extLst>
-              <a:ext uri="{FF2B5EF4-FFF2-40B4-BE49-F238E27FC236}">
-                <a16:creationId xmlns:a16="http://schemas.microsoft.com/office/drawing/2014/main" id="{8D53FAAD-5270-5F40-9172-14841CC3CF8A}"/>
-              </a:ext>
-            </a:extLst>
-          </p:cNvPr>
-          <p:cNvSpPr txBox="1"/>
+            <a:endParaRPr lang="en-US">
+              <a:solidFill>
+                <a:srgbClr val="FF0000"/>
+              </a:solidFill>
+            </a:endParaRPr>
+          </a:p>
+        </p:txBody>
+      </p:sp>
+      <p:pic>
+        <p:nvPicPr>
+          <p:cNvPr id="3" name="Picture 2"/>
+          <p:cNvPicPr>
+            <a:picLocks noChangeAspect="1"/>
+          </p:cNvPicPr>
           <p:nvPr/>
-        </p:nvSpPr>
+        </p:nvPicPr>
+        <p:blipFill>
+          <a:blip r:embed="rId2"/>
+          <a:stretch>
+            <a:fillRect/>
+          </a:stretch>
+        </p:blipFill>
         <p:spPr>
           <a:xfrm>
-            <a:off x="703384" y="2406869"/>
-            <a:ext cx="8169310" cy="2239844"/>
-          </a:xfrm>
-          <a:prstGeom prst="rect">
-            <a:avLst/>
+            <a:off x="1040256" y="1854645"/>
+            <a:ext cx="7495566" cy="4732049"/>
+          </a:xfrm>
+          <a:prstGeom prst="roundRect">
+            <a:avLst>
+              <a:gd name="adj" fmla="val 8649"/>
+            </a:avLst>
           </a:prstGeom>
-          <a:noFill/>
-        </p:spPr>
-        <p:txBody>
-          <a:bodyPr wrap="square">
-            <a:spAutoFit/>
-          </a:bodyPr>
-          <a:lstStyle/>
-          <a:p>
-            <a:pPr marL="457200" indent="-457200">
-              <a:lnSpc>
-                <a:spcPct val="150000"/>
-              </a:lnSpc>
-              <a:buFont typeface="Wingdings" pitchFamily="2" charset="2"/>
-              <a:buChar char="Ø"/>
-            </a:pPr>
-            <a:r>
-              <a:rPr lang="en-US" sz="2400" dirty="0">
-                <a:ea typeface="SF Pro Semibold" pitchFamily="2" charset="0"/>
-                <a:cs typeface="Arial" panose="020B0604020202020204" pitchFamily="34" charset="0"/>
-              </a:rPr>
-              <a:t>https://this.deakin.edu.au/innovation/facial-recognition-id-how-safe-is-your-face#:~:text=It's%20not%20relatively%20more%20secure,your%20phone%20using%20Face%20ID.</a:t>
-            </a:r>
-          </a:p>
-        </p:txBody>
-      </p:sp>
-      <p:sp>
-        <p:nvSpPr>
-          <p:cNvPr id="18" name="TextBox 17">
-            <a:hlinkClick r:id="rId5"/>
-            <a:extLst>
-              <a:ext uri="{FF2B5EF4-FFF2-40B4-BE49-F238E27FC236}">
-                <a16:creationId xmlns:a16="http://schemas.microsoft.com/office/drawing/2014/main" id="{F1705697-0CE8-4B42-896C-07F1B4B85186}"/>
-              </a:ext>
-            </a:extLst>
-          </p:cNvPr>
-          <p:cNvSpPr txBox="1"/>
-          <p:nvPr/>
-        </p:nvSpPr>
-        <p:spPr>
-          <a:xfrm>
-            <a:off x="703384" y="5431031"/>
-            <a:ext cx="8169310" cy="1131848"/>
-          </a:xfrm>
-          <a:prstGeom prst="rect">
-            <a:avLst/>
-          </a:prstGeom>
-          <a:noFill/>
-        </p:spPr>
-        <p:txBody>
-          <a:bodyPr wrap="square">
-            <a:spAutoFit/>
-          </a:bodyPr>
-          <a:lstStyle/>
-          <a:p>
-            <a:pPr marL="457200" indent="-457200">
-              <a:lnSpc>
-                <a:spcPct val="150000"/>
-              </a:lnSpc>
-              <a:buFont typeface="Wingdings" pitchFamily="2" charset="2"/>
-              <a:buChar char="Ø"/>
-            </a:pPr>
-            <a:r>
-              <a:rPr lang="en-US" sz="2400" dirty="0">
-                <a:ea typeface="SF Pro Semibold" pitchFamily="2" charset="0"/>
-                <a:cs typeface="Arial" panose="020B0604020202020204" pitchFamily="34" charset="0"/>
-              </a:rPr>
-              <a:t>https://senstar.com/senstarpedia/pros-and-cons-of-facial-recognition/</a:t>
-            </a:r>
-          </a:p>
-        </p:txBody>
-      </p:sp>
+        </p:spPr>
+      </p:pic>
     </p:spTree>
-    <p:extLst>
-      <p:ext uri="{BB962C8B-B14F-4D97-AF65-F5344CB8AC3E}">
-        <p14:creationId xmlns:p14="http://schemas.microsoft.com/office/powerpoint/2010/main" val="3048586716"/>
-      </p:ext>
-    </p:extLst>
   </p:cSld>
   <p:clrMapOvr>
     <a:masterClrMapping/>
@@ -5874,13 +5340,52 @@
       </p:grpSpPr>
       <p:sp>
         <p:nvSpPr>
-          <p:cNvPr id="9" name="Rectangle 8">
-            <a:extLst>
-              <a:ext uri="{FF2B5EF4-FFF2-40B4-BE49-F238E27FC236}">
-                <a16:creationId xmlns:a16="http://schemas.microsoft.com/office/drawing/2014/main" id="{6B0BE84C-DBD5-E249-AB4C-2F3AFB8A0C4D}"/>
-              </a:ext>
-            </a:extLst>
+          <p:cNvPr id="10" name="TextBox 9">
+            <a:hlinkClick r:id="rId1"/>
           </p:cNvPr>
+          <p:cNvSpPr txBox="1"/>
+          <p:nvPr/>
+        </p:nvSpPr>
+        <p:spPr>
+          <a:xfrm>
+            <a:off x="703384" y="1121254"/>
+            <a:ext cx="8169310" cy="577850"/>
+          </a:xfrm>
+          <a:prstGeom prst="rect">
+            <a:avLst/>
+          </a:prstGeom>
+          <a:noFill/>
+        </p:spPr>
+        <p:txBody>
+          <a:bodyPr wrap="square">
+            <a:spAutoFit/>
+          </a:bodyPr>
+          <a:lstStyle/>
+          <a:p>
+            <a:pPr marL="457200" indent="-457200">
+              <a:lnSpc>
+                <a:spcPct val="150000"/>
+              </a:lnSpc>
+              <a:buFont typeface="Wingdings" panose="05000000000000000000" pitchFamily="2" charset="2"/>
+              <a:buChar char="Ø"/>
+            </a:pPr>
+            <a:r>
+              <a:rPr lang="en-US" sz="2400" dirty="0">
+                <a:ea typeface="SF Pro Semibold" pitchFamily="2" charset="0"/>
+                <a:cs typeface="Arial" panose="020B0604020202020204" pitchFamily="34" charset="0"/>
+              </a:rPr>
+              <a:t>https://en.wikipedia.org/wiki/Facial_recognition_system</a:t>
+            </a:r>
+            <a:endParaRPr lang="en-US" sz="2400" dirty="0">
+              <a:ea typeface="SF Pro Semibold" pitchFamily="2" charset="0"/>
+              <a:cs typeface="Arial" panose="020B0604020202020204" pitchFamily="34" charset="0"/>
+            </a:endParaRPr>
+          </a:p>
+        </p:txBody>
+      </p:sp>
+      <p:sp>
+        <p:nvSpPr>
+          <p:cNvPr id="9" name="Rectangle 8"/>
           <p:cNvSpPr/>
           <p:nvPr/>
         </p:nvSpPr>
@@ -5920,26 +5425,20 @@
           <a:lstStyle/>
           <a:p>
             <a:pPr algn="ctr"/>
-            <a:endParaRPr lang="en-VN"/>
-          </a:p>
-        </p:txBody>
-      </p:sp>
-      <p:sp>
-        <p:nvSpPr>
-          <p:cNvPr id="5" name="TextBox 4">
-            <a:extLst>
-              <a:ext uri="{FF2B5EF4-FFF2-40B4-BE49-F238E27FC236}">
-                <a16:creationId xmlns:a16="http://schemas.microsoft.com/office/drawing/2014/main" id="{F3960680-F03C-3047-A820-E7C09DBC8563}"/>
-              </a:ext>
-            </a:extLst>
-          </p:cNvPr>
+            <a:endParaRPr lang="en-US"/>
+          </a:p>
+        </p:txBody>
+      </p:sp>
+      <p:sp>
+        <p:nvSpPr>
+          <p:cNvPr id="5" name="TextBox 4"/>
           <p:cNvSpPr txBox="1"/>
           <p:nvPr/>
         </p:nvSpPr>
         <p:spPr>
           <a:xfrm>
             <a:off x="521852" y="315311"/>
-            <a:ext cx="2486578" cy="584775"/>
+            <a:ext cx="7318029" cy="584775"/>
           </a:xfrm>
           <a:prstGeom prst="rect">
             <a:avLst/>
@@ -5959,9 +5458,9 @@
                 </a:solidFill>
                 <a:latin typeface="+mj-lt"/>
               </a:rPr>
-              <a:t>KẾT THÚC. </a:t>
-            </a:r>
-            <a:endParaRPr lang="en-VN" sz="3200" b="1">
+              <a:t>CÁC TRANG TÀI LIỆU THAM KHẢO. </a:t>
+            </a:r>
+            <a:endParaRPr lang="en-US" sz="3200" b="1">
               <a:solidFill>
                 <a:schemeClr val="bg1"/>
               </a:solidFill>
@@ -5972,13 +5471,7 @@
       </p:sp>
       <p:sp>
         <p:nvSpPr>
-          <p:cNvPr id="6" name="TextBox 5">
-            <a:extLst>
-              <a:ext uri="{FF2B5EF4-FFF2-40B4-BE49-F238E27FC236}">
-                <a16:creationId xmlns:a16="http://schemas.microsoft.com/office/drawing/2014/main" id="{BCEB1458-B89A-4A42-B00D-6EBB177FDA58}"/>
-              </a:ext>
-            </a:extLst>
-          </p:cNvPr>
+          <p:cNvPr id="6" name="TextBox 5"/>
           <p:cNvSpPr txBox="1"/>
           <p:nvPr/>
         </p:nvSpPr>
@@ -5998,22 +5491,14 @@
           </a:bodyPr>
           <a:lstStyle/>
           <a:p>
-            <a:endParaRPr lang="en-VN"/>
+            <a:endParaRPr lang="en-US"/>
           </a:p>
         </p:txBody>
       </p:sp>
       <p:pic>
         <p:nvPicPr>
-          <p:cNvPr id="12" name="Picture 11">
-            <a:extLst>
-              <a:ext uri="{FF2B5EF4-FFF2-40B4-BE49-F238E27FC236}">
-                <a16:creationId xmlns:a16="http://schemas.microsoft.com/office/drawing/2014/main" id="{2F0E3C83-4764-C241-85AE-24BA870C0D12}"/>
-              </a:ext>
-            </a:extLst>
-          </p:cNvPr>
-          <p:cNvPicPr>
-            <a:picLocks/>
-          </p:cNvPicPr>
+          <p:cNvPr id="12" name="Picture 11"/>
+          <p:cNvPicPr/>
           <p:nvPr/>
         </p:nvPicPr>
         <p:blipFill>
@@ -6034,13 +5519,7 @@
       </p:pic>
       <p:sp>
         <p:nvSpPr>
-          <p:cNvPr id="13" name="Oval 12">
-            <a:extLst>
-              <a:ext uri="{FF2B5EF4-FFF2-40B4-BE49-F238E27FC236}">
-                <a16:creationId xmlns:a16="http://schemas.microsoft.com/office/drawing/2014/main" id="{D8985CD3-7249-F240-A798-41E9AD66DE19}"/>
-              </a:ext>
-            </a:extLst>
-          </p:cNvPr>
+          <p:cNvPr id="13" name="Oval 12"/>
           <p:cNvSpPr/>
           <p:nvPr/>
         </p:nvSpPr>
@@ -6083,32 +5562,343 @@
           <a:p>
             <a:pPr algn="ctr"/>
             <a:r>
-              <a:rPr lang="en-VN">
+              <a:rPr lang="en-US">
                 <a:solidFill>
                   <a:srgbClr val="FF0000"/>
                 </a:solidFill>
               </a:rPr>
               <a:t>4</a:t>
             </a:r>
+            <a:endParaRPr lang="en-US">
+              <a:solidFill>
+                <a:srgbClr val="FF0000"/>
+              </a:solidFill>
+            </a:endParaRPr>
+          </a:p>
+        </p:txBody>
+      </p:sp>
+      <p:sp>
+        <p:nvSpPr>
+          <p:cNvPr id="17" name="TextBox 16">
+            <a:hlinkClick r:id="rId3"/>
+          </p:cNvPr>
+          <p:cNvSpPr txBox="1"/>
+          <p:nvPr/>
+        </p:nvSpPr>
+        <p:spPr>
+          <a:xfrm>
+            <a:off x="703384" y="2406869"/>
+            <a:ext cx="8169310" cy="2239844"/>
+          </a:xfrm>
+          <a:prstGeom prst="rect">
+            <a:avLst/>
+          </a:prstGeom>
+          <a:noFill/>
+        </p:spPr>
+        <p:txBody>
+          <a:bodyPr wrap="square">
+            <a:spAutoFit/>
+          </a:bodyPr>
+          <a:lstStyle/>
+          <a:p>
+            <a:pPr marL="457200" indent="-457200">
+              <a:lnSpc>
+                <a:spcPct val="150000"/>
+              </a:lnSpc>
+              <a:buFont typeface="Wingdings" panose="05000000000000000000" pitchFamily="2" charset="2"/>
+              <a:buChar char="Ø"/>
+            </a:pPr>
+            <a:r>
+              <a:rPr lang="en-US" sz="2400" dirty="0">
+                <a:ea typeface="SF Pro Semibold" pitchFamily="2" charset="0"/>
+                <a:cs typeface="Arial" panose="020B0604020202020204" pitchFamily="34" charset="0"/>
+              </a:rPr>
+              <a:t>https://this.deakin.edu.au/innovation/facial-recognition-id-how-safe-is-your-face#:~:text=It's%20not%20relatively%20more%20secure,your%20phone%20using%20Face%20ID.</a:t>
+            </a:r>
+            <a:endParaRPr lang="en-US" sz="2400" dirty="0">
+              <a:ea typeface="SF Pro Semibold" pitchFamily="2" charset="0"/>
+              <a:cs typeface="Arial" panose="020B0604020202020204" pitchFamily="34" charset="0"/>
+            </a:endParaRPr>
+          </a:p>
+        </p:txBody>
+      </p:sp>
+      <p:sp>
+        <p:nvSpPr>
+          <p:cNvPr id="18" name="TextBox 17">
+            <a:hlinkClick r:id="rId4"/>
+          </p:cNvPr>
+          <p:cNvSpPr txBox="1"/>
+          <p:nvPr/>
+        </p:nvSpPr>
+        <p:spPr>
+          <a:xfrm>
+            <a:off x="703384" y="5431031"/>
+            <a:ext cx="8169310" cy="1131848"/>
+          </a:xfrm>
+          <a:prstGeom prst="rect">
+            <a:avLst/>
+          </a:prstGeom>
+          <a:noFill/>
+        </p:spPr>
+        <p:txBody>
+          <a:bodyPr wrap="square">
+            <a:spAutoFit/>
+          </a:bodyPr>
+          <a:lstStyle/>
+          <a:p>
+            <a:pPr marL="457200" indent="-457200">
+              <a:lnSpc>
+                <a:spcPct val="150000"/>
+              </a:lnSpc>
+              <a:buFont typeface="Wingdings" panose="05000000000000000000" pitchFamily="2" charset="2"/>
+              <a:buChar char="Ø"/>
+            </a:pPr>
+            <a:r>
+              <a:rPr lang="en-US" sz="2400" dirty="0">
+                <a:ea typeface="SF Pro Semibold" pitchFamily="2" charset="0"/>
+                <a:cs typeface="Arial" panose="020B0604020202020204" pitchFamily="34" charset="0"/>
+              </a:rPr>
+              <a:t>https://senstar.com/senstarpedia/pros-and-cons-of-facial-recognition/</a:t>
+            </a:r>
+            <a:endParaRPr lang="en-US" sz="2400" dirty="0">
+              <a:ea typeface="SF Pro Semibold" pitchFamily="2" charset="0"/>
+              <a:cs typeface="Arial" panose="020B0604020202020204" pitchFamily="34" charset="0"/>
+            </a:endParaRPr>
+          </a:p>
+        </p:txBody>
+      </p:sp>
+    </p:spTree>
+  </p:cSld>
+  <p:clrMapOvr>
+    <a:masterClrMapping/>
+  </p:clrMapOvr>
+  <p:transition spd="slow">
+    <p:pull/>
+  </p:transition>
+</p:sld>
+</file>
+
+<file path=ppt/slides/slide12.xml><?xml version="1.0" encoding="utf-8"?>
+<p:sld xmlns:a="http://schemas.openxmlformats.org/drawingml/2006/main" xmlns:r="http://schemas.openxmlformats.org/officeDocument/2006/relationships" xmlns:p="http://schemas.openxmlformats.org/presentationml/2006/main">
+  <p:cSld>
+    <p:spTree>
+      <p:nvGrpSpPr>
+        <p:cNvPr id="1" name=""/>
+        <p:cNvGrpSpPr/>
+        <p:nvPr/>
+      </p:nvGrpSpPr>
+      <p:grpSpPr>
+        <a:xfrm>
+          <a:off x="0" y="0"/>
+          <a:ext cx="0" cy="0"/>
+          <a:chOff x="0" y="0"/>
+          <a:chExt cx="0" cy="0"/>
+        </a:xfrm>
+      </p:grpSpPr>
+      <p:sp>
+        <p:nvSpPr>
+          <p:cNvPr id="9" name="Rectangle 8"/>
+          <p:cNvSpPr/>
+          <p:nvPr/>
+        </p:nvSpPr>
+        <p:spPr>
+          <a:xfrm>
+            <a:off x="8470760" y="6350556"/>
+            <a:ext cx="693336" cy="567732"/>
+          </a:xfrm>
+          <a:prstGeom prst="rect">
+            <a:avLst/>
+          </a:prstGeom>
+          <a:solidFill>
+            <a:schemeClr val="bg1"/>
+          </a:solidFill>
+          <a:ln>
+            <a:noFill/>
+          </a:ln>
+        </p:spPr>
+        <p:style>
+          <a:lnRef idx="2">
+            <a:schemeClr val="accent1">
+              <a:shade val="50000"/>
+            </a:schemeClr>
+          </a:lnRef>
+          <a:fillRef idx="1">
+            <a:schemeClr val="accent1"/>
+          </a:fillRef>
+          <a:effectRef idx="0">
+            <a:schemeClr val="accent1"/>
+          </a:effectRef>
+          <a:fontRef idx="minor">
+            <a:schemeClr val="lt1"/>
+          </a:fontRef>
+        </p:style>
+        <p:txBody>
+          <a:bodyPr rtlCol="0" anchor="ctr"/>
+          <a:lstStyle/>
+          <a:p>
+            <a:pPr algn="ctr"/>
+            <a:endParaRPr lang="en-US"/>
+          </a:p>
+        </p:txBody>
+      </p:sp>
+      <p:sp>
+        <p:nvSpPr>
+          <p:cNvPr id="5" name="TextBox 4"/>
+          <p:cNvSpPr txBox="1"/>
+          <p:nvPr/>
+        </p:nvSpPr>
+        <p:spPr>
+          <a:xfrm>
+            <a:off x="521852" y="315311"/>
+            <a:ext cx="2486578" cy="584775"/>
+          </a:xfrm>
+          <a:prstGeom prst="rect">
+            <a:avLst/>
+          </a:prstGeom>
+          <a:noFill/>
+        </p:spPr>
+        <p:txBody>
+          <a:bodyPr wrap="none" rtlCol="0">
+            <a:spAutoFit/>
+          </a:bodyPr>
+          <a:lstStyle/>
+          <a:p>
+            <a:r>
+              <a:rPr lang="en-US" sz="3200" b="1">
+                <a:solidFill>
+                  <a:schemeClr val="bg1"/>
+                </a:solidFill>
+                <a:latin typeface="+mj-lt"/>
+              </a:rPr>
+              <a:t>KẾT THÚC. </a:t>
+            </a:r>
+            <a:endParaRPr lang="en-US" sz="3200" b="1">
+              <a:solidFill>
+                <a:schemeClr val="bg1"/>
+              </a:solidFill>
+              <a:latin typeface="+mj-lt"/>
+            </a:endParaRPr>
+          </a:p>
+        </p:txBody>
+      </p:sp>
+      <p:sp>
+        <p:nvSpPr>
+          <p:cNvPr id="6" name="TextBox 5"/>
+          <p:cNvSpPr txBox="1"/>
+          <p:nvPr/>
+        </p:nvSpPr>
+        <p:spPr>
+          <a:xfrm>
+            <a:off x="3247697" y="2406869"/>
+            <a:ext cx="184731" cy="369332"/>
+          </a:xfrm>
+          <a:prstGeom prst="rect">
+            <a:avLst/>
+          </a:prstGeom>
+          <a:noFill/>
+        </p:spPr>
+        <p:txBody>
+          <a:bodyPr wrap="none" rtlCol="0">
+            <a:spAutoFit/>
+          </a:bodyPr>
+          <a:lstStyle/>
+          <a:p>
+            <a:endParaRPr lang="en-US"/>
           </a:p>
         </p:txBody>
       </p:sp>
       <p:pic>
         <p:nvPicPr>
-          <p:cNvPr id="15" name="Picture 14">
-            <a:extLst>
-              <a:ext uri="{FF2B5EF4-FFF2-40B4-BE49-F238E27FC236}">
-                <a16:creationId xmlns:a16="http://schemas.microsoft.com/office/drawing/2014/main" id="{572F75E5-43F2-9D45-A001-5147469B308D}"/>
-              </a:ext>
-            </a:extLst>
-          </p:cNvPr>
+          <p:cNvPr id="12" name="Picture 11"/>
+          <p:cNvPicPr/>
+          <p:nvPr/>
+        </p:nvPicPr>
+        <p:blipFill>
+          <a:blip r:embed="rId1"/>
+          <a:stretch>
+            <a:fillRect/>
+          </a:stretch>
+        </p:blipFill>
+        <p:spPr>
+          <a:xfrm>
+            <a:off x="-39267" y="6350556"/>
+            <a:ext cx="576000" cy="1236543"/>
+          </a:xfrm>
+          <a:prstGeom prst="rect">
+            <a:avLst/>
+          </a:prstGeom>
+        </p:spPr>
+      </p:pic>
+      <p:sp>
+        <p:nvSpPr>
+          <p:cNvPr id="13" name="Oval 12"/>
+          <p:cNvSpPr/>
+          <p:nvPr/>
+        </p:nvSpPr>
+        <p:spPr>
+          <a:xfrm>
+            <a:off x="8601389" y="6315389"/>
+            <a:ext cx="542611" cy="542611"/>
+          </a:xfrm>
+          <a:prstGeom prst="ellipse">
+            <a:avLst/>
+          </a:prstGeom>
+          <a:solidFill>
+            <a:schemeClr val="bg1"/>
+          </a:solidFill>
+          <a:ln>
+            <a:solidFill>
+              <a:srgbClr val="FF0000"/>
+            </a:solidFill>
+          </a:ln>
+        </p:spPr>
+        <p:style>
+          <a:lnRef idx="2">
+            <a:schemeClr val="accent1">
+              <a:shade val="50000"/>
+            </a:schemeClr>
+          </a:lnRef>
+          <a:fillRef idx="1">
+            <a:schemeClr val="accent1"/>
+          </a:fillRef>
+          <a:effectRef idx="0">
+            <a:schemeClr val="accent1"/>
+          </a:effectRef>
+          <a:fontRef idx="minor">
+            <a:schemeClr val="lt1"/>
+          </a:fontRef>
+        </p:style>
+        <p:txBody>
+          <a:bodyPr rtlCol="0" anchor="ctr"/>
+          <a:lstStyle/>
+          <a:p>
+            <a:pPr algn="ctr"/>
+            <a:r>
+              <a:rPr lang="en-US">
+                <a:solidFill>
+                  <a:srgbClr val="FF0000"/>
+                </a:solidFill>
+              </a:rPr>
+              <a:t>4</a:t>
+            </a:r>
+            <a:endParaRPr lang="en-US">
+              <a:solidFill>
+                <a:srgbClr val="FF0000"/>
+              </a:solidFill>
+            </a:endParaRPr>
+          </a:p>
+        </p:txBody>
+      </p:sp>
+      <p:pic>
+        <p:nvPicPr>
+          <p:cNvPr id="15" name="Picture 14"/>
           <p:cNvPicPr>
             <a:picLocks noChangeAspect="1"/>
           </p:cNvPicPr>
           <p:nvPr/>
         </p:nvPicPr>
         <p:blipFill>
-          <a:blip r:embed="rId3"/>
+          <a:blip r:embed="rId2"/>
           <a:stretch>
             <a:fillRect/>
           </a:stretch>
@@ -6124,11 +5914,6 @@
         </p:spPr>
       </p:pic>
     </p:spTree>
-    <p:extLst>
-      <p:ext uri="{BB962C8B-B14F-4D97-AF65-F5344CB8AC3E}">
-        <p14:creationId xmlns:p14="http://schemas.microsoft.com/office/powerpoint/2010/main" val="4279974504"/>
-      </p:ext>
-    </p:extLst>
   </p:cSld>
   <p:clrMapOvr>
     <a:masterClrMapping/>
@@ -6158,13 +5943,7 @@
       </p:grpSpPr>
       <p:sp>
         <p:nvSpPr>
-          <p:cNvPr id="9" name="Rectangle 8">
-            <a:extLst>
-              <a:ext uri="{FF2B5EF4-FFF2-40B4-BE49-F238E27FC236}">
-                <a16:creationId xmlns:a16="http://schemas.microsoft.com/office/drawing/2014/main" id="{6B0BE84C-DBD5-E249-AB4C-2F3AFB8A0C4D}"/>
-              </a:ext>
-            </a:extLst>
-          </p:cNvPr>
+          <p:cNvPr id="9" name="Rectangle 8"/>
           <p:cNvSpPr/>
           <p:nvPr/>
         </p:nvSpPr>
@@ -6204,19 +5983,13 @@
           <a:lstStyle/>
           <a:p>
             <a:pPr algn="ctr"/>
-            <a:endParaRPr lang="en-VN"/>
-          </a:p>
-        </p:txBody>
-      </p:sp>
-      <p:sp>
-        <p:nvSpPr>
-          <p:cNvPr id="5" name="TextBox 4">
-            <a:extLst>
-              <a:ext uri="{FF2B5EF4-FFF2-40B4-BE49-F238E27FC236}">
-                <a16:creationId xmlns:a16="http://schemas.microsoft.com/office/drawing/2014/main" id="{F3960680-F03C-3047-A820-E7C09DBC8563}"/>
-              </a:ext>
-            </a:extLst>
-          </p:cNvPr>
+            <a:endParaRPr lang="en-US"/>
+          </a:p>
+        </p:txBody>
+      </p:sp>
+      <p:sp>
+        <p:nvSpPr>
+          <p:cNvPr id="5" name="TextBox 4"/>
           <p:cNvSpPr txBox="1"/>
           <p:nvPr/>
         </p:nvSpPr>
@@ -6245,7 +6018,7 @@
               </a:rPr>
               <a:t>MỤC LỤC</a:t>
             </a:r>
-            <a:endParaRPr lang="en-VN" sz="3200" b="1">
+            <a:endParaRPr lang="en-US" sz="3200" b="1">
               <a:solidFill>
                 <a:schemeClr val="bg1"/>
               </a:solidFill>
@@ -6256,13 +6029,7 @@
       </p:sp>
       <p:sp>
         <p:nvSpPr>
-          <p:cNvPr id="6" name="TextBox 5">
-            <a:extLst>
-              <a:ext uri="{FF2B5EF4-FFF2-40B4-BE49-F238E27FC236}">
-                <a16:creationId xmlns:a16="http://schemas.microsoft.com/office/drawing/2014/main" id="{BCEB1458-B89A-4A42-B00D-6EBB177FDA58}"/>
-              </a:ext>
-            </a:extLst>
-          </p:cNvPr>
+          <p:cNvPr id="6" name="TextBox 5"/>
           <p:cNvSpPr txBox="1"/>
           <p:nvPr/>
         </p:nvSpPr>
@@ -6282,26 +6049,18 @@
           </a:bodyPr>
           <a:lstStyle/>
           <a:p>
-            <a:endParaRPr lang="en-VN"/>
+            <a:endParaRPr lang="en-US"/>
           </a:p>
         </p:txBody>
       </p:sp>
       <p:pic>
         <p:nvPicPr>
-          <p:cNvPr id="12" name="Picture 11">
-            <a:extLst>
-              <a:ext uri="{FF2B5EF4-FFF2-40B4-BE49-F238E27FC236}">
-                <a16:creationId xmlns:a16="http://schemas.microsoft.com/office/drawing/2014/main" id="{2F0E3C83-4764-C241-85AE-24BA870C0D12}"/>
-              </a:ext>
-            </a:extLst>
-          </p:cNvPr>
-          <p:cNvPicPr>
-            <a:picLocks/>
-          </p:cNvPicPr>
+          <p:cNvPr id="12" name="Picture 11"/>
+          <p:cNvPicPr/>
           <p:nvPr/>
         </p:nvPicPr>
         <p:blipFill>
-          <a:blip r:embed="rId2"/>
+          <a:blip r:embed="rId1"/>
           <a:stretch>
             <a:fillRect/>
           </a:stretch>
@@ -6318,13 +6077,7 @@
       </p:pic>
       <p:sp>
         <p:nvSpPr>
-          <p:cNvPr id="13" name="Oval 12">
-            <a:extLst>
-              <a:ext uri="{FF2B5EF4-FFF2-40B4-BE49-F238E27FC236}">
-                <a16:creationId xmlns:a16="http://schemas.microsoft.com/office/drawing/2014/main" id="{D8985CD3-7249-F240-A798-41E9AD66DE19}"/>
-              </a:ext>
-            </a:extLst>
-          </p:cNvPr>
+          <p:cNvPr id="13" name="Oval 12"/>
           <p:cNvSpPr/>
           <p:nvPr/>
         </p:nvSpPr>
@@ -6367,25 +6120,24 @@
           <a:p>
             <a:pPr algn="ctr"/>
             <a:r>
-              <a:rPr lang="en-VN">
+              <a:rPr lang="en-US">
                 <a:solidFill>
                   <a:srgbClr val="FF0000"/>
                 </a:solidFill>
               </a:rPr>
               <a:t>2</a:t>
             </a:r>
-          </a:p>
-        </p:txBody>
-      </p:sp>
-      <p:sp>
-        <p:nvSpPr>
-          <p:cNvPr id="15" name="Rectangle 8">
-            <a:extLst>
-              <a:ext uri="{FF2B5EF4-FFF2-40B4-BE49-F238E27FC236}">
-                <a16:creationId xmlns:a16="http://schemas.microsoft.com/office/drawing/2014/main" id="{4234D6A4-7795-944B-9556-3E214CB01B5F}"/>
-              </a:ext>
-            </a:extLst>
-          </p:cNvPr>
+            <a:endParaRPr lang="en-US">
+              <a:solidFill>
+                <a:srgbClr val="FF0000"/>
+              </a:solidFill>
+            </a:endParaRPr>
+          </a:p>
+        </p:txBody>
+      </p:sp>
+      <p:sp>
+        <p:nvSpPr>
+          <p:cNvPr id="15" name="Rectangle 8"/>
           <p:cNvSpPr>
             <a:spLocks noChangeArrowheads="1"/>
           </p:cNvSpPr>
@@ -6445,7 +6197,7 @@
               <a:buClr>
                 <a:schemeClr val="hlink"/>
               </a:buClr>
-              <a:buFont typeface="Wingdings" pitchFamily="2" charset="2"/>
+              <a:buFont typeface="Wingdings" panose="05000000000000000000" pitchFamily="2" charset="2"/>
               <a:buChar char="v"/>
               <a:defRPr sz="3200">
                 <a:solidFill>
@@ -6461,7 +6213,7 @@
               <a:buClr>
                 <a:schemeClr val="accent1"/>
               </a:buClr>
-              <a:buFont typeface="Wingdings" pitchFamily="2" charset="2"/>
+              <a:buFont typeface="Wingdings" panose="05000000000000000000" pitchFamily="2" charset="2"/>
               <a:buChar char="§"/>
               <a:defRPr sz="2800">
                 <a:solidFill>
@@ -6601,6 +6353,13 @@
               </a:rPr>
               <a:t>.</a:t>
             </a:r>
+            <a:endParaRPr lang="en-US" sz="2400" dirty="0">
+              <a:solidFill>
+                <a:srgbClr val="FF0000"/>
+              </a:solidFill>
+              <a:ea typeface="SF Pro Semibold" pitchFamily="2" charset="0"/>
+              <a:cs typeface="Arial" panose="020B0604020202020204" pitchFamily="34" charset="0"/>
+            </a:endParaRPr>
           </a:p>
           <a:p>
             <a:r>
@@ -6633,6 +6392,13 @@
               </a:rPr>
               <a:t>	</a:t>
             </a:r>
+            <a:endParaRPr lang="en-US" sz="2400" dirty="0">
+              <a:solidFill>
+                <a:srgbClr val="FF0000"/>
+              </a:solidFill>
+              <a:ea typeface="SF Pro Semibold" pitchFamily="2" charset="0"/>
+              <a:cs typeface="Arial" panose="020B0604020202020204" pitchFamily="34" charset="0"/>
+            </a:endParaRPr>
           </a:p>
           <a:p>
             <a:r>
@@ -6841,18 +6607,6 @@
               </a:rPr>
               <a:t> da.</a:t>
             </a:r>
-          </a:p>
-          <a:p>
-            <a:r>
-              <a:rPr lang="vi-VN" sz="2400" dirty="0">
-                <a:solidFill>
-                  <a:srgbClr val="FF0000"/>
-                </a:solidFill>
-                <a:ea typeface="SF Pro Semibold" pitchFamily="2" charset="0"/>
-                <a:cs typeface="Arial" panose="020B0604020202020204" pitchFamily="34" charset="0"/>
-              </a:rPr>
-              <a:t>3. Độ tin cậy và chính xác.</a:t>
-            </a:r>
             <a:endParaRPr lang="en-US" sz="2400" dirty="0">
               <a:solidFill>
                 <a:srgbClr val="FF0000"/>
@@ -6863,298 +6617,14 @@
           </a:p>
           <a:p>
             <a:r>
-              <a:rPr lang="en-US" sz="2400" dirty="0">
+              <a:rPr lang="vi-VN" sz="2400" dirty="0">
                 <a:solidFill>
                   <a:srgbClr val="FF0000"/>
                 </a:solidFill>
                 <a:ea typeface="SF Pro Semibold" pitchFamily="2" charset="0"/>
                 <a:cs typeface="Arial" panose="020B0604020202020204" pitchFamily="34" charset="0"/>
               </a:rPr>
-              <a:t>3.1.Nhận </a:t>
-            </a:r>
-            <a:r>
-              <a:rPr lang="en-US" sz="2400" dirty="0" err="1">
-                <a:solidFill>
-                  <a:srgbClr val="FF0000"/>
-                </a:solidFill>
-                <a:ea typeface="SF Pro Semibold" pitchFamily="2" charset="0"/>
-                <a:cs typeface="Arial" panose="020B0604020202020204" pitchFamily="34" charset="0"/>
-              </a:rPr>
-              <a:t>dạng</a:t>
-            </a:r>
-            <a:r>
-              <a:rPr lang="en-US" sz="2400" dirty="0">
-                <a:solidFill>
-                  <a:srgbClr val="FF0000"/>
-                </a:solidFill>
-                <a:ea typeface="SF Pro Semibold" pitchFamily="2" charset="0"/>
-                <a:cs typeface="Arial" panose="020B0604020202020204" pitchFamily="34" charset="0"/>
-              </a:rPr>
-              <a:t> </a:t>
-            </a:r>
-            <a:r>
-              <a:rPr lang="en-US" sz="2400" dirty="0" err="1">
-                <a:solidFill>
-                  <a:srgbClr val="FF0000"/>
-                </a:solidFill>
-                <a:ea typeface="SF Pro Semibold" pitchFamily="2" charset="0"/>
-                <a:cs typeface="Arial" panose="020B0604020202020204" pitchFamily="34" charset="0"/>
-              </a:rPr>
-              <a:t>khuôn</a:t>
-            </a:r>
-            <a:r>
-              <a:rPr lang="en-US" sz="2400" dirty="0">
-                <a:solidFill>
-                  <a:srgbClr val="FF0000"/>
-                </a:solidFill>
-                <a:ea typeface="SF Pro Semibold" pitchFamily="2" charset="0"/>
-                <a:cs typeface="Arial" panose="020B0604020202020204" pitchFamily="34" charset="0"/>
-              </a:rPr>
-              <a:t> </a:t>
-            </a:r>
-            <a:r>
-              <a:rPr lang="en-US" sz="2400" dirty="0" err="1">
-                <a:solidFill>
-                  <a:srgbClr val="FF0000"/>
-                </a:solidFill>
-                <a:ea typeface="SF Pro Semibold" pitchFamily="2" charset="0"/>
-                <a:cs typeface="Arial" panose="020B0604020202020204" pitchFamily="34" charset="0"/>
-              </a:rPr>
-              <a:t>mặt</a:t>
-            </a:r>
-            <a:r>
-              <a:rPr lang="en-US" sz="2400" dirty="0">
-                <a:solidFill>
-                  <a:srgbClr val="FF0000"/>
-                </a:solidFill>
-                <a:ea typeface="SF Pro Semibold" pitchFamily="2" charset="0"/>
-                <a:cs typeface="Arial" panose="020B0604020202020204" pitchFamily="34" charset="0"/>
-              </a:rPr>
-              <a:t> </a:t>
-            </a:r>
-            <a:r>
-              <a:rPr lang="en-US" sz="2400" dirty="0" err="1">
-                <a:solidFill>
-                  <a:srgbClr val="FF0000"/>
-                </a:solidFill>
-                <a:ea typeface="SF Pro Semibold" pitchFamily="2" charset="0"/>
-                <a:cs typeface="Arial" panose="020B0604020202020204" pitchFamily="34" charset="0"/>
-              </a:rPr>
-              <a:t>có</a:t>
-            </a:r>
-            <a:r>
-              <a:rPr lang="en-US" sz="2400" dirty="0">
-                <a:solidFill>
-                  <a:srgbClr val="FF0000"/>
-                </a:solidFill>
-                <a:ea typeface="SF Pro Semibold" pitchFamily="2" charset="0"/>
-                <a:cs typeface="Arial" panose="020B0604020202020204" pitchFamily="34" charset="0"/>
-              </a:rPr>
-              <a:t> </a:t>
-            </a:r>
-            <a:r>
-              <a:rPr lang="en-US" sz="2400" dirty="0" err="1">
-                <a:solidFill>
-                  <a:srgbClr val="FF0000"/>
-                </a:solidFill>
-                <a:ea typeface="SF Pro Semibold" pitchFamily="2" charset="0"/>
-                <a:cs typeface="Arial" panose="020B0604020202020204" pitchFamily="34" charset="0"/>
-              </a:rPr>
-              <a:t>chính</a:t>
-            </a:r>
-            <a:r>
-              <a:rPr lang="en-US" sz="2400" dirty="0">
-                <a:solidFill>
-                  <a:srgbClr val="FF0000"/>
-                </a:solidFill>
-                <a:ea typeface="SF Pro Semibold" pitchFamily="2" charset="0"/>
-                <a:cs typeface="Arial" panose="020B0604020202020204" pitchFamily="34" charset="0"/>
-              </a:rPr>
-              <a:t> </a:t>
-            </a:r>
-            <a:r>
-              <a:rPr lang="en-US" sz="2400" dirty="0" err="1">
-                <a:solidFill>
-                  <a:srgbClr val="FF0000"/>
-                </a:solidFill>
-                <a:ea typeface="SF Pro Semibold" pitchFamily="2" charset="0"/>
-                <a:cs typeface="Arial" panose="020B0604020202020204" pitchFamily="34" charset="0"/>
-              </a:rPr>
-              <a:t>xác</a:t>
-            </a:r>
-            <a:r>
-              <a:rPr lang="en-US" sz="2400" dirty="0">
-                <a:solidFill>
-                  <a:srgbClr val="FF0000"/>
-                </a:solidFill>
-                <a:ea typeface="SF Pro Semibold" pitchFamily="2" charset="0"/>
-                <a:cs typeface="Arial" panose="020B0604020202020204" pitchFamily="34" charset="0"/>
-              </a:rPr>
-              <a:t> </a:t>
-            </a:r>
-            <a:r>
-              <a:rPr lang="en-US" sz="2400" dirty="0" err="1">
-                <a:solidFill>
-                  <a:srgbClr val="FF0000"/>
-                </a:solidFill>
-                <a:ea typeface="SF Pro Semibold" pitchFamily="2" charset="0"/>
-                <a:cs typeface="Arial" panose="020B0604020202020204" pitchFamily="34" charset="0"/>
-              </a:rPr>
-              <a:t>không</a:t>
-            </a:r>
-            <a:r>
-              <a:rPr lang="en-US" sz="2400" dirty="0">
-                <a:solidFill>
-                  <a:srgbClr val="FF0000"/>
-                </a:solidFill>
-                <a:ea typeface="SF Pro Semibold" pitchFamily="2" charset="0"/>
-                <a:cs typeface="Arial" panose="020B0604020202020204" pitchFamily="34" charset="0"/>
-              </a:rPr>
-              <a:t>?</a:t>
-            </a:r>
-          </a:p>
-          <a:p>
-            <a:r>
-              <a:rPr lang="en-US" sz="2400" dirty="0">
-                <a:solidFill>
-                  <a:srgbClr val="FF0000"/>
-                </a:solidFill>
-                <a:ea typeface="SF Pro Semibold" pitchFamily="2" charset="0"/>
-                <a:cs typeface="Arial" panose="020B0604020202020204" pitchFamily="34" charset="0"/>
-              </a:rPr>
-              <a:t>3.2.Nhận </a:t>
-            </a:r>
-            <a:r>
-              <a:rPr lang="en-US" sz="2400" dirty="0" err="1">
-                <a:solidFill>
-                  <a:srgbClr val="FF0000"/>
-                </a:solidFill>
-                <a:ea typeface="SF Pro Semibold" pitchFamily="2" charset="0"/>
-                <a:cs typeface="Arial" panose="020B0604020202020204" pitchFamily="34" charset="0"/>
-              </a:rPr>
-              <a:t>diện</a:t>
-            </a:r>
-            <a:r>
-              <a:rPr lang="en-US" sz="2400" dirty="0">
-                <a:solidFill>
-                  <a:srgbClr val="FF0000"/>
-                </a:solidFill>
-                <a:ea typeface="SF Pro Semibold" pitchFamily="2" charset="0"/>
-                <a:cs typeface="Arial" panose="020B0604020202020204" pitchFamily="34" charset="0"/>
-              </a:rPr>
-              <a:t> </a:t>
-            </a:r>
-            <a:r>
-              <a:rPr lang="en-US" sz="2400" dirty="0" err="1">
-                <a:solidFill>
-                  <a:srgbClr val="FF0000"/>
-                </a:solidFill>
-                <a:ea typeface="SF Pro Semibold" pitchFamily="2" charset="0"/>
-                <a:cs typeface="Arial" panose="020B0604020202020204" pitchFamily="34" charset="0"/>
-              </a:rPr>
-              <a:t>khuôn</a:t>
-            </a:r>
-            <a:r>
-              <a:rPr lang="en-US" sz="2400" dirty="0">
-                <a:solidFill>
-                  <a:srgbClr val="FF0000"/>
-                </a:solidFill>
-                <a:ea typeface="SF Pro Semibold" pitchFamily="2" charset="0"/>
-                <a:cs typeface="Arial" panose="020B0604020202020204" pitchFamily="34" charset="0"/>
-              </a:rPr>
-              <a:t> </a:t>
-            </a:r>
-            <a:r>
-              <a:rPr lang="en-US" sz="2400" dirty="0" err="1">
-                <a:solidFill>
-                  <a:srgbClr val="FF0000"/>
-                </a:solidFill>
-                <a:ea typeface="SF Pro Semibold" pitchFamily="2" charset="0"/>
-                <a:cs typeface="Arial" panose="020B0604020202020204" pitchFamily="34" charset="0"/>
-              </a:rPr>
-              <a:t>mặt</a:t>
-            </a:r>
-            <a:r>
-              <a:rPr lang="en-US" sz="2400" dirty="0">
-                <a:solidFill>
-                  <a:srgbClr val="FF0000"/>
-                </a:solidFill>
-                <a:ea typeface="SF Pro Semibold" pitchFamily="2" charset="0"/>
-                <a:cs typeface="Arial" panose="020B0604020202020204" pitchFamily="34" charset="0"/>
-              </a:rPr>
-              <a:t> </a:t>
-            </a:r>
-            <a:r>
-              <a:rPr lang="en-US" sz="2400" dirty="0" err="1">
-                <a:solidFill>
-                  <a:srgbClr val="FF0000"/>
-                </a:solidFill>
-                <a:ea typeface="SF Pro Semibold" pitchFamily="2" charset="0"/>
-                <a:cs typeface="Arial" panose="020B0604020202020204" pitchFamily="34" charset="0"/>
-              </a:rPr>
-              <a:t>có</a:t>
-            </a:r>
-            <a:r>
-              <a:rPr lang="en-US" sz="2400" dirty="0">
-                <a:solidFill>
-                  <a:srgbClr val="FF0000"/>
-                </a:solidFill>
-                <a:ea typeface="SF Pro Semibold" pitchFamily="2" charset="0"/>
-                <a:cs typeface="Arial" panose="020B0604020202020204" pitchFamily="34" charset="0"/>
-              </a:rPr>
-              <a:t> an </a:t>
-            </a:r>
-            <a:r>
-              <a:rPr lang="en-US" sz="2400" dirty="0" err="1">
-                <a:solidFill>
-                  <a:srgbClr val="FF0000"/>
-                </a:solidFill>
-                <a:ea typeface="SF Pro Semibold" pitchFamily="2" charset="0"/>
-                <a:cs typeface="Arial" panose="020B0604020202020204" pitchFamily="34" charset="0"/>
-              </a:rPr>
-              <a:t>toàn</a:t>
-            </a:r>
-            <a:r>
-              <a:rPr lang="en-US" sz="2400" dirty="0">
-                <a:solidFill>
-                  <a:srgbClr val="FF0000"/>
-                </a:solidFill>
-                <a:ea typeface="SF Pro Semibold" pitchFamily="2" charset="0"/>
-                <a:cs typeface="Arial" panose="020B0604020202020204" pitchFamily="34" charset="0"/>
-              </a:rPr>
-              <a:t> </a:t>
-            </a:r>
-            <a:r>
-              <a:rPr lang="en-US" sz="2400" dirty="0" err="1">
-                <a:solidFill>
-                  <a:srgbClr val="FF0000"/>
-                </a:solidFill>
-                <a:ea typeface="SF Pro Semibold" pitchFamily="2" charset="0"/>
-                <a:cs typeface="Arial" panose="020B0604020202020204" pitchFamily="34" charset="0"/>
-              </a:rPr>
-              <a:t>không</a:t>
-            </a:r>
-            <a:r>
-              <a:rPr lang="en-US" sz="2400" dirty="0">
-                <a:solidFill>
-                  <a:srgbClr val="FF0000"/>
-                </a:solidFill>
-                <a:ea typeface="SF Pro Semibold" pitchFamily="2" charset="0"/>
-                <a:cs typeface="Arial" panose="020B0604020202020204" pitchFamily="34" charset="0"/>
-              </a:rPr>
-              <a:t>?</a:t>
-            </a:r>
-          </a:p>
-          <a:p>
-            <a:r>
-              <a:rPr lang="vi-VN" sz="2400" dirty="0">
-                <a:solidFill>
-                  <a:srgbClr val="FF0000"/>
-                </a:solidFill>
-                <a:ea typeface="SF Pro Semibold" pitchFamily="2" charset="0"/>
-                <a:cs typeface="Arial" panose="020B0604020202020204" pitchFamily="34" charset="0"/>
-              </a:rPr>
-              <a:t>4. Ưu, nhược điểm và ứng dụng.</a:t>
+              <a:t>3. Độ tin cậy và chính xác.</a:t>
             </a:r>
             <a:endParaRPr lang="en-US" sz="2400" dirty="0">
               <a:solidFill>
@@ -7173,7 +6643,7 @@
                 <a:ea typeface="SF Pro Semibold" pitchFamily="2" charset="0"/>
                 <a:cs typeface="Arial" panose="020B0604020202020204" pitchFamily="34" charset="0"/>
               </a:rPr>
-              <a:t>4.1.Ưu, </a:t>
+              <a:t>3.1.Nhận </a:t>
             </a:r>
             <a:r>
               <a:rPr lang="en-US" sz="2400" dirty="0" err="1">
@@ -7183,7 +6653,7 @@
                 <a:ea typeface="SF Pro Semibold" pitchFamily="2" charset="0"/>
                 <a:cs typeface="Arial" panose="020B0604020202020204" pitchFamily="34" charset="0"/>
               </a:rPr>
-              <a:t>nhược</a:t>
+              <a:t>dạng</a:t>
             </a:r>
             <a:r>
               <a:rPr lang="en-US" sz="2400" dirty="0">
@@ -7203,7 +6673,117 @@
                 <a:ea typeface="SF Pro Semibold" pitchFamily="2" charset="0"/>
                 <a:cs typeface="Arial" panose="020B0604020202020204" pitchFamily="34" charset="0"/>
               </a:rPr>
-              <a:t>điểm.</a:t>
+              <a:t>khuôn</a:t>
+            </a:r>
+            <a:r>
+              <a:rPr lang="en-US" sz="2400" dirty="0">
+                <a:solidFill>
+                  <a:srgbClr val="FF0000"/>
+                </a:solidFill>
+                <a:ea typeface="SF Pro Semibold" pitchFamily="2" charset="0"/>
+                <a:cs typeface="Arial" panose="020B0604020202020204" pitchFamily="34" charset="0"/>
+              </a:rPr>
+              <a:t> </a:t>
+            </a:r>
+            <a:r>
+              <a:rPr lang="en-US" sz="2400" dirty="0" err="1">
+                <a:solidFill>
+                  <a:srgbClr val="FF0000"/>
+                </a:solidFill>
+                <a:ea typeface="SF Pro Semibold" pitchFamily="2" charset="0"/>
+                <a:cs typeface="Arial" panose="020B0604020202020204" pitchFamily="34" charset="0"/>
+              </a:rPr>
+              <a:t>mặt</a:t>
+            </a:r>
+            <a:r>
+              <a:rPr lang="en-US" sz="2400" dirty="0">
+                <a:solidFill>
+                  <a:srgbClr val="FF0000"/>
+                </a:solidFill>
+                <a:ea typeface="SF Pro Semibold" pitchFamily="2" charset="0"/>
+                <a:cs typeface="Arial" panose="020B0604020202020204" pitchFamily="34" charset="0"/>
+              </a:rPr>
+              <a:t> </a:t>
+            </a:r>
+            <a:r>
+              <a:rPr lang="en-US" sz="2400" dirty="0" err="1">
+                <a:solidFill>
+                  <a:srgbClr val="FF0000"/>
+                </a:solidFill>
+                <a:ea typeface="SF Pro Semibold" pitchFamily="2" charset="0"/>
+                <a:cs typeface="Arial" panose="020B0604020202020204" pitchFamily="34" charset="0"/>
+              </a:rPr>
+              <a:t>có</a:t>
+            </a:r>
+            <a:r>
+              <a:rPr lang="en-US" sz="2400" dirty="0">
+                <a:solidFill>
+                  <a:srgbClr val="FF0000"/>
+                </a:solidFill>
+                <a:ea typeface="SF Pro Semibold" pitchFamily="2" charset="0"/>
+                <a:cs typeface="Arial" panose="020B0604020202020204" pitchFamily="34" charset="0"/>
+              </a:rPr>
+              <a:t> </a:t>
+            </a:r>
+            <a:r>
+              <a:rPr lang="en-US" sz="2400" dirty="0" err="1">
+                <a:solidFill>
+                  <a:srgbClr val="FF0000"/>
+                </a:solidFill>
+                <a:ea typeface="SF Pro Semibold" pitchFamily="2" charset="0"/>
+                <a:cs typeface="Arial" panose="020B0604020202020204" pitchFamily="34" charset="0"/>
+              </a:rPr>
+              <a:t>chính</a:t>
+            </a:r>
+            <a:r>
+              <a:rPr lang="en-US" sz="2400" dirty="0">
+                <a:solidFill>
+                  <a:srgbClr val="FF0000"/>
+                </a:solidFill>
+                <a:ea typeface="SF Pro Semibold" pitchFamily="2" charset="0"/>
+                <a:cs typeface="Arial" panose="020B0604020202020204" pitchFamily="34" charset="0"/>
+              </a:rPr>
+              <a:t> </a:t>
+            </a:r>
+            <a:r>
+              <a:rPr lang="en-US" sz="2400" dirty="0" err="1">
+                <a:solidFill>
+                  <a:srgbClr val="FF0000"/>
+                </a:solidFill>
+                <a:ea typeface="SF Pro Semibold" pitchFamily="2" charset="0"/>
+                <a:cs typeface="Arial" panose="020B0604020202020204" pitchFamily="34" charset="0"/>
+              </a:rPr>
+              <a:t>xác</a:t>
+            </a:r>
+            <a:r>
+              <a:rPr lang="en-US" sz="2400" dirty="0">
+                <a:solidFill>
+                  <a:srgbClr val="FF0000"/>
+                </a:solidFill>
+                <a:ea typeface="SF Pro Semibold" pitchFamily="2" charset="0"/>
+                <a:cs typeface="Arial" panose="020B0604020202020204" pitchFamily="34" charset="0"/>
+              </a:rPr>
+              <a:t> </a:t>
+            </a:r>
+            <a:r>
+              <a:rPr lang="en-US" sz="2400" dirty="0" err="1">
+                <a:solidFill>
+                  <a:srgbClr val="FF0000"/>
+                </a:solidFill>
+                <a:ea typeface="SF Pro Semibold" pitchFamily="2" charset="0"/>
+                <a:cs typeface="Arial" panose="020B0604020202020204" pitchFamily="34" charset="0"/>
+              </a:rPr>
+              <a:t>không</a:t>
+            </a:r>
+            <a:r>
+              <a:rPr lang="en-US" sz="2400" dirty="0">
+                <a:solidFill>
+                  <a:srgbClr val="FF0000"/>
+                </a:solidFill>
+                <a:ea typeface="SF Pro Semibold" pitchFamily="2" charset="0"/>
+                <a:cs typeface="Arial" panose="020B0604020202020204" pitchFamily="34" charset="0"/>
+              </a:rPr>
+              <a:t>?</a:t>
             </a:r>
             <a:endParaRPr lang="en-US" sz="2400" dirty="0">
               <a:solidFill>
@@ -7222,6 +6802,213 @@
                 <a:ea typeface="SF Pro Semibold" pitchFamily="2" charset="0"/>
                 <a:cs typeface="Arial" panose="020B0604020202020204" pitchFamily="34" charset="0"/>
               </a:rPr>
+              <a:t>3.2.Nhận </a:t>
+            </a:r>
+            <a:r>
+              <a:rPr lang="en-US" sz="2400" dirty="0" err="1">
+                <a:solidFill>
+                  <a:srgbClr val="FF0000"/>
+                </a:solidFill>
+                <a:ea typeface="SF Pro Semibold" pitchFamily="2" charset="0"/>
+                <a:cs typeface="Arial" panose="020B0604020202020204" pitchFamily="34" charset="0"/>
+              </a:rPr>
+              <a:t>diện</a:t>
+            </a:r>
+            <a:r>
+              <a:rPr lang="en-US" sz="2400" dirty="0">
+                <a:solidFill>
+                  <a:srgbClr val="FF0000"/>
+                </a:solidFill>
+                <a:ea typeface="SF Pro Semibold" pitchFamily="2" charset="0"/>
+                <a:cs typeface="Arial" panose="020B0604020202020204" pitchFamily="34" charset="0"/>
+              </a:rPr>
+              <a:t> </a:t>
+            </a:r>
+            <a:r>
+              <a:rPr lang="en-US" sz="2400" dirty="0" err="1">
+                <a:solidFill>
+                  <a:srgbClr val="FF0000"/>
+                </a:solidFill>
+                <a:ea typeface="SF Pro Semibold" pitchFamily="2" charset="0"/>
+                <a:cs typeface="Arial" panose="020B0604020202020204" pitchFamily="34" charset="0"/>
+              </a:rPr>
+              <a:t>khuôn</a:t>
+            </a:r>
+            <a:r>
+              <a:rPr lang="en-US" sz="2400" dirty="0">
+                <a:solidFill>
+                  <a:srgbClr val="FF0000"/>
+                </a:solidFill>
+                <a:ea typeface="SF Pro Semibold" pitchFamily="2" charset="0"/>
+                <a:cs typeface="Arial" panose="020B0604020202020204" pitchFamily="34" charset="0"/>
+              </a:rPr>
+              <a:t> </a:t>
+            </a:r>
+            <a:r>
+              <a:rPr lang="en-US" sz="2400" dirty="0" err="1">
+                <a:solidFill>
+                  <a:srgbClr val="FF0000"/>
+                </a:solidFill>
+                <a:ea typeface="SF Pro Semibold" pitchFamily="2" charset="0"/>
+                <a:cs typeface="Arial" panose="020B0604020202020204" pitchFamily="34" charset="0"/>
+              </a:rPr>
+              <a:t>mặt</a:t>
+            </a:r>
+            <a:r>
+              <a:rPr lang="en-US" sz="2400" dirty="0">
+                <a:solidFill>
+                  <a:srgbClr val="FF0000"/>
+                </a:solidFill>
+                <a:ea typeface="SF Pro Semibold" pitchFamily="2" charset="0"/>
+                <a:cs typeface="Arial" panose="020B0604020202020204" pitchFamily="34" charset="0"/>
+              </a:rPr>
+              <a:t> </a:t>
+            </a:r>
+            <a:r>
+              <a:rPr lang="en-US" sz="2400" dirty="0" err="1">
+                <a:solidFill>
+                  <a:srgbClr val="FF0000"/>
+                </a:solidFill>
+                <a:ea typeface="SF Pro Semibold" pitchFamily="2" charset="0"/>
+                <a:cs typeface="Arial" panose="020B0604020202020204" pitchFamily="34" charset="0"/>
+              </a:rPr>
+              <a:t>có</a:t>
+            </a:r>
+            <a:r>
+              <a:rPr lang="en-US" sz="2400" dirty="0">
+                <a:solidFill>
+                  <a:srgbClr val="FF0000"/>
+                </a:solidFill>
+                <a:ea typeface="SF Pro Semibold" pitchFamily="2" charset="0"/>
+                <a:cs typeface="Arial" panose="020B0604020202020204" pitchFamily="34" charset="0"/>
+              </a:rPr>
+              <a:t> an </a:t>
+            </a:r>
+            <a:r>
+              <a:rPr lang="en-US" sz="2400" dirty="0" err="1">
+                <a:solidFill>
+                  <a:srgbClr val="FF0000"/>
+                </a:solidFill>
+                <a:ea typeface="SF Pro Semibold" pitchFamily="2" charset="0"/>
+                <a:cs typeface="Arial" panose="020B0604020202020204" pitchFamily="34" charset="0"/>
+              </a:rPr>
+              <a:t>toàn</a:t>
+            </a:r>
+            <a:r>
+              <a:rPr lang="en-US" sz="2400" dirty="0">
+                <a:solidFill>
+                  <a:srgbClr val="FF0000"/>
+                </a:solidFill>
+                <a:ea typeface="SF Pro Semibold" pitchFamily="2" charset="0"/>
+                <a:cs typeface="Arial" panose="020B0604020202020204" pitchFamily="34" charset="0"/>
+              </a:rPr>
+              <a:t> </a:t>
+            </a:r>
+            <a:r>
+              <a:rPr lang="en-US" sz="2400" dirty="0" err="1">
+                <a:solidFill>
+                  <a:srgbClr val="FF0000"/>
+                </a:solidFill>
+                <a:ea typeface="SF Pro Semibold" pitchFamily="2" charset="0"/>
+                <a:cs typeface="Arial" panose="020B0604020202020204" pitchFamily="34" charset="0"/>
+              </a:rPr>
+              <a:t>không</a:t>
+            </a:r>
+            <a:r>
+              <a:rPr lang="en-US" sz="2400" dirty="0">
+                <a:solidFill>
+                  <a:srgbClr val="FF0000"/>
+                </a:solidFill>
+                <a:ea typeface="SF Pro Semibold" pitchFamily="2" charset="0"/>
+                <a:cs typeface="Arial" panose="020B0604020202020204" pitchFamily="34" charset="0"/>
+              </a:rPr>
+              <a:t>?</a:t>
+            </a:r>
+            <a:endParaRPr lang="en-US" sz="2400" dirty="0">
+              <a:solidFill>
+                <a:srgbClr val="FF0000"/>
+              </a:solidFill>
+              <a:ea typeface="SF Pro Semibold" pitchFamily="2" charset="0"/>
+              <a:cs typeface="Arial" panose="020B0604020202020204" pitchFamily="34" charset="0"/>
+            </a:endParaRPr>
+          </a:p>
+          <a:p>
+            <a:r>
+              <a:rPr lang="vi-VN" sz="2400" dirty="0">
+                <a:solidFill>
+                  <a:srgbClr val="FF0000"/>
+                </a:solidFill>
+                <a:ea typeface="SF Pro Semibold" pitchFamily="2" charset="0"/>
+                <a:cs typeface="Arial" panose="020B0604020202020204" pitchFamily="34" charset="0"/>
+              </a:rPr>
+              <a:t>4. Ưu, nhược điểm và ứng dụng.</a:t>
+            </a:r>
+            <a:endParaRPr lang="en-US" sz="2400" dirty="0">
+              <a:solidFill>
+                <a:srgbClr val="FF0000"/>
+              </a:solidFill>
+              <a:ea typeface="SF Pro Semibold" pitchFamily="2" charset="0"/>
+              <a:cs typeface="Arial" panose="020B0604020202020204" pitchFamily="34" charset="0"/>
+            </a:endParaRPr>
+          </a:p>
+          <a:p>
+            <a:r>
+              <a:rPr lang="en-US" sz="2400" dirty="0">
+                <a:solidFill>
+                  <a:srgbClr val="FF0000"/>
+                </a:solidFill>
+                <a:ea typeface="SF Pro Semibold" pitchFamily="2" charset="0"/>
+                <a:cs typeface="Arial" panose="020B0604020202020204" pitchFamily="34" charset="0"/>
+              </a:rPr>
+              <a:t>4.1.Ưu, </a:t>
+            </a:r>
+            <a:r>
+              <a:rPr lang="en-US" sz="2400" dirty="0" err="1">
+                <a:solidFill>
+                  <a:srgbClr val="FF0000"/>
+                </a:solidFill>
+                <a:ea typeface="SF Pro Semibold" pitchFamily="2" charset="0"/>
+                <a:cs typeface="Arial" panose="020B0604020202020204" pitchFamily="34" charset="0"/>
+              </a:rPr>
+              <a:t>nhược</a:t>
+            </a:r>
+            <a:r>
+              <a:rPr lang="en-US" sz="2400" dirty="0">
+                <a:solidFill>
+                  <a:srgbClr val="FF0000"/>
+                </a:solidFill>
+                <a:ea typeface="SF Pro Semibold" pitchFamily="2" charset="0"/>
+                <a:cs typeface="Arial" panose="020B0604020202020204" pitchFamily="34" charset="0"/>
+              </a:rPr>
+              <a:t> </a:t>
+            </a:r>
+            <a:r>
+              <a:rPr lang="en-US" sz="2400" dirty="0" err="1">
+                <a:solidFill>
+                  <a:srgbClr val="FF0000"/>
+                </a:solidFill>
+                <a:ea typeface="SF Pro Semibold" pitchFamily="2" charset="0"/>
+                <a:cs typeface="Arial" panose="020B0604020202020204" pitchFamily="34" charset="0"/>
+              </a:rPr>
+              <a:t>điểm.</a:t>
+            </a:r>
+            <a:endParaRPr lang="en-US" sz="2400" dirty="0">
+              <a:solidFill>
+                <a:srgbClr val="FF0000"/>
+              </a:solidFill>
+              <a:ea typeface="SF Pro Semibold" pitchFamily="2" charset="0"/>
+              <a:cs typeface="Arial" panose="020B0604020202020204" pitchFamily="34" charset="0"/>
+            </a:endParaRPr>
+          </a:p>
+          <a:p>
+            <a:r>
+              <a:rPr lang="en-US" sz="2400" dirty="0">
+                <a:solidFill>
+                  <a:srgbClr val="FF0000"/>
+                </a:solidFill>
+                <a:ea typeface="SF Pro Semibold" pitchFamily="2" charset="0"/>
+                <a:cs typeface="Arial" panose="020B0604020202020204" pitchFamily="34" charset="0"/>
+              </a:rPr>
               <a:t>4.2.Ứng </a:t>
             </a:r>
             <a:r>
@@ -7255,11 +7042,6 @@
         </p:txBody>
       </p:sp>
     </p:spTree>
-    <p:extLst>
-      <p:ext uri="{BB962C8B-B14F-4D97-AF65-F5344CB8AC3E}">
-        <p14:creationId xmlns:p14="http://schemas.microsoft.com/office/powerpoint/2010/main" val="3464219460"/>
-      </p:ext>
-    </p:extLst>
   </p:cSld>
   <p:clrMapOvr>
     <a:masterClrMapping/>
@@ -7289,13 +7071,7 @@
       </p:grpSpPr>
       <p:sp>
         <p:nvSpPr>
-          <p:cNvPr id="9" name="Rectangle 8">
-            <a:extLst>
-              <a:ext uri="{FF2B5EF4-FFF2-40B4-BE49-F238E27FC236}">
-                <a16:creationId xmlns:a16="http://schemas.microsoft.com/office/drawing/2014/main" id="{6B0BE84C-DBD5-E249-AB4C-2F3AFB8A0C4D}"/>
-              </a:ext>
-            </a:extLst>
-          </p:cNvPr>
+          <p:cNvPr id="9" name="Rectangle 8"/>
           <p:cNvSpPr/>
           <p:nvPr/>
         </p:nvSpPr>
@@ -7335,26 +7111,20 @@
           <a:lstStyle/>
           <a:p>
             <a:pPr algn="ctr"/>
-            <a:endParaRPr lang="en-VN"/>
-          </a:p>
-        </p:txBody>
-      </p:sp>
-      <p:sp>
-        <p:nvSpPr>
-          <p:cNvPr id="5" name="TextBox 4">
-            <a:extLst>
-              <a:ext uri="{FF2B5EF4-FFF2-40B4-BE49-F238E27FC236}">
-                <a16:creationId xmlns:a16="http://schemas.microsoft.com/office/drawing/2014/main" id="{F3960680-F03C-3047-A820-E7C09DBC8563}"/>
-              </a:ext>
-            </a:extLst>
-          </p:cNvPr>
+            <a:endParaRPr lang="en-US"/>
+          </a:p>
+        </p:txBody>
+      </p:sp>
+      <p:sp>
+        <p:nvSpPr>
+          <p:cNvPr id="5" name="TextBox 4"/>
           <p:cNvSpPr txBox="1"/>
           <p:nvPr/>
         </p:nvSpPr>
         <p:spPr>
           <a:xfrm>
             <a:off x="521852" y="315311"/>
-            <a:ext cx="3688830" cy="584775"/>
+            <a:ext cx="4791075" cy="583565"/>
           </a:xfrm>
           <a:prstGeom prst="rect">
             <a:avLst/>
@@ -7374,9 +7144,36 @@
                 </a:solidFill>
                 <a:latin typeface="+mj-lt"/>
               </a:rPr>
-              <a:t>Chỗ này là tiêu đề</a:t>
-            </a:r>
-            <a:endParaRPr lang="en-VN" sz="3200" b="1">
+              <a:t>1</a:t>
+            </a:r>
+            <a:r>
+              <a:rPr lang="vi-VN" altLang="en-US" sz="3200" b="1">
+                <a:solidFill>
+                  <a:schemeClr val="bg1"/>
+                </a:solidFill>
+                <a:latin typeface="+mj-lt"/>
+              </a:rPr>
+              <a:t>.</a:t>
+            </a:r>
+            <a:r>
+              <a:rPr lang="en-US" sz="3200" b="1">
+                <a:solidFill>
+                  <a:schemeClr val="bg1"/>
+                </a:solidFill>
+                <a:latin typeface="+mj-lt"/>
+              </a:rPr>
+              <a:t>Kh</a:t>
+            </a:r>
+            <a:r>
+              <a:rPr lang="vi-VN" altLang="en-US" sz="3200" b="1">
+                <a:solidFill>
+                  <a:schemeClr val="bg1"/>
+                </a:solidFill>
+                <a:latin typeface="+mj-lt"/>
+              </a:rPr>
+              <a:t>ái Niệm và Cấu Tạo</a:t>
+            </a:r>
+            <a:endParaRPr lang="vi-VN" altLang="en-US" sz="3200" b="1">
               <a:solidFill>
                 <a:schemeClr val="bg1"/>
               </a:solidFill>
@@ -7387,13 +7184,7 @@
       </p:sp>
       <p:sp>
         <p:nvSpPr>
-          <p:cNvPr id="6" name="TextBox 5">
-            <a:extLst>
-              <a:ext uri="{FF2B5EF4-FFF2-40B4-BE49-F238E27FC236}">
-                <a16:creationId xmlns:a16="http://schemas.microsoft.com/office/drawing/2014/main" id="{BCEB1458-B89A-4A42-B00D-6EBB177FDA58}"/>
-              </a:ext>
-            </a:extLst>
-          </p:cNvPr>
+          <p:cNvPr id="6" name="TextBox 5"/>
           <p:cNvSpPr txBox="1"/>
           <p:nvPr/>
         </p:nvSpPr>
@@ -7413,26 +7204,18 @@
           </a:bodyPr>
           <a:lstStyle/>
           <a:p>
-            <a:endParaRPr lang="en-VN"/>
+            <a:endParaRPr lang="en-US"/>
           </a:p>
         </p:txBody>
       </p:sp>
       <p:pic>
         <p:nvPicPr>
-          <p:cNvPr id="12" name="Picture 11">
-            <a:extLst>
-              <a:ext uri="{FF2B5EF4-FFF2-40B4-BE49-F238E27FC236}">
-                <a16:creationId xmlns:a16="http://schemas.microsoft.com/office/drawing/2014/main" id="{2F0E3C83-4764-C241-85AE-24BA870C0D12}"/>
-              </a:ext>
-            </a:extLst>
-          </p:cNvPr>
-          <p:cNvPicPr>
-            <a:picLocks/>
-          </p:cNvPicPr>
+          <p:cNvPr id="12" name="Picture 11"/>
+          <p:cNvPicPr/>
           <p:nvPr/>
         </p:nvPicPr>
         <p:blipFill>
-          <a:blip r:embed="rId2"/>
+          <a:blip r:embed="rId1"/>
           <a:stretch>
             <a:fillRect/>
           </a:stretch>
@@ -7449,13 +7232,7 @@
       </p:pic>
       <p:sp>
         <p:nvSpPr>
-          <p:cNvPr id="13" name="Oval 12">
-            <a:extLst>
-              <a:ext uri="{FF2B5EF4-FFF2-40B4-BE49-F238E27FC236}">
-                <a16:creationId xmlns:a16="http://schemas.microsoft.com/office/drawing/2014/main" id="{D8985CD3-7249-F240-A798-41E9AD66DE19}"/>
-              </a:ext>
-            </a:extLst>
-          </p:cNvPr>
+          <p:cNvPr id="13" name="Oval 12"/>
           <p:cNvSpPr/>
           <p:nvPr/>
         </p:nvSpPr>
@@ -7498,25 +7275,24 @@
           <a:p>
             <a:pPr algn="ctr"/>
             <a:r>
-              <a:rPr lang="en-VN">
+              <a:rPr lang="en-US">
                 <a:solidFill>
                   <a:srgbClr val="FF0000"/>
                 </a:solidFill>
               </a:rPr>
               <a:t>2</a:t>
             </a:r>
-          </a:p>
-        </p:txBody>
-      </p:sp>
-      <p:sp>
-        <p:nvSpPr>
-          <p:cNvPr id="15" name="Rectangle 8">
-            <a:extLst>
-              <a:ext uri="{FF2B5EF4-FFF2-40B4-BE49-F238E27FC236}">
-                <a16:creationId xmlns:a16="http://schemas.microsoft.com/office/drawing/2014/main" id="{4234D6A4-7795-944B-9556-3E214CB01B5F}"/>
-              </a:ext>
-            </a:extLst>
-          </p:cNvPr>
+            <a:endParaRPr lang="en-US">
+              <a:solidFill>
+                <a:srgbClr val="FF0000"/>
+              </a:solidFill>
+            </a:endParaRPr>
+          </a:p>
+        </p:txBody>
+      </p:sp>
+      <p:sp>
+        <p:nvSpPr>
+          <p:cNvPr id="15" name="Rectangle 8"/>
           <p:cNvSpPr>
             <a:spLocks noChangeArrowheads="1"/>
           </p:cNvSpPr>
@@ -7524,8 +7300,8 @@
         </p:nvSpPr>
         <p:spPr bwMode="auto">
           <a:xfrm>
-            <a:off x="892489" y="1523966"/>
-            <a:ext cx="7708900" cy="461665"/>
+            <a:off x="892489" y="1493814"/>
+            <a:ext cx="7708900" cy="521970"/>
           </a:xfrm>
           <a:prstGeom prst="rect">
             <a:avLst/>
@@ -7576,7 +7352,7 @@
               <a:buClr>
                 <a:schemeClr val="hlink"/>
               </a:buClr>
-              <a:buFont typeface="Wingdings" pitchFamily="2" charset="2"/>
+              <a:buFont typeface="Wingdings" panose="05000000000000000000" pitchFamily="2" charset="2"/>
               <a:buChar char="v"/>
               <a:defRPr sz="3200">
                 <a:solidFill>
@@ -7592,7 +7368,7 @@
               <a:buClr>
                 <a:schemeClr val="accent1"/>
               </a:buClr>
-              <a:buFont typeface="Wingdings" pitchFamily="2" charset="2"/>
+              <a:buFont typeface="Wingdings" panose="05000000000000000000" pitchFamily="2" charset="2"/>
               <a:buChar char="§"/>
               <a:defRPr sz="2800">
                 <a:solidFill>
@@ -7706,24 +7482,124 @@
               <a:buNone/>
             </a:pPr>
             <a:r>
-              <a:rPr lang="vi-VN" sz="2400" dirty="0">
-                <a:solidFill>
-                  <a:srgbClr val="FF0000"/>
-                </a:solidFill>
-                <a:ea typeface="SF Pro Semibold" pitchFamily="2" charset="0"/>
-                <a:cs typeface="Arial" panose="020B0604020202020204" pitchFamily="34" charset="0"/>
-              </a:rPr>
-              <a:t>Ghi nội dung ở đây</a:t>
-            </a:r>
-          </a:p>
-        </p:txBody>
-      </p:sp>
+              <a:rPr lang="vi-VN" sz="2800" dirty="0">
+                <a:solidFill>
+                  <a:srgbClr val="FF0000"/>
+                </a:solidFill>
+                <a:latin typeface="SF Pro Semibold" pitchFamily="2" charset="0"/>
+                <a:ea typeface="SF Pro Semibold" pitchFamily="2" charset="0"/>
+                <a:cs typeface="SF Pro Semibold" pitchFamily="2" charset="0"/>
+              </a:rPr>
+              <a:t>1.1.Khái Niệm</a:t>
+            </a:r>
+            <a:endParaRPr lang="vi-VN" sz="2800" dirty="0">
+              <a:solidFill>
+                <a:srgbClr val="FF0000"/>
+              </a:solidFill>
+              <a:latin typeface="SF Pro Semibold" pitchFamily="2" charset="0"/>
+              <a:ea typeface="SF Pro Semibold" pitchFamily="2" charset="0"/>
+              <a:cs typeface="SF Pro Semibold" pitchFamily="2" charset="0"/>
+            </a:endParaRPr>
+          </a:p>
+        </p:txBody>
+      </p:sp>
+      <p:sp>
+        <p:nvSpPr>
+          <p:cNvPr id="2" name="Text Box 1"/>
+          <p:cNvSpPr txBox="1"/>
+          <p:nvPr/>
+        </p:nvSpPr>
+        <p:spPr>
+          <a:xfrm>
+            <a:off x="892175" y="2281555"/>
+            <a:ext cx="8024495" cy="1614805"/>
+          </a:xfrm>
+          <a:prstGeom prst="rect">
+            <a:avLst/>
+          </a:prstGeom>
+          <a:noFill/>
+        </p:spPr>
+        <p:txBody>
+          <a:bodyPr wrap="square" rtlCol="0">
+            <a:noAutofit/>
+          </a:bodyPr>
+          <a:p>
+            <a:pPr marL="0" indent="0" algn="l">
+              <a:lnSpc>
+                <a:spcPct val="130000"/>
+              </a:lnSpc>
+              <a:buNone/>
+            </a:pPr>
+            <a:r>
+              <a:rPr lang="vi-VN" altLang="en-US" sz="2400">
+                <a:latin typeface="SF Pro Semibold" pitchFamily="2" charset="0"/>
+                <a:cs typeface="SF Pro Semibold" pitchFamily="2" charset="0"/>
+              </a:rPr>
+              <a:t>-</a:t>
+            </a:r>
+            <a:r>
+              <a:rPr lang="en-US" sz="2400">
+                <a:latin typeface="SF Pro Semibold" pitchFamily="2" charset="0"/>
+                <a:cs typeface="SF Pro Semibold" pitchFamily="2" charset="0"/>
+              </a:rPr>
+              <a:t>Công nghệ nhận diện khuôn mặt là một công nghệ sinh trắc học ánh xạ các đặc điểm khuôn mặt của một cá nhân về mặt toán học và lưu trữ dữ liệu dưới dạng faceprint</a:t>
+            </a:r>
+            <a:endParaRPr lang="en-US" sz="2400">
+              <a:latin typeface="SF Pro Semibold" pitchFamily="2" charset="0"/>
+              <a:cs typeface="SF Pro Semibold" pitchFamily="2" charset="0"/>
+            </a:endParaRPr>
+          </a:p>
+        </p:txBody>
+      </p:sp>
+      <p:pic>
+        <p:nvPicPr>
+          <p:cNvPr id="4" name="Picture 3" descr="z3315131751550_088b97c33bb353473ce6645c20cce6c1"/>
+          <p:cNvPicPr>
+            <a:picLocks noChangeAspect="1"/>
+          </p:cNvPicPr>
+          <p:nvPr/>
+        </p:nvPicPr>
+        <p:blipFill>
+          <a:blip r:embed="rId2"/>
+          <a:stretch>
+            <a:fillRect/>
+          </a:stretch>
+        </p:blipFill>
+        <p:spPr>
+          <a:xfrm>
+            <a:off x="536575" y="4337050"/>
+            <a:ext cx="3324860" cy="1936750"/>
+          </a:xfrm>
+          <a:prstGeom prst="rect">
+            <a:avLst/>
+          </a:prstGeom>
+        </p:spPr>
+      </p:pic>
+      <p:pic>
+        <p:nvPicPr>
+          <p:cNvPr id="7" name="Picture 6" descr="1773160"/>
+          <p:cNvPicPr>
+            <a:picLocks noChangeAspect="1"/>
+          </p:cNvPicPr>
+          <p:nvPr/>
+        </p:nvPicPr>
+        <p:blipFill>
+          <a:blip r:embed="rId3"/>
+          <a:stretch>
+            <a:fillRect/>
+          </a:stretch>
+        </p:blipFill>
+        <p:spPr>
+          <a:xfrm>
+            <a:off x="5313045" y="4334510"/>
+            <a:ext cx="3830955" cy="1915795"/>
+          </a:xfrm>
+          <a:prstGeom prst="rect">
+            <a:avLst/>
+          </a:prstGeom>
+        </p:spPr>
+      </p:pic>
     </p:spTree>
-    <p:extLst>
-      <p:ext uri="{BB962C8B-B14F-4D97-AF65-F5344CB8AC3E}">
-        <p14:creationId xmlns:p14="http://schemas.microsoft.com/office/powerpoint/2010/main" val="3309016343"/>
-      </p:ext>
-    </p:extLst>
   </p:cSld>
   <p:clrMapOvr>
     <a:masterClrMapping/>
@@ -7753,13 +7629,7 @@
       </p:grpSpPr>
       <p:sp>
         <p:nvSpPr>
-          <p:cNvPr id="9" name="Rectangle 8">
-            <a:extLst>
-              <a:ext uri="{FF2B5EF4-FFF2-40B4-BE49-F238E27FC236}">
-                <a16:creationId xmlns:a16="http://schemas.microsoft.com/office/drawing/2014/main" id="{6B0BE84C-DBD5-E249-AB4C-2F3AFB8A0C4D}"/>
-              </a:ext>
-            </a:extLst>
-          </p:cNvPr>
+          <p:cNvPr id="9" name="Rectangle 8"/>
           <p:cNvSpPr/>
           <p:nvPr/>
         </p:nvSpPr>
@@ -7799,26 +7669,20 @@
           <a:lstStyle/>
           <a:p>
             <a:pPr algn="ctr"/>
-            <a:endParaRPr lang="en-VN"/>
-          </a:p>
-        </p:txBody>
-      </p:sp>
-      <p:sp>
-        <p:nvSpPr>
-          <p:cNvPr id="5" name="TextBox 4">
-            <a:extLst>
-              <a:ext uri="{FF2B5EF4-FFF2-40B4-BE49-F238E27FC236}">
-                <a16:creationId xmlns:a16="http://schemas.microsoft.com/office/drawing/2014/main" id="{F3960680-F03C-3047-A820-E7C09DBC8563}"/>
-              </a:ext>
-            </a:extLst>
-          </p:cNvPr>
+            <a:endParaRPr lang="en-US"/>
+          </a:p>
+        </p:txBody>
+      </p:sp>
+      <p:sp>
+        <p:nvSpPr>
+          <p:cNvPr id="5" name="TextBox 4"/>
           <p:cNvSpPr txBox="1"/>
           <p:nvPr/>
         </p:nvSpPr>
         <p:spPr>
           <a:xfrm>
             <a:off x="521852" y="315311"/>
-            <a:ext cx="6195927" cy="584775"/>
+            <a:ext cx="4791075" cy="583565"/>
           </a:xfrm>
           <a:prstGeom prst="rect">
             <a:avLst/>
@@ -7832,15 +7696,15 @@
           <a:lstStyle/>
           <a:p>
             <a:r>
-              <a:rPr lang="en-US" sz="3200" b="1">
+              <a:rPr lang="vi-VN" altLang="en-US" sz="3200" b="1">
                 <a:solidFill>
                   <a:schemeClr val="bg1"/>
                 </a:solidFill>
                 <a:latin typeface="+mj-lt"/>
               </a:rPr>
-              <a:t>3.ĐỘ TIN CẬY VÀ CHÍNH XÁC. </a:t>
-            </a:r>
-            <a:endParaRPr lang="en-VN" sz="3200" b="1">
+              <a:t>1.Khái Niệm và Cấu Tạo</a:t>
+            </a:r>
+            <a:endParaRPr lang="vi-VN" altLang="en-US" sz="3200" b="1">
               <a:solidFill>
                 <a:schemeClr val="bg1"/>
               </a:solidFill>
@@ -7851,13 +7715,7 @@
       </p:sp>
       <p:sp>
         <p:nvSpPr>
-          <p:cNvPr id="6" name="TextBox 5">
-            <a:extLst>
-              <a:ext uri="{FF2B5EF4-FFF2-40B4-BE49-F238E27FC236}">
-                <a16:creationId xmlns:a16="http://schemas.microsoft.com/office/drawing/2014/main" id="{BCEB1458-B89A-4A42-B00D-6EBB177FDA58}"/>
-              </a:ext>
-            </a:extLst>
-          </p:cNvPr>
+          <p:cNvPr id="6" name="TextBox 5"/>
           <p:cNvSpPr txBox="1"/>
           <p:nvPr/>
         </p:nvSpPr>
@@ -7877,26 +7735,18 @@
           </a:bodyPr>
           <a:lstStyle/>
           <a:p>
-            <a:endParaRPr lang="en-VN"/>
+            <a:endParaRPr lang="en-US"/>
           </a:p>
         </p:txBody>
       </p:sp>
       <p:pic>
         <p:nvPicPr>
-          <p:cNvPr id="12" name="Picture 11">
-            <a:extLst>
-              <a:ext uri="{FF2B5EF4-FFF2-40B4-BE49-F238E27FC236}">
-                <a16:creationId xmlns:a16="http://schemas.microsoft.com/office/drawing/2014/main" id="{2F0E3C83-4764-C241-85AE-24BA870C0D12}"/>
-              </a:ext>
-            </a:extLst>
-          </p:cNvPr>
-          <p:cNvPicPr>
-            <a:picLocks/>
-          </p:cNvPicPr>
+          <p:cNvPr id="12" name="Picture 11"/>
+          <p:cNvPicPr/>
           <p:nvPr/>
         </p:nvPicPr>
         <p:blipFill>
-          <a:blip r:embed="rId2"/>
+          <a:blip r:embed="rId1"/>
           <a:stretch>
             <a:fillRect/>
           </a:stretch>
@@ -7913,13 +7763,7 @@
       </p:pic>
       <p:sp>
         <p:nvSpPr>
-          <p:cNvPr id="13" name="Oval 12">
-            <a:extLst>
-              <a:ext uri="{FF2B5EF4-FFF2-40B4-BE49-F238E27FC236}">
-                <a16:creationId xmlns:a16="http://schemas.microsoft.com/office/drawing/2014/main" id="{D8985CD3-7249-F240-A798-41E9AD66DE19}"/>
-              </a:ext>
-            </a:extLst>
-          </p:cNvPr>
+          <p:cNvPr id="13" name="Oval 12"/>
           <p:cNvSpPr/>
           <p:nvPr/>
         </p:nvSpPr>
@@ -7962,902 +7806,363 @@
           <a:p>
             <a:pPr algn="ctr"/>
             <a:r>
-              <a:rPr lang="en-VN">
-                <a:solidFill>
-                  <a:srgbClr val="FF0000"/>
-                </a:solidFill>
-              </a:rPr>
-              <a:t>3</a:t>
-            </a:r>
-          </a:p>
-        </p:txBody>
-      </p:sp>
-      <p:sp>
-        <p:nvSpPr>
-          <p:cNvPr id="10" name="TextBox 9">
-            <a:extLst>
-              <a:ext uri="{FF2B5EF4-FFF2-40B4-BE49-F238E27FC236}">
-                <a16:creationId xmlns:a16="http://schemas.microsoft.com/office/drawing/2014/main" id="{616DC6A4-1C24-244D-BCDE-BF6FE141EA8C}"/>
-              </a:ext>
-            </a:extLst>
-          </p:cNvPr>
-          <p:cNvSpPr txBox="1"/>
+              <a:rPr lang="en-US">
+                <a:solidFill>
+                  <a:srgbClr val="FF0000"/>
+                </a:solidFill>
+              </a:rPr>
+              <a:t>2</a:t>
+            </a:r>
+            <a:endParaRPr lang="en-US">
+              <a:solidFill>
+                <a:srgbClr val="FF0000"/>
+              </a:solidFill>
+            </a:endParaRPr>
+          </a:p>
+        </p:txBody>
+      </p:sp>
+      <p:sp>
+        <p:nvSpPr>
+          <p:cNvPr id="15" name="Rectangle 8"/>
+          <p:cNvSpPr>
+            <a:spLocks noChangeArrowheads="1"/>
+          </p:cNvSpPr>
           <p:nvPr/>
         </p:nvSpPr>
-        <p:spPr>
-          <a:xfrm>
-            <a:off x="703384" y="1121257"/>
-            <a:ext cx="8169310" cy="3998787"/>
+        <p:spPr bwMode="auto">
+          <a:xfrm>
+            <a:off x="892489" y="1493814"/>
+            <a:ext cx="7708900" cy="521970"/>
           </a:xfrm>
           <a:prstGeom prst="rect">
             <a:avLst/>
           </a:prstGeom>
           <a:noFill/>
-        </p:spPr>
-        <p:txBody>
-          <a:bodyPr wrap="square">
+          <a:ln>
+            <a:noFill/>
+          </a:ln>
+          <a:effectLst/>
+          <a:extLst>
+            <a:ext uri="{909E8E84-426E-40DD-AFC4-6F175D3DCCD1}">
+              <a14:hiddenFill xmlns:a14="http://schemas.microsoft.com/office/drawing/2010/main">
+                <a:solidFill>
+                  <a:schemeClr val="accent1"/>
+                </a:solidFill>
+              </a14:hiddenFill>
+            </a:ext>
+            <a:ext uri="{91240B29-F687-4F45-9708-019B960494DF}">
+              <a14:hiddenLine xmlns:a14="http://schemas.microsoft.com/office/drawing/2010/main" w="9525">
+                <a:solidFill>
+                  <a:schemeClr val="tx1"/>
+                </a:solidFill>
+                <a:miter lim="800000"/>
+                <a:headEnd/>
+                <a:tailEnd/>
+              </a14:hiddenLine>
+            </a:ext>
+            <a:ext uri="{AF507438-7753-43E0-B8FC-AC1667EBCBE1}">
+              <a14:hiddenEffects xmlns:a14="http://schemas.microsoft.com/office/drawing/2010/main">
+                <a:effectLst>
+                  <a:outerShdw dist="35921" dir="2700000" algn="ctr" rotWithShape="0">
+                    <a:schemeClr val="bg2"/>
+                  </a:outerShdw>
+                </a:effectLst>
+              </a14:hiddenEffects>
+            </a:ext>
+          </a:extLst>
+        </p:spPr>
+        <p:txBody>
+          <a:bodyPr anchor="ctr">
             <a:spAutoFit/>
           </a:bodyPr>
-          <a:lstStyle/>
-          <a:p>
-            <a:pPr marL="457200" indent="-457200">
+          <a:lstStyle>
+            <a:lvl1pPr marL="342900" indent="-342900">
+              <a:spcBef>
+                <a:spcPct val="20000"/>
+              </a:spcBef>
+              <a:buClr>
+                <a:schemeClr val="hlink"/>
+              </a:buClr>
+              <a:buFont typeface="Wingdings" panose="05000000000000000000" pitchFamily="2" charset="2"/>
+              <a:buChar char="v"/>
+              <a:defRPr sz="3200">
+                <a:solidFill>
+                  <a:schemeClr val="tx1"/>
+                </a:solidFill>
+                <a:latin typeface="Arial" panose="020B0604020202020204" pitchFamily="34" charset="0"/>
+              </a:defRPr>
+            </a:lvl1pPr>
+            <a:lvl2pPr marL="742950" indent="-285750">
+              <a:spcBef>
+                <a:spcPct val="20000"/>
+              </a:spcBef>
+              <a:buClr>
+                <a:schemeClr val="accent1"/>
+              </a:buClr>
+              <a:buFont typeface="Wingdings" panose="05000000000000000000" pitchFamily="2" charset="2"/>
+              <a:buChar char="§"/>
+              <a:defRPr sz="2800">
+                <a:solidFill>
+                  <a:schemeClr val="tx1"/>
+                </a:solidFill>
+                <a:latin typeface="Arial" panose="020B0604020202020204" pitchFamily="34" charset="0"/>
+              </a:defRPr>
+            </a:lvl2pPr>
+            <a:lvl3pPr marL="1143000" indent="-228600">
+              <a:spcBef>
+                <a:spcPct val="20000"/>
+              </a:spcBef>
+              <a:buClr>
+                <a:schemeClr val="tx1"/>
+              </a:buClr>
+              <a:buChar char="•"/>
+              <a:defRPr sz="2400">
+                <a:solidFill>
+                  <a:schemeClr val="tx1"/>
+                </a:solidFill>
+                <a:latin typeface="Arial" panose="020B0604020202020204" pitchFamily="34" charset="0"/>
+              </a:defRPr>
+            </a:lvl3pPr>
+            <a:lvl4pPr marL="1600200" indent="-228600">
+              <a:spcBef>
+                <a:spcPct val="20000"/>
+              </a:spcBef>
+              <a:buChar char="–"/>
+              <a:defRPr sz="2000">
+                <a:solidFill>
+                  <a:schemeClr val="tx1"/>
+                </a:solidFill>
+                <a:latin typeface="Arial" panose="020B0604020202020204" pitchFamily="34" charset="0"/>
+              </a:defRPr>
+            </a:lvl4pPr>
+            <a:lvl5pPr marL="2057400" indent="-228600">
+              <a:spcBef>
+                <a:spcPct val="20000"/>
+              </a:spcBef>
+              <a:buChar char="»"/>
+              <a:defRPr sz="2000">
+                <a:solidFill>
+                  <a:schemeClr val="tx1"/>
+                </a:solidFill>
+                <a:latin typeface="Arial" panose="020B0604020202020204" pitchFamily="34" charset="0"/>
+              </a:defRPr>
+            </a:lvl5pPr>
+            <a:lvl6pPr marL="2514600" indent="-228600" eaLnBrk="0" fontAlgn="base" hangingPunct="0">
+              <a:spcBef>
+                <a:spcPct val="20000"/>
+              </a:spcBef>
+              <a:spcAft>
+                <a:spcPct val="0"/>
+              </a:spcAft>
+              <a:buChar char="»"/>
+              <a:defRPr sz="2000">
+                <a:solidFill>
+                  <a:schemeClr val="tx1"/>
+                </a:solidFill>
+                <a:latin typeface="Arial" panose="020B0604020202020204" pitchFamily="34" charset="0"/>
+              </a:defRPr>
+            </a:lvl6pPr>
+            <a:lvl7pPr marL="2971800" indent="-228600" eaLnBrk="0" fontAlgn="base" hangingPunct="0">
+              <a:spcBef>
+                <a:spcPct val="20000"/>
+              </a:spcBef>
+              <a:spcAft>
+                <a:spcPct val="0"/>
+              </a:spcAft>
+              <a:buChar char="»"/>
+              <a:defRPr sz="2000">
+                <a:solidFill>
+                  <a:schemeClr val="tx1"/>
+                </a:solidFill>
+                <a:latin typeface="Arial" panose="020B0604020202020204" pitchFamily="34" charset="0"/>
+              </a:defRPr>
+            </a:lvl7pPr>
+            <a:lvl8pPr marL="3429000" indent="-228600" eaLnBrk="0" fontAlgn="base" hangingPunct="0">
+              <a:spcBef>
+                <a:spcPct val="20000"/>
+              </a:spcBef>
+              <a:spcAft>
+                <a:spcPct val="0"/>
+              </a:spcAft>
+              <a:buChar char="»"/>
+              <a:defRPr sz="2000">
+                <a:solidFill>
+                  <a:schemeClr val="tx1"/>
+                </a:solidFill>
+                <a:latin typeface="Arial" panose="020B0604020202020204" pitchFamily="34" charset="0"/>
+              </a:defRPr>
+            </a:lvl8pPr>
+            <a:lvl9pPr marL="3886200" indent="-228600" eaLnBrk="0" fontAlgn="base" hangingPunct="0">
+              <a:spcBef>
+                <a:spcPct val="20000"/>
+              </a:spcBef>
+              <a:spcAft>
+                <a:spcPct val="0"/>
+              </a:spcAft>
+              <a:buChar char="»"/>
+              <a:defRPr sz="2000">
+                <a:solidFill>
+                  <a:schemeClr val="tx1"/>
+                </a:solidFill>
+                <a:latin typeface="Arial" panose="020B0604020202020204" pitchFamily="34" charset="0"/>
+              </a:defRPr>
+            </a:lvl9pPr>
+          </a:lstStyle>
+          <a:p>
+            <a:pPr marL="0" indent="0">
+              <a:buNone/>
+            </a:pPr>
+            <a:r>
+              <a:rPr lang="vi-VN" sz="2800" dirty="0">
+                <a:solidFill>
+                  <a:srgbClr val="FF0000"/>
+                </a:solidFill>
+                <a:latin typeface="SF Pro Semibold" pitchFamily="2" charset="0"/>
+                <a:ea typeface="SF Pro Semibold" pitchFamily="2" charset="0"/>
+                <a:cs typeface="SF Pro Semibold" pitchFamily="2" charset="0"/>
+              </a:rPr>
+              <a:t>1.2 Cấu tạo Face ID</a:t>
+            </a:r>
+            <a:endParaRPr lang="vi-VN" sz="2800" dirty="0">
+              <a:solidFill>
+                <a:srgbClr val="FF0000"/>
+              </a:solidFill>
+              <a:latin typeface="SF Pro Semibold" pitchFamily="2" charset="0"/>
+              <a:ea typeface="SF Pro Semibold" pitchFamily="2" charset="0"/>
+              <a:cs typeface="SF Pro Semibold" pitchFamily="2" charset="0"/>
+            </a:endParaRPr>
+          </a:p>
+        </p:txBody>
+      </p:sp>
+      <p:sp>
+        <p:nvSpPr>
+          <p:cNvPr id="2" name="Text Box 1"/>
+          <p:cNvSpPr txBox="1"/>
+          <p:nvPr/>
+        </p:nvSpPr>
+        <p:spPr>
+          <a:xfrm>
+            <a:off x="978535" y="2239645"/>
+            <a:ext cx="7491730" cy="2084070"/>
+          </a:xfrm>
+          <a:prstGeom prst="rect">
+            <a:avLst/>
+          </a:prstGeom>
+          <a:noFill/>
+        </p:spPr>
+        <p:txBody>
+          <a:bodyPr wrap="square" rtlCol="0">
+            <a:spAutoFit/>
+          </a:bodyPr>
+          <a:p>
+            <a:pPr>
               <a:lnSpc>
-                <a:spcPct val="150000"/>
+                <a:spcPct val="130000"/>
               </a:lnSpc>
-              <a:buFont typeface="Wingdings" pitchFamily="2" charset="2"/>
-              <a:buChar char="Ø"/>
             </a:pPr>
             <a:r>
-              <a:rPr lang="en-US" sz="2800" dirty="0">
-                <a:solidFill>
-                  <a:srgbClr val="FF0000"/>
-                </a:solidFill>
-                <a:latin typeface="SF Pro Semibold" pitchFamily="2" charset="0"/>
-                <a:ea typeface="SF Pro Semibold" pitchFamily="2" charset="0"/>
-                <a:cs typeface="SF Pro Semibold" pitchFamily="2" charset="0"/>
-              </a:rPr>
-              <a:t>3.1.Nhận </a:t>
-            </a:r>
-            <a:r>
-              <a:rPr lang="en-US" sz="2800" dirty="0" err="1">
-                <a:solidFill>
-                  <a:srgbClr val="FF0000"/>
-                </a:solidFill>
-                <a:latin typeface="SF Pro Semibold" pitchFamily="2" charset="0"/>
-                <a:ea typeface="SF Pro Semibold" pitchFamily="2" charset="0"/>
-                <a:cs typeface="SF Pro Semibold" pitchFamily="2" charset="0"/>
-              </a:rPr>
-              <a:t>dạng</a:t>
-            </a:r>
-            <a:r>
-              <a:rPr lang="en-US" sz="2800" dirty="0">
-                <a:solidFill>
-                  <a:srgbClr val="FF0000"/>
-                </a:solidFill>
-                <a:latin typeface="SF Pro Semibold" pitchFamily="2" charset="0"/>
-                <a:ea typeface="SF Pro Semibold" pitchFamily="2" charset="0"/>
-                <a:cs typeface="SF Pro Semibold" pitchFamily="2" charset="0"/>
-              </a:rPr>
-              <a:t> </a:t>
-            </a:r>
-            <a:r>
-              <a:rPr lang="en-US" sz="2800" dirty="0" err="1">
-                <a:solidFill>
-                  <a:srgbClr val="FF0000"/>
-                </a:solidFill>
-                <a:latin typeface="SF Pro Semibold" pitchFamily="2" charset="0"/>
-                <a:ea typeface="SF Pro Semibold" pitchFamily="2" charset="0"/>
-                <a:cs typeface="SF Pro Semibold" pitchFamily="2" charset="0"/>
-              </a:rPr>
-              <a:t>khuôn</a:t>
-            </a:r>
-            <a:r>
-              <a:rPr lang="en-US" sz="2800" dirty="0">
-                <a:solidFill>
-                  <a:srgbClr val="FF0000"/>
-                </a:solidFill>
-                <a:latin typeface="SF Pro Semibold" pitchFamily="2" charset="0"/>
-                <a:ea typeface="SF Pro Semibold" pitchFamily="2" charset="0"/>
-                <a:cs typeface="SF Pro Semibold" pitchFamily="2" charset="0"/>
-              </a:rPr>
-              <a:t> </a:t>
-            </a:r>
-            <a:r>
-              <a:rPr lang="en-US" sz="2800" dirty="0" err="1">
-                <a:solidFill>
-                  <a:srgbClr val="FF0000"/>
-                </a:solidFill>
-                <a:latin typeface="SF Pro Semibold" pitchFamily="2" charset="0"/>
-                <a:ea typeface="SF Pro Semibold" pitchFamily="2" charset="0"/>
-                <a:cs typeface="SF Pro Semibold" pitchFamily="2" charset="0"/>
-              </a:rPr>
-              <a:t>mặt</a:t>
-            </a:r>
-            <a:r>
-              <a:rPr lang="en-US" sz="2800" dirty="0">
-                <a:solidFill>
-                  <a:srgbClr val="FF0000"/>
-                </a:solidFill>
-                <a:latin typeface="SF Pro Semibold" pitchFamily="2" charset="0"/>
-                <a:ea typeface="SF Pro Semibold" pitchFamily="2" charset="0"/>
-                <a:cs typeface="SF Pro Semibold" pitchFamily="2" charset="0"/>
-              </a:rPr>
-              <a:t> </a:t>
-            </a:r>
-            <a:r>
-              <a:rPr lang="en-US" sz="2800" dirty="0" err="1">
-                <a:solidFill>
-                  <a:srgbClr val="FF0000"/>
-                </a:solidFill>
-                <a:latin typeface="SF Pro Semibold" pitchFamily="2" charset="0"/>
-                <a:ea typeface="SF Pro Semibold" pitchFamily="2" charset="0"/>
-                <a:cs typeface="SF Pro Semibold" pitchFamily="2" charset="0"/>
-              </a:rPr>
-              <a:t>có</a:t>
-            </a:r>
-            <a:r>
-              <a:rPr lang="en-US" sz="2800" dirty="0">
-                <a:solidFill>
-                  <a:srgbClr val="FF0000"/>
-                </a:solidFill>
-                <a:latin typeface="SF Pro Semibold" pitchFamily="2" charset="0"/>
-                <a:ea typeface="SF Pro Semibold" pitchFamily="2" charset="0"/>
-                <a:cs typeface="SF Pro Semibold" pitchFamily="2" charset="0"/>
-              </a:rPr>
-              <a:t> </a:t>
-            </a:r>
-            <a:r>
-              <a:rPr lang="en-US" sz="2800" dirty="0" err="1">
-                <a:solidFill>
-                  <a:srgbClr val="FF0000"/>
-                </a:solidFill>
-                <a:latin typeface="SF Pro Semibold" pitchFamily="2" charset="0"/>
-                <a:ea typeface="SF Pro Semibold" pitchFamily="2" charset="0"/>
-                <a:cs typeface="SF Pro Semibold" pitchFamily="2" charset="0"/>
-              </a:rPr>
-              <a:t>chính</a:t>
-            </a:r>
-            <a:r>
-              <a:rPr lang="en-US" sz="2800" dirty="0">
-                <a:solidFill>
-                  <a:srgbClr val="FF0000"/>
-                </a:solidFill>
-                <a:latin typeface="SF Pro Semibold" pitchFamily="2" charset="0"/>
-                <a:ea typeface="SF Pro Semibold" pitchFamily="2" charset="0"/>
-                <a:cs typeface="SF Pro Semibold" pitchFamily="2" charset="0"/>
-              </a:rPr>
-              <a:t> </a:t>
-            </a:r>
-            <a:r>
-              <a:rPr lang="en-US" sz="2800" dirty="0" err="1">
-                <a:solidFill>
-                  <a:srgbClr val="FF0000"/>
-                </a:solidFill>
-                <a:latin typeface="SF Pro Semibold" pitchFamily="2" charset="0"/>
-                <a:ea typeface="SF Pro Semibold" pitchFamily="2" charset="0"/>
-                <a:cs typeface="SF Pro Semibold" pitchFamily="2" charset="0"/>
-              </a:rPr>
-              <a:t>xác</a:t>
-            </a:r>
-            <a:r>
-              <a:rPr lang="en-US" sz="2800" dirty="0">
-                <a:solidFill>
-                  <a:srgbClr val="FF0000"/>
-                </a:solidFill>
-                <a:latin typeface="SF Pro Semibold" pitchFamily="2" charset="0"/>
-                <a:ea typeface="SF Pro Semibold" pitchFamily="2" charset="0"/>
-                <a:cs typeface="SF Pro Semibold" pitchFamily="2" charset="0"/>
-              </a:rPr>
-              <a:t> </a:t>
-            </a:r>
-            <a:r>
-              <a:rPr lang="en-US" sz="2800" dirty="0" err="1">
-                <a:solidFill>
-                  <a:srgbClr val="FF0000"/>
-                </a:solidFill>
-                <a:latin typeface="SF Pro Semibold" pitchFamily="2" charset="0"/>
-                <a:ea typeface="SF Pro Semibold" pitchFamily="2" charset="0"/>
-                <a:cs typeface="SF Pro Semibold" pitchFamily="2" charset="0"/>
-              </a:rPr>
-              <a:t>không</a:t>
-            </a:r>
-            <a:r>
-              <a:rPr lang="en-US" sz="2800" dirty="0">
-                <a:solidFill>
-                  <a:srgbClr val="FF0000"/>
-                </a:solidFill>
-                <a:latin typeface="SF Pro Semibold" pitchFamily="2" charset="0"/>
-                <a:ea typeface="SF Pro Semibold" pitchFamily="2" charset="0"/>
-                <a:cs typeface="SF Pro Semibold" pitchFamily="2" charset="0"/>
-              </a:rPr>
-              <a:t>?: </a:t>
-            </a:r>
-          </a:p>
-          <a:p>
-            <a:pPr marL="457200" indent="-457200">
+              <a:rPr lang="en-US" sz="2400">
+                <a:latin typeface="SF PRO SEMIBLOD" charset="0"/>
+                <a:cs typeface="SF PRO SEMIBLOD" charset="0"/>
+              </a:rPr>
+              <a:t>Face ID bao gồm hai phần</a:t>
+            </a:r>
+            <a:endParaRPr lang="en-US" sz="2400">
+              <a:latin typeface="SF PRO SEMIBLOD" charset="0"/>
+              <a:cs typeface="SF PRO SEMIBLOD" charset="0"/>
+            </a:endParaRPr>
+          </a:p>
+          <a:p>
+            <a:pPr marL="285750" indent="-285750">
               <a:lnSpc>
-                <a:spcPct val="150000"/>
+                <a:spcPct val="140000"/>
               </a:lnSpc>
-              <a:buFont typeface="Wingdings" pitchFamily="2" charset="2"/>
-              <a:buChar char="Ø"/>
-            </a:pPr>
-            <a:r>
-              <a:rPr lang="en-US" sz="2400" dirty="0" err="1">
-                <a:latin typeface="SF Pro Semibold" pitchFamily="2" charset="0"/>
-                <a:ea typeface="SF Pro Semibold" pitchFamily="2" charset="0"/>
-                <a:cs typeface="SF Pro Semibold" pitchFamily="2" charset="0"/>
-              </a:rPr>
-              <a:t>Phụ</a:t>
-            </a:r>
-            <a:r>
-              <a:rPr lang="en-US" sz="2400" dirty="0">
-                <a:latin typeface="SF Pro Semibold" pitchFamily="2" charset="0"/>
-                <a:ea typeface="SF Pro Semibold" pitchFamily="2" charset="0"/>
-                <a:cs typeface="SF Pro Semibold" pitchFamily="2" charset="0"/>
-              </a:rPr>
-              <a:t> </a:t>
-            </a:r>
-            <a:r>
-              <a:rPr lang="en-US" sz="2400" dirty="0" err="1">
-                <a:latin typeface="SF Pro Semibold" pitchFamily="2" charset="0"/>
-                <a:ea typeface="SF Pro Semibold" pitchFamily="2" charset="0"/>
-                <a:cs typeface="SF Pro Semibold" pitchFamily="2" charset="0"/>
-              </a:rPr>
-              <a:t>thuộc</a:t>
-            </a:r>
-            <a:r>
-              <a:rPr lang="en-US" sz="2400" dirty="0">
-                <a:latin typeface="SF Pro Semibold" pitchFamily="2" charset="0"/>
-                <a:ea typeface="SF Pro Semibold" pitchFamily="2" charset="0"/>
-                <a:cs typeface="SF Pro Semibold" pitchFamily="2" charset="0"/>
-              </a:rPr>
-              <a:t> </a:t>
-            </a:r>
-            <a:r>
-              <a:rPr lang="en-US" sz="2400" dirty="0" err="1">
-                <a:latin typeface="SF Pro Semibold" pitchFamily="2" charset="0"/>
-                <a:ea typeface="SF Pro Semibold" pitchFamily="2" charset="0"/>
-                <a:cs typeface="SF Pro Semibold" pitchFamily="2" charset="0"/>
-              </a:rPr>
-              <a:t>vào</a:t>
-            </a:r>
-            <a:r>
-              <a:rPr lang="en-US" sz="2400" dirty="0">
-                <a:latin typeface="SF Pro Semibold" pitchFamily="2" charset="0"/>
-                <a:ea typeface="SF Pro Semibold" pitchFamily="2" charset="0"/>
-                <a:cs typeface="SF Pro Semibold" pitchFamily="2" charset="0"/>
-              </a:rPr>
-              <a:t> </a:t>
-            </a:r>
-            <a:r>
-              <a:rPr lang="en-US" sz="2400" dirty="0" err="1">
-                <a:latin typeface="SF Pro Semibold" pitchFamily="2" charset="0"/>
-                <a:ea typeface="SF Pro Semibold" pitchFamily="2" charset="0"/>
-                <a:cs typeface="SF Pro Semibold" pitchFamily="2" charset="0"/>
-              </a:rPr>
-              <a:t>nhiều</a:t>
-            </a:r>
-            <a:r>
-              <a:rPr lang="en-US" sz="2400" dirty="0">
-                <a:latin typeface="SF Pro Semibold" pitchFamily="2" charset="0"/>
-                <a:ea typeface="SF Pro Semibold" pitchFamily="2" charset="0"/>
-                <a:cs typeface="SF Pro Semibold" pitchFamily="2" charset="0"/>
-              </a:rPr>
-              <a:t> </a:t>
-            </a:r>
-            <a:r>
-              <a:rPr lang="en-US" sz="2400" dirty="0" err="1">
-                <a:latin typeface="SF Pro Semibold" pitchFamily="2" charset="0"/>
-                <a:ea typeface="SF Pro Semibold" pitchFamily="2" charset="0"/>
-                <a:cs typeface="SF Pro Semibold" pitchFamily="2" charset="0"/>
-              </a:rPr>
-              <a:t>yếu</a:t>
-            </a:r>
-            <a:r>
-              <a:rPr lang="en-US" sz="2400" dirty="0">
-                <a:latin typeface="SF Pro Semibold" pitchFamily="2" charset="0"/>
-                <a:ea typeface="SF Pro Semibold" pitchFamily="2" charset="0"/>
-                <a:cs typeface="SF Pro Semibold" pitchFamily="2" charset="0"/>
-              </a:rPr>
-              <a:t> </a:t>
-            </a:r>
-            <a:r>
-              <a:rPr lang="en-US" sz="2400" dirty="0" err="1">
-                <a:latin typeface="SF Pro Semibold" pitchFamily="2" charset="0"/>
-                <a:ea typeface="SF Pro Semibold" pitchFamily="2" charset="0"/>
-                <a:cs typeface="SF Pro Semibold" pitchFamily="2" charset="0"/>
-              </a:rPr>
-              <a:t>tố</a:t>
-            </a:r>
-            <a:r>
-              <a:rPr lang="en-US" sz="2400" dirty="0">
-                <a:latin typeface="SF Pro Semibold" pitchFamily="2" charset="0"/>
-                <a:ea typeface="SF Pro Semibold" pitchFamily="2" charset="0"/>
-                <a:cs typeface="SF Pro Semibold" pitchFamily="2" charset="0"/>
-              </a:rPr>
-              <a:t>: </a:t>
-            </a:r>
-          </a:p>
-          <a:p>
-            <a:pPr marL="457200" indent="-457200">
-              <a:lnSpc>
-                <a:spcPct val="150000"/>
-              </a:lnSpc>
-              <a:buFont typeface="Wingdings" pitchFamily="2" charset="2"/>
+              <a:buFont typeface="Wingdings" panose="05000000000000000000" charset="0"/>
               <a:buChar char="ü"/>
             </a:pPr>
             <a:r>
-              <a:rPr lang="en-US" sz="2400" dirty="0" err="1">
-                <a:latin typeface="SF Pro Semibold" pitchFamily="2" charset="0"/>
-                <a:ea typeface="SF Pro Semibold" pitchFamily="2" charset="0"/>
-                <a:cs typeface="SF Pro Semibold" pitchFamily="2" charset="0"/>
-              </a:rPr>
-              <a:t>L</a:t>
-            </a:r>
-            <a:r>
-              <a:rPr lang="en-US" sz="2400" dirty="0" err="1">
-                <a:effectLst/>
-                <a:latin typeface="SF Pro Semibold" pitchFamily="2" charset="0"/>
-                <a:ea typeface="SF Pro Semibold" pitchFamily="2" charset="0"/>
-                <a:cs typeface="SF Pro Semibold" pitchFamily="2" charset="0"/>
-              </a:rPr>
-              <a:t>ão</a:t>
-            </a:r>
-            <a:r>
-              <a:rPr lang="en-US" sz="2400" dirty="0">
-                <a:effectLst/>
-                <a:latin typeface="SF Pro Semibold" pitchFamily="2" charset="0"/>
-                <a:ea typeface="SF Pro Semibold" pitchFamily="2" charset="0"/>
-                <a:cs typeface="SF Pro Semibold" pitchFamily="2" charset="0"/>
-              </a:rPr>
-              <a:t> </a:t>
-            </a:r>
-            <a:r>
-              <a:rPr lang="en-US" sz="2400" dirty="0" err="1">
-                <a:effectLst/>
-                <a:latin typeface="SF Pro Semibold" pitchFamily="2" charset="0"/>
-                <a:ea typeface="SF Pro Semibold" pitchFamily="2" charset="0"/>
-                <a:cs typeface="SF Pro Semibold" pitchFamily="2" charset="0"/>
-              </a:rPr>
-              <a:t>hóa</a:t>
-            </a:r>
-            <a:r>
-              <a:rPr lang="en-US" sz="2400" dirty="0">
-                <a:effectLst/>
-                <a:latin typeface="SF Pro Semibold" pitchFamily="2" charset="0"/>
-                <a:ea typeface="SF Pro Semibold" pitchFamily="2" charset="0"/>
-                <a:cs typeface="SF Pro Semibold" pitchFamily="2" charset="0"/>
-              </a:rPr>
-              <a:t> </a:t>
-            </a:r>
-            <a:r>
-              <a:rPr lang="en-US" sz="2400" dirty="0" err="1">
-                <a:effectLst/>
-                <a:latin typeface="SF Pro Semibold" pitchFamily="2" charset="0"/>
-                <a:ea typeface="SF Pro Semibold" pitchFamily="2" charset="0"/>
-                <a:cs typeface="SF Pro Semibold" pitchFamily="2" charset="0"/>
-              </a:rPr>
-              <a:t>trên</a:t>
-            </a:r>
-            <a:r>
-              <a:rPr lang="en-US" sz="2400" dirty="0">
-                <a:effectLst/>
-                <a:latin typeface="SF Pro Semibold" pitchFamily="2" charset="0"/>
-                <a:ea typeface="SF Pro Semibold" pitchFamily="2" charset="0"/>
-                <a:cs typeface="SF Pro Semibold" pitchFamily="2" charset="0"/>
-              </a:rPr>
-              <a:t> </a:t>
-            </a:r>
-            <a:r>
-              <a:rPr lang="en-US" sz="2400" dirty="0" err="1">
-                <a:effectLst/>
-                <a:latin typeface="SF Pro Semibold" pitchFamily="2" charset="0"/>
-                <a:ea typeface="SF Pro Semibold" pitchFamily="2" charset="0"/>
-                <a:cs typeface="SF Pro Semibold" pitchFamily="2" charset="0"/>
-              </a:rPr>
-              <a:t>khuôn</a:t>
-            </a:r>
-            <a:r>
-              <a:rPr lang="en-US" sz="2400" dirty="0">
-                <a:effectLst/>
-                <a:latin typeface="SF Pro Semibold" pitchFamily="2" charset="0"/>
-                <a:ea typeface="SF Pro Semibold" pitchFamily="2" charset="0"/>
-                <a:cs typeface="SF Pro Semibold" pitchFamily="2" charset="0"/>
-              </a:rPr>
-              <a:t> </a:t>
-            </a:r>
-            <a:r>
-              <a:rPr lang="en-US" sz="2400" dirty="0" err="1">
-                <a:effectLst/>
-                <a:latin typeface="SF Pro Semibold" pitchFamily="2" charset="0"/>
-                <a:ea typeface="SF Pro Semibold" pitchFamily="2" charset="0"/>
-                <a:cs typeface="SF Pro Semibold" pitchFamily="2" charset="0"/>
-              </a:rPr>
-              <a:t>mặt</a:t>
-            </a:r>
-            <a:r>
-              <a:rPr lang="en-US" sz="2400" dirty="0">
-                <a:effectLst/>
-                <a:latin typeface="SF Pro Semibold" pitchFamily="2" charset="0"/>
-                <a:ea typeface="SF Pro Semibold" pitchFamily="2" charset="0"/>
-                <a:cs typeface="SF Pro Semibold" pitchFamily="2" charset="0"/>
-              </a:rPr>
-              <a:t>. </a:t>
-            </a:r>
-          </a:p>
-          <a:p>
-            <a:pPr marL="457200" indent="-457200">
+              <a:rPr lang="en-US" sz="2400">
+                <a:latin typeface="SF PRO SEMIBLOD" charset="0"/>
+                <a:cs typeface="SF PRO SEMIBLOD" charset="0"/>
+              </a:rPr>
+              <a:t>mô-đun máy chiếu chấm chiếu hơn 30.000 điểm hồng ngoại lên mặt người dùng</a:t>
+            </a:r>
+            <a:endParaRPr lang="en-US" sz="2400">
+              <a:latin typeface="SF PRO SEMIBLOD" charset="0"/>
+              <a:cs typeface="SF PRO SEMIBLOD" charset="0"/>
+            </a:endParaRPr>
+          </a:p>
+          <a:p>
+            <a:pPr marL="285750" indent="-285750">
               <a:lnSpc>
-                <a:spcPct val="150000"/>
+                <a:spcPct val="130000"/>
               </a:lnSpc>
-              <a:buFont typeface="Wingdings" pitchFamily="2" charset="2"/>
+              <a:buFont typeface="Wingdings" panose="05000000000000000000" charset="0"/>
               <a:buChar char="ü"/>
             </a:pPr>
             <a:r>
-              <a:rPr lang="en-US" sz="2400" dirty="0" err="1">
-                <a:latin typeface="SF Pro Semibold" pitchFamily="2" charset="0"/>
-                <a:ea typeface="SF Pro Semibold" pitchFamily="2" charset="0"/>
-                <a:cs typeface="SF Pro Semibold" pitchFamily="2" charset="0"/>
-              </a:rPr>
-              <a:t>Hệ</a:t>
-            </a:r>
-            <a:r>
-              <a:rPr lang="en-US" sz="2400" dirty="0">
-                <a:latin typeface="SF Pro Semibold" pitchFamily="2" charset="0"/>
-                <a:ea typeface="SF Pro Semibold" pitchFamily="2" charset="0"/>
-                <a:cs typeface="SF Pro Semibold" pitchFamily="2" charset="0"/>
-              </a:rPr>
-              <a:t> </a:t>
-            </a:r>
-            <a:r>
-              <a:rPr lang="en-US" sz="2400" dirty="0" err="1">
-                <a:latin typeface="SF Pro Semibold" pitchFamily="2" charset="0"/>
-                <a:ea typeface="SF Pro Semibold" pitchFamily="2" charset="0"/>
-                <a:cs typeface="SF Pro Semibold" pitchFamily="2" charset="0"/>
-              </a:rPr>
-              <a:t>điều</a:t>
-            </a:r>
-            <a:r>
-              <a:rPr lang="en-US" sz="2400" dirty="0">
-                <a:latin typeface="SF Pro Semibold" pitchFamily="2" charset="0"/>
-                <a:ea typeface="SF Pro Semibold" pitchFamily="2" charset="0"/>
-                <a:cs typeface="SF Pro Semibold" pitchFamily="2" charset="0"/>
-              </a:rPr>
-              <a:t> </a:t>
-            </a:r>
-            <a:r>
-              <a:rPr lang="en-US" sz="2400" dirty="0" err="1">
-                <a:latin typeface="SF Pro Semibold" pitchFamily="2" charset="0"/>
-                <a:ea typeface="SF Pro Semibold" pitchFamily="2" charset="0"/>
-                <a:cs typeface="SF Pro Semibold" pitchFamily="2" charset="0"/>
-              </a:rPr>
-              <a:t>hành</a:t>
-            </a:r>
-            <a:r>
-              <a:rPr lang="en-US" sz="2400" dirty="0">
-                <a:latin typeface="SF Pro Semibold" pitchFamily="2" charset="0"/>
-                <a:ea typeface="SF Pro Semibold" pitchFamily="2" charset="0"/>
-                <a:cs typeface="SF Pro Semibold" pitchFamily="2" charset="0"/>
-              </a:rPr>
-              <a:t> </a:t>
-            </a:r>
-            <a:r>
-              <a:rPr lang="en-US" sz="2400" dirty="0" err="1">
-                <a:latin typeface="SF Pro Semibold" pitchFamily="2" charset="0"/>
-                <a:ea typeface="SF Pro Semibold" pitchFamily="2" charset="0"/>
-                <a:cs typeface="SF Pro Semibold" pitchFamily="2" charset="0"/>
-              </a:rPr>
-              <a:t>ổn</a:t>
-            </a:r>
-            <a:r>
-              <a:rPr lang="en-US" sz="2400" dirty="0">
-                <a:latin typeface="SF Pro Semibold" pitchFamily="2" charset="0"/>
-                <a:ea typeface="SF Pro Semibold" pitchFamily="2" charset="0"/>
-                <a:cs typeface="SF Pro Semibold" pitchFamily="2" charset="0"/>
-              </a:rPr>
-              <a:t> </a:t>
-            </a:r>
-            <a:r>
-              <a:rPr lang="en-US" sz="2400" dirty="0" err="1">
-                <a:latin typeface="SF Pro Semibold" pitchFamily="2" charset="0"/>
-                <a:ea typeface="SF Pro Semibold" pitchFamily="2" charset="0"/>
-                <a:cs typeface="SF Pro Semibold" pitchFamily="2" charset="0"/>
-              </a:rPr>
-              <a:t>định</a:t>
-            </a:r>
-            <a:r>
-              <a:rPr lang="en-US" sz="2400" dirty="0">
-                <a:latin typeface="SF Pro Semibold" pitchFamily="2" charset="0"/>
-                <a:ea typeface="SF Pro Semibold" pitchFamily="2" charset="0"/>
-                <a:cs typeface="SF Pro Semibold" pitchFamily="2" charset="0"/>
-              </a:rPr>
-              <a:t>. </a:t>
-            </a:r>
-          </a:p>
-          <a:p>
-            <a:pPr marL="457200" indent="-457200">
-              <a:lnSpc>
-                <a:spcPct val="150000"/>
-              </a:lnSpc>
-              <a:buFont typeface="Wingdings" pitchFamily="2" charset="2"/>
-              <a:buChar char="ü"/>
-            </a:pPr>
-            <a:r>
-              <a:rPr lang="en-US" sz="2400" dirty="0" err="1">
-                <a:latin typeface="SF Pro Semibold" pitchFamily="2" charset="0"/>
-                <a:ea typeface="SF Pro Semibold" pitchFamily="2" charset="0"/>
-                <a:cs typeface="SF Pro Semibold" pitchFamily="2" charset="0"/>
-              </a:rPr>
-              <a:t>Thời</a:t>
-            </a:r>
-            <a:r>
-              <a:rPr lang="en-US" sz="2400" dirty="0">
-                <a:latin typeface="SF Pro Semibold" pitchFamily="2" charset="0"/>
-                <a:ea typeface="SF Pro Semibold" pitchFamily="2" charset="0"/>
-                <a:cs typeface="SF Pro Semibold" pitchFamily="2" charset="0"/>
-              </a:rPr>
-              <a:t> </a:t>
-            </a:r>
-            <a:r>
-              <a:rPr lang="en-US" sz="2400" dirty="0" err="1">
-                <a:latin typeface="SF Pro Semibold" pitchFamily="2" charset="0"/>
-                <a:ea typeface="SF Pro Semibold" pitchFamily="2" charset="0"/>
-                <a:cs typeface="SF Pro Semibold" pitchFamily="2" charset="0"/>
-              </a:rPr>
-              <a:t>gian</a:t>
-            </a:r>
-            <a:r>
-              <a:rPr lang="en-US" sz="2400" dirty="0">
-                <a:latin typeface="SF Pro Semibold" pitchFamily="2" charset="0"/>
-                <a:ea typeface="SF Pro Semibold" pitchFamily="2" charset="0"/>
-                <a:cs typeface="SF Pro Semibold" pitchFamily="2" charset="0"/>
-              </a:rPr>
-              <a:t> </a:t>
-            </a:r>
-            <a:r>
-              <a:rPr lang="en-US" sz="2400" dirty="0" err="1">
-                <a:latin typeface="SF Pro Semibold" pitchFamily="2" charset="0"/>
-                <a:ea typeface="SF Pro Semibold" pitchFamily="2" charset="0"/>
-                <a:cs typeface="SF Pro Semibold" pitchFamily="2" charset="0"/>
-              </a:rPr>
-              <a:t>của</a:t>
-            </a:r>
-            <a:r>
-              <a:rPr lang="en-US" sz="2400" dirty="0">
-                <a:latin typeface="SF Pro Semibold" pitchFamily="2" charset="0"/>
-                <a:ea typeface="SF Pro Semibold" pitchFamily="2" charset="0"/>
-                <a:cs typeface="SF Pro Semibold" pitchFamily="2" charset="0"/>
-              </a:rPr>
-              <a:t> </a:t>
-            </a:r>
-            <a:r>
-              <a:rPr lang="en-US" sz="2400" dirty="0" err="1">
-                <a:latin typeface="SF Pro Semibold" pitchFamily="2" charset="0"/>
-                <a:ea typeface="SF Pro Semibold" pitchFamily="2" charset="0"/>
-                <a:cs typeface="SF Pro Semibold" pitchFamily="2" charset="0"/>
-              </a:rPr>
-              <a:t>ảnh</a:t>
-            </a:r>
-            <a:r>
-              <a:rPr lang="en-US" sz="2400" dirty="0">
-                <a:latin typeface="SF Pro Semibold" pitchFamily="2" charset="0"/>
-                <a:ea typeface="SF Pro Semibold" pitchFamily="2" charset="0"/>
-                <a:cs typeface="SF Pro Semibold" pitchFamily="2" charset="0"/>
-              </a:rPr>
-              <a:t> </a:t>
-            </a:r>
-            <a:r>
-              <a:rPr lang="en-US" sz="2400" dirty="0" err="1">
-                <a:latin typeface="SF Pro Semibold" pitchFamily="2" charset="0"/>
-                <a:ea typeface="SF Pro Semibold" pitchFamily="2" charset="0"/>
-                <a:cs typeface="SF Pro Semibold" pitchFamily="2" charset="0"/>
-              </a:rPr>
-              <a:t>chụp</a:t>
-            </a:r>
-            <a:r>
-              <a:rPr lang="en-US" sz="2400" dirty="0">
-                <a:latin typeface="SF Pro Semibold" pitchFamily="2" charset="0"/>
-                <a:ea typeface="SF Pro Semibold" pitchFamily="2" charset="0"/>
-                <a:cs typeface="SF Pro Semibold" pitchFamily="2" charset="0"/>
-              </a:rPr>
-              <a:t>. </a:t>
-            </a:r>
-            <a:r>
-              <a:rPr lang="en-US" sz="2400" dirty="0" err="1">
-                <a:latin typeface="SF Pro Semibold" pitchFamily="2" charset="0"/>
-                <a:ea typeface="SF Pro Semibold" pitchFamily="2" charset="0"/>
-                <a:cs typeface="SF Pro Semibold" pitchFamily="2" charset="0"/>
-              </a:rPr>
-              <a:t>v.v</a:t>
-            </a:r>
-            <a:r>
-              <a:rPr lang="en-US" sz="2400" dirty="0">
-                <a:latin typeface="SF Pro Semibold" pitchFamily="2" charset="0"/>
-                <a:ea typeface="SF Pro Semibold" pitchFamily="2" charset="0"/>
-                <a:cs typeface="SF Pro Semibold" pitchFamily="2" charset="0"/>
-              </a:rPr>
-              <a:t>	</a:t>
-            </a:r>
-          </a:p>
-          <a:p>
-            <a:pPr>
-              <a:lnSpc>
-                <a:spcPct val="150000"/>
-              </a:lnSpc>
-            </a:pPr>
-            <a:r>
-              <a:rPr lang="en-US" sz="2400" dirty="0">
-                <a:latin typeface="SF Pro Semibold" pitchFamily="2" charset="0"/>
-                <a:ea typeface="SF Pro Semibold" pitchFamily="2" charset="0"/>
-                <a:cs typeface="SF Pro Semibold" pitchFamily="2" charset="0"/>
-              </a:rPr>
-              <a:t>=&gt; </a:t>
-            </a:r>
-            <a:r>
-              <a:rPr lang="en-US" sz="2400" dirty="0" err="1">
-                <a:latin typeface="SF Pro Semibold" pitchFamily="2" charset="0"/>
-                <a:ea typeface="SF Pro Semibold" pitchFamily="2" charset="0"/>
-                <a:cs typeface="SF Pro Semibold" pitchFamily="2" charset="0"/>
-              </a:rPr>
-              <a:t>Nhưng</a:t>
-            </a:r>
-            <a:r>
-              <a:rPr lang="en-US" sz="2400" dirty="0">
-                <a:latin typeface="SF Pro Semibold" pitchFamily="2" charset="0"/>
-                <a:ea typeface="SF Pro Semibold" pitchFamily="2" charset="0"/>
-                <a:cs typeface="SF Pro Semibold" pitchFamily="2" charset="0"/>
-              </a:rPr>
-              <a:t> </a:t>
-            </a:r>
-            <a:r>
-              <a:rPr lang="en-US" sz="2400" dirty="0" err="1">
-                <a:latin typeface="SF Pro Semibold" pitchFamily="2" charset="0"/>
-                <a:ea typeface="SF Pro Semibold" pitchFamily="2" charset="0"/>
-                <a:cs typeface="SF Pro Semibold" pitchFamily="2" charset="0"/>
-              </a:rPr>
-              <a:t>nó</a:t>
-            </a:r>
-            <a:r>
-              <a:rPr lang="en-US" sz="2400" dirty="0">
-                <a:latin typeface="SF Pro Semibold" pitchFamily="2" charset="0"/>
-                <a:ea typeface="SF Pro Semibold" pitchFamily="2" charset="0"/>
-                <a:cs typeface="SF Pro Semibold" pitchFamily="2" charset="0"/>
-              </a:rPr>
-              <a:t> </a:t>
-            </a:r>
-            <a:r>
-              <a:rPr lang="en-US" sz="2400" dirty="0" err="1">
-                <a:latin typeface="SF Pro Semibold" pitchFamily="2" charset="0"/>
-                <a:ea typeface="SF Pro Semibold" pitchFamily="2" charset="0"/>
-                <a:cs typeface="SF Pro Semibold" pitchFamily="2" charset="0"/>
-              </a:rPr>
-              <a:t>vẫn</a:t>
-            </a:r>
-            <a:r>
-              <a:rPr lang="en-US" sz="2400" dirty="0">
-                <a:latin typeface="SF Pro Semibold" pitchFamily="2" charset="0"/>
-                <a:ea typeface="SF Pro Semibold" pitchFamily="2" charset="0"/>
-                <a:cs typeface="SF Pro Semibold" pitchFamily="2" charset="0"/>
-              </a:rPr>
-              <a:t> </a:t>
-            </a:r>
-            <a:r>
-              <a:rPr lang="en-US" sz="2400" dirty="0" err="1">
-                <a:latin typeface="SF Pro Semibold" pitchFamily="2" charset="0"/>
-                <a:ea typeface="SF Pro Semibold" pitchFamily="2" charset="0"/>
-                <a:cs typeface="SF Pro Semibold" pitchFamily="2" charset="0"/>
-              </a:rPr>
-              <a:t>là</a:t>
-            </a:r>
-            <a:r>
-              <a:rPr lang="en-US" sz="2400" dirty="0">
-                <a:latin typeface="SF Pro Semibold" pitchFamily="2" charset="0"/>
-                <a:ea typeface="SF Pro Semibold" pitchFamily="2" charset="0"/>
-                <a:cs typeface="SF Pro Semibold" pitchFamily="2" charset="0"/>
-              </a:rPr>
-              <a:t> </a:t>
-            </a:r>
-            <a:r>
-              <a:rPr lang="en-US" sz="2400" dirty="0" err="1">
-                <a:latin typeface="SF Pro Semibold" pitchFamily="2" charset="0"/>
-                <a:ea typeface="SF Pro Semibold" pitchFamily="2" charset="0"/>
-                <a:cs typeface="SF Pro Semibold" pitchFamily="2" charset="0"/>
-              </a:rPr>
-              <a:t>một</a:t>
-            </a:r>
-            <a:r>
-              <a:rPr lang="en-US" sz="2400" dirty="0">
-                <a:latin typeface="SF Pro Semibold" pitchFamily="2" charset="0"/>
-                <a:ea typeface="SF Pro Semibold" pitchFamily="2" charset="0"/>
-                <a:cs typeface="SF Pro Semibold" pitchFamily="2" charset="0"/>
-              </a:rPr>
-              <a:t> </a:t>
-            </a:r>
-            <a:r>
-              <a:rPr lang="en-US" sz="2400" dirty="0" err="1">
-                <a:latin typeface="SF Pro Semibold" pitchFamily="2" charset="0"/>
-                <a:ea typeface="SF Pro Semibold" pitchFamily="2" charset="0"/>
-                <a:cs typeface="SF Pro Semibold" pitchFamily="2" charset="0"/>
-              </a:rPr>
-              <a:t>trong</a:t>
-            </a:r>
-            <a:r>
-              <a:rPr lang="en-US" sz="2400" dirty="0">
-                <a:latin typeface="SF Pro Semibold" pitchFamily="2" charset="0"/>
-                <a:ea typeface="SF Pro Semibold" pitchFamily="2" charset="0"/>
-                <a:cs typeface="SF Pro Semibold" pitchFamily="2" charset="0"/>
-              </a:rPr>
-              <a:t> </a:t>
-            </a:r>
-            <a:r>
-              <a:rPr lang="en-US" sz="2400" dirty="0" err="1">
-                <a:latin typeface="SF Pro Semibold" pitchFamily="2" charset="0"/>
-                <a:ea typeface="SF Pro Semibold" pitchFamily="2" charset="0"/>
-                <a:cs typeface="SF Pro Semibold" pitchFamily="2" charset="0"/>
-              </a:rPr>
-              <a:t>những</a:t>
-            </a:r>
-            <a:r>
-              <a:rPr lang="en-US" sz="2400" dirty="0">
-                <a:latin typeface="SF Pro Semibold" pitchFamily="2" charset="0"/>
-                <a:ea typeface="SF Pro Semibold" pitchFamily="2" charset="0"/>
-                <a:cs typeface="SF Pro Semibold" pitchFamily="2" charset="0"/>
-              </a:rPr>
-              <a:t> </a:t>
-            </a:r>
-            <a:r>
-              <a:rPr lang="en-US" sz="2400" dirty="0" err="1">
-                <a:latin typeface="SF Pro Semibold" pitchFamily="2" charset="0"/>
-                <a:ea typeface="SF Pro Semibold" pitchFamily="2" charset="0"/>
-                <a:cs typeface="SF Pro Semibold" pitchFamily="2" charset="0"/>
-              </a:rPr>
-              <a:t>công</a:t>
-            </a:r>
-            <a:r>
-              <a:rPr lang="en-US" sz="2400" dirty="0">
-                <a:latin typeface="SF Pro Semibold" pitchFamily="2" charset="0"/>
-                <a:ea typeface="SF Pro Semibold" pitchFamily="2" charset="0"/>
-                <a:cs typeface="SF Pro Semibold" pitchFamily="2" charset="0"/>
-              </a:rPr>
-              <a:t> </a:t>
-            </a:r>
-            <a:r>
-              <a:rPr lang="en-US" sz="2400" dirty="0" err="1">
-                <a:latin typeface="SF Pro Semibold" pitchFamily="2" charset="0"/>
-                <a:ea typeface="SF Pro Semibold" pitchFamily="2" charset="0"/>
-                <a:cs typeface="SF Pro Semibold" pitchFamily="2" charset="0"/>
-              </a:rPr>
-              <a:t>nghệ</a:t>
-            </a:r>
-            <a:r>
-              <a:rPr lang="en-US" sz="2400" dirty="0">
-                <a:latin typeface="SF Pro Semibold" pitchFamily="2" charset="0"/>
-                <a:ea typeface="SF Pro Semibold" pitchFamily="2" charset="0"/>
-                <a:cs typeface="SF Pro Semibold" pitchFamily="2" charset="0"/>
-              </a:rPr>
-              <a:t> </a:t>
-            </a:r>
-            <a:r>
-              <a:rPr lang="en-US" sz="2400" dirty="0" err="1">
-                <a:latin typeface="SF Pro Semibold" pitchFamily="2" charset="0"/>
-                <a:ea typeface="SF Pro Semibold" pitchFamily="2" charset="0"/>
-                <a:cs typeface="SF Pro Semibold" pitchFamily="2" charset="0"/>
-              </a:rPr>
-              <a:t>sinh</a:t>
-            </a:r>
-            <a:r>
-              <a:rPr lang="en-US" sz="2400" dirty="0">
-                <a:latin typeface="SF Pro Semibold" pitchFamily="2" charset="0"/>
-                <a:ea typeface="SF Pro Semibold" pitchFamily="2" charset="0"/>
-                <a:cs typeface="SF Pro Semibold" pitchFamily="2" charset="0"/>
-              </a:rPr>
-              <a:t> </a:t>
-            </a:r>
-            <a:r>
-              <a:rPr lang="en-US" sz="2400" dirty="0" err="1">
-                <a:latin typeface="SF Pro Semibold" pitchFamily="2" charset="0"/>
-                <a:ea typeface="SF Pro Semibold" pitchFamily="2" charset="0"/>
-                <a:cs typeface="SF Pro Semibold" pitchFamily="2" charset="0"/>
-              </a:rPr>
-              <a:t>trắc</a:t>
-            </a:r>
-            <a:r>
-              <a:rPr lang="en-US" sz="2400" dirty="0">
-                <a:latin typeface="SF Pro Semibold" pitchFamily="2" charset="0"/>
-                <a:ea typeface="SF Pro Semibold" pitchFamily="2" charset="0"/>
-                <a:cs typeface="SF Pro Semibold" pitchFamily="2" charset="0"/>
-              </a:rPr>
-              <a:t> </a:t>
-            </a:r>
-            <a:r>
-              <a:rPr lang="en-US" sz="2400" dirty="0" err="1">
-                <a:latin typeface="SF Pro Semibold" pitchFamily="2" charset="0"/>
-                <a:ea typeface="SF Pro Semibold" pitchFamily="2" charset="0"/>
-                <a:cs typeface="SF Pro Semibold" pitchFamily="2" charset="0"/>
-              </a:rPr>
-              <a:t>học</a:t>
-            </a:r>
-            <a:r>
-              <a:rPr lang="en-US" sz="2400" dirty="0">
-                <a:latin typeface="SF Pro Semibold" pitchFamily="2" charset="0"/>
-                <a:ea typeface="SF Pro Semibold" pitchFamily="2" charset="0"/>
-                <a:cs typeface="SF Pro Semibold" pitchFamily="2" charset="0"/>
-              </a:rPr>
-              <a:t> </a:t>
-            </a:r>
-            <a:r>
-              <a:rPr lang="en-US" sz="2400" dirty="0" err="1">
-                <a:latin typeface="SF Pro Semibold" pitchFamily="2" charset="0"/>
-                <a:ea typeface="SF Pro Semibold" pitchFamily="2" charset="0"/>
-                <a:cs typeface="SF Pro Semibold" pitchFamily="2" charset="0"/>
-              </a:rPr>
-              <a:t>chính</a:t>
-            </a:r>
-            <a:r>
-              <a:rPr lang="en-US" sz="2400" dirty="0">
-                <a:latin typeface="SF Pro Semibold" pitchFamily="2" charset="0"/>
-                <a:ea typeface="SF Pro Semibold" pitchFamily="2" charset="0"/>
-                <a:cs typeface="SF Pro Semibold" pitchFamily="2" charset="0"/>
-              </a:rPr>
-              <a:t> </a:t>
-            </a:r>
-            <a:r>
-              <a:rPr lang="en-US" sz="2400" dirty="0" err="1">
-                <a:latin typeface="SF Pro Semibold" pitchFamily="2" charset="0"/>
-                <a:ea typeface="SF Pro Semibold" pitchFamily="2" charset="0"/>
-                <a:cs typeface="SF Pro Semibold" pitchFamily="2" charset="0"/>
-              </a:rPr>
-              <a:t>xác</a:t>
-            </a:r>
-            <a:r>
-              <a:rPr lang="en-US" sz="2400" dirty="0">
-                <a:latin typeface="SF Pro Semibold" pitchFamily="2" charset="0"/>
-                <a:ea typeface="SF Pro Semibold" pitchFamily="2" charset="0"/>
-                <a:cs typeface="SF Pro Semibold" pitchFamily="2" charset="0"/>
-              </a:rPr>
-              <a:t> </a:t>
-            </a:r>
-            <a:r>
-              <a:rPr lang="en-US" sz="2400" dirty="0" err="1">
-                <a:latin typeface="SF Pro Semibold" pitchFamily="2" charset="0"/>
-                <a:ea typeface="SF Pro Semibold" pitchFamily="2" charset="0"/>
-                <a:cs typeface="SF Pro Semibold" pitchFamily="2" charset="0"/>
-              </a:rPr>
-              <a:t>nhất</a:t>
-            </a:r>
-            <a:r>
-              <a:rPr lang="en-US" sz="2400" dirty="0">
-                <a:latin typeface="SF Pro Semibold" pitchFamily="2" charset="0"/>
-                <a:ea typeface="SF Pro Semibold" pitchFamily="2" charset="0"/>
-                <a:cs typeface="SF Pro Semibold" pitchFamily="2" charset="0"/>
-              </a:rPr>
-              <a:t> </a:t>
-            </a:r>
-            <a:r>
-              <a:rPr lang="en-US" sz="2400" dirty="0" err="1">
-                <a:latin typeface="SF Pro Semibold" pitchFamily="2" charset="0"/>
-                <a:ea typeface="SF Pro Semibold" pitchFamily="2" charset="0"/>
-                <a:cs typeface="SF Pro Semibold" pitchFamily="2" charset="0"/>
-              </a:rPr>
-              <a:t>hiện</a:t>
-            </a:r>
-            <a:r>
-              <a:rPr lang="en-US" sz="2400" dirty="0">
-                <a:latin typeface="SF Pro Semibold" pitchFamily="2" charset="0"/>
-                <a:ea typeface="SF Pro Semibold" pitchFamily="2" charset="0"/>
-                <a:cs typeface="SF Pro Semibold" pitchFamily="2" charset="0"/>
-              </a:rPr>
-              <a:t> nay. </a:t>
-            </a:r>
-          </a:p>
-        </p:txBody>
-      </p:sp>
+              <a:rPr lang="en-US" sz="2400">
+                <a:latin typeface="SF PRO SEMIBLOD" charset="0"/>
+                <a:cs typeface="SF PRO SEMIBLOD" charset="0"/>
+              </a:rPr>
+              <a:t> mô-đun camera hồng ngoại đọc mẫu </a:t>
+            </a:r>
+            <a:endParaRPr lang="en-US" sz="2400">
+              <a:latin typeface="SF PRO SEMIBLOD" charset="0"/>
+              <a:cs typeface="SF PRO SEMIBLOD" charset="0"/>
+            </a:endParaRPr>
+          </a:p>
+        </p:txBody>
+      </p:sp>
+      <p:pic>
+        <p:nvPicPr>
+          <p:cNvPr id="3" name="Picture 2" descr="faceid-mua-co-vy-10-1-scaled"/>
+          <p:cNvPicPr>
+            <a:picLocks noChangeAspect="1"/>
+          </p:cNvPicPr>
+          <p:nvPr/>
+        </p:nvPicPr>
+        <p:blipFill>
+          <a:blip r:embed="rId2"/>
+          <a:stretch>
+            <a:fillRect/>
+          </a:stretch>
+        </p:blipFill>
+        <p:spPr>
+          <a:xfrm>
+            <a:off x="536575" y="4462780"/>
+            <a:ext cx="3591560" cy="2395220"/>
+          </a:xfrm>
+          <a:prstGeom prst="rect">
+            <a:avLst/>
+          </a:prstGeom>
+        </p:spPr>
+      </p:pic>
+      <p:pic>
+        <p:nvPicPr>
+          <p:cNvPr id="4" name="Picture 3" descr="Iphone-14-face-id-co-gi-khac-biet-5"/>
+          <p:cNvPicPr>
+            <a:picLocks noChangeAspect="1"/>
+          </p:cNvPicPr>
+          <p:nvPr/>
+        </p:nvPicPr>
+        <p:blipFill>
+          <a:blip r:embed="rId3"/>
+          <a:stretch>
+            <a:fillRect/>
+          </a:stretch>
+        </p:blipFill>
+        <p:spPr>
+          <a:xfrm>
+            <a:off x="4768215" y="4547870"/>
+            <a:ext cx="3408680" cy="2305685"/>
+          </a:xfrm>
+          <a:prstGeom prst="rect">
+            <a:avLst/>
+          </a:prstGeom>
+        </p:spPr>
+      </p:pic>
     </p:spTree>
-    <p:extLst>
-      <p:ext uri="{BB962C8B-B14F-4D97-AF65-F5344CB8AC3E}">
-        <p14:creationId xmlns:p14="http://schemas.microsoft.com/office/powerpoint/2010/main" val="1443828340"/>
-      </p:ext>
-    </p:extLst>
   </p:cSld>
   <p:clrMapOvr>
     <a:masterClrMapping/>
@@ -8887,13 +8192,7 @@
       </p:grpSpPr>
       <p:sp>
         <p:nvSpPr>
-          <p:cNvPr id="9" name="Rectangle 8">
-            <a:extLst>
-              <a:ext uri="{FF2B5EF4-FFF2-40B4-BE49-F238E27FC236}">
-                <a16:creationId xmlns:a16="http://schemas.microsoft.com/office/drawing/2014/main" id="{6B0BE84C-DBD5-E249-AB4C-2F3AFB8A0C4D}"/>
-              </a:ext>
-            </a:extLst>
-          </p:cNvPr>
+          <p:cNvPr id="9" name="Rectangle 8"/>
           <p:cNvSpPr/>
           <p:nvPr/>
         </p:nvSpPr>
@@ -8933,159 +8232,101 @@
           <a:lstStyle/>
           <a:p>
             <a:pPr algn="ctr"/>
-            <a:endParaRPr lang="en-VN"/>
+            <a:endParaRPr lang="en-US"/>
+          </a:p>
+        </p:txBody>
+      </p:sp>
+      <p:sp>
+        <p:nvSpPr>
+          <p:cNvPr id="5" name="TextBox 4"/>
+          <p:cNvSpPr txBox="1"/>
+          <p:nvPr/>
+        </p:nvSpPr>
+        <p:spPr>
+          <a:xfrm>
+            <a:off x="521852" y="315311"/>
+            <a:ext cx="6195927" cy="584775"/>
+          </a:xfrm>
+          <a:prstGeom prst="rect">
+            <a:avLst/>
+          </a:prstGeom>
+          <a:noFill/>
+        </p:spPr>
+        <p:txBody>
+          <a:bodyPr wrap="none" rtlCol="0">
+            <a:spAutoFit/>
+          </a:bodyPr>
+          <a:lstStyle/>
+          <a:p>
+            <a:r>
+              <a:rPr lang="en-US" sz="3200" b="1">
+                <a:solidFill>
+                  <a:schemeClr val="bg1"/>
+                </a:solidFill>
+                <a:latin typeface="+mj-lt"/>
+              </a:rPr>
+              <a:t>3.ĐỘ TIN CẬY VÀ CHÍNH XÁC. </a:t>
+            </a:r>
+            <a:endParaRPr lang="en-US" sz="3200" b="1">
+              <a:solidFill>
+                <a:schemeClr val="bg1"/>
+              </a:solidFill>
+              <a:latin typeface="+mj-lt"/>
+            </a:endParaRPr>
+          </a:p>
+        </p:txBody>
+      </p:sp>
+      <p:sp>
+        <p:nvSpPr>
+          <p:cNvPr id="6" name="TextBox 5"/>
+          <p:cNvSpPr txBox="1"/>
+          <p:nvPr/>
+        </p:nvSpPr>
+        <p:spPr>
+          <a:xfrm>
+            <a:off x="3247697" y="2406869"/>
+            <a:ext cx="184731" cy="369332"/>
+          </a:xfrm>
+          <a:prstGeom prst="rect">
+            <a:avLst/>
+          </a:prstGeom>
+          <a:noFill/>
+        </p:spPr>
+        <p:txBody>
+          <a:bodyPr wrap="none" rtlCol="0">
+            <a:spAutoFit/>
+          </a:bodyPr>
+          <a:lstStyle/>
+          <a:p>
+            <a:endParaRPr lang="en-US"/>
           </a:p>
         </p:txBody>
       </p:sp>
       <p:pic>
         <p:nvPicPr>
-          <p:cNvPr id="7" name="Picture 6">
-            <a:extLst>
-              <a:ext uri="{FF2B5EF4-FFF2-40B4-BE49-F238E27FC236}">
-                <a16:creationId xmlns:a16="http://schemas.microsoft.com/office/drawing/2014/main" id="{F0295052-FA58-1D41-97F5-D3C210A814CD}"/>
-              </a:ext>
-            </a:extLst>
-          </p:cNvPr>
-          <p:cNvPicPr>
-            <a:picLocks noChangeAspect="1"/>
-          </p:cNvPicPr>
+          <p:cNvPr id="12" name="Picture 11"/>
+          <p:cNvPicPr/>
           <p:nvPr/>
         </p:nvPicPr>
         <p:blipFill>
-          <a:blip r:embed="rId2"/>
+          <a:blip r:embed="rId1"/>
           <a:stretch>
             <a:fillRect/>
           </a:stretch>
         </p:blipFill>
         <p:spPr>
           <a:xfrm>
-            <a:off x="852434" y="2116729"/>
-            <a:ext cx="7874865" cy="4298364"/>
-          </a:xfrm>
-          <a:prstGeom prst="roundRect">
-            <a:avLst>
-              <a:gd name="adj" fmla="val 11967"/>
-            </a:avLst>
-          </a:prstGeom>
-        </p:spPr>
-      </p:pic>
-      <p:sp>
-        <p:nvSpPr>
-          <p:cNvPr id="5" name="TextBox 4">
-            <a:extLst>
-              <a:ext uri="{FF2B5EF4-FFF2-40B4-BE49-F238E27FC236}">
-                <a16:creationId xmlns:a16="http://schemas.microsoft.com/office/drawing/2014/main" id="{F3960680-F03C-3047-A820-E7C09DBC8563}"/>
-              </a:ext>
-            </a:extLst>
-          </p:cNvPr>
-          <p:cNvSpPr txBox="1"/>
-          <p:nvPr/>
-        </p:nvSpPr>
-        <p:spPr>
-          <a:xfrm>
-            <a:off x="521852" y="315311"/>
-            <a:ext cx="6195927" cy="584775"/>
+            <a:off x="-39267" y="6350556"/>
+            <a:ext cx="576000" cy="1236543"/>
           </a:xfrm>
           <a:prstGeom prst="rect">
             <a:avLst/>
           </a:prstGeom>
-          <a:noFill/>
-        </p:spPr>
-        <p:txBody>
-          <a:bodyPr wrap="none" rtlCol="0">
-            <a:spAutoFit/>
-          </a:bodyPr>
-          <a:lstStyle/>
-          <a:p>
-            <a:r>
-              <a:rPr lang="en-US" sz="3200" b="1">
-                <a:solidFill>
-                  <a:schemeClr val="bg1"/>
-                </a:solidFill>
-                <a:latin typeface="+mj-lt"/>
-              </a:rPr>
-              <a:t>3.ĐỘ TIN CẬY VÀ CHÍNH XÁC. </a:t>
-            </a:r>
-            <a:endParaRPr lang="en-VN" sz="3200" b="1">
-              <a:solidFill>
-                <a:schemeClr val="bg1"/>
-              </a:solidFill>
-              <a:latin typeface="+mj-lt"/>
-            </a:endParaRPr>
-          </a:p>
-        </p:txBody>
-      </p:sp>
-      <p:sp>
-        <p:nvSpPr>
-          <p:cNvPr id="6" name="TextBox 5">
-            <a:extLst>
-              <a:ext uri="{FF2B5EF4-FFF2-40B4-BE49-F238E27FC236}">
-                <a16:creationId xmlns:a16="http://schemas.microsoft.com/office/drawing/2014/main" id="{BCEB1458-B89A-4A42-B00D-6EBB177FDA58}"/>
-              </a:ext>
-            </a:extLst>
-          </p:cNvPr>
-          <p:cNvSpPr txBox="1"/>
-          <p:nvPr/>
-        </p:nvSpPr>
-        <p:spPr>
-          <a:xfrm>
-            <a:off x="3247697" y="2406869"/>
-            <a:ext cx="184731" cy="369332"/>
-          </a:xfrm>
-          <a:prstGeom prst="rect">
-            <a:avLst/>
-          </a:prstGeom>
-          <a:noFill/>
-        </p:spPr>
-        <p:txBody>
-          <a:bodyPr wrap="none" rtlCol="0">
-            <a:spAutoFit/>
-          </a:bodyPr>
-          <a:lstStyle/>
-          <a:p>
-            <a:endParaRPr lang="en-VN"/>
-          </a:p>
-        </p:txBody>
-      </p:sp>
-      <p:pic>
-        <p:nvPicPr>
-          <p:cNvPr id="12" name="Picture 11">
-            <a:extLst>
-              <a:ext uri="{FF2B5EF4-FFF2-40B4-BE49-F238E27FC236}">
-                <a16:creationId xmlns:a16="http://schemas.microsoft.com/office/drawing/2014/main" id="{2F0E3C83-4764-C241-85AE-24BA870C0D12}"/>
-              </a:ext>
-            </a:extLst>
-          </p:cNvPr>
-          <p:cNvPicPr>
-            <a:picLocks/>
-          </p:cNvPicPr>
-          <p:nvPr/>
-        </p:nvPicPr>
-        <p:blipFill>
-          <a:blip r:embed="rId3"/>
-          <a:stretch>
-            <a:fillRect/>
-          </a:stretch>
-        </p:blipFill>
-        <p:spPr>
-          <a:xfrm>
-            <a:off x="-39267" y="6350556"/>
-            <a:ext cx="576000" cy="1236543"/>
-          </a:xfrm>
-          <a:prstGeom prst="rect">
-            <a:avLst/>
-          </a:prstGeom>
         </p:spPr>
       </p:pic>
       <p:sp>
         <p:nvSpPr>
-          <p:cNvPr id="13" name="Oval 12">
-            <a:extLst>
-              <a:ext uri="{FF2B5EF4-FFF2-40B4-BE49-F238E27FC236}">
-                <a16:creationId xmlns:a16="http://schemas.microsoft.com/office/drawing/2014/main" id="{D8985CD3-7249-F240-A798-41E9AD66DE19}"/>
-              </a:ext>
-            </a:extLst>
-          </p:cNvPr>
+          <p:cNvPr id="13" name="Oval 12"/>
           <p:cNvSpPr/>
           <p:nvPr/>
         </p:nvSpPr>
@@ -9128,32 +8369,31 @@
           <a:p>
             <a:pPr algn="ctr"/>
             <a:r>
-              <a:rPr lang="en-VN">
+              <a:rPr lang="en-US">
                 <a:solidFill>
                   <a:srgbClr val="FF0000"/>
                 </a:solidFill>
               </a:rPr>
               <a:t>3</a:t>
             </a:r>
-          </a:p>
-        </p:txBody>
-      </p:sp>
-      <p:sp>
-        <p:nvSpPr>
-          <p:cNvPr id="10" name="TextBox 9">
-            <a:extLst>
-              <a:ext uri="{FF2B5EF4-FFF2-40B4-BE49-F238E27FC236}">
-                <a16:creationId xmlns:a16="http://schemas.microsoft.com/office/drawing/2014/main" id="{616DC6A4-1C24-244D-BCDE-BF6FE141EA8C}"/>
-              </a:ext>
-            </a:extLst>
-          </p:cNvPr>
+            <a:endParaRPr lang="en-US">
+              <a:solidFill>
+                <a:srgbClr val="FF0000"/>
+              </a:solidFill>
+            </a:endParaRPr>
+          </a:p>
+        </p:txBody>
+      </p:sp>
+      <p:sp>
+        <p:nvSpPr>
+          <p:cNvPr id="10" name="TextBox 9"/>
           <p:cNvSpPr txBox="1"/>
           <p:nvPr/>
         </p:nvSpPr>
         <p:spPr>
           <a:xfrm>
-            <a:off x="703384" y="1121261"/>
-            <a:ext cx="8169310" cy="664156"/>
+            <a:off x="703384" y="1121257"/>
+            <a:ext cx="8169310" cy="3998787"/>
           </a:xfrm>
           <a:prstGeom prst="rect">
             <a:avLst/>
@@ -9170,7 +8410,7 @@
               <a:lnSpc>
                 <a:spcPct val="150000"/>
               </a:lnSpc>
-              <a:buFont typeface="Wingdings" pitchFamily="2" charset="2"/>
+              <a:buFont typeface="Wingdings" panose="05000000000000000000" pitchFamily="2" charset="2"/>
               <a:buChar char="Ø"/>
             </a:pPr>
             <a:r>
@@ -9338,15 +8578,721 @@
               </a:rPr>
               <a:t>?: </a:t>
             </a:r>
+            <a:endParaRPr lang="en-US" sz="2800" dirty="0">
+              <a:solidFill>
+                <a:srgbClr val="FF0000"/>
+              </a:solidFill>
+              <a:latin typeface="SF Pro Semibold" pitchFamily="2" charset="0"/>
+              <a:ea typeface="SF Pro Semibold" pitchFamily="2" charset="0"/>
+              <a:cs typeface="SF Pro Semibold" pitchFamily="2" charset="0"/>
+            </a:endParaRPr>
+          </a:p>
+          <a:p>
+            <a:pPr marL="457200" indent="-457200">
+              <a:lnSpc>
+                <a:spcPct val="150000"/>
+              </a:lnSpc>
+              <a:buFont typeface="Wingdings" panose="05000000000000000000" pitchFamily="2" charset="2"/>
+              <a:buChar char="Ø"/>
+            </a:pPr>
+            <a:r>
+              <a:rPr lang="en-US" sz="2400" dirty="0" err="1">
+                <a:latin typeface="SF Pro Semibold" pitchFamily="2" charset="0"/>
+                <a:ea typeface="SF Pro Semibold" pitchFamily="2" charset="0"/>
+                <a:cs typeface="SF Pro Semibold" pitchFamily="2" charset="0"/>
+              </a:rPr>
+              <a:t>Phụ</a:t>
+            </a:r>
+            <a:r>
+              <a:rPr lang="en-US" sz="2400" dirty="0">
+                <a:latin typeface="SF Pro Semibold" pitchFamily="2" charset="0"/>
+                <a:ea typeface="SF Pro Semibold" pitchFamily="2" charset="0"/>
+                <a:cs typeface="SF Pro Semibold" pitchFamily="2" charset="0"/>
+              </a:rPr>
+              <a:t> </a:t>
+            </a:r>
+            <a:r>
+              <a:rPr lang="en-US" sz="2400" dirty="0" err="1">
+                <a:latin typeface="SF Pro Semibold" pitchFamily="2" charset="0"/>
+                <a:ea typeface="SF Pro Semibold" pitchFamily="2" charset="0"/>
+                <a:cs typeface="SF Pro Semibold" pitchFamily="2" charset="0"/>
+              </a:rPr>
+              <a:t>thuộc</a:t>
+            </a:r>
+            <a:r>
+              <a:rPr lang="en-US" sz="2400" dirty="0">
+                <a:latin typeface="SF Pro Semibold" pitchFamily="2" charset="0"/>
+                <a:ea typeface="SF Pro Semibold" pitchFamily="2" charset="0"/>
+                <a:cs typeface="SF Pro Semibold" pitchFamily="2" charset="0"/>
+              </a:rPr>
+              <a:t> </a:t>
+            </a:r>
+            <a:r>
+              <a:rPr lang="en-US" sz="2400" dirty="0" err="1">
+                <a:latin typeface="SF Pro Semibold" pitchFamily="2" charset="0"/>
+                <a:ea typeface="SF Pro Semibold" pitchFamily="2" charset="0"/>
+                <a:cs typeface="SF Pro Semibold" pitchFamily="2" charset="0"/>
+              </a:rPr>
+              <a:t>vào</a:t>
+            </a:r>
+            <a:r>
+              <a:rPr lang="en-US" sz="2400" dirty="0">
+                <a:latin typeface="SF Pro Semibold" pitchFamily="2" charset="0"/>
+                <a:ea typeface="SF Pro Semibold" pitchFamily="2" charset="0"/>
+                <a:cs typeface="SF Pro Semibold" pitchFamily="2" charset="0"/>
+              </a:rPr>
+              <a:t> </a:t>
+            </a:r>
+            <a:r>
+              <a:rPr lang="en-US" sz="2400" dirty="0" err="1">
+                <a:latin typeface="SF Pro Semibold" pitchFamily="2" charset="0"/>
+                <a:ea typeface="SF Pro Semibold" pitchFamily="2" charset="0"/>
+                <a:cs typeface="SF Pro Semibold" pitchFamily="2" charset="0"/>
+              </a:rPr>
+              <a:t>nhiều</a:t>
+            </a:r>
+            <a:r>
+              <a:rPr lang="en-US" sz="2400" dirty="0">
+                <a:latin typeface="SF Pro Semibold" pitchFamily="2" charset="0"/>
+                <a:ea typeface="SF Pro Semibold" pitchFamily="2" charset="0"/>
+                <a:cs typeface="SF Pro Semibold" pitchFamily="2" charset="0"/>
+              </a:rPr>
+              <a:t> </a:t>
+            </a:r>
+            <a:r>
+              <a:rPr lang="en-US" sz="2400" dirty="0" err="1">
+                <a:latin typeface="SF Pro Semibold" pitchFamily="2" charset="0"/>
+                <a:ea typeface="SF Pro Semibold" pitchFamily="2" charset="0"/>
+                <a:cs typeface="SF Pro Semibold" pitchFamily="2" charset="0"/>
+              </a:rPr>
+              <a:t>yếu</a:t>
+            </a:r>
+            <a:r>
+              <a:rPr lang="en-US" sz="2400" dirty="0">
+                <a:latin typeface="SF Pro Semibold" pitchFamily="2" charset="0"/>
+                <a:ea typeface="SF Pro Semibold" pitchFamily="2" charset="0"/>
+                <a:cs typeface="SF Pro Semibold" pitchFamily="2" charset="0"/>
+              </a:rPr>
+              <a:t> </a:t>
+            </a:r>
+            <a:r>
+              <a:rPr lang="en-US" sz="2400" dirty="0" err="1">
+                <a:latin typeface="SF Pro Semibold" pitchFamily="2" charset="0"/>
+                <a:ea typeface="SF Pro Semibold" pitchFamily="2" charset="0"/>
+                <a:cs typeface="SF Pro Semibold" pitchFamily="2" charset="0"/>
+              </a:rPr>
+              <a:t>tố</a:t>
+            </a:r>
+            <a:r>
+              <a:rPr lang="en-US" sz="2400" dirty="0">
+                <a:latin typeface="SF Pro Semibold" pitchFamily="2" charset="0"/>
+                <a:ea typeface="SF Pro Semibold" pitchFamily="2" charset="0"/>
+                <a:cs typeface="SF Pro Semibold" pitchFamily="2" charset="0"/>
+              </a:rPr>
+              <a:t>: </a:t>
+            </a:r>
+            <a:endParaRPr lang="en-US" sz="2400" dirty="0">
+              <a:latin typeface="SF Pro Semibold" pitchFamily="2" charset="0"/>
+              <a:ea typeface="SF Pro Semibold" pitchFamily="2" charset="0"/>
+              <a:cs typeface="SF Pro Semibold" pitchFamily="2" charset="0"/>
+            </a:endParaRPr>
+          </a:p>
+          <a:p>
+            <a:pPr marL="457200" indent="-457200">
+              <a:lnSpc>
+                <a:spcPct val="150000"/>
+              </a:lnSpc>
+              <a:buFont typeface="Wingdings" panose="05000000000000000000" pitchFamily="2" charset="2"/>
+              <a:buChar char="ü"/>
+            </a:pPr>
+            <a:r>
+              <a:rPr lang="en-US" sz="2400" dirty="0" err="1">
+                <a:latin typeface="SF Pro Semibold" pitchFamily="2" charset="0"/>
+                <a:ea typeface="SF Pro Semibold" pitchFamily="2" charset="0"/>
+                <a:cs typeface="SF Pro Semibold" pitchFamily="2" charset="0"/>
+              </a:rPr>
+              <a:t>L</a:t>
+            </a:r>
+            <a:r>
+              <a:rPr lang="en-US" sz="2400" dirty="0" err="1">
+                <a:effectLst/>
+                <a:latin typeface="SF Pro Semibold" pitchFamily="2" charset="0"/>
+                <a:ea typeface="SF Pro Semibold" pitchFamily="2" charset="0"/>
+                <a:cs typeface="SF Pro Semibold" pitchFamily="2" charset="0"/>
+              </a:rPr>
+              <a:t>ão</a:t>
+            </a:r>
+            <a:r>
+              <a:rPr lang="en-US" sz="2400" dirty="0">
+                <a:effectLst/>
+                <a:latin typeface="SF Pro Semibold" pitchFamily="2" charset="0"/>
+                <a:ea typeface="SF Pro Semibold" pitchFamily="2" charset="0"/>
+                <a:cs typeface="SF Pro Semibold" pitchFamily="2" charset="0"/>
+              </a:rPr>
+              <a:t> </a:t>
+            </a:r>
+            <a:r>
+              <a:rPr lang="en-US" sz="2400" dirty="0" err="1">
+                <a:effectLst/>
+                <a:latin typeface="SF Pro Semibold" pitchFamily="2" charset="0"/>
+                <a:ea typeface="SF Pro Semibold" pitchFamily="2" charset="0"/>
+                <a:cs typeface="SF Pro Semibold" pitchFamily="2" charset="0"/>
+              </a:rPr>
+              <a:t>hóa</a:t>
+            </a:r>
+            <a:r>
+              <a:rPr lang="en-US" sz="2400" dirty="0">
+                <a:effectLst/>
+                <a:latin typeface="SF Pro Semibold" pitchFamily="2" charset="0"/>
+                <a:ea typeface="SF Pro Semibold" pitchFamily="2" charset="0"/>
+                <a:cs typeface="SF Pro Semibold" pitchFamily="2" charset="0"/>
+              </a:rPr>
+              <a:t> </a:t>
+            </a:r>
+            <a:r>
+              <a:rPr lang="en-US" sz="2400" dirty="0" err="1">
+                <a:effectLst/>
+                <a:latin typeface="SF Pro Semibold" pitchFamily="2" charset="0"/>
+                <a:ea typeface="SF Pro Semibold" pitchFamily="2" charset="0"/>
+                <a:cs typeface="SF Pro Semibold" pitchFamily="2" charset="0"/>
+              </a:rPr>
+              <a:t>trên</a:t>
+            </a:r>
+            <a:r>
+              <a:rPr lang="en-US" sz="2400" dirty="0">
+                <a:effectLst/>
+                <a:latin typeface="SF Pro Semibold" pitchFamily="2" charset="0"/>
+                <a:ea typeface="SF Pro Semibold" pitchFamily="2" charset="0"/>
+                <a:cs typeface="SF Pro Semibold" pitchFamily="2" charset="0"/>
+              </a:rPr>
+              <a:t> </a:t>
+            </a:r>
+            <a:r>
+              <a:rPr lang="en-US" sz="2400" dirty="0" err="1">
+                <a:effectLst/>
+                <a:latin typeface="SF Pro Semibold" pitchFamily="2" charset="0"/>
+                <a:ea typeface="SF Pro Semibold" pitchFamily="2" charset="0"/>
+                <a:cs typeface="SF Pro Semibold" pitchFamily="2" charset="0"/>
+              </a:rPr>
+              <a:t>khuôn</a:t>
+            </a:r>
+            <a:r>
+              <a:rPr lang="en-US" sz="2400" dirty="0">
+                <a:effectLst/>
+                <a:latin typeface="SF Pro Semibold" pitchFamily="2" charset="0"/>
+                <a:ea typeface="SF Pro Semibold" pitchFamily="2" charset="0"/>
+                <a:cs typeface="SF Pro Semibold" pitchFamily="2" charset="0"/>
+              </a:rPr>
+              <a:t> </a:t>
+            </a:r>
+            <a:r>
+              <a:rPr lang="en-US" sz="2400" dirty="0" err="1">
+                <a:effectLst/>
+                <a:latin typeface="SF Pro Semibold" pitchFamily="2" charset="0"/>
+                <a:ea typeface="SF Pro Semibold" pitchFamily="2" charset="0"/>
+                <a:cs typeface="SF Pro Semibold" pitchFamily="2" charset="0"/>
+              </a:rPr>
+              <a:t>mặt</a:t>
+            </a:r>
+            <a:r>
+              <a:rPr lang="en-US" sz="2400" dirty="0">
+                <a:effectLst/>
+                <a:latin typeface="SF Pro Semibold" pitchFamily="2" charset="0"/>
+                <a:ea typeface="SF Pro Semibold" pitchFamily="2" charset="0"/>
+                <a:cs typeface="SF Pro Semibold" pitchFamily="2" charset="0"/>
+              </a:rPr>
+              <a:t>. </a:t>
+            </a:r>
+            <a:endParaRPr lang="en-US" sz="2400" dirty="0">
+              <a:effectLst/>
+              <a:latin typeface="SF Pro Semibold" pitchFamily="2" charset="0"/>
+              <a:ea typeface="SF Pro Semibold" pitchFamily="2" charset="0"/>
+              <a:cs typeface="SF Pro Semibold" pitchFamily="2" charset="0"/>
+            </a:endParaRPr>
+          </a:p>
+          <a:p>
+            <a:pPr marL="457200" indent="-457200">
+              <a:lnSpc>
+                <a:spcPct val="150000"/>
+              </a:lnSpc>
+              <a:buFont typeface="Wingdings" panose="05000000000000000000" pitchFamily="2" charset="2"/>
+              <a:buChar char="ü"/>
+            </a:pPr>
+            <a:r>
+              <a:rPr lang="en-US" sz="2400" dirty="0" err="1">
+                <a:latin typeface="SF Pro Semibold" pitchFamily="2" charset="0"/>
+                <a:ea typeface="SF Pro Semibold" pitchFamily="2" charset="0"/>
+                <a:cs typeface="SF Pro Semibold" pitchFamily="2" charset="0"/>
+              </a:rPr>
+              <a:t>Hệ</a:t>
+            </a:r>
+            <a:r>
+              <a:rPr lang="en-US" sz="2400" dirty="0">
+                <a:latin typeface="SF Pro Semibold" pitchFamily="2" charset="0"/>
+                <a:ea typeface="SF Pro Semibold" pitchFamily="2" charset="0"/>
+                <a:cs typeface="SF Pro Semibold" pitchFamily="2" charset="0"/>
+              </a:rPr>
+              <a:t> </a:t>
+            </a:r>
+            <a:r>
+              <a:rPr lang="en-US" sz="2400" dirty="0" err="1">
+                <a:latin typeface="SF Pro Semibold" pitchFamily="2" charset="0"/>
+                <a:ea typeface="SF Pro Semibold" pitchFamily="2" charset="0"/>
+                <a:cs typeface="SF Pro Semibold" pitchFamily="2" charset="0"/>
+              </a:rPr>
+              <a:t>điều</a:t>
+            </a:r>
+            <a:r>
+              <a:rPr lang="en-US" sz="2400" dirty="0">
+                <a:latin typeface="SF Pro Semibold" pitchFamily="2" charset="0"/>
+                <a:ea typeface="SF Pro Semibold" pitchFamily="2" charset="0"/>
+                <a:cs typeface="SF Pro Semibold" pitchFamily="2" charset="0"/>
+              </a:rPr>
+              <a:t> </a:t>
+            </a:r>
+            <a:r>
+              <a:rPr lang="en-US" sz="2400" dirty="0" err="1">
+                <a:latin typeface="SF Pro Semibold" pitchFamily="2" charset="0"/>
+                <a:ea typeface="SF Pro Semibold" pitchFamily="2" charset="0"/>
+                <a:cs typeface="SF Pro Semibold" pitchFamily="2" charset="0"/>
+              </a:rPr>
+              <a:t>hành</a:t>
+            </a:r>
+            <a:r>
+              <a:rPr lang="en-US" sz="2400" dirty="0">
+                <a:latin typeface="SF Pro Semibold" pitchFamily="2" charset="0"/>
+                <a:ea typeface="SF Pro Semibold" pitchFamily="2" charset="0"/>
+                <a:cs typeface="SF Pro Semibold" pitchFamily="2" charset="0"/>
+              </a:rPr>
+              <a:t> </a:t>
+            </a:r>
+            <a:r>
+              <a:rPr lang="en-US" sz="2400" dirty="0" err="1">
+                <a:latin typeface="SF Pro Semibold" pitchFamily="2" charset="0"/>
+                <a:ea typeface="SF Pro Semibold" pitchFamily="2" charset="0"/>
+                <a:cs typeface="SF Pro Semibold" pitchFamily="2" charset="0"/>
+              </a:rPr>
+              <a:t>ổn</a:t>
+            </a:r>
+            <a:r>
+              <a:rPr lang="en-US" sz="2400" dirty="0">
+                <a:latin typeface="SF Pro Semibold" pitchFamily="2" charset="0"/>
+                <a:ea typeface="SF Pro Semibold" pitchFamily="2" charset="0"/>
+                <a:cs typeface="SF Pro Semibold" pitchFamily="2" charset="0"/>
+              </a:rPr>
+              <a:t> </a:t>
+            </a:r>
+            <a:r>
+              <a:rPr lang="en-US" sz="2400" dirty="0" err="1">
+                <a:latin typeface="SF Pro Semibold" pitchFamily="2" charset="0"/>
+                <a:ea typeface="SF Pro Semibold" pitchFamily="2" charset="0"/>
+                <a:cs typeface="SF Pro Semibold" pitchFamily="2" charset="0"/>
+              </a:rPr>
+              <a:t>định</a:t>
+            </a:r>
+            <a:r>
+              <a:rPr lang="en-US" sz="2400" dirty="0">
+                <a:latin typeface="SF Pro Semibold" pitchFamily="2" charset="0"/>
+                <a:ea typeface="SF Pro Semibold" pitchFamily="2" charset="0"/>
+                <a:cs typeface="SF Pro Semibold" pitchFamily="2" charset="0"/>
+              </a:rPr>
+              <a:t>. </a:t>
+            </a:r>
+            <a:endParaRPr lang="en-US" sz="2400" dirty="0">
+              <a:latin typeface="SF Pro Semibold" pitchFamily="2" charset="0"/>
+              <a:ea typeface="SF Pro Semibold" pitchFamily="2" charset="0"/>
+              <a:cs typeface="SF Pro Semibold" pitchFamily="2" charset="0"/>
+            </a:endParaRPr>
+          </a:p>
+          <a:p>
+            <a:pPr marL="457200" indent="-457200">
+              <a:lnSpc>
+                <a:spcPct val="150000"/>
+              </a:lnSpc>
+              <a:buFont typeface="Wingdings" panose="05000000000000000000" pitchFamily="2" charset="2"/>
+              <a:buChar char="ü"/>
+            </a:pPr>
+            <a:r>
+              <a:rPr lang="en-US" sz="2400" dirty="0" err="1">
+                <a:latin typeface="SF Pro Semibold" pitchFamily="2" charset="0"/>
+                <a:ea typeface="SF Pro Semibold" pitchFamily="2" charset="0"/>
+                <a:cs typeface="SF Pro Semibold" pitchFamily="2" charset="0"/>
+              </a:rPr>
+              <a:t>Thời</a:t>
+            </a:r>
+            <a:r>
+              <a:rPr lang="en-US" sz="2400" dirty="0">
+                <a:latin typeface="SF Pro Semibold" pitchFamily="2" charset="0"/>
+                <a:ea typeface="SF Pro Semibold" pitchFamily="2" charset="0"/>
+                <a:cs typeface="SF Pro Semibold" pitchFamily="2" charset="0"/>
+              </a:rPr>
+              <a:t> </a:t>
+            </a:r>
+            <a:r>
+              <a:rPr lang="en-US" sz="2400" dirty="0" err="1">
+                <a:latin typeface="SF Pro Semibold" pitchFamily="2" charset="0"/>
+                <a:ea typeface="SF Pro Semibold" pitchFamily="2" charset="0"/>
+                <a:cs typeface="SF Pro Semibold" pitchFamily="2" charset="0"/>
+              </a:rPr>
+              <a:t>gian</a:t>
+            </a:r>
+            <a:r>
+              <a:rPr lang="en-US" sz="2400" dirty="0">
+                <a:latin typeface="SF Pro Semibold" pitchFamily="2" charset="0"/>
+                <a:ea typeface="SF Pro Semibold" pitchFamily="2" charset="0"/>
+                <a:cs typeface="SF Pro Semibold" pitchFamily="2" charset="0"/>
+              </a:rPr>
+              <a:t> </a:t>
+            </a:r>
+            <a:r>
+              <a:rPr lang="en-US" sz="2400" dirty="0" err="1">
+                <a:latin typeface="SF Pro Semibold" pitchFamily="2" charset="0"/>
+                <a:ea typeface="SF Pro Semibold" pitchFamily="2" charset="0"/>
+                <a:cs typeface="SF Pro Semibold" pitchFamily="2" charset="0"/>
+              </a:rPr>
+              <a:t>của</a:t>
+            </a:r>
+            <a:r>
+              <a:rPr lang="en-US" sz="2400" dirty="0">
+                <a:latin typeface="SF Pro Semibold" pitchFamily="2" charset="0"/>
+                <a:ea typeface="SF Pro Semibold" pitchFamily="2" charset="0"/>
+                <a:cs typeface="SF Pro Semibold" pitchFamily="2" charset="0"/>
+              </a:rPr>
+              <a:t> </a:t>
+            </a:r>
+            <a:r>
+              <a:rPr lang="en-US" sz="2400" dirty="0" err="1">
+                <a:latin typeface="SF Pro Semibold" pitchFamily="2" charset="0"/>
+                <a:ea typeface="SF Pro Semibold" pitchFamily="2" charset="0"/>
+                <a:cs typeface="SF Pro Semibold" pitchFamily="2" charset="0"/>
+              </a:rPr>
+              <a:t>ảnh</a:t>
+            </a:r>
+            <a:r>
+              <a:rPr lang="en-US" sz="2400" dirty="0">
+                <a:latin typeface="SF Pro Semibold" pitchFamily="2" charset="0"/>
+                <a:ea typeface="SF Pro Semibold" pitchFamily="2" charset="0"/>
+                <a:cs typeface="SF Pro Semibold" pitchFamily="2" charset="0"/>
+              </a:rPr>
+              <a:t> </a:t>
+            </a:r>
+            <a:r>
+              <a:rPr lang="en-US" sz="2400" dirty="0" err="1">
+                <a:latin typeface="SF Pro Semibold" pitchFamily="2" charset="0"/>
+                <a:ea typeface="SF Pro Semibold" pitchFamily="2" charset="0"/>
+                <a:cs typeface="SF Pro Semibold" pitchFamily="2" charset="0"/>
+              </a:rPr>
+              <a:t>chụp</a:t>
+            </a:r>
+            <a:r>
+              <a:rPr lang="en-US" sz="2400" dirty="0">
+                <a:latin typeface="SF Pro Semibold" pitchFamily="2" charset="0"/>
+                <a:ea typeface="SF Pro Semibold" pitchFamily="2" charset="0"/>
+                <a:cs typeface="SF Pro Semibold" pitchFamily="2" charset="0"/>
+              </a:rPr>
+              <a:t>. </a:t>
+            </a:r>
+            <a:r>
+              <a:rPr lang="en-US" sz="2400" dirty="0" err="1">
+                <a:latin typeface="SF Pro Semibold" pitchFamily="2" charset="0"/>
+                <a:ea typeface="SF Pro Semibold" pitchFamily="2" charset="0"/>
+                <a:cs typeface="SF Pro Semibold" pitchFamily="2" charset="0"/>
+              </a:rPr>
+              <a:t>v.v</a:t>
+            </a:r>
+            <a:r>
+              <a:rPr lang="en-US" sz="2400" dirty="0">
+                <a:latin typeface="SF Pro Semibold" pitchFamily="2" charset="0"/>
+                <a:ea typeface="SF Pro Semibold" pitchFamily="2" charset="0"/>
+                <a:cs typeface="SF Pro Semibold" pitchFamily="2" charset="0"/>
+              </a:rPr>
+              <a:t>	</a:t>
+            </a:r>
+            <a:endParaRPr lang="en-US" sz="2400" dirty="0">
+              <a:latin typeface="SF Pro Semibold" pitchFamily="2" charset="0"/>
+              <a:ea typeface="SF Pro Semibold" pitchFamily="2" charset="0"/>
+              <a:cs typeface="SF Pro Semibold" pitchFamily="2" charset="0"/>
+            </a:endParaRPr>
+          </a:p>
+          <a:p>
+            <a:pPr>
+              <a:lnSpc>
+                <a:spcPct val="150000"/>
+              </a:lnSpc>
+            </a:pPr>
+            <a:r>
+              <a:rPr lang="en-US" sz="2400" dirty="0">
+                <a:latin typeface="SF Pro Semibold" pitchFamily="2" charset="0"/>
+                <a:ea typeface="SF Pro Semibold" pitchFamily="2" charset="0"/>
+                <a:cs typeface="SF Pro Semibold" pitchFamily="2" charset="0"/>
+              </a:rPr>
+              <a:t>=&gt; </a:t>
+            </a:r>
+            <a:r>
+              <a:rPr lang="en-US" sz="2400" dirty="0" err="1">
+                <a:latin typeface="SF Pro Semibold" pitchFamily="2" charset="0"/>
+                <a:ea typeface="SF Pro Semibold" pitchFamily="2" charset="0"/>
+                <a:cs typeface="SF Pro Semibold" pitchFamily="2" charset="0"/>
+              </a:rPr>
+              <a:t>Nhưng</a:t>
+            </a:r>
+            <a:r>
+              <a:rPr lang="en-US" sz="2400" dirty="0">
+                <a:latin typeface="SF Pro Semibold" pitchFamily="2" charset="0"/>
+                <a:ea typeface="SF Pro Semibold" pitchFamily="2" charset="0"/>
+                <a:cs typeface="SF Pro Semibold" pitchFamily="2" charset="0"/>
+              </a:rPr>
+              <a:t> </a:t>
+            </a:r>
+            <a:r>
+              <a:rPr lang="en-US" sz="2400" dirty="0" err="1">
+                <a:latin typeface="SF Pro Semibold" pitchFamily="2" charset="0"/>
+                <a:ea typeface="SF Pro Semibold" pitchFamily="2" charset="0"/>
+                <a:cs typeface="SF Pro Semibold" pitchFamily="2" charset="0"/>
+              </a:rPr>
+              <a:t>nó</a:t>
+            </a:r>
+            <a:r>
+              <a:rPr lang="en-US" sz="2400" dirty="0">
+                <a:latin typeface="SF Pro Semibold" pitchFamily="2" charset="0"/>
+                <a:ea typeface="SF Pro Semibold" pitchFamily="2" charset="0"/>
+                <a:cs typeface="SF Pro Semibold" pitchFamily="2" charset="0"/>
+              </a:rPr>
+              <a:t> </a:t>
+            </a:r>
+            <a:r>
+              <a:rPr lang="en-US" sz="2400" dirty="0" err="1">
+                <a:latin typeface="SF Pro Semibold" pitchFamily="2" charset="0"/>
+                <a:ea typeface="SF Pro Semibold" pitchFamily="2" charset="0"/>
+                <a:cs typeface="SF Pro Semibold" pitchFamily="2" charset="0"/>
+              </a:rPr>
+              <a:t>vẫn</a:t>
+            </a:r>
+            <a:r>
+              <a:rPr lang="en-US" sz="2400" dirty="0">
+                <a:latin typeface="SF Pro Semibold" pitchFamily="2" charset="0"/>
+                <a:ea typeface="SF Pro Semibold" pitchFamily="2" charset="0"/>
+                <a:cs typeface="SF Pro Semibold" pitchFamily="2" charset="0"/>
+              </a:rPr>
+              <a:t> </a:t>
+            </a:r>
+            <a:r>
+              <a:rPr lang="en-US" sz="2400" dirty="0" err="1">
+                <a:latin typeface="SF Pro Semibold" pitchFamily="2" charset="0"/>
+                <a:ea typeface="SF Pro Semibold" pitchFamily="2" charset="0"/>
+                <a:cs typeface="SF Pro Semibold" pitchFamily="2" charset="0"/>
+              </a:rPr>
+              <a:t>là</a:t>
+            </a:r>
+            <a:r>
+              <a:rPr lang="en-US" sz="2400" dirty="0">
+                <a:latin typeface="SF Pro Semibold" pitchFamily="2" charset="0"/>
+                <a:ea typeface="SF Pro Semibold" pitchFamily="2" charset="0"/>
+                <a:cs typeface="SF Pro Semibold" pitchFamily="2" charset="0"/>
+              </a:rPr>
+              <a:t> </a:t>
+            </a:r>
+            <a:r>
+              <a:rPr lang="en-US" sz="2400" dirty="0" err="1">
+                <a:latin typeface="SF Pro Semibold" pitchFamily="2" charset="0"/>
+                <a:ea typeface="SF Pro Semibold" pitchFamily="2" charset="0"/>
+                <a:cs typeface="SF Pro Semibold" pitchFamily="2" charset="0"/>
+              </a:rPr>
+              <a:t>một</a:t>
+            </a:r>
+            <a:r>
+              <a:rPr lang="en-US" sz="2400" dirty="0">
+                <a:latin typeface="SF Pro Semibold" pitchFamily="2" charset="0"/>
+                <a:ea typeface="SF Pro Semibold" pitchFamily="2" charset="0"/>
+                <a:cs typeface="SF Pro Semibold" pitchFamily="2" charset="0"/>
+              </a:rPr>
+              <a:t> </a:t>
+            </a:r>
+            <a:r>
+              <a:rPr lang="en-US" sz="2400" dirty="0" err="1">
+                <a:latin typeface="SF Pro Semibold" pitchFamily="2" charset="0"/>
+                <a:ea typeface="SF Pro Semibold" pitchFamily="2" charset="0"/>
+                <a:cs typeface="SF Pro Semibold" pitchFamily="2" charset="0"/>
+              </a:rPr>
+              <a:t>trong</a:t>
+            </a:r>
+            <a:r>
+              <a:rPr lang="en-US" sz="2400" dirty="0">
+                <a:latin typeface="SF Pro Semibold" pitchFamily="2" charset="0"/>
+                <a:ea typeface="SF Pro Semibold" pitchFamily="2" charset="0"/>
+                <a:cs typeface="SF Pro Semibold" pitchFamily="2" charset="0"/>
+              </a:rPr>
+              <a:t> </a:t>
+            </a:r>
+            <a:r>
+              <a:rPr lang="en-US" sz="2400" dirty="0" err="1">
+                <a:latin typeface="SF Pro Semibold" pitchFamily="2" charset="0"/>
+                <a:ea typeface="SF Pro Semibold" pitchFamily="2" charset="0"/>
+                <a:cs typeface="SF Pro Semibold" pitchFamily="2" charset="0"/>
+              </a:rPr>
+              <a:t>những</a:t>
+            </a:r>
+            <a:r>
+              <a:rPr lang="en-US" sz="2400" dirty="0">
+                <a:latin typeface="SF Pro Semibold" pitchFamily="2" charset="0"/>
+                <a:ea typeface="SF Pro Semibold" pitchFamily="2" charset="0"/>
+                <a:cs typeface="SF Pro Semibold" pitchFamily="2" charset="0"/>
+              </a:rPr>
+              <a:t> </a:t>
+            </a:r>
+            <a:r>
+              <a:rPr lang="en-US" sz="2400" dirty="0" err="1">
+                <a:latin typeface="SF Pro Semibold" pitchFamily="2" charset="0"/>
+                <a:ea typeface="SF Pro Semibold" pitchFamily="2" charset="0"/>
+                <a:cs typeface="SF Pro Semibold" pitchFamily="2" charset="0"/>
+              </a:rPr>
+              <a:t>công</a:t>
+            </a:r>
+            <a:r>
+              <a:rPr lang="en-US" sz="2400" dirty="0">
+                <a:latin typeface="SF Pro Semibold" pitchFamily="2" charset="0"/>
+                <a:ea typeface="SF Pro Semibold" pitchFamily="2" charset="0"/>
+                <a:cs typeface="SF Pro Semibold" pitchFamily="2" charset="0"/>
+              </a:rPr>
+              <a:t> </a:t>
+            </a:r>
+            <a:r>
+              <a:rPr lang="en-US" sz="2400" dirty="0" err="1">
+                <a:latin typeface="SF Pro Semibold" pitchFamily="2" charset="0"/>
+                <a:ea typeface="SF Pro Semibold" pitchFamily="2" charset="0"/>
+                <a:cs typeface="SF Pro Semibold" pitchFamily="2" charset="0"/>
+              </a:rPr>
+              <a:t>nghệ</a:t>
+            </a:r>
+            <a:r>
+              <a:rPr lang="en-US" sz="2400" dirty="0">
+                <a:latin typeface="SF Pro Semibold" pitchFamily="2" charset="0"/>
+                <a:ea typeface="SF Pro Semibold" pitchFamily="2" charset="0"/>
+                <a:cs typeface="SF Pro Semibold" pitchFamily="2" charset="0"/>
+              </a:rPr>
+              <a:t> </a:t>
+            </a:r>
+            <a:r>
+              <a:rPr lang="en-US" sz="2400" dirty="0" err="1">
+                <a:latin typeface="SF Pro Semibold" pitchFamily="2" charset="0"/>
+                <a:ea typeface="SF Pro Semibold" pitchFamily="2" charset="0"/>
+                <a:cs typeface="SF Pro Semibold" pitchFamily="2" charset="0"/>
+              </a:rPr>
+              <a:t>sinh</a:t>
+            </a:r>
+            <a:r>
+              <a:rPr lang="en-US" sz="2400" dirty="0">
+                <a:latin typeface="SF Pro Semibold" pitchFamily="2" charset="0"/>
+                <a:ea typeface="SF Pro Semibold" pitchFamily="2" charset="0"/>
+                <a:cs typeface="SF Pro Semibold" pitchFamily="2" charset="0"/>
+              </a:rPr>
+              <a:t> </a:t>
+            </a:r>
+            <a:r>
+              <a:rPr lang="en-US" sz="2400" dirty="0" err="1">
+                <a:latin typeface="SF Pro Semibold" pitchFamily="2" charset="0"/>
+                <a:ea typeface="SF Pro Semibold" pitchFamily="2" charset="0"/>
+                <a:cs typeface="SF Pro Semibold" pitchFamily="2" charset="0"/>
+              </a:rPr>
+              <a:t>trắc</a:t>
+            </a:r>
+            <a:r>
+              <a:rPr lang="en-US" sz="2400" dirty="0">
+                <a:latin typeface="SF Pro Semibold" pitchFamily="2" charset="0"/>
+                <a:ea typeface="SF Pro Semibold" pitchFamily="2" charset="0"/>
+                <a:cs typeface="SF Pro Semibold" pitchFamily="2" charset="0"/>
+              </a:rPr>
+              <a:t> </a:t>
+            </a:r>
+            <a:r>
+              <a:rPr lang="en-US" sz="2400" dirty="0" err="1">
+                <a:latin typeface="SF Pro Semibold" pitchFamily="2" charset="0"/>
+                <a:ea typeface="SF Pro Semibold" pitchFamily="2" charset="0"/>
+                <a:cs typeface="SF Pro Semibold" pitchFamily="2" charset="0"/>
+              </a:rPr>
+              <a:t>học</a:t>
+            </a:r>
+            <a:r>
+              <a:rPr lang="en-US" sz="2400" dirty="0">
+                <a:latin typeface="SF Pro Semibold" pitchFamily="2" charset="0"/>
+                <a:ea typeface="SF Pro Semibold" pitchFamily="2" charset="0"/>
+                <a:cs typeface="SF Pro Semibold" pitchFamily="2" charset="0"/>
+              </a:rPr>
+              <a:t> </a:t>
+            </a:r>
+            <a:r>
+              <a:rPr lang="en-US" sz="2400" dirty="0" err="1">
+                <a:latin typeface="SF Pro Semibold" pitchFamily="2" charset="0"/>
+                <a:ea typeface="SF Pro Semibold" pitchFamily="2" charset="0"/>
+                <a:cs typeface="SF Pro Semibold" pitchFamily="2" charset="0"/>
+              </a:rPr>
+              <a:t>chính</a:t>
+            </a:r>
+            <a:r>
+              <a:rPr lang="en-US" sz="2400" dirty="0">
+                <a:latin typeface="SF Pro Semibold" pitchFamily="2" charset="0"/>
+                <a:ea typeface="SF Pro Semibold" pitchFamily="2" charset="0"/>
+                <a:cs typeface="SF Pro Semibold" pitchFamily="2" charset="0"/>
+              </a:rPr>
+              <a:t> </a:t>
+            </a:r>
+            <a:r>
+              <a:rPr lang="en-US" sz="2400" dirty="0" err="1">
+                <a:latin typeface="SF Pro Semibold" pitchFamily="2" charset="0"/>
+                <a:ea typeface="SF Pro Semibold" pitchFamily="2" charset="0"/>
+                <a:cs typeface="SF Pro Semibold" pitchFamily="2" charset="0"/>
+              </a:rPr>
+              <a:t>xác</a:t>
+            </a:r>
+            <a:r>
+              <a:rPr lang="en-US" sz="2400" dirty="0">
+                <a:latin typeface="SF Pro Semibold" pitchFamily="2" charset="0"/>
+                <a:ea typeface="SF Pro Semibold" pitchFamily="2" charset="0"/>
+                <a:cs typeface="SF Pro Semibold" pitchFamily="2" charset="0"/>
+              </a:rPr>
+              <a:t> </a:t>
+            </a:r>
+            <a:r>
+              <a:rPr lang="en-US" sz="2400" dirty="0" err="1">
+                <a:latin typeface="SF Pro Semibold" pitchFamily="2" charset="0"/>
+                <a:ea typeface="SF Pro Semibold" pitchFamily="2" charset="0"/>
+                <a:cs typeface="SF Pro Semibold" pitchFamily="2" charset="0"/>
+              </a:rPr>
+              <a:t>nhất</a:t>
+            </a:r>
+            <a:r>
+              <a:rPr lang="en-US" sz="2400" dirty="0">
+                <a:latin typeface="SF Pro Semibold" pitchFamily="2" charset="0"/>
+                <a:ea typeface="SF Pro Semibold" pitchFamily="2" charset="0"/>
+                <a:cs typeface="SF Pro Semibold" pitchFamily="2" charset="0"/>
+              </a:rPr>
+              <a:t> </a:t>
+            </a:r>
+            <a:r>
+              <a:rPr lang="en-US" sz="2400" dirty="0" err="1">
+                <a:latin typeface="SF Pro Semibold" pitchFamily="2" charset="0"/>
+                <a:ea typeface="SF Pro Semibold" pitchFamily="2" charset="0"/>
+                <a:cs typeface="SF Pro Semibold" pitchFamily="2" charset="0"/>
+              </a:rPr>
+              <a:t>hiện</a:t>
+            </a:r>
+            <a:r>
+              <a:rPr lang="en-US" sz="2400" dirty="0">
+                <a:latin typeface="SF Pro Semibold" pitchFamily="2" charset="0"/>
+                <a:ea typeface="SF Pro Semibold" pitchFamily="2" charset="0"/>
+                <a:cs typeface="SF Pro Semibold" pitchFamily="2" charset="0"/>
+              </a:rPr>
+              <a:t> nay. </a:t>
+            </a:r>
+            <a:endParaRPr lang="en-US" sz="2400" dirty="0">
+              <a:latin typeface="SF Pro Semibold" pitchFamily="2" charset="0"/>
+              <a:ea typeface="SF Pro Semibold" pitchFamily="2" charset="0"/>
+              <a:cs typeface="SF Pro Semibold" pitchFamily="2" charset="0"/>
+            </a:endParaRPr>
           </a:p>
         </p:txBody>
       </p:sp>
     </p:spTree>
-    <p:extLst>
-      <p:ext uri="{BB962C8B-B14F-4D97-AF65-F5344CB8AC3E}">
-        <p14:creationId xmlns:p14="http://schemas.microsoft.com/office/powerpoint/2010/main" val="2807324650"/>
-      </p:ext>
-    </p:extLst>
   </p:cSld>
   <p:clrMapOvr>
     <a:masterClrMapping/>
@@ -9376,13 +9322,7 @@
       </p:grpSpPr>
       <p:sp>
         <p:nvSpPr>
-          <p:cNvPr id="9" name="Rectangle 8">
-            <a:extLst>
-              <a:ext uri="{FF2B5EF4-FFF2-40B4-BE49-F238E27FC236}">
-                <a16:creationId xmlns:a16="http://schemas.microsoft.com/office/drawing/2014/main" id="{6B0BE84C-DBD5-E249-AB4C-2F3AFB8A0C4D}"/>
-              </a:ext>
-            </a:extLst>
-          </p:cNvPr>
+          <p:cNvPr id="9" name="Rectangle 8"/>
           <p:cNvSpPr/>
           <p:nvPr/>
         </p:nvSpPr>
@@ -9422,19 +9362,39 @@
           <a:lstStyle/>
           <a:p>
             <a:pPr algn="ctr"/>
-            <a:endParaRPr lang="en-VN"/>
-          </a:p>
-        </p:txBody>
-      </p:sp>
-      <p:sp>
-        <p:nvSpPr>
-          <p:cNvPr id="5" name="TextBox 4">
-            <a:extLst>
-              <a:ext uri="{FF2B5EF4-FFF2-40B4-BE49-F238E27FC236}">
-                <a16:creationId xmlns:a16="http://schemas.microsoft.com/office/drawing/2014/main" id="{F3960680-F03C-3047-A820-E7C09DBC8563}"/>
-              </a:ext>
-            </a:extLst>
-          </p:cNvPr>
+            <a:endParaRPr lang="en-US"/>
+          </a:p>
+        </p:txBody>
+      </p:sp>
+      <p:pic>
+        <p:nvPicPr>
+          <p:cNvPr id="7" name="Picture 6"/>
+          <p:cNvPicPr>
+            <a:picLocks noChangeAspect="1"/>
+          </p:cNvPicPr>
+          <p:nvPr/>
+        </p:nvPicPr>
+        <p:blipFill>
+          <a:blip r:embed="rId1"/>
+          <a:stretch>
+            <a:fillRect/>
+          </a:stretch>
+        </p:blipFill>
+        <p:spPr>
+          <a:xfrm>
+            <a:off x="852434" y="2116729"/>
+            <a:ext cx="7874865" cy="4298364"/>
+          </a:xfrm>
+          <a:prstGeom prst="roundRect">
+            <a:avLst>
+              <a:gd name="adj" fmla="val 11967"/>
+            </a:avLst>
+          </a:prstGeom>
+        </p:spPr>
+      </p:pic>
+      <p:sp>
+        <p:nvSpPr>
+          <p:cNvPr id="5" name="TextBox 4"/>
           <p:cNvSpPr txBox="1"/>
           <p:nvPr/>
         </p:nvSpPr>
@@ -9463,7 +9423,7 @@
               </a:rPr>
               <a:t>3.ĐỘ TIN CẬY VÀ CHÍNH XÁC. </a:t>
             </a:r>
-            <a:endParaRPr lang="en-VN" sz="3200" b="1">
+            <a:endParaRPr lang="en-US" sz="3200" b="1">
               <a:solidFill>
                 <a:schemeClr val="bg1"/>
               </a:solidFill>
@@ -9474,13 +9434,7 @@
       </p:sp>
       <p:sp>
         <p:nvSpPr>
-          <p:cNvPr id="6" name="TextBox 5">
-            <a:extLst>
-              <a:ext uri="{FF2B5EF4-FFF2-40B4-BE49-F238E27FC236}">
-                <a16:creationId xmlns:a16="http://schemas.microsoft.com/office/drawing/2014/main" id="{BCEB1458-B89A-4A42-B00D-6EBB177FDA58}"/>
-              </a:ext>
-            </a:extLst>
-          </p:cNvPr>
+          <p:cNvPr id="6" name="TextBox 5"/>
           <p:cNvSpPr txBox="1"/>
           <p:nvPr/>
         </p:nvSpPr>
@@ -9500,22 +9454,14 @@
           </a:bodyPr>
           <a:lstStyle/>
           <a:p>
-            <a:endParaRPr lang="en-VN"/>
+            <a:endParaRPr lang="en-US"/>
           </a:p>
         </p:txBody>
       </p:sp>
       <p:pic>
         <p:nvPicPr>
-          <p:cNvPr id="12" name="Picture 11">
-            <a:extLst>
-              <a:ext uri="{FF2B5EF4-FFF2-40B4-BE49-F238E27FC236}">
-                <a16:creationId xmlns:a16="http://schemas.microsoft.com/office/drawing/2014/main" id="{2F0E3C83-4764-C241-85AE-24BA870C0D12}"/>
-              </a:ext>
-            </a:extLst>
-          </p:cNvPr>
-          <p:cNvPicPr>
-            <a:picLocks/>
-          </p:cNvPicPr>
+          <p:cNvPr id="12" name="Picture 11"/>
+          <p:cNvPicPr/>
           <p:nvPr/>
         </p:nvPicPr>
         <p:blipFill>
@@ -9536,13 +9482,7 @@
       </p:pic>
       <p:sp>
         <p:nvSpPr>
-          <p:cNvPr id="13" name="Oval 12">
-            <a:extLst>
-              <a:ext uri="{FF2B5EF4-FFF2-40B4-BE49-F238E27FC236}">
-                <a16:creationId xmlns:a16="http://schemas.microsoft.com/office/drawing/2014/main" id="{D8985CD3-7249-F240-A798-41E9AD66DE19}"/>
-              </a:ext>
-            </a:extLst>
-          </p:cNvPr>
+          <p:cNvPr id="13" name="Oval 12"/>
           <p:cNvSpPr/>
           <p:nvPr/>
         </p:nvSpPr>
@@ -9585,32 +9525,31 @@
           <a:p>
             <a:pPr algn="ctr"/>
             <a:r>
-              <a:rPr lang="en-VN">
-                <a:solidFill>
-                  <a:srgbClr val="FF0000"/>
-                </a:solidFill>
-              </a:rPr>
-              <a:t>4</a:t>
-            </a:r>
-          </a:p>
-        </p:txBody>
-      </p:sp>
-      <p:sp>
-        <p:nvSpPr>
-          <p:cNvPr id="10" name="TextBox 9">
-            <a:extLst>
-              <a:ext uri="{FF2B5EF4-FFF2-40B4-BE49-F238E27FC236}">
-                <a16:creationId xmlns:a16="http://schemas.microsoft.com/office/drawing/2014/main" id="{616DC6A4-1C24-244D-BCDE-BF6FE141EA8C}"/>
-              </a:ext>
-            </a:extLst>
-          </p:cNvPr>
+              <a:rPr lang="en-US">
+                <a:solidFill>
+                  <a:srgbClr val="FF0000"/>
+                </a:solidFill>
+              </a:rPr>
+              <a:t>3</a:t>
+            </a:r>
+            <a:endParaRPr lang="en-US">
+              <a:solidFill>
+                <a:srgbClr val="FF0000"/>
+              </a:solidFill>
+            </a:endParaRPr>
+          </a:p>
+        </p:txBody>
+      </p:sp>
+      <p:sp>
+        <p:nvSpPr>
+          <p:cNvPr id="10" name="TextBox 9"/>
           <p:cNvSpPr txBox="1"/>
           <p:nvPr/>
         </p:nvSpPr>
         <p:spPr>
           <a:xfrm>
             <a:off x="703384" y="1121261"/>
-            <a:ext cx="8169310" cy="2890791"/>
+            <a:ext cx="8169310" cy="664156"/>
           </a:xfrm>
           <a:prstGeom prst="rect">
             <a:avLst/>
@@ -9627,7 +9566,7 @@
               <a:lnSpc>
                 <a:spcPct val="150000"/>
               </a:lnSpc>
-              <a:buFont typeface="Wingdings" pitchFamily="2" charset="2"/>
+              <a:buFont typeface="Wingdings" panose="05000000000000000000" pitchFamily="2" charset="2"/>
               <a:buChar char="Ø"/>
             </a:pPr>
             <a:r>
@@ -9639,7 +9578,7 @@
                 <a:ea typeface="SF Pro Semibold" pitchFamily="2" charset="0"/>
                 <a:cs typeface="SF Pro Semibold" pitchFamily="2" charset="0"/>
               </a:rPr>
-              <a:t>3.2.Nhận </a:t>
+              <a:t>3.1.Nhận </a:t>
             </a:r>
             <a:r>
               <a:rPr lang="en-US" sz="2800" dirty="0" err="1">
@@ -9650,7 +9589,7 @@
                 <a:ea typeface="SF Pro Semibold" pitchFamily="2" charset="0"/>
                 <a:cs typeface="SF Pro Semibold" pitchFamily="2" charset="0"/>
               </a:rPr>
-              <a:t>diện</a:t>
+              <a:t>dạng</a:t>
             </a:r>
             <a:r>
               <a:rPr lang="en-US" sz="2800" dirty="0">
@@ -9727,7 +9666,7 @@
                 <a:ea typeface="SF Pro Semibold" pitchFamily="2" charset="0"/>
                 <a:cs typeface="SF Pro Semibold" pitchFamily="2" charset="0"/>
               </a:rPr>
-              <a:t> an </a:t>
+              <a:t> </a:t>
             </a:r>
             <a:r>
               <a:rPr lang="en-US" sz="2800" dirty="0" err="1">
@@ -9738,7 +9677,7 @@
                 <a:ea typeface="SF Pro Semibold" pitchFamily="2" charset="0"/>
                 <a:cs typeface="SF Pro Semibold" pitchFamily="2" charset="0"/>
               </a:rPr>
-              <a:t>toàn</a:t>
+              <a:t>chính</a:t>
             </a:r>
             <a:r>
               <a:rPr lang="en-US" sz="2800" dirty="0">
@@ -9760,6 +9699,28 @@
                 <a:ea typeface="SF Pro Semibold" pitchFamily="2" charset="0"/>
                 <a:cs typeface="SF Pro Semibold" pitchFamily="2" charset="0"/>
               </a:rPr>
+              <a:t>xác</a:t>
+            </a:r>
+            <a:r>
+              <a:rPr lang="en-US" sz="2800" dirty="0">
+                <a:solidFill>
+                  <a:srgbClr val="FF0000"/>
+                </a:solidFill>
+                <a:latin typeface="SF Pro Semibold" pitchFamily="2" charset="0"/>
+                <a:ea typeface="SF Pro Semibold" pitchFamily="2" charset="0"/>
+                <a:cs typeface="SF Pro Semibold" pitchFamily="2" charset="0"/>
+              </a:rPr>
+              <a:t> </a:t>
+            </a:r>
+            <a:r>
+              <a:rPr lang="en-US" sz="2800" dirty="0" err="1">
+                <a:solidFill>
+                  <a:srgbClr val="FF0000"/>
+                </a:solidFill>
+                <a:latin typeface="SF Pro Semibold" pitchFamily="2" charset="0"/>
+                <a:ea typeface="SF Pro Semibold" pitchFamily="2" charset="0"/>
+                <a:cs typeface="SF Pro Semibold" pitchFamily="2" charset="0"/>
+              </a:rPr>
               <a:t>không</a:t>
             </a:r>
             <a:r>
@@ -9771,554 +9732,20 @@
                 <a:ea typeface="SF Pro Semibold" pitchFamily="2" charset="0"/>
                 <a:cs typeface="SF Pro Semibold" pitchFamily="2" charset="0"/>
               </a:rPr>
-              <a:t>?:  </a:t>
-            </a:r>
-          </a:p>
-          <a:p>
-            <a:pPr marL="457200" indent="-457200">
-              <a:lnSpc>
-                <a:spcPct val="150000"/>
-              </a:lnSpc>
-              <a:buFont typeface="Wingdings" pitchFamily="2" charset="2"/>
-              <a:buChar char="ü"/>
-            </a:pPr>
-            <a:r>
-              <a:rPr lang="en-US" sz="2400" dirty="0" err="1">
-                <a:latin typeface="SF Pro Semibold" pitchFamily="2" charset="0"/>
-                <a:ea typeface="SF Pro Semibold" pitchFamily="2" charset="0"/>
-                <a:cs typeface="SF Pro Semibold" pitchFamily="2" charset="0"/>
-              </a:rPr>
-              <a:t>Sử</a:t>
-            </a:r>
-            <a:r>
-              <a:rPr lang="en-US" sz="2400" dirty="0">
-                <a:latin typeface="SF Pro Semibold" pitchFamily="2" charset="0"/>
-                <a:ea typeface="SF Pro Semibold" pitchFamily="2" charset="0"/>
-                <a:cs typeface="SF Pro Semibold" pitchFamily="2" charset="0"/>
-              </a:rPr>
-              <a:t> dụng </a:t>
-            </a:r>
-            <a:r>
-              <a:rPr lang="en-US" sz="2400" dirty="0" err="1">
-                <a:latin typeface="SF Pro Semibold" pitchFamily="2" charset="0"/>
-                <a:ea typeface="SF Pro Semibold" pitchFamily="2" charset="0"/>
-                <a:cs typeface="SF Pro Semibold" pitchFamily="2" charset="0"/>
-              </a:rPr>
-              <a:t>các</a:t>
-            </a:r>
-            <a:r>
-              <a:rPr lang="en-US" sz="2400" dirty="0">
-                <a:latin typeface="SF Pro Semibold" pitchFamily="2" charset="0"/>
-                <a:ea typeface="SF Pro Semibold" pitchFamily="2" charset="0"/>
-                <a:cs typeface="SF Pro Semibold" pitchFamily="2" charset="0"/>
-              </a:rPr>
-              <a:t> </a:t>
-            </a:r>
-            <a:r>
-              <a:rPr lang="en-US" sz="2400" dirty="0" err="1">
-                <a:latin typeface="SF Pro Semibold" pitchFamily="2" charset="0"/>
-                <a:ea typeface="SF Pro Semibold" pitchFamily="2" charset="0"/>
-                <a:cs typeface="SF Pro Semibold" pitchFamily="2" charset="0"/>
-              </a:rPr>
-              <a:t>thuật</a:t>
-            </a:r>
-            <a:r>
-              <a:rPr lang="en-US" sz="2400" dirty="0">
-                <a:latin typeface="SF Pro Semibold" pitchFamily="2" charset="0"/>
-                <a:ea typeface="SF Pro Semibold" pitchFamily="2" charset="0"/>
-                <a:cs typeface="SF Pro Semibold" pitchFamily="2" charset="0"/>
-              </a:rPr>
-              <a:t> </a:t>
-            </a:r>
-            <a:r>
-              <a:rPr lang="en-US" sz="2400" dirty="0" err="1">
-                <a:latin typeface="SF Pro Semibold" pitchFamily="2" charset="0"/>
-                <a:ea typeface="SF Pro Semibold" pitchFamily="2" charset="0"/>
-                <a:cs typeface="SF Pro Semibold" pitchFamily="2" charset="0"/>
-              </a:rPr>
-              <a:t>toán</a:t>
-            </a:r>
-            <a:r>
-              <a:rPr lang="en-US" sz="2400" dirty="0">
-                <a:latin typeface="SF Pro Semibold" pitchFamily="2" charset="0"/>
-                <a:ea typeface="SF Pro Semibold" pitchFamily="2" charset="0"/>
-                <a:cs typeface="SF Pro Semibold" pitchFamily="2" charset="0"/>
-              </a:rPr>
-              <a:t> </a:t>
-            </a:r>
-            <a:r>
-              <a:rPr lang="en-US" sz="2400" dirty="0" err="1">
-                <a:latin typeface="SF Pro Semibold" pitchFamily="2" charset="0"/>
-                <a:ea typeface="SF Pro Semibold" pitchFamily="2" charset="0"/>
-                <a:cs typeface="SF Pro Semibold" pitchFamily="2" charset="0"/>
-              </a:rPr>
-              <a:t>để</a:t>
-            </a:r>
-            <a:r>
-              <a:rPr lang="en-US" sz="2400" dirty="0">
-                <a:latin typeface="SF Pro Semibold" pitchFamily="2" charset="0"/>
-                <a:ea typeface="SF Pro Semibold" pitchFamily="2" charset="0"/>
-                <a:cs typeface="SF Pro Semibold" pitchFamily="2" charset="0"/>
-              </a:rPr>
-              <a:t> </a:t>
-            </a:r>
-            <a:r>
-              <a:rPr lang="en-US" sz="2400" dirty="0" err="1">
-                <a:latin typeface="SF Pro Semibold" pitchFamily="2" charset="0"/>
-                <a:ea typeface="SF Pro Semibold" pitchFamily="2" charset="0"/>
-                <a:cs typeface="SF Pro Semibold" pitchFamily="2" charset="0"/>
-              </a:rPr>
-              <a:t>mã</a:t>
-            </a:r>
-            <a:r>
-              <a:rPr lang="en-US" sz="2400" dirty="0">
-                <a:latin typeface="SF Pro Semibold" pitchFamily="2" charset="0"/>
-                <a:ea typeface="SF Pro Semibold" pitchFamily="2" charset="0"/>
-                <a:cs typeface="SF Pro Semibold" pitchFamily="2" charset="0"/>
-              </a:rPr>
-              <a:t> </a:t>
-            </a:r>
-            <a:r>
-              <a:rPr lang="en-US" sz="2400" dirty="0" err="1">
-                <a:latin typeface="SF Pro Semibold" pitchFamily="2" charset="0"/>
-                <a:ea typeface="SF Pro Semibold" pitchFamily="2" charset="0"/>
-                <a:cs typeface="SF Pro Semibold" pitchFamily="2" charset="0"/>
-              </a:rPr>
-              <a:t>hóa</a:t>
-            </a:r>
-            <a:r>
-              <a:rPr lang="en-US" sz="2400" dirty="0">
-                <a:latin typeface="SF Pro Semibold" pitchFamily="2" charset="0"/>
-                <a:ea typeface="SF Pro Semibold" pitchFamily="2" charset="0"/>
-                <a:cs typeface="SF Pro Semibold" pitchFamily="2" charset="0"/>
-              </a:rPr>
-              <a:t> </a:t>
-            </a:r>
-            <a:r>
-              <a:rPr lang="en-US" sz="2400" dirty="0" err="1">
-                <a:latin typeface="SF Pro Semibold" pitchFamily="2" charset="0"/>
-                <a:ea typeface="SF Pro Semibold" pitchFamily="2" charset="0"/>
-                <a:cs typeface="SF Pro Semibold" pitchFamily="2" charset="0"/>
-              </a:rPr>
-              <a:t>dữ</a:t>
-            </a:r>
-            <a:r>
-              <a:rPr lang="en-US" sz="2400" dirty="0">
-                <a:latin typeface="SF Pro Semibold" pitchFamily="2" charset="0"/>
-                <a:ea typeface="SF Pro Semibold" pitchFamily="2" charset="0"/>
-                <a:cs typeface="SF Pro Semibold" pitchFamily="2" charset="0"/>
-              </a:rPr>
-              <a:t> </a:t>
-            </a:r>
-            <a:r>
-              <a:rPr lang="en-US" sz="2400" dirty="0" err="1">
-                <a:latin typeface="SF Pro Semibold" pitchFamily="2" charset="0"/>
-                <a:ea typeface="SF Pro Semibold" pitchFamily="2" charset="0"/>
-                <a:cs typeface="SF Pro Semibold" pitchFamily="2" charset="0"/>
-              </a:rPr>
-              <a:t>liệu</a:t>
-            </a:r>
-            <a:r>
-              <a:rPr lang="en-US" sz="2400" dirty="0">
-                <a:latin typeface="SF Pro Semibold" pitchFamily="2" charset="0"/>
-                <a:ea typeface="SF Pro Semibold" pitchFamily="2" charset="0"/>
-                <a:cs typeface="SF Pro Semibold" pitchFamily="2" charset="0"/>
-              </a:rPr>
-              <a:t> </a:t>
-            </a:r>
-            <a:r>
-              <a:rPr lang="en-US" sz="2400" dirty="0" err="1">
-                <a:latin typeface="SF Pro Semibold" pitchFamily="2" charset="0"/>
-                <a:ea typeface="SF Pro Semibold" pitchFamily="2" charset="0"/>
-                <a:cs typeface="SF Pro Semibold" pitchFamily="2" charset="0"/>
-              </a:rPr>
-              <a:t>sinh</a:t>
-            </a:r>
-            <a:r>
-              <a:rPr lang="en-US" sz="2400" dirty="0">
-                <a:latin typeface="SF Pro Semibold" pitchFamily="2" charset="0"/>
-                <a:ea typeface="SF Pro Semibold" pitchFamily="2" charset="0"/>
-                <a:cs typeface="SF Pro Semibold" pitchFamily="2" charset="0"/>
-              </a:rPr>
-              <a:t> </a:t>
-            </a:r>
-            <a:r>
-              <a:rPr lang="en-US" sz="2400" dirty="0" err="1">
-                <a:latin typeface="SF Pro Semibold" pitchFamily="2" charset="0"/>
-                <a:ea typeface="SF Pro Semibold" pitchFamily="2" charset="0"/>
-                <a:cs typeface="SF Pro Semibold" pitchFamily="2" charset="0"/>
-              </a:rPr>
-              <a:t>trắc</a:t>
-            </a:r>
-            <a:r>
-              <a:rPr lang="en-US" sz="2400" dirty="0">
-                <a:latin typeface="SF Pro Semibold" pitchFamily="2" charset="0"/>
-                <a:ea typeface="SF Pro Semibold" pitchFamily="2" charset="0"/>
-                <a:cs typeface="SF Pro Semibold" pitchFamily="2" charset="0"/>
-              </a:rPr>
-              <a:t> </a:t>
-            </a:r>
-            <a:r>
-              <a:rPr lang="en-US" sz="2400" dirty="0" err="1">
-                <a:latin typeface="SF Pro Semibold" pitchFamily="2" charset="0"/>
-                <a:ea typeface="SF Pro Semibold" pitchFamily="2" charset="0"/>
-                <a:cs typeface="SF Pro Semibold" pitchFamily="2" charset="0"/>
-              </a:rPr>
-              <a:t>học</a:t>
-            </a:r>
-            <a:r>
-              <a:rPr lang="en-US" sz="2400" dirty="0">
-                <a:latin typeface="SF Pro Semibold" pitchFamily="2" charset="0"/>
-                <a:ea typeface="SF Pro Semibold" pitchFamily="2" charset="0"/>
-                <a:cs typeface="SF Pro Semibold" pitchFamily="2" charset="0"/>
-              </a:rPr>
-              <a:t>. </a:t>
-            </a:r>
-            <a:r>
-              <a:rPr lang="en-US" sz="2400" dirty="0">
-                <a:effectLst/>
-                <a:latin typeface="SF Pro Semibold" pitchFamily="2" charset="0"/>
-                <a:ea typeface="SF Pro Semibold" pitchFamily="2" charset="0"/>
-                <a:cs typeface="SF Pro Semibold" pitchFamily="2" charset="0"/>
-              </a:rPr>
-              <a:t> </a:t>
-            </a:r>
-          </a:p>
-          <a:p>
-            <a:pPr marL="457200" indent="-457200">
-              <a:lnSpc>
-                <a:spcPct val="150000"/>
-              </a:lnSpc>
-              <a:buFont typeface="Wingdings" pitchFamily="2" charset="2"/>
-              <a:buChar char="ü"/>
-            </a:pPr>
-            <a:r>
-              <a:rPr lang="en-US" sz="2400" dirty="0" err="1">
-                <a:latin typeface="SF Pro Semibold" pitchFamily="2" charset="0"/>
-                <a:ea typeface="SF Pro Semibold" pitchFamily="2" charset="0"/>
-                <a:cs typeface="SF Pro Semibold" pitchFamily="2" charset="0"/>
-              </a:rPr>
-              <a:t>Các</a:t>
-            </a:r>
-            <a:r>
-              <a:rPr lang="en-US" sz="2400" dirty="0">
-                <a:latin typeface="SF Pro Semibold" pitchFamily="2" charset="0"/>
-                <a:ea typeface="SF Pro Semibold" pitchFamily="2" charset="0"/>
-                <a:cs typeface="SF Pro Semibold" pitchFamily="2" charset="0"/>
-              </a:rPr>
-              <a:t> </a:t>
-            </a:r>
-            <a:r>
-              <a:rPr lang="en-US" sz="2400" dirty="0" err="1">
-                <a:latin typeface="SF Pro Semibold" pitchFamily="2" charset="0"/>
-                <a:ea typeface="SF Pro Semibold" pitchFamily="2" charset="0"/>
-                <a:cs typeface="SF Pro Semibold" pitchFamily="2" charset="0"/>
-              </a:rPr>
-              <a:t>dữ</a:t>
-            </a:r>
-            <a:r>
-              <a:rPr lang="en-US" sz="2400" dirty="0">
-                <a:latin typeface="SF Pro Semibold" pitchFamily="2" charset="0"/>
-                <a:ea typeface="SF Pro Semibold" pitchFamily="2" charset="0"/>
-                <a:cs typeface="SF Pro Semibold" pitchFamily="2" charset="0"/>
-              </a:rPr>
-              <a:t> </a:t>
-            </a:r>
-            <a:r>
-              <a:rPr lang="en-US" sz="2400" dirty="0" err="1">
-                <a:latin typeface="SF Pro Semibold" pitchFamily="2" charset="0"/>
-                <a:ea typeface="SF Pro Semibold" pitchFamily="2" charset="0"/>
-                <a:cs typeface="SF Pro Semibold" pitchFamily="2" charset="0"/>
-              </a:rPr>
-              <a:t>liệu</a:t>
-            </a:r>
-            <a:r>
-              <a:rPr lang="en-US" sz="2400" dirty="0">
-                <a:latin typeface="SF Pro Semibold" pitchFamily="2" charset="0"/>
-                <a:ea typeface="SF Pro Semibold" pitchFamily="2" charset="0"/>
-                <a:cs typeface="SF Pro Semibold" pitchFamily="2" charset="0"/>
-              </a:rPr>
-              <a:t> </a:t>
-            </a:r>
-            <a:r>
-              <a:rPr lang="en-US" sz="2400" dirty="0" err="1">
-                <a:latin typeface="SF Pro Semibold" pitchFamily="2" charset="0"/>
-                <a:ea typeface="SF Pro Semibold" pitchFamily="2" charset="0"/>
-                <a:cs typeface="SF Pro Semibold" pitchFamily="2" charset="0"/>
-              </a:rPr>
-              <a:t>này</a:t>
-            </a:r>
-            <a:r>
-              <a:rPr lang="en-US" sz="2400" dirty="0">
-                <a:latin typeface="SF Pro Semibold" pitchFamily="2" charset="0"/>
-                <a:ea typeface="SF Pro Semibold" pitchFamily="2" charset="0"/>
-                <a:cs typeface="SF Pro Semibold" pitchFamily="2" charset="0"/>
-              </a:rPr>
-              <a:t> </a:t>
-            </a:r>
-            <a:r>
-              <a:rPr lang="en-US" sz="2400" dirty="0" err="1">
-                <a:latin typeface="SF Pro Semibold" pitchFamily="2" charset="0"/>
-                <a:ea typeface="SF Pro Semibold" pitchFamily="2" charset="0"/>
-                <a:cs typeface="SF Pro Semibold" pitchFamily="2" charset="0"/>
-              </a:rPr>
-              <a:t>được</a:t>
-            </a:r>
-            <a:r>
-              <a:rPr lang="en-US" sz="2400" dirty="0">
-                <a:latin typeface="SF Pro Semibold" pitchFamily="2" charset="0"/>
-                <a:ea typeface="SF Pro Semibold" pitchFamily="2" charset="0"/>
-                <a:cs typeface="SF Pro Semibold" pitchFamily="2" charset="0"/>
-              </a:rPr>
-              <a:t> </a:t>
-            </a:r>
-            <a:r>
-              <a:rPr lang="en-US" sz="2400" dirty="0" err="1">
-                <a:latin typeface="SF Pro Semibold" pitchFamily="2" charset="0"/>
-                <a:ea typeface="SF Pro Semibold" pitchFamily="2" charset="0"/>
-                <a:cs typeface="SF Pro Semibold" pitchFamily="2" charset="0"/>
-              </a:rPr>
-              <a:t>lưu</a:t>
-            </a:r>
-            <a:r>
-              <a:rPr lang="en-US" sz="2400" dirty="0">
-                <a:latin typeface="SF Pro Semibold" pitchFamily="2" charset="0"/>
-                <a:ea typeface="SF Pro Semibold" pitchFamily="2" charset="0"/>
-                <a:cs typeface="SF Pro Semibold" pitchFamily="2" charset="0"/>
-              </a:rPr>
-              <a:t> </a:t>
-            </a:r>
-            <a:r>
-              <a:rPr lang="en-US" sz="2400" dirty="0" err="1">
-                <a:latin typeface="SF Pro Semibold" pitchFamily="2" charset="0"/>
-                <a:ea typeface="SF Pro Semibold" pitchFamily="2" charset="0"/>
-                <a:cs typeface="SF Pro Semibold" pitchFamily="2" charset="0"/>
-              </a:rPr>
-              <a:t>trữ</a:t>
-            </a:r>
-            <a:r>
-              <a:rPr lang="en-US" sz="2400" dirty="0">
-                <a:latin typeface="SF Pro Semibold" pitchFamily="2" charset="0"/>
-                <a:ea typeface="SF Pro Semibold" pitchFamily="2" charset="0"/>
-                <a:cs typeface="SF Pro Semibold" pitchFamily="2" charset="0"/>
-              </a:rPr>
-              <a:t> </a:t>
-            </a:r>
-            <a:r>
-              <a:rPr lang="en-US" sz="2400" dirty="0" err="1">
-                <a:latin typeface="SF Pro Semibold" pitchFamily="2" charset="0"/>
-                <a:ea typeface="SF Pro Semibold" pitchFamily="2" charset="0"/>
-                <a:cs typeface="SF Pro Semibold" pitchFamily="2" charset="0"/>
-              </a:rPr>
-              <a:t>dưới</a:t>
-            </a:r>
-            <a:r>
-              <a:rPr lang="en-US" sz="2400" dirty="0">
-                <a:latin typeface="SF Pro Semibold" pitchFamily="2" charset="0"/>
-                <a:ea typeface="SF Pro Semibold" pitchFamily="2" charset="0"/>
-                <a:cs typeface="SF Pro Semibold" pitchFamily="2" charset="0"/>
-              </a:rPr>
-              <a:t> </a:t>
-            </a:r>
-            <a:r>
-              <a:rPr lang="en-US" sz="2400" dirty="0" err="1">
-                <a:latin typeface="SF Pro Semibold" pitchFamily="2" charset="0"/>
-                <a:ea typeface="SF Pro Semibold" pitchFamily="2" charset="0"/>
-                <a:cs typeface="SF Pro Semibold" pitchFamily="2" charset="0"/>
-              </a:rPr>
-              <a:t>dạng</a:t>
-            </a:r>
-            <a:r>
-              <a:rPr lang="en-US" sz="2400" dirty="0">
-                <a:latin typeface="SF Pro Semibold" pitchFamily="2" charset="0"/>
-                <a:ea typeface="SF Pro Semibold" pitchFamily="2" charset="0"/>
-                <a:cs typeface="SF Pro Semibold" pitchFamily="2" charset="0"/>
-              </a:rPr>
-              <a:t> </a:t>
-            </a:r>
-            <a:r>
-              <a:rPr lang="en-US" sz="2400" dirty="0" err="1">
-                <a:latin typeface="SF Pro Semibold" pitchFamily="2" charset="0"/>
-                <a:ea typeface="SF Pro Semibold" pitchFamily="2" charset="0"/>
-                <a:cs typeface="SF Pro Semibold" pitchFamily="2" charset="0"/>
-              </a:rPr>
-              <a:t>ẩn</a:t>
-            </a:r>
-            <a:r>
-              <a:rPr lang="en-US" sz="2400" dirty="0">
-                <a:latin typeface="SF Pro Semibold" pitchFamily="2" charset="0"/>
-                <a:ea typeface="SF Pro Semibold" pitchFamily="2" charset="0"/>
-                <a:cs typeface="SF Pro Semibold" pitchFamily="2" charset="0"/>
-              </a:rPr>
-              <a:t> </a:t>
-            </a:r>
-            <a:r>
-              <a:rPr lang="en-US" sz="2400" dirty="0" err="1">
-                <a:latin typeface="SF Pro Semibold" pitchFamily="2" charset="0"/>
-                <a:ea typeface="SF Pro Semibold" pitchFamily="2" charset="0"/>
-                <a:cs typeface="SF Pro Semibold" pitchFamily="2" charset="0"/>
-              </a:rPr>
-              <a:t>danh</a:t>
-            </a:r>
-            <a:r>
-              <a:rPr lang="en-US" sz="2400" dirty="0">
-                <a:latin typeface="SF Pro Semibold" pitchFamily="2" charset="0"/>
-                <a:ea typeface="SF Pro Semibold" pitchFamily="2" charset="0"/>
-                <a:cs typeface="SF Pro Semibold" pitchFamily="2" charset="0"/>
-              </a:rPr>
-              <a:t>. </a:t>
-            </a:r>
-          </a:p>
-          <a:p>
-            <a:pPr>
-              <a:lnSpc>
-                <a:spcPct val="150000"/>
-              </a:lnSpc>
-            </a:pPr>
-            <a:r>
-              <a:rPr lang="en-US" sz="2400" dirty="0">
-                <a:latin typeface="SF Pro Semibold" pitchFamily="2" charset="0"/>
-                <a:ea typeface="SF Pro Semibold" pitchFamily="2" charset="0"/>
-                <a:cs typeface="SF Pro Semibold" pitchFamily="2" charset="0"/>
-              </a:rPr>
-              <a:t>	</a:t>
-            </a:r>
-          </a:p>
-          <a:p>
-            <a:pPr>
-              <a:lnSpc>
-                <a:spcPct val="150000"/>
-              </a:lnSpc>
-            </a:pPr>
-            <a:r>
-              <a:rPr lang="en-US" sz="2400" dirty="0">
-                <a:latin typeface="SF Pro Semibold" pitchFamily="2" charset="0"/>
-                <a:ea typeface="SF Pro Semibold" pitchFamily="2" charset="0"/>
-                <a:cs typeface="SF Pro Semibold" pitchFamily="2" charset="0"/>
-              </a:rPr>
-              <a:t>=&gt; </a:t>
-            </a:r>
-            <a:r>
-              <a:rPr lang="en-US" sz="2400" dirty="0" err="1">
-                <a:latin typeface="SF Pro Semibold" pitchFamily="2" charset="0"/>
-                <a:ea typeface="SF Pro Semibold" pitchFamily="2" charset="0"/>
-                <a:cs typeface="SF Pro Semibold" pitchFamily="2" charset="0"/>
-              </a:rPr>
-              <a:t>Công</a:t>
-            </a:r>
-            <a:r>
-              <a:rPr lang="en-US" sz="2400" dirty="0">
-                <a:latin typeface="SF Pro Semibold" pitchFamily="2" charset="0"/>
-                <a:ea typeface="SF Pro Semibold" pitchFamily="2" charset="0"/>
-                <a:cs typeface="SF Pro Semibold" pitchFamily="2" charset="0"/>
-              </a:rPr>
-              <a:t> </a:t>
-            </a:r>
-            <a:r>
-              <a:rPr lang="en-US" sz="2400" dirty="0" err="1">
-                <a:latin typeface="SF Pro Semibold" pitchFamily="2" charset="0"/>
-                <a:ea typeface="SF Pro Semibold" pitchFamily="2" charset="0"/>
-                <a:cs typeface="SF Pro Semibold" pitchFamily="2" charset="0"/>
-              </a:rPr>
-              <a:t>nghệ</a:t>
-            </a:r>
-            <a:r>
-              <a:rPr lang="en-US" sz="2400" dirty="0">
-                <a:latin typeface="SF Pro Semibold" pitchFamily="2" charset="0"/>
-                <a:ea typeface="SF Pro Semibold" pitchFamily="2" charset="0"/>
-                <a:cs typeface="SF Pro Semibold" pitchFamily="2" charset="0"/>
-              </a:rPr>
-              <a:t> </a:t>
-            </a:r>
-            <a:r>
-              <a:rPr lang="en-US" sz="2400" dirty="0" err="1">
-                <a:latin typeface="SF Pro Semibold" pitchFamily="2" charset="0"/>
-                <a:ea typeface="SF Pro Semibold" pitchFamily="2" charset="0"/>
-                <a:cs typeface="SF Pro Semibold" pitchFamily="2" charset="0"/>
-              </a:rPr>
-              <a:t>này</a:t>
-            </a:r>
-            <a:r>
-              <a:rPr lang="en-US" sz="2400" dirty="0">
-                <a:latin typeface="SF Pro Semibold" pitchFamily="2" charset="0"/>
-                <a:ea typeface="SF Pro Semibold" pitchFamily="2" charset="0"/>
-                <a:cs typeface="SF Pro Semibold" pitchFamily="2" charset="0"/>
-              </a:rPr>
-              <a:t> </a:t>
-            </a:r>
-            <a:r>
-              <a:rPr lang="en-US" sz="2400" dirty="0" err="1">
-                <a:latin typeface="SF Pro Semibold" pitchFamily="2" charset="0"/>
-                <a:ea typeface="SF Pro Semibold" pitchFamily="2" charset="0"/>
-                <a:cs typeface="SF Pro Semibold" pitchFamily="2" charset="0"/>
-              </a:rPr>
-              <a:t>có</a:t>
-            </a:r>
-            <a:r>
-              <a:rPr lang="en-US" sz="2400" dirty="0">
-                <a:latin typeface="SF Pro Semibold" pitchFamily="2" charset="0"/>
-                <a:ea typeface="SF Pro Semibold" pitchFamily="2" charset="0"/>
-                <a:cs typeface="SF Pro Semibold" pitchFamily="2" charset="0"/>
-              </a:rPr>
-              <a:t> </a:t>
-            </a:r>
-            <a:r>
-              <a:rPr lang="en-US" sz="2400" dirty="0" err="1">
-                <a:latin typeface="SF Pro Semibold" pitchFamily="2" charset="0"/>
-                <a:ea typeface="SF Pro Semibold" pitchFamily="2" charset="0"/>
-                <a:cs typeface="SF Pro Semibold" pitchFamily="2" charset="0"/>
-              </a:rPr>
-              <a:t>độ</a:t>
-            </a:r>
-            <a:r>
-              <a:rPr lang="en-US" sz="2400" dirty="0">
-                <a:latin typeface="SF Pro Semibold" pitchFamily="2" charset="0"/>
-                <a:ea typeface="SF Pro Semibold" pitchFamily="2" charset="0"/>
-                <a:cs typeface="SF Pro Semibold" pitchFamily="2" charset="0"/>
-              </a:rPr>
-              <a:t> an </a:t>
-            </a:r>
-            <a:r>
-              <a:rPr lang="en-US" sz="2400" dirty="0" err="1">
-                <a:latin typeface="SF Pro Semibold" pitchFamily="2" charset="0"/>
-                <a:ea typeface="SF Pro Semibold" pitchFamily="2" charset="0"/>
-                <a:cs typeface="SF Pro Semibold" pitchFamily="2" charset="0"/>
-              </a:rPr>
-              <a:t>toàn</a:t>
-            </a:r>
-            <a:r>
-              <a:rPr lang="en-US" sz="2400" dirty="0">
-                <a:latin typeface="SF Pro Semibold" pitchFamily="2" charset="0"/>
-                <a:ea typeface="SF Pro Semibold" pitchFamily="2" charset="0"/>
-                <a:cs typeface="SF Pro Semibold" pitchFamily="2" charset="0"/>
-              </a:rPr>
-              <a:t> </a:t>
-            </a:r>
-            <a:r>
-              <a:rPr lang="en-US" sz="2400" dirty="0" err="1">
-                <a:latin typeface="SF Pro Semibold" pitchFamily="2" charset="0"/>
-                <a:ea typeface="SF Pro Semibold" pitchFamily="2" charset="0"/>
-                <a:cs typeface="SF Pro Semibold" pitchFamily="2" charset="0"/>
-              </a:rPr>
-              <a:t>cao</a:t>
-            </a:r>
-            <a:r>
-              <a:rPr lang="en-US" sz="2400" dirty="0">
-                <a:latin typeface="SF Pro Semibold" pitchFamily="2" charset="0"/>
-                <a:ea typeface="SF Pro Semibold" pitchFamily="2" charset="0"/>
-                <a:cs typeface="SF Pro Semibold" pitchFamily="2" charset="0"/>
-              </a:rPr>
-              <a:t>. </a:t>
-            </a:r>
+              <a:t>?: </a:t>
+            </a:r>
+            <a:endParaRPr lang="en-US" sz="2800" dirty="0">
+              <a:solidFill>
+                <a:srgbClr val="FF0000"/>
+              </a:solidFill>
+              <a:latin typeface="SF Pro Semibold" pitchFamily="2" charset="0"/>
+              <a:ea typeface="SF Pro Semibold" pitchFamily="2" charset="0"/>
+              <a:cs typeface="SF Pro Semibold" pitchFamily="2" charset="0"/>
+            </a:endParaRPr>
           </a:p>
         </p:txBody>
       </p:sp>
     </p:spTree>
-    <p:extLst>
-      <p:ext uri="{BB962C8B-B14F-4D97-AF65-F5344CB8AC3E}">
-        <p14:creationId xmlns:p14="http://schemas.microsoft.com/office/powerpoint/2010/main" val="2604956238"/>
-      </p:ext>
-    </p:extLst>
   </p:cSld>
   <p:clrMapOvr>
     <a:masterClrMapping/>
@@ -10348,13 +9775,7 @@
       </p:grpSpPr>
       <p:sp>
         <p:nvSpPr>
-          <p:cNvPr id="9" name="Rectangle 8">
-            <a:extLst>
-              <a:ext uri="{FF2B5EF4-FFF2-40B4-BE49-F238E27FC236}">
-                <a16:creationId xmlns:a16="http://schemas.microsoft.com/office/drawing/2014/main" id="{6B0BE84C-DBD5-E249-AB4C-2F3AFB8A0C4D}"/>
-              </a:ext>
-            </a:extLst>
-          </p:cNvPr>
+          <p:cNvPr id="9" name="Rectangle 8"/>
           <p:cNvSpPr/>
           <p:nvPr/>
         </p:nvSpPr>
@@ -10394,19 +9815,13 @@
           <a:lstStyle/>
           <a:p>
             <a:pPr algn="ctr"/>
-            <a:endParaRPr lang="en-VN"/>
-          </a:p>
-        </p:txBody>
-      </p:sp>
-      <p:sp>
-        <p:nvSpPr>
-          <p:cNvPr id="5" name="TextBox 4">
-            <a:extLst>
-              <a:ext uri="{FF2B5EF4-FFF2-40B4-BE49-F238E27FC236}">
-                <a16:creationId xmlns:a16="http://schemas.microsoft.com/office/drawing/2014/main" id="{F3960680-F03C-3047-A820-E7C09DBC8563}"/>
-              </a:ext>
-            </a:extLst>
-          </p:cNvPr>
+            <a:endParaRPr lang="en-US"/>
+          </a:p>
+        </p:txBody>
+      </p:sp>
+      <p:sp>
+        <p:nvSpPr>
+          <p:cNvPr id="5" name="TextBox 4"/>
           <p:cNvSpPr txBox="1"/>
           <p:nvPr/>
         </p:nvSpPr>
@@ -10435,7 +9850,7 @@
               </a:rPr>
               <a:t>3.ĐỘ TIN CẬY VÀ CHÍNH XÁC. </a:t>
             </a:r>
-            <a:endParaRPr lang="en-VN" sz="3200" b="1">
+            <a:endParaRPr lang="en-US" sz="3200" b="1">
               <a:solidFill>
                 <a:schemeClr val="bg1"/>
               </a:solidFill>
@@ -10446,13 +9861,7 @@
       </p:sp>
       <p:sp>
         <p:nvSpPr>
-          <p:cNvPr id="6" name="TextBox 5">
-            <a:extLst>
-              <a:ext uri="{FF2B5EF4-FFF2-40B4-BE49-F238E27FC236}">
-                <a16:creationId xmlns:a16="http://schemas.microsoft.com/office/drawing/2014/main" id="{BCEB1458-B89A-4A42-B00D-6EBB177FDA58}"/>
-              </a:ext>
-            </a:extLst>
-          </p:cNvPr>
+          <p:cNvPr id="6" name="TextBox 5"/>
           <p:cNvSpPr txBox="1"/>
           <p:nvPr/>
         </p:nvSpPr>
@@ -10472,26 +9881,18 @@
           </a:bodyPr>
           <a:lstStyle/>
           <a:p>
-            <a:endParaRPr lang="en-VN"/>
+            <a:endParaRPr lang="en-US"/>
           </a:p>
         </p:txBody>
       </p:sp>
       <p:pic>
         <p:nvPicPr>
-          <p:cNvPr id="12" name="Picture 11">
-            <a:extLst>
-              <a:ext uri="{FF2B5EF4-FFF2-40B4-BE49-F238E27FC236}">
-                <a16:creationId xmlns:a16="http://schemas.microsoft.com/office/drawing/2014/main" id="{2F0E3C83-4764-C241-85AE-24BA870C0D12}"/>
-              </a:ext>
-            </a:extLst>
-          </p:cNvPr>
-          <p:cNvPicPr>
-            <a:picLocks/>
-          </p:cNvPicPr>
+          <p:cNvPr id="12" name="Picture 11"/>
+          <p:cNvPicPr/>
           <p:nvPr/>
         </p:nvPicPr>
         <p:blipFill>
-          <a:blip r:embed="rId2"/>
+          <a:blip r:embed="rId1"/>
           <a:stretch>
             <a:fillRect/>
           </a:stretch>
@@ -10508,13 +9909,7 @@
       </p:pic>
       <p:sp>
         <p:nvSpPr>
-          <p:cNvPr id="13" name="Oval 12">
-            <a:extLst>
-              <a:ext uri="{FF2B5EF4-FFF2-40B4-BE49-F238E27FC236}">
-                <a16:creationId xmlns:a16="http://schemas.microsoft.com/office/drawing/2014/main" id="{D8985CD3-7249-F240-A798-41E9AD66DE19}"/>
-              </a:ext>
-            </a:extLst>
-          </p:cNvPr>
+          <p:cNvPr id="13" name="Oval 12"/>
           <p:cNvSpPr/>
           <p:nvPr/>
         </p:nvSpPr>
@@ -10557,32 +9952,31 @@
           <a:p>
             <a:pPr algn="ctr"/>
             <a:r>
-              <a:rPr lang="en-VN">
+              <a:rPr lang="en-US">
                 <a:solidFill>
                   <a:srgbClr val="FF0000"/>
                 </a:solidFill>
               </a:rPr>
               <a:t>4</a:t>
             </a:r>
-          </a:p>
-        </p:txBody>
-      </p:sp>
-      <p:sp>
-        <p:nvSpPr>
-          <p:cNvPr id="10" name="TextBox 9">
-            <a:extLst>
-              <a:ext uri="{FF2B5EF4-FFF2-40B4-BE49-F238E27FC236}">
-                <a16:creationId xmlns:a16="http://schemas.microsoft.com/office/drawing/2014/main" id="{616DC6A4-1C24-244D-BCDE-BF6FE141EA8C}"/>
-              </a:ext>
-            </a:extLst>
-          </p:cNvPr>
+            <a:endParaRPr lang="en-US">
+              <a:solidFill>
+                <a:srgbClr val="FF0000"/>
+              </a:solidFill>
+            </a:endParaRPr>
+          </a:p>
+        </p:txBody>
+      </p:sp>
+      <p:sp>
+        <p:nvSpPr>
+          <p:cNvPr id="10" name="TextBox 9"/>
           <p:cNvSpPr txBox="1"/>
           <p:nvPr/>
         </p:nvSpPr>
         <p:spPr>
           <a:xfrm>
-            <a:off x="703384" y="1121254"/>
-            <a:ext cx="8169310" cy="664156"/>
+            <a:off x="703384" y="1121261"/>
+            <a:ext cx="8169310" cy="2890791"/>
           </a:xfrm>
           <a:prstGeom prst="rect">
             <a:avLst/>
@@ -10599,7 +9993,7 @@
               <a:lnSpc>
                 <a:spcPct val="150000"/>
               </a:lnSpc>
-              <a:buFont typeface="Wingdings" pitchFamily="2" charset="2"/>
+              <a:buFont typeface="Wingdings" panose="05000000000000000000" pitchFamily="2" charset="2"/>
               <a:buChar char="Ø"/>
             </a:pPr>
             <a:r>
@@ -10745,45 +10139,576 @@
               </a:rPr>
               <a:t>?:  </a:t>
             </a:r>
-          </a:p>
-        </p:txBody>
-      </p:sp>
-      <p:pic>
-        <p:nvPicPr>
-          <p:cNvPr id="3" name="Picture 2">
-            <a:extLst>
-              <a:ext uri="{FF2B5EF4-FFF2-40B4-BE49-F238E27FC236}">
-                <a16:creationId xmlns:a16="http://schemas.microsoft.com/office/drawing/2014/main" id="{D0182EDE-3492-C041-943E-F045D62A35F1}"/>
-              </a:ext>
-            </a:extLst>
-          </p:cNvPr>
-          <p:cNvPicPr>
-            <a:picLocks noChangeAspect="1"/>
-          </p:cNvPicPr>
-          <p:nvPr/>
-        </p:nvPicPr>
-        <p:blipFill>
-          <a:blip r:embed="rId3"/>
-          <a:stretch>
-            <a:fillRect/>
-          </a:stretch>
-        </p:blipFill>
-        <p:spPr>
-          <a:xfrm>
-            <a:off x="572322" y="2410625"/>
-            <a:ext cx="8571678" cy="3296799"/>
-          </a:xfrm>
-          <a:prstGeom prst="rect">
-            <a:avLst/>
-          </a:prstGeom>
-        </p:spPr>
-      </p:pic>
+            <a:endParaRPr lang="en-US" sz="2800" dirty="0">
+              <a:solidFill>
+                <a:srgbClr val="FF0000"/>
+              </a:solidFill>
+              <a:latin typeface="SF Pro Semibold" pitchFamily="2" charset="0"/>
+              <a:ea typeface="SF Pro Semibold" pitchFamily="2" charset="0"/>
+              <a:cs typeface="SF Pro Semibold" pitchFamily="2" charset="0"/>
+            </a:endParaRPr>
+          </a:p>
+          <a:p>
+            <a:pPr marL="457200" indent="-457200">
+              <a:lnSpc>
+                <a:spcPct val="150000"/>
+              </a:lnSpc>
+              <a:buFont typeface="Wingdings" panose="05000000000000000000" pitchFamily="2" charset="2"/>
+              <a:buChar char="ü"/>
+            </a:pPr>
+            <a:r>
+              <a:rPr lang="en-US" sz="2400" dirty="0" err="1">
+                <a:latin typeface="SF Pro Semibold" pitchFamily="2" charset="0"/>
+                <a:ea typeface="SF Pro Semibold" pitchFamily="2" charset="0"/>
+                <a:cs typeface="SF Pro Semibold" pitchFamily="2" charset="0"/>
+              </a:rPr>
+              <a:t>Sử</a:t>
+            </a:r>
+            <a:r>
+              <a:rPr lang="en-US" sz="2400" dirty="0">
+                <a:latin typeface="SF Pro Semibold" pitchFamily="2" charset="0"/>
+                <a:ea typeface="SF Pro Semibold" pitchFamily="2" charset="0"/>
+                <a:cs typeface="SF Pro Semibold" pitchFamily="2" charset="0"/>
+              </a:rPr>
+              <a:t> dụng </a:t>
+            </a:r>
+            <a:r>
+              <a:rPr lang="en-US" sz="2400" dirty="0" err="1">
+                <a:latin typeface="SF Pro Semibold" pitchFamily="2" charset="0"/>
+                <a:ea typeface="SF Pro Semibold" pitchFamily="2" charset="0"/>
+                <a:cs typeface="SF Pro Semibold" pitchFamily="2" charset="0"/>
+              </a:rPr>
+              <a:t>các</a:t>
+            </a:r>
+            <a:r>
+              <a:rPr lang="en-US" sz="2400" dirty="0">
+                <a:latin typeface="SF Pro Semibold" pitchFamily="2" charset="0"/>
+                <a:ea typeface="SF Pro Semibold" pitchFamily="2" charset="0"/>
+                <a:cs typeface="SF Pro Semibold" pitchFamily="2" charset="0"/>
+              </a:rPr>
+              <a:t> </a:t>
+            </a:r>
+            <a:r>
+              <a:rPr lang="en-US" sz="2400" dirty="0" err="1">
+                <a:latin typeface="SF Pro Semibold" pitchFamily="2" charset="0"/>
+                <a:ea typeface="SF Pro Semibold" pitchFamily="2" charset="0"/>
+                <a:cs typeface="SF Pro Semibold" pitchFamily="2" charset="0"/>
+              </a:rPr>
+              <a:t>thuật</a:t>
+            </a:r>
+            <a:r>
+              <a:rPr lang="en-US" sz="2400" dirty="0">
+                <a:latin typeface="SF Pro Semibold" pitchFamily="2" charset="0"/>
+                <a:ea typeface="SF Pro Semibold" pitchFamily="2" charset="0"/>
+                <a:cs typeface="SF Pro Semibold" pitchFamily="2" charset="0"/>
+              </a:rPr>
+              <a:t> </a:t>
+            </a:r>
+            <a:r>
+              <a:rPr lang="en-US" sz="2400" dirty="0" err="1">
+                <a:latin typeface="SF Pro Semibold" pitchFamily="2" charset="0"/>
+                <a:ea typeface="SF Pro Semibold" pitchFamily="2" charset="0"/>
+                <a:cs typeface="SF Pro Semibold" pitchFamily="2" charset="0"/>
+              </a:rPr>
+              <a:t>toán</a:t>
+            </a:r>
+            <a:r>
+              <a:rPr lang="en-US" sz="2400" dirty="0">
+                <a:latin typeface="SF Pro Semibold" pitchFamily="2" charset="0"/>
+                <a:ea typeface="SF Pro Semibold" pitchFamily="2" charset="0"/>
+                <a:cs typeface="SF Pro Semibold" pitchFamily="2" charset="0"/>
+              </a:rPr>
+              <a:t> </a:t>
+            </a:r>
+            <a:r>
+              <a:rPr lang="en-US" sz="2400" dirty="0" err="1">
+                <a:latin typeface="SF Pro Semibold" pitchFamily="2" charset="0"/>
+                <a:ea typeface="SF Pro Semibold" pitchFamily="2" charset="0"/>
+                <a:cs typeface="SF Pro Semibold" pitchFamily="2" charset="0"/>
+              </a:rPr>
+              <a:t>để</a:t>
+            </a:r>
+            <a:r>
+              <a:rPr lang="en-US" sz="2400" dirty="0">
+                <a:latin typeface="SF Pro Semibold" pitchFamily="2" charset="0"/>
+                <a:ea typeface="SF Pro Semibold" pitchFamily="2" charset="0"/>
+                <a:cs typeface="SF Pro Semibold" pitchFamily="2" charset="0"/>
+              </a:rPr>
+              <a:t> </a:t>
+            </a:r>
+            <a:r>
+              <a:rPr lang="en-US" sz="2400" dirty="0" err="1">
+                <a:latin typeface="SF Pro Semibold" pitchFamily="2" charset="0"/>
+                <a:ea typeface="SF Pro Semibold" pitchFamily="2" charset="0"/>
+                <a:cs typeface="SF Pro Semibold" pitchFamily="2" charset="0"/>
+              </a:rPr>
+              <a:t>mã</a:t>
+            </a:r>
+            <a:r>
+              <a:rPr lang="en-US" sz="2400" dirty="0">
+                <a:latin typeface="SF Pro Semibold" pitchFamily="2" charset="0"/>
+                <a:ea typeface="SF Pro Semibold" pitchFamily="2" charset="0"/>
+                <a:cs typeface="SF Pro Semibold" pitchFamily="2" charset="0"/>
+              </a:rPr>
+              <a:t> </a:t>
+            </a:r>
+            <a:r>
+              <a:rPr lang="en-US" sz="2400" dirty="0" err="1">
+                <a:latin typeface="SF Pro Semibold" pitchFamily="2" charset="0"/>
+                <a:ea typeface="SF Pro Semibold" pitchFamily="2" charset="0"/>
+                <a:cs typeface="SF Pro Semibold" pitchFamily="2" charset="0"/>
+              </a:rPr>
+              <a:t>hóa</a:t>
+            </a:r>
+            <a:r>
+              <a:rPr lang="en-US" sz="2400" dirty="0">
+                <a:latin typeface="SF Pro Semibold" pitchFamily="2" charset="0"/>
+                <a:ea typeface="SF Pro Semibold" pitchFamily="2" charset="0"/>
+                <a:cs typeface="SF Pro Semibold" pitchFamily="2" charset="0"/>
+              </a:rPr>
+              <a:t> </a:t>
+            </a:r>
+            <a:r>
+              <a:rPr lang="en-US" sz="2400" dirty="0" err="1">
+                <a:latin typeface="SF Pro Semibold" pitchFamily="2" charset="0"/>
+                <a:ea typeface="SF Pro Semibold" pitchFamily="2" charset="0"/>
+                <a:cs typeface="SF Pro Semibold" pitchFamily="2" charset="0"/>
+              </a:rPr>
+              <a:t>dữ</a:t>
+            </a:r>
+            <a:r>
+              <a:rPr lang="en-US" sz="2400" dirty="0">
+                <a:latin typeface="SF Pro Semibold" pitchFamily="2" charset="0"/>
+                <a:ea typeface="SF Pro Semibold" pitchFamily="2" charset="0"/>
+                <a:cs typeface="SF Pro Semibold" pitchFamily="2" charset="0"/>
+              </a:rPr>
+              <a:t> </a:t>
+            </a:r>
+            <a:r>
+              <a:rPr lang="en-US" sz="2400" dirty="0" err="1">
+                <a:latin typeface="SF Pro Semibold" pitchFamily="2" charset="0"/>
+                <a:ea typeface="SF Pro Semibold" pitchFamily="2" charset="0"/>
+                <a:cs typeface="SF Pro Semibold" pitchFamily="2" charset="0"/>
+              </a:rPr>
+              <a:t>liệu</a:t>
+            </a:r>
+            <a:r>
+              <a:rPr lang="en-US" sz="2400" dirty="0">
+                <a:latin typeface="SF Pro Semibold" pitchFamily="2" charset="0"/>
+                <a:ea typeface="SF Pro Semibold" pitchFamily="2" charset="0"/>
+                <a:cs typeface="SF Pro Semibold" pitchFamily="2" charset="0"/>
+              </a:rPr>
+              <a:t> </a:t>
+            </a:r>
+            <a:r>
+              <a:rPr lang="en-US" sz="2400" dirty="0" err="1">
+                <a:latin typeface="SF Pro Semibold" pitchFamily="2" charset="0"/>
+                <a:ea typeface="SF Pro Semibold" pitchFamily="2" charset="0"/>
+                <a:cs typeface="SF Pro Semibold" pitchFamily="2" charset="0"/>
+              </a:rPr>
+              <a:t>sinh</a:t>
+            </a:r>
+            <a:r>
+              <a:rPr lang="en-US" sz="2400" dirty="0">
+                <a:latin typeface="SF Pro Semibold" pitchFamily="2" charset="0"/>
+                <a:ea typeface="SF Pro Semibold" pitchFamily="2" charset="0"/>
+                <a:cs typeface="SF Pro Semibold" pitchFamily="2" charset="0"/>
+              </a:rPr>
+              <a:t> </a:t>
+            </a:r>
+            <a:r>
+              <a:rPr lang="en-US" sz="2400" dirty="0" err="1">
+                <a:latin typeface="SF Pro Semibold" pitchFamily="2" charset="0"/>
+                <a:ea typeface="SF Pro Semibold" pitchFamily="2" charset="0"/>
+                <a:cs typeface="SF Pro Semibold" pitchFamily="2" charset="0"/>
+              </a:rPr>
+              <a:t>trắc</a:t>
+            </a:r>
+            <a:r>
+              <a:rPr lang="en-US" sz="2400" dirty="0">
+                <a:latin typeface="SF Pro Semibold" pitchFamily="2" charset="0"/>
+                <a:ea typeface="SF Pro Semibold" pitchFamily="2" charset="0"/>
+                <a:cs typeface="SF Pro Semibold" pitchFamily="2" charset="0"/>
+              </a:rPr>
+              <a:t> </a:t>
+            </a:r>
+            <a:r>
+              <a:rPr lang="en-US" sz="2400" dirty="0" err="1">
+                <a:latin typeface="SF Pro Semibold" pitchFamily="2" charset="0"/>
+                <a:ea typeface="SF Pro Semibold" pitchFamily="2" charset="0"/>
+                <a:cs typeface="SF Pro Semibold" pitchFamily="2" charset="0"/>
+              </a:rPr>
+              <a:t>học</a:t>
+            </a:r>
+            <a:r>
+              <a:rPr lang="en-US" sz="2400" dirty="0">
+                <a:latin typeface="SF Pro Semibold" pitchFamily="2" charset="0"/>
+                <a:ea typeface="SF Pro Semibold" pitchFamily="2" charset="0"/>
+                <a:cs typeface="SF Pro Semibold" pitchFamily="2" charset="0"/>
+              </a:rPr>
+              <a:t>. </a:t>
+            </a:r>
+            <a:r>
+              <a:rPr lang="en-US" sz="2400" dirty="0">
+                <a:effectLst/>
+                <a:latin typeface="SF Pro Semibold" pitchFamily="2" charset="0"/>
+                <a:ea typeface="SF Pro Semibold" pitchFamily="2" charset="0"/>
+                <a:cs typeface="SF Pro Semibold" pitchFamily="2" charset="0"/>
+              </a:rPr>
+              <a:t> </a:t>
+            </a:r>
+            <a:endParaRPr lang="en-US" sz="2400" dirty="0">
+              <a:effectLst/>
+              <a:latin typeface="SF Pro Semibold" pitchFamily="2" charset="0"/>
+              <a:ea typeface="SF Pro Semibold" pitchFamily="2" charset="0"/>
+              <a:cs typeface="SF Pro Semibold" pitchFamily="2" charset="0"/>
+            </a:endParaRPr>
+          </a:p>
+          <a:p>
+            <a:pPr marL="457200" indent="-457200">
+              <a:lnSpc>
+                <a:spcPct val="150000"/>
+              </a:lnSpc>
+              <a:buFont typeface="Wingdings" panose="05000000000000000000" pitchFamily="2" charset="2"/>
+              <a:buChar char="ü"/>
+            </a:pPr>
+            <a:r>
+              <a:rPr lang="en-US" sz="2400" dirty="0" err="1">
+                <a:latin typeface="SF Pro Semibold" pitchFamily="2" charset="0"/>
+                <a:ea typeface="SF Pro Semibold" pitchFamily="2" charset="0"/>
+                <a:cs typeface="SF Pro Semibold" pitchFamily="2" charset="0"/>
+              </a:rPr>
+              <a:t>Các</a:t>
+            </a:r>
+            <a:r>
+              <a:rPr lang="en-US" sz="2400" dirty="0">
+                <a:latin typeface="SF Pro Semibold" pitchFamily="2" charset="0"/>
+                <a:ea typeface="SF Pro Semibold" pitchFamily="2" charset="0"/>
+                <a:cs typeface="SF Pro Semibold" pitchFamily="2" charset="0"/>
+              </a:rPr>
+              <a:t> </a:t>
+            </a:r>
+            <a:r>
+              <a:rPr lang="en-US" sz="2400" dirty="0" err="1">
+                <a:latin typeface="SF Pro Semibold" pitchFamily="2" charset="0"/>
+                <a:ea typeface="SF Pro Semibold" pitchFamily="2" charset="0"/>
+                <a:cs typeface="SF Pro Semibold" pitchFamily="2" charset="0"/>
+              </a:rPr>
+              <a:t>dữ</a:t>
+            </a:r>
+            <a:r>
+              <a:rPr lang="en-US" sz="2400" dirty="0">
+                <a:latin typeface="SF Pro Semibold" pitchFamily="2" charset="0"/>
+                <a:ea typeface="SF Pro Semibold" pitchFamily="2" charset="0"/>
+                <a:cs typeface="SF Pro Semibold" pitchFamily="2" charset="0"/>
+              </a:rPr>
+              <a:t> </a:t>
+            </a:r>
+            <a:r>
+              <a:rPr lang="en-US" sz="2400" dirty="0" err="1">
+                <a:latin typeface="SF Pro Semibold" pitchFamily="2" charset="0"/>
+                <a:ea typeface="SF Pro Semibold" pitchFamily="2" charset="0"/>
+                <a:cs typeface="SF Pro Semibold" pitchFamily="2" charset="0"/>
+              </a:rPr>
+              <a:t>liệu</a:t>
+            </a:r>
+            <a:r>
+              <a:rPr lang="en-US" sz="2400" dirty="0">
+                <a:latin typeface="SF Pro Semibold" pitchFamily="2" charset="0"/>
+                <a:ea typeface="SF Pro Semibold" pitchFamily="2" charset="0"/>
+                <a:cs typeface="SF Pro Semibold" pitchFamily="2" charset="0"/>
+              </a:rPr>
+              <a:t> </a:t>
+            </a:r>
+            <a:r>
+              <a:rPr lang="en-US" sz="2400" dirty="0" err="1">
+                <a:latin typeface="SF Pro Semibold" pitchFamily="2" charset="0"/>
+                <a:ea typeface="SF Pro Semibold" pitchFamily="2" charset="0"/>
+                <a:cs typeface="SF Pro Semibold" pitchFamily="2" charset="0"/>
+              </a:rPr>
+              <a:t>này</a:t>
+            </a:r>
+            <a:r>
+              <a:rPr lang="en-US" sz="2400" dirty="0">
+                <a:latin typeface="SF Pro Semibold" pitchFamily="2" charset="0"/>
+                <a:ea typeface="SF Pro Semibold" pitchFamily="2" charset="0"/>
+                <a:cs typeface="SF Pro Semibold" pitchFamily="2" charset="0"/>
+              </a:rPr>
+              <a:t> </a:t>
+            </a:r>
+            <a:r>
+              <a:rPr lang="en-US" sz="2400" dirty="0" err="1">
+                <a:latin typeface="SF Pro Semibold" pitchFamily="2" charset="0"/>
+                <a:ea typeface="SF Pro Semibold" pitchFamily="2" charset="0"/>
+                <a:cs typeface="SF Pro Semibold" pitchFamily="2" charset="0"/>
+              </a:rPr>
+              <a:t>được</a:t>
+            </a:r>
+            <a:r>
+              <a:rPr lang="en-US" sz="2400" dirty="0">
+                <a:latin typeface="SF Pro Semibold" pitchFamily="2" charset="0"/>
+                <a:ea typeface="SF Pro Semibold" pitchFamily="2" charset="0"/>
+                <a:cs typeface="SF Pro Semibold" pitchFamily="2" charset="0"/>
+              </a:rPr>
+              <a:t> </a:t>
+            </a:r>
+            <a:r>
+              <a:rPr lang="en-US" sz="2400" dirty="0" err="1">
+                <a:latin typeface="SF Pro Semibold" pitchFamily="2" charset="0"/>
+                <a:ea typeface="SF Pro Semibold" pitchFamily="2" charset="0"/>
+                <a:cs typeface="SF Pro Semibold" pitchFamily="2" charset="0"/>
+              </a:rPr>
+              <a:t>lưu</a:t>
+            </a:r>
+            <a:r>
+              <a:rPr lang="en-US" sz="2400" dirty="0">
+                <a:latin typeface="SF Pro Semibold" pitchFamily="2" charset="0"/>
+                <a:ea typeface="SF Pro Semibold" pitchFamily="2" charset="0"/>
+                <a:cs typeface="SF Pro Semibold" pitchFamily="2" charset="0"/>
+              </a:rPr>
+              <a:t> </a:t>
+            </a:r>
+            <a:r>
+              <a:rPr lang="en-US" sz="2400" dirty="0" err="1">
+                <a:latin typeface="SF Pro Semibold" pitchFamily="2" charset="0"/>
+                <a:ea typeface="SF Pro Semibold" pitchFamily="2" charset="0"/>
+                <a:cs typeface="SF Pro Semibold" pitchFamily="2" charset="0"/>
+              </a:rPr>
+              <a:t>trữ</a:t>
+            </a:r>
+            <a:r>
+              <a:rPr lang="en-US" sz="2400" dirty="0">
+                <a:latin typeface="SF Pro Semibold" pitchFamily="2" charset="0"/>
+                <a:ea typeface="SF Pro Semibold" pitchFamily="2" charset="0"/>
+                <a:cs typeface="SF Pro Semibold" pitchFamily="2" charset="0"/>
+              </a:rPr>
+              <a:t> </a:t>
+            </a:r>
+            <a:r>
+              <a:rPr lang="en-US" sz="2400" dirty="0" err="1">
+                <a:latin typeface="SF Pro Semibold" pitchFamily="2" charset="0"/>
+                <a:ea typeface="SF Pro Semibold" pitchFamily="2" charset="0"/>
+                <a:cs typeface="SF Pro Semibold" pitchFamily="2" charset="0"/>
+              </a:rPr>
+              <a:t>dưới</a:t>
+            </a:r>
+            <a:r>
+              <a:rPr lang="en-US" sz="2400" dirty="0">
+                <a:latin typeface="SF Pro Semibold" pitchFamily="2" charset="0"/>
+                <a:ea typeface="SF Pro Semibold" pitchFamily="2" charset="0"/>
+                <a:cs typeface="SF Pro Semibold" pitchFamily="2" charset="0"/>
+              </a:rPr>
+              <a:t> </a:t>
+            </a:r>
+            <a:r>
+              <a:rPr lang="en-US" sz="2400" dirty="0" err="1">
+                <a:latin typeface="SF Pro Semibold" pitchFamily="2" charset="0"/>
+                <a:ea typeface="SF Pro Semibold" pitchFamily="2" charset="0"/>
+                <a:cs typeface="SF Pro Semibold" pitchFamily="2" charset="0"/>
+              </a:rPr>
+              <a:t>dạng</a:t>
+            </a:r>
+            <a:r>
+              <a:rPr lang="en-US" sz="2400" dirty="0">
+                <a:latin typeface="SF Pro Semibold" pitchFamily="2" charset="0"/>
+                <a:ea typeface="SF Pro Semibold" pitchFamily="2" charset="0"/>
+                <a:cs typeface="SF Pro Semibold" pitchFamily="2" charset="0"/>
+              </a:rPr>
+              <a:t> </a:t>
+            </a:r>
+            <a:r>
+              <a:rPr lang="en-US" sz="2400" dirty="0" err="1">
+                <a:latin typeface="SF Pro Semibold" pitchFamily="2" charset="0"/>
+                <a:ea typeface="SF Pro Semibold" pitchFamily="2" charset="0"/>
+                <a:cs typeface="SF Pro Semibold" pitchFamily="2" charset="0"/>
+              </a:rPr>
+              <a:t>ẩn</a:t>
+            </a:r>
+            <a:r>
+              <a:rPr lang="en-US" sz="2400" dirty="0">
+                <a:latin typeface="SF Pro Semibold" pitchFamily="2" charset="0"/>
+                <a:ea typeface="SF Pro Semibold" pitchFamily="2" charset="0"/>
+                <a:cs typeface="SF Pro Semibold" pitchFamily="2" charset="0"/>
+              </a:rPr>
+              <a:t> </a:t>
+            </a:r>
+            <a:r>
+              <a:rPr lang="en-US" sz="2400" dirty="0" err="1">
+                <a:latin typeface="SF Pro Semibold" pitchFamily="2" charset="0"/>
+                <a:ea typeface="SF Pro Semibold" pitchFamily="2" charset="0"/>
+                <a:cs typeface="SF Pro Semibold" pitchFamily="2" charset="0"/>
+              </a:rPr>
+              <a:t>danh</a:t>
+            </a:r>
+            <a:r>
+              <a:rPr lang="en-US" sz="2400" dirty="0">
+                <a:latin typeface="SF Pro Semibold" pitchFamily="2" charset="0"/>
+                <a:ea typeface="SF Pro Semibold" pitchFamily="2" charset="0"/>
+                <a:cs typeface="SF Pro Semibold" pitchFamily="2" charset="0"/>
+              </a:rPr>
+              <a:t>. </a:t>
+            </a:r>
+            <a:endParaRPr lang="en-US" sz="2400" dirty="0">
+              <a:latin typeface="SF Pro Semibold" pitchFamily="2" charset="0"/>
+              <a:ea typeface="SF Pro Semibold" pitchFamily="2" charset="0"/>
+              <a:cs typeface="SF Pro Semibold" pitchFamily="2" charset="0"/>
+            </a:endParaRPr>
+          </a:p>
+          <a:p>
+            <a:pPr>
+              <a:lnSpc>
+                <a:spcPct val="150000"/>
+              </a:lnSpc>
+            </a:pPr>
+            <a:r>
+              <a:rPr lang="en-US" sz="2400" dirty="0">
+                <a:latin typeface="SF Pro Semibold" pitchFamily="2" charset="0"/>
+                <a:ea typeface="SF Pro Semibold" pitchFamily="2" charset="0"/>
+                <a:cs typeface="SF Pro Semibold" pitchFamily="2" charset="0"/>
+              </a:rPr>
+              <a:t>	</a:t>
+            </a:r>
+            <a:endParaRPr lang="en-US" sz="2400" dirty="0">
+              <a:latin typeface="SF Pro Semibold" pitchFamily="2" charset="0"/>
+              <a:ea typeface="SF Pro Semibold" pitchFamily="2" charset="0"/>
+              <a:cs typeface="SF Pro Semibold" pitchFamily="2" charset="0"/>
+            </a:endParaRPr>
+          </a:p>
+          <a:p>
+            <a:pPr>
+              <a:lnSpc>
+                <a:spcPct val="150000"/>
+              </a:lnSpc>
+            </a:pPr>
+            <a:r>
+              <a:rPr lang="en-US" sz="2400" dirty="0">
+                <a:latin typeface="SF Pro Semibold" pitchFamily="2" charset="0"/>
+                <a:ea typeface="SF Pro Semibold" pitchFamily="2" charset="0"/>
+                <a:cs typeface="SF Pro Semibold" pitchFamily="2" charset="0"/>
+              </a:rPr>
+              <a:t>=&gt; </a:t>
+            </a:r>
+            <a:r>
+              <a:rPr lang="en-US" sz="2400" dirty="0" err="1">
+                <a:latin typeface="SF Pro Semibold" pitchFamily="2" charset="0"/>
+                <a:ea typeface="SF Pro Semibold" pitchFamily="2" charset="0"/>
+                <a:cs typeface="SF Pro Semibold" pitchFamily="2" charset="0"/>
+              </a:rPr>
+              <a:t>Công</a:t>
+            </a:r>
+            <a:r>
+              <a:rPr lang="en-US" sz="2400" dirty="0">
+                <a:latin typeface="SF Pro Semibold" pitchFamily="2" charset="0"/>
+                <a:ea typeface="SF Pro Semibold" pitchFamily="2" charset="0"/>
+                <a:cs typeface="SF Pro Semibold" pitchFamily="2" charset="0"/>
+              </a:rPr>
+              <a:t> </a:t>
+            </a:r>
+            <a:r>
+              <a:rPr lang="en-US" sz="2400" dirty="0" err="1">
+                <a:latin typeface="SF Pro Semibold" pitchFamily="2" charset="0"/>
+                <a:ea typeface="SF Pro Semibold" pitchFamily="2" charset="0"/>
+                <a:cs typeface="SF Pro Semibold" pitchFamily="2" charset="0"/>
+              </a:rPr>
+              <a:t>nghệ</a:t>
+            </a:r>
+            <a:r>
+              <a:rPr lang="en-US" sz="2400" dirty="0">
+                <a:latin typeface="SF Pro Semibold" pitchFamily="2" charset="0"/>
+                <a:ea typeface="SF Pro Semibold" pitchFamily="2" charset="0"/>
+                <a:cs typeface="SF Pro Semibold" pitchFamily="2" charset="0"/>
+              </a:rPr>
+              <a:t> </a:t>
+            </a:r>
+            <a:r>
+              <a:rPr lang="en-US" sz="2400" dirty="0" err="1">
+                <a:latin typeface="SF Pro Semibold" pitchFamily="2" charset="0"/>
+                <a:ea typeface="SF Pro Semibold" pitchFamily="2" charset="0"/>
+                <a:cs typeface="SF Pro Semibold" pitchFamily="2" charset="0"/>
+              </a:rPr>
+              <a:t>này</a:t>
+            </a:r>
+            <a:r>
+              <a:rPr lang="en-US" sz="2400" dirty="0">
+                <a:latin typeface="SF Pro Semibold" pitchFamily="2" charset="0"/>
+                <a:ea typeface="SF Pro Semibold" pitchFamily="2" charset="0"/>
+                <a:cs typeface="SF Pro Semibold" pitchFamily="2" charset="0"/>
+              </a:rPr>
+              <a:t> </a:t>
+            </a:r>
+            <a:r>
+              <a:rPr lang="en-US" sz="2400" dirty="0" err="1">
+                <a:latin typeface="SF Pro Semibold" pitchFamily="2" charset="0"/>
+                <a:ea typeface="SF Pro Semibold" pitchFamily="2" charset="0"/>
+                <a:cs typeface="SF Pro Semibold" pitchFamily="2" charset="0"/>
+              </a:rPr>
+              <a:t>có</a:t>
+            </a:r>
+            <a:r>
+              <a:rPr lang="en-US" sz="2400" dirty="0">
+                <a:latin typeface="SF Pro Semibold" pitchFamily="2" charset="0"/>
+                <a:ea typeface="SF Pro Semibold" pitchFamily="2" charset="0"/>
+                <a:cs typeface="SF Pro Semibold" pitchFamily="2" charset="0"/>
+              </a:rPr>
+              <a:t> </a:t>
+            </a:r>
+            <a:r>
+              <a:rPr lang="en-US" sz="2400" dirty="0" err="1">
+                <a:latin typeface="SF Pro Semibold" pitchFamily="2" charset="0"/>
+                <a:ea typeface="SF Pro Semibold" pitchFamily="2" charset="0"/>
+                <a:cs typeface="SF Pro Semibold" pitchFamily="2" charset="0"/>
+              </a:rPr>
+              <a:t>độ</a:t>
+            </a:r>
+            <a:r>
+              <a:rPr lang="en-US" sz="2400" dirty="0">
+                <a:latin typeface="SF Pro Semibold" pitchFamily="2" charset="0"/>
+                <a:ea typeface="SF Pro Semibold" pitchFamily="2" charset="0"/>
+                <a:cs typeface="SF Pro Semibold" pitchFamily="2" charset="0"/>
+              </a:rPr>
+              <a:t> an </a:t>
+            </a:r>
+            <a:r>
+              <a:rPr lang="en-US" sz="2400" dirty="0" err="1">
+                <a:latin typeface="SF Pro Semibold" pitchFamily="2" charset="0"/>
+                <a:ea typeface="SF Pro Semibold" pitchFamily="2" charset="0"/>
+                <a:cs typeface="SF Pro Semibold" pitchFamily="2" charset="0"/>
+              </a:rPr>
+              <a:t>toàn</a:t>
+            </a:r>
+            <a:r>
+              <a:rPr lang="en-US" sz="2400" dirty="0">
+                <a:latin typeface="SF Pro Semibold" pitchFamily="2" charset="0"/>
+                <a:ea typeface="SF Pro Semibold" pitchFamily="2" charset="0"/>
+                <a:cs typeface="SF Pro Semibold" pitchFamily="2" charset="0"/>
+              </a:rPr>
+              <a:t> </a:t>
+            </a:r>
+            <a:r>
+              <a:rPr lang="en-US" sz="2400" dirty="0" err="1">
+                <a:latin typeface="SF Pro Semibold" pitchFamily="2" charset="0"/>
+                <a:ea typeface="SF Pro Semibold" pitchFamily="2" charset="0"/>
+                <a:cs typeface="SF Pro Semibold" pitchFamily="2" charset="0"/>
+              </a:rPr>
+              <a:t>cao</a:t>
+            </a:r>
+            <a:r>
+              <a:rPr lang="en-US" sz="2400" dirty="0">
+                <a:latin typeface="SF Pro Semibold" pitchFamily="2" charset="0"/>
+                <a:ea typeface="SF Pro Semibold" pitchFamily="2" charset="0"/>
+                <a:cs typeface="SF Pro Semibold" pitchFamily="2" charset="0"/>
+              </a:rPr>
+              <a:t>. </a:t>
+            </a:r>
+            <a:endParaRPr lang="en-US" sz="2400" dirty="0">
+              <a:latin typeface="SF Pro Semibold" pitchFamily="2" charset="0"/>
+              <a:ea typeface="SF Pro Semibold" pitchFamily="2" charset="0"/>
+              <a:cs typeface="SF Pro Semibold" pitchFamily="2" charset="0"/>
+            </a:endParaRPr>
+          </a:p>
+        </p:txBody>
+      </p:sp>
     </p:spTree>
-    <p:extLst>
-      <p:ext uri="{BB962C8B-B14F-4D97-AF65-F5344CB8AC3E}">
-        <p14:creationId xmlns:p14="http://schemas.microsoft.com/office/powerpoint/2010/main" val="389145153"/>
-      </p:ext>
-    </p:extLst>
   </p:cSld>
   <p:clrMapOvr>
     <a:masterClrMapping/>
@@ -10813,13 +10738,7 @@
       </p:grpSpPr>
       <p:sp>
         <p:nvSpPr>
-          <p:cNvPr id="9" name="Rectangle 8">
-            <a:extLst>
-              <a:ext uri="{FF2B5EF4-FFF2-40B4-BE49-F238E27FC236}">
-                <a16:creationId xmlns:a16="http://schemas.microsoft.com/office/drawing/2014/main" id="{6B0BE84C-DBD5-E249-AB4C-2F3AFB8A0C4D}"/>
-              </a:ext>
-            </a:extLst>
-          </p:cNvPr>
+          <p:cNvPr id="9" name="Rectangle 8"/>
           <p:cNvSpPr/>
           <p:nvPr/>
         </p:nvSpPr>
@@ -10859,19 +10778,13 @@
           <a:lstStyle/>
           <a:p>
             <a:pPr algn="ctr"/>
-            <a:endParaRPr lang="en-VN"/>
-          </a:p>
-        </p:txBody>
-      </p:sp>
-      <p:sp>
-        <p:nvSpPr>
-          <p:cNvPr id="5" name="TextBox 4">
-            <a:extLst>
-              <a:ext uri="{FF2B5EF4-FFF2-40B4-BE49-F238E27FC236}">
-                <a16:creationId xmlns:a16="http://schemas.microsoft.com/office/drawing/2014/main" id="{F3960680-F03C-3047-A820-E7C09DBC8563}"/>
-              </a:ext>
-            </a:extLst>
-          </p:cNvPr>
+            <a:endParaRPr lang="en-US"/>
+          </a:p>
+        </p:txBody>
+      </p:sp>
+      <p:sp>
+        <p:nvSpPr>
+          <p:cNvPr id="5" name="TextBox 4"/>
           <p:cNvSpPr txBox="1"/>
           <p:nvPr/>
         </p:nvSpPr>
@@ -10900,7 +10813,7 @@
               </a:rPr>
               <a:t>3.ĐỘ TIN CẬY VÀ CHÍNH XÁC. </a:t>
             </a:r>
-            <a:endParaRPr lang="en-VN" sz="3200" b="1">
+            <a:endParaRPr lang="en-US" sz="3200" b="1">
               <a:solidFill>
                 <a:schemeClr val="bg1"/>
               </a:solidFill>
@@ -10911,13 +10824,7 @@
       </p:sp>
       <p:sp>
         <p:nvSpPr>
-          <p:cNvPr id="6" name="TextBox 5">
-            <a:extLst>
-              <a:ext uri="{FF2B5EF4-FFF2-40B4-BE49-F238E27FC236}">
-                <a16:creationId xmlns:a16="http://schemas.microsoft.com/office/drawing/2014/main" id="{BCEB1458-B89A-4A42-B00D-6EBB177FDA58}"/>
-              </a:ext>
-            </a:extLst>
-          </p:cNvPr>
+          <p:cNvPr id="6" name="TextBox 5"/>
           <p:cNvSpPr txBox="1"/>
           <p:nvPr/>
         </p:nvSpPr>
@@ -10937,26 +10844,18 @@
           </a:bodyPr>
           <a:lstStyle/>
           <a:p>
-            <a:endParaRPr lang="en-VN"/>
+            <a:endParaRPr lang="en-US"/>
           </a:p>
         </p:txBody>
       </p:sp>
       <p:pic>
         <p:nvPicPr>
-          <p:cNvPr id="12" name="Picture 11">
-            <a:extLst>
-              <a:ext uri="{FF2B5EF4-FFF2-40B4-BE49-F238E27FC236}">
-                <a16:creationId xmlns:a16="http://schemas.microsoft.com/office/drawing/2014/main" id="{2F0E3C83-4764-C241-85AE-24BA870C0D12}"/>
-              </a:ext>
-            </a:extLst>
-          </p:cNvPr>
-          <p:cNvPicPr>
-            <a:picLocks/>
-          </p:cNvPicPr>
+          <p:cNvPr id="12" name="Picture 11"/>
+          <p:cNvPicPr/>
           <p:nvPr/>
         </p:nvPicPr>
         <p:blipFill>
-          <a:blip r:embed="rId2"/>
+          <a:blip r:embed="rId1"/>
           <a:stretch>
             <a:fillRect/>
           </a:stretch>
@@ -10973,13 +10872,7 @@
       </p:pic>
       <p:sp>
         <p:nvSpPr>
-          <p:cNvPr id="13" name="Oval 12">
-            <a:extLst>
-              <a:ext uri="{FF2B5EF4-FFF2-40B4-BE49-F238E27FC236}">
-                <a16:creationId xmlns:a16="http://schemas.microsoft.com/office/drawing/2014/main" id="{D8985CD3-7249-F240-A798-41E9AD66DE19}"/>
-              </a:ext>
-            </a:extLst>
-          </p:cNvPr>
+          <p:cNvPr id="13" name="Oval 12"/>
           <p:cNvSpPr/>
           <p:nvPr/>
         </p:nvSpPr>
@@ -11022,32 +10915,31 @@
           <a:p>
             <a:pPr algn="ctr"/>
             <a:r>
-              <a:rPr lang="en-VN">
+              <a:rPr lang="en-US">
                 <a:solidFill>
                   <a:srgbClr val="FF0000"/>
                 </a:solidFill>
               </a:rPr>
               <a:t>4</a:t>
             </a:r>
-          </a:p>
-        </p:txBody>
-      </p:sp>
-      <p:sp>
-        <p:nvSpPr>
-          <p:cNvPr id="10" name="TextBox 9">
-            <a:extLst>
-              <a:ext uri="{FF2B5EF4-FFF2-40B4-BE49-F238E27FC236}">
-                <a16:creationId xmlns:a16="http://schemas.microsoft.com/office/drawing/2014/main" id="{616DC6A4-1C24-244D-BCDE-BF6FE141EA8C}"/>
-              </a:ext>
-            </a:extLst>
-          </p:cNvPr>
+            <a:endParaRPr lang="en-US">
+              <a:solidFill>
+                <a:srgbClr val="FF0000"/>
+              </a:solidFill>
+            </a:endParaRPr>
+          </a:p>
+        </p:txBody>
+      </p:sp>
+      <p:sp>
+        <p:nvSpPr>
+          <p:cNvPr id="10" name="TextBox 9"/>
           <p:cNvSpPr txBox="1"/>
           <p:nvPr/>
         </p:nvSpPr>
         <p:spPr>
           <a:xfrm>
-            <a:off x="703384" y="1121261"/>
-            <a:ext cx="8169310" cy="3998787"/>
+            <a:off x="703384" y="1121254"/>
+            <a:ext cx="8169310" cy="664156"/>
           </a:xfrm>
           <a:prstGeom prst="rect">
             <a:avLst/>
@@ -11064,7 +10956,7 @@
               <a:lnSpc>
                 <a:spcPct val="150000"/>
               </a:lnSpc>
-              <a:buFont typeface="Wingdings" pitchFamily="2" charset="2"/>
+              <a:buFont typeface="Wingdings" panose="05000000000000000000" pitchFamily="2" charset="2"/>
               <a:buChar char="Ø"/>
             </a:pPr>
             <a:r>
@@ -11076,82 +10968,176 @@
                 <a:ea typeface="SF Pro Semibold" pitchFamily="2" charset="0"/>
                 <a:cs typeface="SF Pro Semibold" pitchFamily="2" charset="0"/>
               </a:rPr>
-              <a:t>3.3.Điểm tin cậy trong nhận dạng khuôn mặt?:  </a:t>
-            </a:r>
-          </a:p>
-          <a:p>
-            <a:pPr marL="457200" indent="-457200">
-              <a:lnSpc>
-                <a:spcPct val="150000"/>
-              </a:lnSpc>
-              <a:buFont typeface="Wingdings" pitchFamily="2" charset="2"/>
-              <a:buChar char="ü"/>
-            </a:pPr>
-            <a:r>
-              <a:rPr lang="en-US" sz="2400" dirty="0">
-                <a:effectLst/>
-                <a:latin typeface="SF Pro Semibold" pitchFamily="2" charset="0"/>
-                <a:ea typeface="SF Pro Semibold" pitchFamily="2" charset="0"/>
-                <a:cs typeface="SF Pro Semibold" pitchFamily="2" charset="0"/>
-              </a:rPr>
-              <a:t>Hệ thống sẽ phát hiện, so sánh khuôn mặt với dữ liệu từ database. </a:t>
-            </a:r>
-          </a:p>
-          <a:p>
-            <a:pPr marL="457200" indent="-457200">
-              <a:lnSpc>
-                <a:spcPct val="150000"/>
-              </a:lnSpc>
-              <a:buFont typeface="Wingdings" pitchFamily="2" charset="2"/>
-              <a:buChar char="ü"/>
-            </a:pPr>
-            <a:r>
-              <a:rPr lang="en-US" sz="2400" dirty="0">
-                <a:latin typeface="SF Pro Semibold" pitchFamily="2" charset="0"/>
-                <a:ea typeface="SF Pro Semibold" pitchFamily="2" charset="0"/>
-                <a:cs typeface="SF Pro Semibold" pitchFamily="2" charset="0"/>
-              </a:rPr>
-              <a:t> Điểm tin cậy càng cao thì khả năng hai hình ảnh thuộc về cùng một người càng cao. </a:t>
-            </a:r>
-          </a:p>
-          <a:p>
-            <a:pPr>
-              <a:lnSpc>
-                <a:spcPct val="150000"/>
-              </a:lnSpc>
-            </a:pPr>
-            <a:r>
-              <a:rPr lang="en-US" sz="2400" dirty="0">
-                <a:latin typeface="SF Pro Semibold" pitchFamily="2" charset="0"/>
-                <a:ea typeface="SF Pro Semibold" pitchFamily="2" charset="0"/>
-                <a:cs typeface="SF Pro Semibold" pitchFamily="2" charset="0"/>
-              </a:rPr>
-              <a:t>	</a:t>
-            </a:r>
-          </a:p>
-          <a:p>
-            <a:pPr>
-              <a:lnSpc>
-                <a:spcPct val="150000"/>
-              </a:lnSpc>
-            </a:pPr>
-            <a:r>
-              <a:rPr lang="en-US" sz="2400" dirty="0">
-                <a:latin typeface="SF Pro Semibold" pitchFamily="2" charset="0"/>
-                <a:ea typeface="SF Pro Semibold" pitchFamily="2" charset="0"/>
-                <a:cs typeface="SF Pro Semibold" pitchFamily="2" charset="0"/>
-              </a:rPr>
-              <a:t>=&gt; Ngưỡng điểm này thường lên đến &gt;90%.</a:t>
-            </a:r>
-          </a:p>
-        </p:txBody>
-      </p:sp>
+              <a:t>3.2.Nhận </a:t>
+            </a:r>
+            <a:r>
+              <a:rPr lang="en-US" sz="2800" dirty="0" err="1">
+                <a:solidFill>
+                  <a:srgbClr val="FF0000"/>
+                </a:solidFill>
+                <a:latin typeface="SF Pro Semibold" pitchFamily="2" charset="0"/>
+                <a:ea typeface="SF Pro Semibold" pitchFamily="2" charset="0"/>
+                <a:cs typeface="SF Pro Semibold" pitchFamily="2" charset="0"/>
+              </a:rPr>
+              <a:t>diện</a:t>
+            </a:r>
+            <a:r>
+              <a:rPr lang="en-US" sz="2800" dirty="0">
+                <a:solidFill>
+                  <a:srgbClr val="FF0000"/>
+                </a:solidFill>
+                <a:latin typeface="SF Pro Semibold" pitchFamily="2" charset="0"/>
+                <a:ea typeface="SF Pro Semibold" pitchFamily="2" charset="0"/>
+                <a:cs typeface="SF Pro Semibold" pitchFamily="2" charset="0"/>
+              </a:rPr>
+              <a:t> </a:t>
+            </a:r>
+            <a:r>
+              <a:rPr lang="en-US" sz="2800" dirty="0" err="1">
+                <a:solidFill>
+                  <a:srgbClr val="FF0000"/>
+                </a:solidFill>
+                <a:latin typeface="SF Pro Semibold" pitchFamily="2" charset="0"/>
+                <a:ea typeface="SF Pro Semibold" pitchFamily="2" charset="0"/>
+                <a:cs typeface="SF Pro Semibold" pitchFamily="2" charset="0"/>
+              </a:rPr>
+              <a:t>khuôn</a:t>
+            </a:r>
+            <a:r>
+              <a:rPr lang="en-US" sz="2800" dirty="0">
+                <a:solidFill>
+                  <a:srgbClr val="FF0000"/>
+                </a:solidFill>
+                <a:latin typeface="SF Pro Semibold" pitchFamily="2" charset="0"/>
+                <a:ea typeface="SF Pro Semibold" pitchFamily="2" charset="0"/>
+                <a:cs typeface="SF Pro Semibold" pitchFamily="2" charset="0"/>
+              </a:rPr>
+              <a:t> </a:t>
+            </a:r>
+            <a:r>
+              <a:rPr lang="en-US" sz="2800" dirty="0" err="1">
+                <a:solidFill>
+                  <a:srgbClr val="FF0000"/>
+                </a:solidFill>
+                <a:latin typeface="SF Pro Semibold" pitchFamily="2" charset="0"/>
+                <a:ea typeface="SF Pro Semibold" pitchFamily="2" charset="0"/>
+                <a:cs typeface="SF Pro Semibold" pitchFamily="2" charset="0"/>
+              </a:rPr>
+              <a:t>mặt</a:t>
+            </a:r>
+            <a:r>
+              <a:rPr lang="en-US" sz="2800" dirty="0">
+                <a:solidFill>
+                  <a:srgbClr val="FF0000"/>
+                </a:solidFill>
+                <a:latin typeface="SF Pro Semibold" pitchFamily="2" charset="0"/>
+                <a:ea typeface="SF Pro Semibold" pitchFamily="2" charset="0"/>
+                <a:cs typeface="SF Pro Semibold" pitchFamily="2" charset="0"/>
+              </a:rPr>
+              <a:t> </a:t>
+            </a:r>
+            <a:r>
+              <a:rPr lang="en-US" sz="2800" dirty="0" err="1">
+                <a:solidFill>
+                  <a:srgbClr val="FF0000"/>
+                </a:solidFill>
+                <a:latin typeface="SF Pro Semibold" pitchFamily="2" charset="0"/>
+                <a:ea typeface="SF Pro Semibold" pitchFamily="2" charset="0"/>
+                <a:cs typeface="SF Pro Semibold" pitchFamily="2" charset="0"/>
+              </a:rPr>
+              <a:t>có</a:t>
+            </a:r>
+            <a:r>
+              <a:rPr lang="en-US" sz="2800" dirty="0">
+                <a:solidFill>
+                  <a:srgbClr val="FF0000"/>
+                </a:solidFill>
+                <a:latin typeface="SF Pro Semibold" pitchFamily="2" charset="0"/>
+                <a:ea typeface="SF Pro Semibold" pitchFamily="2" charset="0"/>
+                <a:cs typeface="SF Pro Semibold" pitchFamily="2" charset="0"/>
+              </a:rPr>
+              <a:t> an </a:t>
+            </a:r>
+            <a:r>
+              <a:rPr lang="en-US" sz="2800" dirty="0" err="1">
+                <a:solidFill>
+                  <a:srgbClr val="FF0000"/>
+                </a:solidFill>
+                <a:latin typeface="SF Pro Semibold" pitchFamily="2" charset="0"/>
+                <a:ea typeface="SF Pro Semibold" pitchFamily="2" charset="0"/>
+                <a:cs typeface="SF Pro Semibold" pitchFamily="2" charset="0"/>
+              </a:rPr>
+              <a:t>toàn</a:t>
+            </a:r>
+            <a:r>
+              <a:rPr lang="en-US" sz="2800" dirty="0">
+                <a:solidFill>
+                  <a:srgbClr val="FF0000"/>
+                </a:solidFill>
+                <a:latin typeface="SF Pro Semibold" pitchFamily="2" charset="0"/>
+                <a:ea typeface="SF Pro Semibold" pitchFamily="2" charset="0"/>
+                <a:cs typeface="SF Pro Semibold" pitchFamily="2" charset="0"/>
+              </a:rPr>
+              <a:t> </a:t>
+            </a:r>
+            <a:r>
+              <a:rPr lang="en-US" sz="2800" dirty="0" err="1">
+                <a:solidFill>
+                  <a:srgbClr val="FF0000"/>
+                </a:solidFill>
+                <a:latin typeface="SF Pro Semibold" pitchFamily="2" charset="0"/>
+                <a:ea typeface="SF Pro Semibold" pitchFamily="2" charset="0"/>
+                <a:cs typeface="SF Pro Semibold" pitchFamily="2" charset="0"/>
+              </a:rPr>
+              <a:t>không</a:t>
+            </a:r>
+            <a:r>
+              <a:rPr lang="en-US" sz="2800" dirty="0">
+                <a:solidFill>
+                  <a:srgbClr val="FF0000"/>
+                </a:solidFill>
+                <a:latin typeface="SF Pro Semibold" pitchFamily="2" charset="0"/>
+                <a:ea typeface="SF Pro Semibold" pitchFamily="2" charset="0"/>
+                <a:cs typeface="SF Pro Semibold" pitchFamily="2" charset="0"/>
+              </a:rPr>
+              <a:t>?:  </a:t>
+            </a:r>
+            <a:endParaRPr lang="en-US" sz="2800" dirty="0">
+              <a:solidFill>
+                <a:srgbClr val="FF0000"/>
+              </a:solidFill>
+              <a:latin typeface="SF Pro Semibold" pitchFamily="2" charset="0"/>
+              <a:ea typeface="SF Pro Semibold" pitchFamily="2" charset="0"/>
+              <a:cs typeface="SF Pro Semibold" pitchFamily="2" charset="0"/>
+            </a:endParaRPr>
+          </a:p>
+        </p:txBody>
+      </p:sp>
+      <p:pic>
+        <p:nvPicPr>
+          <p:cNvPr id="3" name="Picture 2"/>
+          <p:cNvPicPr>
+            <a:picLocks noChangeAspect="1"/>
+          </p:cNvPicPr>
+          <p:nvPr/>
+        </p:nvPicPr>
+        <p:blipFill>
+          <a:blip r:embed="rId2"/>
+          <a:stretch>
+            <a:fillRect/>
+          </a:stretch>
+        </p:blipFill>
+        <p:spPr>
+          <a:xfrm>
+            <a:off x="572322" y="2410625"/>
+            <a:ext cx="8571678" cy="3296799"/>
+          </a:xfrm>
+          <a:prstGeom prst="rect">
+            <a:avLst/>
+          </a:prstGeom>
+        </p:spPr>
+      </p:pic>
     </p:spTree>
-    <p:extLst>
-      <p:ext uri="{BB962C8B-B14F-4D97-AF65-F5344CB8AC3E}">
-        <p14:creationId xmlns:p14="http://schemas.microsoft.com/office/powerpoint/2010/main" val="2291378980"/>
-      </p:ext>
-    </p:extLst>
   </p:cSld>
   <p:clrMapOvr>
     <a:masterClrMapping/>
@@ -11181,62 +11167,7 @@
       </p:grpSpPr>
       <p:sp>
         <p:nvSpPr>
-          <p:cNvPr id="10" name="TextBox 9">
-            <a:extLst>
-              <a:ext uri="{FF2B5EF4-FFF2-40B4-BE49-F238E27FC236}">
-                <a16:creationId xmlns:a16="http://schemas.microsoft.com/office/drawing/2014/main" id="{616DC6A4-1C24-244D-BCDE-BF6FE141EA8C}"/>
-              </a:ext>
-            </a:extLst>
-          </p:cNvPr>
-          <p:cNvSpPr txBox="1"/>
-          <p:nvPr/>
-        </p:nvSpPr>
-        <p:spPr>
-          <a:xfrm>
-            <a:off x="703384" y="1121254"/>
-            <a:ext cx="8169310" cy="664156"/>
-          </a:xfrm>
-          <a:prstGeom prst="rect">
-            <a:avLst/>
-          </a:prstGeom>
-          <a:noFill/>
-        </p:spPr>
-        <p:txBody>
-          <a:bodyPr wrap="square">
-            <a:spAutoFit/>
-          </a:bodyPr>
-          <a:lstStyle/>
-          <a:p>
-            <a:pPr marL="457200" indent="-457200">
-              <a:lnSpc>
-                <a:spcPct val="150000"/>
-              </a:lnSpc>
-              <a:buFont typeface="Wingdings" pitchFamily="2" charset="2"/>
-              <a:buChar char="Ø"/>
-            </a:pPr>
-            <a:r>
-              <a:rPr lang="en-US" sz="2800" dirty="0">
-                <a:solidFill>
-                  <a:srgbClr val="FF0000"/>
-                </a:solidFill>
-                <a:latin typeface="SF Pro Semibold" pitchFamily="2" charset="0"/>
-                <a:ea typeface="SF Pro Semibold" pitchFamily="2" charset="0"/>
-                <a:cs typeface="SF Pro Semibold" pitchFamily="2" charset="0"/>
-              </a:rPr>
-              <a:t>3.3.Điểm tin cậy trong nhận dạng khuôn mặt?:  </a:t>
-            </a:r>
-          </a:p>
-        </p:txBody>
-      </p:sp>
-      <p:sp>
-        <p:nvSpPr>
-          <p:cNvPr id="9" name="Rectangle 8">
-            <a:extLst>
-              <a:ext uri="{FF2B5EF4-FFF2-40B4-BE49-F238E27FC236}">
-                <a16:creationId xmlns:a16="http://schemas.microsoft.com/office/drawing/2014/main" id="{6B0BE84C-DBD5-E249-AB4C-2F3AFB8A0C4D}"/>
-              </a:ext>
-            </a:extLst>
-          </p:cNvPr>
+          <p:cNvPr id="9" name="Rectangle 8"/>
           <p:cNvSpPr/>
           <p:nvPr/>
         </p:nvSpPr>
@@ -11276,19 +11207,13 @@
           <a:lstStyle/>
           <a:p>
             <a:pPr algn="ctr"/>
-            <a:endParaRPr lang="en-VN"/>
-          </a:p>
-        </p:txBody>
-      </p:sp>
-      <p:sp>
-        <p:nvSpPr>
-          <p:cNvPr id="5" name="TextBox 4">
-            <a:extLst>
-              <a:ext uri="{FF2B5EF4-FFF2-40B4-BE49-F238E27FC236}">
-                <a16:creationId xmlns:a16="http://schemas.microsoft.com/office/drawing/2014/main" id="{F3960680-F03C-3047-A820-E7C09DBC8563}"/>
-              </a:ext>
-            </a:extLst>
-          </p:cNvPr>
+            <a:endParaRPr lang="en-US"/>
+          </a:p>
+        </p:txBody>
+      </p:sp>
+      <p:sp>
+        <p:nvSpPr>
+          <p:cNvPr id="5" name="TextBox 4"/>
           <p:cNvSpPr txBox="1"/>
           <p:nvPr/>
         </p:nvSpPr>
@@ -11317,7 +11242,7 @@
               </a:rPr>
               <a:t>3.ĐỘ TIN CẬY VÀ CHÍNH XÁC. </a:t>
             </a:r>
-            <a:endParaRPr lang="en-VN" sz="3200" b="1">
+            <a:endParaRPr lang="en-US" sz="3200" b="1">
               <a:solidFill>
                 <a:schemeClr val="bg1"/>
               </a:solidFill>
@@ -11328,13 +11253,7 @@
       </p:sp>
       <p:sp>
         <p:nvSpPr>
-          <p:cNvPr id="6" name="TextBox 5">
-            <a:extLst>
-              <a:ext uri="{FF2B5EF4-FFF2-40B4-BE49-F238E27FC236}">
-                <a16:creationId xmlns:a16="http://schemas.microsoft.com/office/drawing/2014/main" id="{BCEB1458-B89A-4A42-B00D-6EBB177FDA58}"/>
-              </a:ext>
-            </a:extLst>
-          </p:cNvPr>
+          <p:cNvPr id="6" name="TextBox 5"/>
           <p:cNvSpPr txBox="1"/>
           <p:nvPr/>
         </p:nvSpPr>
@@ -11354,26 +11273,18 @@
           </a:bodyPr>
           <a:lstStyle/>
           <a:p>
-            <a:endParaRPr lang="en-VN"/>
+            <a:endParaRPr lang="en-US"/>
           </a:p>
         </p:txBody>
       </p:sp>
       <p:pic>
         <p:nvPicPr>
-          <p:cNvPr id="12" name="Picture 11">
-            <a:extLst>
-              <a:ext uri="{FF2B5EF4-FFF2-40B4-BE49-F238E27FC236}">
-                <a16:creationId xmlns:a16="http://schemas.microsoft.com/office/drawing/2014/main" id="{2F0E3C83-4764-C241-85AE-24BA870C0D12}"/>
-              </a:ext>
-            </a:extLst>
-          </p:cNvPr>
-          <p:cNvPicPr>
-            <a:picLocks/>
-          </p:cNvPicPr>
+          <p:cNvPr id="12" name="Picture 11"/>
+          <p:cNvPicPr/>
           <p:nvPr/>
         </p:nvPicPr>
         <p:blipFill>
-          <a:blip r:embed="rId2"/>
+          <a:blip r:embed="rId1"/>
           <a:stretch>
             <a:fillRect/>
           </a:stretch>
@@ -11390,13 +11301,7 @@
       </p:pic>
       <p:sp>
         <p:nvSpPr>
-          <p:cNvPr id="13" name="Oval 12">
-            <a:extLst>
-              <a:ext uri="{FF2B5EF4-FFF2-40B4-BE49-F238E27FC236}">
-                <a16:creationId xmlns:a16="http://schemas.microsoft.com/office/drawing/2014/main" id="{D8985CD3-7249-F240-A798-41E9AD66DE19}"/>
-              </a:ext>
-            </a:extLst>
-          </p:cNvPr>
+          <p:cNvPr id="13" name="Oval 12"/>
           <p:cNvSpPr/>
           <p:nvPr/>
         </p:nvSpPr>
@@ -11439,54 +11344,159 @@
           <a:p>
             <a:pPr algn="ctr"/>
             <a:r>
-              <a:rPr lang="en-VN">
+              <a:rPr lang="en-US">
                 <a:solidFill>
                   <a:srgbClr val="FF0000"/>
                 </a:solidFill>
               </a:rPr>
               <a:t>4</a:t>
             </a:r>
-          </a:p>
-        </p:txBody>
-      </p:sp>
-      <p:pic>
-        <p:nvPicPr>
-          <p:cNvPr id="3" name="Picture 2">
-            <a:extLst>
-              <a:ext uri="{FF2B5EF4-FFF2-40B4-BE49-F238E27FC236}">
-                <a16:creationId xmlns:a16="http://schemas.microsoft.com/office/drawing/2014/main" id="{A4AC1266-8E81-5547-B2E5-C4EBDB1DE15A}"/>
-              </a:ext>
-            </a:extLst>
-          </p:cNvPr>
-          <p:cNvPicPr>
-            <a:picLocks noChangeAspect="1"/>
-          </p:cNvPicPr>
+            <a:endParaRPr lang="en-US">
+              <a:solidFill>
+                <a:srgbClr val="FF0000"/>
+              </a:solidFill>
+            </a:endParaRPr>
+          </a:p>
+        </p:txBody>
+      </p:sp>
+      <p:sp>
+        <p:nvSpPr>
+          <p:cNvPr id="10" name="TextBox 9"/>
+          <p:cNvSpPr txBox="1"/>
           <p:nvPr/>
-        </p:nvPicPr>
-        <p:blipFill>
-          <a:blip r:embed="rId3"/>
-          <a:stretch>
-            <a:fillRect/>
-          </a:stretch>
-        </p:blipFill>
+        </p:nvSpPr>
         <p:spPr>
           <a:xfrm>
-            <a:off x="1040256" y="1854645"/>
-            <a:ext cx="7495566" cy="4732049"/>
-          </a:xfrm>
-          <a:prstGeom prst="roundRect">
-            <a:avLst>
-              <a:gd name="adj" fmla="val 8649"/>
-            </a:avLst>
+            <a:off x="703384" y="1121261"/>
+            <a:ext cx="8169310" cy="3998787"/>
+          </a:xfrm>
+          <a:prstGeom prst="rect">
+            <a:avLst/>
           </a:prstGeom>
-        </p:spPr>
-      </p:pic>
+          <a:noFill/>
+        </p:spPr>
+        <p:txBody>
+          <a:bodyPr wrap="square">
+            <a:spAutoFit/>
+          </a:bodyPr>
+          <a:lstStyle/>
+          <a:p>
+            <a:pPr marL="457200" indent="-457200">
+              <a:lnSpc>
+                <a:spcPct val="150000"/>
+              </a:lnSpc>
+              <a:buFont typeface="Wingdings" panose="05000000000000000000" pitchFamily="2" charset="2"/>
+              <a:buChar char="Ø"/>
+            </a:pPr>
+            <a:r>
+              <a:rPr lang="en-US" sz="2800" dirty="0">
+                <a:solidFill>
+                  <a:srgbClr val="FF0000"/>
+                </a:solidFill>
+                <a:latin typeface="SF Pro Semibold" pitchFamily="2" charset="0"/>
+                <a:ea typeface="SF Pro Semibold" pitchFamily="2" charset="0"/>
+                <a:cs typeface="SF Pro Semibold" pitchFamily="2" charset="0"/>
+              </a:rPr>
+              <a:t>3.3.Điểm tin cậy trong nhận dạng khuôn mặt?:  </a:t>
+            </a:r>
+            <a:endParaRPr lang="en-US" sz="2800" dirty="0">
+              <a:solidFill>
+                <a:srgbClr val="FF0000"/>
+              </a:solidFill>
+              <a:latin typeface="SF Pro Semibold" pitchFamily="2" charset="0"/>
+              <a:ea typeface="SF Pro Semibold" pitchFamily="2" charset="0"/>
+              <a:cs typeface="SF Pro Semibold" pitchFamily="2" charset="0"/>
+            </a:endParaRPr>
+          </a:p>
+          <a:p>
+            <a:pPr marL="457200" indent="-457200">
+              <a:lnSpc>
+                <a:spcPct val="150000"/>
+              </a:lnSpc>
+              <a:buFont typeface="Wingdings" panose="05000000000000000000" pitchFamily="2" charset="2"/>
+              <a:buChar char="ü"/>
+            </a:pPr>
+            <a:r>
+              <a:rPr lang="en-US" sz="2400" dirty="0">
+                <a:effectLst/>
+                <a:latin typeface="SF Pro Semibold" pitchFamily="2" charset="0"/>
+                <a:ea typeface="SF Pro Semibold" pitchFamily="2" charset="0"/>
+                <a:cs typeface="SF Pro Semibold" pitchFamily="2" charset="0"/>
+              </a:rPr>
+              <a:t>Hệ thống sẽ phát hiện, so sánh khuôn mặt với dữ liệu từ database. </a:t>
+            </a:r>
+            <a:endParaRPr lang="en-US" sz="2400" dirty="0">
+              <a:effectLst/>
+              <a:latin typeface="SF Pro Semibold" pitchFamily="2" charset="0"/>
+              <a:ea typeface="SF Pro Semibold" pitchFamily="2" charset="0"/>
+              <a:cs typeface="SF Pro Semibold" pitchFamily="2" charset="0"/>
+            </a:endParaRPr>
+          </a:p>
+          <a:p>
+            <a:pPr marL="457200" indent="-457200">
+              <a:lnSpc>
+                <a:spcPct val="150000"/>
+              </a:lnSpc>
+              <a:buFont typeface="Wingdings" panose="05000000000000000000" pitchFamily="2" charset="2"/>
+              <a:buChar char="ü"/>
+            </a:pPr>
+            <a:r>
+              <a:rPr lang="en-US" sz="2400" dirty="0">
+                <a:latin typeface="SF Pro Semibold" pitchFamily="2" charset="0"/>
+                <a:ea typeface="SF Pro Semibold" pitchFamily="2" charset="0"/>
+                <a:cs typeface="SF Pro Semibold" pitchFamily="2" charset="0"/>
+              </a:rPr>
+              <a:t> Điểm tin cậy càng cao thì khả năng hai hình ảnh thuộc về cùng một người càng cao. </a:t>
+            </a:r>
+            <a:endParaRPr lang="en-US" sz="2400" dirty="0">
+              <a:latin typeface="SF Pro Semibold" pitchFamily="2" charset="0"/>
+              <a:ea typeface="SF Pro Semibold" pitchFamily="2" charset="0"/>
+              <a:cs typeface="SF Pro Semibold" pitchFamily="2" charset="0"/>
+            </a:endParaRPr>
+          </a:p>
+          <a:p>
+            <a:pPr>
+              <a:lnSpc>
+                <a:spcPct val="150000"/>
+              </a:lnSpc>
+            </a:pPr>
+            <a:r>
+              <a:rPr lang="en-US" sz="2400" dirty="0">
+                <a:latin typeface="SF Pro Semibold" pitchFamily="2" charset="0"/>
+                <a:ea typeface="SF Pro Semibold" pitchFamily="2" charset="0"/>
+                <a:cs typeface="SF Pro Semibold" pitchFamily="2" charset="0"/>
+              </a:rPr>
+              <a:t>	</a:t>
+            </a:r>
+            <a:endParaRPr lang="en-US" sz="2400" dirty="0">
+              <a:latin typeface="SF Pro Semibold" pitchFamily="2" charset="0"/>
+              <a:ea typeface="SF Pro Semibold" pitchFamily="2" charset="0"/>
+              <a:cs typeface="SF Pro Semibold" pitchFamily="2" charset="0"/>
+            </a:endParaRPr>
+          </a:p>
+          <a:p>
+            <a:pPr>
+              <a:lnSpc>
+                <a:spcPct val="150000"/>
+              </a:lnSpc>
+            </a:pPr>
+            <a:r>
+              <a:rPr lang="en-US" sz="2400" dirty="0">
+                <a:latin typeface="SF Pro Semibold" pitchFamily="2" charset="0"/>
+                <a:ea typeface="SF Pro Semibold" pitchFamily="2" charset="0"/>
+                <a:cs typeface="SF Pro Semibold" pitchFamily="2" charset="0"/>
+              </a:rPr>
+              <a:t>=&gt; Ngưỡng điểm này thường lên đến &gt;90%.</a:t>
+            </a:r>
+            <a:endParaRPr lang="en-US" sz="2400" dirty="0">
+              <a:latin typeface="SF Pro Semibold" pitchFamily="2" charset="0"/>
+              <a:ea typeface="SF Pro Semibold" pitchFamily="2" charset="0"/>
+              <a:cs typeface="SF Pro Semibold" pitchFamily="2" charset="0"/>
+            </a:endParaRPr>
+          </a:p>
+        </p:txBody>
+      </p:sp>
     </p:spTree>
-    <p:extLst>
-      <p:ext uri="{BB962C8B-B14F-4D97-AF65-F5344CB8AC3E}">
-        <p14:creationId xmlns:p14="http://schemas.microsoft.com/office/powerpoint/2010/main" val="1295082147"/>
-      </p:ext>
-    </p:extLst>
   </p:cSld>
   <p:clrMapOvr>
     <a:masterClrMapping/>
@@ -11717,7 +11727,6 @@
       </a:bgFillStyleLst>
     </a:fmtScheme>
   </a:themeElements>
-  <a:objectDefaults/>
   <a:extraClrSchemeLst>
     <a:extraClrScheme>
       <a:clrScheme name="cdb2004158l 1">
@@ -11845,7 +11854,7 @@
   </a:extraClrSchemeLst>
   <a:extLst>
     <a:ext uri="{05A4C25C-085E-4340-85A3-A5531E510DB2}">
-      <thm15:themeFamily xmlns:thm15="http://schemas.microsoft.com/office/thememl/2012/main" name="theme bài giảng của ông thầy Phết" id="{9D545468-CEDC-054B-933A-71729AFBF454}" vid="{080D4286-A251-9346-A5D2-49489912BF10}"/>
+      <thm15:themeFamily xmlns:thm15="http://schemas.microsoft.com/office/thememl/2012/main" name="Office Theme" id="{62F939B6-93AF-4DB8-9C6B-D6C7DFDC589F}" vid="{4A3C46E8-61CC-4603-A589-7422A47A8E4A}"/>
     </a:ext>
   </a:extLst>
 </a:theme>

--- a/BÀI THUYẾT TRÌNH MẪU.pptx
+++ b/BÀI THUYẾT TRÌNH MẪU.pptx
@@ -5,18 +5,18 @@
     <p:sldMasterId id="2147483648" r:id="rId1"/>
   </p:sldMasterIdLst>
   <p:sldIdLst>
-    <p:sldId id="256" r:id="rId3"/>
-    <p:sldId id="257" r:id="rId4"/>
-    <p:sldId id="261" r:id="rId5"/>
-    <p:sldId id="271" r:id="rId6"/>
-    <p:sldId id="258" r:id="rId7"/>
-    <p:sldId id="263" r:id="rId8"/>
-    <p:sldId id="259" r:id="rId9"/>
-    <p:sldId id="264" r:id="rId10"/>
-    <p:sldId id="260" r:id="rId11"/>
-    <p:sldId id="265" r:id="rId12"/>
-    <p:sldId id="266" r:id="rId13"/>
-    <p:sldId id="262" r:id="rId14"/>
+    <p:sldId id="256" r:id="rId2"/>
+    <p:sldId id="257" r:id="rId3"/>
+    <p:sldId id="261" r:id="rId4"/>
+    <p:sldId id="271" r:id="rId5"/>
+    <p:sldId id="258" r:id="rId6"/>
+    <p:sldId id="263" r:id="rId7"/>
+    <p:sldId id="259" r:id="rId8"/>
+    <p:sldId id="264" r:id="rId9"/>
+    <p:sldId id="260" r:id="rId10"/>
+    <p:sldId id="265" r:id="rId11"/>
+    <p:sldId id="266" r:id="rId12"/>
+    <p:sldId id="262" r:id="rId13"/>
   </p:sldIdLst>
   <p:sldSz cx="9144000" cy="6858000" type="screen4x3"/>
   <p:notesSz cx="6858000" cy="9144000"/>
@@ -145,11 +145,16 @@
       </a:defRPr>
     </a:lvl9pPr>
   </p:defaultTextStyle>
+  <p:extLst>
+    <p:ext uri="{EFAFB233-063F-42B5-8137-9DF3F51BA10A}">
+      <p15:sldGuideLst xmlns:p15="http://schemas.microsoft.com/office/powerpoint/2012/main"/>
+    </p:ext>
+  </p:extLst>
 </p:presentation>
 </file>
 
 <file path=ppt/slideLayouts/slideLayout1.xml><?xml version="1.0" encoding="utf-8"?>
-<p:sldLayout xmlns:a="http://schemas.openxmlformats.org/drawingml/2006/main" xmlns:r="http://schemas.openxmlformats.org/officeDocument/2006/relationships" xmlns:p="http://schemas.openxmlformats.org/presentationml/2006/main" type="title" preserve="1" showMasterSp="0">
+<p:sldLayout xmlns:a="http://schemas.openxmlformats.org/drawingml/2006/main" xmlns:r="http://schemas.openxmlformats.org/officeDocument/2006/relationships" xmlns:p="http://schemas.openxmlformats.org/presentationml/2006/main" showMasterSp="0" type="title" preserve="1">
   <p:cSld name="Title Slide">
     <p:spTree>
       <p:nvGrpSpPr>
@@ -587,6 +592,7 @@
                   <a:schemeClr val="bg1"/>
                 </a:solidFill>
               </a:rPr>
+              <a:t>‹#›</a:t>
             </a:fld>
             <a:endParaRPr lang="en-US" altLang="en-US" sz="1200">
               <a:solidFill>
@@ -643,7 +649,6 @@
               <a:rPr lang="en-US"/>
               <a:t>Click to edit Master title style</a:t>
             </a:r>
-            <a:endParaRPr lang="en-US"/>
           </a:p>
         </p:txBody>
       </p:sp>
@@ -667,7 +672,6 @@
               <a:rPr lang="en-US"/>
               <a:t>Click to edit Master text styles</a:t>
             </a:r>
-            <a:endParaRPr lang="en-US"/>
           </a:p>
           <a:p>
             <a:pPr lvl="1"/>
@@ -675,7 +679,6 @@
               <a:rPr lang="en-US"/>
               <a:t>Second level</a:t>
             </a:r>
-            <a:endParaRPr lang="en-US"/>
           </a:p>
           <a:p>
             <a:pPr lvl="2"/>
@@ -683,7 +686,6 @@
               <a:rPr lang="en-US"/>
               <a:t>Third level</a:t>
             </a:r>
-            <a:endParaRPr lang="en-US"/>
           </a:p>
           <a:p>
             <a:pPr lvl="3"/>
@@ -691,7 +693,6 @@
               <a:rPr lang="en-US"/>
               <a:t>Fourth level</a:t>
             </a:r>
-            <a:endParaRPr lang="en-US"/>
           </a:p>
           <a:p>
             <a:pPr lvl="4"/>
@@ -699,7 +700,6 @@
               <a:rPr lang="en-US"/>
               <a:t>Fifth level</a:t>
             </a:r>
-            <a:endParaRPr lang="en-US"/>
           </a:p>
         </p:txBody>
       </p:sp>
@@ -723,7 +723,8 @@
           </a:lstStyle>
           <a:p>
             <a:fld id="{6BDEAFE6-325E-AA48-AC90-E1B1FC9AAA75}" type="datetimeFigureOut">
-              <a:rPr/>
+              <a:rPr lang="en-VN"/>
+              <a:t>22/10/2023</a:t>
             </a:fld>
             <a:endParaRPr lang="en-US"/>
           </a:p>
@@ -773,6 +774,7 @@
           <a:p>
             <a:fld id="{C9142EC5-85AF-4745-AACF-2F37CD50FCA3}" type="slidenum">
               <a:rPr/>
+              <a:t>‹#›</a:t>
             </a:fld>
             <a:endParaRPr lang="en-US"/>
           </a:p>
@@ -830,7 +832,6 @@
               <a:rPr lang="en-US"/>
               <a:t>Click to edit Master title style</a:t>
             </a:r>
-            <a:endParaRPr lang="en-US"/>
           </a:p>
         </p:txBody>
       </p:sp>
@@ -859,7 +860,6 @@
               <a:rPr lang="en-US"/>
               <a:t>Click to edit Master text styles</a:t>
             </a:r>
-            <a:endParaRPr lang="en-US"/>
           </a:p>
           <a:p>
             <a:pPr lvl="1"/>
@@ -867,7 +867,6 @@
               <a:rPr lang="en-US"/>
               <a:t>Second level</a:t>
             </a:r>
-            <a:endParaRPr lang="en-US"/>
           </a:p>
           <a:p>
             <a:pPr lvl="2"/>
@@ -875,7 +874,6 @@
               <a:rPr lang="en-US"/>
               <a:t>Third level</a:t>
             </a:r>
-            <a:endParaRPr lang="en-US"/>
           </a:p>
           <a:p>
             <a:pPr lvl="3"/>
@@ -883,7 +881,6 @@
               <a:rPr lang="en-US"/>
               <a:t>Fourth level</a:t>
             </a:r>
-            <a:endParaRPr lang="en-US"/>
           </a:p>
           <a:p>
             <a:pPr lvl="4"/>
@@ -891,7 +888,6 @@
               <a:rPr lang="en-US"/>
               <a:t>Fifth level</a:t>
             </a:r>
-            <a:endParaRPr lang="en-US"/>
           </a:p>
         </p:txBody>
       </p:sp>
@@ -915,7 +911,8 @@
           </a:lstStyle>
           <a:p>
             <a:fld id="{6BDEAFE6-325E-AA48-AC90-E1B1FC9AAA75}" type="datetimeFigureOut">
-              <a:rPr/>
+              <a:rPr lang="en-VN"/>
+              <a:t>22/10/2023</a:t>
             </a:fld>
             <a:endParaRPr lang="en-US"/>
           </a:p>
@@ -965,6 +962,7 @@
           <a:p>
             <a:fld id="{C9142EC5-85AF-4745-AACF-2F37CD50FCA3}" type="slidenum">
               <a:rPr/>
+              <a:t>‹#›</a:t>
             </a:fld>
             <a:endParaRPr lang="en-US"/>
           </a:p>
@@ -1096,7 +1094,8 @@
           </a:lstStyle>
           <a:p>
             <a:fld id="{6BDEAFE6-325E-AA48-AC90-E1B1FC9AAA75}" type="datetimeFigureOut">
-              <a:rPr/>
+              <a:rPr lang="en-VN"/>
+              <a:t>22/10/2023</a:t>
             </a:fld>
             <a:endParaRPr lang="en-US"/>
           </a:p>
@@ -1146,6 +1145,7 @@
           <a:p>
             <a:fld id="{C9142EC5-85AF-4745-AACF-2F37CD50FCA3}" type="slidenum">
               <a:rPr/>
+              <a:t>‹#›</a:t>
             </a:fld>
             <a:endParaRPr lang="en-US"/>
           </a:p>
@@ -1198,7 +1198,6 @@
               <a:rPr lang="en-US"/>
               <a:t>Click to edit Master title style</a:t>
             </a:r>
-            <a:endParaRPr lang="en-US"/>
           </a:p>
         </p:txBody>
       </p:sp>
@@ -1222,7 +1221,6 @@
               <a:rPr lang="en-US" dirty="0"/>
               <a:t>Click to edit Master text styles</a:t>
             </a:r>
-            <a:endParaRPr lang="en-US" dirty="0"/>
           </a:p>
           <a:p>
             <a:pPr lvl="1"/>
@@ -1230,7 +1228,6 @@
               <a:rPr lang="en-US" dirty="0"/>
               <a:t>Second level</a:t>
             </a:r>
-            <a:endParaRPr lang="en-US" dirty="0"/>
           </a:p>
           <a:p>
             <a:pPr lvl="2"/>
@@ -1238,7 +1235,6 @@
               <a:rPr lang="en-US" dirty="0"/>
               <a:t>Third level</a:t>
             </a:r>
-            <a:endParaRPr lang="en-US" dirty="0"/>
           </a:p>
           <a:p>
             <a:pPr lvl="3"/>
@@ -1246,7 +1242,6 @@
               <a:rPr lang="en-US" dirty="0"/>
               <a:t>Fourth level</a:t>
             </a:r>
-            <a:endParaRPr lang="en-US" dirty="0"/>
           </a:p>
           <a:p>
             <a:pPr lvl="4"/>
@@ -1254,7 +1249,6 @@
               <a:rPr lang="en-US" dirty="0"/>
               <a:t>Fifth level</a:t>
             </a:r>
-            <a:endParaRPr lang="en-US" dirty="0"/>
           </a:p>
         </p:txBody>
       </p:sp>
@@ -1278,7 +1272,8 @@
           </a:lstStyle>
           <a:p>
             <a:fld id="{6BDEAFE6-325E-AA48-AC90-E1B1FC9AAA75}" type="datetimeFigureOut">
-              <a:rPr/>
+              <a:rPr lang="en-VN"/>
+              <a:t>22/10/2023</a:t>
             </a:fld>
             <a:endParaRPr lang="en-US"/>
           </a:p>
@@ -1328,6 +1323,7 @@
           <a:p>
             <a:fld id="{C9142EC5-85AF-4745-AACF-2F37CD50FCA3}" type="slidenum">
               <a:rPr/>
+              <a:t>‹#›</a:t>
             </a:fld>
             <a:endParaRPr lang="en-US"/>
           </a:p>
@@ -1389,7 +1385,6 @@
               <a:rPr lang="en-US"/>
               <a:t>Click to edit Master title style</a:t>
             </a:r>
-            <a:endParaRPr lang="en-US"/>
           </a:p>
         </p:txBody>
       </p:sp>
@@ -1455,7 +1450,6 @@
               <a:rPr lang="en-US"/>
               <a:t>Click to edit Master text styles</a:t>
             </a:r>
-            <a:endParaRPr lang="en-US"/>
           </a:p>
         </p:txBody>
       </p:sp>
@@ -1479,7 +1473,8 @@
           </a:lstStyle>
           <a:p>
             <a:fld id="{6BDEAFE6-325E-AA48-AC90-E1B1FC9AAA75}" type="datetimeFigureOut">
-              <a:rPr/>
+              <a:rPr lang="en-VN"/>
+              <a:t>22/10/2023</a:t>
             </a:fld>
             <a:endParaRPr lang="en-US"/>
           </a:p>
@@ -1529,6 +1524,7 @@
           <a:p>
             <a:fld id="{C9142EC5-85AF-4745-AACF-2F37CD50FCA3}" type="slidenum">
               <a:rPr/>
+              <a:t>‹#›</a:t>
             </a:fld>
             <a:endParaRPr lang="en-US"/>
           </a:p>
@@ -1581,7 +1577,6 @@
               <a:rPr lang="en-US"/>
               <a:t>Click to edit Master title style</a:t>
             </a:r>
-            <a:endParaRPr lang="en-US"/>
           </a:p>
         </p:txBody>
       </p:sp>
@@ -1638,7 +1633,6 @@
               <a:rPr lang="en-US"/>
               <a:t>Click to edit Master text styles</a:t>
             </a:r>
-            <a:endParaRPr lang="en-US"/>
           </a:p>
           <a:p>
             <a:pPr lvl="1"/>
@@ -1646,7 +1640,6 @@
               <a:rPr lang="en-US"/>
               <a:t>Second level</a:t>
             </a:r>
-            <a:endParaRPr lang="en-US"/>
           </a:p>
           <a:p>
             <a:pPr lvl="2"/>
@@ -1654,7 +1647,6 @@
               <a:rPr lang="en-US"/>
               <a:t>Third level</a:t>
             </a:r>
-            <a:endParaRPr lang="en-US"/>
           </a:p>
           <a:p>
             <a:pPr lvl="3"/>
@@ -1662,7 +1654,6 @@
               <a:rPr lang="en-US"/>
               <a:t>Fourth level</a:t>
             </a:r>
-            <a:endParaRPr lang="en-US"/>
           </a:p>
           <a:p>
             <a:pPr lvl="4"/>
@@ -1670,7 +1661,6 @@
               <a:rPr lang="en-US"/>
               <a:t>Fifth level</a:t>
             </a:r>
-            <a:endParaRPr lang="en-US"/>
           </a:p>
         </p:txBody>
       </p:sp>
@@ -1727,7 +1717,6 @@
               <a:rPr lang="en-US"/>
               <a:t>Click to edit Master text styles</a:t>
             </a:r>
-            <a:endParaRPr lang="en-US"/>
           </a:p>
           <a:p>
             <a:pPr lvl="1"/>
@@ -1735,7 +1724,6 @@
               <a:rPr lang="en-US"/>
               <a:t>Second level</a:t>
             </a:r>
-            <a:endParaRPr lang="en-US"/>
           </a:p>
           <a:p>
             <a:pPr lvl="2"/>
@@ -1743,7 +1731,6 @@
               <a:rPr lang="en-US"/>
               <a:t>Third level</a:t>
             </a:r>
-            <a:endParaRPr lang="en-US"/>
           </a:p>
           <a:p>
             <a:pPr lvl="3"/>
@@ -1751,7 +1738,6 @@
               <a:rPr lang="en-US"/>
               <a:t>Fourth level</a:t>
             </a:r>
-            <a:endParaRPr lang="en-US"/>
           </a:p>
           <a:p>
             <a:pPr lvl="4"/>
@@ -1759,7 +1745,6 @@
               <a:rPr lang="en-US"/>
               <a:t>Fifth level</a:t>
             </a:r>
-            <a:endParaRPr lang="en-US"/>
           </a:p>
         </p:txBody>
       </p:sp>
@@ -1783,7 +1768,8 @@
           </a:lstStyle>
           <a:p>
             <a:fld id="{6BDEAFE6-325E-AA48-AC90-E1B1FC9AAA75}" type="datetimeFigureOut">
-              <a:rPr/>
+              <a:rPr lang="en-VN"/>
+              <a:t>22/10/2023</a:t>
             </a:fld>
             <a:endParaRPr lang="en-US"/>
           </a:p>
@@ -1833,6 +1819,7 @@
           <a:p>
             <a:fld id="{C9142EC5-85AF-4745-AACF-2F37CD50FCA3}" type="slidenum">
               <a:rPr/>
+              <a:t>‹#›</a:t>
             </a:fld>
             <a:endParaRPr lang="en-US"/>
           </a:p>
@@ -1894,7 +1881,6 @@
               <a:rPr lang="en-US"/>
               <a:t>Click to edit Master title style</a:t>
             </a:r>
-            <a:endParaRPr lang="en-US"/>
           </a:p>
         </p:txBody>
       </p:sp>
@@ -1960,7 +1946,6 @@
               <a:rPr lang="en-US"/>
               <a:t>Click to edit Master text styles</a:t>
             </a:r>
-            <a:endParaRPr lang="en-US"/>
           </a:p>
         </p:txBody>
       </p:sp>
@@ -2017,7 +2002,6 @@
               <a:rPr lang="en-US"/>
               <a:t>Click to edit Master text styles</a:t>
             </a:r>
-            <a:endParaRPr lang="en-US"/>
           </a:p>
           <a:p>
             <a:pPr lvl="1"/>
@@ -2025,7 +2009,6 @@
               <a:rPr lang="en-US"/>
               <a:t>Second level</a:t>
             </a:r>
-            <a:endParaRPr lang="en-US"/>
           </a:p>
           <a:p>
             <a:pPr lvl="2"/>
@@ -2033,7 +2016,6 @@
               <a:rPr lang="en-US"/>
               <a:t>Third level</a:t>
             </a:r>
-            <a:endParaRPr lang="en-US"/>
           </a:p>
           <a:p>
             <a:pPr lvl="3"/>
@@ -2041,7 +2023,6 @@
               <a:rPr lang="en-US"/>
               <a:t>Fourth level</a:t>
             </a:r>
-            <a:endParaRPr lang="en-US"/>
           </a:p>
           <a:p>
             <a:pPr lvl="4"/>
@@ -2049,7 +2030,6 @@
               <a:rPr lang="en-US"/>
               <a:t>Fifth level</a:t>
             </a:r>
-            <a:endParaRPr lang="en-US"/>
           </a:p>
         </p:txBody>
       </p:sp>
@@ -2115,7 +2095,6 @@
               <a:rPr lang="en-US"/>
               <a:t>Click to edit Master text styles</a:t>
             </a:r>
-            <a:endParaRPr lang="en-US"/>
           </a:p>
         </p:txBody>
       </p:sp>
@@ -2172,7 +2151,6 @@
               <a:rPr lang="en-US"/>
               <a:t>Click to edit Master text styles</a:t>
             </a:r>
-            <a:endParaRPr lang="en-US"/>
           </a:p>
           <a:p>
             <a:pPr lvl="1"/>
@@ -2180,7 +2158,6 @@
               <a:rPr lang="en-US"/>
               <a:t>Second level</a:t>
             </a:r>
-            <a:endParaRPr lang="en-US"/>
           </a:p>
           <a:p>
             <a:pPr lvl="2"/>
@@ -2188,7 +2165,6 @@
               <a:rPr lang="en-US"/>
               <a:t>Third level</a:t>
             </a:r>
-            <a:endParaRPr lang="en-US"/>
           </a:p>
           <a:p>
             <a:pPr lvl="3"/>
@@ -2196,7 +2172,6 @@
               <a:rPr lang="en-US"/>
               <a:t>Fourth level</a:t>
             </a:r>
-            <a:endParaRPr lang="en-US"/>
           </a:p>
           <a:p>
             <a:pPr lvl="4"/>
@@ -2204,7 +2179,6 @@
               <a:rPr lang="en-US"/>
               <a:t>Fifth level</a:t>
             </a:r>
-            <a:endParaRPr lang="en-US"/>
           </a:p>
         </p:txBody>
       </p:sp>
@@ -2228,7 +2202,8 @@
           </a:lstStyle>
           <a:p>
             <a:fld id="{6BDEAFE6-325E-AA48-AC90-E1B1FC9AAA75}" type="datetimeFigureOut">
-              <a:rPr/>
+              <a:rPr lang="en-VN"/>
+              <a:t>22/10/2023</a:t>
             </a:fld>
             <a:endParaRPr lang="en-US"/>
           </a:p>
@@ -2278,6 +2253,7 @@
           <a:p>
             <a:fld id="{C9142EC5-85AF-4745-AACF-2F37CD50FCA3}" type="slidenum">
               <a:rPr/>
+              <a:t>‹#›</a:t>
             </a:fld>
             <a:endParaRPr lang="en-US"/>
           </a:p>
@@ -2330,7 +2306,6 @@
               <a:rPr lang="en-US"/>
               <a:t>Click to edit Master title style</a:t>
             </a:r>
-            <a:endParaRPr lang="en-US"/>
           </a:p>
         </p:txBody>
       </p:sp>
@@ -2354,7 +2329,8 @@
           </a:lstStyle>
           <a:p>
             <a:fld id="{6BDEAFE6-325E-AA48-AC90-E1B1FC9AAA75}" type="datetimeFigureOut">
-              <a:rPr/>
+              <a:rPr lang="en-VN"/>
+              <a:t>22/10/2023</a:t>
             </a:fld>
             <a:endParaRPr lang="en-US"/>
           </a:p>
@@ -2404,6 +2380,7 @@
           <a:p>
             <a:fld id="{C9142EC5-85AF-4745-AACF-2F37CD50FCA3}" type="slidenum">
               <a:rPr/>
+              <a:t>‹#›</a:t>
             </a:fld>
             <a:endParaRPr lang="en-US"/>
           </a:p>
@@ -2457,7 +2434,8 @@
           </a:lstStyle>
           <a:p>
             <a:fld id="{6BDEAFE6-325E-AA48-AC90-E1B1FC9AAA75}" type="datetimeFigureOut">
-              <a:rPr/>
+              <a:rPr lang="en-VN"/>
+              <a:t>22/10/2023</a:t>
             </a:fld>
             <a:endParaRPr lang="en-US"/>
           </a:p>
@@ -2507,6 +2485,7 @@
           <a:p>
             <a:fld id="{C9142EC5-85AF-4745-AACF-2F37CD50FCA3}" type="slidenum">
               <a:rPr/>
+              <a:t>‹#›</a:t>
             </a:fld>
             <a:endParaRPr lang="en-US"/>
           </a:p>
@@ -2568,7 +2547,6 @@
               <a:rPr lang="en-US"/>
               <a:t>Click to edit Master title style</a:t>
             </a:r>
-            <a:endParaRPr lang="en-US"/>
           </a:p>
         </p:txBody>
       </p:sp>
@@ -2625,7 +2603,6 @@
               <a:rPr lang="en-US"/>
               <a:t>Click to edit Master text styles</a:t>
             </a:r>
-            <a:endParaRPr lang="en-US"/>
           </a:p>
           <a:p>
             <a:pPr lvl="1"/>
@@ -2633,7 +2610,6 @@
               <a:rPr lang="en-US"/>
               <a:t>Second level</a:t>
             </a:r>
-            <a:endParaRPr lang="en-US"/>
           </a:p>
           <a:p>
             <a:pPr lvl="2"/>
@@ -2641,7 +2617,6 @@
               <a:rPr lang="en-US"/>
               <a:t>Third level</a:t>
             </a:r>
-            <a:endParaRPr lang="en-US"/>
           </a:p>
           <a:p>
             <a:pPr lvl="3"/>
@@ -2649,7 +2624,6 @@
               <a:rPr lang="en-US"/>
               <a:t>Fourth level</a:t>
             </a:r>
-            <a:endParaRPr lang="en-US"/>
           </a:p>
           <a:p>
             <a:pPr lvl="4"/>
@@ -2657,7 +2631,6 @@
               <a:rPr lang="en-US"/>
               <a:t>Fifth level</a:t>
             </a:r>
-            <a:endParaRPr lang="en-US"/>
           </a:p>
         </p:txBody>
       </p:sp>
@@ -2723,7 +2696,6 @@
               <a:rPr lang="en-US"/>
               <a:t>Click to edit Master text styles</a:t>
             </a:r>
-            <a:endParaRPr lang="en-US"/>
           </a:p>
         </p:txBody>
       </p:sp>
@@ -2747,7 +2719,8 @@
           </a:lstStyle>
           <a:p>
             <a:fld id="{6BDEAFE6-325E-AA48-AC90-E1B1FC9AAA75}" type="datetimeFigureOut">
-              <a:rPr/>
+              <a:rPr lang="en-VN"/>
+              <a:t>22/10/2023</a:t>
             </a:fld>
             <a:endParaRPr lang="en-US"/>
           </a:p>
@@ -2797,6 +2770,7 @@
           <a:p>
             <a:fld id="{C9142EC5-85AF-4745-AACF-2F37CD50FCA3}" type="slidenum">
               <a:rPr/>
+              <a:t>‹#›</a:t>
             </a:fld>
             <a:endParaRPr lang="en-US"/>
           </a:p>
@@ -2858,7 +2832,6 @@
               <a:rPr lang="en-US"/>
               <a:t>Click to edit Master title style</a:t>
             </a:r>
-            <a:endParaRPr lang="en-US"/>
           </a:p>
         </p:txBody>
       </p:sp>
@@ -2924,7 +2897,6 @@
               <a:rPr lang="en-US" noProof="0"/>
               <a:t>Click icon to add picture</a:t>
             </a:r>
-            <a:endParaRPr lang="en-US" noProof="0"/>
           </a:p>
         </p:txBody>
       </p:sp>
@@ -2990,7 +2962,6 @@
               <a:rPr lang="en-US"/>
               <a:t>Click to edit Master text styles</a:t>
             </a:r>
-            <a:endParaRPr lang="en-US"/>
           </a:p>
         </p:txBody>
       </p:sp>
@@ -3014,7 +2985,8 @@
           </a:lstStyle>
           <a:p>
             <a:fld id="{6BDEAFE6-325E-AA48-AC90-E1B1FC9AAA75}" type="datetimeFigureOut">
-              <a:rPr/>
+              <a:rPr lang="en-VN"/>
+              <a:t>22/10/2023</a:t>
             </a:fld>
             <a:endParaRPr lang="en-US"/>
           </a:p>
@@ -3064,6 +3036,7 @@
           <a:p>
             <a:fld id="{C9142EC5-85AF-4745-AACF-2F37CD50FCA3}" type="slidenum">
               <a:rPr/>
+              <a:t>‹#›</a:t>
             </a:fld>
             <a:endParaRPr lang="en-US"/>
           </a:p>
@@ -3122,7 +3095,7 @@
             <a:avLst/>
           </a:prstGeom>
           <a:blipFill dpi="0" rotWithShape="0">
-            <a:blip r:embed="rId13"/>
+            <a:blip r:embed="rId14"/>
             <a:srcRect/>
             <a:tile tx="0" ty="0" sx="100000" sy="100000" flip="none" algn="tl"/>
           </a:blipFill>
@@ -3580,7 +3553,6 @@
               <a:rPr lang="en-US" altLang="en-US"/>
               <a:t>Click to edit Master text styles</a:t>
             </a:r>
-            <a:endParaRPr lang="en-US" altLang="en-US"/>
           </a:p>
           <a:p>
             <a:pPr lvl="1"/>
@@ -3588,7 +3560,6 @@
               <a:rPr lang="en-US" altLang="en-US"/>
               <a:t>Second level</a:t>
             </a:r>
-            <a:endParaRPr lang="en-US" altLang="en-US"/>
           </a:p>
           <a:p>
             <a:pPr lvl="2"/>
@@ -3596,7 +3567,6 @@
               <a:rPr lang="en-US" altLang="en-US"/>
               <a:t>Third level</a:t>
             </a:r>
-            <a:endParaRPr lang="en-US" altLang="en-US"/>
           </a:p>
           <a:p>
             <a:pPr lvl="3"/>
@@ -3604,7 +3574,6 @@
               <a:rPr lang="en-US" altLang="en-US"/>
               <a:t>Fourth level</a:t>
             </a:r>
-            <a:endParaRPr lang="en-US" altLang="en-US"/>
           </a:p>
           <a:p>
             <a:pPr lvl="4"/>
@@ -3612,7 +3581,6 @@
               <a:rPr lang="en-US" altLang="en-US"/>
               <a:t>Fifth level</a:t>
             </a:r>
-            <a:endParaRPr lang="en-US" altLang="en-US"/>
           </a:p>
         </p:txBody>
       </p:sp>
@@ -3652,7 +3620,8 @@
           </a:lstStyle>
           <a:p>
             <a:fld id="{6BDEAFE6-325E-AA48-AC90-E1B1FC9AAA75}" type="datetimeFigureOut">
-              <a:rPr/>
+              <a:rPr lang="en-VN"/>
+              <a:t>22/10/2023</a:t>
             </a:fld>
             <a:endParaRPr lang="en-US"/>
           </a:p>
@@ -3732,6 +3701,7 @@
           <a:p>
             <a:fld id="{C9142EC5-85AF-4745-AACF-2F37CD50FCA3}" type="slidenum">
               <a:rPr/>
+              <a:t>‹#›</a:t>
             </a:fld>
             <a:endParaRPr lang="en-US"/>
           </a:p>
@@ -3788,7 +3758,6 @@
               <a:rPr lang="en-US" altLang="en-US"/>
               <a:t>Click to edit Master title style</a:t>
             </a:r>
-            <a:endParaRPr lang="en-US" altLang="en-US"/>
           </a:p>
         </p:txBody>
       </p:sp>
@@ -3926,6 +3895,7 @@
                   <a:schemeClr val="bg1"/>
                 </a:solidFill>
               </a:rPr>
+              <a:t>‹#›</a:t>
             </a:fld>
             <a:endParaRPr lang="en-US" altLang="en-US" sz="1200">
               <a:solidFill>
@@ -4080,6 +4050,7 @@
                   <a:srgbClr val="C00000"/>
                 </a:solidFill>
               </a:rPr>
+              <a:t>‹#›</a:t>
             </a:fld>
             <a:endParaRPr lang="en-US" altLang="en-US" sz="1350" b="1">
               <a:solidFill>
@@ -4561,7 +4532,7 @@
           <p:nvPr/>
         </p:nvPicPr>
         <p:blipFill>
-          <a:blip r:embed="rId1"/>
+          <a:blip r:embed="rId2"/>
           <a:stretch>
             <a:fillRect/>
           </a:stretch>
@@ -4718,11 +4689,11 @@
           <p:nvPr/>
         </p:nvPicPr>
         <p:blipFill>
-          <a:blip r:embed="rId2">
+          <a:blip r:embed="rId3">
             <a:extLst>
               <a:ext uri="{BEBA8EAE-BF5A-486C-A8C5-ECC9F3942E4B}">
                 <a14:imgProps xmlns:a14="http://schemas.microsoft.com/office/drawing/2010/main">
-                  <a14:imgLayer r:embed="rId3">
+                  <a14:imgLayer r:embed="rId4">
                     <a14:imgEffect>
                       <a14:artisticBlur/>
                     </a14:imgEffect>
@@ -4830,16 +4801,6 @@
               </a:rPr>
               <a:t>HỆ THỐNG NHẬN DIỆN KHUÔN MẶT</a:t>
             </a:r>
-            <a:endParaRPr lang="en-US" sz="5400">
-              <a:ln w="0"/>
-              <a:effectLst>
-                <a:outerShdw blurRad="38100" dist="19050" dir="2700000" algn="tl" rotWithShape="0">
-                  <a:schemeClr val="dk1">
-                    <a:alpha val="40000"/>
-                  </a:schemeClr>
-                </a:outerShdw>
-              </a:effectLst>
-            </a:endParaRPr>
           </a:p>
         </p:txBody>
       </p:sp>
@@ -4850,7 +4811,7 @@
           <p:nvPr/>
         </p:nvPicPr>
         <p:blipFill>
-          <a:blip r:embed="rId1"/>
+          <a:blip r:embed="rId2"/>
           <a:stretch>
             <a:fillRect/>
           </a:stretch>
@@ -4943,11 +4904,6 @@
               </a:rPr>
               <a:t>NHÓM 7</a:t>
             </a:r>
-            <a:endParaRPr lang="en-US" sz="3200">
-              <a:solidFill>
-                <a:srgbClr val="FF0000"/>
-              </a:solidFill>
-            </a:endParaRPr>
           </a:p>
         </p:txBody>
       </p:sp>
@@ -5003,11 +4959,6 @@
               </a:rPr>
               <a:t>1</a:t>
             </a:r>
-            <a:endParaRPr lang="en-US">
-              <a:solidFill>
-                <a:srgbClr val="FF0000"/>
-              </a:solidFill>
-            </a:endParaRPr>
           </a:p>
         </p:txBody>
       </p:sp>
@@ -5073,20 +5024,11 @@
                 <a:solidFill>
                   <a:srgbClr val="FF0000"/>
                 </a:solidFill>
-                <a:latin typeface="SF Pro Semibold" pitchFamily="2" charset="0"/>
-                <a:ea typeface="SF Pro Semibold" pitchFamily="2" charset="0"/>
-                <a:cs typeface="SF Pro Semibold" pitchFamily="2" charset="0"/>
+                <a:ea typeface="SF Pro Semibold" pitchFamily="2" charset="0"/>
+                <a:cs typeface="Arial" panose="020B0604020202020204" pitchFamily="34" charset="0"/>
               </a:rPr>
               <a:t>3.3.Điểm tin cậy trong nhận dạng khuôn mặt?:  </a:t>
             </a:r>
-            <a:endParaRPr lang="en-US" sz="2800" dirty="0">
-              <a:solidFill>
-                <a:srgbClr val="FF0000"/>
-              </a:solidFill>
-              <a:latin typeface="SF Pro Semibold" pitchFamily="2" charset="0"/>
-              <a:ea typeface="SF Pro Semibold" pitchFamily="2" charset="0"/>
-              <a:cs typeface="SF Pro Semibold" pitchFamily="2" charset="0"/>
-            </a:endParaRPr>
           </a:p>
         </p:txBody>
       </p:sp>
@@ -5167,12 +5109,6 @@
               </a:rPr>
               <a:t>3.ĐỘ TIN CẬY VÀ CHÍNH XÁC. </a:t>
             </a:r>
-            <a:endParaRPr lang="en-US" sz="3200" b="1">
-              <a:solidFill>
-                <a:schemeClr val="bg1"/>
-              </a:solidFill>
-              <a:latin typeface="+mj-lt"/>
-            </a:endParaRPr>
           </a:p>
         </p:txBody>
       </p:sp>
@@ -5209,7 +5145,7 @@
           <p:nvPr/>
         </p:nvPicPr>
         <p:blipFill>
-          <a:blip r:embed="rId1"/>
+          <a:blip r:embed="rId2"/>
           <a:stretch>
             <a:fillRect/>
           </a:stretch>
@@ -5276,11 +5212,6 @@
               </a:rPr>
               <a:t>4</a:t>
             </a:r>
-            <a:endParaRPr lang="en-US">
-              <a:solidFill>
-                <a:srgbClr val="FF0000"/>
-              </a:solidFill>
-            </a:endParaRPr>
           </a:p>
         </p:txBody>
       </p:sp>
@@ -5293,7 +5224,7 @@
           <p:nvPr/>
         </p:nvPicPr>
         <p:blipFill>
-          <a:blip r:embed="rId2"/>
+          <a:blip r:embed="rId3"/>
           <a:stretch>
             <a:fillRect/>
           </a:stretch>
@@ -5341,7 +5272,7 @@
       <p:sp>
         <p:nvSpPr>
           <p:cNvPr id="10" name="TextBox 9">
-            <a:hlinkClick r:id="rId1"/>
+            <a:hlinkClick r:id="rId2"/>
           </p:cNvPr>
           <p:cNvSpPr txBox="1"/>
           <p:nvPr/>
@@ -5376,10 +5307,6 @@
               </a:rPr>
               <a:t>https://en.wikipedia.org/wiki/Facial_recognition_system</a:t>
             </a:r>
-            <a:endParaRPr lang="en-US" sz="2400" dirty="0">
-              <a:ea typeface="SF Pro Semibold" pitchFamily="2" charset="0"/>
-              <a:cs typeface="Arial" panose="020B0604020202020204" pitchFamily="34" charset="0"/>
-            </a:endParaRPr>
           </a:p>
         </p:txBody>
       </p:sp>
@@ -5460,12 +5387,6 @@
               </a:rPr>
               <a:t>CÁC TRANG TÀI LIỆU THAM KHẢO. </a:t>
             </a:r>
-            <a:endParaRPr lang="en-US" sz="3200" b="1">
-              <a:solidFill>
-                <a:schemeClr val="bg1"/>
-              </a:solidFill>
-              <a:latin typeface="+mj-lt"/>
-            </a:endParaRPr>
           </a:p>
         </p:txBody>
       </p:sp>
@@ -5502,7 +5423,7 @@
           <p:nvPr/>
         </p:nvPicPr>
         <p:blipFill>
-          <a:blip r:embed="rId2"/>
+          <a:blip r:embed="rId3"/>
           <a:stretch>
             <a:fillRect/>
           </a:stretch>
@@ -5569,18 +5490,13 @@
               </a:rPr>
               <a:t>4</a:t>
             </a:r>
-            <a:endParaRPr lang="en-US">
-              <a:solidFill>
-                <a:srgbClr val="FF0000"/>
-              </a:solidFill>
-            </a:endParaRPr>
           </a:p>
         </p:txBody>
       </p:sp>
       <p:sp>
         <p:nvSpPr>
           <p:cNvPr id="17" name="TextBox 16">
-            <a:hlinkClick r:id="rId3"/>
+            <a:hlinkClick r:id="rId4"/>
           </p:cNvPr>
           <p:cNvSpPr txBox="1"/>
           <p:nvPr/>
@@ -5615,17 +5531,13 @@
               </a:rPr>
               <a:t>https://this.deakin.edu.au/innovation/facial-recognition-id-how-safe-is-your-face#:~:text=It's%20not%20relatively%20more%20secure,your%20phone%20using%20Face%20ID.</a:t>
             </a:r>
-            <a:endParaRPr lang="en-US" sz="2400" dirty="0">
-              <a:ea typeface="SF Pro Semibold" pitchFamily="2" charset="0"/>
-              <a:cs typeface="Arial" panose="020B0604020202020204" pitchFamily="34" charset="0"/>
-            </a:endParaRPr>
           </a:p>
         </p:txBody>
       </p:sp>
       <p:sp>
         <p:nvSpPr>
           <p:cNvPr id="18" name="TextBox 17">
-            <a:hlinkClick r:id="rId4"/>
+            <a:hlinkClick r:id="rId5"/>
           </p:cNvPr>
           <p:cNvSpPr txBox="1"/>
           <p:nvPr/>
@@ -5660,10 +5572,6 @@
               </a:rPr>
               <a:t>https://senstar.com/senstarpedia/pros-and-cons-of-facial-recognition/</a:t>
             </a:r>
-            <a:endParaRPr lang="en-US" sz="2400" dirty="0">
-              <a:ea typeface="SF Pro Semibold" pitchFamily="2" charset="0"/>
-              <a:cs typeface="Arial" panose="020B0604020202020204" pitchFamily="34" charset="0"/>
-            </a:endParaRPr>
           </a:p>
         </p:txBody>
       </p:sp>
@@ -5772,12 +5680,6 @@
               </a:rPr>
               <a:t>KẾT THÚC. </a:t>
             </a:r>
-            <a:endParaRPr lang="en-US" sz="3200" b="1">
-              <a:solidFill>
-                <a:schemeClr val="bg1"/>
-              </a:solidFill>
-              <a:latin typeface="+mj-lt"/>
-            </a:endParaRPr>
           </a:p>
         </p:txBody>
       </p:sp>
@@ -5814,7 +5716,7 @@
           <p:nvPr/>
         </p:nvPicPr>
         <p:blipFill>
-          <a:blip r:embed="rId1"/>
+          <a:blip r:embed="rId2"/>
           <a:stretch>
             <a:fillRect/>
           </a:stretch>
@@ -5881,11 +5783,6 @@
               </a:rPr>
               <a:t>4</a:t>
             </a:r>
-            <a:endParaRPr lang="en-US">
-              <a:solidFill>
-                <a:srgbClr val="FF0000"/>
-              </a:solidFill>
-            </a:endParaRPr>
           </a:p>
         </p:txBody>
       </p:sp>
@@ -5898,7 +5795,7 @@
           <p:nvPr/>
         </p:nvPicPr>
         <p:blipFill>
-          <a:blip r:embed="rId2"/>
+          <a:blip r:embed="rId3"/>
           <a:stretch>
             <a:fillRect/>
           </a:stretch>
@@ -6018,12 +5915,6 @@
               </a:rPr>
               <a:t>MỤC LỤC</a:t>
             </a:r>
-            <a:endParaRPr lang="en-US" sz="3200" b="1">
-              <a:solidFill>
-                <a:schemeClr val="bg1"/>
-              </a:solidFill>
-              <a:latin typeface="+mj-lt"/>
-            </a:endParaRPr>
           </a:p>
         </p:txBody>
       </p:sp>
@@ -6060,7 +5951,7 @@
           <p:nvPr/>
         </p:nvPicPr>
         <p:blipFill>
-          <a:blip r:embed="rId1"/>
+          <a:blip r:embed="rId2"/>
           <a:stretch>
             <a:fillRect/>
           </a:stretch>
@@ -6127,11 +6018,6 @@
               </a:rPr>
               <a:t>2</a:t>
             </a:r>
-            <a:endParaRPr lang="en-US">
-              <a:solidFill>
-                <a:srgbClr val="FF0000"/>
-              </a:solidFill>
-            </a:endParaRPr>
           </a:p>
         </p:txBody>
       </p:sp>
@@ -6353,6 +6239,89 @@
               </a:rPr>
               <a:t>.</a:t>
             </a:r>
+          </a:p>
+          <a:p>
+            <a:r>
+              <a:rPr lang="en-US" sz="2400" dirty="0">
+                <a:solidFill>
+                  <a:srgbClr val="FF0000"/>
+                </a:solidFill>
+                <a:ea typeface="SF Pro Semibold" pitchFamily="2" charset="0"/>
+                <a:cs typeface="Arial" panose="020B0604020202020204" pitchFamily="34" charset="0"/>
+              </a:rPr>
+              <a:t>1.1.Khái </a:t>
+            </a:r>
+            <a:r>
+              <a:rPr lang="en-US" sz="2400" dirty="0" err="1">
+                <a:solidFill>
+                  <a:srgbClr val="FF0000"/>
+                </a:solidFill>
+                <a:ea typeface="SF Pro Semibold" pitchFamily="2" charset="0"/>
+                <a:cs typeface="Arial" panose="020B0604020202020204" pitchFamily="34" charset="0"/>
+              </a:rPr>
+              <a:t>niệm.</a:t>
+            </a:r>
+            <a:r>
+              <a:rPr lang="en-US" sz="2400" dirty="0">
+                <a:solidFill>
+                  <a:srgbClr val="FF0000"/>
+                </a:solidFill>
+                <a:ea typeface="SF Pro Semibold" pitchFamily="2" charset="0"/>
+                <a:cs typeface="Arial" panose="020B0604020202020204" pitchFamily="34" charset="0"/>
+              </a:rPr>
+              <a:t>	</a:t>
+            </a:r>
+          </a:p>
+          <a:p>
+            <a:r>
+              <a:rPr lang="en-US" sz="2400" dirty="0">
+                <a:solidFill>
+                  <a:srgbClr val="FF0000"/>
+                </a:solidFill>
+                <a:ea typeface="SF Pro Semibold" pitchFamily="2" charset="0"/>
+                <a:cs typeface="Arial" panose="020B0604020202020204" pitchFamily="34" charset="0"/>
+              </a:rPr>
+              <a:t>1.2.Cấu </a:t>
+            </a:r>
+            <a:r>
+              <a:rPr lang="en-US" sz="2400" dirty="0" err="1">
+                <a:solidFill>
+                  <a:srgbClr val="FF0000"/>
+                </a:solidFill>
+                <a:ea typeface="SF Pro Semibold" pitchFamily="2" charset="0"/>
+                <a:cs typeface="Arial" panose="020B0604020202020204" pitchFamily="34" charset="0"/>
+              </a:rPr>
+              <a:t>tạo</a:t>
+            </a:r>
+            <a:r>
+              <a:rPr lang="en-US" sz="2400" dirty="0">
+                <a:solidFill>
+                  <a:srgbClr val="FF0000"/>
+                </a:solidFill>
+                <a:ea typeface="SF Pro Semibold" pitchFamily="2" charset="0"/>
+                <a:cs typeface="Arial" panose="020B0604020202020204" pitchFamily="34" charset="0"/>
+              </a:rPr>
+              <a:t> Face ID.</a:t>
+            </a:r>
+            <a:endParaRPr lang="vi-VN" sz="2400" dirty="0">
+              <a:solidFill>
+                <a:srgbClr val="FF0000"/>
+              </a:solidFill>
+              <a:ea typeface="SF Pro Semibold" pitchFamily="2" charset="0"/>
+              <a:cs typeface="Arial" panose="020B0604020202020204" pitchFamily="34" charset="0"/>
+            </a:endParaRPr>
+          </a:p>
+          <a:p>
+            <a:r>
+              <a:rPr lang="vi-VN" sz="2400" dirty="0">
+                <a:solidFill>
+                  <a:srgbClr val="FF0000"/>
+                </a:solidFill>
+                <a:ea typeface="SF Pro Semibold" pitchFamily="2" charset="0"/>
+                <a:cs typeface="Arial" panose="020B0604020202020204" pitchFamily="34" charset="0"/>
+              </a:rPr>
+              <a:t>2. Nguyên lý hoạt động.</a:t>
+            </a:r>
             <a:endParaRPr lang="en-US" sz="2400" dirty="0">
               <a:solidFill>
                 <a:srgbClr val="FF0000"/>
@@ -6370,7 +6339,7 @@
                 <a:ea typeface="SF Pro Semibold" pitchFamily="2" charset="0"/>
                 <a:cs typeface="Arial" panose="020B0604020202020204" pitchFamily="34" charset="0"/>
               </a:rPr>
-              <a:t>1.1.Khái </a:t>
+              <a:t>2.1.Cơ </a:t>
             </a:r>
             <a:r>
               <a:rPr lang="en-US" sz="2400" dirty="0" err="1">
@@ -6380,17 +6349,7 @@
                 <a:ea typeface="SF Pro Semibold" pitchFamily="2" charset="0"/>
                 <a:cs typeface="Arial" panose="020B0604020202020204" pitchFamily="34" charset="0"/>
               </a:rPr>
-              <a:t>niệm.</a:t>
-            </a:r>
-            <a:r>
-              <a:rPr lang="en-US" sz="2400" dirty="0">
-                <a:solidFill>
-                  <a:srgbClr val="FF0000"/>
-                </a:solidFill>
-                <a:ea typeface="SF Pro Semibold" pitchFamily="2" charset="0"/>
-                <a:cs typeface="Arial" panose="020B0604020202020204" pitchFamily="34" charset="0"/>
-              </a:rPr>
-              <a:t>	</a:t>
+              <a:t>bản.</a:t>
             </a:r>
             <a:endParaRPr lang="en-US" sz="2400" dirty="0">
               <a:solidFill>
@@ -6409,7 +6368,7 @@
                 <a:ea typeface="SF Pro Semibold" pitchFamily="2" charset="0"/>
                 <a:cs typeface="Arial" panose="020B0604020202020204" pitchFamily="34" charset="0"/>
               </a:rPr>
-              <a:t>1.2.Cấu </a:t>
+              <a:t>2.2.Nhận </a:t>
             </a:r>
             <a:r>
               <a:rPr lang="en-US" sz="2400" dirty="0" err="1">
@@ -6419,7 +6378,7 @@
                 <a:ea typeface="SF Pro Semibold" pitchFamily="2" charset="0"/>
                 <a:cs typeface="Arial" panose="020B0604020202020204" pitchFamily="34" charset="0"/>
               </a:rPr>
-              <a:t>tạo</a:t>
+              <a:t>dạng</a:t>
             </a:r>
             <a:r>
               <a:rPr lang="en-US" sz="2400" dirty="0">
@@ -6429,26 +6388,17 @@
                 <a:ea typeface="SF Pro Semibold" pitchFamily="2" charset="0"/>
                 <a:cs typeface="Arial" panose="020B0604020202020204" pitchFamily="34" charset="0"/>
               </a:rPr>
-              <a:t> Face ID.</a:t>
-            </a:r>
-            <a:endParaRPr lang="vi-VN" sz="2400" dirty="0">
-              <a:solidFill>
-                <a:srgbClr val="FF0000"/>
-              </a:solidFill>
-              <a:ea typeface="SF Pro Semibold" pitchFamily="2" charset="0"/>
-              <a:cs typeface="Arial" panose="020B0604020202020204" pitchFamily="34" charset="0"/>
-            </a:endParaRPr>
-          </a:p>
-          <a:p>
-            <a:r>
-              <a:rPr lang="vi-VN" sz="2400" dirty="0">
-                <a:solidFill>
-                  <a:srgbClr val="FF0000"/>
-                </a:solidFill>
-                <a:ea typeface="SF Pro Semibold" pitchFamily="2" charset="0"/>
-                <a:cs typeface="Arial" panose="020B0604020202020204" pitchFamily="34" charset="0"/>
-              </a:rPr>
-              <a:t>2. Nguyên lý hoạt động.</a:t>
+              <a:t> 3 </a:t>
+            </a:r>
+            <a:r>
+              <a:rPr lang="en-US" sz="2400" dirty="0" err="1">
+                <a:solidFill>
+                  <a:srgbClr val="FF0000"/>
+                </a:solidFill>
+                <a:ea typeface="SF Pro Semibold" pitchFamily="2" charset="0"/>
+                <a:cs typeface="Arial" panose="020B0604020202020204" pitchFamily="34" charset="0"/>
+              </a:rPr>
+              <a:t>chiều.</a:t>
             </a:r>
             <a:endParaRPr lang="en-US" sz="2400" dirty="0">
               <a:solidFill>
@@ -6467,7 +6417,7 @@
                 <a:ea typeface="SF Pro Semibold" pitchFamily="2" charset="0"/>
                 <a:cs typeface="Arial" panose="020B0604020202020204" pitchFamily="34" charset="0"/>
               </a:rPr>
-              <a:t>2.1.Cơ </a:t>
+              <a:t>2.3.Phân </a:t>
             </a:r>
             <a:r>
               <a:rPr lang="en-US" sz="2400" dirty="0" err="1">
@@ -6477,7 +6427,69 @@
                 <a:ea typeface="SF Pro Semibold" pitchFamily="2" charset="0"/>
                 <a:cs typeface="Arial" panose="020B0604020202020204" pitchFamily="34" charset="0"/>
               </a:rPr>
-              <a:t>bản.</a:t>
+              <a:t>tích</a:t>
+            </a:r>
+            <a:r>
+              <a:rPr lang="en-US" sz="2400" dirty="0">
+                <a:solidFill>
+                  <a:srgbClr val="FF0000"/>
+                </a:solidFill>
+                <a:ea typeface="SF Pro Semibold" pitchFamily="2" charset="0"/>
+                <a:cs typeface="Arial" panose="020B0604020202020204" pitchFamily="34" charset="0"/>
+              </a:rPr>
+              <a:t> </a:t>
+            </a:r>
+            <a:r>
+              <a:rPr lang="en-US" sz="2400" dirty="0" err="1">
+                <a:solidFill>
+                  <a:srgbClr val="FF0000"/>
+                </a:solidFill>
+                <a:ea typeface="SF Pro Semibold" pitchFamily="2" charset="0"/>
+                <a:cs typeface="Arial" panose="020B0604020202020204" pitchFamily="34" charset="0"/>
+              </a:rPr>
+              <a:t>kết</a:t>
+            </a:r>
+            <a:r>
+              <a:rPr lang="en-US" sz="2400" dirty="0">
+                <a:solidFill>
+                  <a:srgbClr val="FF0000"/>
+                </a:solidFill>
+                <a:ea typeface="SF Pro Semibold" pitchFamily="2" charset="0"/>
+                <a:cs typeface="Arial" panose="020B0604020202020204" pitchFamily="34" charset="0"/>
+              </a:rPr>
+              <a:t> </a:t>
+            </a:r>
+            <a:r>
+              <a:rPr lang="en-US" sz="2400" dirty="0" err="1">
+                <a:solidFill>
+                  <a:srgbClr val="FF0000"/>
+                </a:solidFill>
+                <a:ea typeface="SF Pro Semibold" pitchFamily="2" charset="0"/>
+                <a:cs typeface="Arial" panose="020B0604020202020204" pitchFamily="34" charset="0"/>
+              </a:rPr>
+              <a:t>cấu</a:t>
+            </a:r>
+            <a:r>
+              <a:rPr lang="en-US" sz="2400" dirty="0">
+                <a:solidFill>
+                  <a:srgbClr val="FF0000"/>
+                </a:solidFill>
+                <a:ea typeface="SF Pro Semibold" pitchFamily="2" charset="0"/>
+                <a:cs typeface="Arial" panose="020B0604020202020204" pitchFamily="34" charset="0"/>
+              </a:rPr>
+              <a:t> da.</a:t>
+            </a:r>
+          </a:p>
+          <a:p>
+            <a:r>
+              <a:rPr lang="vi-VN" sz="2400" dirty="0">
+                <a:solidFill>
+                  <a:srgbClr val="FF0000"/>
+                </a:solidFill>
+                <a:ea typeface="SF Pro Semibold" pitchFamily="2" charset="0"/>
+                <a:cs typeface="Arial" panose="020B0604020202020204" pitchFamily="34" charset="0"/>
+              </a:rPr>
+              <a:t>3. Độ tin cậy và chính xác.</a:t>
             </a:r>
             <a:endParaRPr lang="en-US" sz="2400" dirty="0">
               <a:solidFill>
@@ -6496,7 +6508,7 @@
                 <a:ea typeface="SF Pro Semibold" pitchFamily="2" charset="0"/>
                 <a:cs typeface="Arial" panose="020B0604020202020204" pitchFamily="34" charset="0"/>
               </a:rPr>
-              <a:t>2.2.Nhận </a:t>
+              <a:t>3.1.Nhận </a:t>
             </a:r>
             <a:r>
               <a:rPr lang="en-US" sz="2400" dirty="0" err="1">
@@ -6506,7 +6518,7 @@
                 <a:ea typeface="SF Pro Semibold" pitchFamily="2" charset="0"/>
                 <a:cs typeface="Arial" panose="020B0604020202020204" pitchFamily="34" charset="0"/>
               </a:rPr>
-              <a:t>dạng</a:t>
+              <a:t>dạng</a:t>
             </a:r>
             <a:r>
               <a:rPr lang="en-US" sz="2400" dirty="0">
@@ -6516,7 +6528,7 @@
                 <a:ea typeface="SF Pro Semibold" pitchFamily="2" charset="0"/>
                 <a:cs typeface="Arial" panose="020B0604020202020204" pitchFamily="34" charset="0"/>
               </a:rPr>
-              <a:t> 3 </a:t>
+              <a:t> </a:t>
             </a:r>
             <a:r>
               <a:rPr lang="en-US" sz="2400" dirty="0" err="1">
@@ -6526,17 +6538,8 @@
                 <a:ea typeface="SF Pro Semibold" pitchFamily="2" charset="0"/>
                 <a:cs typeface="Arial" panose="020B0604020202020204" pitchFamily="34" charset="0"/>
               </a:rPr>
-              <a:t>chiều.</a:t>
-            </a:r>
-            <a:endParaRPr lang="en-US" sz="2400" dirty="0">
-              <a:solidFill>
-                <a:srgbClr val="FF0000"/>
-              </a:solidFill>
-              <a:ea typeface="SF Pro Semibold" pitchFamily="2" charset="0"/>
-              <a:cs typeface="Arial" panose="020B0604020202020204" pitchFamily="34" charset="0"/>
-            </a:endParaRPr>
-          </a:p>
-          <a:p>
+              <a:t>khuôn</a:t>
+            </a:r>
             <a:r>
               <a:rPr lang="en-US" sz="2400" dirty="0">
                 <a:solidFill>
@@ -6545,7 +6548,7 @@
                 <a:ea typeface="SF Pro Semibold" pitchFamily="2" charset="0"/>
                 <a:cs typeface="Arial" panose="020B0604020202020204" pitchFamily="34" charset="0"/>
               </a:rPr>
-              <a:t>2.3.Phân </a:t>
+              <a:t> </a:t>
             </a:r>
             <a:r>
               <a:rPr lang="en-US" sz="2400" dirty="0" err="1">
@@ -6555,7 +6558,7 @@
                 <a:ea typeface="SF Pro Semibold" pitchFamily="2" charset="0"/>
                 <a:cs typeface="Arial" panose="020B0604020202020204" pitchFamily="34" charset="0"/>
               </a:rPr>
-              <a:t>tích</a:t>
+              <a:t>mặt</a:t>
             </a:r>
             <a:r>
               <a:rPr lang="en-US" sz="2400" dirty="0">
@@ -6575,7 +6578,7 @@
                 <a:ea typeface="SF Pro Semibold" pitchFamily="2" charset="0"/>
                 <a:cs typeface="Arial" panose="020B0604020202020204" pitchFamily="34" charset="0"/>
               </a:rPr>
-              <a:t>kết</a:t>
+              <a:t>có</a:t>
             </a:r>
             <a:r>
               <a:rPr lang="en-US" sz="2400" dirty="0">
@@ -6595,7 +6598,7 @@
                 <a:ea typeface="SF Pro Semibold" pitchFamily="2" charset="0"/>
                 <a:cs typeface="Arial" panose="020B0604020202020204" pitchFamily="34" charset="0"/>
               </a:rPr>
-              <a:t>cấu</a:t>
+              <a:t>chính</a:t>
             </a:r>
             <a:r>
               <a:rPr lang="en-US" sz="2400" dirty="0">
@@ -6605,36 +6608,18 @@
                 <a:ea typeface="SF Pro Semibold" pitchFamily="2" charset="0"/>
                 <a:cs typeface="Arial" panose="020B0604020202020204" pitchFamily="34" charset="0"/>
               </a:rPr>
-              <a:t> da.</a:t>
-            </a:r>
-            <a:endParaRPr lang="en-US" sz="2400" dirty="0">
-              <a:solidFill>
-                <a:srgbClr val="FF0000"/>
-              </a:solidFill>
-              <a:ea typeface="SF Pro Semibold" pitchFamily="2" charset="0"/>
-              <a:cs typeface="Arial" panose="020B0604020202020204" pitchFamily="34" charset="0"/>
-            </a:endParaRPr>
-          </a:p>
-          <a:p>
-            <a:r>
-              <a:rPr lang="vi-VN" sz="2400" dirty="0">
-                <a:solidFill>
-                  <a:srgbClr val="FF0000"/>
-                </a:solidFill>
-                <a:ea typeface="SF Pro Semibold" pitchFamily="2" charset="0"/>
-                <a:cs typeface="Arial" panose="020B0604020202020204" pitchFamily="34" charset="0"/>
-              </a:rPr>
-              <a:t>3. Độ tin cậy và chính xác.</a:t>
-            </a:r>
-            <a:endParaRPr lang="en-US" sz="2400" dirty="0">
-              <a:solidFill>
-                <a:srgbClr val="FF0000"/>
-              </a:solidFill>
-              <a:ea typeface="SF Pro Semibold" pitchFamily="2" charset="0"/>
-              <a:cs typeface="Arial" panose="020B0604020202020204" pitchFamily="34" charset="0"/>
-            </a:endParaRPr>
-          </a:p>
-          <a:p>
+              <a:t> </a:t>
+            </a:r>
+            <a:r>
+              <a:rPr lang="en-US" sz="2400" dirty="0" err="1">
+                <a:solidFill>
+                  <a:srgbClr val="FF0000"/>
+                </a:solidFill>
+                <a:ea typeface="SF Pro Semibold" pitchFamily="2" charset="0"/>
+                <a:cs typeface="Arial" panose="020B0604020202020204" pitchFamily="34" charset="0"/>
+              </a:rPr>
+              <a:t>xác</a:t>
+            </a:r>
             <a:r>
               <a:rPr lang="en-US" sz="2400" dirty="0">
                 <a:solidFill>
@@ -6643,7 +6628,7 @@
                 <a:ea typeface="SF Pro Semibold" pitchFamily="2" charset="0"/>
                 <a:cs typeface="Arial" panose="020B0604020202020204" pitchFamily="34" charset="0"/>
               </a:rPr>
-              <a:t>3.1.Nhận </a:t>
+              <a:t> </a:t>
             </a:r>
             <a:r>
               <a:rPr lang="en-US" sz="2400" dirty="0" err="1">
@@ -6653,7 +6638,7 @@
                 <a:ea typeface="SF Pro Semibold" pitchFamily="2" charset="0"/>
                 <a:cs typeface="Arial" panose="020B0604020202020204" pitchFamily="34" charset="0"/>
               </a:rPr>
-              <a:t>dạng</a:t>
+              <a:t>không</a:t>
             </a:r>
             <a:r>
               <a:rPr lang="en-US" sz="2400" dirty="0">
@@ -6663,6 +6648,38 @@
                 <a:ea typeface="SF Pro Semibold" pitchFamily="2" charset="0"/>
                 <a:cs typeface="Arial" panose="020B0604020202020204" pitchFamily="34" charset="0"/>
               </a:rPr>
+              <a:t>?</a:t>
+            </a:r>
+          </a:p>
+          <a:p>
+            <a:r>
+              <a:rPr lang="en-US" sz="2400" dirty="0">
+                <a:solidFill>
+                  <a:srgbClr val="FF0000"/>
+                </a:solidFill>
+                <a:ea typeface="SF Pro Semibold" pitchFamily="2" charset="0"/>
+                <a:cs typeface="Arial" panose="020B0604020202020204" pitchFamily="34" charset="0"/>
+              </a:rPr>
+              <a:t>3.2.Nhận </a:t>
+            </a:r>
+            <a:r>
+              <a:rPr lang="en-US" sz="2400" dirty="0" err="1">
+                <a:solidFill>
+                  <a:srgbClr val="FF0000"/>
+                </a:solidFill>
+                <a:ea typeface="SF Pro Semibold" pitchFamily="2" charset="0"/>
+                <a:cs typeface="Arial" panose="020B0604020202020204" pitchFamily="34" charset="0"/>
+              </a:rPr>
+              <a:t>diện</a:t>
+            </a:r>
+            <a:r>
+              <a:rPr lang="en-US" sz="2400" dirty="0">
+                <a:solidFill>
+                  <a:srgbClr val="FF0000"/>
+                </a:solidFill>
+                <a:ea typeface="SF Pro Semibold" pitchFamily="2" charset="0"/>
+                <a:cs typeface="Arial" panose="020B0604020202020204" pitchFamily="34" charset="0"/>
+              </a:rPr>
               <a:t> </a:t>
             </a:r>
             <a:r>
@@ -6723,6 +6740,26 @@
                 <a:ea typeface="SF Pro Semibold" pitchFamily="2" charset="0"/>
                 <a:cs typeface="Arial" panose="020B0604020202020204" pitchFamily="34" charset="0"/>
               </a:rPr>
+              <a:t> an </a:t>
+            </a:r>
+            <a:r>
+              <a:rPr lang="en-US" sz="2400" dirty="0" err="1">
+                <a:solidFill>
+                  <a:srgbClr val="FF0000"/>
+                </a:solidFill>
+                <a:ea typeface="SF Pro Semibold" pitchFamily="2" charset="0"/>
+                <a:cs typeface="Arial" panose="020B0604020202020204" pitchFamily="34" charset="0"/>
+              </a:rPr>
+              <a:t>toàn</a:t>
+            </a:r>
+            <a:r>
+              <a:rPr lang="en-US" sz="2400" dirty="0">
+                <a:solidFill>
+                  <a:srgbClr val="FF0000"/>
+                </a:solidFill>
+                <a:ea typeface="SF Pro Semibold" pitchFamily="2" charset="0"/>
+                <a:cs typeface="Arial" panose="020B0604020202020204" pitchFamily="34" charset="0"/>
+              </a:rPr>
               <a:t> </a:t>
             </a:r>
             <a:r>
@@ -6733,7 +6770,7 @@
                 <a:ea typeface="SF Pro Semibold" pitchFamily="2" charset="0"/>
                 <a:cs typeface="Arial" panose="020B0604020202020204" pitchFamily="34" charset="0"/>
               </a:rPr>
-              <a:t>chính</a:t>
+              <a:t>không</a:t>
             </a:r>
             <a:r>
               <a:rPr lang="en-US" sz="2400" dirty="0">
@@ -6743,194 +6780,8 @@
                 <a:ea typeface="SF Pro Semibold" pitchFamily="2" charset="0"/>
                 <a:cs typeface="Arial" panose="020B0604020202020204" pitchFamily="34" charset="0"/>
               </a:rPr>
-              <a:t> </a:t>
-            </a:r>
-            <a:r>
-              <a:rPr lang="en-US" sz="2400" dirty="0" err="1">
-                <a:solidFill>
-                  <a:srgbClr val="FF0000"/>
-                </a:solidFill>
-                <a:ea typeface="SF Pro Semibold" pitchFamily="2" charset="0"/>
-                <a:cs typeface="Arial" panose="020B0604020202020204" pitchFamily="34" charset="0"/>
-              </a:rPr>
-              <a:t>xác</a:t>
-            </a:r>
-            <a:r>
-              <a:rPr lang="en-US" sz="2400" dirty="0">
-                <a:solidFill>
-                  <a:srgbClr val="FF0000"/>
-                </a:solidFill>
-                <a:ea typeface="SF Pro Semibold" pitchFamily="2" charset="0"/>
-                <a:cs typeface="Arial" panose="020B0604020202020204" pitchFamily="34" charset="0"/>
-              </a:rPr>
-              <a:t> </a:t>
-            </a:r>
-            <a:r>
-              <a:rPr lang="en-US" sz="2400" dirty="0" err="1">
-                <a:solidFill>
-                  <a:srgbClr val="FF0000"/>
-                </a:solidFill>
-                <a:ea typeface="SF Pro Semibold" pitchFamily="2" charset="0"/>
-                <a:cs typeface="Arial" panose="020B0604020202020204" pitchFamily="34" charset="0"/>
-              </a:rPr>
-              <a:t>không</a:t>
-            </a:r>
-            <a:r>
-              <a:rPr lang="en-US" sz="2400" dirty="0">
-                <a:solidFill>
-                  <a:srgbClr val="FF0000"/>
-                </a:solidFill>
-                <a:ea typeface="SF Pro Semibold" pitchFamily="2" charset="0"/>
-                <a:cs typeface="Arial" panose="020B0604020202020204" pitchFamily="34" charset="0"/>
-              </a:rPr>
               <a:t>?</a:t>
             </a:r>
-            <a:endParaRPr lang="en-US" sz="2400" dirty="0">
-              <a:solidFill>
-                <a:srgbClr val="FF0000"/>
-              </a:solidFill>
-              <a:ea typeface="SF Pro Semibold" pitchFamily="2" charset="0"/>
-              <a:cs typeface="Arial" panose="020B0604020202020204" pitchFamily="34" charset="0"/>
-            </a:endParaRPr>
-          </a:p>
-          <a:p>
-            <a:r>
-              <a:rPr lang="en-US" sz="2400" dirty="0">
-                <a:solidFill>
-                  <a:srgbClr val="FF0000"/>
-                </a:solidFill>
-                <a:ea typeface="SF Pro Semibold" pitchFamily="2" charset="0"/>
-                <a:cs typeface="Arial" panose="020B0604020202020204" pitchFamily="34" charset="0"/>
-              </a:rPr>
-              <a:t>3.2.Nhận </a:t>
-            </a:r>
-            <a:r>
-              <a:rPr lang="en-US" sz="2400" dirty="0" err="1">
-                <a:solidFill>
-                  <a:srgbClr val="FF0000"/>
-                </a:solidFill>
-                <a:ea typeface="SF Pro Semibold" pitchFamily="2" charset="0"/>
-                <a:cs typeface="Arial" panose="020B0604020202020204" pitchFamily="34" charset="0"/>
-              </a:rPr>
-              <a:t>diện</a:t>
-            </a:r>
-            <a:r>
-              <a:rPr lang="en-US" sz="2400" dirty="0">
-                <a:solidFill>
-                  <a:srgbClr val="FF0000"/>
-                </a:solidFill>
-                <a:ea typeface="SF Pro Semibold" pitchFamily="2" charset="0"/>
-                <a:cs typeface="Arial" panose="020B0604020202020204" pitchFamily="34" charset="0"/>
-              </a:rPr>
-              <a:t> </a:t>
-            </a:r>
-            <a:r>
-              <a:rPr lang="en-US" sz="2400" dirty="0" err="1">
-                <a:solidFill>
-                  <a:srgbClr val="FF0000"/>
-                </a:solidFill>
-                <a:ea typeface="SF Pro Semibold" pitchFamily="2" charset="0"/>
-                <a:cs typeface="Arial" panose="020B0604020202020204" pitchFamily="34" charset="0"/>
-              </a:rPr>
-              <a:t>khuôn</a:t>
-            </a:r>
-            <a:r>
-              <a:rPr lang="en-US" sz="2400" dirty="0">
-                <a:solidFill>
-                  <a:srgbClr val="FF0000"/>
-                </a:solidFill>
-                <a:ea typeface="SF Pro Semibold" pitchFamily="2" charset="0"/>
-                <a:cs typeface="Arial" panose="020B0604020202020204" pitchFamily="34" charset="0"/>
-              </a:rPr>
-              <a:t> </a:t>
-            </a:r>
-            <a:r>
-              <a:rPr lang="en-US" sz="2400" dirty="0" err="1">
-                <a:solidFill>
-                  <a:srgbClr val="FF0000"/>
-                </a:solidFill>
-                <a:ea typeface="SF Pro Semibold" pitchFamily="2" charset="0"/>
-                <a:cs typeface="Arial" panose="020B0604020202020204" pitchFamily="34" charset="0"/>
-              </a:rPr>
-              <a:t>mặt</a:t>
-            </a:r>
-            <a:r>
-              <a:rPr lang="en-US" sz="2400" dirty="0">
-                <a:solidFill>
-                  <a:srgbClr val="FF0000"/>
-                </a:solidFill>
-                <a:ea typeface="SF Pro Semibold" pitchFamily="2" charset="0"/>
-                <a:cs typeface="Arial" panose="020B0604020202020204" pitchFamily="34" charset="0"/>
-              </a:rPr>
-              <a:t> </a:t>
-            </a:r>
-            <a:r>
-              <a:rPr lang="en-US" sz="2400" dirty="0" err="1">
-                <a:solidFill>
-                  <a:srgbClr val="FF0000"/>
-                </a:solidFill>
-                <a:ea typeface="SF Pro Semibold" pitchFamily="2" charset="0"/>
-                <a:cs typeface="Arial" panose="020B0604020202020204" pitchFamily="34" charset="0"/>
-              </a:rPr>
-              <a:t>có</a:t>
-            </a:r>
-            <a:r>
-              <a:rPr lang="en-US" sz="2400" dirty="0">
-                <a:solidFill>
-                  <a:srgbClr val="FF0000"/>
-                </a:solidFill>
-                <a:ea typeface="SF Pro Semibold" pitchFamily="2" charset="0"/>
-                <a:cs typeface="Arial" panose="020B0604020202020204" pitchFamily="34" charset="0"/>
-              </a:rPr>
-              <a:t> an </a:t>
-            </a:r>
-            <a:r>
-              <a:rPr lang="en-US" sz="2400" dirty="0" err="1">
-                <a:solidFill>
-                  <a:srgbClr val="FF0000"/>
-                </a:solidFill>
-                <a:ea typeface="SF Pro Semibold" pitchFamily="2" charset="0"/>
-                <a:cs typeface="Arial" panose="020B0604020202020204" pitchFamily="34" charset="0"/>
-              </a:rPr>
-              <a:t>toàn</a:t>
-            </a:r>
-            <a:r>
-              <a:rPr lang="en-US" sz="2400" dirty="0">
-                <a:solidFill>
-                  <a:srgbClr val="FF0000"/>
-                </a:solidFill>
-                <a:ea typeface="SF Pro Semibold" pitchFamily="2" charset="0"/>
-                <a:cs typeface="Arial" panose="020B0604020202020204" pitchFamily="34" charset="0"/>
-              </a:rPr>
-              <a:t> </a:t>
-            </a:r>
-            <a:r>
-              <a:rPr lang="en-US" sz="2400" dirty="0" err="1">
-                <a:solidFill>
-                  <a:srgbClr val="FF0000"/>
-                </a:solidFill>
-                <a:ea typeface="SF Pro Semibold" pitchFamily="2" charset="0"/>
-                <a:cs typeface="Arial" panose="020B0604020202020204" pitchFamily="34" charset="0"/>
-              </a:rPr>
-              <a:t>không</a:t>
-            </a:r>
-            <a:r>
-              <a:rPr lang="en-US" sz="2400" dirty="0">
-                <a:solidFill>
-                  <a:srgbClr val="FF0000"/>
-                </a:solidFill>
-                <a:ea typeface="SF Pro Semibold" pitchFamily="2" charset="0"/>
-                <a:cs typeface="Arial" panose="020B0604020202020204" pitchFamily="34" charset="0"/>
-              </a:rPr>
-              <a:t>?</a:t>
-            </a:r>
-            <a:endParaRPr lang="en-US" sz="2400" dirty="0">
-              <a:solidFill>
-                <a:srgbClr val="FF0000"/>
-              </a:solidFill>
-              <a:ea typeface="SF Pro Semibold" pitchFamily="2" charset="0"/>
-              <a:cs typeface="Arial" panose="020B0604020202020204" pitchFamily="34" charset="0"/>
-            </a:endParaRPr>
           </a:p>
           <a:p>
             <a:r>
@@ -7173,12 +7024,6 @@
               </a:rPr>
               <a:t>ái Niệm và Cấu Tạo</a:t>
             </a:r>
-            <a:endParaRPr lang="vi-VN" altLang="en-US" sz="3200" b="1">
-              <a:solidFill>
-                <a:schemeClr val="bg1"/>
-              </a:solidFill>
-              <a:latin typeface="+mj-lt"/>
-            </a:endParaRPr>
           </a:p>
         </p:txBody>
       </p:sp>
@@ -7215,7 +7060,7 @@
           <p:nvPr/>
         </p:nvPicPr>
         <p:blipFill>
-          <a:blip r:embed="rId1"/>
+          <a:blip r:embed="rId2"/>
           <a:stretch>
             <a:fillRect/>
           </a:stretch>
@@ -7282,11 +7127,6 @@
               </a:rPr>
               <a:t>2</a:t>
             </a:r>
-            <a:endParaRPr lang="en-US">
-              <a:solidFill>
-                <a:srgbClr val="FF0000"/>
-              </a:solidFill>
-            </a:endParaRPr>
           </a:p>
         </p:txBody>
       </p:sp>
@@ -7492,14 +7332,6 @@
               </a:rPr>
               <a:t>1.1.Khái Niệm</a:t>
             </a:r>
-            <a:endParaRPr lang="vi-VN" sz="2800" dirty="0">
-              <a:solidFill>
-                <a:srgbClr val="FF0000"/>
-              </a:solidFill>
-              <a:latin typeface="SF Pro Semibold" pitchFamily="2" charset="0"/>
-              <a:ea typeface="SF Pro Semibold" pitchFamily="2" charset="0"/>
-              <a:cs typeface="SF Pro Semibold" pitchFamily="2" charset="0"/>
-            </a:endParaRPr>
           </a:p>
         </p:txBody>
       </p:sp>
@@ -7523,6 +7355,7 @@
           <a:bodyPr wrap="square" rtlCol="0">
             <a:noAutofit/>
           </a:bodyPr>
+          <a:lstStyle/>
           <a:p>
             <a:pPr marL="0" indent="0" algn="l">
               <a:lnSpc>
@@ -7544,10 +7377,6 @@
               </a:rPr>
               <a:t>Công nghệ nhận diện khuôn mặt là một công nghệ sinh trắc học ánh xạ các đặc điểm khuôn mặt của một cá nhân về mặt toán học và lưu trữ dữ liệu dưới dạng faceprint</a:t>
             </a:r>
-            <a:endParaRPr lang="en-US" sz="2400">
-              <a:latin typeface="SF Pro Semibold" pitchFamily="2" charset="0"/>
-              <a:cs typeface="SF Pro Semibold" pitchFamily="2" charset="0"/>
-            </a:endParaRPr>
           </a:p>
         </p:txBody>
       </p:sp>
@@ -7560,7 +7389,7 @@
           <p:nvPr/>
         </p:nvPicPr>
         <p:blipFill>
-          <a:blip r:embed="rId2"/>
+          <a:blip r:embed="rId3"/>
           <a:stretch>
             <a:fillRect/>
           </a:stretch>
@@ -7584,7 +7413,7 @@
           <p:nvPr/>
         </p:nvPicPr>
         <p:blipFill>
-          <a:blip r:embed="rId3"/>
+          <a:blip r:embed="rId4"/>
           <a:stretch>
             <a:fillRect/>
           </a:stretch>
@@ -7704,12 +7533,6 @@
               </a:rPr>
               <a:t>1.Khái Niệm và Cấu Tạo</a:t>
             </a:r>
-            <a:endParaRPr lang="vi-VN" altLang="en-US" sz="3200" b="1">
-              <a:solidFill>
-                <a:schemeClr val="bg1"/>
-              </a:solidFill>
-              <a:latin typeface="+mj-lt"/>
-            </a:endParaRPr>
           </a:p>
         </p:txBody>
       </p:sp>
@@ -7746,7 +7569,7 @@
           <p:nvPr/>
         </p:nvPicPr>
         <p:blipFill>
-          <a:blip r:embed="rId1"/>
+          <a:blip r:embed="rId2"/>
           <a:stretch>
             <a:fillRect/>
           </a:stretch>
@@ -7813,11 +7636,6 @@
               </a:rPr>
               <a:t>2</a:t>
             </a:r>
-            <a:endParaRPr lang="en-US">
-              <a:solidFill>
-                <a:srgbClr val="FF0000"/>
-              </a:solidFill>
-            </a:endParaRPr>
           </a:p>
         </p:txBody>
       </p:sp>
@@ -8023,14 +7841,6 @@
               </a:rPr>
               <a:t>1.2 Cấu tạo Face ID</a:t>
             </a:r>
-            <a:endParaRPr lang="vi-VN" sz="2800" dirty="0">
-              <a:solidFill>
-                <a:srgbClr val="FF0000"/>
-              </a:solidFill>
-              <a:latin typeface="SF Pro Semibold" pitchFamily="2" charset="0"/>
-              <a:ea typeface="SF Pro Semibold" pitchFamily="2" charset="0"/>
-              <a:cs typeface="SF Pro Semibold" pitchFamily="2" charset="0"/>
-            </a:endParaRPr>
           </a:p>
         </p:txBody>
       </p:sp>
@@ -8054,6 +7864,7 @@
           <a:bodyPr wrap="square" rtlCol="0">
             <a:spAutoFit/>
           </a:bodyPr>
+          <a:lstStyle/>
           <a:p>
             <a:pPr>
               <a:lnSpc>
@@ -8067,10 +7878,6 @@
               </a:rPr>
               <a:t>Face ID bao gồm hai phần</a:t>
             </a:r>
-            <a:endParaRPr lang="en-US" sz="2400">
-              <a:latin typeface="SF PRO SEMIBLOD" charset="0"/>
-              <a:cs typeface="SF PRO SEMIBLOD" charset="0"/>
-            </a:endParaRPr>
           </a:p>
           <a:p>
             <a:pPr marL="285750" indent="-285750">
@@ -8087,10 +7894,6 @@
               </a:rPr>
               <a:t>mô-đun máy chiếu chấm chiếu hơn 30.000 điểm hồng ngoại lên mặt người dùng</a:t>
             </a:r>
-            <a:endParaRPr lang="en-US" sz="2400">
-              <a:latin typeface="SF PRO SEMIBLOD" charset="0"/>
-              <a:cs typeface="SF PRO SEMIBLOD" charset="0"/>
-            </a:endParaRPr>
           </a:p>
           <a:p>
             <a:pPr marL="285750" indent="-285750">
@@ -8107,10 +7910,6 @@
               </a:rPr>
               <a:t> mô-đun camera hồng ngoại đọc mẫu </a:t>
             </a:r>
-            <a:endParaRPr lang="en-US" sz="2400">
-              <a:latin typeface="SF PRO SEMIBLOD" charset="0"/>
-              <a:cs typeface="SF PRO SEMIBLOD" charset="0"/>
-            </a:endParaRPr>
           </a:p>
         </p:txBody>
       </p:sp>
@@ -8123,7 +7922,7 @@
           <p:nvPr/>
         </p:nvPicPr>
         <p:blipFill>
-          <a:blip r:embed="rId2"/>
+          <a:blip r:embed="rId3"/>
           <a:stretch>
             <a:fillRect/>
           </a:stretch>
@@ -8147,7 +7946,7 @@
           <p:nvPr/>
         </p:nvPicPr>
         <p:blipFill>
-          <a:blip r:embed="rId3"/>
+          <a:blip r:embed="rId4"/>
           <a:stretch>
             <a:fillRect/>
           </a:stretch>
@@ -8267,12 +8066,6 @@
               </a:rPr>
               <a:t>3.ĐỘ TIN CẬY VÀ CHÍNH XÁC. </a:t>
             </a:r>
-            <a:endParaRPr lang="en-US" sz="3200" b="1">
-              <a:solidFill>
-                <a:schemeClr val="bg1"/>
-              </a:solidFill>
-              <a:latin typeface="+mj-lt"/>
-            </a:endParaRPr>
           </a:p>
         </p:txBody>
       </p:sp>
@@ -8309,7 +8102,7 @@
           <p:nvPr/>
         </p:nvPicPr>
         <p:blipFill>
-          <a:blip r:embed="rId1"/>
+          <a:blip r:embed="rId2"/>
           <a:stretch>
             <a:fillRect/>
           </a:stretch>
@@ -8376,11 +8169,6 @@
               </a:rPr>
               <a:t>3</a:t>
             </a:r>
-            <a:endParaRPr lang="en-US">
-              <a:solidFill>
-                <a:srgbClr val="FF0000"/>
-              </a:solidFill>
-            </a:endParaRPr>
           </a:p>
         </p:txBody>
       </p:sp>
@@ -8393,7 +8181,7 @@
         <p:spPr>
           <a:xfrm>
             <a:off x="703384" y="1121257"/>
-            <a:ext cx="8169310" cy="3998787"/>
+            <a:ext cx="8340132" cy="3994170"/>
           </a:xfrm>
           <a:prstGeom prst="rect">
             <a:avLst/>
@@ -8418,9 +8206,8 @@
                 <a:solidFill>
                   <a:srgbClr val="FF0000"/>
                 </a:solidFill>
-                <a:latin typeface="SF Pro Semibold" pitchFamily="2" charset="0"/>
-                <a:ea typeface="SF Pro Semibold" pitchFamily="2" charset="0"/>
-                <a:cs typeface="SF Pro Semibold" pitchFamily="2" charset="0"/>
+                <a:ea typeface="SF Pro Semibold" pitchFamily="2" charset="0"/>
+                <a:cs typeface="Arial" panose="020B0604020202020204" pitchFamily="34" charset="0"/>
               </a:rPr>
               <a:t>3.1.Nhận </a:t>
             </a:r>
@@ -8429,9 +8216,8 @@
                 <a:solidFill>
                   <a:srgbClr val="FF0000"/>
                 </a:solidFill>
-                <a:latin typeface="SF Pro Semibold" pitchFamily="2" charset="0"/>
-                <a:ea typeface="SF Pro Semibold" pitchFamily="2" charset="0"/>
-                <a:cs typeface="SF Pro Semibold" pitchFamily="2" charset="0"/>
+                <a:ea typeface="SF Pro Semibold" pitchFamily="2" charset="0"/>
+                <a:cs typeface="Arial" panose="020B0604020202020204" pitchFamily="34" charset="0"/>
               </a:rPr>
               <a:t>dạng</a:t>
             </a:r>
@@ -8440,9 +8226,8 @@
                 <a:solidFill>
                   <a:srgbClr val="FF0000"/>
                 </a:solidFill>
-                <a:latin typeface="SF Pro Semibold" pitchFamily="2" charset="0"/>
-                <a:ea typeface="SF Pro Semibold" pitchFamily="2" charset="0"/>
-                <a:cs typeface="SF Pro Semibold" pitchFamily="2" charset="0"/>
+                <a:ea typeface="SF Pro Semibold" pitchFamily="2" charset="0"/>
+                <a:cs typeface="Arial" panose="020B0604020202020204" pitchFamily="34" charset="0"/>
               </a:rPr>
               <a:t> </a:t>
             </a:r>
@@ -8451,9 +8236,8 @@
                 <a:solidFill>
                   <a:srgbClr val="FF0000"/>
                 </a:solidFill>
-                <a:latin typeface="SF Pro Semibold" pitchFamily="2" charset="0"/>
-                <a:ea typeface="SF Pro Semibold" pitchFamily="2" charset="0"/>
-                <a:cs typeface="SF Pro Semibold" pitchFamily="2" charset="0"/>
+                <a:ea typeface="SF Pro Semibold" pitchFamily="2" charset="0"/>
+                <a:cs typeface="Arial" panose="020B0604020202020204" pitchFamily="34" charset="0"/>
               </a:rPr>
               <a:t>khuôn</a:t>
             </a:r>
@@ -8462,9 +8246,8 @@
                 <a:solidFill>
                   <a:srgbClr val="FF0000"/>
                 </a:solidFill>
-                <a:latin typeface="SF Pro Semibold" pitchFamily="2" charset="0"/>
-                <a:ea typeface="SF Pro Semibold" pitchFamily="2" charset="0"/>
-                <a:cs typeface="SF Pro Semibold" pitchFamily="2" charset="0"/>
+                <a:ea typeface="SF Pro Semibold" pitchFamily="2" charset="0"/>
+                <a:cs typeface="Arial" panose="020B0604020202020204" pitchFamily="34" charset="0"/>
               </a:rPr>
               <a:t> </a:t>
             </a:r>
@@ -8473,9 +8256,8 @@
                 <a:solidFill>
                   <a:srgbClr val="FF0000"/>
                 </a:solidFill>
-                <a:latin typeface="SF Pro Semibold" pitchFamily="2" charset="0"/>
-                <a:ea typeface="SF Pro Semibold" pitchFamily="2" charset="0"/>
-                <a:cs typeface="SF Pro Semibold" pitchFamily="2" charset="0"/>
+                <a:ea typeface="SF Pro Semibold" pitchFamily="2" charset="0"/>
+                <a:cs typeface="Arial" panose="020B0604020202020204" pitchFamily="34" charset="0"/>
               </a:rPr>
               <a:t>mặt</a:t>
             </a:r>
@@ -8484,9 +8266,8 @@
                 <a:solidFill>
                   <a:srgbClr val="FF0000"/>
                 </a:solidFill>
-                <a:latin typeface="SF Pro Semibold" pitchFamily="2" charset="0"/>
-                <a:ea typeface="SF Pro Semibold" pitchFamily="2" charset="0"/>
-                <a:cs typeface="SF Pro Semibold" pitchFamily="2" charset="0"/>
+                <a:ea typeface="SF Pro Semibold" pitchFamily="2" charset="0"/>
+                <a:cs typeface="Arial" panose="020B0604020202020204" pitchFamily="34" charset="0"/>
               </a:rPr>
               <a:t> </a:t>
             </a:r>
@@ -8495,9 +8276,8 @@
                 <a:solidFill>
                   <a:srgbClr val="FF0000"/>
                 </a:solidFill>
-                <a:latin typeface="SF Pro Semibold" pitchFamily="2" charset="0"/>
-                <a:ea typeface="SF Pro Semibold" pitchFamily="2" charset="0"/>
-                <a:cs typeface="SF Pro Semibold" pitchFamily="2" charset="0"/>
+                <a:ea typeface="SF Pro Semibold" pitchFamily="2" charset="0"/>
+                <a:cs typeface="Arial" panose="020B0604020202020204" pitchFamily="34" charset="0"/>
               </a:rPr>
               <a:t>có</a:t>
             </a:r>
@@ -8506,9 +8286,8 @@
                 <a:solidFill>
                   <a:srgbClr val="FF0000"/>
                 </a:solidFill>
-                <a:latin typeface="SF Pro Semibold" pitchFamily="2" charset="0"/>
-                <a:ea typeface="SF Pro Semibold" pitchFamily="2" charset="0"/>
-                <a:cs typeface="SF Pro Semibold" pitchFamily="2" charset="0"/>
+                <a:ea typeface="SF Pro Semibold" pitchFamily="2" charset="0"/>
+                <a:cs typeface="Arial" panose="020B0604020202020204" pitchFamily="34" charset="0"/>
               </a:rPr>
               <a:t> </a:t>
             </a:r>
@@ -8517,9 +8296,8 @@
                 <a:solidFill>
                   <a:srgbClr val="FF0000"/>
                 </a:solidFill>
-                <a:latin typeface="SF Pro Semibold" pitchFamily="2" charset="0"/>
-                <a:ea typeface="SF Pro Semibold" pitchFamily="2" charset="0"/>
-                <a:cs typeface="SF Pro Semibold" pitchFamily="2" charset="0"/>
+                <a:ea typeface="SF Pro Semibold" pitchFamily="2" charset="0"/>
+                <a:cs typeface="Arial" panose="020B0604020202020204" pitchFamily="34" charset="0"/>
               </a:rPr>
               <a:t>chính</a:t>
             </a:r>
@@ -8528,9 +8306,8 @@
                 <a:solidFill>
                   <a:srgbClr val="FF0000"/>
                 </a:solidFill>
-                <a:latin typeface="SF Pro Semibold" pitchFamily="2" charset="0"/>
-                <a:ea typeface="SF Pro Semibold" pitchFamily="2" charset="0"/>
-                <a:cs typeface="SF Pro Semibold" pitchFamily="2" charset="0"/>
+                <a:ea typeface="SF Pro Semibold" pitchFamily="2" charset="0"/>
+                <a:cs typeface="Arial" panose="020B0604020202020204" pitchFamily="34" charset="0"/>
               </a:rPr>
               <a:t> </a:t>
             </a:r>
@@ -8539,9 +8316,8 @@
                 <a:solidFill>
                   <a:srgbClr val="FF0000"/>
                 </a:solidFill>
-                <a:latin typeface="SF Pro Semibold" pitchFamily="2" charset="0"/>
-                <a:ea typeface="SF Pro Semibold" pitchFamily="2" charset="0"/>
-                <a:cs typeface="SF Pro Semibold" pitchFamily="2" charset="0"/>
+                <a:ea typeface="SF Pro Semibold" pitchFamily="2" charset="0"/>
+                <a:cs typeface="Arial" panose="020B0604020202020204" pitchFamily="34" charset="0"/>
               </a:rPr>
               <a:t>xác</a:t>
             </a:r>
@@ -8550,9 +8326,8 @@
                 <a:solidFill>
                   <a:srgbClr val="FF0000"/>
                 </a:solidFill>
-                <a:latin typeface="SF Pro Semibold" pitchFamily="2" charset="0"/>
-                <a:ea typeface="SF Pro Semibold" pitchFamily="2" charset="0"/>
-                <a:cs typeface="SF Pro Semibold" pitchFamily="2" charset="0"/>
+                <a:ea typeface="SF Pro Semibold" pitchFamily="2" charset="0"/>
+                <a:cs typeface="Arial" panose="020B0604020202020204" pitchFamily="34" charset="0"/>
               </a:rPr>
               <a:t> </a:t>
             </a:r>
@@ -8561,9 +8336,8 @@
                 <a:solidFill>
                   <a:srgbClr val="FF0000"/>
                 </a:solidFill>
-                <a:latin typeface="SF Pro Semibold" pitchFamily="2" charset="0"/>
-                <a:ea typeface="SF Pro Semibold" pitchFamily="2" charset="0"/>
-                <a:cs typeface="SF Pro Semibold" pitchFamily="2" charset="0"/>
+                <a:ea typeface="SF Pro Semibold" pitchFamily="2" charset="0"/>
+                <a:cs typeface="Arial" panose="020B0604020202020204" pitchFamily="34" charset="0"/>
               </a:rPr>
               <a:t>không</a:t>
             </a:r>
@@ -8572,20 +8346,11 @@
                 <a:solidFill>
                   <a:srgbClr val="FF0000"/>
                 </a:solidFill>
-                <a:latin typeface="SF Pro Semibold" pitchFamily="2" charset="0"/>
-                <a:ea typeface="SF Pro Semibold" pitchFamily="2" charset="0"/>
-                <a:cs typeface="SF Pro Semibold" pitchFamily="2" charset="0"/>
-              </a:rPr>
-              <a:t>?: </a:t>
-            </a:r>
-            <a:endParaRPr lang="en-US" sz="2800" dirty="0">
-              <a:solidFill>
-                <a:srgbClr val="FF0000"/>
-              </a:solidFill>
-              <a:latin typeface="SF Pro Semibold" pitchFamily="2" charset="0"/>
-              <a:ea typeface="SF Pro Semibold" pitchFamily="2" charset="0"/>
-              <a:cs typeface="SF Pro Semibold" pitchFamily="2" charset="0"/>
-            </a:endParaRPr>
+                <a:ea typeface="SF Pro Semibold" pitchFamily="2" charset="0"/>
+                <a:cs typeface="Arial" panose="020B0604020202020204" pitchFamily="34" charset="0"/>
+              </a:rPr>
+              <a:t>? </a:t>
+            </a:r>
           </a:p>
           <a:p>
             <a:pPr marL="457200" indent="-457200">
@@ -8597,105 +8362,88 @@
             </a:pPr>
             <a:r>
               <a:rPr lang="en-US" sz="2400" dirty="0" err="1">
-                <a:latin typeface="SF Pro Semibold" pitchFamily="2" charset="0"/>
-                <a:ea typeface="SF Pro Semibold" pitchFamily="2" charset="0"/>
-                <a:cs typeface="SF Pro Semibold" pitchFamily="2" charset="0"/>
+                <a:ea typeface="SF Pro Semibold" pitchFamily="2" charset="0"/>
+                <a:cs typeface="Arial" panose="020B0604020202020204" pitchFamily="34" charset="0"/>
               </a:rPr>
               <a:t>Phụ</a:t>
             </a:r>
             <a:r>
               <a:rPr lang="en-US" sz="2400" dirty="0">
-                <a:latin typeface="SF Pro Semibold" pitchFamily="2" charset="0"/>
-                <a:ea typeface="SF Pro Semibold" pitchFamily="2" charset="0"/>
-                <a:cs typeface="SF Pro Semibold" pitchFamily="2" charset="0"/>
+                <a:ea typeface="SF Pro Semibold" pitchFamily="2" charset="0"/>
+                <a:cs typeface="Arial" panose="020B0604020202020204" pitchFamily="34" charset="0"/>
               </a:rPr>
               <a:t> </a:t>
             </a:r>
             <a:r>
               <a:rPr lang="en-US" sz="2400" dirty="0" err="1">
-                <a:latin typeface="SF Pro Semibold" pitchFamily="2" charset="0"/>
-                <a:ea typeface="SF Pro Semibold" pitchFamily="2" charset="0"/>
-                <a:cs typeface="SF Pro Semibold" pitchFamily="2" charset="0"/>
+                <a:ea typeface="SF Pro Semibold" pitchFamily="2" charset="0"/>
+                <a:cs typeface="Arial" panose="020B0604020202020204" pitchFamily="34" charset="0"/>
               </a:rPr>
               <a:t>thuộc</a:t>
             </a:r>
             <a:r>
               <a:rPr lang="en-US" sz="2400" dirty="0">
-                <a:latin typeface="SF Pro Semibold" pitchFamily="2" charset="0"/>
-                <a:ea typeface="SF Pro Semibold" pitchFamily="2" charset="0"/>
-                <a:cs typeface="SF Pro Semibold" pitchFamily="2" charset="0"/>
+                <a:ea typeface="SF Pro Semibold" pitchFamily="2" charset="0"/>
+                <a:cs typeface="Arial" panose="020B0604020202020204" pitchFamily="34" charset="0"/>
               </a:rPr>
               <a:t> </a:t>
             </a:r>
             <a:r>
               <a:rPr lang="en-US" sz="2400" dirty="0" err="1">
-                <a:latin typeface="SF Pro Semibold" pitchFamily="2" charset="0"/>
-                <a:ea typeface="SF Pro Semibold" pitchFamily="2" charset="0"/>
-                <a:cs typeface="SF Pro Semibold" pitchFamily="2" charset="0"/>
+                <a:ea typeface="SF Pro Semibold" pitchFamily="2" charset="0"/>
+                <a:cs typeface="Arial" panose="020B0604020202020204" pitchFamily="34" charset="0"/>
               </a:rPr>
               <a:t>vào</a:t>
             </a:r>
             <a:r>
               <a:rPr lang="en-US" sz="2400" dirty="0">
-                <a:latin typeface="SF Pro Semibold" pitchFamily="2" charset="0"/>
-                <a:ea typeface="SF Pro Semibold" pitchFamily="2" charset="0"/>
-                <a:cs typeface="SF Pro Semibold" pitchFamily="2" charset="0"/>
+                <a:ea typeface="SF Pro Semibold" pitchFamily="2" charset="0"/>
+                <a:cs typeface="Arial" panose="020B0604020202020204" pitchFamily="34" charset="0"/>
               </a:rPr>
               <a:t> </a:t>
             </a:r>
             <a:r>
               <a:rPr lang="en-US" sz="2400" dirty="0" err="1">
-                <a:latin typeface="SF Pro Semibold" pitchFamily="2" charset="0"/>
-                <a:ea typeface="SF Pro Semibold" pitchFamily="2" charset="0"/>
-                <a:cs typeface="SF Pro Semibold" pitchFamily="2" charset="0"/>
+                <a:ea typeface="SF Pro Semibold" pitchFamily="2" charset="0"/>
+                <a:cs typeface="Arial" panose="020B0604020202020204" pitchFamily="34" charset="0"/>
               </a:rPr>
               <a:t>nhiều</a:t>
             </a:r>
             <a:r>
               <a:rPr lang="en-US" sz="2400" dirty="0">
-                <a:latin typeface="SF Pro Semibold" pitchFamily="2" charset="0"/>
-                <a:ea typeface="SF Pro Semibold" pitchFamily="2" charset="0"/>
-                <a:cs typeface="SF Pro Semibold" pitchFamily="2" charset="0"/>
+                <a:ea typeface="SF Pro Semibold" pitchFamily="2" charset="0"/>
+                <a:cs typeface="Arial" panose="020B0604020202020204" pitchFamily="34" charset="0"/>
               </a:rPr>
               <a:t> </a:t>
             </a:r>
             <a:r>
               <a:rPr lang="en-US" sz="2400" dirty="0" err="1">
-                <a:latin typeface="SF Pro Semibold" pitchFamily="2" charset="0"/>
-                <a:ea typeface="SF Pro Semibold" pitchFamily="2" charset="0"/>
-                <a:cs typeface="SF Pro Semibold" pitchFamily="2" charset="0"/>
+                <a:ea typeface="SF Pro Semibold" pitchFamily="2" charset="0"/>
+                <a:cs typeface="Arial" panose="020B0604020202020204" pitchFamily="34" charset="0"/>
               </a:rPr>
               <a:t>yếu</a:t>
             </a:r>
             <a:r>
               <a:rPr lang="en-US" sz="2400" dirty="0">
-                <a:latin typeface="SF Pro Semibold" pitchFamily="2" charset="0"/>
-                <a:ea typeface="SF Pro Semibold" pitchFamily="2" charset="0"/>
-                <a:cs typeface="SF Pro Semibold" pitchFamily="2" charset="0"/>
+                <a:ea typeface="SF Pro Semibold" pitchFamily="2" charset="0"/>
+                <a:cs typeface="Arial" panose="020B0604020202020204" pitchFamily="34" charset="0"/>
               </a:rPr>
               <a:t> </a:t>
             </a:r>
             <a:r>
               <a:rPr lang="en-US" sz="2400" dirty="0" err="1">
-                <a:latin typeface="SF Pro Semibold" pitchFamily="2" charset="0"/>
-                <a:ea typeface="SF Pro Semibold" pitchFamily="2" charset="0"/>
-                <a:cs typeface="SF Pro Semibold" pitchFamily="2" charset="0"/>
+                <a:ea typeface="SF Pro Semibold" pitchFamily="2" charset="0"/>
+                <a:cs typeface="Arial" panose="020B0604020202020204" pitchFamily="34" charset="0"/>
               </a:rPr>
               <a:t>tố</a:t>
             </a:r>
             <a:r>
               <a:rPr lang="en-US" sz="2400" dirty="0">
-                <a:latin typeface="SF Pro Semibold" pitchFamily="2" charset="0"/>
-                <a:ea typeface="SF Pro Semibold" pitchFamily="2" charset="0"/>
-                <a:cs typeface="SF Pro Semibold" pitchFamily="2" charset="0"/>
+                <a:ea typeface="SF Pro Semibold" pitchFamily="2" charset="0"/>
+                <a:cs typeface="Arial" panose="020B0604020202020204" pitchFamily="34" charset="0"/>
               </a:rPr>
               <a:t>: </a:t>
             </a:r>
-            <a:endParaRPr lang="en-US" sz="2400" dirty="0">
-              <a:latin typeface="SF Pro Semibold" pitchFamily="2" charset="0"/>
-              <a:ea typeface="SF Pro Semibold" pitchFamily="2" charset="0"/>
-              <a:cs typeface="SF Pro Semibold" pitchFamily="2" charset="0"/>
-            </a:endParaRPr>
           </a:p>
           <a:p>
             <a:pPr marL="457200" indent="-457200">
@@ -8707,108 +8455,91 @@
             </a:pPr>
             <a:r>
               <a:rPr lang="en-US" sz="2400" dirty="0" err="1">
-                <a:latin typeface="SF Pro Semibold" pitchFamily="2" charset="0"/>
-                <a:ea typeface="SF Pro Semibold" pitchFamily="2" charset="0"/>
-                <a:cs typeface="SF Pro Semibold" pitchFamily="2" charset="0"/>
+                <a:ea typeface="SF Pro Semibold" pitchFamily="2" charset="0"/>
+                <a:cs typeface="Arial" panose="020B0604020202020204" pitchFamily="34" charset="0"/>
               </a:rPr>
               <a:t>L</a:t>
             </a:r>
             <a:r>
               <a:rPr lang="en-US" sz="2400" dirty="0" err="1">
                 <a:effectLst/>
-                <a:latin typeface="SF Pro Semibold" pitchFamily="2" charset="0"/>
-                <a:ea typeface="SF Pro Semibold" pitchFamily="2" charset="0"/>
-                <a:cs typeface="SF Pro Semibold" pitchFamily="2" charset="0"/>
+                <a:ea typeface="SF Pro Semibold" pitchFamily="2" charset="0"/>
+                <a:cs typeface="Arial" panose="020B0604020202020204" pitchFamily="34" charset="0"/>
               </a:rPr>
               <a:t>ão</a:t>
             </a:r>
             <a:r>
               <a:rPr lang="en-US" sz="2400" dirty="0">
                 <a:effectLst/>
-                <a:latin typeface="SF Pro Semibold" pitchFamily="2" charset="0"/>
-                <a:ea typeface="SF Pro Semibold" pitchFamily="2" charset="0"/>
-                <a:cs typeface="SF Pro Semibold" pitchFamily="2" charset="0"/>
+                <a:ea typeface="SF Pro Semibold" pitchFamily="2" charset="0"/>
+                <a:cs typeface="Arial" panose="020B0604020202020204" pitchFamily="34" charset="0"/>
               </a:rPr>
               <a:t> </a:t>
             </a:r>
             <a:r>
               <a:rPr lang="en-US" sz="2400" dirty="0" err="1">
                 <a:effectLst/>
-                <a:latin typeface="SF Pro Semibold" pitchFamily="2" charset="0"/>
-                <a:ea typeface="SF Pro Semibold" pitchFamily="2" charset="0"/>
-                <a:cs typeface="SF Pro Semibold" pitchFamily="2" charset="0"/>
+                <a:ea typeface="SF Pro Semibold" pitchFamily="2" charset="0"/>
+                <a:cs typeface="Arial" panose="020B0604020202020204" pitchFamily="34" charset="0"/>
               </a:rPr>
               <a:t>hóa</a:t>
             </a:r>
             <a:r>
               <a:rPr lang="en-US" sz="2400" dirty="0">
                 <a:effectLst/>
-                <a:latin typeface="SF Pro Semibold" pitchFamily="2" charset="0"/>
-                <a:ea typeface="SF Pro Semibold" pitchFamily="2" charset="0"/>
-                <a:cs typeface="SF Pro Semibold" pitchFamily="2" charset="0"/>
+                <a:ea typeface="SF Pro Semibold" pitchFamily="2" charset="0"/>
+                <a:cs typeface="Arial" panose="020B0604020202020204" pitchFamily="34" charset="0"/>
               </a:rPr>
               <a:t> </a:t>
             </a:r>
             <a:r>
               <a:rPr lang="en-US" sz="2400" dirty="0" err="1">
                 <a:effectLst/>
-                <a:latin typeface="SF Pro Semibold" pitchFamily="2" charset="0"/>
-                <a:ea typeface="SF Pro Semibold" pitchFamily="2" charset="0"/>
-                <a:cs typeface="SF Pro Semibold" pitchFamily="2" charset="0"/>
+                <a:ea typeface="SF Pro Semibold" pitchFamily="2" charset="0"/>
+                <a:cs typeface="Arial" panose="020B0604020202020204" pitchFamily="34" charset="0"/>
               </a:rPr>
               <a:t>trên</a:t>
             </a:r>
             <a:r>
               <a:rPr lang="en-US" sz="2400" dirty="0">
                 <a:effectLst/>
-                <a:latin typeface="SF Pro Semibold" pitchFamily="2" charset="0"/>
-                <a:ea typeface="SF Pro Semibold" pitchFamily="2" charset="0"/>
-                <a:cs typeface="SF Pro Semibold" pitchFamily="2" charset="0"/>
+                <a:ea typeface="SF Pro Semibold" pitchFamily="2" charset="0"/>
+                <a:cs typeface="Arial" panose="020B0604020202020204" pitchFamily="34" charset="0"/>
               </a:rPr>
               <a:t> </a:t>
             </a:r>
             <a:r>
               <a:rPr lang="en-US" sz="2400" dirty="0" err="1">
                 <a:effectLst/>
-                <a:latin typeface="SF Pro Semibold" pitchFamily="2" charset="0"/>
-                <a:ea typeface="SF Pro Semibold" pitchFamily="2" charset="0"/>
-                <a:cs typeface="SF Pro Semibold" pitchFamily="2" charset="0"/>
+                <a:ea typeface="SF Pro Semibold" pitchFamily="2" charset="0"/>
+                <a:cs typeface="Arial" panose="020B0604020202020204" pitchFamily="34" charset="0"/>
               </a:rPr>
               <a:t>khuôn</a:t>
             </a:r>
             <a:r>
               <a:rPr lang="en-US" sz="2400" dirty="0">
                 <a:effectLst/>
-                <a:latin typeface="SF Pro Semibold" pitchFamily="2" charset="0"/>
-                <a:ea typeface="SF Pro Semibold" pitchFamily="2" charset="0"/>
-                <a:cs typeface="SF Pro Semibold" pitchFamily="2" charset="0"/>
+                <a:ea typeface="SF Pro Semibold" pitchFamily="2" charset="0"/>
+                <a:cs typeface="Arial" panose="020B0604020202020204" pitchFamily="34" charset="0"/>
               </a:rPr>
               <a:t> </a:t>
             </a:r>
             <a:r>
               <a:rPr lang="en-US" sz="2400" dirty="0" err="1">
                 <a:effectLst/>
-                <a:latin typeface="SF Pro Semibold" pitchFamily="2" charset="0"/>
-                <a:ea typeface="SF Pro Semibold" pitchFamily="2" charset="0"/>
-                <a:cs typeface="SF Pro Semibold" pitchFamily="2" charset="0"/>
+                <a:ea typeface="SF Pro Semibold" pitchFamily="2" charset="0"/>
+                <a:cs typeface="Arial" panose="020B0604020202020204" pitchFamily="34" charset="0"/>
               </a:rPr>
               <a:t>mặt</a:t>
             </a:r>
             <a:r>
               <a:rPr lang="en-US" sz="2400" dirty="0">
                 <a:effectLst/>
-                <a:latin typeface="SF Pro Semibold" pitchFamily="2" charset="0"/>
-                <a:ea typeface="SF Pro Semibold" pitchFamily="2" charset="0"/>
-                <a:cs typeface="SF Pro Semibold" pitchFamily="2" charset="0"/>
+                <a:ea typeface="SF Pro Semibold" pitchFamily="2" charset="0"/>
+                <a:cs typeface="Arial" panose="020B0604020202020204" pitchFamily="34" charset="0"/>
               </a:rPr>
               <a:t>. </a:t>
             </a:r>
-            <a:endParaRPr lang="en-US" sz="2400" dirty="0">
-              <a:effectLst/>
-              <a:latin typeface="SF Pro Semibold" pitchFamily="2" charset="0"/>
-              <a:ea typeface="SF Pro Semibold" pitchFamily="2" charset="0"/>
-              <a:cs typeface="SF Pro Semibold" pitchFamily="2" charset="0"/>
-            </a:endParaRPr>
           </a:p>
           <a:p>
             <a:pPr marL="457200" indent="-457200">
@@ -8820,89 +8551,74 @@
             </a:pPr>
             <a:r>
               <a:rPr lang="en-US" sz="2400" dirty="0" err="1">
-                <a:latin typeface="SF Pro Semibold" pitchFamily="2" charset="0"/>
-                <a:ea typeface="SF Pro Semibold" pitchFamily="2" charset="0"/>
-                <a:cs typeface="SF Pro Semibold" pitchFamily="2" charset="0"/>
+                <a:ea typeface="SF Pro Semibold" pitchFamily="2" charset="0"/>
+                <a:cs typeface="Arial" panose="020B0604020202020204" pitchFamily="34" charset="0"/>
               </a:rPr>
               <a:t>Hệ</a:t>
             </a:r>
             <a:r>
               <a:rPr lang="en-US" sz="2400" dirty="0">
-                <a:latin typeface="SF Pro Semibold" pitchFamily="2" charset="0"/>
-                <a:ea typeface="SF Pro Semibold" pitchFamily="2" charset="0"/>
-                <a:cs typeface="SF Pro Semibold" pitchFamily="2" charset="0"/>
+                <a:ea typeface="SF Pro Semibold" pitchFamily="2" charset="0"/>
+                <a:cs typeface="Arial" panose="020B0604020202020204" pitchFamily="34" charset="0"/>
               </a:rPr>
               <a:t> </a:t>
             </a:r>
             <a:r>
               <a:rPr lang="en-US" sz="2400" dirty="0" err="1">
-                <a:latin typeface="SF Pro Semibold" pitchFamily="2" charset="0"/>
-                <a:ea typeface="SF Pro Semibold" pitchFamily="2" charset="0"/>
-                <a:cs typeface="SF Pro Semibold" pitchFamily="2" charset="0"/>
+                <a:ea typeface="SF Pro Semibold" pitchFamily="2" charset="0"/>
+                <a:cs typeface="Arial" panose="020B0604020202020204" pitchFamily="34" charset="0"/>
               </a:rPr>
               <a:t>điều</a:t>
             </a:r>
             <a:r>
               <a:rPr lang="en-US" sz="2400" dirty="0">
-                <a:latin typeface="SF Pro Semibold" pitchFamily="2" charset="0"/>
-                <a:ea typeface="SF Pro Semibold" pitchFamily="2" charset="0"/>
-                <a:cs typeface="SF Pro Semibold" pitchFamily="2" charset="0"/>
+                <a:ea typeface="SF Pro Semibold" pitchFamily="2" charset="0"/>
+                <a:cs typeface="Arial" panose="020B0604020202020204" pitchFamily="34" charset="0"/>
               </a:rPr>
               <a:t> </a:t>
             </a:r>
             <a:r>
               <a:rPr lang="en-US" sz="2400" dirty="0" err="1">
-                <a:latin typeface="SF Pro Semibold" pitchFamily="2" charset="0"/>
-                <a:ea typeface="SF Pro Semibold" pitchFamily="2" charset="0"/>
-                <a:cs typeface="SF Pro Semibold" pitchFamily="2" charset="0"/>
+                <a:ea typeface="SF Pro Semibold" pitchFamily="2" charset="0"/>
+                <a:cs typeface="Arial" panose="020B0604020202020204" pitchFamily="34" charset="0"/>
               </a:rPr>
               <a:t>hành</a:t>
             </a:r>
             <a:r>
               <a:rPr lang="en-US" sz="2400" dirty="0">
-                <a:latin typeface="SF Pro Semibold" pitchFamily="2" charset="0"/>
-                <a:ea typeface="SF Pro Semibold" pitchFamily="2" charset="0"/>
-                <a:cs typeface="SF Pro Semibold" pitchFamily="2" charset="0"/>
+                <a:ea typeface="SF Pro Semibold" pitchFamily="2" charset="0"/>
+                <a:cs typeface="Arial" panose="020B0604020202020204" pitchFamily="34" charset="0"/>
               </a:rPr>
               <a:t> </a:t>
             </a:r>
             <a:r>
               <a:rPr lang="en-US" sz="2400" dirty="0" err="1">
-                <a:latin typeface="SF Pro Semibold" pitchFamily="2" charset="0"/>
-                <a:ea typeface="SF Pro Semibold" pitchFamily="2" charset="0"/>
-                <a:cs typeface="SF Pro Semibold" pitchFamily="2" charset="0"/>
+                <a:ea typeface="SF Pro Semibold" pitchFamily="2" charset="0"/>
+                <a:cs typeface="Arial" panose="020B0604020202020204" pitchFamily="34" charset="0"/>
               </a:rPr>
               <a:t>ổn</a:t>
             </a:r>
             <a:r>
               <a:rPr lang="en-US" sz="2400" dirty="0">
-                <a:latin typeface="SF Pro Semibold" pitchFamily="2" charset="0"/>
-                <a:ea typeface="SF Pro Semibold" pitchFamily="2" charset="0"/>
-                <a:cs typeface="SF Pro Semibold" pitchFamily="2" charset="0"/>
+                <a:ea typeface="SF Pro Semibold" pitchFamily="2" charset="0"/>
+                <a:cs typeface="Arial" panose="020B0604020202020204" pitchFamily="34" charset="0"/>
               </a:rPr>
               <a:t> </a:t>
             </a:r>
             <a:r>
               <a:rPr lang="en-US" sz="2400" dirty="0" err="1">
-                <a:latin typeface="SF Pro Semibold" pitchFamily="2" charset="0"/>
-                <a:ea typeface="SF Pro Semibold" pitchFamily="2" charset="0"/>
-                <a:cs typeface="SF Pro Semibold" pitchFamily="2" charset="0"/>
+                <a:ea typeface="SF Pro Semibold" pitchFamily="2" charset="0"/>
+                <a:cs typeface="Arial" panose="020B0604020202020204" pitchFamily="34" charset="0"/>
               </a:rPr>
               <a:t>định</a:t>
             </a:r>
             <a:r>
               <a:rPr lang="en-US" sz="2400" dirty="0">
-                <a:latin typeface="SF Pro Semibold" pitchFamily="2" charset="0"/>
-                <a:ea typeface="SF Pro Semibold" pitchFamily="2" charset="0"/>
-                <a:cs typeface="SF Pro Semibold" pitchFamily="2" charset="0"/>
+                <a:ea typeface="SF Pro Semibold" pitchFamily="2" charset="0"/>
+                <a:cs typeface="Arial" panose="020B0604020202020204" pitchFamily="34" charset="0"/>
               </a:rPr>
               <a:t>. </a:t>
             </a:r>
-            <a:endParaRPr lang="en-US" sz="2400" dirty="0">
-              <a:latin typeface="SF Pro Semibold" pitchFamily="2" charset="0"/>
-              <a:ea typeface="SF Pro Semibold" pitchFamily="2" charset="0"/>
-              <a:cs typeface="SF Pro Semibold" pitchFamily="2" charset="0"/>
-            </a:endParaRPr>
           </a:p>
           <a:p>
             <a:pPr marL="457200" indent="-457200">
@@ -8914,105 +8630,88 @@
             </a:pPr>
             <a:r>
               <a:rPr lang="en-US" sz="2400" dirty="0" err="1">
-                <a:latin typeface="SF Pro Semibold" pitchFamily="2" charset="0"/>
-                <a:ea typeface="SF Pro Semibold" pitchFamily="2" charset="0"/>
-                <a:cs typeface="SF Pro Semibold" pitchFamily="2" charset="0"/>
+                <a:ea typeface="SF Pro Semibold" pitchFamily="2" charset="0"/>
+                <a:cs typeface="Arial" panose="020B0604020202020204" pitchFamily="34" charset="0"/>
               </a:rPr>
               <a:t>Thời</a:t>
             </a:r>
             <a:r>
               <a:rPr lang="en-US" sz="2400" dirty="0">
-                <a:latin typeface="SF Pro Semibold" pitchFamily="2" charset="0"/>
-                <a:ea typeface="SF Pro Semibold" pitchFamily="2" charset="0"/>
-                <a:cs typeface="SF Pro Semibold" pitchFamily="2" charset="0"/>
+                <a:ea typeface="SF Pro Semibold" pitchFamily="2" charset="0"/>
+                <a:cs typeface="Arial" panose="020B0604020202020204" pitchFamily="34" charset="0"/>
               </a:rPr>
               <a:t> </a:t>
             </a:r>
             <a:r>
               <a:rPr lang="en-US" sz="2400" dirty="0" err="1">
-                <a:latin typeface="SF Pro Semibold" pitchFamily="2" charset="0"/>
-                <a:ea typeface="SF Pro Semibold" pitchFamily="2" charset="0"/>
-                <a:cs typeface="SF Pro Semibold" pitchFamily="2" charset="0"/>
+                <a:ea typeface="SF Pro Semibold" pitchFamily="2" charset="0"/>
+                <a:cs typeface="Arial" panose="020B0604020202020204" pitchFamily="34" charset="0"/>
               </a:rPr>
               <a:t>gian</a:t>
             </a:r>
             <a:r>
               <a:rPr lang="en-US" sz="2400" dirty="0">
-                <a:latin typeface="SF Pro Semibold" pitchFamily="2" charset="0"/>
-                <a:ea typeface="SF Pro Semibold" pitchFamily="2" charset="0"/>
-                <a:cs typeface="SF Pro Semibold" pitchFamily="2" charset="0"/>
+                <a:ea typeface="SF Pro Semibold" pitchFamily="2" charset="0"/>
+                <a:cs typeface="Arial" panose="020B0604020202020204" pitchFamily="34" charset="0"/>
               </a:rPr>
               <a:t> </a:t>
             </a:r>
             <a:r>
               <a:rPr lang="en-US" sz="2400" dirty="0" err="1">
-                <a:latin typeface="SF Pro Semibold" pitchFamily="2" charset="0"/>
-                <a:ea typeface="SF Pro Semibold" pitchFamily="2" charset="0"/>
-                <a:cs typeface="SF Pro Semibold" pitchFamily="2" charset="0"/>
+                <a:ea typeface="SF Pro Semibold" pitchFamily="2" charset="0"/>
+                <a:cs typeface="Arial" panose="020B0604020202020204" pitchFamily="34" charset="0"/>
               </a:rPr>
               <a:t>của</a:t>
             </a:r>
             <a:r>
               <a:rPr lang="en-US" sz="2400" dirty="0">
-                <a:latin typeface="SF Pro Semibold" pitchFamily="2" charset="0"/>
-                <a:ea typeface="SF Pro Semibold" pitchFamily="2" charset="0"/>
-                <a:cs typeface="SF Pro Semibold" pitchFamily="2" charset="0"/>
+                <a:ea typeface="SF Pro Semibold" pitchFamily="2" charset="0"/>
+                <a:cs typeface="Arial" panose="020B0604020202020204" pitchFamily="34" charset="0"/>
               </a:rPr>
               <a:t> </a:t>
             </a:r>
             <a:r>
               <a:rPr lang="en-US" sz="2400" dirty="0" err="1">
-                <a:latin typeface="SF Pro Semibold" pitchFamily="2" charset="0"/>
-                <a:ea typeface="SF Pro Semibold" pitchFamily="2" charset="0"/>
-                <a:cs typeface="SF Pro Semibold" pitchFamily="2" charset="0"/>
+                <a:ea typeface="SF Pro Semibold" pitchFamily="2" charset="0"/>
+                <a:cs typeface="Arial" panose="020B0604020202020204" pitchFamily="34" charset="0"/>
               </a:rPr>
               <a:t>ảnh</a:t>
             </a:r>
             <a:r>
               <a:rPr lang="en-US" sz="2400" dirty="0">
-                <a:latin typeface="SF Pro Semibold" pitchFamily="2" charset="0"/>
-                <a:ea typeface="SF Pro Semibold" pitchFamily="2" charset="0"/>
-                <a:cs typeface="SF Pro Semibold" pitchFamily="2" charset="0"/>
+                <a:ea typeface="SF Pro Semibold" pitchFamily="2" charset="0"/>
+                <a:cs typeface="Arial" panose="020B0604020202020204" pitchFamily="34" charset="0"/>
               </a:rPr>
               <a:t> </a:t>
             </a:r>
             <a:r>
               <a:rPr lang="en-US" sz="2400" dirty="0" err="1">
-                <a:latin typeface="SF Pro Semibold" pitchFamily="2" charset="0"/>
-                <a:ea typeface="SF Pro Semibold" pitchFamily="2" charset="0"/>
-                <a:cs typeface="SF Pro Semibold" pitchFamily="2" charset="0"/>
+                <a:ea typeface="SF Pro Semibold" pitchFamily="2" charset="0"/>
+                <a:cs typeface="Arial" panose="020B0604020202020204" pitchFamily="34" charset="0"/>
               </a:rPr>
               <a:t>chụp</a:t>
             </a:r>
             <a:r>
               <a:rPr lang="en-US" sz="2400" dirty="0">
-                <a:latin typeface="SF Pro Semibold" pitchFamily="2" charset="0"/>
-                <a:ea typeface="SF Pro Semibold" pitchFamily="2" charset="0"/>
-                <a:cs typeface="SF Pro Semibold" pitchFamily="2" charset="0"/>
+                <a:ea typeface="SF Pro Semibold" pitchFamily="2" charset="0"/>
+                <a:cs typeface="Arial" panose="020B0604020202020204" pitchFamily="34" charset="0"/>
               </a:rPr>
               <a:t>. </a:t>
             </a:r>
             <a:r>
               <a:rPr lang="en-US" sz="2400" dirty="0" err="1">
-                <a:latin typeface="SF Pro Semibold" pitchFamily="2" charset="0"/>
-                <a:ea typeface="SF Pro Semibold" pitchFamily="2" charset="0"/>
-                <a:cs typeface="SF Pro Semibold" pitchFamily="2" charset="0"/>
+                <a:ea typeface="SF Pro Semibold" pitchFamily="2" charset="0"/>
+                <a:cs typeface="Arial" panose="020B0604020202020204" pitchFamily="34" charset="0"/>
               </a:rPr>
               <a:t>v.v</a:t>
             </a:r>
             <a:r>
               <a:rPr lang="en-US" sz="2400" dirty="0">
-                <a:latin typeface="SF Pro Semibold" pitchFamily="2" charset="0"/>
-                <a:ea typeface="SF Pro Semibold" pitchFamily="2" charset="0"/>
-                <a:cs typeface="SF Pro Semibold" pitchFamily="2" charset="0"/>
+                <a:ea typeface="SF Pro Semibold" pitchFamily="2" charset="0"/>
+                <a:cs typeface="Arial" panose="020B0604020202020204" pitchFamily="34" charset="0"/>
               </a:rPr>
               <a:t>	</a:t>
             </a:r>
-            <a:endParaRPr lang="en-US" sz="2400" dirty="0">
-              <a:latin typeface="SF Pro Semibold" pitchFamily="2" charset="0"/>
-              <a:ea typeface="SF Pro Semibold" pitchFamily="2" charset="0"/>
-              <a:cs typeface="SF Pro Semibold" pitchFamily="2" charset="0"/>
-            </a:endParaRPr>
           </a:p>
           <a:p>
             <a:pPr>
@@ -9022,273 +8721,235 @@
             </a:pPr>
             <a:r>
               <a:rPr lang="en-US" sz="2400" dirty="0">
-                <a:latin typeface="SF Pro Semibold" pitchFamily="2" charset="0"/>
-                <a:ea typeface="SF Pro Semibold" pitchFamily="2" charset="0"/>
-                <a:cs typeface="SF Pro Semibold" pitchFamily="2" charset="0"/>
+                <a:ea typeface="SF Pro Semibold" pitchFamily="2" charset="0"/>
+                <a:cs typeface="Arial" panose="020B0604020202020204" pitchFamily="34" charset="0"/>
               </a:rPr>
               <a:t>=&gt; </a:t>
             </a:r>
             <a:r>
               <a:rPr lang="en-US" sz="2400" dirty="0" err="1">
-                <a:latin typeface="SF Pro Semibold" pitchFamily="2" charset="0"/>
-                <a:ea typeface="SF Pro Semibold" pitchFamily="2" charset="0"/>
-                <a:cs typeface="SF Pro Semibold" pitchFamily="2" charset="0"/>
+                <a:ea typeface="SF Pro Semibold" pitchFamily="2" charset="0"/>
+                <a:cs typeface="Arial" panose="020B0604020202020204" pitchFamily="34" charset="0"/>
               </a:rPr>
               <a:t>Nhưng</a:t>
             </a:r>
             <a:r>
               <a:rPr lang="en-US" sz="2400" dirty="0">
-                <a:latin typeface="SF Pro Semibold" pitchFamily="2" charset="0"/>
-                <a:ea typeface="SF Pro Semibold" pitchFamily="2" charset="0"/>
-                <a:cs typeface="SF Pro Semibold" pitchFamily="2" charset="0"/>
+                <a:ea typeface="SF Pro Semibold" pitchFamily="2" charset="0"/>
+                <a:cs typeface="Arial" panose="020B0604020202020204" pitchFamily="34" charset="0"/>
               </a:rPr>
               <a:t> </a:t>
             </a:r>
             <a:r>
               <a:rPr lang="en-US" sz="2400" dirty="0" err="1">
-                <a:latin typeface="SF Pro Semibold" pitchFamily="2" charset="0"/>
-                <a:ea typeface="SF Pro Semibold" pitchFamily="2" charset="0"/>
-                <a:cs typeface="SF Pro Semibold" pitchFamily="2" charset="0"/>
+                <a:ea typeface="SF Pro Semibold" pitchFamily="2" charset="0"/>
+                <a:cs typeface="Arial" panose="020B0604020202020204" pitchFamily="34" charset="0"/>
               </a:rPr>
               <a:t>nó</a:t>
             </a:r>
             <a:r>
               <a:rPr lang="en-US" sz="2400" dirty="0">
-                <a:latin typeface="SF Pro Semibold" pitchFamily="2" charset="0"/>
-                <a:ea typeface="SF Pro Semibold" pitchFamily="2" charset="0"/>
-                <a:cs typeface="SF Pro Semibold" pitchFamily="2" charset="0"/>
+                <a:ea typeface="SF Pro Semibold" pitchFamily="2" charset="0"/>
+                <a:cs typeface="Arial" panose="020B0604020202020204" pitchFamily="34" charset="0"/>
               </a:rPr>
               <a:t> </a:t>
             </a:r>
             <a:r>
               <a:rPr lang="en-US" sz="2400" dirty="0" err="1">
-                <a:latin typeface="SF Pro Semibold" pitchFamily="2" charset="0"/>
-                <a:ea typeface="SF Pro Semibold" pitchFamily="2" charset="0"/>
-                <a:cs typeface="SF Pro Semibold" pitchFamily="2" charset="0"/>
+                <a:ea typeface="SF Pro Semibold" pitchFamily="2" charset="0"/>
+                <a:cs typeface="Arial" panose="020B0604020202020204" pitchFamily="34" charset="0"/>
               </a:rPr>
               <a:t>vẫn</a:t>
             </a:r>
             <a:r>
               <a:rPr lang="en-US" sz="2400" dirty="0">
-                <a:latin typeface="SF Pro Semibold" pitchFamily="2" charset="0"/>
-                <a:ea typeface="SF Pro Semibold" pitchFamily="2" charset="0"/>
-                <a:cs typeface="SF Pro Semibold" pitchFamily="2" charset="0"/>
+                <a:ea typeface="SF Pro Semibold" pitchFamily="2" charset="0"/>
+                <a:cs typeface="Arial" panose="020B0604020202020204" pitchFamily="34" charset="0"/>
               </a:rPr>
               <a:t> </a:t>
             </a:r>
             <a:r>
               <a:rPr lang="en-US" sz="2400" dirty="0" err="1">
-                <a:latin typeface="SF Pro Semibold" pitchFamily="2" charset="0"/>
-                <a:ea typeface="SF Pro Semibold" pitchFamily="2" charset="0"/>
-                <a:cs typeface="SF Pro Semibold" pitchFamily="2" charset="0"/>
+                <a:ea typeface="SF Pro Semibold" pitchFamily="2" charset="0"/>
+                <a:cs typeface="Arial" panose="020B0604020202020204" pitchFamily="34" charset="0"/>
               </a:rPr>
               <a:t>là</a:t>
             </a:r>
             <a:r>
               <a:rPr lang="en-US" sz="2400" dirty="0">
-                <a:latin typeface="SF Pro Semibold" pitchFamily="2" charset="0"/>
-                <a:ea typeface="SF Pro Semibold" pitchFamily="2" charset="0"/>
-                <a:cs typeface="SF Pro Semibold" pitchFamily="2" charset="0"/>
+                <a:ea typeface="SF Pro Semibold" pitchFamily="2" charset="0"/>
+                <a:cs typeface="Arial" panose="020B0604020202020204" pitchFamily="34" charset="0"/>
               </a:rPr>
               <a:t> </a:t>
             </a:r>
             <a:r>
               <a:rPr lang="en-US" sz="2400" dirty="0" err="1">
-                <a:latin typeface="SF Pro Semibold" pitchFamily="2" charset="0"/>
-                <a:ea typeface="SF Pro Semibold" pitchFamily="2" charset="0"/>
-                <a:cs typeface="SF Pro Semibold" pitchFamily="2" charset="0"/>
+                <a:ea typeface="SF Pro Semibold" pitchFamily="2" charset="0"/>
+                <a:cs typeface="Arial" panose="020B0604020202020204" pitchFamily="34" charset="0"/>
               </a:rPr>
               <a:t>một</a:t>
             </a:r>
             <a:r>
               <a:rPr lang="en-US" sz="2400" dirty="0">
-                <a:latin typeface="SF Pro Semibold" pitchFamily="2" charset="0"/>
-                <a:ea typeface="SF Pro Semibold" pitchFamily="2" charset="0"/>
-                <a:cs typeface="SF Pro Semibold" pitchFamily="2" charset="0"/>
+                <a:ea typeface="SF Pro Semibold" pitchFamily="2" charset="0"/>
+                <a:cs typeface="Arial" panose="020B0604020202020204" pitchFamily="34" charset="0"/>
               </a:rPr>
               <a:t> </a:t>
             </a:r>
             <a:r>
               <a:rPr lang="en-US" sz="2400" dirty="0" err="1">
-                <a:latin typeface="SF Pro Semibold" pitchFamily="2" charset="0"/>
-                <a:ea typeface="SF Pro Semibold" pitchFamily="2" charset="0"/>
-                <a:cs typeface="SF Pro Semibold" pitchFamily="2" charset="0"/>
+                <a:ea typeface="SF Pro Semibold" pitchFamily="2" charset="0"/>
+                <a:cs typeface="Arial" panose="020B0604020202020204" pitchFamily="34" charset="0"/>
               </a:rPr>
               <a:t>trong</a:t>
             </a:r>
             <a:r>
               <a:rPr lang="en-US" sz="2400" dirty="0">
-                <a:latin typeface="SF Pro Semibold" pitchFamily="2" charset="0"/>
-                <a:ea typeface="SF Pro Semibold" pitchFamily="2" charset="0"/>
-                <a:cs typeface="SF Pro Semibold" pitchFamily="2" charset="0"/>
+                <a:ea typeface="SF Pro Semibold" pitchFamily="2" charset="0"/>
+                <a:cs typeface="Arial" panose="020B0604020202020204" pitchFamily="34" charset="0"/>
               </a:rPr>
               <a:t> </a:t>
             </a:r>
             <a:r>
               <a:rPr lang="en-US" sz="2400" dirty="0" err="1">
-                <a:latin typeface="SF Pro Semibold" pitchFamily="2" charset="0"/>
-                <a:ea typeface="SF Pro Semibold" pitchFamily="2" charset="0"/>
-                <a:cs typeface="SF Pro Semibold" pitchFamily="2" charset="0"/>
+                <a:ea typeface="SF Pro Semibold" pitchFamily="2" charset="0"/>
+                <a:cs typeface="Arial" panose="020B0604020202020204" pitchFamily="34" charset="0"/>
               </a:rPr>
               <a:t>những</a:t>
             </a:r>
             <a:r>
               <a:rPr lang="en-US" sz="2400" dirty="0">
-                <a:latin typeface="SF Pro Semibold" pitchFamily="2" charset="0"/>
-                <a:ea typeface="SF Pro Semibold" pitchFamily="2" charset="0"/>
-                <a:cs typeface="SF Pro Semibold" pitchFamily="2" charset="0"/>
+                <a:ea typeface="SF Pro Semibold" pitchFamily="2" charset="0"/>
+                <a:cs typeface="Arial" panose="020B0604020202020204" pitchFamily="34" charset="0"/>
               </a:rPr>
               <a:t> </a:t>
             </a:r>
             <a:r>
               <a:rPr lang="en-US" sz="2400" dirty="0" err="1">
-                <a:latin typeface="SF Pro Semibold" pitchFamily="2" charset="0"/>
-                <a:ea typeface="SF Pro Semibold" pitchFamily="2" charset="0"/>
-                <a:cs typeface="SF Pro Semibold" pitchFamily="2" charset="0"/>
+                <a:ea typeface="SF Pro Semibold" pitchFamily="2" charset="0"/>
+                <a:cs typeface="Arial" panose="020B0604020202020204" pitchFamily="34" charset="0"/>
               </a:rPr>
               <a:t>công</a:t>
             </a:r>
             <a:r>
               <a:rPr lang="en-US" sz="2400" dirty="0">
-                <a:latin typeface="SF Pro Semibold" pitchFamily="2" charset="0"/>
-                <a:ea typeface="SF Pro Semibold" pitchFamily="2" charset="0"/>
-                <a:cs typeface="SF Pro Semibold" pitchFamily="2" charset="0"/>
+                <a:ea typeface="SF Pro Semibold" pitchFamily="2" charset="0"/>
+                <a:cs typeface="Arial" panose="020B0604020202020204" pitchFamily="34" charset="0"/>
               </a:rPr>
               <a:t> </a:t>
             </a:r>
             <a:r>
               <a:rPr lang="en-US" sz="2400" dirty="0" err="1">
-                <a:latin typeface="SF Pro Semibold" pitchFamily="2" charset="0"/>
-                <a:ea typeface="SF Pro Semibold" pitchFamily="2" charset="0"/>
-                <a:cs typeface="SF Pro Semibold" pitchFamily="2" charset="0"/>
+                <a:ea typeface="SF Pro Semibold" pitchFamily="2" charset="0"/>
+                <a:cs typeface="Arial" panose="020B0604020202020204" pitchFamily="34" charset="0"/>
               </a:rPr>
               <a:t>nghệ</a:t>
             </a:r>
             <a:r>
               <a:rPr lang="en-US" sz="2400" dirty="0">
-                <a:latin typeface="SF Pro Semibold" pitchFamily="2" charset="0"/>
-                <a:ea typeface="SF Pro Semibold" pitchFamily="2" charset="0"/>
-                <a:cs typeface="SF Pro Semibold" pitchFamily="2" charset="0"/>
+                <a:ea typeface="SF Pro Semibold" pitchFamily="2" charset="0"/>
+                <a:cs typeface="Arial" panose="020B0604020202020204" pitchFamily="34" charset="0"/>
               </a:rPr>
               <a:t> </a:t>
             </a:r>
             <a:r>
               <a:rPr lang="en-US" sz="2400" dirty="0" err="1">
-                <a:latin typeface="SF Pro Semibold" pitchFamily="2" charset="0"/>
-                <a:ea typeface="SF Pro Semibold" pitchFamily="2" charset="0"/>
-                <a:cs typeface="SF Pro Semibold" pitchFamily="2" charset="0"/>
+                <a:ea typeface="SF Pro Semibold" pitchFamily="2" charset="0"/>
+                <a:cs typeface="Arial" panose="020B0604020202020204" pitchFamily="34" charset="0"/>
               </a:rPr>
               <a:t>sinh</a:t>
             </a:r>
             <a:r>
               <a:rPr lang="en-US" sz="2400" dirty="0">
-                <a:latin typeface="SF Pro Semibold" pitchFamily="2" charset="0"/>
-                <a:ea typeface="SF Pro Semibold" pitchFamily="2" charset="0"/>
-                <a:cs typeface="SF Pro Semibold" pitchFamily="2" charset="0"/>
+                <a:ea typeface="SF Pro Semibold" pitchFamily="2" charset="0"/>
+                <a:cs typeface="Arial" panose="020B0604020202020204" pitchFamily="34" charset="0"/>
               </a:rPr>
               <a:t> </a:t>
             </a:r>
             <a:r>
               <a:rPr lang="en-US" sz="2400" dirty="0" err="1">
-                <a:latin typeface="SF Pro Semibold" pitchFamily="2" charset="0"/>
-                <a:ea typeface="SF Pro Semibold" pitchFamily="2" charset="0"/>
-                <a:cs typeface="SF Pro Semibold" pitchFamily="2" charset="0"/>
+                <a:ea typeface="SF Pro Semibold" pitchFamily="2" charset="0"/>
+                <a:cs typeface="Arial" panose="020B0604020202020204" pitchFamily="34" charset="0"/>
               </a:rPr>
               <a:t>trắc</a:t>
             </a:r>
             <a:r>
               <a:rPr lang="en-US" sz="2400" dirty="0">
-                <a:latin typeface="SF Pro Semibold" pitchFamily="2" charset="0"/>
-                <a:ea typeface="SF Pro Semibold" pitchFamily="2" charset="0"/>
-                <a:cs typeface="SF Pro Semibold" pitchFamily="2" charset="0"/>
+                <a:ea typeface="SF Pro Semibold" pitchFamily="2" charset="0"/>
+                <a:cs typeface="Arial" panose="020B0604020202020204" pitchFamily="34" charset="0"/>
               </a:rPr>
               <a:t> </a:t>
             </a:r>
             <a:r>
               <a:rPr lang="en-US" sz="2400" dirty="0" err="1">
-                <a:latin typeface="SF Pro Semibold" pitchFamily="2" charset="0"/>
-                <a:ea typeface="SF Pro Semibold" pitchFamily="2" charset="0"/>
-                <a:cs typeface="SF Pro Semibold" pitchFamily="2" charset="0"/>
+                <a:ea typeface="SF Pro Semibold" pitchFamily="2" charset="0"/>
+                <a:cs typeface="Arial" panose="020B0604020202020204" pitchFamily="34" charset="0"/>
               </a:rPr>
               <a:t>học</a:t>
             </a:r>
             <a:r>
               <a:rPr lang="en-US" sz="2400" dirty="0">
-                <a:latin typeface="SF Pro Semibold" pitchFamily="2" charset="0"/>
-                <a:ea typeface="SF Pro Semibold" pitchFamily="2" charset="0"/>
-                <a:cs typeface="SF Pro Semibold" pitchFamily="2" charset="0"/>
+                <a:ea typeface="SF Pro Semibold" pitchFamily="2" charset="0"/>
+                <a:cs typeface="Arial" panose="020B0604020202020204" pitchFamily="34" charset="0"/>
               </a:rPr>
               <a:t> </a:t>
             </a:r>
             <a:r>
               <a:rPr lang="en-US" sz="2400" dirty="0" err="1">
-                <a:latin typeface="SF Pro Semibold" pitchFamily="2" charset="0"/>
-                <a:ea typeface="SF Pro Semibold" pitchFamily="2" charset="0"/>
-                <a:cs typeface="SF Pro Semibold" pitchFamily="2" charset="0"/>
+                <a:ea typeface="SF Pro Semibold" pitchFamily="2" charset="0"/>
+                <a:cs typeface="Arial" panose="020B0604020202020204" pitchFamily="34" charset="0"/>
               </a:rPr>
               <a:t>chính</a:t>
             </a:r>
             <a:r>
               <a:rPr lang="en-US" sz="2400" dirty="0">
-                <a:latin typeface="SF Pro Semibold" pitchFamily="2" charset="0"/>
-                <a:ea typeface="SF Pro Semibold" pitchFamily="2" charset="0"/>
-                <a:cs typeface="SF Pro Semibold" pitchFamily="2" charset="0"/>
+                <a:ea typeface="SF Pro Semibold" pitchFamily="2" charset="0"/>
+                <a:cs typeface="Arial" panose="020B0604020202020204" pitchFamily="34" charset="0"/>
               </a:rPr>
               <a:t> </a:t>
             </a:r>
             <a:r>
               <a:rPr lang="en-US" sz="2400" dirty="0" err="1">
-                <a:latin typeface="SF Pro Semibold" pitchFamily="2" charset="0"/>
-                <a:ea typeface="SF Pro Semibold" pitchFamily="2" charset="0"/>
-                <a:cs typeface="SF Pro Semibold" pitchFamily="2" charset="0"/>
+                <a:ea typeface="SF Pro Semibold" pitchFamily="2" charset="0"/>
+                <a:cs typeface="Arial" panose="020B0604020202020204" pitchFamily="34" charset="0"/>
               </a:rPr>
               <a:t>xác</a:t>
             </a:r>
             <a:r>
               <a:rPr lang="en-US" sz="2400" dirty="0">
-                <a:latin typeface="SF Pro Semibold" pitchFamily="2" charset="0"/>
-                <a:ea typeface="SF Pro Semibold" pitchFamily="2" charset="0"/>
-                <a:cs typeface="SF Pro Semibold" pitchFamily="2" charset="0"/>
+                <a:ea typeface="SF Pro Semibold" pitchFamily="2" charset="0"/>
+                <a:cs typeface="Arial" panose="020B0604020202020204" pitchFamily="34" charset="0"/>
               </a:rPr>
               <a:t> </a:t>
             </a:r>
             <a:r>
               <a:rPr lang="en-US" sz="2400" dirty="0" err="1">
-                <a:latin typeface="SF Pro Semibold" pitchFamily="2" charset="0"/>
-                <a:ea typeface="SF Pro Semibold" pitchFamily="2" charset="0"/>
-                <a:cs typeface="SF Pro Semibold" pitchFamily="2" charset="0"/>
+                <a:ea typeface="SF Pro Semibold" pitchFamily="2" charset="0"/>
+                <a:cs typeface="Arial" panose="020B0604020202020204" pitchFamily="34" charset="0"/>
               </a:rPr>
               <a:t>nhất</a:t>
             </a:r>
             <a:r>
               <a:rPr lang="en-US" sz="2400" dirty="0">
-                <a:latin typeface="SF Pro Semibold" pitchFamily="2" charset="0"/>
-                <a:ea typeface="SF Pro Semibold" pitchFamily="2" charset="0"/>
-                <a:cs typeface="SF Pro Semibold" pitchFamily="2" charset="0"/>
+                <a:ea typeface="SF Pro Semibold" pitchFamily="2" charset="0"/>
+                <a:cs typeface="Arial" panose="020B0604020202020204" pitchFamily="34" charset="0"/>
               </a:rPr>
               <a:t> </a:t>
             </a:r>
             <a:r>
               <a:rPr lang="en-US" sz="2400" dirty="0" err="1">
-                <a:latin typeface="SF Pro Semibold" pitchFamily="2" charset="0"/>
-                <a:ea typeface="SF Pro Semibold" pitchFamily="2" charset="0"/>
-                <a:cs typeface="SF Pro Semibold" pitchFamily="2" charset="0"/>
+                <a:ea typeface="SF Pro Semibold" pitchFamily="2" charset="0"/>
+                <a:cs typeface="Arial" panose="020B0604020202020204" pitchFamily="34" charset="0"/>
               </a:rPr>
               <a:t>hiện</a:t>
             </a:r>
             <a:r>
               <a:rPr lang="en-US" sz="2400" dirty="0">
-                <a:latin typeface="SF Pro Semibold" pitchFamily="2" charset="0"/>
-                <a:ea typeface="SF Pro Semibold" pitchFamily="2" charset="0"/>
-                <a:cs typeface="SF Pro Semibold" pitchFamily="2" charset="0"/>
+                <a:ea typeface="SF Pro Semibold" pitchFamily="2" charset="0"/>
+                <a:cs typeface="Arial" panose="020B0604020202020204" pitchFamily="34" charset="0"/>
               </a:rPr>
               <a:t> nay. </a:t>
             </a:r>
-            <a:endParaRPr lang="en-US" sz="2400" dirty="0">
-              <a:latin typeface="SF Pro Semibold" pitchFamily="2" charset="0"/>
-              <a:ea typeface="SF Pro Semibold" pitchFamily="2" charset="0"/>
-              <a:cs typeface="SF Pro Semibold" pitchFamily="2" charset="0"/>
-            </a:endParaRPr>
           </a:p>
         </p:txBody>
       </p:sp>
@@ -9375,7 +9036,7 @@
           <p:nvPr/>
         </p:nvPicPr>
         <p:blipFill>
-          <a:blip r:embed="rId1"/>
+          <a:blip r:embed="rId2"/>
           <a:stretch>
             <a:fillRect/>
           </a:stretch>
@@ -9423,12 +9084,6 @@
               </a:rPr>
               <a:t>3.ĐỘ TIN CẬY VÀ CHÍNH XÁC. </a:t>
             </a:r>
-            <a:endParaRPr lang="en-US" sz="3200" b="1">
-              <a:solidFill>
-                <a:schemeClr val="bg1"/>
-              </a:solidFill>
-              <a:latin typeface="+mj-lt"/>
-            </a:endParaRPr>
           </a:p>
         </p:txBody>
       </p:sp>
@@ -9465,7 +9120,7 @@
           <p:nvPr/>
         </p:nvPicPr>
         <p:blipFill>
-          <a:blip r:embed="rId2"/>
+          <a:blip r:embed="rId3"/>
           <a:stretch>
             <a:fillRect/>
           </a:stretch>
@@ -9532,11 +9187,6 @@
               </a:rPr>
               <a:t>3</a:t>
             </a:r>
-            <a:endParaRPr lang="en-US">
-              <a:solidFill>
-                <a:srgbClr val="FF0000"/>
-              </a:solidFill>
-            </a:endParaRPr>
           </a:p>
         </p:txBody>
       </p:sp>
@@ -9549,7 +9199,7 @@
         <p:spPr>
           <a:xfrm>
             <a:off x="703384" y="1121261"/>
-            <a:ext cx="8169310" cy="664156"/>
+            <a:ext cx="8460712" cy="658770"/>
           </a:xfrm>
           <a:prstGeom prst="rect">
             <a:avLst/>
@@ -9574,9 +9224,8 @@
                 <a:solidFill>
                   <a:srgbClr val="FF0000"/>
                 </a:solidFill>
-                <a:latin typeface="SF Pro Semibold" pitchFamily="2" charset="0"/>
-                <a:ea typeface="SF Pro Semibold" pitchFamily="2" charset="0"/>
-                <a:cs typeface="SF Pro Semibold" pitchFamily="2" charset="0"/>
+                <a:ea typeface="SF Pro Semibold" pitchFamily="2" charset="0"/>
+                <a:cs typeface="Arial" panose="020B0604020202020204" pitchFamily="34" charset="0"/>
               </a:rPr>
               <a:t>3.1.Nhận </a:t>
             </a:r>
@@ -9585,9 +9234,8 @@
                 <a:solidFill>
                   <a:srgbClr val="FF0000"/>
                 </a:solidFill>
-                <a:latin typeface="SF Pro Semibold" pitchFamily="2" charset="0"/>
-                <a:ea typeface="SF Pro Semibold" pitchFamily="2" charset="0"/>
-                <a:cs typeface="SF Pro Semibold" pitchFamily="2" charset="0"/>
+                <a:ea typeface="SF Pro Semibold" pitchFamily="2" charset="0"/>
+                <a:cs typeface="Arial" panose="020B0604020202020204" pitchFamily="34" charset="0"/>
               </a:rPr>
               <a:t>dạng</a:t>
             </a:r>
@@ -9596,9 +9244,8 @@
                 <a:solidFill>
                   <a:srgbClr val="FF0000"/>
                 </a:solidFill>
-                <a:latin typeface="SF Pro Semibold" pitchFamily="2" charset="0"/>
-                <a:ea typeface="SF Pro Semibold" pitchFamily="2" charset="0"/>
-                <a:cs typeface="SF Pro Semibold" pitchFamily="2" charset="0"/>
+                <a:ea typeface="SF Pro Semibold" pitchFamily="2" charset="0"/>
+                <a:cs typeface="Arial" panose="020B0604020202020204" pitchFamily="34" charset="0"/>
               </a:rPr>
               <a:t> </a:t>
             </a:r>
@@ -9607,9 +9254,8 @@
                 <a:solidFill>
                   <a:srgbClr val="FF0000"/>
                 </a:solidFill>
-                <a:latin typeface="SF Pro Semibold" pitchFamily="2" charset="0"/>
-                <a:ea typeface="SF Pro Semibold" pitchFamily="2" charset="0"/>
-                <a:cs typeface="SF Pro Semibold" pitchFamily="2" charset="0"/>
+                <a:ea typeface="SF Pro Semibold" pitchFamily="2" charset="0"/>
+                <a:cs typeface="Arial" panose="020B0604020202020204" pitchFamily="34" charset="0"/>
               </a:rPr>
               <a:t>khuôn</a:t>
             </a:r>
@@ -9618,9 +9264,8 @@
                 <a:solidFill>
                   <a:srgbClr val="FF0000"/>
                 </a:solidFill>
-                <a:latin typeface="SF Pro Semibold" pitchFamily="2" charset="0"/>
-                <a:ea typeface="SF Pro Semibold" pitchFamily="2" charset="0"/>
-                <a:cs typeface="SF Pro Semibold" pitchFamily="2" charset="0"/>
+                <a:ea typeface="SF Pro Semibold" pitchFamily="2" charset="0"/>
+                <a:cs typeface="Arial" panose="020B0604020202020204" pitchFamily="34" charset="0"/>
               </a:rPr>
               <a:t> </a:t>
             </a:r>
@@ -9629,9 +9274,8 @@
                 <a:solidFill>
                   <a:srgbClr val="FF0000"/>
                 </a:solidFill>
-                <a:latin typeface="SF Pro Semibold" pitchFamily="2" charset="0"/>
-                <a:ea typeface="SF Pro Semibold" pitchFamily="2" charset="0"/>
-                <a:cs typeface="SF Pro Semibold" pitchFamily="2" charset="0"/>
+                <a:ea typeface="SF Pro Semibold" pitchFamily="2" charset="0"/>
+                <a:cs typeface="Arial" panose="020B0604020202020204" pitchFamily="34" charset="0"/>
               </a:rPr>
               <a:t>mặt</a:t>
             </a:r>
@@ -9640,9 +9284,8 @@
                 <a:solidFill>
                   <a:srgbClr val="FF0000"/>
                 </a:solidFill>
-                <a:latin typeface="SF Pro Semibold" pitchFamily="2" charset="0"/>
-                <a:ea typeface="SF Pro Semibold" pitchFamily="2" charset="0"/>
-                <a:cs typeface="SF Pro Semibold" pitchFamily="2" charset="0"/>
+                <a:ea typeface="SF Pro Semibold" pitchFamily="2" charset="0"/>
+                <a:cs typeface="Arial" panose="020B0604020202020204" pitchFamily="34" charset="0"/>
               </a:rPr>
               <a:t> </a:t>
             </a:r>
@@ -9651,9 +9294,8 @@
                 <a:solidFill>
                   <a:srgbClr val="FF0000"/>
                 </a:solidFill>
-                <a:latin typeface="SF Pro Semibold" pitchFamily="2" charset="0"/>
-                <a:ea typeface="SF Pro Semibold" pitchFamily="2" charset="0"/>
-                <a:cs typeface="SF Pro Semibold" pitchFamily="2" charset="0"/>
+                <a:ea typeface="SF Pro Semibold" pitchFamily="2" charset="0"/>
+                <a:cs typeface="Arial" panose="020B0604020202020204" pitchFamily="34" charset="0"/>
               </a:rPr>
               <a:t>có</a:t>
             </a:r>
@@ -9662,9 +9304,8 @@
                 <a:solidFill>
                   <a:srgbClr val="FF0000"/>
                 </a:solidFill>
-                <a:latin typeface="SF Pro Semibold" pitchFamily="2" charset="0"/>
-                <a:ea typeface="SF Pro Semibold" pitchFamily="2" charset="0"/>
-                <a:cs typeface="SF Pro Semibold" pitchFamily="2" charset="0"/>
+                <a:ea typeface="SF Pro Semibold" pitchFamily="2" charset="0"/>
+                <a:cs typeface="Arial" panose="020B0604020202020204" pitchFamily="34" charset="0"/>
               </a:rPr>
               <a:t> </a:t>
             </a:r>
@@ -9673,9 +9314,8 @@
                 <a:solidFill>
                   <a:srgbClr val="FF0000"/>
                 </a:solidFill>
-                <a:latin typeface="SF Pro Semibold" pitchFamily="2" charset="0"/>
-                <a:ea typeface="SF Pro Semibold" pitchFamily="2" charset="0"/>
-                <a:cs typeface="SF Pro Semibold" pitchFamily="2" charset="0"/>
+                <a:ea typeface="SF Pro Semibold" pitchFamily="2" charset="0"/>
+                <a:cs typeface="Arial" panose="020B0604020202020204" pitchFamily="34" charset="0"/>
               </a:rPr>
               <a:t>chính</a:t>
             </a:r>
@@ -9684,9 +9324,8 @@
                 <a:solidFill>
                   <a:srgbClr val="FF0000"/>
                 </a:solidFill>
-                <a:latin typeface="SF Pro Semibold" pitchFamily="2" charset="0"/>
-                <a:ea typeface="SF Pro Semibold" pitchFamily="2" charset="0"/>
-                <a:cs typeface="SF Pro Semibold" pitchFamily="2" charset="0"/>
+                <a:ea typeface="SF Pro Semibold" pitchFamily="2" charset="0"/>
+                <a:cs typeface="Arial" panose="020B0604020202020204" pitchFamily="34" charset="0"/>
               </a:rPr>
               <a:t> </a:t>
             </a:r>
@@ -9695,9 +9334,8 @@
                 <a:solidFill>
                   <a:srgbClr val="FF0000"/>
                 </a:solidFill>
-                <a:latin typeface="SF Pro Semibold" pitchFamily="2" charset="0"/>
-                <a:ea typeface="SF Pro Semibold" pitchFamily="2" charset="0"/>
-                <a:cs typeface="SF Pro Semibold" pitchFamily="2" charset="0"/>
+                <a:ea typeface="SF Pro Semibold" pitchFamily="2" charset="0"/>
+                <a:cs typeface="Arial" panose="020B0604020202020204" pitchFamily="34" charset="0"/>
               </a:rPr>
               <a:t>xác</a:t>
             </a:r>
@@ -9706,9 +9344,8 @@
                 <a:solidFill>
                   <a:srgbClr val="FF0000"/>
                 </a:solidFill>
-                <a:latin typeface="SF Pro Semibold" pitchFamily="2" charset="0"/>
-                <a:ea typeface="SF Pro Semibold" pitchFamily="2" charset="0"/>
-                <a:cs typeface="SF Pro Semibold" pitchFamily="2" charset="0"/>
+                <a:ea typeface="SF Pro Semibold" pitchFamily="2" charset="0"/>
+                <a:cs typeface="Arial" panose="020B0604020202020204" pitchFamily="34" charset="0"/>
               </a:rPr>
               <a:t> </a:t>
             </a:r>
@@ -9717,9 +9354,8 @@
                 <a:solidFill>
                   <a:srgbClr val="FF0000"/>
                 </a:solidFill>
-                <a:latin typeface="SF Pro Semibold" pitchFamily="2" charset="0"/>
-                <a:ea typeface="SF Pro Semibold" pitchFamily="2" charset="0"/>
-                <a:cs typeface="SF Pro Semibold" pitchFamily="2" charset="0"/>
+                <a:ea typeface="SF Pro Semibold" pitchFamily="2" charset="0"/>
+                <a:cs typeface="Arial" panose="020B0604020202020204" pitchFamily="34" charset="0"/>
               </a:rPr>
               <a:t>không</a:t>
             </a:r>
@@ -9728,20 +9364,11 @@
                 <a:solidFill>
                   <a:srgbClr val="FF0000"/>
                 </a:solidFill>
-                <a:latin typeface="SF Pro Semibold" pitchFamily="2" charset="0"/>
-                <a:ea typeface="SF Pro Semibold" pitchFamily="2" charset="0"/>
-                <a:cs typeface="SF Pro Semibold" pitchFamily="2" charset="0"/>
-              </a:rPr>
-              <a:t>?: </a:t>
-            </a:r>
-            <a:endParaRPr lang="en-US" sz="2800" dirty="0">
-              <a:solidFill>
-                <a:srgbClr val="FF0000"/>
-              </a:solidFill>
-              <a:latin typeface="SF Pro Semibold" pitchFamily="2" charset="0"/>
-              <a:ea typeface="SF Pro Semibold" pitchFamily="2" charset="0"/>
-              <a:cs typeface="SF Pro Semibold" pitchFamily="2" charset="0"/>
-            </a:endParaRPr>
+                <a:ea typeface="SF Pro Semibold" pitchFamily="2" charset="0"/>
+                <a:cs typeface="Arial" panose="020B0604020202020204" pitchFamily="34" charset="0"/>
+              </a:rPr>
+              <a:t>? </a:t>
+            </a:r>
           </a:p>
         </p:txBody>
       </p:sp>
@@ -9850,12 +9477,6 @@
               </a:rPr>
               <a:t>3.ĐỘ TIN CẬY VÀ CHÍNH XÁC. </a:t>
             </a:r>
-            <a:endParaRPr lang="en-US" sz="3200" b="1">
-              <a:solidFill>
-                <a:schemeClr val="bg1"/>
-              </a:solidFill>
-              <a:latin typeface="+mj-lt"/>
-            </a:endParaRPr>
           </a:p>
         </p:txBody>
       </p:sp>
@@ -9892,7 +9513,7 @@
           <p:nvPr/>
         </p:nvPicPr>
         <p:blipFill>
-          <a:blip r:embed="rId1"/>
+          <a:blip r:embed="rId2"/>
           <a:stretch>
             <a:fillRect/>
           </a:stretch>
@@ -9959,11 +9580,6 @@
               </a:rPr>
               <a:t>4</a:t>
             </a:r>
-            <a:endParaRPr lang="en-US">
-              <a:solidFill>
-                <a:srgbClr val="FF0000"/>
-              </a:solidFill>
-            </a:endParaRPr>
           </a:p>
         </p:txBody>
       </p:sp>
@@ -9976,7 +9592,7 @@
         <p:spPr>
           <a:xfrm>
             <a:off x="703384" y="1121261"/>
-            <a:ext cx="8169310" cy="2890791"/>
+            <a:ext cx="8169310" cy="3440173"/>
           </a:xfrm>
           <a:prstGeom prst="rect">
             <a:avLst/>
@@ -10001,9 +9617,8 @@
                 <a:solidFill>
                   <a:srgbClr val="FF0000"/>
                 </a:solidFill>
-                <a:latin typeface="SF Pro Semibold" pitchFamily="2" charset="0"/>
-                <a:ea typeface="SF Pro Semibold" pitchFamily="2" charset="0"/>
-                <a:cs typeface="SF Pro Semibold" pitchFamily="2" charset="0"/>
+                <a:ea typeface="SF Pro Semibold" pitchFamily="2" charset="0"/>
+                <a:cs typeface="Arial" panose="020B0604020202020204" pitchFamily="34" charset="0"/>
               </a:rPr>
               <a:t>3.2.Nhận </a:t>
             </a:r>
@@ -10012,9 +9627,8 @@
                 <a:solidFill>
                   <a:srgbClr val="FF0000"/>
                 </a:solidFill>
-                <a:latin typeface="SF Pro Semibold" pitchFamily="2" charset="0"/>
-                <a:ea typeface="SF Pro Semibold" pitchFamily="2" charset="0"/>
-                <a:cs typeface="SF Pro Semibold" pitchFamily="2" charset="0"/>
+                <a:ea typeface="SF Pro Semibold" pitchFamily="2" charset="0"/>
+                <a:cs typeface="Arial" panose="020B0604020202020204" pitchFamily="34" charset="0"/>
               </a:rPr>
               <a:t>diện</a:t>
             </a:r>
@@ -10023,9 +9637,8 @@
                 <a:solidFill>
                   <a:srgbClr val="FF0000"/>
                 </a:solidFill>
-                <a:latin typeface="SF Pro Semibold" pitchFamily="2" charset="0"/>
-                <a:ea typeface="SF Pro Semibold" pitchFamily="2" charset="0"/>
-                <a:cs typeface="SF Pro Semibold" pitchFamily="2" charset="0"/>
+                <a:ea typeface="SF Pro Semibold" pitchFamily="2" charset="0"/>
+                <a:cs typeface="Arial" panose="020B0604020202020204" pitchFamily="34" charset="0"/>
               </a:rPr>
               <a:t> </a:t>
             </a:r>
@@ -10034,9 +9647,8 @@
                 <a:solidFill>
                   <a:srgbClr val="FF0000"/>
                 </a:solidFill>
-                <a:latin typeface="SF Pro Semibold" pitchFamily="2" charset="0"/>
-                <a:ea typeface="SF Pro Semibold" pitchFamily="2" charset="0"/>
-                <a:cs typeface="SF Pro Semibold" pitchFamily="2" charset="0"/>
+                <a:ea typeface="SF Pro Semibold" pitchFamily="2" charset="0"/>
+                <a:cs typeface="Arial" panose="020B0604020202020204" pitchFamily="34" charset="0"/>
               </a:rPr>
               <a:t>khuôn</a:t>
             </a:r>
@@ -10045,9 +9657,8 @@
                 <a:solidFill>
                   <a:srgbClr val="FF0000"/>
                 </a:solidFill>
-                <a:latin typeface="SF Pro Semibold" pitchFamily="2" charset="0"/>
-                <a:ea typeface="SF Pro Semibold" pitchFamily="2" charset="0"/>
-                <a:cs typeface="SF Pro Semibold" pitchFamily="2" charset="0"/>
+                <a:ea typeface="SF Pro Semibold" pitchFamily="2" charset="0"/>
+                <a:cs typeface="Arial" panose="020B0604020202020204" pitchFamily="34" charset="0"/>
               </a:rPr>
               <a:t> </a:t>
             </a:r>
@@ -10056,9 +9667,8 @@
                 <a:solidFill>
                   <a:srgbClr val="FF0000"/>
                 </a:solidFill>
-                <a:latin typeface="SF Pro Semibold" pitchFamily="2" charset="0"/>
-                <a:ea typeface="SF Pro Semibold" pitchFamily="2" charset="0"/>
-                <a:cs typeface="SF Pro Semibold" pitchFamily="2" charset="0"/>
+                <a:ea typeface="SF Pro Semibold" pitchFamily="2" charset="0"/>
+                <a:cs typeface="Arial" panose="020B0604020202020204" pitchFamily="34" charset="0"/>
               </a:rPr>
               <a:t>mặt</a:t>
             </a:r>
@@ -10067,9 +9677,8 @@
                 <a:solidFill>
                   <a:srgbClr val="FF0000"/>
                 </a:solidFill>
-                <a:latin typeface="SF Pro Semibold" pitchFamily="2" charset="0"/>
-                <a:ea typeface="SF Pro Semibold" pitchFamily="2" charset="0"/>
-                <a:cs typeface="SF Pro Semibold" pitchFamily="2" charset="0"/>
+                <a:ea typeface="SF Pro Semibold" pitchFamily="2" charset="0"/>
+                <a:cs typeface="Arial" panose="020B0604020202020204" pitchFamily="34" charset="0"/>
               </a:rPr>
               <a:t> </a:t>
             </a:r>
@@ -10078,9 +9687,8 @@
                 <a:solidFill>
                   <a:srgbClr val="FF0000"/>
                 </a:solidFill>
-                <a:latin typeface="SF Pro Semibold" pitchFamily="2" charset="0"/>
-                <a:ea typeface="SF Pro Semibold" pitchFamily="2" charset="0"/>
-                <a:cs typeface="SF Pro Semibold" pitchFamily="2" charset="0"/>
+                <a:ea typeface="SF Pro Semibold" pitchFamily="2" charset="0"/>
+                <a:cs typeface="Arial" panose="020B0604020202020204" pitchFamily="34" charset="0"/>
               </a:rPr>
               <a:t>có</a:t>
             </a:r>
@@ -10089,9 +9697,8 @@
                 <a:solidFill>
                   <a:srgbClr val="FF0000"/>
                 </a:solidFill>
-                <a:latin typeface="SF Pro Semibold" pitchFamily="2" charset="0"/>
-                <a:ea typeface="SF Pro Semibold" pitchFamily="2" charset="0"/>
-                <a:cs typeface="SF Pro Semibold" pitchFamily="2" charset="0"/>
+                <a:ea typeface="SF Pro Semibold" pitchFamily="2" charset="0"/>
+                <a:cs typeface="Arial" panose="020B0604020202020204" pitchFamily="34" charset="0"/>
               </a:rPr>
               <a:t> an </a:t>
             </a:r>
@@ -10100,9 +9707,8 @@
                 <a:solidFill>
                   <a:srgbClr val="FF0000"/>
                 </a:solidFill>
-                <a:latin typeface="SF Pro Semibold" pitchFamily="2" charset="0"/>
-                <a:ea typeface="SF Pro Semibold" pitchFamily="2" charset="0"/>
-                <a:cs typeface="SF Pro Semibold" pitchFamily="2" charset="0"/>
+                <a:ea typeface="SF Pro Semibold" pitchFamily="2" charset="0"/>
+                <a:cs typeface="Arial" panose="020B0604020202020204" pitchFamily="34" charset="0"/>
               </a:rPr>
               <a:t>toàn</a:t>
             </a:r>
@@ -10111,9 +9717,8 @@
                 <a:solidFill>
                   <a:srgbClr val="FF0000"/>
                 </a:solidFill>
-                <a:latin typeface="SF Pro Semibold" pitchFamily="2" charset="0"/>
-                <a:ea typeface="SF Pro Semibold" pitchFamily="2" charset="0"/>
-                <a:cs typeface="SF Pro Semibold" pitchFamily="2" charset="0"/>
+                <a:ea typeface="SF Pro Semibold" pitchFamily="2" charset="0"/>
+                <a:cs typeface="Arial" panose="020B0604020202020204" pitchFamily="34" charset="0"/>
               </a:rPr>
               <a:t> </a:t>
             </a:r>
@@ -10122,9 +9727,8 @@
                 <a:solidFill>
                   <a:srgbClr val="FF0000"/>
                 </a:solidFill>
-                <a:latin typeface="SF Pro Semibold" pitchFamily="2" charset="0"/>
-                <a:ea typeface="SF Pro Semibold" pitchFamily="2" charset="0"/>
-                <a:cs typeface="SF Pro Semibold" pitchFamily="2" charset="0"/>
+                <a:ea typeface="SF Pro Semibold" pitchFamily="2" charset="0"/>
+                <a:cs typeface="Arial" panose="020B0604020202020204" pitchFamily="34" charset="0"/>
               </a:rPr>
               <a:t>không</a:t>
             </a:r>
@@ -10133,20 +9737,11 @@
                 <a:solidFill>
                   <a:srgbClr val="FF0000"/>
                 </a:solidFill>
-                <a:latin typeface="SF Pro Semibold" pitchFamily="2" charset="0"/>
-                <a:ea typeface="SF Pro Semibold" pitchFamily="2" charset="0"/>
-                <a:cs typeface="SF Pro Semibold" pitchFamily="2" charset="0"/>
+                <a:ea typeface="SF Pro Semibold" pitchFamily="2" charset="0"/>
+                <a:cs typeface="Arial" panose="020B0604020202020204" pitchFamily="34" charset="0"/>
               </a:rPr>
               <a:t>?:  </a:t>
             </a:r>
-            <a:endParaRPr lang="en-US" sz="2800" dirty="0">
-              <a:solidFill>
-                <a:srgbClr val="FF0000"/>
-              </a:solidFill>
-              <a:latin typeface="SF Pro Semibold" pitchFamily="2" charset="0"/>
-              <a:ea typeface="SF Pro Semibold" pitchFamily="2" charset="0"/>
-              <a:cs typeface="SF Pro Semibold" pitchFamily="2" charset="0"/>
-            </a:endParaRPr>
           </a:p>
           <a:p>
             <a:pPr marL="457200" indent="-457200">
@@ -10158,211 +9753,180 @@
             </a:pPr>
             <a:r>
               <a:rPr lang="en-US" sz="2400" dirty="0" err="1">
-                <a:latin typeface="SF Pro Semibold" pitchFamily="2" charset="0"/>
-                <a:ea typeface="SF Pro Semibold" pitchFamily="2" charset="0"/>
-                <a:cs typeface="SF Pro Semibold" pitchFamily="2" charset="0"/>
+                <a:ea typeface="SF Pro Semibold" pitchFamily="2" charset="0"/>
+                <a:cs typeface="Arial" panose="020B0604020202020204" pitchFamily="34" charset="0"/>
               </a:rPr>
               <a:t>Sử</a:t>
             </a:r>
             <a:r>
               <a:rPr lang="en-US" sz="2400" dirty="0">
-                <a:latin typeface="SF Pro Semibold" pitchFamily="2" charset="0"/>
-                <a:ea typeface="SF Pro Semibold" pitchFamily="2" charset="0"/>
-                <a:cs typeface="SF Pro Semibold" pitchFamily="2" charset="0"/>
+                <a:ea typeface="SF Pro Semibold" pitchFamily="2" charset="0"/>
+                <a:cs typeface="Arial" panose="020B0604020202020204" pitchFamily="34" charset="0"/>
               </a:rPr>
               <a:t> dụng </a:t>
             </a:r>
             <a:r>
               <a:rPr lang="en-US" sz="2400" dirty="0" err="1">
-                <a:latin typeface="SF Pro Semibold" pitchFamily="2" charset="0"/>
-                <a:ea typeface="SF Pro Semibold" pitchFamily="2" charset="0"/>
-                <a:cs typeface="SF Pro Semibold" pitchFamily="2" charset="0"/>
+                <a:ea typeface="SF Pro Semibold" pitchFamily="2" charset="0"/>
+                <a:cs typeface="Arial" panose="020B0604020202020204" pitchFamily="34" charset="0"/>
               </a:rPr>
               <a:t>các</a:t>
             </a:r>
             <a:r>
               <a:rPr lang="en-US" sz="2400" dirty="0">
-                <a:latin typeface="SF Pro Semibold" pitchFamily="2" charset="0"/>
-                <a:ea typeface="SF Pro Semibold" pitchFamily="2" charset="0"/>
-                <a:cs typeface="SF Pro Semibold" pitchFamily="2" charset="0"/>
+                <a:ea typeface="SF Pro Semibold" pitchFamily="2" charset="0"/>
+                <a:cs typeface="Arial" panose="020B0604020202020204" pitchFamily="34" charset="0"/>
               </a:rPr>
               <a:t> </a:t>
             </a:r>
             <a:r>
               <a:rPr lang="en-US" sz="2400" dirty="0" err="1">
-                <a:latin typeface="SF Pro Semibold" pitchFamily="2" charset="0"/>
-                <a:ea typeface="SF Pro Semibold" pitchFamily="2" charset="0"/>
-                <a:cs typeface="SF Pro Semibold" pitchFamily="2" charset="0"/>
+                <a:ea typeface="SF Pro Semibold" pitchFamily="2" charset="0"/>
+                <a:cs typeface="Arial" panose="020B0604020202020204" pitchFamily="34" charset="0"/>
               </a:rPr>
               <a:t>thuật</a:t>
             </a:r>
             <a:r>
               <a:rPr lang="en-US" sz="2400" dirty="0">
-                <a:latin typeface="SF Pro Semibold" pitchFamily="2" charset="0"/>
-                <a:ea typeface="SF Pro Semibold" pitchFamily="2" charset="0"/>
-                <a:cs typeface="SF Pro Semibold" pitchFamily="2" charset="0"/>
+                <a:ea typeface="SF Pro Semibold" pitchFamily="2" charset="0"/>
+                <a:cs typeface="Arial" panose="020B0604020202020204" pitchFamily="34" charset="0"/>
               </a:rPr>
               <a:t> </a:t>
             </a:r>
             <a:r>
               <a:rPr lang="en-US" sz="2400" dirty="0" err="1">
-                <a:latin typeface="SF Pro Semibold" pitchFamily="2" charset="0"/>
-                <a:ea typeface="SF Pro Semibold" pitchFamily="2" charset="0"/>
-                <a:cs typeface="SF Pro Semibold" pitchFamily="2" charset="0"/>
+                <a:ea typeface="SF Pro Semibold" pitchFamily="2" charset="0"/>
+                <a:cs typeface="Arial" panose="020B0604020202020204" pitchFamily="34" charset="0"/>
               </a:rPr>
               <a:t>toán</a:t>
             </a:r>
             <a:r>
               <a:rPr lang="en-US" sz="2400" dirty="0">
-                <a:latin typeface="SF Pro Semibold" pitchFamily="2" charset="0"/>
-                <a:ea typeface="SF Pro Semibold" pitchFamily="2" charset="0"/>
-                <a:cs typeface="SF Pro Semibold" pitchFamily="2" charset="0"/>
+                <a:ea typeface="SF Pro Semibold" pitchFamily="2" charset="0"/>
+                <a:cs typeface="Arial" panose="020B0604020202020204" pitchFamily="34" charset="0"/>
               </a:rPr>
               <a:t> </a:t>
             </a:r>
             <a:r>
               <a:rPr lang="en-US" sz="2400" dirty="0" err="1">
-                <a:latin typeface="SF Pro Semibold" pitchFamily="2" charset="0"/>
-                <a:ea typeface="SF Pro Semibold" pitchFamily="2" charset="0"/>
-                <a:cs typeface="SF Pro Semibold" pitchFamily="2" charset="0"/>
+                <a:ea typeface="SF Pro Semibold" pitchFamily="2" charset="0"/>
+                <a:cs typeface="Arial" panose="020B0604020202020204" pitchFamily="34" charset="0"/>
               </a:rPr>
               <a:t>để</a:t>
             </a:r>
             <a:r>
               <a:rPr lang="en-US" sz="2400" dirty="0">
-                <a:latin typeface="SF Pro Semibold" pitchFamily="2" charset="0"/>
-                <a:ea typeface="SF Pro Semibold" pitchFamily="2" charset="0"/>
-                <a:cs typeface="SF Pro Semibold" pitchFamily="2" charset="0"/>
+                <a:ea typeface="SF Pro Semibold" pitchFamily="2" charset="0"/>
+                <a:cs typeface="Arial" panose="020B0604020202020204" pitchFamily="34" charset="0"/>
               </a:rPr>
               <a:t> </a:t>
             </a:r>
             <a:r>
               <a:rPr lang="en-US" sz="2400" dirty="0" err="1">
-                <a:latin typeface="SF Pro Semibold" pitchFamily="2" charset="0"/>
-                <a:ea typeface="SF Pro Semibold" pitchFamily="2" charset="0"/>
-                <a:cs typeface="SF Pro Semibold" pitchFamily="2" charset="0"/>
+                <a:ea typeface="SF Pro Semibold" pitchFamily="2" charset="0"/>
+                <a:cs typeface="Arial" panose="020B0604020202020204" pitchFamily="34" charset="0"/>
               </a:rPr>
               <a:t>mã</a:t>
             </a:r>
             <a:r>
               <a:rPr lang="en-US" sz="2400" dirty="0">
-                <a:latin typeface="SF Pro Semibold" pitchFamily="2" charset="0"/>
-                <a:ea typeface="SF Pro Semibold" pitchFamily="2" charset="0"/>
-                <a:cs typeface="SF Pro Semibold" pitchFamily="2" charset="0"/>
+                <a:ea typeface="SF Pro Semibold" pitchFamily="2" charset="0"/>
+                <a:cs typeface="Arial" panose="020B0604020202020204" pitchFamily="34" charset="0"/>
               </a:rPr>
               <a:t> </a:t>
             </a:r>
             <a:r>
               <a:rPr lang="en-US" sz="2400" dirty="0" err="1">
-                <a:latin typeface="SF Pro Semibold" pitchFamily="2" charset="0"/>
-                <a:ea typeface="SF Pro Semibold" pitchFamily="2" charset="0"/>
-                <a:cs typeface="SF Pro Semibold" pitchFamily="2" charset="0"/>
+                <a:ea typeface="SF Pro Semibold" pitchFamily="2" charset="0"/>
+                <a:cs typeface="Arial" panose="020B0604020202020204" pitchFamily="34" charset="0"/>
               </a:rPr>
               <a:t>hóa</a:t>
             </a:r>
             <a:r>
               <a:rPr lang="en-US" sz="2400" dirty="0">
-                <a:latin typeface="SF Pro Semibold" pitchFamily="2" charset="0"/>
-                <a:ea typeface="SF Pro Semibold" pitchFamily="2" charset="0"/>
-                <a:cs typeface="SF Pro Semibold" pitchFamily="2" charset="0"/>
+                <a:ea typeface="SF Pro Semibold" pitchFamily="2" charset="0"/>
+                <a:cs typeface="Arial" panose="020B0604020202020204" pitchFamily="34" charset="0"/>
               </a:rPr>
               <a:t> </a:t>
             </a:r>
             <a:r>
               <a:rPr lang="en-US" sz="2400" dirty="0" err="1">
-                <a:latin typeface="SF Pro Semibold" pitchFamily="2" charset="0"/>
-                <a:ea typeface="SF Pro Semibold" pitchFamily="2" charset="0"/>
-                <a:cs typeface="SF Pro Semibold" pitchFamily="2" charset="0"/>
+                <a:ea typeface="SF Pro Semibold" pitchFamily="2" charset="0"/>
+                <a:cs typeface="Arial" panose="020B0604020202020204" pitchFamily="34" charset="0"/>
               </a:rPr>
               <a:t>dữ</a:t>
             </a:r>
             <a:r>
               <a:rPr lang="en-US" sz="2400" dirty="0">
-                <a:latin typeface="SF Pro Semibold" pitchFamily="2" charset="0"/>
-                <a:ea typeface="SF Pro Semibold" pitchFamily="2" charset="0"/>
-                <a:cs typeface="SF Pro Semibold" pitchFamily="2" charset="0"/>
+                <a:ea typeface="SF Pro Semibold" pitchFamily="2" charset="0"/>
+                <a:cs typeface="Arial" panose="020B0604020202020204" pitchFamily="34" charset="0"/>
               </a:rPr>
               <a:t> </a:t>
             </a:r>
             <a:r>
               <a:rPr lang="en-US" sz="2400" dirty="0" err="1">
-                <a:latin typeface="SF Pro Semibold" pitchFamily="2" charset="0"/>
-                <a:ea typeface="SF Pro Semibold" pitchFamily="2" charset="0"/>
-                <a:cs typeface="SF Pro Semibold" pitchFamily="2" charset="0"/>
+                <a:ea typeface="SF Pro Semibold" pitchFamily="2" charset="0"/>
+                <a:cs typeface="Arial" panose="020B0604020202020204" pitchFamily="34" charset="0"/>
               </a:rPr>
               <a:t>liệu</a:t>
             </a:r>
             <a:r>
               <a:rPr lang="en-US" sz="2400" dirty="0">
-                <a:latin typeface="SF Pro Semibold" pitchFamily="2" charset="0"/>
-                <a:ea typeface="SF Pro Semibold" pitchFamily="2" charset="0"/>
-                <a:cs typeface="SF Pro Semibold" pitchFamily="2" charset="0"/>
+                <a:ea typeface="SF Pro Semibold" pitchFamily="2" charset="0"/>
+                <a:cs typeface="Arial" panose="020B0604020202020204" pitchFamily="34" charset="0"/>
               </a:rPr>
               <a:t> </a:t>
             </a:r>
             <a:r>
               <a:rPr lang="en-US" sz="2400" dirty="0" err="1">
-                <a:latin typeface="SF Pro Semibold" pitchFamily="2" charset="0"/>
-                <a:ea typeface="SF Pro Semibold" pitchFamily="2" charset="0"/>
-                <a:cs typeface="SF Pro Semibold" pitchFamily="2" charset="0"/>
+                <a:ea typeface="SF Pro Semibold" pitchFamily="2" charset="0"/>
+                <a:cs typeface="Arial" panose="020B0604020202020204" pitchFamily="34" charset="0"/>
               </a:rPr>
               <a:t>sinh</a:t>
             </a:r>
             <a:r>
               <a:rPr lang="en-US" sz="2400" dirty="0">
-                <a:latin typeface="SF Pro Semibold" pitchFamily="2" charset="0"/>
-                <a:ea typeface="SF Pro Semibold" pitchFamily="2" charset="0"/>
-                <a:cs typeface="SF Pro Semibold" pitchFamily="2" charset="0"/>
+                <a:ea typeface="SF Pro Semibold" pitchFamily="2" charset="0"/>
+                <a:cs typeface="Arial" panose="020B0604020202020204" pitchFamily="34" charset="0"/>
               </a:rPr>
               <a:t> </a:t>
             </a:r>
             <a:r>
               <a:rPr lang="en-US" sz="2400" dirty="0" err="1">
-                <a:latin typeface="SF Pro Semibold" pitchFamily="2" charset="0"/>
-                <a:ea typeface="SF Pro Semibold" pitchFamily="2" charset="0"/>
-                <a:cs typeface="SF Pro Semibold" pitchFamily="2" charset="0"/>
+                <a:ea typeface="SF Pro Semibold" pitchFamily="2" charset="0"/>
+                <a:cs typeface="Arial" panose="020B0604020202020204" pitchFamily="34" charset="0"/>
               </a:rPr>
               <a:t>trắc</a:t>
             </a:r>
             <a:r>
               <a:rPr lang="en-US" sz="2400" dirty="0">
-                <a:latin typeface="SF Pro Semibold" pitchFamily="2" charset="0"/>
-                <a:ea typeface="SF Pro Semibold" pitchFamily="2" charset="0"/>
-                <a:cs typeface="SF Pro Semibold" pitchFamily="2" charset="0"/>
+                <a:ea typeface="SF Pro Semibold" pitchFamily="2" charset="0"/>
+                <a:cs typeface="Arial" panose="020B0604020202020204" pitchFamily="34" charset="0"/>
               </a:rPr>
               <a:t> </a:t>
             </a:r>
             <a:r>
               <a:rPr lang="en-US" sz="2400" dirty="0" err="1">
-                <a:latin typeface="SF Pro Semibold" pitchFamily="2" charset="0"/>
-                <a:ea typeface="SF Pro Semibold" pitchFamily="2" charset="0"/>
-                <a:cs typeface="SF Pro Semibold" pitchFamily="2" charset="0"/>
+                <a:ea typeface="SF Pro Semibold" pitchFamily="2" charset="0"/>
+                <a:cs typeface="Arial" panose="020B0604020202020204" pitchFamily="34" charset="0"/>
               </a:rPr>
               <a:t>học</a:t>
             </a:r>
             <a:r>
               <a:rPr lang="en-US" sz="2400" dirty="0">
-                <a:latin typeface="SF Pro Semibold" pitchFamily="2" charset="0"/>
-                <a:ea typeface="SF Pro Semibold" pitchFamily="2" charset="0"/>
-                <a:cs typeface="SF Pro Semibold" pitchFamily="2" charset="0"/>
+                <a:ea typeface="SF Pro Semibold" pitchFamily="2" charset="0"/>
+                <a:cs typeface="Arial" panose="020B0604020202020204" pitchFamily="34" charset="0"/>
               </a:rPr>
               <a:t>. </a:t>
             </a:r>
             <a:r>
               <a:rPr lang="en-US" sz="2400" dirty="0">
                 <a:effectLst/>
-                <a:latin typeface="SF Pro Semibold" pitchFamily="2" charset="0"/>
-                <a:ea typeface="SF Pro Semibold" pitchFamily="2" charset="0"/>
-                <a:cs typeface="SF Pro Semibold" pitchFamily="2" charset="0"/>
+                <a:ea typeface="SF Pro Semibold" pitchFamily="2" charset="0"/>
+                <a:cs typeface="Arial" panose="020B0604020202020204" pitchFamily="34" charset="0"/>
               </a:rPr>
               <a:t> </a:t>
             </a:r>
-            <a:endParaRPr lang="en-US" sz="2400" dirty="0">
-              <a:effectLst/>
-              <a:latin typeface="SF Pro Semibold" pitchFamily="2" charset="0"/>
-              <a:ea typeface="SF Pro Semibold" pitchFamily="2" charset="0"/>
-              <a:cs typeface="SF Pro Semibold" pitchFamily="2" charset="0"/>
-            </a:endParaRPr>
           </a:p>
           <a:p>
             <a:pPr marL="457200" indent="-457200">
@@ -10374,185 +9938,158 @@
             </a:pPr>
             <a:r>
               <a:rPr lang="en-US" sz="2400" dirty="0" err="1">
-                <a:latin typeface="SF Pro Semibold" pitchFamily="2" charset="0"/>
-                <a:ea typeface="SF Pro Semibold" pitchFamily="2" charset="0"/>
-                <a:cs typeface="SF Pro Semibold" pitchFamily="2" charset="0"/>
+                <a:ea typeface="SF Pro Semibold" pitchFamily="2" charset="0"/>
+                <a:cs typeface="Arial" panose="020B0604020202020204" pitchFamily="34" charset="0"/>
               </a:rPr>
               <a:t>Các</a:t>
             </a:r>
             <a:r>
               <a:rPr lang="en-US" sz="2400" dirty="0">
-                <a:latin typeface="SF Pro Semibold" pitchFamily="2" charset="0"/>
-                <a:ea typeface="SF Pro Semibold" pitchFamily="2" charset="0"/>
-                <a:cs typeface="SF Pro Semibold" pitchFamily="2" charset="0"/>
+                <a:ea typeface="SF Pro Semibold" pitchFamily="2" charset="0"/>
+                <a:cs typeface="Arial" panose="020B0604020202020204" pitchFamily="34" charset="0"/>
               </a:rPr>
               <a:t> </a:t>
             </a:r>
             <a:r>
               <a:rPr lang="en-US" sz="2400" dirty="0" err="1">
-                <a:latin typeface="SF Pro Semibold" pitchFamily="2" charset="0"/>
-                <a:ea typeface="SF Pro Semibold" pitchFamily="2" charset="0"/>
-                <a:cs typeface="SF Pro Semibold" pitchFamily="2" charset="0"/>
+                <a:ea typeface="SF Pro Semibold" pitchFamily="2" charset="0"/>
+                <a:cs typeface="Arial" panose="020B0604020202020204" pitchFamily="34" charset="0"/>
               </a:rPr>
               <a:t>dữ</a:t>
             </a:r>
             <a:r>
               <a:rPr lang="en-US" sz="2400" dirty="0">
-                <a:latin typeface="SF Pro Semibold" pitchFamily="2" charset="0"/>
-                <a:ea typeface="SF Pro Semibold" pitchFamily="2" charset="0"/>
-                <a:cs typeface="SF Pro Semibold" pitchFamily="2" charset="0"/>
+                <a:ea typeface="SF Pro Semibold" pitchFamily="2" charset="0"/>
+                <a:cs typeface="Arial" panose="020B0604020202020204" pitchFamily="34" charset="0"/>
               </a:rPr>
               <a:t> </a:t>
             </a:r>
             <a:r>
               <a:rPr lang="en-US" sz="2400" dirty="0" err="1">
-                <a:latin typeface="SF Pro Semibold" pitchFamily="2" charset="0"/>
-                <a:ea typeface="SF Pro Semibold" pitchFamily="2" charset="0"/>
-                <a:cs typeface="SF Pro Semibold" pitchFamily="2" charset="0"/>
+                <a:ea typeface="SF Pro Semibold" pitchFamily="2" charset="0"/>
+                <a:cs typeface="Arial" panose="020B0604020202020204" pitchFamily="34" charset="0"/>
               </a:rPr>
               <a:t>liệu</a:t>
             </a:r>
             <a:r>
               <a:rPr lang="en-US" sz="2400" dirty="0">
-                <a:latin typeface="SF Pro Semibold" pitchFamily="2" charset="0"/>
-                <a:ea typeface="SF Pro Semibold" pitchFamily="2" charset="0"/>
-                <a:cs typeface="SF Pro Semibold" pitchFamily="2" charset="0"/>
+                <a:ea typeface="SF Pro Semibold" pitchFamily="2" charset="0"/>
+                <a:cs typeface="Arial" panose="020B0604020202020204" pitchFamily="34" charset="0"/>
               </a:rPr>
               <a:t> </a:t>
             </a:r>
             <a:r>
               <a:rPr lang="en-US" sz="2400" dirty="0" err="1">
-                <a:latin typeface="SF Pro Semibold" pitchFamily="2" charset="0"/>
-                <a:ea typeface="SF Pro Semibold" pitchFamily="2" charset="0"/>
-                <a:cs typeface="SF Pro Semibold" pitchFamily="2" charset="0"/>
+                <a:ea typeface="SF Pro Semibold" pitchFamily="2" charset="0"/>
+                <a:cs typeface="Arial" panose="020B0604020202020204" pitchFamily="34" charset="0"/>
               </a:rPr>
               <a:t>này</a:t>
             </a:r>
             <a:r>
               <a:rPr lang="en-US" sz="2400" dirty="0">
-                <a:latin typeface="SF Pro Semibold" pitchFamily="2" charset="0"/>
-                <a:ea typeface="SF Pro Semibold" pitchFamily="2" charset="0"/>
-                <a:cs typeface="SF Pro Semibold" pitchFamily="2" charset="0"/>
+                <a:ea typeface="SF Pro Semibold" pitchFamily="2" charset="0"/>
+                <a:cs typeface="Arial" panose="020B0604020202020204" pitchFamily="34" charset="0"/>
               </a:rPr>
               <a:t> </a:t>
             </a:r>
             <a:r>
               <a:rPr lang="en-US" sz="2400" dirty="0" err="1">
-                <a:latin typeface="SF Pro Semibold" pitchFamily="2" charset="0"/>
-                <a:ea typeface="SF Pro Semibold" pitchFamily="2" charset="0"/>
-                <a:cs typeface="SF Pro Semibold" pitchFamily="2" charset="0"/>
+                <a:ea typeface="SF Pro Semibold" pitchFamily="2" charset="0"/>
+                <a:cs typeface="Arial" panose="020B0604020202020204" pitchFamily="34" charset="0"/>
               </a:rPr>
               <a:t>được</a:t>
             </a:r>
             <a:r>
               <a:rPr lang="en-US" sz="2400" dirty="0">
-                <a:latin typeface="SF Pro Semibold" pitchFamily="2" charset="0"/>
-                <a:ea typeface="SF Pro Semibold" pitchFamily="2" charset="0"/>
-                <a:cs typeface="SF Pro Semibold" pitchFamily="2" charset="0"/>
+                <a:ea typeface="SF Pro Semibold" pitchFamily="2" charset="0"/>
+                <a:cs typeface="Arial" panose="020B0604020202020204" pitchFamily="34" charset="0"/>
               </a:rPr>
               <a:t> </a:t>
             </a:r>
             <a:r>
               <a:rPr lang="en-US" sz="2400" dirty="0" err="1">
-                <a:latin typeface="SF Pro Semibold" pitchFamily="2" charset="0"/>
-                <a:ea typeface="SF Pro Semibold" pitchFamily="2" charset="0"/>
-                <a:cs typeface="SF Pro Semibold" pitchFamily="2" charset="0"/>
+                <a:ea typeface="SF Pro Semibold" pitchFamily="2" charset="0"/>
+                <a:cs typeface="Arial" panose="020B0604020202020204" pitchFamily="34" charset="0"/>
               </a:rPr>
               <a:t>lưu</a:t>
             </a:r>
             <a:r>
               <a:rPr lang="en-US" sz="2400" dirty="0">
-                <a:latin typeface="SF Pro Semibold" pitchFamily="2" charset="0"/>
-                <a:ea typeface="SF Pro Semibold" pitchFamily="2" charset="0"/>
-                <a:cs typeface="SF Pro Semibold" pitchFamily="2" charset="0"/>
+                <a:ea typeface="SF Pro Semibold" pitchFamily="2" charset="0"/>
+                <a:cs typeface="Arial" panose="020B0604020202020204" pitchFamily="34" charset="0"/>
               </a:rPr>
               <a:t> </a:t>
             </a:r>
             <a:r>
               <a:rPr lang="en-US" sz="2400" dirty="0" err="1">
-                <a:latin typeface="SF Pro Semibold" pitchFamily="2" charset="0"/>
-                <a:ea typeface="SF Pro Semibold" pitchFamily="2" charset="0"/>
-                <a:cs typeface="SF Pro Semibold" pitchFamily="2" charset="0"/>
+                <a:ea typeface="SF Pro Semibold" pitchFamily="2" charset="0"/>
+                <a:cs typeface="Arial" panose="020B0604020202020204" pitchFamily="34" charset="0"/>
               </a:rPr>
               <a:t>trữ</a:t>
             </a:r>
             <a:r>
               <a:rPr lang="en-US" sz="2400" dirty="0">
-                <a:latin typeface="SF Pro Semibold" pitchFamily="2" charset="0"/>
-                <a:ea typeface="SF Pro Semibold" pitchFamily="2" charset="0"/>
-                <a:cs typeface="SF Pro Semibold" pitchFamily="2" charset="0"/>
+                <a:ea typeface="SF Pro Semibold" pitchFamily="2" charset="0"/>
+                <a:cs typeface="Arial" panose="020B0604020202020204" pitchFamily="34" charset="0"/>
               </a:rPr>
               <a:t> </a:t>
             </a:r>
             <a:r>
               <a:rPr lang="en-US" sz="2400" dirty="0" err="1">
-                <a:latin typeface="SF Pro Semibold" pitchFamily="2" charset="0"/>
-                <a:ea typeface="SF Pro Semibold" pitchFamily="2" charset="0"/>
-                <a:cs typeface="SF Pro Semibold" pitchFamily="2" charset="0"/>
+                <a:ea typeface="SF Pro Semibold" pitchFamily="2" charset="0"/>
+                <a:cs typeface="Arial" panose="020B0604020202020204" pitchFamily="34" charset="0"/>
               </a:rPr>
               <a:t>dưới</a:t>
             </a:r>
             <a:r>
               <a:rPr lang="en-US" sz="2400" dirty="0">
-                <a:latin typeface="SF Pro Semibold" pitchFamily="2" charset="0"/>
-                <a:ea typeface="SF Pro Semibold" pitchFamily="2" charset="0"/>
-                <a:cs typeface="SF Pro Semibold" pitchFamily="2" charset="0"/>
+                <a:ea typeface="SF Pro Semibold" pitchFamily="2" charset="0"/>
+                <a:cs typeface="Arial" panose="020B0604020202020204" pitchFamily="34" charset="0"/>
               </a:rPr>
               <a:t> </a:t>
             </a:r>
             <a:r>
               <a:rPr lang="en-US" sz="2400" dirty="0" err="1">
-                <a:latin typeface="SF Pro Semibold" pitchFamily="2" charset="0"/>
-                <a:ea typeface="SF Pro Semibold" pitchFamily="2" charset="0"/>
-                <a:cs typeface="SF Pro Semibold" pitchFamily="2" charset="0"/>
+                <a:ea typeface="SF Pro Semibold" pitchFamily="2" charset="0"/>
+                <a:cs typeface="Arial" panose="020B0604020202020204" pitchFamily="34" charset="0"/>
               </a:rPr>
               <a:t>dạng</a:t>
             </a:r>
             <a:r>
               <a:rPr lang="en-US" sz="2400" dirty="0">
-                <a:latin typeface="SF Pro Semibold" pitchFamily="2" charset="0"/>
-                <a:ea typeface="SF Pro Semibold" pitchFamily="2" charset="0"/>
-                <a:cs typeface="SF Pro Semibold" pitchFamily="2" charset="0"/>
+                <a:ea typeface="SF Pro Semibold" pitchFamily="2" charset="0"/>
+                <a:cs typeface="Arial" panose="020B0604020202020204" pitchFamily="34" charset="0"/>
               </a:rPr>
               <a:t> </a:t>
             </a:r>
             <a:r>
               <a:rPr lang="en-US" sz="2400" dirty="0" err="1">
-                <a:latin typeface="SF Pro Semibold" pitchFamily="2" charset="0"/>
-                <a:ea typeface="SF Pro Semibold" pitchFamily="2" charset="0"/>
-                <a:cs typeface="SF Pro Semibold" pitchFamily="2" charset="0"/>
+                <a:ea typeface="SF Pro Semibold" pitchFamily="2" charset="0"/>
+                <a:cs typeface="Arial" panose="020B0604020202020204" pitchFamily="34" charset="0"/>
               </a:rPr>
               <a:t>ẩn</a:t>
             </a:r>
             <a:r>
               <a:rPr lang="en-US" sz="2400" dirty="0">
-                <a:latin typeface="SF Pro Semibold" pitchFamily="2" charset="0"/>
-                <a:ea typeface="SF Pro Semibold" pitchFamily="2" charset="0"/>
-                <a:cs typeface="SF Pro Semibold" pitchFamily="2" charset="0"/>
+                <a:ea typeface="SF Pro Semibold" pitchFamily="2" charset="0"/>
+                <a:cs typeface="Arial" panose="020B0604020202020204" pitchFamily="34" charset="0"/>
               </a:rPr>
               <a:t> </a:t>
             </a:r>
             <a:r>
               <a:rPr lang="en-US" sz="2400" dirty="0" err="1">
-                <a:latin typeface="SF Pro Semibold" pitchFamily="2" charset="0"/>
-                <a:ea typeface="SF Pro Semibold" pitchFamily="2" charset="0"/>
-                <a:cs typeface="SF Pro Semibold" pitchFamily="2" charset="0"/>
+                <a:ea typeface="SF Pro Semibold" pitchFamily="2" charset="0"/>
+                <a:cs typeface="Arial" panose="020B0604020202020204" pitchFamily="34" charset="0"/>
               </a:rPr>
               <a:t>danh</a:t>
             </a:r>
             <a:r>
               <a:rPr lang="en-US" sz="2400" dirty="0">
-                <a:latin typeface="SF Pro Semibold" pitchFamily="2" charset="0"/>
-                <a:ea typeface="SF Pro Semibold" pitchFamily="2" charset="0"/>
-                <a:cs typeface="SF Pro Semibold" pitchFamily="2" charset="0"/>
+                <a:ea typeface="SF Pro Semibold" pitchFamily="2" charset="0"/>
+                <a:cs typeface="Arial" panose="020B0604020202020204" pitchFamily="34" charset="0"/>
               </a:rPr>
               <a:t>. </a:t>
             </a:r>
-            <a:endParaRPr lang="en-US" sz="2400" dirty="0">
-              <a:latin typeface="SF Pro Semibold" pitchFamily="2" charset="0"/>
-              <a:ea typeface="SF Pro Semibold" pitchFamily="2" charset="0"/>
-              <a:cs typeface="SF Pro Semibold" pitchFamily="2" charset="0"/>
-            </a:endParaRPr>
           </a:p>
           <a:p>
             <a:pPr>
@@ -10562,17 +10099,11 @@
             </a:pPr>
             <a:r>
               <a:rPr lang="en-US" sz="2400" dirty="0">
-                <a:latin typeface="SF Pro Semibold" pitchFamily="2" charset="0"/>
-                <a:ea typeface="SF Pro Semibold" pitchFamily="2" charset="0"/>
-                <a:cs typeface="SF Pro Semibold" pitchFamily="2" charset="0"/>
+                <a:ea typeface="SF Pro Semibold" pitchFamily="2" charset="0"/>
+                <a:cs typeface="Arial" panose="020B0604020202020204" pitchFamily="34" charset="0"/>
               </a:rPr>
               <a:t>	</a:t>
             </a:r>
-            <a:endParaRPr lang="en-US" sz="2400" dirty="0">
-              <a:latin typeface="SF Pro Semibold" pitchFamily="2" charset="0"/>
-              <a:ea typeface="SF Pro Semibold" pitchFamily="2" charset="0"/>
-              <a:cs typeface="SF Pro Semibold" pitchFamily="2" charset="0"/>
-            </a:endParaRPr>
           </a:p>
           <a:p>
             <a:pPr>
@@ -10582,129 +10113,109 @@
             </a:pPr>
             <a:r>
               <a:rPr lang="en-US" sz="2400" dirty="0">
-                <a:latin typeface="SF Pro Semibold" pitchFamily="2" charset="0"/>
-                <a:ea typeface="SF Pro Semibold" pitchFamily="2" charset="0"/>
-                <a:cs typeface="SF Pro Semibold" pitchFamily="2" charset="0"/>
+                <a:ea typeface="SF Pro Semibold" pitchFamily="2" charset="0"/>
+                <a:cs typeface="Arial" panose="020B0604020202020204" pitchFamily="34" charset="0"/>
               </a:rPr>
               <a:t>=&gt; </a:t>
             </a:r>
             <a:r>
               <a:rPr lang="en-US" sz="2400" dirty="0" err="1">
-                <a:latin typeface="SF Pro Semibold" pitchFamily="2" charset="0"/>
-                <a:ea typeface="SF Pro Semibold" pitchFamily="2" charset="0"/>
-                <a:cs typeface="SF Pro Semibold" pitchFamily="2" charset="0"/>
+                <a:ea typeface="SF Pro Semibold" pitchFamily="2" charset="0"/>
+                <a:cs typeface="Arial" panose="020B0604020202020204" pitchFamily="34" charset="0"/>
               </a:rPr>
               <a:t>Công</a:t>
             </a:r>
             <a:r>
               <a:rPr lang="en-US" sz="2400" dirty="0">
-                <a:latin typeface="SF Pro Semibold" pitchFamily="2" charset="0"/>
-                <a:ea typeface="SF Pro Semibold" pitchFamily="2" charset="0"/>
-                <a:cs typeface="SF Pro Semibold" pitchFamily="2" charset="0"/>
+                <a:ea typeface="SF Pro Semibold" pitchFamily="2" charset="0"/>
+                <a:cs typeface="Arial" panose="020B0604020202020204" pitchFamily="34" charset="0"/>
               </a:rPr>
               <a:t> </a:t>
             </a:r>
             <a:r>
               <a:rPr lang="en-US" sz="2400" dirty="0" err="1">
-                <a:latin typeface="SF Pro Semibold" pitchFamily="2" charset="0"/>
-                <a:ea typeface="SF Pro Semibold" pitchFamily="2" charset="0"/>
-                <a:cs typeface="SF Pro Semibold" pitchFamily="2" charset="0"/>
+                <a:ea typeface="SF Pro Semibold" pitchFamily="2" charset="0"/>
+                <a:cs typeface="Arial" panose="020B0604020202020204" pitchFamily="34" charset="0"/>
               </a:rPr>
               <a:t>nghệ</a:t>
             </a:r>
             <a:r>
               <a:rPr lang="en-US" sz="2400" dirty="0">
-                <a:latin typeface="SF Pro Semibold" pitchFamily="2" charset="0"/>
-                <a:ea typeface="SF Pro Semibold" pitchFamily="2" charset="0"/>
-                <a:cs typeface="SF Pro Semibold" pitchFamily="2" charset="0"/>
+                <a:ea typeface="SF Pro Semibold" pitchFamily="2" charset="0"/>
+                <a:cs typeface="Arial" panose="020B0604020202020204" pitchFamily="34" charset="0"/>
               </a:rPr>
               <a:t> </a:t>
             </a:r>
             <a:r>
               <a:rPr lang="en-US" sz="2400" dirty="0" err="1">
-                <a:latin typeface="SF Pro Semibold" pitchFamily="2" charset="0"/>
-                <a:ea typeface="SF Pro Semibold" pitchFamily="2" charset="0"/>
-                <a:cs typeface="SF Pro Semibold" pitchFamily="2" charset="0"/>
+                <a:ea typeface="SF Pro Semibold" pitchFamily="2" charset="0"/>
+                <a:cs typeface="Arial" panose="020B0604020202020204" pitchFamily="34" charset="0"/>
               </a:rPr>
               <a:t>này</a:t>
             </a:r>
             <a:r>
               <a:rPr lang="en-US" sz="2400" dirty="0">
-                <a:latin typeface="SF Pro Semibold" pitchFamily="2" charset="0"/>
-                <a:ea typeface="SF Pro Semibold" pitchFamily="2" charset="0"/>
-                <a:cs typeface="SF Pro Semibold" pitchFamily="2" charset="0"/>
+                <a:ea typeface="SF Pro Semibold" pitchFamily="2" charset="0"/>
+                <a:cs typeface="Arial" panose="020B0604020202020204" pitchFamily="34" charset="0"/>
               </a:rPr>
               <a:t> </a:t>
             </a:r>
             <a:r>
               <a:rPr lang="en-US" sz="2400" dirty="0" err="1">
-                <a:latin typeface="SF Pro Semibold" pitchFamily="2" charset="0"/>
-                <a:ea typeface="SF Pro Semibold" pitchFamily="2" charset="0"/>
-                <a:cs typeface="SF Pro Semibold" pitchFamily="2" charset="0"/>
+                <a:ea typeface="SF Pro Semibold" pitchFamily="2" charset="0"/>
+                <a:cs typeface="Arial" panose="020B0604020202020204" pitchFamily="34" charset="0"/>
               </a:rPr>
               <a:t>có</a:t>
             </a:r>
             <a:r>
               <a:rPr lang="en-US" sz="2400" dirty="0">
-                <a:latin typeface="SF Pro Semibold" pitchFamily="2" charset="0"/>
-                <a:ea typeface="SF Pro Semibold" pitchFamily="2" charset="0"/>
-                <a:cs typeface="SF Pro Semibold" pitchFamily="2" charset="0"/>
+                <a:ea typeface="SF Pro Semibold" pitchFamily="2" charset="0"/>
+                <a:cs typeface="Arial" panose="020B0604020202020204" pitchFamily="34" charset="0"/>
               </a:rPr>
               <a:t> </a:t>
             </a:r>
             <a:r>
               <a:rPr lang="en-US" sz="2400" dirty="0" err="1">
-                <a:latin typeface="SF Pro Semibold" pitchFamily="2" charset="0"/>
-                <a:ea typeface="SF Pro Semibold" pitchFamily="2" charset="0"/>
-                <a:cs typeface="SF Pro Semibold" pitchFamily="2" charset="0"/>
+                <a:ea typeface="SF Pro Semibold" pitchFamily="2" charset="0"/>
+                <a:cs typeface="Arial" panose="020B0604020202020204" pitchFamily="34" charset="0"/>
               </a:rPr>
               <a:t>độ</a:t>
             </a:r>
             <a:r>
               <a:rPr lang="en-US" sz="2400" dirty="0">
-                <a:latin typeface="SF Pro Semibold" pitchFamily="2" charset="0"/>
-                <a:ea typeface="SF Pro Semibold" pitchFamily="2" charset="0"/>
-                <a:cs typeface="SF Pro Semibold" pitchFamily="2" charset="0"/>
+                <a:ea typeface="SF Pro Semibold" pitchFamily="2" charset="0"/>
+                <a:cs typeface="Arial" panose="020B0604020202020204" pitchFamily="34" charset="0"/>
               </a:rPr>
               <a:t> an </a:t>
             </a:r>
             <a:r>
               <a:rPr lang="en-US" sz="2400" dirty="0" err="1">
-                <a:latin typeface="SF Pro Semibold" pitchFamily="2" charset="0"/>
-                <a:ea typeface="SF Pro Semibold" pitchFamily="2" charset="0"/>
-                <a:cs typeface="SF Pro Semibold" pitchFamily="2" charset="0"/>
+                <a:ea typeface="SF Pro Semibold" pitchFamily="2" charset="0"/>
+                <a:cs typeface="Arial" panose="020B0604020202020204" pitchFamily="34" charset="0"/>
               </a:rPr>
               <a:t>toàn</a:t>
             </a:r>
             <a:r>
               <a:rPr lang="en-US" sz="2400" dirty="0">
-                <a:latin typeface="SF Pro Semibold" pitchFamily="2" charset="0"/>
-                <a:ea typeface="SF Pro Semibold" pitchFamily="2" charset="0"/>
-                <a:cs typeface="SF Pro Semibold" pitchFamily="2" charset="0"/>
+                <a:ea typeface="SF Pro Semibold" pitchFamily="2" charset="0"/>
+                <a:cs typeface="Arial" panose="020B0604020202020204" pitchFamily="34" charset="0"/>
               </a:rPr>
               <a:t> </a:t>
             </a:r>
             <a:r>
               <a:rPr lang="en-US" sz="2400" dirty="0" err="1">
-                <a:latin typeface="SF Pro Semibold" pitchFamily="2" charset="0"/>
-                <a:ea typeface="SF Pro Semibold" pitchFamily="2" charset="0"/>
-                <a:cs typeface="SF Pro Semibold" pitchFamily="2" charset="0"/>
+                <a:ea typeface="SF Pro Semibold" pitchFamily="2" charset="0"/>
+                <a:cs typeface="Arial" panose="020B0604020202020204" pitchFamily="34" charset="0"/>
               </a:rPr>
               <a:t>cao</a:t>
             </a:r>
             <a:r>
               <a:rPr lang="en-US" sz="2400" dirty="0">
-                <a:latin typeface="SF Pro Semibold" pitchFamily="2" charset="0"/>
-                <a:ea typeface="SF Pro Semibold" pitchFamily="2" charset="0"/>
-                <a:cs typeface="SF Pro Semibold" pitchFamily="2" charset="0"/>
+                <a:ea typeface="SF Pro Semibold" pitchFamily="2" charset="0"/>
+                <a:cs typeface="Arial" panose="020B0604020202020204" pitchFamily="34" charset="0"/>
               </a:rPr>
               <a:t>. </a:t>
             </a:r>
-            <a:endParaRPr lang="en-US" sz="2400" dirty="0">
-              <a:latin typeface="SF Pro Semibold" pitchFamily="2" charset="0"/>
-              <a:ea typeface="SF Pro Semibold" pitchFamily="2" charset="0"/>
-              <a:cs typeface="SF Pro Semibold" pitchFamily="2" charset="0"/>
-            </a:endParaRPr>
           </a:p>
         </p:txBody>
       </p:sp>
@@ -10813,12 +10324,6 @@
               </a:rPr>
               <a:t>3.ĐỘ TIN CẬY VÀ CHÍNH XÁC. </a:t>
             </a:r>
-            <a:endParaRPr lang="en-US" sz="3200" b="1">
-              <a:solidFill>
-                <a:schemeClr val="bg1"/>
-              </a:solidFill>
-              <a:latin typeface="+mj-lt"/>
-            </a:endParaRPr>
           </a:p>
         </p:txBody>
       </p:sp>
@@ -10855,7 +10360,7 @@
           <p:nvPr/>
         </p:nvPicPr>
         <p:blipFill>
-          <a:blip r:embed="rId1"/>
+          <a:blip r:embed="rId2"/>
           <a:stretch>
             <a:fillRect/>
           </a:stretch>
@@ -10922,11 +10427,6 @@
               </a:rPr>
               <a:t>4</a:t>
             </a:r>
-            <a:endParaRPr lang="en-US">
-              <a:solidFill>
-                <a:srgbClr val="FF0000"/>
-              </a:solidFill>
-            </a:endParaRPr>
           </a:p>
         </p:txBody>
       </p:sp>
@@ -10964,9 +10464,8 @@
                 <a:solidFill>
                   <a:srgbClr val="FF0000"/>
                 </a:solidFill>
-                <a:latin typeface="SF Pro Semibold" pitchFamily="2" charset="0"/>
-                <a:ea typeface="SF Pro Semibold" pitchFamily="2" charset="0"/>
-                <a:cs typeface="SF Pro Semibold" pitchFamily="2" charset="0"/>
+                <a:ea typeface="SF Pro Semibold" pitchFamily="2" charset="0"/>
+                <a:cs typeface="Arial" panose="020B0604020202020204" pitchFamily="34" charset="0"/>
               </a:rPr>
               <a:t>3.2.Nhận </a:t>
             </a:r>
@@ -10975,9 +10474,8 @@
                 <a:solidFill>
                   <a:srgbClr val="FF0000"/>
                 </a:solidFill>
-                <a:latin typeface="SF Pro Semibold" pitchFamily="2" charset="0"/>
-                <a:ea typeface="SF Pro Semibold" pitchFamily="2" charset="0"/>
-                <a:cs typeface="SF Pro Semibold" pitchFamily="2" charset="0"/>
+                <a:ea typeface="SF Pro Semibold" pitchFamily="2" charset="0"/>
+                <a:cs typeface="Arial" panose="020B0604020202020204" pitchFamily="34" charset="0"/>
               </a:rPr>
               <a:t>diện</a:t>
             </a:r>
@@ -10986,9 +10484,8 @@
                 <a:solidFill>
                   <a:srgbClr val="FF0000"/>
                 </a:solidFill>
-                <a:latin typeface="SF Pro Semibold" pitchFamily="2" charset="0"/>
-                <a:ea typeface="SF Pro Semibold" pitchFamily="2" charset="0"/>
-                <a:cs typeface="SF Pro Semibold" pitchFamily="2" charset="0"/>
+                <a:ea typeface="SF Pro Semibold" pitchFamily="2" charset="0"/>
+                <a:cs typeface="Arial" panose="020B0604020202020204" pitchFamily="34" charset="0"/>
               </a:rPr>
               <a:t> </a:t>
             </a:r>
@@ -10997,9 +10494,8 @@
                 <a:solidFill>
                   <a:srgbClr val="FF0000"/>
                 </a:solidFill>
-                <a:latin typeface="SF Pro Semibold" pitchFamily="2" charset="0"/>
-                <a:ea typeface="SF Pro Semibold" pitchFamily="2" charset="0"/>
-                <a:cs typeface="SF Pro Semibold" pitchFamily="2" charset="0"/>
+                <a:ea typeface="SF Pro Semibold" pitchFamily="2" charset="0"/>
+                <a:cs typeface="Arial" panose="020B0604020202020204" pitchFamily="34" charset="0"/>
               </a:rPr>
               <a:t>khuôn</a:t>
             </a:r>
@@ -11008,9 +10504,8 @@
                 <a:solidFill>
                   <a:srgbClr val="FF0000"/>
                 </a:solidFill>
-                <a:latin typeface="SF Pro Semibold" pitchFamily="2" charset="0"/>
-                <a:ea typeface="SF Pro Semibold" pitchFamily="2" charset="0"/>
-                <a:cs typeface="SF Pro Semibold" pitchFamily="2" charset="0"/>
+                <a:ea typeface="SF Pro Semibold" pitchFamily="2" charset="0"/>
+                <a:cs typeface="Arial" panose="020B0604020202020204" pitchFamily="34" charset="0"/>
               </a:rPr>
               <a:t> </a:t>
             </a:r>
@@ -11019,9 +10514,8 @@
                 <a:solidFill>
                   <a:srgbClr val="FF0000"/>
                 </a:solidFill>
-                <a:latin typeface="SF Pro Semibold" pitchFamily="2" charset="0"/>
-                <a:ea typeface="SF Pro Semibold" pitchFamily="2" charset="0"/>
-                <a:cs typeface="SF Pro Semibold" pitchFamily="2" charset="0"/>
+                <a:ea typeface="SF Pro Semibold" pitchFamily="2" charset="0"/>
+                <a:cs typeface="Arial" panose="020B0604020202020204" pitchFamily="34" charset="0"/>
               </a:rPr>
               <a:t>mặt</a:t>
             </a:r>
@@ -11030,9 +10524,8 @@
                 <a:solidFill>
                   <a:srgbClr val="FF0000"/>
                 </a:solidFill>
-                <a:latin typeface="SF Pro Semibold" pitchFamily="2" charset="0"/>
-                <a:ea typeface="SF Pro Semibold" pitchFamily="2" charset="0"/>
-                <a:cs typeface="SF Pro Semibold" pitchFamily="2" charset="0"/>
+                <a:ea typeface="SF Pro Semibold" pitchFamily="2" charset="0"/>
+                <a:cs typeface="Arial" panose="020B0604020202020204" pitchFamily="34" charset="0"/>
               </a:rPr>
               <a:t> </a:t>
             </a:r>
@@ -11041,9 +10534,8 @@
                 <a:solidFill>
                   <a:srgbClr val="FF0000"/>
                 </a:solidFill>
-                <a:latin typeface="SF Pro Semibold" pitchFamily="2" charset="0"/>
-                <a:ea typeface="SF Pro Semibold" pitchFamily="2" charset="0"/>
-                <a:cs typeface="SF Pro Semibold" pitchFamily="2" charset="0"/>
+                <a:ea typeface="SF Pro Semibold" pitchFamily="2" charset="0"/>
+                <a:cs typeface="Arial" panose="020B0604020202020204" pitchFamily="34" charset="0"/>
               </a:rPr>
               <a:t>có</a:t>
             </a:r>
@@ -11052,9 +10544,8 @@
                 <a:solidFill>
                   <a:srgbClr val="FF0000"/>
                 </a:solidFill>
-                <a:latin typeface="SF Pro Semibold" pitchFamily="2" charset="0"/>
-                <a:ea typeface="SF Pro Semibold" pitchFamily="2" charset="0"/>
-                <a:cs typeface="SF Pro Semibold" pitchFamily="2" charset="0"/>
+                <a:ea typeface="SF Pro Semibold" pitchFamily="2" charset="0"/>
+                <a:cs typeface="Arial" panose="020B0604020202020204" pitchFamily="34" charset="0"/>
               </a:rPr>
               <a:t> an </a:t>
             </a:r>
@@ -11063,9 +10554,8 @@
                 <a:solidFill>
                   <a:srgbClr val="FF0000"/>
                 </a:solidFill>
-                <a:latin typeface="SF Pro Semibold" pitchFamily="2" charset="0"/>
-                <a:ea typeface="SF Pro Semibold" pitchFamily="2" charset="0"/>
-                <a:cs typeface="SF Pro Semibold" pitchFamily="2" charset="0"/>
+                <a:ea typeface="SF Pro Semibold" pitchFamily="2" charset="0"/>
+                <a:cs typeface="Arial" panose="020B0604020202020204" pitchFamily="34" charset="0"/>
               </a:rPr>
               <a:t>toàn</a:t>
             </a:r>
@@ -11074,9 +10564,8 @@
                 <a:solidFill>
                   <a:srgbClr val="FF0000"/>
                 </a:solidFill>
-                <a:latin typeface="SF Pro Semibold" pitchFamily="2" charset="0"/>
-                <a:ea typeface="SF Pro Semibold" pitchFamily="2" charset="0"/>
-                <a:cs typeface="SF Pro Semibold" pitchFamily="2" charset="0"/>
+                <a:ea typeface="SF Pro Semibold" pitchFamily="2" charset="0"/>
+                <a:cs typeface="Arial" panose="020B0604020202020204" pitchFamily="34" charset="0"/>
               </a:rPr>
               <a:t> </a:t>
             </a:r>
@@ -11085,9 +10574,8 @@
                 <a:solidFill>
                   <a:srgbClr val="FF0000"/>
                 </a:solidFill>
-                <a:latin typeface="SF Pro Semibold" pitchFamily="2" charset="0"/>
-                <a:ea typeface="SF Pro Semibold" pitchFamily="2" charset="0"/>
-                <a:cs typeface="SF Pro Semibold" pitchFamily="2" charset="0"/>
+                <a:ea typeface="SF Pro Semibold" pitchFamily="2" charset="0"/>
+                <a:cs typeface="Arial" panose="020B0604020202020204" pitchFamily="34" charset="0"/>
               </a:rPr>
               <a:t>không</a:t>
             </a:r>
@@ -11096,20 +10584,11 @@
                 <a:solidFill>
                   <a:srgbClr val="FF0000"/>
                 </a:solidFill>
-                <a:latin typeface="SF Pro Semibold" pitchFamily="2" charset="0"/>
-                <a:ea typeface="SF Pro Semibold" pitchFamily="2" charset="0"/>
-                <a:cs typeface="SF Pro Semibold" pitchFamily="2" charset="0"/>
+                <a:ea typeface="SF Pro Semibold" pitchFamily="2" charset="0"/>
+                <a:cs typeface="Arial" panose="020B0604020202020204" pitchFamily="34" charset="0"/>
               </a:rPr>
               <a:t>?:  </a:t>
             </a:r>
-            <a:endParaRPr lang="en-US" sz="2800" dirty="0">
-              <a:solidFill>
-                <a:srgbClr val="FF0000"/>
-              </a:solidFill>
-              <a:latin typeface="SF Pro Semibold" pitchFamily="2" charset="0"/>
-              <a:ea typeface="SF Pro Semibold" pitchFamily="2" charset="0"/>
-              <a:cs typeface="SF Pro Semibold" pitchFamily="2" charset="0"/>
-            </a:endParaRPr>
           </a:p>
         </p:txBody>
       </p:sp>
@@ -11122,7 +10601,7 @@
           <p:nvPr/>
         </p:nvPicPr>
         <p:blipFill>
-          <a:blip r:embed="rId2"/>
+          <a:blip r:embed="rId3"/>
           <a:stretch>
             <a:fillRect/>
           </a:stretch>
@@ -11242,12 +10721,6 @@
               </a:rPr>
               <a:t>3.ĐỘ TIN CẬY VÀ CHÍNH XÁC. </a:t>
             </a:r>
-            <a:endParaRPr lang="en-US" sz="3200" b="1">
-              <a:solidFill>
-                <a:schemeClr val="bg1"/>
-              </a:solidFill>
-              <a:latin typeface="+mj-lt"/>
-            </a:endParaRPr>
           </a:p>
         </p:txBody>
       </p:sp>
@@ -11284,7 +10757,7 @@
           <p:nvPr/>
         </p:nvPicPr>
         <p:blipFill>
-          <a:blip r:embed="rId1"/>
+          <a:blip r:embed="rId2"/>
           <a:stretch>
             <a:fillRect/>
           </a:stretch>
@@ -11351,11 +10824,6 @@
               </a:rPr>
               <a:t>4</a:t>
             </a:r>
-            <a:endParaRPr lang="en-US">
-              <a:solidFill>
-                <a:srgbClr val="FF0000"/>
-              </a:solidFill>
-            </a:endParaRPr>
           </a:p>
         </p:txBody>
       </p:sp>
@@ -11393,20 +10861,11 @@
                 <a:solidFill>
                   <a:srgbClr val="FF0000"/>
                 </a:solidFill>
-                <a:latin typeface="SF Pro Semibold" pitchFamily="2" charset="0"/>
-                <a:ea typeface="SF Pro Semibold" pitchFamily="2" charset="0"/>
-                <a:cs typeface="SF Pro Semibold" pitchFamily="2" charset="0"/>
+                <a:ea typeface="SF Pro Semibold" pitchFamily="2" charset="0"/>
+                <a:cs typeface="Arial" panose="020B0604020202020204" pitchFamily="34" charset="0"/>
               </a:rPr>
               <a:t>3.3.Điểm tin cậy trong nhận dạng khuôn mặt?:  </a:t>
             </a:r>
-            <a:endParaRPr lang="en-US" sz="2800" dirty="0">
-              <a:solidFill>
-                <a:srgbClr val="FF0000"/>
-              </a:solidFill>
-              <a:latin typeface="SF Pro Semibold" pitchFamily="2" charset="0"/>
-              <a:ea typeface="SF Pro Semibold" pitchFamily="2" charset="0"/>
-              <a:cs typeface="SF Pro Semibold" pitchFamily="2" charset="0"/>
-            </a:endParaRPr>
           </a:p>
           <a:p>
             <a:pPr marL="457200" indent="-457200">
@@ -11419,18 +10878,11 @@
             <a:r>
               <a:rPr lang="en-US" sz="2400" dirty="0">
                 <a:effectLst/>
-                <a:latin typeface="SF Pro Semibold" pitchFamily="2" charset="0"/>
-                <a:ea typeface="SF Pro Semibold" pitchFamily="2" charset="0"/>
-                <a:cs typeface="SF Pro Semibold" pitchFamily="2" charset="0"/>
+                <a:ea typeface="SF Pro Semibold" pitchFamily="2" charset="0"/>
+                <a:cs typeface="Arial" panose="020B0604020202020204" pitchFamily="34" charset="0"/>
               </a:rPr>
               <a:t>Hệ thống sẽ phát hiện, so sánh khuôn mặt với dữ liệu từ database. </a:t>
             </a:r>
-            <a:endParaRPr lang="en-US" sz="2400" dirty="0">
-              <a:effectLst/>
-              <a:latin typeface="SF Pro Semibold" pitchFamily="2" charset="0"/>
-              <a:ea typeface="SF Pro Semibold" pitchFamily="2" charset="0"/>
-              <a:cs typeface="SF Pro Semibold" pitchFamily="2" charset="0"/>
-            </a:endParaRPr>
           </a:p>
           <a:p>
             <a:pPr marL="457200" indent="-457200">
@@ -11442,17 +10894,11 @@
             </a:pPr>
             <a:r>
               <a:rPr lang="en-US" sz="2400" dirty="0">
-                <a:latin typeface="SF Pro Semibold" pitchFamily="2" charset="0"/>
-                <a:ea typeface="SF Pro Semibold" pitchFamily="2" charset="0"/>
-                <a:cs typeface="SF Pro Semibold" pitchFamily="2" charset="0"/>
+                <a:ea typeface="SF Pro Semibold" pitchFamily="2" charset="0"/>
+                <a:cs typeface="Arial" panose="020B0604020202020204" pitchFamily="34" charset="0"/>
               </a:rPr>
               <a:t> Điểm tin cậy càng cao thì khả năng hai hình ảnh thuộc về cùng một người càng cao. </a:t>
             </a:r>
-            <a:endParaRPr lang="en-US" sz="2400" dirty="0">
-              <a:latin typeface="SF Pro Semibold" pitchFamily="2" charset="0"/>
-              <a:ea typeface="SF Pro Semibold" pitchFamily="2" charset="0"/>
-              <a:cs typeface="SF Pro Semibold" pitchFamily="2" charset="0"/>
-            </a:endParaRPr>
           </a:p>
           <a:p>
             <a:pPr>
@@ -11462,17 +10908,11 @@
             </a:pPr>
             <a:r>
               <a:rPr lang="en-US" sz="2400" dirty="0">
-                <a:latin typeface="SF Pro Semibold" pitchFamily="2" charset="0"/>
-                <a:ea typeface="SF Pro Semibold" pitchFamily="2" charset="0"/>
-                <a:cs typeface="SF Pro Semibold" pitchFamily="2" charset="0"/>
+                <a:ea typeface="SF Pro Semibold" pitchFamily="2" charset="0"/>
+                <a:cs typeface="Arial" panose="020B0604020202020204" pitchFamily="34" charset="0"/>
               </a:rPr>
               <a:t>	</a:t>
             </a:r>
-            <a:endParaRPr lang="en-US" sz="2400" dirty="0">
-              <a:latin typeface="SF Pro Semibold" pitchFamily="2" charset="0"/>
-              <a:ea typeface="SF Pro Semibold" pitchFamily="2" charset="0"/>
-              <a:cs typeface="SF Pro Semibold" pitchFamily="2" charset="0"/>
-            </a:endParaRPr>
           </a:p>
           <a:p>
             <a:pPr>
@@ -11482,17 +10922,11 @@
             </a:pPr>
             <a:r>
               <a:rPr lang="en-US" sz="2400" dirty="0">
-                <a:latin typeface="SF Pro Semibold" pitchFamily="2" charset="0"/>
-                <a:ea typeface="SF Pro Semibold" pitchFamily="2" charset="0"/>
-                <a:cs typeface="SF Pro Semibold" pitchFamily="2" charset="0"/>
+                <a:ea typeface="SF Pro Semibold" pitchFamily="2" charset="0"/>
+                <a:cs typeface="Arial" panose="020B0604020202020204" pitchFamily="34" charset="0"/>
               </a:rPr>
               <a:t>=&gt; Ngưỡng điểm này thường lên đến &gt;90%.</a:t>
             </a:r>
-            <a:endParaRPr lang="en-US" sz="2400" dirty="0">
-              <a:latin typeface="SF Pro Semibold" pitchFamily="2" charset="0"/>
-              <a:ea typeface="SF Pro Semibold" pitchFamily="2" charset="0"/>
-              <a:cs typeface="SF Pro Semibold" pitchFamily="2" charset="0"/>
-            </a:endParaRPr>
           </a:p>
         </p:txBody>
       </p:sp>
@@ -11727,6 +11161,7 @@
       </a:bgFillStyleLst>
     </a:fmtScheme>
   </a:themeElements>
+  <a:objectDefaults/>
   <a:extraClrSchemeLst>
     <a:extraClrScheme>
       <a:clrScheme name="cdb2004158l 1">

--- a/BÀI THUYẾT TRÌNH MẪU.pptx
+++ b/BÀI THUYẾT TRÌNH MẪU.pptx
@@ -10,13 +10,18 @@
     <p:sldId id="261" r:id="rId5"/>
     <p:sldId id="271" r:id="rId6"/>
     <p:sldId id="258" r:id="rId7"/>
-    <p:sldId id="263" r:id="rId8"/>
-    <p:sldId id="259" r:id="rId9"/>
-    <p:sldId id="264" r:id="rId10"/>
-    <p:sldId id="260" r:id="rId11"/>
-    <p:sldId id="265" r:id="rId12"/>
-    <p:sldId id="266" r:id="rId13"/>
-    <p:sldId id="262" r:id="rId14"/>
+    <p:sldId id="281" r:id="rId8"/>
+    <p:sldId id="286" r:id="rId9"/>
+    <p:sldId id="282" r:id="rId10"/>
+    <p:sldId id="285" r:id="rId11"/>
+    <p:sldId id="283" r:id="rId12"/>
+    <p:sldId id="263" r:id="rId13"/>
+    <p:sldId id="259" r:id="rId14"/>
+    <p:sldId id="264" r:id="rId15"/>
+    <p:sldId id="260" r:id="rId16"/>
+    <p:sldId id="265" r:id="rId17"/>
+    <p:sldId id="266" r:id="rId18"/>
+    <p:sldId id="262" r:id="rId19"/>
   </p:sldIdLst>
   <p:sldSz cx="9144000" cy="6858000" type="screen4x3"/>
   <p:notesSz cx="6858000" cy="9144000"/>
@@ -5041,57 +5046,6 @@
       </p:grpSpPr>
       <p:sp>
         <p:nvSpPr>
-          <p:cNvPr id="10" name="TextBox 9"/>
-          <p:cNvSpPr txBox="1"/>
-          <p:nvPr/>
-        </p:nvSpPr>
-        <p:spPr>
-          <a:xfrm>
-            <a:off x="703384" y="1121254"/>
-            <a:ext cx="8169310" cy="664156"/>
-          </a:xfrm>
-          <a:prstGeom prst="rect">
-            <a:avLst/>
-          </a:prstGeom>
-          <a:noFill/>
-        </p:spPr>
-        <p:txBody>
-          <a:bodyPr wrap="square">
-            <a:spAutoFit/>
-          </a:bodyPr>
-          <a:lstStyle/>
-          <a:p>
-            <a:pPr marL="457200" indent="-457200">
-              <a:lnSpc>
-                <a:spcPct val="150000"/>
-              </a:lnSpc>
-              <a:buFont typeface="Wingdings" panose="05000000000000000000" pitchFamily="2" charset="2"/>
-              <a:buChar char="Ø"/>
-            </a:pPr>
-            <a:r>
-              <a:rPr lang="en-US" sz="2800" dirty="0">
-                <a:solidFill>
-                  <a:srgbClr val="FF0000"/>
-                </a:solidFill>
-                <a:latin typeface="SF Pro Semibold" pitchFamily="2" charset="0"/>
-                <a:ea typeface="SF Pro Semibold" pitchFamily="2" charset="0"/>
-                <a:cs typeface="SF Pro Semibold" pitchFamily="2" charset="0"/>
-              </a:rPr>
-              <a:t>3.3.Điểm tin cậy trong nhận dạng khuôn mặt?:  </a:t>
-            </a:r>
-            <a:endParaRPr lang="en-US" sz="2800" dirty="0">
-              <a:solidFill>
-                <a:srgbClr val="FF0000"/>
-              </a:solidFill>
-              <a:latin typeface="SF Pro Semibold" pitchFamily="2" charset="0"/>
-              <a:ea typeface="SF Pro Semibold" pitchFamily="2" charset="0"/>
-              <a:cs typeface="SF Pro Semibold" pitchFamily="2" charset="0"/>
-            </a:endParaRPr>
-          </a:p>
-        </p:txBody>
-      </p:sp>
-      <p:sp>
-        <p:nvSpPr>
           <p:cNvPr id="9" name="Rectangle 8"/>
           <p:cNvSpPr/>
           <p:nvPr/>
@@ -5145,7 +5099,7 @@
         <p:spPr>
           <a:xfrm>
             <a:off x="521852" y="315311"/>
-            <a:ext cx="6195927" cy="584775"/>
+            <a:ext cx="3118485" cy="583565"/>
           </a:xfrm>
           <a:prstGeom prst="rect">
             <a:avLst/>
@@ -5165,7 +5119,7 @@
                 </a:solidFill>
                 <a:latin typeface="+mj-lt"/>
               </a:rPr>
-              <a:t>3.ĐỘ TIN CẬY VÀ CHÍNH XÁC. </a:t>
+              <a:t>4.HOẠT ĐỘNG </a:t>
             </a:r>
             <a:endParaRPr lang="en-US" sz="3200" b="1">
               <a:solidFill>
@@ -5232,8 +5186,8 @@
         </p:nvSpPr>
         <p:spPr>
           <a:xfrm>
-            <a:off x="8601389" y="6315389"/>
-            <a:ext cx="542611" cy="542611"/>
+            <a:off x="8444865" y="6315075"/>
+            <a:ext cx="699135" cy="542925"/>
           </a:xfrm>
           <a:prstGeom prst="ellipse">
             <a:avLst/>
@@ -5274,7 +5228,7 @@
                   <a:srgbClr val="FF0000"/>
                 </a:solidFill>
               </a:rPr>
-              <a:t>4</a:t>
+              <a:t>10</a:t>
             </a:r>
             <a:endParaRPr lang="en-US">
               <a:solidFill>
@@ -5284,32 +5238,167 @@
           </a:p>
         </p:txBody>
       </p:sp>
-      <p:pic>
-        <p:nvPicPr>
-          <p:cNvPr id="3" name="Picture 2"/>
-          <p:cNvPicPr>
-            <a:picLocks noChangeAspect="1"/>
-          </p:cNvPicPr>
+      <p:sp>
+        <p:nvSpPr>
+          <p:cNvPr id="10" name="TextBox 9"/>
+          <p:cNvSpPr txBox="1"/>
           <p:nvPr/>
-        </p:nvPicPr>
-        <p:blipFill>
-          <a:blip r:embed="rId2"/>
-          <a:stretch>
-            <a:fillRect/>
-          </a:stretch>
-        </p:blipFill>
-        <p:spPr>
-          <a:xfrm>
-            <a:off x="1040256" y="1854645"/>
-            <a:ext cx="7495566" cy="4732049"/>
-          </a:xfrm>
-          <a:prstGeom prst="roundRect">
-            <a:avLst>
-              <a:gd name="adj" fmla="val 8649"/>
-            </a:avLst>
+        </p:nvSpPr>
+        <p:spPr>
+          <a:xfrm>
+            <a:off x="703384" y="1121257"/>
+            <a:ext cx="8169310" cy="5631180"/>
+          </a:xfrm>
+          <a:prstGeom prst="rect">
+            <a:avLst/>
           </a:prstGeom>
-        </p:spPr>
-      </p:pic>
+          <a:noFill/>
+        </p:spPr>
+        <p:txBody>
+          <a:bodyPr wrap="square">
+            <a:spAutoFit/>
+          </a:bodyPr>
+          <a:lstStyle/>
+          <a:p>
+            <a:pPr marL="457200" indent="-457200">
+              <a:lnSpc>
+                <a:spcPct val="150000"/>
+              </a:lnSpc>
+              <a:buFont typeface="Wingdings" panose="05000000000000000000" pitchFamily="2" charset="2"/>
+              <a:buChar char="Ø"/>
+            </a:pPr>
+            <a:r>
+              <a:rPr lang="en-US" sz="2400" dirty="0">
+                <a:solidFill>
+                  <a:srgbClr val="FF0000"/>
+                </a:solidFill>
+                <a:ea typeface="SF Pro Semibold" pitchFamily="2" charset="0"/>
+                <a:cs typeface="Arial" panose="020B0604020202020204" pitchFamily="34" charset="0"/>
+              </a:rPr>
+              <a:t>4.3.Phân tích kết cấu da</a:t>
+            </a:r>
+            <a:endParaRPr lang="en-US" sz="2400" dirty="0">
+              <a:solidFill>
+                <a:srgbClr val="FF0000"/>
+              </a:solidFill>
+              <a:ea typeface="SF Pro Semibold" pitchFamily="2" charset="0"/>
+              <a:cs typeface="Arial" panose="020B0604020202020204" pitchFamily="34" charset="0"/>
+            </a:endParaRPr>
+          </a:p>
+          <a:p>
+            <a:pPr marL="457200" indent="-457200">
+              <a:lnSpc>
+                <a:spcPct val="150000"/>
+              </a:lnSpc>
+              <a:buFont typeface="Wingdings" panose="05000000000000000000" pitchFamily="2" charset="2"/>
+              <a:buChar char="Ø"/>
+            </a:pPr>
+            <a:r>
+              <a:rPr lang="en-US" sz="2400" dirty="0">
+                <a:ea typeface="SF Pro Semibold" pitchFamily="2" charset="0"/>
+                <a:cs typeface="Arial" panose="020B0604020202020204" pitchFamily="34" charset="0"/>
+              </a:rPr>
+              <a:t> sử dụng các chi tiết hình ảnh của da, được chụp trong các hình ảnh kỹ thuật số hoặc máy scan tiêu chuẩn.</a:t>
+            </a:r>
+            <a:endParaRPr lang="en-US" sz="2400" dirty="0">
+              <a:ea typeface="SF Pro Semibold" pitchFamily="2" charset="0"/>
+              <a:cs typeface="Arial" panose="020B0604020202020204" pitchFamily="34" charset="0"/>
+            </a:endParaRPr>
+          </a:p>
+          <a:p>
+            <a:pPr marL="457200" indent="-457200">
+              <a:lnSpc>
+                <a:spcPct val="150000"/>
+              </a:lnSpc>
+              <a:buFont typeface="Wingdings" panose="05000000000000000000" pitchFamily="2" charset="2"/>
+              <a:buChar char="Ø"/>
+            </a:pPr>
+            <a:r>
+              <a:rPr lang="en-US" sz="2400" dirty="0">
+                <a:ea typeface="SF Pro Semibold" pitchFamily="2" charset="0"/>
+                <a:cs typeface="Arial" panose="020B0604020202020204" pitchFamily="34" charset="0"/>
+              </a:rPr>
+              <a:t>phân tích kết cấu da, các đường đặc trưng, hình dạng và điểm nốt trên da.</a:t>
+            </a:r>
+            <a:endParaRPr lang="en-US" sz="2400" dirty="0">
+              <a:ea typeface="SF Pro Semibold" pitchFamily="2" charset="0"/>
+              <a:cs typeface="Arial" panose="020B0604020202020204" pitchFamily="34" charset="0"/>
+            </a:endParaRPr>
+          </a:p>
+          <a:p>
+            <a:pPr marL="457200" indent="-457200">
+              <a:lnSpc>
+                <a:spcPct val="150000"/>
+              </a:lnSpc>
+              <a:buFont typeface="Wingdings" panose="05000000000000000000" pitchFamily="2" charset="2"/>
+              <a:buChar char="Ø"/>
+            </a:pPr>
+            <a:r>
+              <a:rPr lang="en-US" sz="2400" dirty="0">
+                <a:ea typeface="SF Pro Semibold" pitchFamily="2" charset="0"/>
+                <a:cs typeface="Arial" panose="020B0604020202020204" pitchFamily="34" charset="0"/>
+              </a:rPr>
+              <a:t>Đưa vào không gian toán học.</a:t>
+            </a:r>
+            <a:endParaRPr lang="en-US" sz="2400" dirty="0">
+              <a:ea typeface="SF Pro Semibold" pitchFamily="2" charset="0"/>
+              <a:cs typeface="Arial" panose="020B0604020202020204" pitchFamily="34" charset="0"/>
+            </a:endParaRPr>
+          </a:p>
+          <a:p>
+            <a:pPr marL="457200" indent="-457200">
+              <a:lnSpc>
+                <a:spcPct val="150000"/>
+              </a:lnSpc>
+              <a:buFont typeface="Wingdings" panose="05000000000000000000" pitchFamily="2" charset="2"/>
+              <a:buChar char="Ø"/>
+            </a:pPr>
+            <a:endParaRPr lang="en-US" sz="2400" dirty="0">
+              <a:ea typeface="SF Pro Semibold" pitchFamily="2" charset="0"/>
+              <a:cs typeface="Arial" panose="020B0604020202020204" pitchFamily="34" charset="0"/>
+            </a:endParaRPr>
+          </a:p>
+          <a:p>
+            <a:pPr marL="457200" indent="-457200">
+              <a:lnSpc>
+                <a:spcPct val="150000"/>
+              </a:lnSpc>
+              <a:buFont typeface="Wingdings" panose="05000000000000000000" pitchFamily="2" charset="2"/>
+              <a:buChar char="Ø"/>
+            </a:pPr>
+            <a:endParaRPr lang="en-US" sz="2400" dirty="0">
+              <a:ea typeface="SF Pro Semibold" pitchFamily="2" charset="0"/>
+              <a:cs typeface="Arial" panose="020B0604020202020204" pitchFamily="34" charset="0"/>
+            </a:endParaRPr>
+          </a:p>
+          <a:p>
+            <a:pPr marL="0" indent="0">
+              <a:lnSpc>
+                <a:spcPct val="150000"/>
+              </a:lnSpc>
+              <a:buFont typeface="Wingdings" panose="05000000000000000000" pitchFamily="2" charset="2"/>
+              <a:buNone/>
+            </a:pPr>
+            <a:endParaRPr lang="en-US" sz="2400" dirty="0">
+              <a:ea typeface="SF Pro Semibold" pitchFamily="2" charset="0"/>
+              <a:cs typeface="Arial" panose="020B0604020202020204" pitchFamily="34" charset="0"/>
+            </a:endParaRPr>
+          </a:p>
+          <a:p>
+            <a:pPr marL="457200" indent="-457200">
+              <a:lnSpc>
+                <a:spcPct val="150000"/>
+              </a:lnSpc>
+              <a:buFont typeface="Wingdings" panose="05000000000000000000" pitchFamily="2" charset="2"/>
+              <a:buChar char="Ø"/>
+            </a:pPr>
+            <a:endParaRPr lang="en-US" sz="2400" dirty="0">
+              <a:ea typeface="SF Pro Semibold" pitchFamily="2" charset="0"/>
+              <a:cs typeface="Arial" panose="020B0604020202020204" pitchFamily="34" charset="0"/>
+            </a:endParaRPr>
+          </a:p>
+        </p:txBody>
+      </p:sp>
     </p:spTree>
   </p:cSld>
   <p:clrMapOvr>
@@ -5340,51 +5429,6 @@
       </p:grpSpPr>
       <p:sp>
         <p:nvSpPr>
-          <p:cNvPr id="10" name="TextBox 9">
-            <a:hlinkClick r:id="rId1"/>
-          </p:cNvPr>
-          <p:cNvSpPr txBox="1"/>
-          <p:nvPr/>
-        </p:nvSpPr>
-        <p:spPr>
-          <a:xfrm>
-            <a:off x="703384" y="1121254"/>
-            <a:ext cx="8169310" cy="577850"/>
-          </a:xfrm>
-          <a:prstGeom prst="rect">
-            <a:avLst/>
-          </a:prstGeom>
-          <a:noFill/>
-        </p:spPr>
-        <p:txBody>
-          <a:bodyPr wrap="square">
-            <a:spAutoFit/>
-          </a:bodyPr>
-          <a:lstStyle/>
-          <a:p>
-            <a:pPr marL="457200" indent="-457200">
-              <a:lnSpc>
-                <a:spcPct val="150000"/>
-              </a:lnSpc>
-              <a:buFont typeface="Wingdings" panose="05000000000000000000" pitchFamily="2" charset="2"/>
-              <a:buChar char="Ø"/>
-            </a:pPr>
-            <a:r>
-              <a:rPr lang="en-US" sz="2400" dirty="0">
-                <a:ea typeface="SF Pro Semibold" pitchFamily="2" charset="0"/>
-                <a:cs typeface="Arial" panose="020B0604020202020204" pitchFamily="34" charset="0"/>
-              </a:rPr>
-              <a:t>https://en.wikipedia.org/wiki/Facial_recognition_system</a:t>
-            </a:r>
-            <a:endParaRPr lang="en-US" sz="2400" dirty="0">
-              <a:ea typeface="SF Pro Semibold" pitchFamily="2" charset="0"/>
-              <a:cs typeface="Arial" panose="020B0604020202020204" pitchFamily="34" charset="0"/>
-            </a:endParaRPr>
-          </a:p>
-        </p:txBody>
-      </p:sp>
-      <p:sp>
-        <p:nvSpPr>
           <p:cNvPr id="9" name="Rectangle 8"/>
           <p:cNvSpPr/>
           <p:nvPr/>
@@ -5429,6 +5473,32 @@
           </a:p>
         </p:txBody>
       </p:sp>
+      <p:pic>
+        <p:nvPicPr>
+          <p:cNvPr id="7" name="Picture 6"/>
+          <p:cNvPicPr>
+            <a:picLocks noChangeAspect="1"/>
+          </p:cNvPicPr>
+          <p:nvPr/>
+        </p:nvPicPr>
+        <p:blipFill>
+          <a:blip r:embed="rId1"/>
+          <a:stretch>
+            <a:fillRect/>
+          </a:stretch>
+        </p:blipFill>
+        <p:spPr>
+          <a:xfrm>
+            <a:off x="852434" y="2116729"/>
+            <a:ext cx="7874865" cy="4298364"/>
+          </a:xfrm>
+          <a:prstGeom prst="roundRect">
+            <a:avLst>
+              <a:gd name="adj" fmla="val 11967"/>
+            </a:avLst>
+          </a:prstGeom>
+        </p:spPr>
+      </p:pic>
       <p:sp>
         <p:nvSpPr>
           <p:cNvPr id="5" name="TextBox 4"/>
@@ -5438,7 +5508,7 @@
         <p:spPr>
           <a:xfrm>
             <a:off x="521852" y="315311"/>
-            <a:ext cx="7318029" cy="584775"/>
+            <a:ext cx="6195927" cy="584775"/>
           </a:xfrm>
           <a:prstGeom prst="rect">
             <a:avLst/>
@@ -5458,7 +5528,7 @@
                 </a:solidFill>
                 <a:latin typeface="+mj-lt"/>
               </a:rPr>
-              <a:t>CÁC TRANG TÀI LIỆU THAM KHẢO. </a:t>
+              <a:t>3.ĐỘ TIN CẬY VÀ CHÍNH XÁC. </a:t>
             </a:r>
             <a:endParaRPr lang="en-US" sz="3200" b="1">
               <a:solidFill>
@@ -5567,7 +5637,7 @@
                   <a:srgbClr val="FF0000"/>
                 </a:solidFill>
               </a:rPr>
-              <a:t>4</a:t>
+              <a:t>3</a:t>
             </a:r>
             <a:endParaRPr lang="en-US">
               <a:solidFill>
@@ -5579,16 +5649,14 @@
       </p:sp>
       <p:sp>
         <p:nvSpPr>
-          <p:cNvPr id="17" name="TextBox 16">
-            <a:hlinkClick r:id="rId3"/>
-          </p:cNvPr>
+          <p:cNvPr id="10" name="TextBox 9"/>
           <p:cNvSpPr txBox="1"/>
           <p:nvPr/>
         </p:nvSpPr>
         <p:spPr>
           <a:xfrm>
-            <a:off x="703384" y="2406869"/>
-            <a:ext cx="8169310" cy="2239844"/>
+            <a:off x="703384" y="1121261"/>
+            <a:ext cx="8169310" cy="664156"/>
           </a:xfrm>
           <a:prstGeom prst="rect">
             <a:avLst/>
@@ -5609,60 +5677,177 @@
               <a:buChar char="Ø"/>
             </a:pPr>
             <a:r>
-              <a:rPr lang="en-US" sz="2400" dirty="0">
-                <a:ea typeface="SF Pro Semibold" pitchFamily="2" charset="0"/>
-                <a:cs typeface="Arial" panose="020B0604020202020204" pitchFamily="34" charset="0"/>
-              </a:rPr>
-              <a:t>https://this.deakin.edu.au/innovation/facial-recognition-id-how-safe-is-your-face#:~:text=It's%20not%20relatively%20more%20secure,your%20phone%20using%20Face%20ID.</a:t>
-            </a:r>
-            <a:endParaRPr lang="en-US" sz="2400" dirty="0">
+              <a:rPr lang="en-US" sz="2800" dirty="0">
+                <a:solidFill>
+                  <a:srgbClr val="FF0000"/>
+                </a:solidFill>
+                <a:latin typeface="SF Pro Semibold" pitchFamily="2" charset="0"/>
+                <a:ea typeface="SF Pro Semibold" pitchFamily="2" charset="0"/>
+                <a:cs typeface="SF Pro Semibold" pitchFamily="2" charset="0"/>
+              </a:rPr>
+              <a:t>3.1.Nhận </a:t>
+            </a:r>
+            <a:r>
+              <a:rPr lang="en-US" sz="2800" dirty="0" err="1">
+                <a:solidFill>
+                  <a:srgbClr val="FF0000"/>
+                </a:solidFill>
+                <a:latin typeface="SF Pro Semibold" pitchFamily="2" charset="0"/>
+                <a:ea typeface="SF Pro Semibold" pitchFamily="2" charset="0"/>
+                <a:cs typeface="SF Pro Semibold" pitchFamily="2" charset="0"/>
+              </a:rPr>
+              <a:t>dạng</a:t>
+            </a:r>
+            <a:r>
+              <a:rPr lang="en-US" sz="2800" dirty="0">
+                <a:solidFill>
+                  <a:srgbClr val="FF0000"/>
+                </a:solidFill>
+                <a:latin typeface="SF Pro Semibold" pitchFamily="2" charset="0"/>
+                <a:ea typeface="SF Pro Semibold" pitchFamily="2" charset="0"/>
+                <a:cs typeface="SF Pro Semibold" pitchFamily="2" charset="0"/>
+              </a:rPr>
+              <a:t> </a:t>
+            </a:r>
+            <a:r>
+              <a:rPr lang="en-US" sz="2800" dirty="0" err="1">
+                <a:solidFill>
+                  <a:srgbClr val="FF0000"/>
+                </a:solidFill>
+                <a:latin typeface="SF Pro Semibold" pitchFamily="2" charset="0"/>
+                <a:ea typeface="SF Pro Semibold" pitchFamily="2" charset="0"/>
+                <a:cs typeface="SF Pro Semibold" pitchFamily="2" charset="0"/>
+              </a:rPr>
+              <a:t>khuôn</a:t>
+            </a:r>
+            <a:r>
+              <a:rPr lang="en-US" sz="2800" dirty="0">
+                <a:solidFill>
+                  <a:srgbClr val="FF0000"/>
+                </a:solidFill>
+                <a:latin typeface="SF Pro Semibold" pitchFamily="2" charset="0"/>
+                <a:ea typeface="SF Pro Semibold" pitchFamily="2" charset="0"/>
+                <a:cs typeface="SF Pro Semibold" pitchFamily="2" charset="0"/>
+              </a:rPr>
+              <a:t> </a:t>
+            </a:r>
+            <a:r>
+              <a:rPr lang="en-US" sz="2800" dirty="0" err="1">
+                <a:solidFill>
+                  <a:srgbClr val="FF0000"/>
+                </a:solidFill>
+                <a:latin typeface="SF Pro Semibold" pitchFamily="2" charset="0"/>
+                <a:ea typeface="SF Pro Semibold" pitchFamily="2" charset="0"/>
+                <a:cs typeface="SF Pro Semibold" pitchFamily="2" charset="0"/>
+              </a:rPr>
+              <a:t>mặt</a:t>
+            </a:r>
+            <a:r>
+              <a:rPr lang="en-US" sz="2800" dirty="0">
+                <a:solidFill>
+                  <a:srgbClr val="FF0000"/>
+                </a:solidFill>
+                <a:latin typeface="SF Pro Semibold" pitchFamily="2" charset="0"/>
+                <a:ea typeface="SF Pro Semibold" pitchFamily="2" charset="0"/>
+                <a:cs typeface="SF Pro Semibold" pitchFamily="2" charset="0"/>
+              </a:rPr>
+              <a:t> </a:t>
+            </a:r>
+            <a:r>
+              <a:rPr lang="en-US" sz="2800" dirty="0" err="1">
+                <a:solidFill>
+                  <a:srgbClr val="FF0000"/>
+                </a:solidFill>
+                <a:latin typeface="SF Pro Semibold" pitchFamily="2" charset="0"/>
+                <a:ea typeface="SF Pro Semibold" pitchFamily="2" charset="0"/>
+                <a:cs typeface="SF Pro Semibold" pitchFamily="2" charset="0"/>
+              </a:rPr>
+              <a:t>có</a:t>
+            </a:r>
+            <a:r>
+              <a:rPr lang="en-US" sz="2800" dirty="0">
+                <a:solidFill>
+                  <a:srgbClr val="FF0000"/>
+                </a:solidFill>
+                <a:latin typeface="SF Pro Semibold" pitchFamily="2" charset="0"/>
+                <a:ea typeface="SF Pro Semibold" pitchFamily="2" charset="0"/>
+                <a:cs typeface="SF Pro Semibold" pitchFamily="2" charset="0"/>
+              </a:rPr>
+              <a:t> </a:t>
+            </a:r>
+            <a:r>
+              <a:rPr lang="en-US" sz="2800" dirty="0" err="1">
+                <a:solidFill>
+                  <a:srgbClr val="FF0000"/>
+                </a:solidFill>
+                <a:latin typeface="SF Pro Semibold" pitchFamily="2" charset="0"/>
+                <a:ea typeface="SF Pro Semibold" pitchFamily="2" charset="0"/>
+                <a:cs typeface="SF Pro Semibold" pitchFamily="2" charset="0"/>
+              </a:rPr>
+              <a:t>chính</a:t>
+            </a:r>
+            <a:r>
+              <a:rPr lang="en-US" sz="2800" dirty="0">
+                <a:solidFill>
+                  <a:srgbClr val="FF0000"/>
+                </a:solidFill>
+                <a:latin typeface="SF Pro Semibold" pitchFamily="2" charset="0"/>
+                <a:ea typeface="SF Pro Semibold" pitchFamily="2" charset="0"/>
+                <a:cs typeface="SF Pro Semibold" pitchFamily="2" charset="0"/>
+              </a:rPr>
+              <a:t> </a:t>
+            </a:r>
+            <a:r>
+              <a:rPr lang="en-US" sz="2800" dirty="0" err="1">
+                <a:solidFill>
+                  <a:srgbClr val="FF0000"/>
+                </a:solidFill>
+                <a:latin typeface="SF Pro Semibold" pitchFamily="2" charset="0"/>
+                <a:ea typeface="SF Pro Semibold" pitchFamily="2" charset="0"/>
+                <a:cs typeface="SF Pro Semibold" pitchFamily="2" charset="0"/>
+              </a:rPr>
+              <a:t>xác</a:t>
+            </a:r>
+            <a:r>
+              <a:rPr lang="en-US" sz="2800" dirty="0">
+                <a:solidFill>
+                  <a:srgbClr val="FF0000"/>
+                </a:solidFill>
+                <a:latin typeface="SF Pro Semibold" pitchFamily="2" charset="0"/>
+                <a:ea typeface="SF Pro Semibold" pitchFamily="2" charset="0"/>
+                <a:cs typeface="SF Pro Semibold" pitchFamily="2" charset="0"/>
+              </a:rPr>
+              <a:t> </a:t>
+            </a:r>
+            <a:r>
+              <a:rPr lang="en-US" sz="2800" dirty="0" err="1">
+                <a:solidFill>
+                  <a:srgbClr val="FF0000"/>
+                </a:solidFill>
+                <a:latin typeface="SF Pro Semibold" pitchFamily="2" charset="0"/>
+                <a:ea typeface="SF Pro Semibold" pitchFamily="2" charset="0"/>
+                <a:cs typeface="SF Pro Semibold" pitchFamily="2" charset="0"/>
+              </a:rPr>
+              <a:t>không</a:t>
+            </a:r>
+            <a:r>
+              <a:rPr lang="en-US" sz="2800" dirty="0">
+                <a:solidFill>
+                  <a:srgbClr val="FF0000"/>
+                </a:solidFill>
+                <a:latin typeface="SF Pro Semibold" pitchFamily="2" charset="0"/>
+                <a:ea typeface="SF Pro Semibold" pitchFamily="2" charset="0"/>
+                <a:cs typeface="SF Pro Semibold" pitchFamily="2" charset="0"/>
+              </a:rPr>
+              <a:t>?: </a:t>
+            </a:r>
+            <a:endParaRPr lang="en-US" sz="2800" dirty="0">
+              <a:solidFill>
+                <a:srgbClr val="FF0000"/>
+              </a:solidFill>
+              <a:latin typeface="SF Pro Semibold" pitchFamily="2" charset="0"/>
               <a:ea typeface="SF Pro Semibold" pitchFamily="2" charset="0"/>
-              <a:cs typeface="Arial" panose="020B0604020202020204" pitchFamily="34" charset="0"/>
-            </a:endParaRPr>
-          </a:p>
-        </p:txBody>
-      </p:sp>
-      <p:sp>
-        <p:nvSpPr>
-          <p:cNvPr id="18" name="TextBox 17">
-            <a:hlinkClick r:id="rId4"/>
-          </p:cNvPr>
-          <p:cNvSpPr txBox="1"/>
-          <p:nvPr/>
-        </p:nvSpPr>
-        <p:spPr>
-          <a:xfrm>
-            <a:off x="703384" y="5431031"/>
-            <a:ext cx="8169310" cy="1131848"/>
-          </a:xfrm>
-          <a:prstGeom prst="rect">
-            <a:avLst/>
-          </a:prstGeom>
-          <a:noFill/>
-        </p:spPr>
-        <p:txBody>
-          <a:bodyPr wrap="square">
-            <a:spAutoFit/>
-          </a:bodyPr>
-          <a:lstStyle/>
-          <a:p>
-            <a:pPr marL="457200" indent="-457200">
-              <a:lnSpc>
-                <a:spcPct val="150000"/>
-              </a:lnSpc>
-              <a:buFont typeface="Wingdings" panose="05000000000000000000" pitchFamily="2" charset="2"/>
-              <a:buChar char="Ø"/>
-            </a:pPr>
-            <a:r>
-              <a:rPr lang="en-US" sz="2400" dirty="0">
-                <a:ea typeface="SF Pro Semibold" pitchFamily="2" charset="0"/>
-                <a:cs typeface="Arial" panose="020B0604020202020204" pitchFamily="34" charset="0"/>
-              </a:rPr>
-              <a:t>https://senstar.com/senstarpedia/pros-and-cons-of-facial-recognition/</a:t>
-            </a:r>
-            <a:endParaRPr lang="en-US" sz="2400" dirty="0">
-              <a:ea typeface="SF Pro Semibold" pitchFamily="2" charset="0"/>
-              <a:cs typeface="Arial" panose="020B0604020202020204" pitchFamily="34" charset="0"/>
+              <a:cs typeface="SF Pro Semibold" pitchFamily="2" charset="0"/>
             </a:endParaRPr>
           </a:p>
         </p:txBody>
@@ -5679,6 +5864,2413 @@
 </file>
 
 <file path=ppt/slides/slide12.xml><?xml version="1.0" encoding="utf-8"?>
+<p:sld xmlns:a="http://schemas.openxmlformats.org/drawingml/2006/main" xmlns:r="http://schemas.openxmlformats.org/officeDocument/2006/relationships" xmlns:p="http://schemas.openxmlformats.org/presentationml/2006/main">
+  <p:cSld>
+    <p:spTree>
+      <p:nvGrpSpPr>
+        <p:cNvPr id="1" name=""/>
+        <p:cNvGrpSpPr/>
+        <p:nvPr/>
+      </p:nvGrpSpPr>
+      <p:grpSpPr>
+        <a:xfrm>
+          <a:off x="0" y="0"/>
+          <a:ext cx="0" cy="0"/>
+          <a:chOff x="0" y="0"/>
+          <a:chExt cx="0" cy="0"/>
+        </a:xfrm>
+      </p:grpSpPr>
+      <p:sp>
+        <p:nvSpPr>
+          <p:cNvPr id="9" name="Rectangle 8"/>
+          <p:cNvSpPr/>
+          <p:nvPr/>
+        </p:nvSpPr>
+        <p:spPr>
+          <a:xfrm>
+            <a:off x="8470760" y="6350556"/>
+            <a:ext cx="693336" cy="567732"/>
+          </a:xfrm>
+          <a:prstGeom prst="rect">
+            <a:avLst/>
+          </a:prstGeom>
+          <a:solidFill>
+            <a:schemeClr val="bg1"/>
+          </a:solidFill>
+          <a:ln>
+            <a:noFill/>
+          </a:ln>
+        </p:spPr>
+        <p:style>
+          <a:lnRef idx="2">
+            <a:schemeClr val="accent1">
+              <a:shade val="50000"/>
+            </a:schemeClr>
+          </a:lnRef>
+          <a:fillRef idx="1">
+            <a:schemeClr val="accent1"/>
+          </a:fillRef>
+          <a:effectRef idx="0">
+            <a:schemeClr val="accent1"/>
+          </a:effectRef>
+          <a:fontRef idx="minor">
+            <a:schemeClr val="lt1"/>
+          </a:fontRef>
+        </p:style>
+        <p:txBody>
+          <a:bodyPr rtlCol="0" anchor="ctr"/>
+          <a:lstStyle/>
+          <a:p>
+            <a:pPr algn="ctr"/>
+            <a:endParaRPr lang="en-US"/>
+          </a:p>
+        </p:txBody>
+      </p:sp>
+      <p:sp>
+        <p:nvSpPr>
+          <p:cNvPr id="5" name="TextBox 4"/>
+          <p:cNvSpPr txBox="1"/>
+          <p:nvPr/>
+        </p:nvSpPr>
+        <p:spPr>
+          <a:xfrm>
+            <a:off x="521852" y="315311"/>
+            <a:ext cx="6195927" cy="584775"/>
+          </a:xfrm>
+          <a:prstGeom prst="rect">
+            <a:avLst/>
+          </a:prstGeom>
+          <a:noFill/>
+        </p:spPr>
+        <p:txBody>
+          <a:bodyPr wrap="none" rtlCol="0">
+            <a:spAutoFit/>
+          </a:bodyPr>
+          <a:lstStyle/>
+          <a:p>
+            <a:r>
+              <a:rPr lang="en-US" sz="3200" b="1">
+                <a:solidFill>
+                  <a:schemeClr val="bg1"/>
+                </a:solidFill>
+                <a:latin typeface="+mj-lt"/>
+              </a:rPr>
+              <a:t>3.ĐỘ TIN CẬY VÀ CHÍNH XÁC. </a:t>
+            </a:r>
+            <a:endParaRPr lang="en-US" sz="3200" b="1">
+              <a:solidFill>
+                <a:schemeClr val="bg1"/>
+              </a:solidFill>
+              <a:latin typeface="+mj-lt"/>
+            </a:endParaRPr>
+          </a:p>
+        </p:txBody>
+      </p:sp>
+      <p:sp>
+        <p:nvSpPr>
+          <p:cNvPr id="6" name="TextBox 5"/>
+          <p:cNvSpPr txBox="1"/>
+          <p:nvPr/>
+        </p:nvSpPr>
+        <p:spPr>
+          <a:xfrm>
+            <a:off x="3247697" y="2406869"/>
+            <a:ext cx="184731" cy="369332"/>
+          </a:xfrm>
+          <a:prstGeom prst="rect">
+            <a:avLst/>
+          </a:prstGeom>
+          <a:noFill/>
+        </p:spPr>
+        <p:txBody>
+          <a:bodyPr wrap="none" rtlCol="0">
+            <a:spAutoFit/>
+          </a:bodyPr>
+          <a:lstStyle/>
+          <a:p>
+            <a:endParaRPr lang="en-US"/>
+          </a:p>
+        </p:txBody>
+      </p:sp>
+      <p:pic>
+        <p:nvPicPr>
+          <p:cNvPr id="12" name="Picture 11"/>
+          <p:cNvPicPr/>
+          <p:nvPr/>
+        </p:nvPicPr>
+        <p:blipFill>
+          <a:blip r:embed="rId1"/>
+          <a:stretch>
+            <a:fillRect/>
+          </a:stretch>
+        </p:blipFill>
+        <p:spPr>
+          <a:xfrm>
+            <a:off x="-39267" y="6350556"/>
+            <a:ext cx="576000" cy="1236543"/>
+          </a:xfrm>
+          <a:prstGeom prst="rect">
+            <a:avLst/>
+          </a:prstGeom>
+        </p:spPr>
+      </p:pic>
+      <p:sp>
+        <p:nvSpPr>
+          <p:cNvPr id="13" name="Oval 12"/>
+          <p:cNvSpPr/>
+          <p:nvPr/>
+        </p:nvSpPr>
+        <p:spPr>
+          <a:xfrm>
+            <a:off x="8601389" y="6315389"/>
+            <a:ext cx="542611" cy="542611"/>
+          </a:xfrm>
+          <a:prstGeom prst="ellipse">
+            <a:avLst/>
+          </a:prstGeom>
+          <a:solidFill>
+            <a:schemeClr val="bg1"/>
+          </a:solidFill>
+          <a:ln>
+            <a:solidFill>
+              <a:srgbClr val="FF0000"/>
+            </a:solidFill>
+          </a:ln>
+        </p:spPr>
+        <p:style>
+          <a:lnRef idx="2">
+            <a:schemeClr val="accent1">
+              <a:shade val="50000"/>
+            </a:schemeClr>
+          </a:lnRef>
+          <a:fillRef idx="1">
+            <a:schemeClr val="accent1"/>
+          </a:fillRef>
+          <a:effectRef idx="0">
+            <a:schemeClr val="accent1"/>
+          </a:effectRef>
+          <a:fontRef idx="minor">
+            <a:schemeClr val="lt1"/>
+          </a:fontRef>
+        </p:style>
+        <p:txBody>
+          <a:bodyPr rtlCol="0" anchor="ctr"/>
+          <a:lstStyle/>
+          <a:p>
+            <a:pPr algn="ctr"/>
+            <a:r>
+              <a:rPr lang="en-US">
+                <a:solidFill>
+                  <a:srgbClr val="FF0000"/>
+                </a:solidFill>
+              </a:rPr>
+              <a:t>4</a:t>
+            </a:r>
+            <a:endParaRPr lang="en-US">
+              <a:solidFill>
+                <a:srgbClr val="FF0000"/>
+              </a:solidFill>
+            </a:endParaRPr>
+          </a:p>
+        </p:txBody>
+      </p:sp>
+      <p:sp>
+        <p:nvSpPr>
+          <p:cNvPr id="10" name="TextBox 9"/>
+          <p:cNvSpPr txBox="1"/>
+          <p:nvPr/>
+        </p:nvSpPr>
+        <p:spPr>
+          <a:xfrm>
+            <a:off x="703384" y="1121261"/>
+            <a:ext cx="8169310" cy="2890791"/>
+          </a:xfrm>
+          <a:prstGeom prst="rect">
+            <a:avLst/>
+          </a:prstGeom>
+          <a:noFill/>
+        </p:spPr>
+        <p:txBody>
+          <a:bodyPr wrap="square">
+            <a:spAutoFit/>
+          </a:bodyPr>
+          <a:lstStyle/>
+          <a:p>
+            <a:pPr marL="457200" indent="-457200">
+              <a:lnSpc>
+                <a:spcPct val="150000"/>
+              </a:lnSpc>
+              <a:buFont typeface="Wingdings" panose="05000000000000000000" pitchFamily="2" charset="2"/>
+              <a:buChar char="Ø"/>
+            </a:pPr>
+            <a:r>
+              <a:rPr lang="en-US" sz="2800" dirty="0">
+                <a:solidFill>
+                  <a:srgbClr val="FF0000"/>
+                </a:solidFill>
+                <a:latin typeface="SF Pro Semibold" pitchFamily="2" charset="0"/>
+                <a:ea typeface="SF Pro Semibold" pitchFamily="2" charset="0"/>
+                <a:cs typeface="SF Pro Semibold" pitchFamily="2" charset="0"/>
+              </a:rPr>
+              <a:t>3.2.Nhận </a:t>
+            </a:r>
+            <a:r>
+              <a:rPr lang="en-US" sz="2800" dirty="0" err="1">
+                <a:solidFill>
+                  <a:srgbClr val="FF0000"/>
+                </a:solidFill>
+                <a:latin typeface="SF Pro Semibold" pitchFamily="2" charset="0"/>
+                <a:ea typeface="SF Pro Semibold" pitchFamily="2" charset="0"/>
+                <a:cs typeface="SF Pro Semibold" pitchFamily="2" charset="0"/>
+              </a:rPr>
+              <a:t>diện</a:t>
+            </a:r>
+            <a:r>
+              <a:rPr lang="en-US" sz="2800" dirty="0">
+                <a:solidFill>
+                  <a:srgbClr val="FF0000"/>
+                </a:solidFill>
+                <a:latin typeface="SF Pro Semibold" pitchFamily="2" charset="0"/>
+                <a:ea typeface="SF Pro Semibold" pitchFamily="2" charset="0"/>
+                <a:cs typeface="SF Pro Semibold" pitchFamily="2" charset="0"/>
+              </a:rPr>
+              <a:t> </a:t>
+            </a:r>
+            <a:r>
+              <a:rPr lang="en-US" sz="2800" dirty="0" err="1">
+                <a:solidFill>
+                  <a:srgbClr val="FF0000"/>
+                </a:solidFill>
+                <a:latin typeface="SF Pro Semibold" pitchFamily="2" charset="0"/>
+                <a:ea typeface="SF Pro Semibold" pitchFamily="2" charset="0"/>
+                <a:cs typeface="SF Pro Semibold" pitchFamily="2" charset="0"/>
+              </a:rPr>
+              <a:t>khuôn</a:t>
+            </a:r>
+            <a:r>
+              <a:rPr lang="en-US" sz="2800" dirty="0">
+                <a:solidFill>
+                  <a:srgbClr val="FF0000"/>
+                </a:solidFill>
+                <a:latin typeface="SF Pro Semibold" pitchFamily="2" charset="0"/>
+                <a:ea typeface="SF Pro Semibold" pitchFamily="2" charset="0"/>
+                <a:cs typeface="SF Pro Semibold" pitchFamily="2" charset="0"/>
+              </a:rPr>
+              <a:t> </a:t>
+            </a:r>
+            <a:r>
+              <a:rPr lang="en-US" sz="2800" dirty="0" err="1">
+                <a:solidFill>
+                  <a:srgbClr val="FF0000"/>
+                </a:solidFill>
+                <a:latin typeface="SF Pro Semibold" pitchFamily="2" charset="0"/>
+                <a:ea typeface="SF Pro Semibold" pitchFamily="2" charset="0"/>
+                <a:cs typeface="SF Pro Semibold" pitchFamily="2" charset="0"/>
+              </a:rPr>
+              <a:t>mặt</a:t>
+            </a:r>
+            <a:r>
+              <a:rPr lang="en-US" sz="2800" dirty="0">
+                <a:solidFill>
+                  <a:srgbClr val="FF0000"/>
+                </a:solidFill>
+                <a:latin typeface="SF Pro Semibold" pitchFamily="2" charset="0"/>
+                <a:ea typeface="SF Pro Semibold" pitchFamily="2" charset="0"/>
+                <a:cs typeface="SF Pro Semibold" pitchFamily="2" charset="0"/>
+              </a:rPr>
+              <a:t> </a:t>
+            </a:r>
+            <a:r>
+              <a:rPr lang="en-US" sz="2800" dirty="0" err="1">
+                <a:solidFill>
+                  <a:srgbClr val="FF0000"/>
+                </a:solidFill>
+                <a:latin typeface="SF Pro Semibold" pitchFamily="2" charset="0"/>
+                <a:ea typeface="SF Pro Semibold" pitchFamily="2" charset="0"/>
+                <a:cs typeface="SF Pro Semibold" pitchFamily="2" charset="0"/>
+              </a:rPr>
+              <a:t>có</a:t>
+            </a:r>
+            <a:r>
+              <a:rPr lang="en-US" sz="2800" dirty="0">
+                <a:solidFill>
+                  <a:srgbClr val="FF0000"/>
+                </a:solidFill>
+                <a:latin typeface="SF Pro Semibold" pitchFamily="2" charset="0"/>
+                <a:ea typeface="SF Pro Semibold" pitchFamily="2" charset="0"/>
+                <a:cs typeface="SF Pro Semibold" pitchFamily="2" charset="0"/>
+              </a:rPr>
+              <a:t> an </a:t>
+            </a:r>
+            <a:r>
+              <a:rPr lang="en-US" sz="2800" dirty="0" err="1">
+                <a:solidFill>
+                  <a:srgbClr val="FF0000"/>
+                </a:solidFill>
+                <a:latin typeface="SF Pro Semibold" pitchFamily="2" charset="0"/>
+                <a:ea typeface="SF Pro Semibold" pitchFamily="2" charset="0"/>
+                <a:cs typeface="SF Pro Semibold" pitchFamily="2" charset="0"/>
+              </a:rPr>
+              <a:t>toàn</a:t>
+            </a:r>
+            <a:r>
+              <a:rPr lang="en-US" sz="2800" dirty="0">
+                <a:solidFill>
+                  <a:srgbClr val="FF0000"/>
+                </a:solidFill>
+                <a:latin typeface="SF Pro Semibold" pitchFamily="2" charset="0"/>
+                <a:ea typeface="SF Pro Semibold" pitchFamily="2" charset="0"/>
+                <a:cs typeface="SF Pro Semibold" pitchFamily="2" charset="0"/>
+              </a:rPr>
+              <a:t> </a:t>
+            </a:r>
+            <a:r>
+              <a:rPr lang="en-US" sz="2800" dirty="0" err="1">
+                <a:solidFill>
+                  <a:srgbClr val="FF0000"/>
+                </a:solidFill>
+                <a:latin typeface="SF Pro Semibold" pitchFamily="2" charset="0"/>
+                <a:ea typeface="SF Pro Semibold" pitchFamily="2" charset="0"/>
+                <a:cs typeface="SF Pro Semibold" pitchFamily="2" charset="0"/>
+              </a:rPr>
+              <a:t>không</a:t>
+            </a:r>
+            <a:r>
+              <a:rPr lang="en-US" sz="2800" dirty="0">
+                <a:solidFill>
+                  <a:srgbClr val="FF0000"/>
+                </a:solidFill>
+                <a:latin typeface="SF Pro Semibold" pitchFamily="2" charset="0"/>
+                <a:ea typeface="SF Pro Semibold" pitchFamily="2" charset="0"/>
+                <a:cs typeface="SF Pro Semibold" pitchFamily="2" charset="0"/>
+              </a:rPr>
+              <a:t>?:  </a:t>
+            </a:r>
+            <a:endParaRPr lang="en-US" sz="2800" dirty="0">
+              <a:solidFill>
+                <a:srgbClr val="FF0000"/>
+              </a:solidFill>
+              <a:latin typeface="SF Pro Semibold" pitchFamily="2" charset="0"/>
+              <a:ea typeface="SF Pro Semibold" pitchFamily="2" charset="0"/>
+              <a:cs typeface="SF Pro Semibold" pitchFamily="2" charset="0"/>
+            </a:endParaRPr>
+          </a:p>
+          <a:p>
+            <a:pPr marL="457200" indent="-457200">
+              <a:lnSpc>
+                <a:spcPct val="150000"/>
+              </a:lnSpc>
+              <a:buFont typeface="Wingdings" panose="05000000000000000000" pitchFamily="2" charset="2"/>
+              <a:buChar char="ü"/>
+            </a:pPr>
+            <a:r>
+              <a:rPr lang="en-US" sz="2400" dirty="0" err="1">
+                <a:latin typeface="SF Pro Semibold" pitchFamily="2" charset="0"/>
+                <a:ea typeface="SF Pro Semibold" pitchFamily="2" charset="0"/>
+                <a:cs typeface="SF Pro Semibold" pitchFamily="2" charset="0"/>
+              </a:rPr>
+              <a:t>Sử</a:t>
+            </a:r>
+            <a:r>
+              <a:rPr lang="en-US" sz="2400" dirty="0">
+                <a:latin typeface="SF Pro Semibold" pitchFamily="2" charset="0"/>
+                <a:ea typeface="SF Pro Semibold" pitchFamily="2" charset="0"/>
+                <a:cs typeface="SF Pro Semibold" pitchFamily="2" charset="0"/>
+              </a:rPr>
+              <a:t> dụng </a:t>
+            </a:r>
+            <a:r>
+              <a:rPr lang="en-US" sz="2400" dirty="0" err="1">
+                <a:latin typeface="SF Pro Semibold" pitchFamily="2" charset="0"/>
+                <a:ea typeface="SF Pro Semibold" pitchFamily="2" charset="0"/>
+                <a:cs typeface="SF Pro Semibold" pitchFamily="2" charset="0"/>
+              </a:rPr>
+              <a:t>các</a:t>
+            </a:r>
+            <a:r>
+              <a:rPr lang="en-US" sz="2400" dirty="0">
+                <a:latin typeface="SF Pro Semibold" pitchFamily="2" charset="0"/>
+                <a:ea typeface="SF Pro Semibold" pitchFamily="2" charset="0"/>
+                <a:cs typeface="SF Pro Semibold" pitchFamily="2" charset="0"/>
+              </a:rPr>
+              <a:t> </a:t>
+            </a:r>
+            <a:r>
+              <a:rPr lang="en-US" sz="2400" dirty="0" err="1">
+                <a:latin typeface="SF Pro Semibold" pitchFamily="2" charset="0"/>
+                <a:ea typeface="SF Pro Semibold" pitchFamily="2" charset="0"/>
+                <a:cs typeface="SF Pro Semibold" pitchFamily="2" charset="0"/>
+              </a:rPr>
+              <a:t>thuật</a:t>
+            </a:r>
+            <a:r>
+              <a:rPr lang="en-US" sz="2400" dirty="0">
+                <a:latin typeface="SF Pro Semibold" pitchFamily="2" charset="0"/>
+                <a:ea typeface="SF Pro Semibold" pitchFamily="2" charset="0"/>
+                <a:cs typeface="SF Pro Semibold" pitchFamily="2" charset="0"/>
+              </a:rPr>
+              <a:t> </a:t>
+            </a:r>
+            <a:r>
+              <a:rPr lang="en-US" sz="2400" dirty="0" err="1">
+                <a:latin typeface="SF Pro Semibold" pitchFamily="2" charset="0"/>
+                <a:ea typeface="SF Pro Semibold" pitchFamily="2" charset="0"/>
+                <a:cs typeface="SF Pro Semibold" pitchFamily="2" charset="0"/>
+              </a:rPr>
+              <a:t>toán</a:t>
+            </a:r>
+            <a:r>
+              <a:rPr lang="en-US" sz="2400" dirty="0">
+                <a:latin typeface="SF Pro Semibold" pitchFamily="2" charset="0"/>
+                <a:ea typeface="SF Pro Semibold" pitchFamily="2" charset="0"/>
+                <a:cs typeface="SF Pro Semibold" pitchFamily="2" charset="0"/>
+              </a:rPr>
+              <a:t> </a:t>
+            </a:r>
+            <a:r>
+              <a:rPr lang="en-US" sz="2400" dirty="0" err="1">
+                <a:latin typeface="SF Pro Semibold" pitchFamily="2" charset="0"/>
+                <a:ea typeface="SF Pro Semibold" pitchFamily="2" charset="0"/>
+                <a:cs typeface="SF Pro Semibold" pitchFamily="2" charset="0"/>
+              </a:rPr>
+              <a:t>để</a:t>
+            </a:r>
+            <a:r>
+              <a:rPr lang="en-US" sz="2400" dirty="0">
+                <a:latin typeface="SF Pro Semibold" pitchFamily="2" charset="0"/>
+                <a:ea typeface="SF Pro Semibold" pitchFamily="2" charset="0"/>
+                <a:cs typeface="SF Pro Semibold" pitchFamily="2" charset="0"/>
+              </a:rPr>
+              <a:t> </a:t>
+            </a:r>
+            <a:r>
+              <a:rPr lang="en-US" sz="2400" dirty="0" err="1">
+                <a:latin typeface="SF Pro Semibold" pitchFamily="2" charset="0"/>
+                <a:ea typeface="SF Pro Semibold" pitchFamily="2" charset="0"/>
+                <a:cs typeface="SF Pro Semibold" pitchFamily="2" charset="0"/>
+              </a:rPr>
+              <a:t>mã</a:t>
+            </a:r>
+            <a:r>
+              <a:rPr lang="en-US" sz="2400" dirty="0">
+                <a:latin typeface="SF Pro Semibold" pitchFamily="2" charset="0"/>
+                <a:ea typeface="SF Pro Semibold" pitchFamily="2" charset="0"/>
+                <a:cs typeface="SF Pro Semibold" pitchFamily="2" charset="0"/>
+              </a:rPr>
+              <a:t> </a:t>
+            </a:r>
+            <a:r>
+              <a:rPr lang="en-US" sz="2400" dirty="0" err="1">
+                <a:latin typeface="SF Pro Semibold" pitchFamily="2" charset="0"/>
+                <a:ea typeface="SF Pro Semibold" pitchFamily="2" charset="0"/>
+                <a:cs typeface="SF Pro Semibold" pitchFamily="2" charset="0"/>
+              </a:rPr>
+              <a:t>hóa</a:t>
+            </a:r>
+            <a:r>
+              <a:rPr lang="en-US" sz="2400" dirty="0">
+                <a:latin typeface="SF Pro Semibold" pitchFamily="2" charset="0"/>
+                <a:ea typeface="SF Pro Semibold" pitchFamily="2" charset="0"/>
+                <a:cs typeface="SF Pro Semibold" pitchFamily="2" charset="0"/>
+              </a:rPr>
+              <a:t> </a:t>
+            </a:r>
+            <a:r>
+              <a:rPr lang="en-US" sz="2400" dirty="0" err="1">
+                <a:latin typeface="SF Pro Semibold" pitchFamily="2" charset="0"/>
+                <a:ea typeface="SF Pro Semibold" pitchFamily="2" charset="0"/>
+                <a:cs typeface="SF Pro Semibold" pitchFamily="2" charset="0"/>
+              </a:rPr>
+              <a:t>dữ</a:t>
+            </a:r>
+            <a:r>
+              <a:rPr lang="en-US" sz="2400" dirty="0">
+                <a:latin typeface="SF Pro Semibold" pitchFamily="2" charset="0"/>
+                <a:ea typeface="SF Pro Semibold" pitchFamily="2" charset="0"/>
+                <a:cs typeface="SF Pro Semibold" pitchFamily="2" charset="0"/>
+              </a:rPr>
+              <a:t> </a:t>
+            </a:r>
+            <a:r>
+              <a:rPr lang="en-US" sz="2400" dirty="0" err="1">
+                <a:latin typeface="SF Pro Semibold" pitchFamily="2" charset="0"/>
+                <a:ea typeface="SF Pro Semibold" pitchFamily="2" charset="0"/>
+                <a:cs typeface="SF Pro Semibold" pitchFamily="2" charset="0"/>
+              </a:rPr>
+              <a:t>liệu</a:t>
+            </a:r>
+            <a:r>
+              <a:rPr lang="en-US" sz="2400" dirty="0">
+                <a:latin typeface="SF Pro Semibold" pitchFamily="2" charset="0"/>
+                <a:ea typeface="SF Pro Semibold" pitchFamily="2" charset="0"/>
+                <a:cs typeface="SF Pro Semibold" pitchFamily="2" charset="0"/>
+              </a:rPr>
+              <a:t> </a:t>
+            </a:r>
+            <a:r>
+              <a:rPr lang="en-US" sz="2400" dirty="0" err="1">
+                <a:latin typeface="SF Pro Semibold" pitchFamily="2" charset="0"/>
+                <a:ea typeface="SF Pro Semibold" pitchFamily="2" charset="0"/>
+                <a:cs typeface="SF Pro Semibold" pitchFamily="2" charset="0"/>
+              </a:rPr>
+              <a:t>sinh</a:t>
+            </a:r>
+            <a:r>
+              <a:rPr lang="en-US" sz="2400" dirty="0">
+                <a:latin typeface="SF Pro Semibold" pitchFamily="2" charset="0"/>
+                <a:ea typeface="SF Pro Semibold" pitchFamily="2" charset="0"/>
+                <a:cs typeface="SF Pro Semibold" pitchFamily="2" charset="0"/>
+              </a:rPr>
+              <a:t> </a:t>
+            </a:r>
+            <a:r>
+              <a:rPr lang="en-US" sz="2400" dirty="0" err="1">
+                <a:latin typeface="SF Pro Semibold" pitchFamily="2" charset="0"/>
+                <a:ea typeface="SF Pro Semibold" pitchFamily="2" charset="0"/>
+                <a:cs typeface="SF Pro Semibold" pitchFamily="2" charset="0"/>
+              </a:rPr>
+              <a:t>trắc</a:t>
+            </a:r>
+            <a:r>
+              <a:rPr lang="en-US" sz="2400" dirty="0">
+                <a:latin typeface="SF Pro Semibold" pitchFamily="2" charset="0"/>
+                <a:ea typeface="SF Pro Semibold" pitchFamily="2" charset="0"/>
+                <a:cs typeface="SF Pro Semibold" pitchFamily="2" charset="0"/>
+              </a:rPr>
+              <a:t> </a:t>
+            </a:r>
+            <a:r>
+              <a:rPr lang="en-US" sz="2400" dirty="0" err="1">
+                <a:latin typeface="SF Pro Semibold" pitchFamily="2" charset="0"/>
+                <a:ea typeface="SF Pro Semibold" pitchFamily="2" charset="0"/>
+                <a:cs typeface="SF Pro Semibold" pitchFamily="2" charset="0"/>
+              </a:rPr>
+              <a:t>học</a:t>
+            </a:r>
+            <a:r>
+              <a:rPr lang="en-US" sz="2400" dirty="0">
+                <a:latin typeface="SF Pro Semibold" pitchFamily="2" charset="0"/>
+                <a:ea typeface="SF Pro Semibold" pitchFamily="2" charset="0"/>
+                <a:cs typeface="SF Pro Semibold" pitchFamily="2" charset="0"/>
+              </a:rPr>
+              <a:t>. </a:t>
+            </a:r>
+            <a:r>
+              <a:rPr lang="en-US" sz="2400" dirty="0">
+                <a:effectLst/>
+                <a:latin typeface="SF Pro Semibold" pitchFamily="2" charset="0"/>
+                <a:ea typeface="SF Pro Semibold" pitchFamily="2" charset="0"/>
+                <a:cs typeface="SF Pro Semibold" pitchFamily="2" charset="0"/>
+              </a:rPr>
+              <a:t> </a:t>
+            </a:r>
+            <a:endParaRPr lang="en-US" sz="2400" dirty="0">
+              <a:effectLst/>
+              <a:latin typeface="SF Pro Semibold" pitchFamily="2" charset="0"/>
+              <a:ea typeface="SF Pro Semibold" pitchFamily="2" charset="0"/>
+              <a:cs typeface="SF Pro Semibold" pitchFamily="2" charset="0"/>
+            </a:endParaRPr>
+          </a:p>
+          <a:p>
+            <a:pPr marL="457200" indent="-457200">
+              <a:lnSpc>
+                <a:spcPct val="150000"/>
+              </a:lnSpc>
+              <a:buFont typeface="Wingdings" panose="05000000000000000000" pitchFamily="2" charset="2"/>
+              <a:buChar char="ü"/>
+            </a:pPr>
+            <a:r>
+              <a:rPr lang="en-US" sz="2400" dirty="0" err="1">
+                <a:latin typeface="SF Pro Semibold" pitchFamily="2" charset="0"/>
+                <a:ea typeface="SF Pro Semibold" pitchFamily="2" charset="0"/>
+                <a:cs typeface="SF Pro Semibold" pitchFamily="2" charset="0"/>
+              </a:rPr>
+              <a:t>Các</a:t>
+            </a:r>
+            <a:r>
+              <a:rPr lang="en-US" sz="2400" dirty="0">
+                <a:latin typeface="SF Pro Semibold" pitchFamily="2" charset="0"/>
+                <a:ea typeface="SF Pro Semibold" pitchFamily="2" charset="0"/>
+                <a:cs typeface="SF Pro Semibold" pitchFamily="2" charset="0"/>
+              </a:rPr>
+              <a:t> </a:t>
+            </a:r>
+            <a:r>
+              <a:rPr lang="en-US" sz="2400" dirty="0" err="1">
+                <a:latin typeface="SF Pro Semibold" pitchFamily="2" charset="0"/>
+                <a:ea typeface="SF Pro Semibold" pitchFamily="2" charset="0"/>
+                <a:cs typeface="SF Pro Semibold" pitchFamily="2" charset="0"/>
+              </a:rPr>
+              <a:t>dữ</a:t>
+            </a:r>
+            <a:r>
+              <a:rPr lang="en-US" sz="2400" dirty="0">
+                <a:latin typeface="SF Pro Semibold" pitchFamily="2" charset="0"/>
+                <a:ea typeface="SF Pro Semibold" pitchFamily="2" charset="0"/>
+                <a:cs typeface="SF Pro Semibold" pitchFamily="2" charset="0"/>
+              </a:rPr>
+              <a:t> </a:t>
+            </a:r>
+            <a:r>
+              <a:rPr lang="en-US" sz="2400" dirty="0" err="1">
+                <a:latin typeface="SF Pro Semibold" pitchFamily="2" charset="0"/>
+                <a:ea typeface="SF Pro Semibold" pitchFamily="2" charset="0"/>
+                <a:cs typeface="SF Pro Semibold" pitchFamily="2" charset="0"/>
+              </a:rPr>
+              <a:t>liệu</a:t>
+            </a:r>
+            <a:r>
+              <a:rPr lang="en-US" sz="2400" dirty="0">
+                <a:latin typeface="SF Pro Semibold" pitchFamily="2" charset="0"/>
+                <a:ea typeface="SF Pro Semibold" pitchFamily="2" charset="0"/>
+                <a:cs typeface="SF Pro Semibold" pitchFamily="2" charset="0"/>
+              </a:rPr>
+              <a:t> </a:t>
+            </a:r>
+            <a:r>
+              <a:rPr lang="en-US" sz="2400" dirty="0" err="1">
+                <a:latin typeface="SF Pro Semibold" pitchFamily="2" charset="0"/>
+                <a:ea typeface="SF Pro Semibold" pitchFamily="2" charset="0"/>
+                <a:cs typeface="SF Pro Semibold" pitchFamily="2" charset="0"/>
+              </a:rPr>
+              <a:t>này</a:t>
+            </a:r>
+            <a:r>
+              <a:rPr lang="en-US" sz="2400" dirty="0">
+                <a:latin typeface="SF Pro Semibold" pitchFamily="2" charset="0"/>
+                <a:ea typeface="SF Pro Semibold" pitchFamily="2" charset="0"/>
+                <a:cs typeface="SF Pro Semibold" pitchFamily="2" charset="0"/>
+              </a:rPr>
+              <a:t> </a:t>
+            </a:r>
+            <a:r>
+              <a:rPr lang="en-US" sz="2400" dirty="0" err="1">
+                <a:latin typeface="SF Pro Semibold" pitchFamily="2" charset="0"/>
+                <a:ea typeface="SF Pro Semibold" pitchFamily="2" charset="0"/>
+                <a:cs typeface="SF Pro Semibold" pitchFamily="2" charset="0"/>
+              </a:rPr>
+              <a:t>được</a:t>
+            </a:r>
+            <a:r>
+              <a:rPr lang="en-US" sz="2400" dirty="0">
+                <a:latin typeface="SF Pro Semibold" pitchFamily="2" charset="0"/>
+                <a:ea typeface="SF Pro Semibold" pitchFamily="2" charset="0"/>
+                <a:cs typeface="SF Pro Semibold" pitchFamily="2" charset="0"/>
+              </a:rPr>
+              <a:t> </a:t>
+            </a:r>
+            <a:r>
+              <a:rPr lang="en-US" sz="2400" dirty="0" err="1">
+                <a:latin typeface="SF Pro Semibold" pitchFamily="2" charset="0"/>
+                <a:ea typeface="SF Pro Semibold" pitchFamily="2" charset="0"/>
+                <a:cs typeface="SF Pro Semibold" pitchFamily="2" charset="0"/>
+              </a:rPr>
+              <a:t>lưu</a:t>
+            </a:r>
+            <a:r>
+              <a:rPr lang="en-US" sz="2400" dirty="0">
+                <a:latin typeface="SF Pro Semibold" pitchFamily="2" charset="0"/>
+                <a:ea typeface="SF Pro Semibold" pitchFamily="2" charset="0"/>
+                <a:cs typeface="SF Pro Semibold" pitchFamily="2" charset="0"/>
+              </a:rPr>
+              <a:t> </a:t>
+            </a:r>
+            <a:r>
+              <a:rPr lang="en-US" sz="2400" dirty="0" err="1">
+                <a:latin typeface="SF Pro Semibold" pitchFamily="2" charset="0"/>
+                <a:ea typeface="SF Pro Semibold" pitchFamily="2" charset="0"/>
+                <a:cs typeface="SF Pro Semibold" pitchFamily="2" charset="0"/>
+              </a:rPr>
+              <a:t>trữ</a:t>
+            </a:r>
+            <a:r>
+              <a:rPr lang="en-US" sz="2400" dirty="0">
+                <a:latin typeface="SF Pro Semibold" pitchFamily="2" charset="0"/>
+                <a:ea typeface="SF Pro Semibold" pitchFamily="2" charset="0"/>
+                <a:cs typeface="SF Pro Semibold" pitchFamily="2" charset="0"/>
+              </a:rPr>
+              <a:t> </a:t>
+            </a:r>
+            <a:r>
+              <a:rPr lang="en-US" sz="2400" dirty="0" err="1">
+                <a:latin typeface="SF Pro Semibold" pitchFamily="2" charset="0"/>
+                <a:ea typeface="SF Pro Semibold" pitchFamily="2" charset="0"/>
+                <a:cs typeface="SF Pro Semibold" pitchFamily="2" charset="0"/>
+              </a:rPr>
+              <a:t>dưới</a:t>
+            </a:r>
+            <a:r>
+              <a:rPr lang="en-US" sz="2400" dirty="0">
+                <a:latin typeface="SF Pro Semibold" pitchFamily="2" charset="0"/>
+                <a:ea typeface="SF Pro Semibold" pitchFamily="2" charset="0"/>
+                <a:cs typeface="SF Pro Semibold" pitchFamily="2" charset="0"/>
+              </a:rPr>
+              <a:t> </a:t>
+            </a:r>
+            <a:r>
+              <a:rPr lang="en-US" sz="2400" dirty="0" err="1">
+                <a:latin typeface="SF Pro Semibold" pitchFamily="2" charset="0"/>
+                <a:ea typeface="SF Pro Semibold" pitchFamily="2" charset="0"/>
+                <a:cs typeface="SF Pro Semibold" pitchFamily="2" charset="0"/>
+              </a:rPr>
+              <a:t>dạng</a:t>
+            </a:r>
+            <a:r>
+              <a:rPr lang="en-US" sz="2400" dirty="0">
+                <a:latin typeface="SF Pro Semibold" pitchFamily="2" charset="0"/>
+                <a:ea typeface="SF Pro Semibold" pitchFamily="2" charset="0"/>
+                <a:cs typeface="SF Pro Semibold" pitchFamily="2" charset="0"/>
+              </a:rPr>
+              <a:t> </a:t>
+            </a:r>
+            <a:r>
+              <a:rPr lang="en-US" sz="2400" dirty="0" err="1">
+                <a:latin typeface="SF Pro Semibold" pitchFamily="2" charset="0"/>
+                <a:ea typeface="SF Pro Semibold" pitchFamily="2" charset="0"/>
+                <a:cs typeface="SF Pro Semibold" pitchFamily="2" charset="0"/>
+              </a:rPr>
+              <a:t>ẩn</a:t>
+            </a:r>
+            <a:r>
+              <a:rPr lang="en-US" sz="2400" dirty="0">
+                <a:latin typeface="SF Pro Semibold" pitchFamily="2" charset="0"/>
+                <a:ea typeface="SF Pro Semibold" pitchFamily="2" charset="0"/>
+                <a:cs typeface="SF Pro Semibold" pitchFamily="2" charset="0"/>
+              </a:rPr>
+              <a:t> </a:t>
+            </a:r>
+            <a:r>
+              <a:rPr lang="en-US" sz="2400" dirty="0" err="1">
+                <a:latin typeface="SF Pro Semibold" pitchFamily="2" charset="0"/>
+                <a:ea typeface="SF Pro Semibold" pitchFamily="2" charset="0"/>
+                <a:cs typeface="SF Pro Semibold" pitchFamily="2" charset="0"/>
+              </a:rPr>
+              <a:t>danh</a:t>
+            </a:r>
+            <a:r>
+              <a:rPr lang="en-US" sz="2400" dirty="0">
+                <a:latin typeface="SF Pro Semibold" pitchFamily="2" charset="0"/>
+                <a:ea typeface="SF Pro Semibold" pitchFamily="2" charset="0"/>
+                <a:cs typeface="SF Pro Semibold" pitchFamily="2" charset="0"/>
+              </a:rPr>
+              <a:t>. </a:t>
+            </a:r>
+            <a:endParaRPr lang="en-US" sz="2400" dirty="0">
+              <a:latin typeface="SF Pro Semibold" pitchFamily="2" charset="0"/>
+              <a:ea typeface="SF Pro Semibold" pitchFamily="2" charset="0"/>
+              <a:cs typeface="SF Pro Semibold" pitchFamily="2" charset="0"/>
+            </a:endParaRPr>
+          </a:p>
+          <a:p>
+            <a:pPr>
+              <a:lnSpc>
+                <a:spcPct val="150000"/>
+              </a:lnSpc>
+            </a:pPr>
+            <a:r>
+              <a:rPr lang="en-US" sz="2400" dirty="0">
+                <a:latin typeface="SF Pro Semibold" pitchFamily="2" charset="0"/>
+                <a:ea typeface="SF Pro Semibold" pitchFamily="2" charset="0"/>
+                <a:cs typeface="SF Pro Semibold" pitchFamily="2" charset="0"/>
+              </a:rPr>
+              <a:t>	</a:t>
+            </a:r>
+            <a:endParaRPr lang="en-US" sz="2400" dirty="0">
+              <a:latin typeface="SF Pro Semibold" pitchFamily="2" charset="0"/>
+              <a:ea typeface="SF Pro Semibold" pitchFamily="2" charset="0"/>
+              <a:cs typeface="SF Pro Semibold" pitchFamily="2" charset="0"/>
+            </a:endParaRPr>
+          </a:p>
+          <a:p>
+            <a:pPr>
+              <a:lnSpc>
+                <a:spcPct val="150000"/>
+              </a:lnSpc>
+            </a:pPr>
+            <a:r>
+              <a:rPr lang="en-US" sz="2400" dirty="0">
+                <a:latin typeface="SF Pro Semibold" pitchFamily="2" charset="0"/>
+                <a:ea typeface="SF Pro Semibold" pitchFamily="2" charset="0"/>
+                <a:cs typeface="SF Pro Semibold" pitchFamily="2" charset="0"/>
+              </a:rPr>
+              <a:t>=&gt; </a:t>
+            </a:r>
+            <a:r>
+              <a:rPr lang="en-US" sz="2400" dirty="0" err="1">
+                <a:latin typeface="SF Pro Semibold" pitchFamily="2" charset="0"/>
+                <a:ea typeface="SF Pro Semibold" pitchFamily="2" charset="0"/>
+                <a:cs typeface="SF Pro Semibold" pitchFamily="2" charset="0"/>
+              </a:rPr>
+              <a:t>Công</a:t>
+            </a:r>
+            <a:r>
+              <a:rPr lang="en-US" sz="2400" dirty="0">
+                <a:latin typeface="SF Pro Semibold" pitchFamily="2" charset="0"/>
+                <a:ea typeface="SF Pro Semibold" pitchFamily="2" charset="0"/>
+                <a:cs typeface="SF Pro Semibold" pitchFamily="2" charset="0"/>
+              </a:rPr>
+              <a:t> </a:t>
+            </a:r>
+            <a:r>
+              <a:rPr lang="en-US" sz="2400" dirty="0" err="1">
+                <a:latin typeface="SF Pro Semibold" pitchFamily="2" charset="0"/>
+                <a:ea typeface="SF Pro Semibold" pitchFamily="2" charset="0"/>
+                <a:cs typeface="SF Pro Semibold" pitchFamily="2" charset="0"/>
+              </a:rPr>
+              <a:t>nghệ</a:t>
+            </a:r>
+            <a:r>
+              <a:rPr lang="en-US" sz="2400" dirty="0">
+                <a:latin typeface="SF Pro Semibold" pitchFamily="2" charset="0"/>
+                <a:ea typeface="SF Pro Semibold" pitchFamily="2" charset="0"/>
+                <a:cs typeface="SF Pro Semibold" pitchFamily="2" charset="0"/>
+              </a:rPr>
+              <a:t> </a:t>
+            </a:r>
+            <a:r>
+              <a:rPr lang="en-US" sz="2400" dirty="0" err="1">
+                <a:latin typeface="SF Pro Semibold" pitchFamily="2" charset="0"/>
+                <a:ea typeface="SF Pro Semibold" pitchFamily="2" charset="0"/>
+                <a:cs typeface="SF Pro Semibold" pitchFamily="2" charset="0"/>
+              </a:rPr>
+              <a:t>này</a:t>
+            </a:r>
+            <a:r>
+              <a:rPr lang="en-US" sz="2400" dirty="0">
+                <a:latin typeface="SF Pro Semibold" pitchFamily="2" charset="0"/>
+                <a:ea typeface="SF Pro Semibold" pitchFamily="2" charset="0"/>
+                <a:cs typeface="SF Pro Semibold" pitchFamily="2" charset="0"/>
+              </a:rPr>
+              <a:t> </a:t>
+            </a:r>
+            <a:r>
+              <a:rPr lang="en-US" sz="2400" dirty="0" err="1">
+                <a:latin typeface="SF Pro Semibold" pitchFamily="2" charset="0"/>
+                <a:ea typeface="SF Pro Semibold" pitchFamily="2" charset="0"/>
+                <a:cs typeface="SF Pro Semibold" pitchFamily="2" charset="0"/>
+              </a:rPr>
+              <a:t>có</a:t>
+            </a:r>
+            <a:r>
+              <a:rPr lang="en-US" sz="2400" dirty="0">
+                <a:latin typeface="SF Pro Semibold" pitchFamily="2" charset="0"/>
+                <a:ea typeface="SF Pro Semibold" pitchFamily="2" charset="0"/>
+                <a:cs typeface="SF Pro Semibold" pitchFamily="2" charset="0"/>
+              </a:rPr>
+              <a:t> </a:t>
+            </a:r>
+            <a:r>
+              <a:rPr lang="en-US" sz="2400" dirty="0" err="1">
+                <a:latin typeface="SF Pro Semibold" pitchFamily="2" charset="0"/>
+                <a:ea typeface="SF Pro Semibold" pitchFamily="2" charset="0"/>
+                <a:cs typeface="SF Pro Semibold" pitchFamily="2" charset="0"/>
+              </a:rPr>
+              <a:t>độ</a:t>
+            </a:r>
+            <a:r>
+              <a:rPr lang="en-US" sz="2400" dirty="0">
+                <a:latin typeface="SF Pro Semibold" pitchFamily="2" charset="0"/>
+                <a:ea typeface="SF Pro Semibold" pitchFamily="2" charset="0"/>
+                <a:cs typeface="SF Pro Semibold" pitchFamily="2" charset="0"/>
+              </a:rPr>
+              <a:t> an </a:t>
+            </a:r>
+            <a:r>
+              <a:rPr lang="en-US" sz="2400" dirty="0" err="1">
+                <a:latin typeface="SF Pro Semibold" pitchFamily="2" charset="0"/>
+                <a:ea typeface="SF Pro Semibold" pitchFamily="2" charset="0"/>
+                <a:cs typeface="SF Pro Semibold" pitchFamily="2" charset="0"/>
+              </a:rPr>
+              <a:t>toàn</a:t>
+            </a:r>
+            <a:r>
+              <a:rPr lang="en-US" sz="2400" dirty="0">
+                <a:latin typeface="SF Pro Semibold" pitchFamily="2" charset="0"/>
+                <a:ea typeface="SF Pro Semibold" pitchFamily="2" charset="0"/>
+                <a:cs typeface="SF Pro Semibold" pitchFamily="2" charset="0"/>
+              </a:rPr>
+              <a:t> </a:t>
+            </a:r>
+            <a:r>
+              <a:rPr lang="en-US" sz="2400" dirty="0" err="1">
+                <a:latin typeface="SF Pro Semibold" pitchFamily="2" charset="0"/>
+                <a:ea typeface="SF Pro Semibold" pitchFamily="2" charset="0"/>
+                <a:cs typeface="SF Pro Semibold" pitchFamily="2" charset="0"/>
+              </a:rPr>
+              <a:t>cao</a:t>
+            </a:r>
+            <a:r>
+              <a:rPr lang="en-US" sz="2400" dirty="0">
+                <a:latin typeface="SF Pro Semibold" pitchFamily="2" charset="0"/>
+                <a:ea typeface="SF Pro Semibold" pitchFamily="2" charset="0"/>
+                <a:cs typeface="SF Pro Semibold" pitchFamily="2" charset="0"/>
+              </a:rPr>
+              <a:t>. </a:t>
+            </a:r>
+            <a:endParaRPr lang="en-US" sz="2400" dirty="0">
+              <a:latin typeface="SF Pro Semibold" pitchFamily="2" charset="0"/>
+              <a:ea typeface="SF Pro Semibold" pitchFamily="2" charset="0"/>
+              <a:cs typeface="SF Pro Semibold" pitchFamily="2" charset="0"/>
+            </a:endParaRPr>
+          </a:p>
+        </p:txBody>
+      </p:sp>
+    </p:spTree>
+  </p:cSld>
+  <p:clrMapOvr>
+    <a:masterClrMapping/>
+  </p:clrMapOvr>
+  <p:transition spd="slow">
+    <p:pull/>
+  </p:transition>
+</p:sld>
+</file>
+
+<file path=ppt/slides/slide13.xml><?xml version="1.0" encoding="utf-8"?>
+<p:sld xmlns:a="http://schemas.openxmlformats.org/drawingml/2006/main" xmlns:r="http://schemas.openxmlformats.org/officeDocument/2006/relationships" xmlns:p="http://schemas.openxmlformats.org/presentationml/2006/main">
+  <p:cSld>
+    <p:spTree>
+      <p:nvGrpSpPr>
+        <p:cNvPr id="1" name=""/>
+        <p:cNvGrpSpPr/>
+        <p:nvPr/>
+      </p:nvGrpSpPr>
+      <p:grpSpPr>
+        <a:xfrm>
+          <a:off x="0" y="0"/>
+          <a:ext cx="0" cy="0"/>
+          <a:chOff x="0" y="0"/>
+          <a:chExt cx="0" cy="0"/>
+        </a:xfrm>
+      </p:grpSpPr>
+      <p:sp>
+        <p:nvSpPr>
+          <p:cNvPr id="9" name="Rectangle 8"/>
+          <p:cNvSpPr/>
+          <p:nvPr/>
+        </p:nvSpPr>
+        <p:spPr>
+          <a:xfrm>
+            <a:off x="8470760" y="6350556"/>
+            <a:ext cx="693336" cy="567732"/>
+          </a:xfrm>
+          <a:prstGeom prst="rect">
+            <a:avLst/>
+          </a:prstGeom>
+          <a:solidFill>
+            <a:schemeClr val="bg1"/>
+          </a:solidFill>
+          <a:ln>
+            <a:noFill/>
+          </a:ln>
+        </p:spPr>
+        <p:style>
+          <a:lnRef idx="2">
+            <a:schemeClr val="accent1">
+              <a:shade val="50000"/>
+            </a:schemeClr>
+          </a:lnRef>
+          <a:fillRef idx="1">
+            <a:schemeClr val="accent1"/>
+          </a:fillRef>
+          <a:effectRef idx="0">
+            <a:schemeClr val="accent1"/>
+          </a:effectRef>
+          <a:fontRef idx="minor">
+            <a:schemeClr val="lt1"/>
+          </a:fontRef>
+        </p:style>
+        <p:txBody>
+          <a:bodyPr rtlCol="0" anchor="ctr"/>
+          <a:lstStyle/>
+          <a:p>
+            <a:pPr algn="ctr"/>
+            <a:endParaRPr lang="en-US"/>
+          </a:p>
+        </p:txBody>
+      </p:sp>
+      <p:sp>
+        <p:nvSpPr>
+          <p:cNvPr id="5" name="TextBox 4"/>
+          <p:cNvSpPr txBox="1"/>
+          <p:nvPr/>
+        </p:nvSpPr>
+        <p:spPr>
+          <a:xfrm>
+            <a:off x="521852" y="315311"/>
+            <a:ext cx="6195927" cy="584775"/>
+          </a:xfrm>
+          <a:prstGeom prst="rect">
+            <a:avLst/>
+          </a:prstGeom>
+          <a:noFill/>
+        </p:spPr>
+        <p:txBody>
+          <a:bodyPr wrap="none" rtlCol="0">
+            <a:spAutoFit/>
+          </a:bodyPr>
+          <a:lstStyle/>
+          <a:p>
+            <a:r>
+              <a:rPr lang="en-US" sz="3200" b="1">
+                <a:solidFill>
+                  <a:schemeClr val="bg1"/>
+                </a:solidFill>
+                <a:latin typeface="+mj-lt"/>
+              </a:rPr>
+              <a:t>3.ĐỘ TIN CẬY VÀ CHÍNH XÁC. </a:t>
+            </a:r>
+            <a:endParaRPr lang="en-US" sz="3200" b="1">
+              <a:solidFill>
+                <a:schemeClr val="bg1"/>
+              </a:solidFill>
+              <a:latin typeface="+mj-lt"/>
+            </a:endParaRPr>
+          </a:p>
+        </p:txBody>
+      </p:sp>
+      <p:sp>
+        <p:nvSpPr>
+          <p:cNvPr id="6" name="TextBox 5"/>
+          <p:cNvSpPr txBox="1"/>
+          <p:nvPr/>
+        </p:nvSpPr>
+        <p:spPr>
+          <a:xfrm>
+            <a:off x="3247697" y="2406869"/>
+            <a:ext cx="184731" cy="369332"/>
+          </a:xfrm>
+          <a:prstGeom prst="rect">
+            <a:avLst/>
+          </a:prstGeom>
+          <a:noFill/>
+        </p:spPr>
+        <p:txBody>
+          <a:bodyPr wrap="none" rtlCol="0">
+            <a:spAutoFit/>
+          </a:bodyPr>
+          <a:lstStyle/>
+          <a:p>
+            <a:endParaRPr lang="en-US"/>
+          </a:p>
+        </p:txBody>
+      </p:sp>
+      <p:pic>
+        <p:nvPicPr>
+          <p:cNvPr id="12" name="Picture 11"/>
+          <p:cNvPicPr/>
+          <p:nvPr/>
+        </p:nvPicPr>
+        <p:blipFill>
+          <a:blip r:embed="rId1"/>
+          <a:stretch>
+            <a:fillRect/>
+          </a:stretch>
+        </p:blipFill>
+        <p:spPr>
+          <a:xfrm>
+            <a:off x="-39267" y="6350556"/>
+            <a:ext cx="576000" cy="1236543"/>
+          </a:xfrm>
+          <a:prstGeom prst="rect">
+            <a:avLst/>
+          </a:prstGeom>
+        </p:spPr>
+      </p:pic>
+      <p:sp>
+        <p:nvSpPr>
+          <p:cNvPr id="13" name="Oval 12"/>
+          <p:cNvSpPr/>
+          <p:nvPr/>
+        </p:nvSpPr>
+        <p:spPr>
+          <a:xfrm>
+            <a:off x="8601389" y="6315389"/>
+            <a:ext cx="542611" cy="542611"/>
+          </a:xfrm>
+          <a:prstGeom prst="ellipse">
+            <a:avLst/>
+          </a:prstGeom>
+          <a:solidFill>
+            <a:schemeClr val="bg1"/>
+          </a:solidFill>
+          <a:ln>
+            <a:solidFill>
+              <a:srgbClr val="FF0000"/>
+            </a:solidFill>
+          </a:ln>
+        </p:spPr>
+        <p:style>
+          <a:lnRef idx="2">
+            <a:schemeClr val="accent1">
+              <a:shade val="50000"/>
+            </a:schemeClr>
+          </a:lnRef>
+          <a:fillRef idx="1">
+            <a:schemeClr val="accent1"/>
+          </a:fillRef>
+          <a:effectRef idx="0">
+            <a:schemeClr val="accent1"/>
+          </a:effectRef>
+          <a:fontRef idx="minor">
+            <a:schemeClr val="lt1"/>
+          </a:fontRef>
+        </p:style>
+        <p:txBody>
+          <a:bodyPr rtlCol="0" anchor="ctr"/>
+          <a:lstStyle/>
+          <a:p>
+            <a:pPr algn="ctr"/>
+            <a:r>
+              <a:rPr lang="en-US">
+                <a:solidFill>
+                  <a:srgbClr val="FF0000"/>
+                </a:solidFill>
+              </a:rPr>
+              <a:t>4</a:t>
+            </a:r>
+            <a:endParaRPr lang="en-US">
+              <a:solidFill>
+                <a:srgbClr val="FF0000"/>
+              </a:solidFill>
+            </a:endParaRPr>
+          </a:p>
+        </p:txBody>
+      </p:sp>
+      <p:sp>
+        <p:nvSpPr>
+          <p:cNvPr id="10" name="TextBox 9"/>
+          <p:cNvSpPr txBox="1"/>
+          <p:nvPr/>
+        </p:nvSpPr>
+        <p:spPr>
+          <a:xfrm>
+            <a:off x="703384" y="1121254"/>
+            <a:ext cx="8169310" cy="664156"/>
+          </a:xfrm>
+          <a:prstGeom prst="rect">
+            <a:avLst/>
+          </a:prstGeom>
+          <a:noFill/>
+        </p:spPr>
+        <p:txBody>
+          <a:bodyPr wrap="square">
+            <a:spAutoFit/>
+          </a:bodyPr>
+          <a:lstStyle/>
+          <a:p>
+            <a:pPr marL="457200" indent="-457200">
+              <a:lnSpc>
+                <a:spcPct val="150000"/>
+              </a:lnSpc>
+              <a:buFont typeface="Wingdings" panose="05000000000000000000" pitchFamily="2" charset="2"/>
+              <a:buChar char="Ø"/>
+            </a:pPr>
+            <a:r>
+              <a:rPr lang="en-US" sz="2800" dirty="0">
+                <a:solidFill>
+                  <a:srgbClr val="FF0000"/>
+                </a:solidFill>
+                <a:latin typeface="SF Pro Semibold" pitchFamily="2" charset="0"/>
+                <a:ea typeface="SF Pro Semibold" pitchFamily="2" charset="0"/>
+                <a:cs typeface="SF Pro Semibold" pitchFamily="2" charset="0"/>
+              </a:rPr>
+              <a:t>3.2.Nhận </a:t>
+            </a:r>
+            <a:r>
+              <a:rPr lang="en-US" sz="2800" dirty="0" err="1">
+                <a:solidFill>
+                  <a:srgbClr val="FF0000"/>
+                </a:solidFill>
+                <a:latin typeface="SF Pro Semibold" pitchFamily="2" charset="0"/>
+                <a:ea typeface="SF Pro Semibold" pitchFamily="2" charset="0"/>
+                <a:cs typeface="SF Pro Semibold" pitchFamily="2" charset="0"/>
+              </a:rPr>
+              <a:t>diện</a:t>
+            </a:r>
+            <a:r>
+              <a:rPr lang="en-US" sz="2800" dirty="0">
+                <a:solidFill>
+                  <a:srgbClr val="FF0000"/>
+                </a:solidFill>
+                <a:latin typeface="SF Pro Semibold" pitchFamily="2" charset="0"/>
+                <a:ea typeface="SF Pro Semibold" pitchFamily="2" charset="0"/>
+                <a:cs typeface="SF Pro Semibold" pitchFamily="2" charset="0"/>
+              </a:rPr>
+              <a:t> </a:t>
+            </a:r>
+            <a:r>
+              <a:rPr lang="en-US" sz="2800" dirty="0" err="1">
+                <a:solidFill>
+                  <a:srgbClr val="FF0000"/>
+                </a:solidFill>
+                <a:latin typeface="SF Pro Semibold" pitchFamily="2" charset="0"/>
+                <a:ea typeface="SF Pro Semibold" pitchFamily="2" charset="0"/>
+                <a:cs typeface="SF Pro Semibold" pitchFamily="2" charset="0"/>
+              </a:rPr>
+              <a:t>khuôn</a:t>
+            </a:r>
+            <a:r>
+              <a:rPr lang="en-US" sz="2800" dirty="0">
+                <a:solidFill>
+                  <a:srgbClr val="FF0000"/>
+                </a:solidFill>
+                <a:latin typeface="SF Pro Semibold" pitchFamily="2" charset="0"/>
+                <a:ea typeface="SF Pro Semibold" pitchFamily="2" charset="0"/>
+                <a:cs typeface="SF Pro Semibold" pitchFamily="2" charset="0"/>
+              </a:rPr>
+              <a:t> </a:t>
+            </a:r>
+            <a:r>
+              <a:rPr lang="en-US" sz="2800" dirty="0" err="1">
+                <a:solidFill>
+                  <a:srgbClr val="FF0000"/>
+                </a:solidFill>
+                <a:latin typeface="SF Pro Semibold" pitchFamily="2" charset="0"/>
+                <a:ea typeface="SF Pro Semibold" pitchFamily="2" charset="0"/>
+                <a:cs typeface="SF Pro Semibold" pitchFamily="2" charset="0"/>
+              </a:rPr>
+              <a:t>mặt</a:t>
+            </a:r>
+            <a:r>
+              <a:rPr lang="en-US" sz="2800" dirty="0">
+                <a:solidFill>
+                  <a:srgbClr val="FF0000"/>
+                </a:solidFill>
+                <a:latin typeface="SF Pro Semibold" pitchFamily="2" charset="0"/>
+                <a:ea typeface="SF Pro Semibold" pitchFamily="2" charset="0"/>
+                <a:cs typeface="SF Pro Semibold" pitchFamily="2" charset="0"/>
+              </a:rPr>
+              <a:t> </a:t>
+            </a:r>
+            <a:r>
+              <a:rPr lang="en-US" sz="2800" dirty="0" err="1">
+                <a:solidFill>
+                  <a:srgbClr val="FF0000"/>
+                </a:solidFill>
+                <a:latin typeface="SF Pro Semibold" pitchFamily="2" charset="0"/>
+                <a:ea typeface="SF Pro Semibold" pitchFamily="2" charset="0"/>
+                <a:cs typeface="SF Pro Semibold" pitchFamily="2" charset="0"/>
+              </a:rPr>
+              <a:t>có</a:t>
+            </a:r>
+            <a:r>
+              <a:rPr lang="en-US" sz="2800" dirty="0">
+                <a:solidFill>
+                  <a:srgbClr val="FF0000"/>
+                </a:solidFill>
+                <a:latin typeface="SF Pro Semibold" pitchFamily="2" charset="0"/>
+                <a:ea typeface="SF Pro Semibold" pitchFamily="2" charset="0"/>
+                <a:cs typeface="SF Pro Semibold" pitchFamily="2" charset="0"/>
+              </a:rPr>
+              <a:t> an </a:t>
+            </a:r>
+            <a:r>
+              <a:rPr lang="en-US" sz="2800" dirty="0" err="1">
+                <a:solidFill>
+                  <a:srgbClr val="FF0000"/>
+                </a:solidFill>
+                <a:latin typeface="SF Pro Semibold" pitchFamily="2" charset="0"/>
+                <a:ea typeface="SF Pro Semibold" pitchFamily="2" charset="0"/>
+                <a:cs typeface="SF Pro Semibold" pitchFamily="2" charset="0"/>
+              </a:rPr>
+              <a:t>toàn</a:t>
+            </a:r>
+            <a:r>
+              <a:rPr lang="en-US" sz="2800" dirty="0">
+                <a:solidFill>
+                  <a:srgbClr val="FF0000"/>
+                </a:solidFill>
+                <a:latin typeface="SF Pro Semibold" pitchFamily="2" charset="0"/>
+                <a:ea typeface="SF Pro Semibold" pitchFamily="2" charset="0"/>
+                <a:cs typeface="SF Pro Semibold" pitchFamily="2" charset="0"/>
+              </a:rPr>
+              <a:t> </a:t>
+            </a:r>
+            <a:r>
+              <a:rPr lang="en-US" sz="2800" dirty="0" err="1">
+                <a:solidFill>
+                  <a:srgbClr val="FF0000"/>
+                </a:solidFill>
+                <a:latin typeface="SF Pro Semibold" pitchFamily="2" charset="0"/>
+                <a:ea typeface="SF Pro Semibold" pitchFamily="2" charset="0"/>
+                <a:cs typeface="SF Pro Semibold" pitchFamily="2" charset="0"/>
+              </a:rPr>
+              <a:t>không</a:t>
+            </a:r>
+            <a:r>
+              <a:rPr lang="en-US" sz="2800" dirty="0">
+                <a:solidFill>
+                  <a:srgbClr val="FF0000"/>
+                </a:solidFill>
+                <a:latin typeface="SF Pro Semibold" pitchFamily="2" charset="0"/>
+                <a:ea typeface="SF Pro Semibold" pitchFamily="2" charset="0"/>
+                <a:cs typeface="SF Pro Semibold" pitchFamily="2" charset="0"/>
+              </a:rPr>
+              <a:t>?:  </a:t>
+            </a:r>
+            <a:endParaRPr lang="en-US" sz="2800" dirty="0">
+              <a:solidFill>
+                <a:srgbClr val="FF0000"/>
+              </a:solidFill>
+              <a:latin typeface="SF Pro Semibold" pitchFamily="2" charset="0"/>
+              <a:ea typeface="SF Pro Semibold" pitchFamily="2" charset="0"/>
+              <a:cs typeface="SF Pro Semibold" pitchFamily="2" charset="0"/>
+            </a:endParaRPr>
+          </a:p>
+        </p:txBody>
+      </p:sp>
+      <p:pic>
+        <p:nvPicPr>
+          <p:cNvPr id="3" name="Picture 2"/>
+          <p:cNvPicPr>
+            <a:picLocks noChangeAspect="1"/>
+          </p:cNvPicPr>
+          <p:nvPr/>
+        </p:nvPicPr>
+        <p:blipFill>
+          <a:blip r:embed="rId2"/>
+          <a:stretch>
+            <a:fillRect/>
+          </a:stretch>
+        </p:blipFill>
+        <p:spPr>
+          <a:xfrm>
+            <a:off x="572322" y="2410625"/>
+            <a:ext cx="8571678" cy="3296799"/>
+          </a:xfrm>
+          <a:prstGeom prst="rect">
+            <a:avLst/>
+          </a:prstGeom>
+        </p:spPr>
+      </p:pic>
+    </p:spTree>
+  </p:cSld>
+  <p:clrMapOvr>
+    <a:masterClrMapping/>
+  </p:clrMapOvr>
+  <p:transition spd="slow">
+    <p:pull/>
+  </p:transition>
+</p:sld>
+</file>
+
+<file path=ppt/slides/slide14.xml><?xml version="1.0" encoding="utf-8"?>
+<p:sld xmlns:a="http://schemas.openxmlformats.org/drawingml/2006/main" xmlns:r="http://schemas.openxmlformats.org/officeDocument/2006/relationships" xmlns:p="http://schemas.openxmlformats.org/presentationml/2006/main">
+  <p:cSld>
+    <p:spTree>
+      <p:nvGrpSpPr>
+        <p:cNvPr id="1" name=""/>
+        <p:cNvGrpSpPr/>
+        <p:nvPr/>
+      </p:nvGrpSpPr>
+      <p:grpSpPr>
+        <a:xfrm>
+          <a:off x="0" y="0"/>
+          <a:ext cx="0" cy="0"/>
+          <a:chOff x="0" y="0"/>
+          <a:chExt cx="0" cy="0"/>
+        </a:xfrm>
+      </p:grpSpPr>
+      <p:sp>
+        <p:nvSpPr>
+          <p:cNvPr id="9" name="Rectangle 8"/>
+          <p:cNvSpPr/>
+          <p:nvPr/>
+        </p:nvSpPr>
+        <p:spPr>
+          <a:xfrm>
+            <a:off x="8470760" y="6350556"/>
+            <a:ext cx="693336" cy="567732"/>
+          </a:xfrm>
+          <a:prstGeom prst="rect">
+            <a:avLst/>
+          </a:prstGeom>
+          <a:solidFill>
+            <a:schemeClr val="bg1"/>
+          </a:solidFill>
+          <a:ln>
+            <a:noFill/>
+          </a:ln>
+        </p:spPr>
+        <p:style>
+          <a:lnRef idx="2">
+            <a:schemeClr val="accent1">
+              <a:shade val="50000"/>
+            </a:schemeClr>
+          </a:lnRef>
+          <a:fillRef idx="1">
+            <a:schemeClr val="accent1"/>
+          </a:fillRef>
+          <a:effectRef idx="0">
+            <a:schemeClr val="accent1"/>
+          </a:effectRef>
+          <a:fontRef idx="minor">
+            <a:schemeClr val="lt1"/>
+          </a:fontRef>
+        </p:style>
+        <p:txBody>
+          <a:bodyPr rtlCol="0" anchor="ctr"/>
+          <a:lstStyle/>
+          <a:p>
+            <a:pPr algn="ctr"/>
+            <a:endParaRPr lang="en-US"/>
+          </a:p>
+        </p:txBody>
+      </p:sp>
+      <p:sp>
+        <p:nvSpPr>
+          <p:cNvPr id="5" name="TextBox 4"/>
+          <p:cNvSpPr txBox="1"/>
+          <p:nvPr/>
+        </p:nvSpPr>
+        <p:spPr>
+          <a:xfrm>
+            <a:off x="521852" y="315311"/>
+            <a:ext cx="6195927" cy="584775"/>
+          </a:xfrm>
+          <a:prstGeom prst="rect">
+            <a:avLst/>
+          </a:prstGeom>
+          <a:noFill/>
+        </p:spPr>
+        <p:txBody>
+          <a:bodyPr wrap="none" rtlCol="0">
+            <a:spAutoFit/>
+          </a:bodyPr>
+          <a:lstStyle/>
+          <a:p>
+            <a:r>
+              <a:rPr lang="en-US" sz="3200" b="1">
+                <a:solidFill>
+                  <a:schemeClr val="bg1"/>
+                </a:solidFill>
+                <a:latin typeface="+mj-lt"/>
+              </a:rPr>
+              <a:t>3.ĐỘ TIN CẬY VÀ CHÍNH XÁC. </a:t>
+            </a:r>
+            <a:endParaRPr lang="en-US" sz="3200" b="1">
+              <a:solidFill>
+                <a:schemeClr val="bg1"/>
+              </a:solidFill>
+              <a:latin typeface="+mj-lt"/>
+            </a:endParaRPr>
+          </a:p>
+        </p:txBody>
+      </p:sp>
+      <p:sp>
+        <p:nvSpPr>
+          <p:cNvPr id="6" name="TextBox 5"/>
+          <p:cNvSpPr txBox="1"/>
+          <p:nvPr/>
+        </p:nvSpPr>
+        <p:spPr>
+          <a:xfrm>
+            <a:off x="3247697" y="2406869"/>
+            <a:ext cx="184731" cy="369332"/>
+          </a:xfrm>
+          <a:prstGeom prst="rect">
+            <a:avLst/>
+          </a:prstGeom>
+          <a:noFill/>
+        </p:spPr>
+        <p:txBody>
+          <a:bodyPr wrap="none" rtlCol="0">
+            <a:spAutoFit/>
+          </a:bodyPr>
+          <a:lstStyle/>
+          <a:p>
+            <a:endParaRPr lang="en-US"/>
+          </a:p>
+        </p:txBody>
+      </p:sp>
+      <p:pic>
+        <p:nvPicPr>
+          <p:cNvPr id="12" name="Picture 11"/>
+          <p:cNvPicPr/>
+          <p:nvPr/>
+        </p:nvPicPr>
+        <p:blipFill>
+          <a:blip r:embed="rId1"/>
+          <a:stretch>
+            <a:fillRect/>
+          </a:stretch>
+        </p:blipFill>
+        <p:spPr>
+          <a:xfrm>
+            <a:off x="-39267" y="6350556"/>
+            <a:ext cx="576000" cy="1236543"/>
+          </a:xfrm>
+          <a:prstGeom prst="rect">
+            <a:avLst/>
+          </a:prstGeom>
+        </p:spPr>
+      </p:pic>
+      <p:sp>
+        <p:nvSpPr>
+          <p:cNvPr id="13" name="Oval 12"/>
+          <p:cNvSpPr/>
+          <p:nvPr/>
+        </p:nvSpPr>
+        <p:spPr>
+          <a:xfrm>
+            <a:off x="8601389" y="6315389"/>
+            <a:ext cx="542611" cy="542611"/>
+          </a:xfrm>
+          <a:prstGeom prst="ellipse">
+            <a:avLst/>
+          </a:prstGeom>
+          <a:solidFill>
+            <a:schemeClr val="bg1"/>
+          </a:solidFill>
+          <a:ln>
+            <a:solidFill>
+              <a:srgbClr val="FF0000"/>
+            </a:solidFill>
+          </a:ln>
+        </p:spPr>
+        <p:style>
+          <a:lnRef idx="2">
+            <a:schemeClr val="accent1">
+              <a:shade val="50000"/>
+            </a:schemeClr>
+          </a:lnRef>
+          <a:fillRef idx="1">
+            <a:schemeClr val="accent1"/>
+          </a:fillRef>
+          <a:effectRef idx="0">
+            <a:schemeClr val="accent1"/>
+          </a:effectRef>
+          <a:fontRef idx="minor">
+            <a:schemeClr val="lt1"/>
+          </a:fontRef>
+        </p:style>
+        <p:txBody>
+          <a:bodyPr rtlCol="0" anchor="ctr"/>
+          <a:lstStyle/>
+          <a:p>
+            <a:pPr algn="ctr"/>
+            <a:r>
+              <a:rPr lang="en-US">
+                <a:solidFill>
+                  <a:srgbClr val="FF0000"/>
+                </a:solidFill>
+              </a:rPr>
+              <a:t>4</a:t>
+            </a:r>
+            <a:endParaRPr lang="en-US">
+              <a:solidFill>
+                <a:srgbClr val="FF0000"/>
+              </a:solidFill>
+            </a:endParaRPr>
+          </a:p>
+        </p:txBody>
+      </p:sp>
+      <p:sp>
+        <p:nvSpPr>
+          <p:cNvPr id="10" name="TextBox 9"/>
+          <p:cNvSpPr txBox="1"/>
+          <p:nvPr/>
+        </p:nvSpPr>
+        <p:spPr>
+          <a:xfrm>
+            <a:off x="703384" y="1121261"/>
+            <a:ext cx="8169310" cy="3998787"/>
+          </a:xfrm>
+          <a:prstGeom prst="rect">
+            <a:avLst/>
+          </a:prstGeom>
+          <a:noFill/>
+        </p:spPr>
+        <p:txBody>
+          <a:bodyPr wrap="square">
+            <a:spAutoFit/>
+          </a:bodyPr>
+          <a:lstStyle/>
+          <a:p>
+            <a:pPr marL="457200" indent="-457200">
+              <a:lnSpc>
+                <a:spcPct val="150000"/>
+              </a:lnSpc>
+              <a:buFont typeface="Wingdings" panose="05000000000000000000" pitchFamily="2" charset="2"/>
+              <a:buChar char="Ø"/>
+            </a:pPr>
+            <a:r>
+              <a:rPr lang="en-US" sz="2800" dirty="0">
+                <a:solidFill>
+                  <a:srgbClr val="FF0000"/>
+                </a:solidFill>
+                <a:latin typeface="SF Pro Semibold" pitchFamily="2" charset="0"/>
+                <a:ea typeface="SF Pro Semibold" pitchFamily="2" charset="0"/>
+                <a:cs typeface="SF Pro Semibold" pitchFamily="2" charset="0"/>
+              </a:rPr>
+              <a:t>3.3.Điểm tin cậy trong nhận dạng khuôn mặt?:  </a:t>
+            </a:r>
+            <a:endParaRPr lang="en-US" sz="2800" dirty="0">
+              <a:solidFill>
+                <a:srgbClr val="FF0000"/>
+              </a:solidFill>
+              <a:latin typeface="SF Pro Semibold" pitchFamily="2" charset="0"/>
+              <a:ea typeface="SF Pro Semibold" pitchFamily="2" charset="0"/>
+              <a:cs typeface="SF Pro Semibold" pitchFamily="2" charset="0"/>
+            </a:endParaRPr>
+          </a:p>
+          <a:p>
+            <a:pPr marL="457200" indent="-457200">
+              <a:lnSpc>
+                <a:spcPct val="150000"/>
+              </a:lnSpc>
+              <a:buFont typeface="Wingdings" panose="05000000000000000000" pitchFamily="2" charset="2"/>
+              <a:buChar char="ü"/>
+            </a:pPr>
+            <a:r>
+              <a:rPr lang="en-US" sz="2400" dirty="0">
+                <a:effectLst/>
+                <a:latin typeface="SF Pro Semibold" pitchFamily="2" charset="0"/>
+                <a:ea typeface="SF Pro Semibold" pitchFamily="2" charset="0"/>
+                <a:cs typeface="SF Pro Semibold" pitchFamily="2" charset="0"/>
+              </a:rPr>
+              <a:t>Hệ thống sẽ phát hiện, so sánh khuôn mặt với dữ liệu từ database. </a:t>
+            </a:r>
+            <a:endParaRPr lang="en-US" sz="2400" dirty="0">
+              <a:effectLst/>
+              <a:latin typeface="SF Pro Semibold" pitchFamily="2" charset="0"/>
+              <a:ea typeface="SF Pro Semibold" pitchFamily="2" charset="0"/>
+              <a:cs typeface="SF Pro Semibold" pitchFamily="2" charset="0"/>
+            </a:endParaRPr>
+          </a:p>
+          <a:p>
+            <a:pPr marL="457200" indent="-457200">
+              <a:lnSpc>
+                <a:spcPct val="150000"/>
+              </a:lnSpc>
+              <a:buFont typeface="Wingdings" panose="05000000000000000000" pitchFamily="2" charset="2"/>
+              <a:buChar char="ü"/>
+            </a:pPr>
+            <a:r>
+              <a:rPr lang="en-US" sz="2400" dirty="0">
+                <a:latin typeface="SF Pro Semibold" pitchFamily="2" charset="0"/>
+                <a:ea typeface="SF Pro Semibold" pitchFamily="2" charset="0"/>
+                <a:cs typeface="SF Pro Semibold" pitchFamily="2" charset="0"/>
+              </a:rPr>
+              <a:t> Điểm tin cậy càng cao thì khả năng hai hình ảnh thuộc về cùng một người càng cao. </a:t>
+            </a:r>
+            <a:endParaRPr lang="en-US" sz="2400" dirty="0">
+              <a:latin typeface="SF Pro Semibold" pitchFamily="2" charset="0"/>
+              <a:ea typeface="SF Pro Semibold" pitchFamily="2" charset="0"/>
+              <a:cs typeface="SF Pro Semibold" pitchFamily="2" charset="0"/>
+            </a:endParaRPr>
+          </a:p>
+          <a:p>
+            <a:pPr>
+              <a:lnSpc>
+                <a:spcPct val="150000"/>
+              </a:lnSpc>
+            </a:pPr>
+            <a:r>
+              <a:rPr lang="en-US" sz="2400" dirty="0">
+                <a:latin typeface="SF Pro Semibold" pitchFamily="2" charset="0"/>
+                <a:ea typeface="SF Pro Semibold" pitchFamily="2" charset="0"/>
+                <a:cs typeface="SF Pro Semibold" pitchFamily="2" charset="0"/>
+              </a:rPr>
+              <a:t>	</a:t>
+            </a:r>
+            <a:endParaRPr lang="en-US" sz="2400" dirty="0">
+              <a:latin typeface="SF Pro Semibold" pitchFamily="2" charset="0"/>
+              <a:ea typeface="SF Pro Semibold" pitchFamily="2" charset="0"/>
+              <a:cs typeface="SF Pro Semibold" pitchFamily="2" charset="0"/>
+            </a:endParaRPr>
+          </a:p>
+          <a:p>
+            <a:pPr>
+              <a:lnSpc>
+                <a:spcPct val="150000"/>
+              </a:lnSpc>
+            </a:pPr>
+            <a:r>
+              <a:rPr lang="en-US" sz="2400" dirty="0">
+                <a:latin typeface="SF Pro Semibold" pitchFamily="2" charset="0"/>
+                <a:ea typeface="SF Pro Semibold" pitchFamily="2" charset="0"/>
+                <a:cs typeface="SF Pro Semibold" pitchFamily="2" charset="0"/>
+              </a:rPr>
+              <a:t>=&gt; Ngưỡng điểm này thường lên đến &gt;90%.</a:t>
+            </a:r>
+            <a:endParaRPr lang="en-US" sz="2400" dirty="0">
+              <a:latin typeface="SF Pro Semibold" pitchFamily="2" charset="0"/>
+              <a:ea typeface="SF Pro Semibold" pitchFamily="2" charset="0"/>
+              <a:cs typeface="SF Pro Semibold" pitchFamily="2" charset="0"/>
+            </a:endParaRPr>
+          </a:p>
+        </p:txBody>
+      </p:sp>
+    </p:spTree>
+  </p:cSld>
+  <p:clrMapOvr>
+    <a:masterClrMapping/>
+  </p:clrMapOvr>
+  <p:transition spd="slow">
+    <p:pull/>
+  </p:transition>
+</p:sld>
+</file>
+
+<file path=ppt/slides/slide15.xml><?xml version="1.0" encoding="utf-8"?>
+<p:sld xmlns:a="http://schemas.openxmlformats.org/drawingml/2006/main" xmlns:r="http://schemas.openxmlformats.org/officeDocument/2006/relationships" xmlns:p="http://schemas.openxmlformats.org/presentationml/2006/main">
+  <p:cSld>
+    <p:spTree>
+      <p:nvGrpSpPr>
+        <p:cNvPr id="1" name=""/>
+        <p:cNvGrpSpPr/>
+        <p:nvPr/>
+      </p:nvGrpSpPr>
+      <p:grpSpPr>
+        <a:xfrm>
+          <a:off x="0" y="0"/>
+          <a:ext cx="0" cy="0"/>
+          <a:chOff x="0" y="0"/>
+          <a:chExt cx="0" cy="0"/>
+        </a:xfrm>
+      </p:grpSpPr>
+      <p:sp>
+        <p:nvSpPr>
+          <p:cNvPr id="10" name="TextBox 9"/>
+          <p:cNvSpPr txBox="1"/>
+          <p:nvPr/>
+        </p:nvSpPr>
+        <p:spPr>
+          <a:xfrm>
+            <a:off x="703384" y="1121254"/>
+            <a:ext cx="8169310" cy="664156"/>
+          </a:xfrm>
+          <a:prstGeom prst="rect">
+            <a:avLst/>
+          </a:prstGeom>
+          <a:noFill/>
+        </p:spPr>
+        <p:txBody>
+          <a:bodyPr wrap="square">
+            <a:spAutoFit/>
+          </a:bodyPr>
+          <a:lstStyle/>
+          <a:p>
+            <a:pPr marL="457200" indent="-457200">
+              <a:lnSpc>
+                <a:spcPct val="150000"/>
+              </a:lnSpc>
+              <a:buFont typeface="Wingdings" panose="05000000000000000000" pitchFamily="2" charset="2"/>
+              <a:buChar char="Ø"/>
+            </a:pPr>
+            <a:r>
+              <a:rPr lang="en-US" sz="2800" dirty="0">
+                <a:solidFill>
+                  <a:srgbClr val="FF0000"/>
+                </a:solidFill>
+                <a:latin typeface="SF Pro Semibold" pitchFamily="2" charset="0"/>
+                <a:ea typeface="SF Pro Semibold" pitchFamily="2" charset="0"/>
+                <a:cs typeface="SF Pro Semibold" pitchFamily="2" charset="0"/>
+              </a:rPr>
+              <a:t>3.3.Điểm tin cậy trong nhận dạng khuôn mặt?:  </a:t>
+            </a:r>
+            <a:endParaRPr lang="en-US" sz="2800" dirty="0">
+              <a:solidFill>
+                <a:srgbClr val="FF0000"/>
+              </a:solidFill>
+              <a:latin typeface="SF Pro Semibold" pitchFamily="2" charset="0"/>
+              <a:ea typeface="SF Pro Semibold" pitchFamily="2" charset="0"/>
+              <a:cs typeface="SF Pro Semibold" pitchFamily="2" charset="0"/>
+            </a:endParaRPr>
+          </a:p>
+        </p:txBody>
+      </p:sp>
+      <p:sp>
+        <p:nvSpPr>
+          <p:cNvPr id="9" name="Rectangle 8"/>
+          <p:cNvSpPr/>
+          <p:nvPr/>
+        </p:nvSpPr>
+        <p:spPr>
+          <a:xfrm>
+            <a:off x="8470760" y="6350556"/>
+            <a:ext cx="693336" cy="567732"/>
+          </a:xfrm>
+          <a:prstGeom prst="rect">
+            <a:avLst/>
+          </a:prstGeom>
+          <a:solidFill>
+            <a:schemeClr val="bg1"/>
+          </a:solidFill>
+          <a:ln>
+            <a:noFill/>
+          </a:ln>
+        </p:spPr>
+        <p:style>
+          <a:lnRef idx="2">
+            <a:schemeClr val="accent1">
+              <a:shade val="50000"/>
+            </a:schemeClr>
+          </a:lnRef>
+          <a:fillRef idx="1">
+            <a:schemeClr val="accent1"/>
+          </a:fillRef>
+          <a:effectRef idx="0">
+            <a:schemeClr val="accent1"/>
+          </a:effectRef>
+          <a:fontRef idx="minor">
+            <a:schemeClr val="lt1"/>
+          </a:fontRef>
+        </p:style>
+        <p:txBody>
+          <a:bodyPr rtlCol="0" anchor="ctr"/>
+          <a:lstStyle/>
+          <a:p>
+            <a:pPr algn="ctr"/>
+            <a:endParaRPr lang="en-US"/>
+          </a:p>
+        </p:txBody>
+      </p:sp>
+      <p:sp>
+        <p:nvSpPr>
+          <p:cNvPr id="5" name="TextBox 4"/>
+          <p:cNvSpPr txBox="1"/>
+          <p:nvPr/>
+        </p:nvSpPr>
+        <p:spPr>
+          <a:xfrm>
+            <a:off x="521852" y="315311"/>
+            <a:ext cx="6195927" cy="584775"/>
+          </a:xfrm>
+          <a:prstGeom prst="rect">
+            <a:avLst/>
+          </a:prstGeom>
+          <a:noFill/>
+        </p:spPr>
+        <p:txBody>
+          <a:bodyPr wrap="none" rtlCol="0">
+            <a:spAutoFit/>
+          </a:bodyPr>
+          <a:lstStyle/>
+          <a:p>
+            <a:r>
+              <a:rPr lang="en-US" sz="3200" b="1">
+                <a:solidFill>
+                  <a:schemeClr val="bg1"/>
+                </a:solidFill>
+                <a:latin typeface="+mj-lt"/>
+              </a:rPr>
+              <a:t>3.ĐỘ TIN CẬY VÀ CHÍNH XÁC. </a:t>
+            </a:r>
+            <a:endParaRPr lang="en-US" sz="3200" b="1">
+              <a:solidFill>
+                <a:schemeClr val="bg1"/>
+              </a:solidFill>
+              <a:latin typeface="+mj-lt"/>
+            </a:endParaRPr>
+          </a:p>
+        </p:txBody>
+      </p:sp>
+      <p:sp>
+        <p:nvSpPr>
+          <p:cNvPr id="6" name="TextBox 5"/>
+          <p:cNvSpPr txBox="1"/>
+          <p:nvPr/>
+        </p:nvSpPr>
+        <p:spPr>
+          <a:xfrm>
+            <a:off x="3247697" y="2406869"/>
+            <a:ext cx="184731" cy="369332"/>
+          </a:xfrm>
+          <a:prstGeom prst="rect">
+            <a:avLst/>
+          </a:prstGeom>
+          <a:noFill/>
+        </p:spPr>
+        <p:txBody>
+          <a:bodyPr wrap="none" rtlCol="0">
+            <a:spAutoFit/>
+          </a:bodyPr>
+          <a:lstStyle/>
+          <a:p>
+            <a:endParaRPr lang="en-US"/>
+          </a:p>
+        </p:txBody>
+      </p:sp>
+      <p:pic>
+        <p:nvPicPr>
+          <p:cNvPr id="12" name="Picture 11"/>
+          <p:cNvPicPr/>
+          <p:nvPr/>
+        </p:nvPicPr>
+        <p:blipFill>
+          <a:blip r:embed="rId1"/>
+          <a:stretch>
+            <a:fillRect/>
+          </a:stretch>
+        </p:blipFill>
+        <p:spPr>
+          <a:xfrm>
+            <a:off x="-39267" y="6350556"/>
+            <a:ext cx="576000" cy="1236543"/>
+          </a:xfrm>
+          <a:prstGeom prst="rect">
+            <a:avLst/>
+          </a:prstGeom>
+        </p:spPr>
+      </p:pic>
+      <p:sp>
+        <p:nvSpPr>
+          <p:cNvPr id="13" name="Oval 12"/>
+          <p:cNvSpPr/>
+          <p:nvPr/>
+        </p:nvSpPr>
+        <p:spPr>
+          <a:xfrm>
+            <a:off x="8601389" y="6315389"/>
+            <a:ext cx="542611" cy="542611"/>
+          </a:xfrm>
+          <a:prstGeom prst="ellipse">
+            <a:avLst/>
+          </a:prstGeom>
+          <a:solidFill>
+            <a:schemeClr val="bg1"/>
+          </a:solidFill>
+          <a:ln>
+            <a:solidFill>
+              <a:srgbClr val="FF0000"/>
+            </a:solidFill>
+          </a:ln>
+        </p:spPr>
+        <p:style>
+          <a:lnRef idx="2">
+            <a:schemeClr val="accent1">
+              <a:shade val="50000"/>
+            </a:schemeClr>
+          </a:lnRef>
+          <a:fillRef idx="1">
+            <a:schemeClr val="accent1"/>
+          </a:fillRef>
+          <a:effectRef idx="0">
+            <a:schemeClr val="accent1"/>
+          </a:effectRef>
+          <a:fontRef idx="minor">
+            <a:schemeClr val="lt1"/>
+          </a:fontRef>
+        </p:style>
+        <p:txBody>
+          <a:bodyPr rtlCol="0" anchor="ctr"/>
+          <a:lstStyle/>
+          <a:p>
+            <a:pPr algn="ctr"/>
+            <a:r>
+              <a:rPr lang="en-US">
+                <a:solidFill>
+                  <a:srgbClr val="FF0000"/>
+                </a:solidFill>
+              </a:rPr>
+              <a:t>4</a:t>
+            </a:r>
+            <a:endParaRPr lang="en-US">
+              <a:solidFill>
+                <a:srgbClr val="FF0000"/>
+              </a:solidFill>
+            </a:endParaRPr>
+          </a:p>
+        </p:txBody>
+      </p:sp>
+      <p:pic>
+        <p:nvPicPr>
+          <p:cNvPr id="3" name="Picture 2"/>
+          <p:cNvPicPr>
+            <a:picLocks noChangeAspect="1"/>
+          </p:cNvPicPr>
+          <p:nvPr/>
+        </p:nvPicPr>
+        <p:blipFill>
+          <a:blip r:embed="rId2"/>
+          <a:stretch>
+            <a:fillRect/>
+          </a:stretch>
+        </p:blipFill>
+        <p:spPr>
+          <a:xfrm>
+            <a:off x="1040256" y="1854645"/>
+            <a:ext cx="7495566" cy="4732049"/>
+          </a:xfrm>
+          <a:prstGeom prst="roundRect">
+            <a:avLst>
+              <a:gd name="adj" fmla="val 8649"/>
+            </a:avLst>
+          </a:prstGeom>
+        </p:spPr>
+      </p:pic>
+    </p:spTree>
+  </p:cSld>
+  <p:clrMapOvr>
+    <a:masterClrMapping/>
+  </p:clrMapOvr>
+  <p:transition spd="slow">
+    <p:pull/>
+  </p:transition>
+</p:sld>
+</file>
+
+<file path=ppt/slides/slide16.xml><?xml version="1.0" encoding="utf-8"?>
+<p:sld xmlns:a="http://schemas.openxmlformats.org/drawingml/2006/main" xmlns:r="http://schemas.openxmlformats.org/officeDocument/2006/relationships" xmlns:p="http://schemas.openxmlformats.org/presentationml/2006/main">
+  <p:cSld>
+    <p:spTree>
+      <p:nvGrpSpPr>
+        <p:cNvPr id="1" name=""/>
+        <p:cNvGrpSpPr/>
+        <p:nvPr/>
+      </p:nvGrpSpPr>
+      <p:grpSpPr>
+        <a:xfrm>
+          <a:off x="0" y="0"/>
+          <a:ext cx="0" cy="0"/>
+          <a:chOff x="0" y="0"/>
+          <a:chExt cx="0" cy="0"/>
+        </a:xfrm>
+      </p:grpSpPr>
+      <p:sp>
+        <p:nvSpPr>
+          <p:cNvPr id="10" name="TextBox 9">
+            <a:hlinkClick r:id="rId1"/>
+          </p:cNvPr>
+          <p:cNvSpPr txBox="1"/>
+          <p:nvPr/>
+        </p:nvSpPr>
+        <p:spPr>
+          <a:xfrm>
+            <a:off x="703384" y="1121254"/>
+            <a:ext cx="8169310" cy="577850"/>
+          </a:xfrm>
+          <a:prstGeom prst="rect">
+            <a:avLst/>
+          </a:prstGeom>
+          <a:noFill/>
+        </p:spPr>
+        <p:txBody>
+          <a:bodyPr wrap="square">
+            <a:spAutoFit/>
+          </a:bodyPr>
+          <a:lstStyle/>
+          <a:p>
+            <a:pPr marL="457200" indent="-457200">
+              <a:lnSpc>
+                <a:spcPct val="150000"/>
+              </a:lnSpc>
+              <a:buFont typeface="Wingdings" panose="05000000000000000000" pitchFamily="2" charset="2"/>
+              <a:buChar char="Ø"/>
+            </a:pPr>
+            <a:r>
+              <a:rPr lang="en-US" sz="2400" dirty="0">
+                <a:ea typeface="SF Pro Semibold" pitchFamily="2" charset="0"/>
+                <a:cs typeface="Arial" panose="020B0604020202020204" pitchFamily="34" charset="0"/>
+              </a:rPr>
+              <a:t>https://en.wikipedia.org/wiki/Facial_recognition_system</a:t>
+            </a:r>
+            <a:endParaRPr lang="en-US" sz="2400" dirty="0">
+              <a:ea typeface="SF Pro Semibold" pitchFamily="2" charset="0"/>
+              <a:cs typeface="Arial" panose="020B0604020202020204" pitchFamily="34" charset="0"/>
+            </a:endParaRPr>
+          </a:p>
+        </p:txBody>
+      </p:sp>
+      <p:sp>
+        <p:nvSpPr>
+          <p:cNvPr id="9" name="Rectangle 8"/>
+          <p:cNvSpPr/>
+          <p:nvPr/>
+        </p:nvSpPr>
+        <p:spPr>
+          <a:xfrm>
+            <a:off x="8470760" y="6350556"/>
+            <a:ext cx="693336" cy="567732"/>
+          </a:xfrm>
+          <a:prstGeom prst="rect">
+            <a:avLst/>
+          </a:prstGeom>
+          <a:solidFill>
+            <a:schemeClr val="bg1"/>
+          </a:solidFill>
+          <a:ln>
+            <a:noFill/>
+          </a:ln>
+        </p:spPr>
+        <p:style>
+          <a:lnRef idx="2">
+            <a:schemeClr val="accent1">
+              <a:shade val="50000"/>
+            </a:schemeClr>
+          </a:lnRef>
+          <a:fillRef idx="1">
+            <a:schemeClr val="accent1"/>
+          </a:fillRef>
+          <a:effectRef idx="0">
+            <a:schemeClr val="accent1"/>
+          </a:effectRef>
+          <a:fontRef idx="minor">
+            <a:schemeClr val="lt1"/>
+          </a:fontRef>
+        </p:style>
+        <p:txBody>
+          <a:bodyPr rtlCol="0" anchor="ctr"/>
+          <a:lstStyle/>
+          <a:p>
+            <a:pPr algn="ctr"/>
+            <a:endParaRPr lang="en-US"/>
+          </a:p>
+        </p:txBody>
+      </p:sp>
+      <p:sp>
+        <p:nvSpPr>
+          <p:cNvPr id="5" name="TextBox 4"/>
+          <p:cNvSpPr txBox="1"/>
+          <p:nvPr/>
+        </p:nvSpPr>
+        <p:spPr>
+          <a:xfrm>
+            <a:off x="521852" y="315311"/>
+            <a:ext cx="7318029" cy="584775"/>
+          </a:xfrm>
+          <a:prstGeom prst="rect">
+            <a:avLst/>
+          </a:prstGeom>
+          <a:noFill/>
+        </p:spPr>
+        <p:txBody>
+          <a:bodyPr wrap="none" rtlCol="0">
+            <a:spAutoFit/>
+          </a:bodyPr>
+          <a:lstStyle/>
+          <a:p>
+            <a:r>
+              <a:rPr lang="en-US" sz="3200" b="1">
+                <a:solidFill>
+                  <a:schemeClr val="bg1"/>
+                </a:solidFill>
+                <a:latin typeface="+mj-lt"/>
+              </a:rPr>
+              <a:t>CÁC TRANG TÀI LIỆU THAM KHẢO. </a:t>
+            </a:r>
+            <a:endParaRPr lang="en-US" sz="3200" b="1">
+              <a:solidFill>
+                <a:schemeClr val="bg1"/>
+              </a:solidFill>
+              <a:latin typeface="+mj-lt"/>
+            </a:endParaRPr>
+          </a:p>
+        </p:txBody>
+      </p:sp>
+      <p:sp>
+        <p:nvSpPr>
+          <p:cNvPr id="6" name="TextBox 5"/>
+          <p:cNvSpPr txBox="1"/>
+          <p:nvPr/>
+        </p:nvSpPr>
+        <p:spPr>
+          <a:xfrm>
+            <a:off x="3247697" y="2406869"/>
+            <a:ext cx="184731" cy="369332"/>
+          </a:xfrm>
+          <a:prstGeom prst="rect">
+            <a:avLst/>
+          </a:prstGeom>
+          <a:noFill/>
+        </p:spPr>
+        <p:txBody>
+          <a:bodyPr wrap="none" rtlCol="0">
+            <a:spAutoFit/>
+          </a:bodyPr>
+          <a:lstStyle/>
+          <a:p>
+            <a:endParaRPr lang="en-US"/>
+          </a:p>
+        </p:txBody>
+      </p:sp>
+      <p:pic>
+        <p:nvPicPr>
+          <p:cNvPr id="12" name="Picture 11"/>
+          <p:cNvPicPr/>
+          <p:nvPr/>
+        </p:nvPicPr>
+        <p:blipFill>
+          <a:blip r:embed="rId2"/>
+          <a:stretch>
+            <a:fillRect/>
+          </a:stretch>
+        </p:blipFill>
+        <p:spPr>
+          <a:xfrm>
+            <a:off x="-39267" y="6350556"/>
+            <a:ext cx="576000" cy="1236543"/>
+          </a:xfrm>
+          <a:prstGeom prst="rect">
+            <a:avLst/>
+          </a:prstGeom>
+        </p:spPr>
+      </p:pic>
+      <p:sp>
+        <p:nvSpPr>
+          <p:cNvPr id="13" name="Oval 12"/>
+          <p:cNvSpPr/>
+          <p:nvPr/>
+        </p:nvSpPr>
+        <p:spPr>
+          <a:xfrm>
+            <a:off x="8601389" y="6315389"/>
+            <a:ext cx="542611" cy="542611"/>
+          </a:xfrm>
+          <a:prstGeom prst="ellipse">
+            <a:avLst/>
+          </a:prstGeom>
+          <a:solidFill>
+            <a:schemeClr val="bg1"/>
+          </a:solidFill>
+          <a:ln>
+            <a:solidFill>
+              <a:srgbClr val="FF0000"/>
+            </a:solidFill>
+          </a:ln>
+        </p:spPr>
+        <p:style>
+          <a:lnRef idx="2">
+            <a:schemeClr val="accent1">
+              <a:shade val="50000"/>
+            </a:schemeClr>
+          </a:lnRef>
+          <a:fillRef idx="1">
+            <a:schemeClr val="accent1"/>
+          </a:fillRef>
+          <a:effectRef idx="0">
+            <a:schemeClr val="accent1"/>
+          </a:effectRef>
+          <a:fontRef idx="minor">
+            <a:schemeClr val="lt1"/>
+          </a:fontRef>
+        </p:style>
+        <p:txBody>
+          <a:bodyPr rtlCol="0" anchor="ctr"/>
+          <a:lstStyle/>
+          <a:p>
+            <a:pPr algn="ctr"/>
+            <a:r>
+              <a:rPr lang="en-US">
+                <a:solidFill>
+                  <a:srgbClr val="FF0000"/>
+                </a:solidFill>
+              </a:rPr>
+              <a:t>4</a:t>
+            </a:r>
+            <a:endParaRPr lang="en-US">
+              <a:solidFill>
+                <a:srgbClr val="FF0000"/>
+              </a:solidFill>
+            </a:endParaRPr>
+          </a:p>
+        </p:txBody>
+      </p:sp>
+      <p:sp>
+        <p:nvSpPr>
+          <p:cNvPr id="17" name="TextBox 16">
+            <a:hlinkClick r:id="rId3"/>
+          </p:cNvPr>
+          <p:cNvSpPr txBox="1"/>
+          <p:nvPr/>
+        </p:nvSpPr>
+        <p:spPr>
+          <a:xfrm>
+            <a:off x="703384" y="2406869"/>
+            <a:ext cx="8169310" cy="2239844"/>
+          </a:xfrm>
+          <a:prstGeom prst="rect">
+            <a:avLst/>
+          </a:prstGeom>
+          <a:noFill/>
+        </p:spPr>
+        <p:txBody>
+          <a:bodyPr wrap="square">
+            <a:spAutoFit/>
+          </a:bodyPr>
+          <a:lstStyle/>
+          <a:p>
+            <a:pPr marL="457200" indent="-457200">
+              <a:lnSpc>
+                <a:spcPct val="150000"/>
+              </a:lnSpc>
+              <a:buFont typeface="Wingdings" panose="05000000000000000000" pitchFamily="2" charset="2"/>
+              <a:buChar char="Ø"/>
+            </a:pPr>
+            <a:r>
+              <a:rPr lang="en-US" sz="2400" dirty="0">
+                <a:ea typeface="SF Pro Semibold" pitchFamily="2" charset="0"/>
+                <a:cs typeface="Arial" panose="020B0604020202020204" pitchFamily="34" charset="0"/>
+              </a:rPr>
+              <a:t>https://this.deakin.edu.au/innovation/facial-recognition-id-how-safe-is-your-face#:~:text=It's%20not%20relatively%20more%20secure,your%20phone%20using%20Face%20ID.</a:t>
+            </a:r>
+            <a:endParaRPr lang="en-US" sz="2400" dirty="0">
+              <a:ea typeface="SF Pro Semibold" pitchFamily="2" charset="0"/>
+              <a:cs typeface="Arial" panose="020B0604020202020204" pitchFamily="34" charset="0"/>
+            </a:endParaRPr>
+          </a:p>
+        </p:txBody>
+      </p:sp>
+      <p:sp>
+        <p:nvSpPr>
+          <p:cNvPr id="18" name="TextBox 17">
+            <a:hlinkClick r:id="rId4"/>
+          </p:cNvPr>
+          <p:cNvSpPr txBox="1"/>
+          <p:nvPr/>
+        </p:nvSpPr>
+        <p:spPr>
+          <a:xfrm>
+            <a:off x="703384" y="5431031"/>
+            <a:ext cx="8169310" cy="1131848"/>
+          </a:xfrm>
+          <a:prstGeom prst="rect">
+            <a:avLst/>
+          </a:prstGeom>
+          <a:noFill/>
+        </p:spPr>
+        <p:txBody>
+          <a:bodyPr wrap="square">
+            <a:spAutoFit/>
+          </a:bodyPr>
+          <a:lstStyle/>
+          <a:p>
+            <a:pPr marL="457200" indent="-457200">
+              <a:lnSpc>
+                <a:spcPct val="150000"/>
+              </a:lnSpc>
+              <a:buFont typeface="Wingdings" panose="05000000000000000000" pitchFamily="2" charset="2"/>
+              <a:buChar char="Ø"/>
+            </a:pPr>
+            <a:r>
+              <a:rPr lang="en-US" sz="2400" dirty="0">
+                <a:ea typeface="SF Pro Semibold" pitchFamily="2" charset="0"/>
+                <a:cs typeface="Arial" panose="020B0604020202020204" pitchFamily="34" charset="0"/>
+              </a:rPr>
+              <a:t>https://senstar.com/senstarpedia/pros-and-cons-of-facial-recognition/</a:t>
+            </a:r>
+            <a:endParaRPr lang="en-US" sz="2400" dirty="0">
+              <a:ea typeface="SF Pro Semibold" pitchFamily="2" charset="0"/>
+              <a:cs typeface="Arial" panose="020B0604020202020204" pitchFamily="34" charset="0"/>
+            </a:endParaRPr>
+          </a:p>
+        </p:txBody>
+      </p:sp>
+    </p:spTree>
+  </p:cSld>
+  <p:clrMapOvr>
+    <a:masterClrMapping/>
+  </p:clrMapOvr>
+  <p:transition spd="slow">
+    <p:pull/>
+  </p:transition>
+</p:sld>
+</file>
+
+<file path=ppt/slides/slide17.xml><?xml version="1.0" encoding="utf-8"?>
 <p:sld xmlns:a="http://schemas.openxmlformats.org/drawingml/2006/main" xmlns:r="http://schemas.openxmlformats.org/officeDocument/2006/relationships" xmlns:p="http://schemas.openxmlformats.org/presentationml/2006/main">
   <p:cSld>
     <p:spTree>
@@ -9366,32 +11958,6 @@
           </a:p>
         </p:txBody>
       </p:sp>
-      <p:pic>
-        <p:nvPicPr>
-          <p:cNvPr id="7" name="Picture 6"/>
-          <p:cNvPicPr>
-            <a:picLocks noChangeAspect="1"/>
-          </p:cNvPicPr>
-          <p:nvPr/>
-        </p:nvPicPr>
-        <p:blipFill>
-          <a:blip r:embed="rId1"/>
-          <a:stretch>
-            <a:fillRect/>
-          </a:stretch>
-        </p:blipFill>
-        <p:spPr>
-          <a:xfrm>
-            <a:off x="852434" y="2116729"/>
-            <a:ext cx="7874865" cy="4298364"/>
-          </a:xfrm>
-          <a:prstGeom prst="roundRect">
-            <a:avLst>
-              <a:gd name="adj" fmla="val 11967"/>
-            </a:avLst>
-          </a:prstGeom>
-        </p:spPr>
-      </p:pic>
       <p:sp>
         <p:nvSpPr>
           <p:cNvPr id="5" name="TextBox 4"/>
@@ -9401,7 +11967,7 @@
         <p:spPr>
           <a:xfrm>
             <a:off x="521852" y="315311"/>
-            <a:ext cx="6195927" cy="584775"/>
+            <a:ext cx="3118485" cy="583565"/>
           </a:xfrm>
           <a:prstGeom prst="rect">
             <a:avLst/>
@@ -9421,7 +11987,7 @@
                 </a:solidFill>
                 <a:latin typeface="+mj-lt"/>
               </a:rPr>
-              <a:t>3.ĐỘ TIN CẬY VÀ CHÍNH XÁC. </a:t>
+              <a:t>4.HOẠT ĐỘNG </a:t>
             </a:r>
             <a:endParaRPr lang="en-US" sz="3200" b="1">
               <a:solidFill>
@@ -9465,7 +12031,7 @@
           <p:nvPr/>
         </p:nvPicPr>
         <p:blipFill>
-          <a:blip r:embed="rId2"/>
+          <a:blip r:embed="rId1"/>
           <a:stretch>
             <a:fillRect/>
           </a:stretch>
@@ -9530,7 +12096,7 @@
                   <a:srgbClr val="FF0000"/>
                 </a:solidFill>
               </a:rPr>
-              <a:t>3</a:t>
+              <a:t>6</a:t>
             </a:r>
             <a:endParaRPr lang="en-US">
               <a:solidFill>
@@ -9548,8 +12114,8 @@
         </p:nvSpPr>
         <p:spPr>
           <a:xfrm>
-            <a:off x="703384" y="1121261"/>
-            <a:ext cx="8169310" cy="664156"/>
+            <a:off x="703384" y="1121257"/>
+            <a:ext cx="8169310" cy="5169535"/>
           </a:xfrm>
           <a:prstGeom prst="rect">
             <a:avLst/>
@@ -9574,173 +12140,136 @@
                 <a:solidFill>
                   <a:srgbClr val="FF0000"/>
                 </a:solidFill>
-                <a:latin typeface="SF Pro Semibold" pitchFamily="2" charset="0"/>
-                <a:ea typeface="SF Pro Semibold" pitchFamily="2" charset="0"/>
-                <a:cs typeface="SF Pro Semibold" pitchFamily="2" charset="0"/>
-              </a:rPr>
-              <a:t>3.1.Nhận </a:t>
-            </a:r>
-            <a:r>
-              <a:rPr lang="en-US" sz="2800" dirty="0" err="1">
-                <a:solidFill>
-                  <a:srgbClr val="FF0000"/>
-                </a:solidFill>
-                <a:latin typeface="SF Pro Semibold" pitchFamily="2" charset="0"/>
-                <a:ea typeface="SF Pro Semibold" pitchFamily="2" charset="0"/>
-                <a:cs typeface="SF Pro Semibold" pitchFamily="2" charset="0"/>
-              </a:rPr>
-              <a:t>dạng</a:t>
-            </a:r>
-            <a:r>
-              <a:rPr lang="en-US" sz="2800" dirty="0">
-                <a:solidFill>
-                  <a:srgbClr val="FF0000"/>
-                </a:solidFill>
-                <a:latin typeface="SF Pro Semibold" pitchFamily="2" charset="0"/>
-                <a:ea typeface="SF Pro Semibold" pitchFamily="2" charset="0"/>
-                <a:cs typeface="SF Pro Semibold" pitchFamily="2" charset="0"/>
-              </a:rPr>
-              <a:t> </a:t>
-            </a:r>
-            <a:r>
-              <a:rPr lang="en-US" sz="2800" dirty="0" err="1">
-                <a:solidFill>
-                  <a:srgbClr val="FF0000"/>
-                </a:solidFill>
-                <a:latin typeface="SF Pro Semibold" pitchFamily="2" charset="0"/>
-                <a:ea typeface="SF Pro Semibold" pitchFamily="2" charset="0"/>
-                <a:cs typeface="SF Pro Semibold" pitchFamily="2" charset="0"/>
-              </a:rPr>
-              <a:t>khuôn</a:t>
-            </a:r>
-            <a:r>
-              <a:rPr lang="en-US" sz="2800" dirty="0">
-                <a:solidFill>
-                  <a:srgbClr val="FF0000"/>
-                </a:solidFill>
-                <a:latin typeface="SF Pro Semibold" pitchFamily="2" charset="0"/>
-                <a:ea typeface="SF Pro Semibold" pitchFamily="2" charset="0"/>
-                <a:cs typeface="SF Pro Semibold" pitchFamily="2" charset="0"/>
-              </a:rPr>
-              <a:t> </a:t>
-            </a:r>
-            <a:r>
-              <a:rPr lang="en-US" sz="2800" dirty="0" err="1">
-                <a:solidFill>
-                  <a:srgbClr val="FF0000"/>
-                </a:solidFill>
-                <a:latin typeface="SF Pro Semibold" pitchFamily="2" charset="0"/>
-                <a:ea typeface="SF Pro Semibold" pitchFamily="2" charset="0"/>
-                <a:cs typeface="SF Pro Semibold" pitchFamily="2" charset="0"/>
-              </a:rPr>
-              <a:t>mặt</a:t>
-            </a:r>
-            <a:r>
-              <a:rPr lang="en-US" sz="2800" dirty="0">
-                <a:solidFill>
-                  <a:srgbClr val="FF0000"/>
-                </a:solidFill>
-                <a:latin typeface="SF Pro Semibold" pitchFamily="2" charset="0"/>
-                <a:ea typeface="SF Pro Semibold" pitchFamily="2" charset="0"/>
-                <a:cs typeface="SF Pro Semibold" pitchFamily="2" charset="0"/>
-              </a:rPr>
-              <a:t> </a:t>
-            </a:r>
-            <a:r>
-              <a:rPr lang="en-US" sz="2800" dirty="0" err="1">
-                <a:solidFill>
-                  <a:srgbClr val="FF0000"/>
-                </a:solidFill>
-                <a:latin typeface="SF Pro Semibold" pitchFamily="2" charset="0"/>
-                <a:ea typeface="SF Pro Semibold" pitchFamily="2" charset="0"/>
-                <a:cs typeface="SF Pro Semibold" pitchFamily="2" charset="0"/>
-              </a:rPr>
-              <a:t>có</a:t>
-            </a:r>
-            <a:r>
-              <a:rPr lang="en-US" sz="2800" dirty="0">
-                <a:solidFill>
-                  <a:srgbClr val="FF0000"/>
-                </a:solidFill>
-                <a:latin typeface="SF Pro Semibold" pitchFamily="2" charset="0"/>
-                <a:ea typeface="SF Pro Semibold" pitchFamily="2" charset="0"/>
-                <a:cs typeface="SF Pro Semibold" pitchFamily="2" charset="0"/>
-              </a:rPr>
-              <a:t> </a:t>
-            </a:r>
-            <a:r>
-              <a:rPr lang="en-US" sz="2800" dirty="0" err="1">
-                <a:solidFill>
-                  <a:srgbClr val="FF0000"/>
-                </a:solidFill>
-                <a:latin typeface="SF Pro Semibold" pitchFamily="2" charset="0"/>
-                <a:ea typeface="SF Pro Semibold" pitchFamily="2" charset="0"/>
-                <a:cs typeface="SF Pro Semibold" pitchFamily="2" charset="0"/>
-              </a:rPr>
-              <a:t>chính</a:t>
-            </a:r>
-            <a:r>
-              <a:rPr lang="en-US" sz="2800" dirty="0">
-                <a:solidFill>
-                  <a:srgbClr val="FF0000"/>
-                </a:solidFill>
-                <a:latin typeface="SF Pro Semibold" pitchFamily="2" charset="0"/>
-                <a:ea typeface="SF Pro Semibold" pitchFamily="2" charset="0"/>
-                <a:cs typeface="SF Pro Semibold" pitchFamily="2" charset="0"/>
-              </a:rPr>
-              <a:t> </a:t>
-            </a:r>
-            <a:r>
-              <a:rPr lang="en-US" sz="2800" dirty="0" err="1">
-                <a:solidFill>
-                  <a:srgbClr val="FF0000"/>
-                </a:solidFill>
-                <a:latin typeface="SF Pro Semibold" pitchFamily="2" charset="0"/>
-                <a:ea typeface="SF Pro Semibold" pitchFamily="2" charset="0"/>
-                <a:cs typeface="SF Pro Semibold" pitchFamily="2" charset="0"/>
-              </a:rPr>
-              <a:t>xác</a:t>
-            </a:r>
-            <a:r>
-              <a:rPr lang="en-US" sz="2800" dirty="0">
-                <a:solidFill>
-                  <a:srgbClr val="FF0000"/>
-                </a:solidFill>
-                <a:latin typeface="SF Pro Semibold" pitchFamily="2" charset="0"/>
-                <a:ea typeface="SF Pro Semibold" pitchFamily="2" charset="0"/>
-                <a:cs typeface="SF Pro Semibold" pitchFamily="2" charset="0"/>
-              </a:rPr>
-              <a:t> </a:t>
-            </a:r>
-            <a:r>
-              <a:rPr lang="en-US" sz="2800" dirty="0" err="1">
-                <a:solidFill>
-                  <a:srgbClr val="FF0000"/>
-                </a:solidFill>
-                <a:latin typeface="SF Pro Semibold" pitchFamily="2" charset="0"/>
-                <a:ea typeface="SF Pro Semibold" pitchFamily="2" charset="0"/>
-                <a:cs typeface="SF Pro Semibold" pitchFamily="2" charset="0"/>
-              </a:rPr>
-              <a:t>không</a:t>
-            </a:r>
-            <a:r>
-              <a:rPr lang="en-US" sz="2800" dirty="0">
-                <a:solidFill>
-                  <a:srgbClr val="FF0000"/>
-                </a:solidFill>
-                <a:latin typeface="SF Pro Semibold" pitchFamily="2" charset="0"/>
-                <a:ea typeface="SF Pro Semibold" pitchFamily="2" charset="0"/>
-                <a:cs typeface="SF Pro Semibold" pitchFamily="2" charset="0"/>
-              </a:rPr>
-              <a:t>?: </a:t>
+                <a:ea typeface="SF Pro Semibold" pitchFamily="2" charset="0"/>
+                <a:cs typeface="Arial" panose="020B0604020202020204" pitchFamily="34" charset="0"/>
+              </a:rPr>
+              <a:t>4.1.Truyền thống </a:t>
             </a:r>
             <a:endParaRPr lang="en-US" sz="2800" dirty="0">
               <a:solidFill>
                 <a:srgbClr val="FF0000"/>
               </a:solidFill>
-              <a:latin typeface="SF Pro Semibold" pitchFamily="2" charset="0"/>
               <a:ea typeface="SF Pro Semibold" pitchFamily="2" charset="0"/>
-              <a:cs typeface="SF Pro Semibold" pitchFamily="2" charset="0"/>
+              <a:cs typeface="Arial" panose="020B0604020202020204" pitchFamily="34" charset="0"/>
+            </a:endParaRPr>
+          </a:p>
+          <a:p>
+            <a:pPr marL="457200" indent="-457200">
+              <a:lnSpc>
+                <a:spcPct val="150000"/>
+              </a:lnSpc>
+              <a:buFont typeface="Wingdings" panose="05000000000000000000" pitchFamily="2" charset="2"/>
+              <a:buChar char="Ø"/>
+            </a:pPr>
+            <a:r>
+              <a:rPr lang="en-US" sz="2400" dirty="0">
+                <a:ea typeface="SF Pro Semibold" pitchFamily="2" charset="0"/>
+                <a:cs typeface="Arial" panose="020B0604020202020204" pitchFamily="34" charset="0"/>
+              </a:rPr>
+              <a:t>Mỗi khuôn mặt đều có nhiều điểm mốc. Là phần lòi lõm tạo nên khuôn mặt.</a:t>
+            </a:r>
+            <a:endParaRPr lang="en-US" sz="2400" dirty="0">
+              <a:ea typeface="SF Pro Semibold" pitchFamily="2" charset="0"/>
+              <a:cs typeface="Arial" panose="020B0604020202020204" pitchFamily="34" charset="0"/>
+            </a:endParaRPr>
+          </a:p>
+          <a:p>
+            <a:pPr marL="457200" indent="-457200">
+              <a:lnSpc>
+                <a:spcPct val="150000"/>
+              </a:lnSpc>
+              <a:buFont typeface="Wingdings" panose="05000000000000000000" pitchFamily="2" charset="2"/>
+              <a:buChar char="Ø"/>
+            </a:pPr>
+            <a:r>
+              <a:rPr lang="en-US" sz="2400" dirty="0">
+                <a:ea typeface="SF Pro Semibold" pitchFamily="2" charset="0"/>
+                <a:cs typeface="Arial" panose="020B0604020202020204" pitchFamily="34" charset="0"/>
+              </a:rPr>
+              <a:t>Hệ thống nhận diện qua những điểm nút</a:t>
+            </a:r>
+            <a:endParaRPr lang="en-US" sz="2400" dirty="0">
+              <a:ea typeface="SF Pro Semibold" pitchFamily="2" charset="0"/>
+              <a:cs typeface="Arial" panose="020B0604020202020204" pitchFamily="34" charset="0"/>
+            </a:endParaRPr>
+          </a:p>
+          <a:p>
+            <a:pPr marL="457200" indent="-457200">
+              <a:lnSpc>
+                <a:spcPct val="150000"/>
+              </a:lnSpc>
+              <a:buFont typeface="Wingdings" panose="05000000000000000000" pitchFamily="2" charset="2"/>
+              <a:buChar char="Ø"/>
+            </a:pPr>
+            <a:r>
+              <a:rPr lang="en-US" sz="2400" dirty="0">
+                <a:ea typeface="SF Pro Semibold" pitchFamily="2" charset="0"/>
+                <a:cs typeface="Arial" panose="020B0604020202020204" pitchFamily="34" charset="0"/>
+              </a:rPr>
+              <a:t>Mỗi mặt người có khoảng 80 điểm nút</a:t>
+            </a:r>
+            <a:endParaRPr lang="en-US" sz="2400" dirty="0">
+              <a:ea typeface="SF Pro Semibold" pitchFamily="2" charset="0"/>
+              <a:cs typeface="Arial" panose="020B0604020202020204" pitchFamily="34" charset="0"/>
+            </a:endParaRPr>
+          </a:p>
+          <a:p>
+            <a:pPr marL="457200" indent="-457200">
+              <a:lnSpc>
+                <a:spcPct val="150000"/>
+              </a:lnSpc>
+              <a:buFont typeface="Wingdings" panose="05000000000000000000" pitchFamily="2" charset="2"/>
+              <a:buChar char="Ø"/>
+            </a:pPr>
+            <a:r>
+              <a:rPr lang="en-US" sz="2400" dirty="0">
+                <a:ea typeface="SF Pro Semibold" pitchFamily="2" charset="0"/>
+                <a:cs typeface="Arial" panose="020B0604020202020204" pitchFamily="34" charset="0"/>
+              </a:rPr>
+              <a:t>Có thể nhận diện  như sau:</a:t>
+            </a:r>
+            <a:br>
+              <a:rPr lang="en-US" sz="2400" dirty="0">
+                <a:ea typeface="SF Pro Semibold" pitchFamily="2" charset="0"/>
+                <a:cs typeface="Arial" panose="020B0604020202020204" pitchFamily="34" charset="0"/>
+              </a:rPr>
+            </a:br>
+            <a:r>
+              <a:rPr lang="en-US" sz="2400" dirty="0">
+                <a:ea typeface="SF Pro Semibold" pitchFamily="2" charset="0"/>
+                <a:cs typeface="Arial" panose="020B0604020202020204" pitchFamily="34" charset="0"/>
+              </a:rPr>
+              <a:t>Khoảng cách giữa hai mắt</a:t>
+            </a:r>
+            <a:br>
+              <a:rPr lang="en-US" sz="2400" dirty="0">
+                <a:ea typeface="SF Pro Semibold" pitchFamily="2" charset="0"/>
+                <a:cs typeface="Arial" panose="020B0604020202020204" pitchFamily="34" charset="0"/>
+              </a:rPr>
+            </a:br>
+            <a:r>
+              <a:rPr lang="en-US" sz="2400" dirty="0">
+                <a:ea typeface="SF Pro Semibold" pitchFamily="2" charset="0"/>
+                <a:cs typeface="Arial" panose="020B0604020202020204" pitchFamily="34" charset="0"/>
+              </a:rPr>
+              <a:t>Chiều rộng của mũi</a:t>
+            </a:r>
+            <a:br>
+              <a:rPr lang="en-US" sz="2400" dirty="0">
+                <a:ea typeface="SF Pro Semibold" pitchFamily="2" charset="0"/>
+                <a:cs typeface="Arial" panose="020B0604020202020204" pitchFamily="34" charset="0"/>
+              </a:rPr>
+            </a:br>
+            <a:r>
+              <a:rPr lang="en-US" sz="2400" dirty="0">
+                <a:ea typeface="SF Pro Semibold" pitchFamily="2" charset="0"/>
+                <a:cs typeface="Arial" panose="020B0604020202020204" pitchFamily="34" charset="0"/>
+              </a:rPr>
+              <a:t>Độ sâu của hốc mắt</a:t>
+            </a:r>
+            <a:endParaRPr lang="en-US" sz="2400" dirty="0">
+              <a:ea typeface="SF Pro Semibold" pitchFamily="2" charset="0"/>
+              <a:cs typeface="Arial" panose="020B0604020202020204" pitchFamily="34" charset="0"/>
             </a:endParaRPr>
           </a:p>
         </p:txBody>
@@ -9828,7 +12357,7 @@
         <p:spPr>
           <a:xfrm>
             <a:off x="521852" y="315311"/>
-            <a:ext cx="6195927" cy="584775"/>
+            <a:ext cx="3118485" cy="583565"/>
           </a:xfrm>
           <a:prstGeom prst="rect">
             <a:avLst/>
@@ -9848,7 +12377,7 @@
                 </a:solidFill>
                 <a:latin typeface="+mj-lt"/>
               </a:rPr>
-              <a:t>3.ĐỘ TIN CẬY VÀ CHÍNH XÁC. </a:t>
+              <a:t>4.HOẠT ĐỘNG </a:t>
             </a:r>
             <a:endParaRPr lang="en-US" sz="3200" b="1">
               <a:solidFill>
@@ -9957,7 +12486,7 @@
                   <a:srgbClr val="FF0000"/>
                 </a:solidFill>
               </a:rPr>
-              <a:t>4</a:t>
+              <a:t>7</a:t>
             </a:r>
             <a:endParaRPr lang="en-US">
               <a:solidFill>
@@ -9975,8 +12504,8 @@
         </p:nvSpPr>
         <p:spPr>
           <a:xfrm>
-            <a:off x="703384" y="1121261"/>
-            <a:ext cx="8169310" cy="2890791"/>
+            <a:off x="703384" y="1121257"/>
+            <a:ext cx="8169310" cy="1291590"/>
           </a:xfrm>
           <a:prstGeom prst="rect">
             <a:avLst/>
@@ -10001,713 +12530,106 @@
                 <a:solidFill>
                   <a:srgbClr val="FF0000"/>
                 </a:solidFill>
-                <a:latin typeface="SF Pro Semibold" pitchFamily="2" charset="0"/>
-                <a:ea typeface="SF Pro Semibold" pitchFamily="2" charset="0"/>
-                <a:cs typeface="SF Pro Semibold" pitchFamily="2" charset="0"/>
-              </a:rPr>
-              <a:t>3.2.Nhận </a:t>
-            </a:r>
-            <a:r>
-              <a:rPr lang="en-US" sz="2800" dirty="0" err="1">
-                <a:solidFill>
-                  <a:srgbClr val="FF0000"/>
-                </a:solidFill>
-                <a:latin typeface="SF Pro Semibold" pitchFamily="2" charset="0"/>
-                <a:ea typeface="SF Pro Semibold" pitchFamily="2" charset="0"/>
-                <a:cs typeface="SF Pro Semibold" pitchFamily="2" charset="0"/>
-              </a:rPr>
-              <a:t>diện</a:t>
-            </a:r>
-            <a:r>
-              <a:rPr lang="en-US" sz="2800" dirty="0">
-                <a:solidFill>
-                  <a:srgbClr val="FF0000"/>
-                </a:solidFill>
-                <a:latin typeface="SF Pro Semibold" pitchFamily="2" charset="0"/>
-                <a:ea typeface="SF Pro Semibold" pitchFamily="2" charset="0"/>
-                <a:cs typeface="SF Pro Semibold" pitchFamily="2" charset="0"/>
-              </a:rPr>
-              <a:t> </a:t>
-            </a:r>
-            <a:r>
-              <a:rPr lang="en-US" sz="2800" dirty="0" err="1">
-                <a:solidFill>
-                  <a:srgbClr val="FF0000"/>
-                </a:solidFill>
-                <a:latin typeface="SF Pro Semibold" pitchFamily="2" charset="0"/>
-                <a:ea typeface="SF Pro Semibold" pitchFamily="2" charset="0"/>
-                <a:cs typeface="SF Pro Semibold" pitchFamily="2" charset="0"/>
-              </a:rPr>
-              <a:t>khuôn</a:t>
-            </a:r>
-            <a:r>
-              <a:rPr lang="en-US" sz="2800" dirty="0">
-                <a:solidFill>
-                  <a:srgbClr val="FF0000"/>
-                </a:solidFill>
-                <a:latin typeface="SF Pro Semibold" pitchFamily="2" charset="0"/>
-                <a:ea typeface="SF Pro Semibold" pitchFamily="2" charset="0"/>
-                <a:cs typeface="SF Pro Semibold" pitchFamily="2" charset="0"/>
-              </a:rPr>
-              <a:t> </a:t>
-            </a:r>
-            <a:r>
-              <a:rPr lang="en-US" sz="2800" dirty="0" err="1">
-                <a:solidFill>
-                  <a:srgbClr val="FF0000"/>
-                </a:solidFill>
-                <a:latin typeface="SF Pro Semibold" pitchFamily="2" charset="0"/>
-                <a:ea typeface="SF Pro Semibold" pitchFamily="2" charset="0"/>
-                <a:cs typeface="SF Pro Semibold" pitchFamily="2" charset="0"/>
-              </a:rPr>
-              <a:t>mặt</a:t>
-            </a:r>
-            <a:r>
-              <a:rPr lang="en-US" sz="2800" dirty="0">
-                <a:solidFill>
-                  <a:srgbClr val="FF0000"/>
-                </a:solidFill>
-                <a:latin typeface="SF Pro Semibold" pitchFamily="2" charset="0"/>
-                <a:ea typeface="SF Pro Semibold" pitchFamily="2" charset="0"/>
-                <a:cs typeface="SF Pro Semibold" pitchFamily="2" charset="0"/>
-              </a:rPr>
-              <a:t> </a:t>
-            </a:r>
-            <a:r>
-              <a:rPr lang="en-US" sz="2800" dirty="0" err="1">
-                <a:solidFill>
-                  <a:srgbClr val="FF0000"/>
-                </a:solidFill>
-                <a:latin typeface="SF Pro Semibold" pitchFamily="2" charset="0"/>
-                <a:ea typeface="SF Pro Semibold" pitchFamily="2" charset="0"/>
-                <a:cs typeface="SF Pro Semibold" pitchFamily="2" charset="0"/>
-              </a:rPr>
-              <a:t>có</a:t>
-            </a:r>
-            <a:r>
-              <a:rPr lang="en-US" sz="2800" dirty="0">
-                <a:solidFill>
-                  <a:srgbClr val="FF0000"/>
-                </a:solidFill>
-                <a:latin typeface="SF Pro Semibold" pitchFamily="2" charset="0"/>
-                <a:ea typeface="SF Pro Semibold" pitchFamily="2" charset="0"/>
-                <a:cs typeface="SF Pro Semibold" pitchFamily="2" charset="0"/>
-              </a:rPr>
-              <a:t> an </a:t>
-            </a:r>
-            <a:r>
-              <a:rPr lang="en-US" sz="2800" dirty="0" err="1">
-                <a:solidFill>
-                  <a:srgbClr val="FF0000"/>
-                </a:solidFill>
-                <a:latin typeface="SF Pro Semibold" pitchFamily="2" charset="0"/>
-                <a:ea typeface="SF Pro Semibold" pitchFamily="2" charset="0"/>
-                <a:cs typeface="SF Pro Semibold" pitchFamily="2" charset="0"/>
-              </a:rPr>
-              <a:t>toàn</a:t>
-            </a:r>
-            <a:r>
-              <a:rPr lang="en-US" sz="2800" dirty="0">
-                <a:solidFill>
-                  <a:srgbClr val="FF0000"/>
-                </a:solidFill>
-                <a:latin typeface="SF Pro Semibold" pitchFamily="2" charset="0"/>
-                <a:ea typeface="SF Pro Semibold" pitchFamily="2" charset="0"/>
-                <a:cs typeface="SF Pro Semibold" pitchFamily="2" charset="0"/>
-              </a:rPr>
-              <a:t> </a:t>
-            </a:r>
-            <a:r>
-              <a:rPr lang="en-US" sz="2800" dirty="0" err="1">
-                <a:solidFill>
-                  <a:srgbClr val="FF0000"/>
-                </a:solidFill>
-                <a:latin typeface="SF Pro Semibold" pitchFamily="2" charset="0"/>
-                <a:ea typeface="SF Pro Semibold" pitchFamily="2" charset="0"/>
-                <a:cs typeface="SF Pro Semibold" pitchFamily="2" charset="0"/>
-              </a:rPr>
-              <a:t>không</a:t>
-            </a:r>
-            <a:r>
-              <a:rPr lang="en-US" sz="2800" dirty="0">
-                <a:solidFill>
-                  <a:srgbClr val="FF0000"/>
-                </a:solidFill>
-                <a:latin typeface="SF Pro Semibold" pitchFamily="2" charset="0"/>
-                <a:ea typeface="SF Pro Semibold" pitchFamily="2" charset="0"/>
-                <a:cs typeface="SF Pro Semibold" pitchFamily="2" charset="0"/>
-              </a:rPr>
-              <a:t>?:  </a:t>
+                <a:ea typeface="SF Pro Semibold" pitchFamily="2" charset="0"/>
+                <a:cs typeface="Arial" panose="020B0604020202020204" pitchFamily="34" charset="0"/>
+              </a:rPr>
+              <a:t>4.1.Truyền thống </a:t>
             </a:r>
             <a:endParaRPr lang="en-US" sz="2800" dirty="0">
               <a:solidFill>
                 <a:srgbClr val="FF0000"/>
               </a:solidFill>
-              <a:latin typeface="SF Pro Semibold" pitchFamily="2" charset="0"/>
               <a:ea typeface="SF Pro Semibold" pitchFamily="2" charset="0"/>
-              <a:cs typeface="SF Pro Semibold" pitchFamily="2" charset="0"/>
+              <a:cs typeface="Arial" panose="020B0604020202020204" pitchFamily="34" charset="0"/>
             </a:endParaRPr>
           </a:p>
           <a:p>
-            <a:pPr marL="457200" indent="-457200">
+            <a:pPr marL="0" indent="0">
               <a:lnSpc>
                 <a:spcPct val="150000"/>
               </a:lnSpc>
               <a:buFont typeface="Wingdings" panose="05000000000000000000" pitchFamily="2" charset="2"/>
-              <a:buChar char="ü"/>
+              <a:buNone/>
             </a:pPr>
-            <a:r>
-              <a:rPr lang="en-US" sz="2400" dirty="0" err="1">
-                <a:latin typeface="SF Pro Semibold" pitchFamily="2" charset="0"/>
-                <a:ea typeface="SF Pro Semibold" pitchFamily="2" charset="0"/>
-                <a:cs typeface="SF Pro Semibold" pitchFamily="2" charset="0"/>
-              </a:rPr>
-              <a:t>Sử</a:t>
-            </a:r>
-            <a:r>
-              <a:rPr lang="en-US" sz="2400" dirty="0">
-                <a:latin typeface="SF Pro Semibold" pitchFamily="2" charset="0"/>
-                <a:ea typeface="SF Pro Semibold" pitchFamily="2" charset="0"/>
-                <a:cs typeface="SF Pro Semibold" pitchFamily="2" charset="0"/>
-              </a:rPr>
-              <a:t> dụng </a:t>
-            </a:r>
-            <a:r>
-              <a:rPr lang="en-US" sz="2400" dirty="0" err="1">
-                <a:latin typeface="SF Pro Semibold" pitchFamily="2" charset="0"/>
-                <a:ea typeface="SF Pro Semibold" pitchFamily="2" charset="0"/>
-                <a:cs typeface="SF Pro Semibold" pitchFamily="2" charset="0"/>
-              </a:rPr>
-              <a:t>các</a:t>
-            </a:r>
-            <a:r>
-              <a:rPr lang="en-US" sz="2400" dirty="0">
-                <a:latin typeface="SF Pro Semibold" pitchFamily="2" charset="0"/>
-                <a:ea typeface="SF Pro Semibold" pitchFamily="2" charset="0"/>
-                <a:cs typeface="SF Pro Semibold" pitchFamily="2" charset="0"/>
-              </a:rPr>
-              <a:t> </a:t>
-            </a:r>
-            <a:r>
-              <a:rPr lang="en-US" sz="2400" dirty="0" err="1">
-                <a:latin typeface="SF Pro Semibold" pitchFamily="2" charset="0"/>
-                <a:ea typeface="SF Pro Semibold" pitchFamily="2" charset="0"/>
-                <a:cs typeface="SF Pro Semibold" pitchFamily="2" charset="0"/>
-              </a:rPr>
-              <a:t>thuật</a:t>
-            </a:r>
-            <a:r>
-              <a:rPr lang="en-US" sz="2400" dirty="0">
-                <a:latin typeface="SF Pro Semibold" pitchFamily="2" charset="0"/>
-                <a:ea typeface="SF Pro Semibold" pitchFamily="2" charset="0"/>
-                <a:cs typeface="SF Pro Semibold" pitchFamily="2" charset="0"/>
-              </a:rPr>
-              <a:t> </a:t>
-            </a:r>
-            <a:r>
-              <a:rPr lang="en-US" sz="2400" dirty="0" err="1">
-                <a:latin typeface="SF Pro Semibold" pitchFamily="2" charset="0"/>
-                <a:ea typeface="SF Pro Semibold" pitchFamily="2" charset="0"/>
-                <a:cs typeface="SF Pro Semibold" pitchFamily="2" charset="0"/>
-              </a:rPr>
-              <a:t>toán</a:t>
-            </a:r>
-            <a:r>
-              <a:rPr lang="en-US" sz="2400" dirty="0">
-                <a:latin typeface="SF Pro Semibold" pitchFamily="2" charset="0"/>
-                <a:ea typeface="SF Pro Semibold" pitchFamily="2" charset="0"/>
-                <a:cs typeface="SF Pro Semibold" pitchFamily="2" charset="0"/>
-              </a:rPr>
-              <a:t> </a:t>
-            </a:r>
-            <a:r>
-              <a:rPr lang="en-US" sz="2400" dirty="0" err="1">
-                <a:latin typeface="SF Pro Semibold" pitchFamily="2" charset="0"/>
-                <a:ea typeface="SF Pro Semibold" pitchFamily="2" charset="0"/>
-                <a:cs typeface="SF Pro Semibold" pitchFamily="2" charset="0"/>
-              </a:rPr>
-              <a:t>để</a:t>
-            </a:r>
-            <a:r>
-              <a:rPr lang="en-US" sz="2400" dirty="0">
-                <a:latin typeface="SF Pro Semibold" pitchFamily="2" charset="0"/>
-                <a:ea typeface="SF Pro Semibold" pitchFamily="2" charset="0"/>
-                <a:cs typeface="SF Pro Semibold" pitchFamily="2" charset="0"/>
-              </a:rPr>
-              <a:t> </a:t>
-            </a:r>
-            <a:r>
-              <a:rPr lang="en-US" sz="2400" dirty="0" err="1">
-                <a:latin typeface="SF Pro Semibold" pitchFamily="2" charset="0"/>
-                <a:ea typeface="SF Pro Semibold" pitchFamily="2" charset="0"/>
-                <a:cs typeface="SF Pro Semibold" pitchFamily="2" charset="0"/>
-              </a:rPr>
-              <a:t>mã</a:t>
-            </a:r>
-            <a:r>
-              <a:rPr lang="en-US" sz="2400" dirty="0">
-                <a:latin typeface="SF Pro Semibold" pitchFamily="2" charset="0"/>
-                <a:ea typeface="SF Pro Semibold" pitchFamily="2" charset="0"/>
-                <a:cs typeface="SF Pro Semibold" pitchFamily="2" charset="0"/>
-              </a:rPr>
-              <a:t> </a:t>
-            </a:r>
-            <a:r>
-              <a:rPr lang="en-US" sz="2400" dirty="0" err="1">
-                <a:latin typeface="SF Pro Semibold" pitchFamily="2" charset="0"/>
-                <a:ea typeface="SF Pro Semibold" pitchFamily="2" charset="0"/>
-                <a:cs typeface="SF Pro Semibold" pitchFamily="2" charset="0"/>
-              </a:rPr>
-              <a:t>hóa</a:t>
-            </a:r>
-            <a:r>
-              <a:rPr lang="en-US" sz="2400" dirty="0">
-                <a:latin typeface="SF Pro Semibold" pitchFamily="2" charset="0"/>
-                <a:ea typeface="SF Pro Semibold" pitchFamily="2" charset="0"/>
-                <a:cs typeface="SF Pro Semibold" pitchFamily="2" charset="0"/>
-              </a:rPr>
-              <a:t> </a:t>
-            </a:r>
-            <a:r>
-              <a:rPr lang="en-US" sz="2400" dirty="0" err="1">
-                <a:latin typeface="SF Pro Semibold" pitchFamily="2" charset="0"/>
-                <a:ea typeface="SF Pro Semibold" pitchFamily="2" charset="0"/>
-                <a:cs typeface="SF Pro Semibold" pitchFamily="2" charset="0"/>
-              </a:rPr>
-              <a:t>dữ</a:t>
-            </a:r>
-            <a:r>
-              <a:rPr lang="en-US" sz="2400" dirty="0">
-                <a:latin typeface="SF Pro Semibold" pitchFamily="2" charset="0"/>
-                <a:ea typeface="SF Pro Semibold" pitchFamily="2" charset="0"/>
-                <a:cs typeface="SF Pro Semibold" pitchFamily="2" charset="0"/>
-              </a:rPr>
-              <a:t> </a:t>
-            </a:r>
-            <a:r>
-              <a:rPr lang="en-US" sz="2400" dirty="0" err="1">
-                <a:latin typeface="SF Pro Semibold" pitchFamily="2" charset="0"/>
-                <a:ea typeface="SF Pro Semibold" pitchFamily="2" charset="0"/>
-                <a:cs typeface="SF Pro Semibold" pitchFamily="2" charset="0"/>
-              </a:rPr>
-              <a:t>liệu</a:t>
-            </a:r>
-            <a:r>
-              <a:rPr lang="en-US" sz="2400" dirty="0">
-                <a:latin typeface="SF Pro Semibold" pitchFamily="2" charset="0"/>
-                <a:ea typeface="SF Pro Semibold" pitchFamily="2" charset="0"/>
-                <a:cs typeface="SF Pro Semibold" pitchFamily="2" charset="0"/>
-              </a:rPr>
-              <a:t> </a:t>
-            </a:r>
-            <a:r>
-              <a:rPr lang="en-US" sz="2400" dirty="0" err="1">
-                <a:latin typeface="SF Pro Semibold" pitchFamily="2" charset="0"/>
-                <a:ea typeface="SF Pro Semibold" pitchFamily="2" charset="0"/>
-                <a:cs typeface="SF Pro Semibold" pitchFamily="2" charset="0"/>
-              </a:rPr>
-              <a:t>sinh</a:t>
-            </a:r>
-            <a:r>
-              <a:rPr lang="en-US" sz="2400" dirty="0">
-                <a:latin typeface="SF Pro Semibold" pitchFamily="2" charset="0"/>
-                <a:ea typeface="SF Pro Semibold" pitchFamily="2" charset="0"/>
-                <a:cs typeface="SF Pro Semibold" pitchFamily="2" charset="0"/>
-              </a:rPr>
-              <a:t> </a:t>
-            </a:r>
-            <a:r>
-              <a:rPr lang="en-US" sz="2400" dirty="0" err="1">
-                <a:latin typeface="SF Pro Semibold" pitchFamily="2" charset="0"/>
-                <a:ea typeface="SF Pro Semibold" pitchFamily="2" charset="0"/>
-                <a:cs typeface="SF Pro Semibold" pitchFamily="2" charset="0"/>
-              </a:rPr>
-              <a:t>trắc</a:t>
-            </a:r>
-            <a:r>
-              <a:rPr lang="en-US" sz="2400" dirty="0">
-                <a:latin typeface="SF Pro Semibold" pitchFamily="2" charset="0"/>
-                <a:ea typeface="SF Pro Semibold" pitchFamily="2" charset="0"/>
-                <a:cs typeface="SF Pro Semibold" pitchFamily="2" charset="0"/>
-              </a:rPr>
-              <a:t> </a:t>
-            </a:r>
-            <a:r>
-              <a:rPr lang="en-US" sz="2400" dirty="0" err="1">
-                <a:latin typeface="SF Pro Semibold" pitchFamily="2" charset="0"/>
-                <a:ea typeface="SF Pro Semibold" pitchFamily="2" charset="0"/>
-                <a:cs typeface="SF Pro Semibold" pitchFamily="2" charset="0"/>
-              </a:rPr>
-              <a:t>học</a:t>
-            </a:r>
-            <a:r>
-              <a:rPr lang="en-US" sz="2400" dirty="0">
-                <a:latin typeface="SF Pro Semibold" pitchFamily="2" charset="0"/>
-                <a:ea typeface="SF Pro Semibold" pitchFamily="2" charset="0"/>
-                <a:cs typeface="SF Pro Semibold" pitchFamily="2" charset="0"/>
-              </a:rPr>
-              <a:t>. </a:t>
-            </a:r>
-            <a:r>
-              <a:rPr lang="en-US" sz="2400" dirty="0">
-                <a:effectLst/>
-                <a:latin typeface="SF Pro Semibold" pitchFamily="2" charset="0"/>
-                <a:ea typeface="SF Pro Semibold" pitchFamily="2" charset="0"/>
-                <a:cs typeface="SF Pro Semibold" pitchFamily="2" charset="0"/>
-              </a:rPr>
-              <a:t> </a:t>
-            </a:r>
             <a:endParaRPr lang="en-US" sz="2400" dirty="0">
-              <a:effectLst/>
-              <a:latin typeface="SF Pro Semibold" pitchFamily="2" charset="0"/>
               <a:ea typeface="SF Pro Semibold" pitchFamily="2" charset="0"/>
-              <a:cs typeface="SF Pro Semibold" pitchFamily="2" charset="0"/>
+              <a:cs typeface="Arial" panose="020B0604020202020204" pitchFamily="34" charset="0"/>
             </a:endParaRPr>
           </a:p>
-          <a:p>
-            <a:pPr marL="457200" indent="-457200">
-              <a:lnSpc>
-                <a:spcPct val="150000"/>
-              </a:lnSpc>
-              <a:buFont typeface="Wingdings" panose="05000000000000000000" pitchFamily="2" charset="2"/>
-              <a:buChar char="ü"/>
-            </a:pPr>
-            <a:r>
-              <a:rPr lang="en-US" sz="2400" dirty="0" err="1">
-                <a:latin typeface="SF Pro Semibold" pitchFamily="2" charset="0"/>
-                <a:ea typeface="SF Pro Semibold" pitchFamily="2" charset="0"/>
-                <a:cs typeface="SF Pro Semibold" pitchFamily="2" charset="0"/>
-              </a:rPr>
-              <a:t>Các</a:t>
-            </a:r>
-            <a:r>
-              <a:rPr lang="en-US" sz="2400" dirty="0">
-                <a:latin typeface="SF Pro Semibold" pitchFamily="2" charset="0"/>
-                <a:ea typeface="SF Pro Semibold" pitchFamily="2" charset="0"/>
-                <a:cs typeface="SF Pro Semibold" pitchFamily="2" charset="0"/>
-              </a:rPr>
-              <a:t> </a:t>
-            </a:r>
-            <a:r>
-              <a:rPr lang="en-US" sz="2400" dirty="0" err="1">
-                <a:latin typeface="SF Pro Semibold" pitchFamily="2" charset="0"/>
-                <a:ea typeface="SF Pro Semibold" pitchFamily="2" charset="0"/>
-                <a:cs typeface="SF Pro Semibold" pitchFamily="2" charset="0"/>
-              </a:rPr>
-              <a:t>dữ</a:t>
-            </a:r>
-            <a:r>
-              <a:rPr lang="en-US" sz="2400" dirty="0">
-                <a:latin typeface="SF Pro Semibold" pitchFamily="2" charset="0"/>
-                <a:ea typeface="SF Pro Semibold" pitchFamily="2" charset="0"/>
-                <a:cs typeface="SF Pro Semibold" pitchFamily="2" charset="0"/>
-              </a:rPr>
-              <a:t> </a:t>
-            </a:r>
-            <a:r>
-              <a:rPr lang="en-US" sz="2400" dirty="0" err="1">
-                <a:latin typeface="SF Pro Semibold" pitchFamily="2" charset="0"/>
-                <a:ea typeface="SF Pro Semibold" pitchFamily="2" charset="0"/>
-                <a:cs typeface="SF Pro Semibold" pitchFamily="2" charset="0"/>
-              </a:rPr>
-              <a:t>liệu</a:t>
-            </a:r>
-            <a:r>
-              <a:rPr lang="en-US" sz="2400" dirty="0">
-                <a:latin typeface="SF Pro Semibold" pitchFamily="2" charset="0"/>
-                <a:ea typeface="SF Pro Semibold" pitchFamily="2" charset="0"/>
-                <a:cs typeface="SF Pro Semibold" pitchFamily="2" charset="0"/>
-              </a:rPr>
-              <a:t> </a:t>
-            </a:r>
-            <a:r>
-              <a:rPr lang="en-US" sz="2400" dirty="0" err="1">
-                <a:latin typeface="SF Pro Semibold" pitchFamily="2" charset="0"/>
-                <a:ea typeface="SF Pro Semibold" pitchFamily="2" charset="0"/>
-                <a:cs typeface="SF Pro Semibold" pitchFamily="2" charset="0"/>
-              </a:rPr>
-              <a:t>này</a:t>
-            </a:r>
-            <a:r>
-              <a:rPr lang="en-US" sz="2400" dirty="0">
-                <a:latin typeface="SF Pro Semibold" pitchFamily="2" charset="0"/>
-                <a:ea typeface="SF Pro Semibold" pitchFamily="2" charset="0"/>
-                <a:cs typeface="SF Pro Semibold" pitchFamily="2" charset="0"/>
-              </a:rPr>
-              <a:t> </a:t>
-            </a:r>
-            <a:r>
-              <a:rPr lang="en-US" sz="2400" dirty="0" err="1">
-                <a:latin typeface="SF Pro Semibold" pitchFamily="2" charset="0"/>
-                <a:ea typeface="SF Pro Semibold" pitchFamily="2" charset="0"/>
-                <a:cs typeface="SF Pro Semibold" pitchFamily="2" charset="0"/>
-              </a:rPr>
-              <a:t>được</a:t>
-            </a:r>
-            <a:r>
-              <a:rPr lang="en-US" sz="2400" dirty="0">
-                <a:latin typeface="SF Pro Semibold" pitchFamily="2" charset="0"/>
-                <a:ea typeface="SF Pro Semibold" pitchFamily="2" charset="0"/>
-                <a:cs typeface="SF Pro Semibold" pitchFamily="2" charset="0"/>
-              </a:rPr>
-              <a:t> </a:t>
-            </a:r>
-            <a:r>
-              <a:rPr lang="en-US" sz="2400" dirty="0" err="1">
-                <a:latin typeface="SF Pro Semibold" pitchFamily="2" charset="0"/>
-                <a:ea typeface="SF Pro Semibold" pitchFamily="2" charset="0"/>
-                <a:cs typeface="SF Pro Semibold" pitchFamily="2" charset="0"/>
-              </a:rPr>
-              <a:t>lưu</a:t>
-            </a:r>
-            <a:r>
-              <a:rPr lang="en-US" sz="2400" dirty="0">
-                <a:latin typeface="SF Pro Semibold" pitchFamily="2" charset="0"/>
-                <a:ea typeface="SF Pro Semibold" pitchFamily="2" charset="0"/>
-                <a:cs typeface="SF Pro Semibold" pitchFamily="2" charset="0"/>
-              </a:rPr>
-              <a:t> </a:t>
-            </a:r>
-            <a:r>
-              <a:rPr lang="en-US" sz="2400" dirty="0" err="1">
-                <a:latin typeface="SF Pro Semibold" pitchFamily="2" charset="0"/>
-                <a:ea typeface="SF Pro Semibold" pitchFamily="2" charset="0"/>
-                <a:cs typeface="SF Pro Semibold" pitchFamily="2" charset="0"/>
-              </a:rPr>
-              <a:t>trữ</a:t>
-            </a:r>
-            <a:r>
-              <a:rPr lang="en-US" sz="2400" dirty="0">
-                <a:latin typeface="SF Pro Semibold" pitchFamily="2" charset="0"/>
-                <a:ea typeface="SF Pro Semibold" pitchFamily="2" charset="0"/>
-                <a:cs typeface="SF Pro Semibold" pitchFamily="2" charset="0"/>
-              </a:rPr>
-              <a:t> </a:t>
-            </a:r>
-            <a:r>
-              <a:rPr lang="en-US" sz="2400" dirty="0" err="1">
-                <a:latin typeface="SF Pro Semibold" pitchFamily="2" charset="0"/>
-                <a:ea typeface="SF Pro Semibold" pitchFamily="2" charset="0"/>
-                <a:cs typeface="SF Pro Semibold" pitchFamily="2" charset="0"/>
-              </a:rPr>
-              <a:t>dưới</a:t>
-            </a:r>
-            <a:r>
-              <a:rPr lang="en-US" sz="2400" dirty="0">
-                <a:latin typeface="SF Pro Semibold" pitchFamily="2" charset="0"/>
-                <a:ea typeface="SF Pro Semibold" pitchFamily="2" charset="0"/>
-                <a:cs typeface="SF Pro Semibold" pitchFamily="2" charset="0"/>
-              </a:rPr>
-              <a:t> </a:t>
-            </a:r>
-            <a:r>
-              <a:rPr lang="en-US" sz="2400" dirty="0" err="1">
-                <a:latin typeface="SF Pro Semibold" pitchFamily="2" charset="0"/>
-                <a:ea typeface="SF Pro Semibold" pitchFamily="2" charset="0"/>
-                <a:cs typeface="SF Pro Semibold" pitchFamily="2" charset="0"/>
-              </a:rPr>
-              <a:t>dạng</a:t>
-            </a:r>
-            <a:r>
-              <a:rPr lang="en-US" sz="2400" dirty="0">
-                <a:latin typeface="SF Pro Semibold" pitchFamily="2" charset="0"/>
-                <a:ea typeface="SF Pro Semibold" pitchFamily="2" charset="0"/>
-                <a:cs typeface="SF Pro Semibold" pitchFamily="2" charset="0"/>
-              </a:rPr>
-              <a:t> </a:t>
-            </a:r>
-            <a:r>
-              <a:rPr lang="en-US" sz="2400" dirty="0" err="1">
-                <a:latin typeface="SF Pro Semibold" pitchFamily="2" charset="0"/>
-                <a:ea typeface="SF Pro Semibold" pitchFamily="2" charset="0"/>
-                <a:cs typeface="SF Pro Semibold" pitchFamily="2" charset="0"/>
-              </a:rPr>
-              <a:t>ẩn</a:t>
-            </a:r>
-            <a:r>
-              <a:rPr lang="en-US" sz="2400" dirty="0">
-                <a:latin typeface="SF Pro Semibold" pitchFamily="2" charset="0"/>
-                <a:ea typeface="SF Pro Semibold" pitchFamily="2" charset="0"/>
-                <a:cs typeface="SF Pro Semibold" pitchFamily="2" charset="0"/>
-              </a:rPr>
-              <a:t> </a:t>
-            </a:r>
-            <a:r>
-              <a:rPr lang="en-US" sz="2400" dirty="0" err="1">
-                <a:latin typeface="SF Pro Semibold" pitchFamily="2" charset="0"/>
-                <a:ea typeface="SF Pro Semibold" pitchFamily="2" charset="0"/>
-                <a:cs typeface="SF Pro Semibold" pitchFamily="2" charset="0"/>
-              </a:rPr>
-              <a:t>danh</a:t>
-            </a:r>
-            <a:r>
-              <a:rPr lang="en-US" sz="2400" dirty="0">
-                <a:latin typeface="SF Pro Semibold" pitchFamily="2" charset="0"/>
-                <a:ea typeface="SF Pro Semibold" pitchFamily="2" charset="0"/>
-                <a:cs typeface="SF Pro Semibold" pitchFamily="2" charset="0"/>
-              </a:rPr>
-              <a:t>. </a:t>
-            </a:r>
-            <a:endParaRPr lang="en-US" sz="2400" dirty="0">
-              <a:latin typeface="SF Pro Semibold" pitchFamily="2" charset="0"/>
-              <a:ea typeface="SF Pro Semibold" pitchFamily="2" charset="0"/>
-              <a:cs typeface="SF Pro Semibold" pitchFamily="2" charset="0"/>
-            </a:endParaRPr>
-          </a:p>
-          <a:p>
-            <a:pPr>
-              <a:lnSpc>
-                <a:spcPct val="150000"/>
-              </a:lnSpc>
-            </a:pPr>
-            <a:r>
-              <a:rPr lang="en-US" sz="2400" dirty="0">
-                <a:latin typeface="SF Pro Semibold" pitchFamily="2" charset="0"/>
-                <a:ea typeface="SF Pro Semibold" pitchFamily="2" charset="0"/>
-                <a:cs typeface="SF Pro Semibold" pitchFamily="2" charset="0"/>
-              </a:rPr>
-              <a:t>	</a:t>
-            </a:r>
-            <a:endParaRPr lang="en-US" sz="2400" dirty="0">
-              <a:latin typeface="SF Pro Semibold" pitchFamily="2" charset="0"/>
-              <a:ea typeface="SF Pro Semibold" pitchFamily="2" charset="0"/>
-              <a:cs typeface="SF Pro Semibold" pitchFamily="2" charset="0"/>
-            </a:endParaRPr>
-          </a:p>
-          <a:p>
-            <a:pPr>
-              <a:lnSpc>
-                <a:spcPct val="150000"/>
-              </a:lnSpc>
-            </a:pPr>
-            <a:r>
-              <a:rPr lang="en-US" sz="2400" dirty="0">
-                <a:latin typeface="SF Pro Semibold" pitchFamily="2" charset="0"/>
-                <a:ea typeface="SF Pro Semibold" pitchFamily="2" charset="0"/>
-                <a:cs typeface="SF Pro Semibold" pitchFamily="2" charset="0"/>
-              </a:rPr>
-              <a:t>=&gt; </a:t>
-            </a:r>
-            <a:r>
-              <a:rPr lang="en-US" sz="2400" dirty="0" err="1">
-                <a:latin typeface="SF Pro Semibold" pitchFamily="2" charset="0"/>
-                <a:ea typeface="SF Pro Semibold" pitchFamily="2" charset="0"/>
-                <a:cs typeface="SF Pro Semibold" pitchFamily="2" charset="0"/>
-              </a:rPr>
-              <a:t>Công</a:t>
-            </a:r>
-            <a:r>
-              <a:rPr lang="en-US" sz="2400" dirty="0">
-                <a:latin typeface="SF Pro Semibold" pitchFamily="2" charset="0"/>
-                <a:ea typeface="SF Pro Semibold" pitchFamily="2" charset="0"/>
-                <a:cs typeface="SF Pro Semibold" pitchFamily="2" charset="0"/>
-              </a:rPr>
-              <a:t> </a:t>
-            </a:r>
-            <a:r>
-              <a:rPr lang="en-US" sz="2400" dirty="0" err="1">
-                <a:latin typeface="SF Pro Semibold" pitchFamily="2" charset="0"/>
-                <a:ea typeface="SF Pro Semibold" pitchFamily="2" charset="0"/>
-                <a:cs typeface="SF Pro Semibold" pitchFamily="2" charset="0"/>
-              </a:rPr>
-              <a:t>nghệ</a:t>
-            </a:r>
-            <a:r>
-              <a:rPr lang="en-US" sz="2400" dirty="0">
-                <a:latin typeface="SF Pro Semibold" pitchFamily="2" charset="0"/>
-                <a:ea typeface="SF Pro Semibold" pitchFamily="2" charset="0"/>
-                <a:cs typeface="SF Pro Semibold" pitchFamily="2" charset="0"/>
-              </a:rPr>
-              <a:t> </a:t>
-            </a:r>
-            <a:r>
-              <a:rPr lang="en-US" sz="2400" dirty="0" err="1">
-                <a:latin typeface="SF Pro Semibold" pitchFamily="2" charset="0"/>
-                <a:ea typeface="SF Pro Semibold" pitchFamily="2" charset="0"/>
-                <a:cs typeface="SF Pro Semibold" pitchFamily="2" charset="0"/>
-              </a:rPr>
-              <a:t>này</a:t>
-            </a:r>
-            <a:r>
-              <a:rPr lang="en-US" sz="2400" dirty="0">
-                <a:latin typeface="SF Pro Semibold" pitchFamily="2" charset="0"/>
-                <a:ea typeface="SF Pro Semibold" pitchFamily="2" charset="0"/>
-                <a:cs typeface="SF Pro Semibold" pitchFamily="2" charset="0"/>
-              </a:rPr>
-              <a:t> </a:t>
-            </a:r>
-            <a:r>
-              <a:rPr lang="en-US" sz="2400" dirty="0" err="1">
-                <a:latin typeface="SF Pro Semibold" pitchFamily="2" charset="0"/>
-                <a:ea typeface="SF Pro Semibold" pitchFamily="2" charset="0"/>
-                <a:cs typeface="SF Pro Semibold" pitchFamily="2" charset="0"/>
-              </a:rPr>
-              <a:t>có</a:t>
-            </a:r>
-            <a:r>
-              <a:rPr lang="en-US" sz="2400" dirty="0">
-                <a:latin typeface="SF Pro Semibold" pitchFamily="2" charset="0"/>
-                <a:ea typeface="SF Pro Semibold" pitchFamily="2" charset="0"/>
-                <a:cs typeface="SF Pro Semibold" pitchFamily="2" charset="0"/>
-              </a:rPr>
-              <a:t> </a:t>
-            </a:r>
-            <a:r>
-              <a:rPr lang="en-US" sz="2400" dirty="0" err="1">
-                <a:latin typeface="SF Pro Semibold" pitchFamily="2" charset="0"/>
-                <a:ea typeface="SF Pro Semibold" pitchFamily="2" charset="0"/>
-                <a:cs typeface="SF Pro Semibold" pitchFamily="2" charset="0"/>
-              </a:rPr>
-              <a:t>độ</a:t>
-            </a:r>
-            <a:r>
-              <a:rPr lang="en-US" sz="2400" dirty="0">
-                <a:latin typeface="SF Pro Semibold" pitchFamily="2" charset="0"/>
-                <a:ea typeface="SF Pro Semibold" pitchFamily="2" charset="0"/>
-                <a:cs typeface="SF Pro Semibold" pitchFamily="2" charset="0"/>
-              </a:rPr>
-              <a:t> an </a:t>
-            </a:r>
-            <a:r>
-              <a:rPr lang="en-US" sz="2400" dirty="0" err="1">
-                <a:latin typeface="SF Pro Semibold" pitchFamily="2" charset="0"/>
-                <a:ea typeface="SF Pro Semibold" pitchFamily="2" charset="0"/>
-                <a:cs typeface="SF Pro Semibold" pitchFamily="2" charset="0"/>
-              </a:rPr>
-              <a:t>toàn</a:t>
-            </a:r>
-            <a:r>
-              <a:rPr lang="en-US" sz="2400" dirty="0">
-                <a:latin typeface="SF Pro Semibold" pitchFamily="2" charset="0"/>
-                <a:ea typeface="SF Pro Semibold" pitchFamily="2" charset="0"/>
-                <a:cs typeface="SF Pro Semibold" pitchFamily="2" charset="0"/>
-              </a:rPr>
-              <a:t> </a:t>
-            </a:r>
-            <a:r>
-              <a:rPr lang="en-US" sz="2400" dirty="0" err="1">
-                <a:latin typeface="SF Pro Semibold" pitchFamily="2" charset="0"/>
-                <a:ea typeface="SF Pro Semibold" pitchFamily="2" charset="0"/>
-                <a:cs typeface="SF Pro Semibold" pitchFamily="2" charset="0"/>
-              </a:rPr>
-              <a:t>cao</a:t>
-            </a:r>
-            <a:r>
-              <a:rPr lang="en-US" sz="2400" dirty="0">
-                <a:latin typeface="SF Pro Semibold" pitchFamily="2" charset="0"/>
-                <a:ea typeface="SF Pro Semibold" pitchFamily="2" charset="0"/>
-                <a:cs typeface="SF Pro Semibold" pitchFamily="2" charset="0"/>
-              </a:rPr>
-              <a:t>. </a:t>
-            </a:r>
-            <a:endParaRPr lang="en-US" sz="2400" dirty="0">
-              <a:latin typeface="SF Pro Semibold" pitchFamily="2" charset="0"/>
-              <a:ea typeface="SF Pro Semibold" pitchFamily="2" charset="0"/>
-              <a:cs typeface="SF Pro Semibold" pitchFamily="2" charset="0"/>
-            </a:endParaRPr>
-          </a:p>
-        </p:txBody>
-      </p:sp>
+        </p:txBody>
+      </p:sp>
+      <p:pic>
+        <p:nvPicPr>
+          <p:cNvPr id="2" name="Picture 1" descr="1904_su-hoat-dong-cua-cong-nghe-ai-nhan-dien-khuon-mat"/>
+          <p:cNvPicPr>
+            <a:picLocks noChangeAspect="1"/>
+          </p:cNvPicPr>
+          <p:nvPr/>
+        </p:nvPicPr>
+        <p:blipFill>
+          <a:blip r:embed="rId2"/>
+          <a:stretch>
+            <a:fillRect/>
+          </a:stretch>
+        </p:blipFill>
+        <p:spPr>
+          <a:xfrm>
+            <a:off x="536575" y="1845945"/>
+            <a:ext cx="4953000" cy="2781300"/>
+          </a:xfrm>
+          <a:prstGeom prst="rect">
+            <a:avLst/>
+          </a:prstGeom>
+        </p:spPr>
+      </p:pic>
+      <p:pic>
+        <p:nvPicPr>
+          <p:cNvPr id="3" name="Picture 2" descr="he-thong-camera-nhan-dien-khuon-mat-hoat-dong-nhu-the-nao"/>
+          <p:cNvPicPr>
+            <a:picLocks noChangeAspect="1"/>
+          </p:cNvPicPr>
+          <p:nvPr/>
+        </p:nvPicPr>
+        <p:blipFill>
+          <a:blip r:embed="rId3"/>
+          <a:stretch>
+            <a:fillRect/>
+          </a:stretch>
+        </p:blipFill>
+        <p:spPr>
+          <a:xfrm>
+            <a:off x="536575" y="4627245"/>
+            <a:ext cx="4953000" cy="2174875"/>
+          </a:xfrm>
+          <a:prstGeom prst="rect">
+            <a:avLst/>
+          </a:prstGeom>
+        </p:spPr>
+      </p:pic>
+      <p:pic>
+        <p:nvPicPr>
+          <p:cNvPr id="4" name="Picture 3" descr="facial-recognition-768x512-1"/>
+          <p:cNvPicPr>
+            <a:picLocks noChangeAspect="1"/>
+          </p:cNvPicPr>
+          <p:nvPr/>
+        </p:nvPicPr>
+        <p:blipFill>
+          <a:blip r:embed="rId4"/>
+          <a:stretch>
+            <a:fillRect/>
+          </a:stretch>
+        </p:blipFill>
+        <p:spPr>
+          <a:xfrm>
+            <a:off x="5514340" y="1846580"/>
+            <a:ext cx="3629660" cy="4486275"/>
+          </a:xfrm>
+          <a:prstGeom prst="rect">
+            <a:avLst/>
+          </a:prstGeom>
+        </p:spPr>
+      </p:pic>
     </p:spTree>
   </p:cSld>
   <p:clrMapOvr>
@@ -10791,7 +12713,7 @@
         <p:spPr>
           <a:xfrm>
             <a:off x="521852" y="315311"/>
-            <a:ext cx="6195927" cy="584775"/>
+            <a:ext cx="3118485" cy="583565"/>
           </a:xfrm>
           <a:prstGeom prst="rect">
             <a:avLst/>
@@ -10811,7 +12733,7 @@
                 </a:solidFill>
                 <a:latin typeface="+mj-lt"/>
               </a:rPr>
-              <a:t>3.ĐỘ TIN CẬY VÀ CHÍNH XÁC. </a:t>
+              <a:t>4.HOẠT ĐỘNG </a:t>
             </a:r>
             <a:endParaRPr lang="en-US" sz="3200" b="1">
               <a:solidFill>
@@ -10920,7 +12842,7 @@
                   <a:srgbClr val="FF0000"/>
                 </a:solidFill>
               </a:rPr>
-              <a:t>4</a:t>
+              <a:t>8</a:t>
             </a:r>
             <a:endParaRPr lang="en-US">
               <a:solidFill>
@@ -10938,8 +12860,8 @@
         </p:nvSpPr>
         <p:spPr>
           <a:xfrm>
-            <a:off x="703384" y="1121254"/>
-            <a:ext cx="8169310" cy="664156"/>
+            <a:off x="703384" y="1121257"/>
+            <a:ext cx="8169310" cy="4523105"/>
           </a:xfrm>
           <a:prstGeom prst="rect">
             <a:avLst/>
@@ -10960,183 +12882,98 @@
               <a:buChar char="Ø"/>
             </a:pPr>
             <a:r>
-              <a:rPr lang="en-US" sz="2800" dirty="0">
-                <a:solidFill>
-                  <a:srgbClr val="FF0000"/>
-                </a:solidFill>
-                <a:latin typeface="SF Pro Semibold" pitchFamily="2" charset="0"/>
-                <a:ea typeface="SF Pro Semibold" pitchFamily="2" charset="0"/>
-                <a:cs typeface="SF Pro Semibold" pitchFamily="2" charset="0"/>
-              </a:rPr>
-              <a:t>3.2.Nhận </a:t>
-            </a:r>
-            <a:r>
-              <a:rPr lang="en-US" sz="2800" dirty="0" err="1">
-                <a:solidFill>
-                  <a:srgbClr val="FF0000"/>
-                </a:solidFill>
-                <a:latin typeface="SF Pro Semibold" pitchFamily="2" charset="0"/>
-                <a:ea typeface="SF Pro Semibold" pitchFamily="2" charset="0"/>
-                <a:cs typeface="SF Pro Semibold" pitchFamily="2" charset="0"/>
-              </a:rPr>
-              <a:t>diện</a:t>
-            </a:r>
-            <a:r>
-              <a:rPr lang="en-US" sz="2800" dirty="0">
-                <a:solidFill>
-                  <a:srgbClr val="FF0000"/>
-                </a:solidFill>
-                <a:latin typeface="SF Pro Semibold" pitchFamily="2" charset="0"/>
-                <a:ea typeface="SF Pro Semibold" pitchFamily="2" charset="0"/>
-                <a:cs typeface="SF Pro Semibold" pitchFamily="2" charset="0"/>
-              </a:rPr>
-              <a:t> </a:t>
-            </a:r>
-            <a:r>
-              <a:rPr lang="en-US" sz="2800" dirty="0" err="1">
-                <a:solidFill>
-                  <a:srgbClr val="FF0000"/>
-                </a:solidFill>
-                <a:latin typeface="SF Pro Semibold" pitchFamily="2" charset="0"/>
-                <a:ea typeface="SF Pro Semibold" pitchFamily="2" charset="0"/>
-                <a:cs typeface="SF Pro Semibold" pitchFamily="2" charset="0"/>
-              </a:rPr>
-              <a:t>khuôn</a:t>
-            </a:r>
-            <a:r>
-              <a:rPr lang="en-US" sz="2800" dirty="0">
-                <a:solidFill>
-                  <a:srgbClr val="FF0000"/>
-                </a:solidFill>
-                <a:latin typeface="SF Pro Semibold" pitchFamily="2" charset="0"/>
-                <a:ea typeface="SF Pro Semibold" pitchFamily="2" charset="0"/>
-                <a:cs typeface="SF Pro Semibold" pitchFamily="2" charset="0"/>
-              </a:rPr>
-              <a:t> </a:t>
-            </a:r>
-            <a:r>
-              <a:rPr lang="en-US" sz="2800" dirty="0" err="1">
-                <a:solidFill>
-                  <a:srgbClr val="FF0000"/>
-                </a:solidFill>
-                <a:latin typeface="SF Pro Semibold" pitchFamily="2" charset="0"/>
-                <a:ea typeface="SF Pro Semibold" pitchFamily="2" charset="0"/>
-                <a:cs typeface="SF Pro Semibold" pitchFamily="2" charset="0"/>
-              </a:rPr>
-              <a:t>mặt</a:t>
-            </a:r>
-            <a:r>
-              <a:rPr lang="en-US" sz="2800" dirty="0">
-                <a:solidFill>
-                  <a:srgbClr val="FF0000"/>
-                </a:solidFill>
-                <a:latin typeface="SF Pro Semibold" pitchFamily="2" charset="0"/>
-                <a:ea typeface="SF Pro Semibold" pitchFamily="2" charset="0"/>
-                <a:cs typeface="SF Pro Semibold" pitchFamily="2" charset="0"/>
-              </a:rPr>
-              <a:t> </a:t>
-            </a:r>
-            <a:r>
-              <a:rPr lang="en-US" sz="2800" dirty="0" err="1">
-                <a:solidFill>
-                  <a:srgbClr val="FF0000"/>
-                </a:solidFill>
-                <a:latin typeface="SF Pro Semibold" pitchFamily="2" charset="0"/>
-                <a:ea typeface="SF Pro Semibold" pitchFamily="2" charset="0"/>
-                <a:cs typeface="SF Pro Semibold" pitchFamily="2" charset="0"/>
-              </a:rPr>
-              <a:t>có</a:t>
-            </a:r>
-            <a:r>
-              <a:rPr lang="en-US" sz="2800" dirty="0">
-                <a:solidFill>
-                  <a:srgbClr val="FF0000"/>
-                </a:solidFill>
-                <a:latin typeface="SF Pro Semibold" pitchFamily="2" charset="0"/>
-                <a:ea typeface="SF Pro Semibold" pitchFamily="2" charset="0"/>
-                <a:cs typeface="SF Pro Semibold" pitchFamily="2" charset="0"/>
-              </a:rPr>
-              <a:t> an </a:t>
-            </a:r>
-            <a:r>
-              <a:rPr lang="en-US" sz="2800" dirty="0" err="1">
-                <a:solidFill>
-                  <a:srgbClr val="FF0000"/>
-                </a:solidFill>
-                <a:latin typeface="SF Pro Semibold" pitchFamily="2" charset="0"/>
-                <a:ea typeface="SF Pro Semibold" pitchFamily="2" charset="0"/>
-                <a:cs typeface="SF Pro Semibold" pitchFamily="2" charset="0"/>
-              </a:rPr>
-              <a:t>toàn</a:t>
-            </a:r>
-            <a:r>
-              <a:rPr lang="en-US" sz="2800" dirty="0">
-                <a:solidFill>
-                  <a:srgbClr val="FF0000"/>
-                </a:solidFill>
-                <a:latin typeface="SF Pro Semibold" pitchFamily="2" charset="0"/>
-                <a:ea typeface="SF Pro Semibold" pitchFamily="2" charset="0"/>
-                <a:cs typeface="SF Pro Semibold" pitchFamily="2" charset="0"/>
-              </a:rPr>
-              <a:t> </a:t>
-            </a:r>
-            <a:r>
-              <a:rPr lang="en-US" sz="2800" dirty="0" err="1">
-                <a:solidFill>
-                  <a:srgbClr val="FF0000"/>
-                </a:solidFill>
-                <a:latin typeface="SF Pro Semibold" pitchFamily="2" charset="0"/>
-                <a:ea typeface="SF Pro Semibold" pitchFamily="2" charset="0"/>
-                <a:cs typeface="SF Pro Semibold" pitchFamily="2" charset="0"/>
-              </a:rPr>
-              <a:t>không</a:t>
-            </a:r>
-            <a:r>
-              <a:rPr lang="en-US" sz="2800" dirty="0">
-                <a:solidFill>
-                  <a:srgbClr val="FF0000"/>
-                </a:solidFill>
-                <a:latin typeface="SF Pro Semibold" pitchFamily="2" charset="0"/>
-                <a:ea typeface="SF Pro Semibold" pitchFamily="2" charset="0"/>
-                <a:cs typeface="SF Pro Semibold" pitchFamily="2" charset="0"/>
-              </a:rPr>
-              <a:t>?:  </a:t>
-            </a:r>
-            <a:endParaRPr lang="en-US" sz="2800" dirty="0">
+              <a:rPr lang="en-US" sz="2400" dirty="0">
+                <a:solidFill>
+                  <a:srgbClr val="FF0000"/>
+                </a:solidFill>
+                <a:ea typeface="SF Pro Semibold" pitchFamily="2" charset="0"/>
+                <a:cs typeface="Arial" panose="020B0604020202020204" pitchFamily="34" charset="0"/>
+              </a:rPr>
+              <a:t>4.2.Nâng cao dạng 3D</a:t>
+            </a:r>
+            <a:endParaRPr lang="en-US" sz="2400" dirty="0">
               <a:solidFill>
                 <a:srgbClr val="FF0000"/>
               </a:solidFill>
-              <a:latin typeface="SF Pro Semibold" pitchFamily="2" charset="0"/>
               <a:ea typeface="SF Pro Semibold" pitchFamily="2" charset="0"/>
-              <a:cs typeface="SF Pro Semibold" pitchFamily="2" charset="0"/>
+              <a:cs typeface="Arial" panose="020B0604020202020204" pitchFamily="34" charset="0"/>
             </a:endParaRPr>
           </a:p>
-        </p:txBody>
-      </p:sp>
-      <p:pic>
-        <p:nvPicPr>
-          <p:cNvPr id="3" name="Picture 2"/>
-          <p:cNvPicPr>
-            <a:picLocks noChangeAspect="1"/>
-          </p:cNvPicPr>
-          <p:nvPr/>
-        </p:nvPicPr>
-        <p:blipFill>
-          <a:blip r:embed="rId2"/>
-          <a:stretch>
-            <a:fillRect/>
-          </a:stretch>
-        </p:blipFill>
-        <p:spPr>
-          <a:xfrm>
-            <a:off x="572322" y="2410625"/>
-            <a:ext cx="8571678" cy="3296799"/>
-          </a:xfrm>
-          <a:prstGeom prst="rect">
-            <a:avLst/>
-          </a:prstGeom>
-        </p:spPr>
-      </p:pic>
+          <a:p>
+            <a:pPr marL="457200" indent="-457200">
+              <a:lnSpc>
+                <a:spcPct val="150000"/>
+              </a:lnSpc>
+              <a:buFont typeface="Wingdings" panose="05000000000000000000" pitchFamily="2" charset="2"/>
+              <a:buChar char="Ø"/>
+            </a:pPr>
+            <a:r>
+              <a:rPr lang="en-US" sz="2400" dirty="0">
+                <a:ea typeface="SF Pro Semibold" pitchFamily="2" charset="0"/>
+                <a:cs typeface="Arial" panose="020B0604020202020204" pitchFamily="34" charset="0"/>
+              </a:rPr>
+              <a:t> Kỹ thuật này sử dụng các cảm biến 3D để nắm bắt thông tin về hình dạng của khuôn mặt.</a:t>
+            </a:r>
+            <a:endParaRPr lang="en-US" sz="2400" dirty="0">
+              <a:ea typeface="SF Pro Semibold" pitchFamily="2" charset="0"/>
+              <a:cs typeface="Arial" panose="020B0604020202020204" pitchFamily="34" charset="0"/>
+            </a:endParaRPr>
+          </a:p>
+          <a:p>
+            <a:pPr marL="457200" indent="-457200">
+              <a:lnSpc>
+                <a:spcPct val="150000"/>
+              </a:lnSpc>
+              <a:buFont typeface="Wingdings" panose="05000000000000000000" pitchFamily="2" charset="2"/>
+              <a:buChar char="Ø"/>
+            </a:pPr>
+            <a:r>
+              <a:rPr lang="en-US" sz="2400" dirty="0">
+                <a:ea typeface="SF Pro Semibold" pitchFamily="2" charset="0"/>
+                <a:cs typeface="Arial" panose="020B0604020202020204" pitchFamily="34" charset="0"/>
+              </a:rPr>
+              <a:t>Thông tin này được sử dụng xác định một khuôn mặt như các đường viền của hốc mắt, mũi và cằm.</a:t>
+            </a:r>
+            <a:endParaRPr lang="en-US" sz="2400" dirty="0">
+              <a:ea typeface="SF Pro Semibold" pitchFamily="2" charset="0"/>
+              <a:cs typeface="Arial" panose="020B0604020202020204" pitchFamily="34" charset="0"/>
+            </a:endParaRPr>
+          </a:p>
+          <a:p>
+            <a:pPr marL="457200" indent="-457200">
+              <a:lnSpc>
+                <a:spcPct val="150000"/>
+              </a:lnSpc>
+              <a:buFont typeface="Wingdings" panose="05000000000000000000" pitchFamily="2" charset="2"/>
+              <a:buChar char="Ø"/>
+            </a:pPr>
+            <a:r>
+              <a:rPr lang="en-US" sz="2400" dirty="0">
+                <a:ea typeface="SF Pro Semibold" pitchFamily="2" charset="0"/>
+                <a:cs typeface="Arial" panose="020B0604020202020204" pitchFamily="34" charset="0"/>
+              </a:rPr>
+              <a:t>Nhận dạng khuôn mặt 3D là nó không bị ảnh hưởng bởi những thay đổi trong ánh sáng.</a:t>
+            </a:r>
+            <a:endParaRPr lang="en-US" sz="2400" dirty="0">
+              <a:ea typeface="SF Pro Semibold" pitchFamily="2" charset="0"/>
+              <a:cs typeface="Arial" panose="020B0604020202020204" pitchFamily="34" charset="0"/>
+            </a:endParaRPr>
+          </a:p>
+          <a:p>
+            <a:pPr marL="457200" indent="-457200">
+              <a:lnSpc>
+                <a:spcPct val="150000"/>
+              </a:lnSpc>
+              <a:buFont typeface="Wingdings" panose="05000000000000000000" pitchFamily="2" charset="2"/>
+              <a:buChar char="Ø"/>
+            </a:pPr>
+            <a:endParaRPr lang="en-US" sz="2400" dirty="0">
+              <a:ea typeface="SF Pro Semibold" pitchFamily="2" charset="0"/>
+              <a:cs typeface="Arial" panose="020B0604020202020204" pitchFamily="34" charset="0"/>
+            </a:endParaRPr>
+          </a:p>
+        </p:txBody>
+      </p:sp>
     </p:spTree>
   </p:cSld>
   <p:clrMapOvr>
@@ -11220,7 +13057,7 @@
         <p:spPr>
           <a:xfrm>
             <a:off x="521852" y="315311"/>
-            <a:ext cx="6195927" cy="584775"/>
+            <a:ext cx="3118485" cy="583565"/>
           </a:xfrm>
           <a:prstGeom prst="rect">
             <a:avLst/>
@@ -11240,7 +13077,7 @@
                 </a:solidFill>
                 <a:latin typeface="+mj-lt"/>
               </a:rPr>
-              <a:t>3.ĐỘ TIN CẬY VÀ CHÍNH XÁC. </a:t>
+              <a:t>4.HOẠT ĐỘNG </a:t>
             </a:r>
             <a:endParaRPr lang="en-US" sz="3200" b="1">
               <a:solidFill>
@@ -11349,7 +13186,7 @@
                   <a:srgbClr val="FF0000"/>
                 </a:solidFill>
               </a:rPr>
-              <a:t>4</a:t>
+              <a:t>9</a:t>
             </a:r>
             <a:endParaRPr lang="en-US">
               <a:solidFill>
@@ -11367,8 +13204,8 @@
         </p:nvSpPr>
         <p:spPr>
           <a:xfrm>
-            <a:off x="703384" y="1121261"/>
-            <a:ext cx="8169310" cy="3998787"/>
+            <a:off x="703384" y="1121257"/>
+            <a:ext cx="8169310" cy="1753235"/>
           </a:xfrm>
           <a:prstGeom prst="rect">
             <a:avLst/>
@@ -11389,23 +13226,34 @@
               <a:buChar char="Ø"/>
             </a:pPr>
             <a:r>
-              <a:rPr lang="en-US" sz="2800" dirty="0">
-                <a:solidFill>
-                  <a:srgbClr val="FF0000"/>
-                </a:solidFill>
-                <a:latin typeface="SF Pro Semibold" pitchFamily="2" charset="0"/>
-                <a:ea typeface="SF Pro Semibold" pitchFamily="2" charset="0"/>
-                <a:cs typeface="SF Pro Semibold" pitchFamily="2" charset="0"/>
-              </a:rPr>
-              <a:t>3.3.Điểm tin cậy trong nhận dạng khuôn mặt?:  </a:t>
-            </a:r>
-            <a:endParaRPr lang="en-US" sz="2800" dirty="0">
+              <a:rPr lang="en-US" sz="2400" dirty="0">
+                <a:solidFill>
+                  <a:srgbClr val="FF0000"/>
+                </a:solidFill>
+                <a:ea typeface="SF Pro Semibold" pitchFamily="2" charset="0"/>
+                <a:cs typeface="Arial" panose="020B0604020202020204" pitchFamily="34" charset="0"/>
+              </a:rPr>
+              <a:t>4.2.Nâng cao dạng 3D</a:t>
+            </a:r>
+            <a:endParaRPr lang="en-US" sz="2400" dirty="0">
               <a:solidFill>
                 <a:srgbClr val="FF0000"/>
               </a:solidFill>
-              <a:latin typeface="SF Pro Semibold" pitchFamily="2" charset="0"/>
               <a:ea typeface="SF Pro Semibold" pitchFamily="2" charset="0"/>
-              <a:cs typeface="SF Pro Semibold" pitchFamily="2" charset="0"/>
+              <a:cs typeface="Arial" panose="020B0604020202020204" pitchFamily="34" charset="0"/>
+            </a:endParaRPr>
+          </a:p>
+          <a:p>
+            <a:pPr marL="0" indent="0">
+              <a:lnSpc>
+                <a:spcPct val="150000"/>
+              </a:lnSpc>
+              <a:buFont typeface="Wingdings" panose="05000000000000000000" pitchFamily="2" charset="2"/>
+              <a:buNone/>
+            </a:pPr>
+            <a:endParaRPr lang="en-US" sz="2400" dirty="0">
+              <a:ea typeface="SF Pro Semibold" pitchFamily="2" charset="0"/>
+              <a:cs typeface="Arial" panose="020B0604020202020204" pitchFamily="34" charset="0"/>
             </a:endParaRPr>
           </a:p>
           <a:p>
@@ -11414,88 +13262,63 @@
                 <a:spcPct val="150000"/>
               </a:lnSpc>
               <a:buFont typeface="Wingdings" panose="05000000000000000000" pitchFamily="2" charset="2"/>
-              <a:buChar char="ü"/>
+              <a:buChar char="Ø"/>
             </a:pPr>
-            <a:r>
-              <a:rPr lang="en-US" sz="2400" dirty="0">
-                <a:effectLst/>
-                <a:latin typeface="SF Pro Semibold" pitchFamily="2" charset="0"/>
-                <a:ea typeface="SF Pro Semibold" pitchFamily="2" charset="0"/>
-                <a:cs typeface="SF Pro Semibold" pitchFamily="2" charset="0"/>
-              </a:rPr>
-              <a:t>Hệ thống sẽ phát hiện, so sánh khuôn mặt với dữ liệu từ database. </a:t>
-            </a:r>
             <a:endParaRPr lang="en-US" sz="2400" dirty="0">
-              <a:effectLst/>
-              <a:latin typeface="SF Pro Semibold" pitchFamily="2" charset="0"/>
               <a:ea typeface="SF Pro Semibold" pitchFamily="2" charset="0"/>
-              <a:cs typeface="SF Pro Semibold" pitchFamily="2" charset="0"/>
+              <a:cs typeface="Arial" panose="020B0604020202020204" pitchFamily="34" charset="0"/>
             </a:endParaRPr>
           </a:p>
-          <a:p>
-            <a:pPr marL="457200" indent="-457200">
-              <a:lnSpc>
-                <a:spcPct val="150000"/>
-              </a:lnSpc>
-              <a:buFont typeface="Wingdings" panose="05000000000000000000" pitchFamily="2" charset="2"/>
-              <a:buChar char="ü"/>
-            </a:pPr>
-            <a:r>
-              <a:rPr lang="en-US" sz="2400" dirty="0">
-                <a:latin typeface="SF Pro Semibold" pitchFamily="2" charset="0"/>
-                <a:ea typeface="SF Pro Semibold" pitchFamily="2" charset="0"/>
-                <a:cs typeface="SF Pro Semibold" pitchFamily="2" charset="0"/>
-              </a:rPr>
-              <a:t> Điểm tin cậy càng cao thì khả năng hai hình ảnh thuộc về cùng một người càng cao. </a:t>
-            </a:r>
-            <a:endParaRPr lang="en-US" sz="2400" dirty="0">
-              <a:latin typeface="SF Pro Semibold" pitchFamily="2" charset="0"/>
-              <a:ea typeface="SF Pro Semibold" pitchFamily="2" charset="0"/>
-              <a:cs typeface="SF Pro Semibold" pitchFamily="2" charset="0"/>
-            </a:endParaRPr>
-          </a:p>
-          <a:p>
-            <a:pPr>
-              <a:lnSpc>
-                <a:spcPct val="150000"/>
-              </a:lnSpc>
-            </a:pPr>
-            <a:r>
-              <a:rPr lang="en-US" sz="2400" dirty="0">
-                <a:latin typeface="SF Pro Semibold" pitchFamily="2" charset="0"/>
-                <a:ea typeface="SF Pro Semibold" pitchFamily="2" charset="0"/>
-                <a:cs typeface="SF Pro Semibold" pitchFamily="2" charset="0"/>
-              </a:rPr>
-              <a:t>	</a:t>
-            </a:r>
-            <a:endParaRPr lang="en-US" sz="2400" dirty="0">
-              <a:latin typeface="SF Pro Semibold" pitchFamily="2" charset="0"/>
-              <a:ea typeface="SF Pro Semibold" pitchFamily="2" charset="0"/>
-              <a:cs typeface="SF Pro Semibold" pitchFamily="2" charset="0"/>
-            </a:endParaRPr>
-          </a:p>
-          <a:p>
-            <a:pPr>
-              <a:lnSpc>
-                <a:spcPct val="150000"/>
-              </a:lnSpc>
-            </a:pPr>
-            <a:r>
-              <a:rPr lang="en-US" sz="2400" dirty="0">
-                <a:latin typeface="SF Pro Semibold" pitchFamily="2" charset="0"/>
-                <a:ea typeface="SF Pro Semibold" pitchFamily="2" charset="0"/>
-                <a:cs typeface="SF Pro Semibold" pitchFamily="2" charset="0"/>
-              </a:rPr>
-              <a:t>=&gt; Ngưỡng điểm này thường lên đến &gt;90%.</a:t>
-            </a:r>
-            <a:endParaRPr lang="en-US" sz="2400" dirty="0">
-              <a:latin typeface="SF Pro Semibold" pitchFamily="2" charset="0"/>
-              <a:ea typeface="SF Pro Semibold" pitchFamily="2" charset="0"/>
-              <a:cs typeface="SF Pro Semibold" pitchFamily="2" charset="0"/>
-            </a:endParaRPr>
-          </a:p>
-        </p:txBody>
-      </p:sp>
+        </p:txBody>
+      </p:sp>
+      <p:pic>
+        <p:nvPicPr>
+          <p:cNvPr id="2" name="Picture 1" descr="nhan-dien-khuon-mat_800x450"/>
+          <p:cNvPicPr>
+            <a:picLocks noChangeAspect="1"/>
+          </p:cNvPicPr>
+          <p:nvPr/>
+        </p:nvPicPr>
+        <p:blipFill>
+          <a:blip r:embed="rId2"/>
+          <a:stretch>
+            <a:fillRect/>
+          </a:stretch>
+        </p:blipFill>
+        <p:spPr>
+          <a:xfrm>
+            <a:off x="5081905" y="2776220"/>
+            <a:ext cx="3906520" cy="2700655"/>
+          </a:xfrm>
+          <a:prstGeom prst="rect">
+            <a:avLst/>
+          </a:prstGeom>
+        </p:spPr>
+      </p:pic>
+      <p:pic>
+        <p:nvPicPr>
+          <p:cNvPr id="4" name="Picture 3" descr="nhan-dien-khuon-mat-3d-the-hien-cong-nghe-vuot-troi-cua-apple"/>
+          <p:cNvPicPr>
+            <a:picLocks noChangeAspect="1"/>
+          </p:cNvPicPr>
+          <p:nvPr/>
+        </p:nvPicPr>
+        <p:blipFill>
+          <a:blip r:embed="rId3"/>
+          <a:stretch>
+            <a:fillRect/>
+          </a:stretch>
+        </p:blipFill>
+        <p:spPr>
+          <a:xfrm>
+            <a:off x="598170" y="2932430"/>
+            <a:ext cx="4347210" cy="3133725"/>
+          </a:xfrm>
+          <a:prstGeom prst="rect">
+            <a:avLst/>
+          </a:prstGeom>
+        </p:spPr>
+      </p:pic>
     </p:spTree>
   </p:cSld>
   <p:clrMapOvr>

--- a/BÀI THUYẾT TRÌNH MẪU.pptx
+++ b/BÀI THUYẾT TRÌNH MẪU.pptx
@@ -5,23 +5,23 @@
     <p:sldMasterId id="2147483648" r:id="rId1"/>
   </p:sldMasterIdLst>
   <p:sldIdLst>
-    <p:sldId id="256" r:id="rId3"/>
-    <p:sldId id="257" r:id="rId4"/>
-    <p:sldId id="261" r:id="rId5"/>
-    <p:sldId id="271" r:id="rId6"/>
-    <p:sldId id="258" r:id="rId7"/>
-    <p:sldId id="281" r:id="rId8"/>
-    <p:sldId id="286" r:id="rId9"/>
-    <p:sldId id="282" r:id="rId10"/>
-    <p:sldId id="285" r:id="rId11"/>
-    <p:sldId id="283" r:id="rId12"/>
-    <p:sldId id="263" r:id="rId13"/>
-    <p:sldId id="259" r:id="rId14"/>
-    <p:sldId id="264" r:id="rId15"/>
-    <p:sldId id="260" r:id="rId16"/>
-    <p:sldId id="265" r:id="rId17"/>
-    <p:sldId id="266" r:id="rId18"/>
-    <p:sldId id="262" r:id="rId19"/>
+    <p:sldId id="256" r:id="rId2"/>
+    <p:sldId id="257" r:id="rId3"/>
+    <p:sldId id="261" r:id="rId4"/>
+    <p:sldId id="271" r:id="rId5"/>
+    <p:sldId id="258" r:id="rId6"/>
+    <p:sldId id="281" r:id="rId7"/>
+    <p:sldId id="286" r:id="rId8"/>
+    <p:sldId id="282" r:id="rId9"/>
+    <p:sldId id="285" r:id="rId10"/>
+    <p:sldId id="283" r:id="rId11"/>
+    <p:sldId id="263" r:id="rId12"/>
+    <p:sldId id="259" r:id="rId13"/>
+    <p:sldId id="264" r:id="rId14"/>
+    <p:sldId id="260" r:id="rId15"/>
+    <p:sldId id="265" r:id="rId16"/>
+    <p:sldId id="266" r:id="rId17"/>
+    <p:sldId id="262" r:id="rId18"/>
   </p:sldIdLst>
   <p:sldSz cx="9144000" cy="6858000" type="screen4x3"/>
   <p:notesSz cx="6858000" cy="9144000"/>
@@ -150,11 +150,16 @@
       </a:defRPr>
     </a:lvl9pPr>
   </p:defaultTextStyle>
+  <p:extLst>
+    <p:ext uri="{EFAFB233-063F-42B5-8137-9DF3F51BA10A}">
+      <p15:sldGuideLst xmlns:p15="http://schemas.microsoft.com/office/powerpoint/2012/main"/>
+    </p:ext>
+  </p:extLst>
 </p:presentation>
 </file>
 
 <file path=ppt/slideLayouts/slideLayout1.xml><?xml version="1.0" encoding="utf-8"?>
-<p:sldLayout xmlns:a="http://schemas.openxmlformats.org/drawingml/2006/main" xmlns:r="http://schemas.openxmlformats.org/officeDocument/2006/relationships" xmlns:p="http://schemas.openxmlformats.org/presentationml/2006/main" type="title" preserve="1" showMasterSp="0">
+<p:sldLayout xmlns:a="http://schemas.openxmlformats.org/drawingml/2006/main" xmlns:r="http://schemas.openxmlformats.org/officeDocument/2006/relationships" xmlns:p="http://schemas.openxmlformats.org/presentationml/2006/main" showMasterSp="0" type="title" preserve="1">
   <p:cSld name="Title Slide">
     <p:spTree>
       <p:nvGrpSpPr>
@@ -592,6 +597,7 @@
                   <a:schemeClr val="bg1"/>
                 </a:solidFill>
               </a:rPr>
+              <a:t>‹#›</a:t>
             </a:fld>
             <a:endParaRPr lang="en-US" altLang="en-US" sz="1200">
               <a:solidFill>
@@ -648,7 +654,6 @@
               <a:rPr lang="en-US"/>
               <a:t>Click to edit Master title style</a:t>
             </a:r>
-            <a:endParaRPr lang="en-US"/>
           </a:p>
         </p:txBody>
       </p:sp>
@@ -672,7 +677,6 @@
               <a:rPr lang="en-US"/>
               <a:t>Click to edit Master text styles</a:t>
             </a:r>
-            <a:endParaRPr lang="en-US"/>
           </a:p>
           <a:p>
             <a:pPr lvl="1"/>
@@ -680,7 +684,6 @@
               <a:rPr lang="en-US"/>
               <a:t>Second level</a:t>
             </a:r>
-            <a:endParaRPr lang="en-US"/>
           </a:p>
           <a:p>
             <a:pPr lvl="2"/>
@@ -688,7 +691,6 @@
               <a:rPr lang="en-US"/>
               <a:t>Third level</a:t>
             </a:r>
-            <a:endParaRPr lang="en-US"/>
           </a:p>
           <a:p>
             <a:pPr lvl="3"/>
@@ -696,7 +698,6 @@
               <a:rPr lang="en-US"/>
               <a:t>Fourth level</a:t>
             </a:r>
-            <a:endParaRPr lang="en-US"/>
           </a:p>
           <a:p>
             <a:pPr lvl="4"/>
@@ -704,7 +705,6 @@
               <a:rPr lang="en-US"/>
               <a:t>Fifth level</a:t>
             </a:r>
-            <a:endParaRPr lang="en-US"/>
           </a:p>
         </p:txBody>
       </p:sp>
@@ -728,7 +728,8 @@
           </a:lstStyle>
           <a:p>
             <a:fld id="{6BDEAFE6-325E-AA48-AC90-E1B1FC9AAA75}" type="datetimeFigureOut">
-              <a:rPr/>
+              <a:rPr lang="en-VN"/>
+              <a:t>22/10/2023</a:t>
             </a:fld>
             <a:endParaRPr lang="en-US"/>
           </a:p>
@@ -778,6 +779,7 @@
           <a:p>
             <a:fld id="{C9142EC5-85AF-4745-AACF-2F37CD50FCA3}" type="slidenum">
               <a:rPr/>
+              <a:t>‹#›</a:t>
             </a:fld>
             <a:endParaRPr lang="en-US"/>
           </a:p>
@@ -835,7 +837,6 @@
               <a:rPr lang="en-US"/>
               <a:t>Click to edit Master title style</a:t>
             </a:r>
-            <a:endParaRPr lang="en-US"/>
           </a:p>
         </p:txBody>
       </p:sp>
@@ -864,7 +865,6 @@
               <a:rPr lang="en-US"/>
               <a:t>Click to edit Master text styles</a:t>
             </a:r>
-            <a:endParaRPr lang="en-US"/>
           </a:p>
           <a:p>
             <a:pPr lvl="1"/>
@@ -872,7 +872,6 @@
               <a:rPr lang="en-US"/>
               <a:t>Second level</a:t>
             </a:r>
-            <a:endParaRPr lang="en-US"/>
           </a:p>
           <a:p>
             <a:pPr lvl="2"/>
@@ -880,7 +879,6 @@
               <a:rPr lang="en-US"/>
               <a:t>Third level</a:t>
             </a:r>
-            <a:endParaRPr lang="en-US"/>
           </a:p>
           <a:p>
             <a:pPr lvl="3"/>
@@ -888,7 +886,6 @@
               <a:rPr lang="en-US"/>
               <a:t>Fourth level</a:t>
             </a:r>
-            <a:endParaRPr lang="en-US"/>
           </a:p>
           <a:p>
             <a:pPr lvl="4"/>
@@ -896,7 +893,6 @@
               <a:rPr lang="en-US"/>
               <a:t>Fifth level</a:t>
             </a:r>
-            <a:endParaRPr lang="en-US"/>
           </a:p>
         </p:txBody>
       </p:sp>
@@ -920,7 +916,8 @@
           </a:lstStyle>
           <a:p>
             <a:fld id="{6BDEAFE6-325E-AA48-AC90-E1B1FC9AAA75}" type="datetimeFigureOut">
-              <a:rPr/>
+              <a:rPr lang="en-VN"/>
+              <a:t>22/10/2023</a:t>
             </a:fld>
             <a:endParaRPr lang="en-US"/>
           </a:p>
@@ -970,6 +967,7 @@
           <a:p>
             <a:fld id="{C9142EC5-85AF-4745-AACF-2F37CD50FCA3}" type="slidenum">
               <a:rPr/>
+              <a:t>‹#›</a:t>
             </a:fld>
             <a:endParaRPr lang="en-US"/>
           </a:p>
@@ -1101,7 +1099,8 @@
           </a:lstStyle>
           <a:p>
             <a:fld id="{6BDEAFE6-325E-AA48-AC90-E1B1FC9AAA75}" type="datetimeFigureOut">
-              <a:rPr/>
+              <a:rPr lang="en-VN"/>
+              <a:t>22/10/2023</a:t>
             </a:fld>
             <a:endParaRPr lang="en-US"/>
           </a:p>
@@ -1151,6 +1150,7 @@
           <a:p>
             <a:fld id="{C9142EC5-85AF-4745-AACF-2F37CD50FCA3}" type="slidenum">
               <a:rPr/>
+              <a:t>‹#›</a:t>
             </a:fld>
             <a:endParaRPr lang="en-US"/>
           </a:p>
@@ -1203,7 +1203,6 @@
               <a:rPr lang="en-US"/>
               <a:t>Click to edit Master title style</a:t>
             </a:r>
-            <a:endParaRPr lang="en-US"/>
           </a:p>
         </p:txBody>
       </p:sp>
@@ -1227,7 +1226,6 @@
               <a:rPr lang="en-US" dirty="0"/>
               <a:t>Click to edit Master text styles</a:t>
             </a:r>
-            <a:endParaRPr lang="en-US" dirty="0"/>
           </a:p>
           <a:p>
             <a:pPr lvl="1"/>
@@ -1235,7 +1233,6 @@
               <a:rPr lang="en-US" dirty="0"/>
               <a:t>Second level</a:t>
             </a:r>
-            <a:endParaRPr lang="en-US" dirty="0"/>
           </a:p>
           <a:p>
             <a:pPr lvl="2"/>
@@ -1243,7 +1240,6 @@
               <a:rPr lang="en-US" dirty="0"/>
               <a:t>Third level</a:t>
             </a:r>
-            <a:endParaRPr lang="en-US" dirty="0"/>
           </a:p>
           <a:p>
             <a:pPr lvl="3"/>
@@ -1251,7 +1247,6 @@
               <a:rPr lang="en-US" dirty="0"/>
               <a:t>Fourth level</a:t>
             </a:r>
-            <a:endParaRPr lang="en-US" dirty="0"/>
           </a:p>
           <a:p>
             <a:pPr lvl="4"/>
@@ -1259,7 +1254,6 @@
               <a:rPr lang="en-US" dirty="0"/>
               <a:t>Fifth level</a:t>
             </a:r>
-            <a:endParaRPr lang="en-US" dirty="0"/>
           </a:p>
         </p:txBody>
       </p:sp>
@@ -1283,7 +1277,8 @@
           </a:lstStyle>
           <a:p>
             <a:fld id="{6BDEAFE6-325E-AA48-AC90-E1B1FC9AAA75}" type="datetimeFigureOut">
-              <a:rPr/>
+              <a:rPr lang="en-VN"/>
+              <a:t>22/10/2023</a:t>
             </a:fld>
             <a:endParaRPr lang="en-US"/>
           </a:p>
@@ -1333,6 +1328,7 @@
           <a:p>
             <a:fld id="{C9142EC5-85AF-4745-AACF-2F37CD50FCA3}" type="slidenum">
               <a:rPr/>
+              <a:t>‹#›</a:t>
             </a:fld>
             <a:endParaRPr lang="en-US"/>
           </a:p>
@@ -1394,7 +1390,6 @@
               <a:rPr lang="en-US"/>
               <a:t>Click to edit Master title style</a:t>
             </a:r>
-            <a:endParaRPr lang="en-US"/>
           </a:p>
         </p:txBody>
       </p:sp>
@@ -1460,7 +1455,6 @@
               <a:rPr lang="en-US"/>
               <a:t>Click to edit Master text styles</a:t>
             </a:r>
-            <a:endParaRPr lang="en-US"/>
           </a:p>
         </p:txBody>
       </p:sp>
@@ -1484,7 +1478,8 @@
           </a:lstStyle>
           <a:p>
             <a:fld id="{6BDEAFE6-325E-AA48-AC90-E1B1FC9AAA75}" type="datetimeFigureOut">
-              <a:rPr/>
+              <a:rPr lang="en-VN"/>
+              <a:t>22/10/2023</a:t>
             </a:fld>
             <a:endParaRPr lang="en-US"/>
           </a:p>
@@ -1534,6 +1529,7 @@
           <a:p>
             <a:fld id="{C9142EC5-85AF-4745-AACF-2F37CD50FCA3}" type="slidenum">
               <a:rPr/>
+              <a:t>‹#›</a:t>
             </a:fld>
             <a:endParaRPr lang="en-US"/>
           </a:p>
@@ -1586,7 +1582,6 @@
               <a:rPr lang="en-US"/>
               <a:t>Click to edit Master title style</a:t>
             </a:r>
-            <a:endParaRPr lang="en-US"/>
           </a:p>
         </p:txBody>
       </p:sp>
@@ -1643,7 +1638,6 @@
               <a:rPr lang="en-US"/>
               <a:t>Click to edit Master text styles</a:t>
             </a:r>
-            <a:endParaRPr lang="en-US"/>
           </a:p>
           <a:p>
             <a:pPr lvl="1"/>
@@ -1651,7 +1645,6 @@
               <a:rPr lang="en-US"/>
               <a:t>Second level</a:t>
             </a:r>
-            <a:endParaRPr lang="en-US"/>
           </a:p>
           <a:p>
             <a:pPr lvl="2"/>
@@ -1659,7 +1652,6 @@
               <a:rPr lang="en-US"/>
               <a:t>Third level</a:t>
             </a:r>
-            <a:endParaRPr lang="en-US"/>
           </a:p>
           <a:p>
             <a:pPr lvl="3"/>
@@ -1667,7 +1659,6 @@
               <a:rPr lang="en-US"/>
               <a:t>Fourth level</a:t>
             </a:r>
-            <a:endParaRPr lang="en-US"/>
           </a:p>
           <a:p>
             <a:pPr lvl="4"/>
@@ -1675,7 +1666,6 @@
               <a:rPr lang="en-US"/>
               <a:t>Fifth level</a:t>
             </a:r>
-            <a:endParaRPr lang="en-US"/>
           </a:p>
         </p:txBody>
       </p:sp>
@@ -1732,7 +1722,6 @@
               <a:rPr lang="en-US"/>
               <a:t>Click to edit Master text styles</a:t>
             </a:r>
-            <a:endParaRPr lang="en-US"/>
           </a:p>
           <a:p>
             <a:pPr lvl="1"/>
@@ -1740,7 +1729,6 @@
               <a:rPr lang="en-US"/>
               <a:t>Second level</a:t>
             </a:r>
-            <a:endParaRPr lang="en-US"/>
           </a:p>
           <a:p>
             <a:pPr lvl="2"/>
@@ -1748,7 +1736,6 @@
               <a:rPr lang="en-US"/>
               <a:t>Third level</a:t>
             </a:r>
-            <a:endParaRPr lang="en-US"/>
           </a:p>
           <a:p>
             <a:pPr lvl="3"/>
@@ -1756,7 +1743,6 @@
               <a:rPr lang="en-US"/>
               <a:t>Fourth level</a:t>
             </a:r>
-            <a:endParaRPr lang="en-US"/>
           </a:p>
           <a:p>
             <a:pPr lvl="4"/>
@@ -1764,7 +1750,6 @@
               <a:rPr lang="en-US"/>
               <a:t>Fifth level</a:t>
             </a:r>
-            <a:endParaRPr lang="en-US"/>
           </a:p>
         </p:txBody>
       </p:sp>
@@ -1788,7 +1773,8 @@
           </a:lstStyle>
           <a:p>
             <a:fld id="{6BDEAFE6-325E-AA48-AC90-E1B1FC9AAA75}" type="datetimeFigureOut">
-              <a:rPr/>
+              <a:rPr lang="en-VN"/>
+              <a:t>22/10/2023</a:t>
             </a:fld>
             <a:endParaRPr lang="en-US"/>
           </a:p>
@@ -1838,6 +1824,7 @@
           <a:p>
             <a:fld id="{C9142EC5-85AF-4745-AACF-2F37CD50FCA3}" type="slidenum">
               <a:rPr/>
+              <a:t>‹#›</a:t>
             </a:fld>
             <a:endParaRPr lang="en-US"/>
           </a:p>
@@ -1899,7 +1886,6 @@
               <a:rPr lang="en-US"/>
               <a:t>Click to edit Master title style</a:t>
             </a:r>
-            <a:endParaRPr lang="en-US"/>
           </a:p>
         </p:txBody>
       </p:sp>
@@ -1965,7 +1951,6 @@
               <a:rPr lang="en-US"/>
               <a:t>Click to edit Master text styles</a:t>
             </a:r>
-            <a:endParaRPr lang="en-US"/>
           </a:p>
         </p:txBody>
       </p:sp>
@@ -2022,7 +2007,6 @@
               <a:rPr lang="en-US"/>
               <a:t>Click to edit Master text styles</a:t>
             </a:r>
-            <a:endParaRPr lang="en-US"/>
           </a:p>
           <a:p>
             <a:pPr lvl="1"/>
@@ -2030,7 +2014,6 @@
               <a:rPr lang="en-US"/>
               <a:t>Second level</a:t>
             </a:r>
-            <a:endParaRPr lang="en-US"/>
           </a:p>
           <a:p>
             <a:pPr lvl="2"/>
@@ -2038,7 +2021,6 @@
               <a:rPr lang="en-US"/>
               <a:t>Third level</a:t>
             </a:r>
-            <a:endParaRPr lang="en-US"/>
           </a:p>
           <a:p>
             <a:pPr lvl="3"/>
@@ -2046,7 +2028,6 @@
               <a:rPr lang="en-US"/>
               <a:t>Fourth level</a:t>
             </a:r>
-            <a:endParaRPr lang="en-US"/>
           </a:p>
           <a:p>
             <a:pPr lvl="4"/>
@@ -2054,7 +2035,6 @@
               <a:rPr lang="en-US"/>
               <a:t>Fifth level</a:t>
             </a:r>
-            <a:endParaRPr lang="en-US"/>
           </a:p>
         </p:txBody>
       </p:sp>
@@ -2120,7 +2100,6 @@
               <a:rPr lang="en-US"/>
               <a:t>Click to edit Master text styles</a:t>
             </a:r>
-            <a:endParaRPr lang="en-US"/>
           </a:p>
         </p:txBody>
       </p:sp>
@@ -2177,7 +2156,6 @@
               <a:rPr lang="en-US"/>
               <a:t>Click to edit Master text styles</a:t>
             </a:r>
-            <a:endParaRPr lang="en-US"/>
           </a:p>
           <a:p>
             <a:pPr lvl="1"/>
@@ -2185,7 +2163,6 @@
               <a:rPr lang="en-US"/>
               <a:t>Second level</a:t>
             </a:r>
-            <a:endParaRPr lang="en-US"/>
           </a:p>
           <a:p>
             <a:pPr lvl="2"/>
@@ -2193,7 +2170,6 @@
               <a:rPr lang="en-US"/>
               <a:t>Third level</a:t>
             </a:r>
-            <a:endParaRPr lang="en-US"/>
           </a:p>
           <a:p>
             <a:pPr lvl="3"/>
@@ -2201,7 +2177,6 @@
               <a:rPr lang="en-US"/>
               <a:t>Fourth level</a:t>
             </a:r>
-            <a:endParaRPr lang="en-US"/>
           </a:p>
           <a:p>
             <a:pPr lvl="4"/>
@@ -2209,7 +2184,6 @@
               <a:rPr lang="en-US"/>
               <a:t>Fifth level</a:t>
             </a:r>
-            <a:endParaRPr lang="en-US"/>
           </a:p>
         </p:txBody>
       </p:sp>
@@ -2233,7 +2207,8 @@
           </a:lstStyle>
           <a:p>
             <a:fld id="{6BDEAFE6-325E-AA48-AC90-E1B1FC9AAA75}" type="datetimeFigureOut">
-              <a:rPr/>
+              <a:rPr lang="en-VN"/>
+              <a:t>22/10/2023</a:t>
             </a:fld>
             <a:endParaRPr lang="en-US"/>
           </a:p>
@@ -2283,6 +2258,7 @@
           <a:p>
             <a:fld id="{C9142EC5-85AF-4745-AACF-2F37CD50FCA3}" type="slidenum">
               <a:rPr/>
+              <a:t>‹#›</a:t>
             </a:fld>
             <a:endParaRPr lang="en-US"/>
           </a:p>
@@ -2335,7 +2311,6 @@
               <a:rPr lang="en-US"/>
               <a:t>Click to edit Master title style</a:t>
             </a:r>
-            <a:endParaRPr lang="en-US"/>
           </a:p>
         </p:txBody>
       </p:sp>
@@ -2359,7 +2334,8 @@
           </a:lstStyle>
           <a:p>
             <a:fld id="{6BDEAFE6-325E-AA48-AC90-E1B1FC9AAA75}" type="datetimeFigureOut">
-              <a:rPr/>
+              <a:rPr lang="en-VN"/>
+              <a:t>22/10/2023</a:t>
             </a:fld>
             <a:endParaRPr lang="en-US"/>
           </a:p>
@@ -2409,6 +2385,7 @@
           <a:p>
             <a:fld id="{C9142EC5-85AF-4745-AACF-2F37CD50FCA3}" type="slidenum">
               <a:rPr/>
+              <a:t>‹#›</a:t>
             </a:fld>
             <a:endParaRPr lang="en-US"/>
           </a:p>
@@ -2462,7 +2439,8 @@
           </a:lstStyle>
           <a:p>
             <a:fld id="{6BDEAFE6-325E-AA48-AC90-E1B1FC9AAA75}" type="datetimeFigureOut">
-              <a:rPr/>
+              <a:rPr lang="en-VN"/>
+              <a:t>22/10/2023</a:t>
             </a:fld>
             <a:endParaRPr lang="en-US"/>
           </a:p>
@@ -2512,6 +2490,7 @@
           <a:p>
             <a:fld id="{C9142EC5-85AF-4745-AACF-2F37CD50FCA3}" type="slidenum">
               <a:rPr/>
+              <a:t>‹#›</a:t>
             </a:fld>
             <a:endParaRPr lang="en-US"/>
           </a:p>
@@ -2573,7 +2552,6 @@
               <a:rPr lang="en-US"/>
               <a:t>Click to edit Master title style</a:t>
             </a:r>
-            <a:endParaRPr lang="en-US"/>
           </a:p>
         </p:txBody>
       </p:sp>
@@ -2630,7 +2608,6 @@
               <a:rPr lang="en-US"/>
               <a:t>Click to edit Master text styles</a:t>
             </a:r>
-            <a:endParaRPr lang="en-US"/>
           </a:p>
           <a:p>
             <a:pPr lvl="1"/>
@@ -2638,7 +2615,6 @@
               <a:rPr lang="en-US"/>
               <a:t>Second level</a:t>
             </a:r>
-            <a:endParaRPr lang="en-US"/>
           </a:p>
           <a:p>
             <a:pPr lvl="2"/>
@@ -2646,7 +2622,6 @@
               <a:rPr lang="en-US"/>
               <a:t>Third level</a:t>
             </a:r>
-            <a:endParaRPr lang="en-US"/>
           </a:p>
           <a:p>
             <a:pPr lvl="3"/>
@@ -2654,7 +2629,6 @@
               <a:rPr lang="en-US"/>
               <a:t>Fourth level</a:t>
             </a:r>
-            <a:endParaRPr lang="en-US"/>
           </a:p>
           <a:p>
             <a:pPr lvl="4"/>
@@ -2662,7 +2636,6 @@
               <a:rPr lang="en-US"/>
               <a:t>Fifth level</a:t>
             </a:r>
-            <a:endParaRPr lang="en-US"/>
           </a:p>
         </p:txBody>
       </p:sp>
@@ -2728,7 +2701,6 @@
               <a:rPr lang="en-US"/>
               <a:t>Click to edit Master text styles</a:t>
             </a:r>
-            <a:endParaRPr lang="en-US"/>
           </a:p>
         </p:txBody>
       </p:sp>
@@ -2752,7 +2724,8 @@
           </a:lstStyle>
           <a:p>
             <a:fld id="{6BDEAFE6-325E-AA48-AC90-E1B1FC9AAA75}" type="datetimeFigureOut">
-              <a:rPr/>
+              <a:rPr lang="en-VN"/>
+              <a:t>22/10/2023</a:t>
             </a:fld>
             <a:endParaRPr lang="en-US"/>
           </a:p>
@@ -2802,6 +2775,7 @@
           <a:p>
             <a:fld id="{C9142EC5-85AF-4745-AACF-2F37CD50FCA3}" type="slidenum">
               <a:rPr/>
+              <a:t>‹#›</a:t>
             </a:fld>
             <a:endParaRPr lang="en-US"/>
           </a:p>
@@ -2863,7 +2837,6 @@
               <a:rPr lang="en-US"/>
               <a:t>Click to edit Master title style</a:t>
             </a:r>
-            <a:endParaRPr lang="en-US"/>
           </a:p>
         </p:txBody>
       </p:sp>
@@ -2929,7 +2902,6 @@
               <a:rPr lang="en-US" noProof="0"/>
               <a:t>Click icon to add picture</a:t>
             </a:r>
-            <a:endParaRPr lang="en-US" noProof="0"/>
           </a:p>
         </p:txBody>
       </p:sp>
@@ -2995,7 +2967,6 @@
               <a:rPr lang="en-US"/>
               <a:t>Click to edit Master text styles</a:t>
             </a:r>
-            <a:endParaRPr lang="en-US"/>
           </a:p>
         </p:txBody>
       </p:sp>
@@ -3019,7 +2990,8 @@
           </a:lstStyle>
           <a:p>
             <a:fld id="{6BDEAFE6-325E-AA48-AC90-E1B1FC9AAA75}" type="datetimeFigureOut">
-              <a:rPr/>
+              <a:rPr lang="en-VN"/>
+              <a:t>22/10/2023</a:t>
             </a:fld>
             <a:endParaRPr lang="en-US"/>
           </a:p>
@@ -3069,6 +3041,7 @@
           <a:p>
             <a:fld id="{C9142EC5-85AF-4745-AACF-2F37CD50FCA3}" type="slidenum">
               <a:rPr/>
+              <a:t>‹#›</a:t>
             </a:fld>
             <a:endParaRPr lang="en-US"/>
           </a:p>
@@ -3127,7 +3100,7 @@
             <a:avLst/>
           </a:prstGeom>
           <a:blipFill dpi="0" rotWithShape="0">
-            <a:blip r:embed="rId13"/>
+            <a:blip r:embed="rId14"/>
             <a:srcRect/>
             <a:tile tx="0" ty="0" sx="100000" sy="100000" flip="none" algn="tl"/>
           </a:blipFill>
@@ -3585,7 +3558,6 @@
               <a:rPr lang="en-US" altLang="en-US"/>
               <a:t>Click to edit Master text styles</a:t>
             </a:r>
-            <a:endParaRPr lang="en-US" altLang="en-US"/>
           </a:p>
           <a:p>
             <a:pPr lvl="1"/>
@@ -3593,7 +3565,6 @@
               <a:rPr lang="en-US" altLang="en-US"/>
               <a:t>Second level</a:t>
             </a:r>
-            <a:endParaRPr lang="en-US" altLang="en-US"/>
           </a:p>
           <a:p>
             <a:pPr lvl="2"/>
@@ -3601,7 +3572,6 @@
               <a:rPr lang="en-US" altLang="en-US"/>
               <a:t>Third level</a:t>
             </a:r>
-            <a:endParaRPr lang="en-US" altLang="en-US"/>
           </a:p>
           <a:p>
             <a:pPr lvl="3"/>
@@ -3609,7 +3579,6 @@
               <a:rPr lang="en-US" altLang="en-US"/>
               <a:t>Fourth level</a:t>
             </a:r>
-            <a:endParaRPr lang="en-US" altLang="en-US"/>
           </a:p>
           <a:p>
             <a:pPr lvl="4"/>
@@ -3617,7 +3586,6 @@
               <a:rPr lang="en-US" altLang="en-US"/>
               <a:t>Fifth level</a:t>
             </a:r>
-            <a:endParaRPr lang="en-US" altLang="en-US"/>
           </a:p>
         </p:txBody>
       </p:sp>
@@ -3657,7 +3625,8 @@
           </a:lstStyle>
           <a:p>
             <a:fld id="{6BDEAFE6-325E-AA48-AC90-E1B1FC9AAA75}" type="datetimeFigureOut">
-              <a:rPr/>
+              <a:rPr lang="en-VN"/>
+              <a:t>22/10/2023</a:t>
             </a:fld>
             <a:endParaRPr lang="en-US"/>
           </a:p>
@@ -3737,6 +3706,7 @@
           <a:p>
             <a:fld id="{C9142EC5-85AF-4745-AACF-2F37CD50FCA3}" type="slidenum">
               <a:rPr/>
+              <a:t>‹#›</a:t>
             </a:fld>
             <a:endParaRPr lang="en-US"/>
           </a:p>
@@ -3793,7 +3763,6 @@
               <a:rPr lang="en-US" altLang="en-US"/>
               <a:t>Click to edit Master title style</a:t>
             </a:r>
-            <a:endParaRPr lang="en-US" altLang="en-US"/>
           </a:p>
         </p:txBody>
       </p:sp>
@@ -3931,6 +3900,7 @@
                   <a:schemeClr val="bg1"/>
                 </a:solidFill>
               </a:rPr>
+              <a:t>‹#›</a:t>
             </a:fld>
             <a:endParaRPr lang="en-US" altLang="en-US" sz="1200">
               <a:solidFill>
@@ -4085,6 +4055,7 @@
                   <a:srgbClr val="C00000"/>
                 </a:solidFill>
               </a:rPr>
+              <a:t>‹#›</a:t>
             </a:fld>
             <a:endParaRPr lang="en-US" altLang="en-US" sz="1350" b="1">
               <a:solidFill>
@@ -4566,7 +4537,7 @@
           <p:nvPr/>
         </p:nvPicPr>
         <p:blipFill>
-          <a:blip r:embed="rId1"/>
+          <a:blip r:embed="rId2"/>
           <a:stretch>
             <a:fillRect/>
           </a:stretch>
@@ -4723,11 +4694,11 @@
           <p:nvPr/>
         </p:nvPicPr>
         <p:blipFill>
-          <a:blip r:embed="rId2">
+          <a:blip r:embed="rId3">
             <a:extLst>
               <a:ext uri="{BEBA8EAE-BF5A-486C-A8C5-ECC9F3942E4B}">
                 <a14:imgProps xmlns:a14="http://schemas.microsoft.com/office/drawing/2010/main">
-                  <a14:imgLayer r:embed="rId3">
+                  <a14:imgLayer r:embed="rId4">
                     <a14:imgEffect>
                       <a14:artisticBlur/>
                     </a14:imgEffect>
@@ -4835,16 +4806,6 @@
               </a:rPr>
               <a:t>HỆ THỐNG NHẬN DIỆN KHUÔN MẶT</a:t>
             </a:r>
-            <a:endParaRPr lang="en-US" sz="5400">
-              <a:ln w="0"/>
-              <a:effectLst>
-                <a:outerShdw blurRad="38100" dist="19050" dir="2700000" algn="tl" rotWithShape="0">
-                  <a:schemeClr val="dk1">
-                    <a:alpha val="40000"/>
-                  </a:schemeClr>
-                </a:outerShdw>
-              </a:effectLst>
-            </a:endParaRPr>
           </a:p>
         </p:txBody>
       </p:sp>
@@ -4855,7 +4816,7 @@
           <p:nvPr/>
         </p:nvPicPr>
         <p:blipFill>
-          <a:blip r:embed="rId1"/>
+          <a:blip r:embed="rId2"/>
           <a:stretch>
             <a:fillRect/>
           </a:stretch>
@@ -4948,11 +4909,6 @@
               </a:rPr>
               <a:t>NHÓM 7</a:t>
             </a:r>
-            <a:endParaRPr lang="en-US" sz="3200">
-              <a:solidFill>
-                <a:srgbClr val="FF0000"/>
-              </a:solidFill>
-            </a:endParaRPr>
           </a:p>
         </p:txBody>
       </p:sp>
@@ -5008,11 +4964,6 @@
               </a:rPr>
               <a:t>1</a:t>
             </a:r>
-            <a:endParaRPr lang="en-US">
-              <a:solidFill>
-                <a:srgbClr val="FF0000"/>
-              </a:solidFill>
-            </a:endParaRPr>
           </a:p>
         </p:txBody>
       </p:sp>
@@ -5121,12 +5072,6 @@
               </a:rPr>
               <a:t>4.HOẠT ĐỘNG </a:t>
             </a:r>
-            <a:endParaRPr lang="en-US" sz="3200" b="1">
-              <a:solidFill>
-                <a:schemeClr val="bg1"/>
-              </a:solidFill>
-              <a:latin typeface="+mj-lt"/>
-            </a:endParaRPr>
           </a:p>
         </p:txBody>
       </p:sp>
@@ -5163,7 +5108,7 @@
           <p:nvPr/>
         </p:nvPicPr>
         <p:blipFill>
-          <a:blip r:embed="rId1"/>
+          <a:blip r:embed="rId2"/>
           <a:stretch>
             <a:fillRect/>
           </a:stretch>
@@ -5230,11 +5175,6 @@
               </a:rPr>
               <a:t>10</a:t>
             </a:r>
-            <a:endParaRPr lang="en-US">
-              <a:solidFill>
-                <a:srgbClr val="FF0000"/>
-              </a:solidFill>
-            </a:endParaRPr>
           </a:p>
         </p:txBody>
       </p:sp>
@@ -5277,13 +5217,6 @@
               </a:rPr>
               <a:t>4.3.Phân tích kết cấu da</a:t>
             </a:r>
-            <a:endParaRPr lang="en-US" sz="2400" dirty="0">
-              <a:solidFill>
-                <a:srgbClr val="FF0000"/>
-              </a:solidFill>
-              <a:ea typeface="SF Pro Semibold" pitchFamily="2" charset="0"/>
-              <a:cs typeface="Arial" panose="020B0604020202020204" pitchFamily="34" charset="0"/>
-            </a:endParaRPr>
           </a:p>
           <a:p>
             <a:pPr marL="457200" indent="-457200">
@@ -5300,10 +5233,6 @@
               </a:rPr>
               <a:t> sử dụng các chi tiết hình ảnh của da, được chụp trong các hình ảnh kỹ thuật số hoặc máy scan tiêu chuẩn.</a:t>
             </a:r>
-            <a:endParaRPr lang="en-US" sz="2400" dirty="0">
-              <a:ea typeface="SF Pro Semibold" pitchFamily="2" charset="0"/>
-              <a:cs typeface="Arial" panose="020B0604020202020204" pitchFamily="34" charset="0"/>
-            </a:endParaRPr>
           </a:p>
           <a:p>
             <a:pPr marL="457200" indent="-457200">
@@ -5320,10 +5249,6 @@
               </a:rPr>
               <a:t>phân tích kết cấu da, các đường đặc trưng, hình dạng và điểm nốt trên da.</a:t>
             </a:r>
-            <a:endParaRPr lang="en-US" sz="2400" dirty="0">
-              <a:ea typeface="SF Pro Semibold" pitchFamily="2" charset="0"/>
-              <a:cs typeface="Arial" panose="020B0604020202020204" pitchFamily="34" charset="0"/>
-            </a:endParaRPr>
           </a:p>
           <a:p>
             <a:pPr marL="457200" indent="-457200">
@@ -5340,10 +5265,6 @@
               </a:rPr>
               <a:t>Đưa vào không gian toán học.</a:t>
             </a:r>
-            <a:endParaRPr lang="en-US" sz="2400" dirty="0">
-              <a:ea typeface="SF Pro Semibold" pitchFamily="2" charset="0"/>
-              <a:cs typeface="Arial" panose="020B0604020202020204" pitchFamily="34" charset="0"/>
-            </a:endParaRPr>
           </a:p>
           <a:p>
             <a:pPr marL="457200" indent="-457200">
@@ -5482,7 +5403,7 @@
           <p:nvPr/>
         </p:nvPicPr>
         <p:blipFill>
-          <a:blip r:embed="rId1"/>
+          <a:blip r:embed="rId2"/>
           <a:stretch>
             <a:fillRect/>
           </a:stretch>
@@ -5530,12 +5451,6 @@
               </a:rPr>
               <a:t>3.ĐỘ TIN CẬY VÀ CHÍNH XÁC. </a:t>
             </a:r>
-            <a:endParaRPr lang="en-US" sz="3200" b="1">
-              <a:solidFill>
-                <a:schemeClr val="bg1"/>
-              </a:solidFill>
-              <a:latin typeface="+mj-lt"/>
-            </a:endParaRPr>
           </a:p>
         </p:txBody>
       </p:sp>
@@ -5572,7 +5487,7 @@
           <p:nvPr/>
         </p:nvPicPr>
         <p:blipFill>
-          <a:blip r:embed="rId2"/>
+          <a:blip r:embed="rId3"/>
           <a:stretch>
             <a:fillRect/>
           </a:stretch>
@@ -5639,11 +5554,6 @@
               </a:rPr>
               <a:t>3</a:t>
             </a:r>
-            <a:endParaRPr lang="en-US">
-              <a:solidFill>
-                <a:srgbClr val="FF0000"/>
-              </a:solidFill>
-            </a:endParaRPr>
           </a:p>
         </p:txBody>
       </p:sp>
@@ -5655,8 +5565,8 @@
         </p:nvSpPr>
         <p:spPr>
           <a:xfrm>
-            <a:off x="703384" y="1121261"/>
-            <a:ext cx="8169310" cy="1383665"/>
+            <a:off x="703383" y="1121261"/>
+            <a:ext cx="8309987" cy="658835"/>
           </a:xfrm>
           <a:prstGeom prst="rect">
             <a:avLst/>
@@ -5826,13 +5736,6 @@
               </a:rPr>
               <a:t>?: </a:t>
             </a:r>
-            <a:endParaRPr lang="en-US" sz="2800" dirty="0">
-              <a:solidFill>
-                <a:srgbClr val="FF0000"/>
-              </a:solidFill>
-              <a:ea typeface="SF Pro Semibold" pitchFamily="2" charset="0"/>
-              <a:cs typeface="Arial" panose="020B0604020202020204" pitchFamily="34" charset="0"/>
-            </a:endParaRPr>
           </a:p>
         </p:txBody>
       </p:sp>
@@ -5941,12 +5844,6 @@
               </a:rPr>
               <a:t>3.ĐỘ TIN CẬY VÀ CHÍNH XÁC. </a:t>
             </a:r>
-            <a:endParaRPr lang="en-US" sz="3200" b="1">
-              <a:solidFill>
-                <a:schemeClr val="bg1"/>
-              </a:solidFill>
-              <a:latin typeface="+mj-lt"/>
-            </a:endParaRPr>
           </a:p>
         </p:txBody>
       </p:sp>
@@ -5983,7 +5880,7 @@
           <p:nvPr/>
         </p:nvPicPr>
         <p:blipFill>
-          <a:blip r:embed="rId1"/>
+          <a:blip r:embed="rId2"/>
           <a:stretch>
             <a:fillRect/>
           </a:stretch>
@@ -6050,11 +5947,6 @@
               </a:rPr>
               <a:t>4</a:t>
             </a:r>
-            <a:endParaRPr lang="en-US">
-              <a:solidFill>
-                <a:srgbClr val="FF0000"/>
-              </a:solidFill>
-            </a:endParaRPr>
           </a:p>
         </p:txBody>
       </p:sp>
@@ -6217,13 +6109,6 @@
               </a:rPr>
               <a:t>?:  </a:t>
             </a:r>
-            <a:endParaRPr lang="en-US" sz="2800" dirty="0">
-              <a:solidFill>
-                <a:srgbClr val="FF0000"/>
-              </a:solidFill>
-              <a:ea typeface="SF Pro Semibold" pitchFamily="2" charset="0"/>
-              <a:cs typeface="Arial" panose="020B0604020202020204" pitchFamily="34" charset="0"/>
-            </a:endParaRPr>
           </a:p>
           <a:p>
             <a:pPr marL="457200" indent="-457200">
@@ -6409,11 +6294,6 @@
               </a:rPr>
               <a:t> </a:t>
             </a:r>
-            <a:endParaRPr lang="en-US" sz="2400" dirty="0">
-              <a:effectLst/>
-              <a:ea typeface="SF Pro Semibold" pitchFamily="2" charset="0"/>
-              <a:cs typeface="Arial" panose="020B0604020202020204" pitchFamily="34" charset="0"/>
-            </a:endParaRPr>
           </a:p>
           <a:p>
             <a:pPr marL="457200" indent="-457200">
@@ -6577,10 +6457,6 @@
               </a:rPr>
               <a:t>. </a:t>
             </a:r>
-            <a:endParaRPr lang="en-US" sz="2400" dirty="0">
-              <a:ea typeface="SF Pro Semibold" pitchFamily="2" charset="0"/>
-              <a:cs typeface="Arial" panose="020B0604020202020204" pitchFamily="34" charset="0"/>
-            </a:endParaRPr>
           </a:p>
           <a:p>
             <a:pPr>
@@ -6595,10 +6471,6 @@
               </a:rPr>
               <a:t>	</a:t>
             </a:r>
-            <a:endParaRPr lang="en-US" sz="2400" dirty="0">
-              <a:ea typeface="SF Pro Semibold" pitchFamily="2" charset="0"/>
-              <a:cs typeface="Arial" panose="020B0604020202020204" pitchFamily="34" charset="0"/>
-            </a:endParaRPr>
           </a:p>
           <a:p>
             <a:pPr>
@@ -6711,10 +6583,6 @@
               </a:rPr>
               <a:t>. </a:t>
             </a:r>
-            <a:endParaRPr lang="en-US" sz="2400" dirty="0">
-              <a:ea typeface="SF Pro Semibold" pitchFamily="2" charset="0"/>
-              <a:cs typeface="Arial" panose="020B0604020202020204" pitchFamily="34" charset="0"/>
-            </a:endParaRPr>
           </a:p>
         </p:txBody>
       </p:sp>
@@ -6823,12 +6691,6 @@
               </a:rPr>
               <a:t>3.ĐỘ TIN CẬY VÀ CHÍNH XÁC. </a:t>
             </a:r>
-            <a:endParaRPr lang="en-US" sz="3200" b="1">
-              <a:solidFill>
-                <a:schemeClr val="bg1"/>
-              </a:solidFill>
-              <a:latin typeface="+mj-lt"/>
-            </a:endParaRPr>
           </a:p>
         </p:txBody>
       </p:sp>
@@ -6865,7 +6727,7 @@
           <p:nvPr/>
         </p:nvPicPr>
         <p:blipFill>
-          <a:blip r:embed="rId1"/>
+          <a:blip r:embed="rId2"/>
           <a:stretch>
             <a:fillRect/>
           </a:stretch>
@@ -6932,11 +6794,6 @@
               </a:rPr>
               <a:t>4</a:t>
             </a:r>
-            <a:endParaRPr lang="en-US">
-              <a:solidFill>
-                <a:srgbClr val="FF0000"/>
-              </a:solidFill>
-            </a:endParaRPr>
           </a:p>
         </p:txBody>
       </p:sp>
@@ -7099,13 +6956,6 @@
               </a:rPr>
               <a:t>?:  </a:t>
             </a:r>
-            <a:endParaRPr lang="en-US" sz="2800" dirty="0">
-              <a:solidFill>
-                <a:srgbClr val="FF0000"/>
-              </a:solidFill>
-              <a:ea typeface="SF Pro Semibold" pitchFamily="2" charset="0"/>
-              <a:cs typeface="Arial" panose="020B0604020202020204" pitchFamily="34" charset="0"/>
-            </a:endParaRPr>
           </a:p>
         </p:txBody>
       </p:sp>
@@ -7118,7 +6968,7 @@
           <p:nvPr/>
         </p:nvPicPr>
         <p:blipFill>
-          <a:blip r:embed="rId2"/>
+          <a:blip r:embed="rId3"/>
           <a:stretch>
             <a:fillRect/>
           </a:stretch>
@@ -7238,12 +7088,6 @@
               </a:rPr>
               <a:t>3.ĐỘ TIN CẬY VÀ CHÍNH XÁC. </a:t>
             </a:r>
-            <a:endParaRPr lang="en-US" sz="3200" b="1">
-              <a:solidFill>
-                <a:schemeClr val="bg1"/>
-              </a:solidFill>
-              <a:latin typeface="+mj-lt"/>
-            </a:endParaRPr>
           </a:p>
         </p:txBody>
       </p:sp>
@@ -7280,7 +7124,7 @@
           <p:nvPr/>
         </p:nvPicPr>
         <p:blipFill>
-          <a:blip r:embed="rId1"/>
+          <a:blip r:embed="rId2"/>
           <a:stretch>
             <a:fillRect/>
           </a:stretch>
@@ -7347,11 +7191,6 @@
               </a:rPr>
               <a:t>4</a:t>
             </a:r>
-            <a:endParaRPr lang="en-US">
-              <a:solidFill>
-                <a:srgbClr val="FF0000"/>
-              </a:solidFill>
-            </a:endParaRPr>
           </a:p>
         </p:txBody>
       </p:sp>
@@ -7394,13 +7233,6 @@
               </a:rPr>
               <a:t>3.3.Điểm tin cậy trong nhận dạng khuôn mặt?:  </a:t>
             </a:r>
-            <a:endParaRPr lang="en-US" sz="2800" dirty="0">
-              <a:solidFill>
-                <a:srgbClr val="FF0000"/>
-              </a:solidFill>
-              <a:ea typeface="SF Pro Semibold" pitchFamily="2" charset="0"/>
-              <a:cs typeface="Arial" panose="020B0604020202020204" pitchFamily="34" charset="0"/>
-            </a:endParaRPr>
           </a:p>
           <a:p>
             <a:pPr marL="457200" indent="-457200">
@@ -7418,11 +7250,6 @@
               </a:rPr>
               <a:t>Hệ thống sẽ phát hiện, so sánh khuôn mặt với dữ liệu từ database. </a:t>
             </a:r>
-            <a:endParaRPr lang="en-US" sz="2400" dirty="0">
-              <a:effectLst/>
-              <a:ea typeface="SF Pro Semibold" pitchFamily="2" charset="0"/>
-              <a:cs typeface="Arial" panose="020B0604020202020204" pitchFamily="34" charset="0"/>
-            </a:endParaRPr>
           </a:p>
           <a:p>
             <a:pPr marL="457200" indent="-457200">
@@ -7439,10 +7266,6 @@
               </a:rPr>
               <a:t> Điểm tin cậy càng cao thì khả năng hai hình ảnh thuộc về cùng một người càng cao. </a:t>
             </a:r>
-            <a:endParaRPr lang="en-US" sz="2400" dirty="0">
-              <a:ea typeface="SF Pro Semibold" pitchFamily="2" charset="0"/>
-              <a:cs typeface="Arial" panose="020B0604020202020204" pitchFamily="34" charset="0"/>
-            </a:endParaRPr>
           </a:p>
           <a:p>
             <a:pPr>
@@ -7457,10 +7280,6 @@
               </a:rPr>
               <a:t>	</a:t>
             </a:r>
-            <a:endParaRPr lang="en-US" sz="2400" dirty="0">
-              <a:ea typeface="SF Pro Semibold" pitchFamily="2" charset="0"/>
-              <a:cs typeface="Arial" panose="020B0604020202020204" pitchFamily="34" charset="0"/>
-            </a:endParaRPr>
           </a:p>
           <a:p>
             <a:pPr>
@@ -7475,10 +7294,6 @@
               </a:rPr>
               <a:t>=&gt; Ngưỡng điểm này thường lên đến &gt;90%.</a:t>
             </a:r>
-            <a:endParaRPr lang="en-US" sz="2400" dirty="0">
-              <a:ea typeface="SF Pro Semibold" pitchFamily="2" charset="0"/>
-              <a:cs typeface="Arial" panose="020B0604020202020204" pitchFamily="34" charset="0"/>
-            </a:endParaRPr>
           </a:p>
         </p:txBody>
       </p:sp>
@@ -7549,13 +7364,6 @@
               </a:rPr>
               <a:t>3.3.Điểm tin cậy trong nhận dạng khuôn mặt?:  </a:t>
             </a:r>
-            <a:endParaRPr lang="en-US" sz="2800" dirty="0">
-              <a:solidFill>
-                <a:srgbClr val="FF0000"/>
-              </a:solidFill>
-              <a:ea typeface="SF Pro Semibold" pitchFamily="2" charset="0"/>
-              <a:cs typeface="Arial" panose="020B0604020202020204" pitchFamily="34" charset="0"/>
-            </a:endParaRPr>
           </a:p>
         </p:txBody>
       </p:sp>
@@ -7636,12 +7444,6 @@
               </a:rPr>
               <a:t>3.ĐỘ TIN CẬY VÀ CHÍNH XÁC. </a:t>
             </a:r>
-            <a:endParaRPr lang="en-US" sz="3200" b="1">
-              <a:solidFill>
-                <a:schemeClr val="bg1"/>
-              </a:solidFill>
-              <a:latin typeface="+mj-lt"/>
-            </a:endParaRPr>
           </a:p>
         </p:txBody>
       </p:sp>
@@ -7678,7 +7480,7 @@
           <p:nvPr/>
         </p:nvPicPr>
         <p:blipFill>
-          <a:blip r:embed="rId1"/>
+          <a:blip r:embed="rId2"/>
           <a:stretch>
             <a:fillRect/>
           </a:stretch>
@@ -7745,11 +7547,6 @@
               </a:rPr>
               <a:t>4</a:t>
             </a:r>
-            <a:endParaRPr lang="en-US">
-              <a:solidFill>
-                <a:srgbClr val="FF0000"/>
-              </a:solidFill>
-            </a:endParaRPr>
           </a:p>
         </p:txBody>
       </p:sp>
@@ -7762,7 +7559,7 @@
           <p:nvPr/>
         </p:nvPicPr>
         <p:blipFill>
-          <a:blip r:embed="rId2"/>
+          <a:blip r:embed="rId3"/>
           <a:stretch>
             <a:fillRect/>
           </a:stretch>
@@ -7810,7 +7607,7 @@
       <p:sp>
         <p:nvSpPr>
           <p:cNvPr id="10" name="TextBox 9">
-            <a:hlinkClick r:id="rId1"/>
+            <a:hlinkClick r:id="rId2"/>
           </p:cNvPr>
           <p:cNvSpPr txBox="1"/>
           <p:nvPr/>
@@ -7845,10 +7642,6 @@
               </a:rPr>
               <a:t>https://en.wikipedia.org/wiki/Facial_recognition_system</a:t>
             </a:r>
-            <a:endParaRPr lang="en-US" sz="2400" dirty="0">
-              <a:ea typeface="SF Pro Semibold" pitchFamily="2" charset="0"/>
-              <a:cs typeface="Arial" panose="020B0604020202020204" pitchFamily="34" charset="0"/>
-            </a:endParaRPr>
           </a:p>
         </p:txBody>
       </p:sp>
@@ -7929,12 +7722,6 @@
               </a:rPr>
               <a:t>CÁC TRANG TÀI LIỆU THAM KHẢO. </a:t>
             </a:r>
-            <a:endParaRPr lang="en-US" sz="3200" b="1">
-              <a:solidFill>
-                <a:schemeClr val="bg1"/>
-              </a:solidFill>
-              <a:latin typeface="+mj-lt"/>
-            </a:endParaRPr>
           </a:p>
         </p:txBody>
       </p:sp>
@@ -7971,7 +7758,7 @@
           <p:nvPr/>
         </p:nvPicPr>
         <p:blipFill>
-          <a:blip r:embed="rId2"/>
+          <a:blip r:embed="rId3"/>
           <a:stretch>
             <a:fillRect/>
           </a:stretch>
@@ -8038,18 +7825,13 @@
               </a:rPr>
               <a:t>4</a:t>
             </a:r>
-            <a:endParaRPr lang="en-US">
-              <a:solidFill>
-                <a:srgbClr val="FF0000"/>
-              </a:solidFill>
-            </a:endParaRPr>
           </a:p>
         </p:txBody>
       </p:sp>
       <p:sp>
         <p:nvSpPr>
           <p:cNvPr id="17" name="TextBox 16">
-            <a:hlinkClick r:id="rId3"/>
+            <a:hlinkClick r:id="rId4"/>
           </p:cNvPr>
           <p:cNvSpPr txBox="1"/>
           <p:nvPr/>
@@ -8084,17 +7866,13 @@
               </a:rPr>
               <a:t>https://this.deakin.edu.au/innovation/facial-recognition-id-how-safe-is-your-face#:~:text=It's%20not%20relatively%20more%20secure,your%20phone%20using%20Face%20ID.</a:t>
             </a:r>
-            <a:endParaRPr lang="en-US" sz="2400" dirty="0">
-              <a:ea typeface="SF Pro Semibold" pitchFamily="2" charset="0"/>
-              <a:cs typeface="Arial" panose="020B0604020202020204" pitchFamily="34" charset="0"/>
-            </a:endParaRPr>
           </a:p>
         </p:txBody>
       </p:sp>
       <p:sp>
         <p:nvSpPr>
           <p:cNvPr id="18" name="TextBox 17">
-            <a:hlinkClick r:id="rId4"/>
+            <a:hlinkClick r:id="rId5"/>
           </p:cNvPr>
           <p:cNvSpPr txBox="1"/>
           <p:nvPr/>
@@ -8129,10 +7907,6 @@
               </a:rPr>
               <a:t>https://senstar.com/senstarpedia/pros-and-cons-of-facial-recognition/</a:t>
             </a:r>
-            <a:endParaRPr lang="en-US" sz="2400" dirty="0">
-              <a:ea typeface="SF Pro Semibold" pitchFamily="2" charset="0"/>
-              <a:cs typeface="Arial" panose="020B0604020202020204" pitchFamily="34" charset="0"/>
-            </a:endParaRPr>
           </a:p>
         </p:txBody>
       </p:sp>
@@ -8241,12 +8015,6 @@
               </a:rPr>
               <a:t>KẾT THÚC. </a:t>
             </a:r>
-            <a:endParaRPr lang="en-US" sz="3200" b="1">
-              <a:solidFill>
-                <a:schemeClr val="bg1"/>
-              </a:solidFill>
-              <a:latin typeface="+mj-lt"/>
-            </a:endParaRPr>
           </a:p>
         </p:txBody>
       </p:sp>
@@ -8283,7 +8051,7 @@
           <p:nvPr/>
         </p:nvPicPr>
         <p:blipFill>
-          <a:blip r:embed="rId1"/>
+          <a:blip r:embed="rId2"/>
           <a:stretch>
             <a:fillRect/>
           </a:stretch>
@@ -8350,11 +8118,6 @@
               </a:rPr>
               <a:t>4</a:t>
             </a:r>
-            <a:endParaRPr lang="en-US">
-              <a:solidFill>
-                <a:srgbClr val="FF0000"/>
-              </a:solidFill>
-            </a:endParaRPr>
           </a:p>
         </p:txBody>
       </p:sp>
@@ -8367,7 +8130,7 @@
           <p:nvPr/>
         </p:nvPicPr>
         <p:blipFill>
-          <a:blip r:embed="rId2"/>
+          <a:blip r:embed="rId3"/>
           <a:stretch>
             <a:fillRect/>
           </a:stretch>
@@ -8487,12 +8250,6 @@
               </a:rPr>
               <a:t>MỤC LỤC</a:t>
             </a:r>
-            <a:endParaRPr lang="en-US" sz="3200" b="1">
-              <a:solidFill>
-                <a:schemeClr val="bg1"/>
-              </a:solidFill>
-              <a:latin typeface="+mj-lt"/>
-            </a:endParaRPr>
           </a:p>
         </p:txBody>
       </p:sp>
@@ -8529,7 +8286,7 @@
           <p:nvPr/>
         </p:nvPicPr>
         <p:blipFill>
-          <a:blip r:embed="rId1"/>
+          <a:blip r:embed="rId2"/>
           <a:stretch>
             <a:fillRect/>
           </a:stretch>
@@ -8596,11 +8353,6 @@
               </a:rPr>
               <a:t>2</a:t>
             </a:r>
-            <a:endParaRPr lang="en-US">
-              <a:solidFill>
-                <a:srgbClr val="FF0000"/>
-              </a:solidFill>
-            </a:endParaRPr>
           </a:p>
         </p:txBody>
       </p:sp>
@@ -8822,6 +8574,89 @@
               </a:rPr>
               <a:t>.</a:t>
             </a:r>
+          </a:p>
+          <a:p>
+            <a:r>
+              <a:rPr lang="en-US" sz="2400" dirty="0">
+                <a:solidFill>
+                  <a:srgbClr val="FF0000"/>
+                </a:solidFill>
+                <a:ea typeface="SF Pro Semibold" pitchFamily="2" charset="0"/>
+                <a:cs typeface="Arial" panose="020B0604020202020204" pitchFamily="34" charset="0"/>
+              </a:rPr>
+              <a:t>1.1.Khái </a:t>
+            </a:r>
+            <a:r>
+              <a:rPr lang="en-US" sz="2400" dirty="0" err="1">
+                <a:solidFill>
+                  <a:srgbClr val="FF0000"/>
+                </a:solidFill>
+                <a:ea typeface="SF Pro Semibold" pitchFamily="2" charset="0"/>
+                <a:cs typeface="Arial" panose="020B0604020202020204" pitchFamily="34" charset="0"/>
+              </a:rPr>
+              <a:t>niệm.</a:t>
+            </a:r>
+            <a:r>
+              <a:rPr lang="en-US" sz="2400" dirty="0">
+                <a:solidFill>
+                  <a:srgbClr val="FF0000"/>
+                </a:solidFill>
+                <a:ea typeface="SF Pro Semibold" pitchFamily="2" charset="0"/>
+                <a:cs typeface="Arial" panose="020B0604020202020204" pitchFamily="34" charset="0"/>
+              </a:rPr>
+              <a:t>	</a:t>
+            </a:r>
+          </a:p>
+          <a:p>
+            <a:r>
+              <a:rPr lang="en-US" sz="2400" dirty="0">
+                <a:solidFill>
+                  <a:srgbClr val="FF0000"/>
+                </a:solidFill>
+                <a:ea typeface="SF Pro Semibold" pitchFamily="2" charset="0"/>
+                <a:cs typeface="Arial" panose="020B0604020202020204" pitchFamily="34" charset="0"/>
+              </a:rPr>
+              <a:t>1.2.Cấu </a:t>
+            </a:r>
+            <a:r>
+              <a:rPr lang="en-US" sz="2400" dirty="0" err="1">
+                <a:solidFill>
+                  <a:srgbClr val="FF0000"/>
+                </a:solidFill>
+                <a:ea typeface="SF Pro Semibold" pitchFamily="2" charset="0"/>
+                <a:cs typeface="Arial" panose="020B0604020202020204" pitchFamily="34" charset="0"/>
+              </a:rPr>
+              <a:t>tạo</a:t>
+            </a:r>
+            <a:r>
+              <a:rPr lang="en-US" sz="2400" dirty="0">
+                <a:solidFill>
+                  <a:srgbClr val="FF0000"/>
+                </a:solidFill>
+                <a:ea typeface="SF Pro Semibold" pitchFamily="2" charset="0"/>
+                <a:cs typeface="Arial" panose="020B0604020202020204" pitchFamily="34" charset="0"/>
+              </a:rPr>
+              <a:t> Face ID.</a:t>
+            </a:r>
+            <a:endParaRPr lang="vi-VN" sz="2400" dirty="0">
+              <a:solidFill>
+                <a:srgbClr val="FF0000"/>
+              </a:solidFill>
+              <a:ea typeface="SF Pro Semibold" pitchFamily="2" charset="0"/>
+              <a:cs typeface="Arial" panose="020B0604020202020204" pitchFamily="34" charset="0"/>
+            </a:endParaRPr>
+          </a:p>
+          <a:p>
+            <a:r>
+              <a:rPr lang="vi-VN" sz="2400" dirty="0">
+                <a:solidFill>
+                  <a:srgbClr val="FF0000"/>
+                </a:solidFill>
+                <a:ea typeface="SF Pro Semibold" pitchFamily="2" charset="0"/>
+                <a:cs typeface="Arial" panose="020B0604020202020204" pitchFamily="34" charset="0"/>
+              </a:rPr>
+              <a:t>2. Nguyên lý hoạt động.</a:t>
+            </a:r>
             <a:endParaRPr lang="en-US" sz="2400" dirty="0">
               <a:solidFill>
                 <a:srgbClr val="FF0000"/>
@@ -8839,7 +8674,7 @@
                 <a:ea typeface="SF Pro Semibold" pitchFamily="2" charset="0"/>
                 <a:cs typeface="Arial" panose="020B0604020202020204" pitchFamily="34" charset="0"/>
               </a:rPr>
-              <a:t>1.1.Khái </a:t>
+              <a:t>2.1.Cơ </a:t>
             </a:r>
             <a:r>
               <a:rPr lang="en-US" sz="2400" dirty="0" err="1">
@@ -8849,17 +8684,7 @@
                 <a:ea typeface="SF Pro Semibold" pitchFamily="2" charset="0"/>
                 <a:cs typeface="Arial" panose="020B0604020202020204" pitchFamily="34" charset="0"/>
               </a:rPr>
-              <a:t>niệm.</a:t>
-            </a:r>
-            <a:r>
-              <a:rPr lang="en-US" sz="2400" dirty="0">
-                <a:solidFill>
-                  <a:srgbClr val="FF0000"/>
-                </a:solidFill>
-                <a:ea typeface="SF Pro Semibold" pitchFamily="2" charset="0"/>
-                <a:cs typeface="Arial" panose="020B0604020202020204" pitchFamily="34" charset="0"/>
-              </a:rPr>
-              <a:t>	</a:t>
+              <a:t>bản.</a:t>
             </a:r>
             <a:endParaRPr lang="en-US" sz="2400" dirty="0">
               <a:solidFill>
@@ -8878,7 +8703,7 @@
                 <a:ea typeface="SF Pro Semibold" pitchFamily="2" charset="0"/>
                 <a:cs typeface="Arial" panose="020B0604020202020204" pitchFamily="34" charset="0"/>
               </a:rPr>
-              <a:t>1.2.Cấu </a:t>
+              <a:t>2.2.Nhận </a:t>
             </a:r>
             <a:r>
               <a:rPr lang="en-US" sz="2400" dirty="0" err="1">
@@ -8888,7 +8713,7 @@
                 <a:ea typeface="SF Pro Semibold" pitchFamily="2" charset="0"/>
                 <a:cs typeface="Arial" panose="020B0604020202020204" pitchFamily="34" charset="0"/>
               </a:rPr>
-              <a:t>tạo</a:t>
+              <a:t>dạng</a:t>
             </a:r>
             <a:r>
               <a:rPr lang="en-US" sz="2400" dirty="0">
@@ -8898,26 +8723,17 @@
                 <a:ea typeface="SF Pro Semibold" pitchFamily="2" charset="0"/>
                 <a:cs typeface="Arial" panose="020B0604020202020204" pitchFamily="34" charset="0"/>
               </a:rPr>
-              <a:t> Face ID.</a:t>
-            </a:r>
-            <a:endParaRPr lang="vi-VN" sz="2400" dirty="0">
-              <a:solidFill>
-                <a:srgbClr val="FF0000"/>
-              </a:solidFill>
-              <a:ea typeface="SF Pro Semibold" pitchFamily="2" charset="0"/>
-              <a:cs typeface="Arial" panose="020B0604020202020204" pitchFamily="34" charset="0"/>
-            </a:endParaRPr>
-          </a:p>
-          <a:p>
-            <a:r>
-              <a:rPr lang="vi-VN" sz="2400" dirty="0">
-                <a:solidFill>
-                  <a:srgbClr val="FF0000"/>
-                </a:solidFill>
-                <a:ea typeface="SF Pro Semibold" pitchFamily="2" charset="0"/>
-                <a:cs typeface="Arial" panose="020B0604020202020204" pitchFamily="34" charset="0"/>
-              </a:rPr>
-              <a:t>2. Nguyên lý hoạt động.</a:t>
+              <a:t> 3 </a:t>
+            </a:r>
+            <a:r>
+              <a:rPr lang="en-US" sz="2400" dirty="0" err="1">
+                <a:solidFill>
+                  <a:srgbClr val="FF0000"/>
+                </a:solidFill>
+                <a:ea typeface="SF Pro Semibold" pitchFamily="2" charset="0"/>
+                <a:cs typeface="Arial" panose="020B0604020202020204" pitchFamily="34" charset="0"/>
+              </a:rPr>
+              <a:t>chiều.</a:t>
             </a:r>
             <a:endParaRPr lang="en-US" sz="2400" dirty="0">
               <a:solidFill>
@@ -8936,7 +8752,7 @@
                 <a:ea typeface="SF Pro Semibold" pitchFamily="2" charset="0"/>
                 <a:cs typeface="Arial" panose="020B0604020202020204" pitchFamily="34" charset="0"/>
               </a:rPr>
-              <a:t>2.1.Cơ </a:t>
+              <a:t>2.3.Phân </a:t>
             </a:r>
             <a:r>
               <a:rPr lang="en-US" sz="2400" dirty="0" err="1">
@@ -8946,7 +8762,69 @@
                 <a:ea typeface="SF Pro Semibold" pitchFamily="2" charset="0"/>
                 <a:cs typeface="Arial" panose="020B0604020202020204" pitchFamily="34" charset="0"/>
               </a:rPr>
-              <a:t>bản.</a:t>
+              <a:t>tích</a:t>
+            </a:r>
+            <a:r>
+              <a:rPr lang="en-US" sz="2400" dirty="0">
+                <a:solidFill>
+                  <a:srgbClr val="FF0000"/>
+                </a:solidFill>
+                <a:ea typeface="SF Pro Semibold" pitchFamily="2" charset="0"/>
+                <a:cs typeface="Arial" panose="020B0604020202020204" pitchFamily="34" charset="0"/>
+              </a:rPr>
+              <a:t> </a:t>
+            </a:r>
+            <a:r>
+              <a:rPr lang="en-US" sz="2400" dirty="0" err="1">
+                <a:solidFill>
+                  <a:srgbClr val="FF0000"/>
+                </a:solidFill>
+                <a:ea typeface="SF Pro Semibold" pitchFamily="2" charset="0"/>
+                <a:cs typeface="Arial" panose="020B0604020202020204" pitchFamily="34" charset="0"/>
+              </a:rPr>
+              <a:t>kết</a:t>
+            </a:r>
+            <a:r>
+              <a:rPr lang="en-US" sz="2400" dirty="0">
+                <a:solidFill>
+                  <a:srgbClr val="FF0000"/>
+                </a:solidFill>
+                <a:ea typeface="SF Pro Semibold" pitchFamily="2" charset="0"/>
+                <a:cs typeface="Arial" panose="020B0604020202020204" pitchFamily="34" charset="0"/>
+              </a:rPr>
+              <a:t> </a:t>
+            </a:r>
+            <a:r>
+              <a:rPr lang="en-US" sz="2400" dirty="0" err="1">
+                <a:solidFill>
+                  <a:srgbClr val="FF0000"/>
+                </a:solidFill>
+                <a:ea typeface="SF Pro Semibold" pitchFamily="2" charset="0"/>
+                <a:cs typeface="Arial" panose="020B0604020202020204" pitchFamily="34" charset="0"/>
+              </a:rPr>
+              <a:t>cấu</a:t>
+            </a:r>
+            <a:r>
+              <a:rPr lang="en-US" sz="2400" dirty="0">
+                <a:solidFill>
+                  <a:srgbClr val="FF0000"/>
+                </a:solidFill>
+                <a:ea typeface="SF Pro Semibold" pitchFamily="2" charset="0"/>
+                <a:cs typeface="Arial" panose="020B0604020202020204" pitchFamily="34" charset="0"/>
+              </a:rPr>
+              <a:t> da.</a:t>
+            </a:r>
+          </a:p>
+          <a:p>
+            <a:r>
+              <a:rPr lang="vi-VN" sz="2400" dirty="0">
+                <a:solidFill>
+                  <a:srgbClr val="FF0000"/>
+                </a:solidFill>
+                <a:ea typeface="SF Pro Semibold" pitchFamily="2" charset="0"/>
+                <a:cs typeface="Arial" panose="020B0604020202020204" pitchFamily="34" charset="0"/>
+              </a:rPr>
+              <a:t>3. Độ tin cậy và chính xác.</a:t>
             </a:r>
             <a:endParaRPr lang="en-US" sz="2400" dirty="0">
               <a:solidFill>
@@ -8965,7 +8843,7 @@
                 <a:ea typeface="SF Pro Semibold" pitchFamily="2" charset="0"/>
                 <a:cs typeface="Arial" panose="020B0604020202020204" pitchFamily="34" charset="0"/>
               </a:rPr>
-              <a:t>2.2.Nhận </a:t>
+              <a:t>3.1.Nhận </a:t>
             </a:r>
             <a:r>
               <a:rPr lang="en-US" sz="2400" dirty="0" err="1">
@@ -8975,7 +8853,7 @@
                 <a:ea typeface="SF Pro Semibold" pitchFamily="2" charset="0"/>
                 <a:cs typeface="Arial" panose="020B0604020202020204" pitchFamily="34" charset="0"/>
               </a:rPr>
-              <a:t>dạng</a:t>
+              <a:t>dạng</a:t>
             </a:r>
             <a:r>
               <a:rPr lang="en-US" sz="2400" dirty="0">
@@ -8985,7 +8863,7 @@
                 <a:ea typeface="SF Pro Semibold" pitchFamily="2" charset="0"/>
                 <a:cs typeface="Arial" panose="020B0604020202020204" pitchFamily="34" charset="0"/>
               </a:rPr>
-              <a:t> 3 </a:t>
+              <a:t> </a:t>
             </a:r>
             <a:r>
               <a:rPr lang="en-US" sz="2400" dirty="0" err="1">
@@ -8995,17 +8873,8 @@
                 <a:ea typeface="SF Pro Semibold" pitchFamily="2" charset="0"/>
                 <a:cs typeface="Arial" panose="020B0604020202020204" pitchFamily="34" charset="0"/>
               </a:rPr>
-              <a:t>chiều.</a:t>
-            </a:r>
-            <a:endParaRPr lang="en-US" sz="2400" dirty="0">
-              <a:solidFill>
-                <a:srgbClr val="FF0000"/>
-              </a:solidFill>
-              <a:ea typeface="SF Pro Semibold" pitchFamily="2" charset="0"/>
-              <a:cs typeface="Arial" panose="020B0604020202020204" pitchFamily="34" charset="0"/>
-            </a:endParaRPr>
-          </a:p>
-          <a:p>
+              <a:t>khuôn</a:t>
+            </a:r>
             <a:r>
               <a:rPr lang="en-US" sz="2400" dirty="0">
                 <a:solidFill>
@@ -9014,7 +8883,7 @@
                 <a:ea typeface="SF Pro Semibold" pitchFamily="2" charset="0"/>
                 <a:cs typeface="Arial" panose="020B0604020202020204" pitchFamily="34" charset="0"/>
               </a:rPr>
-              <a:t>2.3.Phân </a:t>
+              <a:t> </a:t>
             </a:r>
             <a:r>
               <a:rPr lang="en-US" sz="2400" dirty="0" err="1">
@@ -9024,7 +8893,7 @@
                 <a:ea typeface="SF Pro Semibold" pitchFamily="2" charset="0"/>
                 <a:cs typeface="Arial" panose="020B0604020202020204" pitchFamily="34" charset="0"/>
               </a:rPr>
-              <a:t>tích</a:t>
+              <a:t>mặt</a:t>
             </a:r>
             <a:r>
               <a:rPr lang="en-US" sz="2400" dirty="0">
@@ -9044,7 +8913,7 @@
                 <a:ea typeface="SF Pro Semibold" pitchFamily="2" charset="0"/>
                 <a:cs typeface="Arial" panose="020B0604020202020204" pitchFamily="34" charset="0"/>
               </a:rPr>
-              <a:t>kết</a:t>
+              <a:t>có</a:t>
             </a:r>
             <a:r>
               <a:rPr lang="en-US" sz="2400" dirty="0">
@@ -9064,7 +8933,7 @@
                 <a:ea typeface="SF Pro Semibold" pitchFamily="2" charset="0"/>
                 <a:cs typeface="Arial" panose="020B0604020202020204" pitchFamily="34" charset="0"/>
               </a:rPr>
-              <a:t>cấu</a:t>
+              <a:t>chính</a:t>
             </a:r>
             <a:r>
               <a:rPr lang="en-US" sz="2400" dirty="0">
@@ -9074,36 +8943,18 @@
                 <a:ea typeface="SF Pro Semibold" pitchFamily="2" charset="0"/>
                 <a:cs typeface="Arial" panose="020B0604020202020204" pitchFamily="34" charset="0"/>
               </a:rPr>
-              <a:t> da.</a:t>
-            </a:r>
-            <a:endParaRPr lang="en-US" sz="2400" dirty="0">
-              <a:solidFill>
-                <a:srgbClr val="FF0000"/>
-              </a:solidFill>
-              <a:ea typeface="SF Pro Semibold" pitchFamily="2" charset="0"/>
-              <a:cs typeface="Arial" panose="020B0604020202020204" pitchFamily="34" charset="0"/>
-            </a:endParaRPr>
-          </a:p>
-          <a:p>
-            <a:r>
-              <a:rPr lang="vi-VN" sz="2400" dirty="0">
-                <a:solidFill>
-                  <a:srgbClr val="FF0000"/>
-                </a:solidFill>
-                <a:ea typeface="SF Pro Semibold" pitchFamily="2" charset="0"/>
-                <a:cs typeface="Arial" panose="020B0604020202020204" pitchFamily="34" charset="0"/>
-              </a:rPr>
-              <a:t>3. Độ tin cậy và chính xác.</a:t>
-            </a:r>
-            <a:endParaRPr lang="en-US" sz="2400" dirty="0">
-              <a:solidFill>
-                <a:srgbClr val="FF0000"/>
-              </a:solidFill>
-              <a:ea typeface="SF Pro Semibold" pitchFamily="2" charset="0"/>
-              <a:cs typeface="Arial" panose="020B0604020202020204" pitchFamily="34" charset="0"/>
-            </a:endParaRPr>
-          </a:p>
-          <a:p>
+              <a:t> </a:t>
+            </a:r>
+            <a:r>
+              <a:rPr lang="en-US" sz="2400" dirty="0" err="1">
+                <a:solidFill>
+                  <a:srgbClr val="FF0000"/>
+                </a:solidFill>
+                <a:ea typeface="SF Pro Semibold" pitchFamily="2" charset="0"/>
+                <a:cs typeface="Arial" panose="020B0604020202020204" pitchFamily="34" charset="0"/>
+              </a:rPr>
+              <a:t>xác</a:t>
+            </a:r>
             <a:r>
               <a:rPr lang="en-US" sz="2400" dirty="0">
                 <a:solidFill>
@@ -9112,7 +8963,7 @@
                 <a:ea typeface="SF Pro Semibold" pitchFamily="2" charset="0"/>
                 <a:cs typeface="Arial" panose="020B0604020202020204" pitchFamily="34" charset="0"/>
               </a:rPr>
-              <a:t>3.1.Nhận </a:t>
+              <a:t> </a:t>
             </a:r>
             <a:r>
               <a:rPr lang="en-US" sz="2400" dirty="0" err="1">
@@ -9122,7 +8973,7 @@
                 <a:ea typeface="SF Pro Semibold" pitchFamily="2" charset="0"/>
                 <a:cs typeface="Arial" panose="020B0604020202020204" pitchFamily="34" charset="0"/>
               </a:rPr>
-              <a:t>dạng</a:t>
+              <a:t>không</a:t>
             </a:r>
             <a:r>
               <a:rPr lang="en-US" sz="2400" dirty="0">
@@ -9132,6 +8983,38 @@
                 <a:ea typeface="SF Pro Semibold" pitchFamily="2" charset="0"/>
                 <a:cs typeface="Arial" panose="020B0604020202020204" pitchFamily="34" charset="0"/>
               </a:rPr>
+              <a:t>?</a:t>
+            </a:r>
+          </a:p>
+          <a:p>
+            <a:r>
+              <a:rPr lang="en-US" sz="2400" dirty="0">
+                <a:solidFill>
+                  <a:srgbClr val="FF0000"/>
+                </a:solidFill>
+                <a:ea typeface="SF Pro Semibold" pitchFamily="2" charset="0"/>
+                <a:cs typeface="Arial" panose="020B0604020202020204" pitchFamily="34" charset="0"/>
+              </a:rPr>
+              <a:t>3.2.Nhận </a:t>
+            </a:r>
+            <a:r>
+              <a:rPr lang="en-US" sz="2400" dirty="0" err="1">
+                <a:solidFill>
+                  <a:srgbClr val="FF0000"/>
+                </a:solidFill>
+                <a:ea typeface="SF Pro Semibold" pitchFamily="2" charset="0"/>
+                <a:cs typeface="Arial" panose="020B0604020202020204" pitchFamily="34" charset="0"/>
+              </a:rPr>
+              <a:t>diện</a:t>
+            </a:r>
+            <a:r>
+              <a:rPr lang="en-US" sz="2400" dirty="0">
+                <a:solidFill>
+                  <a:srgbClr val="FF0000"/>
+                </a:solidFill>
+                <a:ea typeface="SF Pro Semibold" pitchFamily="2" charset="0"/>
+                <a:cs typeface="Arial" panose="020B0604020202020204" pitchFamily="34" charset="0"/>
+              </a:rPr>
               <a:t> </a:t>
             </a:r>
             <a:r>
@@ -9192,6 +9075,26 @@
                 <a:ea typeface="SF Pro Semibold" pitchFamily="2" charset="0"/>
                 <a:cs typeface="Arial" panose="020B0604020202020204" pitchFamily="34" charset="0"/>
               </a:rPr>
+              <a:t> an </a:t>
+            </a:r>
+            <a:r>
+              <a:rPr lang="en-US" sz="2400" dirty="0" err="1">
+                <a:solidFill>
+                  <a:srgbClr val="FF0000"/>
+                </a:solidFill>
+                <a:ea typeface="SF Pro Semibold" pitchFamily="2" charset="0"/>
+                <a:cs typeface="Arial" panose="020B0604020202020204" pitchFamily="34" charset="0"/>
+              </a:rPr>
+              <a:t>toàn</a:t>
+            </a:r>
+            <a:r>
+              <a:rPr lang="en-US" sz="2400" dirty="0">
+                <a:solidFill>
+                  <a:srgbClr val="FF0000"/>
+                </a:solidFill>
+                <a:ea typeface="SF Pro Semibold" pitchFamily="2" charset="0"/>
+                <a:cs typeface="Arial" panose="020B0604020202020204" pitchFamily="34" charset="0"/>
+              </a:rPr>
               <a:t> </a:t>
             </a:r>
             <a:r>
@@ -9202,7 +9105,7 @@
                 <a:ea typeface="SF Pro Semibold" pitchFamily="2" charset="0"/>
                 <a:cs typeface="Arial" panose="020B0604020202020204" pitchFamily="34" charset="0"/>
               </a:rPr>
-              <a:t>chính</a:t>
+              <a:t>không</a:t>
             </a:r>
             <a:r>
               <a:rPr lang="en-US" sz="2400" dirty="0">
@@ -9212,194 +9115,8 @@
                 <a:ea typeface="SF Pro Semibold" pitchFamily="2" charset="0"/>
                 <a:cs typeface="Arial" panose="020B0604020202020204" pitchFamily="34" charset="0"/>
               </a:rPr>
-              <a:t> </a:t>
-            </a:r>
-            <a:r>
-              <a:rPr lang="en-US" sz="2400" dirty="0" err="1">
-                <a:solidFill>
-                  <a:srgbClr val="FF0000"/>
-                </a:solidFill>
-                <a:ea typeface="SF Pro Semibold" pitchFamily="2" charset="0"/>
-                <a:cs typeface="Arial" panose="020B0604020202020204" pitchFamily="34" charset="0"/>
-              </a:rPr>
-              <a:t>xác</a:t>
-            </a:r>
-            <a:r>
-              <a:rPr lang="en-US" sz="2400" dirty="0">
-                <a:solidFill>
-                  <a:srgbClr val="FF0000"/>
-                </a:solidFill>
-                <a:ea typeface="SF Pro Semibold" pitchFamily="2" charset="0"/>
-                <a:cs typeface="Arial" panose="020B0604020202020204" pitchFamily="34" charset="0"/>
-              </a:rPr>
-              <a:t> </a:t>
-            </a:r>
-            <a:r>
-              <a:rPr lang="en-US" sz="2400" dirty="0" err="1">
-                <a:solidFill>
-                  <a:srgbClr val="FF0000"/>
-                </a:solidFill>
-                <a:ea typeface="SF Pro Semibold" pitchFamily="2" charset="0"/>
-                <a:cs typeface="Arial" panose="020B0604020202020204" pitchFamily="34" charset="0"/>
-              </a:rPr>
-              <a:t>không</a:t>
-            </a:r>
-            <a:r>
-              <a:rPr lang="en-US" sz="2400" dirty="0">
-                <a:solidFill>
-                  <a:srgbClr val="FF0000"/>
-                </a:solidFill>
-                <a:ea typeface="SF Pro Semibold" pitchFamily="2" charset="0"/>
-                <a:cs typeface="Arial" panose="020B0604020202020204" pitchFamily="34" charset="0"/>
-              </a:rPr>
               <a:t>?</a:t>
             </a:r>
-            <a:endParaRPr lang="en-US" sz="2400" dirty="0">
-              <a:solidFill>
-                <a:srgbClr val="FF0000"/>
-              </a:solidFill>
-              <a:ea typeface="SF Pro Semibold" pitchFamily="2" charset="0"/>
-              <a:cs typeface="Arial" panose="020B0604020202020204" pitchFamily="34" charset="0"/>
-            </a:endParaRPr>
-          </a:p>
-          <a:p>
-            <a:r>
-              <a:rPr lang="en-US" sz="2400" dirty="0">
-                <a:solidFill>
-                  <a:srgbClr val="FF0000"/>
-                </a:solidFill>
-                <a:ea typeface="SF Pro Semibold" pitchFamily="2" charset="0"/>
-                <a:cs typeface="Arial" panose="020B0604020202020204" pitchFamily="34" charset="0"/>
-              </a:rPr>
-              <a:t>3.2.Nhận </a:t>
-            </a:r>
-            <a:r>
-              <a:rPr lang="en-US" sz="2400" dirty="0" err="1">
-                <a:solidFill>
-                  <a:srgbClr val="FF0000"/>
-                </a:solidFill>
-                <a:ea typeface="SF Pro Semibold" pitchFamily="2" charset="0"/>
-                <a:cs typeface="Arial" panose="020B0604020202020204" pitchFamily="34" charset="0"/>
-              </a:rPr>
-              <a:t>diện</a:t>
-            </a:r>
-            <a:r>
-              <a:rPr lang="en-US" sz="2400" dirty="0">
-                <a:solidFill>
-                  <a:srgbClr val="FF0000"/>
-                </a:solidFill>
-                <a:ea typeface="SF Pro Semibold" pitchFamily="2" charset="0"/>
-                <a:cs typeface="Arial" panose="020B0604020202020204" pitchFamily="34" charset="0"/>
-              </a:rPr>
-              <a:t> </a:t>
-            </a:r>
-            <a:r>
-              <a:rPr lang="en-US" sz="2400" dirty="0" err="1">
-                <a:solidFill>
-                  <a:srgbClr val="FF0000"/>
-                </a:solidFill>
-                <a:ea typeface="SF Pro Semibold" pitchFamily="2" charset="0"/>
-                <a:cs typeface="Arial" panose="020B0604020202020204" pitchFamily="34" charset="0"/>
-              </a:rPr>
-              <a:t>khuôn</a:t>
-            </a:r>
-            <a:r>
-              <a:rPr lang="en-US" sz="2400" dirty="0">
-                <a:solidFill>
-                  <a:srgbClr val="FF0000"/>
-                </a:solidFill>
-                <a:ea typeface="SF Pro Semibold" pitchFamily="2" charset="0"/>
-                <a:cs typeface="Arial" panose="020B0604020202020204" pitchFamily="34" charset="0"/>
-              </a:rPr>
-              <a:t> </a:t>
-            </a:r>
-            <a:r>
-              <a:rPr lang="en-US" sz="2400" dirty="0" err="1">
-                <a:solidFill>
-                  <a:srgbClr val="FF0000"/>
-                </a:solidFill>
-                <a:ea typeface="SF Pro Semibold" pitchFamily="2" charset="0"/>
-                <a:cs typeface="Arial" panose="020B0604020202020204" pitchFamily="34" charset="0"/>
-              </a:rPr>
-              <a:t>mặt</a:t>
-            </a:r>
-            <a:r>
-              <a:rPr lang="en-US" sz="2400" dirty="0">
-                <a:solidFill>
-                  <a:srgbClr val="FF0000"/>
-                </a:solidFill>
-                <a:ea typeface="SF Pro Semibold" pitchFamily="2" charset="0"/>
-                <a:cs typeface="Arial" panose="020B0604020202020204" pitchFamily="34" charset="0"/>
-              </a:rPr>
-              <a:t> </a:t>
-            </a:r>
-            <a:r>
-              <a:rPr lang="en-US" sz="2400" dirty="0" err="1">
-                <a:solidFill>
-                  <a:srgbClr val="FF0000"/>
-                </a:solidFill>
-                <a:ea typeface="SF Pro Semibold" pitchFamily="2" charset="0"/>
-                <a:cs typeface="Arial" panose="020B0604020202020204" pitchFamily="34" charset="0"/>
-              </a:rPr>
-              <a:t>có</a:t>
-            </a:r>
-            <a:r>
-              <a:rPr lang="en-US" sz="2400" dirty="0">
-                <a:solidFill>
-                  <a:srgbClr val="FF0000"/>
-                </a:solidFill>
-                <a:ea typeface="SF Pro Semibold" pitchFamily="2" charset="0"/>
-                <a:cs typeface="Arial" panose="020B0604020202020204" pitchFamily="34" charset="0"/>
-              </a:rPr>
-              <a:t> an </a:t>
-            </a:r>
-            <a:r>
-              <a:rPr lang="en-US" sz="2400" dirty="0" err="1">
-                <a:solidFill>
-                  <a:srgbClr val="FF0000"/>
-                </a:solidFill>
-                <a:ea typeface="SF Pro Semibold" pitchFamily="2" charset="0"/>
-                <a:cs typeface="Arial" panose="020B0604020202020204" pitchFamily="34" charset="0"/>
-              </a:rPr>
-              <a:t>toàn</a:t>
-            </a:r>
-            <a:r>
-              <a:rPr lang="en-US" sz="2400" dirty="0">
-                <a:solidFill>
-                  <a:srgbClr val="FF0000"/>
-                </a:solidFill>
-                <a:ea typeface="SF Pro Semibold" pitchFamily="2" charset="0"/>
-                <a:cs typeface="Arial" panose="020B0604020202020204" pitchFamily="34" charset="0"/>
-              </a:rPr>
-              <a:t> </a:t>
-            </a:r>
-            <a:r>
-              <a:rPr lang="en-US" sz="2400" dirty="0" err="1">
-                <a:solidFill>
-                  <a:srgbClr val="FF0000"/>
-                </a:solidFill>
-                <a:ea typeface="SF Pro Semibold" pitchFamily="2" charset="0"/>
-                <a:cs typeface="Arial" panose="020B0604020202020204" pitchFamily="34" charset="0"/>
-              </a:rPr>
-              <a:t>không</a:t>
-            </a:r>
-            <a:r>
-              <a:rPr lang="en-US" sz="2400" dirty="0">
-                <a:solidFill>
-                  <a:srgbClr val="FF0000"/>
-                </a:solidFill>
-                <a:ea typeface="SF Pro Semibold" pitchFamily="2" charset="0"/>
-                <a:cs typeface="Arial" panose="020B0604020202020204" pitchFamily="34" charset="0"/>
-              </a:rPr>
-              <a:t>?</a:t>
-            </a:r>
-            <a:endParaRPr lang="en-US" sz="2400" dirty="0">
-              <a:solidFill>
-                <a:srgbClr val="FF0000"/>
-              </a:solidFill>
-              <a:ea typeface="SF Pro Semibold" pitchFamily="2" charset="0"/>
-              <a:cs typeface="Arial" panose="020B0604020202020204" pitchFamily="34" charset="0"/>
-            </a:endParaRPr>
           </a:p>
           <a:p>
             <a:r>
@@ -9642,12 +9359,6 @@
               </a:rPr>
               <a:t>ái Niệm và Cấu Tạo</a:t>
             </a:r>
-            <a:endParaRPr lang="vi-VN" altLang="en-US" sz="3200" b="1">
-              <a:solidFill>
-                <a:schemeClr val="bg1"/>
-              </a:solidFill>
-              <a:latin typeface="+mj-lt"/>
-            </a:endParaRPr>
           </a:p>
         </p:txBody>
       </p:sp>
@@ -9684,7 +9395,7 @@
           <p:nvPr/>
         </p:nvPicPr>
         <p:blipFill>
-          <a:blip r:embed="rId1"/>
+          <a:blip r:embed="rId2"/>
           <a:stretch>
             <a:fillRect/>
           </a:stretch>
@@ -9751,11 +9462,6 @@
               </a:rPr>
               <a:t>2</a:t>
             </a:r>
-            <a:endParaRPr lang="en-US">
-              <a:solidFill>
-                <a:srgbClr val="FF0000"/>
-              </a:solidFill>
-            </a:endParaRPr>
           </a:p>
         </p:txBody>
       </p:sp>
@@ -9960,13 +9666,6 @@
               </a:rPr>
               <a:t>1.1.Khái Niệm</a:t>
             </a:r>
-            <a:endParaRPr lang="vi-VN" sz="2800" dirty="0">
-              <a:solidFill>
-                <a:srgbClr val="FF0000"/>
-              </a:solidFill>
-              <a:ea typeface="SF Pro Semibold" pitchFamily="2" charset="0"/>
-              <a:cs typeface="Arial" panose="020B0604020202020204" pitchFamily="34" charset="0"/>
-            </a:endParaRPr>
           </a:p>
         </p:txBody>
       </p:sp>
@@ -9990,6 +9689,7 @@
           <a:bodyPr wrap="square" rtlCol="0">
             <a:noAutofit/>
           </a:bodyPr>
+          <a:lstStyle/>
           <a:p>
             <a:pPr marL="0" indent="0" algn="l">
               <a:lnSpc>
@@ -10009,9 +9709,6 @@
               </a:rPr>
               <a:t>Công nghệ nhận diện khuôn mặt là một công nghệ sinh trắc học ánh xạ các đặc điểm khuôn mặt của một cá nhân về mặt toán học và lưu trữ dữ liệu dưới dạng faceprint</a:t>
             </a:r>
-            <a:endParaRPr lang="en-US" sz="2400">
-              <a:cs typeface="Arial" panose="020B0604020202020204" pitchFamily="34" charset="0"/>
-            </a:endParaRPr>
           </a:p>
         </p:txBody>
       </p:sp>
@@ -10024,7 +9721,7 @@
           <p:nvPr/>
         </p:nvPicPr>
         <p:blipFill>
-          <a:blip r:embed="rId2"/>
+          <a:blip r:embed="rId3"/>
           <a:stretch>
             <a:fillRect/>
           </a:stretch>
@@ -10048,7 +9745,7 @@
           <p:nvPr/>
         </p:nvPicPr>
         <p:blipFill>
-          <a:blip r:embed="rId3"/>
+          <a:blip r:embed="rId4"/>
           <a:stretch>
             <a:fillRect/>
           </a:stretch>
@@ -10168,12 +9865,6 @@
               </a:rPr>
               <a:t>1.Khái Niệm và Cấu Tạo</a:t>
             </a:r>
-            <a:endParaRPr lang="vi-VN" altLang="en-US" sz="3200" b="1">
-              <a:solidFill>
-                <a:schemeClr val="bg1"/>
-              </a:solidFill>
-              <a:latin typeface="+mj-lt"/>
-            </a:endParaRPr>
           </a:p>
         </p:txBody>
       </p:sp>
@@ -10210,7 +9901,7 @@
           <p:nvPr/>
         </p:nvPicPr>
         <p:blipFill>
-          <a:blip r:embed="rId1"/>
+          <a:blip r:embed="rId2"/>
           <a:stretch>
             <a:fillRect/>
           </a:stretch>
@@ -10277,11 +9968,6 @@
               </a:rPr>
               <a:t>2</a:t>
             </a:r>
-            <a:endParaRPr lang="en-US">
-              <a:solidFill>
-                <a:srgbClr val="FF0000"/>
-              </a:solidFill>
-            </a:endParaRPr>
           </a:p>
         </p:txBody>
       </p:sp>
@@ -10486,13 +10172,6 @@
               </a:rPr>
               <a:t>1.2 Cấu tạo Face ID</a:t>
             </a:r>
-            <a:endParaRPr lang="vi-VN" sz="2800" dirty="0">
-              <a:solidFill>
-                <a:srgbClr val="FF0000"/>
-              </a:solidFill>
-              <a:ea typeface="SF Pro Semibold" pitchFamily="2" charset="0"/>
-              <a:cs typeface="Arial" panose="020B0604020202020204" pitchFamily="34" charset="0"/>
-            </a:endParaRPr>
           </a:p>
         </p:txBody>
       </p:sp>
@@ -10516,6 +10195,7 @@
           <a:bodyPr wrap="square" rtlCol="0">
             <a:spAutoFit/>
           </a:bodyPr>
+          <a:lstStyle/>
           <a:p>
             <a:pPr>
               <a:lnSpc>
@@ -10528,9 +10208,6 @@
               </a:rPr>
               <a:t>Face ID bao gồm hai phần</a:t>
             </a:r>
-            <a:endParaRPr lang="en-US" sz="2400">
-              <a:cs typeface="Arial" panose="020B0604020202020204" pitchFamily="34" charset="0"/>
-            </a:endParaRPr>
           </a:p>
           <a:p>
             <a:pPr marL="285750" indent="-285750">
@@ -10546,9 +10223,6 @@
               </a:rPr>
               <a:t>mô-đun máy chiếu chấm chiếu hơn 30.000 điểm hồng ngoại lên mặt người dùng</a:t>
             </a:r>
-            <a:endParaRPr lang="en-US" sz="2400">
-              <a:cs typeface="Arial" panose="020B0604020202020204" pitchFamily="34" charset="0"/>
-            </a:endParaRPr>
           </a:p>
           <a:p>
             <a:pPr marL="285750" indent="-285750">
@@ -10564,9 +10238,6 @@
               </a:rPr>
               <a:t> mô-đun camera hồng ngoại đọc mẫu </a:t>
             </a:r>
-            <a:endParaRPr lang="en-US" sz="2400">
-              <a:cs typeface="Arial" panose="020B0604020202020204" pitchFamily="34" charset="0"/>
-            </a:endParaRPr>
           </a:p>
         </p:txBody>
       </p:sp>
@@ -10579,7 +10250,7 @@
           <p:nvPr/>
         </p:nvPicPr>
         <p:blipFill>
-          <a:blip r:embed="rId2"/>
+          <a:blip r:embed="rId3"/>
           <a:stretch>
             <a:fillRect/>
           </a:stretch>
@@ -10603,7 +10274,7 @@
           <p:nvPr/>
         </p:nvPicPr>
         <p:blipFill>
-          <a:blip r:embed="rId3"/>
+          <a:blip r:embed="rId4"/>
           <a:stretch>
             <a:fillRect/>
           </a:stretch>
@@ -10723,12 +10394,6 @@
               </a:rPr>
               <a:t>3.ĐỘ TIN CẬY VÀ CHÍNH XÁC. </a:t>
             </a:r>
-            <a:endParaRPr lang="en-US" sz="3200" b="1">
-              <a:solidFill>
-                <a:schemeClr val="bg1"/>
-              </a:solidFill>
-              <a:latin typeface="+mj-lt"/>
-            </a:endParaRPr>
           </a:p>
         </p:txBody>
       </p:sp>
@@ -10765,7 +10430,7 @@
           <p:nvPr/>
         </p:nvPicPr>
         <p:blipFill>
-          <a:blip r:embed="rId1"/>
+          <a:blip r:embed="rId2"/>
           <a:stretch>
             <a:fillRect/>
           </a:stretch>
@@ -10832,11 +10497,6 @@
               </a:rPr>
               <a:t>3</a:t>
             </a:r>
-            <a:endParaRPr lang="en-US">
-              <a:solidFill>
-                <a:srgbClr val="FF0000"/>
-              </a:solidFill>
-            </a:endParaRPr>
           </a:p>
         </p:txBody>
       </p:sp>
@@ -11019,13 +10679,6 @@
               </a:rPr>
               <a:t>?: </a:t>
             </a:r>
-            <a:endParaRPr lang="en-US" sz="2800" dirty="0">
-              <a:solidFill>
-                <a:srgbClr val="FF0000"/>
-              </a:solidFill>
-              <a:ea typeface="SF Pro Semibold" pitchFamily="2" charset="0"/>
-              <a:cs typeface="Arial" panose="020B0604020202020204" pitchFamily="34" charset="0"/>
-            </a:endParaRPr>
           </a:p>
           <a:p>
             <a:pPr marL="457200" indent="-457200">
@@ -11119,10 +10772,6 @@
               </a:rPr>
               <a:t>: </a:t>
             </a:r>
-            <a:endParaRPr lang="en-US" sz="2400" dirty="0">
-              <a:ea typeface="SF Pro Semibold" pitchFamily="2" charset="0"/>
-              <a:cs typeface="Arial" panose="020B0604020202020204" pitchFamily="34" charset="0"/>
-            </a:endParaRPr>
           </a:p>
           <a:p>
             <a:pPr marL="457200" indent="-457200">
@@ -11219,11 +10868,6 @@
               </a:rPr>
               <a:t>. </a:t>
             </a:r>
-            <a:endParaRPr lang="en-US" sz="2400" dirty="0">
-              <a:effectLst/>
-              <a:ea typeface="SF Pro Semibold" pitchFamily="2" charset="0"/>
-              <a:cs typeface="Arial" panose="020B0604020202020204" pitchFamily="34" charset="0"/>
-            </a:endParaRPr>
           </a:p>
           <a:p>
             <a:pPr marL="457200" indent="-457200">
@@ -11303,10 +10947,6 @@
               </a:rPr>
               <a:t>. </a:t>
             </a:r>
-            <a:endParaRPr lang="en-US" sz="2400" dirty="0">
-              <a:ea typeface="SF Pro Semibold" pitchFamily="2" charset="0"/>
-              <a:cs typeface="Arial" panose="020B0604020202020204" pitchFamily="34" charset="0"/>
-            </a:endParaRPr>
           </a:p>
           <a:p>
             <a:pPr marL="457200" indent="-457200">
@@ -11400,10 +11040,6 @@
               </a:rPr>
               <a:t>	</a:t>
             </a:r>
-            <a:endParaRPr lang="en-US" sz="2400" dirty="0">
-              <a:ea typeface="SF Pro Semibold" pitchFamily="2" charset="0"/>
-              <a:cs typeface="Arial" panose="020B0604020202020204" pitchFamily="34" charset="0"/>
-            </a:endParaRPr>
           </a:p>
           <a:p>
             <a:pPr>
@@ -11642,10 +11278,6 @@
               </a:rPr>
               <a:t> nay. </a:t>
             </a:r>
-            <a:endParaRPr lang="en-US" sz="2400" dirty="0">
-              <a:ea typeface="SF Pro Semibold" pitchFamily="2" charset="0"/>
-              <a:cs typeface="Arial" panose="020B0604020202020204" pitchFamily="34" charset="0"/>
-            </a:endParaRPr>
           </a:p>
         </p:txBody>
       </p:sp>
@@ -11754,12 +11386,6 @@
               </a:rPr>
               <a:t>4.HOẠT ĐỘNG </a:t>
             </a:r>
-            <a:endParaRPr lang="en-US" sz="3200" b="1">
-              <a:solidFill>
-                <a:schemeClr val="bg1"/>
-              </a:solidFill>
-              <a:latin typeface="+mj-lt"/>
-            </a:endParaRPr>
           </a:p>
         </p:txBody>
       </p:sp>
@@ -11796,7 +11422,7 @@
           <p:nvPr/>
         </p:nvPicPr>
         <p:blipFill>
-          <a:blip r:embed="rId1"/>
+          <a:blip r:embed="rId2"/>
           <a:stretch>
             <a:fillRect/>
           </a:stretch>
@@ -11863,11 +11489,6 @@
               </a:rPr>
               <a:t>6</a:t>
             </a:r>
-            <a:endParaRPr lang="en-US">
-              <a:solidFill>
-                <a:srgbClr val="FF0000"/>
-              </a:solidFill>
-            </a:endParaRPr>
           </a:p>
         </p:txBody>
       </p:sp>
@@ -11910,13 +11531,6 @@
               </a:rPr>
               <a:t>4.1.Truyền thống </a:t>
             </a:r>
-            <a:endParaRPr lang="en-US" sz="2800" dirty="0">
-              <a:solidFill>
-                <a:srgbClr val="FF0000"/>
-              </a:solidFill>
-              <a:ea typeface="SF Pro Semibold" pitchFamily="2" charset="0"/>
-              <a:cs typeface="Arial" panose="020B0604020202020204" pitchFamily="34" charset="0"/>
-            </a:endParaRPr>
           </a:p>
           <a:p>
             <a:pPr marL="457200" indent="-457200">
@@ -11933,10 +11547,6 @@
               </a:rPr>
               <a:t>Mỗi khuôn mặt đều có nhiều điểm mốc. Là phần lòi lõm tạo nên khuôn mặt.</a:t>
             </a:r>
-            <a:endParaRPr lang="en-US" sz="2400" dirty="0">
-              <a:ea typeface="SF Pro Semibold" pitchFamily="2" charset="0"/>
-              <a:cs typeface="Arial" panose="020B0604020202020204" pitchFamily="34" charset="0"/>
-            </a:endParaRPr>
           </a:p>
           <a:p>
             <a:pPr marL="457200" indent="-457200">
@@ -11953,10 +11563,6 @@
               </a:rPr>
               <a:t>Hệ thống nhận diện qua những điểm nút</a:t>
             </a:r>
-            <a:endParaRPr lang="en-US" sz="2400" dirty="0">
-              <a:ea typeface="SF Pro Semibold" pitchFamily="2" charset="0"/>
-              <a:cs typeface="Arial" panose="020B0604020202020204" pitchFamily="34" charset="0"/>
-            </a:endParaRPr>
           </a:p>
           <a:p>
             <a:pPr marL="457200" indent="-457200">
@@ -11973,10 +11579,6 @@
               </a:rPr>
               <a:t>Mỗi mặt người có khoảng 80 điểm nút</a:t>
             </a:r>
-            <a:endParaRPr lang="en-US" sz="2400" dirty="0">
-              <a:ea typeface="SF Pro Semibold" pitchFamily="2" charset="0"/>
-              <a:cs typeface="Arial" panose="020B0604020202020204" pitchFamily="34" charset="0"/>
-            </a:endParaRPr>
           </a:p>
           <a:p>
             <a:pPr marL="457200" indent="-457200">
@@ -12032,10 +11634,6 @@
               </a:rPr>
               <a:t>Độ sâu của hốc mắt</a:t>
             </a:r>
-            <a:endParaRPr lang="en-US" sz="2400" dirty="0">
-              <a:ea typeface="SF Pro Semibold" pitchFamily="2" charset="0"/>
-              <a:cs typeface="Arial" panose="020B0604020202020204" pitchFamily="34" charset="0"/>
-            </a:endParaRPr>
           </a:p>
         </p:txBody>
       </p:sp>
@@ -12144,12 +11742,6 @@
               </a:rPr>
               <a:t>4.HOẠT ĐỘNG </a:t>
             </a:r>
-            <a:endParaRPr lang="en-US" sz="3200" b="1">
-              <a:solidFill>
-                <a:schemeClr val="bg1"/>
-              </a:solidFill>
-              <a:latin typeface="+mj-lt"/>
-            </a:endParaRPr>
           </a:p>
         </p:txBody>
       </p:sp>
@@ -12186,7 +11778,7 @@
           <p:nvPr/>
         </p:nvPicPr>
         <p:blipFill>
-          <a:blip r:embed="rId1"/>
+          <a:blip r:embed="rId2"/>
           <a:stretch>
             <a:fillRect/>
           </a:stretch>
@@ -12253,11 +11845,6 @@
               </a:rPr>
               <a:t>7</a:t>
             </a:r>
-            <a:endParaRPr lang="en-US">
-              <a:solidFill>
-                <a:srgbClr val="FF0000"/>
-              </a:solidFill>
-            </a:endParaRPr>
           </a:p>
         </p:txBody>
       </p:sp>
@@ -12300,13 +11887,6 @@
               </a:rPr>
               <a:t>4.1.Truyền thống </a:t>
             </a:r>
-            <a:endParaRPr lang="en-US" sz="2800" dirty="0">
-              <a:solidFill>
-                <a:srgbClr val="FF0000"/>
-              </a:solidFill>
-              <a:ea typeface="SF Pro Semibold" pitchFamily="2" charset="0"/>
-              <a:cs typeface="Arial" panose="020B0604020202020204" pitchFamily="34" charset="0"/>
-            </a:endParaRPr>
           </a:p>
           <a:p>
             <a:pPr marL="0" indent="0">
@@ -12332,7 +11912,7 @@
           <p:nvPr/>
         </p:nvPicPr>
         <p:blipFill>
-          <a:blip r:embed="rId2"/>
+          <a:blip r:embed="rId3"/>
           <a:stretch>
             <a:fillRect/>
           </a:stretch>
@@ -12356,7 +11936,7 @@
           <p:nvPr/>
         </p:nvPicPr>
         <p:blipFill>
-          <a:blip r:embed="rId3"/>
+          <a:blip r:embed="rId4"/>
           <a:stretch>
             <a:fillRect/>
           </a:stretch>
@@ -12380,7 +11960,7 @@
           <p:nvPr/>
         </p:nvPicPr>
         <p:blipFill>
-          <a:blip r:embed="rId4"/>
+          <a:blip r:embed="rId5"/>
           <a:stretch>
             <a:fillRect/>
           </a:stretch>
@@ -12500,12 +12080,6 @@
               </a:rPr>
               <a:t>4.HOẠT ĐỘNG </a:t>
             </a:r>
-            <a:endParaRPr lang="en-US" sz="3200" b="1">
-              <a:solidFill>
-                <a:schemeClr val="bg1"/>
-              </a:solidFill>
-              <a:latin typeface="+mj-lt"/>
-            </a:endParaRPr>
           </a:p>
         </p:txBody>
       </p:sp>
@@ -12542,7 +12116,7 @@
           <p:nvPr/>
         </p:nvPicPr>
         <p:blipFill>
-          <a:blip r:embed="rId1"/>
+          <a:blip r:embed="rId2"/>
           <a:stretch>
             <a:fillRect/>
           </a:stretch>
@@ -12609,11 +12183,6 @@
               </a:rPr>
               <a:t>8</a:t>
             </a:r>
-            <a:endParaRPr lang="en-US">
-              <a:solidFill>
-                <a:srgbClr val="FF0000"/>
-              </a:solidFill>
-            </a:endParaRPr>
           </a:p>
         </p:txBody>
       </p:sp>
@@ -12656,13 +12225,6 @@
               </a:rPr>
               <a:t>4.2.Nâng cao dạng 3D</a:t>
             </a:r>
-            <a:endParaRPr lang="en-US" sz="2400" dirty="0">
-              <a:solidFill>
-                <a:srgbClr val="FF0000"/>
-              </a:solidFill>
-              <a:ea typeface="SF Pro Semibold" pitchFamily="2" charset="0"/>
-              <a:cs typeface="Arial" panose="020B0604020202020204" pitchFamily="34" charset="0"/>
-            </a:endParaRPr>
           </a:p>
           <a:p>
             <a:pPr marL="457200" indent="-457200">
@@ -12679,10 +12241,6 @@
               </a:rPr>
               <a:t> Kỹ thuật này sử dụng các cảm biến 3D để nắm bắt thông tin về hình dạng của khuôn mặt.</a:t>
             </a:r>
-            <a:endParaRPr lang="en-US" sz="2400" dirty="0">
-              <a:ea typeface="SF Pro Semibold" pitchFamily="2" charset="0"/>
-              <a:cs typeface="Arial" panose="020B0604020202020204" pitchFamily="34" charset="0"/>
-            </a:endParaRPr>
           </a:p>
           <a:p>
             <a:pPr marL="457200" indent="-457200">
@@ -12699,10 +12257,6 @@
               </a:rPr>
               <a:t>Thông tin này được sử dụng xác định một khuôn mặt như các đường viền của hốc mắt, mũi và cằm.</a:t>
             </a:r>
-            <a:endParaRPr lang="en-US" sz="2400" dirty="0">
-              <a:ea typeface="SF Pro Semibold" pitchFamily="2" charset="0"/>
-              <a:cs typeface="Arial" panose="020B0604020202020204" pitchFamily="34" charset="0"/>
-            </a:endParaRPr>
           </a:p>
           <a:p>
             <a:pPr marL="457200" indent="-457200">
@@ -12719,10 +12273,6 @@
               </a:rPr>
               <a:t>Nhận dạng khuôn mặt 3D là nó không bị ảnh hưởng bởi những thay đổi trong ánh sáng.</a:t>
             </a:r>
-            <a:endParaRPr lang="en-US" sz="2400" dirty="0">
-              <a:ea typeface="SF Pro Semibold" pitchFamily="2" charset="0"/>
-              <a:cs typeface="Arial" panose="020B0604020202020204" pitchFamily="34" charset="0"/>
-            </a:endParaRPr>
           </a:p>
           <a:p>
             <a:pPr marL="457200" indent="-457200">
@@ -12844,12 +12394,6 @@
               </a:rPr>
               <a:t>4.HOẠT ĐỘNG </a:t>
             </a:r>
-            <a:endParaRPr lang="en-US" sz="3200" b="1">
-              <a:solidFill>
-                <a:schemeClr val="bg1"/>
-              </a:solidFill>
-              <a:latin typeface="+mj-lt"/>
-            </a:endParaRPr>
           </a:p>
         </p:txBody>
       </p:sp>
@@ -12886,7 +12430,7 @@
           <p:nvPr/>
         </p:nvPicPr>
         <p:blipFill>
-          <a:blip r:embed="rId1"/>
+          <a:blip r:embed="rId2"/>
           <a:stretch>
             <a:fillRect/>
           </a:stretch>
@@ -12953,11 +12497,6 @@
               </a:rPr>
               <a:t>9</a:t>
             </a:r>
-            <a:endParaRPr lang="en-US">
-              <a:solidFill>
-                <a:srgbClr val="FF0000"/>
-              </a:solidFill>
-            </a:endParaRPr>
           </a:p>
         </p:txBody>
       </p:sp>
@@ -13000,13 +12539,6 @@
               </a:rPr>
               <a:t>4.2.Nâng cao dạng 3D</a:t>
             </a:r>
-            <a:endParaRPr lang="en-US" sz="2400" dirty="0">
-              <a:solidFill>
-                <a:srgbClr val="FF0000"/>
-              </a:solidFill>
-              <a:ea typeface="SF Pro Semibold" pitchFamily="2" charset="0"/>
-              <a:cs typeface="Arial" panose="020B0604020202020204" pitchFamily="34" charset="0"/>
-            </a:endParaRPr>
           </a:p>
           <a:p>
             <a:pPr marL="0" indent="0">
@@ -13045,7 +12577,7 @@
           <p:nvPr/>
         </p:nvPicPr>
         <p:blipFill>
-          <a:blip r:embed="rId2"/>
+          <a:blip r:embed="rId3"/>
           <a:stretch>
             <a:fillRect/>
           </a:stretch>
@@ -13069,7 +12601,7 @@
           <p:nvPr/>
         </p:nvPicPr>
         <p:blipFill>
-          <a:blip r:embed="rId3"/>
+          <a:blip r:embed="rId4"/>
           <a:stretch>
             <a:fillRect/>
           </a:stretch>
@@ -13315,6 +12847,7 @@
       </a:bgFillStyleLst>
     </a:fmtScheme>
   </a:themeElements>
+  <a:objectDefaults/>
   <a:extraClrSchemeLst>
     <a:extraClrScheme>
       <a:clrScheme name="cdb2004158l 1">

--- a/BÀI THUYẾT TRÌNH MẪU.pptx
+++ b/BÀI THUYẾT TRÌNH MẪU.pptx
@@ -9,14 +9,14 @@
     <p:sldId id="257" r:id="rId4"/>
     <p:sldId id="261" r:id="rId5"/>
     <p:sldId id="271" r:id="rId6"/>
-    <p:sldId id="258" r:id="rId7"/>
-    <p:sldId id="281" r:id="rId8"/>
-    <p:sldId id="286" r:id="rId9"/>
-    <p:sldId id="282" r:id="rId10"/>
-    <p:sldId id="285" r:id="rId11"/>
-    <p:sldId id="283" r:id="rId12"/>
-    <p:sldId id="263" r:id="rId13"/>
-    <p:sldId id="259" r:id="rId14"/>
+    <p:sldId id="281" r:id="rId7"/>
+    <p:sldId id="286" r:id="rId8"/>
+    <p:sldId id="282" r:id="rId9"/>
+    <p:sldId id="285" r:id="rId10"/>
+    <p:sldId id="283" r:id="rId11"/>
+    <p:sldId id="263" r:id="rId12"/>
+    <p:sldId id="259" r:id="rId13"/>
+    <p:sldId id="258" r:id="rId14"/>
     <p:sldId id="264" r:id="rId15"/>
     <p:sldId id="260" r:id="rId16"/>
     <p:sldId id="265" r:id="rId17"/>
@@ -5090,76 +5090,12 @@
           </a:p>
         </p:txBody>
       </p:sp>
-      <p:sp>
-        <p:nvSpPr>
-          <p:cNvPr id="5" name="TextBox 4"/>
-          <p:cNvSpPr txBox="1"/>
-          <p:nvPr/>
-        </p:nvSpPr>
-        <p:spPr>
-          <a:xfrm>
-            <a:off x="521852" y="315311"/>
-            <a:ext cx="3118485" cy="583565"/>
-          </a:xfrm>
-          <a:prstGeom prst="rect">
-            <a:avLst/>
-          </a:prstGeom>
-          <a:noFill/>
-        </p:spPr>
-        <p:txBody>
-          <a:bodyPr wrap="none" rtlCol="0">
-            <a:spAutoFit/>
-          </a:bodyPr>
-          <a:lstStyle/>
-          <a:p>
-            <a:r>
-              <a:rPr lang="en-US" sz="3200" b="1">
-                <a:solidFill>
-                  <a:schemeClr val="bg1"/>
-                </a:solidFill>
-                <a:latin typeface="+mj-lt"/>
-              </a:rPr>
-              <a:t>4.HOẠT ĐỘNG </a:t>
-            </a:r>
-            <a:endParaRPr lang="en-US" sz="3200" b="1">
-              <a:solidFill>
-                <a:schemeClr val="bg1"/>
-              </a:solidFill>
-              <a:latin typeface="+mj-lt"/>
-            </a:endParaRPr>
-          </a:p>
-        </p:txBody>
-      </p:sp>
-      <p:sp>
-        <p:nvSpPr>
-          <p:cNvPr id="6" name="TextBox 5"/>
-          <p:cNvSpPr txBox="1"/>
-          <p:nvPr/>
-        </p:nvSpPr>
-        <p:spPr>
-          <a:xfrm>
-            <a:off x="3247697" y="2406869"/>
-            <a:ext cx="184731" cy="369332"/>
-          </a:xfrm>
-          <a:prstGeom prst="rect">
-            <a:avLst/>
-          </a:prstGeom>
-          <a:noFill/>
-        </p:spPr>
-        <p:txBody>
-          <a:bodyPr wrap="none" rtlCol="0">
-            <a:spAutoFit/>
-          </a:bodyPr>
-          <a:lstStyle/>
-          <a:p>
-            <a:endParaRPr lang="en-US"/>
-          </a:p>
-        </p:txBody>
-      </p:sp>
       <p:pic>
         <p:nvPicPr>
-          <p:cNvPr id="12" name="Picture 11"/>
-          <p:cNvPicPr/>
+          <p:cNvPr id="7" name="Picture 6"/>
+          <p:cNvPicPr>
+            <a:picLocks noChangeAspect="1"/>
+          </p:cNvPicPr>
           <p:nvPr/>
         </p:nvPicPr>
         <p:blipFill>
@@ -5170,6 +5106,96 @@
         </p:blipFill>
         <p:spPr>
           <a:xfrm>
+            <a:off x="852434" y="2116729"/>
+            <a:ext cx="7874865" cy="4298364"/>
+          </a:xfrm>
+          <a:prstGeom prst="roundRect">
+            <a:avLst>
+              <a:gd name="adj" fmla="val 11967"/>
+            </a:avLst>
+          </a:prstGeom>
+        </p:spPr>
+      </p:pic>
+      <p:sp>
+        <p:nvSpPr>
+          <p:cNvPr id="5" name="TextBox 4"/>
+          <p:cNvSpPr txBox="1"/>
+          <p:nvPr/>
+        </p:nvSpPr>
+        <p:spPr>
+          <a:xfrm>
+            <a:off x="521852" y="315311"/>
+            <a:ext cx="6195927" cy="584775"/>
+          </a:xfrm>
+          <a:prstGeom prst="rect">
+            <a:avLst/>
+          </a:prstGeom>
+          <a:noFill/>
+        </p:spPr>
+        <p:txBody>
+          <a:bodyPr wrap="none" rtlCol="0">
+            <a:spAutoFit/>
+          </a:bodyPr>
+          <a:lstStyle/>
+          <a:p>
+            <a:r>
+              <a:rPr lang="en-US" sz="3200" b="1">
+                <a:solidFill>
+                  <a:schemeClr val="bg1"/>
+                </a:solidFill>
+                <a:latin typeface="+mj-lt"/>
+              </a:rPr>
+              <a:t>3.ĐỘ TIN CẬY VÀ CHÍNH XÁC. </a:t>
+            </a:r>
+            <a:endParaRPr lang="en-US" sz="3200" b="1">
+              <a:solidFill>
+                <a:schemeClr val="bg1"/>
+              </a:solidFill>
+              <a:latin typeface="+mj-lt"/>
+            </a:endParaRPr>
+          </a:p>
+        </p:txBody>
+      </p:sp>
+      <p:sp>
+        <p:nvSpPr>
+          <p:cNvPr id="6" name="TextBox 5"/>
+          <p:cNvSpPr txBox="1"/>
+          <p:nvPr/>
+        </p:nvSpPr>
+        <p:spPr>
+          <a:xfrm>
+            <a:off x="3247697" y="2406869"/>
+            <a:ext cx="184731" cy="369332"/>
+          </a:xfrm>
+          <a:prstGeom prst="rect">
+            <a:avLst/>
+          </a:prstGeom>
+          <a:noFill/>
+        </p:spPr>
+        <p:txBody>
+          <a:bodyPr wrap="none" rtlCol="0">
+            <a:spAutoFit/>
+          </a:bodyPr>
+          <a:lstStyle/>
+          <a:p>
+            <a:endParaRPr lang="en-US"/>
+          </a:p>
+        </p:txBody>
+      </p:sp>
+      <p:pic>
+        <p:nvPicPr>
+          <p:cNvPr id="12" name="Picture 11"/>
+          <p:cNvPicPr/>
+          <p:nvPr/>
+        </p:nvPicPr>
+        <p:blipFill>
+          <a:blip r:embed="rId2"/>
+          <a:stretch>
+            <a:fillRect/>
+          </a:stretch>
+        </p:blipFill>
+        <p:spPr>
+          <a:xfrm>
             <a:off x="-39267" y="6350556"/>
             <a:ext cx="576000" cy="1236543"/>
           </a:xfrm>
@@ -5186,8 +5212,8 @@
         </p:nvSpPr>
         <p:spPr>
           <a:xfrm>
-            <a:off x="8444865" y="6315075"/>
-            <a:ext cx="699135" cy="542925"/>
+            <a:off x="8601389" y="6315389"/>
+            <a:ext cx="542611" cy="542611"/>
           </a:xfrm>
           <a:prstGeom prst="ellipse">
             <a:avLst/>
@@ -5228,7 +5254,7 @@
                   <a:srgbClr val="FF0000"/>
                 </a:solidFill>
               </a:rPr>
-              <a:t>10</a:t>
+              <a:t>3</a:t>
             </a:r>
             <a:endParaRPr lang="en-US">
               <a:solidFill>
@@ -5246,8 +5272,8 @@
         </p:nvSpPr>
         <p:spPr>
           <a:xfrm>
-            <a:off x="703384" y="1121257"/>
-            <a:ext cx="8169310" cy="5631180"/>
+            <a:off x="703384" y="1121261"/>
+            <a:ext cx="8169310" cy="1383665"/>
           </a:xfrm>
           <a:prstGeom prst="rect">
             <a:avLst/>
@@ -5268,131 +5294,159 @@
               <a:buChar char="Ø"/>
             </a:pPr>
             <a:r>
-              <a:rPr lang="en-US" sz="2400" dirty="0">
-                <a:solidFill>
-                  <a:srgbClr val="FF0000"/>
-                </a:solidFill>
-                <a:ea typeface="SF Pro Semibold" pitchFamily="2" charset="0"/>
-                <a:cs typeface="Arial" panose="020B0604020202020204" pitchFamily="34" charset="0"/>
-              </a:rPr>
-              <a:t>4.3.Phân tích kết cấu da</a:t>
-            </a:r>
-            <a:endParaRPr lang="en-US" sz="2400" dirty="0">
+              <a:rPr lang="en-US" sz="2800" dirty="0">
+                <a:solidFill>
+                  <a:srgbClr val="FF0000"/>
+                </a:solidFill>
+                <a:ea typeface="SF Pro Semibold" pitchFamily="2" charset="0"/>
+                <a:cs typeface="Arial" panose="020B0604020202020204" pitchFamily="34" charset="0"/>
+              </a:rPr>
+              <a:t>3.1.Nhận </a:t>
+            </a:r>
+            <a:r>
+              <a:rPr lang="en-US" sz="2800" dirty="0" err="1">
+                <a:solidFill>
+                  <a:srgbClr val="FF0000"/>
+                </a:solidFill>
+                <a:ea typeface="SF Pro Semibold" pitchFamily="2" charset="0"/>
+                <a:cs typeface="Arial" panose="020B0604020202020204" pitchFamily="34" charset="0"/>
+              </a:rPr>
+              <a:t>dạng</a:t>
+            </a:r>
+            <a:r>
+              <a:rPr lang="en-US" sz="2800" dirty="0">
+                <a:solidFill>
+                  <a:srgbClr val="FF0000"/>
+                </a:solidFill>
+                <a:ea typeface="SF Pro Semibold" pitchFamily="2" charset="0"/>
+                <a:cs typeface="Arial" panose="020B0604020202020204" pitchFamily="34" charset="0"/>
+              </a:rPr>
+              <a:t> </a:t>
+            </a:r>
+            <a:r>
+              <a:rPr lang="en-US" sz="2800" dirty="0" err="1">
+                <a:solidFill>
+                  <a:srgbClr val="FF0000"/>
+                </a:solidFill>
+                <a:ea typeface="SF Pro Semibold" pitchFamily="2" charset="0"/>
+                <a:cs typeface="Arial" panose="020B0604020202020204" pitchFamily="34" charset="0"/>
+              </a:rPr>
+              <a:t>khuôn</a:t>
+            </a:r>
+            <a:r>
+              <a:rPr lang="en-US" sz="2800" dirty="0">
+                <a:solidFill>
+                  <a:srgbClr val="FF0000"/>
+                </a:solidFill>
+                <a:ea typeface="SF Pro Semibold" pitchFamily="2" charset="0"/>
+                <a:cs typeface="Arial" panose="020B0604020202020204" pitchFamily="34" charset="0"/>
+              </a:rPr>
+              <a:t> </a:t>
+            </a:r>
+            <a:r>
+              <a:rPr lang="en-US" sz="2800" dirty="0" err="1">
+                <a:solidFill>
+                  <a:srgbClr val="FF0000"/>
+                </a:solidFill>
+                <a:ea typeface="SF Pro Semibold" pitchFamily="2" charset="0"/>
+                <a:cs typeface="Arial" panose="020B0604020202020204" pitchFamily="34" charset="0"/>
+              </a:rPr>
+              <a:t>mặt</a:t>
+            </a:r>
+            <a:r>
+              <a:rPr lang="en-US" sz="2800" dirty="0">
+                <a:solidFill>
+                  <a:srgbClr val="FF0000"/>
+                </a:solidFill>
+                <a:ea typeface="SF Pro Semibold" pitchFamily="2" charset="0"/>
+                <a:cs typeface="Arial" panose="020B0604020202020204" pitchFamily="34" charset="0"/>
+              </a:rPr>
+              <a:t> </a:t>
+            </a:r>
+            <a:r>
+              <a:rPr lang="en-US" sz="2800" dirty="0" err="1">
+                <a:solidFill>
+                  <a:srgbClr val="FF0000"/>
+                </a:solidFill>
+                <a:ea typeface="SF Pro Semibold" pitchFamily="2" charset="0"/>
+                <a:cs typeface="Arial" panose="020B0604020202020204" pitchFamily="34" charset="0"/>
+              </a:rPr>
+              <a:t>có</a:t>
+            </a:r>
+            <a:r>
+              <a:rPr lang="en-US" sz="2800" dirty="0">
+                <a:solidFill>
+                  <a:srgbClr val="FF0000"/>
+                </a:solidFill>
+                <a:ea typeface="SF Pro Semibold" pitchFamily="2" charset="0"/>
+                <a:cs typeface="Arial" panose="020B0604020202020204" pitchFamily="34" charset="0"/>
+              </a:rPr>
+              <a:t> </a:t>
+            </a:r>
+            <a:r>
+              <a:rPr lang="en-US" sz="2800" dirty="0" err="1">
+                <a:solidFill>
+                  <a:srgbClr val="FF0000"/>
+                </a:solidFill>
+                <a:ea typeface="SF Pro Semibold" pitchFamily="2" charset="0"/>
+                <a:cs typeface="Arial" panose="020B0604020202020204" pitchFamily="34" charset="0"/>
+              </a:rPr>
+              <a:t>chính</a:t>
+            </a:r>
+            <a:r>
+              <a:rPr lang="en-US" sz="2800" dirty="0">
+                <a:solidFill>
+                  <a:srgbClr val="FF0000"/>
+                </a:solidFill>
+                <a:ea typeface="SF Pro Semibold" pitchFamily="2" charset="0"/>
+                <a:cs typeface="Arial" panose="020B0604020202020204" pitchFamily="34" charset="0"/>
+              </a:rPr>
+              <a:t> </a:t>
+            </a:r>
+            <a:r>
+              <a:rPr lang="en-US" sz="2800" dirty="0" err="1">
+                <a:solidFill>
+                  <a:srgbClr val="FF0000"/>
+                </a:solidFill>
+                <a:ea typeface="SF Pro Semibold" pitchFamily="2" charset="0"/>
+                <a:cs typeface="Arial" panose="020B0604020202020204" pitchFamily="34" charset="0"/>
+              </a:rPr>
+              <a:t>xác</a:t>
+            </a:r>
+            <a:r>
+              <a:rPr lang="en-US" sz="2800" dirty="0">
+                <a:solidFill>
+                  <a:srgbClr val="FF0000"/>
+                </a:solidFill>
+                <a:ea typeface="SF Pro Semibold" pitchFamily="2" charset="0"/>
+                <a:cs typeface="Arial" panose="020B0604020202020204" pitchFamily="34" charset="0"/>
+              </a:rPr>
+              <a:t> </a:t>
+            </a:r>
+            <a:r>
+              <a:rPr lang="en-US" sz="2800" dirty="0" err="1">
+                <a:solidFill>
+                  <a:srgbClr val="FF0000"/>
+                </a:solidFill>
+                <a:ea typeface="SF Pro Semibold" pitchFamily="2" charset="0"/>
+                <a:cs typeface="Arial" panose="020B0604020202020204" pitchFamily="34" charset="0"/>
+              </a:rPr>
+              <a:t>không</a:t>
+            </a:r>
+            <a:r>
+              <a:rPr lang="en-US" sz="2800" dirty="0">
+                <a:solidFill>
+                  <a:srgbClr val="FF0000"/>
+                </a:solidFill>
+                <a:ea typeface="SF Pro Semibold" pitchFamily="2" charset="0"/>
+                <a:cs typeface="Arial" panose="020B0604020202020204" pitchFamily="34" charset="0"/>
+              </a:rPr>
+              <a:t>?: </a:t>
+            </a:r>
+            <a:endParaRPr lang="en-US" sz="2800" dirty="0">
               <a:solidFill>
                 <a:srgbClr val="FF0000"/>
               </a:solidFill>
-              <a:ea typeface="SF Pro Semibold" pitchFamily="2" charset="0"/>
-              <a:cs typeface="Arial" panose="020B0604020202020204" pitchFamily="34" charset="0"/>
-            </a:endParaRPr>
-          </a:p>
-          <a:p>
-            <a:pPr marL="457200" indent="-457200">
-              <a:lnSpc>
-                <a:spcPct val="150000"/>
-              </a:lnSpc>
-              <a:buFont typeface="Wingdings" panose="05000000000000000000" pitchFamily="2" charset="2"/>
-              <a:buChar char="Ø"/>
-            </a:pPr>
-            <a:r>
-              <a:rPr lang="en-US" sz="2400" dirty="0">
-                <a:ea typeface="SF Pro Semibold" pitchFamily="2" charset="0"/>
-                <a:cs typeface="Arial" panose="020B0604020202020204" pitchFamily="34" charset="0"/>
-              </a:rPr>
-              <a:t> sử dụng các chi tiết hình ảnh của da, được chụp trong các hình ảnh kỹ thuật số hoặc máy scan tiêu chuẩn.</a:t>
-            </a:r>
-            <a:endParaRPr lang="en-US" sz="2400" dirty="0">
-              <a:ea typeface="SF Pro Semibold" pitchFamily="2" charset="0"/>
-              <a:cs typeface="Arial" panose="020B0604020202020204" pitchFamily="34" charset="0"/>
-            </a:endParaRPr>
-          </a:p>
-          <a:p>
-            <a:pPr marL="457200" indent="-457200">
-              <a:lnSpc>
-                <a:spcPct val="150000"/>
-              </a:lnSpc>
-              <a:buFont typeface="Wingdings" panose="05000000000000000000" pitchFamily="2" charset="2"/>
-              <a:buChar char="Ø"/>
-            </a:pPr>
-            <a:r>
-              <a:rPr lang="en-US" sz="2400" dirty="0">
-                <a:ea typeface="SF Pro Semibold" pitchFamily="2" charset="0"/>
-                <a:cs typeface="Arial" panose="020B0604020202020204" pitchFamily="34" charset="0"/>
-              </a:rPr>
-              <a:t>phân tích kết cấu da, các đường đặc trưng, hình dạng và điểm nốt trên da.</a:t>
-            </a:r>
-            <a:endParaRPr lang="en-US" sz="2400" dirty="0">
-              <a:ea typeface="SF Pro Semibold" pitchFamily="2" charset="0"/>
-              <a:cs typeface="Arial" panose="020B0604020202020204" pitchFamily="34" charset="0"/>
-            </a:endParaRPr>
-          </a:p>
-          <a:p>
-            <a:pPr marL="457200" indent="-457200">
-              <a:lnSpc>
-                <a:spcPct val="150000"/>
-              </a:lnSpc>
-              <a:buFont typeface="Wingdings" panose="05000000000000000000" pitchFamily="2" charset="2"/>
-              <a:buChar char="Ø"/>
-            </a:pPr>
-            <a:r>
-              <a:rPr lang="en-US" sz="2400" dirty="0">
-                <a:ea typeface="SF Pro Semibold" pitchFamily="2" charset="0"/>
-                <a:cs typeface="Arial" panose="020B0604020202020204" pitchFamily="34" charset="0"/>
-              </a:rPr>
-              <a:t>Đưa vào không gian toán học.</a:t>
-            </a:r>
-            <a:endParaRPr lang="en-US" sz="2400" dirty="0">
-              <a:ea typeface="SF Pro Semibold" pitchFamily="2" charset="0"/>
-              <a:cs typeface="Arial" panose="020B0604020202020204" pitchFamily="34" charset="0"/>
-            </a:endParaRPr>
-          </a:p>
-          <a:p>
-            <a:pPr marL="457200" indent="-457200">
-              <a:lnSpc>
-                <a:spcPct val="150000"/>
-              </a:lnSpc>
-              <a:buFont typeface="Wingdings" panose="05000000000000000000" pitchFamily="2" charset="2"/>
-              <a:buChar char="Ø"/>
-            </a:pPr>
-            <a:endParaRPr lang="en-US" sz="2400" dirty="0">
-              <a:ea typeface="SF Pro Semibold" pitchFamily="2" charset="0"/>
-              <a:cs typeface="Arial" panose="020B0604020202020204" pitchFamily="34" charset="0"/>
-            </a:endParaRPr>
-          </a:p>
-          <a:p>
-            <a:pPr marL="457200" indent="-457200">
-              <a:lnSpc>
-                <a:spcPct val="150000"/>
-              </a:lnSpc>
-              <a:buFont typeface="Wingdings" panose="05000000000000000000" pitchFamily="2" charset="2"/>
-              <a:buChar char="Ø"/>
-            </a:pPr>
-            <a:endParaRPr lang="en-US" sz="2400" dirty="0">
-              <a:ea typeface="SF Pro Semibold" pitchFamily="2" charset="0"/>
-              <a:cs typeface="Arial" panose="020B0604020202020204" pitchFamily="34" charset="0"/>
-            </a:endParaRPr>
-          </a:p>
-          <a:p>
-            <a:pPr marL="0" indent="0">
-              <a:lnSpc>
-                <a:spcPct val="150000"/>
-              </a:lnSpc>
-              <a:buFont typeface="Wingdings" panose="05000000000000000000" pitchFamily="2" charset="2"/>
-              <a:buNone/>
-            </a:pPr>
-            <a:endParaRPr lang="en-US" sz="2400" dirty="0">
-              <a:ea typeface="SF Pro Semibold" pitchFamily="2" charset="0"/>
-              <a:cs typeface="Arial" panose="020B0604020202020204" pitchFamily="34" charset="0"/>
-            </a:endParaRPr>
-          </a:p>
-          <a:p>
-            <a:pPr marL="457200" indent="-457200">
-              <a:lnSpc>
-                <a:spcPct val="150000"/>
-              </a:lnSpc>
-              <a:buFont typeface="Wingdings" panose="05000000000000000000" pitchFamily="2" charset="2"/>
-              <a:buChar char="Ø"/>
-            </a:pPr>
-            <a:endParaRPr lang="en-US" sz="2400" dirty="0">
               <a:ea typeface="SF Pro Semibold" pitchFamily="2" charset="0"/>
               <a:cs typeface="Arial" panose="020B0604020202020204" pitchFamily="34" charset="0"/>
             </a:endParaRPr>
@@ -5473,32 +5527,6 @@
           </a:p>
         </p:txBody>
       </p:sp>
-      <p:pic>
-        <p:nvPicPr>
-          <p:cNvPr id="7" name="Picture 6"/>
-          <p:cNvPicPr>
-            <a:picLocks noChangeAspect="1"/>
-          </p:cNvPicPr>
-          <p:nvPr/>
-        </p:nvPicPr>
-        <p:blipFill>
-          <a:blip r:embed="rId1"/>
-          <a:stretch>
-            <a:fillRect/>
-          </a:stretch>
-        </p:blipFill>
-        <p:spPr>
-          <a:xfrm>
-            <a:off x="852434" y="2116729"/>
-            <a:ext cx="7874865" cy="4298364"/>
-          </a:xfrm>
-          <a:prstGeom prst="roundRect">
-            <a:avLst>
-              <a:gd name="adj" fmla="val 11967"/>
-            </a:avLst>
-          </a:prstGeom>
-        </p:spPr>
-      </p:pic>
       <p:sp>
         <p:nvSpPr>
           <p:cNvPr id="5" name="TextBox 4"/>
@@ -5572,7 +5600,7 @@
           <p:nvPr/>
         </p:nvPicPr>
         <p:blipFill>
-          <a:blip r:embed="rId2"/>
+          <a:blip r:embed="rId1"/>
           <a:stretch>
             <a:fillRect/>
           </a:stretch>
@@ -5637,7 +5665,7 @@
                   <a:srgbClr val="FF0000"/>
                 </a:solidFill>
               </a:rPr>
-              <a:t>3</a:t>
+              <a:t>4</a:t>
             </a:r>
             <a:endParaRPr lang="en-US">
               <a:solidFill>
@@ -5656,7 +5684,7 @@
         <p:spPr>
           <a:xfrm>
             <a:off x="703384" y="1121261"/>
-            <a:ext cx="8169310" cy="1383665"/>
+            <a:ext cx="8169310" cy="3507740"/>
           </a:xfrm>
           <a:prstGeom prst="rect">
             <a:avLst/>
@@ -5684,7 +5712,7 @@
                 <a:ea typeface="SF Pro Semibold" pitchFamily="2" charset="0"/>
                 <a:cs typeface="Arial" panose="020B0604020202020204" pitchFamily="34" charset="0"/>
               </a:rPr>
-              <a:t>3.1.Nhận </a:t>
+              <a:t>3.2.Nhận </a:t>
             </a:r>
             <a:r>
               <a:rPr lang="en-US" sz="2800" dirty="0" err="1">
@@ -5694,7 +5722,7 @@
                 <a:ea typeface="SF Pro Semibold" pitchFamily="2" charset="0"/>
                 <a:cs typeface="Arial" panose="020B0604020202020204" pitchFamily="34" charset="0"/>
               </a:rPr>
-              <a:t>dạng</a:t>
+              <a:t>diện</a:t>
             </a:r>
             <a:r>
               <a:rPr lang="en-US" sz="2800" dirty="0">
@@ -5764,6 +5792,26 @@
                 <a:ea typeface="SF Pro Semibold" pitchFamily="2" charset="0"/>
                 <a:cs typeface="Arial" panose="020B0604020202020204" pitchFamily="34" charset="0"/>
               </a:rPr>
+              <a:t> an </a:t>
+            </a:r>
+            <a:r>
+              <a:rPr lang="en-US" sz="2800" dirty="0" err="1">
+                <a:solidFill>
+                  <a:srgbClr val="FF0000"/>
+                </a:solidFill>
+                <a:ea typeface="SF Pro Semibold" pitchFamily="2" charset="0"/>
+                <a:cs typeface="Arial" panose="020B0604020202020204" pitchFamily="34" charset="0"/>
+              </a:rPr>
+              <a:t>toàn</a:t>
+            </a:r>
+            <a:r>
+              <a:rPr lang="en-US" sz="2800" dirty="0">
+                <a:solidFill>
+                  <a:srgbClr val="FF0000"/>
+                </a:solidFill>
+                <a:ea typeface="SF Pro Semibold" pitchFamily="2" charset="0"/>
+                <a:cs typeface="Arial" panose="020B0604020202020204" pitchFamily="34" charset="0"/>
+              </a:rPr>
               <a:t> </a:t>
             </a:r>
             <a:r>
@@ -5774,7 +5822,7 @@
                 <a:ea typeface="SF Pro Semibold" pitchFamily="2" charset="0"/>
                 <a:cs typeface="Arial" panose="020B0604020202020204" pitchFamily="34" charset="0"/>
               </a:rPr>
-              <a:t>chính</a:t>
+              <a:t>không</a:t>
             </a:r>
             <a:r>
               <a:rPr lang="en-US" sz="2800" dirty="0">
@@ -5784,52 +5832,503 @@
                 <a:ea typeface="SF Pro Semibold" pitchFamily="2" charset="0"/>
                 <a:cs typeface="Arial" panose="020B0604020202020204" pitchFamily="34" charset="0"/>
               </a:rPr>
-              <a:t> </a:t>
-            </a:r>
-            <a:r>
-              <a:rPr lang="en-US" sz="2800" dirty="0" err="1">
-                <a:solidFill>
-                  <a:srgbClr val="FF0000"/>
-                </a:solidFill>
-                <a:ea typeface="SF Pro Semibold" pitchFamily="2" charset="0"/>
-                <a:cs typeface="Arial" panose="020B0604020202020204" pitchFamily="34" charset="0"/>
-              </a:rPr>
-              <a:t>xác</a:t>
-            </a:r>
-            <a:r>
-              <a:rPr lang="en-US" sz="2800" dirty="0">
-                <a:solidFill>
-                  <a:srgbClr val="FF0000"/>
-                </a:solidFill>
-                <a:ea typeface="SF Pro Semibold" pitchFamily="2" charset="0"/>
-                <a:cs typeface="Arial" panose="020B0604020202020204" pitchFamily="34" charset="0"/>
-              </a:rPr>
-              <a:t> </a:t>
-            </a:r>
-            <a:r>
-              <a:rPr lang="en-US" sz="2800" dirty="0" err="1">
-                <a:solidFill>
-                  <a:srgbClr val="FF0000"/>
-                </a:solidFill>
-                <a:ea typeface="SF Pro Semibold" pitchFamily="2" charset="0"/>
-                <a:cs typeface="Arial" panose="020B0604020202020204" pitchFamily="34" charset="0"/>
-              </a:rPr>
-              <a:t>không</a:t>
-            </a:r>
-            <a:r>
-              <a:rPr lang="en-US" sz="2800" dirty="0">
-                <a:solidFill>
-                  <a:srgbClr val="FF0000"/>
-                </a:solidFill>
-                <a:ea typeface="SF Pro Semibold" pitchFamily="2" charset="0"/>
-                <a:cs typeface="Arial" panose="020B0604020202020204" pitchFamily="34" charset="0"/>
-              </a:rPr>
-              <a:t>?: </a:t>
+              <a:t>?:  </a:t>
             </a:r>
             <a:endParaRPr lang="en-US" sz="2800" dirty="0">
               <a:solidFill>
                 <a:srgbClr val="FF0000"/>
               </a:solidFill>
+              <a:ea typeface="SF Pro Semibold" pitchFamily="2" charset="0"/>
+              <a:cs typeface="Arial" panose="020B0604020202020204" pitchFamily="34" charset="0"/>
+            </a:endParaRPr>
+          </a:p>
+          <a:p>
+            <a:pPr marL="457200" indent="-457200">
+              <a:lnSpc>
+                <a:spcPct val="150000"/>
+              </a:lnSpc>
+              <a:buFont typeface="Wingdings" panose="05000000000000000000" pitchFamily="2" charset="2"/>
+              <a:buChar char="ü"/>
+            </a:pPr>
+            <a:r>
+              <a:rPr lang="en-US" sz="2400" dirty="0" err="1">
+                <a:ea typeface="SF Pro Semibold" pitchFamily="2" charset="0"/>
+                <a:cs typeface="Arial" panose="020B0604020202020204" pitchFamily="34" charset="0"/>
+              </a:rPr>
+              <a:t>Sử</a:t>
+            </a:r>
+            <a:r>
+              <a:rPr lang="en-US" sz="2400" dirty="0">
+                <a:ea typeface="SF Pro Semibold" pitchFamily="2" charset="0"/>
+                <a:cs typeface="Arial" panose="020B0604020202020204" pitchFamily="34" charset="0"/>
+              </a:rPr>
+              <a:t> dụng </a:t>
+            </a:r>
+            <a:r>
+              <a:rPr lang="en-US" sz="2400" dirty="0" err="1">
+                <a:ea typeface="SF Pro Semibold" pitchFamily="2" charset="0"/>
+                <a:cs typeface="Arial" panose="020B0604020202020204" pitchFamily="34" charset="0"/>
+              </a:rPr>
+              <a:t>các</a:t>
+            </a:r>
+            <a:r>
+              <a:rPr lang="en-US" sz="2400" dirty="0">
+                <a:ea typeface="SF Pro Semibold" pitchFamily="2" charset="0"/>
+                <a:cs typeface="Arial" panose="020B0604020202020204" pitchFamily="34" charset="0"/>
+              </a:rPr>
+              <a:t> </a:t>
+            </a:r>
+            <a:r>
+              <a:rPr lang="en-US" sz="2400" dirty="0" err="1">
+                <a:ea typeface="SF Pro Semibold" pitchFamily="2" charset="0"/>
+                <a:cs typeface="Arial" panose="020B0604020202020204" pitchFamily="34" charset="0"/>
+              </a:rPr>
+              <a:t>thuật</a:t>
+            </a:r>
+            <a:r>
+              <a:rPr lang="en-US" sz="2400" dirty="0">
+                <a:ea typeface="SF Pro Semibold" pitchFamily="2" charset="0"/>
+                <a:cs typeface="Arial" panose="020B0604020202020204" pitchFamily="34" charset="0"/>
+              </a:rPr>
+              <a:t> </a:t>
+            </a:r>
+            <a:r>
+              <a:rPr lang="en-US" sz="2400" dirty="0" err="1">
+                <a:ea typeface="SF Pro Semibold" pitchFamily="2" charset="0"/>
+                <a:cs typeface="Arial" panose="020B0604020202020204" pitchFamily="34" charset="0"/>
+              </a:rPr>
+              <a:t>toán</a:t>
+            </a:r>
+            <a:r>
+              <a:rPr lang="en-US" sz="2400" dirty="0">
+                <a:ea typeface="SF Pro Semibold" pitchFamily="2" charset="0"/>
+                <a:cs typeface="Arial" panose="020B0604020202020204" pitchFamily="34" charset="0"/>
+              </a:rPr>
+              <a:t> </a:t>
+            </a:r>
+            <a:r>
+              <a:rPr lang="en-US" sz="2400" dirty="0" err="1">
+                <a:ea typeface="SF Pro Semibold" pitchFamily="2" charset="0"/>
+                <a:cs typeface="Arial" panose="020B0604020202020204" pitchFamily="34" charset="0"/>
+              </a:rPr>
+              <a:t>để</a:t>
+            </a:r>
+            <a:r>
+              <a:rPr lang="en-US" sz="2400" dirty="0">
+                <a:ea typeface="SF Pro Semibold" pitchFamily="2" charset="0"/>
+                <a:cs typeface="Arial" panose="020B0604020202020204" pitchFamily="34" charset="0"/>
+              </a:rPr>
+              <a:t> </a:t>
+            </a:r>
+            <a:r>
+              <a:rPr lang="en-US" sz="2400" dirty="0" err="1">
+                <a:ea typeface="SF Pro Semibold" pitchFamily="2" charset="0"/>
+                <a:cs typeface="Arial" panose="020B0604020202020204" pitchFamily="34" charset="0"/>
+              </a:rPr>
+              <a:t>mã</a:t>
+            </a:r>
+            <a:r>
+              <a:rPr lang="en-US" sz="2400" dirty="0">
+                <a:ea typeface="SF Pro Semibold" pitchFamily="2" charset="0"/>
+                <a:cs typeface="Arial" panose="020B0604020202020204" pitchFamily="34" charset="0"/>
+              </a:rPr>
+              <a:t> </a:t>
+            </a:r>
+            <a:r>
+              <a:rPr lang="en-US" sz="2400" dirty="0" err="1">
+                <a:ea typeface="SF Pro Semibold" pitchFamily="2" charset="0"/>
+                <a:cs typeface="Arial" panose="020B0604020202020204" pitchFamily="34" charset="0"/>
+              </a:rPr>
+              <a:t>hóa</a:t>
+            </a:r>
+            <a:r>
+              <a:rPr lang="en-US" sz="2400" dirty="0">
+                <a:ea typeface="SF Pro Semibold" pitchFamily="2" charset="0"/>
+                <a:cs typeface="Arial" panose="020B0604020202020204" pitchFamily="34" charset="0"/>
+              </a:rPr>
+              <a:t> </a:t>
+            </a:r>
+            <a:r>
+              <a:rPr lang="en-US" sz="2400" dirty="0" err="1">
+                <a:ea typeface="SF Pro Semibold" pitchFamily="2" charset="0"/>
+                <a:cs typeface="Arial" panose="020B0604020202020204" pitchFamily="34" charset="0"/>
+              </a:rPr>
+              <a:t>dữ</a:t>
+            </a:r>
+            <a:r>
+              <a:rPr lang="en-US" sz="2400" dirty="0">
+                <a:ea typeface="SF Pro Semibold" pitchFamily="2" charset="0"/>
+                <a:cs typeface="Arial" panose="020B0604020202020204" pitchFamily="34" charset="0"/>
+              </a:rPr>
+              <a:t> </a:t>
+            </a:r>
+            <a:r>
+              <a:rPr lang="en-US" sz="2400" dirty="0" err="1">
+                <a:ea typeface="SF Pro Semibold" pitchFamily="2" charset="0"/>
+                <a:cs typeface="Arial" panose="020B0604020202020204" pitchFamily="34" charset="0"/>
+              </a:rPr>
+              <a:t>liệu</a:t>
+            </a:r>
+            <a:r>
+              <a:rPr lang="en-US" sz="2400" dirty="0">
+                <a:ea typeface="SF Pro Semibold" pitchFamily="2" charset="0"/>
+                <a:cs typeface="Arial" panose="020B0604020202020204" pitchFamily="34" charset="0"/>
+              </a:rPr>
+              <a:t> </a:t>
+            </a:r>
+            <a:r>
+              <a:rPr lang="en-US" sz="2400" dirty="0" err="1">
+                <a:ea typeface="SF Pro Semibold" pitchFamily="2" charset="0"/>
+                <a:cs typeface="Arial" panose="020B0604020202020204" pitchFamily="34" charset="0"/>
+              </a:rPr>
+              <a:t>sinh</a:t>
+            </a:r>
+            <a:r>
+              <a:rPr lang="en-US" sz="2400" dirty="0">
+                <a:ea typeface="SF Pro Semibold" pitchFamily="2" charset="0"/>
+                <a:cs typeface="Arial" panose="020B0604020202020204" pitchFamily="34" charset="0"/>
+              </a:rPr>
+              <a:t> </a:t>
+            </a:r>
+            <a:r>
+              <a:rPr lang="en-US" sz="2400" dirty="0" err="1">
+                <a:ea typeface="SF Pro Semibold" pitchFamily="2" charset="0"/>
+                <a:cs typeface="Arial" panose="020B0604020202020204" pitchFamily="34" charset="0"/>
+              </a:rPr>
+              <a:t>trắc</a:t>
+            </a:r>
+            <a:r>
+              <a:rPr lang="en-US" sz="2400" dirty="0">
+                <a:ea typeface="SF Pro Semibold" pitchFamily="2" charset="0"/>
+                <a:cs typeface="Arial" panose="020B0604020202020204" pitchFamily="34" charset="0"/>
+              </a:rPr>
+              <a:t> </a:t>
+            </a:r>
+            <a:r>
+              <a:rPr lang="en-US" sz="2400" dirty="0" err="1">
+                <a:ea typeface="SF Pro Semibold" pitchFamily="2" charset="0"/>
+                <a:cs typeface="Arial" panose="020B0604020202020204" pitchFamily="34" charset="0"/>
+              </a:rPr>
+              <a:t>học</a:t>
+            </a:r>
+            <a:r>
+              <a:rPr lang="en-US" sz="2400" dirty="0">
+                <a:ea typeface="SF Pro Semibold" pitchFamily="2" charset="0"/>
+                <a:cs typeface="Arial" panose="020B0604020202020204" pitchFamily="34" charset="0"/>
+              </a:rPr>
+              <a:t>. </a:t>
+            </a:r>
+            <a:r>
+              <a:rPr lang="en-US" sz="2400" dirty="0">
+                <a:effectLst/>
+                <a:ea typeface="SF Pro Semibold" pitchFamily="2" charset="0"/>
+                <a:cs typeface="Arial" panose="020B0604020202020204" pitchFamily="34" charset="0"/>
+              </a:rPr>
+              <a:t> </a:t>
+            </a:r>
+            <a:endParaRPr lang="en-US" sz="2400" dirty="0">
+              <a:effectLst/>
+              <a:ea typeface="SF Pro Semibold" pitchFamily="2" charset="0"/>
+              <a:cs typeface="Arial" panose="020B0604020202020204" pitchFamily="34" charset="0"/>
+            </a:endParaRPr>
+          </a:p>
+          <a:p>
+            <a:pPr marL="457200" indent="-457200">
+              <a:lnSpc>
+                <a:spcPct val="150000"/>
+              </a:lnSpc>
+              <a:buFont typeface="Wingdings" panose="05000000000000000000" pitchFamily="2" charset="2"/>
+              <a:buChar char="ü"/>
+            </a:pPr>
+            <a:r>
+              <a:rPr lang="en-US" sz="2400" dirty="0" err="1">
+                <a:ea typeface="SF Pro Semibold" pitchFamily="2" charset="0"/>
+                <a:cs typeface="Arial" panose="020B0604020202020204" pitchFamily="34" charset="0"/>
+              </a:rPr>
+              <a:t>Các</a:t>
+            </a:r>
+            <a:r>
+              <a:rPr lang="en-US" sz="2400" dirty="0">
+                <a:ea typeface="SF Pro Semibold" pitchFamily="2" charset="0"/>
+                <a:cs typeface="Arial" panose="020B0604020202020204" pitchFamily="34" charset="0"/>
+              </a:rPr>
+              <a:t> </a:t>
+            </a:r>
+            <a:r>
+              <a:rPr lang="en-US" sz="2400" dirty="0" err="1">
+                <a:ea typeface="SF Pro Semibold" pitchFamily="2" charset="0"/>
+                <a:cs typeface="Arial" panose="020B0604020202020204" pitchFamily="34" charset="0"/>
+              </a:rPr>
+              <a:t>dữ</a:t>
+            </a:r>
+            <a:r>
+              <a:rPr lang="en-US" sz="2400" dirty="0">
+                <a:ea typeface="SF Pro Semibold" pitchFamily="2" charset="0"/>
+                <a:cs typeface="Arial" panose="020B0604020202020204" pitchFamily="34" charset="0"/>
+              </a:rPr>
+              <a:t> </a:t>
+            </a:r>
+            <a:r>
+              <a:rPr lang="en-US" sz="2400" dirty="0" err="1">
+                <a:ea typeface="SF Pro Semibold" pitchFamily="2" charset="0"/>
+                <a:cs typeface="Arial" panose="020B0604020202020204" pitchFamily="34" charset="0"/>
+              </a:rPr>
+              <a:t>liệu</a:t>
+            </a:r>
+            <a:r>
+              <a:rPr lang="en-US" sz="2400" dirty="0">
+                <a:ea typeface="SF Pro Semibold" pitchFamily="2" charset="0"/>
+                <a:cs typeface="Arial" panose="020B0604020202020204" pitchFamily="34" charset="0"/>
+              </a:rPr>
+              <a:t> </a:t>
+            </a:r>
+            <a:r>
+              <a:rPr lang="en-US" sz="2400" dirty="0" err="1">
+                <a:ea typeface="SF Pro Semibold" pitchFamily="2" charset="0"/>
+                <a:cs typeface="Arial" panose="020B0604020202020204" pitchFamily="34" charset="0"/>
+              </a:rPr>
+              <a:t>này</a:t>
+            </a:r>
+            <a:r>
+              <a:rPr lang="en-US" sz="2400" dirty="0">
+                <a:ea typeface="SF Pro Semibold" pitchFamily="2" charset="0"/>
+                <a:cs typeface="Arial" panose="020B0604020202020204" pitchFamily="34" charset="0"/>
+              </a:rPr>
+              <a:t> </a:t>
+            </a:r>
+            <a:r>
+              <a:rPr lang="en-US" sz="2400" dirty="0" err="1">
+                <a:ea typeface="SF Pro Semibold" pitchFamily="2" charset="0"/>
+                <a:cs typeface="Arial" panose="020B0604020202020204" pitchFamily="34" charset="0"/>
+              </a:rPr>
+              <a:t>được</a:t>
+            </a:r>
+            <a:r>
+              <a:rPr lang="en-US" sz="2400" dirty="0">
+                <a:ea typeface="SF Pro Semibold" pitchFamily="2" charset="0"/>
+                <a:cs typeface="Arial" panose="020B0604020202020204" pitchFamily="34" charset="0"/>
+              </a:rPr>
+              <a:t> </a:t>
+            </a:r>
+            <a:r>
+              <a:rPr lang="en-US" sz="2400" dirty="0" err="1">
+                <a:ea typeface="SF Pro Semibold" pitchFamily="2" charset="0"/>
+                <a:cs typeface="Arial" panose="020B0604020202020204" pitchFamily="34" charset="0"/>
+              </a:rPr>
+              <a:t>lưu</a:t>
+            </a:r>
+            <a:r>
+              <a:rPr lang="en-US" sz="2400" dirty="0">
+                <a:ea typeface="SF Pro Semibold" pitchFamily="2" charset="0"/>
+                <a:cs typeface="Arial" panose="020B0604020202020204" pitchFamily="34" charset="0"/>
+              </a:rPr>
+              <a:t> </a:t>
+            </a:r>
+            <a:r>
+              <a:rPr lang="en-US" sz="2400" dirty="0" err="1">
+                <a:ea typeface="SF Pro Semibold" pitchFamily="2" charset="0"/>
+                <a:cs typeface="Arial" panose="020B0604020202020204" pitchFamily="34" charset="0"/>
+              </a:rPr>
+              <a:t>trữ</a:t>
+            </a:r>
+            <a:r>
+              <a:rPr lang="en-US" sz="2400" dirty="0">
+                <a:ea typeface="SF Pro Semibold" pitchFamily="2" charset="0"/>
+                <a:cs typeface="Arial" panose="020B0604020202020204" pitchFamily="34" charset="0"/>
+              </a:rPr>
+              <a:t> </a:t>
+            </a:r>
+            <a:r>
+              <a:rPr lang="en-US" sz="2400" dirty="0" err="1">
+                <a:ea typeface="SF Pro Semibold" pitchFamily="2" charset="0"/>
+                <a:cs typeface="Arial" panose="020B0604020202020204" pitchFamily="34" charset="0"/>
+              </a:rPr>
+              <a:t>dưới</a:t>
+            </a:r>
+            <a:r>
+              <a:rPr lang="en-US" sz="2400" dirty="0">
+                <a:ea typeface="SF Pro Semibold" pitchFamily="2" charset="0"/>
+                <a:cs typeface="Arial" panose="020B0604020202020204" pitchFamily="34" charset="0"/>
+              </a:rPr>
+              <a:t> </a:t>
+            </a:r>
+            <a:r>
+              <a:rPr lang="en-US" sz="2400" dirty="0" err="1">
+                <a:ea typeface="SF Pro Semibold" pitchFamily="2" charset="0"/>
+                <a:cs typeface="Arial" panose="020B0604020202020204" pitchFamily="34" charset="0"/>
+              </a:rPr>
+              <a:t>dạng</a:t>
+            </a:r>
+            <a:r>
+              <a:rPr lang="en-US" sz="2400" dirty="0">
+                <a:ea typeface="SF Pro Semibold" pitchFamily="2" charset="0"/>
+                <a:cs typeface="Arial" panose="020B0604020202020204" pitchFamily="34" charset="0"/>
+              </a:rPr>
+              <a:t> </a:t>
+            </a:r>
+            <a:r>
+              <a:rPr lang="en-US" sz="2400" dirty="0" err="1">
+                <a:ea typeface="SF Pro Semibold" pitchFamily="2" charset="0"/>
+                <a:cs typeface="Arial" panose="020B0604020202020204" pitchFamily="34" charset="0"/>
+              </a:rPr>
+              <a:t>ẩn</a:t>
+            </a:r>
+            <a:r>
+              <a:rPr lang="en-US" sz="2400" dirty="0">
+                <a:ea typeface="SF Pro Semibold" pitchFamily="2" charset="0"/>
+                <a:cs typeface="Arial" panose="020B0604020202020204" pitchFamily="34" charset="0"/>
+              </a:rPr>
+              <a:t> </a:t>
+            </a:r>
+            <a:r>
+              <a:rPr lang="en-US" sz="2400" dirty="0" err="1">
+                <a:ea typeface="SF Pro Semibold" pitchFamily="2" charset="0"/>
+                <a:cs typeface="Arial" panose="020B0604020202020204" pitchFamily="34" charset="0"/>
+              </a:rPr>
+              <a:t>danh</a:t>
+            </a:r>
+            <a:r>
+              <a:rPr lang="en-US" sz="2400" dirty="0">
+                <a:ea typeface="SF Pro Semibold" pitchFamily="2" charset="0"/>
+                <a:cs typeface="Arial" panose="020B0604020202020204" pitchFamily="34" charset="0"/>
+              </a:rPr>
+              <a:t>. </a:t>
+            </a:r>
+            <a:endParaRPr lang="en-US" sz="2400" dirty="0">
+              <a:ea typeface="SF Pro Semibold" pitchFamily="2" charset="0"/>
+              <a:cs typeface="Arial" panose="020B0604020202020204" pitchFamily="34" charset="0"/>
+            </a:endParaRPr>
+          </a:p>
+          <a:p>
+            <a:pPr>
+              <a:lnSpc>
+                <a:spcPct val="150000"/>
+              </a:lnSpc>
+            </a:pPr>
+            <a:r>
+              <a:rPr lang="en-US" sz="2400" dirty="0">
+                <a:ea typeface="SF Pro Semibold" pitchFamily="2" charset="0"/>
+                <a:cs typeface="Arial" panose="020B0604020202020204" pitchFamily="34" charset="0"/>
+              </a:rPr>
+              <a:t>	</a:t>
+            </a:r>
+            <a:endParaRPr lang="en-US" sz="2400" dirty="0">
+              <a:ea typeface="SF Pro Semibold" pitchFamily="2" charset="0"/>
+              <a:cs typeface="Arial" panose="020B0604020202020204" pitchFamily="34" charset="0"/>
+            </a:endParaRPr>
+          </a:p>
+          <a:p>
+            <a:pPr>
+              <a:lnSpc>
+                <a:spcPct val="150000"/>
+              </a:lnSpc>
+            </a:pPr>
+            <a:r>
+              <a:rPr lang="en-US" sz="2400" dirty="0">
+                <a:ea typeface="SF Pro Semibold" pitchFamily="2" charset="0"/>
+                <a:cs typeface="Arial" panose="020B0604020202020204" pitchFamily="34" charset="0"/>
+              </a:rPr>
+              <a:t>=&gt; </a:t>
+            </a:r>
+            <a:r>
+              <a:rPr lang="en-US" sz="2400" dirty="0" err="1">
+                <a:ea typeface="SF Pro Semibold" pitchFamily="2" charset="0"/>
+                <a:cs typeface="Arial" panose="020B0604020202020204" pitchFamily="34" charset="0"/>
+              </a:rPr>
+              <a:t>Công</a:t>
+            </a:r>
+            <a:r>
+              <a:rPr lang="en-US" sz="2400" dirty="0">
+                <a:ea typeface="SF Pro Semibold" pitchFamily="2" charset="0"/>
+                <a:cs typeface="Arial" panose="020B0604020202020204" pitchFamily="34" charset="0"/>
+              </a:rPr>
+              <a:t> </a:t>
+            </a:r>
+            <a:r>
+              <a:rPr lang="en-US" sz="2400" dirty="0" err="1">
+                <a:ea typeface="SF Pro Semibold" pitchFamily="2" charset="0"/>
+                <a:cs typeface="Arial" panose="020B0604020202020204" pitchFamily="34" charset="0"/>
+              </a:rPr>
+              <a:t>nghệ</a:t>
+            </a:r>
+            <a:r>
+              <a:rPr lang="en-US" sz="2400" dirty="0">
+                <a:ea typeface="SF Pro Semibold" pitchFamily="2" charset="0"/>
+                <a:cs typeface="Arial" panose="020B0604020202020204" pitchFamily="34" charset="0"/>
+              </a:rPr>
+              <a:t> </a:t>
+            </a:r>
+            <a:r>
+              <a:rPr lang="en-US" sz="2400" dirty="0" err="1">
+                <a:ea typeface="SF Pro Semibold" pitchFamily="2" charset="0"/>
+                <a:cs typeface="Arial" panose="020B0604020202020204" pitchFamily="34" charset="0"/>
+              </a:rPr>
+              <a:t>này</a:t>
+            </a:r>
+            <a:r>
+              <a:rPr lang="en-US" sz="2400" dirty="0">
+                <a:ea typeface="SF Pro Semibold" pitchFamily="2" charset="0"/>
+                <a:cs typeface="Arial" panose="020B0604020202020204" pitchFamily="34" charset="0"/>
+              </a:rPr>
+              <a:t> </a:t>
+            </a:r>
+            <a:r>
+              <a:rPr lang="en-US" sz="2400" dirty="0" err="1">
+                <a:ea typeface="SF Pro Semibold" pitchFamily="2" charset="0"/>
+                <a:cs typeface="Arial" panose="020B0604020202020204" pitchFamily="34" charset="0"/>
+              </a:rPr>
+              <a:t>có</a:t>
+            </a:r>
+            <a:r>
+              <a:rPr lang="en-US" sz="2400" dirty="0">
+                <a:ea typeface="SF Pro Semibold" pitchFamily="2" charset="0"/>
+                <a:cs typeface="Arial" panose="020B0604020202020204" pitchFamily="34" charset="0"/>
+              </a:rPr>
+              <a:t> </a:t>
+            </a:r>
+            <a:r>
+              <a:rPr lang="en-US" sz="2400" dirty="0" err="1">
+                <a:ea typeface="SF Pro Semibold" pitchFamily="2" charset="0"/>
+                <a:cs typeface="Arial" panose="020B0604020202020204" pitchFamily="34" charset="0"/>
+              </a:rPr>
+              <a:t>độ</a:t>
+            </a:r>
+            <a:r>
+              <a:rPr lang="en-US" sz="2400" dirty="0">
+                <a:ea typeface="SF Pro Semibold" pitchFamily="2" charset="0"/>
+                <a:cs typeface="Arial" panose="020B0604020202020204" pitchFamily="34" charset="0"/>
+              </a:rPr>
+              <a:t> an </a:t>
+            </a:r>
+            <a:r>
+              <a:rPr lang="en-US" sz="2400" dirty="0" err="1">
+                <a:ea typeface="SF Pro Semibold" pitchFamily="2" charset="0"/>
+                <a:cs typeface="Arial" panose="020B0604020202020204" pitchFamily="34" charset="0"/>
+              </a:rPr>
+              <a:t>toàn</a:t>
+            </a:r>
+            <a:r>
+              <a:rPr lang="en-US" sz="2400" dirty="0">
+                <a:ea typeface="SF Pro Semibold" pitchFamily="2" charset="0"/>
+                <a:cs typeface="Arial" panose="020B0604020202020204" pitchFamily="34" charset="0"/>
+              </a:rPr>
+              <a:t> </a:t>
+            </a:r>
+            <a:r>
+              <a:rPr lang="en-US" sz="2400" dirty="0" err="1">
+                <a:ea typeface="SF Pro Semibold" pitchFamily="2" charset="0"/>
+                <a:cs typeface="Arial" panose="020B0604020202020204" pitchFamily="34" charset="0"/>
+              </a:rPr>
+              <a:t>cao</a:t>
+            </a:r>
+            <a:r>
+              <a:rPr lang="en-US" sz="2400" dirty="0">
+                <a:ea typeface="SF Pro Semibold" pitchFamily="2" charset="0"/>
+                <a:cs typeface="Arial" panose="020B0604020202020204" pitchFamily="34" charset="0"/>
+              </a:rPr>
+              <a:t>. </a:t>
+            </a:r>
+            <a:endParaRPr lang="en-US" sz="2400" dirty="0">
               <a:ea typeface="SF Pro Semibold" pitchFamily="2" charset="0"/>
               <a:cs typeface="Arial" panose="020B0604020202020204" pitchFamily="34" charset="0"/>
             </a:endParaRPr>
@@ -6048,7 +6547,7 @@
                   <a:srgbClr val="FF0000"/>
                 </a:solidFill>
               </a:rPr>
-              <a:t>4</a:t>
+              <a:t>3</a:t>
             </a:r>
             <a:endParaRPr lang="en-US">
               <a:solidFill>
@@ -6066,8 +6565,8 @@
         </p:nvSpPr>
         <p:spPr>
           <a:xfrm>
-            <a:off x="703384" y="1121261"/>
-            <a:ext cx="8169310" cy="3507740"/>
+            <a:off x="703384" y="1121257"/>
+            <a:ext cx="8169310" cy="4707890"/>
           </a:xfrm>
           <a:prstGeom prst="rect">
             <a:avLst/>
@@ -6095,7 +6594,7 @@
                 <a:ea typeface="SF Pro Semibold" pitchFamily="2" charset="0"/>
                 <a:cs typeface="Arial" panose="020B0604020202020204" pitchFamily="34" charset="0"/>
               </a:rPr>
-              <a:t>3.2.Nhận </a:t>
+              <a:t>3.1.Nhận </a:t>
             </a:r>
             <a:r>
               <a:rPr lang="en-US" sz="2800" dirty="0" err="1">
@@ -6105,7 +6604,7 @@
                 <a:ea typeface="SF Pro Semibold" pitchFamily="2" charset="0"/>
                 <a:cs typeface="Arial" panose="020B0604020202020204" pitchFamily="34" charset="0"/>
               </a:rPr>
-              <a:t>diện</a:t>
+              <a:t>dạng</a:t>
             </a:r>
             <a:r>
               <a:rPr lang="en-US" sz="2800" dirty="0">
@@ -6175,7 +6674,7 @@
                 <a:ea typeface="SF Pro Semibold" pitchFamily="2" charset="0"/>
                 <a:cs typeface="Arial" panose="020B0604020202020204" pitchFamily="34" charset="0"/>
               </a:rPr>
-              <a:t> an </a:t>
+              <a:t> </a:t>
             </a:r>
             <a:r>
               <a:rPr lang="en-US" sz="2800" dirty="0" err="1">
@@ -6185,7 +6684,7 @@
                 <a:ea typeface="SF Pro Semibold" pitchFamily="2" charset="0"/>
                 <a:cs typeface="Arial" panose="020B0604020202020204" pitchFamily="34" charset="0"/>
               </a:rPr>
-              <a:t>toàn</a:t>
+              <a:t>chính</a:t>
             </a:r>
             <a:r>
               <a:rPr lang="en-US" sz="2800" dirty="0">
@@ -6205,6 +6704,26 @@
                 <a:ea typeface="SF Pro Semibold" pitchFamily="2" charset="0"/>
                 <a:cs typeface="Arial" panose="020B0604020202020204" pitchFamily="34" charset="0"/>
               </a:rPr>
+              <a:t>xác</a:t>
+            </a:r>
+            <a:r>
+              <a:rPr lang="en-US" sz="2800" dirty="0">
+                <a:solidFill>
+                  <a:srgbClr val="FF0000"/>
+                </a:solidFill>
+                <a:ea typeface="SF Pro Semibold" pitchFamily="2" charset="0"/>
+                <a:cs typeface="Arial" panose="020B0604020202020204" pitchFamily="34" charset="0"/>
+              </a:rPr>
+              <a:t> </a:t>
+            </a:r>
+            <a:r>
+              <a:rPr lang="en-US" sz="2800" dirty="0" err="1">
+                <a:solidFill>
+                  <a:srgbClr val="FF0000"/>
+                </a:solidFill>
+                <a:ea typeface="SF Pro Semibold" pitchFamily="2" charset="0"/>
+                <a:cs typeface="Arial" panose="020B0604020202020204" pitchFamily="34" charset="0"/>
+              </a:rPr>
               <a:t>không</a:t>
             </a:r>
             <a:r>
@@ -6215,7 +6734,7 @@
                 <a:ea typeface="SF Pro Semibold" pitchFamily="2" charset="0"/>
                 <a:cs typeface="Arial" panose="020B0604020202020204" pitchFamily="34" charset="0"/>
               </a:rPr>
-              <a:t>?:  </a:t>
+              <a:t>?: </a:t>
             </a:r>
             <a:endParaRPr lang="en-US" sz="2800" dirty="0">
               <a:solidFill>
@@ -6231,28 +6750,28 @@
                 <a:spcPct val="150000"/>
               </a:lnSpc>
               <a:buFont typeface="Wingdings" panose="05000000000000000000" pitchFamily="2" charset="2"/>
-              <a:buChar char="ü"/>
+              <a:buChar char="Ø"/>
             </a:pPr>
             <a:r>
               <a:rPr lang="en-US" sz="2400" dirty="0" err="1">
                 <a:ea typeface="SF Pro Semibold" pitchFamily="2" charset="0"/>
                 <a:cs typeface="Arial" panose="020B0604020202020204" pitchFamily="34" charset="0"/>
               </a:rPr>
-              <a:t>Sử</a:t>
+              <a:t>Phụ</a:t>
             </a:r>
             <a:r>
               <a:rPr lang="en-US" sz="2400" dirty="0">
                 <a:ea typeface="SF Pro Semibold" pitchFamily="2" charset="0"/>
                 <a:cs typeface="Arial" panose="020B0604020202020204" pitchFamily="34" charset="0"/>
               </a:rPr>
-              <a:t> dụng </a:t>
+              <a:t> </a:t>
             </a:r>
             <a:r>
               <a:rPr lang="en-US" sz="2400" dirty="0" err="1">
                 <a:ea typeface="SF Pro Semibold" pitchFamily="2" charset="0"/>
                 <a:cs typeface="Arial" panose="020B0604020202020204" pitchFamily="34" charset="0"/>
               </a:rPr>
-              <a:t>các</a:t>
+              <a:t>thuộc</a:t>
             </a:r>
             <a:r>
               <a:rPr lang="en-US" sz="2400" dirty="0">
@@ -6266,7 +6785,7 @@
                 <a:ea typeface="SF Pro Semibold" pitchFamily="2" charset="0"/>
                 <a:cs typeface="Arial" panose="020B0604020202020204" pitchFamily="34" charset="0"/>
               </a:rPr>
-              <a:t>thuật</a:t>
+              <a:t>vào</a:t>
             </a:r>
             <a:r>
               <a:rPr lang="en-US" sz="2400" dirty="0">
@@ -6280,7 +6799,7 @@
                 <a:ea typeface="SF Pro Semibold" pitchFamily="2" charset="0"/>
                 <a:cs typeface="Arial" panose="020B0604020202020204" pitchFamily="34" charset="0"/>
               </a:rPr>
-              <a:t>toán</a:t>
+              <a:t>nhiều</a:t>
             </a:r>
             <a:r>
               <a:rPr lang="en-US" sz="2400" dirty="0">
@@ -6294,7 +6813,7 @@
                 <a:ea typeface="SF Pro Semibold" pitchFamily="2" charset="0"/>
                 <a:cs typeface="Arial" panose="020B0604020202020204" pitchFamily="34" charset="0"/>
               </a:rPr>
-              <a:t>để</a:t>
+              <a:t>yếu</a:t>
             </a:r>
             <a:r>
               <a:rPr lang="en-US" sz="2400" dirty="0">
@@ -6308,109 +6827,16 @@
                 <a:ea typeface="SF Pro Semibold" pitchFamily="2" charset="0"/>
                 <a:cs typeface="Arial" panose="020B0604020202020204" pitchFamily="34" charset="0"/>
               </a:rPr>
-              <a:t>mã</a:t>
+              <a:t>tố</a:t>
             </a:r>
             <a:r>
               <a:rPr lang="en-US" sz="2400" dirty="0">
                 <a:ea typeface="SF Pro Semibold" pitchFamily="2" charset="0"/>
                 <a:cs typeface="Arial" panose="020B0604020202020204" pitchFamily="34" charset="0"/>
               </a:rPr>
-              <a:t> </a:t>
-            </a:r>
-            <a:r>
-              <a:rPr lang="en-US" sz="2400" dirty="0" err="1">
-                <a:ea typeface="SF Pro Semibold" pitchFamily="2" charset="0"/>
-                <a:cs typeface="Arial" panose="020B0604020202020204" pitchFamily="34" charset="0"/>
-              </a:rPr>
-              <a:t>hóa</a:t>
-            </a:r>
-            <a:r>
-              <a:rPr lang="en-US" sz="2400" dirty="0">
-                <a:ea typeface="SF Pro Semibold" pitchFamily="2" charset="0"/>
-                <a:cs typeface="Arial" panose="020B0604020202020204" pitchFamily="34" charset="0"/>
-              </a:rPr>
-              <a:t> </a:t>
-            </a:r>
-            <a:r>
-              <a:rPr lang="en-US" sz="2400" dirty="0" err="1">
-                <a:ea typeface="SF Pro Semibold" pitchFamily="2" charset="0"/>
-                <a:cs typeface="Arial" panose="020B0604020202020204" pitchFamily="34" charset="0"/>
-              </a:rPr>
-              <a:t>dữ</a:t>
-            </a:r>
-            <a:r>
-              <a:rPr lang="en-US" sz="2400" dirty="0">
-                <a:ea typeface="SF Pro Semibold" pitchFamily="2" charset="0"/>
-                <a:cs typeface="Arial" panose="020B0604020202020204" pitchFamily="34" charset="0"/>
-              </a:rPr>
-              <a:t> </a:t>
-            </a:r>
-            <a:r>
-              <a:rPr lang="en-US" sz="2400" dirty="0" err="1">
-                <a:ea typeface="SF Pro Semibold" pitchFamily="2" charset="0"/>
-                <a:cs typeface="Arial" panose="020B0604020202020204" pitchFamily="34" charset="0"/>
-              </a:rPr>
-              <a:t>liệu</a:t>
-            </a:r>
-            <a:r>
-              <a:rPr lang="en-US" sz="2400" dirty="0">
-                <a:ea typeface="SF Pro Semibold" pitchFamily="2" charset="0"/>
-                <a:cs typeface="Arial" panose="020B0604020202020204" pitchFamily="34" charset="0"/>
-              </a:rPr>
-              <a:t> </a:t>
-            </a:r>
-            <a:r>
-              <a:rPr lang="en-US" sz="2400" dirty="0" err="1">
-                <a:ea typeface="SF Pro Semibold" pitchFamily="2" charset="0"/>
-                <a:cs typeface="Arial" panose="020B0604020202020204" pitchFamily="34" charset="0"/>
-              </a:rPr>
-              <a:t>sinh</a:t>
-            </a:r>
-            <a:r>
-              <a:rPr lang="en-US" sz="2400" dirty="0">
-                <a:ea typeface="SF Pro Semibold" pitchFamily="2" charset="0"/>
-                <a:cs typeface="Arial" panose="020B0604020202020204" pitchFamily="34" charset="0"/>
-              </a:rPr>
-              <a:t> </a:t>
-            </a:r>
-            <a:r>
-              <a:rPr lang="en-US" sz="2400" dirty="0" err="1">
-                <a:ea typeface="SF Pro Semibold" pitchFamily="2" charset="0"/>
-                <a:cs typeface="Arial" panose="020B0604020202020204" pitchFamily="34" charset="0"/>
-              </a:rPr>
-              <a:t>trắc</a:t>
-            </a:r>
-            <a:r>
-              <a:rPr lang="en-US" sz="2400" dirty="0">
-                <a:ea typeface="SF Pro Semibold" pitchFamily="2" charset="0"/>
-                <a:cs typeface="Arial" panose="020B0604020202020204" pitchFamily="34" charset="0"/>
-              </a:rPr>
-              <a:t> </a:t>
-            </a:r>
-            <a:r>
-              <a:rPr lang="en-US" sz="2400" dirty="0" err="1">
-                <a:ea typeface="SF Pro Semibold" pitchFamily="2" charset="0"/>
-                <a:cs typeface="Arial" panose="020B0604020202020204" pitchFamily="34" charset="0"/>
-              </a:rPr>
-              <a:t>học</a:t>
-            </a:r>
-            <a:r>
-              <a:rPr lang="en-US" sz="2400" dirty="0">
-                <a:ea typeface="SF Pro Semibold" pitchFamily="2" charset="0"/>
-                <a:cs typeface="Arial" panose="020B0604020202020204" pitchFamily="34" charset="0"/>
-              </a:rPr>
-              <a:t>. </a:t>
-            </a:r>
-            <a:r>
-              <a:rPr lang="en-US" sz="2400" dirty="0">
-                <a:effectLst/>
-                <a:ea typeface="SF Pro Semibold" pitchFamily="2" charset="0"/>
-                <a:cs typeface="Arial" panose="020B0604020202020204" pitchFamily="34" charset="0"/>
-              </a:rPr>
-              <a:t> </a:t>
+              <a:t>: </a:t>
             </a:r>
             <a:endParaRPr lang="en-US" sz="2400" dirty="0">
-              <a:effectLst/>
               <a:ea typeface="SF Pro Semibold" pitchFamily="2" charset="0"/>
               <a:cs typeface="Arial" panose="020B0604020202020204" pitchFamily="34" charset="0"/>
             </a:endParaRPr>
@@ -6428,10 +6854,19 @@
                 <a:ea typeface="SF Pro Semibold" pitchFamily="2" charset="0"/>
                 <a:cs typeface="Arial" panose="020B0604020202020204" pitchFamily="34" charset="0"/>
               </a:rPr>
-              <a:t>Các</a:t>
+              <a:t>L</a:t>
+            </a:r>
+            <a:r>
+              <a:rPr lang="en-US" sz="2400" dirty="0" err="1">
+                <a:effectLst/>
+                <a:ea typeface="SF Pro Semibold" pitchFamily="2" charset="0"/>
+                <a:cs typeface="Arial" panose="020B0604020202020204" pitchFamily="34" charset="0"/>
+              </a:rPr>
+              <a:t>ão</a:t>
             </a:r>
             <a:r>
               <a:rPr lang="en-US" sz="2400" dirty="0">
+                <a:effectLst/>
                 <a:ea typeface="SF Pro Semibold" pitchFamily="2" charset="0"/>
                 <a:cs typeface="Arial" panose="020B0604020202020204" pitchFamily="34" charset="0"/>
               </a:rPr>
@@ -6439,13 +6874,15 @@
             </a:r>
             <a:r>
               <a:rPr lang="en-US" sz="2400" dirty="0" err="1">
-                <a:ea typeface="SF Pro Semibold" pitchFamily="2" charset="0"/>
-                <a:cs typeface="Arial" panose="020B0604020202020204" pitchFamily="34" charset="0"/>
-              </a:rPr>
-              <a:t>dữ</a:t>
+                <a:effectLst/>
+                <a:ea typeface="SF Pro Semibold" pitchFamily="2" charset="0"/>
+                <a:cs typeface="Arial" panose="020B0604020202020204" pitchFamily="34" charset="0"/>
+              </a:rPr>
+              <a:t>hóa</a:t>
             </a:r>
             <a:r>
               <a:rPr lang="en-US" sz="2400" dirty="0">
+                <a:effectLst/>
                 <a:ea typeface="SF Pro Semibold" pitchFamily="2" charset="0"/>
                 <a:cs typeface="Arial" panose="020B0604020202020204" pitchFamily="34" charset="0"/>
               </a:rPr>
@@ -6453,13 +6890,15 @@
             </a:r>
             <a:r>
               <a:rPr lang="en-US" sz="2400" dirty="0" err="1">
-                <a:ea typeface="SF Pro Semibold" pitchFamily="2" charset="0"/>
-                <a:cs typeface="Arial" panose="020B0604020202020204" pitchFamily="34" charset="0"/>
-              </a:rPr>
-              <a:t>liệu</a:t>
+                <a:effectLst/>
+                <a:ea typeface="SF Pro Semibold" pitchFamily="2" charset="0"/>
+                <a:cs typeface="Arial" panose="020B0604020202020204" pitchFamily="34" charset="0"/>
+              </a:rPr>
+              <a:t>trên</a:t>
             </a:r>
             <a:r>
               <a:rPr lang="en-US" sz="2400" dirty="0">
+                <a:effectLst/>
                 <a:ea typeface="SF Pro Semibold" pitchFamily="2" charset="0"/>
                 <a:cs typeface="Arial" panose="020B0604020202020204" pitchFamily="34" charset="0"/>
               </a:rPr>
@@ -6467,13 +6906,15 @@
             </a:r>
             <a:r>
               <a:rPr lang="en-US" sz="2400" dirty="0" err="1">
-                <a:ea typeface="SF Pro Semibold" pitchFamily="2" charset="0"/>
-                <a:cs typeface="Arial" panose="020B0604020202020204" pitchFamily="34" charset="0"/>
-              </a:rPr>
-              <a:t>này</a:t>
+                <a:effectLst/>
+                <a:ea typeface="SF Pro Semibold" pitchFamily="2" charset="0"/>
+                <a:cs typeface="Arial" panose="020B0604020202020204" pitchFamily="34" charset="0"/>
+              </a:rPr>
+              <a:t>khuôn</a:t>
             </a:r>
             <a:r>
               <a:rPr lang="en-US" sz="2400" dirty="0">
+                <a:effectLst/>
                 <a:ea typeface="SF Pro Semibold" pitchFamily="2" charset="0"/>
                 <a:cs typeface="Arial" panose="020B0604020202020204" pitchFamily="34" charset="0"/>
               </a:rPr>
@@ -6481,13 +6922,43 @@
             </a:r>
             <a:r>
               <a:rPr lang="en-US" sz="2400" dirty="0" err="1">
-                <a:ea typeface="SF Pro Semibold" pitchFamily="2" charset="0"/>
-                <a:cs typeface="Arial" panose="020B0604020202020204" pitchFamily="34" charset="0"/>
-              </a:rPr>
-              <a:t>được</a:t>
+                <a:effectLst/>
+                <a:ea typeface="SF Pro Semibold" pitchFamily="2" charset="0"/>
+                <a:cs typeface="Arial" panose="020B0604020202020204" pitchFamily="34" charset="0"/>
+              </a:rPr>
+              <a:t>mặt</a:t>
             </a:r>
             <a:r>
               <a:rPr lang="en-US" sz="2400" dirty="0">
+                <a:effectLst/>
+                <a:ea typeface="SF Pro Semibold" pitchFamily="2" charset="0"/>
+                <a:cs typeface="Arial" panose="020B0604020202020204" pitchFamily="34" charset="0"/>
+              </a:rPr>
+              <a:t>. </a:t>
+            </a:r>
+            <a:endParaRPr lang="en-US" sz="2400" dirty="0">
+              <a:effectLst/>
+              <a:ea typeface="SF Pro Semibold" pitchFamily="2" charset="0"/>
+              <a:cs typeface="Arial" panose="020B0604020202020204" pitchFamily="34" charset="0"/>
+            </a:endParaRPr>
+          </a:p>
+          <a:p>
+            <a:pPr marL="457200" indent="-457200">
+              <a:lnSpc>
+                <a:spcPct val="150000"/>
+              </a:lnSpc>
+              <a:buFont typeface="Wingdings" panose="05000000000000000000" pitchFamily="2" charset="2"/>
+              <a:buChar char="ü"/>
+            </a:pPr>
+            <a:r>
+              <a:rPr lang="en-US" sz="2400" dirty="0" err="1">
+                <a:ea typeface="SF Pro Semibold" pitchFamily="2" charset="0"/>
+                <a:cs typeface="Arial" panose="020B0604020202020204" pitchFamily="34" charset="0"/>
+              </a:rPr>
+              <a:t>Hệ</a:t>
+            </a:r>
+            <a:r>
+              <a:rPr lang="en-US" sz="2400" dirty="0">
                 <a:ea typeface="SF Pro Semibold" pitchFamily="2" charset="0"/>
                 <a:cs typeface="Arial" panose="020B0604020202020204" pitchFamily="34" charset="0"/>
               </a:rPr>
@@ -6498,7 +6969,7 @@
                 <a:ea typeface="SF Pro Semibold" pitchFamily="2" charset="0"/>
                 <a:cs typeface="Arial" panose="020B0604020202020204" pitchFamily="34" charset="0"/>
               </a:rPr>
-              <a:t>lưu</a:t>
+              <a:t>điều</a:t>
             </a:r>
             <a:r>
               <a:rPr lang="en-US" sz="2400" dirty="0">
@@ -6512,7 +6983,7 @@
                 <a:ea typeface="SF Pro Semibold" pitchFamily="2" charset="0"/>
                 <a:cs typeface="Arial" panose="020B0604020202020204" pitchFamily="34" charset="0"/>
               </a:rPr>
-              <a:t>trữ</a:t>
+              <a:t>hành</a:t>
             </a:r>
             <a:r>
               <a:rPr lang="en-US" sz="2400" dirty="0">
@@ -6526,7 +6997,7 @@
                 <a:ea typeface="SF Pro Semibold" pitchFamily="2" charset="0"/>
                 <a:cs typeface="Arial" panose="020B0604020202020204" pitchFamily="34" charset="0"/>
               </a:rPr>
-              <a:t>dưới</a:t>
+              <a:t>ổn</a:t>
             </a:r>
             <a:r>
               <a:rPr lang="en-US" sz="2400" dirty="0">
@@ -6540,13 +7011,40 @@
                 <a:ea typeface="SF Pro Semibold" pitchFamily="2" charset="0"/>
                 <a:cs typeface="Arial" panose="020B0604020202020204" pitchFamily="34" charset="0"/>
               </a:rPr>
-              <a:t>dạng</a:t>
+              <a:t>định</a:t>
             </a:r>
             <a:r>
               <a:rPr lang="en-US" sz="2400" dirty="0">
                 <a:ea typeface="SF Pro Semibold" pitchFamily="2" charset="0"/>
                 <a:cs typeface="Arial" panose="020B0604020202020204" pitchFamily="34" charset="0"/>
               </a:rPr>
+              <a:t>. </a:t>
+            </a:r>
+            <a:endParaRPr lang="en-US" sz="2400" dirty="0">
+              <a:ea typeface="SF Pro Semibold" pitchFamily="2" charset="0"/>
+              <a:cs typeface="Arial" panose="020B0604020202020204" pitchFamily="34" charset="0"/>
+            </a:endParaRPr>
+          </a:p>
+          <a:p>
+            <a:pPr marL="457200" indent="-457200">
+              <a:lnSpc>
+                <a:spcPct val="150000"/>
+              </a:lnSpc>
+              <a:buFont typeface="Wingdings" panose="05000000000000000000" pitchFamily="2" charset="2"/>
+              <a:buChar char="ü"/>
+            </a:pPr>
+            <a:r>
+              <a:rPr lang="en-US" sz="2400" dirty="0" err="1">
+                <a:ea typeface="SF Pro Semibold" pitchFamily="2" charset="0"/>
+                <a:cs typeface="Arial" panose="020B0604020202020204" pitchFamily="34" charset="0"/>
+              </a:rPr>
+              <a:t>Thời</a:t>
+            </a:r>
+            <a:r>
+              <a:rPr lang="en-US" sz="2400" dirty="0">
+                <a:ea typeface="SF Pro Semibold" pitchFamily="2" charset="0"/>
+                <a:cs typeface="Arial" panose="020B0604020202020204" pitchFamily="34" charset="0"/>
+              </a:rPr>
               <a:t> </a:t>
             </a:r>
             <a:r>
@@ -6554,7 +7052,7 @@
                 <a:ea typeface="SF Pro Semibold" pitchFamily="2" charset="0"/>
                 <a:cs typeface="Arial" panose="020B0604020202020204" pitchFamily="34" charset="0"/>
               </a:rPr>
-              <a:t>ẩn</a:t>
+              <a:t>gian</a:t>
             </a:r>
             <a:r>
               <a:rPr lang="en-US" sz="2400" dirty="0">
@@ -6568,14 +7066,56 @@
                 <a:ea typeface="SF Pro Semibold" pitchFamily="2" charset="0"/>
                 <a:cs typeface="Arial" panose="020B0604020202020204" pitchFamily="34" charset="0"/>
               </a:rPr>
-              <a:t>danh</a:t>
+              <a:t>của</a:t>
             </a:r>
             <a:r>
               <a:rPr lang="en-US" sz="2400" dirty="0">
                 <a:ea typeface="SF Pro Semibold" pitchFamily="2" charset="0"/>
                 <a:cs typeface="Arial" panose="020B0604020202020204" pitchFamily="34" charset="0"/>
               </a:rPr>
+              <a:t> </a:t>
+            </a:r>
+            <a:r>
+              <a:rPr lang="en-US" sz="2400" dirty="0" err="1">
+                <a:ea typeface="SF Pro Semibold" pitchFamily="2" charset="0"/>
+                <a:cs typeface="Arial" panose="020B0604020202020204" pitchFamily="34" charset="0"/>
+              </a:rPr>
+              <a:t>ảnh</a:t>
+            </a:r>
+            <a:r>
+              <a:rPr lang="en-US" sz="2400" dirty="0">
+                <a:ea typeface="SF Pro Semibold" pitchFamily="2" charset="0"/>
+                <a:cs typeface="Arial" panose="020B0604020202020204" pitchFamily="34" charset="0"/>
+              </a:rPr>
+              <a:t> </a:t>
+            </a:r>
+            <a:r>
+              <a:rPr lang="en-US" sz="2400" dirty="0" err="1">
+                <a:ea typeface="SF Pro Semibold" pitchFamily="2" charset="0"/>
+                <a:cs typeface="Arial" panose="020B0604020202020204" pitchFamily="34" charset="0"/>
+              </a:rPr>
+              <a:t>chụp</a:t>
+            </a:r>
+            <a:r>
+              <a:rPr lang="en-US" sz="2400" dirty="0">
+                <a:ea typeface="SF Pro Semibold" pitchFamily="2" charset="0"/>
+                <a:cs typeface="Arial" panose="020B0604020202020204" pitchFamily="34" charset="0"/>
+              </a:rPr>
               <a:t>. </a:t>
+            </a:r>
+            <a:r>
+              <a:rPr lang="en-US" sz="2400" dirty="0" err="1">
+                <a:ea typeface="SF Pro Semibold" pitchFamily="2" charset="0"/>
+                <a:cs typeface="Arial" panose="020B0604020202020204" pitchFamily="34" charset="0"/>
+              </a:rPr>
+              <a:t>v.v</a:t>
+            </a:r>
+            <a:r>
+              <a:rPr lang="en-US" sz="2400" dirty="0">
+                <a:ea typeface="SF Pro Semibold" pitchFamily="2" charset="0"/>
+                <a:cs typeface="Arial" panose="020B0604020202020204" pitchFamily="34" charset="0"/>
+              </a:rPr>
+              <a:t>	</a:t>
             </a:r>
             <a:endParaRPr lang="en-US" sz="2400" dirty="0">
               <a:ea typeface="SF Pro Semibold" pitchFamily="2" charset="0"/>
@@ -6593,32 +7133,28 @@
                 <a:ea typeface="SF Pro Semibold" pitchFamily="2" charset="0"/>
                 <a:cs typeface="Arial" panose="020B0604020202020204" pitchFamily="34" charset="0"/>
               </a:rPr>
-              <a:t>	</a:t>
-            </a:r>
-            <a:endParaRPr lang="en-US" sz="2400" dirty="0">
-              <a:ea typeface="SF Pro Semibold" pitchFamily="2" charset="0"/>
-              <a:cs typeface="Arial" panose="020B0604020202020204" pitchFamily="34" charset="0"/>
-            </a:endParaRPr>
-          </a:p>
-          <a:p>
-            <a:pPr>
-              <a:lnSpc>
-                <a:spcPct val="150000"/>
-              </a:lnSpc>
-            </a:pPr>
+              <a:t>=&gt; </a:t>
+            </a:r>
+            <a:r>
+              <a:rPr lang="en-US" sz="2400" dirty="0" err="1">
+                <a:ea typeface="SF Pro Semibold" pitchFamily="2" charset="0"/>
+                <a:cs typeface="Arial" panose="020B0604020202020204" pitchFamily="34" charset="0"/>
+              </a:rPr>
+              <a:t>Nhưng</a:t>
+            </a:r>
             <a:r>
               <a:rPr lang="en-US" sz="2400" dirty="0">
                 <a:ea typeface="SF Pro Semibold" pitchFamily="2" charset="0"/>
                 <a:cs typeface="Arial" panose="020B0604020202020204" pitchFamily="34" charset="0"/>
               </a:rPr>
-              <a:t>=&gt; </a:t>
+              <a:t> </a:t>
             </a:r>
             <a:r>
               <a:rPr lang="en-US" sz="2400" dirty="0" err="1">
                 <a:ea typeface="SF Pro Semibold" pitchFamily="2" charset="0"/>
                 <a:cs typeface="Arial" panose="020B0604020202020204" pitchFamily="34" charset="0"/>
               </a:rPr>
-              <a:t>Công</a:t>
+              <a:t>nó</a:t>
             </a:r>
             <a:r>
               <a:rPr lang="en-US" sz="2400" dirty="0">
@@ -6632,6 +7168,90 @@
                 <a:ea typeface="SF Pro Semibold" pitchFamily="2" charset="0"/>
                 <a:cs typeface="Arial" panose="020B0604020202020204" pitchFamily="34" charset="0"/>
               </a:rPr>
+              <a:t>vẫn</a:t>
+            </a:r>
+            <a:r>
+              <a:rPr lang="en-US" sz="2400" dirty="0">
+                <a:ea typeface="SF Pro Semibold" pitchFamily="2" charset="0"/>
+                <a:cs typeface="Arial" panose="020B0604020202020204" pitchFamily="34" charset="0"/>
+              </a:rPr>
+              <a:t> </a:t>
+            </a:r>
+            <a:r>
+              <a:rPr lang="en-US" sz="2400" dirty="0" err="1">
+                <a:ea typeface="SF Pro Semibold" pitchFamily="2" charset="0"/>
+                <a:cs typeface="Arial" panose="020B0604020202020204" pitchFamily="34" charset="0"/>
+              </a:rPr>
+              <a:t>là</a:t>
+            </a:r>
+            <a:r>
+              <a:rPr lang="en-US" sz="2400" dirty="0">
+                <a:ea typeface="SF Pro Semibold" pitchFamily="2" charset="0"/>
+                <a:cs typeface="Arial" panose="020B0604020202020204" pitchFamily="34" charset="0"/>
+              </a:rPr>
+              <a:t> </a:t>
+            </a:r>
+            <a:r>
+              <a:rPr lang="en-US" sz="2400" dirty="0" err="1">
+                <a:ea typeface="SF Pro Semibold" pitchFamily="2" charset="0"/>
+                <a:cs typeface="Arial" panose="020B0604020202020204" pitchFamily="34" charset="0"/>
+              </a:rPr>
+              <a:t>một</a:t>
+            </a:r>
+            <a:r>
+              <a:rPr lang="en-US" sz="2400" dirty="0">
+                <a:ea typeface="SF Pro Semibold" pitchFamily="2" charset="0"/>
+                <a:cs typeface="Arial" panose="020B0604020202020204" pitchFamily="34" charset="0"/>
+              </a:rPr>
+              <a:t> </a:t>
+            </a:r>
+            <a:r>
+              <a:rPr lang="en-US" sz="2400" dirty="0" err="1">
+                <a:ea typeface="SF Pro Semibold" pitchFamily="2" charset="0"/>
+                <a:cs typeface="Arial" panose="020B0604020202020204" pitchFamily="34" charset="0"/>
+              </a:rPr>
+              <a:t>trong</a:t>
+            </a:r>
+            <a:r>
+              <a:rPr lang="en-US" sz="2400" dirty="0">
+                <a:ea typeface="SF Pro Semibold" pitchFamily="2" charset="0"/>
+                <a:cs typeface="Arial" panose="020B0604020202020204" pitchFamily="34" charset="0"/>
+              </a:rPr>
+              <a:t> </a:t>
+            </a:r>
+            <a:r>
+              <a:rPr lang="en-US" sz="2400" dirty="0" err="1">
+                <a:ea typeface="SF Pro Semibold" pitchFamily="2" charset="0"/>
+                <a:cs typeface="Arial" panose="020B0604020202020204" pitchFamily="34" charset="0"/>
+              </a:rPr>
+              <a:t>những</a:t>
+            </a:r>
+            <a:r>
+              <a:rPr lang="en-US" sz="2400" dirty="0">
+                <a:ea typeface="SF Pro Semibold" pitchFamily="2" charset="0"/>
+                <a:cs typeface="Arial" panose="020B0604020202020204" pitchFamily="34" charset="0"/>
+              </a:rPr>
+              <a:t> </a:t>
+            </a:r>
+            <a:r>
+              <a:rPr lang="en-US" sz="2400" dirty="0" err="1">
+                <a:ea typeface="SF Pro Semibold" pitchFamily="2" charset="0"/>
+                <a:cs typeface="Arial" panose="020B0604020202020204" pitchFamily="34" charset="0"/>
+              </a:rPr>
+              <a:t>công</a:t>
+            </a:r>
+            <a:r>
+              <a:rPr lang="en-US" sz="2400" dirty="0">
+                <a:ea typeface="SF Pro Semibold" pitchFamily="2" charset="0"/>
+                <a:cs typeface="Arial" panose="020B0604020202020204" pitchFamily="34" charset="0"/>
+              </a:rPr>
+              <a:t> </a:t>
+            </a:r>
+            <a:r>
+              <a:rPr lang="en-US" sz="2400" dirty="0" err="1">
+                <a:ea typeface="SF Pro Semibold" pitchFamily="2" charset="0"/>
+                <a:cs typeface="Arial" panose="020B0604020202020204" pitchFamily="34" charset="0"/>
+              </a:rPr>
               <a:t>nghệ</a:t>
             </a:r>
             <a:r>
@@ -6646,7 +7266,7 @@
                 <a:ea typeface="SF Pro Semibold" pitchFamily="2" charset="0"/>
                 <a:cs typeface="Arial" panose="020B0604020202020204" pitchFamily="34" charset="0"/>
               </a:rPr>
-              <a:t>này</a:t>
+              <a:t>sinh</a:t>
             </a:r>
             <a:r>
               <a:rPr lang="en-US" sz="2400" dirty="0">
@@ -6660,7 +7280,7 @@
                 <a:ea typeface="SF Pro Semibold" pitchFamily="2" charset="0"/>
                 <a:cs typeface="Arial" panose="020B0604020202020204" pitchFamily="34" charset="0"/>
               </a:rPr>
-              <a:t>có</a:t>
+              <a:t>trắc</a:t>
             </a:r>
             <a:r>
               <a:rPr lang="en-US" sz="2400" dirty="0">
@@ -6674,21 +7294,21 @@
                 <a:ea typeface="SF Pro Semibold" pitchFamily="2" charset="0"/>
                 <a:cs typeface="Arial" panose="020B0604020202020204" pitchFamily="34" charset="0"/>
               </a:rPr>
-              <a:t>độ</a:t>
+              <a:t>học</a:t>
             </a:r>
             <a:r>
               <a:rPr lang="en-US" sz="2400" dirty="0">
                 <a:ea typeface="SF Pro Semibold" pitchFamily="2" charset="0"/>
                 <a:cs typeface="Arial" panose="020B0604020202020204" pitchFamily="34" charset="0"/>
               </a:rPr>
-              <a:t> an </a:t>
+              <a:t> </a:t>
             </a:r>
             <a:r>
               <a:rPr lang="en-US" sz="2400" dirty="0" err="1">
                 <a:ea typeface="SF Pro Semibold" pitchFamily="2" charset="0"/>
                 <a:cs typeface="Arial" panose="020B0604020202020204" pitchFamily="34" charset="0"/>
               </a:rPr>
-              <a:t>toàn</a:t>
+              <a:t>chính</a:t>
             </a:r>
             <a:r>
               <a:rPr lang="en-US" sz="2400" dirty="0">
@@ -6702,14 +7322,42 @@
                 <a:ea typeface="SF Pro Semibold" pitchFamily="2" charset="0"/>
                 <a:cs typeface="Arial" panose="020B0604020202020204" pitchFamily="34" charset="0"/>
               </a:rPr>
-              <a:t>cao</a:t>
+              <a:t>xác</a:t>
             </a:r>
             <a:r>
               <a:rPr lang="en-US" sz="2400" dirty="0">
                 <a:ea typeface="SF Pro Semibold" pitchFamily="2" charset="0"/>
                 <a:cs typeface="Arial" panose="020B0604020202020204" pitchFamily="34" charset="0"/>
               </a:rPr>
-              <a:t>. </a:t>
+              <a:t> </a:t>
+            </a:r>
+            <a:r>
+              <a:rPr lang="en-US" sz="2400" dirty="0" err="1">
+                <a:ea typeface="SF Pro Semibold" pitchFamily="2" charset="0"/>
+                <a:cs typeface="Arial" panose="020B0604020202020204" pitchFamily="34" charset="0"/>
+              </a:rPr>
+              <a:t>nhất</a:t>
+            </a:r>
+            <a:r>
+              <a:rPr lang="en-US" sz="2400" dirty="0">
+                <a:ea typeface="SF Pro Semibold" pitchFamily="2" charset="0"/>
+                <a:cs typeface="Arial" panose="020B0604020202020204" pitchFamily="34" charset="0"/>
+              </a:rPr>
+              <a:t> </a:t>
+            </a:r>
+            <a:r>
+              <a:rPr lang="en-US" sz="2400" dirty="0" err="1">
+                <a:ea typeface="SF Pro Semibold" pitchFamily="2" charset="0"/>
+                <a:cs typeface="Arial" panose="020B0604020202020204" pitchFamily="34" charset="0"/>
+              </a:rPr>
+              <a:t>hiện</a:t>
+            </a:r>
+            <a:r>
+              <a:rPr lang="en-US" sz="2400" dirty="0">
+                <a:ea typeface="SF Pro Semibold" pitchFamily="2" charset="0"/>
+                <a:cs typeface="Arial" panose="020B0604020202020204" pitchFamily="34" charset="0"/>
+              </a:rPr>
+              <a:t> nay. </a:t>
             </a:r>
             <a:endParaRPr lang="en-US" sz="2400" dirty="0">
               <a:ea typeface="SF Pro Semibold" pitchFamily="2" charset="0"/>
@@ -10701,7 +11349,7 @@
         <p:spPr>
           <a:xfrm>
             <a:off x="521852" y="315311"/>
-            <a:ext cx="6195927" cy="584775"/>
+            <a:ext cx="3118485" cy="583565"/>
           </a:xfrm>
           <a:prstGeom prst="rect">
             <a:avLst/>
@@ -10721,7 +11369,7 @@
                 </a:solidFill>
                 <a:latin typeface="+mj-lt"/>
               </a:rPr>
-              <a:t>3.ĐỘ TIN CẬY VÀ CHÍNH XÁC. </a:t>
+              <a:t>2.HOẠT ĐỘNG </a:t>
             </a:r>
             <a:endParaRPr lang="en-US" sz="3200" b="1">
               <a:solidFill>
@@ -10830,7 +11478,7 @@
                   <a:srgbClr val="FF0000"/>
                 </a:solidFill>
               </a:rPr>
-              <a:t>3</a:t>
+              <a:t>6</a:t>
             </a:r>
             <a:endParaRPr lang="en-US">
               <a:solidFill>
@@ -10849,7 +11497,7 @@
         <p:spPr>
           <a:xfrm>
             <a:off x="703384" y="1121257"/>
-            <a:ext cx="8169310" cy="4707890"/>
+            <a:ext cx="8169310" cy="5169535"/>
           </a:xfrm>
           <a:prstGeom prst="rect">
             <a:avLst/>
@@ -10877,147 +11525,7 @@
                 <a:ea typeface="SF Pro Semibold" pitchFamily="2" charset="0"/>
                 <a:cs typeface="Arial" panose="020B0604020202020204" pitchFamily="34" charset="0"/>
               </a:rPr>
-              <a:t>3.1.Nhận </a:t>
-            </a:r>
-            <a:r>
-              <a:rPr lang="en-US" sz="2800" dirty="0" err="1">
-                <a:solidFill>
-                  <a:srgbClr val="FF0000"/>
-                </a:solidFill>
-                <a:ea typeface="SF Pro Semibold" pitchFamily="2" charset="0"/>
-                <a:cs typeface="Arial" panose="020B0604020202020204" pitchFamily="34" charset="0"/>
-              </a:rPr>
-              <a:t>dạng</a:t>
-            </a:r>
-            <a:r>
-              <a:rPr lang="en-US" sz="2800" dirty="0">
-                <a:solidFill>
-                  <a:srgbClr val="FF0000"/>
-                </a:solidFill>
-                <a:ea typeface="SF Pro Semibold" pitchFamily="2" charset="0"/>
-                <a:cs typeface="Arial" panose="020B0604020202020204" pitchFamily="34" charset="0"/>
-              </a:rPr>
-              <a:t> </a:t>
-            </a:r>
-            <a:r>
-              <a:rPr lang="en-US" sz="2800" dirty="0" err="1">
-                <a:solidFill>
-                  <a:srgbClr val="FF0000"/>
-                </a:solidFill>
-                <a:ea typeface="SF Pro Semibold" pitchFamily="2" charset="0"/>
-                <a:cs typeface="Arial" panose="020B0604020202020204" pitchFamily="34" charset="0"/>
-              </a:rPr>
-              <a:t>khuôn</a:t>
-            </a:r>
-            <a:r>
-              <a:rPr lang="en-US" sz="2800" dirty="0">
-                <a:solidFill>
-                  <a:srgbClr val="FF0000"/>
-                </a:solidFill>
-                <a:ea typeface="SF Pro Semibold" pitchFamily="2" charset="0"/>
-                <a:cs typeface="Arial" panose="020B0604020202020204" pitchFamily="34" charset="0"/>
-              </a:rPr>
-              <a:t> </a:t>
-            </a:r>
-            <a:r>
-              <a:rPr lang="en-US" sz="2800" dirty="0" err="1">
-                <a:solidFill>
-                  <a:srgbClr val="FF0000"/>
-                </a:solidFill>
-                <a:ea typeface="SF Pro Semibold" pitchFamily="2" charset="0"/>
-                <a:cs typeface="Arial" panose="020B0604020202020204" pitchFamily="34" charset="0"/>
-              </a:rPr>
-              <a:t>mặt</a:t>
-            </a:r>
-            <a:r>
-              <a:rPr lang="en-US" sz="2800" dirty="0">
-                <a:solidFill>
-                  <a:srgbClr val="FF0000"/>
-                </a:solidFill>
-                <a:ea typeface="SF Pro Semibold" pitchFamily="2" charset="0"/>
-                <a:cs typeface="Arial" panose="020B0604020202020204" pitchFamily="34" charset="0"/>
-              </a:rPr>
-              <a:t> </a:t>
-            </a:r>
-            <a:r>
-              <a:rPr lang="en-US" sz="2800" dirty="0" err="1">
-                <a:solidFill>
-                  <a:srgbClr val="FF0000"/>
-                </a:solidFill>
-                <a:ea typeface="SF Pro Semibold" pitchFamily="2" charset="0"/>
-                <a:cs typeface="Arial" panose="020B0604020202020204" pitchFamily="34" charset="0"/>
-              </a:rPr>
-              <a:t>có</a:t>
-            </a:r>
-            <a:r>
-              <a:rPr lang="en-US" sz="2800" dirty="0">
-                <a:solidFill>
-                  <a:srgbClr val="FF0000"/>
-                </a:solidFill>
-                <a:ea typeface="SF Pro Semibold" pitchFamily="2" charset="0"/>
-                <a:cs typeface="Arial" panose="020B0604020202020204" pitchFamily="34" charset="0"/>
-              </a:rPr>
-              <a:t> </a:t>
-            </a:r>
-            <a:r>
-              <a:rPr lang="en-US" sz="2800" dirty="0" err="1">
-                <a:solidFill>
-                  <a:srgbClr val="FF0000"/>
-                </a:solidFill>
-                <a:ea typeface="SF Pro Semibold" pitchFamily="2" charset="0"/>
-                <a:cs typeface="Arial" panose="020B0604020202020204" pitchFamily="34" charset="0"/>
-              </a:rPr>
-              <a:t>chính</a:t>
-            </a:r>
-            <a:r>
-              <a:rPr lang="en-US" sz="2800" dirty="0">
-                <a:solidFill>
-                  <a:srgbClr val="FF0000"/>
-                </a:solidFill>
-                <a:ea typeface="SF Pro Semibold" pitchFamily="2" charset="0"/>
-                <a:cs typeface="Arial" panose="020B0604020202020204" pitchFamily="34" charset="0"/>
-              </a:rPr>
-              <a:t> </a:t>
-            </a:r>
-            <a:r>
-              <a:rPr lang="en-US" sz="2800" dirty="0" err="1">
-                <a:solidFill>
-                  <a:srgbClr val="FF0000"/>
-                </a:solidFill>
-                <a:ea typeface="SF Pro Semibold" pitchFamily="2" charset="0"/>
-                <a:cs typeface="Arial" panose="020B0604020202020204" pitchFamily="34" charset="0"/>
-              </a:rPr>
-              <a:t>xác</a:t>
-            </a:r>
-            <a:r>
-              <a:rPr lang="en-US" sz="2800" dirty="0">
-                <a:solidFill>
-                  <a:srgbClr val="FF0000"/>
-                </a:solidFill>
-                <a:ea typeface="SF Pro Semibold" pitchFamily="2" charset="0"/>
-                <a:cs typeface="Arial" panose="020B0604020202020204" pitchFamily="34" charset="0"/>
-              </a:rPr>
-              <a:t> </a:t>
-            </a:r>
-            <a:r>
-              <a:rPr lang="en-US" sz="2800" dirty="0" err="1">
-                <a:solidFill>
-                  <a:srgbClr val="FF0000"/>
-                </a:solidFill>
-                <a:ea typeface="SF Pro Semibold" pitchFamily="2" charset="0"/>
-                <a:cs typeface="Arial" panose="020B0604020202020204" pitchFamily="34" charset="0"/>
-              </a:rPr>
-              <a:t>không</a:t>
-            </a:r>
-            <a:r>
-              <a:rPr lang="en-US" sz="2800" dirty="0">
-                <a:solidFill>
-                  <a:srgbClr val="FF0000"/>
-                </a:solidFill>
-                <a:ea typeface="SF Pro Semibold" pitchFamily="2" charset="0"/>
-                <a:cs typeface="Arial" panose="020B0604020202020204" pitchFamily="34" charset="0"/>
-              </a:rPr>
-              <a:t>?: </a:t>
+              <a:t>2.1.Truyền thống </a:t>
             </a:r>
             <a:endParaRPr lang="en-US" sz="2800" dirty="0">
               <a:solidFill>
@@ -11036,88 +11544,11 @@
               <a:buChar char="Ø"/>
             </a:pPr>
             <a:r>
-              <a:rPr lang="en-US" sz="2400" dirty="0" err="1">
-                <a:ea typeface="SF Pro Semibold" pitchFamily="2" charset="0"/>
-                <a:cs typeface="Arial" panose="020B0604020202020204" pitchFamily="34" charset="0"/>
-              </a:rPr>
-              <a:t>Phụ</a:t>
-            </a:r>
-            <a:r>
               <a:rPr lang="en-US" sz="2400" dirty="0">
                 <a:ea typeface="SF Pro Semibold" pitchFamily="2" charset="0"/>
                 <a:cs typeface="Arial" panose="020B0604020202020204" pitchFamily="34" charset="0"/>
               </a:rPr>
-              <a:t> </a:t>
-            </a:r>
-            <a:r>
-              <a:rPr lang="en-US" sz="2400" dirty="0" err="1">
-                <a:ea typeface="SF Pro Semibold" pitchFamily="2" charset="0"/>
-                <a:cs typeface="Arial" panose="020B0604020202020204" pitchFamily="34" charset="0"/>
-              </a:rPr>
-              <a:t>thuộc</a:t>
-            </a:r>
-            <a:r>
-              <a:rPr lang="en-US" sz="2400" dirty="0">
-                <a:ea typeface="SF Pro Semibold" pitchFamily="2" charset="0"/>
-                <a:cs typeface="Arial" panose="020B0604020202020204" pitchFamily="34" charset="0"/>
-              </a:rPr>
-              <a:t> </a:t>
-            </a:r>
-            <a:r>
-              <a:rPr lang="en-US" sz="2400" dirty="0" err="1">
-                <a:ea typeface="SF Pro Semibold" pitchFamily="2" charset="0"/>
-                <a:cs typeface="Arial" panose="020B0604020202020204" pitchFamily="34" charset="0"/>
-              </a:rPr>
-              <a:t>vào</a:t>
-            </a:r>
-            <a:r>
-              <a:rPr lang="en-US" sz="2400" dirty="0">
-                <a:ea typeface="SF Pro Semibold" pitchFamily="2" charset="0"/>
-                <a:cs typeface="Arial" panose="020B0604020202020204" pitchFamily="34" charset="0"/>
-              </a:rPr>
-              <a:t> </a:t>
-            </a:r>
-            <a:r>
-              <a:rPr lang="en-US" sz="2400" dirty="0" err="1">
-                <a:ea typeface="SF Pro Semibold" pitchFamily="2" charset="0"/>
-                <a:cs typeface="Arial" panose="020B0604020202020204" pitchFamily="34" charset="0"/>
-              </a:rPr>
-              <a:t>nhiều</a:t>
-            </a:r>
-            <a:r>
-              <a:rPr lang="en-US" sz="2400" dirty="0">
-                <a:ea typeface="SF Pro Semibold" pitchFamily="2" charset="0"/>
-                <a:cs typeface="Arial" panose="020B0604020202020204" pitchFamily="34" charset="0"/>
-              </a:rPr>
-              <a:t> </a:t>
-            </a:r>
-            <a:r>
-              <a:rPr lang="en-US" sz="2400" dirty="0" err="1">
-                <a:ea typeface="SF Pro Semibold" pitchFamily="2" charset="0"/>
-                <a:cs typeface="Arial" panose="020B0604020202020204" pitchFamily="34" charset="0"/>
-              </a:rPr>
-              <a:t>yếu</a:t>
-            </a:r>
-            <a:r>
-              <a:rPr lang="en-US" sz="2400" dirty="0">
-                <a:ea typeface="SF Pro Semibold" pitchFamily="2" charset="0"/>
-                <a:cs typeface="Arial" panose="020B0604020202020204" pitchFamily="34" charset="0"/>
-              </a:rPr>
-              <a:t> </a:t>
-            </a:r>
-            <a:r>
-              <a:rPr lang="en-US" sz="2400" dirty="0" err="1">
-                <a:ea typeface="SF Pro Semibold" pitchFamily="2" charset="0"/>
-                <a:cs typeface="Arial" panose="020B0604020202020204" pitchFamily="34" charset="0"/>
-              </a:rPr>
-              <a:t>tố</a:t>
-            </a:r>
-            <a:r>
-              <a:rPr lang="en-US" sz="2400" dirty="0">
-                <a:ea typeface="SF Pro Semibold" pitchFamily="2" charset="0"/>
-                <a:cs typeface="Arial" panose="020B0604020202020204" pitchFamily="34" charset="0"/>
-              </a:rPr>
-              <a:t>: </a:t>
+              <a:t>Mỗi khuôn mặt đều có nhiều điểm mốc. Là phần lòi lõm tạo nên khuôn mặt.</a:t>
             </a:r>
             <a:endParaRPr lang="en-US" sz="2400" dirty="0">
               <a:ea typeface="SF Pro Semibold" pitchFamily="2" charset="0"/>
@@ -11130,97 +11561,16 @@
                 <a:spcPct val="150000"/>
               </a:lnSpc>
               <a:buFont typeface="Wingdings" panose="05000000000000000000" pitchFamily="2" charset="2"/>
-              <a:buChar char="ü"/>
+              <a:buChar char="Ø"/>
             </a:pPr>
             <a:r>
-              <a:rPr lang="en-US" sz="2400" dirty="0" err="1">
-                <a:ea typeface="SF Pro Semibold" pitchFamily="2" charset="0"/>
-                <a:cs typeface="Arial" panose="020B0604020202020204" pitchFamily="34" charset="0"/>
-              </a:rPr>
-              <a:t>L</a:t>
-            </a:r>
-            <a:r>
-              <a:rPr lang="en-US" sz="2400" dirty="0" err="1">
-                <a:effectLst/>
-                <a:ea typeface="SF Pro Semibold" pitchFamily="2" charset="0"/>
-                <a:cs typeface="Arial" panose="020B0604020202020204" pitchFamily="34" charset="0"/>
-              </a:rPr>
-              <a:t>ão</a:t>
-            </a:r>
-            <a:r>
               <a:rPr lang="en-US" sz="2400" dirty="0">
-                <a:effectLst/>
-                <a:ea typeface="SF Pro Semibold" pitchFamily="2" charset="0"/>
-                <a:cs typeface="Arial" panose="020B0604020202020204" pitchFamily="34" charset="0"/>
-              </a:rPr>
-              <a:t> </a:t>
-            </a:r>
-            <a:r>
-              <a:rPr lang="en-US" sz="2400" dirty="0" err="1">
-                <a:effectLst/>
-                <a:ea typeface="SF Pro Semibold" pitchFamily="2" charset="0"/>
-                <a:cs typeface="Arial" panose="020B0604020202020204" pitchFamily="34" charset="0"/>
-              </a:rPr>
-              <a:t>hóa</a:t>
-            </a:r>
-            <a:r>
-              <a:rPr lang="en-US" sz="2400" dirty="0">
-                <a:effectLst/>
-                <a:ea typeface="SF Pro Semibold" pitchFamily="2" charset="0"/>
-                <a:cs typeface="Arial" panose="020B0604020202020204" pitchFamily="34" charset="0"/>
-              </a:rPr>
-              <a:t> </a:t>
-            </a:r>
-            <a:r>
-              <a:rPr lang="en-US" sz="2400" dirty="0" err="1">
-                <a:effectLst/>
-                <a:ea typeface="SF Pro Semibold" pitchFamily="2" charset="0"/>
-                <a:cs typeface="Arial" panose="020B0604020202020204" pitchFamily="34" charset="0"/>
-              </a:rPr>
-              <a:t>trên</a:t>
-            </a:r>
-            <a:r>
-              <a:rPr lang="en-US" sz="2400" dirty="0">
-                <a:effectLst/>
-                <a:ea typeface="SF Pro Semibold" pitchFamily="2" charset="0"/>
-                <a:cs typeface="Arial" panose="020B0604020202020204" pitchFamily="34" charset="0"/>
-              </a:rPr>
-              <a:t> </a:t>
-            </a:r>
-            <a:r>
-              <a:rPr lang="en-US" sz="2400" dirty="0" err="1">
-                <a:effectLst/>
-                <a:ea typeface="SF Pro Semibold" pitchFamily="2" charset="0"/>
-                <a:cs typeface="Arial" panose="020B0604020202020204" pitchFamily="34" charset="0"/>
-              </a:rPr>
-              <a:t>khuôn</a:t>
-            </a:r>
-            <a:r>
-              <a:rPr lang="en-US" sz="2400" dirty="0">
-                <a:effectLst/>
-                <a:ea typeface="SF Pro Semibold" pitchFamily="2" charset="0"/>
-                <a:cs typeface="Arial" panose="020B0604020202020204" pitchFamily="34" charset="0"/>
-              </a:rPr>
-              <a:t> </a:t>
-            </a:r>
-            <a:r>
-              <a:rPr lang="en-US" sz="2400" dirty="0" err="1">
-                <a:effectLst/>
-                <a:ea typeface="SF Pro Semibold" pitchFamily="2" charset="0"/>
-                <a:cs typeface="Arial" panose="020B0604020202020204" pitchFamily="34" charset="0"/>
-              </a:rPr>
-              <a:t>mặt</a:t>
-            </a:r>
-            <a:r>
-              <a:rPr lang="en-US" sz="2400" dirty="0">
-                <a:effectLst/>
-                <a:ea typeface="SF Pro Semibold" pitchFamily="2" charset="0"/>
-                <a:cs typeface="Arial" panose="020B0604020202020204" pitchFamily="34" charset="0"/>
-              </a:rPr>
-              <a:t>. </a:t>
+                <a:ea typeface="SF Pro Semibold" pitchFamily="2" charset="0"/>
+                <a:cs typeface="Arial" panose="020B0604020202020204" pitchFamily="34" charset="0"/>
+              </a:rPr>
+              <a:t>Hệ thống nhận diện qua những điểm nút</a:t>
             </a:r>
             <a:endParaRPr lang="en-US" sz="2400" dirty="0">
-              <a:effectLst/>
               <a:ea typeface="SF Pro Semibold" pitchFamily="2" charset="0"/>
               <a:cs typeface="Arial" panose="020B0604020202020204" pitchFamily="34" charset="0"/>
             </a:endParaRPr>
@@ -11231,77 +11581,14 @@
                 <a:spcPct val="150000"/>
               </a:lnSpc>
               <a:buFont typeface="Wingdings" panose="05000000000000000000" pitchFamily="2" charset="2"/>
-              <a:buChar char="ü"/>
+              <a:buChar char="Ø"/>
             </a:pPr>
             <a:r>
-              <a:rPr lang="en-US" sz="2400" dirty="0" err="1">
-                <a:ea typeface="SF Pro Semibold" pitchFamily="2" charset="0"/>
-                <a:cs typeface="Arial" panose="020B0604020202020204" pitchFamily="34" charset="0"/>
-              </a:rPr>
-              <a:t>Hệ</a:t>
-            </a:r>
-            <a:r>
               <a:rPr lang="en-US" sz="2400" dirty="0">
                 <a:ea typeface="SF Pro Semibold" pitchFamily="2" charset="0"/>
                 <a:cs typeface="Arial" panose="020B0604020202020204" pitchFamily="34" charset="0"/>
               </a:rPr>
-              <a:t> </a:t>
-            </a:r>
-            <a:r>
-              <a:rPr lang="en-US" sz="2400" dirty="0" err="1">
-                <a:ea typeface="SF Pro Semibold" pitchFamily="2" charset="0"/>
-                <a:cs typeface="Arial" panose="020B0604020202020204" pitchFamily="34" charset="0"/>
-              </a:rPr>
-              <a:t>điều</a:t>
-            </a:r>
-            <a:r>
-              <a:rPr lang="en-US" sz="2400" dirty="0">
-                <a:ea typeface="SF Pro Semibold" pitchFamily="2" charset="0"/>
-                <a:cs typeface="Arial" panose="020B0604020202020204" pitchFamily="34" charset="0"/>
-              </a:rPr>
-              <a:t> </a:t>
-            </a:r>
-            <a:r>
-              <a:rPr lang="en-US" sz="2400" dirty="0" err="1">
-                <a:ea typeface="SF Pro Semibold" pitchFamily="2" charset="0"/>
-                <a:cs typeface="Arial" panose="020B0604020202020204" pitchFamily="34" charset="0"/>
-              </a:rPr>
-              <a:t>hành</a:t>
-            </a:r>
-            <a:r>
-              <a:rPr lang="en-US" sz="2400" dirty="0">
-                <a:ea typeface="SF Pro Semibold" pitchFamily="2" charset="0"/>
-                <a:cs typeface="Arial" panose="020B0604020202020204" pitchFamily="34" charset="0"/>
-              </a:rPr>
-              <a:t> </a:t>
-            </a:r>
-            <a:r>
-              <a:rPr lang="en-US" sz="2400" dirty="0" err="1">
-                <a:ea typeface="SF Pro Semibold" pitchFamily="2" charset="0"/>
-                <a:cs typeface="Arial" panose="020B0604020202020204" pitchFamily="34" charset="0"/>
-              </a:rPr>
-              <a:t>ổn</a:t>
-            </a:r>
-            <a:r>
-              <a:rPr lang="en-US" sz="2400" dirty="0">
-                <a:ea typeface="SF Pro Semibold" pitchFamily="2" charset="0"/>
-                <a:cs typeface="Arial" panose="020B0604020202020204" pitchFamily="34" charset="0"/>
-              </a:rPr>
-              <a:t> </a:t>
-            </a:r>
-            <a:r>
-              <a:rPr lang="en-US" sz="2400" dirty="0" err="1">
-                <a:ea typeface="SF Pro Semibold" pitchFamily="2" charset="0"/>
-                <a:cs typeface="Arial" panose="020B0604020202020204" pitchFamily="34" charset="0"/>
-              </a:rPr>
-              <a:t>định</a:t>
-            </a:r>
-            <a:r>
-              <a:rPr lang="en-US" sz="2400" dirty="0">
-                <a:ea typeface="SF Pro Semibold" pitchFamily="2" charset="0"/>
-                <a:cs typeface="Arial" panose="020B0604020202020204" pitchFamily="34" charset="0"/>
-              </a:rPr>
-              <a:t>. </a:t>
+              <a:t>Mỗi mặt người có khoảng 80 điểm nút</a:t>
             </a:r>
             <a:endParaRPr lang="en-US" sz="2400" dirty="0">
               <a:ea typeface="SF Pro Semibold" pitchFamily="2" charset="0"/>
@@ -11314,333 +11601,53 @@
                 <a:spcPct val="150000"/>
               </a:lnSpc>
               <a:buFont typeface="Wingdings" panose="05000000000000000000" pitchFamily="2" charset="2"/>
-              <a:buChar char="ü"/>
+              <a:buChar char="Ø"/>
             </a:pPr>
             <a:r>
-              <a:rPr lang="en-US" sz="2400" dirty="0" err="1">
-                <a:ea typeface="SF Pro Semibold" pitchFamily="2" charset="0"/>
-                <a:cs typeface="Arial" panose="020B0604020202020204" pitchFamily="34" charset="0"/>
-              </a:rPr>
-              <a:t>Thời</a:t>
-            </a:r>
-            <a:r>
               <a:rPr lang="en-US" sz="2400" dirty="0">
                 <a:ea typeface="SF Pro Semibold" pitchFamily="2" charset="0"/>
                 <a:cs typeface="Arial" panose="020B0604020202020204" pitchFamily="34" charset="0"/>
               </a:rPr>
-              <a:t> </a:t>
-            </a:r>
-            <a:r>
-              <a:rPr lang="en-US" sz="2400" dirty="0" err="1">
-                <a:ea typeface="SF Pro Semibold" pitchFamily="2" charset="0"/>
-                <a:cs typeface="Arial" panose="020B0604020202020204" pitchFamily="34" charset="0"/>
-              </a:rPr>
-              <a:t>gian</a:t>
-            </a:r>
-            <a:r>
+              <a:t>Có thể nhận diện  như sau:</a:t>
+            </a:r>
+            <a:br>
               <a:rPr lang="en-US" sz="2400" dirty="0">
                 <a:ea typeface="SF Pro Semibold" pitchFamily="2" charset="0"/>
                 <a:cs typeface="Arial" panose="020B0604020202020204" pitchFamily="34" charset="0"/>
               </a:rPr>
-              <a:t> </a:t>
-            </a:r>
-            <a:r>
-              <a:rPr lang="en-US" sz="2400" dirty="0" err="1">
-                <a:ea typeface="SF Pro Semibold" pitchFamily="2" charset="0"/>
-                <a:cs typeface="Arial" panose="020B0604020202020204" pitchFamily="34" charset="0"/>
-              </a:rPr>
-              <a:t>của</a:t>
-            </a:r>
+            </a:br>
             <a:r>
               <a:rPr lang="en-US" sz="2400" dirty="0">
                 <a:ea typeface="SF Pro Semibold" pitchFamily="2" charset="0"/>
                 <a:cs typeface="Arial" panose="020B0604020202020204" pitchFamily="34" charset="0"/>
               </a:rPr>
-              <a:t> </a:t>
-            </a:r>
-            <a:r>
-              <a:rPr lang="en-US" sz="2400" dirty="0" err="1">
-                <a:ea typeface="SF Pro Semibold" pitchFamily="2" charset="0"/>
-                <a:cs typeface="Arial" panose="020B0604020202020204" pitchFamily="34" charset="0"/>
-              </a:rPr>
-              <a:t>ảnh</a:t>
-            </a:r>
-            <a:r>
+              <a:t>Khoảng cách giữa hai mắt</a:t>
+            </a:r>
+            <a:br>
               <a:rPr lang="en-US" sz="2400" dirty="0">
                 <a:ea typeface="SF Pro Semibold" pitchFamily="2" charset="0"/>
                 <a:cs typeface="Arial" panose="020B0604020202020204" pitchFamily="34" charset="0"/>
               </a:rPr>
-              <a:t> </a:t>
-            </a:r>
-            <a:r>
-              <a:rPr lang="en-US" sz="2400" dirty="0" err="1">
-                <a:ea typeface="SF Pro Semibold" pitchFamily="2" charset="0"/>
-                <a:cs typeface="Arial" panose="020B0604020202020204" pitchFamily="34" charset="0"/>
-              </a:rPr>
-              <a:t>chụp</a:t>
-            </a:r>
+            </a:br>
             <a:r>
               <a:rPr lang="en-US" sz="2400" dirty="0">
                 <a:ea typeface="SF Pro Semibold" pitchFamily="2" charset="0"/>
                 <a:cs typeface="Arial" panose="020B0604020202020204" pitchFamily="34" charset="0"/>
               </a:rPr>
-              <a:t>. </a:t>
-            </a:r>
-            <a:r>
-              <a:rPr lang="en-US" sz="2400" dirty="0" err="1">
-                <a:ea typeface="SF Pro Semibold" pitchFamily="2" charset="0"/>
-                <a:cs typeface="Arial" panose="020B0604020202020204" pitchFamily="34" charset="0"/>
-              </a:rPr>
-              <a:t>v.v</a:t>
-            </a:r>
-            <a:r>
+              <a:t>Chiều rộng của mũi</a:t>
+            </a:r>
+            <a:br>
               <a:rPr lang="en-US" sz="2400" dirty="0">
                 <a:ea typeface="SF Pro Semibold" pitchFamily="2" charset="0"/>
                 <a:cs typeface="Arial" panose="020B0604020202020204" pitchFamily="34" charset="0"/>
               </a:rPr>
-              <a:t>	</a:t>
-            </a:r>
-            <a:endParaRPr lang="en-US" sz="2400" dirty="0">
-              <a:ea typeface="SF Pro Semibold" pitchFamily="2" charset="0"/>
-              <a:cs typeface="Arial" panose="020B0604020202020204" pitchFamily="34" charset="0"/>
-            </a:endParaRPr>
-          </a:p>
-          <a:p>
-            <a:pPr>
-              <a:lnSpc>
-                <a:spcPct val="150000"/>
-              </a:lnSpc>
-            </a:pPr>
+            </a:br>
             <a:r>
               <a:rPr lang="en-US" sz="2400" dirty="0">
                 <a:ea typeface="SF Pro Semibold" pitchFamily="2" charset="0"/>
                 <a:cs typeface="Arial" panose="020B0604020202020204" pitchFamily="34" charset="0"/>
               </a:rPr>
-              <a:t>=&gt; </a:t>
-            </a:r>
-            <a:r>
-              <a:rPr lang="en-US" sz="2400" dirty="0" err="1">
-                <a:ea typeface="SF Pro Semibold" pitchFamily="2" charset="0"/>
-                <a:cs typeface="Arial" panose="020B0604020202020204" pitchFamily="34" charset="0"/>
-              </a:rPr>
-              <a:t>Nhưng</a:t>
-            </a:r>
-            <a:r>
-              <a:rPr lang="en-US" sz="2400" dirty="0">
-                <a:ea typeface="SF Pro Semibold" pitchFamily="2" charset="0"/>
-                <a:cs typeface="Arial" panose="020B0604020202020204" pitchFamily="34" charset="0"/>
-              </a:rPr>
-              <a:t> </a:t>
-            </a:r>
-            <a:r>
-              <a:rPr lang="en-US" sz="2400" dirty="0" err="1">
-                <a:ea typeface="SF Pro Semibold" pitchFamily="2" charset="0"/>
-                <a:cs typeface="Arial" panose="020B0604020202020204" pitchFamily="34" charset="0"/>
-              </a:rPr>
-              <a:t>nó</a:t>
-            </a:r>
-            <a:r>
-              <a:rPr lang="en-US" sz="2400" dirty="0">
-                <a:ea typeface="SF Pro Semibold" pitchFamily="2" charset="0"/>
-                <a:cs typeface="Arial" panose="020B0604020202020204" pitchFamily="34" charset="0"/>
-              </a:rPr>
-              <a:t> </a:t>
-            </a:r>
-            <a:r>
-              <a:rPr lang="en-US" sz="2400" dirty="0" err="1">
-                <a:ea typeface="SF Pro Semibold" pitchFamily="2" charset="0"/>
-                <a:cs typeface="Arial" panose="020B0604020202020204" pitchFamily="34" charset="0"/>
-              </a:rPr>
-              <a:t>vẫn</a:t>
-            </a:r>
-            <a:r>
-              <a:rPr lang="en-US" sz="2400" dirty="0">
-                <a:ea typeface="SF Pro Semibold" pitchFamily="2" charset="0"/>
-                <a:cs typeface="Arial" panose="020B0604020202020204" pitchFamily="34" charset="0"/>
-              </a:rPr>
-              <a:t> </a:t>
-            </a:r>
-            <a:r>
-              <a:rPr lang="en-US" sz="2400" dirty="0" err="1">
-                <a:ea typeface="SF Pro Semibold" pitchFamily="2" charset="0"/>
-                <a:cs typeface="Arial" panose="020B0604020202020204" pitchFamily="34" charset="0"/>
-              </a:rPr>
-              <a:t>là</a:t>
-            </a:r>
-            <a:r>
-              <a:rPr lang="en-US" sz="2400" dirty="0">
-                <a:ea typeface="SF Pro Semibold" pitchFamily="2" charset="0"/>
-                <a:cs typeface="Arial" panose="020B0604020202020204" pitchFamily="34" charset="0"/>
-              </a:rPr>
-              <a:t> </a:t>
-            </a:r>
-            <a:r>
-              <a:rPr lang="en-US" sz="2400" dirty="0" err="1">
-                <a:ea typeface="SF Pro Semibold" pitchFamily="2" charset="0"/>
-                <a:cs typeface="Arial" panose="020B0604020202020204" pitchFamily="34" charset="0"/>
-              </a:rPr>
-              <a:t>một</a:t>
-            </a:r>
-            <a:r>
-              <a:rPr lang="en-US" sz="2400" dirty="0">
-                <a:ea typeface="SF Pro Semibold" pitchFamily="2" charset="0"/>
-                <a:cs typeface="Arial" panose="020B0604020202020204" pitchFamily="34" charset="0"/>
-              </a:rPr>
-              <a:t> </a:t>
-            </a:r>
-            <a:r>
-              <a:rPr lang="en-US" sz="2400" dirty="0" err="1">
-                <a:ea typeface="SF Pro Semibold" pitchFamily="2" charset="0"/>
-                <a:cs typeface="Arial" panose="020B0604020202020204" pitchFamily="34" charset="0"/>
-              </a:rPr>
-              <a:t>trong</a:t>
-            </a:r>
-            <a:r>
-              <a:rPr lang="en-US" sz="2400" dirty="0">
-                <a:ea typeface="SF Pro Semibold" pitchFamily="2" charset="0"/>
-                <a:cs typeface="Arial" panose="020B0604020202020204" pitchFamily="34" charset="0"/>
-              </a:rPr>
-              <a:t> </a:t>
-            </a:r>
-            <a:r>
-              <a:rPr lang="en-US" sz="2400" dirty="0" err="1">
-                <a:ea typeface="SF Pro Semibold" pitchFamily="2" charset="0"/>
-                <a:cs typeface="Arial" panose="020B0604020202020204" pitchFamily="34" charset="0"/>
-              </a:rPr>
-              <a:t>những</a:t>
-            </a:r>
-            <a:r>
-              <a:rPr lang="en-US" sz="2400" dirty="0">
-                <a:ea typeface="SF Pro Semibold" pitchFamily="2" charset="0"/>
-                <a:cs typeface="Arial" panose="020B0604020202020204" pitchFamily="34" charset="0"/>
-              </a:rPr>
-              <a:t> </a:t>
-            </a:r>
-            <a:r>
-              <a:rPr lang="en-US" sz="2400" dirty="0" err="1">
-                <a:ea typeface="SF Pro Semibold" pitchFamily="2" charset="0"/>
-                <a:cs typeface="Arial" panose="020B0604020202020204" pitchFamily="34" charset="0"/>
-              </a:rPr>
-              <a:t>công</a:t>
-            </a:r>
-            <a:r>
-              <a:rPr lang="en-US" sz="2400" dirty="0">
-                <a:ea typeface="SF Pro Semibold" pitchFamily="2" charset="0"/>
-                <a:cs typeface="Arial" panose="020B0604020202020204" pitchFamily="34" charset="0"/>
-              </a:rPr>
-              <a:t> </a:t>
-            </a:r>
-            <a:r>
-              <a:rPr lang="en-US" sz="2400" dirty="0" err="1">
-                <a:ea typeface="SF Pro Semibold" pitchFamily="2" charset="0"/>
-                <a:cs typeface="Arial" panose="020B0604020202020204" pitchFamily="34" charset="0"/>
-              </a:rPr>
-              <a:t>nghệ</a:t>
-            </a:r>
-            <a:r>
-              <a:rPr lang="en-US" sz="2400" dirty="0">
-                <a:ea typeface="SF Pro Semibold" pitchFamily="2" charset="0"/>
-                <a:cs typeface="Arial" panose="020B0604020202020204" pitchFamily="34" charset="0"/>
-              </a:rPr>
-              <a:t> </a:t>
-            </a:r>
-            <a:r>
-              <a:rPr lang="en-US" sz="2400" dirty="0" err="1">
-                <a:ea typeface="SF Pro Semibold" pitchFamily="2" charset="0"/>
-                <a:cs typeface="Arial" panose="020B0604020202020204" pitchFamily="34" charset="0"/>
-              </a:rPr>
-              <a:t>sinh</a:t>
-            </a:r>
-            <a:r>
-              <a:rPr lang="en-US" sz="2400" dirty="0">
-                <a:ea typeface="SF Pro Semibold" pitchFamily="2" charset="0"/>
-                <a:cs typeface="Arial" panose="020B0604020202020204" pitchFamily="34" charset="0"/>
-              </a:rPr>
-              <a:t> </a:t>
-            </a:r>
-            <a:r>
-              <a:rPr lang="en-US" sz="2400" dirty="0" err="1">
-                <a:ea typeface="SF Pro Semibold" pitchFamily="2" charset="0"/>
-                <a:cs typeface="Arial" panose="020B0604020202020204" pitchFamily="34" charset="0"/>
-              </a:rPr>
-              <a:t>trắc</a:t>
-            </a:r>
-            <a:r>
-              <a:rPr lang="en-US" sz="2400" dirty="0">
-                <a:ea typeface="SF Pro Semibold" pitchFamily="2" charset="0"/>
-                <a:cs typeface="Arial" panose="020B0604020202020204" pitchFamily="34" charset="0"/>
-              </a:rPr>
-              <a:t> </a:t>
-            </a:r>
-            <a:r>
-              <a:rPr lang="en-US" sz="2400" dirty="0" err="1">
-                <a:ea typeface="SF Pro Semibold" pitchFamily="2" charset="0"/>
-                <a:cs typeface="Arial" panose="020B0604020202020204" pitchFamily="34" charset="0"/>
-              </a:rPr>
-              <a:t>học</a:t>
-            </a:r>
-            <a:r>
-              <a:rPr lang="en-US" sz="2400" dirty="0">
-                <a:ea typeface="SF Pro Semibold" pitchFamily="2" charset="0"/>
-                <a:cs typeface="Arial" panose="020B0604020202020204" pitchFamily="34" charset="0"/>
-              </a:rPr>
-              <a:t> </a:t>
-            </a:r>
-            <a:r>
-              <a:rPr lang="en-US" sz="2400" dirty="0" err="1">
-                <a:ea typeface="SF Pro Semibold" pitchFamily="2" charset="0"/>
-                <a:cs typeface="Arial" panose="020B0604020202020204" pitchFamily="34" charset="0"/>
-              </a:rPr>
-              <a:t>chính</a:t>
-            </a:r>
-            <a:r>
-              <a:rPr lang="en-US" sz="2400" dirty="0">
-                <a:ea typeface="SF Pro Semibold" pitchFamily="2" charset="0"/>
-                <a:cs typeface="Arial" panose="020B0604020202020204" pitchFamily="34" charset="0"/>
-              </a:rPr>
-              <a:t> </a:t>
-            </a:r>
-            <a:r>
-              <a:rPr lang="en-US" sz="2400" dirty="0" err="1">
-                <a:ea typeface="SF Pro Semibold" pitchFamily="2" charset="0"/>
-                <a:cs typeface="Arial" panose="020B0604020202020204" pitchFamily="34" charset="0"/>
-              </a:rPr>
-              <a:t>xác</a:t>
-            </a:r>
-            <a:r>
-              <a:rPr lang="en-US" sz="2400" dirty="0">
-                <a:ea typeface="SF Pro Semibold" pitchFamily="2" charset="0"/>
-                <a:cs typeface="Arial" panose="020B0604020202020204" pitchFamily="34" charset="0"/>
-              </a:rPr>
-              <a:t> </a:t>
-            </a:r>
-            <a:r>
-              <a:rPr lang="en-US" sz="2400" dirty="0" err="1">
-                <a:ea typeface="SF Pro Semibold" pitchFamily="2" charset="0"/>
-                <a:cs typeface="Arial" panose="020B0604020202020204" pitchFamily="34" charset="0"/>
-              </a:rPr>
-              <a:t>nhất</a:t>
-            </a:r>
-            <a:r>
-              <a:rPr lang="en-US" sz="2400" dirty="0">
-                <a:ea typeface="SF Pro Semibold" pitchFamily="2" charset="0"/>
-                <a:cs typeface="Arial" panose="020B0604020202020204" pitchFamily="34" charset="0"/>
-              </a:rPr>
-              <a:t> </a:t>
-            </a:r>
-            <a:r>
-              <a:rPr lang="en-US" sz="2400" dirty="0" err="1">
-                <a:ea typeface="SF Pro Semibold" pitchFamily="2" charset="0"/>
-                <a:cs typeface="Arial" panose="020B0604020202020204" pitchFamily="34" charset="0"/>
-              </a:rPr>
-              <a:t>hiện</a:t>
-            </a:r>
-            <a:r>
-              <a:rPr lang="en-US" sz="2400" dirty="0">
-                <a:ea typeface="SF Pro Semibold" pitchFamily="2" charset="0"/>
-                <a:cs typeface="Arial" panose="020B0604020202020204" pitchFamily="34" charset="0"/>
-              </a:rPr>
-              <a:t> nay. </a:t>
+              <a:t>Độ sâu của hốc mắt</a:t>
             </a:r>
             <a:endParaRPr lang="en-US" sz="2400" dirty="0">
               <a:ea typeface="SF Pro Semibold" pitchFamily="2" charset="0"/>
@@ -11752,7 +11759,7 @@
                 </a:solidFill>
                 <a:latin typeface="+mj-lt"/>
               </a:rPr>
-              <a:t>4.HOẠT ĐỘNG </a:t>
+              <a:t>2.HOẠT ĐỘNG </a:t>
             </a:r>
             <a:endParaRPr lang="en-US" sz="3200" b="1">
               <a:solidFill>
@@ -11861,7 +11868,7 @@
                   <a:srgbClr val="FF0000"/>
                 </a:solidFill>
               </a:rPr>
-              <a:t>6</a:t>
+              <a:t>7</a:t>
             </a:r>
             <a:endParaRPr lang="en-US">
               <a:solidFill>
@@ -11880,7 +11887,7 @@
         <p:spPr>
           <a:xfrm>
             <a:off x="703384" y="1121257"/>
-            <a:ext cx="8169310" cy="5169535"/>
+            <a:ext cx="8169310" cy="1291590"/>
           </a:xfrm>
           <a:prstGeom prst="rect">
             <a:avLst/>
@@ -11908,7 +11915,7 @@
                 <a:ea typeface="SF Pro Semibold" pitchFamily="2" charset="0"/>
                 <a:cs typeface="Arial" panose="020B0604020202020204" pitchFamily="34" charset="0"/>
               </a:rPr>
-              <a:t>4.1.Truyền thống </a:t>
+              <a:t>2.1.Truyền thống </a:t>
             </a:r>
             <a:endParaRPr lang="en-US" sz="2800" dirty="0">
               <a:solidFill>
@@ -11919,126 +11926,92 @@
             </a:endParaRPr>
           </a:p>
           <a:p>
-            <a:pPr marL="457200" indent="-457200">
+            <a:pPr marL="0" indent="0">
               <a:lnSpc>
                 <a:spcPct val="150000"/>
               </a:lnSpc>
               <a:buFont typeface="Wingdings" panose="05000000000000000000" pitchFamily="2" charset="2"/>
-              <a:buChar char="Ø"/>
+              <a:buNone/>
             </a:pPr>
-            <a:r>
-              <a:rPr lang="en-US" sz="2400" dirty="0">
-                <a:ea typeface="SF Pro Semibold" pitchFamily="2" charset="0"/>
-                <a:cs typeface="Arial" panose="020B0604020202020204" pitchFamily="34" charset="0"/>
-              </a:rPr>
-              <a:t>Mỗi khuôn mặt đều có nhiều điểm mốc. Là phần lòi lõm tạo nên khuôn mặt.</a:t>
-            </a:r>
             <a:endParaRPr lang="en-US" sz="2400" dirty="0">
               <a:ea typeface="SF Pro Semibold" pitchFamily="2" charset="0"/>
               <a:cs typeface="Arial" panose="020B0604020202020204" pitchFamily="34" charset="0"/>
             </a:endParaRPr>
           </a:p>
-          <a:p>
-            <a:pPr marL="457200" indent="-457200">
-              <a:lnSpc>
-                <a:spcPct val="150000"/>
-              </a:lnSpc>
-              <a:buFont typeface="Wingdings" panose="05000000000000000000" pitchFamily="2" charset="2"/>
-              <a:buChar char="Ø"/>
-            </a:pPr>
-            <a:r>
-              <a:rPr lang="en-US" sz="2400" dirty="0">
-                <a:ea typeface="SF Pro Semibold" pitchFamily="2" charset="0"/>
-                <a:cs typeface="Arial" panose="020B0604020202020204" pitchFamily="34" charset="0"/>
-              </a:rPr>
-              <a:t>Hệ thống nhận diện qua những điểm nút</a:t>
-            </a:r>
-            <a:endParaRPr lang="en-US" sz="2400" dirty="0">
-              <a:ea typeface="SF Pro Semibold" pitchFamily="2" charset="0"/>
-              <a:cs typeface="Arial" panose="020B0604020202020204" pitchFamily="34" charset="0"/>
-            </a:endParaRPr>
-          </a:p>
-          <a:p>
-            <a:pPr marL="457200" indent="-457200">
-              <a:lnSpc>
-                <a:spcPct val="150000"/>
-              </a:lnSpc>
-              <a:buFont typeface="Wingdings" panose="05000000000000000000" pitchFamily="2" charset="2"/>
-              <a:buChar char="Ø"/>
-            </a:pPr>
-            <a:r>
-              <a:rPr lang="en-US" sz="2400" dirty="0">
-                <a:ea typeface="SF Pro Semibold" pitchFamily="2" charset="0"/>
-                <a:cs typeface="Arial" panose="020B0604020202020204" pitchFamily="34" charset="0"/>
-              </a:rPr>
-              <a:t>Mỗi mặt người có khoảng 80 điểm nút</a:t>
-            </a:r>
-            <a:endParaRPr lang="en-US" sz="2400" dirty="0">
-              <a:ea typeface="SF Pro Semibold" pitchFamily="2" charset="0"/>
-              <a:cs typeface="Arial" panose="020B0604020202020204" pitchFamily="34" charset="0"/>
-            </a:endParaRPr>
-          </a:p>
-          <a:p>
-            <a:pPr marL="457200" indent="-457200">
-              <a:lnSpc>
-                <a:spcPct val="150000"/>
-              </a:lnSpc>
-              <a:buFont typeface="Wingdings" panose="05000000000000000000" pitchFamily="2" charset="2"/>
-              <a:buChar char="Ø"/>
-            </a:pPr>
-            <a:r>
-              <a:rPr lang="en-US" sz="2400" dirty="0">
-                <a:ea typeface="SF Pro Semibold" pitchFamily="2" charset="0"/>
-                <a:cs typeface="Arial" panose="020B0604020202020204" pitchFamily="34" charset="0"/>
-              </a:rPr>
-              <a:t>Có thể nhận diện  như sau:</a:t>
-            </a:r>
-            <a:br>
-              <a:rPr lang="en-US" sz="2400" dirty="0">
-                <a:ea typeface="SF Pro Semibold" pitchFamily="2" charset="0"/>
-                <a:cs typeface="Arial" panose="020B0604020202020204" pitchFamily="34" charset="0"/>
-              </a:rPr>
-            </a:br>
-            <a:r>
-              <a:rPr lang="en-US" sz="2400" dirty="0">
-                <a:ea typeface="SF Pro Semibold" pitchFamily="2" charset="0"/>
-                <a:cs typeface="Arial" panose="020B0604020202020204" pitchFamily="34" charset="0"/>
-              </a:rPr>
-              <a:t>Khoảng cách giữa hai mắt</a:t>
-            </a:r>
-            <a:br>
-              <a:rPr lang="en-US" sz="2400" dirty="0">
-                <a:ea typeface="SF Pro Semibold" pitchFamily="2" charset="0"/>
-                <a:cs typeface="Arial" panose="020B0604020202020204" pitchFamily="34" charset="0"/>
-              </a:rPr>
-            </a:br>
-            <a:r>
-              <a:rPr lang="en-US" sz="2400" dirty="0">
-                <a:ea typeface="SF Pro Semibold" pitchFamily="2" charset="0"/>
-                <a:cs typeface="Arial" panose="020B0604020202020204" pitchFamily="34" charset="0"/>
-              </a:rPr>
-              <a:t>Chiều rộng của mũi</a:t>
-            </a:r>
-            <a:br>
-              <a:rPr lang="en-US" sz="2400" dirty="0">
-                <a:ea typeface="SF Pro Semibold" pitchFamily="2" charset="0"/>
-                <a:cs typeface="Arial" panose="020B0604020202020204" pitchFamily="34" charset="0"/>
-              </a:rPr>
-            </a:br>
-            <a:r>
-              <a:rPr lang="en-US" sz="2400" dirty="0">
-                <a:ea typeface="SF Pro Semibold" pitchFamily="2" charset="0"/>
-                <a:cs typeface="Arial" panose="020B0604020202020204" pitchFamily="34" charset="0"/>
-              </a:rPr>
-              <a:t>Độ sâu của hốc mắt</a:t>
-            </a:r>
-            <a:endParaRPr lang="en-US" sz="2400" dirty="0">
-              <a:ea typeface="SF Pro Semibold" pitchFamily="2" charset="0"/>
-              <a:cs typeface="Arial" panose="020B0604020202020204" pitchFamily="34" charset="0"/>
-            </a:endParaRPr>
-          </a:p>
-        </p:txBody>
-      </p:sp>
+        </p:txBody>
+      </p:sp>
+      <p:pic>
+        <p:nvPicPr>
+          <p:cNvPr id="2" name="Picture 1" descr="1904_su-hoat-dong-cua-cong-nghe-ai-nhan-dien-khuon-mat"/>
+          <p:cNvPicPr>
+            <a:picLocks noChangeAspect="1"/>
+          </p:cNvPicPr>
+          <p:nvPr/>
+        </p:nvPicPr>
+        <p:blipFill>
+          <a:blip r:embed="rId2"/>
+          <a:stretch>
+            <a:fillRect/>
+          </a:stretch>
+        </p:blipFill>
+        <p:spPr>
+          <a:xfrm>
+            <a:off x="536575" y="1845945"/>
+            <a:ext cx="4953000" cy="2781300"/>
+          </a:xfrm>
+          <a:prstGeom prst="rect">
+            <a:avLst/>
+          </a:prstGeom>
+        </p:spPr>
+      </p:pic>
+      <p:pic>
+        <p:nvPicPr>
+          <p:cNvPr id="3" name="Picture 2" descr="he-thong-camera-nhan-dien-khuon-mat-hoat-dong-nhu-the-nao"/>
+          <p:cNvPicPr>
+            <a:picLocks noChangeAspect="1"/>
+          </p:cNvPicPr>
+          <p:nvPr/>
+        </p:nvPicPr>
+        <p:blipFill>
+          <a:blip r:embed="rId3"/>
+          <a:stretch>
+            <a:fillRect/>
+          </a:stretch>
+        </p:blipFill>
+        <p:spPr>
+          <a:xfrm>
+            <a:off x="536575" y="4627245"/>
+            <a:ext cx="4953000" cy="2174875"/>
+          </a:xfrm>
+          <a:prstGeom prst="rect">
+            <a:avLst/>
+          </a:prstGeom>
+        </p:spPr>
+      </p:pic>
+      <p:pic>
+        <p:nvPicPr>
+          <p:cNvPr id="4" name="Picture 3" descr="facial-recognition-768x512-1"/>
+          <p:cNvPicPr>
+            <a:picLocks noChangeAspect="1"/>
+          </p:cNvPicPr>
+          <p:nvPr/>
+        </p:nvPicPr>
+        <p:blipFill>
+          <a:blip r:embed="rId4"/>
+          <a:stretch>
+            <a:fillRect/>
+          </a:stretch>
+        </p:blipFill>
+        <p:spPr>
+          <a:xfrm>
+            <a:off x="5514340" y="1846580"/>
+            <a:ext cx="3629660" cy="4486275"/>
+          </a:xfrm>
+          <a:prstGeom prst="rect">
+            <a:avLst/>
+          </a:prstGeom>
+        </p:spPr>
+      </p:pic>
     </p:spTree>
   </p:cSld>
   <p:clrMapOvr>
@@ -12142,7 +12115,7 @@
                 </a:solidFill>
                 <a:latin typeface="+mj-lt"/>
               </a:rPr>
-              <a:t>4.HOẠT ĐỘNG </a:t>
+              <a:t>2.HOẠT ĐỘNG </a:t>
             </a:r>
             <a:endParaRPr lang="en-US" sz="3200" b="1">
               <a:solidFill>
@@ -12251,7 +12224,7 @@
                   <a:srgbClr val="FF0000"/>
                 </a:solidFill>
               </a:rPr>
-              <a:t>7</a:t>
+              <a:t>8</a:t>
             </a:r>
             <a:endParaRPr lang="en-US">
               <a:solidFill>
@@ -12270,7 +12243,7 @@
         <p:spPr>
           <a:xfrm>
             <a:off x="703384" y="1121257"/>
-            <a:ext cx="8169310" cy="1291590"/>
+            <a:ext cx="8169310" cy="4523105"/>
           </a:xfrm>
           <a:prstGeom prst="rect">
             <a:avLst/>
@@ -12291,16 +12264,16 @@
               <a:buChar char="Ø"/>
             </a:pPr>
             <a:r>
-              <a:rPr lang="en-US" sz="2800" dirty="0">
-                <a:solidFill>
-                  <a:srgbClr val="FF0000"/>
-                </a:solidFill>
-                <a:ea typeface="SF Pro Semibold" pitchFamily="2" charset="0"/>
-                <a:cs typeface="Arial" panose="020B0604020202020204" pitchFamily="34" charset="0"/>
-              </a:rPr>
-              <a:t>4.1.Truyền thống </a:t>
-            </a:r>
-            <a:endParaRPr lang="en-US" sz="2800" dirty="0">
+              <a:rPr lang="en-US" sz="2400" dirty="0">
+                <a:solidFill>
+                  <a:srgbClr val="FF0000"/>
+                </a:solidFill>
+                <a:ea typeface="SF Pro Semibold" pitchFamily="2" charset="0"/>
+                <a:cs typeface="Arial" panose="020B0604020202020204" pitchFamily="34" charset="0"/>
+              </a:rPr>
+              <a:t>2.2.Nâng cao dạng 3D</a:t>
+            </a:r>
+            <a:endParaRPr lang="en-US" sz="2400" dirty="0">
               <a:solidFill>
                 <a:srgbClr val="FF0000"/>
               </a:solidFill>
@@ -12309,12 +12282,72 @@
             </a:endParaRPr>
           </a:p>
           <a:p>
-            <a:pPr marL="0" indent="0">
+            <a:pPr marL="457200" indent="-457200">
               <a:lnSpc>
                 <a:spcPct val="150000"/>
               </a:lnSpc>
               <a:buFont typeface="Wingdings" panose="05000000000000000000" pitchFamily="2" charset="2"/>
-              <a:buNone/>
+              <a:buChar char="Ø"/>
+            </a:pPr>
+            <a:r>
+              <a:rPr lang="en-US" sz="2400" dirty="0">
+                <a:ea typeface="SF Pro Semibold" pitchFamily="2" charset="0"/>
+                <a:cs typeface="Arial" panose="020B0604020202020204" pitchFamily="34" charset="0"/>
+              </a:rPr>
+              <a:t> Kỹ thuật này sử dụng các cảm biến 3D để nắm bắt thông tin về hình dạng của khuôn mặt.</a:t>
+            </a:r>
+            <a:endParaRPr lang="en-US" sz="2400" dirty="0">
+              <a:ea typeface="SF Pro Semibold" pitchFamily="2" charset="0"/>
+              <a:cs typeface="Arial" panose="020B0604020202020204" pitchFamily="34" charset="0"/>
+            </a:endParaRPr>
+          </a:p>
+          <a:p>
+            <a:pPr marL="457200" indent="-457200">
+              <a:lnSpc>
+                <a:spcPct val="150000"/>
+              </a:lnSpc>
+              <a:buFont typeface="Wingdings" panose="05000000000000000000" pitchFamily="2" charset="2"/>
+              <a:buChar char="Ø"/>
+            </a:pPr>
+            <a:r>
+              <a:rPr lang="en-US" sz="2400" dirty="0">
+                <a:ea typeface="SF Pro Semibold" pitchFamily="2" charset="0"/>
+                <a:cs typeface="Arial" panose="020B0604020202020204" pitchFamily="34" charset="0"/>
+              </a:rPr>
+              <a:t>Thông tin này được sử dụng xác định một khuôn mặt như các đường viền của hốc mắt, mũi và cằm.</a:t>
+            </a:r>
+            <a:endParaRPr lang="en-US" sz="2400" dirty="0">
+              <a:ea typeface="SF Pro Semibold" pitchFamily="2" charset="0"/>
+              <a:cs typeface="Arial" panose="020B0604020202020204" pitchFamily="34" charset="0"/>
+            </a:endParaRPr>
+          </a:p>
+          <a:p>
+            <a:pPr marL="457200" indent="-457200">
+              <a:lnSpc>
+                <a:spcPct val="150000"/>
+              </a:lnSpc>
+              <a:buFont typeface="Wingdings" panose="05000000000000000000" pitchFamily="2" charset="2"/>
+              <a:buChar char="Ø"/>
+            </a:pPr>
+            <a:r>
+              <a:rPr lang="en-US" sz="2400" dirty="0">
+                <a:ea typeface="SF Pro Semibold" pitchFamily="2" charset="0"/>
+                <a:cs typeface="Arial" panose="020B0604020202020204" pitchFamily="34" charset="0"/>
+              </a:rPr>
+              <a:t>Nhận dạng khuôn mặt 3D là nó không bị ảnh hưởng bởi những thay đổi trong ánh sáng.</a:t>
+            </a:r>
+            <a:endParaRPr lang="en-US" sz="2400" dirty="0">
+              <a:ea typeface="SF Pro Semibold" pitchFamily="2" charset="0"/>
+              <a:cs typeface="Arial" panose="020B0604020202020204" pitchFamily="34" charset="0"/>
+            </a:endParaRPr>
+          </a:p>
+          <a:p>
+            <a:pPr marL="457200" indent="-457200">
+              <a:lnSpc>
+                <a:spcPct val="150000"/>
+              </a:lnSpc>
+              <a:buFont typeface="Wingdings" panose="05000000000000000000" pitchFamily="2" charset="2"/>
+              <a:buChar char="Ø"/>
             </a:pPr>
             <a:endParaRPr lang="en-US" sz="2400" dirty="0">
               <a:ea typeface="SF Pro Semibold" pitchFamily="2" charset="0"/>
@@ -12323,78 +12356,6 @@
           </a:p>
         </p:txBody>
       </p:sp>
-      <p:pic>
-        <p:nvPicPr>
-          <p:cNvPr id="2" name="Picture 1" descr="1904_su-hoat-dong-cua-cong-nghe-ai-nhan-dien-khuon-mat"/>
-          <p:cNvPicPr>
-            <a:picLocks noChangeAspect="1"/>
-          </p:cNvPicPr>
-          <p:nvPr/>
-        </p:nvPicPr>
-        <p:blipFill>
-          <a:blip r:embed="rId2"/>
-          <a:stretch>
-            <a:fillRect/>
-          </a:stretch>
-        </p:blipFill>
-        <p:spPr>
-          <a:xfrm>
-            <a:off x="536575" y="1845945"/>
-            <a:ext cx="4953000" cy="2781300"/>
-          </a:xfrm>
-          <a:prstGeom prst="rect">
-            <a:avLst/>
-          </a:prstGeom>
-        </p:spPr>
-      </p:pic>
-      <p:pic>
-        <p:nvPicPr>
-          <p:cNvPr id="3" name="Picture 2" descr="he-thong-camera-nhan-dien-khuon-mat-hoat-dong-nhu-the-nao"/>
-          <p:cNvPicPr>
-            <a:picLocks noChangeAspect="1"/>
-          </p:cNvPicPr>
-          <p:nvPr/>
-        </p:nvPicPr>
-        <p:blipFill>
-          <a:blip r:embed="rId3"/>
-          <a:stretch>
-            <a:fillRect/>
-          </a:stretch>
-        </p:blipFill>
-        <p:spPr>
-          <a:xfrm>
-            <a:off x="536575" y="4627245"/>
-            <a:ext cx="4953000" cy="2174875"/>
-          </a:xfrm>
-          <a:prstGeom prst="rect">
-            <a:avLst/>
-          </a:prstGeom>
-        </p:spPr>
-      </p:pic>
-      <p:pic>
-        <p:nvPicPr>
-          <p:cNvPr id="4" name="Picture 3" descr="facial-recognition-768x512-1"/>
-          <p:cNvPicPr>
-            <a:picLocks noChangeAspect="1"/>
-          </p:cNvPicPr>
-          <p:nvPr/>
-        </p:nvPicPr>
-        <p:blipFill>
-          <a:blip r:embed="rId4"/>
-          <a:stretch>
-            <a:fillRect/>
-          </a:stretch>
-        </p:blipFill>
-        <p:spPr>
-          <a:xfrm>
-            <a:off x="5514340" y="1846580"/>
-            <a:ext cx="3629660" cy="4486275"/>
-          </a:xfrm>
-          <a:prstGeom prst="rect">
-            <a:avLst/>
-          </a:prstGeom>
-        </p:spPr>
-      </p:pic>
     </p:spTree>
   </p:cSld>
   <p:clrMapOvr>
@@ -12498,7 +12459,7 @@
                 </a:solidFill>
                 <a:latin typeface="+mj-lt"/>
               </a:rPr>
-              <a:t>4.HOẠT ĐỘNG </a:t>
+              <a:t>2.HOẠT ĐỘNG </a:t>
             </a:r>
             <a:endParaRPr lang="en-US" sz="3200" b="1">
               <a:solidFill>
@@ -12607,7 +12568,7 @@
                   <a:srgbClr val="FF0000"/>
                 </a:solidFill>
               </a:rPr>
-              <a:t>8</a:t>
+              <a:t>9</a:t>
             </a:r>
             <a:endParaRPr lang="en-US">
               <a:solidFill>
@@ -12626,7 +12587,7 @@
         <p:spPr>
           <a:xfrm>
             <a:off x="703384" y="1121257"/>
-            <a:ext cx="8169310" cy="4523105"/>
+            <a:ext cx="8169310" cy="1753235"/>
           </a:xfrm>
           <a:prstGeom prst="rect">
             <a:avLst/>
@@ -12654,7 +12615,7 @@
                 <a:ea typeface="SF Pro Semibold" pitchFamily="2" charset="0"/>
                 <a:cs typeface="Arial" panose="020B0604020202020204" pitchFamily="34" charset="0"/>
               </a:rPr>
-              <a:t>4.2.Nâng cao dạng 3D</a:t>
+              <a:t>2.2.Nâng cao dạng 3D</a:t>
             </a:r>
             <a:endParaRPr lang="en-US" sz="2400" dirty="0">
               <a:solidFill>
@@ -12665,60 +12626,13 @@
             </a:endParaRPr>
           </a:p>
           <a:p>
-            <a:pPr marL="457200" indent="-457200">
+            <a:pPr marL="0" indent="0">
               <a:lnSpc>
                 <a:spcPct val="150000"/>
               </a:lnSpc>
               <a:buFont typeface="Wingdings" panose="05000000000000000000" pitchFamily="2" charset="2"/>
-              <a:buChar char="Ø"/>
+              <a:buNone/>
             </a:pPr>
-            <a:r>
-              <a:rPr lang="en-US" sz="2400" dirty="0">
-                <a:ea typeface="SF Pro Semibold" pitchFamily="2" charset="0"/>
-                <a:cs typeface="Arial" panose="020B0604020202020204" pitchFamily="34" charset="0"/>
-              </a:rPr>
-              <a:t> Kỹ thuật này sử dụng các cảm biến 3D để nắm bắt thông tin về hình dạng của khuôn mặt.</a:t>
-            </a:r>
-            <a:endParaRPr lang="en-US" sz="2400" dirty="0">
-              <a:ea typeface="SF Pro Semibold" pitchFamily="2" charset="0"/>
-              <a:cs typeface="Arial" panose="020B0604020202020204" pitchFamily="34" charset="0"/>
-            </a:endParaRPr>
-          </a:p>
-          <a:p>
-            <a:pPr marL="457200" indent="-457200">
-              <a:lnSpc>
-                <a:spcPct val="150000"/>
-              </a:lnSpc>
-              <a:buFont typeface="Wingdings" panose="05000000000000000000" pitchFamily="2" charset="2"/>
-              <a:buChar char="Ø"/>
-            </a:pPr>
-            <a:r>
-              <a:rPr lang="en-US" sz="2400" dirty="0">
-                <a:ea typeface="SF Pro Semibold" pitchFamily="2" charset="0"/>
-                <a:cs typeface="Arial" panose="020B0604020202020204" pitchFamily="34" charset="0"/>
-              </a:rPr>
-              <a:t>Thông tin này được sử dụng xác định một khuôn mặt như các đường viền của hốc mắt, mũi và cằm.</a:t>
-            </a:r>
-            <a:endParaRPr lang="en-US" sz="2400" dirty="0">
-              <a:ea typeface="SF Pro Semibold" pitchFamily="2" charset="0"/>
-              <a:cs typeface="Arial" panose="020B0604020202020204" pitchFamily="34" charset="0"/>
-            </a:endParaRPr>
-          </a:p>
-          <a:p>
-            <a:pPr marL="457200" indent="-457200">
-              <a:lnSpc>
-                <a:spcPct val="150000"/>
-              </a:lnSpc>
-              <a:buFont typeface="Wingdings" panose="05000000000000000000" pitchFamily="2" charset="2"/>
-              <a:buChar char="Ø"/>
-            </a:pPr>
-            <a:r>
-              <a:rPr lang="en-US" sz="2400" dirty="0">
-                <a:ea typeface="SF Pro Semibold" pitchFamily="2" charset="0"/>
-                <a:cs typeface="Arial" panose="020B0604020202020204" pitchFamily="34" charset="0"/>
-              </a:rPr>
-              <a:t>Nhận dạng khuôn mặt 3D là nó không bị ảnh hưởng bởi những thay đổi trong ánh sáng.</a:t>
-            </a:r>
             <a:endParaRPr lang="en-US" sz="2400" dirty="0">
               <a:ea typeface="SF Pro Semibold" pitchFamily="2" charset="0"/>
               <a:cs typeface="Arial" panose="020B0604020202020204" pitchFamily="34" charset="0"/>
@@ -12739,6 +12653,54 @@
           </a:p>
         </p:txBody>
       </p:sp>
+      <p:pic>
+        <p:nvPicPr>
+          <p:cNvPr id="2" name="Picture 1" descr="nhan-dien-khuon-mat_800x450"/>
+          <p:cNvPicPr>
+            <a:picLocks noChangeAspect="1"/>
+          </p:cNvPicPr>
+          <p:nvPr/>
+        </p:nvPicPr>
+        <p:blipFill>
+          <a:blip r:embed="rId2"/>
+          <a:stretch>
+            <a:fillRect/>
+          </a:stretch>
+        </p:blipFill>
+        <p:spPr>
+          <a:xfrm>
+            <a:off x="5081905" y="2776220"/>
+            <a:ext cx="3906520" cy="2700655"/>
+          </a:xfrm>
+          <a:prstGeom prst="rect">
+            <a:avLst/>
+          </a:prstGeom>
+        </p:spPr>
+      </p:pic>
+      <p:pic>
+        <p:nvPicPr>
+          <p:cNvPr id="4" name="Picture 3" descr="nhan-dien-khuon-mat-3d-the-hien-cong-nghe-vuot-troi-cua-apple"/>
+          <p:cNvPicPr>
+            <a:picLocks noChangeAspect="1"/>
+          </p:cNvPicPr>
+          <p:nvPr/>
+        </p:nvPicPr>
+        <p:blipFill>
+          <a:blip r:embed="rId3"/>
+          <a:stretch>
+            <a:fillRect/>
+          </a:stretch>
+        </p:blipFill>
+        <p:spPr>
+          <a:xfrm>
+            <a:off x="598170" y="2932430"/>
+            <a:ext cx="4347210" cy="3133725"/>
+          </a:xfrm>
+          <a:prstGeom prst="rect">
+            <a:avLst/>
+          </a:prstGeom>
+        </p:spPr>
+      </p:pic>
     </p:spTree>
   </p:cSld>
   <p:clrMapOvr>
@@ -12842,7 +12804,7 @@
                 </a:solidFill>
                 <a:latin typeface="+mj-lt"/>
               </a:rPr>
-              <a:t>4.HOẠT ĐỘNG </a:t>
+              <a:t>2.HOẠT ĐỘNG </a:t>
             </a:r>
             <a:endParaRPr lang="en-US" sz="3200" b="1">
               <a:solidFill>
@@ -12909,8 +12871,8 @@
         </p:nvSpPr>
         <p:spPr>
           <a:xfrm>
-            <a:off x="8601389" y="6315389"/>
-            <a:ext cx="542611" cy="542611"/>
+            <a:off x="8444865" y="6315075"/>
+            <a:ext cx="699135" cy="542925"/>
           </a:xfrm>
           <a:prstGeom prst="ellipse">
             <a:avLst/>
@@ -12951,7 +12913,7 @@
                   <a:srgbClr val="FF0000"/>
                 </a:solidFill>
               </a:rPr>
-              <a:t>9</a:t>
+              <a:t>10</a:t>
             </a:r>
             <a:endParaRPr lang="en-US">
               <a:solidFill>
@@ -12970,7 +12932,7 @@
         <p:spPr>
           <a:xfrm>
             <a:off x="703384" y="1121257"/>
-            <a:ext cx="8169310" cy="1753235"/>
+            <a:ext cx="8169310" cy="5631180"/>
           </a:xfrm>
           <a:prstGeom prst="rect">
             <a:avLst/>
@@ -12998,12 +12960,98 @@
                 <a:ea typeface="SF Pro Semibold" pitchFamily="2" charset="0"/>
                 <a:cs typeface="Arial" panose="020B0604020202020204" pitchFamily="34" charset="0"/>
               </a:rPr>
-              <a:t>4.2.Nâng cao dạng 3D</a:t>
+              <a:t>2.3.Phân tích kết cấu da</a:t>
             </a:r>
             <a:endParaRPr lang="en-US" sz="2400" dirty="0">
               <a:solidFill>
                 <a:srgbClr val="FF0000"/>
               </a:solidFill>
+              <a:ea typeface="SF Pro Semibold" pitchFamily="2" charset="0"/>
+              <a:cs typeface="Arial" panose="020B0604020202020204" pitchFamily="34" charset="0"/>
+            </a:endParaRPr>
+          </a:p>
+          <a:p>
+            <a:pPr marL="457200" indent="-457200">
+              <a:lnSpc>
+                <a:spcPct val="150000"/>
+              </a:lnSpc>
+              <a:buFont typeface="Wingdings" panose="05000000000000000000" pitchFamily="2" charset="2"/>
+              <a:buChar char="Ø"/>
+            </a:pPr>
+            <a:r>
+              <a:rPr lang="en-US" sz="2400" dirty="0">
+                <a:ea typeface="SF Pro Semibold" pitchFamily="2" charset="0"/>
+                <a:cs typeface="Arial" panose="020B0604020202020204" pitchFamily="34" charset="0"/>
+              </a:rPr>
+              <a:t> sử dụng các chi tiết hình ảnh của da, được chụp trong các hình ảnh kỹ thuật số hoặc máy scan tiêu chuẩn.</a:t>
+            </a:r>
+            <a:endParaRPr lang="en-US" sz="2400" dirty="0">
+              <a:ea typeface="SF Pro Semibold" pitchFamily="2" charset="0"/>
+              <a:cs typeface="Arial" panose="020B0604020202020204" pitchFamily="34" charset="0"/>
+            </a:endParaRPr>
+          </a:p>
+          <a:p>
+            <a:pPr marL="457200" indent="-457200">
+              <a:lnSpc>
+                <a:spcPct val="150000"/>
+              </a:lnSpc>
+              <a:buFont typeface="Wingdings" panose="05000000000000000000" pitchFamily="2" charset="2"/>
+              <a:buChar char="Ø"/>
+            </a:pPr>
+            <a:r>
+              <a:rPr lang="en-US" sz="2400" dirty="0">
+                <a:ea typeface="SF Pro Semibold" pitchFamily="2" charset="0"/>
+                <a:cs typeface="Arial" panose="020B0604020202020204" pitchFamily="34" charset="0"/>
+              </a:rPr>
+              <a:t>phân tích kết cấu da, các đường đặc trưng, hình dạng và điểm nốt trên da.</a:t>
+            </a:r>
+            <a:endParaRPr lang="en-US" sz="2400" dirty="0">
+              <a:ea typeface="SF Pro Semibold" pitchFamily="2" charset="0"/>
+              <a:cs typeface="Arial" panose="020B0604020202020204" pitchFamily="34" charset="0"/>
+            </a:endParaRPr>
+          </a:p>
+          <a:p>
+            <a:pPr marL="457200" indent="-457200">
+              <a:lnSpc>
+                <a:spcPct val="150000"/>
+              </a:lnSpc>
+              <a:buFont typeface="Wingdings" panose="05000000000000000000" pitchFamily="2" charset="2"/>
+              <a:buChar char="Ø"/>
+            </a:pPr>
+            <a:r>
+              <a:rPr lang="en-US" sz="2400" dirty="0">
+                <a:ea typeface="SF Pro Semibold" pitchFamily="2" charset="0"/>
+                <a:cs typeface="Arial" panose="020B0604020202020204" pitchFamily="34" charset="0"/>
+              </a:rPr>
+              <a:t>Đưa vào không gian toán học.</a:t>
+            </a:r>
+            <a:endParaRPr lang="en-US" sz="2400" dirty="0">
+              <a:ea typeface="SF Pro Semibold" pitchFamily="2" charset="0"/>
+              <a:cs typeface="Arial" panose="020B0604020202020204" pitchFamily="34" charset="0"/>
+            </a:endParaRPr>
+          </a:p>
+          <a:p>
+            <a:pPr marL="457200" indent="-457200">
+              <a:lnSpc>
+                <a:spcPct val="150000"/>
+              </a:lnSpc>
+              <a:buFont typeface="Wingdings" panose="05000000000000000000" pitchFamily="2" charset="2"/>
+              <a:buChar char="Ø"/>
+            </a:pPr>
+            <a:endParaRPr lang="en-US" sz="2400" dirty="0">
+              <a:ea typeface="SF Pro Semibold" pitchFamily="2" charset="0"/>
+              <a:cs typeface="Arial" panose="020B0604020202020204" pitchFamily="34" charset="0"/>
+            </a:endParaRPr>
+          </a:p>
+          <a:p>
+            <a:pPr marL="457200" indent="-457200">
+              <a:lnSpc>
+                <a:spcPct val="150000"/>
+              </a:lnSpc>
+              <a:buFont typeface="Wingdings" panose="05000000000000000000" pitchFamily="2" charset="2"/>
+              <a:buChar char="Ø"/>
+            </a:pPr>
+            <a:endParaRPr lang="en-US" sz="2400" dirty="0">
               <a:ea typeface="SF Pro Semibold" pitchFamily="2" charset="0"/>
               <a:cs typeface="Arial" panose="020B0604020202020204" pitchFamily="34" charset="0"/>
             </a:endParaRPr>
@@ -13036,54 +13084,6 @@
           </a:p>
         </p:txBody>
       </p:sp>
-      <p:pic>
-        <p:nvPicPr>
-          <p:cNvPr id="2" name="Picture 1" descr="nhan-dien-khuon-mat_800x450"/>
-          <p:cNvPicPr>
-            <a:picLocks noChangeAspect="1"/>
-          </p:cNvPicPr>
-          <p:nvPr/>
-        </p:nvPicPr>
-        <p:blipFill>
-          <a:blip r:embed="rId2"/>
-          <a:stretch>
-            <a:fillRect/>
-          </a:stretch>
-        </p:blipFill>
-        <p:spPr>
-          <a:xfrm>
-            <a:off x="5081905" y="2776220"/>
-            <a:ext cx="3906520" cy="2700655"/>
-          </a:xfrm>
-          <a:prstGeom prst="rect">
-            <a:avLst/>
-          </a:prstGeom>
-        </p:spPr>
-      </p:pic>
-      <p:pic>
-        <p:nvPicPr>
-          <p:cNvPr id="4" name="Picture 3" descr="nhan-dien-khuon-mat-3d-the-hien-cong-nghe-vuot-troi-cua-apple"/>
-          <p:cNvPicPr>
-            <a:picLocks noChangeAspect="1"/>
-          </p:cNvPicPr>
-          <p:nvPr/>
-        </p:nvPicPr>
-        <p:blipFill>
-          <a:blip r:embed="rId3"/>
-          <a:stretch>
-            <a:fillRect/>
-          </a:stretch>
-        </p:blipFill>
-        <p:spPr>
-          <a:xfrm>
-            <a:off x="598170" y="2932430"/>
-            <a:ext cx="4347210" cy="3133725"/>
-          </a:xfrm>
-          <a:prstGeom prst="rect">
-            <a:avLst/>
-          </a:prstGeom>
-        </p:spPr>
-      </p:pic>
     </p:spTree>
   </p:cSld>
   <p:clrMapOvr>

--- a/BÀI THUYẾT TRÌNH MẪU.pptx
+++ b/BÀI THUYẾT TRÌNH MẪU.pptx
@@ -5,23 +5,23 @@
     <p:sldMasterId id="2147483648" r:id="rId1"/>
   </p:sldMasterIdLst>
   <p:sldIdLst>
-    <p:sldId id="256" r:id="rId2"/>
-    <p:sldId id="257" r:id="rId3"/>
-    <p:sldId id="261" r:id="rId4"/>
-    <p:sldId id="271" r:id="rId5"/>
-    <p:sldId id="281" r:id="rId6"/>
-    <p:sldId id="286" r:id="rId7"/>
-    <p:sldId id="282" r:id="rId8"/>
-    <p:sldId id="285" r:id="rId9"/>
-    <p:sldId id="283" r:id="rId10"/>
-    <p:sldId id="263" r:id="rId11"/>
-    <p:sldId id="259" r:id="rId12"/>
-    <p:sldId id="258" r:id="rId13"/>
-    <p:sldId id="264" r:id="rId14"/>
-    <p:sldId id="260" r:id="rId15"/>
-    <p:sldId id="265" r:id="rId16"/>
-    <p:sldId id="266" r:id="rId17"/>
-    <p:sldId id="262" r:id="rId18"/>
+    <p:sldId id="256" r:id="rId3"/>
+    <p:sldId id="257" r:id="rId4"/>
+    <p:sldId id="261" r:id="rId5"/>
+    <p:sldId id="271" r:id="rId6"/>
+    <p:sldId id="281" r:id="rId7"/>
+    <p:sldId id="286" r:id="rId8"/>
+    <p:sldId id="282" r:id="rId9"/>
+    <p:sldId id="285" r:id="rId10"/>
+    <p:sldId id="283" r:id="rId11"/>
+    <p:sldId id="263" r:id="rId12"/>
+    <p:sldId id="259" r:id="rId13"/>
+    <p:sldId id="258" r:id="rId14"/>
+    <p:sldId id="264" r:id="rId15"/>
+    <p:sldId id="260" r:id="rId16"/>
+    <p:sldId id="265" r:id="rId17"/>
+    <p:sldId id="266" r:id="rId18"/>
+    <p:sldId id="262" r:id="rId19"/>
   </p:sldIdLst>
   <p:sldSz cx="9144000" cy="6858000" type="screen4x3"/>
   <p:notesSz cx="6858000" cy="9144000"/>
@@ -150,16 +150,11 @@
       </a:defRPr>
     </a:lvl9pPr>
   </p:defaultTextStyle>
-  <p:extLst>
-    <p:ext uri="{EFAFB233-063F-42B5-8137-9DF3F51BA10A}">
-      <p15:sldGuideLst xmlns:p15="http://schemas.microsoft.com/office/powerpoint/2012/main"/>
-    </p:ext>
-  </p:extLst>
 </p:presentation>
 </file>
 
 <file path=ppt/slideLayouts/slideLayout1.xml><?xml version="1.0" encoding="utf-8"?>
-<p:sldLayout xmlns:a="http://schemas.openxmlformats.org/drawingml/2006/main" xmlns:r="http://schemas.openxmlformats.org/officeDocument/2006/relationships" xmlns:p="http://schemas.openxmlformats.org/presentationml/2006/main" showMasterSp="0" type="title" preserve="1">
+<p:sldLayout xmlns:a="http://schemas.openxmlformats.org/drawingml/2006/main" xmlns:r="http://schemas.openxmlformats.org/officeDocument/2006/relationships" xmlns:p="http://schemas.openxmlformats.org/presentationml/2006/main" type="title" preserve="1" showMasterSp="0">
   <p:cSld name="Title Slide">
     <p:spTree>
       <p:nvGrpSpPr>
@@ -597,7 +592,6 @@
                   <a:schemeClr val="bg1"/>
                 </a:solidFill>
               </a:rPr>
-              <a:t>‹#›</a:t>
             </a:fld>
             <a:endParaRPr lang="en-US" altLang="en-US" sz="1200">
               <a:solidFill>
@@ -654,6 +648,7 @@
               <a:rPr lang="en-US"/>
               <a:t>Click to edit Master title style</a:t>
             </a:r>
+            <a:endParaRPr lang="en-US"/>
           </a:p>
         </p:txBody>
       </p:sp>
@@ -677,6 +672,7 @@
               <a:rPr lang="en-US"/>
               <a:t>Click to edit Master text styles</a:t>
             </a:r>
+            <a:endParaRPr lang="en-US"/>
           </a:p>
           <a:p>
             <a:pPr lvl="1"/>
@@ -684,6 +680,7 @@
               <a:rPr lang="en-US"/>
               <a:t>Second level</a:t>
             </a:r>
+            <a:endParaRPr lang="en-US"/>
           </a:p>
           <a:p>
             <a:pPr lvl="2"/>
@@ -691,6 +688,7 @@
               <a:rPr lang="en-US"/>
               <a:t>Third level</a:t>
             </a:r>
+            <a:endParaRPr lang="en-US"/>
           </a:p>
           <a:p>
             <a:pPr lvl="3"/>
@@ -698,6 +696,7 @@
               <a:rPr lang="en-US"/>
               <a:t>Fourth level</a:t>
             </a:r>
+            <a:endParaRPr lang="en-US"/>
           </a:p>
           <a:p>
             <a:pPr lvl="4"/>
@@ -705,6 +704,7 @@
               <a:rPr lang="en-US"/>
               <a:t>Fifth level</a:t>
             </a:r>
+            <a:endParaRPr lang="en-US"/>
           </a:p>
         </p:txBody>
       </p:sp>
@@ -728,8 +728,7 @@
           </a:lstStyle>
           <a:p>
             <a:fld id="{6BDEAFE6-325E-AA48-AC90-E1B1FC9AAA75}" type="datetimeFigureOut">
-              <a:rPr lang="en-VN"/>
-              <a:t>22/10/2023</a:t>
+              <a:rPr lang="en-US"/>
             </a:fld>
             <a:endParaRPr lang="en-US"/>
           </a:p>
@@ -779,7 +778,6 @@
           <a:p>
             <a:fld id="{C9142EC5-85AF-4745-AACF-2F37CD50FCA3}" type="slidenum">
               <a:rPr/>
-              <a:t>‹#›</a:t>
             </a:fld>
             <a:endParaRPr lang="en-US"/>
           </a:p>
@@ -837,6 +835,7 @@
               <a:rPr lang="en-US"/>
               <a:t>Click to edit Master title style</a:t>
             </a:r>
+            <a:endParaRPr lang="en-US"/>
           </a:p>
         </p:txBody>
       </p:sp>
@@ -865,6 +864,7 @@
               <a:rPr lang="en-US"/>
               <a:t>Click to edit Master text styles</a:t>
             </a:r>
+            <a:endParaRPr lang="en-US"/>
           </a:p>
           <a:p>
             <a:pPr lvl="1"/>
@@ -872,6 +872,7 @@
               <a:rPr lang="en-US"/>
               <a:t>Second level</a:t>
             </a:r>
+            <a:endParaRPr lang="en-US"/>
           </a:p>
           <a:p>
             <a:pPr lvl="2"/>
@@ -879,6 +880,7 @@
               <a:rPr lang="en-US"/>
               <a:t>Third level</a:t>
             </a:r>
+            <a:endParaRPr lang="en-US"/>
           </a:p>
           <a:p>
             <a:pPr lvl="3"/>
@@ -886,6 +888,7 @@
               <a:rPr lang="en-US"/>
               <a:t>Fourth level</a:t>
             </a:r>
+            <a:endParaRPr lang="en-US"/>
           </a:p>
           <a:p>
             <a:pPr lvl="4"/>
@@ -893,6 +896,7 @@
               <a:rPr lang="en-US"/>
               <a:t>Fifth level</a:t>
             </a:r>
+            <a:endParaRPr lang="en-US"/>
           </a:p>
         </p:txBody>
       </p:sp>
@@ -916,8 +920,7 @@
           </a:lstStyle>
           <a:p>
             <a:fld id="{6BDEAFE6-325E-AA48-AC90-E1B1FC9AAA75}" type="datetimeFigureOut">
-              <a:rPr lang="en-VN"/>
-              <a:t>22/10/2023</a:t>
+              <a:rPr lang="en-US"/>
             </a:fld>
             <a:endParaRPr lang="en-US"/>
           </a:p>
@@ -967,7 +970,6 @@
           <a:p>
             <a:fld id="{C9142EC5-85AF-4745-AACF-2F37CD50FCA3}" type="slidenum">
               <a:rPr/>
-              <a:t>‹#›</a:t>
             </a:fld>
             <a:endParaRPr lang="en-US"/>
           </a:p>
@@ -1099,8 +1101,7 @@
           </a:lstStyle>
           <a:p>
             <a:fld id="{6BDEAFE6-325E-AA48-AC90-E1B1FC9AAA75}" type="datetimeFigureOut">
-              <a:rPr lang="en-VN"/>
-              <a:t>22/10/2023</a:t>
+              <a:rPr lang="en-US"/>
             </a:fld>
             <a:endParaRPr lang="en-US"/>
           </a:p>
@@ -1150,7 +1151,6 @@
           <a:p>
             <a:fld id="{C9142EC5-85AF-4745-AACF-2F37CD50FCA3}" type="slidenum">
               <a:rPr/>
-              <a:t>‹#›</a:t>
             </a:fld>
             <a:endParaRPr lang="en-US"/>
           </a:p>
@@ -1203,6 +1203,7 @@
               <a:rPr lang="en-US"/>
               <a:t>Click to edit Master title style</a:t>
             </a:r>
+            <a:endParaRPr lang="en-US"/>
           </a:p>
         </p:txBody>
       </p:sp>
@@ -1226,6 +1227,7 @@
               <a:rPr lang="en-US" dirty="0"/>
               <a:t>Click to edit Master text styles</a:t>
             </a:r>
+            <a:endParaRPr lang="en-US" dirty="0"/>
           </a:p>
           <a:p>
             <a:pPr lvl="1"/>
@@ -1233,6 +1235,7 @@
               <a:rPr lang="en-US" dirty="0"/>
               <a:t>Second level</a:t>
             </a:r>
+            <a:endParaRPr lang="en-US" dirty="0"/>
           </a:p>
           <a:p>
             <a:pPr lvl="2"/>
@@ -1240,6 +1243,7 @@
               <a:rPr lang="en-US" dirty="0"/>
               <a:t>Third level</a:t>
             </a:r>
+            <a:endParaRPr lang="en-US" dirty="0"/>
           </a:p>
           <a:p>
             <a:pPr lvl="3"/>
@@ -1247,6 +1251,7 @@
               <a:rPr lang="en-US" dirty="0"/>
               <a:t>Fourth level</a:t>
             </a:r>
+            <a:endParaRPr lang="en-US" dirty="0"/>
           </a:p>
           <a:p>
             <a:pPr lvl="4"/>
@@ -1254,6 +1259,7 @@
               <a:rPr lang="en-US" dirty="0"/>
               <a:t>Fifth level</a:t>
             </a:r>
+            <a:endParaRPr lang="en-US" dirty="0"/>
           </a:p>
         </p:txBody>
       </p:sp>
@@ -1277,8 +1283,7 @@
           </a:lstStyle>
           <a:p>
             <a:fld id="{6BDEAFE6-325E-AA48-AC90-E1B1FC9AAA75}" type="datetimeFigureOut">
-              <a:rPr lang="en-VN"/>
-              <a:t>22/10/2023</a:t>
+              <a:rPr lang="en-US"/>
             </a:fld>
             <a:endParaRPr lang="en-US"/>
           </a:p>
@@ -1328,7 +1333,6 @@
           <a:p>
             <a:fld id="{C9142EC5-85AF-4745-AACF-2F37CD50FCA3}" type="slidenum">
               <a:rPr/>
-              <a:t>‹#›</a:t>
             </a:fld>
             <a:endParaRPr lang="en-US"/>
           </a:p>
@@ -1390,6 +1394,7 @@
               <a:rPr lang="en-US"/>
               <a:t>Click to edit Master title style</a:t>
             </a:r>
+            <a:endParaRPr lang="en-US"/>
           </a:p>
         </p:txBody>
       </p:sp>
@@ -1455,6 +1460,7 @@
               <a:rPr lang="en-US"/>
               <a:t>Click to edit Master text styles</a:t>
             </a:r>
+            <a:endParaRPr lang="en-US"/>
           </a:p>
         </p:txBody>
       </p:sp>
@@ -1478,8 +1484,7 @@
           </a:lstStyle>
           <a:p>
             <a:fld id="{6BDEAFE6-325E-AA48-AC90-E1B1FC9AAA75}" type="datetimeFigureOut">
-              <a:rPr lang="en-VN"/>
-              <a:t>22/10/2023</a:t>
+              <a:rPr lang="en-US"/>
             </a:fld>
             <a:endParaRPr lang="en-US"/>
           </a:p>
@@ -1529,7 +1534,6 @@
           <a:p>
             <a:fld id="{C9142EC5-85AF-4745-AACF-2F37CD50FCA3}" type="slidenum">
               <a:rPr/>
-              <a:t>‹#›</a:t>
             </a:fld>
             <a:endParaRPr lang="en-US"/>
           </a:p>
@@ -1582,6 +1586,7 @@
               <a:rPr lang="en-US"/>
               <a:t>Click to edit Master title style</a:t>
             </a:r>
+            <a:endParaRPr lang="en-US"/>
           </a:p>
         </p:txBody>
       </p:sp>
@@ -1638,6 +1643,7 @@
               <a:rPr lang="en-US"/>
               <a:t>Click to edit Master text styles</a:t>
             </a:r>
+            <a:endParaRPr lang="en-US"/>
           </a:p>
           <a:p>
             <a:pPr lvl="1"/>
@@ -1645,6 +1651,7 @@
               <a:rPr lang="en-US"/>
               <a:t>Second level</a:t>
             </a:r>
+            <a:endParaRPr lang="en-US"/>
           </a:p>
           <a:p>
             <a:pPr lvl="2"/>
@@ -1652,6 +1659,7 @@
               <a:rPr lang="en-US"/>
               <a:t>Third level</a:t>
             </a:r>
+            <a:endParaRPr lang="en-US"/>
           </a:p>
           <a:p>
             <a:pPr lvl="3"/>
@@ -1659,6 +1667,7 @@
               <a:rPr lang="en-US"/>
               <a:t>Fourth level</a:t>
             </a:r>
+            <a:endParaRPr lang="en-US"/>
           </a:p>
           <a:p>
             <a:pPr lvl="4"/>
@@ -1666,6 +1675,7 @@
               <a:rPr lang="en-US"/>
               <a:t>Fifth level</a:t>
             </a:r>
+            <a:endParaRPr lang="en-US"/>
           </a:p>
         </p:txBody>
       </p:sp>
@@ -1722,6 +1732,7 @@
               <a:rPr lang="en-US"/>
               <a:t>Click to edit Master text styles</a:t>
             </a:r>
+            <a:endParaRPr lang="en-US"/>
           </a:p>
           <a:p>
             <a:pPr lvl="1"/>
@@ -1729,6 +1740,7 @@
               <a:rPr lang="en-US"/>
               <a:t>Second level</a:t>
             </a:r>
+            <a:endParaRPr lang="en-US"/>
           </a:p>
           <a:p>
             <a:pPr lvl="2"/>
@@ -1736,6 +1748,7 @@
               <a:rPr lang="en-US"/>
               <a:t>Third level</a:t>
             </a:r>
+            <a:endParaRPr lang="en-US"/>
           </a:p>
           <a:p>
             <a:pPr lvl="3"/>
@@ -1743,6 +1756,7 @@
               <a:rPr lang="en-US"/>
               <a:t>Fourth level</a:t>
             </a:r>
+            <a:endParaRPr lang="en-US"/>
           </a:p>
           <a:p>
             <a:pPr lvl="4"/>
@@ -1750,6 +1764,7 @@
               <a:rPr lang="en-US"/>
               <a:t>Fifth level</a:t>
             </a:r>
+            <a:endParaRPr lang="en-US"/>
           </a:p>
         </p:txBody>
       </p:sp>
@@ -1773,8 +1788,7 @@
           </a:lstStyle>
           <a:p>
             <a:fld id="{6BDEAFE6-325E-AA48-AC90-E1B1FC9AAA75}" type="datetimeFigureOut">
-              <a:rPr lang="en-VN"/>
-              <a:t>22/10/2023</a:t>
+              <a:rPr lang="en-US"/>
             </a:fld>
             <a:endParaRPr lang="en-US"/>
           </a:p>
@@ -1824,7 +1838,6 @@
           <a:p>
             <a:fld id="{C9142EC5-85AF-4745-AACF-2F37CD50FCA3}" type="slidenum">
               <a:rPr/>
-              <a:t>‹#›</a:t>
             </a:fld>
             <a:endParaRPr lang="en-US"/>
           </a:p>
@@ -1886,6 +1899,7 @@
               <a:rPr lang="en-US"/>
               <a:t>Click to edit Master title style</a:t>
             </a:r>
+            <a:endParaRPr lang="en-US"/>
           </a:p>
         </p:txBody>
       </p:sp>
@@ -1951,6 +1965,7 @@
               <a:rPr lang="en-US"/>
               <a:t>Click to edit Master text styles</a:t>
             </a:r>
+            <a:endParaRPr lang="en-US"/>
           </a:p>
         </p:txBody>
       </p:sp>
@@ -2007,6 +2022,7 @@
               <a:rPr lang="en-US"/>
               <a:t>Click to edit Master text styles</a:t>
             </a:r>
+            <a:endParaRPr lang="en-US"/>
           </a:p>
           <a:p>
             <a:pPr lvl="1"/>
@@ -2014,6 +2030,7 @@
               <a:rPr lang="en-US"/>
               <a:t>Second level</a:t>
             </a:r>
+            <a:endParaRPr lang="en-US"/>
           </a:p>
           <a:p>
             <a:pPr lvl="2"/>
@@ -2021,6 +2038,7 @@
               <a:rPr lang="en-US"/>
               <a:t>Third level</a:t>
             </a:r>
+            <a:endParaRPr lang="en-US"/>
           </a:p>
           <a:p>
             <a:pPr lvl="3"/>
@@ -2028,6 +2046,7 @@
               <a:rPr lang="en-US"/>
               <a:t>Fourth level</a:t>
             </a:r>
+            <a:endParaRPr lang="en-US"/>
           </a:p>
           <a:p>
             <a:pPr lvl="4"/>
@@ -2035,6 +2054,7 @@
               <a:rPr lang="en-US"/>
               <a:t>Fifth level</a:t>
             </a:r>
+            <a:endParaRPr lang="en-US"/>
           </a:p>
         </p:txBody>
       </p:sp>
@@ -2100,6 +2120,7 @@
               <a:rPr lang="en-US"/>
               <a:t>Click to edit Master text styles</a:t>
             </a:r>
+            <a:endParaRPr lang="en-US"/>
           </a:p>
         </p:txBody>
       </p:sp>
@@ -2156,6 +2177,7 @@
               <a:rPr lang="en-US"/>
               <a:t>Click to edit Master text styles</a:t>
             </a:r>
+            <a:endParaRPr lang="en-US"/>
           </a:p>
           <a:p>
             <a:pPr lvl="1"/>
@@ -2163,6 +2185,7 @@
               <a:rPr lang="en-US"/>
               <a:t>Second level</a:t>
             </a:r>
+            <a:endParaRPr lang="en-US"/>
           </a:p>
           <a:p>
             <a:pPr lvl="2"/>
@@ -2170,6 +2193,7 @@
               <a:rPr lang="en-US"/>
               <a:t>Third level</a:t>
             </a:r>
+            <a:endParaRPr lang="en-US"/>
           </a:p>
           <a:p>
             <a:pPr lvl="3"/>
@@ -2177,6 +2201,7 @@
               <a:rPr lang="en-US"/>
               <a:t>Fourth level</a:t>
             </a:r>
+            <a:endParaRPr lang="en-US"/>
           </a:p>
           <a:p>
             <a:pPr lvl="4"/>
@@ -2184,6 +2209,7 @@
               <a:rPr lang="en-US"/>
               <a:t>Fifth level</a:t>
             </a:r>
+            <a:endParaRPr lang="en-US"/>
           </a:p>
         </p:txBody>
       </p:sp>
@@ -2207,8 +2233,7 @@
           </a:lstStyle>
           <a:p>
             <a:fld id="{6BDEAFE6-325E-AA48-AC90-E1B1FC9AAA75}" type="datetimeFigureOut">
-              <a:rPr lang="en-VN"/>
-              <a:t>22/10/2023</a:t>
+              <a:rPr lang="en-US"/>
             </a:fld>
             <a:endParaRPr lang="en-US"/>
           </a:p>
@@ -2258,7 +2283,6 @@
           <a:p>
             <a:fld id="{C9142EC5-85AF-4745-AACF-2F37CD50FCA3}" type="slidenum">
               <a:rPr/>
-              <a:t>‹#›</a:t>
             </a:fld>
             <a:endParaRPr lang="en-US"/>
           </a:p>
@@ -2311,6 +2335,7 @@
               <a:rPr lang="en-US"/>
               <a:t>Click to edit Master title style</a:t>
             </a:r>
+            <a:endParaRPr lang="en-US"/>
           </a:p>
         </p:txBody>
       </p:sp>
@@ -2334,8 +2359,7 @@
           </a:lstStyle>
           <a:p>
             <a:fld id="{6BDEAFE6-325E-AA48-AC90-E1B1FC9AAA75}" type="datetimeFigureOut">
-              <a:rPr lang="en-VN"/>
-              <a:t>22/10/2023</a:t>
+              <a:rPr lang="en-US"/>
             </a:fld>
             <a:endParaRPr lang="en-US"/>
           </a:p>
@@ -2385,7 +2409,6 @@
           <a:p>
             <a:fld id="{C9142EC5-85AF-4745-AACF-2F37CD50FCA3}" type="slidenum">
               <a:rPr/>
-              <a:t>‹#›</a:t>
             </a:fld>
             <a:endParaRPr lang="en-US"/>
           </a:p>
@@ -2439,8 +2462,7 @@
           </a:lstStyle>
           <a:p>
             <a:fld id="{6BDEAFE6-325E-AA48-AC90-E1B1FC9AAA75}" type="datetimeFigureOut">
-              <a:rPr lang="en-VN"/>
-              <a:t>22/10/2023</a:t>
+              <a:rPr lang="en-US"/>
             </a:fld>
             <a:endParaRPr lang="en-US"/>
           </a:p>
@@ -2490,7 +2512,6 @@
           <a:p>
             <a:fld id="{C9142EC5-85AF-4745-AACF-2F37CD50FCA3}" type="slidenum">
               <a:rPr/>
-              <a:t>‹#›</a:t>
             </a:fld>
             <a:endParaRPr lang="en-US"/>
           </a:p>
@@ -2552,6 +2573,7 @@
               <a:rPr lang="en-US"/>
               <a:t>Click to edit Master title style</a:t>
             </a:r>
+            <a:endParaRPr lang="en-US"/>
           </a:p>
         </p:txBody>
       </p:sp>
@@ -2608,6 +2630,7 @@
               <a:rPr lang="en-US"/>
               <a:t>Click to edit Master text styles</a:t>
             </a:r>
+            <a:endParaRPr lang="en-US"/>
           </a:p>
           <a:p>
             <a:pPr lvl="1"/>
@@ -2615,6 +2638,7 @@
               <a:rPr lang="en-US"/>
               <a:t>Second level</a:t>
             </a:r>
+            <a:endParaRPr lang="en-US"/>
           </a:p>
           <a:p>
             <a:pPr lvl="2"/>
@@ -2622,6 +2646,7 @@
               <a:rPr lang="en-US"/>
               <a:t>Third level</a:t>
             </a:r>
+            <a:endParaRPr lang="en-US"/>
           </a:p>
           <a:p>
             <a:pPr lvl="3"/>
@@ -2629,6 +2654,7 @@
               <a:rPr lang="en-US"/>
               <a:t>Fourth level</a:t>
             </a:r>
+            <a:endParaRPr lang="en-US"/>
           </a:p>
           <a:p>
             <a:pPr lvl="4"/>
@@ -2636,6 +2662,7 @@
               <a:rPr lang="en-US"/>
               <a:t>Fifth level</a:t>
             </a:r>
+            <a:endParaRPr lang="en-US"/>
           </a:p>
         </p:txBody>
       </p:sp>
@@ -2701,6 +2728,7 @@
               <a:rPr lang="en-US"/>
               <a:t>Click to edit Master text styles</a:t>
             </a:r>
+            <a:endParaRPr lang="en-US"/>
           </a:p>
         </p:txBody>
       </p:sp>
@@ -2724,8 +2752,7 @@
           </a:lstStyle>
           <a:p>
             <a:fld id="{6BDEAFE6-325E-AA48-AC90-E1B1FC9AAA75}" type="datetimeFigureOut">
-              <a:rPr lang="en-VN"/>
-              <a:t>22/10/2023</a:t>
+              <a:rPr lang="en-US"/>
             </a:fld>
             <a:endParaRPr lang="en-US"/>
           </a:p>
@@ -2775,7 +2802,6 @@
           <a:p>
             <a:fld id="{C9142EC5-85AF-4745-AACF-2F37CD50FCA3}" type="slidenum">
               <a:rPr/>
-              <a:t>‹#›</a:t>
             </a:fld>
             <a:endParaRPr lang="en-US"/>
           </a:p>
@@ -2837,6 +2863,7 @@
               <a:rPr lang="en-US"/>
               <a:t>Click to edit Master title style</a:t>
             </a:r>
+            <a:endParaRPr lang="en-US"/>
           </a:p>
         </p:txBody>
       </p:sp>
@@ -2902,6 +2929,7 @@
               <a:rPr lang="en-US" noProof="0"/>
               <a:t>Click icon to add picture</a:t>
             </a:r>
+            <a:endParaRPr lang="en-US" noProof="0"/>
           </a:p>
         </p:txBody>
       </p:sp>
@@ -2967,6 +2995,7 @@
               <a:rPr lang="en-US"/>
               <a:t>Click to edit Master text styles</a:t>
             </a:r>
+            <a:endParaRPr lang="en-US"/>
           </a:p>
         </p:txBody>
       </p:sp>
@@ -2990,8 +3019,7 @@
           </a:lstStyle>
           <a:p>
             <a:fld id="{6BDEAFE6-325E-AA48-AC90-E1B1FC9AAA75}" type="datetimeFigureOut">
-              <a:rPr lang="en-VN"/>
-              <a:t>22/10/2023</a:t>
+              <a:rPr lang="en-US"/>
             </a:fld>
             <a:endParaRPr lang="en-US"/>
           </a:p>
@@ -3041,7 +3069,6 @@
           <a:p>
             <a:fld id="{C9142EC5-85AF-4745-AACF-2F37CD50FCA3}" type="slidenum">
               <a:rPr/>
-              <a:t>‹#›</a:t>
             </a:fld>
             <a:endParaRPr lang="en-US"/>
           </a:p>
@@ -3100,7 +3127,7 @@
             <a:avLst/>
           </a:prstGeom>
           <a:blipFill dpi="0" rotWithShape="0">
-            <a:blip r:embed="rId14"/>
+            <a:blip r:embed="rId13"/>
             <a:srcRect/>
             <a:tile tx="0" ty="0" sx="100000" sy="100000" flip="none" algn="tl"/>
           </a:blipFill>
@@ -3558,6 +3585,7 @@
               <a:rPr lang="en-US" altLang="en-US"/>
               <a:t>Click to edit Master text styles</a:t>
             </a:r>
+            <a:endParaRPr lang="en-US" altLang="en-US"/>
           </a:p>
           <a:p>
             <a:pPr lvl="1"/>
@@ -3565,6 +3593,7 @@
               <a:rPr lang="en-US" altLang="en-US"/>
               <a:t>Second level</a:t>
             </a:r>
+            <a:endParaRPr lang="en-US" altLang="en-US"/>
           </a:p>
           <a:p>
             <a:pPr lvl="2"/>
@@ -3572,6 +3601,7 @@
               <a:rPr lang="en-US" altLang="en-US"/>
               <a:t>Third level</a:t>
             </a:r>
+            <a:endParaRPr lang="en-US" altLang="en-US"/>
           </a:p>
           <a:p>
             <a:pPr lvl="3"/>
@@ -3579,6 +3609,7 @@
               <a:rPr lang="en-US" altLang="en-US"/>
               <a:t>Fourth level</a:t>
             </a:r>
+            <a:endParaRPr lang="en-US" altLang="en-US"/>
           </a:p>
           <a:p>
             <a:pPr lvl="4"/>
@@ -3586,6 +3617,7 @@
               <a:rPr lang="en-US" altLang="en-US"/>
               <a:t>Fifth level</a:t>
             </a:r>
+            <a:endParaRPr lang="en-US" altLang="en-US"/>
           </a:p>
         </p:txBody>
       </p:sp>
@@ -3625,8 +3657,7 @@
           </a:lstStyle>
           <a:p>
             <a:fld id="{6BDEAFE6-325E-AA48-AC90-E1B1FC9AAA75}" type="datetimeFigureOut">
-              <a:rPr lang="en-VN"/>
-              <a:t>22/10/2023</a:t>
+              <a:rPr lang="en-US"/>
             </a:fld>
             <a:endParaRPr lang="en-US"/>
           </a:p>
@@ -3706,7 +3737,6 @@
           <a:p>
             <a:fld id="{C9142EC5-85AF-4745-AACF-2F37CD50FCA3}" type="slidenum">
               <a:rPr/>
-              <a:t>‹#›</a:t>
             </a:fld>
             <a:endParaRPr lang="en-US"/>
           </a:p>
@@ -3763,6 +3793,7 @@
               <a:rPr lang="en-US" altLang="en-US"/>
               <a:t>Click to edit Master title style</a:t>
             </a:r>
+            <a:endParaRPr lang="en-US" altLang="en-US"/>
           </a:p>
         </p:txBody>
       </p:sp>
@@ -3900,7 +3931,6 @@
                   <a:schemeClr val="bg1"/>
                 </a:solidFill>
               </a:rPr>
-              <a:t>‹#›</a:t>
             </a:fld>
             <a:endParaRPr lang="en-US" altLang="en-US" sz="1200">
               <a:solidFill>
@@ -4055,7 +4085,6 @@
                   <a:srgbClr val="C00000"/>
                 </a:solidFill>
               </a:rPr>
-              <a:t>‹#›</a:t>
             </a:fld>
             <a:endParaRPr lang="en-US" altLang="en-US" sz="1350" b="1">
               <a:solidFill>
@@ -4537,7 +4566,7 @@
           <p:nvPr/>
         </p:nvPicPr>
         <p:blipFill>
-          <a:blip r:embed="rId2"/>
+          <a:blip r:embed="rId1"/>
           <a:stretch>
             <a:fillRect/>
           </a:stretch>
@@ -4694,11 +4723,11 @@
           <p:nvPr/>
         </p:nvPicPr>
         <p:blipFill>
-          <a:blip r:embed="rId3">
+          <a:blip r:embed="rId2">
             <a:extLst>
               <a:ext uri="{BEBA8EAE-BF5A-486C-A8C5-ECC9F3942E4B}">
                 <a14:imgProps xmlns:a14="http://schemas.microsoft.com/office/drawing/2010/main">
-                  <a14:imgLayer r:embed="rId4">
+                  <a14:imgLayer r:embed="rId3">
                     <a14:imgEffect>
                       <a14:artisticBlur/>
                     </a14:imgEffect>
@@ -4729,7 +4758,7 @@
         </p:nvSpPr>
         <p:spPr>
           <a:xfrm>
-            <a:off x="504495" y="2266523"/>
+            <a:off x="504495" y="2285573"/>
             <a:ext cx="8640000" cy="2008995"/>
           </a:xfrm>
           <a:prstGeom prst="rect">
@@ -4806,6 +4835,16 @@
               </a:rPr>
               <a:t>HỆ THỐNG NHẬN DIỆN KHUÔN MẶT</a:t>
             </a:r>
+            <a:endParaRPr lang="en-US" sz="5400">
+              <a:ln w="0"/>
+              <a:effectLst>
+                <a:outerShdw blurRad="38100" dist="19050" dir="2700000" algn="tl" rotWithShape="0">
+                  <a:schemeClr val="dk1">
+                    <a:alpha val="40000"/>
+                  </a:schemeClr>
+                </a:outerShdw>
+              </a:effectLst>
+            </a:endParaRPr>
           </a:p>
         </p:txBody>
       </p:sp>
@@ -4816,7 +4855,7 @@
           <p:nvPr/>
         </p:nvPicPr>
         <p:blipFill>
-          <a:blip r:embed="rId2"/>
+          <a:blip r:embed="rId1"/>
           <a:stretch>
             <a:fillRect/>
           </a:stretch>
@@ -4909,18 +4948,17 @@
               </a:rPr>
               <a:t>NHÓM 7</a:t>
             </a:r>
-          </a:p>
-        </p:txBody>
-      </p:sp>
-      <p:sp>
-        <p:nvSpPr>
-          <p:cNvPr id="13" name="Oval 12">
-            <a:extLst>
-              <a:ext uri="{FF2B5EF4-FFF2-40B4-BE49-F238E27FC236}">
-                <a16:creationId xmlns:a16="http://schemas.microsoft.com/office/drawing/2014/main" id="{7D80CFE9-0B07-2E43-877E-AA44B031F4E8}"/>
-              </a:ext>
-            </a:extLst>
-          </p:cNvPr>
+            <a:endParaRPr lang="en-US" sz="3200">
+              <a:solidFill>
+                <a:srgbClr val="FF0000"/>
+              </a:solidFill>
+            </a:endParaRPr>
+          </a:p>
+        </p:txBody>
+      </p:sp>
+      <p:sp>
+        <p:nvSpPr>
+          <p:cNvPr id="13" name="Oval 12"/>
           <p:cNvSpPr>
             <a:spLocks noChangeAspect="1"/>
           </p:cNvSpPr>
@@ -4972,6 +5010,11 @@
               </a:rPr>
               <a:t>1</a:t>
             </a:r>
+            <a:endParaRPr lang="en-US">
+              <a:solidFill>
+                <a:srgbClr val="FF0000"/>
+              </a:solidFill>
+            </a:endParaRPr>
           </a:p>
         </p:txBody>
       </p:sp>
@@ -5058,7 +5101,7 @@
           <p:nvPr/>
         </p:nvPicPr>
         <p:blipFill>
-          <a:blip r:embed="rId2"/>
+          <a:blip r:embed="rId1"/>
           <a:stretch>
             <a:fillRect/>
           </a:stretch>
@@ -5106,6 +5149,12 @@
               </a:rPr>
               <a:t>3.ĐỘ TIN CẬY VÀ CHÍNH XÁC. </a:t>
             </a:r>
+            <a:endParaRPr lang="en-US" sz="3200" b="1">
+              <a:solidFill>
+                <a:schemeClr val="bg1"/>
+              </a:solidFill>
+              <a:latin typeface="+mj-lt"/>
+            </a:endParaRPr>
           </a:p>
         </p:txBody>
       </p:sp>
@@ -5142,7 +5191,7 @@
           <p:nvPr/>
         </p:nvPicPr>
         <p:blipFill>
-          <a:blip r:embed="rId3"/>
+          <a:blip r:embed="rId2"/>
           <a:stretch>
             <a:fillRect/>
           </a:stretch>
@@ -5211,6 +5260,11 @@
               </a:rPr>
               <a:t>10</a:t>
             </a:r>
+            <a:endParaRPr lang="en-US">
+              <a:solidFill>
+                <a:srgbClr val="FF0000"/>
+              </a:solidFill>
+            </a:endParaRPr>
           </a:p>
         </p:txBody>
       </p:sp>
@@ -5393,6 +5447,13 @@
               </a:rPr>
               <a:t>?: </a:t>
             </a:r>
+            <a:endParaRPr lang="en-US" sz="2800" dirty="0">
+              <a:solidFill>
+                <a:srgbClr val="FF0000"/>
+              </a:solidFill>
+              <a:ea typeface="SF Pro Semibold" pitchFamily="2" charset="0"/>
+              <a:cs typeface="Arial" panose="020B0604020202020204" pitchFamily="34" charset="0"/>
+            </a:endParaRPr>
           </a:p>
         </p:txBody>
       </p:sp>
@@ -5501,6 +5562,12 @@
               </a:rPr>
               <a:t>3.ĐỘ TIN CẬY VÀ CHÍNH XÁC. </a:t>
             </a:r>
+            <a:endParaRPr lang="en-US" sz="3200" b="1">
+              <a:solidFill>
+                <a:schemeClr val="bg1"/>
+              </a:solidFill>
+              <a:latin typeface="+mj-lt"/>
+            </a:endParaRPr>
           </a:p>
         </p:txBody>
       </p:sp>
@@ -5537,7 +5604,7 @@
           <p:nvPr/>
         </p:nvPicPr>
         <p:blipFill>
-          <a:blip r:embed="rId2"/>
+          <a:blip r:embed="rId1"/>
           <a:stretch>
             <a:fillRect/>
           </a:stretch>
@@ -5711,6 +5778,13 @@
               </a:rPr>
               <a:t>?:  </a:t>
             </a:r>
+            <a:endParaRPr lang="en-US" sz="2800" dirty="0">
+              <a:solidFill>
+                <a:srgbClr val="FF0000"/>
+              </a:solidFill>
+              <a:ea typeface="SF Pro Semibold" pitchFamily="2" charset="0"/>
+              <a:cs typeface="Arial" panose="020B0604020202020204" pitchFamily="34" charset="0"/>
+            </a:endParaRPr>
           </a:p>
           <a:p>
             <a:pPr marL="457200" indent="-457200">
@@ -5896,6 +5970,11 @@
               </a:rPr>
               <a:t> </a:t>
             </a:r>
+            <a:endParaRPr lang="en-US" sz="2400" dirty="0">
+              <a:effectLst/>
+              <a:ea typeface="SF Pro Semibold" pitchFamily="2" charset="0"/>
+              <a:cs typeface="Arial" panose="020B0604020202020204" pitchFamily="34" charset="0"/>
+            </a:endParaRPr>
           </a:p>
           <a:p>
             <a:pPr marL="457200" indent="-457200">
@@ -6059,6 +6138,10 @@
               </a:rPr>
               <a:t>. </a:t>
             </a:r>
+            <a:endParaRPr lang="en-US" sz="2400" dirty="0">
+              <a:ea typeface="SF Pro Semibold" pitchFamily="2" charset="0"/>
+              <a:cs typeface="Arial" panose="020B0604020202020204" pitchFamily="34" charset="0"/>
+            </a:endParaRPr>
           </a:p>
           <a:p>
             <a:pPr>
@@ -6073,6 +6156,10 @@
               </a:rPr>
               <a:t>	</a:t>
             </a:r>
+            <a:endParaRPr lang="en-US" sz="2400" dirty="0">
+              <a:ea typeface="SF Pro Semibold" pitchFamily="2" charset="0"/>
+              <a:cs typeface="Arial" panose="020B0604020202020204" pitchFamily="34" charset="0"/>
+            </a:endParaRPr>
           </a:p>
           <a:p>
             <a:pPr>
@@ -6185,18 +6272,16 @@
               </a:rPr>
               <a:t>. </a:t>
             </a:r>
-          </a:p>
-        </p:txBody>
-      </p:sp>
-      <p:sp>
-        <p:nvSpPr>
-          <p:cNvPr id="8" name="Oval 7">
-            <a:extLst>
-              <a:ext uri="{FF2B5EF4-FFF2-40B4-BE49-F238E27FC236}">
-                <a16:creationId xmlns:a16="http://schemas.microsoft.com/office/drawing/2014/main" id="{3FC8F3ED-9CE2-B643-B832-21F616F3B2C6}"/>
-              </a:ext>
-            </a:extLst>
-          </p:cNvPr>
+            <a:endParaRPr lang="en-US" sz="2400" dirty="0">
+              <a:ea typeface="SF Pro Semibold" pitchFamily="2" charset="0"/>
+              <a:cs typeface="Arial" panose="020B0604020202020204" pitchFamily="34" charset="0"/>
+            </a:endParaRPr>
+          </a:p>
+        </p:txBody>
+      </p:sp>
+      <p:sp>
+        <p:nvSpPr>
+          <p:cNvPr id="8" name="Oval 7"/>
           <p:cNvSpPr>
             <a:spLocks noChangeAspect="1"/>
           </p:cNvSpPr>
@@ -6248,6 +6333,11 @@
               </a:rPr>
               <a:t>11</a:t>
             </a:r>
+            <a:endParaRPr lang="en-US">
+              <a:solidFill>
+                <a:srgbClr val="FF0000"/>
+              </a:solidFill>
+            </a:endParaRPr>
           </a:p>
         </p:txBody>
       </p:sp>
@@ -6356,6 +6446,12 @@
               </a:rPr>
               <a:t>3.ĐỘ TIN CẬY VÀ CHÍNH XÁC. </a:t>
             </a:r>
+            <a:endParaRPr lang="en-US" sz="3200" b="1">
+              <a:solidFill>
+                <a:schemeClr val="bg1"/>
+              </a:solidFill>
+              <a:latin typeface="+mj-lt"/>
+            </a:endParaRPr>
           </a:p>
         </p:txBody>
       </p:sp>
@@ -6392,7 +6488,7 @@
           <p:nvPr/>
         </p:nvPicPr>
         <p:blipFill>
-          <a:blip r:embed="rId2"/>
+          <a:blip r:embed="rId1"/>
           <a:stretch>
             <a:fillRect/>
           </a:stretch>
@@ -6586,6 +6682,13 @@
               </a:rPr>
               <a:t>?: </a:t>
             </a:r>
+            <a:endParaRPr lang="en-US" sz="2800" dirty="0">
+              <a:solidFill>
+                <a:srgbClr val="FF0000"/>
+              </a:solidFill>
+              <a:ea typeface="SF Pro Semibold" pitchFamily="2" charset="0"/>
+              <a:cs typeface="Arial" panose="020B0604020202020204" pitchFamily="34" charset="0"/>
+            </a:endParaRPr>
           </a:p>
           <a:p>
             <a:pPr marL="457200" indent="-457200">
@@ -6679,6 +6782,10 @@
               </a:rPr>
               <a:t>: </a:t>
             </a:r>
+            <a:endParaRPr lang="en-US" sz="2400" dirty="0">
+              <a:ea typeface="SF Pro Semibold" pitchFamily="2" charset="0"/>
+              <a:cs typeface="Arial" panose="020B0604020202020204" pitchFamily="34" charset="0"/>
+            </a:endParaRPr>
           </a:p>
           <a:p>
             <a:pPr marL="457200" indent="-457200">
@@ -6775,6 +6882,11 @@
               </a:rPr>
               <a:t>. </a:t>
             </a:r>
+            <a:endParaRPr lang="en-US" sz="2400" dirty="0">
+              <a:effectLst/>
+              <a:ea typeface="SF Pro Semibold" pitchFamily="2" charset="0"/>
+              <a:cs typeface="Arial" panose="020B0604020202020204" pitchFamily="34" charset="0"/>
+            </a:endParaRPr>
           </a:p>
           <a:p>
             <a:pPr marL="457200" indent="-457200">
@@ -6854,6 +6966,10 @@
               </a:rPr>
               <a:t>. </a:t>
             </a:r>
+            <a:endParaRPr lang="en-US" sz="2400" dirty="0">
+              <a:ea typeface="SF Pro Semibold" pitchFamily="2" charset="0"/>
+              <a:cs typeface="Arial" panose="020B0604020202020204" pitchFamily="34" charset="0"/>
+            </a:endParaRPr>
           </a:p>
           <a:p>
             <a:pPr marL="457200" indent="-457200">
@@ -6947,6 +7063,10 @@
               </a:rPr>
               <a:t>	</a:t>
             </a:r>
+            <a:endParaRPr lang="en-US" sz="2400" dirty="0">
+              <a:ea typeface="SF Pro Semibold" pitchFamily="2" charset="0"/>
+              <a:cs typeface="Arial" panose="020B0604020202020204" pitchFamily="34" charset="0"/>
+            </a:endParaRPr>
           </a:p>
           <a:p>
             <a:pPr>
@@ -7185,18 +7305,16 @@
               </a:rPr>
               <a:t> nay. </a:t>
             </a:r>
-          </a:p>
-        </p:txBody>
-      </p:sp>
-      <p:sp>
-        <p:nvSpPr>
-          <p:cNvPr id="8" name="Oval 7">
-            <a:extLst>
-              <a:ext uri="{FF2B5EF4-FFF2-40B4-BE49-F238E27FC236}">
-                <a16:creationId xmlns:a16="http://schemas.microsoft.com/office/drawing/2014/main" id="{2D017912-476F-174A-90D1-5F25C8D6767F}"/>
-              </a:ext>
-            </a:extLst>
-          </p:cNvPr>
+            <a:endParaRPr lang="en-US" sz="2400" dirty="0">
+              <a:ea typeface="SF Pro Semibold" pitchFamily="2" charset="0"/>
+              <a:cs typeface="Arial" panose="020B0604020202020204" pitchFamily="34" charset="0"/>
+            </a:endParaRPr>
+          </a:p>
+        </p:txBody>
+      </p:sp>
+      <p:sp>
+        <p:nvSpPr>
+          <p:cNvPr id="8" name="Oval 7"/>
           <p:cNvSpPr>
             <a:spLocks noChangeAspect="1"/>
           </p:cNvSpPr>
@@ -7248,6 +7366,11 @@
               </a:rPr>
               <a:t>12</a:t>
             </a:r>
+            <a:endParaRPr lang="en-US">
+              <a:solidFill>
+                <a:srgbClr val="FF0000"/>
+              </a:solidFill>
+            </a:endParaRPr>
           </a:p>
         </p:txBody>
       </p:sp>
@@ -7356,6 +7479,12 @@
               </a:rPr>
               <a:t>3.ĐỘ TIN CẬY VÀ CHÍNH XÁC. </a:t>
             </a:r>
+            <a:endParaRPr lang="en-US" sz="3200" b="1">
+              <a:solidFill>
+                <a:schemeClr val="bg1"/>
+              </a:solidFill>
+              <a:latin typeface="+mj-lt"/>
+            </a:endParaRPr>
           </a:p>
         </p:txBody>
       </p:sp>
@@ -7392,7 +7521,7 @@
           <p:nvPr/>
         </p:nvPicPr>
         <p:blipFill>
-          <a:blip r:embed="rId2"/>
+          <a:blip r:embed="rId1"/>
           <a:stretch>
             <a:fillRect/>
           </a:stretch>
@@ -7566,6 +7695,13 @@
               </a:rPr>
               <a:t>?:  </a:t>
             </a:r>
+            <a:endParaRPr lang="en-US" sz="2800" dirty="0">
+              <a:solidFill>
+                <a:srgbClr val="FF0000"/>
+              </a:solidFill>
+              <a:ea typeface="SF Pro Semibold" pitchFamily="2" charset="0"/>
+              <a:cs typeface="Arial" panose="020B0604020202020204" pitchFamily="34" charset="0"/>
+            </a:endParaRPr>
           </a:p>
         </p:txBody>
       </p:sp>
@@ -7578,7 +7714,7 @@
           <p:nvPr/>
         </p:nvPicPr>
         <p:blipFill>
-          <a:blip r:embed="rId3"/>
+          <a:blip r:embed="rId2"/>
           <a:stretch>
             <a:fillRect/>
           </a:stretch>
@@ -7595,13 +7731,7 @@
       </p:pic>
       <p:sp>
         <p:nvSpPr>
-          <p:cNvPr id="11" name="Oval 10">
-            <a:extLst>
-              <a:ext uri="{FF2B5EF4-FFF2-40B4-BE49-F238E27FC236}">
-                <a16:creationId xmlns:a16="http://schemas.microsoft.com/office/drawing/2014/main" id="{B92F8A9C-804E-3E4F-B9F2-F8840E6D5287}"/>
-              </a:ext>
-            </a:extLst>
-          </p:cNvPr>
+          <p:cNvPr id="11" name="Oval 10"/>
           <p:cNvSpPr>
             <a:spLocks noChangeAspect="1"/>
           </p:cNvSpPr>
@@ -7653,6 +7783,11 @@
               </a:rPr>
               <a:t>13</a:t>
             </a:r>
+            <a:endParaRPr lang="en-US">
+              <a:solidFill>
+                <a:srgbClr val="FF0000"/>
+              </a:solidFill>
+            </a:endParaRPr>
           </a:p>
         </p:txBody>
       </p:sp>
@@ -7761,6 +7896,12 @@
               </a:rPr>
               <a:t>3.ĐỘ TIN CẬY VÀ CHÍNH XÁC. </a:t>
             </a:r>
+            <a:endParaRPr lang="en-US" sz="3200" b="1">
+              <a:solidFill>
+                <a:schemeClr val="bg1"/>
+              </a:solidFill>
+              <a:latin typeface="+mj-lt"/>
+            </a:endParaRPr>
           </a:p>
         </p:txBody>
       </p:sp>
@@ -7797,7 +7938,7 @@
           <p:nvPr/>
         </p:nvPicPr>
         <p:blipFill>
-          <a:blip r:embed="rId2"/>
+          <a:blip r:embed="rId1"/>
           <a:stretch>
             <a:fillRect/>
           </a:stretch>
@@ -7851,6 +7992,13 @@
               </a:rPr>
               <a:t>3.3.Điểm tin cậy trong nhận dạng khuôn mặt?:  </a:t>
             </a:r>
+            <a:endParaRPr lang="en-US" sz="2800" dirty="0">
+              <a:solidFill>
+                <a:srgbClr val="FF0000"/>
+              </a:solidFill>
+              <a:ea typeface="SF Pro Semibold" pitchFamily="2" charset="0"/>
+              <a:cs typeface="Arial" panose="020B0604020202020204" pitchFamily="34" charset="0"/>
+            </a:endParaRPr>
           </a:p>
           <a:p>
             <a:pPr marL="457200" indent="-457200">
@@ -7868,6 +8016,11 @@
               </a:rPr>
               <a:t>Hệ thống sẽ phát hiện, so sánh khuôn mặt với dữ liệu từ database. </a:t>
             </a:r>
+            <a:endParaRPr lang="en-US" sz="2400" dirty="0">
+              <a:effectLst/>
+              <a:ea typeface="SF Pro Semibold" pitchFamily="2" charset="0"/>
+              <a:cs typeface="Arial" panose="020B0604020202020204" pitchFamily="34" charset="0"/>
+            </a:endParaRPr>
           </a:p>
           <a:p>
             <a:pPr marL="457200" indent="-457200">
@@ -7884,6 +8037,10 @@
               </a:rPr>
               <a:t> Điểm tin cậy càng cao thì khả năng hai hình ảnh thuộc về cùng một người càng cao. </a:t>
             </a:r>
+            <a:endParaRPr lang="en-US" sz="2400" dirty="0">
+              <a:ea typeface="SF Pro Semibold" pitchFamily="2" charset="0"/>
+              <a:cs typeface="Arial" panose="020B0604020202020204" pitchFamily="34" charset="0"/>
+            </a:endParaRPr>
           </a:p>
           <a:p>
             <a:pPr>
@@ -7898,6 +8055,10 @@
               </a:rPr>
               <a:t>	</a:t>
             </a:r>
+            <a:endParaRPr lang="en-US" sz="2400" dirty="0">
+              <a:ea typeface="SF Pro Semibold" pitchFamily="2" charset="0"/>
+              <a:cs typeface="Arial" panose="020B0604020202020204" pitchFamily="34" charset="0"/>
+            </a:endParaRPr>
           </a:p>
           <a:p>
             <a:pPr>
@@ -7912,18 +8073,16 @@
               </a:rPr>
               <a:t>=&gt; Ngưỡng điểm này thường lên đến &gt;90%.</a:t>
             </a:r>
-          </a:p>
-        </p:txBody>
-      </p:sp>
-      <p:sp>
-        <p:nvSpPr>
-          <p:cNvPr id="8" name="Oval 7">
-            <a:extLst>
-              <a:ext uri="{FF2B5EF4-FFF2-40B4-BE49-F238E27FC236}">
-                <a16:creationId xmlns:a16="http://schemas.microsoft.com/office/drawing/2014/main" id="{9ED6B7C9-B0A3-3E45-B401-B01E7529B7AE}"/>
-              </a:ext>
-            </a:extLst>
-          </p:cNvPr>
+            <a:endParaRPr lang="en-US" sz="2400" dirty="0">
+              <a:ea typeface="SF Pro Semibold" pitchFamily="2" charset="0"/>
+              <a:cs typeface="Arial" panose="020B0604020202020204" pitchFamily="34" charset="0"/>
+            </a:endParaRPr>
+          </a:p>
+        </p:txBody>
+      </p:sp>
+      <p:sp>
+        <p:nvSpPr>
+          <p:cNvPr id="8" name="Oval 7"/>
           <p:cNvSpPr>
             <a:spLocks noChangeAspect="1"/>
           </p:cNvSpPr>
@@ -7975,6 +8134,11 @@
               </a:rPr>
               <a:t>14</a:t>
             </a:r>
+            <a:endParaRPr lang="en-US">
+              <a:solidFill>
+                <a:srgbClr val="FF0000"/>
+              </a:solidFill>
+            </a:endParaRPr>
           </a:p>
         </p:txBody>
       </p:sp>
@@ -8045,6 +8209,13 @@
               </a:rPr>
               <a:t>3.3.Điểm tin cậy trong nhận dạng khuôn mặt?:  </a:t>
             </a:r>
+            <a:endParaRPr lang="en-US" sz="2800" dirty="0">
+              <a:solidFill>
+                <a:srgbClr val="FF0000"/>
+              </a:solidFill>
+              <a:ea typeface="SF Pro Semibold" pitchFamily="2" charset="0"/>
+              <a:cs typeface="Arial" panose="020B0604020202020204" pitchFamily="34" charset="0"/>
+            </a:endParaRPr>
           </a:p>
         </p:txBody>
       </p:sp>
@@ -8125,6 +8296,12 @@
               </a:rPr>
               <a:t>3.ĐỘ TIN CẬY VÀ CHÍNH XÁC. </a:t>
             </a:r>
+            <a:endParaRPr lang="en-US" sz="3200" b="1">
+              <a:solidFill>
+                <a:schemeClr val="bg1"/>
+              </a:solidFill>
+              <a:latin typeface="+mj-lt"/>
+            </a:endParaRPr>
           </a:p>
         </p:txBody>
       </p:sp>
@@ -8161,7 +8338,7 @@
           <p:nvPr/>
         </p:nvPicPr>
         <p:blipFill>
-          <a:blip r:embed="rId2"/>
+          <a:blip r:embed="rId1"/>
           <a:stretch>
             <a:fillRect/>
           </a:stretch>
@@ -8185,7 +8362,7 @@
           <p:nvPr/>
         </p:nvPicPr>
         <p:blipFill>
-          <a:blip r:embed="rId3"/>
+          <a:blip r:embed="rId2"/>
           <a:stretch>
             <a:fillRect/>
           </a:stretch>
@@ -8204,13 +8381,7 @@
       </p:pic>
       <p:sp>
         <p:nvSpPr>
-          <p:cNvPr id="11" name="Oval 10">
-            <a:extLst>
-              <a:ext uri="{FF2B5EF4-FFF2-40B4-BE49-F238E27FC236}">
-                <a16:creationId xmlns:a16="http://schemas.microsoft.com/office/drawing/2014/main" id="{63E613FC-A34F-7B40-A11D-0D9D8C393519}"/>
-              </a:ext>
-            </a:extLst>
-          </p:cNvPr>
+          <p:cNvPr id="11" name="Oval 10"/>
           <p:cNvSpPr>
             <a:spLocks noChangeAspect="1"/>
           </p:cNvSpPr>
@@ -8262,6 +8433,11 @@
               </a:rPr>
               <a:t>15</a:t>
             </a:r>
+            <a:endParaRPr lang="en-US">
+              <a:solidFill>
+                <a:srgbClr val="FF0000"/>
+              </a:solidFill>
+            </a:endParaRPr>
           </a:p>
         </p:txBody>
       </p:sp>
@@ -8296,7 +8472,7 @@
       <p:sp>
         <p:nvSpPr>
           <p:cNvPr id="10" name="TextBox 9">
-            <a:hlinkClick r:id="rId2"/>
+            <a:hlinkClick r:id="rId1"/>
           </p:cNvPr>
           <p:cNvSpPr txBox="1"/>
           <p:nvPr/>
@@ -8331,6 +8507,10 @@
               </a:rPr>
               <a:t>https://en.wikipedia.org/wiki/Facial_recognition_system</a:t>
             </a:r>
+            <a:endParaRPr lang="en-US" sz="2400" dirty="0">
+              <a:ea typeface="SF Pro Semibold" pitchFamily="2" charset="0"/>
+              <a:cs typeface="Arial" panose="020B0604020202020204" pitchFamily="34" charset="0"/>
+            </a:endParaRPr>
           </a:p>
         </p:txBody>
       </p:sp>
@@ -8411,6 +8591,12 @@
               </a:rPr>
               <a:t>CÁC TRANG TÀI LIỆU THAM KHẢO. </a:t>
             </a:r>
+            <a:endParaRPr lang="en-US" sz="3200" b="1">
+              <a:solidFill>
+                <a:schemeClr val="bg1"/>
+              </a:solidFill>
+              <a:latin typeface="+mj-lt"/>
+            </a:endParaRPr>
           </a:p>
         </p:txBody>
       </p:sp>
@@ -8447,7 +8633,7 @@
           <p:nvPr/>
         </p:nvPicPr>
         <p:blipFill>
-          <a:blip r:embed="rId3"/>
+          <a:blip r:embed="rId2"/>
           <a:stretch>
             <a:fillRect/>
           </a:stretch>
@@ -8465,7 +8651,7 @@
       <p:sp>
         <p:nvSpPr>
           <p:cNvPr id="17" name="TextBox 16">
-            <a:hlinkClick r:id="rId4"/>
+            <a:hlinkClick r:id="rId3"/>
           </p:cNvPr>
           <p:cNvSpPr txBox="1"/>
           <p:nvPr/>
@@ -8500,13 +8686,17 @@
               </a:rPr>
               <a:t>https://this.deakin.edu.au/innovation/facial-recognition-id-how-safe-is-your-face#:~:text=It's%20not%20relatively%20more%20secure,your%20phone%20using%20Face%20ID.</a:t>
             </a:r>
+            <a:endParaRPr lang="en-US" sz="2400" dirty="0">
+              <a:ea typeface="SF Pro Semibold" pitchFamily="2" charset="0"/>
+              <a:cs typeface="Arial" panose="020B0604020202020204" pitchFamily="34" charset="0"/>
+            </a:endParaRPr>
           </a:p>
         </p:txBody>
       </p:sp>
       <p:sp>
         <p:nvSpPr>
           <p:cNvPr id="18" name="TextBox 17">
-            <a:hlinkClick r:id="rId5"/>
+            <a:hlinkClick r:id="rId4"/>
           </p:cNvPr>
           <p:cNvSpPr txBox="1"/>
           <p:nvPr/>
@@ -8541,6 +8731,10 @@
               </a:rPr>
               <a:t>https://senstar.com/senstarpedia/pros-and-cons-of-facial-recognition/</a:t>
             </a:r>
+            <a:endParaRPr lang="en-US" sz="2400" dirty="0">
+              <a:ea typeface="SF Pro Semibold" pitchFamily="2" charset="0"/>
+              <a:cs typeface="Arial" panose="020B0604020202020204" pitchFamily="34" charset="0"/>
+            </a:endParaRPr>
           </a:p>
         </p:txBody>
       </p:sp>
@@ -8649,6 +8843,12 @@
               </a:rPr>
               <a:t>KẾT THÚC. </a:t>
             </a:r>
+            <a:endParaRPr lang="en-US" sz="3200" b="1">
+              <a:solidFill>
+                <a:schemeClr val="bg1"/>
+              </a:solidFill>
+              <a:latin typeface="+mj-lt"/>
+            </a:endParaRPr>
           </a:p>
         </p:txBody>
       </p:sp>
@@ -8685,7 +8885,7 @@
           <p:nvPr/>
         </p:nvPicPr>
         <p:blipFill>
-          <a:blip r:embed="rId2"/>
+          <a:blip r:embed="rId1"/>
           <a:stretch>
             <a:fillRect/>
           </a:stretch>
@@ -8709,7 +8909,7 @@
           <p:nvPr/>
         </p:nvPicPr>
         <p:blipFill>
-          <a:blip r:embed="rId3"/>
+          <a:blip r:embed="rId2"/>
           <a:stretch>
             <a:fillRect/>
           </a:stretch>
@@ -8829,6 +9029,12 @@
               </a:rPr>
               <a:t>MỤC LỤC</a:t>
             </a:r>
+            <a:endParaRPr lang="en-US" sz="3200" b="1">
+              <a:solidFill>
+                <a:schemeClr val="bg1"/>
+              </a:solidFill>
+              <a:latin typeface="+mj-lt"/>
+            </a:endParaRPr>
           </a:p>
         </p:txBody>
       </p:sp>
@@ -8865,7 +9071,7 @@
           <p:nvPr/>
         </p:nvPicPr>
         <p:blipFill>
-          <a:blip r:embed="rId2"/>
+          <a:blip r:embed="rId1"/>
           <a:stretch>
             <a:fillRect/>
           </a:stretch>
@@ -9098,6 +9304,13 @@
               </a:rPr>
               <a:t>.</a:t>
             </a:r>
+            <a:endParaRPr lang="en-US" sz="2400" dirty="0">
+              <a:solidFill>
+                <a:srgbClr val="FF0000"/>
+              </a:solidFill>
+              <a:ea typeface="SF Pro Semibold" pitchFamily="2" charset="0"/>
+              <a:cs typeface="Arial" panose="020B0604020202020204" pitchFamily="34" charset="0"/>
+            </a:endParaRPr>
           </a:p>
           <a:p>
             <a:r>
@@ -9130,6 +9343,13 @@
               </a:rPr>
               <a:t>	</a:t>
             </a:r>
+            <a:endParaRPr lang="en-US" sz="2400" dirty="0">
+              <a:solidFill>
+                <a:srgbClr val="FF0000"/>
+              </a:solidFill>
+              <a:ea typeface="SF Pro Semibold" pitchFamily="2" charset="0"/>
+              <a:cs typeface="Arial" panose="020B0604020202020204" pitchFamily="34" charset="0"/>
+            </a:endParaRPr>
           </a:p>
           <a:p>
             <a:r>
@@ -9338,18 +9558,6 @@
               </a:rPr>
               <a:t> da.</a:t>
             </a:r>
-          </a:p>
-          <a:p>
-            <a:r>
-              <a:rPr lang="vi-VN" sz="2400" dirty="0">
-                <a:solidFill>
-                  <a:srgbClr val="FF0000"/>
-                </a:solidFill>
-                <a:ea typeface="SF Pro Semibold" pitchFamily="2" charset="0"/>
-                <a:cs typeface="Arial" panose="020B0604020202020204" pitchFamily="34" charset="0"/>
-              </a:rPr>
-              <a:t>3. Độ tin cậy và chính xác.</a:t>
-            </a:r>
             <a:endParaRPr lang="en-US" sz="2400" dirty="0">
               <a:solidFill>
                 <a:srgbClr val="FF0000"/>
@@ -9360,290 +9568,6 @@
           </a:p>
           <a:p>
             <a:r>
-              <a:rPr lang="en-US" sz="2400" dirty="0">
-                <a:solidFill>
-                  <a:srgbClr val="FF0000"/>
-                </a:solidFill>
-                <a:ea typeface="SF Pro Semibold" pitchFamily="2" charset="0"/>
-                <a:cs typeface="Arial" panose="020B0604020202020204" pitchFamily="34" charset="0"/>
-              </a:rPr>
-              <a:t>3.1.Nhận </a:t>
-            </a:r>
-            <a:r>
-              <a:rPr lang="en-US" sz="2400" dirty="0" err="1">
-                <a:solidFill>
-                  <a:srgbClr val="FF0000"/>
-                </a:solidFill>
-                <a:ea typeface="SF Pro Semibold" pitchFamily="2" charset="0"/>
-                <a:cs typeface="Arial" panose="020B0604020202020204" pitchFamily="34" charset="0"/>
-              </a:rPr>
-              <a:t>dạng</a:t>
-            </a:r>
-            <a:r>
-              <a:rPr lang="en-US" sz="2400" dirty="0">
-                <a:solidFill>
-                  <a:srgbClr val="FF0000"/>
-                </a:solidFill>
-                <a:ea typeface="SF Pro Semibold" pitchFamily="2" charset="0"/>
-                <a:cs typeface="Arial" panose="020B0604020202020204" pitchFamily="34" charset="0"/>
-              </a:rPr>
-              <a:t> </a:t>
-            </a:r>
-            <a:r>
-              <a:rPr lang="en-US" sz="2400" dirty="0" err="1">
-                <a:solidFill>
-                  <a:srgbClr val="FF0000"/>
-                </a:solidFill>
-                <a:ea typeface="SF Pro Semibold" pitchFamily="2" charset="0"/>
-                <a:cs typeface="Arial" panose="020B0604020202020204" pitchFamily="34" charset="0"/>
-              </a:rPr>
-              <a:t>khuôn</a:t>
-            </a:r>
-            <a:r>
-              <a:rPr lang="en-US" sz="2400" dirty="0">
-                <a:solidFill>
-                  <a:srgbClr val="FF0000"/>
-                </a:solidFill>
-                <a:ea typeface="SF Pro Semibold" pitchFamily="2" charset="0"/>
-                <a:cs typeface="Arial" panose="020B0604020202020204" pitchFamily="34" charset="0"/>
-              </a:rPr>
-              <a:t> </a:t>
-            </a:r>
-            <a:r>
-              <a:rPr lang="en-US" sz="2400" dirty="0" err="1">
-                <a:solidFill>
-                  <a:srgbClr val="FF0000"/>
-                </a:solidFill>
-                <a:ea typeface="SF Pro Semibold" pitchFamily="2" charset="0"/>
-                <a:cs typeface="Arial" panose="020B0604020202020204" pitchFamily="34" charset="0"/>
-              </a:rPr>
-              <a:t>mặt</a:t>
-            </a:r>
-            <a:r>
-              <a:rPr lang="en-US" sz="2400" dirty="0">
-                <a:solidFill>
-                  <a:srgbClr val="FF0000"/>
-                </a:solidFill>
-                <a:ea typeface="SF Pro Semibold" pitchFamily="2" charset="0"/>
-                <a:cs typeface="Arial" panose="020B0604020202020204" pitchFamily="34" charset="0"/>
-              </a:rPr>
-              <a:t> </a:t>
-            </a:r>
-            <a:r>
-              <a:rPr lang="en-US" sz="2400" dirty="0" err="1">
-                <a:solidFill>
-                  <a:srgbClr val="FF0000"/>
-                </a:solidFill>
-                <a:ea typeface="SF Pro Semibold" pitchFamily="2" charset="0"/>
-                <a:cs typeface="Arial" panose="020B0604020202020204" pitchFamily="34" charset="0"/>
-              </a:rPr>
-              <a:t>có</a:t>
-            </a:r>
-            <a:r>
-              <a:rPr lang="en-US" sz="2400" dirty="0">
-                <a:solidFill>
-                  <a:srgbClr val="FF0000"/>
-                </a:solidFill>
-                <a:ea typeface="SF Pro Semibold" pitchFamily="2" charset="0"/>
-                <a:cs typeface="Arial" panose="020B0604020202020204" pitchFamily="34" charset="0"/>
-              </a:rPr>
-              <a:t> </a:t>
-            </a:r>
-            <a:r>
-              <a:rPr lang="en-US" sz="2400" dirty="0" err="1">
-                <a:solidFill>
-                  <a:srgbClr val="FF0000"/>
-                </a:solidFill>
-                <a:ea typeface="SF Pro Semibold" pitchFamily="2" charset="0"/>
-                <a:cs typeface="Arial" panose="020B0604020202020204" pitchFamily="34" charset="0"/>
-              </a:rPr>
-              <a:t>chính</a:t>
-            </a:r>
-            <a:r>
-              <a:rPr lang="en-US" sz="2400" dirty="0">
-                <a:solidFill>
-                  <a:srgbClr val="FF0000"/>
-                </a:solidFill>
-                <a:ea typeface="SF Pro Semibold" pitchFamily="2" charset="0"/>
-                <a:cs typeface="Arial" panose="020B0604020202020204" pitchFamily="34" charset="0"/>
-              </a:rPr>
-              <a:t> </a:t>
-            </a:r>
-            <a:r>
-              <a:rPr lang="en-US" sz="2400" dirty="0" err="1">
-                <a:solidFill>
-                  <a:srgbClr val="FF0000"/>
-                </a:solidFill>
-                <a:ea typeface="SF Pro Semibold" pitchFamily="2" charset="0"/>
-                <a:cs typeface="Arial" panose="020B0604020202020204" pitchFamily="34" charset="0"/>
-              </a:rPr>
-              <a:t>xác</a:t>
-            </a:r>
-            <a:r>
-              <a:rPr lang="en-US" sz="2400" dirty="0">
-                <a:solidFill>
-                  <a:srgbClr val="FF0000"/>
-                </a:solidFill>
-                <a:ea typeface="SF Pro Semibold" pitchFamily="2" charset="0"/>
-                <a:cs typeface="Arial" panose="020B0604020202020204" pitchFamily="34" charset="0"/>
-              </a:rPr>
-              <a:t> </a:t>
-            </a:r>
-            <a:r>
-              <a:rPr lang="en-US" sz="2400" dirty="0" err="1">
-                <a:solidFill>
-                  <a:srgbClr val="FF0000"/>
-                </a:solidFill>
-                <a:ea typeface="SF Pro Semibold" pitchFamily="2" charset="0"/>
-                <a:cs typeface="Arial" panose="020B0604020202020204" pitchFamily="34" charset="0"/>
-              </a:rPr>
-              <a:t>không</a:t>
-            </a:r>
-            <a:r>
-              <a:rPr lang="en-US" sz="2400" dirty="0">
-                <a:solidFill>
-                  <a:srgbClr val="FF0000"/>
-                </a:solidFill>
-                <a:ea typeface="SF Pro Semibold" pitchFamily="2" charset="0"/>
-                <a:cs typeface="Arial" panose="020B0604020202020204" pitchFamily="34" charset="0"/>
-              </a:rPr>
-              <a:t>?</a:t>
-            </a:r>
-          </a:p>
-          <a:p>
-            <a:r>
-              <a:rPr lang="en-US" sz="2400" dirty="0">
-                <a:solidFill>
-                  <a:srgbClr val="FF0000"/>
-                </a:solidFill>
-                <a:ea typeface="SF Pro Semibold" pitchFamily="2" charset="0"/>
-                <a:cs typeface="Arial" panose="020B0604020202020204" pitchFamily="34" charset="0"/>
-              </a:rPr>
-              <a:t>3.2.Nhận </a:t>
-            </a:r>
-            <a:r>
-              <a:rPr lang="en-US" sz="2400" dirty="0" err="1">
-                <a:solidFill>
-                  <a:srgbClr val="FF0000"/>
-                </a:solidFill>
-                <a:ea typeface="SF Pro Semibold" pitchFamily="2" charset="0"/>
-                <a:cs typeface="Arial" panose="020B0604020202020204" pitchFamily="34" charset="0"/>
-              </a:rPr>
-              <a:t>diện</a:t>
-            </a:r>
-            <a:r>
-              <a:rPr lang="en-US" sz="2400" dirty="0">
-                <a:solidFill>
-                  <a:srgbClr val="FF0000"/>
-                </a:solidFill>
-                <a:ea typeface="SF Pro Semibold" pitchFamily="2" charset="0"/>
-                <a:cs typeface="Arial" panose="020B0604020202020204" pitchFamily="34" charset="0"/>
-              </a:rPr>
-              <a:t> </a:t>
-            </a:r>
-            <a:r>
-              <a:rPr lang="en-US" sz="2400" dirty="0" err="1">
-                <a:solidFill>
-                  <a:srgbClr val="FF0000"/>
-                </a:solidFill>
-                <a:ea typeface="SF Pro Semibold" pitchFamily="2" charset="0"/>
-                <a:cs typeface="Arial" panose="020B0604020202020204" pitchFamily="34" charset="0"/>
-              </a:rPr>
-              <a:t>khuôn</a:t>
-            </a:r>
-            <a:r>
-              <a:rPr lang="en-US" sz="2400" dirty="0">
-                <a:solidFill>
-                  <a:srgbClr val="FF0000"/>
-                </a:solidFill>
-                <a:ea typeface="SF Pro Semibold" pitchFamily="2" charset="0"/>
-                <a:cs typeface="Arial" panose="020B0604020202020204" pitchFamily="34" charset="0"/>
-              </a:rPr>
-              <a:t> </a:t>
-            </a:r>
-            <a:r>
-              <a:rPr lang="en-US" sz="2400" dirty="0" err="1">
-                <a:solidFill>
-                  <a:srgbClr val="FF0000"/>
-                </a:solidFill>
-                <a:ea typeface="SF Pro Semibold" pitchFamily="2" charset="0"/>
-                <a:cs typeface="Arial" panose="020B0604020202020204" pitchFamily="34" charset="0"/>
-              </a:rPr>
-              <a:t>mặt</a:t>
-            </a:r>
-            <a:r>
-              <a:rPr lang="en-US" sz="2400" dirty="0">
-                <a:solidFill>
-                  <a:srgbClr val="FF0000"/>
-                </a:solidFill>
-                <a:ea typeface="SF Pro Semibold" pitchFamily="2" charset="0"/>
-                <a:cs typeface="Arial" panose="020B0604020202020204" pitchFamily="34" charset="0"/>
-              </a:rPr>
-              <a:t> </a:t>
-            </a:r>
-            <a:r>
-              <a:rPr lang="en-US" sz="2400" dirty="0" err="1">
-                <a:solidFill>
-                  <a:srgbClr val="FF0000"/>
-                </a:solidFill>
-                <a:ea typeface="SF Pro Semibold" pitchFamily="2" charset="0"/>
-                <a:cs typeface="Arial" panose="020B0604020202020204" pitchFamily="34" charset="0"/>
-              </a:rPr>
-              <a:t>có</a:t>
-            </a:r>
-            <a:r>
-              <a:rPr lang="en-US" sz="2400" dirty="0">
-                <a:solidFill>
-                  <a:srgbClr val="FF0000"/>
-                </a:solidFill>
-                <a:ea typeface="SF Pro Semibold" pitchFamily="2" charset="0"/>
-                <a:cs typeface="Arial" panose="020B0604020202020204" pitchFamily="34" charset="0"/>
-              </a:rPr>
-              <a:t> an </a:t>
-            </a:r>
-            <a:r>
-              <a:rPr lang="en-US" sz="2400" dirty="0" err="1">
-                <a:solidFill>
-                  <a:srgbClr val="FF0000"/>
-                </a:solidFill>
-                <a:ea typeface="SF Pro Semibold" pitchFamily="2" charset="0"/>
-                <a:cs typeface="Arial" panose="020B0604020202020204" pitchFamily="34" charset="0"/>
-              </a:rPr>
-              <a:t>toàn</a:t>
-            </a:r>
-            <a:r>
-              <a:rPr lang="en-US" sz="2400" dirty="0">
-                <a:solidFill>
-                  <a:srgbClr val="FF0000"/>
-                </a:solidFill>
-                <a:ea typeface="SF Pro Semibold" pitchFamily="2" charset="0"/>
-                <a:cs typeface="Arial" panose="020B0604020202020204" pitchFamily="34" charset="0"/>
-              </a:rPr>
-              <a:t> </a:t>
-            </a:r>
-            <a:r>
-              <a:rPr lang="en-US" sz="2400" dirty="0" err="1">
-                <a:solidFill>
-                  <a:srgbClr val="FF0000"/>
-                </a:solidFill>
-                <a:ea typeface="SF Pro Semibold" pitchFamily="2" charset="0"/>
-                <a:cs typeface="Arial" panose="020B0604020202020204" pitchFamily="34" charset="0"/>
-              </a:rPr>
-              <a:t>không</a:t>
-            </a:r>
-            <a:r>
-              <a:rPr lang="en-US" sz="2400" dirty="0">
-                <a:solidFill>
-                  <a:srgbClr val="FF0000"/>
-                </a:solidFill>
-                <a:ea typeface="SF Pro Semibold" pitchFamily="2" charset="0"/>
-                <a:cs typeface="Arial" panose="020B0604020202020204" pitchFamily="34" charset="0"/>
-              </a:rPr>
-              <a:t>?</a:t>
-            </a:r>
-          </a:p>
-          <a:p>
-            <a:r>
               <a:rPr lang="vi-VN" sz="2400" dirty="0">
                 <a:solidFill>
                   <a:srgbClr val="FF0000"/>
@@ -9651,7 +9575,7 @@
                 <a:ea typeface="SF Pro Semibold" pitchFamily="2" charset="0"/>
                 <a:cs typeface="Arial" panose="020B0604020202020204" pitchFamily="34" charset="0"/>
               </a:rPr>
-              <a:t>4. Ưu, nhược điểm và ứng dụng.</a:t>
+              <a:t>3. Độ tin cậy và chính xác.</a:t>
             </a:r>
             <a:endParaRPr lang="en-US" sz="2400" dirty="0">
               <a:solidFill>
@@ -9670,7 +9594,7 @@
                 <a:ea typeface="SF Pro Semibold" pitchFamily="2" charset="0"/>
                 <a:cs typeface="Arial" panose="020B0604020202020204" pitchFamily="34" charset="0"/>
               </a:rPr>
-              <a:t>4.1.Ưu, </a:t>
+              <a:t>3.1.Nhận </a:t>
             </a:r>
             <a:r>
               <a:rPr lang="en-US" sz="2400" dirty="0" err="1">
@@ -9680,7 +9604,7 @@
                 <a:ea typeface="SF Pro Semibold" pitchFamily="2" charset="0"/>
                 <a:cs typeface="Arial" panose="020B0604020202020204" pitchFamily="34" charset="0"/>
               </a:rPr>
-              <a:t>nhược</a:t>
+              <a:t>dạng</a:t>
             </a:r>
             <a:r>
               <a:rPr lang="en-US" sz="2400" dirty="0">
@@ -9700,7 +9624,117 @@
                 <a:ea typeface="SF Pro Semibold" pitchFamily="2" charset="0"/>
                 <a:cs typeface="Arial" panose="020B0604020202020204" pitchFamily="34" charset="0"/>
               </a:rPr>
-              <a:t>điểm.</a:t>
+              <a:t>khuôn</a:t>
+            </a:r>
+            <a:r>
+              <a:rPr lang="en-US" sz="2400" dirty="0">
+                <a:solidFill>
+                  <a:srgbClr val="FF0000"/>
+                </a:solidFill>
+                <a:ea typeface="SF Pro Semibold" pitchFamily="2" charset="0"/>
+                <a:cs typeface="Arial" panose="020B0604020202020204" pitchFamily="34" charset="0"/>
+              </a:rPr>
+              <a:t> </a:t>
+            </a:r>
+            <a:r>
+              <a:rPr lang="en-US" sz="2400" dirty="0" err="1">
+                <a:solidFill>
+                  <a:srgbClr val="FF0000"/>
+                </a:solidFill>
+                <a:ea typeface="SF Pro Semibold" pitchFamily="2" charset="0"/>
+                <a:cs typeface="Arial" panose="020B0604020202020204" pitchFamily="34" charset="0"/>
+              </a:rPr>
+              <a:t>mặt</a:t>
+            </a:r>
+            <a:r>
+              <a:rPr lang="en-US" sz="2400" dirty="0">
+                <a:solidFill>
+                  <a:srgbClr val="FF0000"/>
+                </a:solidFill>
+                <a:ea typeface="SF Pro Semibold" pitchFamily="2" charset="0"/>
+                <a:cs typeface="Arial" panose="020B0604020202020204" pitchFamily="34" charset="0"/>
+              </a:rPr>
+              <a:t> </a:t>
+            </a:r>
+            <a:r>
+              <a:rPr lang="en-US" sz="2400" dirty="0" err="1">
+                <a:solidFill>
+                  <a:srgbClr val="FF0000"/>
+                </a:solidFill>
+                <a:ea typeface="SF Pro Semibold" pitchFamily="2" charset="0"/>
+                <a:cs typeface="Arial" panose="020B0604020202020204" pitchFamily="34" charset="0"/>
+              </a:rPr>
+              <a:t>có</a:t>
+            </a:r>
+            <a:r>
+              <a:rPr lang="en-US" sz="2400" dirty="0">
+                <a:solidFill>
+                  <a:srgbClr val="FF0000"/>
+                </a:solidFill>
+                <a:ea typeface="SF Pro Semibold" pitchFamily="2" charset="0"/>
+                <a:cs typeface="Arial" panose="020B0604020202020204" pitchFamily="34" charset="0"/>
+              </a:rPr>
+              <a:t> </a:t>
+            </a:r>
+            <a:r>
+              <a:rPr lang="en-US" sz="2400" dirty="0" err="1">
+                <a:solidFill>
+                  <a:srgbClr val="FF0000"/>
+                </a:solidFill>
+                <a:ea typeface="SF Pro Semibold" pitchFamily="2" charset="0"/>
+                <a:cs typeface="Arial" panose="020B0604020202020204" pitchFamily="34" charset="0"/>
+              </a:rPr>
+              <a:t>chính</a:t>
+            </a:r>
+            <a:r>
+              <a:rPr lang="en-US" sz="2400" dirty="0">
+                <a:solidFill>
+                  <a:srgbClr val="FF0000"/>
+                </a:solidFill>
+                <a:ea typeface="SF Pro Semibold" pitchFamily="2" charset="0"/>
+                <a:cs typeface="Arial" panose="020B0604020202020204" pitchFamily="34" charset="0"/>
+              </a:rPr>
+              <a:t> </a:t>
+            </a:r>
+            <a:r>
+              <a:rPr lang="en-US" sz="2400" dirty="0" err="1">
+                <a:solidFill>
+                  <a:srgbClr val="FF0000"/>
+                </a:solidFill>
+                <a:ea typeface="SF Pro Semibold" pitchFamily="2" charset="0"/>
+                <a:cs typeface="Arial" panose="020B0604020202020204" pitchFamily="34" charset="0"/>
+              </a:rPr>
+              <a:t>xác</a:t>
+            </a:r>
+            <a:r>
+              <a:rPr lang="en-US" sz="2400" dirty="0">
+                <a:solidFill>
+                  <a:srgbClr val="FF0000"/>
+                </a:solidFill>
+                <a:ea typeface="SF Pro Semibold" pitchFamily="2" charset="0"/>
+                <a:cs typeface="Arial" panose="020B0604020202020204" pitchFamily="34" charset="0"/>
+              </a:rPr>
+              <a:t> </a:t>
+            </a:r>
+            <a:r>
+              <a:rPr lang="en-US" sz="2400" dirty="0" err="1">
+                <a:solidFill>
+                  <a:srgbClr val="FF0000"/>
+                </a:solidFill>
+                <a:ea typeface="SF Pro Semibold" pitchFamily="2" charset="0"/>
+                <a:cs typeface="Arial" panose="020B0604020202020204" pitchFamily="34" charset="0"/>
+              </a:rPr>
+              <a:t>không</a:t>
+            </a:r>
+            <a:r>
+              <a:rPr lang="en-US" sz="2400" dirty="0">
+                <a:solidFill>
+                  <a:srgbClr val="FF0000"/>
+                </a:solidFill>
+                <a:ea typeface="SF Pro Semibold" pitchFamily="2" charset="0"/>
+                <a:cs typeface="Arial" panose="020B0604020202020204" pitchFamily="34" charset="0"/>
+              </a:rPr>
+              <a:t>?</a:t>
             </a:r>
             <a:endParaRPr lang="en-US" sz="2400" dirty="0">
               <a:solidFill>
@@ -9719,6 +9753,213 @@
                 <a:ea typeface="SF Pro Semibold" pitchFamily="2" charset="0"/>
                 <a:cs typeface="Arial" panose="020B0604020202020204" pitchFamily="34" charset="0"/>
               </a:rPr>
+              <a:t>3.2.Nhận </a:t>
+            </a:r>
+            <a:r>
+              <a:rPr lang="en-US" sz="2400" dirty="0" err="1">
+                <a:solidFill>
+                  <a:srgbClr val="FF0000"/>
+                </a:solidFill>
+                <a:ea typeface="SF Pro Semibold" pitchFamily="2" charset="0"/>
+                <a:cs typeface="Arial" panose="020B0604020202020204" pitchFamily="34" charset="0"/>
+              </a:rPr>
+              <a:t>diện</a:t>
+            </a:r>
+            <a:r>
+              <a:rPr lang="en-US" sz="2400" dirty="0">
+                <a:solidFill>
+                  <a:srgbClr val="FF0000"/>
+                </a:solidFill>
+                <a:ea typeface="SF Pro Semibold" pitchFamily="2" charset="0"/>
+                <a:cs typeface="Arial" panose="020B0604020202020204" pitchFamily="34" charset="0"/>
+              </a:rPr>
+              <a:t> </a:t>
+            </a:r>
+            <a:r>
+              <a:rPr lang="en-US" sz="2400" dirty="0" err="1">
+                <a:solidFill>
+                  <a:srgbClr val="FF0000"/>
+                </a:solidFill>
+                <a:ea typeface="SF Pro Semibold" pitchFamily="2" charset="0"/>
+                <a:cs typeface="Arial" panose="020B0604020202020204" pitchFamily="34" charset="0"/>
+              </a:rPr>
+              <a:t>khuôn</a:t>
+            </a:r>
+            <a:r>
+              <a:rPr lang="en-US" sz="2400" dirty="0">
+                <a:solidFill>
+                  <a:srgbClr val="FF0000"/>
+                </a:solidFill>
+                <a:ea typeface="SF Pro Semibold" pitchFamily="2" charset="0"/>
+                <a:cs typeface="Arial" panose="020B0604020202020204" pitchFamily="34" charset="0"/>
+              </a:rPr>
+              <a:t> </a:t>
+            </a:r>
+            <a:r>
+              <a:rPr lang="en-US" sz="2400" dirty="0" err="1">
+                <a:solidFill>
+                  <a:srgbClr val="FF0000"/>
+                </a:solidFill>
+                <a:ea typeface="SF Pro Semibold" pitchFamily="2" charset="0"/>
+                <a:cs typeface="Arial" panose="020B0604020202020204" pitchFamily="34" charset="0"/>
+              </a:rPr>
+              <a:t>mặt</a:t>
+            </a:r>
+            <a:r>
+              <a:rPr lang="en-US" sz="2400" dirty="0">
+                <a:solidFill>
+                  <a:srgbClr val="FF0000"/>
+                </a:solidFill>
+                <a:ea typeface="SF Pro Semibold" pitchFamily="2" charset="0"/>
+                <a:cs typeface="Arial" panose="020B0604020202020204" pitchFamily="34" charset="0"/>
+              </a:rPr>
+              <a:t> </a:t>
+            </a:r>
+            <a:r>
+              <a:rPr lang="en-US" sz="2400" dirty="0" err="1">
+                <a:solidFill>
+                  <a:srgbClr val="FF0000"/>
+                </a:solidFill>
+                <a:ea typeface="SF Pro Semibold" pitchFamily="2" charset="0"/>
+                <a:cs typeface="Arial" panose="020B0604020202020204" pitchFamily="34" charset="0"/>
+              </a:rPr>
+              <a:t>có</a:t>
+            </a:r>
+            <a:r>
+              <a:rPr lang="en-US" sz="2400" dirty="0">
+                <a:solidFill>
+                  <a:srgbClr val="FF0000"/>
+                </a:solidFill>
+                <a:ea typeface="SF Pro Semibold" pitchFamily="2" charset="0"/>
+                <a:cs typeface="Arial" panose="020B0604020202020204" pitchFamily="34" charset="0"/>
+              </a:rPr>
+              <a:t> an </a:t>
+            </a:r>
+            <a:r>
+              <a:rPr lang="en-US" sz="2400" dirty="0" err="1">
+                <a:solidFill>
+                  <a:srgbClr val="FF0000"/>
+                </a:solidFill>
+                <a:ea typeface="SF Pro Semibold" pitchFamily="2" charset="0"/>
+                <a:cs typeface="Arial" panose="020B0604020202020204" pitchFamily="34" charset="0"/>
+              </a:rPr>
+              <a:t>toàn</a:t>
+            </a:r>
+            <a:r>
+              <a:rPr lang="en-US" sz="2400" dirty="0">
+                <a:solidFill>
+                  <a:srgbClr val="FF0000"/>
+                </a:solidFill>
+                <a:ea typeface="SF Pro Semibold" pitchFamily="2" charset="0"/>
+                <a:cs typeface="Arial" panose="020B0604020202020204" pitchFamily="34" charset="0"/>
+              </a:rPr>
+              <a:t> </a:t>
+            </a:r>
+            <a:r>
+              <a:rPr lang="en-US" sz="2400" dirty="0" err="1">
+                <a:solidFill>
+                  <a:srgbClr val="FF0000"/>
+                </a:solidFill>
+                <a:ea typeface="SF Pro Semibold" pitchFamily="2" charset="0"/>
+                <a:cs typeface="Arial" panose="020B0604020202020204" pitchFamily="34" charset="0"/>
+              </a:rPr>
+              <a:t>không</a:t>
+            </a:r>
+            <a:r>
+              <a:rPr lang="en-US" sz="2400" dirty="0">
+                <a:solidFill>
+                  <a:srgbClr val="FF0000"/>
+                </a:solidFill>
+                <a:ea typeface="SF Pro Semibold" pitchFamily="2" charset="0"/>
+                <a:cs typeface="Arial" panose="020B0604020202020204" pitchFamily="34" charset="0"/>
+              </a:rPr>
+              <a:t>?</a:t>
+            </a:r>
+            <a:endParaRPr lang="en-US" sz="2400" dirty="0">
+              <a:solidFill>
+                <a:srgbClr val="FF0000"/>
+              </a:solidFill>
+              <a:ea typeface="SF Pro Semibold" pitchFamily="2" charset="0"/>
+              <a:cs typeface="Arial" panose="020B0604020202020204" pitchFamily="34" charset="0"/>
+            </a:endParaRPr>
+          </a:p>
+          <a:p>
+            <a:r>
+              <a:rPr lang="vi-VN" sz="2400" dirty="0">
+                <a:solidFill>
+                  <a:srgbClr val="FF0000"/>
+                </a:solidFill>
+                <a:ea typeface="SF Pro Semibold" pitchFamily="2" charset="0"/>
+                <a:cs typeface="Arial" panose="020B0604020202020204" pitchFamily="34" charset="0"/>
+              </a:rPr>
+              <a:t>4. Ưu, nhược điểm và ứng dụng.</a:t>
+            </a:r>
+            <a:endParaRPr lang="en-US" sz="2400" dirty="0">
+              <a:solidFill>
+                <a:srgbClr val="FF0000"/>
+              </a:solidFill>
+              <a:ea typeface="SF Pro Semibold" pitchFamily="2" charset="0"/>
+              <a:cs typeface="Arial" panose="020B0604020202020204" pitchFamily="34" charset="0"/>
+            </a:endParaRPr>
+          </a:p>
+          <a:p>
+            <a:r>
+              <a:rPr lang="en-US" sz="2400" dirty="0">
+                <a:solidFill>
+                  <a:srgbClr val="FF0000"/>
+                </a:solidFill>
+                <a:ea typeface="SF Pro Semibold" pitchFamily="2" charset="0"/>
+                <a:cs typeface="Arial" panose="020B0604020202020204" pitchFamily="34" charset="0"/>
+              </a:rPr>
+              <a:t>4.1.Ưu, </a:t>
+            </a:r>
+            <a:r>
+              <a:rPr lang="en-US" sz="2400" dirty="0" err="1">
+                <a:solidFill>
+                  <a:srgbClr val="FF0000"/>
+                </a:solidFill>
+                <a:ea typeface="SF Pro Semibold" pitchFamily="2" charset="0"/>
+                <a:cs typeface="Arial" panose="020B0604020202020204" pitchFamily="34" charset="0"/>
+              </a:rPr>
+              <a:t>nhược</a:t>
+            </a:r>
+            <a:r>
+              <a:rPr lang="en-US" sz="2400" dirty="0">
+                <a:solidFill>
+                  <a:srgbClr val="FF0000"/>
+                </a:solidFill>
+                <a:ea typeface="SF Pro Semibold" pitchFamily="2" charset="0"/>
+                <a:cs typeface="Arial" panose="020B0604020202020204" pitchFamily="34" charset="0"/>
+              </a:rPr>
+              <a:t> </a:t>
+            </a:r>
+            <a:r>
+              <a:rPr lang="en-US" sz="2400" dirty="0" err="1">
+                <a:solidFill>
+                  <a:srgbClr val="FF0000"/>
+                </a:solidFill>
+                <a:ea typeface="SF Pro Semibold" pitchFamily="2" charset="0"/>
+                <a:cs typeface="Arial" panose="020B0604020202020204" pitchFamily="34" charset="0"/>
+              </a:rPr>
+              <a:t>điểm.</a:t>
+            </a:r>
+            <a:endParaRPr lang="en-US" sz="2400" dirty="0">
+              <a:solidFill>
+                <a:srgbClr val="FF0000"/>
+              </a:solidFill>
+              <a:ea typeface="SF Pro Semibold" pitchFamily="2" charset="0"/>
+              <a:cs typeface="Arial" panose="020B0604020202020204" pitchFamily="34" charset="0"/>
+            </a:endParaRPr>
+          </a:p>
+          <a:p>
+            <a:r>
+              <a:rPr lang="en-US" sz="2400" dirty="0">
+                <a:solidFill>
+                  <a:srgbClr val="FF0000"/>
+                </a:solidFill>
+                <a:ea typeface="SF Pro Semibold" pitchFamily="2" charset="0"/>
+                <a:cs typeface="Arial" panose="020B0604020202020204" pitchFamily="34" charset="0"/>
+              </a:rPr>
               <a:t>4.2.Ứng </a:t>
             </a:r>
             <a:r>
@@ -9753,13 +9994,7 @@
       </p:sp>
       <p:sp>
         <p:nvSpPr>
-          <p:cNvPr id="8" name="Oval 7">
-            <a:extLst>
-              <a:ext uri="{FF2B5EF4-FFF2-40B4-BE49-F238E27FC236}">
-                <a16:creationId xmlns:a16="http://schemas.microsoft.com/office/drawing/2014/main" id="{B4A7CFC3-5825-2743-9360-67D692BB4F5B}"/>
-              </a:ext>
-            </a:extLst>
-          </p:cNvPr>
+          <p:cNvPr id="8" name="Oval 7"/>
           <p:cNvSpPr>
             <a:spLocks noChangeAspect="1"/>
           </p:cNvSpPr>
@@ -9811,6 +10046,11 @@
               </a:rPr>
               <a:t>2</a:t>
             </a:r>
+            <a:endParaRPr lang="en-US">
+              <a:solidFill>
+                <a:srgbClr val="FF0000"/>
+              </a:solidFill>
+            </a:endParaRPr>
           </a:p>
         </p:txBody>
       </p:sp>
@@ -9946,6 +10186,12 @@
               </a:rPr>
               <a:t>ái Niệm và Cấu Tạo</a:t>
             </a:r>
+            <a:endParaRPr lang="vi-VN" altLang="en-US" sz="3200" b="1">
+              <a:solidFill>
+                <a:schemeClr val="bg1"/>
+              </a:solidFill>
+              <a:latin typeface="+mj-lt"/>
+            </a:endParaRPr>
           </a:p>
         </p:txBody>
       </p:sp>
@@ -9982,7 +10228,7 @@
           <p:nvPr/>
         </p:nvPicPr>
         <p:blipFill>
-          <a:blip r:embed="rId2"/>
+          <a:blip r:embed="rId1"/>
           <a:stretch>
             <a:fillRect/>
           </a:stretch>
@@ -10198,6 +10444,13 @@
               </a:rPr>
               <a:t>1.1.Khái Niệm</a:t>
             </a:r>
+            <a:endParaRPr lang="vi-VN" sz="2800" dirty="0">
+              <a:solidFill>
+                <a:srgbClr val="FF0000"/>
+              </a:solidFill>
+              <a:ea typeface="SF Pro Semibold" pitchFamily="2" charset="0"/>
+              <a:cs typeface="Arial" panose="020B0604020202020204" pitchFamily="34" charset="0"/>
+            </a:endParaRPr>
           </a:p>
         </p:txBody>
       </p:sp>
@@ -10241,12 +10494,39 @@
               </a:rPr>
               <a:t>Công nghệ nhận diện khuôn mặt là một công nghệ sinh trắc học ánh xạ các đặc điểm khuôn mặt của một cá nhân về mặt toán học và lưu trữ dữ liệu dưới dạng faceprint</a:t>
             </a:r>
+            <a:endParaRPr lang="en-US" sz="2400">
+              <a:cs typeface="Arial" panose="020B0604020202020204" pitchFamily="34" charset="0"/>
+            </a:endParaRPr>
           </a:p>
         </p:txBody>
       </p:sp>
       <p:pic>
         <p:nvPicPr>
           <p:cNvPr id="4" name="Picture 3" descr="z3315131751550_088b97c33bb353473ce6645c20cce6c1"/>
+          <p:cNvPicPr>
+            <a:picLocks noChangeAspect="1"/>
+          </p:cNvPicPr>
+          <p:nvPr/>
+        </p:nvPicPr>
+        <p:blipFill>
+          <a:blip r:embed="rId2"/>
+          <a:stretch>
+            <a:fillRect/>
+          </a:stretch>
+        </p:blipFill>
+        <p:spPr>
+          <a:xfrm>
+            <a:off x="536575" y="4337050"/>
+            <a:ext cx="3324860" cy="1936750"/>
+          </a:xfrm>
+          <a:prstGeom prst="rect">
+            <a:avLst/>
+          </a:prstGeom>
+        </p:spPr>
+      </p:pic>
+      <p:pic>
+        <p:nvPicPr>
+          <p:cNvPr id="7" name="Picture 6" descr="1773160"/>
           <p:cNvPicPr>
             <a:picLocks noChangeAspect="1"/>
           </p:cNvPicPr>
@@ -10260,47 +10540,17 @@
         </p:blipFill>
         <p:spPr>
           <a:xfrm>
-            <a:off x="536575" y="4337050"/>
-            <a:ext cx="3324860" cy="1936750"/>
+            <a:off x="5313045" y="4334510"/>
+            <a:ext cx="3830955" cy="1915795"/>
           </a:xfrm>
           <a:prstGeom prst="rect">
             <a:avLst/>
           </a:prstGeom>
         </p:spPr>
       </p:pic>
-      <p:pic>
-        <p:nvPicPr>
-          <p:cNvPr id="7" name="Picture 6" descr="1773160"/>
-          <p:cNvPicPr>
-            <a:picLocks noChangeAspect="1"/>
-          </p:cNvPicPr>
-          <p:nvPr/>
-        </p:nvPicPr>
-        <p:blipFill>
-          <a:blip r:embed="rId4"/>
-          <a:stretch>
-            <a:fillRect/>
-          </a:stretch>
-        </p:blipFill>
-        <p:spPr>
-          <a:xfrm>
-            <a:off x="5313045" y="4334510"/>
-            <a:ext cx="3830955" cy="1915795"/>
-          </a:xfrm>
-          <a:prstGeom prst="rect">
-            <a:avLst/>
-          </a:prstGeom>
-        </p:spPr>
-      </p:pic>
-      <p:sp>
-        <p:nvSpPr>
-          <p:cNvPr id="11" name="Oval 10">
-            <a:extLst>
-              <a:ext uri="{FF2B5EF4-FFF2-40B4-BE49-F238E27FC236}">
-                <a16:creationId xmlns:a16="http://schemas.microsoft.com/office/drawing/2014/main" id="{B3A93925-5877-4542-9AF4-E1B790D8B634}"/>
-              </a:ext>
-            </a:extLst>
-          </p:cNvPr>
+      <p:sp>
+        <p:nvSpPr>
+          <p:cNvPr id="11" name="Oval 10"/>
           <p:cNvSpPr>
             <a:spLocks noChangeAspect="1"/>
           </p:cNvSpPr>
@@ -10352,6 +10602,11 @@
               </a:rPr>
               <a:t>3</a:t>
             </a:r>
+            <a:endParaRPr lang="en-US">
+              <a:solidFill>
+                <a:srgbClr val="FF0000"/>
+              </a:solidFill>
+            </a:endParaRPr>
           </a:p>
         </p:txBody>
       </p:sp>
@@ -10460,6 +10715,12 @@
               </a:rPr>
               <a:t>1.Khái Niệm và Cấu Tạo</a:t>
             </a:r>
+            <a:endParaRPr lang="vi-VN" altLang="en-US" sz="3200" b="1">
+              <a:solidFill>
+                <a:schemeClr val="bg1"/>
+              </a:solidFill>
+              <a:latin typeface="+mj-lt"/>
+            </a:endParaRPr>
           </a:p>
         </p:txBody>
       </p:sp>
@@ -10496,7 +10757,7 @@
           <p:nvPr/>
         </p:nvPicPr>
         <p:blipFill>
-          <a:blip r:embed="rId2"/>
+          <a:blip r:embed="rId1"/>
           <a:stretch>
             <a:fillRect/>
           </a:stretch>
@@ -10712,6 +10973,13 @@
               </a:rPr>
               <a:t>1.2 Cấu tạo Face ID</a:t>
             </a:r>
+            <a:endParaRPr lang="vi-VN" sz="2800" dirty="0">
+              <a:solidFill>
+                <a:srgbClr val="FF0000"/>
+              </a:solidFill>
+              <a:ea typeface="SF Pro Semibold" pitchFamily="2" charset="0"/>
+              <a:cs typeface="Arial" panose="020B0604020202020204" pitchFamily="34" charset="0"/>
+            </a:endParaRPr>
           </a:p>
         </p:txBody>
       </p:sp>
@@ -10748,6 +11016,9 @@
               </a:rPr>
               <a:t>Face ID bao gồm hai phần</a:t>
             </a:r>
+            <a:endParaRPr lang="en-US" sz="2400">
+              <a:cs typeface="Arial" panose="020B0604020202020204" pitchFamily="34" charset="0"/>
+            </a:endParaRPr>
           </a:p>
           <a:p>
             <a:pPr marL="285750" indent="-285750">
@@ -10763,6 +11034,9 @@
               </a:rPr>
               <a:t>mô-đun máy chiếu chấm chiếu hơn 30.000 điểm hồng ngoại lên mặt người dùng</a:t>
             </a:r>
+            <a:endParaRPr lang="en-US" sz="2400">
+              <a:cs typeface="Arial" panose="020B0604020202020204" pitchFamily="34" charset="0"/>
+            </a:endParaRPr>
           </a:p>
           <a:p>
             <a:pPr marL="285750" indent="-285750">
@@ -10778,12 +11052,39 @@
               </a:rPr>
               <a:t> mô-đun camera hồng ngoại đọc mẫu </a:t>
             </a:r>
+            <a:endParaRPr lang="en-US" sz="2400">
+              <a:cs typeface="Arial" panose="020B0604020202020204" pitchFamily="34" charset="0"/>
+            </a:endParaRPr>
           </a:p>
         </p:txBody>
       </p:sp>
       <p:pic>
         <p:nvPicPr>
           <p:cNvPr id="3" name="Picture 2" descr="faceid-mua-co-vy-10-1-scaled"/>
+          <p:cNvPicPr>
+            <a:picLocks noChangeAspect="1"/>
+          </p:cNvPicPr>
+          <p:nvPr/>
+        </p:nvPicPr>
+        <p:blipFill>
+          <a:blip r:embed="rId2"/>
+          <a:stretch>
+            <a:fillRect/>
+          </a:stretch>
+        </p:blipFill>
+        <p:spPr>
+          <a:xfrm>
+            <a:off x="536575" y="4462780"/>
+            <a:ext cx="3591560" cy="2395220"/>
+          </a:xfrm>
+          <a:prstGeom prst="rect">
+            <a:avLst/>
+          </a:prstGeom>
+        </p:spPr>
+      </p:pic>
+      <p:pic>
+        <p:nvPicPr>
+          <p:cNvPr id="4" name="Picture 3" descr="Iphone-14-face-id-co-gi-khac-biet-5"/>
           <p:cNvPicPr>
             <a:picLocks noChangeAspect="1"/>
           </p:cNvPicPr>
@@ -10797,47 +11098,17 @@
         </p:blipFill>
         <p:spPr>
           <a:xfrm>
-            <a:off x="536575" y="4462780"/>
-            <a:ext cx="3591560" cy="2395220"/>
+            <a:off x="4768215" y="4547870"/>
+            <a:ext cx="3408680" cy="2305685"/>
           </a:xfrm>
           <a:prstGeom prst="rect">
             <a:avLst/>
           </a:prstGeom>
         </p:spPr>
       </p:pic>
-      <p:pic>
-        <p:nvPicPr>
-          <p:cNvPr id="4" name="Picture 3" descr="Iphone-14-face-id-co-gi-khac-biet-5"/>
-          <p:cNvPicPr>
-            <a:picLocks noChangeAspect="1"/>
-          </p:cNvPicPr>
-          <p:nvPr/>
-        </p:nvPicPr>
-        <p:blipFill>
-          <a:blip r:embed="rId4"/>
-          <a:stretch>
-            <a:fillRect/>
-          </a:stretch>
-        </p:blipFill>
-        <p:spPr>
-          <a:xfrm>
-            <a:off x="4768215" y="4547870"/>
-            <a:ext cx="3408680" cy="2305685"/>
-          </a:xfrm>
-          <a:prstGeom prst="rect">
-            <a:avLst/>
-          </a:prstGeom>
-        </p:spPr>
-      </p:pic>
-      <p:sp>
-        <p:nvSpPr>
-          <p:cNvPr id="11" name="Oval 10">
-            <a:extLst>
-              <a:ext uri="{FF2B5EF4-FFF2-40B4-BE49-F238E27FC236}">
-                <a16:creationId xmlns:a16="http://schemas.microsoft.com/office/drawing/2014/main" id="{CFE42A65-FACC-6546-AA31-0B0FF9EB6C28}"/>
-              </a:ext>
-            </a:extLst>
-          </p:cNvPr>
+      <p:sp>
+        <p:nvSpPr>
+          <p:cNvPr id="11" name="Oval 10"/>
           <p:cNvSpPr>
             <a:spLocks noChangeAspect="1"/>
           </p:cNvSpPr>
@@ -10889,9 +11160,6 @@
               </a:rPr>
               <a:t>4</a:t>
             </a:r>
-          </a:p>
-          <a:p>
-            <a:pPr algn="ctr"/>
             <a:endParaRPr lang="en-US">
               <a:solidFill>
                 <a:srgbClr val="FF0000"/>
@@ -11005,6 +11273,12 @@
               </a:rPr>
               <a:t>2.HOẠT ĐỘNG </a:t>
             </a:r>
+            <a:endParaRPr lang="en-US" sz="3200" b="1">
+              <a:solidFill>
+                <a:schemeClr val="bg1"/>
+              </a:solidFill>
+              <a:latin typeface="+mj-lt"/>
+            </a:endParaRPr>
           </a:p>
         </p:txBody>
       </p:sp>
@@ -11041,7 +11315,7 @@
           <p:nvPr/>
         </p:nvPicPr>
         <p:blipFill>
-          <a:blip r:embed="rId2"/>
+          <a:blip r:embed="rId1"/>
           <a:stretch>
             <a:fillRect/>
           </a:stretch>
@@ -11095,6 +11369,13 @@
               </a:rPr>
               <a:t>2.1.Truyền thống </a:t>
             </a:r>
+            <a:endParaRPr lang="en-US" sz="2800" dirty="0">
+              <a:solidFill>
+                <a:srgbClr val="FF0000"/>
+              </a:solidFill>
+              <a:ea typeface="SF Pro Semibold" pitchFamily="2" charset="0"/>
+              <a:cs typeface="Arial" panose="020B0604020202020204" pitchFamily="34" charset="0"/>
+            </a:endParaRPr>
           </a:p>
           <a:p>
             <a:pPr marL="457200" indent="-457200">
@@ -11111,6 +11392,10 @@
               </a:rPr>
               <a:t>Mỗi khuôn mặt đều có nhiều điểm mốc. Là phần lòi lõm tạo nên khuôn mặt.</a:t>
             </a:r>
+            <a:endParaRPr lang="en-US" sz="2400" dirty="0">
+              <a:ea typeface="SF Pro Semibold" pitchFamily="2" charset="0"/>
+              <a:cs typeface="Arial" panose="020B0604020202020204" pitchFamily="34" charset="0"/>
+            </a:endParaRPr>
           </a:p>
           <a:p>
             <a:pPr marL="457200" indent="-457200">
@@ -11127,6 +11412,10 @@
               </a:rPr>
               <a:t>Hệ thống nhận diện qua những điểm nút</a:t>
             </a:r>
+            <a:endParaRPr lang="en-US" sz="2400" dirty="0">
+              <a:ea typeface="SF Pro Semibold" pitchFamily="2" charset="0"/>
+              <a:cs typeface="Arial" panose="020B0604020202020204" pitchFamily="34" charset="0"/>
+            </a:endParaRPr>
           </a:p>
           <a:p>
             <a:pPr marL="457200" indent="-457200">
@@ -11143,6 +11432,10 @@
               </a:rPr>
               <a:t>Mỗi mặt người có khoảng 80 điểm nút</a:t>
             </a:r>
+            <a:endParaRPr lang="en-US" sz="2400" dirty="0">
+              <a:ea typeface="SF Pro Semibold" pitchFamily="2" charset="0"/>
+              <a:cs typeface="Arial" panose="020B0604020202020204" pitchFamily="34" charset="0"/>
+            </a:endParaRPr>
           </a:p>
           <a:p>
             <a:pPr marL="457200" indent="-457200">
@@ -11198,18 +11491,16 @@
               </a:rPr>
               <a:t>Độ sâu của hốc mắt</a:t>
             </a:r>
-          </a:p>
-        </p:txBody>
-      </p:sp>
-      <p:sp>
-        <p:nvSpPr>
-          <p:cNvPr id="8" name="Oval 7">
-            <a:extLst>
-              <a:ext uri="{FF2B5EF4-FFF2-40B4-BE49-F238E27FC236}">
-                <a16:creationId xmlns:a16="http://schemas.microsoft.com/office/drawing/2014/main" id="{DE1AABEE-11C8-0841-9411-AAB0ECFC483B}"/>
-              </a:ext>
-            </a:extLst>
-          </p:cNvPr>
+            <a:endParaRPr lang="en-US" sz="2400" dirty="0">
+              <a:ea typeface="SF Pro Semibold" pitchFamily="2" charset="0"/>
+              <a:cs typeface="Arial" panose="020B0604020202020204" pitchFamily="34" charset="0"/>
+            </a:endParaRPr>
+          </a:p>
+        </p:txBody>
+      </p:sp>
+      <p:sp>
+        <p:nvSpPr>
+          <p:cNvPr id="8" name="Oval 7"/>
           <p:cNvSpPr>
             <a:spLocks noChangeAspect="1"/>
           </p:cNvSpPr>
@@ -11261,6 +11552,11 @@
               </a:rPr>
               <a:t>5</a:t>
             </a:r>
+            <a:endParaRPr lang="en-US">
+              <a:solidFill>
+                <a:srgbClr val="FF0000"/>
+              </a:solidFill>
+            </a:endParaRPr>
           </a:p>
         </p:txBody>
       </p:sp>
@@ -11369,6 +11665,12 @@
               </a:rPr>
               <a:t>2.HOẠT ĐỘNG </a:t>
             </a:r>
+            <a:endParaRPr lang="en-US" sz="3200" b="1">
+              <a:solidFill>
+                <a:schemeClr val="bg1"/>
+              </a:solidFill>
+              <a:latin typeface="+mj-lt"/>
+            </a:endParaRPr>
           </a:p>
         </p:txBody>
       </p:sp>
@@ -11405,7 +11707,7 @@
           <p:nvPr/>
         </p:nvPicPr>
         <p:blipFill>
-          <a:blip r:embed="rId2"/>
+          <a:blip r:embed="rId1"/>
           <a:stretch>
             <a:fillRect/>
           </a:stretch>
@@ -11459,6 +11761,13 @@
               </a:rPr>
               <a:t>2.1.Truyền thống </a:t>
             </a:r>
+            <a:endParaRPr lang="en-US" sz="2800" dirty="0">
+              <a:solidFill>
+                <a:srgbClr val="FF0000"/>
+              </a:solidFill>
+              <a:ea typeface="SF Pro Semibold" pitchFamily="2" charset="0"/>
+              <a:cs typeface="Arial" panose="020B0604020202020204" pitchFamily="34" charset="0"/>
+            </a:endParaRPr>
           </a:p>
           <a:p>
             <a:pPr marL="0" indent="0">
@@ -11484,6 +11793,30 @@
           <p:nvPr/>
         </p:nvPicPr>
         <p:blipFill>
+          <a:blip r:embed="rId2"/>
+          <a:stretch>
+            <a:fillRect/>
+          </a:stretch>
+        </p:blipFill>
+        <p:spPr>
+          <a:xfrm>
+            <a:off x="536575" y="1845945"/>
+            <a:ext cx="4953000" cy="2781300"/>
+          </a:xfrm>
+          <a:prstGeom prst="rect">
+            <a:avLst/>
+          </a:prstGeom>
+        </p:spPr>
+      </p:pic>
+      <p:pic>
+        <p:nvPicPr>
+          <p:cNvPr id="3" name="Picture 2" descr="he-thong-camera-nhan-dien-khuon-mat-hoat-dong-nhu-the-nao"/>
+          <p:cNvPicPr>
+            <a:picLocks noChangeAspect="1"/>
+          </p:cNvPicPr>
+          <p:nvPr/>
+        </p:nvPicPr>
+        <p:blipFill>
           <a:blip r:embed="rId3"/>
           <a:stretch>
             <a:fillRect/>
@@ -11491,8 +11824,8 @@
         </p:blipFill>
         <p:spPr>
           <a:xfrm>
-            <a:off x="536575" y="1845945"/>
-            <a:ext cx="4953000" cy="2781300"/>
+            <a:off x="536575" y="4627245"/>
+            <a:ext cx="4953000" cy="2174875"/>
           </a:xfrm>
           <a:prstGeom prst="rect">
             <a:avLst/>
@@ -11501,7 +11834,7 @@
       </p:pic>
       <p:pic>
         <p:nvPicPr>
-          <p:cNvPr id="3" name="Picture 2" descr="he-thong-camera-nhan-dien-khuon-mat-hoat-dong-nhu-the-nao"/>
+          <p:cNvPr id="4" name="Picture 3" descr="facial-recognition-768x512-1"/>
           <p:cNvPicPr>
             <a:picLocks noChangeAspect="1"/>
           </p:cNvPicPr>
@@ -11515,47 +11848,17 @@
         </p:blipFill>
         <p:spPr>
           <a:xfrm>
-            <a:off x="536575" y="4627245"/>
-            <a:ext cx="4953000" cy="2174875"/>
+            <a:off x="5514340" y="1846580"/>
+            <a:ext cx="3629660" cy="4486275"/>
           </a:xfrm>
           <a:prstGeom prst="rect">
             <a:avLst/>
           </a:prstGeom>
         </p:spPr>
       </p:pic>
-      <p:pic>
-        <p:nvPicPr>
-          <p:cNvPr id="4" name="Picture 3" descr="facial-recognition-768x512-1"/>
-          <p:cNvPicPr>
-            <a:picLocks noChangeAspect="1"/>
-          </p:cNvPicPr>
-          <p:nvPr/>
-        </p:nvPicPr>
-        <p:blipFill>
-          <a:blip r:embed="rId5"/>
-          <a:stretch>
-            <a:fillRect/>
-          </a:stretch>
-        </p:blipFill>
-        <p:spPr>
-          <a:xfrm>
-            <a:off x="5514340" y="1846580"/>
-            <a:ext cx="3629660" cy="4486275"/>
-          </a:xfrm>
-          <a:prstGeom prst="rect">
-            <a:avLst/>
-          </a:prstGeom>
-        </p:spPr>
-      </p:pic>
-      <p:sp>
-        <p:nvSpPr>
-          <p:cNvPr id="11" name="Oval 10">
-            <a:extLst>
-              <a:ext uri="{FF2B5EF4-FFF2-40B4-BE49-F238E27FC236}">
-                <a16:creationId xmlns:a16="http://schemas.microsoft.com/office/drawing/2014/main" id="{5972A058-5F36-A84D-B983-ABEE821A505B}"/>
-              </a:ext>
-            </a:extLst>
-          </p:cNvPr>
+      <p:sp>
+        <p:nvSpPr>
+          <p:cNvPr id="11" name="Oval 10"/>
           <p:cNvSpPr>
             <a:spLocks noChangeAspect="1"/>
           </p:cNvSpPr>
@@ -11607,6 +11910,11 @@
               </a:rPr>
               <a:t>6</a:t>
             </a:r>
+            <a:endParaRPr lang="en-US">
+              <a:solidFill>
+                <a:srgbClr val="FF0000"/>
+              </a:solidFill>
+            </a:endParaRPr>
           </a:p>
         </p:txBody>
       </p:sp>
@@ -11715,6 +12023,12 @@
               </a:rPr>
               <a:t>2.HOẠT ĐỘNG </a:t>
             </a:r>
+            <a:endParaRPr lang="en-US" sz="3200" b="1">
+              <a:solidFill>
+                <a:schemeClr val="bg1"/>
+              </a:solidFill>
+              <a:latin typeface="+mj-lt"/>
+            </a:endParaRPr>
           </a:p>
         </p:txBody>
       </p:sp>
@@ -11751,7 +12065,7 @@
           <p:nvPr/>
         </p:nvPicPr>
         <p:blipFill>
-          <a:blip r:embed="rId2"/>
+          <a:blip r:embed="rId1"/>
           <a:stretch>
             <a:fillRect/>
           </a:stretch>
@@ -11805,6 +12119,13 @@
               </a:rPr>
               <a:t>2.2.Nâng cao dạng 3D</a:t>
             </a:r>
+            <a:endParaRPr lang="en-US" sz="2400" dirty="0">
+              <a:solidFill>
+                <a:srgbClr val="FF0000"/>
+              </a:solidFill>
+              <a:ea typeface="SF Pro Semibold" pitchFamily="2" charset="0"/>
+              <a:cs typeface="Arial" panose="020B0604020202020204" pitchFamily="34" charset="0"/>
+            </a:endParaRPr>
           </a:p>
           <a:p>
             <a:pPr marL="457200" indent="-457200">
@@ -11821,6 +12142,10 @@
               </a:rPr>
               <a:t> Kỹ thuật này sử dụng các cảm biến 3D để nắm bắt thông tin về hình dạng của khuôn mặt.</a:t>
             </a:r>
+            <a:endParaRPr lang="en-US" sz="2400" dirty="0">
+              <a:ea typeface="SF Pro Semibold" pitchFamily="2" charset="0"/>
+              <a:cs typeface="Arial" panose="020B0604020202020204" pitchFamily="34" charset="0"/>
+            </a:endParaRPr>
           </a:p>
           <a:p>
             <a:pPr marL="457200" indent="-457200">
@@ -11837,6 +12162,10 @@
               </a:rPr>
               <a:t>Thông tin này được sử dụng xác định một khuôn mặt như các đường viền của hốc mắt, mũi và cằm.</a:t>
             </a:r>
+            <a:endParaRPr lang="en-US" sz="2400" dirty="0">
+              <a:ea typeface="SF Pro Semibold" pitchFamily="2" charset="0"/>
+              <a:cs typeface="Arial" panose="020B0604020202020204" pitchFamily="34" charset="0"/>
+            </a:endParaRPr>
           </a:p>
           <a:p>
             <a:pPr marL="457200" indent="-457200">
@@ -11853,6 +12182,10 @@
               </a:rPr>
               <a:t>Nhận dạng khuôn mặt 3D là nó không bị ảnh hưởng bởi những thay đổi trong ánh sáng.</a:t>
             </a:r>
+            <a:endParaRPr lang="en-US" sz="2400" dirty="0">
+              <a:ea typeface="SF Pro Semibold" pitchFamily="2" charset="0"/>
+              <a:cs typeface="Arial" panose="020B0604020202020204" pitchFamily="34" charset="0"/>
+            </a:endParaRPr>
           </a:p>
           <a:p>
             <a:pPr marL="457200" indent="-457200">
@@ -11871,13 +12204,7 @@
       </p:sp>
       <p:sp>
         <p:nvSpPr>
-          <p:cNvPr id="8" name="Oval 7">
-            <a:extLst>
-              <a:ext uri="{FF2B5EF4-FFF2-40B4-BE49-F238E27FC236}">
-                <a16:creationId xmlns:a16="http://schemas.microsoft.com/office/drawing/2014/main" id="{22AB8B8B-D5C5-7042-A93A-D59B6543D28B}"/>
-              </a:ext>
-            </a:extLst>
-          </p:cNvPr>
+          <p:cNvPr id="8" name="Oval 7"/>
           <p:cNvSpPr>
             <a:spLocks noChangeAspect="1"/>
           </p:cNvSpPr>
@@ -11929,6 +12256,11 @@
               </a:rPr>
               <a:t>7</a:t>
             </a:r>
+            <a:endParaRPr lang="en-US">
+              <a:solidFill>
+                <a:srgbClr val="FF0000"/>
+              </a:solidFill>
+            </a:endParaRPr>
           </a:p>
         </p:txBody>
       </p:sp>
@@ -12037,6 +12369,12 @@
               </a:rPr>
               <a:t>2.HOẠT ĐỘNG </a:t>
             </a:r>
+            <a:endParaRPr lang="en-US" sz="3200" b="1">
+              <a:solidFill>
+                <a:schemeClr val="bg1"/>
+              </a:solidFill>
+              <a:latin typeface="+mj-lt"/>
+            </a:endParaRPr>
           </a:p>
         </p:txBody>
       </p:sp>
@@ -12073,7 +12411,7 @@
           <p:nvPr/>
         </p:nvPicPr>
         <p:blipFill>
-          <a:blip r:embed="rId2"/>
+          <a:blip r:embed="rId1"/>
           <a:stretch>
             <a:fillRect/>
           </a:stretch>
@@ -12127,6 +12465,13 @@
               </a:rPr>
               <a:t>2.2.Nâng cao dạng 3D</a:t>
             </a:r>
+            <a:endParaRPr lang="en-US" sz="2400" dirty="0">
+              <a:solidFill>
+                <a:srgbClr val="FF0000"/>
+              </a:solidFill>
+              <a:ea typeface="SF Pro Semibold" pitchFamily="2" charset="0"/>
+              <a:cs typeface="Arial" panose="020B0604020202020204" pitchFamily="34" charset="0"/>
+            </a:endParaRPr>
           </a:p>
           <a:p>
             <a:pPr marL="0" indent="0">
@@ -12165,7 +12510,7 @@
           <p:nvPr/>
         </p:nvPicPr>
         <p:blipFill>
-          <a:blip r:embed="rId3"/>
+          <a:blip r:embed="rId2"/>
           <a:stretch>
             <a:fillRect/>
           </a:stretch>
@@ -12189,7 +12534,7 @@
           <p:nvPr/>
         </p:nvPicPr>
         <p:blipFill>
-          <a:blip r:embed="rId4"/>
+          <a:blip r:embed="rId3"/>
           <a:stretch>
             <a:fillRect/>
           </a:stretch>
@@ -12206,13 +12551,7 @@
       </p:pic>
       <p:sp>
         <p:nvSpPr>
-          <p:cNvPr id="11" name="Oval 10">
-            <a:extLst>
-              <a:ext uri="{FF2B5EF4-FFF2-40B4-BE49-F238E27FC236}">
-                <a16:creationId xmlns:a16="http://schemas.microsoft.com/office/drawing/2014/main" id="{B81CFF56-2F05-7942-B8F9-F73066776F7B}"/>
-              </a:ext>
-            </a:extLst>
-          </p:cNvPr>
+          <p:cNvPr id="11" name="Oval 10"/>
           <p:cNvSpPr>
             <a:spLocks noChangeAspect="1"/>
           </p:cNvSpPr>
@@ -12264,6 +12603,11 @@
               </a:rPr>
               <a:t>8</a:t>
             </a:r>
+            <a:endParaRPr lang="en-US">
+              <a:solidFill>
+                <a:srgbClr val="FF0000"/>
+              </a:solidFill>
+            </a:endParaRPr>
           </a:p>
         </p:txBody>
       </p:sp>
@@ -12372,6 +12716,12 @@
               </a:rPr>
               <a:t>2.HOẠT ĐỘNG </a:t>
             </a:r>
+            <a:endParaRPr lang="en-US" sz="3200" b="1">
+              <a:solidFill>
+                <a:schemeClr val="bg1"/>
+              </a:solidFill>
+              <a:latin typeface="+mj-lt"/>
+            </a:endParaRPr>
           </a:p>
         </p:txBody>
       </p:sp>
@@ -12408,7 +12758,7 @@
           <p:nvPr/>
         </p:nvPicPr>
         <p:blipFill>
-          <a:blip r:embed="rId2"/>
+          <a:blip r:embed="rId1"/>
           <a:stretch>
             <a:fillRect/>
           </a:stretch>
@@ -12462,6 +12812,13 @@
               </a:rPr>
               <a:t>2.3.Phân tích kết cấu da</a:t>
             </a:r>
+            <a:endParaRPr lang="en-US" sz="2400" dirty="0">
+              <a:solidFill>
+                <a:srgbClr val="FF0000"/>
+              </a:solidFill>
+              <a:ea typeface="SF Pro Semibold" pitchFamily="2" charset="0"/>
+              <a:cs typeface="Arial" panose="020B0604020202020204" pitchFamily="34" charset="0"/>
+            </a:endParaRPr>
           </a:p>
           <a:p>
             <a:pPr marL="457200" indent="-457200">
@@ -12478,6 +12835,10 @@
               </a:rPr>
               <a:t> sử dụng các chi tiết hình ảnh của da, được chụp trong các hình ảnh kỹ thuật số hoặc máy scan tiêu chuẩn.</a:t>
             </a:r>
+            <a:endParaRPr lang="en-US" sz="2400" dirty="0">
+              <a:ea typeface="SF Pro Semibold" pitchFamily="2" charset="0"/>
+              <a:cs typeface="Arial" panose="020B0604020202020204" pitchFamily="34" charset="0"/>
+            </a:endParaRPr>
           </a:p>
           <a:p>
             <a:pPr marL="457200" indent="-457200">
@@ -12494,6 +12855,10 @@
               </a:rPr>
               <a:t>phân tích kết cấu da, các đường đặc trưng, hình dạng và điểm nốt trên da.</a:t>
             </a:r>
+            <a:endParaRPr lang="en-US" sz="2400" dirty="0">
+              <a:ea typeface="SF Pro Semibold" pitchFamily="2" charset="0"/>
+              <a:cs typeface="Arial" panose="020B0604020202020204" pitchFamily="34" charset="0"/>
+            </a:endParaRPr>
           </a:p>
           <a:p>
             <a:pPr marL="457200" indent="-457200">
@@ -12510,6 +12875,10 @@
               </a:rPr>
               <a:t>Đưa vào không gian toán học.</a:t>
             </a:r>
+            <a:endParaRPr lang="en-US" sz="2400" dirty="0">
+              <a:ea typeface="SF Pro Semibold" pitchFamily="2" charset="0"/>
+              <a:cs typeface="Arial" panose="020B0604020202020204" pitchFamily="34" charset="0"/>
+            </a:endParaRPr>
           </a:p>
           <a:p>
             <a:pPr marL="457200" indent="-457200">
@@ -12567,13 +12936,7 @@
       </p:sp>
       <p:sp>
         <p:nvSpPr>
-          <p:cNvPr id="11" name="Oval 10">
-            <a:extLst>
-              <a:ext uri="{FF2B5EF4-FFF2-40B4-BE49-F238E27FC236}">
-                <a16:creationId xmlns:a16="http://schemas.microsoft.com/office/drawing/2014/main" id="{ADC592BA-3834-0E40-9C2F-BD2AA3878039}"/>
-              </a:ext>
-            </a:extLst>
-          </p:cNvPr>
+          <p:cNvPr id="11" name="Oval 10"/>
           <p:cNvSpPr>
             <a:spLocks noChangeAspect="1"/>
           </p:cNvSpPr>
@@ -12625,6 +12988,11 @@
               </a:rPr>
               <a:t>9</a:t>
             </a:r>
+            <a:endParaRPr lang="en-US">
+              <a:solidFill>
+                <a:srgbClr val="FF0000"/>
+              </a:solidFill>
+            </a:endParaRPr>
           </a:p>
         </p:txBody>
       </p:sp>
@@ -12859,7 +13227,6 @@
       </a:bgFillStyleLst>
     </a:fmtScheme>
   </a:themeElements>
-  <a:objectDefaults/>
   <a:extraClrSchemeLst>
     <a:extraClrScheme>
       <a:clrScheme name="cdb2004158l 1">

--- a/BÀI THUYẾT TRÌNH MẪU.pptx
+++ b/BÀI THUYẾT TRÌNH MẪU.pptx
@@ -5,23 +5,23 @@
     <p:sldMasterId id="2147483648" r:id="rId1"/>
   </p:sldMasterIdLst>
   <p:sldIdLst>
-    <p:sldId id="256" r:id="rId3"/>
-    <p:sldId id="257" r:id="rId4"/>
-    <p:sldId id="261" r:id="rId5"/>
-    <p:sldId id="271" r:id="rId6"/>
-    <p:sldId id="281" r:id="rId7"/>
-    <p:sldId id="286" r:id="rId8"/>
-    <p:sldId id="282" r:id="rId9"/>
-    <p:sldId id="285" r:id="rId10"/>
-    <p:sldId id="283" r:id="rId11"/>
-    <p:sldId id="263" r:id="rId12"/>
-    <p:sldId id="259" r:id="rId13"/>
-    <p:sldId id="258" r:id="rId14"/>
-    <p:sldId id="264" r:id="rId15"/>
-    <p:sldId id="260" r:id="rId16"/>
-    <p:sldId id="265" r:id="rId17"/>
-    <p:sldId id="266" r:id="rId18"/>
-    <p:sldId id="262" r:id="rId19"/>
+    <p:sldId id="256" r:id="rId2"/>
+    <p:sldId id="257" r:id="rId3"/>
+    <p:sldId id="261" r:id="rId4"/>
+    <p:sldId id="271" r:id="rId5"/>
+    <p:sldId id="281" r:id="rId6"/>
+    <p:sldId id="286" r:id="rId7"/>
+    <p:sldId id="282" r:id="rId8"/>
+    <p:sldId id="285" r:id="rId9"/>
+    <p:sldId id="283" r:id="rId10"/>
+    <p:sldId id="263" r:id="rId11"/>
+    <p:sldId id="259" r:id="rId12"/>
+    <p:sldId id="258" r:id="rId13"/>
+    <p:sldId id="264" r:id="rId14"/>
+    <p:sldId id="260" r:id="rId15"/>
+    <p:sldId id="265" r:id="rId16"/>
+    <p:sldId id="266" r:id="rId17"/>
+    <p:sldId id="262" r:id="rId18"/>
   </p:sldIdLst>
   <p:sldSz cx="9144000" cy="6858000" type="screen4x3"/>
   <p:notesSz cx="6858000" cy="9144000"/>
@@ -150,11 +150,16 @@
       </a:defRPr>
     </a:lvl9pPr>
   </p:defaultTextStyle>
+  <p:extLst>
+    <p:ext uri="{EFAFB233-063F-42B5-8137-9DF3F51BA10A}">
+      <p15:sldGuideLst xmlns:p15="http://schemas.microsoft.com/office/powerpoint/2012/main"/>
+    </p:ext>
+  </p:extLst>
 </p:presentation>
 </file>
 
 <file path=ppt/slideLayouts/slideLayout1.xml><?xml version="1.0" encoding="utf-8"?>
-<p:sldLayout xmlns:a="http://schemas.openxmlformats.org/drawingml/2006/main" xmlns:r="http://schemas.openxmlformats.org/officeDocument/2006/relationships" xmlns:p="http://schemas.openxmlformats.org/presentationml/2006/main" type="title" preserve="1" showMasterSp="0">
+<p:sldLayout xmlns:a="http://schemas.openxmlformats.org/drawingml/2006/main" xmlns:r="http://schemas.openxmlformats.org/officeDocument/2006/relationships" xmlns:p="http://schemas.openxmlformats.org/presentationml/2006/main" showMasterSp="0" type="title" preserve="1">
   <p:cSld name="Title Slide">
     <p:spTree>
       <p:nvGrpSpPr>
@@ -592,6 +597,7 @@
                   <a:schemeClr val="bg1"/>
                 </a:solidFill>
               </a:rPr>
+              <a:t>‹#›</a:t>
             </a:fld>
             <a:endParaRPr lang="en-US" altLang="en-US" sz="1200">
               <a:solidFill>
@@ -648,7 +654,6 @@
               <a:rPr lang="en-US"/>
               <a:t>Click to edit Master title style</a:t>
             </a:r>
-            <a:endParaRPr lang="en-US"/>
           </a:p>
         </p:txBody>
       </p:sp>
@@ -672,7 +677,6 @@
               <a:rPr lang="en-US"/>
               <a:t>Click to edit Master text styles</a:t>
             </a:r>
-            <a:endParaRPr lang="en-US"/>
           </a:p>
           <a:p>
             <a:pPr lvl="1"/>
@@ -680,7 +684,6 @@
               <a:rPr lang="en-US"/>
               <a:t>Second level</a:t>
             </a:r>
-            <a:endParaRPr lang="en-US"/>
           </a:p>
           <a:p>
             <a:pPr lvl="2"/>
@@ -688,7 +691,6 @@
               <a:rPr lang="en-US"/>
               <a:t>Third level</a:t>
             </a:r>
-            <a:endParaRPr lang="en-US"/>
           </a:p>
           <a:p>
             <a:pPr lvl="3"/>
@@ -696,7 +698,6 @@
               <a:rPr lang="en-US"/>
               <a:t>Fourth level</a:t>
             </a:r>
-            <a:endParaRPr lang="en-US"/>
           </a:p>
           <a:p>
             <a:pPr lvl="4"/>
@@ -704,7 +705,6 @@
               <a:rPr lang="en-US"/>
               <a:t>Fifth level</a:t>
             </a:r>
-            <a:endParaRPr lang="en-US"/>
           </a:p>
         </p:txBody>
       </p:sp>
@@ -729,6 +729,7 @@
           <a:p>
             <a:fld id="{6BDEAFE6-325E-AA48-AC90-E1B1FC9AAA75}" type="datetimeFigureOut">
               <a:rPr lang="en-US"/>
+              <a:t>10/22/23</a:t>
             </a:fld>
             <a:endParaRPr lang="en-US"/>
           </a:p>
@@ -778,6 +779,7 @@
           <a:p>
             <a:fld id="{C9142EC5-85AF-4745-AACF-2F37CD50FCA3}" type="slidenum">
               <a:rPr/>
+              <a:t>‹#›</a:t>
             </a:fld>
             <a:endParaRPr lang="en-US"/>
           </a:p>
@@ -835,7 +837,6 @@
               <a:rPr lang="en-US"/>
               <a:t>Click to edit Master title style</a:t>
             </a:r>
-            <a:endParaRPr lang="en-US"/>
           </a:p>
         </p:txBody>
       </p:sp>
@@ -864,7 +865,6 @@
               <a:rPr lang="en-US"/>
               <a:t>Click to edit Master text styles</a:t>
             </a:r>
-            <a:endParaRPr lang="en-US"/>
           </a:p>
           <a:p>
             <a:pPr lvl="1"/>
@@ -872,7 +872,6 @@
               <a:rPr lang="en-US"/>
               <a:t>Second level</a:t>
             </a:r>
-            <a:endParaRPr lang="en-US"/>
           </a:p>
           <a:p>
             <a:pPr lvl="2"/>
@@ -880,7 +879,6 @@
               <a:rPr lang="en-US"/>
               <a:t>Third level</a:t>
             </a:r>
-            <a:endParaRPr lang="en-US"/>
           </a:p>
           <a:p>
             <a:pPr lvl="3"/>
@@ -888,7 +886,6 @@
               <a:rPr lang="en-US"/>
               <a:t>Fourth level</a:t>
             </a:r>
-            <a:endParaRPr lang="en-US"/>
           </a:p>
           <a:p>
             <a:pPr lvl="4"/>
@@ -896,7 +893,6 @@
               <a:rPr lang="en-US"/>
               <a:t>Fifth level</a:t>
             </a:r>
-            <a:endParaRPr lang="en-US"/>
           </a:p>
         </p:txBody>
       </p:sp>
@@ -921,6 +917,7 @@
           <a:p>
             <a:fld id="{6BDEAFE6-325E-AA48-AC90-E1B1FC9AAA75}" type="datetimeFigureOut">
               <a:rPr lang="en-US"/>
+              <a:t>10/22/23</a:t>
             </a:fld>
             <a:endParaRPr lang="en-US"/>
           </a:p>
@@ -970,6 +967,7 @@
           <a:p>
             <a:fld id="{C9142EC5-85AF-4745-AACF-2F37CD50FCA3}" type="slidenum">
               <a:rPr/>
+              <a:t>‹#›</a:t>
             </a:fld>
             <a:endParaRPr lang="en-US"/>
           </a:p>
@@ -1102,6 +1100,7 @@
           <a:p>
             <a:fld id="{6BDEAFE6-325E-AA48-AC90-E1B1FC9AAA75}" type="datetimeFigureOut">
               <a:rPr lang="en-US"/>
+              <a:t>10/22/23</a:t>
             </a:fld>
             <a:endParaRPr lang="en-US"/>
           </a:p>
@@ -1151,6 +1150,7 @@
           <a:p>
             <a:fld id="{C9142EC5-85AF-4745-AACF-2F37CD50FCA3}" type="slidenum">
               <a:rPr/>
+              <a:t>‹#›</a:t>
             </a:fld>
             <a:endParaRPr lang="en-US"/>
           </a:p>
@@ -1203,7 +1203,6 @@
               <a:rPr lang="en-US"/>
               <a:t>Click to edit Master title style</a:t>
             </a:r>
-            <a:endParaRPr lang="en-US"/>
           </a:p>
         </p:txBody>
       </p:sp>
@@ -1227,7 +1226,6 @@
               <a:rPr lang="en-US" dirty="0"/>
               <a:t>Click to edit Master text styles</a:t>
             </a:r>
-            <a:endParaRPr lang="en-US" dirty="0"/>
           </a:p>
           <a:p>
             <a:pPr lvl="1"/>
@@ -1235,7 +1233,6 @@
               <a:rPr lang="en-US" dirty="0"/>
               <a:t>Second level</a:t>
             </a:r>
-            <a:endParaRPr lang="en-US" dirty="0"/>
           </a:p>
           <a:p>
             <a:pPr lvl="2"/>
@@ -1243,7 +1240,6 @@
               <a:rPr lang="en-US" dirty="0"/>
               <a:t>Third level</a:t>
             </a:r>
-            <a:endParaRPr lang="en-US" dirty="0"/>
           </a:p>
           <a:p>
             <a:pPr lvl="3"/>
@@ -1251,7 +1247,6 @@
               <a:rPr lang="en-US" dirty="0"/>
               <a:t>Fourth level</a:t>
             </a:r>
-            <a:endParaRPr lang="en-US" dirty="0"/>
           </a:p>
           <a:p>
             <a:pPr lvl="4"/>
@@ -1259,7 +1254,6 @@
               <a:rPr lang="en-US" dirty="0"/>
               <a:t>Fifth level</a:t>
             </a:r>
-            <a:endParaRPr lang="en-US" dirty="0"/>
           </a:p>
         </p:txBody>
       </p:sp>
@@ -1284,6 +1278,7 @@
           <a:p>
             <a:fld id="{6BDEAFE6-325E-AA48-AC90-E1B1FC9AAA75}" type="datetimeFigureOut">
               <a:rPr lang="en-US"/>
+              <a:t>10/22/23</a:t>
             </a:fld>
             <a:endParaRPr lang="en-US"/>
           </a:p>
@@ -1333,6 +1328,7 @@
           <a:p>
             <a:fld id="{C9142EC5-85AF-4745-AACF-2F37CD50FCA3}" type="slidenum">
               <a:rPr/>
+              <a:t>‹#›</a:t>
             </a:fld>
             <a:endParaRPr lang="en-US"/>
           </a:p>
@@ -1394,7 +1390,6 @@
               <a:rPr lang="en-US"/>
               <a:t>Click to edit Master title style</a:t>
             </a:r>
-            <a:endParaRPr lang="en-US"/>
           </a:p>
         </p:txBody>
       </p:sp>
@@ -1460,7 +1455,6 @@
               <a:rPr lang="en-US"/>
               <a:t>Click to edit Master text styles</a:t>
             </a:r>
-            <a:endParaRPr lang="en-US"/>
           </a:p>
         </p:txBody>
       </p:sp>
@@ -1485,6 +1479,7 @@
           <a:p>
             <a:fld id="{6BDEAFE6-325E-AA48-AC90-E1B1FC9AAA75}" type="datetimeFigureOut">
               <a:rPr lang="en-US"/>
+              <a:t>10/22/23</a:t>
             </a:fld>
             <a:endParaRPr lang="en-US"/>
           </a:p>
@@ -1534,6 +1529,7 @@
           <a:p>
             <a:fld id="{C9142EC5-85AF-4745-AACF-2F37CD50FCA3}" type="slidenum">
               <a:rPr/>
+              <a:t>‹#›</a:t>
             </a:fld>
             <a:endParaRPr lang="en-US"/>
           </a:p>
@@ -1586,7 +1582,6 @@
               <a:rPr lang="en-US"/>
               <a:t>Click to edit Master title style</a:t>
             </a:r>
-            <a:endParaRPr lang="en-US"/>
           </a:p>
         </p:txBody>
       </p:sp>
@@ -1643,7 +1638,6 @@
               <a:rPr lang="en-US"/>
               <a:t>Click to edit Master text styles</a:t>
             </a:r>
-            <a:endParaRPr lang="en-US"/>
           </a:p>
           <a:p>
             <a:pPr lvl="1"/>
@@ -1651,7 +1645,6 @@
               <a:rPr lang="en-US"/>
               <a:t>Second level</a:t>
             </a:r>
-            <a:endParaRPr lang="en-US"/>
           </a:p>
           <a:p>
             <a:pPr lvl="2"/>
@@ -1659,7 +1652,6 @@
               <a:rPr lang="en-US"/>
               <a:t>Third level</a:t>
             </a:r>
-            <a:endParaRPr lang="en-US"/>
           </a:p>
           <a:p>
             <a:pPr lvl="3"/>
@@ -1667,7 +1659,6 @@
               <a:rPr lang="en-US"/>
               <a:t>Fourth level</a:t>
             </a:r>
-            <a:endParaRPr lang="en-US"/>
           </a:p>
           <a:p>
             <a:pPr lvl="4"/>
@@ -1675,7 +1666,6 @@
               <a:rPr lang="en-US"/>
               <a:t>Fifth level</a:t>
             </a:r>
-            <a:endParaRPr lang="en-US"/>
           </a:p>
         </p:txBody>
       </p:sp>
@@ -1732,7 +1722,6 @@
               <a:rPr lang="en-US"/>
               <a:t>Click to edit Master text styles</a:t>
             </a:r>
-            <a:endParaRPr lang="en-US"/>
           </a:p>
           <a:p>
             <a:pPr lvl="1"/>
@@ -1740,7 +1729,6 @@
               <a:rPr lang="en-US"/>
               <a:t>Second level</a:t>
             </a:r>
-            <a:endParaRPr lang="en-US"/>
           </a:p>
           <a:p>
             <a:pPr lvl="2"/>
@@ -1748,7 +1736,6 @@
               <a:rPr lang="en-US"/>
               <a:t>Third level</a:t>
             </a:r>
-            <a:endParaRPr lang="en-US"/>
           </a:p>
           <a:p>
             <a:pPr lvl="3"/>
@@ -1756,7 +1743,6 @@
               <a:rPr lang="en-US"/>
               <a:t>Fourth level</a:t>
             </a:r>
-            <a:endParaRPr lang="en-US"/>
           </a:p>
           <a:p>
             <a:pPr lvl="4"/>
@@ -1764,7 +1750,6 @@
               <a:rPr lang="en-US"/>
               <a:t>Fifth level</a:t>
             </a:r>
-            <a:endParaRPr lang="en-US"/>
           </a:p>
         </p:txBody>
       </p:sp>
@@ -1789,6 +1774,7 @@
           <a:p>
             <a:fld id="{6BDEAFE6-325E-AA48-AC90-E1B1FC9AAA75}" type="datetimeFigureOut">
               <a:rPr lang="en-US"/>
+              <a:t>10/22/23</a:t>
             </a:fld>
             <a:endParaRPr lang="en-US"/>
           </a:p>
@@ -1838,6 +1824,7 @@
           <a:p>
             <a:fld id="{C9142EC5-85AF-4745-AACF-2F37CD50FCA3}" type="slidenum">
               <a:rPr/>
+              <a:t>‹#›</a:t>
             </a:fld>
             <a:endParaRPr lang="en-US"/>
           </a:p>
@@ -1899,7 +1886,6 @@
               <a:rPr lang="en-US"/>
               <a:t>Click to edit Master title style</a:t>
             </a:r>
-            <a:endParaRPr lang="en-US"/>
           </a:p>
         </p:txBody>
       </p:sp>
@@ -1965,7 +1951,6 @@
               <a:rPr lang="en-US"/>
               <a:t>Click to edit Master text styles</a:t>
             </a:r>
-            <a:endParaRPr lang="en-US"/>
           </a:p>
         </p:txBody>
       </p:sp>
@@ -2022,7 +2007,6 @@
               <a:rPr lang="en-US"/>
               <a:t>Click to edit Master text styles</a:t>
             </a:r>
-            <a:endParaRPr lang="en-US"/>
           </a:p>
           <a:p>
             <a:pPr lvl="1"/>
@@ -2030,7 +2014,6 @@
               <a:rPr lang="en-US"/>
               <a:t>Second level</a:t>
             </a:r>
-            <a:endParaRPr lang="en-US"/>
           </a:p>
           <a:p>
             <a:pPr lvl="2"/>
@@ -2038,7 +2021,6 @@
               <a:rPr lang="en-US"/>
               <a:t>Third level</a:t>
             </a:r>
-            <a:endParaRPr lang="en-US"/>
           </a:p>
           <a:p>
             <a:pPr lvl="3"/>
@@ -2046,7 +2028,6 @@
               <a:rPr lang="en-US"/>
               <a:t>Fourth level</a:t>
             </a:r>
-            <a:endParaRPr lang="en-US"/>
           </a:p>
           <a:p>
             <a:pPr lvl="4"/>
@@ -2054,7 +2035,6 @@
               <a:rPr lang="en-US"/>
               <a:t>Fifth level</a:t>
             </a:r>
-            <a:endParaRPr lang="en-US"/>
           </a:p>
         </p:txBody>
       </p:sp>
@@ -2120,7 +2100,6 @@
               <a:rPr lang="en-US"/>
               <a:t>Click to edit Master text styles</a:t>
             </a:r>
-            <a:endParaRPr lang="en-US"/>
           </a:p>
         </p:txBody>
       </p:sp>
@@ -2177,7 +2156,6 @@
               <a:rPr lang="en-US"/>
               <a:t>Click to edit Master text styles</a:t>
             </a:r>
-            <a:endParaRPr lang="en-US"/>
           </a:p>
           <a:p>
             <a:pPr lvl="1"/>
@@ -2185,7 +2163,6 @@
               <a:rPr lang="en-US"/>
               <a:t>Second level</a:t>
             </a:r>
-            <a:endParaRPr lang="en-US"/>
           </a:p>
           <a:p>
             <a:pPr lvl="2"/>
@@ -2193,7 +2170,6 @@
               <a:rPr lang="en-US"/>
               <a:t>Third level</a:t>
             </a:r>
-            <a:endParaRPr lang="en-US"/>
           </a:p>
           <a:p>
             <a:pPr lvl="3"/>
@@ -2201,7 +2177,6 @@
               <a:rPr lang="en-US"/>
               <a:t>Fourth level</a:t>
             </a:r>
-            <a:endParaRPr lang="en-US"/>
           </a:p>
           <a:p>
             <a:pPr lvl="4"/>
@@ -2209,7 +2184,6 @@
               <a:rPr lang="en-US"/>
               <a:t>Fifth level</a:t>
             </a:r>
-            <a:endParaRPr lang="en-US"/>
           </a:p>
         </p:txBody>
       </p:sp>
@@ -2234,6 +2208,7 @@
           <a:p>
             <a:fld id="{6BDEAFE6-325E-AA48-AC90-E1B1FC9AAA75}" type="datetimeFigureOut">
               <a:rPr lang="en-US"/>
+              <a:t>10/22/23</a:t>
             </a:fld>
             <a:endParaRPr lang="en-US"/>
           </a:p>
@@ -2283,6 +2258,7 @@
           <a:p>
             <a:fld id="{C9142EC5-85AF-4745-AACF-2F37CD50FCA3}" type="slidenum">
               <a:rPr/>
+              <a:t>‹#›</a:t>
             </a:fld>
             <a:endParaRPr lang="en-US"/>
           </a:p>
@@ -2335,7 +2311,6 @@
               <a:rPr lang="en-US"/>
               <a:t>Click to edit Master title style</a:t>
             </a:r>
-            <a:endParaRPr lang="en-US"/>
           </a:p>
         </p:txBody>
       </p:sp>
@@ -2360,6 +2335,7 @@
           <a:p>
             <a:fld id="{6BDEAFE6-325E-AA48-AC90-E1B1FC9AAA75}" type="datetimeFigureOut">
               <a:rPr lang="en-US"/>
+              <a:t>10/22/23</a:t>
             </a:fld>
             <a:endParaRPr lang="en-US"/>
           </a:p>
@@ -2409,6 +2385,7 @@
           <a:p>
             <a:fld id="{C9142EC5-85AF-4745-AACF-2F37CD50FCA3}" type="slidenum">
               <a:rPr/>
+              <a:t>‹#›</a:t>
             </a:fld>
             <a:endParaRPr lang="en-US"/>
           </a:p>
@@ -2463,6 +2440,7 @@
           <a:p>
             <a:fld id="{6BDEAFE6-325E-AA48-AC90-E1B1FC9AAA75}" type="datetimeFigureOut">
               <a:rPr lang="en-US"/>
+              <a:t>10/22/23</a:t>
             </a:fld>
             <a:endParaRPr lang="en-US"/>
           </a:p>
@@ -2512,6 +2490,7 @@
           <a:p>
             <a:fld id="{C9142EC5-85AF-4745-AACF-2F37CD50FCA3}" type="slidenum">
               <a:rPr/>
+              <a:t>‹#›</a:t>
             </a:fld>
             <a:endParaRPr lang="en-US"/>
           </a:p>
@@ -2573,7 +2552,6 @@
               <a:rPr lang="en-US"/>
               <a:t>Click to edit Master title style</a:t>
             </a:r>
-            <a:endParaRPr lang="en-US"/>
           </a:p>
         </p:txBody>
       </p:sp>
@@ -2630,7 +2608,6 @@
               <a:rPr lang="en-US"/>
               <a:t>Click to edit Master text styles</a:t>
             </a:r>
-            <a:endParaRPr lang="en-US"/>
           </a:p>
           <a:p>
             <a:pPr lvl="1"/>
@@ -2638,7 +2615,6 @@
               <a:rPr lang="en-US"/>
               <a:t>Second level</a:t>
             </a:r>
-            <a:endParaRPr lang="en-US"/>
           </a:p>
           <a:p>
             <a:pPr lvl="2"/>
@@ -2646,7 +2622,6 @@
               <a:rPr lang="en-US"/>
               <a:t>Third level</a:t>
             </a:r>
-            <a:endParaRPr lang="en-US"/>
           </a:p>
           <a:p>
             <a:pPr lvl="3"/>
@@ -2654,7 +2629,6 @@
               <a:rPr lang="en-US"/>
               <a:t>Fourth level</a:t>
             </a:r>
-            <a:endParaRPr lang="en-US"/>
           </a:p>
           <a:p>
             <a:pPr lvl="4"/>
@@ -2662,7 +2636,6 @@
               <a:rPr lang="en-US"/>
               <a:t>Fifth level</a:t>
             </a:r>
-            <a:endParaRPr lang="en-US"/>
           </a:p>
         </p:txBody>
       </p:sp>
@@ -2728,7 +2701,6 @@
               <a:rPr lang="en-US"/>
               <a:t>Click to edit Master text styles</a:t>
             </a:r>
-            <a:endParaRPr lang="en-US"/>
           </a:p>
         </p:txBody>
       </p:sp>
@@ -2753,6 +2725,7 @@
           <a:p>
             <a:fld id="{6BDEAFE6-325E-AA48-AC90-E1B1FC9AAA75}" type="datetimeFigureOut">
               <a:rPr lang="en-US"/>
+              <a:t>10/22/23</a:t>
             </a:fld>
             <a:endParaRPr lang="en-US"/>
           </a:p>
@@ -2802,6 +2775,7 @@
           <a:p>
             <a:fld id="{C9142EC5-85AF-4745-AACF-2F37CD50FCA3}" type="slidenum">
               <a:rPr/>
+              <a:t>‹#›</a:t>
             </a:fld>
             <a:endParaRPr lang="en-US"/>
           </a:p>
@@ -2863,7 +2837,6 @@
               <a:rPr lang="en-US"/>
               <a:t>Click to edit Master title style</a:t>
             </a:r>
-            <a:endParaRPr lang="en-US"/>
           </a:p>
         </p:txBody>
       </p:sp>
@@ -2929,7 +2902,6 @@
               <a:rPr lang="en-US" noProof="0"/>
               <a:t>Click icon to add picture</a:t>
             </a:r>
-            <a:endParaRPr lang="en-US" noProof="0"/>
           </a:p>
         </p:txBody>
       </p:sp>
@@ -2995,7 +2967,6 @@
               <a:rPr lang="en-US"/>
               <a:t>Click to edit Master text styles</a:t>
             </a:r>
-            <a:endParaRPr lang="en-US"/>
           </a:p>
         </p:txBody>
       </p:sp>
@@ -3020,6 +2991,7 @@
           <a:p>
             <a:fld id="{6BDEAFE6-325E-AA48-AC90-E1B1FC9AAA75}" type="datetimeFigureOut">
               <a:rPr lang="en-US"/>
+              <a:t>10/22/23</a:t>
             </a:fld>
             <a:endParaRPr lang="en-US"/>
           </a:p>
@@ -3069,6 +3041,7 @@
           <a:p>
             <a:fld id="{C9142EC5-85AF-4745-AACF-2F37CD50FCA3}" type="slidenum">
               <a:rPr/>
+              <a:t>‹#›</a:t>
             </a:fld>
             <a:endParaRPr lang="en-US"/>
           </a:p>
@@ -3127,7 +3100,7 @@
             <a:avLst/>
           </a:prstGeom>
           <a:blipFill dpi="0" rotWithShape="0">
-            <a:blip r:embed="rId13"/>
+            <a:blip r:embed="rId14"/>
             <a:srcRect/>
             <a:tile tx="0" ty="0" sx="100000" sy="100000" flip="none" algn="tl"/>
           </a:blipFill>
@@ -3585,7 +3558,6 @@
               <a:rPr lang="en-US" altLang="en-US"/>
               <a:t>Click to edit Master text styles</a:t>
             </a:r>
-            <a:endParaRPr lang="en-US" altLang="en-US"/>
           </a:p>
           <a:p>
             <a:pPr lvl="1"/>
@@ -3593,7 +3565,6 @@
               <a:rPr lang="en-US" altLang="en-US"/>
               <a:t>Second level</a:t>
             </a:r>
-            <a:endParaRPr lang="en-US" altLang="en-US"/>
           </a:p>
           <a:p>
             <a:pPr lvl="2"/>
@@ -3601,7 +3572,6 @@
               <a:rPr lang="en-US" altLang="en-US"/>
               <a:t>Third level</a:t>
             </a:r>
-            <a:endParaRPr lang="en-US" altLang="en-US"/>
           </a:p>
           <a:p>
             <a:pPr lvl="3"/>
@@ -3609,7 +3579,6 @@
               <a:rPr lang="en-US" altLang="en-US"/>
               <a:t>Fourth level</a:t>
             </a:r>
-            <a:endParaRPr lang="en-US" altLang="en-US"/>
           </a:p>
           <a:p>
             <a:pPr lvl="4"/>
@@ -3617,7 +3586,6 @@
               <a:rPr lang="en-US" altLang="en-US"/>
               <a:t>Fifth level</a:t>
             </a:r>
-            <a:endParaRPr lang="en-US" altLang="en-US"/>
           </a:p>
         </p:txBody>
       </p:sp>
@@ -3658,6 +3626,7 @@
           <a:p>
             <a:fld id="{6BDEAFE6-325E-AA48-AC90-E1B1FC9AAA75}" type="datetimeFigureOut">
               <a:rPr lang="en-US"/>
+              <a:t>10/22/23</a:t>
             </a:fld>
             <a:endParaRPr lang="en-US"/>
           </a:p>
@@ -3737,6 +3706,7 @@
           <a:p>
             <a:fld id="{C9142EC5-85AF-4745-AACF-2F37CD50FCA3}" type="slidenum">
               <a:rPr/>
+              <a:t>‹#›</a:t>
             </a:fld>
             <a:endParaRPr lang="en-US"/>
           </a:p>
@@ -3793,7 +3763,6 @@
               <a:rPr lang="en-US" altLang="en-US"/>
               <a:t>Click to edit Master title style</a:t>
             </a:r>
-            <a:endParaRPr lang="en-US" altLang="en-US"/>
           </a:p>
         </p:txBody>
       </p:sp>
@@ -3931,6 +3900,7 @@
                   <a:schemeClr val="bg1"/>
                 </a:solidFill>
               </a:rPr>
+              <a:t>‹#›</a:t>
             </a:fld>
             <a:endParaRPr lang="en-US" altLang="en-US" sz="1200">
               <a:solidFill>
@@ -4085,6 +4055,7 @@
                   <a:srgbClr val="C00000"/>
                 </a:solidFill>
               </a:rPr>
+              <a:t>‹#›</a:t>
             </a:fld>
             <a:endParaRPr lang="en-US" altLang="en-US" sz="1350" b="1">
               <a:solidFill>
@@ -4566,7 +4537,7 @@
           <p:nvPr/>
         </p:nvPicPr>
         <p:blipFill>
-          <a:blip r:embed="rId1"/>
+          <a:blip r:embed="rId2"/>
           <a:stretch>
             <a:fillRect/>
           </a:stretch>
@@ -4723,11 +4694,11 @@
           <p:nvPr/>
         </p:nvPicPr>
         <p:blipFill>
-          <a:blip r:embed="rId2">
+          <a:blip r:embed="rId3">
             <a:extLst>
               <a:ext uri="{BEBA8EAE-BF5A-486C-A8C5-ECC9F3942E4B}">
                 <a14:imgProps xmlns:a14="http://schemas.microsoft.com/office/drawing/2010/main">
-                  <a14:imgLayer r:embed="rId3">
+                  <a14:imgLayer r:embed="rId4">
                     <a14:imgEffect>
                       <a14:artisticBlur/>
                     </a14:imgEffect>
@@ -4835,16 +4806,6 @@
               </a:rPr>
               <a:t>HỆ THỐNG NHẬN DIỆN KHUÔN MẶT</a:t>
             </a:r>
-            <a:endParaRPr lang="en-US" sz="5400">
-              <a:ln w="0"/>
-              <a:effectLst>
-                <a:outerShdw blurRad="38100" dist="19050" dir="2700000" algn="tl" rotWithShape="0">
-                  <a:schemeClr val="dk1">
-                    <a:alpha val="40000"/>
-                  </a:schemeClr>
-                </a:outerShdw>
-              </a:effectLst>
-            </a:endParaRPr>
           </a:p>
         </p:txBody>
       </p:sp>
@@ -4855,7 +4816,7 @@
           <p:nvPr/>
         </p:nvPicPr>
         <p:blipFill>
-          <a:blip r:embed="rId1"/>
+          <a:blip r:embed="rId2"/>
           <a:stretch>
             <a:fillRect/>
           </a:stretch>
@@ -4948,11 +4909,6 @@
               </a:rPr>
               <a:t>NHÓM 7</a:t>
             </a:r>
-            <a:endParaRPr lang="en-US" sz="3200">
-              <a:solidFill>
-                <a:srgbClr val="FF0000"/>
-              </a:solidFill>
-            </a:endParaRPr>
           </a:p>
         </p:txBody>
       </p:sp>
@@ -5010,11 +4966,6 @@
               </a:rPr>
               <a:t>1</a:t>
             </a:r>
-            <a:endParaRPr lang="en-US">
-              <a:solidFill>
-                <a:srgbClr val="FF0000"/>
-              </a:solidFill>
-            </a:endParaRPr>
           </a:p>
         </p:txBody>
       </p:sp>
@@ -5101,7 +5052,7 @@
           <p:nvPr/>
         </p:nvPicPr>
         <p:blipFill>
-          <a:blip r:embed="rId1"/>
+          <a:blip r:embed="rId2"/>
           <a:stretch>
             <a:fillRect/>
           </a:stretch>
@@ -5149,12 +5100,6 @@
               </a:rPr>
               <a:t>3.ĐỘ TIN CẬY VÀ CHÍNH XÁC. </a:t>
             </a:r>
-            <a:endParaRPr lang="en-US" sz="3200" b="1">
-              <a:solidFill>
-                <a:schemeClr val="bg1"/>
-              </a:solidFill>
-              <a:latin typeface="+mj-lt"/>
-            </a:endParaRPr>
           </a:p>
         </p:txBody>
       </p:sp>
@@ -5191,7 +5136,7 @@
           <p:nvPr/>
         </p:nvPicPr>
         <p:blipFill>
-          <a:blip r:embed="rId2"/>
+          <a:blip r:embed="rId3"/>
           <a:stretch>
             <a:fillRect/>
           </a:stretch>
@@ -5260,11 +5205,6 @@
               </a:rPr>
               <a:t>10</a:t>
             </a:r>
-            <a:endParaRPr lang="en-US">
-              <a:solidFill>
-                <a:srgbClr val="FF0000"/>
-              </a:solidFill>
-            </a:endParaRPr>
           </a:p>
         </p:txBody>
       </p:sp>
@@ -5447,13 +5387,6 @@
               </a:rPr>
               <a:t>?: </a:t>
             </a:r>
-            <a:endParaRPr lang="en-US" sz="2800" dirty="0">
-              <a:solidFill>
-                <a:srgbClr val="FF0000"/>
-              </a:solidFill>
-              <a:ea typeface="SF Pro Semibold" pitchFamily="2" charset="0"/>
-              <a:cs typeface="Arial" panose="020B0604020202020204" pitchFamily="34" charset="0"/>
-            </a:endParaRPr>
           </a:p>
         </p:txBody>
       </p:sp>
@@ -5562,12 +5495,6 @@
               </a:rPr>
               <a:t>3.ĐỘ TIN CẬY VÀ CHÍNH XÁC. </a:t>
             </a:r>
-            <a:endParaRPr lang="en-US" sz="3200" b="1">
-              <a:solidFill>
-                <a:schemeClr val="bg1"/>
-              </a:solidFill>
-              <a:latin typeface="+mj-lt"/>
-            </a:endParaRPr>
           </a:p>
         </p:txBody>
       </p:sp>
@@ -5604,7 +5531,7 @@
           <p:nvPr/>
         </p:nvPicPr>
         <p:blipFill>
-          <a:blip r:embed="rId1"/>
+          <a:blip r:embed="rId2"/>
           <a:stretch>
             <a:fillRect/>
           </a:stretch>
@@ -5778,13 +5705,6 @@
               </a:rPr>
               <a:t>?:  </a:t>
             </a:r>
-            <a:endParaRPr lang="en-US" sz="2800" dirty="0">
-              <a:solidFill>
-                <a:srgbClr val="FF0000"/>
-              </a:solidFill>
-              <a:ea typeface="SF Pro Semibold" pitchFamily="2" charset="0"/>
-              <a:cs typeface="Arial" panose="020B0604020202020204" pitchFamily="34" charset="0"/>
-            </a:endParaRPr>
           </a:p>
           <a:p>
             <a:pPr marL="457200" indent="-457200">
@@ -5970,11 +5890,6 @@
               </a:rPr>
               <a:t> </a:t>
             </a:r>
-            <a:endParaRPr lang="en-US" sz="2400" dirty="0">
-              <a:effectLst/>
-              <a:ea typeface="SF Pro Semibold" pitchFamily="2" charset="0"/>
-              <a:cs typeface="Arial" panose="020B0604020202020204" pitchFamily="34" charset="0"/>
-            </a:endParaRPr>
           </a:p>
           <a:p>
             <a:pPr marL="457200" indent="-457200">
@@ -6138,10 +6053,6 @@
               </a:rPr>
               <a:t>. </a:t>
             </a:r>
-            <a:endParaRPr lang="en-US" sz="2400" dirty="0">
-              <a:ea typeface="SF Pro Semibold" pitchFamily="2" charset="0"/>
-              <a:cs typeface="Arial" panose="020B0604020202020204" pitchFamily="34" charset="0"/>
-            </a:endParaRPr>
           </a:p>
           <a:p>
             <a:pPr>
@@ -6156,10 +6067,6 @@
               </a:rPr>
               <a:t>	</a:t>
             </a:r>
-            <a:endParaRPr lang="en-US" sz="2400" dirty="0">
-              <a:ea typeface="SF Pro Semibold" pitchFamily="2" charset="0"/>
-              <a:cs typeface="Arial" panose="020B0604020202020204" pitchFamily="34" charset="0"/>
-            </a:endParaRPr>
           </a:p>
           <a:p>
             <a:pPr>
@@ -6272,10 +6179,6 @@
               </a:rPr>
               <a:t>. </a:t>
             </a:r>
-            <a:endParaRPr lang="en-US" sz="2400" dirty="0">
-              <a:ea typeface="SF Pro Semibold" pitchFamily="2" charset="0"/>
-              <a:cs typeface="Arial" panose="020B0604020202020204" pitchFamily="34" charset="0"/>
-            </a:endParaRPr>
           </a:p>
         </p:txBody>
       </p:sp>
@@ -6333,11 +6236,6 @@
               </a:rPr>
               <a:t>11</a:t>
             </a:r>
-            <a:endParaRPr lang="en-US">
-              <a:solidFill>
-                <a:srgbClr val="FF0000"/>
-              </a:solidFill>
-            </a:endParaRPr>
           </a:p>
         </p:txBody>
       </p:sp>
@@ -6446,12 +6344,6 @@
               </a:rPr>
               <a:t>3.ĐỘ TIN CẬY VÀ CHÍNH XÁC. </a:t>
             </a:r>
-            <a:endParaRPr lang="en-US" sz="3200" b="1">
-              <a:solidFill>
-                <a:schemeClr val="bg1"/>
-              </a:solidFill>
-              <a:latin typeface="+mj-lt"/>
-            </a:endParaRPr>
           </a:p>
         </p:txBody>
       </p:sp>
@@ -6488,7 +6380,7 @@
           <p:nvPr/>
         </p:nvPicPr>
         <p:blipFill>
-          <a:blip r:embed="rId1"/>
+          <a:blip r:embed="rId2"/>
           <a:stretch>
             <a:fillRect/>
           </a:stretch>
@@ -6682,13 +6574,6 @@
               </a:rPr>
               <a:t>?: </a:t>
             </a:r>
-            <a:endParaRPr lang="en-US" sz="2800" dirty="0">
-              <a:solidFill>
-                <a:srgbClr val="FF0000"/>
-              </a:solidFill>
-              <a:ea typeface="SF Pro Semibold" pitchFamily="2" charset="0"/>
-              <a:cs typeface="Arial" panose="020B0604020202020204" pitchFamily="34" charset="0"/>
-            </a:endParaRPr>
           </a:p>
           <a:p>
             <a:pPr marL="457200" indent="-457200">
@@ -6782,10 +6667,6 @@
               </a:rPr>
               <a:t>: </a:t>
             </a:r>
-            <a:endParaRPr lang="en-US" sz="2400" dirty="0">
-              <a:ea typeface="SF Pro Semibold" pitchFamily="2" charset="0"/>
-              <a:cs typeface="Arial" panose="020B0604020202020204" pitchFamily="34" charset="0"/>
-            </a:endParaRPr>
           </a:p>
           <a:p>
             <a:pPr marL="457200" indent="-457200">
@@ -6882,11 +6763,6 @@
               </a:rPr>
               <a:t>. </a:t>
             </a:r>
-            <a:endParaRPr lang="en-US" sz="2400" dirty="0">
-              <a:effectLst/>
-              <a:ea typeface="SF Pro Semibold" pitchFamily="2" charset="0"/>
-              <a:cs typeface="Arial" panose="020B0604020202020204" pitchFamily="34" charset="0"/>
-            </a:endParaRPr>
           </a:p>
           <a:p>
             <a:pPr marL="457200" indent="-457200">
@@ -6966,10 +6842,6 @@
               </a:rPr>
               <a:t>. </a:t>
             </a:r>
-            <a:endParaRPr lang="en-US" sz="2400" dirty="0">
-              <a:ea typeface="SF Pro Semibold" pitchFamily="2" charset="0"/>
-              <a:cs typeface="Arial" panose="020B0604020202020204" pitchFamily="34" charset="0"/>
-            </a:endParaRPr>
           </a:p>
           <a:p>
             <a:pPr marL="457200" indent="-457200">
@@ -7063,10 +6935,6 @@
               </a:rPr>
               <a:t>	</a:t>
             </a:r>
-            <a:endParaRPr lang="en-US" sz="2400" dirty="0">
-              <a:ea typeface="SF Pro Semibold" pitchFamily="2" charset="0"/>
-              <a:cs typeface="Arial" panose="020B0604020202020204" pitchFamily="34" charset="0"/>
-            </a:endParaRPr>
           </a:p>
           <a:p>
             <a:pPr>
@@ -7305,10 +7173,6 @@
               </a:rPr>
               <a:t> nay. </a:t>
             </a:r>
-            <a:endParaRPr lang="en-US" sz="2400" dirty="0">
-              <a:ea typeface="SF Pro Semibold" pitchFamily="2" charset="0"/>
-              <a:cs typeface="Arial" panose="020B0604020202020204" pitchFamily="34" charset="0"/>
-            </a:endParaRPr>
           </a:p>
         </p:txBody>
       </p:sp>
@@ -7366,11 +7230,6 @@
               </a:rPr>
               <a:t>12</a:t>
             </a:r>
-            <a:endParaRPr lang="en-US">
-              <a:solidFill>
-                <a:srgbClr val="FF0000"/>
-              </a:solidFill>
-            </a:endParaRPr>
           </a:p>
         </p:txBody>
       </p:sp>
@@ -7479,12 +7338,6 @@
               </a:rPr>
               <a:t>3.ĐỘ TIN CẬY VÀ CHÍNH XÁC. </a:t>
             </a:r>
-            <a:endParaRPr lang="en-US" sz="3200" b="1">
-              <a:solidFill>
-                <a:schemeClr val="bg1"/>
-              </a:solidFill>
-              <a:latin typeface="+mj-lt"/>
-            </a:endParaRPr>
           </a:p>
         </p:txBody>
       </p:sp>
@@ -7521,7 +7374,7 @@
           <p:nvPr/>
         </p:nvPicPr>
         <p:blipFill>
-          <a:blip r:embed="rId1"/>
+          <a:blip r:embed="rId2"/>
           <a:stretch>
             <a:fillRect/>
           </a:stretch>
@@ -7695,13 +7548,6 @@
               </a:rPr>
               <a:t>?:  </a:t>
             </a:r>
-            <a:endParaRPr lang="en-US" sz="2800" dirty="0">
-              <a:solidFill>
-                <a:srgbClr val="FF0000"/>
-              </a:solidFill>
-              <a:ea typeface="SF Pro Semibold" pitchFamily="2" charset="0"/>
-              <a:cs typeface="Arial" panose="020B0604020202020204" pitchFamily="34" charset="0"/>
-            </a:endParaRPr>
           </a:p>
         </p:txBody>
       </p:sp>
@@ -7714,7 +7560,7 @@
           <p:nvPr/>
         </p:nvPicPr>
         <p:blipFill>
-          <a:blip r:embed="rId2"/>
+          <a:blip r:embed="rId3"/>
           <a:stretch>
             <a:fillRect/>
           </a:stretch>
@@ -7783,11 +7629,6 @@
               </a:rPr>
               <a:t>13</a:t>
             </a:r>
-            <a:endParaRPr lang="en-US">
-              <a:solidFill>
-                <a:srgbClr val="FF0000"/>
-              </a:solidFill>
-            </a:endParaRPr>
           </a:p>
         </p:txBody>
       </p:sp>
@@ -7896,12 +7737,6 @@
               </a:rPr>
               <a:t>3.ĐỘ TIN CẬY VÀ CHÍNH XÁC. </a:t>
             </a:r>
-            <a:endParaRPr lang="en-US" sz="3200" b="1">
-              <a:solidFill>
-                <a:schemeClr val="bg1"/>
-              </a:solidFill>
-              <a:latin typeface="+mj-lt"/>
-            </a:endParaRPr>
           </a:p>
         </p:txBody>
       </p:sp>
@@ -7938,7 +7773,7 @@
           <p:nvPr/>
         </p:nvPicPr>
         <p:blipFill>
-          <a:blip r:embed="rId1"/>
+          <a:blip r:embed="rId2"/>
           <a:stretch>
             <a:fillRect/>
           </a:stretch>
@@ -7992,13 +7827,6 @@
               </a:rPr>
               <a:t>3.3.Điểm tin cậy trong nhận dạng khuôn mặt?:  </a:t>
             </a:r>
-            <a:endParaRPr lang="en-US" sz="2800" dirty="0">
-              <a:solidFill>
-                <a:srgbClr val="FF0000"/>
-              </a:solidFill>
-              <a:ea typeface="SF Pro Semibold" pitchFamily="2" charset="0"/>
-              <a:cs typeface="Arial" panose="020B0604020202020204" pitchFamily="34" charset="0"/>
-            </a:endParaRPr>
           </a:p>
           <a:p>
             <a:pPr marL="457200" indent="-457200">
@@ -8016,11 +7844,6 @@
               </a:rPr>
               <a:t>Hệ thống sẽ phát hiện, so sánh khuôn mặt với dữ liệu từ database. </a:t>
             </a:r>
-            <a:endParaRPr lang="en-US" sz="2400" dirty="0">
-              <a:effectLst/>
-              <a:ea typeface="SF Pro Semibold" pitchFamily="2" charset="0"/>
-              <a:cs typeface="Arial" panose="020B0604020202020204" pitchFamily="34" charset="0"/>
-            </a:endParaRPr>
           </a:p>
           <a:p>
             <a:pPr marL="457200" indent="-457200">
@@ -8037,10 +7860,6 @@
               </a:rPr>
               <a:t> Điểm tin cậy càng cao thì khả năng hai hình ảnh thuộc về cùng một người càng cao. </a:t>
             </a:r>
-            <a:endParaRPr lang="en-US" sz="2400" dirty="0">
-              <a:ea typeface="SF Pro Semibold" pitchFamily="2" charset="0"/>
-              <a:cs typeface="Arial" panose="020B0604020202020204" pitchFamily="34" charset="0"/>
-            </a:endParaRPr>
           </a:p>
           <a:p>
             <a:pPr>
@@ -8055,10 +7874,6 @@
               </a:rPr>
               <a:t>	</a:t>
             </a:r>
-            <a:endParaRPr lang="en-US" sz="2400" dirty="0">
-              <a:ea typeface="SF Pro Semibold" pitchFamily="2" charset="0"/>
-              <a:cs typeface="Arial" panose="020B0604020202020204" pitchFamily="34" charset="0"/>
-            </a:endParaRPr>
           </a:p>
           <a:p>
             <a:pPr>
@@ -8073,10 +7888,6 @@
               </a:rPr>
               <a:t>=&gt; Ngưỡng điểm này thường lên đến &gt;90%.</a:t>
             </a:r>
-            <a:endParaRPr lang="en-US" sz="2400" dirty="0">
-              <a:ea typeface="SF Pro Semibold" pitchFamily="2" charset="0"/>
-              <a:cs typeface="Arial" panose="020B0604020202020204" pitchFamily="34" charset="0"/>
-            </a:endParaRPr>
           </a:p>
         </p:txBody>
       </p:sp>
@@ -8134,11 +7945,6 @@
               </a:rPr>
               <a:t>14</a:t>
             </a:r>
-            <a:endParaRPr lang="en-US">
-              <a:solidFill>
-                <a:srgbClr val="FF0000"/>
-              </a:solidFill>
-            </a:endParaRPr>
           </a:p>
         </p:txBody>
       </p:sp>
@@ -8209,13 +8015,6 @@
               </a:rPr>
               <a:t>3.3.Điểm tin cậy trong nhận dạng khuôn mặt?:  </a:t>
             </a:r>
-            <a:endParaRPr lang="en-US" sz="2800" dirty="0">
-              <a:solidFill>
-                <a:srgbClr val="FF0000"/>
-              </a:solidFill>
-              <a:ea typeface="SF Pro Semibold" pitchFamily="2" charset="0"/>
-              <a:cs typeface="Arial" panose="020B0604020202020204" pitchFamily="34" charset="0"/>
-            </a:endParaRPr>
           </a:p>
         </p:txBody>
       </p:sp>
@@ -8296,12 +8095,6 @@
               </a:rPr>
               <a:t>3.ĐỘ TIN CẬY VÀ CHÍNH XÁC. </a:t>
             </a:r>
-            <a:endParaRPr lang="en-US" sz="3200" b="1">
-              <a:solidFill>
-                <a:schemeClr val="bg1"/>
-              </a:solidFill>
-              <a:latin typeface="+mj-lt"/>
-            </a:endParaRPr>
           </a:p>
         </p:txBody>
       </p:sp>
@@ -8338,7 +8131,7 @@
           <p:nvPr/>
         </p:nvPicPr>
         <p:blipFill>
-          <a:blip r:embed="rId1"/>
+          <a:blip r:embed="rId2"/>
           <a:stretch>
             <a:fillRect/>
           </a:stretch>
@@ -8362,7 +8155,7 @@
           <p:nvPr/>
         </p:nvPicPr>
         <p:blipFill>
-          <a:blip r:embed="rId2"/>
+          <a:blip r:embed="rId3"/>
           <a:stretch>
             <a:fillRect/>
           </a:stretch>
@@ -8433,11 +8226,6 @@
               </a:rPr>
               <a:t>15</a:t>
             </a:r>
-            <a:endParaRPr lang="en-US">
-              <a:solidFill>
-                <a:srgbClr val="FF0000"/>
-              </a:solidFill>
-            </a:endParaRPr>
           </a:p>
         </p:txBody>
       </p:sp>
@@ -8472,7 +8260,7 @@
       <p:sp>
         <p:nvSpPr>
           <p:cNvPr id="10" name="TextBox 9">
-            <a:hlinkClick r:id="rId1"/>
+            <a:hlinkClick r:id="rId2"/>
           </p:cNvPr>
           <p:cNvSpPr txBox="1"/>
           <p:nvPr/>
@@ -8507,10 +8295,6 @@
               </a:rPr>
               <a:t>https://en.wikipedia.org/wiki/Facial_recognition_system</a:t>
             </a:r>
-            <a:endParaRPr lang="en-US" sz="2400" dirty="0">
-              <a:ea typeface="SF Pro Semibold" pitchFamily="2" charset="0"/>
-              <a:cs typeface="Arial" panose="020B0604020202020204" pitchFamily="34" charset="0"/>
-            </a:endParaRPr>
           </a:p>
         </p:txBody>
       </p:sp>
@@ -8591,12 +8375,6 @@
               </a:rPr>
               <a:t>CÁC TRANG TÀI LIỆU THAM KHẢO. </a:t>
             </a:r>
-            <a:endParaRPr lang="en-US" sz="3200" b="1">
-              <a:solidFill>
-                <a:schemeClr val="bg1"/>
-              </a:solidFill>
-              <a:latin typeface="+mj-lt"/>
-            </a:endParaRPr>
           </a:p>
         </p:txBody>
       </p:sp>
@@ -8633,7 +8411,7 @@
           <p:nvPr/>
         </p:nvPicPr>
         <p:blipFill>
-          <a:blip r:embed="rId2"/>
+          <a:blip r:embed="rId3"/>
           <a:stretch>
             <a:fillRect/>
           </a:stretch>
@@ -8651,7 +8429,7 @@
       <p:sp>
         <p:nvSpPr>
           <p:cNvPr id="17" name="TextBox 16">
-            <a:hlinkClick r:id="rId3"/>
+            <a:hlinkClick r:id="rId4"/>
           </p:cNvPr>
           <p:cNvSpPr txBox="1"/>
           <p:nvPr/>
@@ -8686,17 +8464,13 @@
               </a:rPr>
               <a:t>https://this.deakin.edu.au/innovation/facial-recognition-id-how-safe-is-your-face#:~:text=It's%20not%20relatively%20more%20secure,your%20phone%20using%20Face%20ID.</a:t>
             </a:r>
-            <a:endParaRPr lang="en-US" sz="2400" dirty="0">
-              <a:ea typeface="SF Pro Semibold" pitchFamily="2" charset="0"/>
-              <a:cs typeface="Arial" panose="020B0604020202020204" pitchFamily="34" charset="0"/>
-            </a:endParaRPr>
           </a:p>
         </p:txBody>
       </p:sp>
       <p:sp>
         <p:nvSpPr>
           <p:cNvPr id="18" name="TextBox 17">
-            <a:hlinkClick r:id="rId4"/>
+            <a:hlinkClick r:id="rId5"/>
           </p:cNvPr>
           <p:cNvSpPr txBox="1"/>
           <p:nvPr/>
@@ -8731,10 +8505,6 @@
               </a:rPr>
               <a:t>https://senstar.com/senstarpedia/pros-and-cons-of-facial-recognition/</a:t>
             </a:r>
-            <a:endParaRPr lang="en-US" sz="2400" dirty="0">
-              <a:ea typeface="SF Pro Semibold" pitchFamily="2" charset="0"/>
-              <a:cs typeface="Arial" panose="020B0604020202020204" pitchFamily="34" charset="0"/>
-            </a:endParaRPr>
           </a:p>
         </p:txBody>
       </p:sp>
@@ -8843,12 +8613,6 @@
               </a:rPr>
               <a:t>KẾT THÚC. </a:t>
             </a:r>
-            <a:endParaRPr lang="en-US" sz="3200" b="1">
-              <a:solidFill>
-                <a:schemeClr val="bg1"/>
-              </a:solidFill>
-              <a:latin typeface="+mj-lt"/>
-            </a:endParaRPr>
           </a:p>
         </p:txBody>
       </p:sp>
@@ -8885,7 +8649,7 @@
           <p:nvPr/>
         </p:nvPicPr>
         <p:blipFill>
-          <a:blip r:embed="rId1"/>
+          <a:blip r:embed="rId2"/>
           <a:stretch>
             <a:fillRect/>
           </a:stretch>
@@ -8909,7 +8673,7 @@
           <p:nvPr/>
         </p:nvPicPr>
         <p:blipFill>
-          <a:blip r:embed="rId2"/>
+          <a:blip r:embed="rId3"/>
           <a:stretch>
             <a:fillRect/>
           </a:stretch>
@@ -9007,7 +8771,7 @@
         <p:spPr>
           <a:xfrm>
             <a:off x="521852" y="315311"/>
-            <a:ext cx="2076209" cy="584775"/>
+            <a:ext cx="2190023" cy="584775"/>
           </a:xfrm>
           <a:prstGeom prst="rect">
             <a:avLst/>
@@ -9027,14 +8791,8 @@
                 </a:solidFill>
                 <a:latin typeface="+mj-lt"/>
               </a:rPr>
-              <a:t>MỤC LỤC</a:t>
-            </a:r>
-            <a:endParaRPr lang="en-US" sz="3200" b="1">
-              <a:solidFill>
-                <a:schemeClr val="bg1"/>
-              </a:solidFill>
-              <a:latin typeface="+mj-lt"/>
-            </a:endParaRPr>
+              <a:t>MỤC LỤC.</a:t>
+            </a:r>
           </a:p>
         </p:txBody>
       </p:sp>
@@ -9071,7 +8829,7 @@
           <p:nvPr/>
         </p:nvPicPr>
         <p:blipFill>
-          <a:blip r:embed="rId1"/>
+          <a:blip r:embed="rId2"/>
           <a:stretch>
             <a:fillRect/>
           </a:stretch>
@@ -9304,6 +9062,89 @@
               </a:rPr>
               <a:t>.</a:t>
             </a:r>
+          </a:p>
+          <a:p>
+            <a:r>
+              <a:rPr lang="en-US" sz="2400" dirty="0">
+                <a:solidFill>
+                  <a:srgbClr val="FF0000"/>
+                </a:solidFill>
+                <a:ea typeface="SF Pro Semibold" pitchFamily="2" charset="0"/>
+                <a:cs typeface="Arial" panose="020B0604020202020204" pitchFamily="34" charset="0"/>
+              </a:rPr>
+              <a:t>1.1.Khái </a:t>
+            </a:r>
+            <a:r>
+              <a:rPr lang="en-US" sz="2400" dirty="0" err="1">
+                <a:solidFill>
+                  <a:srgbClr val="FF0000"/>
+                </a:solidFill>
+                <a:ea typeface="SF Pro Semibold" pitchFamily="2" charset="0"/>
+                <a:cs typeface="Arial" panose="020B0604020202020204" pitchFamily="34" charset="0"/>
+              </a:rPr>
+              <a:t>niệm.</a:t>
+            </a:r>
+            <a:r>
+              <a:rPr lang="en-US" sz="2400" dirty="0">
+                <a:solidFill>
+                  <a:srgbClr val="FF0000"/>
+                </a:solidFill>
+                <a:ea typeface="SF Pro Semibold" pitchFamily="2" charset="0"/>
+                <a:cs typeface="Arial" panose="020B0604020202020204" pitchFamily="34" charset="0"/>
+              </a:rPr>
+              <a:t>	</a:t>
+            </a:r>
+          </a:p>
+          <a:p>
+            <a:r>
+              <a:rPr lang="en-US" sz="2400" dirty="0">
+                <a:solidFill>
+                  <a:srgbClr val="FF0000"/>
+                </a:solidFill>
+                <a:ea typeface="SF Pro Semibold" pitchFamily="2" charset="0"/>
+                <a:cs typeface="Arial" panose="020B0604020202020204" pitchFamily="34" charset="0"/>
+              </a:rPr>
+              <a:t>1.2.Cấu </a:t>
+            </a:r>
+            <a:r>
+              <a:rPr lang="en-US" sz="2400" dirty="0" err="1">
+                <a:solidFill>
+                  <a:srgbClr val="FF0000"/>
+                </a:solidFill>
+                <a:ea typeface="SF Pro Semibold" pitchFamily="2" charset="0"/>
+                <a:cs typeface="Arial" panose="020B0604020202020204" pitchFamily="34" charset="0"/>
+              </a:rPr>
+              <a:t>tạo</a:t>
+            </a:r>
+            <a:r>
+              <a:rPr lang="en-US" sz="2400" dirty="0">
+                <a:solidFill>
+                  <a:srgbClr val="FF0000"/>
+                </a:solidFill>
+                <a:ea typeface="SF Pro Semibold" pitchFamily="2" charset="0"/>
+                <a:cs typeface="Arial" panose="020B0604020202020204" pitchFamily="34" charset="0"/>
+              </a:rPr>
+              <a:t> Face ID.</a:t>
+            </a:r>
+            <a:endParaRPr lang="vi-VN" sz="2400" dirty="0">
+              <a:solidFill>
+                <a:srgbClr val="FF0000"/>
+              </a:solidFill>
+              <a:ea typeface="SF Pro Semibold" pitchFamily="2" charset="0"/>
+              <a:cs typeface="Arial" panose="020B0604020202020204" pitchFamily="34" charset="0"/>
+            </a:endParaRPr>
+          </a:p>
+          <a:p>
+            <a:r>
+              <a:rPr lang="vi-VN" sz="2400" dirty="0">
+                <a:solidFill>
+                  <a:srgbClr val="FF0000"/>
+                </a:solidFill>
+                <a:ea typeface="SF Pro Semibold" pitchFamily="2" charset="0"/>
+                <a:cs typeface="Arial" panose="020B0604020202020204" pitchFamily="34" charset="0"/>
+              </a:rPr>
+              <a:t>2. Nguyên lý hoạt động.</a:t>
+            </a:r>
             <a:endParaRPr lang="en-US" sz="2400" dirty="0">
               <a:solidFill>
                 <a:srgbClr val="FF0000"/>
@@ -9321,7 +9162,7 @@
                 <a:ea typeface="SF Pro Semibold" pitchFamily="2" charset="0"/>
                 <a:cs typeface="Arial" panose="020B0604020202020204" pitchFamily="34" charset="0"/>
               </a:rPr>
-              <a:t>1.1.Khái </a:t>
+              <a:t>2.1.Cơ </a:t>
             </a:r>
             <a:r>
               <a:rPr lang="en-US" sz="2400" dirty="0" err="1">
@@ -9331,17 +9172,7 @@
                 <a:ea typeface="SF Pro Semibold" pitchFamily="2" charset="0"/>
                 <a:cs typeface="Arial" panose="020B0604020202020204" pitchFamily="34" charset="0"/>
               </a:rPr>
-              <a:t>niệm.</a:t>
-            </a:r>
-            <a:r>
-              <a:rPr lang="en-US" sz="2400" dirty="0">
-                <a:solidFill>
-                  <a:srgbClr val="FF0000"/>
-                </a:solidFill>
-                <a:ea typeface="SF Pro Semibold" pitchFamily="2" charset="0"/>
-                <a:cs typeface="Arial" panose="020B0604020202020204" pitchFamily="34" charset="0"/>
-              </a:rPr>
-              <a:t>	</a:t>
+              <a:t>bản.</a:t>
             </a:r>
             <a:endParaRPr lang="en-US" sz="2400" dirty="0">
               <a:solidFill>
@@ -9360,7 +9191,7 @@
                 <a:ea typeface="SF Pro Semibold" pitchFamily="2" charset="0"/>
                 <a:cs typeface="Arial" panose="020B0604020202020204" pitchFamily="34" charset="0"/>
               </a:rPr>
-              <a:t>1.2.Cấu </a:t>
+              <a:t>2.2.Nhận </a:t>
             </a:r>
             <a:r>
               <a:rPr lang="en-US" sz="2400" dirty="0" err="1">
@@ -9370,7 +9201,7 @@
                 <a:ea typeface="SF Pro Semibold" pitchFamily="2" charset="0"/>
                 <a:cs typeface="Arial" panose="020B0604020202020204" pitchFamily="34" charset="0"/>
               </a:rPr>
-              <a:t>tạo</a:t>
+              <a:t>dạng</a:t>
             </a:r>
             <a:r>
               <a:rPr lang="en-US" sz="2400" dirty="0">
@@ -9380,26 +9211,17 @@
                 <a:ea typeface="SF Pro Semibold" pitchFamily="2" charset="0"/>
                 <a:cs typeface="Arial" panose="020B0604020202020204" pitchFamily="34" charset="0"/>
               </a:rPr>
-              <a:t> Face ID.</a:t>
-            </a:r>
-            <a:endParaRPr lang="vi-VN" sz="2400" dirty="0">
-              <a:solidFill>
-                <a:srgbClr val="FF0000"/>
-              </a:solidFill>
-              <a:ea typeface="SF Pro Semibold" pitchFamily="2" charset="0"/>
-              <a:cs typeface="Arial" panose="020B0604020202020204" pitchFamily="34" charset="0"/>
-            </a:endParaRPr>
-          </a:p>
-          <a:p>
-            <a:r>
-              <a:rPr lang="vi-VN" sz="2400" dirty="0">
-                <a:solidFill>
-                  <a:srgbClr val="FF0000"/>
-                </a:solidFill>
-                <a:ea typeface="SF Pro Semibold" pitchFamily="2" charset="0"/>
-                <a:cs typeface="Arial" panose="020B0604020202020204" pitchFamily="34" charset="0"/>
-              </a:rPr>
-              <a:t>2. Nguyên lý hoạt động.</a:t>
+              <a:t> 3 </a:t>
+            </a:r>
+            <a:r>
+              <a:rPr lang="en-US" sz="2400" dirty="0" err="1">
+                <a:solidFill>
+                  <a:srgbClr val="FF0000"/>
+                </a:solidFill>
+                <a:ea typeface="SF Pro Semibold" pitchFamily="2" charset="0"/>
+                <a:cs typeface="Arial" panose="020B0604020202020204" pitchFamily="34" charset="0"/>
+              </a:rPr>
+              <a:t>chiều.</a:t>
             </a:r>
             <a:endParaRPr lang="en-US" sz="2400" dirty="0">
               <a:solidFill>
@@ -9418,7 +9240,7 @@
                 <a:ea typeface="SF Pro Semibold" pitchFamily="2" charset="0"/>
                 <a:cs typeface="Arial" panose="020B0604020202020204" pitchFamily="34" charset="0"/>
               </a:rPr>
-              <a:t>2.1.Cơ </a:t>
+              <a:t>2.3.Phân </a:t>
             </a:r>
             <a:r>
               <a:rPr lang="en-US" sz="2400" dirty="0" err="1">
@@ -9428,7 +9250,69 @@
                 <a:ea typeface="SF Pro Semibold" pitchFamily="2" charset="0"/>
                 <a:cs typeface="Arial" panose="020B0604020202020204" pitchFamily="34" charset="0"/>
               </a:rPr>
-              <a:t>bản.</a:t>
+              <a:t>tích</a:t>
+            </a:r>
+            <a:r>
+              <a:rPr lang="en-US" sz="2400" dirty="0">
+                <a:solidFill>
+                  <a:srgbClr val="FF0000"/>
+                </a:solidFill>
+                <a:ea typeface="SF Pro Semibold" pitchFamily="2" charset="0"/>
+                <a:cs typeface="Arial" panose="020B0604020202020204" pitchFamily="34" charset="0"/>
+              </a:rPr>
+              <a:t> </a:t>
+            </a:r>
+            <a:r>
+              <a:rPr lang="en-US" sz="2400" dirty="0" err="1">
+                <a:solidFill>
+                  <a:srgbClr val="FF0000"/>
+                </a:solidFill>
+                <a:ea typeface="SF Pro Semibold" pitchFamily="2" charset="0"/>
+                <a:cs typeface="Arial" panose="020B0604020202020204" pitchFamily="34" charset="0"/>
+              </a:rPr>
+              <a:t>kết</a:t>
+            </a:r>
+            <a:r>
+              <a:rPr lang="en-US" sz="2400" dirty="0">
+                <a:solidFill>
+                  <a:srgbClr val="FF0000"/>
+                </a:solidFill>
+                <a:ea typeface="SF Pro Semibold" pitchFamily="2" charset="0"/>
+                <a:cs typeface="Arial" panose="020B0604020202020204" pitchFamily="34" charset="0"/>
+              </a:rPr>
+              <a:t> </a:t>
+            </a:r>
+            <a:r>
+              <a:rPr lang="en-US" sz="2400" dirty="0" err="1">
+                <a:solidFill>
+                  <a:srgbClr val="FF0000"/>
+                </a:solidFill>
+                <a:ea typeface="SF Pro Semibold" pitchFamily="2" charset="0"/>
+                <a:cs typeface="Arial" panose="020B0604020202020204" pitchFamily="34" charset="0"/>
+              </a:rPr>
+              <a:t>cấu</a:t>
+            </a:r>
+            <a:r>
+              <a:rPr lang="en-US" sz="2400" dirty="0">
+                <a:solidFill>
+                  <a:srgbClr val="FF0000"/>
+                </a:solidFill>
+                <a:ea typeface="SF Pro Semibold" pitchFamily="2" charset="0"/>
+                <a:cs typeface="Arial" panose="020B0604020202020204" pitchFamily="34" charset="0"/>
+              </a:rPr>
+              <a:t> da.</a:t>
+            </a:r>
+          </a:p>
+          <a:p>
+            <a:r>
+              <a:rPr lang="vi-VN" sz="2400" dirty="0">
+                <a:solidFill>
+                  <a:srgbClr val="FF0000"/>
+                </a:solidFill>
+                <a:ea typeface="SF Pro Semibold" pitchFamily="2" charset="0"/>
+                <a:cs typeface="Arial" panose="020B0604020202020204" pitchFamily="34" charset="0"/>
+              </a:rPr>
+              <a:t>3. Độ tin cậy và chính xác.</a:t>
             </a:r>
             <a:endParaRPr lang="en-US" sz="2400" dirty="0">
               <a:solidFill>
@@ -9447,7 +9331,7 @@
                 <a:ea typeface="SF Pro Semibold" pitchFamily="2" charset="0"/>
                 <a:cs typeface="Arial" panose="020B0604020202020204" pitchFamily="34" charset="0"/>
               </a:rPr>
-              <a:t>2.2.Nhận </a:t>
+              <a:t>3.1.Nhận </a:t>
             </a:r>
             <a:r>
               <a:rPr lang="en-US" sz="2400" dirty="0" err="1">
@@ -9457,7 +9341,7 @@
                 <a:ea typeface="SF Pro Semibold" pitchFamily="2" charset="0"/>
                 <a:cs typeface="Arial" panose="020B0604020202020204" pitchFamily="34" charset="0"/>
               </a:rPr>
-              <a:t>dạng</a:t>
+              <a:t>dạng</a:t>
             </a:r>
             <a:r>
               <a:rPr lang="en-US" sz="2400" dirty="0">
@@ -9467,7 +9351,7 @@
                 <a:ea typeface="SF Pro Semibold" pitchFamily="2" charset="0"/>
                 <a:cs typeface="Arial" panose="020B0604020202020204" pitchFamily="34" charset="0"/>
               </a:rPr>
-              <a:t> 3 </a:t>
+              <a:t> </a:t>
             </a:r>
             <a:r>
               <a:rPr lang="en-US" sz="2400" dirty="0" err="1">
@@ -9477,17 +9361,8 @@
                 <a:ea typeface="SF Pro Semibold" pitchFamily="2" charset="0"/>
                 <a:cs typeface="Arial" panose="020B0604020202020204" pitchFamily="34" charset="0"/>
               </a:rPr>
-              <a:t>chiều.</a:t>
-            </a:r>
-            <a:endParaRPr lang="en-US" sz="2400" dirty="0">
-              <a:solidFill>
-                <a:srgbClr val="FF0000"/>
-              </a:solidFill>
-              <a:ea typeface="SF Pro Semibold" pitchFamily="2" charset="0"/>
-              <a:cs typeface="Arial" panose="020B0604020202020204" pitchFamily="34" charset="0"/>
-            </a:endParaRPr>
-          </a:p>
-          <a:p>
+              <a:t>khuôn</a:t>
+            </a:r>
             <a:r>
               <a:rPr lang="en-US" sz="2400" dirty="0">
                 <a:solidFill>
@@ -9496,7 +9371,7 @@
                 <a:ea typeface="SF Pro Semibold" pitchFamily="2" charset="0"/>
                 <a:cs typeface="Arial" panose="020B0604020202020204" pitchFamily="34" charset="0"/>
               </a:rPr>
-              <a:t>2.3.Phân </a:t>
+              <a:t> </a:t>
             </a:r>
             <a:r>
               <a:rPr lang="en-US" sz="2400" dirty="0" err="1">
@@ -9506,7 +9381,7 @@
                 <a:ea typeface="SF Pro Semibold" pitchFamily="2" charset="0"/>
                 <a:cs typeface="Arial" panose="020B0604020202020204" pitchFamily="34" charset="0"/>
               </a:rPr>
-              <a:t>tích</a:t>
+              <a:t>mặt</a:t>
             </a:r>
             <a:r>
               <a:rPr lang="en-US" sz="2400" dirty="0">
@@ -9526,7 +9401,7 @@
                 <a:ea typeface="SF Pro Semibold" pitchFamily="2" charset="0"/>
                 <a:cs typeface="Arial" panose="020B0604020202020204" pitchFamily="34" charset="0"/>
               </a:rPr>
-              <a:t>kết</a:t>
+              <a:t>có</a:t>
             </a:r>
             <a:r>
               <a:rPr lang="en-US" sz="2400" dirty="0">
@@ -9546,7 +9421,7 @@
                 <a:ea typeface="SF Pro Semibold" pitchFamily="2" charset="0"/>
                 <a:cs typeface="Arial" panose="020B0604020202020204" pitchFamily="34" charset="0"/>
               </a:rPr>
-              <a:t>cấu</a:t>
+              <a:t>chính</a:t>
             </a:r>
             <a:r>
               <a:rPr lang="en-US" sz="2400" dirty="0">
@@ -9556,36 +9431,18 @@
                 <a:ea typeface="SF Pro Semibold" pitchFamily="2" charset="0"/>
                 <a:cs typeface="Arial" panose="020B0604020202020204" pitchFamily="34" charset="0"/>
               </a:rPr>
-              <a:t> da.</a:t>
-            </a:r>
-            <a:endParaRPr lang="en-US" sz="2400" dirty="0">
-              <a:solidFill>
-                <a:srgbClr val="FF0000"/>
-              </a:solidFill>
-              <a:ea typeface="SF Pro Semibold" pitchFamily="2" charset="0"/>
-              <a:cs typeface="Arial" panose="020B0604020202020204" pitchFamily="34" charset="0"/>
-            </a:endParaRPr>
-          </a:p>
-          <a:p>
-            <a:r>
-              <a:rPr lang="vi-VN" sz="2400" dirty="0">
-                <a:solidFill>
-                  <a:srgbClr val="FF0000"/>
-                </a:solidFill>
-                <a:ea typeface="SF Pro Semibold" pitchFamily="2" charset="0"/>
-                <a:cs typeface="Arial" panose="020B0604020202020204" pitchFamily="34" charset="0"/>
-              </a:rPr>
-              <a:t>3. Độ tin cậy và chính xác.</a:t>
-            </a:r>
-            <a:endParaRPr lang="en-US" sz="2400" dirty="0">
-              <a:solidFill>
-                <a:srgbClr val="FF0000"/>
-              </a:solidFill>
-              <a:ea typeface="SF Pro Semibold" pitchFamily="2" charset="0"/>
-              <a:cs typeface="Arial" panose="020B0604020202020204" pitchFamily="34" charset="0"/>
-            </a:endParaRPr>
-          </a:p>
-          <a:p>
+              <a:t> </a:t>
+            </a:r>
+            <a:r>
+              <a:rPr lang="en-US" sz="2400" dirty="0" err="1">
+                <a:solidFill>
+                  <a:srgbClr val="FF0000"/>
+                </a:solidFill>
+                <a:ea typeface="SF Pro Semibold" pitchFamily="2" charset="0"/>
+                <a:cs typeface="Arial" panose="020B0604020202020204" pitchFamily="34" charset="0"/>
+              </a:rPr>
+              <a:t>xác</a:t>
+            </a:r>
             <a:r>
               <a:rPr lang="en-US" sz="2400" dirty="0">
                 <a:solidFill>
@@ -9594,7 +9451,7 @@
                 <a:ea typeface="SF Pro Semibold" pitchFamily="2" charset="0"/>
                 <a:cs typeface="Arial" panose="020B0604020202020204" pitchFamily="34" charset="0"/>
               </a:rPr>
-              <a:t>3.1.Nhận </a:t>
+              <a:t> </a:t>
             </a:r>
             <a:r>
               <a:rPr lang="en-US" sz="2400" dirty="0" err="1">
@@ -9604,7 +9461,7 @@
                 <a:ea typeface="SF Pro Semibold" pitchFamily="2" charset="0"/>
                 <a:cs typeface="Arial" panose="020B0604020202020204" pitchFamily="34" charset="0"/>
               </a:rPr>
-              <a:t>dạng</a:t>
+              <a:t>không</a:t>
             </a:r>
             <a:r>
               <a:rPr lang="en-US" sz="2400" dirty="0">
@@ -9614,6 +9471,38 @@
                 <a:ea typeface="SF Pro Semibold" pitchFamily="2" charset="0"/>
                 <a:cs typeface="Arial" panose="020B0604020202020204" pitchFamily="34" charset="0"/>
               </a:rPr>
+              <a:t>?</a:t>
+            </a:r>
+          </a:p>
+          <a:p>
+            <a:r>
+              <a:rPr lang="en-US" sz="2400" dirty="0">
+                <a:solidFill>
+                  <a:srgbClr val="FF0000"/>
+                </a:solidFill>
+                <a:ea typeface="SF Pro Semibold" pitchFamily="2" charset="0"/>
+                <a:cs typeface="Arial" panose="020B0604020202020204" pitchFamily="34" charset="0"/>
+              </a:rPr>
+              <a:t>3.2.Nhận </a:t>
+            </a:r>
+            <a:r>
+              <a:rPr lang="en-US" sz="2400" dirty="0" err="1">
+                <a:solidFill>
+                  <a:srgbClr val="FF0000"/>
+                </a:solidFill>
+                <a:ea typeface="SF Pro Semibold" pitchFamily="2" charset="0"/>
+                <a:cs typeface="Arial" panose="020B0604020202020204" pitchFamily="34" charset="0"/>
+              </a:rPr>
+              <a:t>diện</a:t>
+            </a:r>
+            <a:r>
+              <a:rPr lang="en-US" sz="2400" dirty="0">
+                <a:solidFill>
+                  <a:srgbClr val="FF0000"/>
+                </a:solidFill>
+                <a:ea typeface="SF Pro Semibold" pitchFamily="2" charset="0"/>
+                <a:cs typeface="Arial" panose="020B0604020202020204" pitchFamily="34" charset="0"/>
+              </a:rPr>
               <a:t> </a:t>
             </a:r>
             <a:r>
@@ -9674,6 +9563,26 @@
                 <a:ea typeface="SF Pro Semibold" pitchFamily="2" charset="0"/>
                 <a:cs typeface="Arial" panose="020B0604020202020204" pitchFamily="34" charset="0"/>
               </a:rPr>
+              <a:t> an </a:t>
+            </a:r>
+            <a:r>
+              <a:rPr lang="en-US" sz="2400" dirty="0" err="1">
+                <a:solidFill>
+                  <a:srgbClr val="FF0000"/>
+                </a:solidFill>
+                <a:ea typeface="SF Pro Semibold" pitchFamily="2" charset="0"/>
+                <a:cs typeface="Arial" panose="020B0604020202020204" pitchFamily="34" charset="0"/>
+              </a:rPr>
+              <a:t>toàn</a:t>
+            </a:r>
+            <a:r>
+              <a:rPr lang="en-US" sz="2400" dirty="0">
+                <a:solidFill>
+                  <a:srgbClr val="FF0000"/>
+                </a:solidFill>
+                <a:ea typeface="SF Pro Semibold" pitchFamily="2" charset="0"/>
+                <a:cs typeface="Arial" panose="020B0604020202020204" pitchFamily="34" charset="0"/>
+              </a:rPr>
               <a:t> </a:t>
             </a:r>
             <a:r>
@@ -9684,7 +9593,7 @@
                 <a:ea typeface="SF Pro Semibold" pitchFamily="2" charset="0"/>
                 <a:cs typeface="Arial" panose="020B0604020202020204" pitchFamily="34" charset="0"/>
               </a:rPr>
-              <a:t>chính</a:t>
+              <a:t>không</a:t>
             </a:r>
             <a:r>
               <a:rPr lang="en-US" sz="2400" dirty="0">
@@ -9694,194 +9603,8 @@
                 <a:ea typeface="SF Pro Semibold" pitchFamily="2" charset="0"/>
                 <a:cs typeface="Arial" panose="020B0604020202020204" pitchFamily="34" charset="0"/>
               </a:rPr>
-              <a:t> </a:t>
-            </a:r>
-            <a:r>
-              <a:rPr lang="en-US" sz="2400" dirty="0" err="1">
-                <a:solidFill>
-                  <a:srgbClr val="FF0000"/>
-                </a:solidFill>
-                <a:ea typeface="SF Pro Semibold" pitchFamily="2" charset="0"/>
-                <a:cs typeface="Arial" panose="020B0604020202020204" pitchFamily="34" charset="0"/>
-              </a:rPr>
-              <a:t>xác</a:t>
-            </a:r>
-            <a:r>
-              <a:rPr lang="en-US" sz="2400" dirty="0">
-                <a:solidFill>
-                  <a:srgbClr val="FF0000"/>
-                </a:solidFill>
-                <a:ea typeface="SF Pro Semibold" pitchFamily="2" charset="0"/>
-                <a:cs typeface="Arial" panose="020B0604020202020204" pitchFamily="34" charset="0"/>
-              </a:rPr>
-              <a:t> </a:t>
-            </a:r>
-            <a:r>
-              <a:rPr lang="en-US" sz="2400" dirty="0" err="1">
-                <a:solidFill>
-                  <a:srgbClr val="FF0000"/>
-                </a:solidFill>
-                <a:ea typeface="SF Pro Semibold" pitchFamily="2" charset="0"/>
-                <a:cs typeface="Arial" panose="020B0604020202020204" pitchFamily="34" charset="0"/>
-              </a:rPr>
-              <a:t>không</a:t>
-            </a:r>
-            <a:r>
-              <a:rPr lang="en-US" sz="2400" dirty="0">
-                <a:solidFill>
-                  <a:srgbClr val="FF0000"/>
-                </a:solidFill>
-                <a:ea typeface="SF Pro Semibold" pitchFamily="2" charset="0"/>
-                <a:cs typeface="Arial" panose="020B0604020202020204" pitchFamily="34" charset="0"/>
-              </a:rPr>
               <a:t>?</a:t>
             </a:r>
-            <a:endParaRPr lang="en-US" sz="2400" dirty="0">
-              <a:solidFill>
-                <a:srgbClr val="FF0000"/>
-              </a:solidFill>
-              <a:ea typeface="SF Pro Semibold" pitchFamily="2" charset="0"/>
-              <a:cs typeface="Arial" panose="020B0604020202020204" pitchFamily="34" charset="0"/>
-            </a:endParaRPr>
-          </a:p>
-          <a:p>
-            <a:r>
-              <a:rPr lang="en-US" sz="2400" dirty="0">
-                <a:solidFill>
-                  <a:srgbClr val="FF0000"/>
-                </a:solidFill>
-                <a:ea typeface="SF Pro Semibold" pitchFamily="2" charset="0"/>
-                <a:cs typeface="Arial" panose="020B0604020202020204" pitchFamily="34" charset="0"/>
-              </a:rPr>
-              <a:t>3.2.Nhận </a:t>
-            </a:r>
-            <a:r>
-              <a:rPr lang="en-US" sz="2400" dirty="0" err="1">
-                <a:solidFill>
-                  <a:srgbClr val="FF0000"/>
-                </a:solidFill>
-                <a:ea typeface="SF Pro Semibold" pitchFamily="2" charset="0"/>
-                <a:cs typeface="Arial" panose="020B0604020202020204" pitchFamily="34" charset="0"/>
-              </a:rPr>
-              <a:t>diện</a:t>
-            </a:r>
-            <a:r>
-              <a:rPr lang="en-US" sz="2400" dirty="0">
-                <a:solidFill>
-                  <a:srgbClr val="FF0000"/>
-                </a:solidFill>
-                <a:ea typeface="SF Pro Semibold" pitchFamily="2" charset="0"/>
-                <a:cs typeface="Arial" panose="020B0604020202020204" pitchFamily="34" charset="0"/>
-              </a:rPr>
-              <a:t> </a:t>
-            </a:r>
-            <a:r>
-              <a:rPr lang="en-US" sz="2400" dirty="0" err="1">
-                <a:solidFill>
-                  <a:srgbClr val="FF0000"/>
-                </a:solidFill>
-                <a:ea typeface="SF Pro Semibold" pitchFamily="2" charset="0"/>
-                <a:cs typeface="Arial" panose="020B0604020202020204" pitchFamily="34" charset="0"/>
-              </a:rPr>
-              <a:t>khuôn</a:t>
-            </a:r>
-            <a:r>
-              <a:rPr lang="en-US" sz="2400" dirty="0">
-                <a:solidFill>
-                  <a:srgbClr val="FF0000"/>
-                </a:solidFill>
-                <a:ea typeface="SF Pro Semibold" pitchFamily="2" charset="0"/>
-                <a:cs typeface="Arial" panose="020B0604020202020204" pitchFamily="34" charset="0"/>
-              </a:rPr>
-              <a:t> </a:t>
-            </a:r>
-            <a:r>
-              <a:rPr lang="en-US" sz="2400" dirty="0" err="1">
-                <a:solidFill>
-                  <a:srgbClr val="FF0000"/>
-                </a:solidFill>
-                <a:ea typeface="SF Pro Semibold" pitchFamily="2" charset="0"/>
-                <a:cs typeface="Arial" panose="020B0604020202020204" pitchFamily="34" charset="0"/>
-              </a:rPr>
-              <a:t>mặt</a:t>
-            </a:r>
-            <a:r>
-              <a:rPr lang="en-US" sz="2400" dirty="0">
-                <a:solidFill>
-                  <a:srgbClr val="FF0000"/>
-                </a:solidFill>
-                <a:ea typeface="SF Pro Semibold" pitchFamily="2" charset="0"/>
-                <a:cs typeface="Arial" panose="020B0604020202020204" pitchFamily="34" charset="0"/>
-              </a:rPr>
-              <a:t> </a:t>
-            </a:r>
-            <a:r>
-              <a:rPr lang="en-US" sz="2400" dirty="0" err="1">
-                <a:solidFill>
-                  <a:srgbClr val="FF0000"/>
-                </a:solidFill>
-                <a:ea typeface="SF Pro Semibold" pitchFamily="2" charset="0"/>
-                <a:cs typeface="Arial" panose="020B0604020202020204" pitchFamily="34" charset="0"/>
-              </a:rPr>
-              <a:t>có</a:t>
-            </a:r>
-            <a:r>
-              <a:rPr lang="en-US" sz="2400" dirty="0">
-                <a:solidFill>
-                  <a:srgbClr val="FF0000"/>
-                </a:solidFill>
-                <a:ea typeface="SF Pro Semibold" pitchFamily="2" charset="0"/>
-                <a:cs typeface="Arial" panose="020B0604020202020204" pitchFamily="34" charset="0"/>
-              </a:rPr>
-              <a:t> an </a:t>
-            </a:r>
-            <a:r>
-              <a:rPr lang="en-US" sz="2400" dirty="0" err="1">
-                <a:solidFill>
-                  <a:srgbClr val="FF0000"/>
-                </a:solidFill>
-                <a:ea typeface="SF Pro Semibold" pitchFamily="2" charset="0"/>
-                <a:cs typeface="Arial" panose="020B0604020202020204" pitchFamily="34" charset="0"/>
-              </a:rPr>
-              <a:t>toàn</a:t>
-            </a:r>
-            <a:r>
-              <a:rPr lang="en-US" sz="2400" dirty="0">
-                <a:solidFill>
-                  <a:srgbClr val="FF0000"/>
-                </a:solidFill>
-                <a:ea typeface="SF Pro Semibold" pitchFamily="2" charset="0"/>
-                <a:cs typeface="Arial" panose="020B0604020202020204" pitchFamily="34" charset="0"/>
-              </a:rPr>
-              <a:t> </a:t>
-            </a:r>
-            <a:r>
-              <a:rPr lang="en-US" sz="2400" dirty="0" err="1">
-                <a:solidFill>
-                  <a:srgbClr val="FF0000"/>
-                </a:solidFill>
-                <a:ea typeface="SF Pro Semibold" pitchFamily="2" charset="0"/>
-                <a:cs typeface="Arial" panose="020B0604020202020204" pitchFamily="34" charset="0"/>
-              </a:rPr>
-              <a:t>không</a:t>
-            </a:r>
-            <a:r>
-              <a:rPr lang="en-US" sz="2400" dirty="0">
-                <a:solidFill>
-                  <a:srgbClr val="FF0000"/>
-                </a:solidFill>
-                <a:ea typeface="SF Pro Semibold" pitchFamily="2" charset="0"/>
-                <a:cs typeface="Arial" panose="020B0604020202020204" pitchFamily="34" charset="0"/>
-              </a:rPr>
-              <a:t>?</a:t>
-            </a:r>
-            <a:endParaRPr lang="en-US" sz="2400" dirty="0">
-              <a:solidFill>
-                <a:srgbClr val="FF0000"/>
-              </a:solidFill>
-              <a:ea typeface="SF Pro Semibold" pitchFamily="2" charset="0"/>
-              <a:cs typeface="Arial" panose="020B0604020202020204" pitchFamily="34" charset="0"/>
-            </a:endParaRPr>
           </a:p>
           <a:p>
             <a:r>
@@ -10046,11 +9769,6 @@
               </a:rPr>
               <a:t>2</a:t>
             </a:r>
-            <a:endParaRPr lang="en-US">
-              <a:solidFill>
-                <a:srgbClr val="FF0000"/>
-              </a:solidFill>
-            </a:endParaRPr>
           </a:p>
         </p:txBody>
       </p:sp>
@@ -10137,7 +9855,7 @@
         <p:spPr>
           <a:xfrm>
             <a:off x="521852" y="315311"/>
-            <a:ext cx="4791075" cy="583565"/>
+            <a:ext cx="5564344" cy="584775"/>
           </a:xfrm>
           <a:prstGeom prst="rect">
             <a:avLst/>
@@ -10157,34 +9875,7 @@
                 </a:solidFill>
                 <a:latin typeface="+mj-lt"/>
               </a:rPr>
-              <a:t>1</a:t>
-            </a:r>
-            <a:r>
-              <a:rPr lang="vi-VN" altLang="en-US" sz="3200" b="1">
-                <a:solidFill>
-                  <a:schemeClr val="bg1"/>
-                </a:solidFill>
-                <a:latin typeface="+mj-lt"/>
-              </a:rPr>
-              <a:t>.</a:t>
-            </a:r>
-            <a:r>
-              <a:rPr lang="en-US" sz="3200" b="1">
-                <a:solidFill>
-                  <a:schemeClr val="bg1"/>
-                </a:solidFill>
-                <a:latin typeface="+mj-lt"/>
-              </a:rPr>
-              <a:t>Kh</a:t>
-            </a:r>
-            <a:r>
-              <a:rPr lang="vi-VN" altLang="en-US" sz="3200" b="1">
-                <a:solidFill>
-                  <a:schemeClr val="bg1"/>
-                </a:solidFill>
-                <a:latin typeface="+mj-lt"/>
-              </a:rPr>
-              <a:t>ái Niệm và Cấu Tạo</a:t>
+              <a:t>1.KHÁI NIỆM VÀ CẤU TẠO. </a:t>
             </a:r>
             <a:endParaRPr lang="vi-VN" altLang="en-US" sz="3200" b="1">
               <a:solidFill>
@@ -10228,7 +9919,7 @@
           <p:nvPr/>
         </p:nvPicPr>
         <p:blipFill>
-          <a:blip r:embed="rId1"/>
+          <a:blip r:embed="rId2"/>
           <a:stretch>
             <a:fillRect/>
           </a:stretch>
@@ -10444,13 +10135,6 @@
               </a:rPr>
               <a:t>1.1.Khái Niệm</a:t>
             </a:r>
-            <a:endParaRPr lang="vi-VN" sz="2800" dirty="0">
-              <a:solidFill>
-                <a:srgbClr val="FF0000"/>
-              </a:solidFill>
-              <a:ea typeface="SF Pro Semibold" pitchFamily="2" charset="0"/>
-              <a:cs typeface="Arial" panose="020B0604020202020204" pitchFamily="34" charset="0"/>
-            </a:endParaRPr>
           </a:p>
         </p:txBody>
       </p:sp>
@@ -10494,9 +10178,6 @@
               </a:rPr>
               <a:t>Công nghệ nhận diện khuôn mặt là một công nghệ sinh trắc học ánh xạ các đặc điểm khuôn mặt của một cá nhân về mặt toán học và lưu trữ dữ liệu dưới dạng faceprint</a:t>
             </a:r>
-            <a:endParaRPr lang="en-US" sz="2400">
-              <a:cs typeface="Arial" panose="020B0604020202020204" pitchFamily="34" charset="0"/>
-            </a:endParaRPr>
           </a:p>
         </p:txBody>
       </p:sp>
@@ -10509,7 +10190,7 @@
           <p:nvPr/>
         </p:nvPicPr>
         <p:blipFill>
-          <a:blip r:embed="rId2"/>
+          <a:blip r:embed="rId3"/>
           <a:stretch>
             <a:fillRect/>
           </a:stretch>
@@ -10533,7 +10214,7 @@
           <p:nvPr/>
         </p:nvPicPr>
         <p:blipFill>
-          <a:blip r:embed="rId3"/>
+          <a:blip r:embed="rId4"/>
           <a:stretch>
             <a:fillRect/>
           </a:stretch>
@@ -10602,11 +10283,6 @@
               </a:rPr>
               <a:t>3</a:t>
             </a:r>
-            <a:endParaRPr lang="en-US">
-              <a:solidFill>
-                <a:srgbClr val="FF0000"/>
-              </a:solidFill>
-            </a:endParaRPr>
           </a:p>
         </p:txBody>
       </p:sp>
@@ -10693,7 +10369,7 @@
         <p:spPr>
           <a:xfrm>
             <a:off x="521852" y="315311"/>
-            <a:ext cx="4791075" cy="583565"/>
+            <a:ext cx="5564344" cy="584775"/>
           </a:xfrm>
           <a:prstGeom prst="rect">
             <a:avLst/>
@@ -10713,14 +10389,8 @@
                 </a:solidFill>
                 <a:latin typeface="+mj-lt"/>
               </a:rPr>
-              <a:t>1.Khái Niệm và Cấu Tạo</a:t>
-            </a:r>
-            <a:endParaRPr lang="vi-VN" altLang="en-US" sz="3200" b="1">
-              <a:solidFill>
-                <a:schemeClr val="bg1"/>
-              </a:solidFill>
-              <a:latin typeface="+mj-lt"/>
-            </a:endParaRPr>
+              <a:t>1.KHÁI NIỆM VÀ CẤU TẠO. </a:t>
+            </a:r>
           </a:p>
         </p:txBody>
       </p:sp>
@@ -10757,7 +10427,7 @@
           <p:nvPr/>
         </p:nvPicPr>
         <p:blipFill>
-          <a:blip r:embed="rId1"/>
+          <a:blip r:embed="rId2"/>
           <a:stretch>
             <a:fillRect/>
           </a:stretch>
@@ -10973,13 +10643,6 @@
               </a:rPr>
               <a:t>1.2 Cấu tạo Face ID</a:t>
             </a:r>
-            <a:endParaRPr lang="vi-VN" sz="2800" dirty="0">
-              <a:solidFill>
-                <a:srgbClr val="FF0000"/>
-              </a:solidFill>
-              <a:ea typeface="SF Pro Semibold" pitchFamily="2" charset="0"/>
-              <a:cs typeface="Arial" panose="020B0604020202020204" pitchFamily="34" charset="0"/>
-            </a:endParaRPr>
           </a:p>
         </p:txBody>
       </p:sp>
@@ -11016,9 +10679,6 @@
               </a:rPr>
               <a:t>Face ID bao gồm hai phần</a:t>
             </a:r>
-            <a:endParaRPr lang="en-US" sz="2400">
-              <a:cs typeface="Arial" panose="020B0604020202020204" pitchFamily="34" charset="0"/>
-            </a:endParaRPr>
           </a:p>
           <a:p>
             <a:pPr marL="285750" indent="-285750">
@@ -11034,9 +10694,6 @@
               </a:rPr>
               <a:t>mô-đun máy chiếu chấm chiếu hơn 30.000 điểm hồng ngoại lên mặt người dùng</a:t>
             </a:r>
-            <a:endParaRPr lang="en-US" sz="2400">
-              <a:cs typeface="Arial" panose="020B0604020202020204" pitchFamily="34" charset="0"/>
-            </a:endParaRPr>
           </a:p>
           <a:p>
             <a:pPr marL="285750" indent="-285750">
@@ -11052,9 +10709,6 @@
               </a:rPr>
               <a:t> mô-đun camera hồng ngoại đọc mẫu </a:t>
             </a:r>
-            <a:endParaRPr lang="en-US" sz="2400">
-              <a:cs typeface="Arial" panose="020B0604020202020204" pitchFamily="34" charset="0"/>
-            </a:endParaRPr>
           </a:p>
         </p:txBody>
       </p:sp>
@@ -11067,7 +10721,7 @@
           <p:nvPr/>
         </p:nvPicPr>
         <p:blipFill>
-          <a:blip r:embed="rId2"/>
+          <a:blip r:embed="rId3"/>
           <a:stretch>
             <a:fillRect/>
           </a:stretch>
@@ -11091,7 +10745,7 @@
           <p:nvPr/>
         </p:nvPicPr>
         <p:blipFill>
-          <a:blip r:embed="rId3"/>
+          <a:blip r:embed="rId4"/>
           <a:stretch>
             <a:fillRect/>
           </a:stretch>
@@ -11160,11 +10814,6 @@
               </a:rPr>
               <a:t>4</a:t>
             </a:r>
-            <a:endParaRPr lang="en-US">
-              <a:solidFill>
-                <a:srgbClr val="FF0000"/>
-              </a:solidFill>
-            </a:endParaRPr>
           </a:p>
         </p:txBody>
       </p:sp>
@@ -11251,7 +10900,7 @@
         <p:spPr>
           <a:xfrm>
             <a:off x="521852" y="315311"/>
-            <a:ext cx="3118485" cy="583565"/>
+            <a:ext cx="3260829" cy="584775"/>
           </a:xfrm>
           <a:prstGeom prst="rect">
             <a:avLst/>
@@ -11271,14 +10920,8 @@
                 </a:solidFill>
                 <a:latin typeface="+mj-lt"/>
               </a:rPr>
-              <a:t>2.HOẠT ĐỘNG </a:t>
-            </a:r>
-            <a:endParaRPr lang="en-US" sz="3200" b="1">
-              <a:solidFill>
-                <a:schemeClr val="bg1"/>
-              </a:solidFill>
-              <a:latin typeface="+mj-lt"/>
-            </a:endParaRPr>
+              <a:t>2.HOẠT ĐỘNG. </a:t>
+            </a:r>
           </a:p>
         </p:txBody>
       </p:sp>
@@ -11315,7 +10958,7 @@
           <p:nvPr/>
         </p:nvPicPr>
         <p:blipFill>
-          <a:blip r:embed="rId1"/>
+          <a:blip r:embed="rId2"/>
           <a:stretch>
             <a:fillRect/>
           </a:stretch>
@@ -11369,13 +11012,6 @@
               </a:rPr>
               <a:t>2.1.Truyền thống </a:t>
             </a:r>
-            <a:endParaRPr lang="en-US" sz="2800" dirty="0">
-              <a:solidFill>
-                <a:srgbClr val="FF0000"/>
-              </a:solidFill>
-              <a:ea typeface="SF Pro Semibold" pitchFamily="2" charset="0"/>
-              <a:cs typeface="Arial" panose="020B0604020202020204" pitchFamily="34" charset="0"/>
-            </a:endParaRPr>
           </a:p>
           <a:p>
             <a:pPr marL="457200" indent="-457200">
@@ -11392,10 +11028,6 @@
               </a:rPr>
               <a:t>Mỗi khuôn mặt đều có nhiều điểm mốc. Là phần lòi lõm tạo nên khuôn mặt.</a:t>
             </a:r>
-            <a:endParaRPr lang="en-US" sz="2400" dirty="0">
-              <a:ea typeface="SF Pro Semibold" pitchFamily="2" charset="0"/>
-              <a:cs typeface="Arial" panose="020B0604020202020204" pitchFamily="34" charset="0"/>
-            </a:endParaRPr>
           </a:p>
           <a:p>
             <a:pPr marL="457200" indent="-457200">
@@ -11412,10 +11044,6 @@
               </a:rPr>
               <a:t>Hệ thống nhận diện qua những điểm nút</a:t>
             </a:r>
-            <a:endParaRPr lang="en-US" sz="2400" dirty="0">
-              <a:ea typeface="SF Pro Semibold" pitchFamily="2" charset="0"/>
-              <a:cs typeface="Arial" panose="020B0604020202020204" pitchFamily="34" charset="0"/>
-            </a:endParaRPr>
           </a:p>
           <a:p>
             <a:pPr marL="457200" indent="-457200">
@@ -11432,10 +11060,6 @@
               </a:rPr>
               <a:t>Mỗi mặt người có khoảng 80 điểm nút</a:t>
             </a:r>
-            <a:endParaRPr lang="en-US" sz="2400" dirty="0">
-              <a:ea typeface="SF Pro Semibold" pitchFamily="2" charset="0"/>
-              <a:cs typeface="Arial" panose="020B0604020202020204" pitchFamily="34" charset="0"/>
-            </a:endParaRPr>
           </a:p>
           <a:p>
             <a:pPr marL="457200" indent="-457200">
@@ -11491,10 +11115,6 @@
               </a:rPr>
               <a:t>Độ sâu của hốc mắt</a:t>
             </a:r>
-            <a:endParaRPr lang="en-US" sz="2400" dirty="0">
-              <a:ea typeface="SF Pro Semibold" pitchFamily="2" charset="0"/>
-              <a:cs typeface="Arial" panose="020B0604020202020204" pitchFamily="34" charset="0"/>
-            </a:endParaRPr>
           </a:p>
         </p:txBody>
       </p:sp>
@@ -11552,11 +11172,6 @@
               </a:rPr>
               <a:t>5</a:t>
             </a:r>
-            <a:endParaRPr lang="en-US">
-              <a:solidFill>
-                <a:srgbClr val="FF0000"/>
-              </a:solidFill>
-            </a:endParaRPr>
           </a:p>
         </p:txBody>
       </p:sp>
@@ -11665,12 +11280,6 @@
               </a:rPr>
               <a:t>2.HOẠT ĐỘNG </a:t>
             </a:r>
-            <a:endParaRPr lang="en-US" sz="3200" b="1">
-              <a:solidFill>
-                <a:schemeClr val="bg1"/>
-              </a:solidFill>
-              <a:latin typeface="+mj-lt"/>
-            </a:endParaRPr>
           </a:p>
         </p:txBody>
       </p:sp>
@@ -11707,7 +11316,7 @@
           <p:nvPr/>
         </p:nvPicPr>
         <p:blipFill>
-          <a:blip r:embed="rId1"/>
+          <a:blip r:embed="rId2"/>
           <a:stretch>
             <a:fillRect/>
           </a:stretch>
@@ -11761,13 +11370,6 @@
               </a:rPr>
               <a:t>2.1.Truyền thống </a:t>
             </a:r>
-            <a:endParaRPr lang="en-US" sz="2800" dirty="0">
-              <a:solidFill>
-                <a:srgbClr val="FF0000"/>
-              </a:solidFill>
-              <a:ea typeface="SF Pro Semibold" pitchFamily="2" charset="0"/>
-              <a:cs typeface="Arial" panose="020B0604020202020204" pitchFamily="34" charset="0"/>
-            </a:endParaRPr>
           </a:p>
           <a:p>
             <a:pPr marL="0" indent="0">
@@ -11793,7 +11395,7 @@
           <p:nvPr/>
         </p:nvPicPr>
         <p:blipFill>
-          <a:blip r:embed="rId2"/>
+          <a:blip r:embed="rId3"/>
           <a:stretch>
             <a:fillRect/>
           </a:stretch>
@@ -11817,7 +11419,7 @@
           <p:nvPr/>
         </p:nvPicPr>
         <p:blipFill>
-          <a:blip r:embed="rId3"/>
+          <a:blip r:embed="rId4"/>
           <a:stretch>
             <a:fillRect/>
           </a:stretch>
@@ -11841,7 +11443,7 @@
           <p:nvPr/>
         </p:nvPicPr>
         <p:blipFill>
-          <a:blip r:embed="rId4"/>
+          <a:blip r:embed="rId5"/>
           <a:stretch>
             <a:fillRect/>
           </a:stretch>
@@ -11910,11 +11512,6 @@
               </a:rPr>
               <a:t>6</a:t>
             </a:r>
-            <a:endParaRPr lang="en-US">
-              <a:solidFill>
-                <a:srgbClr val="FF0000"/>
-              </a:solidFill>
-            </a:endParaRPr>
           </a:p>
         </p:txBody>
       </p:sp>
@@ -12001,7 +11598,7 @@
         <p:spPr>
           <a:xfrm>
             <a:off x="521852" y="315311"/>
-            <a:ext cx="3118485" cy="583565"/>
+            <a:ext cx="3260829" cy="584775"/>
           </a:xfrm>
           <a:prstGeom prst="rect">
             <a:avLst/>
@@ -12021,14 +11618,8 @@
                 </a:solidFill>
                 <a:latin typeface="+mj-lt"/>
               </a:rPr>
-              <a:t>2.HOẠT ĐỘNG </a:t>
-            </a:r>
-            <a:endParaRPr lang="en-US" sz="3200" b="1">
-              <a:solidFill>
-                <a:schemeClr val="bg1"/>
-              </a:solidFill>
-              <a:latin typeface="+mj-lt"/>
-            </a:endParaRPr>
+              <a:t>2.HOẠT ĐỘNG. </a:t>
+            </a:r>
           </a:p>
         </p:txBody>
       </p:sp>
@@ -12065,7 +11656,7 @@
           <p:nvPr/>
         </p:nvPicPr>
         <p:blipFill>
-          <a:blip r:embed="rId1"/>
+          <a:blip r:embed="rId2"/>
           <a:stretch>
             <a:fillRect/>
           </a:stretch>
@@ -12119,13 +11710,6 @@
               </a:rPr>
               <a:t>2.2.Nâng cao dạng 3D</a:t>
             </a:r>
-            <a:endParaRPr lang="en-US" sz="2400" dirty="0">
-              <a:solidFill>
-                <a:srgbClr val="FF0000"/>
-              </a:solidFill>
-              <a:ea typeface="SF Pro Semibold" pitchFamily="2" charset="0"/>
-              <a:cs typeface="Arial" panose="020B0604020202020204" pitchFamily="34" charset="0"/>
-            </a:endParaRPr>
           </a:p>
           <a:p>
             <a:pPr marL="457200" indent="-457200">
@@ -12142,10 +11726,6 @@
               </a:rPr>
               <a:t> Kỹ thuật này sử dụng các cảm biến 3D để nắm bắt thông tin về hình dạng của khuôn mặt.</a:t>
             </a:r>
-            <a:endParaRPr lang="en-US" sz="2400" dirty="0">
-              <a:ea typeface="SF Pro Semibold" pitchFamily="2" charset="0"/>
-              <a:cs typeface="Arial" panose="020B0604020202020204" pitchFamily="34" charset="0"/>
-            </a:endParaRPr>
           </a:p>
           <a:p>
             <a:pPr marL="457200" indent="-457200">
@@ -12162,10 +11742,6 @@
               </a:rPr>
               <a:t>Thông tin này được sử dụng xác định một khuôn mặt như các đường viền của hốc mắt, mũi và cằm.</a:t>
             </a:r>
-            <a:endParaRPr lang="en-US" sz="2400" dirty="0">
-              <a:ea typeface="SF Pro Semibold" pitchFamily="2" charset="0"/>
-              <a:cs typeface="Arial" panose="020B0604020202020204" pitchFamily="34" charset="0"/>
-            </a:endParaRPr>
           </a:p>
           <a:p>
             <a:pPr marL="457200" indent="-457200">
@@ -12182,10 +11758,6 @@
               </a:rPr>
               <a:t>Nhận dạng khuôn mặt 3D là nó không bị ảnh hưởng bởi những thay đổi trong ánh sáng.</a:t>
             </a:r>
-            <a:endParaRPr lang="en-US" sz="2400" dirty="0">
-              <a:ea typeface="SF Pro Semibold" pitchFamily="2" charset="0"/>
-              <a:cs typeface="Arial" panose="020B0604020202020204" pitchFamily="34" charset="0"/>
-            </a:endParaRPr>
           </a:p>
           <a:p>
             <a:pPr marL="457200" indent="-457200">
@@ -12256,11 +11828,6 @@
               </a:rPr>
               <a:t>7</a:t>
             </a:r>
-            <a:endParaRPr lang="en-US">
-              <a:solidFill>
-                <a:srgbClr val="FF0000"/>
-              </a:solidFill>
-            </a:endParaRPr>
           </a:p>
         </p:txBody>
       </p:sp>
@@ -12347,7 +11914,7 @@
         <p:spPr>
           <a:xfrm>
             <a:off x="521852" y="315311"/>
-            <a:ext cx="3118485" cy="583565"/>
+            <a:ext cx="3260829" cy="584775"/>
           </a:xfrm>
           <a:prstGeom prst="rect">
             <a:avLst/>
@@ -12367,14 +11934,8 @@
                 </a:solidFill>
                 <a:latin typeface="+mj-lt"/>
               </a:rPr>
-              <a:t>2.HOẠT ĐỘNG </a:t>
-            </a:r>
-            <a:endParaRPr lang="en-US" sz="3200" b="1">
-              <a:solidFill>
-                <a:schemeClr val="bg1"/>
-              </a:solidFill>
-              <a:latin typeface="+mj-lt"/>
-            </a:endParaRPr>
+              <a:t>2.HOẠT ĐỘNG. </a:t>
+            </a:r>
           </a:p>
         </p:txBody>
       </p:sp>
@@ -12411,7 +11972,7 @@
           <p:nvPr/>
         </p:nvPicPr>
         <p:blipFill>
-          <a:blip r:embed="rId1"/>
+          <a:blip r:embed="rId2"/>
           <a:stretch>
             <a:fillRect/>
           </a:stretch>
@@ -12465,13 +12026,6 @@
               </a:rPr>
               <a:t>2.2.Nâng cao dạng 3D</a:t>
             </a:r>
-            <a:endParaRPr lang="en-US" sz="2400" dirty="0">
-              <a:solidFill>
-                <a:srgbClr val="FF0000"/>
-              </a:solidFill>
-              <a:ea typeface="SF Pro Semibold" pitchFamily="2" charset="0"/>
-              <a:cs typeface="Arial" panose="020B0604020202020204" pitchFamily="34" charset="0"/>
-            </a:endParaRPr>
           </a:p>
           <a:p>
             <a:pPr marL="0" indent="0">
@@ -12510,7 +12064,7 @@
           <p:nvPr/>
         </p:nvPicPr>
         <p:blipFill>
-          <a:blip r:embed="rId2"/>
+          <a:blip r:embed="rId3"/>
           <a:stretch>
             <a:fillRect/>
           </a:stretch>
@@ -12534,7 +12088,7 @@
           <p:nvPr/>
         </p:nvPicPr>
         <p:blipFill>
-          <a:blip r:embed="rId3"/>
+          <a:blip r:embed="rId4"/>
           <a:stretch>
             <a:fillRect/>
           </a:stretch>
@@ -12603,11 +12157,6 @@
               </a:rPr>
               <a:t>8</a:t>
             </a:r>
-            <a:endParaRPr lang="en-US">
-              <a:solidFill>
-                <a:srgbClr val="FF0000"/>
-              </a:solidFill>
-            </a:endParaRPr>
           </a:p>
         </p:txBody>
       </p:sp>
@@ -12694,7 +12243,7 @@
         <p:spPr>
           <a:xfrm>
             <a:off x="521852" y="315311"/>
-            <a:ext cx="3118485" cy="583565"/>
+            <a:ext cx="3260829" cy="584775"/>
           </a:xfrm>
           <a:prstGeom prst="rect">
             <a:avLst/>
@@ -12714,14 +12263,8 @@
                 </a:solidFill>
                 <a:latin typeface="+mj-lt"/>
               </a:rPr>
-              <a:t>2.HOẠT ĐỘNG </a:t>
-            </a:r>
-            <a:endParaRPr lang="en-US" sz="3200" b="1">
-              <a:solidFill>
-                <a:schemeClr val="bg1"/>
-              </a:solidFill>
-              <a:latin typeface="+mj-lt"/>
-            </a:endParaRPr>
+              <a:t>2.HOẠT ĐỘNG. </a:t>
+            </a:r>
           </a:p>
         </p:txBody>
       </p:sp>
@@ -12758,7 +12301,7 @@
           <p:nvPr/>
         </p:nvPicPr>
         <p:blipFill>
-          <a:blip r:embed="rId1"/>
+          <a:blip r:embed="rId2"/>
           <a:stretch>
             <a:fillRect/>
           </a:stretch>
@@ -12812,13 +12355,6 @@
               </a:rPr>
               <a:t>2.3.Phân tích kết cấu da</a:t>
             </a:r>
-            <a:endParaRPr lang="en-US" sz="2400" dirty="0">
-              <a:solidFill>
-                <a:srgbClr val="FF0000"/>
-              </a:solidFill>
-              <a:ea typeface="SF Pro Semibold" pitchFamily="2" charset="0"/>
-              <a:cs typeface="Arial" panose="020B0604020202020204" pitchFamily="34" charset="0"/>
-            </a:endParaRPr>
           </a:p>
           <a:p>
             <a:pPr marL="457200" indent="-457200">
@@ -12835,10 +12371,6 @@
               </a:rPr>
               <a:t> sử dụng các chi tiết hình ảnh của da, được chụp trong các hình ảnh kỹ thuật số hoặc máy scan tiêu chuẩn.</a:t>
             </a:r>
-            <a:endParaRPr lang="en-US" sz="2400" dirty="0">
-              <a:ea typeface="SF Pro Semibold" pitchFamily="2" charset="0"/>
-              <a:cs typeface="Arial" panose="020B0604020202020204" pitchFamily="34" charset="0"/>
-            </a:endParaRPr>
           </a:p>
           <a:p>
             <a:pPr marL="457200" indent="-457200">
@@ -12855,10 +12387,6 @@
               </a:rPr>
               <a:t>phân tích kết cấu da, các đường đặc trưng, hình dạng và điểm nốt trên da.</a:t>
             </a:r>
-            <a:endParaRPr lang="en-US" sz="2400" dirty="0">
-              <a:ea typeface="SF Pro Semibold" pitchFamily="2" charset="0"/>
-              <a:cs typeface="Arial" panose="020B0604020202020204" pitchFamily="34" charset="0"/>
-            </a:endParaRPr>
           </a:p>
           <a:p>
             <a:pPr marL="457200" indent="-457200">
@@ -12875,10 +12403,6 @@
               </a:rPr>
               <a:t>Đưa vào không gian toán học.</a:t>
             </a:r>
-            <a:endParaRPr lang="en-US" sz="2400" dirty="0">
-              <a:ea typeface="SF Pro Semibold" pitchFamily="2" charset="0"/>
-              <a:cs typeface="Arial" panose="020B0604020202020204" pitchFamily="34" charset="0"/>
-            </a:endParaRPr>
           </a:p>
           <a:p>
             <a:pPr marL="457200" indent="-457200">
@@ -12988,11 +12512,6 @@
               </a:rPr>
               <a:t>9</a:t>
             </a:r>
-            <a:endParaRPr lang="en-US">
-              <a:solidFill>
-                <a:srgbClr val="FF0000"/>
-              </a:solidFill>
-            </a:endParaRPr>
           </a:p>
         </p:txBody>
       </p:sp>
@@ -13227,6 +12746,7 @@
       </a:bgFillStyleLst>
     </a:fmtScheme>
   </a:themeElements>
+  <a:objectDefaults/>
   <a:extraClrSchemeLst>
     <a:extraClrScheme>
       <a:clrScheme name="cdb2004158l 1">

--- a/BÀI THUYẾT TRÌNH MẪU.pptx
+++ b/BÀI THUYẾT TRÌNH MẪU.pptx
@@ -20,8 +20,9 @@
     <p:sldId id="264" r:id="rId14"/>
     <p:sldId id="260" r:id="rId15"/>
     <p:sldId id="265" r:id="rId16"/>
-    <p:sldId id="266" r:id="rId17"/>
-    <p:sldId id="262" r:id="rId18"/>
+    <p:sldId id="287" r:id="rId17"/>
+    <p:sldId id="266" r:id="rId18"/>
+    <p:sldId id="262" r:id="rId19"/>
   </p:sldIdLst>
   <p:sldSz cx="9144000" cy="6858000" type="screen4x3"/>
   <p:notesSz cx="6858000" cy="9144000"/>
@@ -729,7 +730,7 @@
           <a:p>
             <a:fld id="{6BDEAFE6-325E-AA48-AC90-E1B1FC9AAA75}" type="datetimeFigureOut">
               <a:rPr lang="en-US"/>
-              <a:t>10/22/23</a:t>
+              <a:t>10/22/2023</a:t>
             </a:fld>
             <a:endParaRPr lang="en-US"/>
           </a:p>
@@ -917,7 +918,7 @@
           <a:p>
             <a:fld id="{6BDEAFE6-325E-AA48-AC90-E1B1FC9AAA75}" type="datetimeFigureOut">
               <a:rPr lang="en-US"/>
-              <a:t>10/22/23</a:t>
+              <a:t>10/22/2023</a:t>
             </a:fld>
             <a:endParaRPr lang="en-US"/>
           </a:p>
@@ -1100,7 +1101,7 @@
           <a:p>
             <a:fld id="{6BDEAFE6-325E-AA48-AC90-E1B1FC9AAA75}" type="datetimeFigureOut">
               <a:rPr lang="en-US"/>
-              <a:t>10/22/23</a:t>
+              <a:t>10/22/2023</a:t>
             </a:fld>
             <a:endParaRPr lang="en-US"/>
           </a:p>
@@ -1278,7 +1279,7 @@
           <a:p>
             <a:fld id="{6BDEAFE6-325E-AA48-AC90-E1B1FC9AAA75}" type="datetimeFigureOut">
               <a:rPr lang="en-US"/>
-              <a:t>10/22/23</a:t>
+              <a:t>10/22/2023</a:t>
             </a:fld>
             <a:endParaRPr lang="en-US"/>
           </a:p>
@@ -1479,7 +1480,7 @@
           <a:p>
             <a:fld id="{6BDEAFE6-325E-AA48-AC90-E1B1FC9AAA75}" type="datetimeFigureOut">
               <a:rPr lang="en-US"/>
-              <a:t>10/22/23</a:t>
+              <a:t>10/22/2023</a:t>
             </a:fld>
             <a:endParaRPr lang="en-US"/>
           </a:p>
@@ -1774,7 +1775,7 @@
           <a:p>
             <a:fld id="{6BDEAFE6-325E-AA48-AC90-E1B1FC9AAA75}" type="datetimeFigureOut">
               <a:rPr lang="en-US"/>
-              <a:t>10/22/23</a:t>
+              <a:t>10/22/2023</a:t>
             </a:fld>
             <a:endParaRPr lang="en-US"/>
           </a:p>
@@ -2208,7 +2209,7 @@
           <a:p>
             <a:fld id="{6BDEAFE6-325E-AA48-AC90-E1B1FC9AAA75}" type="datetimeFigureOut">
               <a:rPr lang="en-US"/>
-              <a:t>10/22/23</a:t>
+              <a:t>10/22/2023</a:t>
             </a:fld>
             <a:endParaRPr lang="en-US"/>
           </a:p>
@@ -2335,7 +2336,7 @@
           <a:p>
             <a:fld id="{6BDEAFE6-325E-AA48-AC90-E1B1FC9AAA75}" type="datetimeFigureOut">
               <a:rPr lang="en-US"/>
-              <a:t>10/22/23</a:t>
+              <a:t>10/22/2023</a:t>
             </a:fld>
             <a:endParaRPr lang="en-US"/>
           </a:p>
@@ -2440,7 +2441,7 @@
           <a:p>
             <a:fld id="{6BDEAFE6-325E-AA48-AC90-E1B1FC9AAA75}" type="datetimeFigureOut">
               <a:rPr lang="en-US"/>
-              <a:t>10/22/23</a:t>
+              <a:t>10/22/2023</a:t>
             </a:fld>
             <a:endParaRPr lang="en-US"/>
           </a:p>
@@ -2725,7 +2726,7 @@
           <a:p>
             <a:fld id="{6BDEAFE6-325E-AA48-AC90-E1B1FC9AAA75}" type="datetimeFigureOut">
               <a:rPr lang="en-US"/>
-              <a:t>10/22/23</a:t>
+              <a:t>10/22/2023</a:t>
             </a:fld>
             <a:endParaRPr lang="en-US"/>
           </a:p>
@@ -2991,7 +2992,7 @@
           <a:p>
             <a:fld id="{6BDEAFE6-325E-AA48-AC90-E1B1FC9AAA75}" type="datetimeFigureOut">
               <a:rPr lang="en-US"/>
-              <a:t>10/22/23</a:t>
+              <a:t>10/22/2023</a:t>
             </a:fld>
             <a:endParaRPr lang="en-US"/>
           </a:p>
@@ -3626,7 +3627,7 @@
           <a:p>
             <a:fld id="{6BDEAFE6-325E-AA48-AC90-E1B1FC9AAA75}" type="datetimeFigureOut">
               <a:rPr lang="en-US"/>
-              <a:t>10/22/23</a:t>
+              <a:t>10/22/2023</a:t>
             </a:fld>
             <a:endParaRPr lang="en-US"/>
           </a:p>
@@ -8259,16 +8260,14 @@
       </p:grpSpPr>
       <p:sp>
         <p:nvSpPr>
-          <p:cNvPr id="10" name="TextBox 9">
-            <a:hlinkClick r:id="rId2"/>
-          </p:cNvPr>
+          <p:cNvPr id="10" name="TextBox 9"/>
           <p:cNvSpPr txBox="1"/>
           <p:nvPr/>
         </p:nvSpPr>
         <p:spPr>
           <a:xfrm>
             <a:off x="703384" y="1121254"/>
-            <a:ext cx="8169310" cy="577850"/>
+            <a:ext cx="8169310" cy="658835"/>
           </a:xfrm>
           <a:prstGeom prst="rect">
             <a:avLst/>
@@ -8289,12 +8288,22 @@
               <a:buChar char="Ø"/>
             </a:pPr>
             <a:r>
-              <a:rPr lang="en-US" sz="2400" dirty="0">
-                <a:ea typeface="SF Pro Semibold" pitchFamily="2" charset="0"/>
-                <a:cs typeface="Arial" panose="020B0604020202020204" pitchFamily="34" charset="0"/>
-              </a:rPr>
-              <a:t>https://en.wikipedia.org/wiki/Facial_recognition_system</a:t>
-            </a:r>
+              <a:rPr lang="en-US" sz="2800">
+                <a:solidFill>
+                  <a:srgbClr val="FF0000"/>
+                </a:solidFill>
+                <a:ea typeface="SF Pro Semibold" pitchFamily="2" charset="0"/>
+                <a:cs typeface="Arial" panose="020B0604020202020204" pitchFamily="34" charset="0"/>
+              </a:rPr>
+              <a:t>4.1.Ưu di?:  </a:t>
+            </a:r>
+            <a:endParaRPr lang="en-US" sz="2800" dirty="0">
+              <a:solidFill>
+                <a:srgbClr val="FF0000"/>
+              </a:solidFill>
+              <a:ea typeface="SF Pro Semibold" pitchFamily="2" charset="0"/>
+              <a:cs typeface="Arial" panose="020B0604020202020204" pitchFamily="34" charset="0"/>
+            </a:endParaRPr>
           </a:p>
         </p:txBody>
       </p:sp>
@@ -8353,6 +8362,291 @@
         <p:spPr>
           <a:xfrm>
             <a:off x="521852" y="315311"/>
+            <a:ext cx="7412607" cy="584775"/>
+          </a:xfrm>
+          <a:prstGeom prst="rect">
+            <a:avLst/>
+          </a:prstGeom>
+          <a:noFill/>
+        </p:spPr>
+        <p:txBody>
+          <a:bodyPr wrap="none" rtlCol="0">
+            <a:spAutoFit/>
+          </a:bodyPr>
+          <a:lstStyle/>
+          <a:p>
+            <a:r>
+              <a:rPr lang="en-US" sz="3200" b="1" dirty="0">
+                <a:solidFill>
+                  <a:schemeClr val="bg1"/>
+                </a:solidFill>
+                <a:latin typeface="+mj-lt"/>
+              </a:rPr>
+              <a:t>4.ƯU, NHƯỢC ĐIỂM VÀ ỨNG DỤNG. </a:t>
+            </a:r>
+          </a:p>
+        </p:txBody>
+      </p:sp>
+      <p:sp>
+        <p:nvSpPr>
+          <p:cNvPr id="6" name="TextBox 5"/>
+          <p:cNvSpPr txBox="1"/>
+          <p:nvPr/>
+        </p:nvSpPr>
+        <p:spPr>
+          <a:xfrm>
+            <a:off x="3247697" y="2406869"/>
+            <a:ext cx="184731" cy="369332"/>
+          </a:xfrm>
+          <a:prstGeom prst="rect">
+            <a:avLst/>
+          </a:prstGeom>
+          <a:noFill/>
+        </p:spPr>
+        <p:txBody>
+          <a:bodyPr wrap="none" rtlCol="0">
+            <a:spAutoFit/>
+          </a:bodyPr>
+          <a:lstStyle/>
+          <a:p>
+            <a:endParaRPr lang="en-US"/>
+          </a:p>
+        </p:txBody>
+      </p:sp>
+      <p:pic>
+        <p:nvPicPr>
+          <p:cNvPr id="12" name="Picture 11"/>
+          <p:cNvPicPr/>
+          <p:nvPr/>
+        </p:nvPicPr>
+        <p:blipFill>
+          <a:blip r:embed="rId2"/>
+          <a:stretch>
+            <a:fillRect/>
+          </a:stretch>
+        </p:blipFill>
+        <p:spPr>
+          <a:xfrm>
+            <a:off x="-39267" y="6350556"/>
+            <a:ext cx="576000" cy="1236543"/>
+          </a:xfrm>
+          <a:prstGeom prst="rect">
+            <a:avLst/>
+          </a:prstGeom>
+        </p:spPr>
+      </p:pic>
+      <p:pic>
+        <p:nvPicPr>
+          <p:cNvPr id="3" name="Picture 2"/>
+          <p:cNvPicPr>
+            <a:picLocks noChangeAspect="1"/>
+          </p:cNvPicPr>
+          <p:nvPr/>
+        </p:nvPicPr>
+        <p:blipFill>
+          <a:blip r:embed="rId3"/>
+          <a:stretch>
+            <a:fillRect/>
+          </a:stretch>
+        </p:blipFill>
+        <p:spPr>
+          <a:xfrm>
+            <a:off x="1040256" y="1854645"/>
+            <a:ext cx="7495566" cy="4732049"/>
+          </a:xfrm>
+          <a:prstGeom prst="roundRect">
+            <a:avLst>
+              <a:gd name="adj" fmla="val 8649"/>
+            </a:avLst>
+          </a:prstGeom>
+        </p:spPr>
+      </p:pic>
+      <p:sp>
+        <p:nvSpPr>
+          <p:cNvPr id="11" name="Oval 10"/>
+          <p:cNvSpPr>
+            <a:spLocks noChangeAspect="1"/>
+          </p:cNvSpPr>
+          <p:nvPr/>
+        </p:nvSpPr>
+        <p:spPr>
+          <a:xfrm>
+            <a:off x="8453329" y="6164664"/>
+            <a:ext cx="693336" cy="693336"/>
+          </a:xfrm>
+          <a:prstGeom prst="ellipse">
+            <a:avLst/>
+          </a:prstGeom>
+          <a:solidFill>
+            <a:schemeClr val="bg1"/>
+          </a:solidFill>
+          <a:ln>
+            <a:solidFill>
+              <a:srgbClr val="FF0000"/>
+            </a:solidFill>
+          </a:ln>
+        </p:spPr>
+        <p:style>
+          <a:lnRef idx="2">
+            <a:schemeClr val="accent1">
+              <a:shade val="50000"/>
+            </a:schemeClr>
+          </a:lnRef>
+          <a:fillRef idx="1">
+            <a:schemeClr val="accent1"/>
+          </a:fillRef>
+          <a:effectRef idx="0">
+            <a:schemeClr val="accent1"/>
+          </a:effectRef>
+          <a:fontRef idx="minor">
+            <a:schemeClr val="lt1"/>
+          </a:fontRef>
+        </p:style>
+        <p:txBody>
+          <a:bodyPr rtlCol="0" anchor="ctr"/>
+          <a:lstStyle/>
+          <a:p>
+            <a:pPr algn="ctr"/>
+            <a:r>
+              <a:rPr lang="en-US">
+                <a:solidFill>
+                  <a:srgbClr val="FF0000"/>
+                </a:solidFill>
+              </a:rPr>
+              <a:t>15</a:t>
+            </a:r>
+          </a:p>
+        </p:txBody>
+      </p:sp>
+    </p:spTree>
+    <p:extLst>
+      <p:ext uri="{BB962C8B-B14F-4D97-AF65-F5344CB8AC3E}">
+        <p14:creationId xmlns:p14="http://schemas.microsoft.com/office/powerpoint/2010/main" val="2715188803"/>
+      </p:ext>
+    </p:extLst>
+  </p:cSld>
+  <p:clrMapOvr>
+    <a:masterClrMapping/>
+  </p:clrMapOvr>
+  <p:transition spd="slow">
+    <p:pull/>
+  </p:transition>
+</p:sld>
+</file>
+
+<file path=ppt/slides/slide17.xml><?xml version="1.0" encoding="utf-8"?>
+<p:sld xmlns:a="http://schemas.openxmlformats.org/drawingml/2006/main" xmlns:r="http://schemas.openxmlformats.org/officeDocument/2006/relationships" xmlns:p="http://schemas.openxmlformats.org/presentationml/2006/main">
+  <p:cSld>
+    <p:spTree>
+      <p:nvGrpSpPr>
+        <p:cNvPr id="1" name=""/>
+        <p:cNvGrpSpPr/>
+        <p:nvPr/>
+      </p:nvGrpSpPr>
+      <p:grpSpPr>
+        <a:xfrm>
+          <a:off x="0" y="0"/>
+          <a:ext cx="0" cy="0"/>
+          <a:chOff x="0" y="0"/>
+          <a:chExt cx="0" cy="0"/>
+        </a:xfrm>
+      </p:grpSpPr>
+      <p:sp>
+        <p:nvSpPr>
+          <p:cNvPr id="10" name="TextBox 9">
+            <a:hlinkClick r:id="rId2"/>
+          </p:cNvPr>
+          <p:cNvSpPr txBox="1"/>
+          <p:nvPr/>
+        </p:nvSpPr>
+        <p:spPr>
+          <a:xfrm>
+            <a:off x="703384" y="1121254"/>
+            <a:ext cx="8169310" cy="577850"/>
+          </a:xfrm>
+          <a:prstGeom prst="rect">
+            <a:avLst/>
+          </a:prstGeom>
+          <a:noFill/>
+        </p:spPr>
+        <p:txBody>
+          <a:bodyPr wrap="square">
+            <a:spAutoFit/>
+          </a:bodyPr>
+          <a:lstStyle/>
+          <a:p>
+            <a:pPr marL="457200" indent="-457200">
+              <a:lnSpc>
+                <a:spcPct val="150000"/>
+              </a:lnSpc>
+              <a:buFont typeface="Wingdings" panose="05000000000000000000" pitchFamily="2" charset="2"/>
+              <a:buChar char="Ø"/>
+            </a:pPr>
+            <a:r>
+              <a:rPr lang="en-US" sz="2400" dirty="0">
+                <a:ea typeface="SF Pro Semibold" pitchFamily="2" charset="0"/>
+                <a:cs typeface="Arial" panose="020B0604020202020204" pitchFamily="34" charset="0"/>
+              </a:rPr>
+              <a:t>https://en.wikipedia.org/wiki/Facial_recognition_system</a:t>
+            </a:r>
+          </a:p>
+        </p:txBody>
+      </p:sp>
+      <p:sp>
+        <p:nvSpPr>
+          <p:cNvPr id="9" name="Rectangle 8"/>
+          <p:cNvSpPr/>
+          <p:nvPr/>
+        </p:nvSpPr>
+        <p:spPr>
+          <a:xfrm>
+            <a:off x="8470760" y="6350556"/>
+            <a:ext cx="693336" cy="567732"/>
+          </a:xfrm>
+          <a:prstGeom prst="rect">
+            <a:avLst/>
+          </a:prstGeom>
+          <a:solidFill>
+            <a:schemeClr val="bg1"/>
+          </a:solidFill>
+          <a:ln>
+            <a:noFill/>
+          </a:ln>
+        </p:spPr>
+        <p:style>
+          <a:lnRef idx="2">
+            <a:schemeClr val="accent1">
+              <a:shade val="50000"/>
+            </a:schemeClr>
+          </a:lnRef>
+          <a:fillRef idx="1">
+            <a:schemeClr val="accent1"/>
+          </a:fillRef>
+          <a:effectRef idx="0">
+            <a:schemeClr val="accent1"/>
+          </a:effectRef>
+          <a:fontRef idx="minor">
+            <a:schemeClr val="lt1"/>
+          </a:fontRef>
+        </p:style>
+        <p:txBody>
+          <a:bodyPr rtlCol="0" anchor="ctr"/>
+          <a:lstStyle/>
+          <a:p>
+            <a:pPr algn="ctr"/>
+            <a:endParaRPr lang="en-US"/>
+          </a:p>
+        </p:txBody>
+      </p:sp>
+      <p:sp>
+        <p:nvSpPr>
+          <p:cNvPr id="5" name="TextBox 4"/>
+          <p:cNvSpPr txBox="1"/>
+          <p:nvPr/>
+        </p:nvSpPr>
+        <p:spPr>
+          <a:xfrm>
+            <a:off x="521852" y="315311"/>
             <a:ext cx="7318029" cy="584775"/>
           </a:xfrm>
           <a:prstGeom prst="rect">
@@ -8519,7 +8813,7 @@
 </p:sld>
 </file>
 
-<file path=ppt/slides/slide17.xml><?xml version="1.0" encoding="utf-8"?>
+<file path=ppt/slides/slide18.xml><?xml version="1.0" encoding="utf-8"?>
 <p:sld xmlns:a="http://schemas.openxmlformats.org/drawingml/2006/main" xmlns:r="http://schemas.openxmlformats.org/officeDocument/2006/relationships" xmlns:p="http://schemas.openxmlformats.org/presentationml/2006/main">
   <p:cSld>
     <p:spTree>

--- a/BÀI THUYẾT TRÌNH MẪU.pptx
+++ b/BÀI THUYẾT TRÌNH MẪU.pptx
@@ -21,8 +21,12 @@
     <p:sldId id="260" r:id="rId15"/>
     <p:sldId id="265" r:id="rId16"/>
     <p:sldId id="287" r:id="rId17"/>
-    <p:sldId id="266" r:id="rId18"/>
-    <p:sldId id="262" r:id="rId19"/>
+    <p:sldId id="289" r:id="rId18"/>
+    <p:sldId id="288" r:id="rId19"/>
+    <p:sldId id="290" r:id="rId20"/>
+    <p:sldId id="291" r:id="rId21"/>
+    <p:sldId id="266" r:id="rId22"/>
+    <p:sldId id="262" r:id="rId23"/>
   </p:sldIdLst>
   <p:sldSz cx="9144000" cy="6858000" type="screen4x3"/>
   <p:notesSz cx="6858000" cy="9144000"/>
@@ -8260,55 +8264,6 @@
       </p:grpSpPr>
       <p:sp>
         <p:nvSpPr>
-          <p:cNvPr id="10" name="TextBox 9"/>
-          <p:cNvSpPr txBox="1"/>
-          <p:nvPr/>
-        </p:nvSpPr>
-        <p:spPr>
-          <a:xfrm>
-            <a:off x="703384" y="1121254"/>
-            <a:ext cx="8169310" cy="658835"/>
-          </a:xfrm>
-          <a:prstGeom prst="rect">
-            <a:avLst/>
-          </a:prstGeom>
-          <a:noFill/>
-        </p:spPr>
-        <p:txBody>
-          <a:bodyPr wrap="square">
-            <a:spAutoFit/>
-          </a:bodyPr>
-          <a:lstStyle/>
-          <a:p>
-            <a:pPr marL="457200" indent="-457200">
-              <a:lnSpc>
-                <a:spcPct val="150000"/>
-              </a:lnSpc>
-              <a:buFont typeface="Wingdings" panose="05000000000000000000" pitchFamily="2" charset="2"/>
-              <a:buChar char="Ø"/>
-            </a:pPr>
-            <a:r>
-              <a:rPr lang="en-US" sz="2800">
-                <a:solidFill>
-                  <a:srgbClr val="FF0000"/>
-                </a:solidFill>
-                <a:ea typeface="SF Pro Semibold" pitchFamily="2" charset="0"/>
-                <a:cs typeface="Arial" panose="020B0604020202020204" pitchFamily="34" charset="0"/>
-              </a:rPr>
-              <a:t>4.1.Ưu di?:  </a:t>
-            </a:r>
-            <a:endParaRPr lang="en-US" sz="2800" dirty="0">
-              <a:solidFill>
-                <a:srgbClr val="FF0000"/>
-              </a:solidFill>
-              <a:ea typeface="SF Pro Semibold" pitchFamily="2" charset="0"/>
-              <a:cs typeface="Arial" panose="020B0604020202020204" pitchFamily="34" charset="0"/>
-            </a:endParaRPr>
-          </a:p>
-        </p:txBody>
-      </p:sp>
-      <p:sp>
-        <p:nvSpPr>
           <p:cNvPr id="9" name="Rectangle 8"/>
           <p:cNvSpPr/>
           <p:nvPr/>
@@ -8435,35 +8390,715 @@
           </a:prstGeom>
         </p:spPr>
       </p:pic>
-      <p:pic>
-        <p:nvPicPr>
-          <p:cNvPr id="3" name="Picture 2"/>
-          <p:cNvPicPr>
-            <a:picLocks noChangeAspect="1"/>
-          </p:cNvPicPr>
+      <p:sp>
+        <p:nvSpPr>
+          <p:cNvPr id="10" name="TextBox 9"/>
+          <p:cNvSpPr txBox="1"/>
           <p:nvPr/>
-        </p:nvPicPr>
-        <p:blipFill>
-          <a:blip r:embed="rId3"/>
-          <a:stretch>
-            <a:fillRect/>
-          </a:stretch>
-        </p:blipFill>
+        </p:nvSpPr>
         <p:spPr>
           <a:xfrm>
-            <a:off x="1040256" y="1854645"/>
-            <a:ext cx="7495566" cy="4732049"/>
-          </a:xfrm>
-          <a:prstGeom prst="roundRect">
-            <a:avLst>
-              <a:gd name="adj" fmla="val 8649"/>
-            </a:avLst>
+            <a:off x="703384" y="1121261"/>
+            <a:ext cx="8169310" cy="3994170"/>
+          </a:xfrm>
+          <a:prstGeom prst="rect">
+            <a:avLst/>
           </a:prstGeom>
-        </p:spPr>
-      </p:pic>
-      <p:sp>
-        <p:nvSpPr>
-          <p:cNvPr id="11" name="Oval 10"/>
+          <a:noFill/>
+        </p:spPr>
+        <p:txBody>
+          <a:bodyPr wrap="square">
+            <a:spAutoFit/>
+          </a:bodyPr>
+          <a:lstStyle/>
+          <a:p>
+            <a:pPr marL="457200" indent="-457200">
+              <a:lnSpc>
+                <a:spcPct val="150000"/>
+              </a:lnSpc>
+              <a:buFont typeface="Wingdings" panose="05000000000000000000" pitchFamily="2" charset="2"/>
+              <a:buChar char="Ø"/>
+            </a:pPr>
+            <a:r>
+              <a:rPr lang="en-US" sz="2800" dirty="0">
+                <a:solidFill>
+                  <a:srgbClr val="FF0000"/>
+                </a:solidFill>
+                <a:ea typeface="SF Pro Semibold" pitchFamily="2" charset="0"/>
+                <a:cs typeface="Arial" panose="020B0604020202020204" pitchFamily="34" charset="0"/>
+              </a:rPr>
+              <a:t>4.1.Ưu </a:t>
+            </a:r>
+            <a:r>
+              <a:rPr lang="en-US" sz="2800" dirty="0" err="1">
+                <a:solidFill>
+                  <a:srgbClr val="FF0000"/>
+                </a:solidFill>
+                <a:ea typeface="SF Pro Semibold" pitchFamily="2" charset="0"/>
+                <a:cs typeface="Arial" panose="020B0604020202020204" pitchFamily="34" charset="0"/>
+              </a:rPr>
+              <a:t>điểm</a:t>
+            </a:r>
+            <a:r>
+              <a:rPr lang="en-US" sz="2800" dirty="0">
+                <a:solidFill>
+                  <a:srgbClr val="FF0000"/>
+                </a:solidFill>
+                <a:ea typeface="SF Pro Semibold" pitchFamily="2" charset="0"/>
+                <a:cs typeface="Arial" panose="020B0604020202020204" pitchFamily="34" charset="0"/>
+              </a:rPr>
+              <a:t>:  </a:t>
+            </a:r>
+          </a:p>
+          <a:p>
+            <a:pPr marL="342900" indent="-342900">
+              <a:lnSpc>
+                <a:spcPct val="150000"/>
+              </a:lnSpc>
+              <a:buFont typeface="Wingdings" panose="05000000000000000000" pitchFamily="2" charset="2"/>
+              <a:buChar char="ü"/>
+            </a:pPr>
+            <a:r>
+              <a:rPr lang="en-US" sz="2400" dirty="0" err="1">
+                <a:ea typeface="SF Pro Semibold" pitchFamily="2" charset="0"/>
+                <a:cs typeface="Arial" panose="020B0604020202020204" pitchFamily="34" charset="0"/>
+              </a:rPr>
+              <a:t>Nhận</a:t>
+            </a:r>
+            <a:r>
+              <a:rPr lang="en-US" sz="2400" dirty="0">
+                <a:ea typeface="SF Pro Semibold" pitchFamily="2" charset="0"/>
+                <a:cs typeface="Arial" panose="020B0604020202020204" pitchFamily="34" charset="0"/>
+              </a:rPr>
+              <a:t> </a:t>
+            </a:r>
+            <a:r>
+              <a:rPr lang="en-US" sz="2400" dirty="0" err="1">
+                <a:ea typeface="SF Pro Semibold" pitchFamily="2" charset="0"/>
+                <a:cs typeface="Arial" panose="020B0604020202020204" pitchFamily="34" charset="0"/>
+              </a:rPr>
+              <a:t>diện</a:t>
+            </a:r>
+            <a:r>
+              <a:rPr lang="en-US" sz="2400" dirty="0">
+                <a:ea typeface="SF Pro Semibold" pitchFamily="2" charset="0"/>
+                <a:cs typeface="Arial" panose="020B0604020202020204" pitchFamily="34" charset="0"/>
+              </a:rPr>
+              <a:t> </a:t>
+            </a:r>
+            <a:r>
+              <a:rPr lang="en-US" sz="2400" dirty="0" err="1">
+                <a:ea typeface="SF Pro Semibold" pitchFamily="2" charset="0"/>
+                <a:cs typeface="Arial" panose="020B0604020202020204" pitchFamily="34" charset="0"/>
+              </a:rPr>
+              <a:t>được</a:t>
+            </a:r>
+            <a:r>
+              <a:rPr lang="en-US" sz="2400" dirty="0">
+                <a:ea typeface="SF Pro Semibold" pitchFamily="2" charset="0"/>
+                <a:cs typeface="Arial" panose="020B0604020202020204" pitchFamily="34" charset="0"/>
+              </a:rPr>
+              <a:t> </a:t>
+            </a:r>
+            <a:r>
+              <a:rPr lang="en-US" sz="2400" dirty="0" err="1">
+                <a:ea typeface="SF Pro Semibold" pitchFamily="2" charset="0"/>
+                <a:cs typeface="Arial" panose="020B0604020202020204" pitchFamily="34" charset="0"/>
+              </a:rPr>
+              <a:t>khuôn</a:t>
+            </a:r>
+            <a:r>
+              <a:rPr lang="en-US" sz="2400" dirty="0">
+                <a:ea typeface="SF Pro Semibold" pitchFamily="2" charset="0"/>
+                <a:cs typeface="Arial" panose="020B0604020202020204" pitchFamily="34" charset="0"/>
+              </a:rPr>
+              <a:t> </a:t>
+            </a:r>
+            <a:r>
+              <a:rPr lang="en-US" sz="2400" dirty="0" err="1">
+                <a:ea typeface="SF Pro Semibold" pitchFamily="2" charset="0"/>
+                <a:cs typeface="Arial" panose="020B0604020202020204" pitchFamily="34" charset="0"/>
+              </a:rPr>
+              <a:t>mặt</a:t>
+            </a:r>
+            <a:r>
+              <a:rPr lang="en-US" sz="2400" dirty="0">
+                <a:ea typeface="SF Pro Semibold" pitchFamily="2" charset="0"/>
+                <a:cs typeface="Arial" panose="020B0604020202020204" pitchFamily="34" charset="0"/>
+              </a:rPr>
+              <a:t> </a:t>
+            </a:r>
+            <a:r>
+              <a:rPr lang="en-US" sz="2400" dirty="0" err="1">
+                <a:ea typeface="SF Pro Semibold" pitchFamily="2" charset="0"/>
+                <a:cs typeface="Arial" panose="020B0604020202020204" pitchFamily="34" charset="0"/>
+              </a:rPr>
+              <a:t>ngay</a:t>
+            </a:r>
+            <a:r>
+              <a:rPr lang="en-US" sz="2400" dirty="0">
+                <a:ea typeface="SF Pro Semibold" pitchFamily="2" charset="0"/>
+                <a:cs typeface="Arial" panose="020B0604020202020204" pitchFamily="34" charset="0"/>
+              </a:rPr>
+              <a:t> cả </a:t>
+            </a:r>
+            <a:r>
+              <a:rPr lang="en-US" sz="2400" dirty="0" err="1">
+                <a:ea typeface="SF Pro Semibold" pitchFamily="2" charset="0"/>
+                <a:cs typeface="Arial" panose="020B0604020202020204" pitchFamily="34" charset="0"/>
+              </a:rPr>
+              <a:t>khi</a:t>
+            </a:r>
+            <a:r>
+              <a:rPr lang="en-US" sz="2400" dirty="0">
+                <a:ea typeface="SF Pro Semibold" pitchFamily="2" charset="0"/>
+                <a:cs typeface="Arial" panose="020B0604020202020204" pitchFamily="34" charset="0"/>
+              </a:rPr>
+              <a:t> </a:t>
+            </a:r>
+            <a:r>
+              <a:rPr lang="en-US" sz="2400" dirty="0" err="1">
+                <a:ea typeface="SF Pro Semibold" pitchFamily="2" charset="0"/>
+                <a:cs typeface="Arial" panose="020B0604020202020204" pitchFamily="34" charset="0"/>
+              </a:rPr>
+              <a:t>bạn</a:t>
+            </a:r>
+            <a:r>
+              <a:rPr lang="en-US" sz="2400" dirty="0">
+                <a:ea typeface="SF Pro Semibold" pitchFamily="2" charset="0"/>
+                <a:cs typeface="Arial" panose="020B0604020202020204" pitchFamily="34" charset="0"/>
+              </a:rPr>
+              <a:t> </a:t>
+            </a:r>
+            <a:r>
+              <a:rPr lang="en-US" sz="2400" dirty="0" err="1">
+                <a:ea typeface="SF Pro Semibold" pitchFamily="2" charset="0"/>
+                <a:cs typeface="Arial" panose="020B0604020202020204" pitchFamily="34" charset="0"/>
+              </a:rPr>
+              <a:t>đeo</a:t>
+            </a:r>
+            <a:r>
+              <a:rPr lang="en-US" sz="2400" dirty="0">
+                <a:ea typeface="SF Pro Semibold" pitchFamily="2" charset="0"/>
+                <a:cs typeface="Arial" panose="020B0604020202020204" pitchFamily="34" charset="0"/>
+              </a:rPr>
+              <a:t> </a:t>
+            </a:r>
+            <a:r>
+              <a:rPr lang="en-US" sz="2400" dirty="0" err="1">
+                <a:ea typeface="SF Pro Semibold" pitchFamily="2" charset="0"/>
+                <a:cs typeface="Arial" panose="020B0604020202020204" pitchFamily="34" charset="0"/>
+              </a:rPr>
+              <a:t>kính</a:t>
+            </a:r>
+            <a:r>
+              <a:rPr lang="en-US" sz="2400" dirty="0">
+                <a:ea typeface="SF Pro Semibold" pitchFamily="2" charset="0"/>
+                <a:cs typeface="Arial" panose="020B0604020202020204" pitchFamily="34" charset="0"/>
+              </a:rPr>
+              <a:t>, </a:t>
+            </a:r>
+            <a:r>
+              <a:rPr lang="en-US" sz="2400" dirty="0" err="1">
+                <a:ea typeface="SF Pro Semibold" pitchFamily="2" charset="0"/>
+                <a:cs typeface="Arial" panose="020B0604020202020204" pitchFamily="34" charset="0"/>
+              </a:rPr>
+              <a:t>trang</a:t>
+            </a:r>
+            <a:r>
+              <a:rPr lang="en-US" sz="2400" dirty="0">
+                <a:ea typeface="SF Pro Semibold" pitchFamily="2" charset="0"/>
+                <a:cs typeface="Arial" panose="020B0604020202020204" pitchFamily="34" charset="0"/>
+              </a:rPr>
+              <a:t> </a:t>
+            </a:r>
+            <a:r>
+              <a:rPr lang="en-US" sz="2400" dirty="0" err="1">
+                <a:ea typeface="SF Pro Semibold" pitchFamily="2" charset="0"/>
+                <a:cs typeface="Arial" panose="020B0604020202020204" pitchFamily="34" charset="0"/>
+              </a:rPr>
+              <a:t>điểm</a:t>
+            </a:r>
+            <a:r>
+              <a:rPr lang="en-US" sz="2400" dirty="0">
+                <a:ea typeface="SF Pro Semibold" pitchFamily="2" charset="0"/>
+                <a:cs typeface="Arial" panose="020B0604020202020204" pitchFamily="34" charset="0"/>
+              </a:rPr>
+              <a:t> hay </a:t>
+            </a:r>
+            <a:r>
+              <a:rPr lang="en-US" sz="2400" dirty="0" err="1">
+                <a:ea typeface="SF Pro Semibold" pitchFamily="2" charset="0"/>
+                <a:cs typeface="Arial" panose="020B0604020202020204" pitchFamily="34" charset="0"/>
+              </a:rPr>
+              <a:t>thay</a:t>
+            </a:r>
+            <a:r>
+              <a:rPr lang="en-US" sz="2400" dirty="0">
+                <a:ea typeface="SF Pro Semibold" pitchFamily="2" charset="0"/>
+                <a:cs typeface="Arial" panose="020B0604020202020204" pitchFamily="34" charset="0"/>
+              </a:rPr>
+              <a:t> </a:t>
+            </a:r>
+            <a:r>
+              <a:rPr lang="en-US" sz="2400" dirty="0" err="1">
+                <a:ea typeface="SF Pro Semibold" pitchFamily="2" charset="0"/>
+                <a:cs typeface="Arial" panose="020B0604020202020204" pitchFamily="34" charset="0"/>
+              </a:rPr>
+              <a:t>đổi</a:t>
+            </a:r>
+            <a:r>
+              <a:rPr lang="en-US" sz="2400" dirty="0">
+                <a:ea typeface="SF Pro Semibold" pitchFamily="2" charset="0"/>
+                <a:cs typeface="Arial" panose="020B0604020202020204" pitchFamily="34" charset="0"/>
+              </a:rPr>
+              <a:t> </a:t>
+            </a:r>
+            <a:r>
+              <a:rPr lang="en-US" sz="2400" dirty="0" err="1">
+                <a:ea typeface="SF Pro Semibold" pitchFamily="2" charset="0"/>
+                <a:cs typeface="Arial" panose="020B0604020202020204" pitchFamily="34" charset="0"/>
+              </a:rPr>
+              <a:t>theo</a:t>
+            </a:r>
+            <a:r>
+              <a:rPr lang="en-US" sz="2400" dirty="0">
+                <a:ea typeface="SF Pro Semibold" pitchFamily="2" charset="0"/>
+                <a:cs typeface="Arial" panose="020B0604020202020204" pitchFamily="34" charset="0"/>
+              </a:rPr>
+              <a:t> </a:t>
+            </a:r>
+            <a:r>
+              <a:rPr lang="en-US" sz="2400" dirty="0" err="1">
+                <a:ea typeface="SF Pro Semibold" pitchFamily="2" charset="0"/>
+                <a:cs typeface="Arial" panose="020B0604020202020204" pitchFamily="34" charset="0"/>
+              </a:rPr>
+              <a:t>tuổi</a:t>
+            </a:r>
+            <a:r>
+              <a:rPr lang="en-US" sz="2400" dirty="0">
+                <a:ea typeface="SF Pro Semibold" pitchFamily="2" charset="0"/>
+                <a:cs typeface="Arial" panose="020B0604020202020204" pitchFamily="34" charset="0"/>
+              </a:rPr>
+              <a:t> </a:t>
+            </a:r>
+            <a:r>
+              <a:rPr lang="en-US" sz="2400" dirty="0" err="1">
+                <a:ea typeface="SF Pro Semibold" pitchFamily="2" charset="0"/>
+                <a:cs typeface="Arial" panose="020B0604020202020204" pitchFamily="34" charset="0"/>
+              </a:rPr>
+              <a:t>tác</a:t>
+            </a:r>
+            <a:r>
+              <a:rPr lang="en-US" sz="2400" dirty="0">
+                <a:ea typeface="SF Pro Semibold" pitchFamily="2" charset="0"/>
+                <a:cs typeface="Arial" panose="020B0604020202020204" pitchFamily="34" charset="0"/>
+              </a:rPr>
+              <a:t>.</a:t>
+            </a:r>
+          </a:p>
+          <a:p>
+            <a:pPr marL="342900" indent="-342900">
+              <a:lnSpc>
+                <a:spcPct val="150000"/>
+              </a:lnSpc>
+              <a:buFont typeface="Wingdings" panose="05000000000000000000" pitchFamily="2" charset="2"/>
+              <a:buChar char="ü"/>
+            </a:pPr>
+            <a:r>
+              <a:rPr lang="en-US" sz="2400" dirty="0" err="1">
+                <a:ea typeface="SF Pro Semibold" pitchFamily="2" charset="0"/>
+                <a:cs typeface="Arial" panose="020B0604020202020204" pitchFamily="34" charset="0"/>
+              </a:rPr>
+              <a:t>Tính</a:t>
+            </a:r>
+            <a:r>
+              <a:rPr lang="en-US" sz="2400" dirty="0">
+                <a:ea typeface="SF Pro Semibold" pitchFamily="2" charset="0"/>
+                <a:cs typeface="Arial" panose="020B0604020202020204" pitchFamily="34" charset="0"/>
+              </a:rPr>
+              <a:t> </a:t>
+            </a:r>
+            <a:r>
+              <a:rPr lang="en-US" sz="2400" dirty="0" err="1">
+                <a:ea typeface="SF Pro Semibold" pitchFamily="2" charset="0"/>
+                <a:cs typeface="Arial" panose="020B0604020202020204" pitchFamily="34" charset="0"/>
+              </a:rPr>
+              <a:t>bảo</a:t>
+            </a:r>
+            <a:r>
+              <a:rPr lang="en-US" sz="2400" dirty="0">
+                <a:ea typeface="SF Pro Semibold" pitchFamily="2" charset="0"/>
+                <a:cs typeface="Arial" panose="020B0604020202020204" pitchFamily="34" charset="0"/>
+              </a:rPr>
+              <a:t> </a:t>
+            </a:r>
+            <a:r>
+              <a:rPr lang="en-US" sz="2400" dirty="0" err="1">
+                <a:ea typeface="SF Pro Semibold" pitchFamily="2" charset="0"/>
+                <a:cs typeface="Arial" panose="020B0604020202020204" pitchFamily="34" charset="0"/>
+              </a:rPr>
+              <a:t>mật</a:t>
+            </a:r>
+            <a:r>
+              <a:rPr lang="en-US" sz="2400" dirty="0">
+                <a:ea typeface="SF Pro Semibold" pitchFamily="2" charset="0"/>
+                <a:cs typeface="Arial" panose="020B0604020202020204" pitchFamily="34" charset="0"/>
+              </a:rPr>
+              <a:t> </a:t>
+            </a:r>
+            <a:r>
+              <a:rPr lang="en-US" sz="2400" dirty="0" err="1">
+                <a:ea typeface="SF Pro Semibold" pitchFamily="2" charset="0"/>
+                <a:cs typeface="Arial" panose="020B0604020202020204" pitchFamily="34" charset="0"/>
+              </a:rPr>
+              <a:t>dư</a:t>
+            </a:r>
+            <a:r>
+              <a:rPr lang="en-US" sz="2400" dirty="0">
+                <a:ea typeface="SF Pro Semibold" pitchFamily="2" charset="0"/>
+                <a:cs typeface="Arial" panose="020B0604020202020204" pitchFamily="34" charset="0"/>
+              </a:rPr>
+              <a:t>̃ </a:t>
+            </a:r>
+            <a:r>
+              <a:rPr lang="en-US" sz="2400" dirty="0" err="1">
+                <a:ea typeface="SF Pro Semibold" pitchFamily="2" charset="0"/>
+                <a:cs typeface="Arial" panose="020B0604020202020204" pitchFamily="34" charset="0"/>
+              </a:rPr>
+              <a:t>liệu</a:t>
+            </a:r>
+            <a:r>
+              <a:rPr lang="en-US" sz="2400" dirty="0">
+                <a:ea typeface="SF Pro Semibold" pitchFamily="2" charset="0"/>
+                <a:cs typeface="Arial" panose="020B0604020202020204" pitchFamily="34" charset="0"/>
+              </a:rPr>
+              <a:t> </a:t>
+            </a:r>
+            <a:r>
+              <a:rPr lang="en-US" sz="2400" dirty="0" err="1">
+                <a:ea typeface="SF Pro Semibold" pitchFamily="2" charset="0"/>
+                <a:cs typeface="Arial" panose="020B0604020202020204" pitchFamily="34" charset="0"/>
+              </a:rPr>
+              <a:t>cao</a:t>
+            </a:r>
+            <a:r>
+              <a:rPr lang="en-US" sz="2400" dirty="0">
+                <a:ea typeface="SF Pro Semibold" pitchFamily="2" charset="0"/>
+                <a:cs typeface="Arial" panose="020B0604020202020204" pitchFamily="34" charset="0"/>
+              </a:rPr>
+              <a:t> </a:t>
+            </a:r>
+            <a:r>
+              <a:rPr lang="en-US" sz="2400" dirty="0" err="1">
+                <a:ea typeface="SF Pro Semibold" pitchFamily="2" charset="0"/>
+                <a:cs typeface="Arial" panose="020B0604020202020204" pitchFamily="34" charset="0"/>
+              </a:rPr>
+              <a:t>không</a:t>
+            </a:r>
+            <a:r>
+              <a:rPr lang="en-US" sz="2400" dirty="0">
+                <a:ea typeface="SF Pro Semibold" pitchFamily="2" charset="0"/>
+                <a:cs typeface="Arial" panose="020B0604020202020204" pitchFamily="34" charset="0"/>
+              </a:rPr>
+              <a:t> </a:t>
+            </a:r>
+            <a:r>
+              <a:rPr lang="en-US" sz="2400" dirty="0" err="1">
+                <a:ea typeface="SF Pro Semibold" pitchFamily="2" charset="0"/>
+                <a:cs typeface="Arial" panose="020B0604020202020204" pitchFamily="34" charset="0"/>
+              </a:rPr>
+              <a:t>thê</a:t>
+            </a:r>
+            <a:r>
+              <a:rPr lang="en-US" sz="2400" dirty="0">
+                <a:ea typeface="SF Pro Semibold" pitchFamily="2" charset="0"/>
+                <a:cs typeface="Arial" panose="020B0604020202020204" pitchFamily="34" charset="0"/>
+              </a:rPr>
+              <a:t>̉ bị </a:t>
+            </a:r>
+            <a:r>
+              <a:rPr lang="en-US" sz="2400" dirty="0" err="1">
+                <a:ea typeface="SF Pro Semibold" pitchFamily="2" charset="0"/>
+                <a:cs typeface="Arial" panose="020B0604020202020204" pitchFamily="34" charset="0"/>
+              </a:rPr>
+              <a:t>sao</a:t>
+            </a:r>
+            <a:r>
+              <a:rPr lang="en-US" sz="2400" dirty="0">
+                <a:ea typeface="SF Pro Semibold" pitchFamily="2" charset="0"/>
+                <a:cs typeface="Arial" panose="020B0604020202020204" pitchFamily="34" charset="0"/>
+              </a:rPr>
+              <a:t> </a:t>
+            </a:r>
+            <a:r>
+              <a:rPr lang="en-US" sz="2400" dirty="0" err="1">
+                <a:ea typeface="SF Pro Semibold" pitchFamily="2" charset="0"/>
+                <a:cs typeface="Arial" panose="020B0604020202020204" pitchFamily="34" charset="0"/>
+              </a:rPr>
+              <a:t>chép</a:t>
+            </a:r>
+            <a:r>
+              <a:rPr lang="en-US" sz="2400" dirty="0">
+                <a:ea typeface="SF Pro Semibold" pitchFamily="2" charset="0"/>
+                <a:cs typeface="Arial" panose="020B0604020202020204" pitchFamily="34" charset="0"/>
+              </a:rPr>
+              <a:t> </a:t>
+            </a:r>
+            <a:r>
+              <a:rPr lang="en-US" sz="2400" dirty="0" err="1">
+                <a:ea typeface="SF Pro Semibold" pitchFamily="2" charset="0"/>
+                <a:cs typeface="Arial" panose="020B0604020202020204" pitchFamily="34" charset="0"/>
+              </a:rPr>
+              <a:t>khuôn</a:t>
+            </a:r>
+            <a:r>
+              <a:rPr lang="en-US" sz="2400" dirty="0">
+                <a:ea typeface="SF Pro Semibold" pitchFamily="2" charset="0"/>
+                <a:cs typeface="Arial" panose="020B0604020202020204" pitchFamily="34" charset="0"/>
+              </a:rPr>
+              <a:t> </a:t>
+            </a:r>
+            <a:r>
+              <a:rPr lang="en-US" sz="2400" dirty="0" err="1">
+                <a:ea typeface="SF Pro Semibold" pitchFamily="2" charset="0"/>
+                <a:cs typeface="Arial" panose="020B0604020202020204" pitchFamily="34" charset="0"/>
+              </a:rPr>
+              <a:t>mặt</a:t>
+            </a:r>
+            <a:endParaRPr lang="en-US" sz="2400" dirty="0">
+              <a:ea typeface="SF Pro Semibold" pitchFamily="2" charset="0"/>
+              <a:cs typeface="Arial" panose="020B0604020202020204" pitchFamily="34" charset="0"/>
+            </a:endParaRPr>
+          </a:p>
+          <a:p>
+            <a:pPr marL="342900" indent="-342900">
+              <a:lnSpc>
+                <a:spcPct val="150000"/>
+              </a:lnSpc>
+              <a:buFont typeface="Wingdings" panose="05000000000000000000" pitchFamily="2" charset="2"/>
+              <a:buChar char="ü"/>
+            </a:pPr>
+            <a:r>
+              <a:rPr lang="en-US" sz="2400" dirty="0">
+                <a:ea typeface="SF Pro Semibold" pitchFamily="2" charset="0"/>
+                <a:cs typeface="Arial" panose="020B0604020202020204" pitchFamily="34" charset="0"/>
+              </a:rPr>
+              <a:t>Có khả </a:t>
+            </a:r>
+            <a:r>
+              <a:rPr lang="en-US" sz="2400" dirty="0" err="1">
+                <a:ea typeface="SF Pro Semibold" pitchFamily="2" charset="0"/>
+                <a:cs typeface="Arial" panose="020B0604020202020204" pitchFamily="34" charset="0"/>
+              </a:rPr>
+              <a:t>năng</a:t>
+            </a:r>
+            <a:r>
+              <a:rPr lang="en-US" sz="2400" dirty="0">
+                <a:ea typeface="SF Pro Semibold" pitchFamily="2" charset="0"/>
+                <a:cs typeface="Arial" panose="020B0604020202020204" pitchFamily="34" charset="0"/>
+              </a:rPr>
+              <a:t> </a:t>
+            </a:r>
+            <a:r>
+              <a:rPr lang="en-US" sz="2400" dirty="0" err="1">
+                <a:ea typeface="SF Pro Semibold" pitchFamily="2" charset="0"/>
+                <a:cs typeface="Arial" panose="020B0604020202020204" pitchFamily="34" charset="0"/>
+              </a:rPr>
+              <a:t>nhận</a:t>
+            </a:r>
+            <a:r>
+              <a:rPr lang="en-US" sz="2400" dirty="0">
+                <a:ea typeface="SF Pro Semibold" pitchFamily="2" charset="0"/>
+                <a:cs typeface="Arial" panose="020B0604020202020204" pitchFamily="34" charset="0"/>
+              </a:rPr>
+              <a:t> </a:t>
+            </a:r>
+            <a:r>
+              <a:rPr lang="en-US" sz="2400" dirty="0" err="1">
+                <a:ea typeface="SF Pro Semibold" pitchFamily="2" charset="0"/>
+                <a:cs typeface="Arial" panose="020B0604020202020204" pitchFamily="34" charset="0"/>
+              </a:rPr>
+              <a:t>diện</a:t>
+            </a:r>
+            <a:r>
+              <a:rPr lang="en-US" sz="2400" dirty="0">
+                <a:ea typeface="SF Pro Semibold" pitchFamily="2" charset="0"/>
+                <a:cs typeface="Arial" panose="020B0604020202020204" pitchFamily="34" charset="0"/>
+              </a:rPr>
+              <a:t> </a:t>
+            </a:r>
+            <a:r>
+              <a:rPr lang="en-US" sz="2400" dirty="0" err="1">
+                <a:ea typeface="SF Pro Semibold" pitchFamily="2" charset="0"/>
+                <a:cs typeface="Arial" panose="020B0604020202020204" pitchFamily="34" charset="0"/>
+              </a:rPr>
+              <a:t>chính</a:t>
+            </a:r>
+            <a:r>
+              <a:rPr lang="en-US" sz="2400" dirty="0">
+                <a:ea typeface="SF Pro Semibold" pitchFamily="2" charset="0"/>
+                <a:cs typeface="Arial" panose="020B0604020202020204" pitchFamily="34" charset="0"/>
+              </a:rPr>
+              <a:t> </a:t>
+            </a:r>
+            <a:r>
+              <a:rPr lang="en-US" sz="2400" dirty="0" err="1">
+                <a:ea typeface="SF Pro Semibold" pitchFamily="2" charset="0"/>
+                <a:cs typeface="Arial" panose="020B0604020202020204" pitchFamily="34" charset="0"/>
+              </a:rPr>
+              <a:t>xác</a:t>
+            </a:r>
+            <a:r>
+              <a:rPr lang="en-US" sz="2400" dirty="0">
+                <a:ea typeface="SF Pro Semibold" pitchFamily="2" charset="0"/>
+                <a:cs typeface="Arial" panose="020B0604020202020204" pitchFamily="34" charset="0"/>
+              </a:rPr>
+              <a:t> </a:t>
+            </a:r>
+            <a:r>
+              <a:rPr lang="en-US" sz="2400" dirty="0" err="1">
+                <a:ea typeface="SF Pro Semibold" pitchFamily="2" charset="0"/>
+                <a:cs typeface="Arial" panose="020B0604020202020204" pitchFamily="34" charset="0"/>
+              </a:rPr>
+              <a:t>các</a:t>
+            </a:r>
+            <a:r>
+              <a:rPr lang="en-US" sz="2400" dirty="0">
+                <a:ea typeface="SF Pro Semibold" pitchFamily="2" charset="0"/>
+                <a:cs typeface="Arial" panose="020B0604020202020204" pitchFamily="34" charset="0"/>
+              </a:rPr>
+              <a:t> </a:t>
+            </a:r>
+            <a:r>
+              <a:rPr lang="en-US" sz="2400" dirty="0" err="1">
+                <a:ea typeface="SF Pro Semibold" pitchFamily="2" charset="0"/>
+                <a:cs typeface="Arial" panose="020B0604020202020204" pitchFamily="34" charset="0"/>
+              </a:rPr>
+              <a:t>khuôn</a:t>
+            </a:r>
+            <a:r>
+              <a:rPr lang="en-US" sz="2400" dirty="0">
+                <a:ea typeface="SF Pro Semibold" pitchFamily="2" charset="0"/>
+                <a:cs typeface="Arial" panose="020B0604020202020204" pitchFamily="34" charset="0"/>
+              </a:rPr>
+              <a:t> </a:t>
+            </a:r>
+            <a:r>
+              <a:rPr lang="en-US" sz="2400" dirty="0" err="1">
+                <a:ea typeface="SF Pro Semibold" pitchFamily="2" charset="0"/>
+                <a:cs typeface="Arial" panose="020B0604020202020204" pitchFamily="34" charset="0"/>
+              </a:rPr>
+              <a:t>mặt</a:t>
+            </a:r>
+            <a:r>
+              <a:rPr lang="en-US" sz="2400" dirty="0">
+                <a:ea typeface="SF Pro Semibold" pitchFamily="2" charset="0"/>
+                <a:cs typeface="Arial" panose="020B0604020202020204" pitchFamily="34" charset="0"/>
+              </a:rPr>
+              <a:t> </a:t>
+            </a:r>
+            <a:r>
+              <a:rPr lang="en-US" sz="2400" dirty="0" err="1">
+                <a:ea typeface="SF Pro Semibold" pitchFamily="2" charset="0"/>
+                <a:cs typeface="Arial" panose="020B0604020202020204" pitchFamily="34" charset="0"/>
+              </a:rPr>
+              <a:t>nhơ</a:t>
+            </a:r>
+            <a:r>
+              <a:rPr lang="en-US" sz="2400" dirty="0">
+                <a:ea typeface="SF Pro Semibold" pitchFamily="2" charset="0"/>
+                <a:cs typeface="Arial" panose="020B0604020202020204" pitchFamily="34" charset="0"/>
+              </a:rPr>
+              <a:t>̀ </a:t>
+            </a:r>
+            <a:r>
+              <a:rPr lang="en-US" sz="2400" dirty="0" err="1">
+                <a:ea typeface="SF Pro Semibold" pitchFamily="2" charset="0"/>
+                <a:cs typeface="Arial" panose="020B0604020202020204" pitchFamily="34" charset="0"/>
+              </a:rPr>
+              <a:t>công</a:t>
+            </a:r>
+            <a:r>
+              <a:rPr lang="en-US" sz="2400" dirty="0">
+                <a:ea typeface="SF Pro Semibold" pitchFamily="2" charset="0"/>
+                <a:cs typeface="Arial" panose="020B0604020202020204" pitchFamily="34" charset="0"/>
+              </a:rPr>
+              <a:t> </a:t>
+            </a:r>
+            <a:r>
+              <a:rPr lang="en-US" sz="2400" dirty="0" err="1">
+                <a:ea typeface="SF Pro Semibold" pitchFamily="2" charset="0"/>
+                <a:cs typeface="Arial" panose="020B0604020202020204" pitchFamily="34" charset="0"/>
+              </a:rPr>
+              <a:t>nghê</a:t>
+            </a:r>
+            <a:r>
+              <a:rPr lang="en-US" sz="2400" dirty="0">
+                <a:ea typeface="SF Pro Semibold" pitchFamily="2" charset="0"/>
+                <a:cs typeface="Arial" panose="020B0604020202020204" pitchFamily="34" charset="0"/>
+              </a:rPr>
+              <a:t>̣ </a:t>
+            </a:r>
+            <a:r>
+              <a:rPr lang="en-US" sz="2400" dirty="0" err="1">
+                <a:ea typeface="SF Pro Semibold" pitchFamily="2" charset="0"/>
+                <a:cs typeface="Arial" panose="020B0604020202020204" pitchFamily="34" charset="0"/>
+              </a:rPr>
+              <a:t>bảo</a:t>
+            </a:r>
+            <a:r>
+              <a:rPr lang="en-US" sz="2400" dirty="0">
+                <a:ea typeface="SF Pro Semibold" pitchFamily="2" charset="0"/>
+                <a:cs typeface="Arial" panose="020B0604020202020204" pitchFamily="34" charset="0"/>
+              </a:rPr>
+              <a:t> </a:t>
+            </a:r>
+            <a:r>
+              <a:rPr lang="en-US" sz="2400" dirty="0" err="1">
+                <a:ea typeface="SF Pro Semibold" pitchFamily="2" charset="0"/>
+                <a:cs typeface="Arial" panose="020B0604020202020204" pitchFamily="34" charset="0"/>
+              </a:rPr>
+              <a:t>mật</a:t>
+            </a:r>
+            <a:r>
+              <a:rPr lang="en-US" sz="2400" dirty="0">
+                <a:ea typeface="SF Pro Semibold" pitchFamily="2" charset="0"/>
+                <a:cs typeface="Arial" panose="020B0604020202020204" pitchFamily="34" charset="0"/>
+              </a:rPr>
+              <a:t> 3D </a:t>
+            </a:r>
+            <a:r>
+              <a:rPr lang="en-US" sz="2400" dirty="0" err="1">
+                <a:ea typeface="SF Pro Semibold" pitchFamily="2" charset="0"/>
+                <a:cs typeface="Arial" panose="020B0604020202020204" pitchFamily="34" charset="0"/>
+              </a:rPr>
+              <a:t>khuôn</a:t>
+            </a:r>
+            <a:r>
+              <a:rPr lang="en-US" sz="2400" dirty="0">
+                <a:ea typeface="SF Pro Semibold" pitchFamily="2" charset="0"/>
+                <a:cs typeface="Arial" panose="020B0604020202020204" pitchFamily="34" charset="0"/>
+              </a:rPr>
+              <a:t> </a:t>
+            </a:r>
+            <a:r>
+              <a:rPr lang="en-US" sz="2400" dirty="0" err="1">
+                <a:ea typeface="SF Pro Semibold" pitchFamily="2" charset="0"/>
+                <a:cs typeface="Arial" panose="020B0604020202020204" pitchFamily="34" charset="0"/>
+              </a:rPr>
+              <a:t>mặt</a:t>
+            </a:r>
+            <a:endParaRPr lang="en-US" sz="2400" dirty="0">
+              <a:ea typeface="SF Pro Semibold" pitchFamily="2" charset="0"/>
+              <a:cs typeface="Arial" panose="020B0604020202020204" pitchFamily="34" charset="0"/>
+            </a:endParaRPr>
+          </a:p>
+        </p:txBody>
+      </p:sp>
+      <p:sp>
+        <p:nvSpPr>
+          <p:cNvPr id="8" name="Oval 7"/>
           <p:cNvSpPr>
             <a:spLocks noChangeAspect="1"/>
           </p:cNvSpPr>
@@ -8508,12 +9143,12 @@
           <a:p>
             <a:pPr algn="ctr"/>
             <a:r>
-              <a:rPr lang="en-US">
+              <a:rPr lang="en-US" dirty="0">
                 <a:solidFill>
                   <a:srgbClr val="FF0000"/>
                 </a:solidFill>
               </a:rPr>
-              <a:t>15</a:t>
+              <a:t>16</a:t>
             </a:r>
           </a:p>
         </p:txBody>
@@ -8521,7 +9156,7 @@
     </p:spTree>
     <p:extLst>
       <p:ext uri="{BB962C8B-B14F-4D97-AF65-F5344CB8AC3E}">
-        <p14:creationId xmlns:p14="http://schemas.microsoft.com/office/powerpoint/2010/main" val="2715188803"/>
+        <p14:creationId xmlns:p14="http://schemas.microsoft.com/office/powerpoint/2010/main" val="2957530587"/>
       </p:ext>
     </p:extLst>
   </p:cSld>
@@ -8553,16 +9188,14 @@
       </p:grpSpPr>
       <p:sp>
         <p:nvSpPr>
-          <p:cNvPr id="10" name="TextBox 9">
-            <a:hlinkClick r:id="rId2"/>
-          </p:cNvPr>
+          <p:cNvPr id="10" name="TextBox 9"/>
           <p:cNvSpPr txBox="1"/>
           <p:nvPr/>
         </p:nvSpPr>
         <p:spPr>
           <a:xfrm>
             <a:off x="703384" y="1121254"/>
-            <a:ext cx="8169310" cy="577850"/>
+            <a:ext cx="8169310" cy="1305165"/>
           </a:xfrm>
           <a:prstGeom prst="rect">
             <a:avLst/>
@@ -8583,12 +9216,185 @@
               <a:buChar char="Ø"/>
             </a:pPr>
             <a:r>
-              <a:rPr lang="en-US" sz="2400" dirty="0">
-                <a:ea typeface="SF Pro Semibold" pitchFamily="2" charset="0"/>
-                <a:cs typeface="Arial" panose="020B0604020202020204" pitchFamily="34" charset="0"/>
-              </a:rPr>
-              <a:t>https://en.wikipedia.org/wiki/Facial_recognition_system</a:t>
-            </a:r>
+              <a:rPr lang="en-US" sz="2800" dirty="0">
+                <a:solidFill>
+                  <a:srgbClr val="FF0000"/>
+                </a:solidFill>
+                <a:ea typeface="SF Pro Semibold" pitchFamily="2" charset="0"/>
+                <a:cs typeface="Arial" panose="020B0604020202020204" pitchFamily="34" charset="0"/>
+              </a:rPr>
+              <a:t>4.1.Ưu </a:t>
+            </a:r>
+            <a:r>
+              <a:rPr lang="en-US" sz="2800" dirty="0" err="1">
+                <a:solidFill>
+                  <a:srgbClr val="FF0000"/>
+                </a:solidFill>
+                <a:ea typeface="SF Pro Semibold" pitchFamily="2" charset="0"/>
+                <a:cs typeface="Arial" panose="020B0604020202020204" pitchFamily="34" charset="0"/>
+              </a:rPr>
+              <a:t>điểm</a:t>
+            </a:r>
+            <a:r>
+              <a:rPr lang="en-US" sz="2800" dirty="0">
+                <a:solidFill>
+                  <a:srgbClr val="FF0000"/>
+                </a:solidFill>
+                <a:ea typeface="SF Pro Semibold" pitchFamily="2" charset="0"/>
+                <a:cs typeface="Arial" panose="020B0604020202020204" pitchFamily="34" charset="0"/>
+              </a:rPr>
+              <a:t>:</a:t>
+            </a:r>
+          </a:p>
+          <a:p>
+            <a:pPr marL="457200" indent="-457200">
+              <a:lnSpc>
+                <a:spcPct val="150000"/>
+              </a:lnSpc>
+              <a:buFont typeface="Wingdings" panose="05000000000000000000" pitchFamily="2" charset="2"/>
+              <a:buChar char="ü"/>
+            </a:pPr>
+            <a:r>
+              <a:rPr lang="en-US" sz="2800" dirty="0" err="1">
+                <a:solidFill>
+                  <a:schemeClr val="tx1">
+                    <a:lumMod val="50000"/>
+                  </a:schemeClr>
+                </a:solidFill>
+                <a:ea typeface="SF Pro Semibold" pitchFamily="2" charset="0"/>
+                <a:cs typeface="Arial" panose="020B0604020202020204" pitchFamily="34" charset="0"/>
+              </a:rPr>
+              <a:t>Cộng</a:t>
+            </a:r>
+            <a:r>
+              <a:rPr lang="en-US" sz="2800" dirty="0">
+                <a:solidFill>
+                  <a:schemeClr val="tx1">
+                    <a:lumMod val="50000"/>
+                  </a:schemeClr>
+                </a:solidFill>
+                <a:ea typeface="SF Pro Semibold" pitchFamily="2" charset="0"/>
+                <a:cs typeface="Arial" panose="020B0604020202020204" pitchFamily="34" charset="0"/>
+              </a:rPr>
+              <a:t> </a:t>
+            </a:r>
+            <a:r>
+              <a:rPr lang="en-US" sz="2800" dirty="0" err="1">
+                <a:solidFill>
+                  <a:schemeClr val="tx1">
+                    <a:lumMod val="50000"/>
+                  </a:schemeClr>
+                </a:solidFill>
+                <a:ea typeface="SF Pro Semibold" pitchFamily="2" charset="0"/>
+                <a:cs typeface="Arial" panose="020B0604020202020204" pitchFamily="34" charset="0"/>
+              </a:rPr>
+              <a:t>nghê</a:t>
+            </a:r>
+            <a:r>
+              <a:rPr lang="en-US" sz="2800" dirty="0">
+                <a:solidFill>
+                  <a:schemeClr val="tx1">
+                    <a:lumMod val="50000"/>
+                  </a:schemeClr>
+                </a:solidFill>
+                <a:ea typeface="SF Pro Semibold" pitchFamily="2" charset="0"/>
+                <a:cs typeface="Arial" panose="020B0604020202020204" pitchFamily="34" charset="0"/>
+              </a:rPr>
+              <a:t>̣ </a:t>
+            </a:r>
+            <a:r>
+              <a:rPr lang="en-US" sz="2800" dirty="0" err="1">
+                <a:solidFill>
+                  <a:schemeClr val="tx1">
+                    <a:lumMod val="50000"/>
+                  </a:schemeClr>
+                </a:solidFill>
+                <a:ea typeface="SF Pro Semibold" pitchFamily="2" charset="0"/>
+                <a:cs typeface="Arial" panose="020B0604020202020204" pitchFamily="34" charset="0"/>
+              </a:rPr>
+              <a:t>bảo</a:t>
+            </a:r>
+            <a:r>
+              <a:rPr lang="en-US" sz="2800" dirty="0">
+                <a:solidFill>
+                  <a:schemeClr val="tx1">
+                    <a:lumMod val="50000"/>
+                  </a:schemeClr>
+                </a:solidFill>
+                <a:ea typeface="SF Pro Semibold" pitchFamily="2" charset="0"/>
+                <a:cs typeface="Arial" panose="020B0604020202020204" pitchFamily="34" charset="0"/>
+              </a:rPr>
+              <a:t> </a:t>
+            </a:r>
+            <a:r>
+              <a:rPr lang="en-US" sz="2800" dirty="0" err="1">
+                <a:solidFill>
+                  <a:schemeClr val="tx1">
+                    <a:lumMod val="50000"/>
+                  </a:schemeClr>
+                </a:solidFill>
+                <a:ea typeface="SF Pro Semibold" pitchFamily="2" charset="0"/>
+                <a:cs typeface="Arial" panose="020B0604020202020204" pitchFamily="34" charset="0"/>
+              </a:rPr>
+              <a:t>mật</a:t>
+            </a:r>
+            <a:r>
+              <a:rPr lang="en-US" sz="2800" dirty="0">
+                <a:solidFill>
+                  <a:schemeClr val="tx1">
+                    <a:lumMod val="50000"/>
+                  </a:schemeClr>
+                </a:solidFill>
+                <a:ea typeface="SF Pro Semibold" pitchFamily="2" charset="0"/>
+                <a:cs typeface="Arial" panose="020B0604020202020204" pitchFamily="34" charset="0"/>
+              </a:rPr>
+              <a:t> 3D </a:t>
+            </a:r>
+            <a:r>
+              <a:rPr lang="en-US" sz="2800" dirty="0" err="1">
+                <a:solidFill>
+                  <a:schemeClr val="tx1">
+                    <a:lumMod val="50000"/>
+                  </a:schemeClr>
+                </a:solidFill>
+                <a:ea typeface="SF Pro Semibold" pitchFamily="2" charset="0"/>
+                <a:cs typeface="Arial" panose="020B0604020202020204" pitchFamily="34" charset="0"/>
+              </a:rPr>
+              <a:t>khuôn</a:t>
+            </a:r>
+            <a:r>
+              <a:rPr lang="en-US" sz="2800" dirty="0">
+                <a:solidFill>
+                  <a:schemeClr val="tx1">
+                    <a:lumMod val="50000"/>
+                  </a:schemeClr>
+                </a:solidFill>
+                <a:ea typeface="SF Pro Semibold" pitchFamily="2" charset="0"/>
+                <a:cs typeface="Arial" panose="020B0604020202020204" pitchFamily="34" charset="0"/>
+              </a:rPr>
+              <a:t> </a:t>
+            </a:r>
+            <a:r>
+              <a:rPr lang="en-US" sz="2800" dirty="0" err="1">
+                <a:solidFill>
+                  <a:schemeClr val="tx1">
+                    <a:lumMod val="50000"/>
+                  </a:schemeClr>
+                </a:solidFill>
+                <a:ea typeface="SF Pro Semibold" pitchFamily="2" charset="0"/>
+                <a:cs typeface="Arial" panose="020B0604020202020204" pitchFamily="34" charset="0"/>
+              </a:rPr>
+              <a:t>mặt</a:t>
+            </a:r>
+            <a:endParaRPr lang="en-US" sz="2800" dirty="0">
+              <a:solidFill>
+                <a:schemeClr val="tx1">
+                  <a:lumMod val="50000"/>
+                </a:schemeClr>
+              </a:solidFill>
+              <a:ea typeface="SF Pro Semibold" pitchFamily="2" charset="0"/>
+              <a:cs typeface="Arial" panose="020B0604020202020204" pitchFamily="34" charset="0"/>
+            </a:endParaRPr>
           </a:p>
         </p:txBody>
       </p:sp>
@@ -8647,7 +9453,7 @@
         <p:spPr>
           <a:xfrm>
             <a:off x="521852" y="315311"/>
-            <a:ext cx="7318029" cy="584775"/>
+            <a:ext cx="7412607" cy="584775"/>
           </a:xfrm>
           <a:prstGeom prst="rect">
             <a:avLst/>
@@ -8661,13 +9467,13 @@
           <a:lstStyle/>
           <a:p>
             <a:r>
-              <a:rPr lang="en-US" sz="3200" b="1">
+              <a:rPr lang="en-US" sz="3200" b="1" dirty="0">
                 <a:solidFill>
                   <a:schemeClr val="bg1"/>
                 </a:solidFill>
                 <a:latin typeface="+mj-lt"/>
               </a:rPr>
-              <a:t>CÁC TRANG TÀI LIỆU THAM KHẢO. </a:t>
+              <a:t>4.ƯU, NHƯỢC ĐIỂM VÀ ỨNG DỤNG. </a:t>
             </a:r>
           </a:p>
         </p:txBody>
@@ -8702,6 +9508,93 @@
         <p:nvPicPr>
           <p:cNvPr id="12" name="Picture 11"/>
           <p:cNvPicPr/>
+          <p:nvPr/>
+        </p:nvPicPr>
+        <p:blipFill>
+          <a:blip r:embed="rId2"/>
+          <a:stretch>
+            <a:fillRect/>
+          </a:stretch>
+        </p:blipFill>
+        <p:spPr>
+          <a:xfrm>
+            <a:off x="-39267" y="6350556"/>
+            <a:ext cx="576000" cy="1236543"/>
+          </a:xfrm>
+          <a:prstGeom prst="rect">
+            <a:avLst/>
+          </a:prstGeom>
+        </p:spPr>
+      </p:pic>
+      <p:sp>
+        <p:nvSpPr>
+          <p:cNvPr id="11" name="Oval 10"/>
+          <p:cNvSpPr>
+            <a:spLocks noChangeAspect="1"/>
+          </p:cNvSpPr>
+          <p:nvPr/>
+        </p:nvSpPr>
+        <p:spPr>
+          <a:xfrm>
+            <a:off x="8526026" y="6203967"/>
+            <a:ext cx="693336" cy="693336"/>
+          </a:xfrm>
+          <a:prstGeom prst="ellipse">
+            <a:avLst/>
+          </a:prstGeom>
+          <a:solidFill>
+            <a:schemeClr val="bg1"/>
+          </a:solidFill>
+          <a:ln>
+            <a:solidFill>
+              <a:srgbClr val="FF0000"/>
+            </a:solidFill>
+          </a:ln>
+        </p:spPr>
+        <p:style>
+          <a:lnRef idx="2">
+            <a:schemeClr val="accent1">
+              <a:shade val="50000"/>
+            </a:schemeClr>
+          </a:lnRef>
+          <a:fillRef idx="1">
+            <a:schemeClr val="accent1"/>
+          </a:fillRef>
+          <a:effectRef idx="0">
+            <a:schemeClr val="accent1"/>
+          </a:effectRef>
+          <a:fontRef idx="minor">
+            <a:schemeClr val="lt1"/>
+          </a:fontRef>
+        </p:style>
+        <p:txBody>
+          <a:bodyPr rtlCol="0" anchor="ctr"/>
+          <a:lstStyle/>
+          <a:p>
+            <a:pPr algn="ctr"/>
+            <a:r>
+              <a:rPr lang="en-US" dirty="0">
+                <a:solidFill>
+                  <a:srgbClr val="FF0000"/>
+                </a:solidFill>
+              </a:rPr>
+              <a:t>17</a:t>
+            </a:r>
+          </a:p>
+        </p:txBody>
+      </p:sp>
+      <p:pic>
+        <p:nvPicPr>
+          <p:cNvPr id="4" name="Picture 3">
+            <a:extLst>
+              <a:ext uri="{FF2B5EF4-FFF2-40B4-BE49-F238E27FC236}">
+                <a16:creationId xmlns:a16="http://schemas.microsoft.com/office/drawing/2014/main" id="{46502B55-43A1-941F-13D9-69CAECC55854}"/>
+              </a:ext>
+            </a:extLst>
+          </p:cNvPr>
+          <p:cNvPicPr>
+            <a:picLocks noChangeAspect="1"/>
+          </p:cNvPicPr>
           <p:nvPr/>
         </p:nvPicPr>
         <p:blipFill>
@@ -8712,97 +9605,44 @@
         </p:blipFill>
         <p:spPr>
           <a:xfrm>
-            <a:off x="-39267" y="6350556"/>
-            <a:ext cx="576000" cy="1236543"/>
-          </a:xfrm>
-          <a:prstGeom prst="rect">
-            <a:avLst/>
+            <a:off x="891609" y="2515981"/>
+            <a:ext cx="7654565" cy="4244700"/>
+          </a:xfrm>
+          <a:prstGeom prst="roundRect">
+            <a:avLst>
+              <a:gd name="adj" fmla="val 16667"/>
+            </a:avLst>
           </a:prstGeom>
+          <a:ln>
+            <a:noFill/>
+          </a:ln>
+          <a:effectLst>
+            <a:outerShdw blurRad="76200" dist="38100" dir="7800000" algn="tl" rotWithShape="0">
+              <a:srgbClr val="000000">
+                <a:alpha val="40000"/>
+              </a:srgbClr>
+            </a:outerShdw>
+          </a:effectLst>
+          <a:scene3d>
+            <a:camera prst="orthographicFront"/>
+            <a:lightRig rig="contrasting" dir="t">
+              <a:rot lat="0" lon="0" rev="4200000"/>
+            </a:lightRig>
+          </a:scene3d>
+          <a:sp3d prstMaterial="plastic">
+            <a:bevelT w="381000" h="114300" prst="relaxedInset"/>
+            <a:contourClr>
+              <a:srgbClr val="969696"/>
+            </a:contourClr>
+          </a:sp3d>
         </p:spPr>
       </p:pic>
-      <p:sp>
-        <p:nvSpPr>
-          <p:cNvPr id="17" name="TextBox 16">
-            <a:hlinkClick r:id="rId4"/>
-          </p:cNvPr>
-          <p:cNvSpPr txBox="1"/>
-          <p:nvPr/>
-        </p:nvSpPr>
-        <p:spPr>
-          <a:xfrm>
-            <a:off x="703384" y="2406869"/>
-            <a:ext cx="8169310" cy="2239844"/>
-          </a:xfrm>
-          <a:prstGeom prst="rect">
-            <a:avLst/>
-          </a:prstGeom>
-          <a:noFill/>
-        </p:spPr>
-        <p:txBody>
-          <a:bodyPr wrap="square">
-            <a:spAutoFit/>
-          </a:bodyPr>
-          <a:lstStyle/>
-          <a:p>
-            <a:pPr marL="457200" indent="-457200">
-              <a:lnSpc>
-                <a:spcPct val="150000"/>
-              </a:lnSpc>
-              <a:buFont typeface="Wingdings" panose="05000000000000000000" pitchFamily="2" charset="2"/>
-              <a:buChar char="Ø"/>
-            </a:pPr>
-            <a:r>
-              <a:rPr lang="en-US" sz="2400" dirty="0">
-                <a:ea typeface="SF Pro Semibold" pitchFamily="2" charset="0"/>
-                <a:cs typeface="Arial" panose="020B0604020202020204" pitchFamily="34" charset="0"/>
-              </a:rPr>
-              <a:t>https://this.deakin.edu.au/innovation/facial-recognition-id-how-safe-is-your-face#:~:text=It's%20not%20relatively%20more%20secure,your%20phone%20using%20Face%20ID.</a:t>
-            </a:r>
-          </a:p>
-        </p:txBody>
-      </p:sp>
-      <p:sp>
-        <p:nvSpPr>
-          <p:cNvPr id="18" name="TextBox 17">
-            <a:hlinkClick r:id="rId5"/>
-          </p:cNvPr>
-          <p:cNvSpPr txBox="1"/>
-          <p:nvPr/>
-        </p:nvSpPr>
-        <p:spPr>
-          <a:xfrm>
-            <a:off x="703384" y="5431031"/>
-            <a:ext cx="8169310" cy="1131848"/>
-          </a:xfrm>
-          <a:prstGeom prst="rect">
-            <a:avLst/>
-          </a:prstGeom>
-          <a:noFill/>
-        </p:spPr>
-        <p:txBody>
-          <a:bodyPr wrap="square">
-            <a:spAutoFit/>
-          </a:bodyPr>
-          <a:lstStyle/>
-          <a:p>
-            <a:pPr marL="457200" indent="-457200">
-              <a:lnSpc>
-                <a:spcPct val="150000"/>
-              </a:lnSpc>
-              <a:buFont typeface="Wingdings" panose="05000000000000000000" pitchFamily="2" charset="2"/>
-              <a:buChar char="Ø"/>
-            </a:pPr>
-            <a:r>
-              <a:rPr lang="en-US" sz="2400" dirty="0">
-                <a:ea typeface="SF Pro Semibold" pitchFamily="2" charset="0"/>
-                <a:cs typeface="Arial" panose="020B0604020202020204" pitchFamily="34" charset="0"/>
-              </a:rPr>
-              <a:t>https://senstar.com/senstarpedia/pros-and-cons-of-facial-recognition/</a:t>
-            </a:r>
-          </a:p>
-        </p:txBody>
-      </p:sp>
     </p:spTree>
+    <p:extLst>
+      <p:ext uri="{BB962C8B-B14F-4D97-AF65-F5344CB8AC3E}">
+        <p14:creationId xmlns:p14="http://schemas.microsoft.com/office/powerpoint/2010/main" val="1150446377"/>
+      </p:ext>
+    </p:extLst>
   </p:cSld>
   <p:clrMapOvr>
     <a:masterClrMapping/>
@@ -8885,7 +9725,7 @@
         <p:spPr>
           <a:xfrm>
             <a:off x="521852" y="315311"/>
-            <a:ext cx="2486578" cy="584775"/>
+            <a:ext cx="7412607" cy="584775"/>
           </a:xfrm>
           <a:prstGeom prst="rect">
             <a:avLst/>
@@ -8899,13 +9739,13 @@
           <a:lstStyle/>
           <a:p>
             <a:r>
-              <a:rPr lang="en-US" sz="3200" b="1">
+              <a:rPr lang="en-US" sz="3200" b="1" dirty="0">
                 <a:solidFill>
                   <a:schemeClr val="bg1"/>
                 </a:solidFill>
                 <a:latin typeface="+mj-lt"/>
               </a:rPr>
-              <a:t>KẾT THÚC. </a:t>
+              <a:t>4.ƯU, NHƯỢC ĐIỂM VÀ ỨNG DỤNG. </a:t>
             </a:r>
           </a:p>
         </p:txBody>
@@ -8958,31 +9798,2167 @@
           </a:prstGeom>
         </p:spPr>
       </p:pic>
+      <p:sp>
+        <p:nvSpPr>
+          <p:cNvPr id="10" name="TextBox 9"/>
+          <p:cNvSpPr txBox="1"/>
+          <p:nvPr/>
+        </p:nvSpPr>
+        <p:spPr>
+          <a:xfrm>
+            <a:off x="703384" y="1121261"/>
+            <a:ext cx="8169310" cy="3028714"/>
+          </a:xfrm>
+          <a:prstGeom prst="rect">
+            <a:avLst/>
+          </a:prstGeom>
+          <a:noFill/>
+        </p:spPr>
+        <p:txBody>
+          <a:bodyPr wrap="square">
+            <a:spAutoFit/>
+          </a:bodyPr>
+          <a:lstStyle/>
+          <a:p>
+            <a:pPr marL="457200" indent="-457200">
+              <a:lnSpc>
+                <a:spcPct val="150000"/>
+              </a:lnSpc>
+              <a:buFont typeface="Wingdings" panose="05000000000000000000" pitchFamily="2" charset="2"/>
+              <a:buChar char="Ø"/>
+            </a:pPr>
+            <a:r>
+              <a:rPr lang="en-US" sz="2800" dirty="0">
+                <a:solidFill>
+                  <a:srgbClr val="FF0000"/>
+                </a:solidFill>
+                <a:ea typeface="SF Pro Semibold" pitchFamily="2" charset="0"/>
+                <a:cs typeface="Arial" panose="020B0604020202020204" pitchFamily="34" charset="0"/>
+              </a:rPr>
+              <a:t>4.2.Nhược </a:t>
+            </a:r>
+            <a:r>
+              <a:rPr lang="en-US" sz="2800" dirty="0" err="1">
+                <a:solidFill>
+                  <a:srgbClr val="FF0000"/>
+                </a:solidFill>
+                <a:ea typeface="SF Pro Semibold" pitchFamily="2" charset="0"/>
+                <a:cs typeface="Arial" panose="020B0604020202020204" pitchFamily="34" charset="0"/>
+              </a:rPr>
+              <a:t>điểm</a:t>
+            </a:r>
+            <a:r>
+              <a:rPr lang="en-US" sz="2800" dirty="0">
+                <a:solidFill>
+                  <a:srgbClr val="FF0000"/>
+                </a:solidFill>
+                <a:ea typeface="SF Pro Semibold" pitchFamily="2" charset="0"/>
+                <a:cs typeface="Arial" panose="020B0604020202020204" pitchFamily="34" charset="0"/>
+              </a:rPr>
+              <a:t>:  </a:t>
+            </a:r>
+          </a:p>
+          <a:p>
+            <a:pPr marL="457200" indent="-457200">
+              <a:buFont typeface="Wingdings" panose="05000000000000000000" pitchFamily="2" charset="2"/>
+              <a:buChar char="ü"/>
+            </a:pPr>
+            <a:r>
+              <a:rPr lang="en-US" sz="2800" dirty="0">
+                <a:solidFill>
+                  <a:schemeClr val="tx1">
+                    <a:lumMod val="50000"/>
+                  </a:schemeClr>
+                </a:solidFill>
+                <a:effectLst/>
+                <a:ea typeface="Calibri" panose="020F0502020204030204" pitchFamily="34" charset="0"/>
+                <a:cs typeface="Arial" panose="020B0604020202020204" pitchFamily="34" charset="0"/>
+              </a:rPr>
+              <a:t>Chi </a:t>
+            </a:r>
+            <a:r>
+              <a:rPr lang="en-US" sz="2800" dirty="0" err="1">
+                <a:solidFill>
+                  <a:schemeClr val="tx1">
+                    <a:lumMod val="50000"/>
+                  </a:schemeClr>
+                </a:solidFill>
+                <a:effectLst/>
+                <a:ea typeface="Calibri" panose="020F0502020204030204" pitchFamily="34" charset="0"/>
+                <a:cs typeface="Arial" panose="020B0604020202020204" pitchFamily="34" charset="0"/>
+              </a:rPr>
+              <a:t>phí</a:t>
+            </a:r>
+            <a:r>
+              <a:rPr lang="en-US" sz="2800" dirty="0">
+                <a:solidFill>
+                  <a:schemeClr val="tx1">
+                    <a:lumMod val="50000"/>
+                  </a:schemeClr>
+                </a:solidFill>
+                <a:effectLst/>
+                <a:ea typeface="Calibri" panose="020F0502020204030204" pitchFamily="34" charset="0"/>
+                <a:cs typeface="Arial" panose="020B0604020202020204" pitchFamily="34" charset="0"/>
+              </a:rPr>
+              <a:t> </a:t>
+            </a:r>
+            <a:r>
+              <a:rPr lang="en-US" sz="2800" dirty="0" err="1">
+                <a:solidFill>
+                  <a:schemeClr val="tx1">
+                    <a:lumMod val="50000"/>
+                  </a:schemeClr>
+                </a:solidFill>
+                <a:effectLst/>
+                <a:ea typeface="Calibri" panose="020F0502020204030204" pitchFamily="34" charset="0"/>
+                <a:cs typeface="Arial" panose="020B0604020202020204" pitchFamily="34" charset="0"/>
+              </a:rPr>
+              <a:t>đầu</a:t>
+            </a:r>
+            <a:r>
+              <a:rPr lang="en-US" sz="2800" dirty="0">
+                <a:solidFill>
+                  <a:schemeClr val="tx1">
+                    <a:lumMod val="50000"/>
+                  </a:schemeClr>
+                </a:solidFill>
+                <a:effectLst/>
+                <a:ea typeface="Calibri" panose="020F0502020204030204" pitchFamily="34" charset="0"/>
+                <a:cs typeface="Arial" panose="020B0604020202020204" pitchFamily="34" charset="0"/>
+              </a:rPr>
+              <a:t> </a:t>
+            </a:r>
+            <a:r>
+              <a:rPr lang="en-US" sz="2800" dirty="0" err="1">
+                <a:solidFill>
+                  <a:schemeClr val="tx1">
+                    <a:lumMod val="50000"/>
+                  </a:schemeClr>
+                </a:solidFill>
+                <a:effectLst/>
+                <a:ea typeface="Calibri" panose="020F0502020204030204" pitchFamily="34" charset="0"/>
+                <a:cs typeface="Arial" panose="020B0604020202020204" pitchFamily="34" charset="0"/>
+              </a:rPr>
+              <a:t>tư</a:t>
+            </a:r>
+            <a:r>
+              <a:rPr lang="en-US" sz="2800" dirty="0">
+                <a:solidFill>
+                  <a:schemeClr val="tx1">
+                    <a:lumMod val="50000"/>
+                  </a:schemeClr>
+                </a:solidFill>
+                <a:effectLst/>
+                <a:ea typeface="Calibri" panose="020F0502020204030204" pitchFamily="34" charset="0"/>
+                <a:cs typeface="Arial" panose="020B0604020202020204" pitchFamily="34" charset="0"/>
+              </a:rPr>
+              <a:t> </a:t>
+            </a:r>
+            <a:r>
+              <a:rPr lang="en-US" sz="2800" dirty="0" err="1">
+                <a:solidFill>
+                  <a:schemeClr val="tx1">
+                    <a:lumMod val="50000"/>
+                  </a:schemeClr>
+                </a:solidFill>
+                <a:effectLst/>
+                <a:ea typeface="Calibri" panose="020F0502020204030204" pitchFamily="34" charset="0"/>
+                <a:cs typeface="Arial" panose="020B0604020202020204" pitchFamily="34" charset="0"/>
+              </a:rPr>
+              <a:t>cao</a:t>
+            </a:r>
+            <a:r>
+              <a:rPr lang="en-US" sz="2800" dirty="0">
+                <a:solidFill>
+                  <a:schemeClr val="tx1">
+                    <a:lumMod val="50000"/>
+                  </a:schemeClr>
+                </a:solidFill>
+                <a:effectLst/>
+                <a:ea typeface="Calibri" panose="020F0502020204030204" pitchFamily="34" charset="0"/>
+                <a:cs typeface="Arial" panose="020B0604020202020204" pitchFamily="34" charset="0"/>
+              </a:rPr>
+              <a:t> </a:t>
+            </a:r>
+            <a:r>
+              <a:rPr lang="en-US" sz="2800" dirty="0" err="1">
+                <a:solidFill>
+                  <a:schemeClr val="tx1">
+                    <a:lumMod val="50000"/>
+                  </a:schemeClr>
+                </a:solidFill>
+                <a:effectLst/>
+                <a:ea typeface="Calibri" panose="020F0502020204030204" pitchFamily="34" charset="0"/>
+                <a:cs typeface="Arial" panose="020B0604020202020204" pitchFamily="34" charset="0"/>
+              </a:rPr>
+              <a:t>hơn</a:t>
+            </a:r>
+            <a:r>
+              <a:rPr lang="en-US" sz="2800" dirty="0">
+                <a:solidFill>
+                  <a:schemeClr val="tx1">
+                    <a:lumMod val="50000"/>
+                  </a:schemeClr>
+                </a:solidFill>
+                <a:effectLst/>
+                <a:ea typeface="Calibri" panose="020F0502020204030204" pitchFamily="34" charset="0"/>
+                <a:cs typeface="Arial" panose="020B0604020202020204" pitchFamily="34" charset="0"/>
+              </a:rPr>
+              <a:t> so </a:t>
+            </a:r>
+            <a:r>
+              <a:rPr lang="en-US" sz="2800" dirty="0" err="1">
+                <a:solidFill>
+                  <a:schemeClr val="tx1">
+                    <a:lumMod val="50000"/>
+                  </a:schemeClr>
+                </a:solidFill>
+                <a:effectLst/>
+                <a:ea typeface="Calibri" panose="020F0502020204030204" pitchFamily="34" charset="0"/>
+                <a:cs typeface="Arial" panose="020B0604020202020204" pitchFamily="34" charset="0"/>
+              </a:rPr>
+              <a:t>với</a:t>
+            </a:r>
+            <a:r>
+              <a:rPr lang="en-US" sz="2800" dirty="0">
+                <a:solidFill>
+                  <a:schemeClr val="tx1">
+                    <a:lumMod val="50000"/>
+                  </a:schemeClr>
+                </a:solidFill>
+                <a:effectLst/>
+                <a:ea typeface="Calibri" panose="020F0502020204030204" pitchFamily="34" charset="0"/>
+                <a:cs typeface="Arial" panose="020B0604020202020204" pitchFamily="34" charset="0"/>
+              </a:rPr>
+              <a:t> </a:t>
+            </a:r>
+            <a:r>
+              <a:rPr lang="en-US" sz="2800" dirty="0" err="1">
+                <a:solidFill>
+                  <a:schemeClr val="tx1">
+                    <a:lumMod val="50000"/>
+                  </a:schemeClr>
+                </a:solidFill>
+                <a:effectLst/>
+                <a:ea typeface="Calibri" panose="020F0502020204030204" pitchFamily="34" charset="0"/>
+                <a:cs typeface="Arial" panose="020B0604020202020204" pitchFamily="34" charset="0"/>
+              </a:rPr>
+              <a:t>dòng</a:t>
+            </a:r>
+            <a:r>
+              <a:rPr lang="en-US" sz="2800" dirty="0">
+                <a:solidFill>
+                  <a:schemeClr val="tx1">
+                    <a:lumMod val="50000"/>
+                  </a:schemeClr>
+                </a:solidFill>
+                <a:effectLst/>
+                <a:ea typeface="Calibri" panose="020F0502020204030204" pitchFamily="34" charset="0"/>
+                <a:cs typeface="Arial" panose="020B0604020202020204" pitchFamily="34" charset="0"/>
+              </a:rPr>
+              <a:t> </a:t>
+            </a:r>
+            <a:r>
+              <a:rPr lang="en-US" sz="2800" dirty="0" err="1">
+                <a:solidFill>
+                  <a:schemeClr val="tx1">
+                    <a:lumMod val="50000"/>
+                  </a:schemeClr>
+                </a:solidFill>
+                <a:effectLst/>
+                <a:ea typeface="Calibri" panose="020F0502020204030204" pitchFamily="34" charset="0"/>
+                <a:cs typeface="Arial" panose="020B0604020202020204" pitchFamily="34" charset="0"/>
+              </a:rPr>
+              <a:t>sản</a:t>
+            </a:r>
+            <a:r>
+              <a:rPr lang="en-US" sz="2800" dirty="0">
+                <a:solidFill>
+                  <a:schemeClr val="tx1">
+                    <a:lumMod val="50000"/>
+                  </a:schemeClr>
+                </a:solidFill>
+                <a:effectLst/>
+                <a:ea typeface="Calibri" panose="020F0502020204030204" pitchFamily="34" charset="0"/>
+                <a:cs typeface="Arial" panose="020B0604020202020204" pitchFamily="34" charset="0"/>
+              </a:rPr>
+              <a:t> </a:t>
+            </a:r>
+            <a:r>
+              <a:rPr lang="en-US" sz="2800" dirty="0" err="1">
+                <a:solidFill>
+                  <a:schemeClr val="tx1">
+                    <a:lumMod val="50000"/>
+                  </a:schemeClr>
+                </a:solidFill>
+                <a:effectLst/>
+                <a:ea typeface="Calibri" panose="020F0502020204030204" pitchFamily="34" charset="0"/>
+                <a:cs typeface="Arial" panose="020B0604020202020204" pitchFamily="34" charset="0"/>
+              </a:rPr>
+              <a:t>phẩm</a:t>
+            </a:r>
+            <a:r>
+              <a:rPr lang="en-US" sz="2800" dirty="0">
+                <a:solidFill>
+                  <a:schemeClr val="tx1">
+                    <a:lumMod val="50000"/>
+                  </a:schemeClr>
+                </a:solidFill>
+                <a:effectLst/>
+                <a:ea typeface="Calibri" panose="020F0502020204030204" pitchFamily="34" charset="0"/>
+                <a:cs typeface="Arial" panose="020B0604020202020204" pitchFamily="34" charset="0"/>
+              </a:rPr>
+              <a:t> </a:t>
+            </a:r>
+            <a:r>
+              <a:rPr lang="en-US" sz="2800" dirty="0" err="1">
+                <a:solidFill>
+                  <a:schemeClr val="tx1">
+                    <a:lumMod val="50000"/>
+                  </a:schemeClr>
+                </a:solidFill>
+                <a:effectLst/>
+                <a:ea typeface="Calibri" panose="020F0502020204030204" pitchFamily="34" charset="0"/>
+                <a:cs typeface="Arial" panose="020B0604020202020204" pitchFamily="34" charset="0"/>
+              </a:rPr>
+              <a:t>công</a:t>
+            </a:r>
+            <a:r>
+              <a:rPr lang="en-US" sz="2800" dirty="0">
+                <a:solidFill>
+                  <a:schemeClr val="tx1">
+                    <a:lumMod val="50000"/>
+                  </a:schemeClr>
+                </a:solidFill>
+                <a:effectLst/>
+                <a:ea typeface="Calibri" panose="020F0502020204030204" pitchFamily="34" charset="0"/>
+                <a:cs typeface="Arial" panose="020B0604020202020204" pitchFamily="34" charset="0"/>
+              </a:rPr>
+              <a:t> </a:t>
+            </a:r>
+            <a:r>
+              <a:rPr lang="en-US" sz="2800" dirty="0" err="1">
+                <a:solidFill>
+                  <a:schemeClr val="tx1">
+                    <a:lumMod val="50000"/>
+                  </a:schemeClr>
+                </a:solidFill>
+                <a:effectLst/>
+                <a:ea typeface="Calibri" panose="020F0502020204030204" pitchFamily="34" charset="0"/>
+                <a:cs typeface="Arial" panose="020B0604020202020204" pitchFamily="34" charset="0"/>
+              </a:rPr>
+              <a:t>nghê</a:t>
+            </a:r>
+            <a:r>
+              <a:rPr lang="en-US" sz="2800" dirty="0">
+                <a:solidFill>
+                  <a:schemeClr val="tx1">
+                    <a:lumMod val="50000"/>
+                  </a:schemeClr>
+                </a:solidFill>
+                <a:effectLst/>
+                <a:ea typeface="Calibri" panose="020F0502020204030204" pitchFamily="34" charset="0"/>
+                <a:cs typeface="Arial" panose="020B0604020202020204" pitchFamily="34" charset="0"/>
+              </a:rPr>
+              <a:t>̣ </a:t>
+            </a:r>
+            <a:r>
+              <a:rPr lang="en-US" sz="2800" dirty="0" err="1">
+                <a:solidFill>
+                  <a:schemeClr val="tx1">
+                    <a:lumMod val="50000"/>
+                  </a:schemeClr>
+                </a:solidFill>
+                <a:effectLst/>
+                <a:ea typeface="Calibri" panose="020F0502020204030204" pitchFamily="34" charset="0"/>
+                <a:cs typeface="Arial" panose="020B0604020202020204" pitchFamily="34" charset="0"/>
+              </a:rPr>
+              <a:t>vân</a:t>
+            </a:r>
+            <a:r>
+              <a:rPr lang="en-US" sz="2800" dirty="0">
+                <a:solidFill>
+                  <a:schemeClr val="tx1">
+                    <a:lumMod val="50000"/>
+                  </a:schemeClr>
+                </a:solidFill>
+                <a:effectLst/>
+                <a:ea typeface="Calibri" panose="020F0502020204030204" pitchFamily="34" charset="0"/>
+                <a:cs typeface="Arial" panose="020B0604020202020204" pitchFamily="34" charset="0"/>
+              </a:rPr>
+              <a:t> </a:t>
+            </a:r>
+            <a:r>
+              <a:rPr lang="en-US" sz="2800" dirty="0" err="1">
+                <a:solidFill>
+                  <a:schemeClr val="tx1">
+                    <a:lumMod val="50000"/>
+                  </a:schemeClr>
+                </a:solidFill>
+                <a:effectLst/>
+                <a:ea typeface="Calibri" panose="020F0502020204030204" pitchFamily="34" charset="0"/>
+                <a:cs typeface="Arial" panose="020B0604020202020204" pitchFamily="34" charset="0"/>
+              </a:rPr>
+              <a:t>tay</a:t>
+            </a:r>
+            <a:r>
+              <a:rPr lang="en-US" sz="2800" dirty="0">
+                <a:solidFill>
+                  <a:schemeClr val="tx1">
+                    <a:lumMod val="50000"/>
+                  </a:schemeClr>
+                </a:solidFill>
+                <a:effectLst/>
+                <a:ea typeface="Calibri" panose="020F0502020204030204" pitchFamily="34" charset="0"/>
+                <a:cs typeface="Arial" panose="020B0604020202020204" pitchFamily="34" charset="0"/>
+              </a:rPr>
+              <a:t> </a:t>
+            </a:r>
+            <a:r>
+              <a:rPr lang="en-US" sz="2800" dirty="0" err="1">
+                <a:solidFill>
+                  <a:schemeClr val="tx1">
+                    <a:lumMod val="50000"/>
+                  </a:schemeClr>
+                </a:solidFill>
+                <a:effectLst/>
+                <a:ea typeface="Calibri" panose="020F0502020204030204" pitchFamily="34" charset="0"/>
+                <a:cs typeface="Arial" panose="020B0604020202020204" pitchFamily="34" charset="0"/>
+              </a:rPr>
+              <a:t>và</a:t>
+            </a:r>
+            <a:r>
+              <a:rPr lang="en-US" sz="2800" dirty="0">
+                <a:solidFill>
+                  <a:schemeClr val="tx1">
+                    <a:lumMod val="50000"/>
+                  </a:schemeClr>
+                </a:solidFill>
+                <a:effectLst/>
+                <a:ea typeface="Calibri" panose="020F0502020204030204" pitchFamily="34" charset="0"/>
+                <a:cs typeface="Arial" panose="020B0604020202020204" pitchFamily="34" charset="0"/>
+              </a:rPr>
+              <a:t> </a:t>
+            </a:r>
+            <a:r>
+              <a:rPr lang="en-US" sz="2800" dirty="0" err="1">
+                <a:solidFill>
+                  <a:schemeClr val="tx1">
+                    <a:lumMod val="50000"/>
+                  </a:schemeClr>
+                </a:solidFill>
+                <a:effectLst/>
+                <a:ea typeface="Calibri" panose="020F0502020204030204" pitchFamily="34" charset="0"/>
+                <a:cs typeface="Arial" panose="020B0604020202020204" pitchFamily="34" charset="0"/>
+              </a:rPr>
+              <a:t>thẻ</a:t>
+            </a:r>
+            <a:r>
+              <a:rPr lang="en-US" sz="2800" dirty="0">
+                <a:solidFill>
+                  <a:schemeClr val="tx1">
+                    <a:lumMod val="50000"/>
+                  </a:schemeClr>
+                </a:solidFill>
+                <a:effectLst/>
+                <a:ea typeface="Calibri" panose="020F0502020204030204" pitchFamily="34" charset="0"/>
+                <a:cs typeface="Arial" panose="020B0604020202020204" pitchFamily="34" charset="0"/>
+              </a:rPr>
+              <a:t> </a:t>
+            </a:r>
+            <a:r>
+              <a:rPr lang="en-US" sz="2800" dirty="0" err="1">
+                <a:solidFill>
+                  <a:schemeClr val="tx1">
+                    <a:lumMod val="50000"/>
+                  </a:schemeClr>
+                </a:solidFill>
+                <a:effectLst/>
+                <a:ea typeface="Calibri" panose="020F0502020204030204" pitchFamily="34" charset="0"/>
+                <a:cs typeface="Arial" panose="020B0604020202020204" pitchFamily="34" charset="0"/>
+              </a:rPr>
+              <a:t>từ</a:t>
+            </a:r>
+            <a:r>
+              <a:rPr lang="en-US" sz="2800" dirty="0">
+                <a:solidFill>
+                  <a:schemeClr val="tx1">
+                    <a:lumMod val="50000"/>
+                  </a:schemeClr>
+                </a:solidFill>
+                <a:effectLst/>
+                <a:ea typeface="Calibri" panose="020F0502020204030204" pitchFamily="34" charset="0"/>
+                <a:cs typeface="Arial" panose="020B0604020202020204" pitchFamily="34" charset="0"/>
+              </a:rPr>
+              <a:t>.</a:t>
+            </a:r>
+          </a:p>
+          <a:p>
+            <a:pPr marL="457200" indent="-457200">
+              <a:buFont typeface="Wingdings" panose="05000000000000000000" pitchFamily="2" charset="2"/>
+              <a:buChar char="ü"/>
+            </a:pPr>
+            <a:r>
+              <a:rPr lang="en-US" sz="2800" spc="-5" dirty="0" err="1">
+                <a:solidFill>
+                  <a:schemeClr val="tx1">
+                    <a:lumMod val="50000"/>
+                  </a:schemeClr>
+                </a:solidFill>
+                <a:effectLst/>
+                <a:ea typeface="Times New Roman" panose="02020603050405020304" pitchFamily="18" charset="0"/>
+                <a:cs typeface="Arial" panose="020B0604020202020204" pitchFamily="34" charset="0"/>
+              </a:rPr>
+              <a:t>Hạn</a:t>
+            </a:r>
+            <a:r>
+              <a:rPr lang="en-US" sz="2800" spc="-5" dirty="0">
+                <a:solidFill>
+                  <a:schemeClr val="tx1">
+                    <a:lumMod val="50000"/>
+                  </a:schemeClr>
+                </a:solidFill>
+                <a:effectLst/>
+                <a:ea typeface="Times New Roman" panose="02020603050405020304" pitchFamily="18" charset="0"/>
+                <a:cs typeface="Arial" panose="020B0604020202020204" pitchFamily="34" charset="0"/>
+              </a:rPr>
+              <a:t> </a:t>
+            </a:r>
+            <a:r>
+              <a:rPr lang="en-US" sz="2800" spc="-5" dirty="0" err="1">
+                <a:solidFill>
+                  <a:schemeClr val="tx1">
+                    <a:lumMod val="50000"/>
+                  </a:schemeClr>
+                </a:solidFill>
+                <a:effectLst/>
+                <a:ea typeface="Times New Roman" panose="02020603050405020304" pitchFamily="18" charset="0"/>
+                <a:cs typeface="Arial" panose="020B0604020202020204" pitchFamily="34" charset="0"/>
+              </a:rPr>
+              <a:t>chế</a:t>
+            </a:r>
+            <a:r>
+              <a:rPr lang="en-US" sz="2800" spc="-5" dirty="0">
+                <a:solidFill>
+                  <a:schemeClr val="tx1">
+                    <a:lumMod val="50000"/>
+                  </a:schemeClr>
+                </a:solidFill>
+                <a:effectLst/>
+                <a:ea typeface="Times New Roman" panose="02020603050405020304" pitchFamily="18" charset="0"/>
+                <a:cs typeface="Arial" panose="020B0604020202020204" pitchFamily="34" charset="0"/>
+              </a:rPr>
+              <a:t> </a:t>
+            </a:r>
+            <a:r>
+              <a:rPr lang="en-US" sz="2800" spc="-5" dirty="0" err="1">
+                <a:solidFill>
+                  <a:schemeClr val="tx1">
+                    <a:lumMod val="50000"/>
+                  </a:schemeClr>
+                </a:solidFill>
+                <a:effectLst/>
+                <a:ea typeface="Times New Roman" panose="02020603050405020304" pitchFamily="18" charset="0"/>
+                <a:cs typeface="Arial" panose="020B0604020202020204" pitchFamily="34" charset="0"/>
+              </a:rPr>
+              <a:t>nhận</a:t>
+            </a:r>
+            <a:r>
+              <a:rPr lang="en-US" sz="2800" spc="-5" dirty="0">
+                <a:solidFill>
+                  <a:schemeClr val="tx1">
+                    <a:lumMod val="50000"/>
+                  </a:schemeClr>
+                </a:solidFill>
+                <a:effectLst/>
+                <a:ea typeface="Times New Roman" panose="02020603050405020304" pitchFamily="18" charset="0"/>
+                <a:cs typeface="Arial" panose="020B0604020202020204" pitchFamily="34" charset="0"/>
+              </a:rPr>
+              <a:t> </a:t>
+            </a:r>
+            <a:r>
+              <a:rPr lang="en-US" sz="2800" spc="-5" dirty="0" err="1">
+                <a:solidFill>
+                  <a:schemeClr val="tx1">
+                    <a:lumMod val="50000"/>
+                  </a:schemeClr>
+                </a:solidFill>
+                <a:effectLst/>
+                <a:ea typeface="Times New Roman" panose="02020603050405020304" pitchFamily="18" charset="0"/>
+                <a:cs typeface="Arial" panose="020B0604020202020204" pitchFamily="34" charset="0"/>
+              </a:rPr>
+              <a:t>diện</a:t>
+            </a:r>
+            <a:r>
+              <a:rPr lang="en-US" sz="2800" spc="-5" dirty="0">
+                <a:solidFill>
+                  <a:schemeClr val="tx1">
+                    <a:lumMod val="50000"/>
+                  </a:schemeClr>
+                </a:solidFill>
+                <a:effectLst/>
+                <a:ea typeface="Times New Roman" panose="02020603050405020304" pitchFamily="18" charset="0"/>
+                <a:cs typeface="Arial" panose="020B0604020202020204" pitchFamily="34" charset="0"/>
+              </a:rPr>
+              <a:t> </a:t>
+            </a:r>
+            <a:r>
+              <a:rPr lang="en-US" sz="2800" spc="-5" dirty="0" err="1">
+                <a:solidFill>
+                  <a:schemeClr val="tx1">
+                    <a:lumMod val="50000"/>
+                  </a:schemeClr>
+                </a:solidFill>
+                <a:effectLst/>
+                <a:ea typeface="Times New Roman" panose="02020603050405020304" pitchFamily="18" charset="0"/>
+                <a:cs typeface="Arial" panose="020B0604020202020204" pitchFamily="34" charset="0"/>
+              </a:rPr>
+              <a:t>hơn</a:t>
+            </a:r>
+            <a:r>
+              <a:rPr lang="en-US" sz="2800" spc="-5" dirty="0">
+                <a:solidFill>
+                  <a:schemeClr val="tx1">
+                    <a:lumMod val="50000"/>
+                  </a:schemeClr>
+                </a:solidFill>
+                <a:effectLst/>
+                <a:ea typeface="Times New Roman" panose="02020603050405020304" pitchFamily="18" charset="0"/>
+                <a:cs typeface="Arial" panose="020B0604020202020204" pitchFamily="34" charset="0"/>
+              </a:rPr>
+              <a:t> </a:t>
+            </a:r>
+            <a:r>
+              <a:rPr lang="en-US" sz="2800" spc="-5" dirty="0" err="1">
+                <a:solidFill>
+                  <a:schemeClr val="tx1">
+                    <a:lumMod val="50000"/>
+                  </a:schemeClr>
+                </a:solidFill>
+                <a:effectLst/>
+                <a:ea typeface="Times New Roman" panose="02020603050405020304" pitchFamily="18" charset="0"/>
+                <a:cs typeface="Arial" panose="020B0604020202020204" pitchFamily="34" charset="0"/>
+              </a:rPr>
+              <a:t>khi</a:t>
+            </a:r>
+            <a:r>
+              <a:rPr lang="en-US" sz="2800" spc="-5" dirty="0">
+                <a:solidFill>
+                  <a:schemeClr val="tx1">
+                    <a:lumMod val="50000"/>
+                  </a:schemeClr>
+                </a:solidFill>
+                <a:effectLst/>
+                <a:ea typeface="Times New Roman" panose="02020603050405020304" pitchFamily="18" charset="0"/>
+                <a:cs typeface="Arial" panose="020B0604020202020204" pitchFamily="34" charset="0"/>
+              </a:rPr>
+              <a:t> </a:t>
+            </a:r>
+            <a:r>
+              <a:rPr lang="en-US" sz="2800" spc="-5" dirty="0" err="1">
+                <a:solidFill>
+                  <a:schemeClr val="tx1">
+                    <a:lumMod val="50000"/>
+                  </a:schemeClr>
+                </a:solidFill>
+                <a:effectLst/>
+                <a:ea typeface="Times New Roman" panose="02020603050405020304" pitchFamily="18" charset="0"/>
+                <a:cs typeface="Arial" panose="020B0604020202020204" pitchFamily="34" charset="0"/>
+              </a:rPr>
+              <a:t>đeo</a:t>
+            </a:r>
+            <a:r>
+              <a:rPr lang="en-US" sz="2800" spc="-5" dirty="0">
+                <a:solidFill>
+                  <a:schemeClr val="tx1">
+                    <a:lumMod val="50000"/>
+                  </a:schemeClr>
+                </a:solidFill>
+                <a:effectLst/>
+                <a:ea typeface="Times New Roman" panose="02020603050405020304" pitchFamily="18" charset="0"/>
+                <a:cs typeface="Arial" panose="020B0604020202020204" pitchFamily="34" charset="0"/>
+              </a:rPr>
+              <a:t> </a:t>
+            </a:r>
+            <a:r>
+              <a:rPr lang="en-US" sz="2800" spc="-5" dirty="0" err="1">
+                <a:solidFill>
+                  <a:schemeClr val="tx1">
+                    <a:lumMod val="50000"/>
+                  </a:schemeClr>
+                </a:solidFill>
+                <a:effectLst/>
+                <a:ea typeface="Times New Roman" panose="02020603050405020304" pitchFamily="18" charset="0"/>
+                <a:cs typeface="Arial" panose="020B0604020202020204" pitchFamily="34" charset="0"/>
+              </a:rPr>
+              <a:t>kính</a:t>
+            </a:r>
+            <a:r>
+              <a:rPr lang="en-US" sz="2800" spc="-5" dirty="0">
+                <a:solidFill>
+                  <a:schemeClr val="tx1">
+                    <a:lumMod val="50000"/>
+                  </a:schemeClr>
+                </a:solidFill>
+                <a:effectLst/>
+                <a:ea typeface="Times New Roman" panose="02020603050405020304" pitchFamily="18" charset="0"/>
+                <a:cs typeface="Arial" panose="020B0604020202020204" pitchFamily="34" charset="0"/>
+              </a:rPr>
+              <a:t> </a:t>
+            </a:r>
+            <a:r>
+              <a:rPr lang="en-US" sz="2800" spc="-5" dirty="0" err="1">
+                <a:solidFill>
+                  <a:schemeClr val="tx1">
+                    <a:lumMod val="50000"/>
+                  </a:schemeClr>
+                </a:solidFill>
+                <a:effectLst/>
+                <a:ea typeface="Times New Roman" panose="02020603050405020304" pitchFamily="18" charset="0"/>
+                <a:cs typeface="Arial" panose="020B0604020202020204" pitchFamily="34" charset="0"/>
+              </a:rPr>
+              <a:t>râm</a:t>
+            </a:r>
+            <a:r>
+              <a:rPr lang="en-US" sz="2800" spc="-5" dirty="0">
+                <a:solidFill>
+                  <a:schemeClr val="tx1">
+                    <a:lumMod val="50000"/>
+                  </a:schemeClr>
+                </a:solidFill>
+                <a:effectLst/>
+                <a:ea typeface="Times New Roman" panose="02020603050405020304" pitchFamily="18" charset="0"/>
+                <a:cs typeface="Arial" panose="020B0604020202020204" pitchFamily="34" charset="0"/>
+              </a:rPr>
+              <a:t>, </a:t>
+            </a:r>
+            <a:r>
+              <a:rPr lang="en-US" sz="2800" spc="-5" dirty="0" err="1">
+                <a:solidFill>
+                  <a:schemeClr val="tx1">
+                    <a:lumMod val="50000"/>
+                  </a:schemeClr>
+                </a:solidFill>
+                <a:effectLst/>
+                <a:ea typeface="Times New Roman" panose="02020603050405020304" pitchFamily="18" charset="0"/>
+                <a:cs typeface="Arial" panose="020B0604020202020204" pitchFamily="34" charset="0"/>
+              </a:rPr>
+              <a:t>khẩu</a:t>
+            </a:r>
+            <a:r>
+              <a:rPr lang="en-US" sz="2800" spc="-5" dirty="0">
+                <a:solidFill>
+                  <a:schemeClr val="tx1">
+                    <a:lumMod val="50000"/>
+                  </a:schemeClr>
+                </a:solidFill>
+                <a:effectLst/>
+                <a:ea typeface="Times New Roman" panose="02020603050405020304" pitchFamily="18" charset="0"/>
+                <a:cs typeface="Arial" panose="020B0604020202020204" pitchFamily="34" charset="0"/>
+              </a:rPr>
+              <a:t> </a:t>
+            </a:r>
+            <a:r>
+              <a:rPr lang="en-US" sz="2800" spc="-5" dirty="0" err="1">
+                <a:solidFill>
+                  <a:schemeClr val="tx1">
+                    <a:lumMod val="50000"/>
+                  </a:schemeClr>
+                </a:solidFill>
+                <a:effectLst/>
+                <a:ea typeface="Times New Roman" panose="02020603050405020304" pitchFamily="18" charset="0"/>
+                <a:cs typeface="Arial" panose="020B0604020202020204" pitchFamily="34" charset="0"/>
+              </a:rPr>
+              <a:t>trang</a:t>
+            </a:r>
+            <a:r>
+              <a:rPr lang="en-US" sz="2800" spc="-5" dirty="0">
+                <a:solidFill>
+                  <a:schemeClr val="tx1">
+                    <a:lumMod val="50000"/>
+                  </a:schemeClr>
+                </a:solidFill>
+                <a:effectLst/>
+                <a:ea typeface="Times New Roman" panose="02020603050405020304" pitchFamily="18" charset="0"/>
+                <a:cs typeface="Arial" panose="020B0604020202020204" pitchFamily="34" charset="0"/>
+              </a:rPr>
+              <a:t>, </a:t>
+            </a:r>
+            <a:r>
+              <a:rPr lang="en-US" sz="2800" spc="-5" dirty="0" err="1">
+                <a:solidFill>
+                  <a:schemeClr val="tx1">
+                    <a:lumMod val="50000"/>
+                  </a:schemeClr>
+                </a:solidFill>
+                <a:effectLst/>
+                <a:ea typeface="Times New Roman" panose="02020603050405020304" pitchFamily="18" charset="0"/>
+                <a:cs typeface="Arial" panose="020B0604020202020204" pitchFamily="34" charset="0"/>
+              </a:rPr>
+              <a:t>nón</a:t>
+            </a:r>
+            <a:r>
+              <a:rPr lang="en-US" sz="2800" spc="-5" dirty="0">
+                <a:solidFill>
+                  <a:schemeClr val="tx1">
+                    <a:lumMod val="50000"/>
+                  </a:schemeClr>
+                </a:solidFill>
+                <a:effectLst/>
+                <a:ea typeface="Times New Roman" panose="02020603050405020304" pitchFamily="18" charset="0"/>
+                <a:cs typeface="Arial" panose="020B0604020202020204" pitchFamily="34" charset="0"/>
+              </a:rPr>
+              <a:t>.</a:t>
+            </a:r>
+          </a:p>
+          <a:p>
+            <a:pPr marL="457200" indent="-457200">
+              <a:lnSpc>
+                <a:spcPct val="150000"/>
+              </a:lnSpc>
+              <a:buFont typeface="Wingdings" panose="05000000000000000000" pitchFamily="2" charset="2"/>
+              <a:buChar char="Ø"/>
+            </a:pPr>
+            <a:endParaRPr lang="en-US" sz="2800" dirty="0">
+              <a:solidFill>
+                <a:srgbClr val="FF0000"/>
+              </a:solidFill>
+              <a:ea typeface="SF Pro Semibold" pitchFamily="2" charset="0"/>
+              <a:cs typeface="Arial" panose="020B0604020202020204" pitchFamily="34" charset="0"/>
+            </a:endParaRPr>
+          </a:p>
+        </p:txBody>
+      </p:sp>
+      <p:sp>
+        <p:nvSpPr>
+          <p:cNvPr id="8" name="Oval 7"/>
+          <p:cNvSpPr>
+            <a:spLocks noChangeAspect="1"/>
+          </p:cNvSpPr>
+          <p:nvPr/>
+        </p:nvSpPr>
+        <p:spPr>
+          <a:xfrm>
+            <a:off x="8453329" y="6164664"/>
+            <a:ext cx="693336" cy="693336"/>
+          </a:xfrm>
+          <a:prstGeom prst="ellipse">
+            <a:avLst/>
+          </a:prstGeom>
+          <a:solidFill>
+            <a:schemeClr val="bg1"/>
+          </a:solidFill>
+          <a:ln>
+            <a:solidFill>
+              <a:srgbClr val="FF0000"/>
+            </a:solidFill>
+          </a:ln>
+        </p:spPr>
+        <p:style>
+          <a:lnRef idx="2">
+            <a:schemeClr val="accent1">
+              <a:shade val="50000"/>
+            </a:schemeClr>
+          </a:lnRef>
+          <a:fillRef idx="1">
+            <a:schemeClr val="accent1"/>
+          </a:fillRef>
+          <a:effectRef idx="0">
+            <a:schemeClr val="accent1"/>
+          </a:effectRef>
+          <a:fontRef idx="minor">
+            <a:schemeClr val="lt1"/>
+          </a:fontRef>
+        </p:style>
+        <p:txBody>
+          <a:bodyPr rtlCol="0" anchor="ctr"/>
+          <a:lstStyle/>
+          <a:p>
+            <a:pPr algn="ctr"/>
+            <a:r>
+              <a:rPr lang="en-US" dirty="0">
+                <a:solidFill>
+                  <a:srgbClr val="FF0000"/>
+                </a:solidFill>
+              </a:rPr>
+              <a:t>18</a:t>
+            </a:r>
+          </a:p>
+        </p:txBody>
+      </p:sp>
+    </p:spTree>
+    <p:extLst>
+      <p:ext uri="{BB962C8B-B14F-4D97-AF65-F5344CB8AC3E}">
+        <p14:creationId xmlns:p14="http://schemas.microsoft.com/office/powerpoint/2010/main" val="4097031580"/>
+      </p:ext>
+    </p:extLst>
+  </p:cSld>
+  <p:clrMapOvr>
+    <a:masterClrMapping/>
+  </p:clrMapOvr>
+  <p:transition spd="slow">
+    <p:pull/>
+  </p:transition>
+</p:sld>
+</file>
+
+<file path=ppt/slides/slide19.xml><?xml version="1.0" encoding="utf-8"?>
+<p:sld xmlns:a="http://schemas.openxmlformats.org/drawingml/2006/main" xmlns:r="http://schemas.openxmlformats.org/officeDocument/2006/relationships" xmlns:p="http://schemas.openxmlformats.org/presentationml/2006/main">
+  <p:cSld>
+    <p:spTree>
+      <p:nvGrpSpPr>
+        <p:cNvPr id="1" name=""/>
+        <p:cNvGrpSpPr/>
+        <p:nvPr/>
+      </p:nvGrpSpPr>
+      <p:grpSpPr>
+        <a:xfrm>
+          <a:off x="0" y="0"/>
+          <a:ext cx="0" cy="0"/>
+          <a:chOff x="0" y="0"/>
+          <a:chExt cx="0" cy="0"/>
+        </a:xfrm>
+      </p:grpSpPr>
+      <p:sp>
+        <p:nvSpPr>
+          <p:cNvPr id="9" name="Rectangle 8"/>
+          <p:cNvSpPr/>
+          <p:nvPr/>
+        </p:nvSpPr>
+        <p:spPr>
+          <a:xfrm>
+            <a:off x="8470760" y="6350556"/>
+            <a:ext cx="693336" cy="567732"/>
+          </a:xfrm>
+          <a:prstGeom prst="rect">
+            <a:avLst/>
+          </a:prstGeom>
+          <a:solidFill>
+            <a:schemeClr val="bg1"/>
+          </a:solidFill>
+          <a:ln>
+            <a:noFill/>
+          </a:ln>
+        </p:spPr>
+        <p:style>
+          <a:lnRef idx="2">
+            <a:schemeClr val="accent1">
+              <a:shade val="50000"/>
+            </a:schemeClr>
+          </a:lnRef>
+          <a:fillRef idx="1">
+            <a:schemeClr val="accent1"/>
+          </a:fillRef>
+          <a:effectRef idx="0">
+            <a:schemeClr val="accent1"/>
+          </a:effectRef>
+          <a:fontRef idx="minor">
+            <a:schemeClr val="lt1"/>
+          </a:fontRef>
+        </p:style>
+        <p:txBody>
+          <a:bodyPr rtlCol="0" anchor="ctr"/>
+          <a:lstStyle/>
+          <a:p>
+            <a:pPr algn="ctr"/>
+            <a:endParaRPr lang="en-US"/>
+          </a:p>
+        </p:txBody>
+      </p:sp>
+      <p:sp>
+        <p:nvSpPr>
+          <p:cNvPr id="5" name="TextBox 4"/>
+          <p:cNvSpPr txBox="1"/>
+          <p:nvPr/>
+        </p:nvSpPr>
+        <p:spPr>
+          <a:xfrm>
+            <a:off x="521852" y="315311"/>
+            <a:ext cx="7412607" cy="584775"/>
+          </a:xfrm>
+          <a:prstGeom prst="rect">
+            <a:avLst/>
+          </a:prstGeom>
+          <a:noFill/>
+        </p:spPr>
+        <p:txBody>
+          <a:bodyPr wrap="none" rtlCol="0">
+            <a:spAutoFit/>
+          </a:bodyPr>
+          <a:lstStyle/>
+          <a:p>
+            <a:r>
+              <a:rPr lang="en-US" sz="3200" b="1" dirty="0">
+                <a:solidFill>
+                  <a:schemeClr val="bg1"/>
+                </a:solidFill>
+                <a:latin typeface="+mj-lt"/>
+              </a:rPr>
+              <a:t>4.ƯU, NHƯỢC ĐIỂM VÀ ỨNG DỤNG. </a:t>
+            </a:r>
+          </a:p>
+        </p:txBody>
+      </p:sp>
+      <p:sp>
+        <p:nvSpPr>
+          <p:cNvPr id="6" name="TextBox 5"/>
+          <p:cNvSpPr txBox="1"/>
+          <p:nvPr/>
+        </p:nvSpPr>
+        <p:spPr>
+          <a:xfrm>
+            <a:off x="3247697" y="2406869"/>
+            <a:ext cx="184731" cy="369332"/>
+          </a:xfrm>
+          <a:prstGeom prst="rect">
+            <a:avLst/>
+          </a:prstGeom>
+          <a:noFill/>
+        </p:spPr>
+        <p:txBody>
+          <a:bodyPr wrap="none" rtlCol="0">
+            <a:spAutoFit/>
+          </a:bodyPr>
+          <a:lstStyle/>
+          <a:p>
+            <a:endParaRPr lang="en-US"/>
+          </a:p>
+        </p:txBody>
+      </p:sp>
       <p:pic>
         <p:nvPicPr>
-          <p:cNvPr id="15" name="Picture 14"/>
-          <p:cNvPicPr>
-            <a:picLocks noChangeAspect="1"/>
-          </p:cNvPicPr>
+          <p:cNvPr id="12" name="Picture 11"/>
+          <p:cNvPicPr/>
           <p:nvPr/>
         </p:nvPicPr>
         <p:blipFill>
-          <a:blip r:embed="rId3"/>
+          <a:blip r:embed="rId2"/>
           <a:stretch>
             <a:fillRect/>
           </a:stretch>
         </p:blipFill>
         <p:spPr>
           <a:xfrm>
-            <a:off x="616298" y="1843253"/>
-            <a:ext cx="8439889" cy="3235291"/>
+            <a:off x="-39267" y="6350556"/>
+            <a:ext cx="576000" cy="1236543"/>
           </a:xfrm>
           <a:prstGeom prst="rect">
             <a:avLst/>
           </a:prstGeom>
         </p:spPr>
       </p:pic>
+      <p:sp>
+        <p:nvSpPr>
+          <p:cNvPr id="10" name="TextBox 9"/>
+          <p:cNvSpPr txBox="1"/>
+          <p:nvPr/>
+        </p:nvSpPr>
+        <p:spPr>
+          <a:xfrm>
+            <a:off x="703384" y="1121261"/>
+            <a:ext cx="8169310" cy="8005910"/>
+          </a:xfrm>
+          <a:prstGeom prst="rect">
+            <a:avLst/>
+          </a:prstGeom>
+          <a:noFill/>
+        </p:spPr>
+        <p:txBody>
+          <a:bodyPr wrap="square">
+            <a:spAutoFit/>
+          </a:bodyPr>
+          <a:lstStyle/>
+          <a:p>
+            <a:pPr marL="457200" indent="-457200">
+              <a:lnSpc>
+                <a:spcPct val="150000"/>
+              </a:lnSpc>
+              <a:buFont typeface="Wingdings" panose="05000000000000000000" pitchFamily="2" charset="2"/>
+              <a:buChar char="Ø"/>
+            </a:pPr>
+            <a:r>
+              <a:rPr lang="en-US" sz="2800" dirty="0">
+                <a:solidFill>
+                  <a:srgbClr val="FF0000"/>
+                </a:solidFill>
+                <a:ea typeface="SF Pro Semibold" pitchFamily="2" charset="0"/>
+                <a:cs typeface="Arial" panose="020B0604020202020204" pitchFamily="34" charset="0"/>
+              </a:rPr>
+              <a:t>4.3.Ứng </a:t>
+            </a:r>
+            <a:r>
+              <a:rPr lang="en-US" sz="2800" dirty="0" err="1">
+                <a:solidFill>
+                  <a:srgbClr val="FF0000"/>
+                </a:solidFill>
+                <a:ea typeface="SF Pro Semibold" pitchFamily="2" charset="0"/>
+                <a:cs typeface="Arial" panose="020B0604020202020204" pitchFamily="34" charset="0"/>
+              </a:rPr>
+              <a:t>dụng</a:t>
+            </a:r>
+            <a:r>
+              <a:rPr lang="en-US" sz="2800" dirty="0">
+                <a:solidFill>
+                  <a:srgbClr val="FF0000"/>
+                </a:solidFill>
+                <a:ea typeface="SF Pro Semibold" pitchFamily="2" charset="0"/>
+                <a:cs typeface="Arial" panose="020B0604020202020204" pitchFamily="34" charset="0"/>
+              </a:rPr>
+              <a:t>:  </a:t>
+            </a:r>
+          </a:p>
+          <a:p>
+            <a:pPr marL="457200" marR="0" indent="-457200">
+              <a:lnSpc>
+                <a:spcPct val="107000"/>
+              </a:lnSpc>
+              <a:spcBef>
+                <a:spcPts val="0"/>
+              </a:spcBef>
+              <a:spcAft>
+                <a:spcPts val="600"/>
+              </a:spcAft>
+              <a:buFont typeface="Wingdings" panose="05000000000000000000" pitchFamily="2" charset="2"/>
+              <a:buChar char="ü"/>
+            </a:pPr>
+            <a:r>
+              <a:rPr lang="en-US" sz="2800" kern="100" dirty="0" err="1">
+                <a:solidFill>
+                  <a:schemeClr val="tx1">
+                    <a:lumMod val="50000"/>
+                  </a:schemeClr>
+                </a:solidFill>
+                <a:effectLst/>
+                <a:ea typeface="Times New Roman" panose="02020603050405020304" pitchFamily="18" charset="0"/>
+                <a:cs typeface="Arial" panose="020B0604020202020204" pitchFamily="34" charset="0"/>
+              </a:rPr>
+              <a:t>Giúp</a:t>
+            </a:r>
+            <a:r>
+              <a:rPr lang="en-US" sz="2800" kern="100" dirty="0">
+                <a:solidFill>
+                  <a:schemeClr val="tx1">
+                    <a:lumMod val="50000"/>
+                  </a:schemeClr>
+                </a:solidFill>
+                <a:effectLst/>
+                <a:ea typeface="Times New Roman" panose="02020603050405020304" pitchFamily="18" charset="0"/>
+                <a:cs typeface="Arial" panose="020B0604020202020204" pitchFamily="34" charset="0"/>
+              </a:rPr>
+              <a:t> </a:t>
+            </a:r>
+            <a:r>
+              <a:rPr lang="en-US" sz="2800" kern="100" dirty="0" err="1">
+                <a:solidFill>
+                  <a:schemeClr val="tx1">
+                    <a:lumMod val="50000"/>
+                  </a:schemeClr>
+                </a:solidFill>
+                <a:effectLst/>
+                <a:ea typeface="Times New Roman" panose="02020603050405020304" pitchFamily="18" charset="0"/>
+                <a:cs typeface="Arial" panose="020B0604020202020204" pitchFamily="34" charset="0"/>
+              </a:rPr>
+              <a:t>bảo</a:t>
+            </a:r>
+            <a:r>
+              <a:rPr lang="en-US" sz="2800" kern="100" dirty="0">
+                <a:solidFill>
+                  <a:schemeClr val="tx1">
+                    <a:lumMod val="50000"/>
+                  </a:schemeClr>
+                </a:solidFill>
+                <a:effectLst/>
+                <a:ea typeface="Times New Roman" panose="02020603050405020304" pitchFamily="18" charset="0"/>
+                <a:cs typeface="Arial" panose="020B0604020202020204" pitchFamily="34" charset="0"/>
+              </a:rPr>
+              <a:t> </a:t>
+            </a:r>
+            <a:r>
+              <a:rPr lang="en-US" sz="2800" kern="100" dirty="0" err="1">
+                <a:solidFill>
+                  <a:schemeClr val="tx1">
+                    <a:lumMod val="50000"/>
+                  </a:schemeClr>
+                </a:solidFill>
+                <a:effectLst/>
+                <a:ea typeface="Times New Roman" panose="02020603050405020304" pitchFamily="18" charset="0"/>
+                <a:cs typeface="Arial" panose="020B0604020202020204" pitchFamily="34" charset="0"/>
+              </a:rPr>
+              <a:t>vệ</a:t>
+            </a:r>
+            <a:r>
+              <a:rPr lang="en-US" sz="2800" kern="100" dirty="0">
+                <a:solidFill>
+                  <a:schemeClr val="tx1">
+                    <a:lumMod val="50000"/>
+                  </a:schemeClr>
+                </a:solidFill>
+                <a:effectLst/>
+                <a:ea typeface="Times New Roman" panose="02020603050405020304" pitchFamily="18" charset="0"/>
+                <a:cs typeface="Arial" panose="020B0604020202020204" pitchFamily="34" charset="0"/>
+              </a:rPr>
+              <a:t> </a:t>
+            </a:r>
+            <a:r>
+              <a:rPr lang="en-US" sz="2800" kern="100" dirty="0" err="1">
+                <a:solidFill>
+                  <a:schemeClr val="tx1">
+                    <a:lumMod val="50000"/>
+                  </a:schemeClr>
+                </a:solidFill>
+                <a:effectLst/>
+                <a:ea typeface="Times New Roman" panose="02020603050405020304" pitchFamily="18" charset="0"/>
+                <a:cs typeface="Arial" panose="020B0604020202020204" pitchFamily="34" charset="0"/>
+              </a:rPr>
+              <a:t>và</a:t>
+            </a:r>
+            <a:r>
+              <a:rPr lang="en-US" sz="2800" kern="100" dirty="0">
+                <a:solidFill>
+                  <a:schemeClr val="tx1">
+                    <a:lumMod val="50000"/>
+                  </a:schemeClr>
+                </a:solidFill>
+                <a:effectLst/>
+                <a:ea typeface="Times New Roman" panose="02020603050405020304" pitchFamily="18" charset="0"/>
+                <a:cs typeface="Arial" panose="020B0604020202020204" pitchFamily="34" charset="0"/>
+              </a:rPr>
+              <a:t> </a:t>
+            </a:r>
+            <a:r>
+              <a:rPr lang="en-US" sz="2800" kern="100" dirty="0" err="1">
+                <a:solidFill>
+                  <a:schemeClr val="tx1">
+                    <a:lumMod val="50000"/>
+                  </a:schemeClr>
+                </a:solidFill>
+                <a:effectLst/>
+                <a:ea typeface="Times New Roman" panose="02020603050405020304" pitchFamily="18" charset="0"/>
+                <a:cs typeface="Arial" panose="020B0604020202020204" pitchFamily="34" charset="0"/>
+              </a:rPr>
+              <a:t>thực</a:t>
+            </a:r>
+            <a:r>
+              <a:rPr lang="en-US" sz="2800" kern="100" dirty="0">
+                <a:solidFill>
+                  <a:schemeClr val="tx1">
+                    <a:lumMod val="50000"/>
+                  </a:schemeClr>
+                </a:solidFill>
+                <a:effectLst/>
+                <a:ea typeface="Times New Roman" panose="02020603050405020304" pitchFamily="18" charset="0"/>
+                <a:cs typeface="Arial" panose="020B0604020202020204" pitchFamily="34" charset="0"/>
+              </a:rPr>
+              <a:t> </a:t>
+            </a:r>
+            <a:r>
+              <a:rPr lang="en-US" sz="2800" kern="100" dirty="0" err="1">
+                <a:solidFill>
+                  <a:schemeClr val="tx1">
+                    <a:lumMod val="50000"/>
+                  </a:schemeClr>
+                </a:solidFill>
+                <a:effectLst/>
+                <a:ea typeface="Times New Roman" panose="02020603050405020304" pitchFamily="18" charset="0"/>
+                <a:cs typeface="Arial" panose="020B0604020202020204" pitchFamily="34" charset="0"/>
+              </a:rPr>
+              <a:t>thi</a:t>
+            </a:r>
+            <a:r>
+              <a:rPr lang="en-US" sz="2800" kern="100" dirty="0">
+                <a:solidFill>
+                  <a:schemeClr val="tx1">
+                    <a:lumMod val="50000"/>
+                  </a:schemeClr>
+                </a:solidFill>
+                <a:effectLst/>
+                <a:ea typeface="Times New Roman" panose="02020603050405020304" pitchFamily="18" charset="0"/>
+                <a:cs typeface="Arial" panose="020B0604020202020204" pitchFamily="34" charset="0"/>
+              </a:rPr>
+              <a:t> </a:t>
+            </a:r>
+            <a:r>
+              <a:rPr lang="en-US" sz="2800" kern="100" dirty="0" err="1">
+                <a:solidFill>
+                  <a:schemeClr val="tx1">
+                    <a:lumMod val="50000"/>
+                  </a:schemeClr>
+                </a:solidFill>
+                <a:effectLst/>
+                <a:ea typeface="Times New Roman" panose="02020603050405020304" pitchFamily="18" charset="0"/>
+                <a:cs typeface="Arial" panose="020B0604020202020204" pitchFamily="34" charset="0"/>
+              </a:rPr>
+              <a:t>pháp</a:t>
+            </a:r>
+            <a:r>
+              <a:rPr lang="en-US" sz="2800" kern="100" dirty="0">
+                <a:solidFill>
+                  <a:schemeClr val="tx1">
+                    <a:lumMod val="50000"/>
+                  </a:schemeClr>
+                </a:solidFill>
+                <a:effectLst/>
+                <a:ea typeface="Times New Roman" panose="02020603050405020304" pitchFamily="18" charset="0"/>
+                <a:cs typeface="Arial" panose="020B0604020202020204" pitchFamily="34" charset="0"/>
+              </a:rPr>
+              <a:t> </a:t>
+            </a:r>
+            <a:r>
+              <a:rPr lang="en-US" sz="2800" kern="100" dirty="0" err="1">
+                <a:solidFill>
+                  <a:schemeClr val="tx1">
+                    <a:lumMod val="50000"/>
+                  </a:schemeClr>
+                </a:solidFill>
+                <a:effectLst/>
+                <a:ea typeface="Times New Roman" panose="02020603050405020304" pitchFamily="18" charset="0"/>
+                <a:cs typeface="Arial" panose="020B0604020202020204" pitchFamily="34" charset="0"/>
+              </a:rPr>
+              <a:t>luật</a:t>
+            </a:r>
+            <a:r>
+              <a:rPr lang="en-US" sz="2800" kern="100" dirty="0">
+                <a:solidFill>
+                  <a:schemeClr val="tx1">
+                    <a:lumMod val="50000"/>
+                  </a:schemeClr>
+                </a:solidFill>
+                <a:ea typeface="Times New Roman" panose="02020603050405020304" pitchFamily="18" charset="0"/>
+                <a:cs typeface="Arial" panose="020B0604020202020204" pitchFamily="34" charset="0"/>
+              </a:rPr>
+              <a:t>.</a:t>
+            </a:r>
+            <a:endParaRPr lang="en-US" sz="2800" kern="100" dirty="0">
+              <a:solidFill>
+                <a:schemeClr val="tx1">
+                  <a:lumMod val="50000"/>
+                </a:schemeClr>
+              </a:solidFill>
+              <a:effectLst/>
+              <a:ea typeface="Times New Roman" panose="02020603050405020304" pitchFamily="18" charset="0"/>
+              <a:cs typeface="Arial" panose="020B0604020202020204" pitchFamily="34" charset="0"/>
+            </a:endParaRPr>
+          </a:p>
+          <a:p>
+            <a:pPr marL="457200" marR="0" indent="-457200">
+              <a:lnSpc>
+                <a:spcPct val="107000"/>
+              </a:lnSpc>
+              <a:spcBef>
+                <a:spcPts val="0"/>
+              </a:spcBef>
+              <a:spcAft>
+                <a:spcPts val="600"/>
+              </a:spcAft>
+              <a:buFont typeface="Wingdings" panose="05000000000000000000" pitchFamily="2" charset="2"/>
+              <a:buChar char="ü"/>
+            </a:pPr>
+            <a:r>
+              <a:rPr lang="en-US" sz="2800" kern="100" dirty="0" err="1">
+                <a:solidFill>
+                  <a:schemeClr val="tx1">
+                    <a:lumMod val="50000"/>
+                  </a:schemeClr>
+                </a:solidFill>
+                <a:effectLst/>
+                <a:ea typeface="Times New Roman" panose="02020603050405020304" pitchFamily="18" charset="0"/>
+                <a:cs typeface="Arial" panose="020B0604020202020204" pitchFamily="34" charset="0"/>
+              </a:rPr>
+              <a:t>Mở</a:t>
+            </a:r>
+            <a:r>
+              <a:rPr lang="en-US" sz="2800" kern="100" dirty="0">
+                <a:solidFill>
+                  <a:schemeClr val="tx1">
+                    <a:lumMod val="50000"/>
+                  </a:schemeClr>
+                </a:solidFill>
+                <a:effectLst/>
+                <a:ea typeface="Times New Roman" panose="02020603050405020304" pitchFamily="18" charset="0"/>
+                <a:cs typeface="Arial" panose="020B0604020202020204" pitchFamily="34" charset="0"/>
+              </a:rPr>
+              <a:t> </a:t>
+            </a:r>
+            <a:r>
+              <a:rPr lang="en-US" sz="2800" kern="100" dirty="0" err="1">
+                <a:solidFill>
+                  <a:schemeClr val="tx1">
+                    <a:lumMod val="50000"/>
+                  </a:schemeClr>
+                </a:solidFill>
+                <a:effectLst/>
+                <a:ea typeface="Times New Roman" panose="02020603050405020304" pitchFamily="18" charset="0"/>
+                <a:cs typeface="Arial" panose="020B0604020202020204" pitchFamily="34" charset="0"/>
+              </a:rPr>
+              <a:t>khóa</a:t>
+            </a:r>
+            <a:r>
+              <a:rPr lang="en-US" sz="2800" kern="100" dirty="0">
+                <a:solidFill>
+                  <a:schemeClr val="tx1">
+                    <a:lumMod val="50000"/>
+                  </a:schemeClr>
+                </a:solidFill>
+                <a:effectLst/>
+                <a:ea typeface="Times New Roman" panose="02020603050405020304" pitchFamily="18" charset="0"/>
+                <a:cs typeface="Arial" panose="020B0604020202020204" pitchFamily="34" charset="0"/>
+              </a:rPr>
+              <a:t> </a:t>
+            </a:r>
+            <a:r>
+              <a:rPr lang="en-US" sz="2800" kern="100" dirty="0" err="1">
+                <a:solidFill>
+                  <a:schemeClr val="tx1">
+                    <a:lumMod val="50000"/>
+                  </a:schemeClr>
+                </a:solidFill>
+                <a:effectLst/>
+                <a:ea typeface="Times New Roman" panose="02020603050405020304" pitchFamily="18" charset="0"/>
+                <a:cs typeface="Arial" panose="020B0604020202020204" pitchFamily="34" charset="0"/>
+              </a:rPr>
+              <a:t>khuôn</a:t>
+            </a:r>
+            <a:r>
+              <a:rPr lang="en-US" sz="2800" kern="100" dirty="0">
+                <a:solidFill>
+                  <a:schemeClr val="tx1">
+                    <a:lumMod val="50000"/>
+                  </a:schemeClr>
+                </a:solidFill>
+                <a:effectLst/>
+                <a:ea typeface="Times New Roman" panose="02020603050405020304" pitchFamily="18" charset="0"/>
+                <a:cs typeface="Arial" panose="020B0604020202020204" pitchFamily="34" charset="0"/>
+              </a:rPr>
+              <a:t> </a:t>
+            </a:r>
+            <a:r>
+              <a:rPr lang="en-US" sz="2800" kern="100" dirty="0" err="1">
+                <a:solidFill>
+                  <a:schemeClr val="tx1">
+                    <a:lumMod val="50000"/>
+                  </a:schemeClr>
+                </a:solidFill>
+                <a:effectLst/>
+                <a:ea typeface="Times New Roman" panose="02020603050405020304" pitchFamily="18" charset="0"/>
+                <a:cs typeface="Arial" panose="020B0604020202020204" pitchFamily="34" charset="0"/>
+              </a:rPr>
+              <a:t>mặt</a:t>
+            </a:r>
+            <a:r>
+              <a:rPr lang="en-US" sz="2800" kern="100" dirty="0">
+                <a:solidFill>
+                  <a:schemeClr val="tx1">
+                    <a:lumMod val="50000"/>
+                  </a:schemeClr>
+                </a:solidFill>
+                <a:effectLst/>
+                <a:ea typeface="Times New Roman" panose="02020603050405020304" pitchFamily="18" charset="0"/>
+                <a:cs typeface="Arial" panose="020B0604020202020204" pitchFamily="34" charset="0"/>
+              </a:rPr>
+              <a:t> </a:t>
+            </a:r>
+            <a:r>
+              <a:rPr lang="en-US" sz="2800" kern="100" dirty="0" err="1">
+                <a:solidFill>
+                  <a:schemeClr val="tx1">
+                    <a:lumMod val="50000"/>
+                  </a:schemeClr>
+                </a:solidFill>
+                <a:effectLst/>
+                <a:ea typeface="Times New Roman" panose="02020603050405020304" pitchFamily="18" charset="0"/>
+                <a:cs typeface="Arial" panose="020B0604020202020204" pitchFamily="34" charset="0"/>
+              </a:rPr>
+              <a:t>trên</a:t>
+            </a:r>
+            <a:r>
+              <a:rPr lang="en-US" sz="2800" kern="100" dirty="0">
+                <a:solidFill>
+                  <a:schemeClr val="tx1">
+                    <a:lumMod val="50000"/>
+                  </a:schemeClr>
+                </a:solidFill>
+                <a:effectLst/>
+                <a:ea typeface="Times New Roman" panose="02020603050405020304" pitchFamily="18" charset="0"/>
+                <a:cs typeface="Arial" panose="020B0604020202020204" pitchFamily="34" charset="0"/>
+              </a:rPr>
+              <a:t> </a:t>
+            </a:r>
+            <a:r>
+              <a:rPr lang="en-US" sz="2800" kern="100" dirty="0" err="1">
+                <a:solidFill>
+                  <a:schemeClr val="tx1">
+                    <a:lumMod val="50000"/>
+                  </a:schemeClr>
+                </a:solidFill>
+                <a:effectLst/>
+                <a:ea typeface="Times New Roman" panose="02020603050405020304" pitchFamily="18" charset="0"/>
+                <a:cs typeface="Arial" panose="020B0604020202020204" pitchFamily="34" charset="0"/>
+              </a:rPr>
+              <a:t>các</a:t>
+            </a:r>
+            <a:r>
+              <a:rPr lang="en-US" sz="2800" kern="100" dirty="0">
+                <a:solidFill>
+                  <a:schemeClr val="tx1">
+                    <a:lumMod val="50000"/>
+                  </a:schemeClr>
+                </a:solidFill>
+                <a:effectLst/>
+                <a:ea typeface="Times New Roman" panose="02020603050405020304" pitchFamily="18" charset="0"/>
+                <a:cs typeface="Arial" panose="020B0604020202020204" pitchFamily="34" charset="0"/>
+              </a:rPr>
+              <a:t> </a:t>
+            </a:r>
+            <a:r>
+              <a:rPr lang="en-US" sz="2800" kern="100" dirty="0" err="1">
+                <a:solidFill>
+                  <a:schemeClr val="tx1">
+                    <a:lumMod val="50000"/>
+                  </a:schemeClr>
+                </a:solidFill>
+                <a:effectLst/>
+                <a:ea typeface="Times New Roman" panose="02020603050405020304" pitchFamily="18" charset="0"/>
+                <a:cs typeface="Arial" panose="020B0604020202020204" pitchFamily="34" charset="0"/>
+              </a:rPr>
+              <a:t>thiết</a:t>
+            </a:r>
+            <a:r>
+              <a:rPr lang="en-US" sz="2800" kern="100" dirty="0">
+                <a:solidFill>
+                  <a:schemeClr val="tx1">
+                    <a:lumMod val="50000"/>
+                  </a:schemeClr>
+                </a:solidFill>
+                <a:effectLst/>
+                <a:ea typeface="Times New Roman" panose="02020603050405020304" pitchFamily="18" charset="0"/>
+                <a:cs typeface="Arial" panose="020B0604020202020204" pitchFamily="34" charset="0"/>
+              </a:rPr>
+              <a:t> </a:t>
+            </a:r>
+            <a:r>
+              <a:rPr lang="en-US" sz="2800" kern="100" dirty="0" err="1">
+                <a:solidFill>
+                  <a:schemeClr val="tx1">
+                    <a:lumMod val="50000"/>
+                  </a:schemeClr>
+                </a:solidFill>
+                <a:effectLst/>
+                <a:ea typeface="Times New Roman" panose="02020603050405020304" pitchFamily="18" charset="0"/>
+                <a:cs typeface="Arial" panose="020B0604020202020204" pitchFamily="34" charset="0"/>
+              </a:rPr>
+              <a:t>bị</a:t>
+            </a:r>
+            <a:r>
+              <a:rPr lang="en-US" sz="2800" kern="100" dirty="0">
+                <a:solidFill>
+                  <a:schemeClr val="tx1">
+                    <a:lumMod val="50000"/>
+                  </a:schemeClr>
+                </a:solidFill>
+                <a:effectLst/>
+                <a:ea typeface="Times New Roman" panose="02020603050405020304" pitchFamily="18" charset="0"/>
+                <a:cs typeface="Arial" panose="020B0604020202020204" pitchFamily="34" charset="0"/>
+              </a:rPr>
+              <a:t> </a:t>
+            </a:r>
+            <a:r>
+              <a:rPr lang="en-US" sz="2800" kern="100" dirty="0" err="1">
+                <a:solidFill>
+                  <a:schemeClr val="tx1">
+                    <a:lumMod val="50000"/>
+                  </a:schemeClr>
+                </a:solidFill>
+                <a:effectLst/>
+                <a:ea typeface="Times New Roman" panose="02020603050405020304" pitchFamily="18" charset="0"/>
+                <a:cs typeface="Arial" panose="020B0604020202020204" pitchFamily="34" charset="0"/>
+              </a:rPr>
+              <a:t>thông</a:t>
+            </a:r>
+            <a:r>
+              <a:rPr lang="en-US" sz="2800" kern="100" dirty="0">
+                <a:solidFill>
+                  <a:schemeClr val="tx1">
+                    <a:lumMod val="50000"/>
+                  </a:schemeClr>
+                </a:solidFill>
+                <a:effectLst/>
+                <a:ea typeface="Times New Roman" panose="02020603050405020304" pitchFamily="18" charset="0"/>
+                <a:cs typeface="Arial" panose="020B0604020202020204" pitchFamily="34" charset="0"/>
+              </a:rPr>
+              <a:t> </a:t>
+            </a:r>
+            <a:r>
+              <a:rPr lang="en-US" sz="2800" kern="100" dirty="0" err="1">
+                <a:solidFill>
+                  <a:schemeClr val="tx1">
+                    <a:lumMod val="50000"/>
+                  </a:schemeClr>
+                </a:solidFill>
+                <a:effectLst/>
+                <a:ea typeface="Times New Roman" panose="02020603050405020304" pitchFamily="18" charset="0"/>
+                <a:cs typeface="Arial" panose="020B0604020202020204" pitchFamily="34" charset="0"/>
+              </a:rPr>
+              <a:t>minh</a:t>
+            </a:r>
+            <a:r>
+              <a:rPr lang="en-US" sz="2800" kern="100" dirty="0">
+                <a:solidFill>
+                  <a:schemeClr val="tx1">
+                    <a:lumMod val="50000"/>
+                  </a:schemeClr>
+                </a:solidFill>
+                <a:effectLst/>
+                <a:ea typeface="Times New Roman" panose="02020603050405020304" pitchFamily="18" charset="0"/>
+                <a:cs typeface="Arial" panose="020B0604020202020204" pitchFamily="34" charset="0"/>
+              </a:rPr>
+              <a:t>.</a:t>
+            </a:r>
+          </a:p>
+          <a:p>
+            <a:pPr marL="457200" indent="-457200">
+              <a:lnSpc>
+                <a:spcPct val="107000"/>
+              </a:lnSpc>
+              <a:spcBef>
+                <a:spcPts val="0"/>
+              </a:spcBef>
+              <a:spcAft>
+                <a:spcPts val="600"/>
+              </a:spcAft>
+              <a:buFont typeface="Wingdings" panose="05000000000000000000" pitchFamily="2" charset="2"/>
+              <a:buChar char="ü"/>
+            </a:pPr>
+            <a:r>
+              <a:rPr lang="en-US" sz="2800" dirty="0" err="1">
+                <a:solidFill>
+                  <a:schemeClr val="tx1">
+                    <a:lumMod val="50000"/>
+                  </a:schemeClr>
+                </a:solidFill>
+                <a:effectLst/>
+                <a:ea typeface="Calibri" panose="020F0502020204030204" pitchFamily="34" charset="0"/>
+                <a:cs typeface="Arial" panose="020B0604020202020204" pitchFamily="34" charset="0"/>
+              </a:rPr>
+              <a:t>Bảo</a:t>
+            </a:r>
+            <a:r>
+              <a:rPr lang="en-US" sz="2800" dirty="0">
+                <a:solidFill>
+                  <a:schemeClr val="tx1">
+                    <a:lumMod val="50000"/>
+                  </a:schemeClr>
+                </a:solidFill>
+                <a:effectLst/>
+                <a:ea typeface="Calibri" panose="020F0502020204030204" pitchFamily="34" charset="0"/>
+                <a:cs typeface="Arial" panose="020B0604020202020204" pitchFamily="34" charset="0"/>
+              </a:rPr>
+              <a:t> </a:t>
+            </a:r>
+            <a:r>
+              <a:rPr lang="en-US" sz="2800" dirty="0" err="1">
+                <a:solidFill>
+                  <a:schemeClr val="tx1">
+                    <a:lumMod val="50000"/>
+                  </a:schemeClr>
+                </a:solidFill>
+                <a:effectLst/>
+                <a:ea typeface="Calibri" panose="020F0502020204030204" pitchFamily="34" charset="0"/>
+                <a:cs typeface="Arial" panose="020B0604020202020204" pitchFamily="34" charset="0"/>
+              </a:rPr>
+              <a:t>mật</a:t>
+            </a:r>
+            <a:r>
+              <a:rPr lang="en-US" sz="2800" dirty="0">
+                <a:solidFill>
+                  <a:schemeClr val="tx1">
+                    <a:lumMod val="50000"/>
+                  </a:schemeClr>
+                </a:solidFill>
+                <a:effectLst/>
+                <a:ea typeface="Calibri" panose="020F0502020204030204" pitchFamily="34" charset="0"/>
+                <a:cs typeface="Arial" panose="020B0604020202020204" pitchFamily="34" charset="0"/>
+              </a:rPr>
+              <a:t> </a:t>
+            </a:r>
+            <a:r>
+              <a:rPr lang="en-US" sz="2800" dirty="0" err="1">
+                <a:solidFill>
+                  <a:schemeClr val="tx1">
+                    <a:lumMod val="50000"/>
+                  </a:schemeClr>
+                </a:solidFill>
+                <a:effectLst/>
+                <a:ea typeface="Calibri" panose="020F0502020204030204" pitchFamily="34" charset="0"/>
+                <a:cs typeface="Arial" panose="020B0604020202020204" pitchFamily="34" charset="0"/>
+              </a:rPr>
+              <a:t>va</a:t>
+            </a:r>
+            <a:r>
+              <a:rPr lang="en-US" sz="2800" dirty="0">
+                <a:solidFill>
+                  <a:schemeClr val="tx1">
+                    <a:lumMod val="50000"/>
+                  </a:schemeClr>
+                </a:solidFill>
+                <a:effectLst/>
+                <a:ea typeface="Calibri" panose="020F0502020204030204" pitchFamily="34" charset="0"/>
+                <a:cs typeface="Arial" panose="020B0604020202020204" pitchFamily="34" charset="0"/>
+              </a:rPr>
+              <a:t>̀ </a:t>
+            </a:r>
+            <a:r>
+              <a:rPr lang="en-US" sz="2800" dirty="0" err="1">
+                <a:solidFill>
+                  <a:schemeClr val="tx1">
+                    <a:lumMod val="50000"/>
+                  </a:schemeClr>
+                </a:solidFill>
+                <a:effectLst/>
+                <a:ea typeface="Calibri" panose="020F0502020204030204" pitchFamily="34" charset="0"/>
+                <a:cs typeface="Arial" panose="020B0604020202020204" pitchFamily="34" charset="0"/>
+              </a:rPr>
+              <a:t>chấm</a:t>
+            </a:r>
+            <a:r>
+              <a:rPr lang="en-US" sz="2800" dirty="0">
+                <a:solidFill>
+                  <a:schemeClr val="tx1">
+                    <a:lumMod val="50000"/>
+                  </a:schemeClr>
+                </a:solidFill>
+                <a:effectLst/>
+                <a:ea typeface="Calibri" panose="020F0502020204030204" pitchFamily="34" charset="0"/>
+                <a:cs typeface="Arial" panose="020B0604020202020204" pitchFamily="34" charset="0"/>
+              </a:rPr>
+              <a:t> </a:t>
+            </a:r>
+            <a:r>
+              <a:rPr lang="en-US" sz="2800" dirty="0" err="1">
+                <a:solidFill>
+                  <a:schemeClr val="tx1">
+                    <a:lumMod val="50000"/>
+                  </a:schemeClr>
+                </a:solidFill>
+                <a:effectLst/>
+                <a:ea typeface="Calibri" panose="020F0502020204030204" pitchFamily="34" charset="0"/>
+                <a:cs typeface="Arial" panose="020B0604020202020204" pitchFamily="34" charset="0"/>
+              </a:rPr>
+              <a:t>công</a:t>
+            </a:r>
+            <a:r>
+              <a:rPr lang="en-US" sz="2800" dirty="0">
+                <a:solidFill>
+                  <a:schemeClr val="tx1">
+                    <a:lumMod val="50000"/>
+                  </a:schemeClr>
+                </a:solidFill>
+                <a:effectLst/>
+                <a:ea typeface="Calibri" panose="020F0502020204030204" pitchFamily="34" charset="0"/>
+                <a:cs typeface="Arial" panose="020B0604020202020204" pitchFamily="34" charset="0"/>
+              </a:rPr>
+              <a:t> </a:t>
+            </a:r>
+            <a:r>
+              <a:rPr lang="en-US" sz="2800" dirty="0" err="1">
+                <a:solidFill>
+                  <a:schemeClr val="tx1">
+                    <a:lumMod val="50000"/>
+                  </a:schemeClr>
+                </a:solidFill>
+                <a:effectLst/>
+                <a:ea typeface="Calibri" panose="020F0502020204030204" pitchFamily="34" charset="0"/>
+                <a:cs typeface="Arial" panose="020B0604020202020204" pitchFamily="34" charset="0"/>
+              </a:rPr>
+              <a:t>trong</a:t>
+            </a:r>
+            <a:r>
+              <a:rPr lang="en-US" sz="2800" dirty="0">
+                <a:solidFill>
+                  <a:schemeClr val="tx1">
+                    <a:lumMod val="50000"/>
+                  </a:schemeClr>
+                </a:solidFill>
+                <a:effectLst/>
+                <a:ea typeface="Calibri" panose="020F0502020204030204" pitchFamily="34" charset="0"/>
+                <a:cs typeface="Arial" panose="020B0604020202020204" pitchFamily="34" charset="0"/>
+              </a:rPr>
+              <a:t> </a:t>
+            </a:r>
+            <a:r>
+              <a:rPr lang="en-US" sz="2800" dirty="0" err="1">
+                <a:solidFill>
+                  <a:schemeClr val="tx1">
+                    <a:lumMod val="50000"/>
+                  </a:schemeClr>
+                </a:solidFill>
+                <a:effectLst/>
+                <a:ea typeface="Calibri" panose="020F0502020204030204" pitchFamily="34" charset="0"/>
+                <a:cs typeface="Arial" panose="020B0604020202020204" pitchFamily="34" charset="0"/>
+              </a:rPr>
+              <a:t>công</a:t>
+            </a:r>
+            <a:r>
+              <a:rPr lang="en-US" sz="2800" dirty="0">
+                <a:solidFill>
+                  <a:schemeClr val="tx1">
+                    <a:lumMod val="50000"/>
+                  </a:schemeClr>
+                </a:solidFill>
+                <a:effectLst/>
+                <a:ea typeface="Calibri" panose="020F0502020204030204" pitchFamily="34" charset="0"/>
+                <a:cs typeface="Arial" panose="020B0604020202020204" pitchFamily="34" charset="0"/>
+              </a:rPr>
+              <a:t> </a:t>
+            </a:r>
+            <a:r>
+              <a:rPr lang="en-US" sz="2800" dirty="0" err="1">
+                <a:solidFill>
+                  <a:schemeClr val="tx1">
+                    <a:lumMod val="50000"/>
+                  </a:schemeClr>
+                </a:solidFill>
+                <a:effectLst/>
+                <a:ea typeface="Calibri" panose="020F0502020204030204" pitchFamily="34" charset="0"/>
+                <a:cs typeface="Arial" panose="020B0604020202020204" pitchFamily="34" charset="0"/>
+              </a:rPr>
+              <a:t>việc</a:t>
+            </a:r>
+            <a:r>
+              <a:rPr lang="en-US" sz="2800" dirty="0">
+                <a:solidFill>
+                  <a:schemeClr val="tx1">
+                    <a:lumMod val="50000"/>
+                  </a:schemeClr>
+                </a:solidFill>
+                <a:effectLst/>
+                <a:ea typeface="Calibri" panose="020F0502020204030204" pitchFamily="34" charset="0"/>
+                <a:cs typeface="Arial" panose="020B0604020202020204" pitchFamily="34" charset="0"/>
+              </a:rPr>
+              <a:t>.</a:t>
+            </a:r>
+          </a:p>
+          <a:p>
+            <a:pPr marL="457200" indent="-457200">
+              <a:lnSpc>
+                <a:spcPct val="107000"/>
+              </a:lnSpc>
+              <a:spcBef>
+                <a:spcPts val="0"/>
+              </a:spcBef>
+              <a:spcAft>
+                <a:spcPts val="600"/>
+              </a:spcAft>
+              <a:buFont typeface="Wingdings" panose="05000000000000000000" pitchFamily="2" charset="2"/>
+              <a:buChar char="ü"/>
+            </a:pPr>
+            <a:r>
+              <a:rPr lang="vi-VN" sz="2800" i="0" dirty="0">
+                <a:solidFill>
+                  <a:schemeClr val="tx1">
+                    <a:lumMod val="50000"/>
+                  </a:schemeClr>
+                </a:solidFill>
+                <a:effectLst/>
+                <a:cs typeface="Arial" panose="020B0604020202020204" pitchFamily="34" charset="0"/>
+              </a:rPr>
+              <a:t>Tìm người mất tích và thú đi lạc</a:t>
+            </a:r>
+            <a:r>
+              <a:rPr lang="en-US" sz="2800" i="0" dirty="0">
+                <a:solidFill>
+                  <a:schemeClr val="tx1">
+                    <a:lumMod val="50000"/>
+                  </a:schemeClr>
+                </a:solidFill>
+                <a:effectLst/>
+                <a:cs typeface="Arial" panose="020B0604020202020204" pitchFamily="34" charset="0"/>
+              </a:rPr>
+              <a:t>.</a:t>
+            </a:r>
+            <a:endParaRPr lang="vi-VN" sz="2800" i="0" dirty="0">
+              <a:solidFill>
+                <a:schemeClr val="tx1">
+                  <a:lumMod val="50000"/>
+                </a:schemeClr>
+              </a:solidFill>
+              <a:effectLst/>
+              <a:cs typeface="Arial" panose="020B0604020202020204" pitchFamily="34" charset="0"/>
+            </a:endParaRPr>
+          </a:p>
+          <a:p>
+            <a:pPr marL="457200" indent="-457200">
+              <a:lnSpc>
+                <a:spcPct val="107000"/>
+              </a:lnSpc>
+              <a:spcBef>
+                <a:spcPts val="0"/>
+              </a:spcBef>
+              <a:spcAft>
+                <a:spcPts val="600"/>
+              </a:spcAft>
+              <a:buFont typeface="Wingdings" panose="05000000000000000000" pitchFamily="2" charset="2"/>
+              <a:buChar char="ü"/>
+            </a:pPr>
+            <a:endParaRPr lang="en-US" sz="2800" dirty="0">
+              <a:solidFill>
+                <a:schemeClr val="tx1">
+                  <a:lumMod val="50000"/>
+                </a:schemeClr>
+              </a:solidFill>
+              <a:effectLst/>
+              <a:ea typeface="Calibri" panose="020F0502020204030204" pitchFamily="34" charset="0"/>
+              <a:cs typeface="Arial" panose="020B0604020202020204" pitchFamily="34" charset="0"/>
+            </a:endParaRPr>
+          </a:p>
+          <a:p>
+            <a:pPr>
+              <a:lnSpc>
+                <a:spcPct val="107000"/>
+              </a:lnSpc>
+              <a:spcBef>
+                <a:spcPts val="0"/>
+              </a:spcBef>
+              <a:spcAft>
+                <a:spcPts val="600"/>
+              </a:spcAft>
+            </a:pPr>
+            <a:r>
+              <a:rPr lang="en-US" sz="2800" b="1" dirty="0">
+                <a:solidFill>
+                  <a:srgbClr val="F7F7F7"/>
+                </a:solidFill>
+                <a:effectLst/>
+                <a:latin typeface="SF Pro Semibold"/>
+                <a:ea typeface="Calibri" panose="020F0502020204030204" pitchFamily="34" charset="0"/>
+              </a:rPr>
+              <a:t>.</a:t>
+            </a:r>
+          </a:p>
+          <a:p>
+            <a:pPr marR="0">
+              <a:lnSpc>
+                <a:spcPct val="107000"/>
+              </a:lnSpc>
+              <a:spcBef>
+                <a:spcPts val="0"/>
+              </a:spcBef>
+              <a:spcAft>
+                <a:spcPts val="600"/>
+              </a:spcAft>
+            </a:pPr>
+            <a:endParaRPr lang="en-US" sz="2800" kern="100" dirty="0">
+              <a:solidFill>
+                <a:schemeClr val="tx1">
+                  <a:lumMod val="50000"/>
+                </a:schemeClr>
+              </a:solidFill>
+              <a:effectLst/>
+              <a:ea typeface="Times New Roman" panose="02020603050405020304" pitchFamily="18" charset="0"/>
+              <a:cs typeface="Arial" panose="020B0604020202020204" pitchFamily="34" charset="0"/>
+            </a:endParaRPr>
+          </a:p>
+          <a:p>
+            <a:pPr marR="0">
+              <a:lnSpc>
+                <a:spcPct val="107000"/>
+              </a:lnSpc>
+              <a:spcBef>
+                <a:spcPts val="0"/>
+              </a:spcBef>
+              <a:spcAft>
+                <a:spcPts val="600"/>
+              </a:spcAft>
+            </a:pPr>
+            <a:r>
+              <a:rPr lang="en-US" sz="2800" kern="100" dirty="0">
+                <a:solidFill>
+                  <a:schemeClr val="tx1">
+                    <a:lumMod val="50000"/>
+                  </a:schemeClr>
+                </a:solidFill>
+                <a:ea typeface="Times New Roman" panose="02020603050405020304" pitchFamily="18" charset="0"/>
+                <a:cs typeface="Arial" panose="020B0604020202020204" pitchFamily="34" charset="0"/>
+              </a:rPr>
+              <a:t>  </a:t>
+            </a:r>
+            <a:endParaRPr lang="en-US" sz="2800" kern="100" dirty="0">
+              <a:solidFill>
+                <a:schemeClr val="tx1">
+                  <a:lumMod val="50000"/>
+                </a:schemeClr>
+              </a:solidFill>
+              <a:effectLst/>
+              <a:ea typeface="Times New Roman" panose="02020603050405020304" pitchFamily="18" charset="0"/>
+              <a:cs typeface="Arial" panose="020B0604020202020204" pitchFamily="34" charset="0"/>
+            </a:endParaRPr>
+          </a:p>
+          <a:p>
+            <a:pPr marR="0">
+              <a:lnSpc>
+                <a:spcPct val="107000"/>
+              </a:lnSpc>
+              <a:spcBef>
+                <a:spcPts val="0"/>
+              </a:spcBef>
+              <a:spcAft>
+                <a:spcPts val="600"/>
+              </a:spcAft>
+            </a:pPr>
+            <a:endParaRPr lang="en-US" sz="2800" kern="100" dirty="0">
+              <a:solidFill>
+                <a:schemeClr val="tx1">
+                  <a:lumMod val="50000"/>
+                </a:schemeClr>
+              </a:solidFill>
+              <a:ea typeface="Times New Roman" panose="02020603050405020304" pitchFamily="18" charset="0"/>
+              <a:cs typeface="Arial" panose="020B0604020202020204" pitchFamily="34" charset="0"/>
+            </a:endParaRPr>
+          </a:p>
+          <a:p>
+            <a:pPr marR="0">
+              <a:lnSpc>
+                <a:spcPct val="107000"/>
+              </a:lnSpc>
+              <a:spcBef>
+                <a:spcPts val="0"/>
+              </a:spcBef>
+              <a:spcAft>
+                <a:spcPts val="600"/>
+              </a:spcAft>
+            </a:pPr>
+            <a:endParaRPr lang="en-US" sz="2800" kern="100" dirty="0">
+              <a:solidFill>
+                <a:schemeClr val="tx1">
+                  <a:lumMod val="50000"/>
+                </a:schemeClr>
+              </a:solidFill>
+              <a:effectLst/>
+              <a:ea typeface="Times New Roman" panose="02020603050405020304" pitchFamily="18" charset="0"/>
+              <a:cs typeface="Arial" panose="020B0604020202020204" pitchFamily="34" charset="0"/>
+            </a:endParaRPr>
+          </a:p>
+          <a:p>
+            <a:pPr marL="0" marR="0">
+              <a:lnSpc>
+                <a:spcPct val="107000"/>
+              </a:lnSpc>
+              <a:spcBef>
+                <a:spcPts val="0"/>
+              </a:spcBef>
+              <a:spcAft>
+                <a:spcPts val="600"/>
+              </a:spcAft>
+            </a:pPr>
+            <a:endParaRPr lang="en-US" sz="2800" dirty="0">
+              <a:solidFill>
+                <a:schemeClr val="tx1">
+                  <a:lumMod val="50000"/>
+                </a:schemeClr>
+              </a:solidFill>
+              <a:effectLst/>
+              <a:ea typeface="Calibri" panose="020F0502020204030204" pitchFamily="34" charset="0"/>
+              <a:cs typeface="Arial" panose="020B0604020202020204" pitchFamily="34" charset="0"/>
+            </a:endParaRPr>
+          </a:p>
+          <a:p>
+            <a:pPr marL="0" marR="0">
+              <a:lnSpc>
+                <a:spcPct val="107000"/>
+              </a:lnSpc>
+              <a:spcBef>
+                <a:spcPts val="0"/>
+              </a:spcBef>
+              <a:spcAft>
+                <a:spcPts val="600"/>
+              </a:spcAft>
+            </a:pPr>
+            <a:br>
+              <a:rPr lang="en-US" sz="2800" dirty="0">
+                <a:solidFill>
+                  <a:schemeClr val="tx1">
+                    <a:lumMod val="50000"/>
+                  </a:schemeClr>
+                </a:solidFill>
+                <a:effectLst/>
+                <a:ea typeface="Calibri" panose="020F0502020204030204" pitchFamily="34" charset="0"/>
+                <a:cs typeface="Arial" panose="020B0604020202020204" pitchFamily="34" charset="0"/>
+              </a:rPr>
+            </a:br>
+            <a:endParaRPr lang="en-US" sz="2800" dirty="0">
+              <a:solidFill>
+                <a:schemeClr val="tx1">
+                  <a:lumMod val="50000"/>
+                </a:schemeClr>
+              </a:solidFill>
+              <a:ea typeface="SF Pro Semibold" pitchFamily="2" charset="0"/>
+              <a:cs typeface="Arial" panose="020B0604020202020204" pitchFamily="34" charset="0"/>
+            </a:endParaRPr>
+          </a:p>
+        </p:txBody>
+      </p:sp>
+      <p:sp>
+        <p:nvSpPr>
+          <p:cNvPr id="8" name="Oval 7"/>
+          <p:cNvSpPr>
+            <a:spLocks noChangeAspect="1"/>
+          </p:cNvSpPr>
+          <p:nvPr/>
+        </p:nvSpPr>
+        <p:spPr>
+          <a:xfrm>
+            <a:off x="8453329" y="6164664"/>
+            <a:ext cx="693336" cy="693336"/>
+          </a:xfrm>
+          <a:prstGeom prst="ellipse">
+            <a:avLst/>
+          </a:prstGeom>
+          <a:solidFill>
+            <a:schemeClr val="bg1"/>
+          </a:solidFill>
+          <a:ln>
+            <a:solidFill>
+              <a:srgbClr val="FF0000"/>
+            </a:solidFill>
+          </a:ln>
+        </p:spPr>
+        <p:style>
+          <a:lnRef idx="2">
+            <a:schemeClr val="accent1">
+              <a:shade val="50000"/>
+            </a:schemeClr>
+          </a:lnRef>
+          <a:fillRef idx="1">
+            <a:schemeClr val="accent1"/>
+          </a:fillRef>
+          <a:effectRef idx="0">
+            <a:schemeClr val="accent1"/>
+          </a:effectRef>
+          <a:fontRef idx="minor">
+            <a:schemeClr val="lt1"/>
+          </a:fontRef>
+        </p:style>
+        <p:txBody>
+          <a:bodyPr rtlCol="0" anchor="ctr"/>
+          <a:lstStyle/>
+          <a:p>
+            <a:pPr algn="ctr"/>
+            <a:r>
+              <a:rPr lang="en-US" dirty="0">
+                <a:solidFill>
+                  <a:srgbClr val="FF0000"/>
+                </a:solidFill>
+              </a:rPr>
+              <a:t>19</a:t>
+            </a:r>
+          </a:p>
+        </p:txBody>
+      </p:sp>
     </p:spTree>
+    <p:extLst>
+      <p:ext uri="{BB962C8B-B14F-4D97-AF65-F5344CB8AC3E}">
+        <p14:creationId xmlns:p14="http://schemas.microsoft.com/office/powerpoint/2010/main" val="441761670"/>
+      </p:ext>
+    </p:extLst>
   </p:cSld>
   <p:clrMapOvr>
     <a:masterClrMapping/>
@@ -10066,6 +13042,2202 @@
           </a:p>
         </p:txBody>
       </p:sp>
+    </p:spTree>
+  </p:cSld>
+  <p:clrMapOvr>
+    <a:masterClrMapping/>
+  </p:clrMapOvr>
+  <p:transition spd="slow">
+    <p:pull/>
+  </p:transition>
+</p:sld>
+</file>
+
+<file path=ppt/slides/slide20.xml><?xml version="1.0" encoding="utf-8"?>
+<p:sld xmlns:a="http://schemas.openxmlformats.org/drawingml/2006/main" xmlns:r="http://schemas.openxmlformats.org/officeDocument/2006/relationships" xmlns:p="http://schemas.openxmlformats.org/presentationml/2006/main">
+  <p:cSld>
+    <p:spTree>
+      <p:nvGrpSpPr>
+        <p:cNvPr id="1" name=""/>
+        <p:cNvGrpSpPr/>
+        <p:nvPr/>
+      </p:nvGrpSpPr>
+      <p:grpSpPr>
+        <a:xfrm>
+          <a:off x="0" y="0"/>
+          <a:ext cx="0" cy="0"/>
+          <a:chOff x="0" y="0"/>
+          <a:chExt cx="0" cy="0"/>
+        </a:xfrm>
+      </p:grpSpPr>
+      <p:sp>
+        <p:nvSpPr>
+          <p:cNvPr id="9" name="Rectangle 8"/>
+          <p:cNvSpPr/>
+          <p:nvPr/>
+        </p:nvSpPr>
+        <p:spPr>
+          <a:xfrm>
+            <a:off x="8470760" y="6350556"/>
+            <a:ext cx="693336" cy="567732"/>
+          </a:xfrm>
+          <a:prstGeom prst="rect">
+            <a:avLst/>
+          </a:prstGeom>
+          <a:solidFill>
+            <a:schemeClr val="bg1"/>
+          </a:solidFill>
+          <a:ln>
+            <a:noFill/>
+          </a:ln>
+        </p:spPr>
+        <p:style>
+          <a:lnRef idx="2">
+            <a:schemeClr val="accent1">
+              <a:shade val="50000"/>
+            </a:schemeClr>
+          </a:lnRef>
+          <a:fillRef idx="1">
+            <a:schemeClr val="accent1"/>
+          </a:fillRef>
+          <a:effectRef idx="0">
+            <a:schemeClr val="accent1"/>
+          </a:effectRef>
+          <a:fontRef idx="minor">
+            <a:schemeClr val="lt1"/>
+          </a:fontRef>
+        </p:style>
+        <p:txBody>
+          <a:bodyPr rtlCol="0" anchor="ctr"/>
+          <a:lstStyle/>
+          <a:p>
+            <a:pPr algn="ctr"/>
+            <a:endParaRPr lang="en-US"/>
+          </a:p>
+        </p:txBody>
+      </p:sp>
+      <p:sp>
+        <p:nvSpPr>
+          <p:cNvPr id="5" name="TextBox 4"/>
+          <p:cNvSpPr txBox="1"/>
+          <p:nvPr/>
+        </p:nvSpPr>
+        <p:spPr>
+          <a:xfrm>
+            <a:off x="521852" y="315311"/>
+            <a:ext cx="2417650" cy="584775"/>
+          </a:xfrm>
+          <a:prstGeom prst="rect">
+            <a:avLst/>
+          </a:prstGeom>
+          <a:noFill/>
+        </p:spPr>
+        <p:txBody>
+          <a:bodyPr wrap="none" rtlCol="0">
+            <a:spAutoFit/>
+          </a:bodyPr>
+          <a:lstStyle/>
+          <a:p>
+            <a:r>
+              <a:rPr lang="en-US" sz="3200" b="1" dirty="0">
+                <a:solidFill>
+                  <a:schemeClr val="bg1"/>
+                </a:solidFill>
+                <a:latin typeface="+mj-lt"/>
+              </a:rPr>
+              <a:t>TỔNG KẾT </a:t>
+            </a:r>
+          </a:p>
+        </p:txBody>
+      </p:sp>
+      <p:sp>
+        <p:nvSpPr>
+          <p:cNvPr id="6" name="TextBox 5"/>
+          <p:cNvSpPr txBox="1"/>
+          <p:nvPr/>
+        </p:nvSpPr>
+        <p:spPr>
+          <a:xfrm>
+            <a:off x="3247697" y="2406869"/>
+            <a:ext cx="184731" cy="369332"/>
+          </a:xfrm>
+          <a:prstGeom prst="rect">
+            <a:avLst/>
+          </a:prstGeom>
+          <a:noFill/>
+        </p:spPr>
+        <p:txBody>
+          <a:bodyPr wrap="none" rtlCol="0">
+            <a:spAutoFit/>
+          </a:bodyPr>
+          <a:lstStyle/>
+          <a:p>
+            <a:endParaRPr lang="en-US"/>
+          </a:p>
+        </p:txBody>
+      </p:sp>
+      <p:pic>
+        <p:nvPicPr>
+          <p:cNvPr id="12" name="Picture 11"/>
+          <p:cNvPicPr/>
+          <p:nvPr/>
+        </p:nvPicPr>
+        <p:blipFill>
+          <a:blip r:embed="rId2"/>
+          <a:stretch>
+            <a:fillRect/>
+          </a:stretch>
+        </p:blipFill>
+        <p:spPr>
+          <a:xfrm>
+            <a:off x="-39267" y="6350556"/>
+            <a:ext cx="576000" cy="1236543"/>
+          </a:xfrm>
+          <a:prstGeom prst="rect">
+            <a:avLst/>
+          </a:prstGeom>
+        </p:spPr>
+      </p:pic>
+      <p:sp>
+        <p:nvSpPr>
+          <p:cNvPr id="10" name="TextBox 9"/>
+          <p:cNvSpPr txBox="1"/>
+          <p:nvPr/>
+        </p:nvSpPr>
+        <p:spPr>
+          <a:xfrm>
+            <a:off x="703384" y="1121261"/>
+            <a:ext cx="8169310" cy="7589770"/>
+          </a:xfrm>
+          <a:prstGeom prst="rect">
+            <a:avLst/>
+          </a:prstGeom>
+          <a:noFill/>
+        </p:spPr>
+        <p:txBody>
+          <a:bodyPr wrap="square">
+            <a:spAutoFit/>
+          </a:bodyPr>
+          <a:lstStyle/>
+          <a:p>
+            <a:pPr marL="457200" indent="-457200">
+              <a:lnSpc>
+                <a:spcPct val="107000"/>
+              </a:lnSpc>
+              <a:spcBef>
+                <a:spcPts val="0"/>
+              </a:spcBef>
+              <a:spcAft>
+                <a:spcPts val="600"/>
+              </a:spcAft>
+              <a:buFont typeface="Wingdings" panose="05000000000000000000" pitchFamily="2" charset="2"/>
+              <a:buChar char="Ø"/>
+            </a:pPr>
+            <a:r>
+              <a:rPr lang="en-US" sz="2800" dirty="0" err="1">
+                <a:solidFill>
+                  <a:schemeClr val="tx1">
+                    <a:lumMod val="50000"/>
+                  </a:schemeClr>
+                </a:solidFill>
+                <a:effectLst/>
+                <a:ea typeface="Calibri" panose="020F0502020204030204" pitchFamily="34" charset="0"/>
+                <a:cs typeface="Arial" panose="020B0604020202020204" pitchFamily="34" charset="0"/>
+              </a:rPr>
+              <a:t>Tóm</a:t>
+            </a:r>
+            <a:r>
+              <a:rPr lang="en-US" sz="2800" dirty="0">
+                <a:solidFill>
+                  <a:schemeClr val="tx1">
+                    <a:lumMod val="50000"/>
+                  </a:schemeClr>
+                </a:solidFill>
+                <a:effectLst/>
+                <a:ea typeface="Calibri" panose="020F0502020204030204" pitchFamily="34" charset="0"/>
+                <a:cs typeface="Arial" panose="020B0604020202020204" pitchFamily="34" charset="0"/>
+              </a:rPr>
+              <a:t> </a:t>
+            </a:r>
+            <a:r>
+              <a:rPr lang="en-US" sz="2800" dirty="0" err="1">
+                <a:solidFill>
+                  <a:schemeClr val="tx1">
+                    <a:lumMod val="50000"/>
+                  </a:schemeClr>
+                </a:solidFill>
+                <a:effectLst/>
+                <a:ea typeface="Calibri" panose="020F0502020204030204" pitchFamily="34" charset="0"/>
+                <a:cs typeface="Arial" panose="020B0604020202020204" pitchFamily="34" charset="0"/>
+              </a:rPr>
+              <a:t>lại</a:t>
+            </a:r>
+            <a:r>
+              <a:rPr lang="en-US" sz="2800" dirty="0">
+                <a:solidFill>
+                  <a:schemeClr val="tx1">
+                    <a:lumMod val="50000"/>
+                  </a:schemeClr>
+                </a:solidFill>
+                <a:ea typeface="Calibri" panose="020F0502020204030204" pitchFamily="34" charset="0"/>
+                <a:cs typeface="Arial" panose="020B0604020202020204" pitchFamily="34" charset="0"/>
+              </a:rPr>
+              <a:t>:</a:t>
+            </a:r>
+          </a:p>
+          <a:p>
+            <a:pPr marL="457200" indent="-457200">
+              <a:lnSpc>
+                <a:spcPct val="107000"/>
+              </a:lnSpc>
+              <a:spcBef>
+                <a:spcPts val="0"/>
+              </a:spcBef>
+              <a:spcAft>
+                <a:spcPts val="600"/>
+              </a:spcAft>
+              <a:buFont typeface="Wingdings" panose="05000000000000000000" pitchFamily="2" charset="2"/>
+              <a:buChar char="ü"/>
+            </a:pPr>
+            <a:r>
+              <a:rPr lang="en-US" sz="2800" dirty="0" err="1">
+                <a:solidFill>
+                  <a:schemeClr val="tx1">
+                    <a:lumMod val="50000"/>
+                  </a:schemeClr>
+                </a:solidFill>
+                <a:effectLst/>
+                <a:ea typeface="Calibri" panose="020F0502020204030204" pitchFamily="34" charset="0"/>
+                <a:cs typeface="Arial" panose="020B0604020202020204" pitchFamily="34" charset="0"/>
+              </a:rPr>
+              <a:t>Công</a:t>
+            </a:r>
+            <a:r>
+              <a:rPr lang="en-US" sz="2800" dirty="0">
+                <a:solidFill>
+                  <a:schemeClr val="tx1">
+                    <a:lumMod val="50000"/>
+                  </a:schemeClr>
+                </a:solidFill>
+                <a:effectLst/>
+                <a:ea typeface="Calibri" panose="020F0502020204030204" pitchFamily="34" charset="0"/>
+                <a:cs typeface="Arial" panose="020B0604020202020204" pitchFamily="34" charset="0"/>
+              </a:rPr>
+              <a:t> </a:t>
+            </a:r>
+            <a:r>
+              <a:rPr lang="en-US" sz="2800" dirty="0" err="1">
+                <a:solidFill>
+                  <a:schemeClr val="tx1">
+                    <a:lumMod val="50000"/>
+                  </a:schemeClr>
+                </a:solidFill>
+                <a:effectLst/>
+                <a:ea typeface="Calibri" panose="020F0502020204030204" pitchFamily="34" charset="0"/>
+                <a:cs typeface="Arial" panose="020B0604020202020204" pitchFamily="34" charset="0"/>
+              </a:rPr>
+              <a:t>nghê</a:t>
+            </a:r>
+            <a:r>
+              <a:rPr lang="en-US" sz="2800" dirty="0">
+                <a:solidFill>
+                  <a:schemeClr val="tx1">
+                    <a:lumMod val="50000"/>
+                  </a:schemeClr>
+                </a:solidFill>
+                <a:effectLst/>
+                <a:ea typeface="Calibri" panose="020F0502020204030204" pitchFamily="34" charset="0"/>
+                <a:cs typeface="Arial" panose="020B0604020202020204" pitchFamily="34" charset="0"/>
+              </a:rPr>
+              <a:t>̣ </a:t>
+            </a:r>
+            <a:r>
+              <a:rPr lang="en-US" sz="2800" dirty="0" err="1">
+                <a:solidFill>
+                  <a:schemeClr val="tx1">
+                    <a:lumMod val="50000"/>
+                  </a:schemeClr>
+                </a:solidFill>
+                <a:effectLst/>
+                <a:ea typeface="Calibri" panose="020F0502020204030204" pitchFamily="34" charset="0"/>
+                <a:cs typeface="Arial" panose="020B0604020202020204" pitchFamily="34" charset="0"/>
+              </a:rPr>
+              <a:t>nhận</a:t>
+            </a:r>
+            <a:r>
+              <a:rPr lang="en-US" sz="2800" dirty="0">
+                <a:solidFill>
+                  <a:schemeClr val="tx1">
+                    <a:lumMod val="50000"/>
+                  </a:schemeClr>
+                </a:solidFill>
+                <a:effectLst/>
+                <a:ea typeface="Calibri" panose="020F0502020204030204" pitchFamily="34" charset="0"/>
+                <a:cs typeface="Arial" panose="020B0604020202020204" pitchFamily="34" charset="0"/>
+              </a:rPr>
+              <a:t> </a:t>
+            </a:r>
+            <a:r>
+              <a:rPr lang="en-US" sz="2800" dirty="0" err="1">
+                <a:solidFill>
+                  <a:schemeClr val="tx1">
+                    <a:lumMod val="50000"/>
+                  </a:schemeClr>
+                </a:solidFill>
+                <a:effectLst/>
+                <a:ea typeface="Calibri" panose="020F0502020204030204" pitchFamily="34" charset="0"/>
+                <a:cs typeface="Arial" panose="020B0604020202020204" pitchFamily="34" charset="0"/>
+              </a:rPr>
+              <a:t>diện</a:t>
+            </a:r>
+            <a:r>
+              <a:rPr lang="en-US" sz="2800" dirty="0">
+                <a:solidFill>
+                  <a:schemeClr val="tx1">
+                    <a:lumMod val="50000"/>
+                  </a:schemeClr>
+                </a:solidFill>
+                <a:effectLst/>
+                <a:ea typeface="Calibri" panose="020F0502020204030204" pitchFamily="34" charset="0"/>
+                <a:cs typeface="Arial" panose="020B0604020202020204" pitchFamily="34" charset="0"/>
+              </a:rPr>
+              <a:t> </a:t>
+            </a:r>
+            <a:r>
+              <a:rPr lang="en-US" sz="2800" dirty="0" err="1">
+                <a:solidFill>
+                  <a:schemeClr val="tx1">
+                    <a:lumMod val="50000"/>
+                  </a:schemeClr>
+                </a:solidFill>
+                <a:effectLst/>
+                <a:ea typeface="Calibri" panose="020F0502020204030204" pitchFamily="34" charset="0"/>
+                <a:cs typeface="Arial" panose="020B0604020202020204" pitchFamily="34" charset="0"/>
+              </a:rPr>
+              <a:t>khuôn</a:t>
+            </a:r>
+            <a:r>
+              <a:rPr lang="en-US" sz="2800" dirty="0">
+                <a:solidFill>
+                  <a:schemeClr val="tx1">
+                    <a:lumMod val="50000"/>
+                  </a:schemeClr>
+                </a:solidFill>
+                <a:effectLst/>
+                <a:ea typeface="Calibri" panose="020F0502020204030204" pitchFamily="34" charset="0"/>
+                <a:cs typeface="Arial" panose="020B0604020202020204" pitchFamily="34" charset="0"/>
+              </a:rPr>
+              <a:t> </a:t>
+            </a:r>
+            <a:r>
+              <a:rPr lang="en-US" sz="2800" dirty="0" err="1">
+                <a:solidFill>
+                  <a:schemeClr val="tx1">
+                    <a:lumMod val="50000"/>
+                  </a:schemeClr>
+                </a:solidFill>
+                <a:effectLst/>
+                <a:ea typeface="Calibri" panose="020F0502020204030204" pitchFamily="34" charset="0"/>
+                <a:cs typeface="Arial" panose="020B0604020202020204" pitchFamily="34" charset="0"/>
+              </a:rPr>
+              <a:t>mặt</a:t>
+            </a:r>
+            <a:r>
+              <a:rPr lang="en-US" sz="2800" dirty="0">
+                <a:solidFill>
+                  <a:schemeClr val="tx1">
+                    <a:lumMod val="50000"/>
+                  </a:schemeClr>
+                </a:solidFill>
+                <a:effectLst/>
+                <a:ea typeface="Calibri" panose="020F0502020204030204" pitchFamily="34" charset="0"/>
+                <a:cs typeface="Arial" panose="020B0604020202020204" pitchFamily="34" charset="0"/>
+              </a:rPr>
+              <a:t> là </a:t>
+            </a:r>
+            <a:r>
+              <a:rPr lang="en-US" sz="2800" dirty="0" err="1">
+                <a:solidFill>
+                  <a:schemeClr val="tx1">
+                    <a:lumMod val="50000"/>
+                  </a:schemeClr>
+                </a:solidFill>
+                <a:effectLst/>
+                <a:ea typeface="Calibri" panose="020F0502020204030204" pitchFamily="34" charset="0"/>
+                <a:cs typeface="Arial" panose="020B0604020202020204" pitchFamily="34" charset="0"/>
+              </a:rPr>
+              <a:t>công</a:t>
+            </a:r>
+            <a:r>
+              <a:rPr lang="en-US" sz="2800" dirty="0">
+                <a:solidFill>
+                  <a:schemeClr val="tx1">
+                    <a:lumMod val="50000"/>
+                  </a:schemeClr>
+                </a:solidFill>
+                <a:effectLst/>
+                <a:ea typeface="Calibri" panose="020F0502020204030204" pitchFamily="34" charset="0"/>
+                <a:cs typeface="Arial" panose="020B0604020202020204" pitchFamily="34" charset="0"/>
+              </a:rPr>
+              <a:t> </a:t>
+            </a:r>
+            <a:r>
+              <a:rPr lang="en-US" sz="2800" dirty="0" err="1">
+                <a:solidFill>
+                  <a:schemeClr val="tx1">
+                    <a:lumMod val="50000"/>
+                  </a:schemeClr>
+                </a:solidFill>
+                <a:effectLst/>
+                <a:ea typeface="Calibri" panose="020F0502020204030204" pitchFamily="34" charset="0"/>
+                <a:cs typeface="Arial" panose="020B0604020202020204" pitchFamily="34" charset="0"/>
+              </a:rPr>
+              <a:t>nghê</a:t>
+            </a:r>
+            <a:r>
+              <a:rPr lang="en-US" sz="2800" dirty="0">
+                <a:solidFill>
+                  <a:schemeClr val="tx1">
+                    <a:lumMod val="50000"/>
+                  </a:schemeClr>
+                </a:solidFill>
+                <a:effectLst/>
+                <a:ea typeface="Calibri" panose="020F0502020204030204" pitchFamily="34" charset="0"/>
+                <a:cs typeface="Arial" panose="020B0604020202020204" pitchFamily="34" charset="0"/>
+              </a:rPr>
+              <a:t>̣ </a:t>
+            </a:r>
+            <a:r>
+              <a:rPr lang="en-US" sz="2800" dirty="0" err="1">
+                <a:solidFill>
+                  <a:schemeClr val="tx1">
+                    <a:lumMod val="50000"/>
+                  </a:schemeClr>
+                </a:solidFill>
+                <a:effectLst/>
+                <a:ea typeface="Calibri" panose="020F0502020204030204" pitchFamily="34" charset="0"/>
+                <a:cs typeface="Arial" panose="020B0604020202020204" pitchFamily="34" charset="0"/>
+              </a:rPr>
+              <a:t>sinh</a:t>
+            </a:r>
+            <a:r>
+              <a:rPr lang="en-US" sz="2800" dirty="0">
+                <a:solidFill>
+                  <a:schemeClr val="tx1">
+                    <a:lumMod val="50000"/>
+                  </a:schemeClr>
+                </a:solidFill>
+                <a:effectLst/>
+                <a:ea typeface="Calibri" panose="020F0502020204030204" pitchFamily="34" charset="0"/>
+                <a:cs typeface="Arial" panose="020B0604020202020204" pitchFamily="34" charset="0"/>
+              </a:rPr>
+              <a:t> </a:t>
+            </a:r>
+            <a:r>
+              <a:rPr lang="en-US" sz="2800" dirty="0" err="1">
+                <a:solidFill>
+                  <a:schemeClr val="tx1">
+                    <a:lumMod val="50000"/>
+                  </a:schemeClr>
+                </a:solidFill>
+                <a:effectLst/>
+                <a:ea typeface="Calibri" panose="020F0502020204030204" pitchFamily="34" charset="0"/>
+                <a:cs typeface="Arial" panose="020B0604020202020204" pitchFamily="34" charset="0"/>
+              </a:rPr>
+              <a:t>trắc</a:t>
+            </a:r>
+            <a:r>
+              <a:rPr lang="en-US" sz="2800" dirty="0">
+                <a:solidFill>
+                  <a:schemeClr val="tx1">
+                    <a:lumMod val="50000"/>
+                  </a:schemeClr>
+                </a:solidFill>
+                <a:effectLst/>
+                <a:ea typeface="Calibri" panose="020F0502020204030204" pitchFamily="34" charset="0"/>
+                <a:cs typeface="Arial" panose="020B0604020202020204" pitchFamily="34" charset="0"/>
+              </a:rPr>
+              <a:t> </a:t>
+            </a:r>
+            <a:r>
+              <a:rPr lang="en-US" sz="2800" dirty="0" err="1">
+                <a:solidFill>
+                  <a:schemeClr val="tx1">
+                    <a:lumMod val="50000"/>
+                  </a:schemeClr>
+                </a:solidFill>
+                <a:effectLst/>
+                <a:ea typeface="Calibri" panose="020F0502020204030204" pitchFamily="34" charset="0"/>
+                <a:cs typeface="Arial" panose="020B0604020202020204" pitchFamily="34" charset="0"/>
+              </a:rPr>
+              <a:t>học</a:t>
+            </a:r>
+            <a:r>
+              <a:rPr lang="en-US" sz="2800" dirty="0">
+                <a:solidFill>
+                  <a:schemeClr val="tx1">
+                    <a:lumMod val="50000"/>
+                  </a:schemeClr>
+                </a:solidFill>
+                <a:effectLst/>
+                <a:ea typeface="Calibri" panose="020F0502020204030204" pitchFamily="34" charset="0"/>
+                <a:cs typeface="Arial" panose="020B0604020202020204" pitchFamily="34" charset="0"/>
+              </a:rPr>
+              <a:t> </a:t>
+            </a:r>
+            <a:r>
+              <a:rPr lang="en-US" sz="2800" dirty="0" err="1">
+                <a:solidFill>
+                  <a:schemeClr val="tx1">
+                    <a:lumMod val="50000"/>
+                  </a:schemeClr>
+                </a:solidFill>
+                <a:effectLst/>
+                <a:ea typeface="Calibri" panose="020F0502020204030204" pitchFamily="34" charset="0"/>
+                <a:cs typeface="Arial" panose="020B0604020202020204" pitchFamily="34" charset="0"/>
+              </a:rPr>
+              <a:t>hiện</a:t>
+            </a:r>
+            <a:r>
+              <a:rPr lang="en-US" sz="2800" dirty="0">
+                <a:solidFill>
+                  <a:schemeClr val="tx1">
+                    <a:lumMod val="50000"/>
+                  </a:schemeClr>
+                </a:solidFill>
+                <a:effectLst/>
+                <a:ea typeface="Calibri" panose="020F0502020204030204" pitchFamily="34" charset="0"/>
+                <a:cs typeface="Arial" panose="020B0604020202020204" pitchFamily="34" charset="0"/>
+              </a:rPr>
+              <a:t> </a:t>
+            </a:r>
+            <a:r>
+              <a:rPr lang="en-US" sz="2800" dirty="0" err="1">
+                <a:solidFill>
+                  <a:schemeClr val="tx1">
+                    <a:lumMod val="50000"/>
+                  </a:schemeClr>
+                </a:solidFill>
+                <a:effectLst/>
+                <a:ea typeface="Calibri" panose="020F0502020204030204" pitchFamily="34" charset="0"/>
+                <a:cs typeface="Arial" panose="020B0604020202020204" pitchFamily="34" charset="0"/>
+              </a:rPr>
+              <a:t>đại</a:t>
+            </a:r>
+            <a:r>
+              <a:rPr lang="en-US" sz="2800" dirty="0">
+                <a:solidFill>
+                  <a:schemeClr val="tx1">
+                    <a:lumMod val="50000"/>
+                  </a:schemeClr>
+                </a:solidFill>
+                <a:effectLst/>
+                <a:ea typeface="Calibri" panose="020F0502020204030204" pitchFamily="34" charset="0"/>
+                <a:cs typeface="Arial" panose="020B0604020202020204" pitchFamily="34" charset="0"/>
+              </a:rPr>
+              <a:t> </a:t>
+            </a:r>
+            <a:r>
+              <a:rPr lang="en-US" sz="2800" dirty="0" err="1">
+                <a:solidFill>
+                  <a:schemeClr val="tx1">
+                    <a:lumMod val="50000"/>
+                  </a:schemeClr>
+                </a:solidFill>
+                <a:effectLst/>
+                <a:ea typeface="Calibri" panose="020F0502020204030204" pitchFamily="34" charset="0"/>
+                <a:cs typeface="Arial" panose="020B0604020202020204" pitchFamily="34" charset="0"/>
+              </a:rPr>
+              <a:t>với</a:t>
+            </a:r>
+            <a:r>
+              <a:rPr lang="en-US" sz="2800" dirty="0">
+                <a:solidFill>
+                  <a:schemeClr val="tx1">
+                    <a:lumMod val="50000"/>
+                  </a:schemeClr>
+                </a:solidFill>
+                <a:effectLst/>
+                <a:ea typeface="Calibri" panose="020F0502020204030204" pitchFamily="34" charset="0"/>
+                <a:cs typeface="Arial" panose="020B0604020202020204" pitchFamily="34" charset="0"/>
+              </a:rPr>
+              <a:t> </a:t>
+            </a:r>
+            <a:r>
+              <a:rPr lang="en-US" sz="2800" dirty="0" err="1">
+                <a:solidFill>
+                  <a:schemeClr val="tx1">
+                    <a:lumMod val="50000"/>
+                  </a:schemeClr>
+                </a:solidFill>
+                <a:effectLst/>
+                <a:ea typeface="Calibri" panose="020F0502020204030204" pitchFamily="34" charset="0"/>
+                <a:cs typeface="Arial" panose="020B0604020202020204" pitchFamily="34" charset="0"/>
+              </a:rPr>
+              <a:t>công</a:t>
+            </a:r>
+            <a:r>
+              <a:rPr lang="en-US" sz="2800" dirty="0">
+                <a:solidFill>
+                  <a:schemeClr val="tx1">
+                    <a:lumMod val="50000"/>
+                  </a:schemeClr>
+                </a:solidFill>
+                <a:effectLst/>
+                <a:ea typeface="Calibri" panose="020F0502020204030204" pitchFamily="34" charset="0"/>
+                <a:cs typeface="Arial" panose="020B0604020202020204" pitchFamily="34" charset="0"/>
+              </a:rPr>
+              <a:t> </a:t>
+            </a:r>
+            <a:r>
+              <a:rPr lang="en-US" sz="2800" dirty="0" err="1">
+                <a:solidFill>
+                  <a:schemeClr val="tx1">
+                    <a:lumMod val="50000"/>
+                  </a:schemeClr>
+                </a:solidFill>
+                <a:effectLst/>
+                <a:ea typeface="Calibri" panose="020F0502020204030204" pitchFamily="34" charset="0"/>
+                <a:cs typeface="Arial" panose="020B0604020202020204" pitchFamily="34" charset="0"/>
+              </a:rPr>
+              <a:t>nghê</a:t>
+            </a:r>
+            <a:r>
+              <a:rPr lang="en-US" sz="2800" dirty="0">
+                <a:solidFill>
+                  <a:schemeClr val="tx1">
+                    <a:lumMod val="50000"/>
+                  </a:schemeClr>
+                </a:solidFill>
+                <a:effectLst/>
+                <a:ea typeface="Calibri" panose="020F0502020204030204" pitchFamily="34" charset="0"/>
+                <a:cs typeface="Arial" panose="020B0604020202020204" pitchFamily="34" charset="0"/>
+              </a:rPr>
+              <a:t>̣ </a:t>
+            </a:r>
+            <a:r>
+              <a:rPr lang="en-US" sz="2800" dirty="0" err="1">
+                <a:solidFill>
+                  <a:schemeClr val="tx1">
+                    <a:lumMod val="50000"/>
+                  </a:schemeClr>
+                </a:solidFill>
+                <a:effectLst/>
+                <a:ea typeface="Calibri" panose="020F0502020204030204" pitchFamily="34" charset="0"/>
+                <a:cs typeface="Arial" panose="020B0604020202020204" pitchFamily="34" charset="0"/>
+              </a:rPr>
+              <a:t>bảo</a:t>
+            </a:r>
+            <a:r>
+              <a:rPr lang="en-US" sz="2800" dirty="0">
+                <a:solidFill>
+                  <a:schemeClr val="tx1">
+                    <a:lumMod val="50000"/>
+                  </a:schemeClr>
+                </a:solidFill>
+                <a:effectLst/>
+                <a:ea typeface="Calibri" panose="020F0502020204030204" pitchFamily="34" charset="0"/>
+                <a:cs typeface="Arial" panose="020B0604020202020204" pitchFamily="34" charset="0"/>
+              </a:rPr>
+              <a:t> </a:t>
+            </a:r>
+            <a:r>
+              <a:rPr lang="en-US" sz="2800" dirty="0" err="1">
+                <a:solidFill>
+                  <a:schemeClr val="tx1">
+                    <a:lumMod val="50000"/>
+                  </a:schemeClr>
+                </a:solidFill>
+                <a:effectLst/>
+                <a:ea typeface="Calibri" panose="020F0502020204030204" pitchFamily="34" charset="0"/>
+                <a:cs typeface="Arial" panose="020B0604020202020204" pitchFamily="34" charset="0"/>
+              </a:rPr>
+              <a:t>mật</a:t>
+            </a:r>
+            <a:r>
+              <a:rPr lang="en-US" sz="2800" dirty="0">
+                <a:solidFill>
+                  <a:schemeClr val="tx1">
+                    <a:lumMod val="50000"/>
+                  </a:schemeClr>
+                </a:solidFill>
+                <a:effectLst/>
+                <a:ea typeface="Calibri" panose="020F0502020204030204" pitchFamily="34" charset="0"/>
+                <a:cs typeface="Arial" panose="020B0604020202020204" pitchFamily="34" charset="0"/>
+              </a:rPr>
+              <a:t> 3D </a:t>
+            </a:r>
+            <a:r>
+              <a:rPr lang="en-US" sz="2800" dirty="0" err="1">
+                <a:solidFill>
+                  <a:schemeClr val="tx1">
+                    <a:lumMod val="50000"/>
+                  </a:schemeClr>
+                </a:solidFill>
+                <a:effectLst/>
+                <a:ea typeface="Calibri" panose="020F0502020204030204" pitchFamily="34" charset="0"/>
+                <a:cs typeface="Arial" panose="020B0604020202020204" pitchFamily="34" charset="0"/>
+              </a:rPr>
+              <a:t>khuôn</a:t>
+            </a:r>
+            <a:r>
+              <a:rPr lang="en-US" sz="2800" dirty="0">
+                <a:solidFill>
+                  <a:schemeClr val="tx1">
+                    <a:lumMod val="50000"/>
+                  </a:schemeClr>
+                </a:solidFill>
+                <a:effectLst/>
+                <a:ea typeface="Calibri" panose="020F0502020204030204" pitchFamily="34" charset="0"/>
+                <a:cs typeface="Arial" panose="020B0604020202020204" pitchFamily="34" charset="0"/>
+              </a:rPr>
+              <a:t> </a:t>
+            </a:r>
+            <a:r>
+              <a:rPr lang="en-US" sz="2800" dirty="0" err="1">
+                <a:solidFill>
+                  <a:schemeClr val="tx1">
+                    <a:lumMod val="50000"/>
+                  </a:schemeClr>
+                </a:solidFill>
+                <a:effectLst/>
+                <a:ea typeface="Calibri" panose="020F0502020204030204" pitchFamily="34" charset="0"/>
+                <a:cs typeface="Arial" panose="020B0604020202020204" pitchFamily="34" charset="0"/>
+              </a:rPr>
+              <a:t>mặt</a:t>
+            </a:r>
+            <a:r>
+              <a:rPr lang="en-US" sz="2800" dirty="0">
+                <a:solidFill>
+                  <a:schemeClr val="tx1">
+                    <a:lumMod val="50000"/>
+                  </a:schemeClr>
+                </a:solidFill>
+                <a:effectLst/>
+                <a:ea typeface="Calibri" panose="020F0502020204030204" pitchFamily="34" charset="0"/>
+                <a:cs typeface="Arial" panose="020B0604020202020204" pitchFamily="34" charset="0"/>
+              </a:rPr>
+              <a:t> </a:t>
+            </a:r>
+            <a:r>
+              <a:rPr lang="en-US" sz="2800" dirty="0" err="1">
+                <a:solidFill>
+                  <a:schemeClr val="tx1">
+                    <a:lumMod val="50000"/>
+                  </a:schemeClr>
+                </a:solidFill>
+                <a:effectLst/>
+                <a:ea typeface="Calibri" panose="020F0502020204030204" pitchFamily="34" charset="0"/>
+                <a:cs typeface="Arial" panose="020B0604020202020204" pitchFamily="34" charset="0"/>
+              </a:rPr>
+              <a:t>đa</a:t>
+            </a:r>
+            <a:r>
+              <a:rPr lang="en-US" sz="2800" dirty="0">
+                <a:solidFill>
+                  <a:schemeClr val="tx1">
+                    <a:lumMod val="50000"/>
+                  </a:schemeClr>
+                </a:solidFill>
+                <a:effectLst/>
+                <a:ea typeface="Calibri" panose="020F0502020204030204" pitchFamily="34" charset="0"/>
+                <a:cs typeface="Arial" panose="020B0604020202020204" pitchFamily="34" charset="0"/>
+              </a:rPr>
+              <a:t>̃ </a:t>
+            </a:r>
+            <a:r>
+              <a:rPr lang="en-US" sz="2800" dirty="0" err="1">
+                <a:solidFill>
+                  <a:schemeClr val="tx1">
+                    <a:lumMod val="50000"/>
+                  </a:schemeClr>
+                </a:solidFill>
+                <a:effectLst/>
+                <a:ea typeface="Calibri" panose="020F0502020204030204" pitchFamily="34" charset="0"/>
+                <a:cs typeface="Arial" panose="020B0604020202020204" pitchFamily="34" charset="0"/>
+              </a:rPr>
+              <a:t>giúp</a:t>
+            </a:r>
+            <a:r>
+              <a:rPr lang="en-US" sz="2800" dirty="0">
+                <a:solidFill>
+                  <a:schemeClr val="tx1">
+                    <a:lumMod val="50000"/>
+                  </a:schemeClr>
+                </a:solidFill>
+                <a:effectLst/>
+                <a:ea typeface="Calibri" panose="020F0502020204030204" pitchFamily="34" charset="0"/>
+                <a:cs typeface="Arial" panose="020B0604020202020204" pitchFamily="34" charset="0"/>
+              </a:rPr>
+              <a:t> </a:t>
+            </a:r>
+            <a:r>
+              <a:rPr lang="en-US" sz="2800" dirty="0" err="1">
+                <a:solidFill>
+                  <a:schemeClr val="tx1">
+                    <a:lumMod val="50000"/>
+                  </a:schemeClr>
+                </a:solidFill>
+                <a:effectLst/>
+                <a:ea typeface="Calibri" panose="020F0502020204030204" pitchFamily="34" charset="0"/>
+                <a:cs typeface="Arial" panose="020B0604020202020204" pitchFamily="34" charset="0"/>
+              </a:rPr>
+              <a:t>cho</a:t>
+            </a:r>
+            <a:r>
+              <a:rPr lang="en-US" sz="2800" dirty="0">
+                <a:solidFill>
+                  <a:schemeClr val="tx1">
+                    <a:lumMod val="50000"/>
+                  </a:schemeClr>
+                </a:solidFill>
+                <a:effectLst/>
+                <a:ea typeface="Calibri" panose="020F0502020204030204" pitchFamily="34" charset="0"/>
+                <a:cs typeface="Arial" panose="020B0604020202020204" pitchFamily="34" charset="0"/>
+              </a:rPr>
+              <a:t> </a:t>
+            </a:r>
+            <a:r>
+              <a:rPr lang="en-US" sz="2800" dirty="0" err="1">
+                <a:solidFill>
+                  <a:schemeClr val="tx1">
+                    <a:lumMod val="50000"/>
+                  </a:schemeClr>
+                </a:solidFill>
+                <a:effectLst/>
+                <a:ea typeface="Calibri" panose="020F0502020204030204" pitchFamily="34" charset="0"/>
+                <a:cs typeface="Arial" panose="020B0604020202020204" pitchFamily="34" charset="0"/>
+              </a:rPr>
+              <a:t>công</a:t>
+            </a:r>
+            <a:r>
+              <a:rPr lang="en-US" sz="2800" dirty="0">
+                <a:solidFill>
+                  <a:schemeClr val="tx1">
+                    <a:lumMod val="50000"/>
+                  </a:schemeClr>
+                </a:solidFill>
+                <a:effectLst/>
+                <a:ea typeface="Calibri" panose="020F0502020204030204" pitchFamily="34" charset="0"/>
+                <a:cs typeface="Arial" panose="020B0604020202020204" pitchFamily="34" charset="0"/>
+              </a:rPr>
+              <a:t> </a:t>
+            </a:r>
+            <a:r>
+              <a:rPr lang="en-US" sz="2800" dirty="0" err="1">
+                <a:solidFill>
+                  <a:schemeClr val="tx1">
+                    <a:lumMod val="50000"/>
+                  </a:schemeClr>
+                </a:solidFill>
+                <a:effectLst/>
+                <a:ea typeface="Calibri" panose="020F0502020204030204" pitchFamily="34" charset="0"/>
+                <a:cs typeface="Arial" panose="020B0604020202020204" pitchFamily="34" charset="0"/>
+              </a:rPr>
+              <a:t>nghê</a:t>
+            </a:r>
+            <a:r>
+              <a:rPr lang="en-US" sz="2800" dirty="0">
+                <a:solidFill>
+                  <a:schemeClr val="tx1">
+                    <a:lumMod val="50000"/>
+                  </a:schemeClr>
+                </a:solidFill>
+                <a:effectLst/>
+                <a:ea typeface="Calibri" panose="020F0502020204030204" pitchFamily="34" charset="0"/>
+                <a:cs typeface="Arial" panose="020B0604020202020204" pitchFamily="34" charset="0"/>
+              </a:rPr>
+              <a:t>̣ </a:t>
+            </a:r>
+            <a:r>
+              <a:rPr lang="en-US" sz="2800" dirty="0" err="1">
+                <a:solidFill>
+                  <a:schemeClr val="tx1">
+                    <a:lumMod val="50000"/>
+                  </a:schemeClr>
+                </a:solidFill>
+                <a:effectLst/>
+                <a:ea typeface="Calibri" panose="020F0502020204030204" pitchFamily="34" charset="0"/>
+                <a:cs typeface="Arial" panose="020B0604020202020204" pitchFamily="34" charset="0"/>
+              </a:rPr>
+              <a:t>khuôn</a:t>
+            </a:r>
+            <a:r>
+              <a:rPr lang="en-US" sz="2800" dirty="0">
+                <a:solidFill>
+                  <a:schemeClr val="tx1">
+                    <a:lumMod val="50000"/>
+                  </a:schemeClr>
+                </a:solidFill>
+                <a:effectLst/>
+                <a:ea typeface="Calibri" panose="020F0502020204030204" pitchFamily="34" charset="0"/>
+                <a:cs typeface="Arial" panose="020B0604020202020204" pitchFamily="34" charset="0"/>
+              </a:rPr>
+              <a:t> </a:t>
+            </a:r>
+            <a:r>
+              <a:rPr lang="en-US" sz="2800" dirty="0" err="1">
+                <a:solidFill>
+                  <a:schemeClr val="tx1">
+                    <a:lumMod val="50000"/>
+                  </a:schemeClr>
+                </a:solidFill>
+                <a:effectLst/>
+                <a:ea typeface="Calibri" panose="020F0502020204030204" pitchFamily="34" charset="0"/>
+                <a:cs typeface="Arial" panose="020B0604020202020204" pitchFamily="34" charset="0"/>
+              </a:rPr>
+              <a:t>mặt</a:t>
+            </a:r>
+            <a:r>
+              <a:rPr lang="en-US" sz="2800" dirty="0">
+                <a:solidFill>
+                  <a:schemeClr val="tx1">
+                    <a:lumMod val="50000"/>
+                  </a:schemeClr>
+                </a:solidFill>
+                <a:effectLst/>
+                <a:ea typeface="Calibri" panose="020F0502020204030204" pitchFamily="34" charset="0"/>
+                <a:cs typeface="Arial" panose="020B0604020202020204" pitchFamily="34" charset="0"/>
+              </a:rPr>
+              <a:t> có </a:t>
+            </a:r>
+            <a:r>
+              <a:rPr lang="en-US" sz="2800" dirty="0" err="1">
+                <a:solidFill>
+                  <a:schemeClr val="tx1">
+                    <a:lumMod val="50000"/>
+                  </a:schemeClr>
+                </a:solidFill>
+                <a:effectLst/>
+                <a:ea typeface="Calibri" panose="020F0502020204030204" pitchFamily="34" charset="0"/>
+                <a:cs typeface="Arial" panose="020B0604020202020204" pitchFamily="34" charset="0"/>
+              </a:rPr>
+              <a:t>thê</a:t>
+            </a:r>
+            <a:r>
+              <a:rPr lang="en-US" sz="2800" dirty="0">
+                <a:solidFill>
+                  <a:schemeClr val="tx1">
+                    <a:lumMod val="50000"/>
+                  </a:schemeClr>
+                </a:solidFill>
+                <a:effectLst/>
+                <a:ea typeface="Calibri" panose="020F0502020204030204" pitchFamily="34" charset="0"/>
+                <a:cs typeface="Arial" panose="020B0604020202020204" pitchFamily="34" charset="0"/>
+              </a:rPr>
+              <a:t>̉ </a:t>
+            </a:r>
+            <a:r>
+              <a:rPr lang="en-US" sz="2800" dirty="0" err="1">
+                <a:solidFill>
+                  <a:schemeClr val="tx1">
+                    <a:lumMod val="50000"/>
+                  </a:schemeClr>
+                </a:solidFill>
+                <a:effectLst/>
+                <a:ea typeface="Calibri" panose="020F0502020204030204" pitchFamily="34" charset="0"/>
+                <a:cs typeface="Arial" panose="020B0604020202020204" pitchFamily="34" charset="0"/>
+              </a:rPr>
+              <a:t>nhận</a:t>
+            </a:r>
+            <a:r>
+              <a:rPr lang="en-US" sz="2800" dirty="0">
+                <a:solidFill>
+                  <a:schemeClr val="tx1">
+                    <a:lumMod val="50000"/>
+                  </a:schemeClr>
+                </a:solidFill>
+                <a:effectLst/>
+                <a:ea typeface="Calibri" panose="020F0502020204030204" pitchFamily="34" charset="0"/>
+                <a:cs typeface="Arial" panose="020B0604020202020204" pitchFamily="34" charset="0"/>
+              </a:rPr>
+              <a:t> </a:t>
+            </a:r>
+            <a:r>
+              <a:rPr lang="en-US" sz="2800" dirty="0" err="1">
+                <a:solidFill>
+                  <a:schemeClr val="tx1">
+                    <a:lumMod val="50000"/>
+                  </a:schemeClr>
+                </a:solidFill>
+                <a:effectLst/>
+                <a:ea typeface="Calibri" panose="020F0502020204030204" pitchFamily="34" charset="0"/>
+                <a:cs typeface="Arial" panose="020B0604020202020204" pitchFamily="34" charset="0"/>
+              </a:rPr>
+              <a:t>diện</a:t>
+            </a:r>
+            <a:r>
+              <a:rPr lang="en-US" sz="2800" dirty="0">
+                <a:solidFill>
+                  <a:schemeClr val="tx1">
+                    <a:lumMod val="50000"/>
+                  </a:schemeClr>
+                </a:solidFill>
+                <a:effectLst/>
+                <a:ea typeface="Calibri" panose="020F0502020204030204" pitchFamily="34" charset="0"/>
+                <a:cs typeface="Arial" panose="020B0604020202020204" pitchFamily="34" charset="0"/>
+              </a:rPr>
+              <a:t> </a:t>
+            </a:r>
+            <a:r>
+              <a:rPr lang="en-US" sz="2800" dirty="0" err="1">
+                <a:solidFill>
+                  <a:schemeClr val="tx1">
+                    <a:lumMod val="50000"/>
+                  </a:schemeClr>
+                </a:solidFill>
+                <a:effectLst/>
+                <a:ea typeface="Calibri" panose="020F0502020204030204" pitchFamily="34" charset="0"/>
+                <a:cs typeface="Arial" panose="020B0604020202020204" pitchFamily="34" charset="0"/>
+              </a:rPr>
+              <a:t>chính</a:t>
+            </a:r>
+            <a:r>
+              <a:rPr lang="en-US" sz="2800" dirty="0">
+                <a:solidFill>
+                  <a:schemeClr val="tx1">
+                    <a:lumMod val="50000"/>
+                  </a:schemeClr>
+                </a:solidFill>
+                <a:effectLst/>
+                <a:ea typeface="Calibri" panose="020F0502020204030204" pitchFamily="34" charset="0"/>
+                <a:cs typeface="Arial" panose="020B0604020202020204" pitchFamily="34" charset="0"/>
+              </a:rPr>
+              <a:t> </a:t>
+            </a:r>
+            <a:r>
+              <a:rPr lang="en-US" sz="2800" dirty="0" err="1">
+                <a:solidFill>
+                  <a:schemeClr val="tx1">
+                    <a:lumMod val="50000"/>
+                  </a:schemeClr>
+                </a:solidFill>
+                <a:effectLst/>
+                <a:ea typeface="Calibri" panose="020F0502020204030204" pitchFamily="34" charset="0"/>
+                <a:cs typeface="Arial" panose="020B0604020202020204" pitchFamily="34" charset="0"/>
+              </a:rPr>
+              <a:t>xác</a:t>
+            </a:r>
+            <a:r>
+              <a:rPr lang="en-US" sz="2800" dirty="0">
+                <a:solidFill>
+                  <a:schemeClr val="tx1">
+                    <a:lumMod val="50000"/>
+                  </a:schemeClr>
+                </a:solidFill>
+                <a:effectLst/>
+                <a:ea typeface="Calibri" panose="020F0502020204030204" pitchFamily="34" charset="0"/>
+                <a:cs typeface="Arial" panose="020B0604020202020204" pitchFamily="34" charset="0"/>
+              </a:rPr>
+              <a:t> </a:t>
+            </a:r>
+            <a:r>
+              <a:rPr lang="en-US" sz="2800" dirty="0" err="1">
+                <a:solidFill>
+                  <a:schemeClr val="tx1">
+                    <a:lumMod val="50000"/>
+                  </a:schemeClr>
+                </a:solidFill>
+                <a:effectLst/>
+                <a:ea typeface="Calibri" panose="020F0502020204030204" pitchFamily="34" charset="0"/>
+                <a:cs typeface="Arial" panose="020B0604020202020204" pitchFamily="34" charset="0"/>
+              </a:rPr>
+              <a:t>mặt</a:t>
+            </a:r>
+            <a:r>
+              <a:rPr lang="en-US" sz="2800" dirty="0">
+                <a:solidFill>
+                  <a:schemeClr val="tx1">
+                    <a:lumMod val="50000"/>
+                  </a:schemeClr>
+                </a:solidFill>
+                <a:effectLst/>
+                <a:ea typeface="Calibri" panose="020F0502020204030204" pitchFamily="34" charset="0"/>
+                <a:cs typeface="Arial" panose="020B0604020202020204" pitchFamily="34" charset="0"/>
+              </a:rPr>
+              <a:t> </a:t>
+            </a:r>
+            <a:r>
+              <a:rPr lang="en-US" sz="2800" dirty="0" err="1">
+                <a:solidFill>
+                  <a:schemeClr val="tx1">
+                    <a:lumMod val="50000"/>
+                  </a:schemeClr>
+                </a:solidFill>
+                <a:effectLst/>
+                <a:ea typeface="Calibri" panose="020F0502020204030204" pitchFamily="34" charset="0"/>
+                <a:cs typeface="Arial" panose="020B0604020202020204" pitchFamily="34" charset="0"/>
+              </a:rPr>
+              <a:t>va</a:t>
+            </a:r>
+            <a:r>
+              <a:rPr lang="en-US" sz="2800" dirty="0">
+                <a:solidFill>
+                  <a:schemeClr val="tx1">
+                    <a:lumMod val="50000"/>
+                  </a:schemeClr>
+                </a:solidFill>
+                <a:effectLst/>
+                <a:ea typeface="Calibri" panose="020F0502020204030204" pitchFamily="34" charset="0"/>
+                <a:cs typeface="Arial" panose="020B0604020202020204" pitchFamily="34" charset="0"/>
+              </a:rPr>
+              <a:t>̀ </a:t>
+            </a:r>
+            <a:r>
+              <a:rPr lang="en-US" sz="2800" dirty="0" err="1">
+                <a:solidFill>
+                  <a:schemeClr val="tx1">
+                    <a:lumMod val="50000"/>
+                  </a:schemeClr>
+                </a:solidFill>
+                <a:effectLst/>
+                <a:ea typeface="Calibri" panose="020F0502020204030204" pitchFamily="34" charset="0"/>
+                <a:cs typeface="Arial" panose="020B0604020202020204" pitchFamily="34" charset="0"/>
+              </a:rPr>
+              <a:t>giúp</a:t>
+            </a:r>
+            <a:r>
+              <a:rPr lang="en-US" sz="2800" dirty="0">
+                <a:solidFill>
+                  <a:schemeClr val="tx1">
+                    <a:lumMod val="50000"/>
+                  </a:schemeClr>
+                </a:solidFill>
+                <a:effectLst/>
+                <a:ea typeface="Calibri" panose="020F0502020204030204" pitchFamily="34" charset="0"/>
+                <a:cs typeface="Arial" panose="020B0604020202020204" pitchFamily="34" charset="0"/>
+              </a:rPr>
+              <a:t> </a:t>
+            </a:r>
+            <a:r>
+              <a:rPr lang="en-US" sz="2800" dirty="0" err="1">
+                <a:solidFill>
+                  <a:schemeClr val="tx1">
+                    <a:lumMod val="50000"/>
+                  </a:schemeClr>
+                </a:solidFill>
+                <a:effectLst/>
+                <a:ea typeface="Calibri" panose="020F0502020204030204" pitchFamily="34" charset="0"/>
+                <a:cs typeface="Arial" panose="020B0604020202020204" pitchFamily="34" charset="0"/>
+              </a:rPr>
+              <a:t>cho</a:t>
+            </a:r>
+            <a:r>
+              <a:rPr lang="en-US" sz="2800" dirty="0">
+                <a:solidFill>
+                  <a:schemeClr val="tx1">
+                    <a:lumMod val="50000"/>
+                  </a:schemeClr>
+                </a:solidFill>
+                <a:effectLst/>
+                <a:ea typeface="Calibri" panose="020F0502020204030204" pitchFamily="34" charset="0"/>
+                <a:cs typeface="Arial" panose="020B0604020202020204" pitchFamily="34" charset="0"/>
+              </a:rPr>
+              <a:t> </a:t>
+            </a:r>
+            <a:r>
+              <a:rPr lang="en-US" sz="2800" dirty="0" err="1">
+                <a:solidFill>
+                  <a:schemeClr val="tx1">
+                    <a:lumMod val="50000"/>
+                  </a:schemeClr>
+                </a:solidFill>
+                <a:effectLst/>
+                <a:ea typeface="Calibri" panose="020F0502020204030204" pitchFamily="34" charset="0"/>
+                <a:cs typeface="Arial" panose="020B0604020202020204" pitchFamily="34" charset="0"/>
+              </a:rPr>
+              <a:t>nền</a:t>
+            </a:r>
+            <a:r>
+              <a:rPr lang="en-US" sz="2800" dirty="0">
+                <a:solidFill>
+                  <a:schemeClr val="tx1">
+                    <a:lumMod val="50000"/>
+                  </a:schemeClr>
+                </a:solidFill>
+                <a:effectLst/>
+                <a:ea typeface="Calibri" panose="020F0502020204030204" pitchFamily="34" charset="0"/>
+                <a:cs typeface="Arial" panose="020B0604020202020204" pitchFamily="34" charset="0"/>
+              </a:rPr>
+              <a:t> khoa </a:t>
+            </a:r>
+            <a:r>
+              <a:rPr lang="en-US" sz="2800" dirty="0" err="1">
+                <a:solidFill>
+                  <a:schemeClr val="tx1">
+                    <a:lumMod val="50000"/>
+                  </a:schemeClr>
+                </a:solidFill>
+                <a:effectLst/>
+                <a:ea typeface="Calibri" panose="020F0502020204030204" pitchFamily="34" charset="0"/>
+                <a:cs typeface="Arial" panose="020B0604020202020204" pitchFamily="34" charset="0"/>
+              </a:rPr>
+              <a:t>học</a:t>
+            </a:r>
+            <a:r>
+              <a:rPr lang="en-US" sz="2800" dirty="0">
+                <a:solidFill>
+                  <a:schemeClr val="tx1">
+                    <a:lumMod val="50000"/>
+                  </a:schemeClr>
+                </a:solidFill>
+                <a:effectLst/>
+                <a:ea typeface="Calibri" panose="020F0502020204030204" pitchFamily="34" charset="0"/>
+                <a:cs typeface="Arial" panose="020B0604020202020204" pitchFamily="34" charset="0"/>
+              </a:rPr>
+              <a:t> </a:t>
+            </a:r>
+            <a:r>
+              <a:rPr lang="en-US" sz="2800" dirty="0" err="1">
+                <a:solidFill>
+                  <a:schemeClr val="tx1">
+                    <a:lumMod val="50000"/>
+                  </a:schemeClr>
+                </a:solidFill>
+                <a:effectLst/>
+                <a:ea typeface="Calibri" panose="020F0502020204030204" pitchFamily="34" charset="0"/>
+                <a:cs typeface="Arial" panose="020B0604020202020204" pitchFamily="34" charset="0"/>
+              </a:rPr>
+              <a:t>công</a:t>
+            </a:r>
+            <a:r>
+              <a:rPr lang="en-US" sz="2800" dirty="0">
+                <a:solidFill>
+                  <a:schemeClr val="tx1">
+                    <a:lumMod val="50000"/>
+                  </a:schemeClr>
+                </a:solidFill>
+                <a:effectLst/>
+                <a:ea typeface="Calibri" panose="020F0502020204030204" pitchFamily="34" charset="0"/>
+                <a:cs typeface="Arial" panose="020B0604020202020204" pitchFamily="34" charset="0"/>
+              </a:rPr>
+              <a:t> </a:t>
+            </a:r>
+            <a:r>
+              <a:rPr lang="en-US" sz="2800" dirty="0" err="1">
+                <a:solidFill>
+                  <a:schemeClr val="tx1">
+                    <a:lumMod val="50000"/>
+                  </a:schemeClr>
+                </a:solidFill>
+                <a:effectLst/>
+                <a:ea typeface="Calibri" panose="020F0502020204030204" pitchFamily="34" charset="0"/>
+                <a:cs typeface="Arial" panose="020B0604020202020204" pitchFamily="34" charset="0"/>
+              </a:rPr>
+              <a:t>nghê</a:t>
+            </a:r>
+            <a:r>
+              <a:rPr lang="en-US" sz="2800" dirty="0">
+                <a:solidFill>
+                  <a:schemeClr val="tx1">
+                    <a:lumMod val="50000"/>
+                  </a:schemeClr>
+                </a:solidFill>
+                <a:effectLst/>
+                <a:ea typeface="Calibri" panose="020F0502020204030204" pitchFamily="34" charset="0"/>
+                <a:cs typeface="Arial" panose="020B0604020202020204" pitchFamily="34" charset="0"/>
+              </a:rPr>
+              <a:t>̣ </a:t>
+            </a:r>
+            <a:r>
+              <a:rPr lang="en-US" sz="2800" dirty="0" err="1">
+                <a:solidFill>
+                  <a:schemeClr val="tx1">
+                    <a:lumMod val="50000"/>
+                  </a:schemeClr>
+                </a:solidFill>
+                <a:effectLst/>
+                <a:ea typeface="Calibri" panose="020F0502020204030204" pitchFamily="34" charset="0"/>
+                <a:cs typeface="Arial" panose="020B0604020202020204" pitchFamily="34" charset="0"/>
+              </a:rPr>
+              <a:t>ngày</a:t>
+            </a:r>
+            <a:r>
+              <a:rPr lang="en-US" sz="2800" dirty="0">
+                <a:solidFill>
+                  <a:schemeClr val="tx1">
+                    <a:lumMod val="50000"/>
+                  </a:schemeClr>
+                </a:solidFill>
+                <a:effectLst/>
+                <a:ea typeface="Calibri" panose="020F0502020204030204" pitchFamily="34" charset="0"/>
+                <a:cs typeface="Arial" panose="020B0604020202020204" pitchFamily="34" charset="0"/>
+              </a:rPr>
+              <a:t> </a:t>
+            </a:r>
+            <a:r>
+              <a:rPr lang="en-US" sz="2800" dirty="0" err="1">
+                <a:solidFill>
+                  <a:schemeClr val="tx1">
+                    <a:lumMod val="50000"/>
+                  </a:schemeClr>
+                </a:solidFill>
+                <a:effectLst/>
+                <a:ea typeface="Calibri" panose="020F0502020204030204" pitchFamily="34" charset="0"/>
+                <a:cs typeface="Arial" panose="020B0604020202020204" pitchFamily="34" charset="0"/>
+              </a:rPr>
+              <a:t>càng</a:t>
+            </a:r>
+            <a:r>
+              <a:rPr lang="en-US" sz="2800" dirty="0">
+                <a:solidFill>
+                  <a:schemeClr val="tx1">
+                    <a:lumMod val="50000"/>
+                  </a:schemeClr>
+                </a:solidFill>
+                <a:effectLst/>
+                <a:ea typeface="Calibri" panose="020F0502020204030204" pitchFamily="34" charset="0"/>
+                <a:cs typeface="Arial" panose="020B0604020202020204" pitchFamily="34" charset="0"/>
+              </a:rPr>
+              <a:t> </a:t>
+            </a:r>
+            <a:r>
+              <a:rPr lang="en-US" sz="2800" dirty="0" err="1">
+                <a:solidFill>
+                  <a:schemeClr val="tx1">
+                    <a:lumMod val="50000"/>
+                  </a:schemeClr>
+                </a:solidFill>
+                <a:effectLst/>
+                <a:ea typeface="Calibri" panose="020F0502020204030204" pitchFamily="34" charset="0"/>
+                <a:cs typeface="Arial" panose="020B0604020202020204" pitchFamily="34" charset="0"/>
+              </a:rPr>
+              <a:t>tiên</a:t>
+            </a:r>
+            <a:r>
+              <a:rPr lang="en-US" sz="2800" dirty="0">
+                <a:solidFill>
+                  <a:schemeClr val="tx1">
+                    <a:lumMod val="50000"/>
+                  </a:schemeClr>
+                </a:solidFill>
+                <a:effectLst/>
+                <a:ea typeface="Calibri" panose="020F0502020204030204" pitchFamily="34" charset="0"/>
+                <a:cs typeface="Arial" panose="020B0604020202020204" pitchFamily="34" charset="0"/>
+              </a:rPr>
+              <a:t> </a:t>
+            </a:r>
+            <a:r>
+              <a:rPr lang="en-US" sz="2800" dirty="0" err="1">
+                <a:solidFill>
+                  <a:schemeClr val="tx1">
+                    <a:lumMod val="50000"/>
+                  </a:schemeClr>
+                </a:solidFill>
+                <a:effectLst/>
+                <a:ea typeface="Calibri" panose="020F0502020204030204" pitchFamily="34" charset="0"/>
+                <a:cs typeface="Arial" panose="020B0604020202020204" pitchFamily="34" charset="0"/>
+              </a:rPr>
+              <a:t>tiến</a:t>
+            </a:r>
+            <a:r>
+              <a:rPr lang="en-US" sz="2800" dirty="0">
+                <a:solidFill>
+                  <a:schemeClr val="tx1">
+                    <a:lumMod val="50000"/>
+                  </a:schemeClr>
+                </a:solidFill>
+                <a:effectLst/>
+                <a:ea typeface="Calibri" panose="020F0502020204030204" pitchFamily="34" charset="0"/>
+                <a:cs typeface="Arial" panose="020B0604020202020204" pitchFamily="34" charset="0"/>
+              </a:rPr>
+              <a:t> </a:t>
+            </a:r>
+            <a:r>
+              <a:rPr lang="en-US" sz="2800" dirty="0" err="1">
+                <a:solidFill>
+                  <a:schemeClr val="tx1">
+                    <a:lumMod val="50000"/>
+                  </a:schemeClr>
+                </a:solidFill>
+                <a:effectLst/>
+                <a:ea typeface="Calibri" panose="020F0502020204030204" pitchFamily="34" charset="0"/>
+                <a:cs typeface="Arial" panose="020B0604020202020204" pitchFamily="34" charset="0"/>
+              </a:rPr>
+              <a:t>hơn</a:t>
+            </a:r>
+            <a:r>
+              <a:rPr lang="en-US" sz="2800" dirty="0">
+                <a:solidFill>
+                  <a:schemeClr val="tx1">
+                    <a:lumMod val="50000"/>
+                  </a:schemeClr>
+                </a:solidFill>
+                <a:effectLst/>
+                <a:ea typeface="Calibri" panose="020F0502020204030204" pitchFamily="34" charset="0"/>
+                <a:cs typeface="Arial" panose="020B0604020202020204" pitchFamily="34" charset="0"/>
+              </a:rPr>
+              <a:t>.  </a:t>
+            </a:r>
+          </a:p>
+          <a:p>
+            <a:pPr>
+              <a:lnSpc>
+                <a:spcPct val="107000"/>
+              </a:lnSpc>
+              <a:spcBef>
+                <a:spcPts val="0"/>
+              </a:spcBef>
+              <a:spcAft>
+                <a:spcPts val="600"/>
+              </a:spcAft>
+            </a:pPr>
+            <a:r>
+              <a:rPr lang="en-US" sz="2800" b="1" dirty="0">
+                <a:solidFill>
+                  <a:srgbClr val="F7F7F7"/>
+                </a:solidFill>
+                <a:effectLst/>
+                <a:latin typeface="SF Pro Semibold"/>
+                <a:ea typeface="Calibri" panose="020F0502020204030204" pitchFamily="34" charset="0"/>
+              </a:rPr>
+              <a:t>.</a:t>
+            </a:r>
+          </a:p>
+          <a:p>
+            <a:pPr marR="0">
+              <a:lnSpc>
+                <a:spcPct val="107000"/>
+              </a:lnSpc>
+              <a:spcBef>
+                <a:spcPts val="0"/>
+              </a:spcBef>
+              <a:spcAft>
+                <a:spcPts val="600"/>
+              </a:spcAft>
+            </a:pPr>
+            <a:endParaRPr lang="en-US" sz="2800" kern="100" dirty="0">
+              <a:solidFill>
+                <a:schemeClr val="tx1">
+                  <a:lumMod val="50000"/>
+                </a:schemeClr>
+              </a:solidFill>
+              <a:effectLst/>
+              <a:ea typeface="Times New Roman" panose="02020603050405020304" pitchFamily="18" charset="0"/>
+              <a:cs typeface="Arial" panose="020B0604020202020204" pitchFamily="34" charset="0"/>
+            </a:endParaRPr>
+          </a:p>
+          <a:p>
+            <a:pPr marR="0">
+              <a:lnSpc>
+                <a:spcPct val="107000"/>
+              </a:lnSpc>
+              <a:spcBef>
+                <a:spcPts val="0"/>
+              </a:spcBef>
+              <a:spcAft>
+                <a:spcPts val="600"/>
+              </a:spcAft>
+            </a:pPr>
+            <a:r>
+              <a:rPr lang="en-US" sz="2800" kern="100" dirty="0">
+                <a:solidFill>
+                  <a:schemeClr val="tx1">
+                    <a:lumMod val="50000"/>
+                  </a:schemeClr>
+                </a:solidFill>
+                <a:ea typeface="Times New Roman" panose="02020603050405020304" pitchFamily="18" charset="0"/>
+                <a:cs typeface="Arial" panose="020B0604020202020204" pitchFamily="34" charset="0"/>
+              </a:rPr>
+              <a:t>  </a:t>
+            </a:r>
+            <a:endParaRPr lang="en-US" sz="2800" kern="100" dirty="0">
+              <a:solidFill>
+                <a:schemeClr val="tx1">
+                  <a:lumMod val="50000"/>
+                </a:schemeClr>
+              </a:solidFill>
+              <a:effectLst/>
+              <a:ea typeface="Times New Roman" panose="02020603050405020304" pitchFamily="18" charset="0"/>
+              <a:cs typeface="Arial" panose="020B0604020202020204" pitchFamily="34" charset="0"/>
+            </a:endParaRPr>
+          </a:p>
+          <a:p>
+            <a:pPr marR="0">
+              <a:lnSpc>
+                <a:spcPct val="107000"/>
+              </a:lnSpc>
+              <a:spcBef>
+                <a:spcPts val="0"/>
+              </a:spcBef>
+              <a:spcAft>
+                <a:spcPts val="600"/>
+              </a:spcAft>
+            </a:pPr>
+            <a:endParaRPr lang="en-US" sz="2800" kern="100" dirty="0">
+              <a:solidFill>
+                <a:schemeClr val="tx1">
+                  <a:lumMod val="50000"/>
+                </a:schemeClr>
+              </a:solidFill>
+              <a:ea typeface="Times New Roman" panose="02020603050405020304" pitchFamily="18" charset="0"/>
+              <a:cs typeface="Arial" panose="020B0604020202020204" pitchFamily="34" charset="0"/>
+            </a:endParaRPr>
+          </a:p>
+          <a:p>
+            <a:pPr marR="0">
+              <a:lnSpc>
+                <a:spcPct val="107000"/>
+              </a:lnSpc>
+              <a:spcBef>
+                <a:spcPts val="0"/>
+              </a:spcBef>
+              <a:spcAft>
+                <a:spcPts val="600"/>
+              </a:spcAft>
+            </a:pPr>
+            <a:endParaRPr lang="en-US" sz="2800" kern="100" dirty="0">
+              <a:solidFill>
+                <a:schemeClr val="tx1">
+                  <a:lumMod val="50000"/>
+                </a:schemeClr>
+              </a:solidFill>
+              <a:effectLst/>
+              <a:ea typeface="Times New Roman" panose="02020603050405020304" pitchFamily="18" charset="0"/>
+              <a:cs typeface="Arial" panose="020B0604020202020204" pitchFamily="34" charset="0"/>
+            </a:endParaRPr>
+          </a:p>
+          <a:p>
+            <a:pPr marL="0" marR="0">
+              <a:lnSpc>
+                <a:spcPct val="107000"/>
+              </a:lnSpc>
+              <a:spcBef>
+                <a:spcPts val="0"/>
+              </a:spcBef>
+              <a:spcAft>
+                <a:spcPts val="600"/>
+              </a:spcAft>
+            </a:pPr>
+            <a:endParaRPr lang="en-US" sz="2800" dirty="0">
+              <a:solidFill>
+                <a:schemeClr val="tx1">
+                  <a:lumMod val="50000"/>
+                </a:schemeClr>
+              </a:solidFill>
+              <a:effectLst/>
+              <a:ea typeface="Calibri" panose="020F0502020204030204" pitchFamily="34" charset="0"/>
+              <a:cs typeface="Arial" panose="020B0604020202020204" pitchFamily="34" charset="0"/>
+            </a:endParaRPr>
+          </a:p>
+          <a:p>
+            <a:pPr marL="0" marR="0">
+              <a:lnSpc>
+                <a:spcPct val="107000"/>
+              </a:lnSpc>
+              <a:spcBef>
+                <a:spcPts val="0"/>
+              </a:spcBef>
+              <a:spcAft>
+                <a:spcPts val="600"/>
+              </a:spcAft>
+            </a:pPr>
+            <a:br>
+              <a:rPr lang="en-US" sz="2800" dirty="0">
+                <a:solidFill>
+                  <a:schemeClr val="tx1">
+                    <a:lumMod val="50000"/>
+                  </a:schemeClr>
+                </a:solidFill>
+                <a:effectLst/>
+                <a:ea typeface="Calibri" panose="020F0502020204030204" pitchFamily="34" charset="0"/>
+                <a:cs typeface="Arial" panose="020B0604020202020204" pitchFamily="34" charset="0"/>
+              </a:rPr>
+            </a:br>
+            <a:endParaRPr lang="en-US" sz="2800" dirty="0">
+              <a:solidFill>
+                <a:schemeClr val="tx1">
+                  <a:lumMod val="50000"/>
+                </a:schemeClr>
+              </a:solidFill>
+              <a:ea typeface="SF Pro Semibold" pitchFamily="2" charset="0"/>
+              <a:cs typeface="Arial" panose="020B0604020202020204" pitchFamily="34" charset="0"/>
+            </a:endParaRPr>
+          </a:p>
+        </p:txBody>
+      </p:sp>
+      <p:sp>
+        <p:nvSpPr>
+          <p:cNvPr id="8" name="Oval 7"/>
+          <p:cNvSpPr>
+            <a:spLocks noChangeAspect="1"/>
+          </p:cNvSpPr>
+          <p:nvPr/>
+        </p:nvSpPr>
+        <p:spPr>
+          <a:xfrm>
+            <a:off x="8453329" y="6164664"/>
+            <a:ext cx="693336" cy="693336"/>
+          </a:xfrm>
+          <a:prstGeom prst="ellipse">
+            <a:avLst/>
+          </a:prstGeom>
+          <a:solidFill>
+            <a:schemeClr val="bg1"/>
+          </a:solidFill>
+          <a:ln>
+            <a:solidFill>
+              <a:srgbClr val="FF0000"/>
+            </a:solidFill>
+          </a:ln>
+        </p:spPr>
+        <p:style>
+          <a:lnRef idx="2">
+            <a:schemeClr val="accent1">
+              <a:shade val="50000"/>
+            </a:schemeClr>
+          </a:lnRef>
+          <a:fillRef idx="1">
+            <a:schemeClr val="accent1"/>
+          </a:fillRef>
+          <a:effectRef idx="0">
+            <a:schemeClr val="accent1"/>
+          </a:effectRef>
+          <a:fontRef idx="minor">
+            <a:schemeClr val="lt1"/>
+          </a:fontRef>
+        </p:style>
+        <p:txBody>
+          <a:bodyPr rtlCol="0" anchor="ctr"/>
+          <a:lstStyle/>
+          <a:p>
+            <a:pPr algn="ctr"/>
+            <a:r>
+              <a:rPr lang="en-US" dirty="0">
+                <a:solidFill>
+                  <a:srgbClr val="FF0000"/>
+                </a:solidFill>
+              </a:rPr>
+              <a:t>20</a:t>
+            </a:r>
+          </a:p>
+        </p:txBody>
+      </p:sp>
+    </p:spTree>
+    <p:extLst>
+      <p:ext uri="{BB962C8B-B14F-4D97-AF65-F5344CB8AC3E}">
+        <p14:creationId xmlns:p14="http://schemas.microsoft.com/office/powerpoint/2010/main" val="3762900650"/>
+      </p:ext>
+    </p:extLst>
+  </p:cSld>
+  <p:clrMapOvr>
+    <a:masterClrMapping/>
+  </p:clrMapOvr>
+  <p:transition spd="slow">
+    <p:pull/>
+  </p:transition>
+</p:sld>
+</file>
+
+<file path=ppt/slides/slide21.xml><?xml version="1.0" encoding="utf-8"?>
+<p:sld xmlns:a="http://schemas.openxmlformats.org/drawingml/2006/main" xmlns:r="http://schemas.openxmlformats.org/officeDocument/2006/relationships" xmlns:p="http://schemas.openxmlformats.org/presentationml/2006/main">
+  <p:cSld>
+    <p:spTree>
+      <p:nvGrpSpPr>
+        <p:cNvPr id="1" name=""/>
+        <p:cNvGrpSpPr/>
+        <p:nvPr/>
+      </p:nvGrpSpPr>
+      <p:grpSpPr>
+        <a:xfrm>
+          <a:off x="0" y="0"/>
+          <a:ext cx="0" cy="0"/>
+          <a:chOff x="0" y="0"/>
+          <a:chExt cx="0" cy="0"/>
+        </a:xfrm>
+      </p:grpSpPr>
+      <p:sp>
+        <p:nvSpPr>
+          <p:cNvPr id="10" name="TextBox 9">
+            <a:hlinkClick r:id="rId2"/>
+          </p:cNvPr>
+          <p:cNvSpPr txBox="1"/>
+          <p:nvPr/>
+        </p:nvSpPr>
+        <p:spPr>
+          <a:xfrm>
+            <a:off x="703384" y="1121254"/>
+            <a:ext cx="8169310" cy="577850"/>
+          </a:xfrm>
+          <a:prstGeom prst="rect">
+            <a:avLst/>
+          </a:prstGeom>
+          <a:noFill/>
+        </p:spPr>
+        <p:txBody>
+          <a:bodyPr wrap="square">
+            <a:spAutoFit/>
+          </a:bodyPr>
+          <a:lstStyle/>
+          <a:p>
+            <a:pPr marL="457200" indent="-457200">
+              <a:lnSpc>
+                <a:spcPct val="150000"/>
+              </a:lnSpc>
+              <a:buFont typeface="Wingdings" panose="05000000000000000000" pitchFamily="2" charset="2"/>
+              <a:buChar char="Ø"/>
+            </a:pPr>
+            <a:r>
+              <a:rPr lang="en-US" sz="2400" dirty="0">
+                <a:ea typeface="SF Pro Semibold" pitchFamily="2" charset="0"/>
+                <a:cs typeface="Arial" panose="020B0604020202020204" pitchFamily="34" charset="0"/>
+              </a:rPr>
+              <a:t>https://en.wikipedia.org/wiki/Facial_recognition_system</a:t>
+            </a:r>
+          </a:p>
+        </p:txBody>
+      </p:sp>
+      <p:sp>
+        <p:nvSpPr>
+          <p:cNvPr id="9" name="Rectangle 8"/>
+          <p:cNvSpPr/>
+          <p:nvPr/>
+        </p:nvSpPr>
+        <p:spPr>
+          <a:xfrm>
+            <a:off x="8470760" y="6350556"/>
+            <a:ext cx="693336" cy="567732"/>
+          </a:xfrm>
+          <a:prstGeom prst="rect">
+            <a:avLst/>
+          </a:prstGeom>
+          <a:solidFill>
+            <a:schemeClr val="bg1"/>
+          </a:solidFill>
+          <a:ln>
+            <a:noFill/>
+          </a:ln>
+        </p:spPr>
+        <p:style>
+          <a:lnRef idx="2">
+            <a:schemeClr val="accent1">
+              <a:shade val="50000"/>
+            </a:schemeClr>
+          </a:lnRef>
+          <a:fillRef idx="1">
+            <a:schemeClr val="accent1"/>
+          </a:fillRef>
+          <a:effectRef idx="0">
+            <a:schemeClr val="accent1"/>
+          </a:effectRef>
+          <a:fontRef idx="minor">
+            <a:schemeClr val="lt1"/>
+          </a:fontRef>
+        </p:style>
+        <p:txBody>
+          <a:bodyPr rtlCol="0" anchor="ctr"/>
+          <a:lstStyle/>
+          <a:p>
+            <a:pPr algn="ctr"/>
+            <a:endParaRPr lang="en-US"/>
+          </a:p>
+        </p:txBody>
+      </p:sp>
+      <p:sp>
+        <p:nvSpPr>
+          <p:cNvPr id="5" name="TextBox 4"/>
+          <p:cNvSpPr txBox="1"/>
+          <p:nvPr/>
+        </p:nvSpPr>
+        <p:spPr>
+          <a:xfrm>
+            <a:off x="521852" y="315311"/>
+            <a:ext cx="7318029" cy="584775"/>
+          </a:xfrm>
+          <a:prstGeom prst="rect">
+            <a:avLst/>
+          </a:prstGeom>
+          <a:noFill/>
+        </p:spPr>
+        <p:txBody>
+          <a:bodyPr wrap="none" rtlCol="0">
+            <a:spAutoFit/>
+          </a:bodyPr>
+          <a:lstStyle/>
+          <a:p>
+            <a:r>
+              <a:rPr lang="en-US" sz="3200" b="1">
+                <a:solidFill>
+                  <a:schemeClr val="bg1"/>
+                </a:solidFill>
+                <a:latin typeface="+mj-lt"/>
+              </a:rPr>
+              <a:t>CÁC TRANG TÀI LIỆU THAM KHẢO. </a:t>
+            </a:r>
+          </a:p>
+        </p:txBody>
+      </p:sp>
+      <p:sp>
+        <p:nvSpPr>
+          <p:cNvPr id="6" name="TextBox 5"/>
+          <p:cNvSpPr txBox="1"/>
+          <p:nvPr/>
+        </p:nvSpPr>
+        <p:spPr>
+          <a:xfrm>
+            <a:off x="3247697" y="2406869"/>
+            <a:ext cx="184731" cy="369332"/>
+          </a:xfrm>
+          <a:prstGeom prst="rect">
+            <a:avLst/>
+          </a:prstGeom>
+          <a:noFill/>
+        </p:spPr>
+        <p:txBody>
+          <a:bodyPr wrap="none" rtlCol="0">
+            <a:spAutoFit/>
+          </a:bodyPr>
+          <a:lstStyle/>
+          <a:p>
+            <a:endParaRPr lang="en-US"/>
+          </a:p>
+        </p:txBody>
+      </p:sp>
+      <p:pic>
+        <p:nvPicPr>
+          <p:cNvPr id="12" name="Picture 11"/>
+          <p:cNvPicPr/>
+          <p:nvPr/>
+        </p:nvPicPr>
+        <p:blipFill>
+          <a:blip r:embed="rId3"/>
+          <a:stretch>
+            <a:fillRect/>
+          </a:stretch>
+        </p:blipFill>
+        <p:spPr>
+          <a:xfrm>
+            <a:off x="-39267" y="6350556"/>
+            <a:ext cx="576000" cy="1236543"/>
+          </a:xfrm>
+          <a:prstGeom prst="rect">
+            <a:avLst/>
+          </a:prstGeom>
+        </p:spPr>
+      </p:pic>
+      <p:sp>
+        <p:nvSpPr>
+          <p:cNvPr id="17" name="TextBox 16">
+            <a:hlinkClick r:id="rId4"/>
+          </p:cNvPr>
+          <p:cNvSpPr txBox="1"/>
+          <p:nvPr/>
+        </p:nvSpPr>
+        <p:spPr>
+          <a:xfrm>
+            <a:off x="703384" y="2406869"/>
+            <a:ext cx="8169310" cy="2239844"/>
+          </a:xfrm>
+          <a:prstGeom prst="rect">
+            <a:avLst/>
+          </a:prstGeom>
+          <a:noFill/>
+        </p:spPr>
+        <p:txBody>
+          <a:bodyPr wrap="square">
+            <a:spAutoFit/>
+          </a:bodyPr>
+          <a:lstStyle/>
+          <a:p>
+            <a:pPr marL="457200" indent="-457200">
+              <a:lnSpc>
+                <a:spcPct val="150000"/>
+              </a:lnSpc>
+              <a:buFont typeface="Wingdings" panose="05000000000000000000" pitchFamily="2" charset="2"/>
+              <a:buChar char="Ø"/>
+            </a:pPr>
+            <a:r>
+              <a:rPr lang="en-US" sz="2400" dirty="0">
+                <a:ea typeface="SF Pro Semibold" pitchFamily="2" charset="0"/>
+                <a:cs typeface="Arial" panose="020B0604020202020204" pitchFamily="34" charset="0"/>
+              </a:rPr>
+              <a:t>https://this.deakin.edu.au/innovation/facial-recognition-id-how-safe-is-your-face#:~:text=It's%20not%20relatively%20more%20secure,your%20phone%20using%20Face%20ID.</a:t>
+            </a:r>
+          </a:p>
+        </p:txBody>
+      </p:sp>
+      <p:sp>
+        <p:nvSpPr>
+          <p:cNvPr id="18" name="TextBox 17">
+            <a:hlinkClick r:id="rId5"/>
+          </p:cNvPr>
+          <p:cNvSpPr txBox="1"/>
+          <p:nvPr/>
+        </p:nvSpPr>
+        <p:spPr>
+          <a:xfrm>
+            <a:off x="703384" y="5431031"/>
+            <a:ext cx="8169310" cy="1131848"/>
+          </a:xfrm>
+          <a:prstGeom prst="rect">
+            <a:avLst/>
+          </a:prstGeom>
+          <a:noFill/>
+        </p:spPr>
+        <p:txBody>
+          <a:bodyPr wrap="square">
+            <a:spAutoFit/>
+          </a:bodyPr>
+          <a:lstStyle/>
+          <a:p>
+            <a:pPr marL="457200" indent="-457200">
+              <a:lnSpc>
+                <a:spcPct val="150000"/>
+              </a:lnSpc>
+              <a:buFont typeface="Wingdings" panose="05000000000000000000" pitchFamily="2" charset="2"/>
+              <a:buChar char="Ø"/>
+            </a:pPr>
+            <a:r>
+              <a:rPr lang="en-US" sz="2400" dirty="0">
+                <a:ea typeface="SF Pro Semibold" pitchFamily="2" charset="0"/>
+                <a:cs typeface="Arial" panose="020B0604020202020204" pitchFamily="34" charset="0"/>
+              </a:rPr>
+              <a:t>https://senstar.com/senstarpedia/pros-and-cons-of-facial-recognition/</a:t>
+            </a:r>
+          </a:p>
+        </p:txBody>
+      </p:sp>
+      <p:sp>
+        <p:nvSpPr>
+          <p:cNvPr id="2" name="Oval 1">
+            <a:extLst>
+              <a:ext uri="{FF2B5EF4-FFF2-40B4-BE49-F238E27FC236}">
+                <a16:creationId xmlns:a16="http://schemas.microsoft.com/office/drawing/2014/main" id="{0CB26D73-60E7-598D-E126-BAD3B058B6AE}"/>
+              </a:ext>
+            </a:extLst>
+          </p:cNvPr>
+          <p:cNvSpPr/>
+          <p:nvPr/>
+        </p:nvSpPr>
+        <p:spPr>
+          <a:xfrm>
+            <a:off x="8368362" y="6155703"/>
+            <a:ext cx="735236" cy="702297"/>
+          </a:xfrm>
+          <a:prstGeom prst="ellipse">
+            <a:avLst/>
+          </a:prstGeom>
+          <a:solidFill>
+            <a:schemeClr val="bg1"/>
+          </a:solidFill>
+          <a:ln>
+            <a:solidFill>
+              <a:srgbClr val="FF0000"/>
+            </a:solidFill>
+          </a:ln>
+        </p:spPr>
+        <p:style>
+          <a:lnRef idx="2">
+            <a:schemeClr val="accent1">
+              <a:shade val="15000"/>
+            </a:schemeClr>
+          </a:lnRef>
+          <a:fillRef idx="1">
+            <a:schemeClr val="accent1"/>
+          </a:fillRef>
+          <a:effectRef idx="0">
+            <a:schemeClr val="accent1"/>
+          </a:effectRef>
+          <a:fontRef idx="minor">
+            <a:schemeClr val="lt1"/>
+          </a:fontRef>
+        </p:style>
+        <p:txBody>
+          <a:bodyPr rtlCol="0" anchor="ctr"/>
+          <a:lstStyle/>
+          <a:p>
+            <a:pPr algn="ctr"/>
+            <a:r>
+              <a:rPr lang="en-US" dirty="0">
+                <a:solidFill>
+                  <a:srgbClr val="FF0000"/>
+                </a:solidFill>
+              </a:rPr>
+              <a:t>21</a:t>
+            </a:r>
+          </a:p>
+        </p:txBody>
+      </p:sp>
+    </p:spTree>
+  </p:cSld>
+  <p:clrMapOvr>
+    <a:masterClrMapping/>
+  </p:clrMapOvr>
+  <p:transition spd="slow">
+    <p:pull/>
+  </p:transition>
+</p:sld>
+</file>
+
+<file path=ppt/slides/slide22.xml><?xml version="1.0" encoding="utf-8"?>
+<p:sld xmlns:a="http://schemas.openxmlformats.org/drawingml/2006/main" xmlns:r="http://schemas.openxmlformats.org/officeDocument/2006/relationships" xmlns:p="http://schemas.openxmlformats.org/presentationml/2006/main">
+  <p:cSld>
+    <p:spTree>
+      <p:nvGrpSpPr>
+        <p:cNvPr id="1" name=""/>
+        <p:cNvGrpSpPr/>
+        <p:nvPr/>
+      </p:nvGrpSpPr>
+      <p:grpSpPr>
+        <a:xfrm>
+          <a:off x="0" y="0"/>
+          <a:ext cx="0" cy="0"/>
+          <a:chOff x="0" y="0"/>
+          <a:chExt cx="0" cy="0"/>
+        </a:xfrm>
+      </p:grpSpPr>
+      <p:sp>
+        <p:nvSpPr>
+          <p:cNvPr id="9" name="Rectangle 8"/>
+          <p:cNvSpPr/>
+          <p:nvPr/>
+        </p:nvSpPr>
+        <p:spPr>
+          <a:xfrm>
+            <a:off x="8470760" y="6350556"/>
+            <a:ext cx="693336" cy="567732"/>
+          </a:xfrm>
+          <a:prstGeom prst="rect">
+            <a:avLst/>
+          </a:prstGeom>
+          <a:solidFill>
+            <a:schemeClr val="bg1"/>
+          </a:solidFill>
+          <a:ln>
+            <a:noFill/>
+          </a:ln>
+        </p:spPr>
+        <p:style>
+          <a:lnRef idx="2">
+            <a:schemeClr val="accent1">
+              <a:shade val="50000"/>
+            </a:schemeClr>
+          </a:lnRef>
+          <a:fillRef idx="1">
+            <a:schemeClr val="accent1"/>
+          </a:fillRef>
+          <a:effectRef idx="0">
+            <a:schemeClr val="accent1"/>
+          </a:effectRef>
+          <a:fontRef idx="minor">
+            <a:schemeClr val="lt1"/>
+          </a:fontRef>
+        </p:style>
+        <p:txBody>
+          <a:bodyPr rtlCol="0" anchor="ctr"/>
+          <a:lstStyle/>
+          <a:p>
+            <a:pPr algn="ctr"/>
+            <a:endParaRPr lang="en-US"/>
+          </a:p>
+        </p:txBody>
+      </p:sp>
+      <p:sp>
+        <p:nvSpPr>
+          <p:cNvPr id="5" name="TextBox 4"/>
+          <p:cNvSpPr txBox="1"/>
+          <p:nvPr/>
+        </p:nvSpPr>
+        <p:spPr>
+          <a:xfrm>
+            <a:off x="521852" y="315311"/>
+            <a:ext cx="2486578" cy="584775"/>
+          </a:xfrm>
+          <a:prstGeom prst="rect">
+            <a:avLst/>
+          </a:prstGeom>
+          <a:noFill/>
+        </p:spPr>
+        <p:txBody>
+          <a:bodyPr wrap="none" rtlCol="0">
+            <a:spAutoFit/>
+          </a:bodyPr>
+          <a:lstStyle/>
+          <a:p>
+            <a:r>
+              <a:rPr lang="en-US" sz="3200" b="1">
+                <a:solidFill>
+                  <a:schemeClr val="bg1"/>
+                </a:solidFill>
+                <a:latin typeface="+mj-lt"/>
+              </a:rPr>
+              <a:t>KẾT THÚC. </a:t>
+            </a:r>
+          </a:p>
+        </p:txBody>
+      </p:sp>
+      <p:sp>
+        <p:nvSpPr>
+          <p:cNvPr id="6" name="TextBox 5"/>
+          <p:cNvSpPr txBox="1"/>
+          <p:nvPr/>
+        </p:nvSpPr>
+        <p:spPr>
+          <a:xfrm>
+            <a:off x="3247697" y="2406869"/>
+            <a:ext cx="184731" cy="369332"/>
+          </a:xfrm>
+          <a:prstGeom prst="rect">
+            <a:avLst/>
+          </a:prstGeom>
+          <a:noFill/>
+        </p:spPr>
+        <p:txBody>
+          <a:bodyPr wrap="none" rtlCol="0">
+            <a:spAutoFit/>
+          </a:bodyPr>
+          <a:lstStyle/>
+          <a:p>
+            <a:endParaRPr lang="en-US"/>
+          </a:p>
+        </p:txBody>
+      </p:sp>
+      <p:pic>
+        <p:nvPicPr>
+          <p:cNvPr id="12" name="Picture 11"/>
+          <p:cNvPicPr/>
+          <p:nvPr/>
+        </p:nvPicPr>
+        <p:blipFill>
+          <a:blip r:embed="rId2"/>
+          <a:stretch>
+            <a:fillRect/>
+          </a:stretch>
+        </p:blipFill>
+        <p:spPr>
+          <a:xfrm>
+            <a:off x="-39267" y="6350556"/>
+            <a:ext cx="576000" cy="1236543"/>
+          </a:xfrm>
+          <a:prstGeom prst="rect">
+            <a:avLst/>
+          </a:prstGeom>
+        </p:spPr>
+      </p:pic>
+      <p:pic>
+        <p:nvPicPr>
+          <p:cNvPr id="15" name="Picture 14"/>
+          <p:cNvPicPr>
+            <a:picLocks noChangeAspect="1"/>
+          </p:cNvPicPr>
+          <p:nvPr/>
+        </p:nvPicPr>
+        <p:blipFill>
+          <a:blip r:embed="rId3"/>
+          <a:stretch>
+            <a:fillRect/>
+          </a:stretch>
+        </p:blipFill>
+        <p:spPr>
+          <a:xfrm>
+            <a:off x="616298" y="1843253"/>
+            <a:ext cx="8439889" cy="3235291"/>
+          </a:xfrm>
+          <a:prstGeom prst="rect">
+            <a:avLst/>
+          </a:prstGeom>
+        </p:spPr>
+      </p:pic>
     </p:spTree>
   </p:cSld>
   <p:clrMapOvr>

--- a/BÀI THUYẾT TRÌNH MẪU.pptx
+++ b/BÀI THUYẾT TRÌNH MẪU.pptx
@@ -9807,7 +9807,7 @@
         <p:spPr>
           <a:xfrm>
             <a:off x="703384" y="1121261"/>
-            <a:ext cx="8169310" cy="3028714"/>
+            <a:ext cx="8169310" cy="3890489"/>
           </a:xfrm>
           <a:prstGeom prst="rect">
             <a:avLst/>
@@ -9860,6 +9860,9 @@
           </a:p>
           <a:p>
             <a:pPr marL="457200" indent="-457200">
+              <a:lnSpc>
+                <a:spcPct val="150000"/>
+              </a:lnSpc>
               <a:buFont typeface="Wingdings" panose="05000000000000000000" pitchFamily="2" charset="2"/>
               <a:buChar char="ü"/>
             </a:pPr>
@@ -10295,6 +10298,9 @@
           </a:p>
           <a:p>
             <a:pPr marL="457200" indent="-457200">
+              <a:lnSpc>
+                <a:spcPct val="150000"/>
+              </a:lnSpc>
               <a:buFont typeface="Wingdings" panose="05000000000000000000" pitchFamily="2" charset="2"/>
               <a:buChar char="ü"/>
             </a:pPr>
@@ -10856,7 +10862,7 @@
         <p:spPr>
           <a:xfrm>
             <a:off x="703384" y="1121261"/>
-            <a:ext cx="8169310" cy="8005910"/>
+            <a:ext cx="8169310" cy="8932445"/>
           </a:xfrm>
           <a:prstGeom prst="rect">
             <a:avLst/>
@@ -10910,7 +10916,7 @@
           <a:p>
             <a:pPr marL="457200" marR="0" indent="-457200">
               <a:lnSpc>
-                <a:spcPct val="107000"/>
+                <a:spcPct val="150000"/>
               </a:lnSpc>
               <a:spcBef>
                 <a:spcPts val="0"/>
@@ -11142,7 +11148,7 @@
           <a:p>
             <a:pPr marL="457200" marR="0" indent="-457200">
               <a:lnSpc>
-                <a:spcPct val="107000"/>
+                <a:spcPct val="150000"/>
               </a:lnSpc>
               <a:spcBef>
                 <a:spcPts val="0"/>
@@ -11417,7 +11423,7 @@
           <a:p>
             <a:pPr marL="457200" indent="-457200">
               <a:lnSpc>
-                <a:spcPct val="107000"/>
+                <a:spcPct val="150000"/>
               </a:lnSpc>
               <a:spcBef>
                 <a:spcPts val="0"/>
@@ -11640,7 +11646,7 @@
           <a:p>
             <a:pPr marL="457200" indent="-457200">
               <a:lnSpc>
-                <a:spcPct val="107000"/>
+                <a:spcPct val="150000"/>
               </a:lnSpc>
               <a:spcBef>
                 <a:spcPts val="0"/>
@@ -13207,7 +13213,7 @@
         <p:spPr>
           <a:xfrm>
             <a:off x="703384" y="1121261"/>
-            <a:ext cx="8169310" cy="7589770"/>
+            <a:ext cx="8169310" cy="9072227"/>
           </a:xfrm>
           <a:prstGeom prst="rect">
             <a:avLst/>
@@ -13222,7 +13228,7 @@
           <a:p>
             <a:pPr marL="457200" indent="-457200">
               <a:lnSpc>
-                <a:spcPct val="107000"/>
+                <a:spcPct val="150000"/>
               </a:lnSpc>
               <a:spcBef>
                 <a:spcPts val="0"/>
@@ -13288,7 +13294,7 @@
           <a:p>
             <a:pPr marL="457200" indent="-457200">
               <a:lnSpc>
-                <a:spcPct val="107000"/>
+                <a:spcPct val="150000"/>
               </a:lnSpc>
               <a:spcBef>
                 <a:spcPts val="0"/>
@@ -14473,7 +14479,7 @@
           <a:p>
             <a:pPr>
               <a:lnSpc>
-                <a:spcPct val="107000"/>
+                <a:spcPct val="150000"/>
               </a:lnSpc>
               <a:spcBef>
                 <a:spcPts val="0"/>

--- a/BÀI THUYẾT TRÌNH MẪU.pptx
+++ b/BÀI THUYẾT TRÌNH MẪU.pptx
@@ -9195,7 +9195,7 @@
         <p:spPr>
           <a:xfrm>
             <a:off x="703384" y="1121254"/>
-            <a:ext cx="8169310" cy="1305165"/>
+            <a:ext cx="8169310" cy="1224181"/>
           </a:xfrm>
           <a:prstGeom prst="rect">
             <a:avLst/>
@@ -9255,7 +9255,7 @@
               <a:buChar char="ü"/>
             </a:pPr>
             <a:r>
-              <a:rPr lang="en-US" sz="2800" dirty="0" err="1">
+              <a:rPr lang="en-US" sz="2400" dirty="0" err="1">
                 <a:solidFill>
                   <a:schemeClr val="tx1">
                     <a:lumMod val="50000"/>
@@ -9267,19 +9267,19 @@
               <a:t>Cộng</a:t>
             </a:r>
             <a:r>
-              <a:rPr lang="en-US" sz="2800" dirty="0">
-                <a:solidFill>
-                  <a:schemeClr val="tx1">
-                    <a:lumMod val="50000"/>
-                  </a:schemeClr>
-                </a:solidFill>
-                <a:ea typeface="SF Pro Semibold" pitchFamily="2" charset="0"/>
-                <a:cs typeface="Arial" panose="020B0604020202020204" pitchFamily="34" charset="0"/>
-              </a:rPr>
-              <a:t> </a:t>
-            </a:r>
-            <a:r>
-              <a:rPr lang="en-US" sz="2800" dirty="0" err="1">
+              <a:rPr lang="en-US" sz="2400" dirty="0">
+                <a:solidFill>
+                  <a:schemeClr val="tx1">
+                    <a:lumMod val="50000"/>
+                  </a:schemeClr>
+                </a:solidFill>
+                <a:ea typeface="SF Pro Semibold" pitchFamily="2" charset="0"/>
+                <a:cs typeface="Arial" panose="020B0604020202020204" pitchFamily="34" charset="0"/>
+              </a:rPr>
+              <a:t> </a:t>
+            </a:r>
+            <a:r>
+              <a:rPr lang="en-US" sz="2400" dirty="0" err="1">
                 <a:solidFill>
                   <a:schemeClr val="tx1">
                     <a:lumMod val="50000"/>
@@ -9291,7 +9291,7 @@
               <a:t>nghê</a:t>
             </a:r>
             <a:r>
-              <a:rPr lang="en-US" sz="2800" dirty="0">
+              <a:rPr lang="en-US" sz="2400" dirty="0">
                 <a:solidFill>
                   <a:schemeClr val="tx1">
                     <a:lumMod val="50000"/>
@@ -9303,7 +9303,7 @@
               <a:t>̣ </a:t>
             </a:r>
             <a:r>
-              <a:rPr lang="en-US" sz="2800" dirty="0" err="1">
+              <a:rPr lang="en-US" sz="2400" dirty="0" err="1">
                 <a:solidFill>
                   <a:schemeClr val="tx1">
                     <a:lumMod val="50000"/>
@@ -9315,19 +9315,19 @@
               <a:t>bảo</a:t>
             </a:r>
             <a:r>
-              <a:rPr lang="en-US" sz="2800" dirty="0">
-                <a:solidFill>
-                  <a:schemeClr val="tx1">
-                    <a:lumMod val="50000"/>
-                  </a:schemeClr>
-                </a:solidFill>
-                <a:ea typeface="SF Pro Semibold" pitchFamily="2" charset="0"/>
-                <a:cs typeface="Arial" panose="020B0604020202020204" pitchFamily="34" charset="0"/>
-              </a:rPr>
-              <a:t> </a:t>
-            </a:r>
-            <a:r>
-              <a:rPr lang="en-US" sz="2800" dirty="0" err="1">
+              <a:rPr lang="en-US" sz="2400" dirty="0">
+                <a:solidFill>
+                  <a:schemeClr val="tx1">
+                    <a:lumMod val="50000"/>
+                  </a:schemeClr>
+                </a:solidFill>
+                <a:ea typeface="SF Pro Semibold" pitchFamily="2" charset="0"/>
+                <a:cs typeface="Arial" panose="020B0604020202020204" pitchFamily="34" charset="0"/>
+              </a:rPr>
+              <a:t> </a:t>
+            </a:r>
+            <a:r>
+              <a:rPr lang="en-US" sz="2400" dirty="0" err="1">
                 <a:solidFill>
                   <a:schemeClr val="tx1">
                     <a:lumMod val="50000"/>
@@ -9339,7 +9339,7 @@
               <a:t>mật</a:t>
             </a:r>
             <a:r>
-              <a:rPr lang="en-US" sz="2800" dirty="0">
+              <a:rPr lang="en-US" sz="2400" dirty="0">
                 <a:solidFill>
                   <a:schemeClr val="tx1">
                     <a:lumMod val="50000"/>
@@ -9351,7 +9351,7 @@
               <a:t> 3D </a:t>
             </a:r>
             <a:r>
-              <a:rPr lang="en-US" sz="2800" dirty="0" err="1">
+              <a:rPr lang="en-US" sz="2400" dirty="0" err="1">
                 <a:solidFill>
                   <a:schemeClr val="tx1">
                     <a:lumMod val="50000"/>
@@ -9363,19 +9363,19 @@
               <a:t>khuôn</a:t>
             </a:r>
             <a:r>
-              <a:rPr lang="en-US" sz="2800" dirty="0">
-                <a:solidFill>
-                  <a:schemeClr val="tx1">
-                    <a:lumMod val="50000"/>
-                  </a:schemeClr>
-                </a:solidFill>
-                <a:ea typeface="SF Pro Semibold" pitchFamily="2" charset="0"/>
-                <a:cs typeface="Arial" panose="020B0604020202020204" pitchFamily="34" charset="0"/>
-              </a:rPr>
-              <a:t> </a:t>
-            </a:r>
-            <a:r>
-              <a:rPr lang="en-US" sz="2800" dirty="0" err="1">
+              <a:rPr lang="en-US" sz="2400" dirty="0">
+                <a:solidFill>
+                  <a:schemeClr val="tx1">
+                    <a:lumMod val="50000"/>
+                  </a:schemeClr>
+                </a:solidFill>
+                <a:ea typeface="SF Pro Semibold" pitchFamily="2" charset="0"/>
+                <a:cs typeface="Arial" panose="020B0604020202020204" pitchFamily="34" charset="0"/>
+              </a:rPr>
+              <a:t> </a:t>
+            </a:r>
+            <a:r>
+              <a:rPr lang="en-US" sz="2400" dirty="0" err="1">
                 <a:solidFill>
                   <a:schemeClr val="tx1">
                     <a:lumMod val="50000"/>
@@ -9386,7 +9386,7 @@
               </a:rPr>
               <a:t>mặt</a:t>
             </a:r>
-            <a:endParaRPr lang="en-US" sz="2800" dirty="0">
+            <a:endParaRPr lang="en-US" sz="2400" dirty="0">
               <a:solidFill>
                 <a:schemeClr val="tx1">
                   <a:lumMod val="50000"/>
@@ -9807,7 +9807,7 @@
         <p:spPr>
           <a:xfrm>
             <a:off x="703384" y="1121261"/>
-            <a:ext cx="8169310" cy="3890489"/>
+            <a:ext cx="8169310" cy="3521157"/>
           </a:xfrm>
           <a:prstGeom prst="rect">
             <a:avLst/>
@@ -9867,7 +9867,7 @@
               <a:buChar char="ü"/>
             </a:pPr>
             <a:r>
-              <a:rPr lang="en-US" sz="2800" dirty="0">
+              <a:rPr lang="en-US" sz="2400" dirty="0">
                 <a:solidFill>
                   <a:schemeClr val="tx1">
                     <a:lumMod val="50000"/>
@@ -9880,7 +9880,7 @@
               <a:t>Chi </a:t>
             </a:r>
             <a:r>
-              <a:rPr lang="en-US" sz="2800" dirty="0" err="1">
+              <a:rPr lang="en-US" sz="2400" dirty="0" err="1">
                 <a:solidFill>
                   <a:schemeClr val="tx1">
                     <a:lumMod val="50000"/>
@@ -9893,7 +9893,7 @@
               <a:t>phí</a:t>
             </a:r>
             <a:r>
-              <a:rPr lang="en-US" sz="2800" dirty="0">
+              <a:rPr lang="en-US" sz="2400" dirty="0">
                 <a:solidFill>
                   <a:schemeClr val="tx1">
                     <a:lumMod val="50000"/>
@@ -9906,7 +9906,7 @@
               <a:t> </a:t>
             </a:r>
             <a:r>
-              <a:rPr lang="en-US" sz="2800" dirty="0" err="1">
+              <a:rPr lang="en-US" sz="2400" dirty="0" err="1">
                 <a:solidFill>
                   <a:schemeClr val="tx1">
                     <a:lumMod val="50000"/>
@@ -9919,7 +9919,7 @@
               <a:t>đầu</a:t>
             </a:r>
             <a:r>
-              <a:rPr lang="en-US" sz="2800" dirty="0">
+              <a:rPr lang="en-US" sz="2400" dirty="0">
                 <a:solidFill>
                   <a:schemeClr val="tx1">
                     <a:lumMod val="50000"/>
@@ -9932,7 +9932,7 @@
               <a:t> </a:t>
             </a:r>
             <a:r>
-              <a:rPr lang="en-US" sz="2800" dirty="0" err="1">
+              <a:rPr lang="en-US" sz="2400" dirty="0" err="1">
                 <a:solidFill>
                   <a:schemeClr val="tx1">
                     <a:lumMod val="50000"/>
@@ -9945,7 +9945,7 @@
               <a:t>tư</a:t>
             </a:r>
             <a:r>
-              <a:rPr lang="en-US" sz="2800" dirty="0">
+              <a:rPr lang="en-US" sz="2400" dirty="0">
                 <a:solidFill>
                   <a:schemeClr val="tx1">
                     <a:lumMod val="50000"/>
@@ -9958,7 +9958,7 @@
               <a:t> </a:t>
             </a:r>
             <a:r>
-              <a:rPr lang="en-US" sz="2800" dirty="0" err="1">
+              <a:rPr lang="en-US" sz="2400" dirty="0" err="1">
                 <a:solidFill>
                   <a:schemeClr val="tx1">
                     <a:lumMod val="50000"/>
@@ -9971,7 +9971,7 @@
               <a:t>cao</a:t>
             </a:r>
             <a:r>
-              <a:rPr lang="en-US" sz="2800" dirty="0">
+              <a:rPr lang="en-US" sz="2400" dirty="0">
                 <a:solidFill>
                   <a:schemeClr val="tx1">
                     <a:lumMod val="50000"/>
@@ -9984,7 +9984,7 @@
               <a:t> </a:t>
             </a:r>
             <a:r>
-              <a:rPr lang="en-US" sz="2800" dirty="0" err="1">
+              <a:rPr lang="en-US" sz="2400" dirty="0" err="1">
                 <a:solidFill>
                   <a:schemeClr val="tx1">
                     <a:lumMod val="50000"/>
@@ -9997,7 +9997,7 @@
               <a:t>hơn</a:t>
             </a:r>
             <a:r>
-              <a:rPr lang="en-US" sz="2800" dirty="0">
+              <a:rPr lang="en-US" sz="2400" dirty="0">
                 <a:solidFill>
                   <a:schemeClr val="tx1">
                     <a:lumMod val="50000"/>
@@ -10010,7 +10010,7 @@
               <a:t> so </a:t>
             </a:r>
             <a:r>
-              <a:rPr lang="en-US" sz="2800" dirty="0" err="1">
+              <a:rPr lang="en-US" sz="2400" dirty="0" err="1">
                 <a:solidFill>
                   <a:schemeClr val="tx1">
                     <a:lumMod val="50000"/>
@@ -10023,7 +10023,7 @@
               <a:t>với</a:t>
             </a:r>
             <a:r>
-              <a:rPr lang="en-US" sz="2800" dirty="0">
+              <a:rPr lang="en-US" sz="2400" dirty="0">
                 <a:solidFill>
                   <a:schemeClr val="tx1">
                     <a:lumMod val="50000"/>
@@ -10036,7 +10036,7 @@
               <a:t> </a:t>
             </a:r>
             <a:r>
-              <a:rPr lang="en-US" sz="2800" dirty="0" err="1">
+              <a:rPr lang="en-US" sz="2400" dirty="0" err="1">
                 <a:solidFill>
                   <a:schemeClr val="tx1">
                     <a:lumMod val="50000"/>
@@ -10049,7 +10049,7 @@
               <a:t>dòng</a:t>
             </a:r>
             <a:r>
-              <a:rPr lang="en-US" sz="2800" dirty="0">
+              <a:rPr lang="en-US" sz="2400" dirty="0">
                 <a:solidFill>
                   <a:schemeClr val="tx1">
                     <a:lumMod val="50000"/>
@@ -10062,7 +10062,7 @@
               <a:t> </a:t>
             </a:r>
             <a:r>
-              <a:rPr lang="en-US" sz="2800" dirty="0" err="1">
+              <a:rPr lang="en-US" sz="2400" dirty="0" err="1">
                 <a:solidFill>
                   <a:schemeClr val="tx1">
                     <a:lumMod val="50000"/>
@@ -10075,7 +10075,7 @@
               <a:t>sản</a:t>
             </a:r>
             <a:r>
-              <a:rPr lang="en-US" sz="2800" dirty="0">
+              <a:rPr lang="en-US" sz="2400" dirty="0">
                 <a:solidFill>
                   <a:schemeClr val="tx1">
                     <a:lumMod val="50000"/>
@@ -10088,7 +10088,7 @@
               <a:t> </a:t>
             </a:r>
             <a:r>
-              <a:rPr lang="en-US" sz="2800" dirty="0" err="1">
+              <a:rPr lang="en-US" sz="2400" dirty="0" err="1">
                 <a:solidFill>
                   <a:schemeClr val="tx1">
                     <a:lumMod val="50000"/>
@@ -10101,7 +10101,7 @@
               <a:t>phẩm</a:t>
             </a:r>
             <a:r>
-              <a:rPr lang="en-US" sz="2800" dirty="0">
+              <a:rPr lang="en-US" sz="2400" dirty="0">
                 <a:solidFill>
                   <a:schemeClr val="tx1">
                     <a:lumMod val="50000"/>
@@ -10114,7 +10114,7 @@
               <a:t> </a:t>
             </a:r>
             <a:r>
-              <a:rPr lang="en-US" sz="2800" dirty="0" err="1">
+              <a:rPr lang="en-US" sz="2400" dirty="0" err="1">
                 <a:solidFill>
                   <a:schemeClr val="tx1">
                     <a:lumMod val="50000"/>
@@ -10127,7 +10127,7 @@
               <a:t>công</a:t>
             </a:r>
             <a:r>
-              <a:rPr lang="en-US" sz="2800" dirty="0">
+              <a:rPr lang="en-US" sz="2400" dirty="0">
                 <a:solidFill>
                   <a:schemeClr val="tx1">
                     <a:lumMod val="50000"/>
@@ -10140,7 +10140,7 @@
               <a:t> </a:t>
             </a:r>
             <a:r>
-              <a:rPr lang="en-US" sz="2800" dirty="0" err="1">
+              <a:rPr lang="en-US" sz="2400" dirty="0" err="1">
                 <a:solidFill>
                   <a:schemeClr val="tx1">
                     <a:lumMod val="50000"/>
@@ -10153,7 +10153,7 @@
               <a:t>nghê</a:t>
             </a:r>
             <a:r>
-              <a:rPr lang="en-US" sz="2800" dirty="0">
+              <a:rPr lang="en-US" sz="2400" dirty="0">
                 <a:solidFill>
                   <a:schemeClr val="tx1">
                     <a:lumMod val="50000"/>
@@ -10166,7 +10166,7 @@
               <a:t>̣ </a:t>
             </a:r>
             <a:r>
-              <a:rPr lang="en-US" sz="2800" dirty="0" err="1">
+              <a:rPr lang="en-US" sz="2400" dirty="0" err="1">
                 <a:solidFill>
                   <a:schemeClr val="tx1">
                     <a:lumMod val="50000"/>
@@ -10179,7 +10179,7 @@
               <a:t>vân</a:t>
             </a:r>
             <a:r>
-              <a:rPr lang="en-US" sz="2800" dirty="0">
+              <a:rPr lang="en-US" sz="2400" dirty="0">
                 <a:solidFill>
                   <a:schemeClr val="tx1">
                     <a:lumMod val="50000"/>
@@ -10192,7 +10192,7 @@
               <a:t> </a:t>
             </a:r>
             <a:r>
-              <a:rPr lang="en-US" sz="2800" dirty="0" err="1">
+              <a:rPr lang="en-US" sz="2400" dirty="0" err="1">
                 <a:solidFill>
                   <a:schemeClr val="tx1">
                     <a:lumMod val="50000"/>
@@ -10205,7 +10205,7 @@
               <a:t>tay</a:t>
             </a:r>
             <a:r>
-              <a:rPr lang="en-US" sz="2800" dirty="0">
+              <a:rPr lang="en-US" sz="2400" dirty="0">
                 <a:solidFill>
                   <a:schemeClr val="tx1">
                     <a:lumMod val="50000"/>
@@ -10218,7 +10218,7 @@
               <a:t> </a:t>
             </a:r>
             <a:r>
-              <a:rPr lang="en-US" sz="2800" dirty="0" err="1">
+              <a:rPr lang="en-US" sz="2400" dirty="0" err="1">
                 <a:solidFill>
                   <a:schemeClr val="tx1">
                     <a:lumMod val="50000"/>
@@ -10231,7 +10231,7 @@
               <a:t>và</a:t>
             </a:r>
             <a:r>
-              <a:rPr lang="en-US" sz="2800" dirty="0">
+              <a:rPr lang="en-US" sz="2400" dirty="0">
                 <a:solidFill>
                   <a:schemeClr val="tx1">
                     <a:lumMod val="50000"/>
@@ -10244,7 +10244,7 @@
               <a:t> </a:t>
             </a:r>
             <a:r>
-              <a:rPr lang="en-US" sz="2800" dirty="0" err="1">
+              <a:rPr lang="en-US" sz="2400" dirty="0" err="1">
                 <a:solidFill>
                   <a:schemeClr val="tx1">
                     <a:lumMod val="50000"/>
@@ -10257,7 +10257,7 @@
               <a:t>thẻ</a:t>
             </a:r>
             <a:r>
-              <a:rPr lang="en-US" sz="2800" dirty="0">
+              <a:rPr lang="en-US" sz="2400" dirty="0">
                 <a:solidFill>
                   <a:schemeClr val="tx1">
                     <a:lumMod val="50000"/>
@@ -10270,7 +10270,7 @@
               <a:t> </a:t>
             </a:r>
             <a:r>
-              <a:rPr lang="en-US" sz="2800" dirty="0" err="1">
+              <a:rPr lang="en-US" sz="2400" dirty="0" err="1">
                 <a:solidFill>
                   <a:schemeClr val="tx1">
                     <a:lumMod val="50000"/>
@@ -10283,7 +10283,7 @@
               <a:t>từ</a:t>
             </a:r>
             <a:r>
-              <a:rPr lang="en-US" sz="2800" dirty="0">
+              <a:rPr lang="en-US" sz="2400" dirty="0">
                 <a:solidFill>
                   <a:schemeClr val="tx1">
                     <a:lumMod val="50000"/>
@@ -10305,7 +10305,7 @@
               <a:buChar char="ü"/>
             </a:pPr>
             <a:r>
-              <a:rPr lang="en-US" sz="2800" spc="-5" dirty="0" err="1">
+              <a:rPr lang="en-US" sz="2400" spc="-5" dirty="0" err="1">
                 <a:solidFill>
                   <a:schemeClr val="tx1">
                     <a:lumMod val="50000"/>
@@ -10318,7 +10318,7 @@
               <a:t>Hạn</a:t>
             </a:r>
             <a:r>
-              <a:rPr lang="en-US" sz="2800" spc="-5" dirty="0">
+              <a:rPr lang="en-US" sz="2400" spc="-5" dirty="0">
                 <a:solidFill>
                   <a:schemeClr val="tx1">
                     <a:lumMod val="50000"/>
@@ -10331,7 +10331,7 @@
               <a:t> </a:t>
             </a:r>
             <a:r>
-              <a:rPr lang="en-US" sz="2800" spc="-5" dirty="0" err="1">
+              <a:rPr lang="en-US" sz="2400" spc="-5" dirty="0" err="1">
                 <a:solidFill>
                   <a:schemeClr val="tx1">
                     <a:lumMod val="50000"/>
@@ -10344,7 +10344,7 @@
               <a:t>chế</a:t>
             </a:r>
             <a:r>
-              <a:rPr lang="en-US" sz="2800" spc="-5" dirty="0">
+              <a:rPr lang="en-US" sz="2400" spc="-5" dirty="0">
                 <a:solidFill>
                   <a:schemeClr val="tx1">
                     <a:lumMod val="50000"/>
@@ -10357,7 +10357,7 @@
               <a:t> </a:t>
             </a:r>
             <a:r>
-              <a:rPr lang="en-US" sz="2800" spc="-5" dirty="0" err="1">
+              <a:rPr lang="en-US" sz="2400" spc="-5" dirty="0" err="1">
                 <a:solidFill>
                   <a:schemeClr val="tx1">
                     <a:lumMod val="50000"/>
@@ -10370,7 +10370,7 @@
               <a:t>nhận</a:t>
             </a:r>
             <a:r>
-              <a:rPr lang="en-US" sz="2800" spc="-5" dirty="0">
+              <a:rPr lang="en-US" sz="2400" spc="-5" dirty="0">
                 <a:solidFill>
                   <a:schemeClr val="tx1">
                     <a:lumMod val="50000"/>
@@ -10383,7 +10383,7 @@
               <a:t> </a:t>
             </a:r>
             <a:r>
-              <a:rPr lang="en-US" sz="2800" spc="-5" dirty="0" err="1">
+              <a:rPr lang="en-US" sz="2400" spc="-5" dirty="0" err="1">
                 <a:solidFill>
                   <a:schemeClr val="tx1">
                     <a:lumMod val="50000"/>
@@ -10396,7 +10396,7 @@
               <a:t>diện</a:t>
             </a:r>
             <a:r>
-              <a:rPr lang="en-US" sz="2800" spc="-5" dirty="0">
+              <a:rPr lang="en-US" sz="2400" spc="-5" dirty="0">
                 <a:solidFill>
                   <a:schemeClr val="tx1">
                     <a:lumMod val="50000"/>
@@ -10409,7 +10409,7 @@
               <a:t> </a:t>
             </a:r>
             <a:r>
-              <a:rPr lang="en-US" sz="2800" spc="-5" dirty="0" err="1">
+              <a:rPr lang="en-US" sz="2400" spc="-5" dirty="0" err="1">
                 <a:solidFill>
                   <a:schemeClr val="tx1">
                     <a:lumMod val="50000"/>
@@ -10422,7 +10422,7 @@
               <a:t>hơn</a:t>
             </a:r>
             <a:r>
-              <a:rPr lang="en-US" sz="2800" spc="-5" dirty="0">
+              <a:rPr lang="en-US" sz="2400" spc="-5" dirty="0">
                 <a:solidFill>
                   <a:schemeClr val="tx1">
                     <a:lumMod val="50000"/>
@@ -10435,7 +10435,7 @@
               <a:t> </a:t>
             </a:r>
             <a:r>
-              <a:rPr lang="en-US" sz="2800" spc="-5" dirty="0" err="1">
+              <a:rPr lang="en-US" sz="2400" spc="-5" dirty="0" err="1">
                 <a:solidFill>
                   <a:schemeClr val="tx1">
                     <a:lumMod val="50000"/>
@@ -10448,7 +10448,7 @@
               <a:t>khi</a:t>
             </a:r>
             <a:r>
-              <a:rPr lang="en-US" sz="2800" spc="-5" dirty="0">
+              <a:rPr lang="en-US" sz="2400" spc="-5" dirty="0">
                 <a:solidFill>
                   <a:schemeClr val="tx1">
                     <a:lumMod val="50000"/>
@@ -10461,7 +10461,7 @@
               <a:t> </a:t>
             </a:r>
             <a:r>
-              <a:rPr lang="en-US" sz="2800" spc="-5" dirty="0" err="1">
+              <a:rPr lang="en-US" sz="2400" spc="-5" dirty="0" err="1">
                 <a:solidFill>
                   <a:schemeClr val="tx1">
                     <a:lumMod val="50000"/>
@@ -10474,7 +10474,7 @@
               <a:t>đeo</a:t>
             </a:r>
             <a:r>
-              <a:rPr lang="en-US" sz="2800" spc="-5" dirty="0">
+              <a:rPr lang="en-US" sz="2400" spc="-5" dirty="0">
                 <a:solidFill>
                   <a:schemeClr val="tx1">
                     <a:lumMod val="50000"/>
@@ -10487,7 +10487,7 @@
               <a:t> </a:t>
             </a:r>
             <a:r>
-              <a:rPr lang="en-US" sz="2800" spc="-5" dirty="0" err="1">
+              <a:rPr lang="en-US" sz="2400" spc="-5" dirty="0" err="1">
                 <a:solidFill>
                   <a:schemeClr val="tx1">
                     <a:lumMod val="50000"/>
@@ -10500,7 +10500,7 @@
               <a:t>kính</a:t>
             </a:r>
             <a:r>
-              <a:rPr lang="en-US" sz="2800" spc="-5" dirty="0">
+              <a:rPr lang="en-US" sz="2400" spc="-5" dirty="0">
                 <a:solidFill>
                   <a:schemeClr val="tx1">
                     <a:lumMod val="50000"/>
@@ -10513,7 +10513,7 @@
               <a:t> </a:t>
             </a:r>
             <a:r>
-              <a:rPr lang="en-US" sz="2800" spc="-5" dirty="0" err="1">
+              <a:rPr lang="en-US" sz="2400" spc="-5" dirty="0" err="1">
                 <a:solidFill>
                   <a:schemeClr val="tx1">
                     <a:lumMod val="50000"/>
@@ -10526,7 +10526,7 @@
               <a:t>râm</a:t>
             </a:r>
             <a:r>
-              <a:rPr lang="en-US" sz="2800" spc="-5" dirty="0">
+              <a:rPr lang="en-US" sz="2400" spc="-5" dirty="0">
                 <a:solidFill>
                   <a:schemeClr val="tx1">
                     <a:lumMod val="50000"/>
@@ -10539,7 +10539,7 @@
               <a:t>, </a:t>
             </a:r>
             <a:r>
-              <a:rPr lang="en-US" sz="2800" spc="-5" dirty="0" err="1">
+              <a:rPr lang="en-US" sz="2400" spc="-5" dirty="0" err="1">
                 <a:solidFill>
                   <a:schemeClr val="tx1">
                     <a:lumMod val="50000"/>
@@ -10552,7 +10552,7 @@
               <a:t>khẩu</a:t>
             </a:r>
             <a:r>
-              <a:rPr lang="en-US" sz="2800" spc="-5" dirty="0">
+              <a:rPr lang="en-US" sz="2400" spc="-5" dirty="0">
                 <a:solidFill>
                   <a:schemeClr val="tx1">
                     <a:lumMod val="50000"/>
@@ -10565,7 +10565,7 @@
               <a:t> </a:t>
             </a:r>
             <a:r>
-              <a:rPr lang="en-US" sz="2800" spc="-5" dirty="0" err="1">
+              <a:rPr lang="en-US" sz="2400" spc="-5" dirty="0" err="1">
                 <a:solidFill>
                   <a:schemeClr val="tx1">
                     <a:lumMod val="50000"/>
@@ -10578,7 +10578,7 @@
               <a:t>trang</a:t>
             </a:r>
             <a:r>
-              <a:rPr lang="en-US" sz="2800" spc="-5" dirty="0">
+              <a:rPr lang="en-US" sz="2400" spc="-5" dirty="0">
                 <a:solidFill>
                   <a:schemeClr val="tx1">
                     <a:lumMod val="50000"/>
@@ -10591,7 +10591,7 @@
               <a:t>, </a:t>
             </a:r>
             <a:r>
-              <a:rPr lang="en-US" sz="2800" spc="-5" dirty="0" err="1">
+              <a:rPr lang="en-US" sz="2400" spc="-5" dirty="0" err="1">
                 <a:solidFill>
                   <a:schemeClr val="tx1">
                     <a:lumMod val="50000"/>
@@ -10604,7 +10604,7 @@
               <a:t>nón</a:t>
             </a:r>
             <a:r>
-              <a:rPr lang="en-US" sz="2800" spc="-5" dirty="0">
+              <a:rPr lang="en-US" sz="2400" spc="-5" dirty="0">
                 <a:solidFill>
                   <a:schemeClr val="tx1">
                     <a:lumMod val="50000"/>
@@ -10862,7 +10862,7 @@
         <p:spPr>
           <a:xfrm>
             <a:off x="703384" y="1121261"/>
-            <a:ext cx="8169310" cy="8932445"/>
+            <a:ext cx="8169310" cy="7916783"/>
           </a:xfrm>
           <a:prstGeom prst="rect">
             <a:avLst/>
@@ -10928,7 +10928,7 @@
               <a:buChar char="ü"/>
             </a:pPr>
             <a:r>
-              <a:rPr lang="en-US" sz="2800" kern="100" dirty="0" err="1">
+              <a:rPr lang="en-US" sz="2400" kern="100" dirty="0" err="1">
                 <a:solidFill>
                   <a:schemeClr val="tx1">
                     <a:lumMod val="50000"/>
@@ -10941,7 +10941,7 @@
               <a:t>Giúp</a:t>
             </a:r>
             <a:r>
-              <a:rPr lang="en-US" sz="2800" kern="100" dirty="0">
+              <a:rPr lang="en-US" sz="2400" kern="100" dirty="0">
                 <a:solidFill>
                   <a:schemeClr val="tx1">
                     <a:lumMod val="50000"/>
@@ -10954,7 +10954,7 @@
               <a:t> </a:t>
             </a:r>
             <a:r>
-              <a:rPr lang="en-US" sz="2800" kern="100" dirty="0" err="1">
+              <a:rPr lang="en-US" sz="2400" kern="100" dirty="0" err="1">
                 <a:solidFill>
                   <a:schemeClr val="tx1">
                     <a:lumMod val="50000"/>
@@ -10967,7 +10967,7 @@
               <a:t>bảo</a:t>
             </a:r>
             <a:r>
-              <a:rPr lang="en-US" sz="2800" kern="100" dirty="0">
+              <a:rPr lang="en-US" sz="2400" kern="100" dirty="0">
                 <a:solidFill>
                   <a:schemeClr val="tx1">
                     <a:lumMod val="50000"/>
@@ -10980,7 +10980,7 @@
               <a:t> </a:t>
             </a:r>
             <a:r>
-              <a:rPr lang="en-US" sz="2800" kern="100" dirty="0" err="1">
+              <a:rPr lang="en-US" sz="2400" kern="100" dirty="0" err="1">
                 <a:solidFill>
                   <a:schemeClr val="tx1">
                     <a:lumMod val="50000"/>
@@ -10993,7 +10993,7 @@
               <a:t>vệ</a:t>
             </a:r>
             <a:r>
-              <a:rPr lang="en-US" sz="2800" kern="100" dirty="0">
+              <a:rPr lang="en-US" sz="2400" kern="100" dirty="0">
                 <a:solidFill>
                   <a:schemeClr val="tx1">
                     <a:lumMod val="50000"/>
@@ -11006,7 +11006,7 @@
               <a:t> </a:t>
             </a:r>
             <a:r>
-              <a:rPr lang="en-US" sz="2800" kern="100" dirty="0" err="1">
+              <a:rPr lang="en-US" sz="2400" kern="100" dirty="0" err="1">
                 <a:solidFill>
                   <a:schemeClr val="tx1">
                     <a:lumMod val="50000"/>
@@ -11019,7 +11019,7 @@
               <a:t>và</a:t>
             </a:r>
             <a:r>
-              <a:rPr lang="en-US" sz="2800" kern="100" dirty="0">
+              <a:rPr lang="en-US" sz="2400" kern="100" dirty="0">
                 <a:solidFill>
                   <a:schemeClr val="tx1">
                     <a:lumMod val="50000"/>
@@ -11032,7 +11032,7 @@
               <a:t> </a:t>
             </a:r>
             <a:r>
-              <a:rPr lang="en-US" sz="2800" kern="100" dirty="0" err="1">
+              <a:rPr lang="en-US" sz="2400" kern="100" dirty="0" err="1">
                 <a:solidFill>
                   <a:schemeClr val="tx1">
                     <a:lumMod val="50000"/>
@@ -11045,7 +11045,7 @@
               <a:t>thực</a:t>
             </a:r>
             <a:r>
-              <a:rPr lang="en-US" sz="2800" kern="100" dirty="0">
+              <a:rPr lang="en-US" sz="2400" kern="100" dirty="0">
                 <a:solidFill>
                   <a:schemeClr val="tx1">
                     <a:lumMod val="50000"/>
@@ -11058,7 +11058,7 @@
               <a:t> </a:t>
             </a:r>
             <a:r>
-              <a:rPr lang="en-US" sz="2800" kern="100" dirty="0" err="1">
+              <a:rPr lang="en-US" sz="2400" kern="100" dirty="0" err="1">
                 <a:solidFill>
                   <a:schemeClr val="tx1">
                     <a:lumMod val="50000"/>
@@ -11071,7 +11071,7 @@
               <a:t>thi</a:t>
             </a:r>
             <a:r>
-              <a:rPr lang="en-US" sz="2800" kern="100" dirty="0">
+              <a:rPr lang="en-US" sz="2400" kern="100" dirty="0">
                 <a:solidFill>
                   <a:schemeClr val="tx1">
                     <a:lumMod val="50000"/>
@@ -11084,7 +11084,7 @@
               <a:t> </a:t>
             </a:r>
             <a:r>
-              <a:rPr lang="en-US" sz="2800" kern="100" dirty="0" err="1">
+              <a:rPr lang="en-US" sz="2400" kern="100" dirty="0" err="1">
                 <a:solidFill>
                   <a:schemeClr val="tx1">
                     <a:lumMod val="50000"/>
@@ -11097,7 +11097,7 @@
               <a:t>pháp</a:t>
             </a:r>
             <a:r>
-              <a:rPr lang="en-US" sz="2800" kern="100" dirty="0">
+              <a:rPr lang="en-US" sz="2400" kern="100" dirty="0">
                 <a:solidFill>
                   <a:schemeClr val="tx1">
                     <a:lumMod val="50000"/>
@@ -11110,7 +11110,7 @@
               <a:t> </a:t>
             </a:r>
             <a:r>
-              <a:rPr lang="en-US" sz="2800" kern="100" dirty="0" err="1">
+              <a:rPr lang="en-US" sz="2400" kern="100" dirty="0" err="1">
                 <a:solidFill>
                   <a:schemeClr val="tx1">
                     <a:lumMod val="50000"/>
@@ -11123,7 +11123,7 @@
               <a:t>luật</a:t>
             </a:r>
             <a:r>
-              <a:rPr lang="en-US" sz="2800" kern="100" dirty="0">
+              <a:rPr lang="en-US" sz="2400" kern="100" dirty="0">
                 <a:solidFill>
                   <a:schemeClr val="tx1">
                     <a:lumMod val="50000"/>
@@ -11134,7 +11134,7 @@
               </a:rPr>
               <a:t>.</a:t>
             </a:r>
-            <a:endParaRPr lang="en-US" sz="2800" kern="100" dirty="0">
+            <a:endParaRPr lang="en-US" sz="2400" kern="100" dirty="0">
               <a:solidFill>
                 <a:schemeClr val="tx1">
                   <a:lumMod val="50000"/>
@@ -11160,7 +11160,7 @@
               <a:buChar char="ü"/>
             </a:pPr>
             <a:r>
-              <a:rPr lang="en-US" sz="2800" kern="100" dirty="0" err="1">
+              <a:rPr lang="en-US" sz="2400" kern="100" dirty="0" err="1">
                 <a:solidFill>
                   <a:schemeClr val="tx1">
                     <a:lumMod val="50000"/>
@@ -11173,7 +11173,7 @@
               <a:t>Mở</a:t>
             </a:r>
             <a:r>
-              <a:rPr lang="en-US" sz="2800" kern="100" dirty="0">
+              <a:rPr lang="en-US" sz="2400" kern="100" dirty="0">
                 <a:solidFill>
                   <a:schemeClr val="tx1">
                     <a:lumMod val="50000"/>
@@ -11186,7 +11186,7 @@
               <a:t> </a:t>
             </a:r>
             <a:r>
-              <a:rPr lang="en-US" sz="2800" kern="100" dirty="0" err="1">
+              <a:rPr lang="en-US" sz="2400" kern="100" dirty="0" err="1">
                 <a:solidFill>
                   <a:schemeClr val="tx1">
                     <a:lumMod val="50000"/>
@@ -11199,7 +11199,7 @@
               <a:t>khóa</a:t>
             </a:r>
             <a:r>
-              <a:rPr lang="en-US" sz="2800" kern="100" dirty="0">
+              <a:rPr lang="en-US" sz="2400" kern="100" dirty="0">
                 <a:solidFill>
                   <a:schemeClr val="tx1">
                     <a:lumMod val="50000"/>
@@ -11212,7 +11212,7 @@
               <a:t> </a:t>
             </a:r>
             <a:r>
-              <a:rPr lang="en-US" sz="2800" kern="100" dirty="0" err="1">
+              <a:rPr lang="en-US" sz="2400" kern="100" dirty="0" err="1">
                 <a:solidFill>
                   <a:schemeClr val="tx1">
                     <a:lumMod val="50000"/>
@@ -11225,7 +11225,7 @@
               <a:t>khuôn</a:t>
             </a:r>
             <a:r>
-              <a:rPr lang="en-US" sz="2800" kern="100" dirty="0">
+              <a:rPr lang="en-US" sz="2400" kern="100" dirty="0">
                 <a:solidFill>
                   <a:schemeClr val="tx1">
                     <a:lumMod val="50000"/>
@@ -11238,7 +11238,7 @@
               <a:t> </a:t>
             </a:r>
             <a:r>
-              <a:rPr lang="en-US" sz="2800" kern="100" dirty="0" err="1">
+              <a:rPr lang="en-US" sz="2400" kern="100" dirty="0" err="1">
                 <a:solidFill>
                   <a:schemeClr val="tx1">
                     <a:lumMod val="50000"/>
@@ -11251,7 +11251,7 @@
               <a:t>mặt</a:t>
             </a:r>
             <a:r>
-              <a:rPr lang="en-US" sz="2800" kern="100" dirty="0">
+              <a:rPr lang="en-US" sz="2400" kern="100" dirty="0">
                 <a:solidFill>
                   <a:schemeClr val="tx1">
                     <a:lumMod val="50000"/>
@@ -11264,7 +11264,7 @@
               <a:t> </a:t>
             </a:r>
             <a:r>
-              <a:rPr lang="en-US" sz="2800" kern="100" dirty="0" err="1">
+              <a:rPr lang="en-US" sz="2400" kern="100" dirty="0" err="1">
                 <a:solidFill>
                   <a:schemeClr val="tx1">
                     <a:lumMod val="50000"/>
@@ -11277,7 +11277,7 @@
               <a:t>trên</a:t>
             </a:r>
             <a:r>
-              <a:rPr lang="en-US" sz="2800" kern="100" dirty="0">
+              <a:rPr lang="en-US" sz="2400" kern="100" dirty="0">
                 <a:solidFill>
                   <a:schemeClr val="tx1">
                     <a:lumMod val="50000"/>
@@ -11290,7 +11290,7 @@
               <a:t> </a:t>
             </a:r>
             <a:r>
-              <a:rPr lang="en-US" sz="2800" kern="100" dirty="0" err="1">
+              <a:rPr lang="en-US" sz="2400" kern="100" dirty="0" err="1">
                 <a:solidFill>
                   <a:schemeClr val="tx1">
                     <a:lumMod val="50000"/>
@@ -11303,7 +11303,7 @@
               <a:t>các</a:t>
             </a:r>
             <a:r>
-              <a:rPr lang="en-US" sz="2800" kern="100" dirty="0">
+              <a:rPr lang="en-US" sz="2400" kern="100" dirty="0">
                 <a:solidFill>
                   <a:schemeClr val="tx1">
                     <a:lumMod val="50000"/>
@@ -11316,7 +11316,7 @@
               <a:t> </a:t>
             </a:r>
             <a:r>
-              <a:rPr lang="en-US" sz="2800" kern="100" dirty="0" err="1">
+              <a:rPr lang="en-US" sz="2400" kern="100" dirty="0" err="1">
                 <a:solidFill>
                   <a:schemeClr val="tx1">
                     <a:lumMod val="50000"/>
@@ -11329,7 +11329,7 @@
               <a:t>thiết</a:t>
             </a:r>
             <a:r>
-              <a:rPr lang="en-US" sz="2800" kern="100" dirty="0">
+              <a:rPr lang="en-US" sz="2400" kern="100" dirty="0">
                 <a:solidFill>
                   <a:schemeClr val="tx1">
                     <a:lumMod val="50000"/>
@@ -11342,7 +11342,7 @@
               <a:t> </a:t>
             </a:r>
             <a:r>
-              <a:rPr lang="en-US" sz="2800" kern="100" dirty="0" err="1">
+              <a:rPr lang="en-US" sz="2400" kern="100" dirty="0" err="1">
                 <a:solidFill>
                   <a:schemeClr val="tx1">
                     <a:lumMod val="50000"/>
@@ -11355,7 +11355,7 @@
               <a:t>bị</a:t>
             </a:r>
             <a:r>
-              <a:rPr lang="en-US" sz="2800" kern="100" dirty="0">
+              <a:rPr lang="en-US" sz="2400" kern="100" dirty="0">
                 <a:solidFill>
                   <a:schemeClr val="tx1">
                     <a:lumMod val="50000"/>
@@ -11368,7 +11368,7 @@
               <a:t> </a:t>
             </a:r>
             <a:r>
-              <a:rPr lang="en-US" sz="2800" kern="100" dirty="0" err="1">
+              <a:rPr lang="en-US" sz="2400" kern="100" dirty="0" err="1">
                 <a:solidFill>
                   <a:schemeClr val="tx1">
                     <a:lumMod val="50000"/>
@@ -11381,7 +11381,7 @@
               <a:t>thông</a:t>
             </a:r>
             <a:r>
-              <a:rPr lang="en-US" sz="2800" kern="100" dirty="0">
+              <a:rPr lang="en-US" sz="2400" kern="100" dirty="0">
                 <a:solidFill>
                   <a:schemeClr val="tx1">
                     <a:lumMod val="50000"/>
@@ -11394,7 +11394,7 @@
               <a:t> </a:t>
             </a:r>
             <a:r>
-              <a:rPr lang="en-US" sz="2800" kern="100" dirty="0" err="1">
+              <a:rPr lang="en-US" sz="2400" kern="100" dirty="0" err="1">
                 <a:solidFill>
                   <a:schemeClr val="tx1">
                     <a:lumMod val="50000"/>
@@ -11407,7 +11407,7 @@
               <a:t>minh</a:t>
             </a:r>
             <a:r>
-              <a:rPr lang="en-US" sz="2800" kern="100" dirty="0">
+              <a:rPr lang="en-US" sz="2400" kern="100" dirty="0">
                 <a:solidFill>
                   <a:schemeClr val="tx1">
                     <a:lumMod val="50000"/>
@@ -11435,7 +11435,7 @@
               <a:buChar char="ü"/>
             </a:pPr>
             <a:r>
-              <a:rPr lang="en-US" sz="2800" dirty="0" err="1">
+              <a:rPr lang="en-US" sz="2400" dirty="0" err="1">
                 <a:solidFill>
                   <a:schemeClr val="tx1">
                     <a:lumMod val="50000"/>
@@ -11448,7 +11448,7 @@
               <a:t>Bảo</a:t>
             </a:r>
             <a:r>
-              <a:rPr lang="en-US" sz="2800" dirty="0">
+              <a:rPr lang="en-US" sz="2400" dirty="0">
                 <a:solidFill>
                   <a:schemeClr val="tx1">
                     <a:lumMod val="50000"/>
@@ -11461,7 +11461,7 @@
               <a:t> </a:t>
             </a:r>
             <a:r>
-              <a:rPr lang="en-US" sz="2800" dirty="0" err="1">
+              <a:rPr lang="en-US" sz="2400" dirty="0" err="1">
                 <a:solidFill>
                   <a:schemeClr val="tx1">
                     <a:lumMod val="50000"/>
@@ -11474,7 +11474,7 @@
               <a:t>mật</a:t>
             </a:r>
             <a:r>
-              <a:rPr lang="en-US" sz="2800" dirty="0">
+              <a:rPr lang="en-US" sz="2400" dirty="0">
                 <a:solidFill>
                   <a:schemeClr val="tx1">
                     <a:lumMod val="50000"/>
@@ -11487,7 +11487,7 @@
               <a:t> </a:t>
             </a:r>
             <a:r>
-              <a:rPr lang="en-US" sz="2800" dirty="0" err="1">
+              <a:rPr lang="en-US" sz="2400" dirty="0" err="1">
                 <a:solidFill>
                   <a:schemeClr val="tx1">
                     <a:lumMod val="50000"/>
@@ -11500,7 +11500,7 @@
               <a:t>va</a:t>
             </a:r>
             <a:r>
-              <a:rPr lang="en-US" sz="2800" dirty="0">
+              <a:rPr lang="en-US" sz="2400" dirty="0">
                 <a:solidFill>
                   <a:schemeClr val="tx1">
                     <a:lumMod val="50000"/>
@@ -11513,7 +11513,7 @@
               <a:t>̀ </a:t>
             </a:r>
             <a:r>
-              <a:rPr lang="en-US" sz="2800" dirty="0" err="1">
+              <a:rPr lang="en-US" sz="2400" dirty="0" err="1">
                 <a:solidFill>
                   <a:schemeClr val="tx1">
                     <a:lumMod val="50000"/>
@@ -11526,7 +11526,7 @@
               <a:t>chấm</a:t>
             </a:r>
             <a:r>
-              <a:rPr lang="en-US" sz="2800" dirty="0">
+              <a:rPr lang="en-US" sz="2400" dirty="0">
                 <a:solidFill>
                   <a:schemeClr val="tx1">
                     <a:lumMod val="50000"/>
@@ -11539,7 +11539,7 @@
               <a:t> </a:t>
             </a:r>
             <a:r>
-              <a:rPr lang="en-US" sz="2800" dirty="0" err="1">
+              <a:rPr lang="en-US" sz="2400" dirty="0" err="1">
                 <a:solidFill>
                   <a:schemeClr val="tx1">
                     <a:lumMod val="50000"/>
@@ -11552,7 +11552,7 @@
               <a:t>công</a:t>
             </a:r>
             <a:r>
-              <a:rPr lang="en-US" sz="2800" dirty="0">
+              <a:rPr lang="en-US" sz="2400" dirty="0">
                 <a:solidFill>
                   <a:schemeClr val="tx1">
                     <a:lumMod val="50000"/>
@@ -11565,7 +11565,7 @@
               <a:t> </a:t>
             </a:r>
             <a:r>
-              <a:rPr lang="en-US" sz="2800" dirty="0" err="1">
+              <a:rPr lang="en-US" sz="2400" dirty="0" err="1">
                 <a:solidFill>
                   <a:schemeClr val="tx1">
                     <a:lumMod val="50000"/>
@@ -11578,7 +11578,7 @@
               <a:t>trong</a:t>
             </a:r>
             <a:r>
-              <a:rPr lang="en-US" sz="2800" dirty="0">
+              <a:rPr lang="en-US" sz="2400" dirty="0">
                 <a:solidFill>
                   <a:schemeClr val="tx1">
                     <a:lumMod val="50000"/>
@@ -11591,7 +11591,7 @@
               <a:t> </a:t>
             </a:r>
             <a:r>
-              <a:rPr lang="en-US" sz="2800" dirty="0" err="1">
+              <a:rPr lang="en-US" sz="2400" dirty="0" err="1">
                 <a:solidFill>
                   <a:schemeClr val="tx1">
                     <a:lumMod val="50000"/>
@@ -11604,7 +11604,7 @@
               <a:t>công</a:t>
             </a:r>
             <a:r>
-              <a:rPr lang="en-US" sz="2800" dirty="0">
+              <a:rPr lang="en-US" sz="2400" dirty="0">
                 <a:solidFill>
                   <a:schemeClr val="tx1">
                     <a:lumMod val="50000"/>
@@ -11617,7 +11617,7 @@
               <a:t> </a:t>
             </a:r>
             <a:r>
-              <a:rPr lang="en-US" sz="2800" dirty="0" err="1">
+              <a:rPr lang="en-US" sz="2400" dirty="0" err="1">
                 <a:solidFill>
                   <a:schemeClr val="tx1">
                     <a:lumMod val="50000"/>
@@ -11630,7 +11630,7 @@
               <a:t>việc</a:t>
             </a:r>
             <a:r>
-              <a:rPr lang="en-US" sz="2800" dirty="0">
+              <a:rPr lang="en-US" sz="2400" dirty="0">
                 <a:solidFill>
                   <a:schemeClr val="tx1">
                     <a:lumMod val="50000"/>
@@ -11658,7 +11658,7 @@
               <a:buChar char="ü"/>
             </a:pPr>
             <a:r>
-              <a:rPr lang="vi-VN" sz="2800" i="0" dirty="0">
+              <a:rPr lang="vi-VN" sz="2400" i="0" dirty="0">
                 <a:solidFill>
                   <a:schemeClr val="tx1">
                     <a:lumMod val="50000"/>
@@ -11670,7 +11670,7 @@
               <a:t>Tìm người mất tích và thú đi lạc</a:t>
             </a:r>
             <a:r>
-              <a:rPr lang="en-US" sz="2800" i="0" dirty="0">
+              <a:rPr lang="en-US" sz="2400" i="0" dirty="0">
                 <a:solidFill>
                   <a:schemeClr val="tx1">
                     <a:lumMod val="50000"/>
@@ -11681,7 +11681,7 @@
               </a:rPr>
               <a:t>.</a:t>
             </a:r>
-            <a:endParaRPr lang="vi-VN" sz="2800" i="0" dirty="0">
+            <a:endParaRPr lang="vi-VN" sz="2400" i="0" dirty="0">
               <a:solidFill>
                 <a:schemeClr val="tx1">
                   <a:lumMod val="50000"/>
@@ -13213,7 +13213,7 @@
         <p:spPr>
           <a:xfrm>
             <a:off x="703384" y="1121261"/>
-            <a:ext cx="8169310" cy="9072227"/>
+            <a:ext cx="8169310" cy="7964232"/>
           </a:xfrm>
           <a:prstGeom prst="rect">
             <a:avLst/>
@@ -13306,7 +13306,7 @@
               <a:buChar char="ü"/>
             </a:pPr>
             <a:r>
-              <a:rPr lang="en-US" sz="2800" dirty="0" err="1">
+              <a:rPr lang="en-US" sz="2400" dirty="0" err="1">
                 <a:solidFill>
                   <a:schemeClr val="tx1">
                     <a:lumMod val="50000"/>
@@ -13319,7 +13319,7 @@
               <a:t>Công</a:t>
             </a:r>
             <a:r>
-              <a:rPr lang="en-US" sz="2800" dirty="0">
+              <a:rPr lang="en-US" sz="2400" dirty="0">
                 <a:solidFill>
                   <a:schemeClr val="tx1">
                     <a:lumMod val="50000"/>
@@ -13332,7 +13332,7 @@
               <a:t> </a:t>
             </a:r>
             <a:r>
-              <a:rPr lang="en-US" sz="2800" dirty="0" err="1">
+              <a:rPr lang="en-US" sz="2400" dirty="0" err="1">
                 <a:solidFill>
                   <a:schemeClr val="tx1">
                     <a:lumMod val="50000"/>
@@ -13345,7 +13345,7 @@
               <a:t>nghê</a:t>
             </a:r>
             <a:r>
-              <a:rPr lang="en-US" sz="2800" dirty="0">
+              <a:rPr lang="en-US" sz="2400" dirty="0">
                 <a:solidFill>
                   <a:schemeClr val="tx1">
                     <a:lumMod val="50000"/>
@@ -13358,7 +13358,7 @@
               <a:t>̣ </a:t>
             </a:r>
             <a:r>
-              <a:rPr lang="en-US" sz="2800" dirty="0" err="1">
+              <a:rPr lang="en-US" sz="2400" dirty="0" err="1">
                 <a:solidFill>
                   <a:schemeClr val="tx1">
                     <a:lumMod val="50000"/>
@@ -13371,7 +13371,7 @@
               <a:t>nhận</a:t>
             </a:r>
             <a:r>
-              <a:rPr lang="en-US" sz="2800" dirty="0">
+              <a:rPr lang="en-US" sz="2400" dirty="0">
                 <a:solidFill>
                   <a:schemeClr val="tx1">
                     <a:lumMod val="50000"/>
@@ -13384,7 +13384,7 @@
               <a:t> </a:t>
             </a:r>
             <a:r>
-              <a:rPr lang="en-US" sz="2800" dirty="0" err="1">
+              <a:rPr lang="en-US" sz="2400" dirty="0" err="1">
                 <a:solidFill>
                   <a:schemeClr val="tx1">
                     <a:lumMod val="50000"/>
@@ -13397,7 +13397,7 @@
               <a:t>diện</a:t>
             </a:r>
             <a:r>
-              <a:rPr lang="en-US" sz="2800" dirty="0">
+              <a:rPr lang="en-US" sz="2400" dirty="0">
                 <a:solidFill>
                   <a:schemeClr val="tx1">
                     <a:lumMod val="50000"/>
@@ -13410,7 +13410,7 @@
               <a:t> </a:t>
             </a:r>
             <a:r>
-              <a:rPr lang="en-US" sz="2800" dirty="0" err="1">
+              <a:rPr lang="en-US" sz="2400" dirty="0" err="1">
                 <a:solidFill>
                   <a:schemeClr val="tx1">
                     <a:lumMod val="50000"/>
@@ -13423,7 +13423,7 @@
               <a:t>khuôn</a:t>
             </a:r>
             <a:r>
-              <a:rPr lang="en-US" sz="2800" dirty="0">
+              <a:rPr lang="en-US" sz="2400" dirty="0">
                 <a:solidFill>
                   <a:schemeClr val="tx1">
                     <a:lumMod val="50000"/>
@@ -13436,7 +13436,7 @@
               <a:t> </a:t>
             </a:r>
             <a:r>
-              <a:rPr lang="en-US" sz="2800" dirty="0" err="1">
+              <a:rPr lang="en-US" sz="2400" dirty="0" err="1">
                 <a:solidFill>
                   <a:schemeClr val="tx1">
                     <a:lumMod val="50000"/>
@@ -13449,7 +13449,7 @@
               <a:t>mặt</a:t>
             </a:r>
             <a:r>
-              <a:rPr lang="en-US" sz="2800" dirty="0">
+              <a:rPr lang="en-US" sz="2400" dirty="0">
                 <a:solidFill>
                   <a:schemeClr val="tx1">
                     <a:lumMod val="50000"/>
@@ -13462,7 +13462,7 @@
               <a:t> là </a:t>
             </a:r>
             <a:r>
-              <a:rPr lang="en-US" sz="2800" dirty="0" err="1">
+              <a:rPr lang="en-US" sz="2400" dirty="0" err="1">
                 <a:solidFill>
                   <a:schemeClr val="tx1">
                     <a:lumMod val="50000"/>
@@ -13475,7 +13475,7 @@
               <a:t>công</a:t>
             </a:r>
             <a:r>
-              <a:rPr lang="en-US" sz="2800" dirty="0">
+              <a:rPr lang="en-US" sz="2400" dirty="0">
                 <a:solidFill>
                   <a:schemeClr val="tx1">
                     <a:lumMod val="50000"/>
@@ -13488,7 +13488,7 @@
               <a:t> </a:t>
             </a:r>
             <a:r>
-              <a:rPr lang="en-US" sz="2800" dirty="0" err="1">
+              <a:rPr lang="en-US" sz="2400" dirty="0" err="1">
                 <a:solidFill>
                   <a:schemeClr val="tx1">
                     <a:lumMod val="50000"/>
@@ -13501,7 +13501,7 @@
               <a:t>nghê</a:t>
             </a:r>
             <a:r>
-              <a:rPr lang="en-US" sz="2800" dirty="0">
+              <a:rPr lang="en-US" sz="2400" dirty="0">
                 <a:solidFill>
                   <a:schemeClr val="tx1">
                     <a:lumMod val="50000"/>
@@ -13514,7 +13514,7 @@
               <a:t>̣ </a:t>
             </a:r>
             <a:r>
-              <a:rPr lang="en-US" sz="2800" dirty="0" err="1">
+              <a:rPr lang="en-US" sz="2400" dirty="0" err="1">
                 <a:solidFill>
                   <a:schemeClr val="tx1">
                     <a:lumMod val="50000"/>
@@ -13527,7 +13527,7 @@
               <a:t>sinh</a:t>
             </a:r>
             <a:r>
-              <a:rPr lang="en-US" sz="2800" dirty="0">
+              <a:rPr lang="en-US" sz="2400" dirty="0">
                 <a:solidFill>
                   <a:schemeClr val="tx1">
                     <a:lumMod val="50000"/>
@@ -13540,7 +13540,7 @@
               <a:t> </a:t>
             </a:r>
             <a:r>
-              <a:rPr lang="en-US" sz="2800" dirty="0" err="1">
+              <a:rPr lang="en-US" sz="2400" dirty="0" err="1">
                 <a:solidFill>
                   <a:schemeClr val="tx1">
                     <a:lumMod val="50000"/>
@@ -13553,7 +13553,7 @@
               <a:t>trắc</a:t>
             </a:r>
             <a:r>
-              <a:rPr lang="en-US" sz="2800" dirty="0">
+              <a:rPr lang="en-US" sz="2400" dirty="0">
                 <a:solidFill>
                   <a:schemeClr val="tx1">
                     <a:lumMod val="50000"/>
@@ -13566,7 +13566,7 @@
               <a:t> </a:t>
             </a:r>
             <a:r>
-              <a:rPr lang="en-US" sz="2800" dirty="0" err="1">
+              <a:rPr lang="en-US" sz="2400" dirty="0" err="1">
                 <a:solidFill>
                   <a:schemeClr val="tx1">
                     <a:lumMod val="50000"/>
@@ -13579,7 +13579,7 @@
               <a:t>học</a:t>
             </a:r>
             <a:r>
-              <a:rPr lang="en-US" sz="2800" dirty="0">
+              <a:rPr lang="en-US" sz="2400" dirty="0">
                 <a:solidFill>
                   <a:schemeClr val="tx1">
                     <a:lumMod val="50000"/>
@@ -13592,7 +13592,7 @@
               <a:t> </a:t>
             </a:r>
             <a:r>
-              <a:rPr lang="en-US" sz="2800" dirty="0" err="1">
+              <a:rPr lang="en-US" sz="2400" dirty="0" err="1">
                 <a:solidFill>
                   <a:schemeClr val="tx1">
                     <a:lumMod val="50000"/>
@@ -13605,7 +13605,7 @@
               <a:t>hiện</a:t>
             </a:r>
             <a:r>
-              <a:rPr lang="en-US" sz="2800" dirty="0">
+              <a:rPr lang="en-US" sz="2400" dirty="0">
                 <a:solidFill>
                   <a:schemeClr val="tx1">
                     <a:lumMod val="50000"/>
@@ -13618,7 +13618,7 @@
               <a:t> </a:t>
             </a:r>
             <a:r>
-              <a:rPr lang="en-US" sz="2800" dirty="0" err="1">
+              <a:rPr lang="en-US" sz="2400" dirty="0" err="1">
                 <a:solidFill>
                   <a:schemeClr val="tx1">
                     <a:lumMod val="50000"/>
@@ -13631,7 +13631,7 @@
               <a:t>đại</a:t>
             </a:r>
             <a:r>
-              <a:rPr lang="en-US" sz="2800" dirty="0">
+              <a:rPr lang="en-US" sz="2400" dirty="0">
                 <a:solidFill>
                   <a:schemeClr val="tx1">
                     <a:lumMod val="50000"/>
@@ -13644,7 +13644,7 @@
               <a:t> </a:t>
             </a:r>
             <a:r>
-              <a:rPr lang="en-US" sz="2800" dirty="0" err="1">
+              <a:rPr lang="en-US" sz="2400" dirty="0" err="1">
                 <a:solidFill>
                   <a:schemeClr val="tx1">
                     <a:lumMod val="50000"/>
@@ -13657,7 +13657,7 @@
               <a:t>với</a:t>
             </a:r>
             <a:r>
-              <a:rPr lang="en-US" sz="2800" dirty="0">
+              <a:rPr lang="en-US" sz="2400" dirty="0">
                 <a:solidFill>
                   <a:schemeClr val="tx1">
                     <a:lumMod val="50000"/>
@@ -13670,7 +13670,7 @@
               <a:t> </a:t>
             </a:r>
             <a:r>
-              <a:rPr lang="en-US" sz="2800" dirty="0" err="1">
+              <a:rPr lang="en-US" sz="2400" dirty="0" err="1">
                 <a:solidFill>
                   <a:schemeClr val="tx1">
                     <a:lumMod val="50000"/>
@@ -13683,7 +13683,7 @@
               <a:t>công</a:t>
             </a:r>
             <a:r>
-              <a:rPr lang="en-US" sz="2800" dirty="0">
+              <a:rPr lang="en-US" sz="2400" dirty="0">
                 <a:solidFill>
                   <a:schemeClr val="tx1">
                     <a:lumMod val="50000"/>
@@ -13696,7 +13696,7 @@
               <a:t> </a:t>
             </a:r>
             <a:r>
-              <a:rPr lang="en-US" sz="2800" dirty="0" err="1">
+              <a:rPr lang="en-US" sz="2400" dirty="0" err="1">
                 <a:solidFill>
                   <a:schemeClr val="tx1">
                     <a:lumMod val="50000"/>
@@ -13709,7 +13709,7 @@
               <a:t>nghê</a:t>
             </a:r>
             <a:r>
-              <a:rPr lang="en-US" sz="2800" dirty="0">
+              <a:rPr lang="en-US" sz="2400" dirty="0">
                 <a:solidFill>
                   <a:schemeClr val="tx1">
                     <a:lumMod val="50000"/>
@@ -13722,7 +13722,7 @@
               <a:t>̣ </a:t>
             </a:r>
             <a:r>
-              <a:rPr lang="en-US" sz="2800" dirty="0" err="1">
+              <a:rPr lang="en-US" sz="2400" dirty="0" err="1">
                 <a:solidFill>
                   <a:schemeClr val="tx1">
                     <a:lumMod val="50000"/>
@@ -13735,7 +13735,7 @@
               <a:t>bảo</a:t>
             </a:r>
             <a:r>
-              <a:rPr lang="en-US" sz="2800" dirty="0">
+              <a:rPr lang="en-US" sz="2400" dirty="0">
                 <a:solidFill>
                   <a:schemeClr val="tx1">
                     <a:lumMod val="50000"/>
@@ -13748,7 +13748,7 @@
               <a:t> </a:t>
             </a:r>
             <a:r>
-              <a:rPr lang="en-US" sz="2800" dirty="0" err="1">
+              <a:rPr lang="en-US" sz="2400" dirty="0" err="1">
                 <a:solidFill>
                   <a:schemeClr val="tx1">
                     <a:lumMod val="50000"/>
@@ -13761,7 +13761,7 @@
               <a:t>mật</a:t>
             </a:r>
             <a:r>
-              <a:rPr lang="en-US" sz="2800" dirty="0">
+              <a:rPr lang="en-US" sz="2400" dirty="0">
                 <a:solidFill>
                   <a:schemeClr val="tx1">
                     <a:lumMod val="50000"/>
@@ -13774,7 +13774,7 @@
               <a:t> 3D </a:t>
             </a:r>
             <a:r>
-              <a:rPr lang="en-US" sz="2800" dirty="0" err="1">
+              <a:rPr lang="en-US" sz="2400" dirty="0" err="1">
                 <a:solidFill>
                   <a:schemeClr val="tx1">
                     <a:lumMod val="50000"/>
@@ -13787,7 +13787,7 @@
               <a:t>khuôn</a:t>
             </a:r>
             <a:r>
-              <a:rPr lang="en-US" sz="2800" dirty="0">
+              <a:rPr lang="en-US" sz="2400" dirty="0">
                 <a:solidFill>
                   <a:schemeClr val="tx1">
                     <a:lumMod val="50000"/>
@@ -13800,7 +13800,7 @@
               <a:t> </a:t>
             </a:r>
             <a:r>
-              <a:rPr lang="en-US" sz="2800" dirty="0" err="1">
+              <a:rPr lang="en-US" sz="2400" dirty="0" err="1">
                 <a:solidFill>
                   <a:schemeClr val="tx1">
                     <a:lumMod val="50000"/>
@@ -13813,7 +13813,7 @@
               <a:t>mặt</a:t>
             </a:r>
             <a:r>
-              <a:rPr lang="en-US" sz="2800" dirty="0">
+              <a:rPr lang="en-US" sz="2400" dirty="0">
                 <a:solidFill>
                   <a:schemeClr val="tx1">
                     <a:lumMod val="50000"/>
@@ -13826,7 +13826,7 @@
               <a:t> </a:t>
             </a:r>
             <a:r>
-              <a:rPr lang="en-US" sz="2800" dirty="0" err="1">
+              <a:rPr lang="en-US" sz="2400" dirty="0" err="1">
                 <a:solidFill>
                   <a:schemeClr val="tx1">
                     <a:lumMod val="50000"/>
@@ -13839,7 +13839,7 @@
               <a:t>đa</a:t>
             </a:r>
             <a:r>
-              <a:rPr lang="en-US" sz="2800" dirty="0">
+              <a:rPr lang="en-US" sz="2400" dirty="0">
                 <a:solidFill>
                   <a:schemeClr val="tx1">
                     <a:lumMod val="50000"/>
@@ -13852,7 +13852,7 @@
               <a:t>̃ </a:t>
             </a:r>
             <a:r>
-              <a:rPr lang="en-US" sz="2800" dirty="0" err="1">
+              <a:rPr lang="en-US" sz="2400" dirty="0" err="1">
                 <a:solidFill>
                   <a:schemeClr val="tx1">
                     <a:lumMod val="50000"/>
@@ -13865,7 +13865,7 @@
               <a:t>giúp</a:t>
             </a:r>
             <a:r>
-              <a:rPr lang="en-US" sz="2800" dirty="0">
+              <a:rPr lang="en-US" sz="2400" dirty="0">
                 <a:solidFill>
                   <a:schemeClr val="tx1">
                     <a:lumMod val="50000"/>
@@ -13878,7 +13878,7 @@
               <a:t> </a:t>
             </a:r>
             <a:r>
-              <a:rPr lang="en-US" sz="2800" dirty="0" err="1">
+              <a:rPr lang="en-US" sz="2400" dirty="0" err="1">
                 <a:solidFill>
                   <a:schemeClr val="tx1">
                     <a:lumMod val="50000"/>
@@ -13891,7 +13891,7 @@
               <a:t>cho</a:t>
             </a:r>
             <a:r>
-              <a:rPr lang="en-US" sz="2800" dirty="0">
+              <a:rPr lang="en-US" sz="2400" dirty="0">
                 <a:solidFill>
                   <a:schemeClr val="tx1">
                     <a:lumMod val="50000"/>
@@ -13904,7 +13904,7 @@
               <a:t> </a:t>
             </a:r>
             <a:r>
-              <a:rPr lang="en-US" sz="2800" dirty="0" err="1">
+              <a:rPr lang="en-US" sz="2400" dirty="0" err="1">
                 <a:solidFill>
                   <a:schemeClr val="tx1">
                     <a:lumMod val="50000"/>
@@ -13917,7 +13917,7 @@
               <a:t>công</a:t>
             </a:r>
             <a:r>
-              <a:rPr lang="en-US" sz="2800" dirty="0">
+              <a:rPr lang="en-US" sz="2400" dirty="0">
                 <a:solidFill>
                   <a:schemeClr val="tx1">
                     <a:lumMod val="50000"/>
@@ -13930,7 +13930,7 @@
               <a:t> </a:t>
             </a:r>
             <a:r>
-              <a:rPr lang="en-US" sz="2800" dirty="0" err="1">
+              <a:rPr lang="en-US" sz="2400" dirty="0" err="1">
                 <a:solidFill>
                   <a:schemeClr val="tx1">
                     <a:lumMod val="50000"/>
@@ -13943,7 +13943,7 @@
               <a:t>nghê</a:t>
             </a:r>
             <a:r>
-              <a:rPr lang="en-US" sz="2800" dirty="0">
+              <a:rPr lang="en-US" sz="2400" dirty="0">
                 <a:solidFill>
                   <a:schemeClr val="tx1">
                     <a:lumMod val="50000"/>
@@ -13956,7 +13956,7 @@
               <a:t>̣ </a:t>
             </a:r>
             <a:r>
-              <a:rPr lang="en-US" sz="2800" dirty="0" err="1">
+              <a:rPr lang="en-US" sz="2400" dirty="0" err="1">
                 <a:solidFill>
                   <a:schemeClr val="tx1">
                     <a:lumMod val="50000"/>
@@ -13969,7 +13969,7 @@
               <a:t>khuôn</a:t>
             </a:r>
             <a:r>
-              <a:rPr lang="en-US" sz="2800" dirty="0">
+              <a:rPr lang="en-US" sz="2400" dirty="0">
                 <a:solidFill>
                   <a:schemeClr val="tx1">
                     <a:lumMod val="50000"/>
@@ -13982,7 +13982,7 @@
               <a:t> </a:t>
             </a:r>
             <a:r>
-              <a:rPr lang="en-US" sz="2800" dirty="0" err="1">
+              <a:rPr lang="en-US" sz="2400" dirty="0" err="1">
                 <a:solidFill>
                   <a:schemeClr val="tx1">
                     <a:lumMod val="50000"/>
@@ -13995,7 +13995,7 @@
               <a:t>mặt</a:t>
             </a:r>
             <a:r>
-              <a:rPr lang="en-US" sz="2800" dirty="0">
+              <a:rPr lang="en-US" sz="2400" dirty="0">
                 <a:solidFill>
                   <a:schemeClr val="tx1">
                     <a:lumMod val="50000"/>
@@ -14008,7 +14008,7 @@
               <a:t> có </a:t>
             </a:r>
             <a:r>
-              <a:rPr lang="en-US" sz="2800" dirty="0" err="1">
+              <a:rPr lang="en-US" sz="2400" dirty="0" err="1">
                 <a:solidFill>
                   <a:schemeClr val="tx1">
                     <a:lumMod val="50000"/>
@@ -14021,7 +14021,7 @@
               <a:t>thê</a:t>
             </a:r>
             <a:r>
-              <a:rPr lang="en-US" sz="2800" dirty="0">
+              <a:rPr lang="en-US" sz="2400" dirty="0">
                 <a:solidFill>
                   <a:schemeClr val="tx1">
                     <a:lumMod val="50000"/>
@@ -14034,7 +14034,7 @@
               <a:t>̉ </a:t>
             </a:r>
             <a:r>
-              <a:rPr lang="en-US" sz="2800" dirty="0" err="1">
+              <a:rPr lang="en-US" sz="2400" dirty="0" err="1">
                 <a:solidFill>
                   <a:schemeClr val="tx1">
                     <a:lumMod val="50000"/>
@@ -14047,7 +14047,7 @@
               <a:t>nhận</a:t>
             </a:r>
             <a:r>
-              <a:rPr lang="en-US" sz="2800" dirty="0">
+              <a:rPr lang="en-US" sz="2400" dirty="0">
                 <a:solidFill>
                   <a:schemeClr val="tx1">
                     <a:lumMod val="50000"/>
@@ -14060,7 +14060,7 @@
               <a:t> </a:t>
             </a:r>
             <a:r>
-              <a:rPr lang="en-US" sz="2800" dirty="0" err="1">
+              <a:rPr lang="en-US" sz="2400" dirty="0" err="1">
                 <a:solidFill>
                   <a:schemeClr val="tx1">
                     <a:lumMod val="50000"/>
@@ -14073,7 +14073,7 @@
               <a:t>diện</a:t>
             </a:r>
             <a:r>
-              <a:rPr lang="en-US" sz="2800" dirty="0">
+              <a:rPr lang="en-US" sz="2400" dirty="0">
                 <a:solidFill>
                   <a:schemeClr val="tx1">
                     <a:lumMod val="50000"/>
@@ -14086,7 +14086,7 @@
               <a:t> </a:t>
             </a:r>
             <a:r>
-              <a:rPr lang="en-US" sz="2800" dirty="0" err="1">
+              <a:rPr lang="en-US" sz="2400" dirty="0" err="1">
                 <a:solidFill>
                   <a:schemeClr val="tx1">
                     <a:lumMod val="50000"/>
@@ -14099,7 +14099,7 @@
               <a:t>chính</a:t>
             </a:r>
             <a:r>
-              <a:rPr lang="en-US" sz="2800" dirty="0">
+              <a:rPr lang="en-US" sz="2400" dirty="0">
                 <a:solidFill>
                   <a:schemeClr val="tx1">
                     <a:lumMod val="50000"/>
@@ -14112,7 +14112,7 @@
               <a:t> </a:t>
             </a:r>
             <a:r>
-              <a:rPr lang="en-US" sz="2800" dirty="0" err="1">
+              <a:rPr lang="en-US" sz="2400" dirty="0" err="1">
                 <a:solidFill>
                   <a:schemeClr val="tx1">
                     <a:lumMod val="50000"/>
@@ -14125,7 +14125,7 @@
               <a:t>xác</a:t>
             </a:r>
             <a:r>
-              <a:rPr lang="en-US" sz="2800" dirty="0">
+              <a:rPr lang="en-US" sz="2400" dirty="0">
                 <a:solidFill>
                   <a:schemeClr val="tx1">
                     <a:lumMod val="50000"/>
@@ -14138,7 +14138,7 @@
               <a:t> </a:t>
             </a:r>
             <a:r>
-              <a:rPr lang="en-US" sz="2800" dirty="0" err="1">
+              <a:rPr lang="en-US" sz="2400" dirty="0" err="1">
                 <a:solidFill>
                   <a:schemeClr val="tx1">
                     <a:lumMod val="50000"/>
@@ -14151,7 +14151,7 @@
               <a:t>mặt</a:t>
             </a:r>
             <a:r>
-              <a:rPr lang="en-US" sz="2800" dirty="0">
+              <a:rPr lang="en-US" sz="2400" dirty="0">
                 <a:solidFill>
                   <a:schemeClr val="tx1">
                     <a:lumMod val="50000"/>
@@ -14164,7 +14164,7 @@
               <a:t> </a:t>
             </a:r>
             <a:r>
-              <a:rPr lang="en-US" sz="2800" dirty="0" err="1">
+              <a:rPr lang="en-US" sz="2400" dirty="0" err="1">
                 <a:solidFill>
                   <a:schemeClr val="tx1">
                     <a:lumMod val="50000"/>
@@ -14177,7 +14177,7 @@
               <a:t>va</a:t>
             </a:r>
             <a:r>
-              <a:rPr lang="en-US" sz="2800" dirty="0">
+              <a:rPr lang="en-US" sz="2400" dirty="0">
                 <a:solidFill>
                   <a:schemeClr val="tx1">
                     <a:lumMod val="50000"/>
@@ -14190,7 +14190,7 @@
               <a:t>̀ </a:t>
             </a:r>
             <a:r>
-              <a:rPr lang="en-US" sz="2800" dirty="0" err="1">
+              <a:rPr lang="en-US" sz="2400" dirty="0" err="1">
                 <a:solidFill>
                   <a:schemeClr val="tx1">
                     <a:lumMod val="50000"/>
@@ -14203,7 +14203,7 @@
               <a:t>giúp</a:t>
             </a:r>
             <a:r>
-              <a:rPr lang="en-US" sz="2800" dirty="0">
+              <a:rPr lang="en-US" sz="2400" dirty="0">
                 <a:solidFill>
                   <a:schemeClr val="tx1">
                     <a:lumMod val="50000"/>
@@ -14216,7 +14216,7 @@
               <a:t> </a:t>
             </a:r>
             <a:r>
-              <a:rPr lang="en-US" sz="2800" dirty="0" err="1">
+              <a:rPr lang="en-US" sz="2400" dirty="0" err="1">
                 <a:solidFill>
                   <a:schemeClr val="tx1">
                     <a:lumMod val="50000"/>
@@ -14229,7 +14229,7 @@
               <a:t>cho</a:t>
             </a:r>
             <a:r>
-              <a:rPr lang="en-US" sz="2800" dirty="0">
+              <a:rPr lang="en-US" sz="2400" dirty="0">
                 <a:solidFill>
                   <a:schemeClr val="tx1">
                     <a:lumMod val="50000"/>
@@ -14242,7 +14242,7 @@
               <a:t> </a:t>
             </a:r>
             <a:r>
-              <a:rPr lang="en-US" sz="2800" dirty="0" err="1">
+              <a:rPr lang="en-US" sz="2400" dirty="0" err="1">
                 <a:solidFill>
                   <a:schemeClr val="tx1">
                     <a:lumMod val="50000"/>
@@ -14255,7 +14255,7 @@
               <a:t>nền</a:t>
             </a:r>
             <a:r>
-              <a:rPr lang="en-US" sz="2800" dirty="0">
+              <a:rPr lang="en-US" sz="2400" dirty="0">
                 <a:solidFill>
                   <a:schemeClr val="tx1">
                     <a:lumMod val="50000"/>
@@ -14268,7 +14268,7 @@
               <a:t> khoa </a:t>
             </a:r>
             <a:r>
-              <a:rPr lang="en-US" sz="2800" dirty="0" err="1">
+              <a:rPr lang="en-US" sz="2400" dirty="0" err="1">
                 <a:solidFill>
                   <a:schemeClr val="tx1">
                     <a:lumMod val="50000"/>
@@ -14281,7 +14281,7 @@
               <a:t>học</a:t>
             </a:r>
             <a:r>
-              <a:rPr lang="en-US" sz="2800" dirty="0">
+              <a:rPr lang="en-US" sz="2400" dirty="0">
                 <a:solidFill>
                   <a:schemeClr val="tx1">
                     <a:lumMod val="50000"/>
@@ -14294,7 +14294,7 @@
               <a:t> </a:t>
             </a:r>
             <a:r>
-              <a:rPr lang="en-US" sz="2800" dirty="0" err="1">
+              <a:rPr lang="en-US" sz="2400" dirty="0" err="1">
                 <a:solidFill>
                   <a:schemeClr val="tx1">
                     <a:lumMod val="50000"/>
@@ -14307,7 +14307,7 @@
               <a:t>công</a:t>
             </a:r>
             <a:r>
-              <a:rPr lang="en-US" sz="2800" dirty="0">
+              <a:rPr lang="en-US" sz="2400" dirty="0">
                 <a:solidFill>
                   <a:schemeClr val="tx1">
                     <a:lumMod val="50000"/>
@@ -14320,7 +14320,7 @@
               <a:t> </a:t>
             </a:r>
             <a:r>
-              <a:rPr lang="en-US" sz="2800" dirty="0" err="1">
+              <a:rPr lang="en-US" sz="2400" dirty="0" err="1">
                 <a:solidFill>
                   <a:schemeClr val="tx1">
                     <a:lumMod val="50000"/>
@@ -14333,7 +14333,7 @@
               <a:t>nghê</a:t>
             </a:r>
             <a:r>
-              <a:rPr lang="en-US" sz="2800" dirty="0">
+              <a:rPr lang="en-US" sz="2400" dirty="0">
                 <a:solidFill>
                   <a:schemeClr val="tx1">
                     <a:lumMod val="50000"/>
@@ -14346,7 +14346,7 @@
               <a:t>̣ </a:t>
             </a:r>
             <a:r>
-              <a:rPr lang="en-US" sz="2800" dirty="0" err="1">
+              <a:rPr lang="en-US" sz="2400" dirty="0" err="1">
                 <a:solidFill>
                   <a:schemeClr val="tx1">
                     <a:lumMod val="50000"/>
@@ -14359,7 +14359,7 @@
               <a:t>ngày</a:t>
             </a:r>
             <a:r>
-              <a:rPr lang="en-US" sz="2800" dirty="0">
+              <a:rPr lang="en-US" sz="2400" dirty="0">
                 <a:solidFill>
                   <a:schemeClr val="tx1">
                     <a:lumMod val="50000"/>
@@ -14372,7 +14372,7 @@
               <a:t> </a:t>
             </a:r>
             <a:r>
-              <a:rPr lang="en-US" sz="2800" dirty="0" err="1">
+              <a:rPr lang="en-US" sz="2400" dirty="0" err="1">
                 <a:solidFill>
                   <a:schemeClr val="tx1">
                     <a:lumMod val="50000"/>
@@ -14385,7 +14385,7 @@
               <a:t>càng</a:t>
             </a:r>
             <a:r>
-              <a:rPr lang="en-US" sz="2800" dirty="0">
+              <a:rPr lang="en-US" sz="2400" dirty="0">
                 <a:solidFill>
                   <a:schemeClr val="tx1">
                     <a:lumMod val="50000"/>
@@ -14398,7 +14398,7 @@
               <a:t> </a:t>
             </a:r>
             <a:r>
-              <a:rPr lang="en-US" sz="2800" dirty="0" err="1">
+              <a:rPr lang="en-US" sz="2400" dirty="0" err="1">
                 <a:solidFill>
                   <a:schemeClr val="tx1">
                     <a:lumMod val="50000"/>
@@ -14411,7 +14411,7 @@
               <a:t>tiên</a:t>
             </a:r>
             <a:r>
-              <a:rPr lang="en-US" sz="2800" dirty="0">
+              <a:rPr lang="en-US" sz="2400" dirty="0">
                 <a:solidFill>
                   <a:schemeClr val="tx1">
                     <a:lumMod val="50000"/>
@@ -14424,7 +14424,7 @@
               <a:t> </a:t>
             </a:r>
             <a:r>
-              <a:rPr lang="en-US" sz="2800" dirty="0" err="1">
+              <a:rPr lang="en-US" sz="2400" dirty="0" err="1">
                 <a:solidFill>
                   <a:schemeClr val="tx1">
                     <a:lumMod val="50000"/>
@@ -14437,7 +14437,7 @@
               <a:t>tiến</a:t>
             </a:r>
             <a:r>
-              <a:rPr lang="en-US" sz="2800" dirty="0">
+              <a:rPr lang="en-US" sz="2400" dirty="0">
                 <a:solidFill>
                   <a:schemeClr val="tx1">
                     <a:lumMod val="50000"/>
@@ -14450,7 +14450,7 @@
               <a:t> </a:t>
             </a:r>
             <a:r>
-              <a:rPr lang="en-US" sz="2800" dirty="0" err="1">
+              <a:rPr lang="en-US" sz="2400" dirty="0" err="1">
                 <a:solidFill>
                   <a:schemeClr val="tx1">
                     <a:lumMod val="50000"/>
@@ -14463,7 +14463,7 @@
               <a:t>hơn</a:t>
             </a:r>
             <a:r>
-              <a:rPr lang="en-US" sz="2800" dirty="0">
+              <a:rPr lang="en-US" sz="2400" dirty="0">
                 <a:solidFill>
                   <a:schemeClr val="tx1">
                     <a:lumMod val="50000"/>

--- a/BÀI THUYẾT TRÌNH MẪU.pptx
+++ b/BÀI THUYẾT TRÌNH MẪU.pptx
@@ -734,7 +734,7 @@
           <a:p>
             <a:fld id="{6BDEAFE6-325E-AA48-AC90-E1B1FC9AAA75}" type="datetimeFigureOut">
               <a:rPr lang="en-US"/>
-              <a:t>10/22/2023</a:t>
+              <a:t>10/22/23</a:t>
             </a:fld>
             <a:endParaRPr lang="en-US"/>
           </a:p>
@@ -922,7 +922,7 @@
           <a:p>
             <a:fld id="{6BDEAFE6-325E-AA48-AC90-E1B1FC9AAA75}" type="datetimeFigureOut">
               <a:rPr lang="en-US"/>
-              <a:t>10/22/2023</a:t>
+              <a:t>10/22/23</a:t>
             </a:fld>
             <a:endParaRPr lang="en-US"/>
           </a:p>
@@ -1105,7 +1105,7 @@
           <a:p>
             <a:fld id="{6BDEAFE6-325E-AA48-AC90-E1B1FC9AAA75}" type="datetimeFigureOut">
               <a:rPr lang="en-US"/>
-              <a:t>10/22/2023</a:t>
+              <a:t>10/22/23</a:t>
             </a:fld>
             <a:endParaRPr lang="en-US"/>
           </a:p>
@@ -1283,7 +1283,7 @@
           <a:p>
             <a:fld id="{6BDEAFE6-325E-AA48-AC90-E1B1FC9AAA75}" type="datetimeFigureOut">
               <a:rPr lang="en-US"/>
-              <a:t>10/22/2023</a:t>
+              <a:t>10/22/23</a:t>
             </a:fld>
             <a:endParaRPr lang="en-US"/>
           </a:p>
@@ -1484,7 +1484,7 @@
           <a:p>
             <a:fld id="{6BDEAFE6-325E-AA48-AC90-E1B1FC9AAA75}" type="datetimeFigureOut">
               <a:rPr lang="en-US"/>
-              <a:t>10/22/2023</a:t>
+              <a:t>10/22/23</a:t>
             </a:fld>
             <a:endParaRPr lang="en-US"/>
           </a:p>
@@ -1779,7 +1779,7 @@
           <a:p>
             <a:fld id="{6BDEAFE6-325E-AA48-AC90-E1B1FC9AAA75}" type="datetimeFigureOut">
               <a:rPr lang="en-US"/>
-              <a:t>10/22/2023</a:t>
+              <a:t>10/22/23</a:t>
             </a:fld>
             <a:endParaRPr lang="en-US"/>
           </a:p>
@@ -2213,7 +2213,7 @@
           <a:p>
             <a:fld id="{6BDEAFE6-325E-AA48-AC90-E1B1FC9AAA75}" type="datetimeFigureOut">
               <a:rPr lang="en-US"/>
-              <a:t>10/22/2023</a:t>
+              <a:t>10/22/23</a:t>
             </a:fld>
             <a:endParaRPr lang="en-US"/>
           </a:p>
@@ -2340,7 +2340,7 @@
           <a:p>
             <a:fld id="{6BDEAFE6-325E-AA48-AC90-E1B1FC9AAA75}" type="datetimeFigureOut">
               <a:rPr lang="en-US"/>
-              <a:t>10/22/2023</a:t>
+              <a:t>10/22/23</a:t>
             </a:fld>
             <a:endParaRPr lang="en-US"/>
           </a:p>
@@ -2445,7 +2445,7 @@
           <a:p>
             <a:fld id="{6BDEAFE6-325E-AA48-AC90-E1B1FC9AAA75}" type="datetimeFigureOut">
               <a:rPr lang="en-US"/>
-              <a:t>10/22/2023</a:t>
+              <a:t>10/22/23</a:t>
             </a:fld>
             <a:endParaRPr lang="en-US"/>
           </a:p>
@@ -2730,7 +2730,7 @@
           <a:p>
             <a:fld id="{6BDEAFE6-325E-AA48-AC90-E1B1FC9AAA75}" type="datetimeFigureOut">
               <a:rPr lang="en-US"/>
-              <a:t>10/22/2023</a:t>
+              <a:t>10/22/23</a:t>
             </a:fld>
             <a:endParaRPr lang="en-US"/>
           </a:p>
@@ -2996,7 +2996,7 @@
           <a:p>
             <a:fld id="{6BDEAFE6-325E-AA48-AC90-E1B1FC9AAA75}" type="datetimeFigureOut">
               <a:rPr lang="en-US"/>
-              <a:t>10/22/2023</a:t>
+              <a:t>10/22/23</a:t>
             </a:fld>
             <a:endParaRPr lang="en-US"/>
           </a:p>
@@ -3631,7 +3631,7 @@
           <a:p>
             <a:fld id="{6BDEAFE6-325E-AA48-AC90-E1B1FC9AAA75}" type="datetimeFigureOut">
               <a:rPr lang="en-US"/>
-              <a:t>10/22/2023</a:t>
+              <a:t>10/22/23</a:t>
             </a:fld>
             <a:endParaRPr lang="en-US"/>
           </a:p>
@@ -17173,7 +17173,7 @@
               <a:buChar char="Ø"/>
             </a:pPr>
             <a:r>
-              <a:rPr lang="en-US" sz="2400" dirty="0">
+              <a:rPr lang="en-US" sz="2800" dirty="0">
                 <a:solidFill>
                   <a:srgbClr val="FF0000"/>
                 </a:solidFill>
@@ -17468,7 +17468,7 @@
         <p:spPr>
           <a:xfrm>
             <a:off x="703384" y="1121257"/>
-            <a:ext cx="8169310" cy="1753235"/>
+            <a:ext cx="8169310" cy="1778179"/>
           </a:xfrm>
           <a:prstGeom prst="rect">
             <a:avLst/>
@@ -17489,7 +17489,7 @@
               <a:buChar char="Ø"/>
             </a:pPr>
             <a:r>
-              <a:rPr lang="en-US" sz="2400" dirty="0">
+              <a:rPr lang="en-US" sz="2800" dirty="0">
                 <a:solidFill>
                   <a:srgbClr val="FF0000"/>
                 </a:solidFill>
@@ -17818,7 +17818,7 @@
               <a:buChar char="Ø"/>
             </a:pPr>
             <a:r>
-              <a:rPr lang="en-US" sz="2400" dirty="0">
+              <a:rPr lang="en-US" sz="2800" dirty="0">
                 <a:solidFill>
                   <a:srgbClr val="FF0000"/>
                 </a:solidFill>

--- a/BÀI THUYẾT TRÌNH MẪU.pptx
+++ b/BÀI THUYẾT TRÌNH MẪU.pptx
@@ -734,7 +734,7 @@
           <a:p>
             <a:fld id="{6BDEAFE6-325E-AA48-AC90-E1B1FC9AAA75}" type="datetimeFigureOut">
               <a:rPr lang="en-US"/>
-              <a:t>10/22/23</a:t>
+              <a:t>10/22/2023</a:t>
             </a:fld>
             <a:endParaRPr lang="en-US"/>
           </a:p>
@@ -922,7 +922,7 @@
           <a:p>
             <a:fld id="{6BDEAFE6-325E-AA48-AC90-E1B1FC9AAA75}" type="datetimeFigureOut">
               <a:rPr lang="en-US"/>
-              <a:t>10/22/23</a:t>
+              <a:t>10/22/2023</a:t>
             </a:fld>
             <a:endParaRPr lang="en-US"/>
           </a:p>
@@ -1105,7 +1105,7 @@
           <a:p>
             <a:fld id="{6BDEAFE6-325E-AA48-AC90-E1B1FC9AAA75}" type="datetimeFigureOut">
               <a:rPr lang="en-US"/>
-              <a:t>10/22/23</a:t>
+              <a:t>10/22/2023</a:t>
             </a:fld>
             <a:endParaRPr lang="en-US"/>
           </a:p>
@@ -1283,7 +1283,7 @@
           <a:p>
             <a:fld id="{6BDEAFE6-325E-AA48-AC90-E1B1FC9AAA75}" type="datetimeFigureOut">
               <a:rPr lang="en-US"/>
-              <a:t>10/22/23</a:t>
+              <a:t>10/22/2023</a:t>
             </a:fld>
             <a:endParaRPr lang="en-US"/>
           </a:p>
@@ -1484,7 +1484,7 @@
           <a:p>
             <a:fld id="{6BDEAFE6-325E-AA48-AC90-E1B1FC9AAA75}" type="datetimeFigureOut">
               <a:rPr lang="en-US"/>
-              <a:t>10/22/23</a:t>
+              <a:t>10/22/2023</a:t>
             </a:fld>
             <a:endParaRPr lang="en-US"/>
           </a:p>
@@ -1779,7 +1779,7 @@
           <a:p>
             <a:fld id="{6BDEAFE6-325E-AA48-AC90-E1B1FC9AAA75}" type="datetimeFigureOut">
               <a:rPr lang="en-US"/>
-              <a:t>10/22/23</a:t>
+              <a:t>10/22/2023</a:t>
             </a:fld>
             <a:endParaRPr lang="en-US"/>
           </a:p>
@@ -2213,7 +2213,7 @@
           <a:p>
             <a:fld id="{6BDEAFE6-325E-AA48-AC90-E1B1FC9AAA75}" type="datetimeFigureOut">
               <a:rPr lang="en-US"/>
-              <a:t>10/22/23</a:t>
+              <a:t>10/22/2023</a:t>
             </a:fld>
             <a:endParaRPr lang="en-US"/>
           </a:p>
@@ -2340,7 +2340,7 @@
           <a:p>
             <a:fld id="{6BDEAFE6-325E-AA48-AC90-E1B1FC9AAA75}" type="datetimeFigureOut">
               <a:rPr lang="en-US"/>
-              <a:t>10/22/23</a:t>
+              <a:t>10/22/2023</a:t>
             </a:fld>
             <a:endParaRPr lang="en-US"/>
           </a:p>
@@ -2445,7 +2445,7 @@
           <a:p>
             <a:fld id="{6BDEAFE6-325E-AA48-AC90-E1B1FC9AAA75}" type="datetimeFigureOut">
               <a:rPr lang="en-US"/>
-              <a:t>10/22/23</a:t>
+              <a:t>10/22/2023</a:t>
             </a:fld>
             <a:endParaRPr lang="en-US"/>
           </a:p>
@@ -2730,7 +2730,7 @@
           <a:p>
             <a:fld id="{6BDEAFE6-325E-AA48-AC90-E1B1FC9AAA75}" type="datetimeFigureOut">
               <a:rPr lang="en-US"/>
-              <a:t>10/22/23</a:t>
+              <a:t>10/22/2023</a:t>
             </a:fld>
             <a:endParaRPr lang="en-US"/>
           </a:p>
@@ -2996,7 +2996,7 @@
           <a:p>
             <a:fld id="{6BDEAFE6-325E-AA48-AC90-E1B1FC9AAA75}" type="datetimeFigureOut">
               <a:rPr lang="en-US"/>
-              <a:t>10/22/23</a:t>
+              <a:t>10/22/2023</a:t>
             </a:fld>
             <a:endParaRPr lang="en-US"/>
           </a:p>
@@ -3631,7 +3631,7 @@
           <a:p>
             <a:fld id="{6BDEAFE6-325E-AA48-AC90-E1B1FC9AAA75}" type="datetimeFigureOut">
               <a:rPr lang="en-US"/>
-              <a:t>10/22/23</a:t>
+              <a:t>10/22/2023</a:t>
             </a:fld>
             <a:endParaRPr lang="en-US"/>
           </a:p>
@@ -9255,16 +9255,16 @@
               <a:buChar char="ü"/>
             </a:pPr>
             <a:r>
-              <a:rPr lang="en-US" sz="2400" dirty="0" err="1">
-                <a:solidFill>
-                  <a:schemeClr val="tx1">
-                    <a:lumMod val="50000"/>
-                  </a:schemeClr>
-                </a:solidFill>
-                <a:ea typeface="SF Pro Semibold" pitchFamily="2" charset="0"/>
-                <a:cs typeface="Arial" panose="020B0604020202020204" pitchFamily="34" charset="0"/>
-              </a:rPr>
-              <a:t>Cộng</a:t>
+              <a:rPr lang="en-US" sz="2400">
+                <a:solidFill>
+                  <a:schemeClr val="tx1">
+                    <a:lumMod val="50000"/>
+                  </a:schemeClr>
+                </a:solidFill>
+                <a:ea typeface="SF Pro Semibold" pitchFamily="2" charset="0"/>
+                <a:cs typeface="Arial" panose="020B0604020202020204" pitchFamily="34" charset="0"/>
+              </a:rPr>
+              <a:t>Công</a:t>
             </a:r>
             <a:r>
               <a:rPr lang="en-US" sz="2400" dirty="0">

--- a/BÀI THUYẾT TRÌNH MẪU.pptx
+++ b/BÀI THUYẾT TRÌNH MẪU.pptx
@@ -8866,10 +8866,13 @@
               </a:rPr>
               <a:t>mặt</a:t>
             </a:r>
-            <a:endParaRPr lang="en-US" sz="2400" dirty="0">
-              <a:ea typeface="SF Pro Semibold" pitchFamily="2" charset="0"/>
-              <a:cs typeface="Arial" panose="020B0604020202020204" pitchFamily="34" charset="0"/>
-            </a:endParaRPr>
+            <a:r>
+              <a:rPr lang="en-US" sz="2400" dirty="0">
+                <a:ea typeface="SF Pro Semibold" pitchFamily="2" charset="0"/>
+                <a:cs typeface="Arial" panose="020B0604020202020204" pitchFamily="34" charset="0"/>
+              </a:rPr>
+              <a:t>.</a:t>
+            </a:r>
           </a:p>
           <a:p>
             <a:pPr marL="342900" indent="-342900">
@@ -9089,10 +9092,13 @@
               </a:rPr>
               <a:t>mặt</a:t>
             </a:r>
-            <a:endParaRPr lang="en-US" sz="2400" dirty="0">
-              <a:ea typeface="SF Pro Semibold" pitchFamily="2" charset="0"/>
-              <a:cs typeface="Arial" panose="020B0604020202020204" pitchFamily="34" charset="0"/>
-            </a:endParaRPr>
+            <a:r>
+              <a:rPr lang="en-US" sz="2400" dirty="0">
+                <a:ea typeface="SF Pro Semibold" pitchFamily="2" charset="0"/>
+                <a:cs typeface="Arial" panose="020B0604020202020204" pitchFamily="34" charset="0"/>
+              </a:rPr>
+              <a:t>.</a:t>
+            </a:r>
           </a:p>
         </p:txBody>
       </p:sp>
@@ -9255,7 +9261,7 @@
               <a:buChar char="ü"/>
             </a:pPr>
             <a:r>
-              <a:rPr lang="en-US" sz="2400">
+              <a:rPr lang="en-US" sz="2400" dirty="0" err="1">
                 <a:solidFill>
                   <a:schemeClr val="tx1">
                     <a:lumMod val="50000"/>
@@ -9386,15 +9392,18 @@
               </a:rPr>
               <a:t>mặt</a:t>
             </a:r>
-            <a:endParaRPr lang="en-US" sz="2400" dirty="0">
-              <a:solidFill>
-                <a:schemeClr val="tx1">
-                  <a:lumMod val="50000"/>
-                </a:schemeClr>
-              </a:solidFill>
-              <a:ea typeface="SF Pro Semibold" pitchFamily="2" charset="0"/>
-              <a:cs typeface="Arial" panose="020B0604020202020204" pitchFamily="34" charset="0"/>
-            </a:endParaRPr>
+            <a:r>
+              <a:rPr lang="en-US" sz="2400" dirty="0">
+                <a:solidFill>
+                  <a:schemeClr val="tx1">
+                    <a:lumMod val="50000"/>
+                  </a:schemeClr>
+                </a:solidFill>
+                <a:ea typeface="SF Pro Semibold" pitchFamily="2" charset="0"/>
+                <a:cs typeface="Arial" panose="020B0604020202020204" pitchFamily="34" charset="0"/>
+              </a:rPr>
+              <a:t>.</a:t>
+            </a:r>
           </a:p>
         </p:txBody>
       </p:sp>
